--- a/액션&경영 RPG/스킬/리트루기아_부채스킬기획.pptx
+++ b/액션&경영 RPG/스킬/리트루기아_부채스킬기획.pptx
@@ -6,7 +6,10 @@
   </p:sldMasterIdLst>
   <p:sldIdLst>
     <p:sldId id="256" r:id="rId2"/>
-    <p:sldId id="257" r:id="rId3"/>
+    <p:sldId id="258" r:id="rId3"/>
+    <p:sldId id="261" r:id="rId4"/>
+    <p:sldId id="262" r:id="rId5"/>
+    <p:sldId id="257" r:id="rId6"/>
   </p:sldIdLst>
   <p:sldSz cx="12192000" cy="6858000"/>
   <p:notesSz cx="6858000" cy="9144000"/>
@@ -105,6 +108,11 @@
       </a:defRPr>
     </a:lvl9pPr>
   </p:defaultTextStyle>
+  <p:extLst>
+    <p:ext uri="{EFAFB233-063F-42B5-8137-9DF3F51BA10A}">
+      <p15:sldGuideLst xmlns:p15="http://schemas.microsoft.com/office/powerpoint/2012/main"/>
+    </p:ext>
+  </p:extLst>
 </p:presentation>
 </file>
 
@@ -255,7 +263,7 @@
           <a:p>
             <a:fld id="{F8ADF8F0-391E-4C28-B3EC-FA94B0B80675}" type="datetimeFigureOut">
               <a:rPr lang="ko-KR" altLang="en-US" smtClean="0"/>
-              <a:t>2024-09-03</a:t>
+              <a:t>2024-09-04</a:t>
             </a:fld>
             <a:endParaRPr lang="ko-KR" altLang="en-US"/>
           </a:p>
@@ -453,7 +461,7 @@
           <a:p>
             <a:fld id="{F8ADF8F0-391E-4C28-B3EC-FA94B0B80675}" type="datetimeFigureOut">
               <a:rPr lang="ko-KR" altLang="en-US" smtClean="0"/>
-              <a:t>2024-09-03</a:t>
+              <a:t>2024-09-04</a:t>
             </a:fld>
             <a:endParaRPr lang="ko-KR" altLang="en-US"/>
           </a:p>
@@ -661,7 +669,7 @@
           <a:p>
             <a:fld id="{F8ADF8F0-391E-4C28-B3EC-FA94B0B80675}" type="datetimeFigureOut">
               <a:rPr lang="ko-KR" altLang="en-US" smtClean="0"/>
-              <a:t>2024-09-03</a:t>
+              <a:t>2024-09-04</a:t>
             </a:fld>
             <a:endParaRPr lang="ko-KR" altLang="en-US"/>
           </a:p>
@@ -859,7 +867,7 @@
           <a:p>
             <a:fld id="{F8ADF8F0-391E-4C28-B3EC-FA94B0B80675}" type="datetimeFigureOut">
               <a:rPr lang="ko-KR" altLang="en-US" smtClean="0"/>
-              <a:t>2024-09-03</a:t>
+              <a:t>2024-09-04</a:t>
             </a:fld>
             <a:endParaRPr lang="ko-KR" altLang="en-US"/>
           </a:p>
@@ -1134,7 +1142,7 @@
           <a:p>
             <a:fld id="{F8ADF8F0-391E-4C28-B3EC-FA94B0B80675}" type="datetimeFigureOut">
               <a:rPr lang="ko-KR" altLang="en-US" smtClean="0"/>
-              <a:t>2024-09-03</a:t>
+              <a:t>2024-09-04</a:t>
             </a:fld>
             <a:endParaRPr lang="ko-KR" altLang="en-US"/>
           </a:p>
@@ -1399,7 +1407,7 @@
           <a:p>
             <a:fld id="{F8ADF8F0-391E-4C28-B3EC-FA94B0B80675}" type="datetimeFigureOut">
               <a:rPr lang="ko-KR" altLang="en-US" smtClean="0"/>
-              <a:t>2024-09-03</a:t>
+              <a:t>2024-09-04</a:t>
             </a:fld>
             <a:endParaRPr lang="ko-KR" altLang="en-US"/>
           </a:p>
@@ -1811,7 +1819,7 @@
           <a:p>
             <a:fld id="{F8ADF8F0-391E-4C28-B3EC-FA94B0B80675}" type="datetimeFigureOut">
               <a:rPr lang="ko-KR" altLang="en-US" smtClean="0"/>
-              <a:t>2024-09-03</a:t>
+              <a:t>2024-09-04</a:t>
             </a:fld>
             <a:endParaRPr lang="ko-KR" altLang="en-US"/>
           </a:p>
@@ -1952,7 +1960,7 @@
           <a:p>
             <a:fld id="{F8ADF8F0-391E-4C28-B3EC-FA94B0B80675}" type="datetimeFigureOut">
               <a:rPr lang="ko-KR" altLang="en-US" smtClean="0"/>
-              <a:t>2024-09-03</a:t>
+              <a:t>2024-09-04</a:t>
             </a:fld>
             <a:endParaRPr lang="ko-KR" altLang="en-US"/>
           </a:p>
@@ -2065,7 +2073,7 @@
           <a:p>
             <a:fld id="{F8ADF8F0-391E-4C28-B3EC-FA94B0B80675}" type="datetimeFigureOut">
               <a:rPr lang="ko-KR" altLang="en-US" smtClean="0"/>
-              <a:t>2024-09-03</a:t>
+              <a:t>2024-09-04</a:t>
             </a:fld>
             <a:endParaRPr lang="ko-KR" altLang="en-US"/>
           </a:p>
@@ -2376,7 +2384,7 @@
           <a:p>
             <a:fld id="{F8ADF8F0-391E-4C28-B3EC-FA94B0B80675}" type="datetimeFigureOut">
               <a:rPr lang="ko-KR" altLang="en-US" smtClean="0"/>
-              <a:t>2024-09-03</a:t>
+              <a:t>2024-09-04</a:t>
             </a:fld>
             <a:endParaRPr lang="ko-KR" altLang="en-US"/>
           </a:p>
@@ -2664,7 +2672,7 @@
           <a:p>
             <a:fld id="{F8ADF8F0-391E-4C28-B3EC-FA94B0B80675}" type="datetimeFigureOut">
               <a:rPr lang="ko-KR" altLang="en-US" smtClean="0"/>
-              <a:t>2024-09-03</a:t>
+              <a:t>2024-09-04</a:t>
             </a:fld>
             <a:endParaRPr lang="ko-KR" altLang="en-US"/>
           </a:p>
@@ -2905,7 +2913,7 @@
           <a:p>
             <a:fld id="{F8ADF8F0-391E-4C28-B3EC-FA94B0B80675}" type="datetimeFigureOut">
               <a:rPr lang="ko-KR" altLang="en-US" smtClean="0"/>
-              <a:t>2024-09-03</a:t>
+              <a:t>2024-09-04</a:t>
             </a:fld>
             <a:endParaRPr lang="ko-KR" altLang="en-US"/>
           </a:p>
@@ -3324,59 +3332,6 @@
       </p:grpSpPr>
       <p:sp>
         <p:nvSpPr>
-          <p:cNvPr id="4" name="TextBox 3">
-            <a:extLst>
-              <a:ext uri="{FF2B5EF4-FFF2-40B4-BE49-F238E27FC236}">
-                <a16:creationId xmlns:a16="http://schemas.microsoft.com/office/drawing/2014/main" id="{8E51759F-F2E0-E9AE-AD6E-4C26853626DB}"/>
-              </a:ext>
-            </a:extLst>
-          </p:cNvPr>
-          <p:cNvSpPr txBox="1"/>
-          <p:nvPr/>
-        </p:nvSpPr>
-        <p:spPr>
-          <a:xfrm>
-            <a:off x="1256708" y="1304342"/>
-            <a:ext cx="3005951" cy="1323439"/>
-          </a:xfrm>
-          <a:prstGeom prst="rect">
-            <a:avLst/>
-          </a:prstGeom>
-          <a:noFill/>
-        </p:spPr>
-        <p:txBody>
-          <a:bodyPr wrap="none" rtlCol="0">
-            <a:spAutoFit/>
-          </a:bodyPr>
-          <a:lstStyle/>
-          <a:p>
-            <a:pPr algn="ctr"/>
-            <a:r>
-              <a:rPr lang="ko-KR" altLang="en-US" sz="4400" b="1" dirty="0" err="1">
-                <a:effectLst/>
-              </a:rPr>
-              <a:t>리트루기아</a:t>
-            </a:r>
-            <a:endParaRPr lang="en-US" altLang="ko-KR" sz="4400" b="1" dirty="0">
-              <a:effectLst/>
-            </a:endParaRPr>
-          </a:p>
-          <a:p>
-            <a:pPr algn="ctr"/>
-            <a:endParaRPr lang="en-US" altLang="ko-KR" sz="1200" b="1" dirty="0"/>
-          </a:p>
-          <a:p>
-            <a:pPr algn="ctr"/>
-            <a:r>
-              <a:rPr lang="ko-KR" altLang="en-US" sz="2400" b="1" dirty="0"/>
-              <a:t>부채 스킬 기획서</a:t>
-            </a:r>
-            <a:endParaRPr lang="en-US" altLang="ko-KR" sz="2400" b="1" dirty="0"/>
-          </a:p>
-        </p:txBody>
-      </p:sp>
-      <p:sp>
-        <p:nvSpPr>
           <p:cNvPr id="8" name="직사각형 7">
             <a:extLst>
               <a:ext uri="{FF2B5EF4-FFF2-40B4-BE49-F238E27FC236}">
@@ -3397,8 +3352,7 @@
           </a:prstGeom>
           <a:solidFill>
             <a:schemeClr val="accent4">
-              <a:lumMod val="60000"/>
-              <a:lumOff val="40000"/>
+              <a:lumMod val="75000"/>
             </a:schemeClr>
           </a:solidFill>
           <a:ln>
@@ -3430,42 +3384,223 @@
           </a:p>
         </p:txBody>
       </p:sp>
-      <p:pic>
-        <p:nvPicPr>
-          <p:cNvPr id="7" name="그림 6" descr="인간의 얼굴, 사람, 의류, 만화 영화이(가) 표시된 사진&#10;&#10;자동 생성된 설명">
-            <a:extLst>
-              <a:ext uri="{FF2B5EF4-FFF2-40B4-BE49-F238E27FC236}">
-                <a16:creationId xmlns:a16="http://schemas.microsoft.com/office/drawing/2014/main" id="{C5679300-6A63-4F5F-4F17-6F86ABAF3B81}"/>
-              </a:ext>
-            </a:extLst>
-          </p:cNvPr>
-          <p:cNvPicPr>
-            <a:picLocks noChangeAspect="1"/>
-          </p:cNvPicPr>
+      <p:grpSp>
+        <p:nvGrpSpPr>
+          <p:cNvPr id="6" name="그룹 5">
+            <a:extLst>
+              <a:ext uri="{FF2B5EF4-FFF2-40B4-BE49-F238E27FC236}">
+                <a16:creationId xmlns:a16="http://schemas.microsoft.com/office/drawing/2014/main" id="{800657C6-3E2F-4D10-B043-3D81146DF443}"/>
+              </a:ext>
+            </a:extLst>
+          </p:cNvPr>
+          <p:cNvGrpSpPr/>
           <p:nvPr/>
-        </p:nvPicPr>
-        <p:blipFill>
-          <a:blip r:embed="rId2">
-            <a:extLst>
-              <a:ext uri="{28A0092B-C50C-407E-A947-70E740481C1C}">
-                <a14:useLocalDpi xmlns:a14="http://schemas.microsoft.com/office/drawing/2010/main" val="0"/>
-              </a:ext>
-            </a:extLst>
-          </a:blip>
-          <a:stretch>
-            <a:fillRect/>
-          </a:stretch>
-        </p:blipFill>
+        </p:nvGrpSpPr>
+        <p:grpSpPr>
+          <a:xfrm>
+            <a:off x="4593024" y="2626261"/>
+            <a:ext cx="3005951" cy="1323439"/>
+            <a:chOff x="4593024" y="2105561"/>
+            <a:chExt cx="3005951" cy="1323439"/>
+          </a:xfrm>
+        </p:grpSpPr>
+        <p:sp>
+          <p:nvSpPr>
+            <p:cNvPr id="4" name="TextBox 3">
+              <a:extLst>
+                <a:ext uri="{FF2B5EF4-FFF2-40B4-BE49-F238E27FC236}">
+                  <a16:creationId xmlns:a16="http://schemas.microsoft.com/office/drawing/2014/main" id="{8E51759F-F2E0-E9AE-AD6E-4C26853626DB}"/>
+                </a:ext>
+              </a:extLst>
+            </p:cNvPr>
+            <p:cNvSpPr txBox="1"/>
+            <p:nvPr/>
+          </p:nvSpPr>
+          <p:spPr>
+            <a:xfrm>
+              <a:off x="4593024" y="2105561"/>
+              <a:ext cx="3005951" cy="1323439"/>
+            </a:xfrm>
+            <a:prstGeom prst="rect">
+              <a:avLst/>
+            </a:prstGeom>
+            <a:noFill/>
+          </p:spPr>
+          <p:txBody>
+            <a:bodyPr wrap="none" rtlCol="0">
+              <a:spAutoFit/>
+            </a:bodyPr>
+            <a:lstStyle/>
+            <a:p>
+              <a:pPr algn="ctr"/>
+              <a:r>
+                <a:rPr lang="ko-KR" altLang="en-US" sz="4400" b="1" dirty="0" err="1">
+                  <a:effectLst/>
+                </a:rPr>
+                <a:t>리트루기아</a:t>
+              </a:r>
+              <a:endParaRPr lang="en-US" altLang="ko-KR" sz="4400" b="1" dirty="0">
+                <a:effectLst/>
+              </a:endParaRPr>
+            </a:p>
+            <a:p>
+              <a:pPr algn="ctr"/>
+              <a:endParaRPr lang="en-US" altLang="ko-KR" sz="1200" b="1" dirty="0"/>
+            </a:p>
+            <a:p>
+              <a:pPr algn="ctr"/>
+              <a:r>
+                <a:rPr lang="ko-KR" altLang="en-US" sz="2400" b="1" dirty="0"/>
+                <a:t>부채 스킬 기획서</a:t>
+              </a:r>
+              <a:endParaRPr lang="en-US" altLang="ko-KR" sz="2400" b="1" dirty="0"/>
+            </a:p>
+          </p:txBody>
+        </p:sp>
+        <p:cxnSp>
+          <p:nvCxnSpPr>
+            <p:cNvPr id="3" name="직선 연결선 2">
+              <a:extLst>
+                <a:ext uri="{FF2B5EF4-FFF2-40B4-BE49-F238E27FC236}">
+                  <a16:creationId xmlns:a16="http://schemas.microsoft.com/office/drawing/2014/main" id="{3C015724-7604-4C03-A078-426C4899A347}"/>
+                </a:ext>
+              </a:extLst>
+            </p:cNvPr>
+            <p:cNvCxnSpPr>
+              <a:cxnSpLocks/>
+            </p:cNvCxnSpPr>
+            <p:nvPr/>
+          </p:nvCxnSpPr>
+          <p:spPr>
+            <a:xfrm>
+              <a:off x="4593024" y="2881581"/>
+              <a:ext cx="3005951" cy="0"/>
+            </a:xfrm>
+            <a:prstGeom prst="line">
+              <a:avLst/>
+            </a:prstGeom>
+            <a:ln w="38100">
+              <a:solidFill>
+                <a:schemeClr val="accent4">
+                  <a:lumMod val="75000"/>
+                </a:schemeClr>
+              </a:solidFill>
+            </a:ln>
+          </p:spPr>
+          <p:style>
+            <a:lnRef idx="2">
+              <a:schemeClr val="accent1"/>
+            </a:lnRef>
+            <a:fillRef idx="0">
+              <a:schemeClr val="accent1"/>
+            </a:fillRef>
+            <a:effectRef idx="1">
+              <a:schemeClr val="accent1"/>
+            </a:effectRef>
+            <a:fontRef idx="minor">
+              <a:schemeClr val="tx1"/>
+            </a:fontRef>
+          </p:style>
+        </p:cxnSp>
+      </p:grpSp>
+      <p:sp>
+        <p:nvSpPr>
+          <p:cNvPr id="5" name="TextBox 4">
+            <a:extLst>
+              <a:ext uri="{FF2B5EF4-FFF2-40B4-BE49-F238E27FC236}">
+                <a16:creationId xmlns:a16="http://schemas.microsoft.com/office/drawing/2014/main" id="{1CA8BB35-6435-4571-86DA-47DA17A914D3}"/>
+              </a:ext>
+            </a:extLst>
+          </p:cNvPr>
+          <p:cNvSpPr txBox="1"/>
+          <p:nvPr/>
+        </p:nvSpPr>
         <p:spPr>
           <a:xfrm>
-            <a:off x="6312310" y="2067232"/>
-            <a:ext cx="5210175" cy="4343400"/>
+            <a:off x="10081011" y="5922814"/>
+            <a:ext cx="1364476" cy="307777"/>
           </a:xfrm>
           <a:prstGeom prst="rect">
             <a:avLst/>
           </a:prstGeom>
+          <a:noFill/>
         </p:spPr>
-      </p:pic>
+        <p:txBody>
+          <a:bodyPr wrap="none" rtlCol="0">
+            <a:spAutoFit/>
+          </a:bodyPr>
+          <a:lstStyle/>
+          <a:p>
+            <a:pPr algn="ctr"/>
+            <a:r>
+              <a:rPr lang="ko-KR" altLang="en-US" sz="1400" dirty="0"/>
+              <a:t>작성자</a:t>
+            </a:r>
+            <a:r>
+              <a:rPr lang="en-US" altLang="ko-KR" sz="1400" dirty="0"/>
+              <a:t>: </a:t>
+            </a:r>
+            <a:r>
+              <a:rPr lang="ko-KR" altLang="en-US" sz="1400" dirty="0"/>
+              <a:t>홍진선</a:t>
+            </a:r>
+          </a:p>
+        </p:txBody>
+      </p:sp>
+      <p:sp>
+        <p:nvSpPr>
+          <p:cNvPr id="9" name="직사각형 8">
+            <a:extLst>
+              <a:ext uri="{FF2B5EF4-FFF2-40B4-BE49-F238E27FC236}">
+                <a16:creationId xmlns:a16="http://schemas.microsoft.com/office/drawing/2014/main" id="{CC2BC887-81E6-491F-9E64-3AA1488BA13B}"/>
+              </a:ext>
+            </a:extLst>
+          </p:cNvPr>
+          <p:cNvSpPr/>
+          <p:nvPr/>
+        </p:nvSpPr>
+        <p:spPr>
+          <a:xfrm>
+            <a:off x="0" y="0"/>
+            <a:ext cx="12192000" cy="447368"/>
+          </a:xfrm>
+          <a:prstGeom prst="rect">
+            <a:avLst/>
+          </a:prstGeom>
+          <a:solidFill>
+            <a:schemeClr val="accent4">
+              <a:lumMod val="75000"/>
+            </a:schemeClr>
+          </a:solidFill>
+          <a:ln>
+            <a:noFill/>
+          </a:ln>
+        </p:spPr>
+        <p:style>
+          <a:lnRef idx="2">
+            <a:schemeClr val="dk1">
+              <a:shade val="15000"/>
+            </a:schemeClr>
+          </a:lnRef>
+          <a:fillRef idx="1">
+            <a:schemeClr val="dk1"/>
+          </a:fillRef>
+          <a:effectRef idx="0">
+            <a:schemeClr val="dk1"/>
+          </a:effectRef>
+          <a:fontRef idx="minor">
+            <a:schemeClr val="lt1"/>
+          </a:fontRef>
+        </p:style>
+        <p:txBody>
+          <a:bodyPr rtlCol="0" anchor="ctr"/>
+          <a:lstStyle/>
+          <a:p>
+            <a:pPr algn="ctr"/>
+            <a:endParaRPr lang="ko-KR" altLang="en-US"/>
+          </a:p>
+        </p:txBody>
+      </p:sp>
     </p:spTree>
     <p:extLst>
       <p:ext uri="{BB962C8B-B14F-4D97-AF65-F5344CB8AC3E}">
@@ -3511,19 +3646,22 @@
         <p:spPr>
           <a:xfrm>
             <a:off x="-1" y="0"/>
-            <a:ext cx="1396181" cy="6858000"/>
+            <a:ext cx="264862" cy="594777"/>
           </a:xfrm>
           <a:prstGeom prst="rect">
             <a:avLst/>
           </a:prstGeom>
           <a:solidFill>
             <a:schemeClr val="accent4">
-              <a:lumMod val="60000"/>
-              <a:lumOff val="40000"/>
+              <a:lumMod val="75000"/>
             </a:schemeClr>
           </a:solidFill>
-          <a:ln>
-            <a:noFill/>
+          <a:ln w="28575">
+            <a:solidFill>
+              <a:schemeClr val="accent4">
+                <a:lumMod val="75000"/>
+              </a:schemeClr>
+            </a:solidFill>
           </a:ln>
         </p:spPr>
         <p:style>
@@ -3551,6 +3689,1764 @@
           </a:p>
         </p:txBody>
       </p:sp>
+      <p:sp>
+        <p:nvSpPr>
+          <p:cNvPr id="8" name="TextBox 7">
+            <a:extLst>
+              <a:ext uri="{FF2B5EF4-FFF2-40B4-BE49-F238E27FC236}">
+                <a16:creationId xmlns:a16="http://schemas.microsoft.com/office/drawing/2014/main" id="{B651D125-2F60-40C5-B6BF-F5DC1826693C}"/>
+              </a:ext>
+            </a:extLst>
+          </p:cNvPr>
+          <p:cNvSpPr txBox="1"/>
+          <p:nvPr/>
+        </p:nvSpPr>
+        <p:spPr>
+          <a:xfrm>
+            <a:off x="1238250" y="1603771"/>
+            <a:ext cx="1311578" cy="2462213"/>
+          </a:xfrm>
+          <a:prstGeom prst="rect">
+            <a:avLst/>
+          </a:prstGeom>
+          <a:noFill/>
+        </p:spPr>
+        <p:txBody>
+          <a:bodyPr wrap="none" rtlCol="0">
+            <a:spAutoFit/>
+          </a:bodyPr>
+          <a:lstStyle/>
+          <a:p>
+            <a:pPr marL="342900" indent="-342900">
+              <a:buAutoNum type="arabicPeriod"/>
+            </a:pPr>
+            <a:r>
+              <a:rPr lang="ko-KR" altLang="en-US" sz="1400" b="1" dirty="0">
+                <a:effectLst/>
+              </a:rPr>
+              <a:t>기획 의도</a:t>
+            </a:r>
+            <a:endParaRPr lang="en-US" altLang="ko-KR" sz="1400" b="1" dirty="0">
+              <a:effectLst/>
+            </a:endParaRPr>
+          </a:p>
+          <a:p>
+            <a:pPr marL="342900" indent="-342900">
+              <a:buAutoNum type="arabicPeriod"/>
+            </a:pPr>
+            <a:endParaRPr lang="en-US" altLang="ko-KR" sz="1400" b="1" dirty="0"/>
+          </a:p>
+          <a:p>
+            <a:pPr marL="342900" indent="-342900">
+              <a:buAutoNum type="arabicPeriod"/>
+            </a:pPr>
+            <a:endParaRPr lang="en-US" altLang="ko-KR" sz="1400" b="1" dirty="0"/>
+          </a:p>
+          <a:p>
+            <a:pPr marL="342900" indent="-342900">
+              <a:buAutoNum type="arabicPeriod"/>
+            </a:pPr>
+            <a:r>
+              <a:rPr lang="ko-KR" altLang="en-US" sz="1400" b="1" dirty="0">
+                <a:effectLst/>
+              </a:rPr>
+              <a:t>무기 소개</a:t>
+            </a:r>
+            <a:endParaRPr lang="en-US" altLang="ko-KR" sz="1400" b="1" dirty="0">
+              <a:effectLst/>
+            </a:endParaRPr>
+          </a:p>
+          <a:p>
+            <a:pPr marL="342900" indent="-342900">
+              <a:buAutoNum type="arabicPeriod"/>
+            </a:pPr>
+            <a:endParaRPr lang="en-US" altLang="ko-KR" sz="1400" b="1" dirty="0"/>
+          </a:p>
+          <a:p>
+            <a:pPr marL="342900" indent="-342900">
+              <a:buAutoNum type="arabicPeriod"/>
+            </a:pPr>
+            <a:endParaRPr lang="en-US" altLang="ko-KR" sz="1400" b="1" dirty="0"/>
+          </a:p>
+          <a:p>
+            <a:pPr marL="342900" indent="-342900">
+              <a:buAutoNum type="arabicPeriod"/>
+            </a:pPr>
+            <a:r>
+              <a:rPr lang="ko-KR" altLang="en-US" sz="1400" b="1" dirty="0">
+                <a:effectLst/>
+              </a:rPr>
+              <a:t>기본 모션</a:t>
+            </a:r>
+            <a:endParaRPr lang="en-US" altLang="ko-KR" sz="1400" b="1" dirty="0">
+              <a:effectLst/>
+            </a:endParaRPr>
+          </a:p>
+          <a:p>
+            <a:pPr marL="342900" indent="-342900">
+              <a:buAutoNum type="arabicPeriod"/>
+            </a:pPr>
+            <a:endParaRPr lang="en-US" altLang="ko-KR" sz="1400" b="1" dirty="0"/>
+          </a:p>
+          <a:p>
+            <a:pPr marL="342900" indent="-342900">
+              <a:buAutoNum type="arabicPeriod"/>
+            </a:pPr>
+            <a:endParaRPr lang="en-US" altLang="ko-KR" sz="1400" b="1" dirty="0"/>
+          </a:p>
+          <a:p>
+            <a:pPr marL="342900" indent="-342900">
+              <a:buAutoNum type="arabicPeriod"/>
+            </a:pPr>
+            <a:r>
+              <a:rPr lang="ko-KR" altLang="en-US" sz="1400" b="1" dirty="0">
+                <a:effectLst/>
+              </a:rPr>
+              <a:t>스킬</a:t>
+            </a:r>
+            <a:endParaRPr lang="en-US" altLang="ko-KR" sz="1400" b="1" dirty="0">
+              <a:effectLst/>
+            </a:endParaRPr>
+          </a:p>
+          <a:p>
+            <a:pPr marL="342900" indent="-342900">
+              <a:buAutoNum type="arabicPeriod"/>
+            </a:pPr>
+            <a:endParaRPr lang="en-US" altLang="ko-KR" sz="1400" b="1" dirty="0">
+              <a:effectLst/>
+            </a:endParaRPr>
+          </a:p>
+        </p:txBody>
+      </p:sp>
+      <p:sp>
+        <p:nvSpPr>
+          <p:cNvPr id="10" name="TextBox 9">
+            <a:extLst>
+              <a:ext uri="{FF2B5EF4-FFF2-40B4-BE49-F238E27FC236}">
+                <a16:creationId xmlns:a16="http://schemas.microsoft.com/office/drawing/2014/main" id="{0CA464CE-3975-4676-AAF2-4C87710F1EC3}"/>
+              </a:ext>
+            </a:extLst>
+          </p:cNvPr>
+          <p:cNvSpPr txBox="1"/>
+          <p:nvPr/>
+        </p:nvSpPr>
+        <p:spPr>
+          <a:xfrm>
+            <a:off x="685800" y="256223"/>
+            <a:ext cx="595035" cy="338554"/>
+          </a:xfrm>
+          <a:prstGeom prst="rect">
+            <a:avLst/>
+          </a:prstGeom>
+          <a:noFill/>
+        </p:spPr>
+        <p:txBody>
+          <a:bodyPr wrap="none" rtlCol="0">
+            <a:spAutoFit/>
+          </a:bodyPr>
+          <a:lstStyle/>
+          <a:p>
+            <a:pPr algn="ctr"/>
+            <a:r>
+              <a:rPr lang="ko-KR" altLang="en-US" sz="1600" b="1" dirty="0">
+                <a:effectLst/>
+              </a:rPr>
+              <a:t>목차</a:t>
+            </a:r>
+            <a:endParaRPr lang="en-US" altLang="ko-KR" sz="1600" b="1" dirty="0">
+              <a:effectLst/>
+            </a:endParaRPr>
+          </a:p>
+        </p:txBody>
+      </p:sp>
+      <p:cxnSp>
+        <p:nvCxnSpPr>
+          <p:cNvPr id="12" name="직선 연결선 11">
+            <a:extLst>
+              <a:ext uri="{FF2B5EF4-FFF2-40B4-BE49-F238E27FC236}">
+                <a16:creationId xmlns:a16="http://schemas.microsoft.com/office/drawing/2014/main" id="{2BFC5E05-877F-44AE-BCEF-96FE35E6B2FA}"/>
+              </a:ext>
+            </a:extLst>
+          </p:cNvPr>
+          <p:cNvCxnSpPr>
+            <a:cxnSpLocks/>
+          </p:cNvCxnSpPr>
+          <p:nvPr/>
+        </p:nvCxnSpPr>
+        <p:spPr>
+          <a:xfrm flipH="1">
+            <a:off x="685800" y="594777"/>
+            <a:ext cx="11497793" cy="0"/>
+          </a:xfrm>
+          <a:prstGeom prst="line">
+            <a:avLst/>
+          </a:prstGeom>
+          <a:ln w="28575">
+            <a:solidFill>
+              <a:schemeClr val="accent4">
+                <a:lumMod val="75000"/>
+              </a:schemeClr>
+            </a:solidFill>
+          </a:ln>
+        </p:spPr>
+        <p:style>
+          <a:lnRef idx="2">
+            <a:schemeClr val="accent1"/>
+          </a:lnRef>
+          <a:fillRef idx="0">
+            <a:schemeClr val="accent1"/>
+          </a:fillRef>
+          <a:effectRef idx="1">
+            <a:schemeClr val="accent1"/>
+          </a:effectRef>
+          <a:fontRef idx="minor">
+            <a:schemeClr val="tx1"/>
+          </a:fontRef>
+        </p:style>
+      </p:cxnSp>
+    </p:spTree>
+    <p:extLst>
+      <p:ext uri="{BB962C8B-B14F-4D97-AF65-F5344CB8AC3E}">
+        <p14:creationId xmlns:p14="http://schemas.microsoft.com/office/powerpoint/2010/main" val="3528853622"/>
+      </p:ext>
+    </p:extLst>
+  </p:cSld>
+  <p:clrMapOvr>
+    <a:masterClrMapping/>
+  </p:clrMapOvr>
+</p:sld>
+</file>
+
+<file path=ppt/slides/slide3.xml><?xml version="1.0" encoding="utf-8"?>
+<p:sld xmlns:a="http://schemas.openxmlformats.org/drawingml/2006/main" xmlns:r="http://schemas.openxmlformats.org/officeDocument/2006/relationships" xmlns:p="http://schemas.openxmlformats.org/presentationml/2006/main">
+  <p:cSld>
+    <p:spTree>
+      <p:nvGrpSpPr>
+        <p:cNvPr id="1" name=""/>
+        <p:cNvGrpSpPr/>
+        <p:nvPr/>
+      </p:nvGrpSpPr>
+      <p:grpSpPr>
+        <a:xfrm>
+          <a:off x="0" y="0"/>
+          <a:ext cx="0" cy="0"/>
+          <a:chOff x="0" y="0"/>
+          <a:chExt cx="0" cy="0"/>
+        </a:xfrm>
+      </p:grpSpPr>
+      <p:grpSp>
+        <p:nvGrpSpPr>
+          <p:cNvPr id="42" name="그룹 41">
+            <a:extLst>
+              <a:ext uri="{FF2B5EF4-FFF2-40B4-BE49-F238E27FC236}">
+                <a16:creationId xmlns:a16="http://schemas.microsoft.com/office/drawing/2014/main" id="{42655F23-37B8-4AFA-B33E-136378ECAF83}"/>
+              </a:ext>
+            </a:extLst>
+          </p:cNvPr>
+          <p:cNvGrpSpPr/>
+          <p:nvPr/>
+        </p:nvGrpSpPr>
+        <p:grpSpPr>
+          <a:xfrm>
+            <a:off x="3506012" y="181080"/>
+            <a:ext cx="1600200" cy="403080"/>
+            <a:chOff x="4391025" y="108202"/>
+            <a:chExt cx="1600200" cy="524755"/>
+          </a:xfrm>
+          <a:solidFill>
+            <a:schemeClr val="bg1">
+              <a:lumMod val="95000"/>
+            </a:schemeClr>
+          </a:solidFill>
+        </p:grpSpPr>
+        <p:sp>
+          <p:nvSpPr>
+            <p:cNvPr id="44" name="평행 사변형 43">
+              <a:extLst>
+                <a:ext uri="{FF2B5EF4-FFF2-40B4-BE49-F238E27FC236}">
+                  <a16:creationId xmlns:a16="http://schemas.microsoft.com/office/drawing/2014/main" id="{CDB45949-2375-4698-8757-5E1F490E8367}"/>
+                </a:ext>
+              </a:extLst>
+            </p:cNvPr>
+            <p:cNvSpPr/>
+            <p:nvPr/>
+          </p:nvSpPr>
+          <p:spPr>
+            <a:xfrm>
+              <a:off x="4391025" y="108202"/>
+              <a:ext cx="1600200" cy="524755"/>
+            </a:xfrm>
+            <a:prstGeom prst="parallelogram">
+              <a:avLst>
+                <a:gd name="adj" fmla="val 49299"/>
+              </a:avLst>
+            </a:prstGeom>
+            <a:grpFill/>
+            <a:ln>
+              <a:noFill/>
+            </a:ln>
+          </p:spPr>
+          <p:style>
+            <a:lnRef idx="2">
+              <a:schemeClr val="accent1">
+                <a:shade val="50000"/>
+              </a:schemeClr>
+            </a:lnRef>
+            <a:fillRef idx="1">
+              <a:schemeClr val="accent1"/>
+            </a:fillRef>
+            <a:effectRef idx="0">
+              <a:schemeClr val="accent1"/>
+            </a:effectRef>
+            <a:fontRef idx="minor">
+              <a:schemeClr val="lt1"/>
+            </a:fontRef>
+          </p:style>
+          <p:txBody>
+            <a:bodyPr rtlCol="0" anchor="ctr"/>
+            <a:lstStyle/>
+            <a:p>
+              <a:pPr algn="ctr"/>
+              <a:endParaRPr lang="ko-KR" altLang="en-US">
+                <a:solidFill>
+                  <a:schemeClr val="bg1">
+                    <a:lumMod val="50000"/>
+                  </a:schemeClr>
+                </a:solidFill>
+              </a:endParaRPr>
+            </a:p>
+          </p:txBody>
+        </p:sp>
+        <p:sp>
+          <p:nvSpPr>
+            <p:cNvPr id="45" name="TextBox 44">
+              <a:extLst>
+                <a:ext uri="{FF2B5EF4-FFF2-40B4-BE49-F238E27FC236}">
+                  <a16:creationId xmlns:a16="http://schemas.microsoft.com/office/drawing/2014/main" id="{34889474-D76A-48E4-9376-2EF32B706AC9}"/>
+                </a:ext>
+              </a:extLst>
+            </p:cNvPr>
+            <p:cNvSpPr txBox="1"/>
+            <p:nvPr/>
+          </p:nvSpPr>
+          <p:spPr>
+            <a:xfrm>
+              <a:off x="4791817" y="200289"/>
+              <a:ext cx="798617" cy="340580"/>
+            </a:xfrm>
+            <a:prstGeom prst="rect">
+              <a:avLst/>
+            </a:prstGeom>
+            <a:grpFill/>
+          </p:spPr>
+          <p:txBody>
+            <a:bodyPr wrap="none" rtlCol="0">
+              <a:spAutoFit/>
+            </a:bodyPr>
+            <a:lstStyle/>
+            <a:p>
+              <a:r>
+                <a:rPr lang="ko-KR" altLang="en-US" sz="1100" b="1" dirty="0">
+                  <a:solidFill>
+                    <a:schemeClr val="bg1">
+                      <a:lumMod val="50000"/>
+                    </a:schemeClr>
+                  </a:solidFill>
+                  <a:effectLst/>
+                </a:rPr>
+                <a:t>기본 모션</a:t>
+              </a:r>
+              <a:endParaRPr lang="en-US" altLang="ko-KR" sz="1100" b="1" dirty="0">
+                <a:solidFill>
+                  <a:schemeClr val="bg1">
+                    <a:lumMod val="50000"/>
+                  </a:schemeClr>
+                </a:solidFill>
+                <a:effectLst/>
+              </a:endParaRPr>
+            </a:p>
+          </p:txBody>
+        </p:sp>
+      </p:grpSp>
+      <p:grpSp>
+        <p:nvGrpSpPr>
+          <p:cNvPr id="46" name="그룹 45">
+            <a:extLst>
+              <a:ext uri="{FF2B5EF4-FFF2-40B4-BE49-F238E27FC236}">
+                <a16:creationId xmlns:a16="http://schemas.microsoft.com/office/drawing/2014/main" id="{EE51AC58-AF94-4355-BA14-C3F7835900AD}"/>
+              </a:ext>
+            </a:extLst>
+          </p:cNvPr>
+          <p:cNvGrpSpPr/>
+          <p:nvPr/>
+        </p:nvGrpSpPr>
+        <p:grpSpPr>
+          <a:xfrm>
+            <a:off x="5104149" y="181080"/>
+            <a:ext cx="1600200" cy="403080"/>
+            <a:chOff x="4391025" y="108202"/>
+            <a:chExt cx="1600200" cy="524755"/>
+          </a:xfrm>
+          <a:solidFill>
+            <a:schemeClr val="bg1">
+              <a:lumMod val="95000"/>
+            </a:schemeClr>
+          </a:solidFill>
+        </p:grpSpPr>
+        <p:sp>
+          <p:nvSpPr>
+            <p:cNvPr id="47" name="평행 사변형 46">
+              <a:extLst>
+                <a:ext uri="{FF2B5EF4-FFF2-40B4-BE49-F238E27FC236}">
+                  <a16:creationId xmlns:a16="http://schemas.microsoft.com/office/drawing/2014/main" id="{F0DD6F98-F2BB-43FD-9F1C-1BB9287C7433}"/>
+                </a:ext>
+              </a:extLst>
+            </p:cNvPr>
+            <p:cNvSpPr/>
+            <p:nvPr/>
+          </p:nvSpPr>
+          <p:spPr>
+            <a:xfrm>
+              <a:off x="4391025" y="108202"/>
+              <a:ext cx="1600200" cy="524755"/>
+            </a:xfrm>
+            <a:prstGeom prst="parallelogram">
+              <a:avLst>
+                <a:gd name="adj" fmla="val 49299"/>
+              </a:avLst>
+            </a:prstGeom>
+            <a:grpFill/>
+            <a:ln>
+              <a:noFill/>
+            </a:ln>
+          </p:spPr>
+          <p:style>
+            <a:lnRef idx="2">
+              <a:schemeClr val="accent1">
+                <a:shade val="50000"/>
+              </a:schemeClr>
+            </a:lnRef>
+            <a:fillRef idx="1">
+              <a:schemeClr val="accent1"/>
+            </a:fillRef>
+            <a:effectRef idx="0">
+              <a:schemeClr val="accent1"/>
+            </a:effectRef>
+            <a:fontRef idx="minor">
+              <a:schemeClr val="lt1"/>
+            </a:fontRef>
+          </p:style>
+          <p:txBody>
+            <a:bodyPr rtlCol="0" anchor="ctr"/>
+            <a:lstStyle/>
+            <a:p>
+              <a:pPr algn="ctr"/>
+              <a:endParaRPr lang="ko-KR" altLang="en-US" dirty="0">
+                <a:solidFill>
+                  <a:schemeClr val="bg1">
+                    <a:lumMod val="50000"/>
+                  </a:schemeClr>
+                </a:solidFill>
+              </a:endParaRPr>
+            </a:p>
+          </p:txBody>
+        </p:sp>
+        <p:sp>
+          <p:nvSpPr>
+            <p:cNvPr id="48" name="TextBox 47">
+              <a:extLst>
+                <a:ext uri="{FF2B5EF4-FFF2-40B4-BE49-F238E27FC236}">
+                  <a16:creationId xmlns:a16="http://schemas.microsoft.com/office/drawing/2014/main" id="{F80F3253-C5AC-483B-BAB6-88E57716E386}"/>
+                </a:ext>
+              </a:extLst>
+            </p:cNvPr>
+            <p:cNvSpPr txBox="1"/>
+            <p:nvPr/>
+          </p:nvSpPr>
+          <p:spPr>
+            <a:xfrm>
+              <a:off x="4957728" y="200289"/>
+              <a:ext cx="466794" cy="340580"/>
+            </a:xfrm>
+            <a:prstGeom prst="rect">
+              <a:avLst/>
+            </a:prstGeom>
+            <a:grpFill/>
+          </p:spPr>
+          <p:txBody>
+            <a:bodyPr wrap="none" rtlCol="0">
+              <a:spAutoFit/>
+            </a:bodyPr>
+            <a:lstStyle/>
+            <a:p>
+              <a:r>
+                <a:rPr lang="ko-KR" altLang="en-US" sz="1100" b="1" dirty="0">
+                  <a:solidFill>
+                    <a:schemeClr val="bg1">
+                      <a:lumMod val="50000"/>
+                    </a:schemeClr>
+                  </a:solidFill>
+                  <a:effectLst/>
+                </a:rPr>
+                <a:t>스킬</a:t>
+              </a:r>
+              <a:endParaRPr lang="en-US" altLang="ko-KR" sz="1100" b="1" dirty="0">
+                <a:solidFill>
+                  <a:schemeClr val="bg1">
+                    <a:lumMod val="50000"/>
+                  </a:schemeClr>
+                </a:solidFill>
+                <a:effectLst/>
+              </a:endParaRPr>
+            </a:p>
+          </p:txBody>
+        </p:sp>
+      </p:grpSp>
+      <p:grpSp>
+        <p:nvGrpSpPr>
+          <p:cNvPr id="49" name="그룹 48">
+            <a:extLst>
+              <a:ext uri="{FF2B5EF4-FFF2-40B4-BE49-F238E27FC236}">
+                <a16:creationId xmlns:a16="http://schemas.microsoft.com/office/drawing/2014/main" id="{C22A3464-0356-4B1F-BC32-53F7D0FE6E8B}"/>
+              </a:ext>
+            </a:extLst>
+          </p:cNvPr>
+          <p:cNvGrpSpPr/>
+          <p:nvPr/>
+        </p:nvGrpSpPr>
+        <p:grpSpPr>
+          <a:xfrm>
+            <a:off x="1907875" y="181080"/>
+            <a:ext cx="1600200" cy="403081"/>
+            <a:chOff x="4397331" y="108202"/>
+            <a:chExt cx="1600200" cy="524755"/>
+          </a:xfrm>
+          <a:solidFill>
+            <a:schemeClr val="bg1">
+              <a:lumMod val="95000"/>
+            </a:schemeClr>
+          </a:solidFill>
+        </p:grpSpPr>
+        <p:sp>
+          <p:nvSpPr>
+            <p:cNvPr id="50" name="평행 사변형 49">
+              <a:extLst>
+                <a:ext uri="{FF2B5EF4-FFF2-40B4-BE49-F238E27FC236}">
+                  <a16:creationId xmlns:a16="http://schemas.microsoft.com/office/drawing/2014/main" id="{BFF850DA-4447-4895-914D-5EC2A72633C8}"/>
+                </a:ext>
+              </a:extLst>
+            </p:cNvPr>
+            <p:cNvSpPr/>
+            <p:nvPr/>
+          </p:nvSpPr>
+          <p:spPr>
+            <a:xfrm>
+              <a:off x="4397331" y="108202"/>
+              <a:ext cx="1600200" cy="524755"/>
+            </a:xfrm>
+            <a:prstGeom prst="parallelogram">
+              <a:avLst>
+                <a:gd name="adj" fmla="val 49299"/>
+              </a:avLst>
+            </a:prstGeom>
+            <a:grpFill/>
+            <a:ln>
+              <a:noFill/>
+            </a:ln>
+          </p:spPr>
+          <p:style>
+            <a:lnRef idx="2">
+              <a:schemeClr val="accent1">
+                <a:shade val="50000"/>
+              </a:schemeClr>
+            </a:lnRef>
+            <a:fillRef idx="1">
+              <a:schemeClr val="accent1"/>
+            </a:fillRef>
+            <a:effectRef idx="0">
+              <a:schemeClr val="accent1"/>
+            </a:effectRef>
+            <a:fontRef idx="minor">
+              <a:schemeClr val="lt1"/>
+            </a:fontRef>
+          </p:style>
+          <p:txBody>
+            <a:bodyPr rtlCol="0" anchor="ctr"/>
+            <a:lstStyle/>
+            <a:p>
+              <a:pPr algn="ctr"/>
+              <a:endParaRPr lang="ko-KR" altLang="en-US">
+                <a:solidFill>
+                  <a:schemeClr val="bg1">
+                    <a:lumMod val="50000"/>
+                  </a:schemeClr>
+                </a:solidFill>
+              </a:endParaRPr>
+            </a:p>
+          </p:txBody>
+        </p:sp>
+        <p:sp>
+          <p:nvSpPr>
+            <p:cNvPr id="51" name="TextBox 50">
+              <a:extLst>
+                <a:ext uri="{FF2B5EF4-FFF2-40B4-BE49-F238E27FC236}">
+                  <a16:creationId xmlns:a16="http://schemas.microsoft.com/office/drawing/2014/main" id="{654BA4F5-7770-40D8-BCA2-A2564F6C78D7}"/>
+                </a:ext>
+              </a:extLst>
+            </p:cNvPr>
+            <p:cNvSpPr txBox="1"/>
+            <p:nvPr/>
+          </p:nvSpPr>
+          <p:spPr>
+            <a:xfrm>
+              <a:off x="4791817" y="200289"/>
+              <a:ext cx="798617" cy="340580"/>
+            </a:xfrm>
+            <a:prstGeom prst="rect">
+              <a:avLst/>
+            </a:prstGeom>
+            <a:grpFill/>
+          </p:spPr>
+          <p:txBody>
+            <a:bodyPr wrap="none" rtlCol="0">
+              <a:spAutoFit/>
+            </a:bodyPr>
+            <a:lstStyle/>
+            <a:p>
+              <a:r>
+                <a:rPr lang="ko-KR" altLang="en-US" sz="1100" b="1" dirty="0">
+                  <a:solidFill>
+                    <a:schemeClr val="bg1">
+                      <a:lumMod val="50000"/>
+                    </a:schemeClr>
+                  </a:solidFill>
+                  <a:effectLst/>
+                </a:rPr>
+                <a:t>무기 소개</a:t>
+              </a:r>
+              <a:endParaRPr lang="en-US" altLang="ko-KR" sz="1100" b="1" dirty="0">
+                <a:solidFill>
+                  <a:schemeClr val="bg1">
+                    <a:lumMod val="50000"/>
+                  </a:schemeClr>
+                </a:solidFill>
+                <a:effectLst/>
+              </a:endParaRPr>
+            </a:p>
+          </p:txBody>
+        </p:sp>
+      </p:grpSp>
+      <p:sp>
+        <p:nvSpPr>
+          <p:cNvPr id="16" name="TextBox 15">
+            <a:extLst>
+              <a:ext uri="{FF2B5EF4-FFF2-40B4-BE49-F238E27FC236}">
+                <a16:creationId xmlns:a16="http://schemas.microsoft.com/office/drawing/2014/main" id="{C39179F9-C670-49DD-9B63-20EFFDAAB0AF}"/>
+              </a:ext>
+            </a:extLst>
+          </p:cNvPr>
+          <p:cNvSpPr txBox="1"/>
+          <p:nvPr/>
+        </p:nvSpPr>
+        <p:spPr>
+          <a:xfrm>
+            <a:off x="642701" y="251490"/>
+            <a:ext cx="854721" cy="276999"/>
+          </a:xfrm>
+          <a:prstGeom prst="rect">
+            <a:avLst/>
+          </a:prstGeom>
+          <a:noFill/>
+        </p:spPr>
+        <p:txBody>
+          <a:bodyPr wrap="none" rtlCol="0">
+            <a:spAutoFit/>
+          </a:bodyPr>
+          <a:lstStyle/>
+          <a:p>
+            <a:pPr algn="ctr"/>
+            <a:r>
+              <a:rPr lang="ko-KR" altLang="en-US" sz="1200" b="1" dirty="0">
+                <a:effectLst/>
+              </a:rPr>
+              <a:t>기획 의도</a:t>
+            </a:r>
+            <a:endParaRPr lang="en-US" altLang="ko-KR" sz="1200" b="1" dirty="0">
+              <a:effectLst/>
+            </a:endParaRPr>
+          </a:p>
+        </p:txBody>
+      </p:sp>
+      <p:sp>
+        <p:nvSpPr>
+          <p:cNvPr id="33" name="TextBox 32">
+            <a:extLst>
+              <a:ext uri="{FF2B5EF4-FFF2-40B4-BE49-F238E27FC236}">
+                <a16:creationId xmlns:a16="http://schemas.microsoft.com/office/drawing/2014/main" id="{F62F3E9B-C7E6-43EC-87B7-D383431B5912}"/>
+              </a:ext>
+            </a:extLst>
+          </p:cNvPr>
+          <p:cNvSpPr txBox="1"/>
+          <p:nvPr/>
+        </p:nvSpPr>
+        <p:spPr>
+          <a:xfrm>
+            <a:off x="10502114" y="353329"/>
+            <a:ext cx="1689886" cy="230832"/>
+          </a:xfrm>
+          <a:prstGeom prst="rect">
+            <a:avLst/>
+          </a:prstGeom>
+          <a:noFill/>
+        </p:spPr>
+        <p:txBody>
+          <a:bodyPr wrap="none" rtlCol="0">
+            <a:spAutoFit/>
+          </a:bodyPr>
+          <a:lstStyle/>
+          <a:p>
+            <a:pPr algn="r"/>
+            <a:r>
+              <a:rPr lang="ko-KR" altLang="en-US" sz="900" b="1" dirty="0" err="1">
+                <a:solidFill>
+                  <a:schemeClr val="bg1">
+                    <a:lumMod val="50000"/>
+                  </a:schemeClr>
+                </a:solidFill>
+                <a:effectLst/>
+              </a:rPr>
+              <a:t>리트루기아</a:t>
+            </a:r>
+            <a:r>
+              <a:rPr lang="ko-KR" altLang="en-US" sz="900" b="1" dirty="0">
+                <a:solidFill>
+                  <a:schemeClr val="bg1">
+                    <a:lumMod val="50000"/>
+                  </a:schemeClr>
+                </a:solidFill>
+                <a:effectLst/>
+              </a:rPr>
+              <a:t> 부채 스킬 기획서</a:t>
+            </a:r>
+            <a:endParaRPr lang="en-US" altLang="ko-KR" sz="900" b="1" dirty="0">
+              <a:solidFill>
+                <a:schemeClr val="bg1">
+                  <a:lumMod val="50000"/>
+                </a:schemeClr>
+              </a:solidFill>
+              <a:effectLst/>
+            </a:endParaRPr>
+          </a:p>
+        </p:txBody>
+      </p:sp>
+      <p:sp>
+        <p:nvSpPr>
+          <p:cNvPr id="102" name="자유형: 도형 101">
+            <a:extLst>
+              <a:ext uri="{FF2B5EF4-FFF2-40B4-BE49-F238E27FC236}">
+                <a16:creationId xmlns:a16="http://schemas.microsoft.com/office/drawing/2014/main" id="{AFAEEBBF-ABAF-4362-9A17-EF9D37E9BBE0}"/>
+              </a:ext>
+            </a:extLst>
+          </p:cNvPr>
+          <p:cNvSpPr/>
+          <p:nvPr/>
+        </p:nvSpPr>
+        <p:spPr>
+          <a:xfrm>
+            <a:off x="233052" y="185202"/>
+            <a:ext cx="1674019" cy="409575"/>
+          </a:xfrm>
+          <a:custGeom>
+            <a:avLst/>
+            <a:gdLst>
+              <a:gd name="connsiteX0" fmla="*/ 0 w 1674019"/>
+              <a:gd name="connsiteY0" fmla="*/ 409575 h 409575"/>
+              <a:gd name="connsiteX1" fmla="*/ 69056 w 1674019"/>
+              <a:gd name="connsiteY1" fmla="*/ 409575 h 409575"/>
+              <a:gd name="connsiteX2" fmla="*/ 271463 w 1674019"/>
+              <a:gd name="connsiteY2" fmla="*/ 0 h 409575"/>
+              <a:gd name="connsiteX3" fmla="*/ 1674019 w 1674019"/>
+              <a:gd name="connsiteY3" fmla="*/ 0 h 409575"/>
+              <a:gd name="connsiteX4" fmla="*/ 1469231 w 1674019"/>
+              <a:gd name="connsiteY4" fmla="*/ 409575 h 409575"/>
+              <a:gd name="connsiteX5" fmla="*/ 1543050 w 1674019"/>
+              <a:gd name="connsiteY5" fmla="*/ 409575 h 409575"/>
+            </a:gdLst>
+            <a:ahLst/>
+            <a:cxnLst>
+              <a:cxn ang="0">
+                <a:pos x="connsiteX0" y="connsiteY0"/>
+              </a:cxn>
+              <a:cxn ang="0">
+                <a:pos x="connsiteX1" y="connsiteY1"/>
+              </a:cxn>
+              <a:cxn ang="0">
+                <a:pos x="connsiteX2" y="connsiteY2"/>
+              </a:cxn>
+              <a:cxn ang="0">
+                <a:pos x="connsiteX3" y="connsiteY3"/>
+              </a:cxn>
+              <a:cxn ang="0">
+                <a:pos x="connsiteX4" y="connsiteY4"/>
+              </a:cxn>
+              <a:cxn ang="0">
+                <a:pos x="connsiteX5" y="connsiteY5"/>
+              </a:cxn>
+            </a:cxnLst>
+            <a:rect l="l" t="t" r="r" b="b"/>
+            <a:pathLst>
+              <a:path w="1674019" h="409575">
+                <a:moveTo>
+                  <a:pt x="0" y="409575"/>
+                </a:moveTo>
+                <a:lnTo>
+                  <a:pt x="69056" y="409575"/>
+                </a:lnTo>
+                <a:lnTo>
+                  <a:pt x="271463" y="0"/>
+                </a:lnTo>
+                <a:lnTo>
+                  <a:pt x="1674019" y="0"/>
+                </a:lnTo>
+                <a:lnTo>
+                  <a:pt x="1469231" y="409575"/>
+                </a:lnTo>
+                <a:lnTo>
+                  <a:pt x="1543050" y="409575"/>
+                </a:lnTo>
+              </a:path>
+            </a:pathLst>
+          </a:custGeom>
+          <a:noFill/>
+          <a:ln w="28575">
+            <a:solidFill>
+              <a:schemeClr val="accent4">
+                <a:lumMod val="75000"/>
+              </a:schemeClr>
+            </a:solidFill>
+          </a:ln>
+        </p:spPr>
+        <p:style>
+          <a:lnRef idx="2">
+            <a:schemeClr val="accent1">
+              <a:shade val="50000"/>
+            </a:schemeClr>
+          </a:lnRef>
+          <a:fillRef idx="1">
+            <a:schemeClr val="accent1"/>
+          </a:fillRef>
+          <a:effectRef idx="0">
+            <a:schemeClr val="accent1"/>
+          </a:effectRef>
+          <a:fontRef idx="minor">
+            <a:schemeClr val="lt1"/>
+          </a:fontRef>
+        </p:style>
+        <p:txBody>
+          <a:bodyPr rtlCol="0" anchor="ctr"/>
+          <a:lstStyle/>
+          <a:p>
+            <a:pPr algn="ctr"/>
+            <a:endParaRPr lang="ko-KR" altLang="en-US"/>
+          </a:p>
+        </p:txBody>
+      </p:sp>
+      <p:cxnSp>
+        <p:nvCxnSpPr>
+          <p:cNvPr id="105" name="직선 연결선 104">
+            <a:extLst>
+              <a:ext uri="{FF2B5EF4-FFF2-40B4-BE49-F238E27FC236}">
+                <a16:creationId xmlns:a16="http://schemas.microsoft.com/office/drawing/2014/main" id="{7E2F88F9-3C7B-48DF-A4C7-DA194F522C73}"/>
+              </a:ext>
+            </a:extLst>
+          </p:cNvPr>
+          <p:cNvCxnSpPr>
+            <a:cxnSpLocks/>
+            <a:stCxn id="102" idx="1"/>
+          </p:cNvCxnSpPr>
+          <p:nvPr/>
+        </p:nvCxnSpPr>
+        <p:spPr>
+          <a:xfrm flipH="1">
+            <a:off x="0" y="594777"/>
+            <a:ext cx="302108" cy="0"/>
+          </a:xfrm>
+          <a:prstGeom prst="line">
+            <a:avLst/>
+          </a:prstGeom>
+          <a:ln w="28575">
+            <a:solidFill>
+              <a:schemeClr val="accent4">
+                <a:lumMod val="75000"/>
+              </a:schemeClr>
+            </a:solidFill>
+          </a:ln>
+        </p:spPr>
+        <p:style>
+          <a:lnRef idx="2">
+            <a:schemeClr val="accent1"/>
+          </a:lnRef>
+          <a:fillRef idx="0">
+            <a:schemeClr val="accent1"/>
+          </a:fillRef>
+          <a:effectRef idx="1">
+            <a:schemeClr val="accent1"/>
+          </a:effectRef>
+          <a:fontRef idx="minor">
+            <a:schemeClr val="tx1"/>
+          </a:fontRef>
+        </p:style>
+      </p:cxnSp>
+      <p:cxnSp>
+        <p:nvCxnSpPr>
+          <p:cNvPr id="106" name="직선 연결선 105">
+            <a:extLst>
+              <a:ext uri="{FF2B5EF4-FFF2-40B4-BE49-F238E27FC236}">
+                <a16:creationId xmlns:a16="http://schemas.microsoft.com/office/drawing/2014/main" id="{3ABAC88F-1F22-4AC6-94F9-607393818B8F}"/>
+              </a:ext>
+            </a:extLst>
+          </p:cNvPr>
+          <p:cNvCxnSpPr>
+            <a:cxnSpLocks/>
+            <a:endCxn id="102" idx="4"/>
+          </p:cNvCxnSpPr>
+          <p:nvPr/>
+        </p:nvCxnSpPr>
+        <p:spPr>
+          <a:xfrm flipH="1">
+            <a:off x="1702283" y="594777"/>
+            <a:ext cx="10481310" cy="0"/>
+          </a:xfrm>
+          <a:prstGeom prst="line">
+            <a:avLst/>
+          </a:prstGeom>
+          <a:ln w="28575">
+            <a:solidFill>
+              <a:schemeClr val="accent4">
+                <a:lumMod val="75000"/>
+              </a:schemeClr>
+            </a:solidFill>
+          </a:ln>
+        </p:spPr>
+        <p:style>
+          <a:lnRef idx="2">
+            <a:schemeClr val="accent1"/>
+          </a:lnRef>
+          <a:fillRef idx="0">
+            <a:schemeClr val="accent1"/>
+          </a:fillRef>
+          <a:effectRef idx="1">
+            <a:schemeClr val="accent1"/>
+          </a:effectRef>
+          <a:fontRef idx="minor">
+            <a:schemeClr val="tx1"/>
+          </a:fontRef>
+        </p:style>
+      </p:cxnSp>
+    </p:spTree>
+    <p:extLst>
+      <p:ext uri="{BB962C8B-B14F-4D97-AF65-F5344CB8AC3E}">
+        <p14:creationId xmlns:p14="http://schemas.microsoft.com/office/powerpoint/2010/main" val="1540804583"/>
+      </p:ext>
+    </p:extLst>
+  </p:cSld>
+  <p:clrMapOvr>
+    <a:masterClrMapping/>
+  </p:clrMapOvr>
+</p:sld>
+</file>
+
+<file path=ppt/slides/slide4.xml><?xml version="1.0" encoding="utf-8"?>
+<p:sld xmlns:a="http://schemas.openxmlformats.org/drawingml/2006/main" xmlns:r="http://schemas.openxmlformats.org/officeDocument/2006/relationships" xmlns:p="http://schemas.openxmlformats.org/presentationml/2006/main">
+  <p:cSld>
+    <p:spTree>
+      <p:nvGrpSpPr>
+        <p:cNvPr id="1" name=""/>
+        <p:cNvGrpSpPr/>
+        <p:nvPr/>
+      </p:nvGrpSpPr>
+      <p:grpSpPr>
+        <a:xfrm>
+          <a:off x="0" y="0"/>
+          <a:ext cx="0" cy="0"/>
+          <a:chOff x="0" y="0"/>
+          <a:chExt cx="0" cy="0"/>
+        </a:xfrm>
+      </p:grpSpPr>
+      <p:sp>
+        <p:nvSpPr>
+          <p:cNvPr id="16" name="TextBox 15">
+            <a:extLst>
+              <a:ext uri="{FF2B5EF4-FFF2-40B4-BE49-F238E27FC236}">
+                <a16:creationId xmlns:a16="http://schemas.microsoft.com/office/drawing/2014/main" id="{C39179F9-C670-49DD-9B63-20EFFDAAB0AF}"/>
+              </a:ext>
+            </a:extLst>
+          </p:cNvPr>
+          <p:cNvSpPr txBox="1"/>
+          <p:nvPr/>
+        </p:nvSpPr>
+        <p:spPr>
+          <a:xfrm>
+            <a:off x="2240150" y="251490"/>
+            <a:ext cx="854721" cy="276999"/>
+          </a:xfrm>
+          <a:prstGeom prst="rect">
+            <a:avLst/>
+          </a:prstGeom>
+          <a:noFill/>
+        </p:spPr>
+        <p:txBody>
+          <a:bodyPr wrap="none" rtlCol="0">
+            <a:spAutoFit/>
+          </a:bodyPr>
+          <a:lstStyle/>
+          <a:p>
+            <a:pPr algn="ctr"/>
+            <a:r>
+              <a:rPr lang="ko-KR" altLang="en-US" sz="1200" b="1" dirty="0">
+                <a:effectLst/>
+              </a:rPr>
+              <a:t>무기 소개</a:t>
+            </a:r>
+            <a:endParaRPr lang="en-US" altLang="ko-KR" sz="1200" b="1" dirty="0">
+              <a:effectLst/>
+            </a:endParaRPr>
+          </a:p>
+        </p:txBody>
+      </p:sp>
+      <p:sp>
+        <p:nvSpPr>
+          <p:cNvPr id="33" name="TextBox 32">
+            <a:extLst>
+              <a:ext uri="{FF2B5EF4-FFF2-40B4-BE49-F238E27FC236}">
+                <a16:creationId xmlns:a16="http://schemas.microsoft.com/office/drawing/2014/main" id="{F62F3E9B-C7E6-43EC-87B7-D383431B5912}"/>
+              </a:ext>
+            </a:extLst>
+          </p:cNvPr>
+          <p:cNvSpPr txBox="1"/>
+          <p:nvPr/>
+        </p:nvSpPr>
+        <p:spPr>
+          <a:xfrm>
+            <a:off x="10502114" y="353329"/>
+            <a:ext cx="1689886" cy="230832"/>
+          </a:xfrm>
+          <a:prstGeom prst="rect">
+            <a:avLst/>
+          </a:prstGeom>
+          <a:noFill/>
+        </p:spPr>
+        <p:txBody>
+          <a:bodyPr wrap="none" rtlCol="0">
+            <a:spAutoFit/>
+          </a:bodyPr>
+          <a:lstStyle/>
+          <a:p>
+            <a:pPr algn="r"/>
+            <a:r>
+              <a:rPr lang="ko-KR" altLang="en-US" sz="900" b="1" dirty="0" err="1">
+                <a:solidFill>
+                  <a:schemeClr val="bg1">
+                    <a:lumMod val="50000"/>
+                  </a:schemeClr>
+                </a:solidFill>
+                <a:effectLst/>
+              </a:rPr>
+              <a:t>리트루기아</a:t>
+            </a:r>
+            <a:r>
+              <a:rPr lang="ko-KR" altLang="en-US" sz="900" b="1" dirty="0">
+                <a:solidFill>
+                  <a:schemeClr val="bg1">
+                    <a:lumMod val="50000"/>
+                  </a:schemeClr>
+                </a:solidFill>
+                <a:effectLst/>
+              </a:rPr>
+              <a:t> 부채 스킬 기획서</a:t>
+            </a:r>
+            <a:endParaRPr lang="en-US" altLang="ko-KR" sz="900" b="1" dirty="0">
+              <a:solidFill>
+                <a:schemeClr val="bg1">
+                  <a:lumMod val="50000"/>
+                </a:schemeClr>
+              </a:solidFill>
+              <a:effectLst/>
+            </a:endParaRPr>
+          </a:p>
+        </p:txBody>
+      </p:sp>
+      <p:sp>
+        <p:nvSpPr>
+          <p:cNvPr id="17" name="자유형: 도형 16">
+            <a:extLst>
+              <a:ext uri="{FF2B5EF4-FFF2-40B4-BE49-F238E27FC236}">
+                <a16:creationId xmlns:a16="http://schemas.microsoft.com/office/drawing/2014/main" id="{8990E30F-D94B-416F-8775-D7EEC6FFC20B}"/>
+              </a:ext>
+            </a:extLst>
+          </p:cNvPr>
+          <p:cNvSpPr/>
+          <p:nvPr/>
+        </p:nvSpPr>
+        <p:spPr>
+          <a:xfrm>
+            <a:off x="1830501" y="185202"/>
+            <a:ext cx="1674019" cy="409575"/>
+          </a:xfrm>
+          <a:custGeom>
+            <a:avLst/>
+            <a:gdLst>
+              <a:gd name="connsiteX0" fmla="*/ 0 w 1674019"/>
+              <a:gd name="connsiteY0" fmla="*/ 409575 h 409575"/>
+              <a:gd name="connsiteX1" fmla="*/ 69056 w 1674019"/>
+              <a:gd name="connsiteY1" fmla="*/ 409575 h 409575"/>
+              <a:gd name="connsiteX2" fmla="*/ 271463 w 1674019"/>
+              <a:gd name="connsiteY2" fmla="*/ 0 h 409575"/>
+              <a:gd name="connsiteX3" fmla="*/ 1674019 w 1674019"/>
+              <a:gd name="connsiteY3" fmla="*/ 0 h 409575"/>
+              <a:gd name="connsiteX4" fmla="*/ 1469231 w 1674019"/>
+              <a:gd name="connsiteY4" fmla="*/ 409575 h 409575"/>
+              <a:gd name="connsiteX5" fmla="*/ 1543050 w 1674019"/>
+              <a:gd name="connsiteY5" fmla="*/ 409575 h 409575"/>
+            </a:gdLst>
+            <a:ahLst/>
+            <a:cxnLst>
+              <a:cxn ang="0">
+                <a:pos x="connsiteX0" y="connsiteY0"/>
+              </a:cxn>
+              <a:cxn ang="0">
+                <a:pos x="connsiteX1" y="connsiteY1"/>
+              </a:cxn>
+              <a:cxn ang="0">
+                <a:pos x="connsiteX2" y="connsiteY2"/>
+              </a:cxn>
+              <a:cxn ang="0">
+                <a:pos x="connsiteX3" y="connsiteY3"/>
+              </a:cxn>
+              <a:cxn ang="0">
+                <a:pos x="connsiteX4" y="connsiteY4"/>
+              </a:cxn>
+              <a:cxn ang="0">
+                <a:pos x="connsiteX5" y="connsiteY5"/>
+              </a:cxn>
+            </a:cxnLst>
+            <a:rect l="l" t="t" r="r" b="b"/>
+            <a:pathLst>
+              <a:path w="1674019" h="409575">
+                <a:moveTo>
+                  <a:pt x="0" y="409575"/>
+                </a:moveTo>
+                <a:lnTo>
+                  <a:pt x="69056" y="409575"/>
+                </a:lnTo>
+                <a:lnTo>
+                  <a:pt x="271463" y="0"/>
+                </a:lnTo>
+                <a:lnTo>
+                  <a:pt x="1674019" y="0"/>
+                </a:lnTo>
+                <a:lnTo>
+                  <a:pt x="1469231" y="409575"/>
+                </a:lnTo>
+                <a:lnTo>
+                  <a:pt x="1543050" y="409575"/>
+                </a:lnTo>
+              </a:path>
+            </a:pathLst>
+          </a:custGeom>
+          <a:noFill/>
+          <a:ln w="28575">
+            <a:solidFill>
+              <a:schemeClr val="accent4">
+                <a:lumMod val="75000"/>
+              </a:schemeClr>
+            </a:solidFill>
+          </a:ln>
+        </p:spPr>
+        <p:style>
+          <a:lnRef idx="2">
+            <a:schemeClr val="accent1">
+              <a:shade val="50000"/>
+            </a:schemeClr>
+          </a:lnRef>
+          <a:fillRef idx="1">
+            <a:schemeClr val="accent1"/>
+          </a:fillRef>
+          <a:effectRef idx="0">
+            <a:schemeClr val="accent1"/>
+          </a:effectRef>
+          <a:fontRef idx="minor">
+            <a:schemeClr val="lt1"/>
+          </a:fontRef>
+        </p:style>
+        <p:txBody>
+          <a:bodyPr rtlCol="0" anchor="ctr"/>
+          <a:lstStyle/>
+          <a:p>
+            <a:pPr algn="ctr"/>
+            <a:endParaRPr lang="ko-KR" altLang="en-US"/>
+          </a:p>
+        </p:txBody>
+      </p:sp>
+      <p:grpSp>
+        <p:nvGrpSpPr>
+          <p:cNvPr id="18" name="그룹 17">
+            <a:extLst>
+              <a:ext uri="{FF2B5EF4-FFF2-40B4-BE49-F238E27FC236}">
+                <a16:creationId xmlns:a16="http://schemas.microsoft.com/office/drawing/2014/main" id="{F2A8965C-7A09-4C80-B841-C27F87EFD02E}"/>
+              </a:ext>
+            </a:extLst>
+          </p:cNvPr>
+          <p:cNvGrpSpPr/>
+          <p:nvPr/>
+        </p:nvGrpSpPr>
+        <p:grpSpPr>
+          <a:xfrm>
+            <a:off x="3506012" y="181080"/>
+            <a:ext cx="1600200" cy="403080"/>
+            <a:chOff x="4391025" y="108202"/>
+            <a:chExt cx="1600200" cy="524755"/>
+          </a:xfrm>
+          <a:solidFill>
+            <a:schemeClr val="bg1">
+              <a:lumMod val="95000"/>
+            </a:schemeClr>
+          </a:solidFill>
+        </p:grpSpPr>
+        <p:sp>
+          <p:nvSpPr>
+            <p:cNvPr id="28" name="평행 사변형 27">
+              <a:extLst>
+                <a:ext uri="{FF2B5EF4-FFF2-40B4-BE49-F238E27FC236}">
+                  <a16:creationId xmlns:a16="http://schemas.microsoft.com/office/drawing/2014/main" id="{AE9C57D5-1110-4CE4-8882-9328422602C9}"/>
+                </a:ext>
+              </a:extLst>
+            </p:cNvPr>
+            <p:cNvSpPr/>
+            <p:nvPr/>
+          </p:nvSpPr>
+          <p:spPr>
+            <a:xfrm>
+              <a:off x="4391025" y="108202"/>
+              <a:ext cx="1600200" cy="524755"/>
+            </a:xfrm>
+            <a:prstGeom prst="parallelogram">
+              <a:avLst>
+                <a:gd name="adj" fmla="val 49299"/>
+              </a:avLst>
+            </a:prstGeom>
+            <a:grpFill/>
+            <a:ln>
+              <a:noFill/>
+            </a:ln>
+          </p:spPr>
+          <p:style>
+            <a:lnRef idx="2">
+              <a:schemeClr val="accent1">
+                <a:shade val="50000"/>
+              </a:schemeClr>
+            </a:lnRef>
+            <a:fillRef idx="1">
+              <a:schemeClr val="accent1"/>
+            </a:fillRef>
+            <a:effectRef idx="0">
+              <a:schemeClr val="accent1"/>
+            </a:effectRef>
+            <a:fontRef idx="minor">
+              <a:schemeClr val="lt1"/>
+            </a:fontRef>
+          </p:style>
+          <p:txBody>
+            <a:bodyPr rtlCol="0" anchor="ctr"/>
+            <a:lstStyle/>
+            <a:p>
+              <a:pPr algn="ctr"/>
+              <a:endParaRPr lang="ko-KR" altLang="en-US">
+                <a:solidFill>
+                  <a:schemeClr val="bg1">
+                    <a:lumMod val="50000"/>
+                  </a:schemeClr>
+                </a:solidFill>
+              </a:endParaRPr>
+            </a:p>
+          </p:txBody>
+        </p:sp>
+        <p:sp>
+          <p:nvSpPr>
+            <p:cNvPr id="29" name="TextBox 28">
+              <a:extLst>
+                <a:ext uri="{FF2B5EF4-FFF2-40B4-BE49-F238E27FC236}">
+                  <a16:creationId xmlns:a16="http://schemas.microsoft.com/office/drawing/2014/main" id="{87A86603-4753-4FBE-A8C7-8B2A2DE45839}"/>
+                </a:ext>
+              </a:extLst>
+            </p:cNvPr>
+            <p:cNvSpPr txBox="1"/>
+            <p:nvPr/>
+          </p:nvSpPr>
+          <p:spPr>
+            <a:xfrm>
+              <a:off x="4791817" y="200289"/>
+              <a:ext cx="798617" cy="340580"/>
+            </a:xfrm>
+            <a:prstGeom prst="rect">
+              <a:avLst/>
+            </a:prstGeom>
+            <a:grpFill/>
+          </p:spPr>
+          <p:txBody>
+            <a:bodyPr wrap="none" rtlCol="0">
+              <a:spAutoFit/>
+            </a:bodyPr>
+            <a:lstStyle/>
+            <a:p>
+              <a:r>
+                <a:rPr lang="ko-KR" altLang="en-US" sz="1100" b="1" dirty="0">
+                  <a:solidFill>
+                    <a:schemeClr val="bg1">
+                      <a:lumMod val="50000"/>
+                    </a:schemeClr>
+                  </a:solidFill>
+                  <a:effectLst/>
+                </a:rPr>
+                <a:t>기본 모션</a:t>
+              </a:r>
+              <a:endParaRPr lang="en-US" altLang="ko-KR" sz="1100" b="1" dirty="0">
+                <a:solidFill>
+                  <a:schemeClr val="bg1">
+                    <a:lumMod val="50000"/>
+                  </a:schemeClr>
+                </a:solidFill>
+                <a:effectLst/>
+              </a:endParaRPr>
+            </a:p>
+          </p:txBody>
+        </p:sp>
+      </p:grpSp>
+      <p:grpSp>
+        <p:nvGrpSpPr>
+          <p:cNvPr id="30" name="그룹 29">
+            <a:extLst>
+              <a:ext uri="{FF2B5EF4-FFF2-40B4-BE49-F238E27FC236}">
+                <a16:creationId xmlns:a16="http://schemas.microsoft.com/office/drawing/2014/main" id="{16175AC9-E352-4D51-9964-F341A95EA371}"/>
+              </a:ext>
+            </a:extLst>
+          </p:cNvPr>
+          <p:cNvGrpSpPr/>
+          <p:nvPr/>
+        </p:nvGrpSpPr>
+        <p:grpSpPr>
+          <a:xfrm>
+            <a:off x="5104149" y="181080"/>
+            <a:ext cx="1600200" cy="403080"/>
+            <a:chOff x="4391025" y="108202"/>
+            <a:chExt cx="1600200" cy="524755"/>
+          </a:xfrm>
+          <a:solidFill>
+            <a:schemeClr val="bg1">
+              <a:lumMod val="95000"/>
+            </a:schemeClr>
+          </a:solidFill>
+        </p:grpSpPr>
+        <p:sp>
+          <p:nvSpPr>
+            <p:cNvPr id="31" name="평행 사변형 30">
+              <a:extLst>
+                <a:ext uri="{FF2B5EF4-FFF2-40B4-BE49-F238E27FC236}">
+                  <a16:creationId xmlns:a16="http://schemas.microsoft.com/office/drawing/2014/main" id="{463AFC40-7263-479E-95C3-2BB8B21A1A53}"/>
+                </a:ext>
+              </a:extLst>
+            </p:cNvPr>
+            <p:cNvSpPr/>
+            <p:nvPr/>
+          </p:nvSpPr>
+          <p:spPr>
+            <a:xfrm>
+              <a:off x="4391025" y="108202"/>
+              <a:ext cx="1600200" cy="524755"/>
+            </a:xfrm>
+            <a:prstGeom prst="parallelogram">
+              <a:avLst>
+                <a:gd name="adj" fmla="val 49299"/>
+              </a:avLst>
+            </a:prstGeom>
+            <a:grpFill/>
+            <a:ln>
+              <a:noFill/>
+            </a:ln>
+          </p:spPr>
+          <p:style>
+            <a:lnRef idx="2">
+              <a:schemeClr val="accent1">
+                <a:shade val="50000"/>
+              </a:schemeClr>
+            </a:lnRef>
+            <a:fillRef idx="1">
+              <a:schemeClr val="accent1"/>
+            </a:fillRef>
+            <a:effectRef idx="0">
+              <a:schemeClr val="accent1"/>
+            </a:effectRef>
+            <a:fontRef idx="minor">
+              <a:schemeClr val="lt1"/>
+            </a:fontRef>
+          </p:style>
+          <p:txBody>
+            <a:bodyPr rtlCol="0" anchor="ctr"/>
+            <a:lstStyle/>
+            <a:p>
+              <a:pPr algn="ctr"/>
+              <a:endParaRPr lang="ko-KR" altLang="en-US" dirty="0">
+                <a:solidFill>
+                  <a:schemeClr val="bg1">
+                    <a:lumMod val="50000"/>
+                  </a:schemeClr>
+                </a:solidFill>
+              </a:endParaRPr>
+            </a:p>
+          </p:txBody>
+        </p:sp>
+        <p:sp>
+          <p:nvSpPr>
+            <p:cNvPr id="32" name="TextBox 31">
+              <a:extLst>
+                <a:ext uri="{FF2B5EF4-FFF2-40B4-BE49-F238E27FC236}">
+                  <a16:creationId xmlns:a16="http://schemas.microsoft.com/office/drawing/2014/main" id="{CE2170C7-5C6E-4584-AF47-F1CCF25EFF68}"/>
+                </a:ext>
+              </a:extLst>
+            </p:cNvPr>
+            <p:cNvSpPr txBox="1"/>
+            <p:nvPr/>
+          </p:nvSpPr>
+          <p:spPr>
+            <a:xfrm>
+              <a:off x="4957728" y="200289"/>
+              <a:ext cx="466794" cy="340580"/>
+            </a:xfrm>
+            <a:prstGeom prst="rect">
+              <a:avLst/>
+            </a:prstGeom>
+            <a:grpFill/>
+          </p:spPr>
+          <p:txBody>
+            <a:bodyPr wrap="none" rtlCol="0">
+              <a:spAutoFit/>
+            </a:bodyPr>
+            <a:lstStyle/>
+            <a:p>
+              <a:r>
+                <a:rPr lang="ko-KR" altLang="en-US" sz="1100" b="1" dirty="0">
+                  <a:solidFill>
+                    <a:schemeClr val="bg1">
+                      <a:lumMod val="50000"/>
+                    </a:schemeClr>
+                  </a:solidFill>
+                  <a:effectLst/>
+                </a:rPr>
+                <a:t>스킬</a:t>
+              </a:r>
+              <a:endParaRPr lang="en-US" altLang="ko-KR" sz="1100" b="1" dirty="0">
+                <a:solidFill>
+                  <a:schemeClr val="bg1">
+                    <a:lumMod val="50000"/>
+                  </a:schemeClr>
+                </a:solidFill>
+                <a:effectLst/>
+              </a:endParaRPr>
+            </a:p>
+          </p:txBody>
+        </p:sp>
+      </p:grpSp>
+      <p:grpSp>
+        <p:nvGrpSpPr>
+          <p:cNvPr id="34" name="그룹 33">
+            <a:extLst>
+              <a:ext uri="{FF2B5EF4-FFF2-40B4-BE49-F238E27FC236}">
+                <a16:creationId xmlns:a16="http://schemas.microsoft.com/office/drawing/2014/main" id="{34D455AA-57B7-4B7C-806E-13AC02EB2AC3}"/>
+              </a:ext>
+            </a:extLst>
+          </p:cNvPr>
+          <p:cNvGrpSpPr/>
+          <p:nvPr/>
+        </p:nvGrpSpPr>
+        <p:grpSpPr>
+          <a:xfrm>
+            <a:off x="309738" y="181080"/>
+            <a:ext cx="1600200" cy="403081"/>
+            <a:chOff x="4391025" y="108202"/>
+            <a:chExt cx="1600200" cy="524755"/>
+          </a:xfrm>
+          <a:solidFill>
+            <a:schemeClr val="bg1">
+              <a:lumMod val="95000"/>
+            </a:schemeClr>
+          </a:solidFill>
+        </p:grpSpPr>
+        <p:sp>
+          <p:nvSpPr>
+            <p:cNvPr id="35" name="평행 사변형 34">
+              <a:extLst>
+                <a:ext uri="{FF2B5EF4-FFF2-40B4-BE49-F238E27FC236}">
+                  <a16:creationId xmlns:a16="http://schemas.microsoft.com/office/drawing/2014/main" id="{D37558E0-E3A6-4749-8D0C-A9142AAA7220}"/>
+                </a:ext>
+              </a:extLst>
+            </p:cNvPr>
+            <p:cNvSpPr/>
+            <p:nvPr/>
+          </p:nvSpPr>
+          <p:spPr>
+            <a:xfrm>
+              <a:off x="4391025" y="108202"/>
+              <a:ext cx="1600200" cy="524755"/>
+            </a:xfrm>
+            <a:prstGeom prst="parallelogram">
+              <a:avLst>
+                <a:gd name="adj" fmla="val 49299"/>
+              </a:avLst>
+            </a:prstGeom>
+            <a:grpFill/>
+            <a:ln>
+              <a:noFill/>
+            </a:ln>
+          </p:spPr>
+          <p:style>
+            <a:lnRef idx="2">
+              <a:schemeClr val="accent1">
+                <a:shade val="50000"/>
+              </a:schemeClr>
+            </a:lnRef>
+            <a:fillRef idx="1">
+              <a:schemeClr val="accent1"/>
+            </a:fillRef>
+            <a:effectRef idx="0">
+              <a:schemeClr val="accent1"/>
+            </a:effectRef>
+            <a:fontRef idx="minor">
+              <a:schemeClr val="lt1"/>
+            </a:fontRef>
+          </p:style>
+          <p:txBody>
+            <a:bodyPr rtlCol="0" anchor="ctr"/>
+            <a:lstStyle/>
+            <a:p>
+              <a:pPr algn="ctr"/>
+              <a:endParaRPr lang="ko-KR" altLang="en-US">
+                <a:solidFill>
+                  <a:schemeClr val="bg1">
+                    <a:lumMod val="50000"/>
+                  </a:schemeClr>
+                </a:solidFill>
+              </a:endParaRPr>
+            </a:p>
+          </p:txBody>
+        </p:sp>
+        <p:sp>
+          <p:nvSpPr>
+            <p:cNvPr id="36" name="TextBox 35">
+              <a:extLst>
+                <a:ext uri="{FF2B5EF4-FFF2-40B4-BE49-F238E27FC236}">
+                  <a16:creationId xmlns:a16="http://schemas.microsoft.com/office/drawing/2014/main" id="{8791B6D8-461C-40B8-8801-A7114EDD072C}"/>
+                </a:ext>
+              </a:extLst>
+            </p:cNvPr>
+            <p:cNvSpPr txBox="1"/>
+            <p:nvPr/>
+          </p:nvSpPr>
+          <p:spPr>
+            <a:xfrm>
+              <a:off x="4791817" y="200289"/>
+              <a:ext cx="798617" cy="340580"/>
+            </a:xfrm>
+            <a:prstGeom prst="rect">
+              <a:avLst/>
+            </a:prstGeom>
+            <a:grpFill/>
+          </p:spPr>
+          <p:txBody>
+            <a:bodyPr wrap="none" rtlCol="0">
+              <a:spAutoFit/>
+            </a:bodyPr>
+            <a:lstStyle/>
+            <a:p>
+              <a:r>
+                <a:rPr lang="ko-KR" altLang="en-US" sz="1100" b="1" dirty="0">
+                  <a:solidFill>
+                    <a:schemeClr val="bg1">
+                      <a:lumMod val="50000"/>
+                    </a:schemeClr>
+                  </a:solidFill>
+                </a:rPr>
+                <a:t>기획 의도</a:t>
+              </a:r>
+              <a:endParaRPr lang="en-US" altLang="ko-KR" sz="1100" b="1" dirty="0">
+                <a:solidFill>
+                  <a:schemeClr val="bg1">
+                    <a:lumMod val="50000"/>
+                  </a:schemeClr>
+                </a:solidFill>
+                <a:effectLst/>
+              </a:endParaRPr>
+            </a:p>
+          </p:txBody>
+        </p:sp>
+      </p:grpSp>
+      <p:cxnSp>
+        <p:nvCxnSpPr>
+          <p:cNvPr id="37" name="직선 연결선 36">
+            <a:extLst>
+              <a:ext uri="{FF2B5EF4-FFF2-40B4-BE49-F238E27FC236}">
+                <a16:creationId xmlns:a16="http://schemas.microsoft.com/office/drawing/2014/main" id="{FD1F631D-38BE-4D28-B764-73856FE1FD13}"/>
+              </a:ext>
+            </a:extLst>
+          </p:cNvPr>
+          <p:cNvCxnSpPr>
+            <a:cxnSpLocks/>
+            <a:stCxn id="17" idx="1"/>
+          </p:cNvCxnSpPr>
+          <p:nvPr/>
+        </p:nvCxnSpPr>
+        <p:spPr>
+          <a:xfrm flipH="1">
+            <a:off x="1" y="594777"/>
+            <a:ext cx="1899556" cy="0"/>
+          </a:xfrm>
+          <a:prstGeom prst="line">
+            <a:avLst/>
+          </a:prstGeom>
+          <a:ln w="28575">
+            <a:solidFill>
+              <a:schemeClr val="accent4">
+                <a:lumMod val="75000"/>
+              </a:schemeClr>
+            </a:solidFill>
+          </a:ln>
+        </p:spPr>
+        <p:style>
+          <a:lnRef idx="2">
+            <a:schemeClr val="accent1"/>
+          </a:lnRef>
+          <a:fillRef idx="0">
+            <a:schemeClr val="accent1"/>
+          </a:fillRef>
+          <a:effectRef idx="1">
+            <a:schemeClr val="accent1"/>
+          </a:effectRef>
+          <a:fontRef idx="minor">
+            <a:schemeClr val="tx1"/>
+          </a:fontRef>
+        </p:style>
+      </p:cxnSp>
+      <p:cxnSp>
+        <p:nvCxnSpPr>
+          <p:cNvPr id="38" name="직선 연결선 37">
+            <a:extLst>
+              <a:ext uri="{FF2B5EF4-FFF2-40B4-BE49-F238E27FC236}">
+                <a16:creationId xmlns:a16="http://schemas.microsoft.com/office/drawing/2014/main" id="{BCDE5DF0-6259-40AE-A730-230714AFAE19}"/>
+              </a:ext>
+            </a:extLst>
+          </p:cNvPr>
+          <p:cNvCxnSpPr>
+            <a:cxnSpLocks/>
+            <a:endCxn id="17" idx="4"/>
+          </p:cNvCxnSpPr>
+          <p:nvPr/>
+        </p:nvCxnSpPr>
+        <p:spPr>
+          <a:xfrm flipH="1">
+            <a:off x="3299732" y="594777"/>
+            <a:ext cx="8892268" cy="0"/>
+          </a:xfrm>
+          <a:prstGeom prst="line">
+            <a:avLst/>
+          </a:prstGeom>
+          <a:ln w="28575">
+            <a:solidFill>
+              <a:schemeClr val="accent4">
+                <a:lumMod val="75000"/>
+              </a:schemeClr>
+            </a:solidFill>
+          </a:ln>
+        </p:spPr>
+        <p:style>
+          <a:lnRef idx="2">
+            <a:schemeClr val="accent1"/>
+          </a:lnRef>
+          <a:fillRef idx="0">
+            <a:schemeClr val="accent1"/>
+          </a:fillRef>
+          <a:effectRef idx="1">
+            <a:schemeClr val="accent1"/>
+          </a:effectRef>
+          <a:fontRef idx="minor">
+            <a:schemeClr val="tx1"/>
+          </a:fontRef>
+        </p:style>
+      </p:cxnSp>
+    </p:spTree>
+    <p:extLst>
+      <p:ext uri="{BB962C8B-B14F-4D97-AF65-F5344CB8AC3E}">
+        <p14:creationId xmlns:p14="http://schemas.microsoft.com/office/powerpoint/2010/main" val="4289967343"/>
+      </p:ext>
+    </p:extLst>
+  </p:cSld>
+  <p:clrMapOvr>
+    <a:masterClrMapping/>
+  </p:clrMapOvr>
+</p:sld>
+</file>
+
+<file path=ppt/slides/slide5.xml><?xml version="1.0" encoding="utf-8"?>
+<p:sld xmlns:a="http://schemas.openxmlformats.org/drawingml/2006/main" xmlns:r="http://schemas.openxmlformats.org/officeDocument/2006/relationships" xmlns:p="http://schemas.openxmlformats.org/presentationml/2006/main">
+  <p:cSld>
+    <p:spTree>
+      <p:nvGrpSpPr>
+        <p:cNvPr id="1" name=""/>
+        <p:cNvGrpSpPr/>
+        <p:nvPr/>
+      </p:nvGrpSpPr>
+      <p:grpSpPr>
+        <a:xfrm>
+          <a:off x="0" y="0"/>
+          <a:ext cx="0" cy="0"/>
+          <a:chOff x="0" y="0"/>
+          <a:chExt cx="0" cy="0"/>
+        </a:xfrm>
+      </p:grpSpPr>
+      <p:pic>
+        <p:nvPicPr>
+          <p:cNvPr id="3" name="그림 2" descr="인간의 얼굴, 사람, 의류, 만화 영화이(가) 표시된 사진&#10;&#10;자동 생성된 설명">
+            <a:extLst>
+              <a:ext uri="{FF2B5EF4-FFF2-40B4-BE49-F238E27FC236}">
+                <a16:creationId xmlns:a16="http://schemas.microsoft.com/office/drawing/2014/main" id="{3B5E2E16-F74D-4438-922B-72BA09083FD4}"/>
+              </a:ext>
+            </a:extLst>
+          </p:cNvPr>
+          <p:cNvPicPr>
+            <a:picLocks noChangeAspect="1"/>
+          </p:cNvPicPr>
+          <p:nvPr/>
+        </p:nvPicPr>
+        <p:blipFill>
+          <a:blip r:embed="rId2">
+            <a:extLst>
+              <a:ext uri="{28A0092B-C50C-407E-A947-70E740481C1C}">
+                <a14:useLocalDpi xmlns:a14="http://schemas.microsoft.com/office/drawing/2010/main" val="0"/>
+              </a:ext>
+            </a:extLst>
+          </a:blip>
+          <a:stretch>
+            <a:fillRect/>
+          </a:stretch>
+        </p:blipFill>
+        <p:spPr>
+          <a:xfrm>
+            <a:off x="6312310" y="2067232"/>
+            <a:ext cx="5210175" cy="4343400"/>
+          </a:xfrm>
+          <a:prstGeom prst="rect">
+            <a:avLst/>
+          </a:prstGeom>
+        </p:spPr>
+      </p:pic>
     </p:spTree>
     <p:extLst>
       <p:ext uri="{BB962C8B-B14F-4D97-AF65-F5344CB8AC3E}">

--- a/액션&경영 RPG/스킬/리트루기아_부채스킬기획.pptx
+++ b/액션&경영 RPG/스킬/리트루기아_부채스킬기획.pptx
@@ -9,7 +9,9 @@
     <p:sldId id="258" r:id="rId3"/>
     <p:sldId id="261" r:id="rId4"/>
     <p:sldId id="262" r:id="rId5"/>
-    <p:sldId id="257" r:id="rId6"/>
+    <p:sldId id="263" r:id="rId6"/>
+    <p:sldId id="264" r:id="rId7"/>
+    <p:sldId id="257" r:id="rId8"/>
   </p:sldIdLst>
   <p:sldSz cx="12192000" cy="6858000"/>
   <p:notesSz cx="6858000" cy="9144000"/>
@@ -3703,7 +3705,7 @@
         </p:nvSpPr>
         <p:spPr>
           <a:xfrm>
-            <a:off x="1238250" y="1603771"/>
+            <a:off x="1280835" y="1593832"/>
             <a:ext cx="1311578" cy="2462213"/>
           </a:xfrm>
           <a:prstGeom prst="rect">
@@ -3832,7 +3834,7 @@
         </p:nvSpPr>
         <p:spPr>
           <a:xfrm>
-            <a:off x="685800" y="256223"/>
+            <a:off x="1341589" y="256223"/>
             <a:ext cx="595035" cy="338554"/>
           </a:xfrm>
           <a:prstGeom prst="rect">
@@ -3875,8 +3877,8 @@
         </p:nvCxnSpPr>
         <p:spPr>
           <a:xfrm flipH="1">
-            <a:off x="685800" y="594777"/>
-            <a:ext cx="11497793" cy="0"/>
+            <a:off x="1280835" y="594777"/>
+            <a:ext cx="10902758" cy="0"/>
           </a:xfrm>
           <a:prstGeom prst="line">
             <a:avLst/>
@@ -3943,7 +3945,9 @@
               </a:ext>
             </a:extLst>
           </p:cNvPr>
-          <p:cNvGrpSpPr/>
+          <p:cNvGrpSpPr>
+            <a:grpSpLocks/>
+          </p:cNvGrpSpPr>
           <p:nvPr/>
         </p:nvGrpSpPr>
         <p:grpSpPr>
@@ -3968,7 +3972,9 @@
                 </a:ext>
               </a:extLst>
             </p:cNvPr>
-            <p:cNvSpPr/>
+            <p:cNvSpPr>
+              <a:spLocks/>
+            </p:cNvSpPr>
             <p:nvPr/>
           </p:nvSpPr>
           <p:spPr>
@@ -4007,7 +4013,7 @@
             <a:lstStyle/>
             <a:p>
               <a:pPr algn="ctr"/>
-              <a:endParaRPr lang="ko-KR" altLang="en-US">
+              <a:endParaRPr lang="ko-KR" altLang="en-US" sz="1000">
                 <a:solidFill>
                   <a:schemeClr val="bg1">
                     <a:lumMod val="50000"/>
@@ -4026,13 +4032,15 @@
                 </a:ext>
               </a:extLst>
             </p:cNvPr>
-            <p:cNvSpPr txBox="1"/>
+            <p:cNvSpPr txBox="1">
+              <a:spLocks/>
+            </p:cNvSpPr>
             <p:nvPr/>
           </p:nvSpPr>
           <p:spPr>
             <a:xfrm>
               <a:off x="4791817" y="200289"/>
-              <a:ext cx="798617" cy="340580"/>
+              <a:ext cx="742511" cy="320546"/>
             </a:xfrm>
             <a:prstGeom prst="rect">
               <a:avLst/>
@@ -4046,7 +4054,7 @@
             <a:lstStyle/>
             <a:p>
               <a:r>
-                <a:rPr lang="ko-KR" altLang="en-US" sz="1100" b="1" dirty="0">
+                <a:rPr lang="ko-KR" altLang="en-US" sz="1000" b="1" dirty="0">
                   <a:solidFill>
                     <a:schemeClr val="bg1">
                       <a:lumMod val="50000"/>
@@ -4056,7 +4064,7 @@
                 </a:rPr>
                 <a:t>기본 모션</a:t>
               </a:r>
-              <a:endParaRPr lang="en-US" altLang="ko-KR" sz="1100" b="1" dirty="0">
+              <a:endParaRPr lang="en-US" altLang="ko-KR" sz="1000" b="1" dirty="0">
                 <a:solidFill>
                   <a:schemeClr val="bg1">
                     <a:lumMod val="50000"/>
@@ -4077,7 +4085,9 @@
               </a:ext>
             </a:extLst>
           </p:cNvPr>
-          <p:cNvGrpSpPr/>
+          <p:cNvGrpSpPr>
+            <a:grpSpLocks/>
+          </p:cNvGrpSpPr>
           <p:nvPr/>
         </p:nvGrpSpPr>
         <p:grpSpPr>
@@ -4102,7 +4112,9 @@
                 </a:ext>
               </a:extLst>
             </p:cNvPr>
-            <p:cNvSpPr/>
+            <p:cNvSpPr>
+              <a:spLocks/>
+            </p:cNvSpPr>
             <p:nvPr/>
           </p:nvSpPr>
           <p:spPr>
@@ -4141,7 +4153,7 @@
             <a:lstStyle/>
             <a:p>
               <a:pPr algn="ctr"/>
-              <a:endParaRPr lang="ko-KR" altLang="en-US" dirty="0">
+              <a:endParaRPr lang="ko-KR" altLang="en-US" sz="1000" dirty="0">
                 <a:solidFill>
                   <a:schemeClr val="bg1">
                     <a:lumMod val="50000"/>
@@ -4160,13 +4172,15 @@
                 </a:ext>
               </a:extLst>
             </p:cNvPr>
-            <p:cNvSpPr txBox="1"/>
+            <p:cNvSpPr txBox="1">
+              <a:spLocks/>
+            </p:cNvSpPr>
             <p:nvPr/>
           </p:nvSpPr>
           <p:spPr>
             <a:xfrm>
               <a:off x="4957728" y="200289"/>
-              <a:ext cx="466794" cy="340580"/>
+              <a:ext cx="441146" cy="320546"/>
             </a:xfrm>
             <a:prstGeom prst="rect">
               <a:avLst/>
@@ -4180,7 +4194,7 @@
             <a:lstStyle/>
             <a:p>
               <a:r>
-                <a:rPr lang="ko-KR" altLang="en-US" sz="1100" b="1" dirty="0">
+                <a:rPr lang="ko-KR" altLang="en-US" sz="1000" b="1" dirty="0">
                   <a:solidFill>
                     <a:schemeClr val="bg1">
                       <a:lumMod val="50000"/>
@@ -4190,7 +4204,7 @@
                 </a:rPr>
                 <a:t>스킬</a:t>
               </a:r>
-              <a:endParaRPr lang="en-US" altLang="ko-KR" sz="1100" b="1" dirty="0">
+              <a:endParaRPr lang="en-US" altLang="ko-KR" sz="1000" b="1" dirty="0">
                 <a:solidFill>
                   <a:schemeClr val="bg1">
                     <a:lumMod val="50000"/>
@@ -4211,7 +4225,9 @@
               </a:ext>
             </a:extLst>
           </p:cNvPr>
-          <p:cNvGrpSpPr/>
+          <p:cNvGrpSpPr>
+            <a:grpSpLocks/>
+          </p:cNvGrpSpPr>
           <p:nvPr/>
         </p:nvGrpSpPr>
         <p:grpSpPr>
@@ -4236,7 +4252,9 @@
                 </a:ext>
               </a:extLst>
             </p:cNvPr>
-            <p:cNvSpPr/>
+            <p:cNvSpPr>
+              <a:spLocks/>
+            </p:cNvSpPr>
             <p:nvPr/>
           </p:nvSpPr>
           <p:spPr>
@@ -4275,7 +4293,7 @@
             <a:lstStyle/>
             <a:p>
               <a:pPr algn="ctr"/>
-              <a:endParaRPr lang="ko-KR" altLang="en-US">
+              <a:endParaRPr lang="ko-KR" altLang="en-US" sz="1000">
                 <a:solidFill>
                   <a:schemeClr val="bg1">
                     <a:lumMod val="50000"/>
@@ -4294,13 +4312,15 @@
                 </a:ext>
               </a:extLst>
             </p:cNvPr>
-            <p:cNvSpPr txBox="1"/>
+            <p:cNvSpPr txBox="1">
+              <a:spLocks/>
+            </p:cNvSpPr>
             <p:nvPr/>
           </p:nvSpPr>
           <p:spPr>
             <a:xfrm>
               <a:off x="4791817" y="200289"/>
-              <a:ext cx="798617" cy="340580"/>
+              <a:ext cx="742511" cy="320545"/>
             </a:xfrm>
             <a:prstGeom prst="rect">
               <a:avLst/>
@@ -4314,7 +4334,7 @@
             <a:lstStyle/>
             <a:p>
               <a:r>
-                <a:rPr lang="ko-KR" altLang="en-US" sz="1100" b="1" dirty="0">
+                <a:rPr lang="ko-KR" altLang="en-US" sz="1000" b="1" dirty="0">
                   <a:solidFill>
                     <a:schemeClr val="bg1">
                       <a:lumMod val="50000"/>
@@ -4324,7 +4344,7 @@
                 </a:rPr>
                 <a:t>무기 소개</a:t>
               </a:r>
-              <a:endParaRPr lang="en-US" altLang="ko-KR" sz="1100" b="1" dirty="0">
+              <a:endParaRPr lang="en-US" altLang="ko-KR" sz="1000" b="1" dirty="0">
                 <a:solidFill>
                   <a:schemeClr val="bg1">
                     <a:lumMod val="50000"/>
@@ -4345,12 +4365,14 @@
               </a:ext>
             </a:extLst>
           </p:cNvPr>
-          <p:cNvSpPr txBox="1"/>
+          <p:cNvSpPr txBox="1">
+            <a:spLocks/>
+          </p:cNvSpPr>
           <p:nvPr/>
         </p:nvSpPr>
         <p:spPr>
           <a:xfrm>
-            <a:off x="642701" y="251490"/>
+            <a:off x="677229" y="251490"/>
             <a:ext cx="854721" cy="276999"/>
           </a:xfrm>
           <a:prstGeom prst="rect">
@@ -4386,7 +4408,9 @@
               </a:ext>
             </a:extLst>
           </p:cNvPr>
-          <p:cNvSpPr txBox="1"/>
+          <p:cNvSpPr txBox="1">
+            <a:spLocks/>
+          </p:cNvSpPr>
           <p:nvPr/>
         </p:nvSpPr>
         <p:spPr>
@@ -4448,7 +4472,9 @@
               </a:ext>
             </a:extLst>
           </p:cNvPr>
-          <p:cNvSpPr/>
+          <p:cNvSpPr>
+            <a:spLocks/>
+          </p:cNvSpPr>
           <p:nvPr/>
         </p:nvSpPr>
         <p:spPr>
@@ -4643,6 +4669,432 @@
           </a:fontRef>
         </p:style>
       </p:cxnSp>
+      <p:grpSp>
+        <p:nvGrpSpPr>
+          <p:cNvPr id="13" name="그룹 12">
+            <a:extLst>
+              <a:ext uri="{FF2B5EF4-FFF2-40B4-BE49-F238E27FC236}">
+                <a16:creationId xmlns:a16="http://schemas.microsoft.com/office/drawing/2014/main" id="{EE2C55EF-C7B2-865C-2B76-F1C36C37325B}"/>
+              </a:ext>
+            </a:extLst>
+          </p:cNvPr>
+          <p:cNvGrpSpPr>
+            <a:grpSpLocks/>
+          </p:cNvGrpSpPr>
+          <p:nvPr/>
+        </p:nvGrpSpPr>
+        <p:grpSpPr>
+          <a:xfrm>
+            <a:off x="11360851" y="83696"/>
+            <a:ext cx="307840" cy="263869"/>
+            <a:chOff x="1302299" y="2529509"/>
+            <a:chExt cx="800080" cy="685799"/>
+          </a:xfrm>
+          <a:solidFill>
+            <a:schemeClr val="accent4">
+              <a:lumMod val="50000"/>
+            </a:schemeClr>
+          </a:solidFill>
+        </p:grpSpPr>
+        <p:sp>
+          <p:nvSpPr>
+            <p:cNvPr id="8" name="자유형: 도형 7">
+              <a:extLst>
+                <a:ext uri="{FF2B5EF4-FFF2-40B4-BE49-F238E27FC236}">
+                  <a16:creationId xmlns:a16="http://schemas.microsoft.com/office/drawing/2014/main" id="{1245671F-9D21-0D68-5CAB-07413301F861}"/>
+                </a:ext>
+              </a:extLst>
+            </p:cNvPr>
+            <p:cNvSpPr>
+              <a:spLocks/>
+            </p:cNvSpPr>
+            <p:nvPr/>
+          </p:nvSpPr>
+          <p:spPr>
+            <a:xfrm>
+              <a:off x="1302299" y="2529509"/>
+              <a:ext cx="800080" cy="417509"/>
+            </a:xfrm>
+            <a:custGeom>
+              <a:avLst/>
+              <a:gdLst>
+                <a:gd name="connsiteX0" fmla="*/ 400031 w 800080"/>
+                <a:gd name="connsiteY0" fmla="*/ 78581 h 417509"/>
+                <a:gd name="connsiteX1" fmla="*/ 400050 w 800080"/>
+                <a:gd name="connsiteY1" fmla="*/ 78581 h 417509"/>
+                <a:gd name="connsiteX2" fmla="*/ 756837 w 800080"/>
+                <a:gd name="connsiteY2" fmla="*/ 417509 h 417509"/>
+                <a:gd name="connsiteX3" fmla="*/ 800081 w 800080"/>
+                <a:gd name="connsiteY3" fmla="*/ 380552 h 417509"/>
+                <a:gd name="connsiteX4" fmla="*/ 400050 w 800080"/>
+                <a:gd name="connsiteY4" fmla="*/ 0 h 417509"/>
+                <a:gd name="connsiteX5" fmla="*/ 400031 w 800080"/>
+                <a:gd name="connsiteY5" fmla="*/ 0 h 417509"/>
+                <a:gd name="connsiteX6" fmla="*/ 0 w 800080"/>
+                <a:gd name="connsiteY6" fmla="*/ 380552 h 417509"/>
+                <a:gd name="connsiteX7" fmla="*/ 43244 w 800080"/>
+                <a:gd name="connsiteY7" fmla="*/ 417509 h 417509"/>
+                <a:gd name="connsiteX8" fmla="*/ 400031 w 800080"/>
+                <a:gd name="connsiteY8" fmla="*/ 78581 h 417509"/>
+              </a:gdLst>
+              <a:ahLst/>
+              <a:cxnLst>
+                <a:cxn ang="0">
+                  <a:pos x="connsiteX0" y="connsiteY0"/>
+                </a:cxn>
+                <a:cxn ang="0">
+                  <a:pos x="connsiteX1" y="connsiteY1"/>
+                </a:cxn>
+                <a:cxn ang="0">
+                  <a:pos x="connsiteX2" y="connsiteY2"/>
+                </a:cxn>
+                <a:cxn ang="0">
+                  <a:pos x="connsiteX3" y="connsiteY3"/>
+                </a:cxn>
+                <a:cxn ang="0">
+                  <a:pos x="connsiteX4" y="connsiteY4"/>
+                </a:cxn>
+                <a:cxn ang="0">
+                  <a:pos x="connsiteX5" y="connsiteY5"/>
+                </a:cxn>
+                <a:cxn ang="0">
+                  <a:pos x="connsiteX6" y="connsiteY6"/>
+                </a:cxn>
+                <a:cxn ang="0">
+                  <a:pos x="connsiteX7" y="connsiteY7"/>
+                </a:cxn>
+                <a:cxn ang="0">
+                  <a:pos x="connsiteX8" y="connsiteY8"/>
+                </a:cxn>
+              </a:cxnLst>
+              <a:rect l="l" t="t" r="r" b="b"/>
+              <a:pathLst>
+                <a:path w="800080" h="417509">
+                  <a:moveTo>
+                    <a:pt x="400031" y="78581"/>
+                  </a:moveTo>
+                  <a:lnTo>
+                    <a:pt x="400050" y="78581"/>
+                  </a:lnTo>
+                  <a:lnTo>
+                    <a:pt x="756837" y="417509"/>
+                  </a:lnTo>
+                  <a:lnTo>
+                    <a:pt x="800081" y="380552"/>
+                  </a:lnTo>
+                  <a:lnTo>
+                    <a:pt x="400050" y="0"/>
+                  </a:lnTo>
+                  <a:lnTo>
+                    <a:pt x="400031" y="0"/>
+                  </a:lnTo>
+                  <a:lnTo>
+                    <a:pt x="0" y="380552"/>
+                  </a:lnTo>
+                  <a:lnTo>
+                    <a:pt x="43244" y="417509"/>
+                  </a:lnTo>
+                  <a:lnTo>
+                    <a:pt x="400031" y="78581"/>
+                  </a:lnTo>
+                  <a:close/>
+                </a:path>
+              </a:pathLst>
+            </a:custGeom>
+            <a:grpFill/>
+            <a:ln w="9525" cap="flat">
+              <a:noFill/>
+              <a:prstDash val="solid"/>
+              <a:miter/>
+            </a:ln>
+          </p:spPr>
+          <p:txBody>
+            <a:bodyPr rtlCol="0" anchor="ctr"/>
+            <a:lstStyle/>
+            <a:p>
+              <a:endParaRPr lang="ko-KR" altLang="en-US"/>
+            </a:p>
+          </p:txBody>
+        </p:sp>
+        <p:sp>
+          <p:nvSpPr>
+            <p:cNvPr id="9" name="자유형: 도형 8">
+              <a:extLst>
+                <a:ext uri="{FF2B5EF4-FFF2-40B4-BE49-F238E27FC236}">
+                  <a16:creationId xmlns:a16="http://schemas.microsoft.com/office/drawing/2014/main" id="{242B6389-4223-BBB9-7576-40D167352741}"/>
+                </a:ext>
+              </a:extLst>
+            </p:cNvPr>
+            <p:cNvSpPr>
+              <a:spLocks/>
+            </p:cNvSpPr>
+            <p:nvPr/>
+          </p:nvSpPr>
+          <p:spPr>
+            <a:xfrm>
+              <a:off x="1416580" y="2660629"/>
+              <a:ext cx="571499" cy="554679"/>
+            </a:xfrm>
+            <a:custGeom>
+              <a:avLst/>
+              <a:gdLst>
+                <a:gd name="connsiteX0" fmla="*/ 0 w 571499"/>
+                <a:gd name="connsiteY0" fmla="*/ 271453 h 554678"/>
+                <a:gd name="connsiteX1" fmla="*/ 0 w 571499"/>
+                <a:gd name="connsiteY1" fmla="*/ 554679 h 554678"/>
+                <a:gd name="connsiteX2" fmla="*/ 228600 w 571499"/>
+                <a:gd name="connsiteY2" fmla="*/ 554679 h 554678"/>
+                <a:gd name="connsiteX3" fmla="*/ 228600 w 571499"/>
+                <a:gd name="connsiteY3" fmla="*/ 316554 h 554678"/>
+                <a:gd name="connsiteX4" fmla="*/ 342900 w 571499"/>
+                <a:gd name="connsiteY4" fmla="*/ 316554 h 554678"/>
+                <a:gd name="connsiteX5" fmla="*/ 342900 w 571499"/>
+                <a:gd name="connsiteY5" fmla="*/ 554679 h 554678"/>
+                <a:gd name="connsiteX6" fmla="*/ 571500 w 571499"/>
+                <a:gd name="connsiteY6" fmla="*/ 554679 h 554678"/>
+                <a:gd name="connsiteX7" fmla="*/ 571500 w 571499"/>
+                <a:gd name="connsiteY7" fmla="*/ 271443 h 554678"/>
+                <a:gd name="connsiteX8" fmla="*/ 285760 w 571499"/>
+                <a:gd name="connsiteY8" fmla="*/ 0 h 554678"/>
+                <a:gd name="connsiteX9" fmla="*/ 0 w 571499"/>
+                <a:gd name="connsiteY9" fmla="*/ 271453 h 554678"/>
+              </a:gdLst>
+              <a:ahLst/>
+              <a:cxnLst>
+                <a:cxn ang="0">
+                  <a:pos x="connsiteX0" y="connsiteY0"/>
+                </a:cxn>
+                <a:cxn ang="0">
+                  <a:pos x="connsiteX1" y="connsiteY1"/>
+                </a:cxn>
+                <a:cxn ang="0">
+                  <a:pos x="connsiteX2" y="connsiteY2"/>
+                </a:cxn>
+                <a:cxn ang="0">
+                  <a:pos x="connsiteX3" y="connsiteY3"/>
+                </a:cxn>
+                <a:cxn ang="0">
+                  <a:pos x="connsiteX4" y="connsiteY4"/>
+                </a:cxn>
+                <a:cxn ang="0">
+                  <a:pos x="connsiteX5" y="connsiteY5"/>
+                </a:cxn>
+                <a:cxn ang="0">
+                  <a:pos x="connsiteX6" y="connsiteY6"/>
+                </a:cxn>
+                <a:cxn ang="0">
+                  <a:pos x="connsiteX7" y="connsiteY7"/>
+                </a:cxn>
+                <a:cxn ang="0">
+                  <a:pos x="connsiteX8" y="connsiteY8"/>
+                </a:cxn>
+                <a:cxn ang="0">
+                  <a:pos x="connsiteX9" y="connsiteY9"/>
+                </a:cxn>
+              </a:cxnLst>
+              <a:rect l="l" t="t" r="r" b="b"/>
+              <a:pathLst>
+                <a:path w="571499" h="554678">
+                  <a:moveTo>
+                    <a:pt x="0" y="271453"/>
+                  </a:moveTo>
+                  <a:lnTo>
+                    <a:pt x="0" y="554679"/>
+                  </a:lnTo>
+                  <a:lnTo>
+                    <a:pt x="228600" y="554679"/>
+                  </a:lnTo>
+                  <a:lnTo>
+                    <a:pt x="228600" y="316554"/>
+                  </a:lnTo>
+                  <a:lnTo>
+                    <a:pt x="342900" y="316554"/>
+                  </a:lnTo>
+                  <a:lnTo>
+                    <a:pt x="342900" y="554679"/>
+                  </a:lnTo>
+                  <a:lnTo>
+                    <a:pt x="571500" y="554679"/>
+                  </a:lnTo>
+                  <a:lnTo>
+                    <a:pt x="571500" y="271443"/>
+                  </a:lnTo>
+                  <a:lnTo>
+                    <a:pt x="285760" y="0"/>
+                  </a:lnTo>
+                  <a:lnTo>
+                    <a:pt x="0" y="271453"/>
+                  </a:lnTo>
+                  <a:close/>
+                </a:path>
+              </a:pathLst>
+            </a:custGeom>
+            <a:grpFill/>
+            <a:ln w="9525" cap="flat">
+              <a:noFill/>
+              <a:prstDash val="solid"/>
+              <a:miter/>
+            </a:ln>
+          </p:spPr>
+          <p:txBody>
+            <a:bodyPr rtlCol="0" anchor="ctr"/>
+            <a:lstStyle/>
+            <a:p>
+              <a:endParaRPr lang="ko-KR" altLang="en-US"/>
+            </a:p>
+          </p:txBody>
+        </p:sp>
+      </p:grpSp>
+      <p:sp>
+        <p:nvSpPr>
+          <p:cNvPr id="15" name="TextBox 14">
+            <a:extLst>
+              <a:ext uri="{FF2B5EF4-FFF2-40B4-BE49-F238E27FC236}">
+                <a16:creationId xmlns:a16="http://schemas.microsoft.com/office/drawing/2014/main" id="{A991723C-9AF8-73CD-0334-ED2548E83F28}"/>
+              </a:ext>
+            </a:extLst>
+          </p:cNvPr>
+          <p:cNvSpPr txBox="1"/>
+          <p:nvPr/>
+        </p:nvSpPr>
+        <p:spPr>
+          <a:xfrm>
+            <a:off x="379485" y="3105834"/>
+            <a:ext cx="1322798" cy="646331"/>
+          </a:xfrm>
+          <a:prstGeom prst="rect">
+            <a:avLst/>
+          </a:prstGeom>
+          <a:noFill/>
+        </p:spPr>
+        <p:txBody>
+          <a:bodyPr wrap="none" rtlCol="0">
+            <a:spAutoFit/>
+          </a:bodyPr>
+          <a:lstStyle/>
+          <a:p>
+            <a:r>
+              <a:rPr lang="ko-KR" altLang="en-US" dirty="0"/>
+              <a:t>무기 컨셉</a:t>
+            </a:r>
+            <a:r>
+              <a:rPr lang="en-US" altLang="ko-KR" dirty="0"/>
+              <a:t>: </a:t>
+            </a:r>
+          </a:p>
+          <a:p>
+            <a:r>
+              <a:rPr lang="ko-KR" altLang="en-US" dirty="0"/>
+              <a:t>동작 컨셉</a:t>
+            </a:r>
+            <a:r>
+              <a:rPr lang="en-US" altLang="ko-KR" dirty="0"/>
+              <a:t>:</a:t>
+            </a:r>
+          </a:p>
+        </p:txBody>
+      </p:sp>
+      <p:sp>
+        <p:nvSpPr>
+          <p:cNvPr id="17" name="TextBox 16">
+            <a:extLst>
+              <a:ext uri="{FF2B5EF4-FFF2-40B4-BE49-F238E27FC236}">
+                <a16:creationId xmlns:a16="http://schemas.microsoft.com/office/drawing/2014/main" id="{4EA03C0C-B1CF-99D7-D005-13A9A3F87E05}"/>
+              </a:ext>
+            </a:extLst>
+          </p:cNvPr>
+          <p:cNvSpPr txBox="1"/>
+          <p:nvPr/>
+        </p:nvSpPr>
+        <p:spPr>
+          <a:xfrm>
+            <a:off x="379485" y="880808"/>
+            <a:ext cx="1322798" cy="646331"/>
+          </a:xfrm>
+          <a:prstGeom prst="rect">
+            <a:avLst/>
+          </a:prstGeom>
+          <a:noFill/>
+        </p:spPr>
+        <p:txBody>
+          <a:bodyPr wrap="none" rtlCol="0">
+            <a:spAutoFit/>
+          </a:bodyPr>
+          <a:lstStyle/>
+          <a:p>
+            <a:r>
+              <a:rPr lang="ko-KR" altLang="en-US" dirty="0"/>
+              <a:t>무기 컨셉</a:t>
+            </a:r>
+            <a:r>
+              <a:rPr lang="en-US" altLang="ko-KR" dirty="0"/>
+              <a:t>: </a:t>
+            </a:r>
+          </a:p>
+          <a:p>
+            <a:r>
+              <a:rPr lang="ko-KR" altLang="en-US" dirty="0"/>
+              <a:t>동작 컨셉</a:t>
+            </a:r>
+            <a:r>
+              <a:rPr lang="en-US" altLang="ko-KR" dirty="0"/>
+              <a:t>:</a:t>
+            </a:r>
+          </a:p>
+        </p:txBody>
+      </p:sp>
+      <p:sp>
+        <p:nvSpPr>
+          <p:cNvPr id="21" name="TextBox 20">
+            <a:extLst>
+              <a:ext uri="{FF2B5EF4-FFF2-40B4-BE49-F238E27FC236}">
+                <a16:creationId xmlns:a16="http://schemas.microsoft.com/office/drawing/2014/main" id="{3B6D27EC-D16E-2AFA-F720-E5B39A1D6CE6}"/>
+              </a:ext>
+            </a:extLst>
+          </p:cNvPr>
+          <p:cNvSpPr txBox="1">
+            <a:spLocks/>
+          </p:cNvSpPr>
+          <p:nvPr/>
+        </p:nvSpPr>
+        <p:spPr>
+          <a:xfrm>
+            <a:off x="11624713" y="165891"/>
+            <a:ext cx="535724" cy="230832"/>
+          </a:xfrm>
+          <a:prstGeom prst="rect">
+            <a:avLst/>
+          </a:prstGeom>
+          <a:noFill/>
+        </p:spPr>
+        <p:txBody>
+          <a:bodyPr wrap="none" rtlCol="0">
+            <a:spAutoFit/>
+          </a:bodyPr>
+          <a:lstStyle/>
+          <a:p>
+            <a:pPr algn="r"/>
+            <a:r>
+              <a:rPr lang="en-US" altLang="ko-KR" sz="900" b="1" i="1" dirty="0">
+                <a:solidFill>
+                  <a:schemeClr val="bg1">
+                    <a:lumMod val="50000"/>
+                  </a:schemeClr>
+                </a:solidFill>
+              </a:rPr>
+              <a:t>HOME</a:t>
+            </a:r>
+            <a:endParaRPr lang="en-US" altLang="ko-KR" sz="900" b="1" i="1" dirty="0">
+              <a:solidFill>
+                <a:schemeClr val="bg1">
+                  <a:lumMod val="50000"/>
+                </a:schemeClr>
+              </a:solidFill>
+              <a:effectLst/>
+            </a:endParaRPr>
+          </a:p>
+        </p:txBody>
+      </p:sp>
     </p:spTree>
     <p:extLst>
       <p:ext uri="{BB962C8B-B14F-4D97-AF65-F5344CB8AC3E}">
@@ -4673,271 +5125,222 @@
           <a:chExt cx="0" cy="0"/>
         </a:xfrm>
       </p:grpSpPr>
-      <p:sp>
-        <p:nvSpPr>
-          <p:cNvPr id="16" name="TextBox 15">
+      <p:grpSp>
+        <p:nvGrpSpPr>
+          <p:cNvPr id="9" name="그룹 8">
             <a:extLst>
               <a:ext uri="{FF2B5EF4-FFF2-40B4-BE49-F238E27FC236}">
-                <a16:creationId xmlns:a16="http://schemas.microsoft.com/office/drawing/2014/main" id="{C39179F9-C670-49DD-9B63-20EFFDAAB0AF}"/>
+                <a16:creationId xmlns:a16="http://schemas.microsoft.com/office/drawing/2014/main" id="{242C9FFE-7609-18EF-461D-E7D0A1C6B5C9}"/>
               </a:ext>
             </a:extLst>
           </p:cNvPr>
-          <p:cNvSpPr txBox="1"/>
+          <p:cNvGrpSpPr>
+            <a:grpSpLocks noGrp="1" noUngrp="1" noRot="1" noMove="1" noResize="1"/>
+          </p:cNvGrpSpPr>
           <p:nvPr/>
-        </p:nvSpPr>
-        <p:spPr>
+        </p:nvGrpSpPr>
+        <p:grpSpPr>
           <a:xfrm>
-            <a:off x="2240150" y="251490"/>
-            <a:ext cx="854721" cy="276999"/>
+            <a:off x="1" y="78962"/>
+            <a:ext cx="12191999" cy="515815"/>
+            <a:chOff x="1" y="78962"/>
+            <a:chExt cx="12191999" cy="515815"/>
           </a:xfrm>
-          <a:prstGeom prst="rect">
-            <a:avLst/>
-          </a:prstGeom>
-          <a:noFill/>
-        </p:spPr>
-        <p:txBody>
-          <a:bodyPr wrap="none" rtlCol="0">
-            <a:spAutoFit/>
-          </a:bodyPr>
-          <a:lstStyle/>
-          <a:p>
-            <a:pPr algn="ctr"/>
-            <a:r>
-              <a:rPr lang="ko-KR" altLang="en-US" sz="1200" b="1" dirty="0">
+        </p:grpSpPr>
+        <p:sp>
+          <p:nvSpPr>
+            <p:cNvPr id="16" name="TextBox 15">
+              <a:extLst>
+                <a:ext uri="{FF2B5EF4-FFF2-40B4-BE49-F238E27FC236}">
+                  <a16:creationId xmlns:a16="http://schemas.microsoft.com/office/drawing/2014/main" id="{C39179F9-C670-49DD-9B63-20EFFDAAB0AF}"/>
+                </a:ext>
+              </a:extLst>
+            </p:cNvPr>
+            <p:cNvSpPr txBox="1">
+              <a:spLocks noGrp="1" noRot="1" noMove="1" noResize="1" noEditPoints="1" noAdjustHandles="1" noChangeArrowheads="1" noChangeShapeType="1"/>
+            </p:cNvSpPr>
+            <p:nvPr/>
+          </p:nvSpPr>
+          <p:spPr>
+            <a:xfrm>
+              <a:off x="2279583" y="251490"/>
+              <a:ext cx="854721" cy="276999"/>
+            </a:xfrm>
+            <a:prstGeom prst="rect">
+              <a:avLst/>
+            </a:prstGeom>
+            <a:noFill/>
+          </p:spPr>
+          <p:txBody>
+            <a:bodyPr wrap="none" rtlCol="0">
+              <a:spAutoFit/>
+            </a:bodyPr>
+            <a:lstStyle/>
+            <a:p>
+              <a:pPr algn="ctr"/>
+              <a:r>
+                <a:rPr lang="ko-KR" altLang="en-US" sz="1200" b="1" dirty="0">
+                  <a:effectLst/>
+                </a:rPr>
+                <a:t>무기 소개</a:t>
+              </a:r>
+              <a:endParaRPr lang="en-US" altLang="ko-KR" sz="1200" b="1" dirty="0">
                 <a:effectLst/>
-              </a:rPr>
-              <a:t>무기 소개</a:t>
-            </a:r>
-            <a:endParaRPr lang="en-US" altLang="ko-KR" sz="1200" b="1" dirty="0">
-              <a:effectLst/>
-            </a:endParaRPr>
-          </a:p>
-        </p:txBody>
-      </p:sp>
-      <p:sp>
-        <p:nvSpPr>
-          <p:cNvPr id="33" name="TextBox 32">
-            <a:extLst>
-              <a:ext uri="{FF2B5EF4-FFF2-40B4-BE49-F238E27FC236}">
-                <a16:creationId xmlns:a16="http://schemas.microsoft.com/office/drawing/2014/main" id="{F62F3E9B-C7E6-43EC-87B7-D383431B5912}"/>
-              </a:ext>
-            </a:extLst>
-          </p:cNvPr>
-          <p:cNvSpPr txBox="1"/>
-          <p:nvPr/>
-        </p:nvSpPr>
-        <p:spPr>
-          <a:xfrm>
-            <a:off x="10502114" y="353329"/>
-            <a:ext cx="1689886" cy="230832"/>
-          </a:xfrm>
-          <a:prstGeom prst="rect">
-            <a:avLst/>
-          </a:prstGeom>
-          <a:noFill/>
-        </p:spPr>
-        <p:txBody>
-          <a:bodyPr wrap="none" rtlCol="0">
-            <a:spAutoFit/>
-          </a:bodyPr>
-          <a:lstStyle/>
-          <a:p>
-            <a:pPr algn="r"/>
-            <a:r>
-              <a:rPr lang="ko-KR" altLang="en-US" sz="900" b="1" dirty="0" err="1">
+              </a:endParaRPr>
+            </a:p>
+          </p:txBody>
+        </p:sp>
+        <p:sp>
+          <p:nvSpPr>
+            <p:cNvPr id="33" name="TextBox 32">
+              <a:extLst>
+                <a:ext uri="{FF2B5EF4-FFF2-40B4-BE49-F238E27FC236}">
+                  <a16:creationId xmlns:a16="http://schemas.microsoft.com/office/drawing/2014/main" id="{F62F3E9B-C7E6-43EC-87B7-D383431B5912}"/>
+                </a:ext>
+              </a:extLst>
+            </p:cNvPr>
+            <p:cNvSpPr txBox="1">
+              <a:spLocks noGrp="1" noRot="1" noMove="1" noResize="1" noEditPoints="1" noAdjustHandles="1" noChangeArrowheads="1" noChangeShapeType="1"/>
+            </p:cNvSpPr>
+            <p:nvPr/>
+          </p:nvSpPr>
+          <p:spPr>
+            <a:xfrm>
+              <a:off x="10502114" y="353329"/>
+              <a:ext cx="1689886" cy="230832"/>
+            </a:xfrm>
+            <a:prstGeom prst="rect">
+              <a:avLst/>
+            </a:prstGeom>
+            <a:noFill/>
+          </p:spPr>
+          <p:txBody>
+            <a:bodyPr wrap="none" rtlCol="0">
+              <a:spAutoFit/>
+            </a:bodyPr>
+            <a:lstStyle/>
+            <a:p>
+              <a:pPr algn="r"/>
+              <a:r>
+                <a:rPr lang="ko-KR" altLang="en-US" sz="900" b="1" dirty="0" err="1">
+                  <a:solidFill>
+                    <a:schemeClr val="bg1">
+                      <a:lumMod val="50000"/>
+                    </a:schemeClr>
+                  </a:solidFill>
+                  <a:effectLst/>
+                </a:rPr>
+                <a:t>리트루기아</a:t>
+              </a:r>
+              <a:r>
+                <a:rPr lang="ko-KR" altLang="en-US" sz="900" b="1" dirty="0">
+                  <a:solidFill>
+                    <a:schemeClr val="bg1">
+                      <a:lumMod val="50000"/>
+                    </a:schemeClr>
+                  </a:solidFill>
+                  <a:effectLst/>
+                </a:rPr>
+                <a:t> 부채 스킬 기획서</a:t>
+              </a:r>
+              <a:endParaRPr lang="en-US" altLang="ko-KR" sz="900" b="1" dirty="0">
                 <a:solidFill>
                   <a:schemeClr val="bg1">
                     <a:lumMod val="50000"/>
                   </a:schemeClr>
                 </a:solidFill>
                 <a:effectLst/>
-              </a:rPr>
-              <a:t>리트루기아</a:t>
-            </a:r>
-            <a:r>
-              <a:rPr lang="ko-KR" altLang="en-US" sz="900" b="1" dirty="0">
-                <a:solidFill>
-                  <a:schemeClr val="bg1">
-                    <a:lumMod val="50000"/>
-                  </a:schemeClr>
-                </a:solidFill>
-                <a:effectLst/>
-              </a:rPr>
-              <a:t> 부채 스킬 기획서</a:t>
-            </a:r>
-            <a:endParaRPr lang="en-US" altLang="ko-KR" sz="900" b="1" dirty="0">
-              <a:solidFill>
-                <a:schemeClr val="bg1">
-                  <a:lumMod val="50000"/>
-                </a:schemeClr>
-              </a:solidFill>
-              <a:effectLst/>
-            </a:endParaRPr>
-          </a:p>
-        </p:txBody>
-      </p:sp>
-      <p:sp>
-        <p:nvSpPr>
-          <p:cNvPr id="17" name="자유형: 도형 16">
-            <a:extLst>
-              <a:ext uri="{FF2B5EF4-FFF2-40B4-BE49-F238E27FC236}">
-                <a16:creationId xmlns:a16="http://schemas.microsoft.com/office/drawing/2014/main" id="{8990E30F-D94B-416F-8775-D7EEC6FFC20B}"/>
-              </a:ext>
-            </a:extLst>
-          </p:cNvPr>
-          <p:cNvSpPr/>
-          <p:nvPr/>
-        </p:nvSpPr>
-        <p:spPr>
-          <a:xfrm>
-            <a:off x="1830501" y="185202"/>
-            <a:ext cx="1674019" cy="409575"/>
-          </a:xfrm>
-          <a:custGeom>
-            <a:avLst/>
-            <a:gdLst>
-              <a:gd name="connsiteX0" fmla="*/ 0 w 1674019"/>
-              <a:gd name="connsiteY0" fmla="*/ 409575 h 409575"/>
-              <a:gd name="connsiteX1" fmla="*/ 69056 w 1674019"/>
-              <a:gd name="connsiteY1" fmla="*/ 409575 h 409575"/>
-              <a:gd name="connsiteX2" fmla="*/ 271463 w 1674019"/>
-              <a:gd name="connsiteY2" fmla="*/ 0 h 409575"/>
-              <a:gd name="connsiteX3" fmla="*/ 1674019 w 1674019"/>
-              <a:gd name="connsiteY3" fmla="*/ 0 h 409575"/>
-              <a:gd name="connsiteX4" fmla="*/ 1469231 w 1674019"/>
-              <a:gd name="connsiteY4" fmla="*/ 409575 h 409575"/>
-              <a:gd name="connsiteX5" fmla="*/ 1543050 w 1674019"/>
-              <a:gd name="connsiteY5" fmla="*/ 409575 h 409575"/>
-            </a:gdLst>
-            <a:ahLst/>
-            <a:cxnLst>
-              <a:cxn ang="0">
-                <a:pos x="connsiteX0" y="connsiteY0"/>
-              </a:cxn>
-              <a:cxn ang="0">
-                <a:pos x="connsiteX1" y="connsiteY1"/>
-              </a:cxn>
-              <a:cxn ang="0">
-                <a:pos x="connsiteX2" y="connsiteY2"/>
-              </a:cxn>
-              <a:cxn ang="0">
-                <a:pos x="connsiteX3" y="connsiteY3"/>
-              </a:cxn>
-              <a:cxn ang="0">
-                <a:pos x="connsiteX4" y="connsiteY4"/>
-              </a:cxn>
-              <a:cxn ang="0">
-                <a:pos x="connsiteX5" y="connsiteY5"/>
-              </a:cxn>
-            </a:cxnLst>
-            <a:rect l="l" t="t" r="r" b="b"/>
-            <a:pathLst>
-              <a:path w="1674019" h="409575">
-                <a:moveTo>
-                  <a:pt x="0" y="409575"/>
-                </a:moveTo>
-                <a:lnTo>
-                  <a:pt x="69056" y="409575"/>
-                </a:lnTo>
-                <a:lnTo>
-                  <a:pt x="271463" y="0"/>
-                </a:lnTo>
-                <a:lnTo>
-                  <a:pt x="1674019" y="0"/>
-                </a:lnTo>
-                <a:lnTo>
-                  <a:pt x="1469231" y="409575"/>
-                </a:lnTo>
-                <a:lnTo>
-                  <a:pt x="1543050" y="409575"/>
-                </a:lnTo>
-              </a:path>
-            </a:pathLst>
-          </a:custGeom>
-          <a:noFill/>
-          <a:ln w="28575">
-            <a:solidFill>
-              <a:schemeClr val="accent4">
-                <a:lumMod val="75000"/>
-              </a:schemeClr>
-            </a:solidFill>
-          </a:ln>
-        </p:spPr>
-        <p:style>
-          <a:lnRef idx="2">
-            <a:schemeClr val="accent1">
-              <a:shade val="50000"/>
-            </a:schemeClr>
-          </a:lnRef>
-          <a:fillRef idx="1">
-            <a:schemeClr val="accent1"/>
-          </a:fillRef>
-          <a:effectRef idx="0">
-            <a:schemeClr val="accent1"/>
-          </a:effectRef>
-          <a:fontRef idx="minor">
-            <a:schemeClr val="lt1"/>
-          </a:fontRef>
-        </p:style>
-        <p:txBody>
-          <a:bodyPr rtlCol="0" anchor="ctr"/>
-          <a:lstStyle/>
-          <a:p>
-            <a:pPr algn="ctr"/>
-            <a:endParaRPr lang="ko-KR" altLang="en-US"/>
-          </a:p>
-        </p:txBody>
-      </p:sp>
-      <p:grpSp>
-        <p:nvGrpSpPr>
-          <p:cNvPr id="18" name="그룹 17">
-            <a:extLst>
-              <a:ext uri="{FF2B5EF4-FFF2-40B4-BE49-F238E27FC236}">
-                <a16:creationId xmlns:a16="http://schemas.microsoft.com/office/drawing/2014/main" id="{F2A8965C-7A09-4C80-B841-C27F87EFD02E}"/>
-              </a:ext>
-            </a:extLst>
-          </p:cNvPr>
-          <p:cNvGrpSpPr/>
-          <p:nvPr/>
-        </p:nvGrpSpPr>
-        <p:grpSpPr>
-          <a:xfrm>
-            <a:off x="3506012" y="181080"/>
-            <a:ext cx="1600200" cy="403080"/>
-            <a:chOff x="4391025" y="108202"/>
-            <a:chExt cx="1600200" cy="524755"/>
-          </a:xfrm>
-          <a:solidFill>
-            <a:schemeClr val="bg1">
-              <a:lumMod val="95000"/>
-            </a:schemeClr>
-          </a:solidFill>
-        </p:grpSpPr>
+              </a:endParaRPr>
+            </a:p>
+          </p:txBody>
+        </p:sp>
         <p:sp>
           <p:nvSpPr>
-            <p:cNvPr id="28" name="평행 사변형 27">
+            <p:cNvPr id="17" name="자유형: 도형 16">
               <a:extLst>
                 <a:ext uri="{FF2B5EF4-FFF2-40B4-BE49-F238E27FC236}">
-                  <a16:creationId xmlns:a16="http://schemas.microsoft.com/office/drawing/2014/main" id="{AE9C57D5-1110-4CE4-8882-9328422602C9}"/>
+                  <a16:creationId xmlns:a16="http://schemas.microsoft.com/office/drawing/2014/main" id="{8990E30F-D94B-416F-8775-D7EEC6FFC20B}"/>
                 </a:ext>
               </a:extLst>
             </p:cNvPr>
-            <p:cNvSpPr/>
+            <p:cNvSpPr>
+              <a:spLocks noGrp="1" noRot="1" noMove="1" noResize="1" noEditPoints="1" noAdjustHandles="1" noChangeArrowheads="1" noChangeShapeType="1"/>
+            </p:cNvSpPr>
             <p:nvPr/>
           </p:nvSpPr>
           <p:spPr>
             <a:xfrm>
-              <a:off x="4391025" y="108202"/>
-              <a:ext cx="1600200" cy="524755"/>
+              <a:off x="1830501" y="185202"/>
+              <a:ext cx="1674019" cy="409575"/>
             </a:xfrm>
-            <a:prstGeom prst="parallelogram">
-              <a:avLst>
-                <a:gd name="adj" fmla="val 49299"/>
-              </a:avLst>
-            </a:prstGeom>
-            <a:grpFill/>
-            <a:ln>
-              <a:noFill/>
+            <a:custGeom>
+              <a:avLst/>
+              <a:gdLst>
+                <a:gd name="connsiteX0" fmla="*/ 0 w 1674019"/>
+                <a:gd name="connsiteY0" fmla="*/ 409575 h 409575"/>
+                <a:gd name="connsiteX1" fmla="*/ 69056 w 1674019"/>
+                <a:gd name="connsiteY1" fmla="*/ 409575 h 409575"/>
+                <a:gd name="connsiteX2" fmla="*/ 271463 w 1674019"/>
+                <a:gd name="connsiteY2" fmla="*/ 0 h 409575"/>
+                <a:gd name="connsiteX3" fmla="*/ 1674019 w 1674019"/>
+                <a:gd name="connsiteY3" fmla="*/ 0 h 409575"/>
+                <a:gd name="connsiteX4" fmla="*/ 1469231 w 1674019"/>
+                <a:gd name="connsiteY4" fmla="*/ 409575 h 409575"/>
+                <a:gd name="connsiteX5" fmla="*/ 1543050 w 1674019"/>
+                <a:gd name="connsiteY5" fmla="*/ 409575 h 409575"/>
+              </a:gdLst>
+              <a:ahLst/>
+              <a:cxnLst>
+                <a:cxn ang="0">
+                  <a:pos x="connsiteX0" y="connsiteY0"/>
+                </a:cxn>
+                <a:cxn ang="0">
+                  <a:pos x="connsiteX1" y="connsiteY1"/>
+                </a:cxn>
+                <a:cxn ang="0">
+                  <a:pos x="connsiteX2" y="connsiteY2"/>
+                </a:cxn>
+                <a:cxn ang="0">
+                  <a:pos x="connsiteX3" y="connsiteY3"/>
+                </a:cxn>
+                <a:cxn ang="0">
+                  <a:pos x="connsiteX4" y="connsiteY4"/>
+                </a:cxn>
+                <a:cxn ang="0">
+                  <a:pos x="connsiteX5" y="connsiteY5"/>
+                </a:cxn>
+              </a:cxnLst>
+              <a:rect l="l" t="t" r="r" b="b"/>
+              <a:pathLst>
+                <a:path w="1674019" h="409575">
+                  <a:moveTo>
+                    <a:pt x="0" y="409575"/>
+                  </a:moveTo>
+                  <a:lnTo>
+                    <a:pt x="69056" y="409575"/>
+                  </a:lnTo>
+                  <a:lnTo>
+                    <a:pt x="271463" y="0"/>
+                  </a:lnTo>
+                  <a:lnTo>
+                    <a:pt x="1674019" y="0"/>
+                  </a:lnTo>
+                  <a:lnTo>
+                    <a:pt x="1469231" y="409575"/>
+                  </a:lnTo>
+                  <a:lnTo>
+                    <a:pt x="1543050" y="409575"/>
+                  </a:lnTo>
+                </a:path>
+              </a:pathLst>
+            </a:custGeom>
+            <a:noFill/>
+            <a:ln w="28575">
+              <a:solidFill>
+                <a:schemeClr val="accent4">
+                  <a:lumMod val="75000"/>
+                </a:schemeClr>
+              </a:solidFill>
             </a:ln>
           </p:spPr>
           <p:style>
@@ -4961,37 +5364,921 @@
             <a:lstStyle/>
             <a:p>
               <a:pPr algn="ctr"/>
-              <a:endParaRPr lang="ko-KR" altLang="en-US">
-                <a:solidFill>
-                  <a:schemeClr val="bg1">
-                    <a:lumMod val="50000"/>
-                  </a:schemeClr>
-                </a:solidFill>
-              </a:endParaRPr>
+              <a:endParaRPr lang="ko-KR" altLang="en-US"/>
             </a:p>
           </p:txBody>
         </p:sp>
-        <p:sp>
-          <p:nvSpPr>
-            <p:cNvPr id="29" name="TextBox 28">
+        <p:grpSp>
+          <p:nvGrpSpPr>
+            <p:cNvPr id="18" name="그룹 17">
               <a:extLst>
                 <a:ext uri="{FF2B5EF4-FFF2-40B4-BE49-F238E27FC236}">
-                  <a16:creationId xmlns:a16="http://schemas.microsoft.com/office/drawing/2014/main" id="{87A86603-4753-4FBE-A8C7-8B2A2DE45839}"/>
+                  <a16:creationId xmlns:a16="http://schemas.microsoft.com/office/drawing/2014/main" id="{F2A8965C-7A09-4C80-B841-C27F87EFD02E}"/>
                 </a:ext>
               </a:extLst>
             </p:cNvPr>
-            <p:cNvSpPr txBox="1"/>
+            <p:cNvGrpSpPr>
+              <a:grpSpLocks noGrp="1" noUngrp="1" noRot="1" noMove="1" noResize="1"/>
+            </p:cNvGrpSpPr>
+            <p:nvPr/>
+          </p:nvGrpSpPr>
+          <p:grpSpPr>
+            <a:xfrm>
+              <a:off x="3506012" y="181080"/>
+              <a:ext cx="1600200" cy="403080"/>
+              <a:chOff x="4391025" y="108202"/>
+              <a:chExt cx="1600200" cy="524755"/>
+            </a:xfrm>
+            <a:solidFill>
+              <a:schemeClr val="bg1">
+                <a:lumMod val="95000"/>
+              </a:schemeClr>
+            </a:solidFill>
+          </p:grpSpPr>
+          <p:sp>
+            <p:nvSpPr>
+              <p:cNvPr id="28" name="평행 사변형 27">
+                <a:extLst>
+                  <a:ext uri="{FF2B5EF4-FFF2-40B4-BE49-F238E27FC236}">
+                    <a16:creationId xmlns:a16="http://schemas.microsoft.com/office/drawing/2014/main" id="{AE9C57D5-1110-4CE4-8882-9328422602C9}"/>
+                  </a:ext>
+                </a:extLst>
+              </p:cNvPr>
+              <p:cNvSpPr>
+                <a:spLocks noGrp="1" noRot="1" noMove="1" noResize="1" noEditPoints="1" noAdjustHandles="1" noChangeArrowheads="1" noChangeShapeType="1"/>
+              </p:cNvSpPr>
+              <p:nvPr/>
+            </p:nvSpPr>
+            <p:spPr>
+              <a:xfrm>
+                <a:off x="4391025" y="108202"/>
+                <a:ext cx="1600200" cy="524755"/>
+              </a:xfrm>
+              <a:prstGeom prst="parallelogram">
+                <a:avLst>
+                  <a:gd name="adj" fmla="val 49299"/>
+                </a:avLst>
+              </a:prstGeom>
+              <a:grpFill/>
+              <a:ln>
+                <a:noFill/>
+              </a:ln>
+            </p:spPr>
+            <p:style>
+              <a:lnRef idx="2">
+                <a:schemeClr val="accent1">
+                  <a:shade val="50000"/>
+                </a:schemeClr>
+              </a:lnRef>
+              <a:fillRef idx="1">
+                <a:schemeClr val="accent1"/>
+              </a:fillRef>
+              <a:effectRef idx="0">
+                <a:schemeClr val="accent1"/>
+              </a:effectRef>
+              <a:fontRef idx="minor">
+                <a:schemeClr val="lt1"/>
+              </a:fontRef>
+            </p:style>
+            <p:txBody>
+              <a:bodyPr rtlCol="0" anchor="ctr"/>
+              <a:lstStyle/>
+              <a:p>
+                <a:pPr algn="ctr"/>
+                <a:endParaRPr lang="ko-KR" altLang="en-US" sz="1000">
+                  <a:solidFill>
+                    <a:schemeClr val="bg1">
+                      <a:lumMod val="50000"/>
+                    </a:schemeClr>
+                  </a:solidFill>
+                </a:endParaRPr>
+              </a:p>
+            </p:txBody>
+          </p:sp>
+          <p:sp>
+            <p:nvSpPr>
+              <p:cNvPr id="29" name="TextBox 28">
+                <a:extLst>
+                  <a:ext uri="{FF2B5EF4-FFF2-40B4-BE49-F238E27FC236}">
+                    <a16:creationId xmlns:a16="http://schemas.microsoft.com/office/drawing/2014/main" id="{87A86603-4753-4FBE-A8C7-8B2A2DE45839}"/>
+                  </a:ext>
+                </a:extLst>
+              </p:cNvPr>
+              <p:cNvSpPr txBox="1">
+                <a:spLocks noGrp="1" noRot="1" noMove="1" noResize="1" noEditPoints="1" noAdjustHandles="1" noChangeArrowheads="1" noChangeShapeType="1"/>
+              </p:cNvSpPr>
+              <p:nvPr/>
+            </p:nvSpPr>
+            <p:spPr>
+              <a:xfrm>
+                <a:off x="4791817" y="200289"/>
+                <a:ext cx="742511" cy="320546"/>
+              </a:xfrm>
+              <a:prstGeom prst="rect">
+                <a:avLst/>
+              </a:prstGeom>
+              <a:grpFill/>
+            </p:spPr>
+            <p:txBody>
+              <a:bodyPr wrap="none" rtlCol="0">
+                <a:spAutoFit/>
+              </a:bodyPr>
+              <a:lstStyle/>
+              <a:p>
+                <a:r>
+                  <a:rPr lang="ko-KR" altLang="en-US" sz="1000" b="1" dirty="0">
+                    <a:solidFill>
+                      <a:schemeClr val="bg1">
+                        <a:lumMod val="50000"/>
+                      </a:schemeClr>
+                    </a:solidFill>
+                    <a:effectLst/>
+                  </a:rPr>
+                  <a:t>기본 모션</a:t>
+                </a:r>
+                <a:endParaRPr lang="en-US" altLang="ko-KR" sz="1000" b="1" dirty="0">
+                  <a:solidFill>
+                    <a:schemeClr val="bg1">
+                      <a:lumMod val="50000"/>
+                    </a:schemeClr>
+                  </a:solidFill>
+                  <a:effectLst/>
+                </a:endParaRPr>
+              </a:p>
+            </p:txBody>
+          </p:sp>
+        </p:grpSp>
+        <p:grpSp>
+          <p:nvGrpSpPr>
+            <p:cNvPr id="30" name="그룹 29">
+              <a:extLst>
+                <a:ext uri="{FF2B5EF4-FFF2-40B4-BE49-F238E27FC236}">
+                  <a16:creationId xmlns:a16="http://schemas.microsoft.com/office/drawing/2014/main" id="{16175AC9-E352-4D51-9964-F341A95EA371}"/>
+                </a:ext>
+              </a:extLst>
+            </p:cNvPr>
+            <p:cNvGrpSpPr>
+              <a:grpSpLocks noGrp="1" noUngrp="1" noRot="1" noMove="1" noResize="1"/>
+            </p:cNvGrpSpPr>
+            <p:nvPr/>
+          </p:nvGrpSpPr>
+          <p:grpSpPr>
+            <a:xfrm>
+              <a:off x="5104149" y="181080"/>
+              <a:ext cx="1600200" cy="403080"/>
+              <a:chOff x="4391025" y="108202"/>
+              <a:chExt cx="1600200" cy="524755"/>
+            </a:xfrm>
+            <a:solidFill>
+              <a:schemeClr val="bg1">
+                <a:lumMod val="95000"/>
+              </a:schemeClr>
+            </a:solidFill>
+          </p:grpSpPr>
+          <p:sp>
+            <p:nvSpPr>
+              <p:cNvPr id="31" name="평행 사변형 30">
+                <a:extLst>
+                  <a:ext uri="{FF2B5EF4-FFF2-40B4-BE49-F238E27FC236}">
+                    <a16:creationId xmlns:a16="http://schemas.microsoft.com/office/drawing/2014/main" id="{463AFC40-7263-479E-95C3-2BB8B21A1A53}"/>
+                  </a:ext>
+                </a:extLst>
+              </p:cNvPr>
+              <p:cNvSpPr>
+                <a:spLocks noGrp="1" noRot="1" noMove="1" noResize="1" noEditPoints="1" noAdjustHandles="1" noChangeArrowheads="1" noChangeShapeType="1"/>
+              </p:cNvSpPr>
+              <p:nvPr/>
+            </p:nvSpPr>
+            <p:spPr>
+              <a:xfrm>
+                <a:off x="4391025" y="108202"/>
+                <a:ext cx="1600200" cy="524755"/>
+              </a:xfrm>
+              <a:prstGeom prst="parallelogram">
+                <a:avLst>
+                  <a:gd name="adj" fmla="val 49299"/>
+                </a:avLst>
+              </a:prstGeom>
+              <a:grpFill/>
+              <a:ln>
+                <a:noFill/>
+              </a:ln>
+            </p:spPr>
+            <p:style>
+              <a:lnRef idx="2">
+                <a:schemeClr val="accent1">
+                  <a:shade val="50000"/>
+                </a:schemeClr>
+              </a:lnRef>
+              <a:fillRef idx="1">
+                <a:schemeClr val="accent1"/>
+              </a:fillRef>
+              <a:effectRef idx="0">
+                <a:schemeClr val="accent1"/>
+              </a:effectRef>
+              <a:fontRef idx="minor">
+                <a:schemeClr val="lt1"/>
+              </a:fontRef>
+            </p:style>
+            <p:txBody>
+              <a:bodyPr rtlCol="0" anchor="ctr"/>
+              <a:lstStyle/>
+              <a:p>
+                <a:pPr algn="ctr"/>
+                <a:endParaRPr lang="ko-KR" altLang="en-US" sz="1000" dirty="0">
+                  <a:solidFill>
+                    <a:schemeClr val="bg1">
+                      <a:lumMod val="50000"/>
+                    </a:schemeClr>
+                  </a:solidFill>
+                </a:endParaRPr>
+              </a:p>
+            </p:txBody>
+          </p:sp>
+          <p:sp>
+            <p:nvSpPr>
+              <p:cNvPr id="32" name="TextBox 31">
+                <a:extLst>
+                  <a:ext uri="{FF2B5EF4-FFF2-40B4-BE49-F238E27FC236}">
+                    <a16:creationId xmlns:a16="http://schemas.microsoft.com/office/drawing/2014/main" id="{CE2170C7-5C6E-4584-AF47-F1CCF25EFF68}"/>
+                  </a:ext>
+                </a:extLst>
+              </p:cNvPr>
+              <p:cNvSpPr txBox="1">
+                <a:spLocks noGrp="1" noRot="1" noMove="1" noResize="1" noEditPoints="1" noAdjustHandles="1" noChangeArrowheads="1" noChangeShapeType="1"/>
+              </p:cNvSpPr>
+              <p:nvPr/>
+            </p:nvSpPr>
+            <p:spPr>
+              <a:xfrm>
+                <a:off x="4957728" y="200289"/>
+                <a:ext cx="441146" cy="320546"/>
+              </a:xfrm>
+              <a:prstGeom prst="rect">
+                <a:avLst/>
+              </a:prstGeom>
+              <a:grpFill/>
+            </p:spPr>
+            <p:txBody>
+              <a:bodyPr wrap="none" rtlCol="0">
+                <a:spAutoFit/>
+              </a:bodyPr>
+              <a:lstStyle/>
+              <a:p>
+                <a:r>
+                  <a:rPr lang="ko-KR" altLang="en-US" sz="1000" b="1" dirty="0">
+                    <a:solidFill>
+                      <a:schemeClr val="bg1">
+                        <a:lumMod val="50000"/>
+                      </a:schemeClr>
+                    </a:solidFill>
+                    <a:effectLst/>
+                  </a:rPr>
+                  <a:t>스킬</a:t>
+                </a:r>
+                <a:endParaRPr lang="en-US" altLang="ko-KR" sz="1000" b="1" dirty="0">
+                  <a:solidFill>
+                    <a:schemeClr val="bg1">
+                      <a:lumMod val="50000"/>
+                    </a:schemeClr>
+                  </a:solidFill>
+                  <a:effectLst/>
+                </a:endParaRPr>
+              </a:p>
+            </p:txBody>
+          </p:sp>
+        </p:grpSp>
+        <p:grpSp>
+          <p:nvGrpSpPr>
+            <p:cNvPr id="34" name="그룹 33">
+              <a:extLst>
+                <a:ext uri="{FF2B5EF4-FFF2-40B4-BE49-F238E27FC236}">
+                  <a16:creationId xmlns:a16="http://schemas.microsoft.com/office/drawing/2014/main" id="{34D455AA-57B7-4B7C-806E-13AC02EB2AC3}"/>
+                </a:ext>
+              </a:extLst>
+            </p:cNvPr>
+            <p:cNvGrpSpPr>
+              <a:grpSpLocks noGrp="1" noUngrp="1" noRot="1" noMove="1" noResize="1"/>
+            </p:cNvGrpSpPr>
+            <p:nvPr/>
+          </p:nvGrpSpPr>
+          <p:grpSpPr>
+            <a:xfrm>
+              <a:off x="309738" y="181080"/>
+              <a:ext cx="1600200" cy="403081"/>
+              <a:chOff x="4391025" y="108202"/>
+              <a:chExt cx="1600200" cy="524755"/>
+            </a:xfrm>
+            <a:solidFill>
+              <a:schemeClr val="bg1">
+                <a:lumMod val="95000"/>
+              </a:schemeClr>
+            </a:solidFill>
+          </p:grpSpPr>
+          <p:sp>
+            <p:nvSpPr>
+              <p:cNvPr id="35" name="평행 사변형 34">
+                <a:extLst>
+                  <a:ext uri="{FF2B5EF4-FFF2-40B4-BE49-F238E27FC236}">
+                    <a16:creationId xmlns:a16="http://schemas.microsoft.com/office/drawing/2014/main" id="{D37558E0-E3A6-4749-8D0C-A9142AAA7220}"/>
+                  </a:ext>
+                </a:extLst>
+              </p:cNvPr>
+              <p:cNvSpPr>
+                <a:spLocks noGrp="1" noRot="1" noMove="1" noResize="1" noEditPoints="1" noAdjustHandles="1" noChangeArrowheads="1" noChangeShapeType="1"/>
+              </p:cNvSpPr>
+              <p:nvPr/>
+            </p:nvSpPr>
+            <p:spPr>
+              <a:xfrm>
+                <a:off x="4391025" y="108202"/>
+                <a:ext cx="1600200" cy="524755"/>
+              </a:xfrm>
+              <a:prstGeom prst="parallelogram">
+                <a:avLst>
+                  <a:gd name="adj" fmla="val 49299"/>
+                </a:avLst>
+              </a:prstGeom>
+              <a:grpFill/>
+              <a:ln>
+                <a:noFill/>
+              </a:ln>
+            </p:spPr>
+            <p:style>
+              <a:lnRef idx="2">
+                <a:schemeClr val="accent1">
+                  <a:shade val="50000"/>
+                </a:schemeClr>
+              </a:lnRef>
+              <a:fillRef idx="1">
+                <a:schemeClr val="accent1"/>
+              </a:fillRef>
+              <a:effectRef idx="0">
+                <a:schemeClr val="accent1"/>
+              </a:effectRef>
+              <a:fontRef idx="minor">
+                <a:schemeClr val="lt1"/>
+              </a:fontRef>
+            </p:style>
+            <p:txBody>
+              <a:bodyPr rtlCol="0" anchor="ctr"/>
+              <a:lstStyle/>
+              <a:p>
+                <a:pPr algn="ctr"/>
+                <a:endParaRPr lang="ko-KR" altLang="en-US" sz="1000">
+                  <a:solidFill>
+                    <a:schemeClr val="bg1">
+                      <a:lumMod val="50000"/>
+                    </a:schemeClr>
+                  </a:solidFill>
+                </a:endParaRPr>
+              </a:p>
+            </p:txBody>
+          </p:sp>
+          <p:sp>
+            <p:nvSpPr>
+              <p:cNvPr id="36" name="TextBox 35">
+                <a:extLst>
+                  <a:ext uri="{FF2B5EF4-FFF2-40B4-BE49-F238E27FC236}">
+                    <a16:creationId xmlns:a16="http://schemas.microsoft.com/office/drawing/2014/main" id="{8791B6D8-461C-40B8-8801-A7114EDD072C}"/>
+                  </a:ext>
+                </a:extLst>
+              </p:cNvPr>
+              <p:cNvSpPr txBox="1">
+                <a:spLocks noGrp="1" noRot="1" noMove="1" noResize="1" noEditPoints="1" noAdjustHandles="1" noChangeArrowheads="1" noChangeShapeType="1"/>
+              </p:cNvSpPr>
+              <p:nvPr/>
+            </p:nvSpPr>
+            <p:spPr>
+              <a:xfrm>
+                <a:off x="4791817" y="200289"/>
+                <a:ext cx="742511" cy="320545"/>
+              </a:xfrm>
+              <a:prstGeom prst="rect">
+                <a:avLst/>
+              </a:prstGeom>
+              <a:grpFill/>
+            </p:spPr>
+            <p:txBody>
+              <a:bodyPr wrap="none" rtlCol="0">
+                <a:spAutoFit/>
+              </a:bodyPr>
+              <a:lstStyle/>
+              <a:p>
+                <a:r>
+                  <a:rPr lang="ko-KR" altLang="en-US" sz="1000" b="1" dirty="0">
+                    <a:solidFill>
+                      <a:schemeClr val="bg1">
+                        <a:lumMod val="50000"/>
+                      </a:schemeClr>
+                    </a:solidFill>
+                  </a:rPr>
+                  <a:t>기획 의도</a:t>
+                </a:r>
+                <a:endParaRPr lang="en-US" altLang="ko-KR" sz="1000" b="1" dirty="0">
+                  <a:solidFill>
+                    <a:schemeClr val="bg1">
+                      <a:lumMod val="50000"/>
+                    </a:schemeClr>
+                  </a:solidFill>
+                  <a:effectLst/>
+                </a:endParaRPr>
+              </a:p>
+            </p:txBody>
+          </p:sp>
+        </p:grpSp>
+        <p:cxnSp>
+          <p:nvCxnSpPr>
+            <p:cNvPr id="37" name="직선 연결선 36">
+              <a:extLst>
+                <a:ext uri="{FF2B5EF4-FFF2-40B4-BE49-F238E27FC236}">
+                  <a16:creationId xmlns:a16="http://schemas.microsoft.com/office/drawing/2014/main" id="{FD1F631D-38BE-4D28-B764-73856FE1FD13}"/>
+                </a:ext>
+              </a:extLst>
+            </p:cNvPr>
+            <p:cNvCxnSpPr>
+              <a:cxnSpLocks noGrp="1" noRot="1" noMove="1" noResize="1" noEditPoints="1" noAdjustHandles="1" noChangeArrowheads="1" noChangeShapeType="1"/>
+              <a:stCxn id="17" idx="1"/>
+            </p:cNvCxnSpPr>
+            <p:nvPr/>
+          </p:nvCxnSpPr>
+          <p:spPr>
+            <a:xfrm flipH="1">
+              <a:off x="1" y="594777"/>
+              <a:ext cx="1899556" cy="0"/>
+            </a:xfrm>
+            <a:prstGeom prst="line">
+              <a:avLst/>
+            </a:prstGeom>
+            <a:ln w="28575">
+              <a:solidFill>
+                <a:schemeClr val="accent4">
+                  <a:lumMod val="75000"/>
+                </a:schemeClr>
+              </a:solidFill>
+            </a:ln>
+          </p:spPr>
+          <p:style>
+            <a:lnRef idx="2">
+              <a:schemeClr val="accent1"/>
+            </a:lnRef>
+            <a:fillRef idx="0">
+              <a:schemeClr val="accent1"/>
+            </a:fillRef>
+            <a:effectRef idx="1">
+              <a:schemeClr val="accent1"/>
+            </a:effectRef>
+            <a:fontRef idx="minor">
+              <a:schemeClr val="tx1"/>
+            </a:fontRef>
+          </p:style>
+        </p:cxnSp>
+        <p:cxnSp>
+          <p:nvCxnSpPr>
+            <p:cNvPr id="38" name="직선 연결선 37">
+              <a:extLst>
+                <a:ext uri="{FF2B5EF4-FFF2-40B4-BE49-F238E27FC236}">
+                  <a16:creationId xmlns:a16="http://schemas.microsoft.com/office/drawing/2014/main" id="{BCDE5DF0-6259-40AE-A730-230714AFAE19}"/>
+                </a:ext>
+              </a:extLst>
+            </p:cNvPr>
+            <p:cNvCxnSpPr>
+              <a:cxnSpLocks noGrp="1" noRot="1" noMove="1" noResize="1" noEditPoints="1" noAdjustHandles="1" noChangeArrowheads="1" noChangeShapeType="1"/>
+              <a:endCxn id="17" idx="4"/>
+            </p:cNvCxnSpPr>
+            <p:nvPr/>
+          </p:nvCxnSpPr>
+          <p:spPr>
+            <a:xfrm flipH="1">
+              <a:off x="3299732" y="594777"/>
+              <a:ext cx="8892268" cy="0"/>
+            </a:xfrm>
+            <a:prstGeom prst="line">
+              <a:avLst/>
+            </a:prstGeom>
+            <a:ln w="28575">
+              <a:solidFill>
+                <a:schemeClr val="accent4">
+                  <a:lumMod val="75000"/>
+                </a:schemeClr>
+              </a:solidFill>
+            </a:ln>
+          </p:spPr>
+          <p:style>
+            <a:lnRef idx="2">
+              <a:schemeClr val="accent1"/>
+            </a:lnRef>
+            <a:fillRef idx="0">
+              <a:schemeClr val="accent1"/>
+            </a:fillRef>
+            <a:effectRef idx="1">
+              <a:schemeClr val="accent1"/>
+            </a:effectRef>
+            <a:fontRef idx="minor">
+              <a:schemeClr val="tx1"/>
+            </a:fontRef>
+          </p:style>
+        </p:cxnSp>
+        <p:grpSp>
+          <p:nvGrpSpPr>
+            <p:cNvPr id="6" name="그룹 5">
+              <a:extLst>
+                <a:ext uri="{FF2B5EF4-FFF2-40B4-BE49-F238E27FC236}">
+                  <a16:creationId xmlns:a16="http://schemas.microsoft.com/office/drawing/2014/main" id="{D968A73D-F628-6218-3B16-AAAC03BED8E8}"/>
+                </a:ext>
+              </a:extLst>
+            </p:cNvPr>
+            <p:cNvGrpSpPr>
+              <a:grpSpLocks noGrp="1" noUngrp="1" noRot="1" noMove="1" noResize="1"/>
+            </p:cNvGrpSpPr>
+            <p:nvPr/>
+          </p:nvGrpSpPr>
+          <p:grpSpPr>
+            <a:xfrm>
+              <a:off x="11805028" y="78962"/>
+              <a:ext cx="307840" cy="263869"/>
+              <a:chOff x="1302299" y="2529509"/>
+              <a:chExt cx="800080" cy="685799"/>
+            </a:xfrm>
+            <a:solidFill>
+              <a:schemeClr val="accent4">
+                <a:lumMod val="50000"/>
+              </a:schemeClr>
+            </a:solidFill>
+          </p:grpSpPr>
+          <p:sp>
+            <p:nvSpPr>
+              <p:cNvPr id="7" name="자유형: 도형 6">
+                <a:extLst>
+                  <a:ext uri="{FF2B5EF4-FFF2-40B4-BE49-F238E27FC236}">
+                    <a16:creationId xmlns:a16="http://schemas.microsoft.com/office/drawing/2014/main" id="{76D38AD3-54E2-0829-E7E3-6079D930A1B5}"/>
+                  </a:ext>
+                </a:extLst>
+              </p:cNvPr>
+              <p:cNvSpPr>
+                <a:spLocks noGrp="1" noRot="1" noMove="1" noResize="1" noEditPoints="1" noAdjustHandles="1" noChangeArrowheads="1" noChangeShapeType="1"/>
+              </p:cNvSpPr>
+              <p:nvPr/>
+            </p:nvSpPr>
+            <p:spPr>
+              <a:xfrm>
+                <a:off x="1302299" y="2529509"/>
+                <a:ext cx="800080" cy="417509"/>
+              </a:xfrm>
+              <a:custGeom>
+                <a:avLst/>
+                <a:gdLst>
+                  <a:gd name="connsiteX0" fmla="*/ 400031 w 800080"/>
+                  <a:gd name="connsiteY0" fmla="*/ 78581 h 417509"/>
+                  <a:gd name="connsiteX1" fmla="*/ 400050 w 800080"/>
+                  <a:gd name="connsiteY1" fmla="*/ 78581 h 417509"/>
+                  <a:gd name="connsiteX2" fmla="*/ 756837 w 800080"/>
+                  <a:gd name="connsiteY2" fmla="*/ 417509 h 417509"/>
+                  <a:gd name="connsiteX3" fmla="*/ 800081 w 800080"/>
+                  <a:gd name="connsiteY3" fmla="*/ 380552 h 417509"/>
+                  <a:gd name="connsiteX4" fmla="*/ 400050 w 800080"/>
+                  <a:gd name="connsiteY4" fmla="*/ 0 h 417509"/>
+                  <a:gd name="connsiteX5" fmla="*/ 400031 w 800080"/>
+                  <a:gd name="connsiteY5" fmla="*/ 0 h 417509"/>
+                  <a:gd name="connsiteX6" fmla="*/ 0 w 800080"/>
+                  <a:gd name="connsiteY6" fmla="*/ 380552 h 417509"/>
+                  <a:gd name="connsiteX7" fmla="*/ 43244 w 800080"/>
+                  <a:gd name="connsiteY7" fmla="*/ 417509 h 417509"/>
+                  <a:gd name="connsiteX8" fmla="*/ 400031 w 800080"/>
+                  <a:gd name="connsiteY8" fmla="*/ 78581 h 417509"/>
+                </a:gdLst>
+                <a:ahLst/>
+                <a:cxnLst>
+                  <a:cxn ang="0">
+                    <a:pos x="connsiteX0" y="connsiteY0"/>
+                  </a:cxn>
+                  <a:cxn ang="0">
+                    <a:pos x="connsiteX1" y="connsiteY1"/>
+                  </a:cxn>
+                  <a:cxn ang="0">
+                    <a:pos x="connsiteX2" y="connsiteY2"/>
+                  </a:cxn>
+                  <a:cxn ang="0">
+                    <a:pos x="connsiteX3" y="connsiteY3"/>
+                  </a:cxn>
+                  <a:cxn ang="0">
+                    <a:pos x="connsiteX4" y="connsiteY4"/>
+                  </a:cxn>
+                  <a:cxn ang="0">
+                    <a:pos x="connsiteX5" y="connsiteY5"/>
+                  </a:cxn>
+                  <a:cxn ang="0">
+                    <a:pos x="connsiteX6" y="connsiteY6"/>
+                  </a:cxn>
+                  <a:cxn ang="0">
+                    <a:pos x="connsiteX7" y="connsiteY7"/>
+                  </a:cxn>
+                  <a:cxn ang="0">
+                    <a:pos x="connsiteX8" y="connsiteY8"/>
+                  </a:cxn>
+                </a:cxnLst>
+                <a:rect l="l" t="t" r="r" b="b"/>
+                <a:pathLst>
+                  <a:path w="800080" h="417509">
+                    <a:moveTo>
+                      <a:pt x="400031" y="78581"/>
+                    </a:moveTo>
+                    <a:lnTo>
+                      <a:pt x="400050" y="78581"/>
+                    </a:lnTo>
+                    <a:lnTo>
+                      <a:pt x="756837" y="417509"/>
+                    </a:lnTo>
+                    <a:lnTo>
+                      <a:pt x="800081" y="380552"/>
+                    </a:lnTo>
+                    <a:lnTo>
+                      <a:pt x="400050" y="0"/>
+                    </a:lnTo>
+                    <a:lnTo>
+                      <a:pt x="400031" y="0"/>
+                    </a:lnTo>
+                    <a:lnTo>
+                      <a:pt x="0" y="380552"/>
+                    </a:lnTo>
+                    <a:lnTo>
+                      <a:pt x="43244" y="417509"/>
+                    </a:lnTo>
+                    <a:lnTo>
+                      <a:pt x="400031" y="78581"/>
+                    </a:lnTo>
+                    <a:close/>
+                  </a:path>
+                </a:pathLst>
+              </a:custGeom>
+              <a:grpFill/>
+              <a:ln w="9525" cap="flat">
+                <a:noFill/>
+                <a:prstDash val="solid"/>
+                <a:miter/>
+              </a:ln>
+            </p:spPr>
+            <p:txBody>
+              <a:bodyPr rtlCol="0" anchor="ctr"/>
+              <a:lstStyle/>
+              <a:p>
+                <a:endParaRPr lang="ko-KR" altLang="en-US"/>
+              </a:p>
+            </p:txBody>
+          </p:sp>
+          <p:sp>
+            <p:nvSpPr>
+              <p:cNvPr id="8" name="자유형: 도형 7">
+                <a:extLst>
+                  <a:ext uri="{FF2B5EF4-FFF2-40B4-BE49-F238E27FC236}">
+                    <a16:creationId xmlns:a16="http://schemas.microsoft.com/office/drawing/2014/main" id="{A4496306-3D32-4C0E-EBED-DFE136D5B986}"/>
+                  </a:ext>
+                </a:extLst>
+              </p:cNvPr>
+              <p:cNvSpPr>
+                <a:spLocks noGrp="1" noRot="1" noMove="1" noResize="1" noEditPoints="1" noAdjustHandles="1" noChangeArrowheads="1" noChangeShapeType="1"/>
+              </p:cNvSpPr>
+              <p:nvPr/>
+            </p:nvSpPr>
+            <p:spPr>
+              <a:xfrm>
+                <a:off x="1416580" y="2660630"/>
+                <a:ext cx="571499" cy="554678"/>
+              </a:xfrm>
+              <a:custGeom>
+                <a:avLst/>
+                <a:gdLst>
+                  <a:gd name="connsiteX0" fmla="*/ 0 w 571499"/>
+                  <a:gd name="connsiteY0" fmla="*/ 271453 h 554678"/>
+                  <a:gd name="connsiteX1" fmla="*/ 0 w 571499"/>
+                  <a:gd name="connsiteY1" fmla="*/ 554679 h 554678"/>
+                  <a:gd name="connsiteX2" fmla="*/ 228600 w 571499"/>
+                  <a:gd name="connsiteY2" fmla="*/ 554679 h 554678"/>
+                  <a:gd name="connsiteX3" fmla="*/ 228600 w 571499"/>
+                  <a:gd name="connsiteY3" fmla="*/ 316554 h 554678"/>
+                  <a:gd name="connsiteX4" fmla="*/ 342900 w 571499"/>
+                  <a:gd name="connsiteY4" fmla="*/ 316554 h 554678"/>
+                  <a:gd name="connsiteX5" fmla="*/ 342900 w 571499"/>
+                  <a:gd name="connsiteY5" fmla="*/ 554679 h 554678"/>
+                  <a:gd name="connsiteX6" fmla="*/ 571500 w 571499"/>
+                  <a:gd name="connsiteY6" fmla="*/ 554679 h 554678"/>
+                  <a:gd name="connsiteX7" fmla="*/ 571500 w 571499"/>
+                  <a:gd name="connsiteY7" fmla="*/ 271443 h 554678"/>
+                  <a:gd name="connsiteX8" fmla="*/ 285760 w 571499"/>
+                  <a:gd name="connsiteY8" fmla="*/ 0 h 554678"/>
+                  <a:gd name="connsiteX9" fmla="*/ 0 w 571499"/>
+                  <a:gd name="connsiteY9" fmla="*/ 271453 h 554678"/>
+                </a:gdLst>
+                <a:ahLst/>
+                <a:cxnLst>
+                  <a:cxn ang="0">
+                    <a:pos x="connsiteX0" y="connsiteY0"/>
+                  </a:cxn>
+                  <a:cxn ang="0">
+                    <a:pos x="connsiteX1" y="connsiteY1"/>
+                  </a:cxn>
+                  <a:cxn ang="0">
+                    <a:pos x="connsiteX2" y="connsiteY2"/>
+                  </a:cxn>
+                  <a:cxn ang="0">
+                    <a:pos x="connsiteX3" y="connsiteY3"/>
+                  </a:cxn>
+                  <a:cxn ang="0">
+                    <a:pos x="connsiteX4" y="connsiteY4"/>
+                  </a:cxn>
+                  <a:cxn ang="0">
+                    <a:pos x="connsiteX5" y="connsiteY5"/>
+                  </a:cxn>
+                  <a:cxn ang="0">
+                    <a:pos x="connsiteX6" y="connsiteY6"/>
+                  </a:cxn>
+                  <a:cxn ang="0">
+                    <a:pos x="connsiteX7" y="connsiteY7"/>
+                  </a:cxn>
+                  <a:cxn ang="0">
+                    <a:pos x="connsiteX8" y="connsiteY8"/>
+                  </a:cxn>
+                  <a:cxn ang="0">
+                    <a:pos x="connsiteX9" y="connsiteY9"/>
+                  </a:cxn>
+                </a:cxnLst>
+                <a:rect l="l" t="t" r="r" b="b"/>
+                <a:pathLst>
+                  <a:path w="571499" h="554678">
+                    <a:moveTo>
+                      <a:pt x="0" y="271453"/>
+                    </a:moveTo>
+                    <a:lnTo>
+                      <a:pt x="0" y="554679"/>
+                    </a:lnTo>
+                    <a:lnTo>
+                      <a:pt x="228600" y="554679"/>
+                    </a:lnTo>
+                    <a:lnTo>
+                      <a:pt x="228600" y="316554"/>
+                    </a:lnTo>
+                    <a:lnTo>
+                      <a:pt x="342900" y="316554"/>
+                    </a:lnTo>
+                    <a:lnTo>
+                      <a:pt x="342900" y="554679"/>
+                    </a:lnTo>
+                    <a:lnTo>
+                      <a:pt x="571500" y="554679"/>
+                    </a:lnTo>
+                    <a:lnTo>
+                      <a:pt x="571500" y="271443"/>
+                    </a:lnTo>
+                    <a:lnTo>
+                      <a:pt x="285760" y="0"/>
+                    </a:lnTo>
+                    <a:lnTo>
+                      <a:pt x="0" y="271453"/>
+                    </a:lnTo>
+                    <a:close/>
+                  </a:path>
+                </a:pathLst>
+              </a:custGeom>
+              <a:grpFill/>
+              <a:ln w="9525" cap="flat">
+                <a:noFill/>
+                <a:prstDash val="solid"/>
+                <a:miter/>
+              </a:ln>
+            </p:spPr>
+            <p:txBody>
+              <a:bodyPr rtlCol="0" anchor="ctr"/>
+              <a:lstStyle/>
+              <a:p>
+                <a:endParaRPr lang="ko-KR" altLang="en-US"/>
+              </a:p>
+            </p:txBody>
+          </p:sp>
+        </p:grpSp>
+      </p:grpSp>
+      <p:sp>
+        <p:nvSpPr>
+          <p:cNvPr id="10" name="TextBox 9">
+            <a:extLst>
+              <a:ext uri="{FF2B5EF4-FFF2-40B4-BE49-F238E27FC236}">
+                <a16:creationId xmlns:a16="http://schemas.microsoft.com/office/drawing/2014/main" id="{435A165C-2503-EBD6-28DB-8C6694BB3518}"/>
+              </a:ext>
+            </a:extLst>
+          </p:cNvPr>
+          <p:cNvSpPr txBox="1"/>
+          <p:nvPr/>
+        </p:nvSpPr>
+        <p:spPr>
+          <a:xfrm>
+            <a:off x="309738" y="993735"/>
+            <a:ext cx="6199133" cy="369332"/>
+          </a:xfrm>
+          <a:prstGeom prst="rect">
+            <a:avLst/>
+          </a:prstGeom>
+          <a:noFill/>
+        </p:spPr>
+        <p:txBody>
+          <a:bodyPr wrap="none" rtlCol="0">
+            <a:spAutoFit/>
+          </a:bodyPr>
+          <a:lstStyle/>
+          <a:p>
+            <a:r>
+              <a:rPr lang="ko-KR" altLang="en-US" dirty="0"/>
+              <a:t>무기 컨셉</a:t>
+            </a:r>
+            <a:r>
+              <a:rPr lang="en-US" altLang="ko-KR" dirty="0"/>
+              <a:t>: </a:t>
+            </a:r>
+            <a:r>
+              <a:rPr lang="ko-KR" altLang="en-US" dirty="0"/>
+              <a:t>흰색 바탕에 검은 그림이 그려진 동양풍 </a:t>
+            </a:r>
+            <a:r>
+              <a:rPr lang="ko-KR" altLang="en-US" dirty="0" err="1"/>
+              <a:t>접부채</a:t>
+            </a:r>
+            <a:endParaRPr lang="en-US" altLang="ko-KR" dirty="0"/>
+          </a:p>
+        </p:txBody>
+      </p:sp>
+    </p:spTree>
+    <p:extLst>
+      <p:ext uri="{BB962C8B-B14F-4D97-AF65-F5344CB8AC3E}">
+        <p14:creationId xmlns:p14="http://schemas.microsoft.com/office/powerpoint/2010/main" val="4289967343"/>
+      </p:ext>
+    </p:extLst>
+  </p:cSld>
+  <p:clrMapOvr>
+    <a:masterClrMapping/>
+  </p:clrMapOvr>
+</p:sld>
+</file>
+
+<file path=ppt/slides/slide5.xml><?xml version="1.0" encoding="utf-8"?>
+<p:sld xmlns:a="http://schemas.openxmlformats.org/drawingml/2006/main" xmlns:r="http://schemas.openxmlformats.org/officeDocument/2006/relationships" xmlns:p="http://schemas.openxmlformats.org/presentationml/2006/main">
+  <p:cSld>
+    <p:spTree>
+      <p:nvGrpSpPr>
+        <p:cNvPr id="1" name=""/>
+        <p:cNvGrpSpPr/>
+        <p:nvPr/>
+      </p:nvGrpSpPr>
+      <p:grpSpPr>
+        <a:xfrm>
+          <a:off x="0" y="0"/>
+          <a:ext cx="0" cy="0"/>
+          <a:chOff x="0" y="0"/>
+          <a:chExt cx="0" cy="0"/>
+        </a:xfrm>
+      </p:grpSpPr>
+      <p:grpSp>
+        <p:nvGrpSpPr>
+          <p:cNvPr id="22" name="그룹 21">
+            <a:extLst>
+              <a:ext uri="{FF2B5EF4-FFF2-40B4-BE49-F238E27FC236}">
+                <a16:creationId xmlns:a16="http://schemas.microsoft.com/office/drawing/2014/main" id="{98CAFB43-7AD5-0661-4B70-96162F00C38E}"/>
+              </a:ext>
+            </a:extLst>
+          </p:cNvPr>
+          <p:cNvGrpSpPr>
+            <a:grpSpLocks noGrp="1" noUngrp="1" noRot="1" noMove="1" noResize="1"/>
+          </p:cNvGrpSpPr>
+          <p:nvPr/>
+        </p:nvGrpSpPr>
+        <p:grpSpPr>
+          <a:xfrm>
+            <a:off x="1" y="78962"/>
+            <a:ext cx="12191999" cy="515815"/>
+            <a:chOff x="1" y="78962"/>
+            <a:chExt cx="12191999" cy="515815"/>
+          </a:xfrm>
+        </p:grpSpPr>
+        <p:sp>
+          <p:nvSpPr>
+            <p:cNvPr id="33" name="TextBox 32">
+              <a:extLst>
+                <a:ext uri="{FF2B5EF4-FFF2-40B4-BE49-F238E27FC236}">
+                  <a16:creationId xmlns:a16="http://schemas.microsoft.com/office/drawing/2014/main" id="{F62F3E9B-C7E6-43EC-87B7-D383431B5912}"/>
+                </a:ext>
+              </a:extLst>
+            </p:cNvPr>
+            <p:cNvSpPr txBox="1">
+              <a:spLocks noGrp="1" noRot="1" noMove="1" noResize="1" noEditPoints="1" noAdjustHandles="1" noChangeArrowheads="1" noChangeShapeType="1"/>
+            </p:cNvSpPr>
             <p:nvPr/>
           </p:nvSpPr>
           <p:spPr>
             <a:xfrm>
-              <a:off x="4791817" y="200289"/>
-              <a:ext cx="798617" cy="340580"/>
+              <a:off x="10502114" y="353329"/>
+              <a:ext cx="1689886" cy="230832"/>
             </a:xfrm>
             <a:prstGeom prst="rect">
               <a:avLst/>
             </a:prstGeom>
-            <a:grpFill/>
+            <a:noFill/>
           </p:spPr>
           <p:txBody>
             <a:bodyPr wrap="none" rtlCol="0">
@@ -4999,8 +6286,9 @@
             </a:bodyPr>
             <a:lstStyle/>
             <a:p>
+              <a:pPr algn="r"/>
               <a:r>
-                <a:rPr lang="ko-KR" altLang="en-US" sz="1100" b="1" dirty="0">
+                <a:rPr lang="ko-KR" altLang="en-US" sz="900" b="1" dirty="0" err="1">
                   <a:solidFill>
                     <a:schemeClr val="bg1">
                       <a:lumMod val="50000"/>
@@ -5008,9 +6296,20 @@
                   </a:solidFill>
                   <a:effectLst/>
                 </a:rPr>
-                <a:t>기본 모션</a:t>
+                <a:t>리트루기아</a:t>
               </a:r>
-              <a:endParaRPr lang="en-US" altLang="ko-KR" sz="1100" b="1" dirty="0">
+              <a:r>
+                <a:rPr lang="ko-KR" altLang="en-US" sz="900" b="1" dirty="0">
+                  <a:solidFill>
+                    <a:schemeClr val="bg1">
+                      <a:lumMod val="50000"/>
+                    </a:schemeClr>
+                  </a:solidFill>
+                  <a:effectLst/>
+                </a:rPr>
+                <a:t> 부채 스킬 기획서</a:t>
+              </a:r>
+              <a:endParaRPr lang="en-US" altLang="ko-KR" sz="900" b="1" dirty="0">
                 <a:solidFill>
                   <a:schemeClr val="bg1">
                     <a:lumMod val="50000"/>
@@ -5021,57 +6320,647 @@
             </a:p>
           </p:txBody>
         </p:sp>
-      </p:grpSp>
-      <p:grpSp>
-        <p:nvGrpSpPr>
-          <p:cNvPr id="30" name="그룹 29">
-            <a:extLst>
-              <a:ext uri="{FF2B5EF4-FFF2-40B4-BE49-F238E27FC236}">
-                <a16:creationId xmlns:a16="http://schemas.microsoft.com/office/drawing/2014/main" id="{16175AC9-E352-4D51-9964-F341A95EA371}"/>
-              </a:ext>
-            </a:extLst>
-          </p:cNvPr>
-          <p:cNvGrpSpPr/>
-          <p:nvPr/>
-        </p:nvGrpSpPr>
-        <p:grpSpPr>
-          <a:xfrm>
-            <a:off x="5104149" y="181080"/>
-            <a:ext cx="1600200" cy="403080"/>
-            <a:chOff x="4391025" y="108202"/>
-            <a:chExt cx="1600200" cy="524755"/>
-          </a:xfrm>
-          <a:solidFill>
-            <a:schemeClr val="bg1">
-              <a:lumMod val="95000"/>
-            </a:schemeClr>
-          </a:solidFill>
-        </p:grpSpPr>
-        <p:sp>
-          <p:nvSpPr>
-            <p:cNvPr id="31" name="평행 사변형 30">
+        <p:cxnSp>
+          <p:nvCxnSpPr>
+            <p:cNvPr id="37" name="직선 연결선 36">
               <a:extLst>
                 <a:ext uri="{FF2B5EF4-FFF2-40B4-BE49-F238E27FC236}">
-                  <a16:creationId xmlns:a16="http://schemas.microsoft.com/office/drawing/2014/main" id="{463AFC40-7263-479E-95C3-2BB8B21A1A53}"/>
+                  <a16:creationId xmlns:a16="http://schemas.microsoft.com/office/drawing/2014/main" id="{FD1F631D-38BE-4D28-B764-73856FE1FD13}"/>
                 </a:ext>
               </a:extLst>
             </p:cNvPr>
-            <p:cNvSpPr/>
+            <p:cNvCxnSpPr>
+              <a:cxnSpLocks noGrp="1" noRot="1" noMove="1" noResize="1" noEditPoints="1" noAdjustHandles="1" noChangeArrowheads="1" noChangeShapeType="1"/>
+              <a:stCxn id="12" idx="1"/>
+            </p:cNvCxnSpPr>
+            <p:nvPr/>
+          </p:nvCxnSpPr>
+          <p:spPr>
+            <a:xfrm flipH="1">
+              <a:off x="1" y="594777"/>
+              <a:ext cx="3497005" cy="0"/>
+            </a:xfrm>
+            <a:prstGeom prst="line">
+              <a:avLst/>
+            </a:prstGeom>
+            <a:ln w="28575">
+              <a:solidFill>
+                <a:schemeClr val="accent4">
+                  <a:lumMod val="75000"/>
+                </a:schemeClr>
+              </a:solidFill>
+            </a:ln>
+          </p:spPr>
+          <p:style>
+            <a:lnRef idx="2">
+              <a:schemeClr val="accent1"/>
+            </a:lnRef>
+            <a:fillRef idx="0">
+              <a:schemeClr val="accent1"/>
+            </a:fillRef>
+            <a:effectRef idx="1">
+              <a:schemeClr val="accent1"/>
+            </a:effectRef>
+            <a:fontRef idx="minor">
+              <a:schemeClr val="tx1"/>
+            </a:fontRef>
+          </p:style>
+        </p:cxnSp>
+        <p:cxnSp>
+          <p:nvCxnSpPr>
+            <p:cNvPr id="38" name="직선 연결선 37">
+              <a:extLst>
+                <a:ext uri="{FF2B5EF4-FFF2-40B4-BE49-F238E27FC236}">
+                  <a16:creationId xmlns:a16="http://schemas.microsoft.com/office/drawing/2014/main" id="{BCDE5DF0-6259-40AE-A730-230714AFAE19}"/>
+                </a:ext>
+              </a:extLst>
+            </p:cNvPr>
+            <p:cNvCxnSpPr>
+              <a:cxnSpLocks noGrp="1" noRot="1" noMove="1" noResize="1" noEditPoints="1" noAdjustHandles="1" noChangeArrowheads="1" noChangeShapeType="1"/>
+              <a:endCxn id="12" idx="4"/>
+            </p:cNvCxnSpPr>
+            <p:nvPr/>
+          </p:nvCxnSpPr>
+          <p:spPr>
+            <a:xfrm flipH="1">
+              <a:off x="4897181" y="594777"/>
+              <a:ext cx="7294819" cy="0"/>
+            </a:xfrm>
+            <a:prstGeom prst="line">
+              <a:avLst/>
+            </a:prstGeom>
+            <a:ln w="28575">
+              <a:solidFill>
+                <a:schemeClr val="accent4">
+                  <a:lumMod val="75000"/>
+                </a:schemeClr>
+              </a:solidFill>
+            </a:ln>
+          </p:spPr>
+          <p:style>
+            <a:lnRef idx="2">
+              <a:schemeClr val="accent1"/>
+            </a:lnRef>
+            <a:fillRef idx="0">
+              <a:schemeClr val="accent1"/>
+            </a:fillRef>
+            <a:effectRef idx="1">
+              <a:schemeClr val="accent1"/>
+            </a:effectRef>
+            <a:fontRef idx="minor">
+              <a:schemeClr val="tx1"/>
+            </a:fontRef>
+          </p:style>
+        </p:cxnSp>
+        <p:sp>
+          <p:nvSpPr>
+            <p:cNvPr id="2" name="TextBox 1">
+              <a:extLst>
+                <a:ext uri="{FF2B5EF4-FFF2-40B4-BE49-F238E27FC236}">
+                  <a16:creationId xmlns:a16="http://schemas.microsoft.com/office/drawing/2014/main" id="{ACF924D7-D7ED-E2D5-3321-09A7230D1B4E}"/>
+                </a:ext>
+              </a:extLst>
+            </p:cNvPr>
+            <p:cNvSpPr txBox="1">
+              <a:spLocks noGrp="1" noRot="1" noMove="1" noResize="1" noEditPoints="1" noAdjustHandles="1" noChangeArrowheads="1" noChangeShapeType="1"/>
+            </p:cNvSpPr>
             <p:nvPr/>
           </p:nvSpPr>
           <p:spPr>
             <a:xfrm>
-              <a:off x="4391025" y="108202"/>
-              <a:ext cx="1600200" cy="524755"/>
+              <a:off x="3877661" y="251490"/>
+              <a:ext cx="854721" cy="276999"/>
             </a:xfrm>
-            <a:prstGeom prst="parallelogram">
-              <a:avLst>
-                <a:gd name="adj" fmla="val 49299"/>
-              </a:avLst>
+            <a:prstGeom prst="rect">
+              <a:avLst/>
             </a:prstGeom>
-            <a:grpFill/>
-            <a:ln>
-              <a:noFill/>
+            <a:noFill/>
+          </p:spPr>
+          <p:txBody>
+            <a:bodyPr wrap="none" rtlCol="0">
+              <a:spAutoFit/>
+            </a:bodyPr>
+            <a:lstStyle/>
+            <a:p>
+              <a:pPr algn="ctr"/>
+              <a:r>
+                <a:rPr lang="ko-KR" altLang="en-US" sz="1200" b="1" dirty="0">
+                  <a:effectLst/>
+                </a:rPr>
+                <a:t>기본 모션</a:t>
+              </a:r>
+              <a:endParaRPr lang="en-US" altLang="ko-KR" sz="1200" b="1" dirty="0">
+                <a:effectLst/>
+              </a:endParaRPr>
+            </a:p>
+          </p:txBody>
+        </p:sp>
+        <p:grpSp>
+          <p:nvGrpSpPr>
+            <p:cNvPr id="3" name="그룹 2">
+              <a:extLst>
+                <a:ext uri="{FF2B5EF4-FFF2-40B4-BE49-F238E27FC236}">
+                  <a16:creationId xmlns:a16="http://schemas.microsoft.com/office/drawing/2014/main" id="{ECBCF6D6-9F03-6288-D310-A802A44C6423}"/>
+                </a:ext>
+              </a:extLst>
+            </p:cNvPr>
+            <p:cNvGrpSpPr>
+              <a:grpSpLocks noGrp="1" noUngrp="1" noRot="1" noMove="1" noResize="1"/>
+            </p:cNvGrpSpPr>
+            <p:nvPr/>
+          </p:nvGrpSpPr>
+          <p:grpSpPr>
+            <a:xfrm>
+              <a:off x="5104149" y="181080"/>
+              <a:ext cx="1600200" cy="403080"/>
+              <a:chOff x="4391025" y="108202"/>
+              <a:chExt cx="1600200" cy="524755"/>
+            </a:xfrm>
+            <a:solidFill>
+              <a:schemeClr val="bg1">
+                <a:lumMod val="95000"/>
+              </a:schemeClr>
+            </a:solidFill>
+          </p:grpSpPr>
+          <p:sp>
+            <p:nvSpPr>
+              <p:cNvPr id="4" name="평행 사변형 3">
+                <a:extLst>
+                  <a:ext uri="{FF2B5EF4-FFF2-40B4-BE49-F238E27FC236}">
+                    <a16:creationId xmlns:a16="http://schemas.microsoft.com/office/drawing/2014/main" id="{5C6BAC50-AF2B-6389-CB26-F638C8E4758E}"/>
+                  </a:ext>
+                </a:extLst>
+              </p:cNvPr>
+              <p:cNvSpPr>
+                <a:spLocks noGrp="1" noRot="1" noMove="1" noResize="1" noEditPoints="1" noAdjustHandles="1" noChangeArrowheads="1" noChangeShapeType="1"/>
+              </p:cNvSpPr>
+              <p:nvPr/>
+            </p:nvSpPr>
+            <p:spPr>
+              <a:xfrm>
+                <a:off x="4391025" y="108202"/>
+                <a:ext cx="1600200" cy="524755"/>
+              </a:xfrm>
+              <a:prstGeom prst="parallelogram">
+                <a:avLst>
+                  <a:gd name="adj" fmla="val 49299"/>
+                </a:avLst>
+              </a:prstGeom>
+              <a:grpFill/>
+              <a:ln>
+                <a:noFill/>
+              </a:ln>
+            </p:spPr>
+            <p:style>
+              <a:lnRef idx="2">
+                <a:schemeClr val="accent1">
+                  <a:shade val="50000"/>
+                </a:schemeClr>
+              </a:lnRef>
+              <a:fillRef idx="1">
+                <a:schemeClr val="accent1"/>
+              </a:fillRef>
+              <a:effectRef idx="0">
+                <a:schemeClr val="accent1"/>
+              </a:effectRef>
+              <a:fontRef idx="minor">
+                <a:schemeClr val="lt1"/>
+              </a:fontRef>
+            </p:style>
+            <p:txBody>
+              <a:bodyPr rtlCol="0" anchor="ctr"/>
+              <a:lstStyle/>
+              <a:p>
+                <a:pPr algn="ctr"/>
+                <a:endParaRPr lang="ko-KR" altLang="en-US" sz="1000" dirty="0">
+                  <a:solidFill>
+                    <a:schemeClr val="bg1">
+                      <a:lumMod val="50000"/>
+                    </a:schemeClr>
+                  </a:solidFill>
+                </a:endParaRPr>
+              </a:p>
+            </p:txBody>
+          </p:sp>
+          <p:sp>
+            <p:nvSpPr>
+              <p:cNvPr id="5" name="TextBox 4">
+                <a:extLst>
+                  <a:ext uri="{FF2B5EF4-FFF2-40B4-BE49-F238E27FC236}">
+                    <a16:creationId xmlns:a16="http://schemas.microsoft.com/office/drawing/2014/main" id="{058DCC59-CC73-B255-1DB1-ED3E4D91FCBD}"/>
+                  </a:ext>
+                </a:extLst>
+              </p:cNvPr>
+              <p:cNvSpPr txBox="1">
+                <a:spLocks noGrp="1" noRot="1" noMove="1" noResize="1" noEditPoints="1" noAdjustHandles="1" noChangeArrowheads="1" noChangeShapeType="1"/>
+              </p:cNvSpPr>
+              <p:nvPr/>
+            </p:nvSpPr>
+            <p:spPr>
+              <a:xfrm>
+                <a:off x="4957728" y="200289"/>
+                <a:ext cx="441146" cy="320546"/>
+              </a:xfrm>
+              <a:prstGeom prst="rect">
+                <a:avLst/>
+              </a:prstGeom>
+              <a:grpFill/>
+            </p:spPr>
+            <p:txBody>
+              <a:bodyPr wrap="none" rtlCol="0">
+                <a:spAutoFit/>
+              </a:bodyPr>
+              <a:lstStyle/>
+              <a:p>
+                <a:r>
+                  <a:rPr lang="ko-KR" altLang="en-US" sz="1000" b="1" dirty="0">
+                    <a:solidFill>
+                      <a:schemeClr val="bg1">
+                        <a:lumMod val="50000"/>
+                      </a:schemeClr>
+                    </a:solidFill>
+                    <a:effectLst/>
+                  </a:rPr>
+                  <a:t>스킬</a:t>
+                </a:r>
+                <a:endParaRPr lang="en-US" altLang="ko-KR" sz="1000" b="1" dirty="0">
+                  <a:solidFill>
+                    <a:schemeClr val="bg1">
+                      <a:lumMod val="50000"/>
+                    </a:schemeClr>
+                  </a:solidFill>
+                  <a:effectLst/>
+                </a:endParaRPr>
+              </a:p>
+            </p:txBody>
+          </p:sp>
+        </p:grpSp>
+        <p:grpSp>
+          <p:nvGrpSpPr>
+            <p:cNvPr id="6" name="그룹 5">
+              <a:extLst>
+                <a:ext uri="{FF2B5EF4-FFF2-40B4-BE49-F238E27FC236}">
+                  <a16:creationId xmlns:a16="http://schemas.microsoft.com/office/drawing/2014/main" id="{FC7FAFBE-F2FF-28E8-750C-44088111DE0F}"/>
+                </a:ext>
+              </a:extLst>
+            </p:cNvPr>
+            <p:cNvGrpSpPr>
+              <a:grpSpLocks noGrp="1" noUngrp="1" noRot="1" noMove="1" noResize="1"/>
+            </p:cNvGrpSpPr>
+            <p:nvPr/>
+          </p:nvGrpSpPr>
+          <p:grpSpPr>
+            <a:xfrm>
+              <a:off x="1907875" y="181080"/>
+              <a:ext cx="1600200" cy="403081"/>
+              <a:chOff x="4397331" y="108202"/>
+              <a:chExt cx="1600200" cy="524755"/>
+            </a:xfrm>
+            <a:solidFill>
+              <a:schemeClr val="bg1">
+                <a:lumMod val="95000"/>
+              </a:schemeClr>
+            </a:solidFill>
+          </p:grpSpPr>
+          <p:sp>
+            <p:nvSpPr>
+              <p:cNvPr id="7" name="평행 사변형 6">
+                <a:extLst>
+                  <a:ext uri="{FF2B5EF4-FFF2-40B4-BE49-F238E27FC236}">
+                    <a16:creationId xmlns:a16="http://schemas.microsoft.com/office/drawing/2014/main" id="{9C7AFE41-186B-FE14-D784-2589A6D86D95}"/>
+                  </a:ext>
+                </a:extLst>
+              </p:cNvPr>
+              <p:cNvSpPr>
+                <a:spLocks noGrp="1" noRot="1" noMove="1" noResize="1" noEditPoints="1" noAdjustHandles="1" noChangeArrowheads="1" noChangeShapeType="1"/>
+              </p:cNvSpPr>
+              <p:nvPr/>
+            </p:nvSpPr>
+            <p:spPr>
+              <a:xfrm>
+                <a:off x="4397331" y="108202"/>
+                <a:ext cx="1600200" cy="524755"/>
+              </a:xfrm>
+              <a:prstGeom prst="parallelogram">
+                <a:avLst>
+                  <a:gd name="adj" fmla="val 49299"/>
+                </a:avLst>
+              </a:prstGeom>
+              <a:grpFill/>
+              <a:ln>
+                <a:noFill/>
+              </a:ln>
+            </p:spPr>
+            <p:style>
+              <a:lnRef idx="2">
+                <a:schemeClr val="accent1">
+                  <a:shade val="50000"/>
+                </a:schemeClr>
+              </a:lnRef>
+              <a:fillRef idx="1">
+                <a:schemeClr val="accent1"/>
+              </a:fillRef>
+              <a:effectRef idx="0">
+                <a:schemeClr val="accent1"/>
+              </a:effectRef>
+              <a:fontRef idx="minor">
+                <a:schemeClr val="lt1"/>
+              </a:fontRef>
+            </p:style>
+            <p:txBody>
+              <a:bodyPr rtlCol="0" anchor="ctr"/>
+              <a:lstStyle/>
+              <a:p>
+                <a:pPr algn="ctr"/>
+                <a:endParaRPr lang="ko-KR" altLang="en-US" sz="1000">
+                  <a:solidFill>
+                    <a:schemeClr val="bg1">
+                      <a:lumMod val="50000"/>
+                    </a:schemeClr>
+                  </a:solidFill>
+                </a:endParaRPr>
+              </a:p>
+            </p:txBody>
+          </p:sp>
+          <p:sp>
+            <p:nvSpPr>
+              <p:cNvPr id="8" name="TextBox 7">
+                <a:extLst>
+                  <a:ext uri="{FF2B5EF4-FFF2-40B4-BE49-F238E27FC236}">
+                    <a16:creationId xmlns:a16="http://schemas.microsoft.com/office/drawing/2014/main" id="{13050C69-3ED4-D001-7ED5-3B7588C4A880}"/>
+                  </a:ext>
+                </a:extLst>
+              </p:cNvPr>
+              <p:cNvSpPr txBox="1">
+                <a:spLocks noGrp="1" noRot="1" noMove="1" noResize="1" noEditPoints="1" noAdjustHandles="1" noChangeArrowheads="1" noChangeShapeType="1"/>
+              </p:cNvSpPr>
+              <p:nvPr/>
+            </p:nvSpPr>
+            <p:spPr>
+              <a:xfrm>
+                <a:off x="4791817" y="200289"/>
+                <a:ext cx="742511" cy="320545"/>
+              </a:xfrm>
+              <a:prstGeom prst="rect">
+                <a:avLst/>
+              </a:prstGeom>
+              <a:grpFill/>
+            </p:spPr>
+            <p:txBody>
+              <a:bodyPr wrap="none" rtlCol="0">
+                <a:spAutoFit/>
+              </a:bodyPr>
+              <a:lstStyle/>
+              <a:p>
+                <a:r>
+                  <a:rPr lang="ko-KR" altLang="en-US" sz="1000" b="1" dirty="0">
+                    <a:solidFill>
+                      <a:schemeClr val="bg1">
+                        <a:lumMod val="50000"/>
+                      </a:schemeClr>
+                    </a:solidFill>
+                    <a:effectLst/>
+                  </a:rPr>
+                  <a:t>무기 소개</a:t>
+                </a:r>
+                <a:endParaRPr lang="en-US" altLang="ko-KR" sz="1000" b="1" dirty="0">
+                  <a:solidFill>
+                    <a:schemeClr val="bg1">
+                      <a:lumMod val="50000"/>
+                    </a:schemeClr>
+                  </a:solidFill>
+                  <a:effectLst/>
+                </a:endParaRPr>
+              </a:p>
+            </p:txBody>
+          </p:sp>
+        </p:grpSp>
+        <p:grpSp>
+          <p:nvGrpSpPr>
+            <p:cNvPr id="9" name="그룹 8">
+              <a:extLst>
+                <a:ext uri="{FF2B5EF4-FFF2-40B4-BE49-F238E27FC236}">
+                  <a16:creationId xmlns:a16="http://schemas.microsoft.com/office/drawing/2014/main" id="{E2E41A29-173E-E241-6C76-EA14BE98537A}"/>
+                </a:ext>
+              </a:extLst>
+            </p:cNvPr>
+            <p:cNvGrpSpPr>
+              <a:grpSpLocks noGrp="1" noUngrp="1" noRot="1" noMove="1" noResize="1"/>
+            </p:cNvGrpSpPr>
+            <p:nvPr/>
+          </p:nvGrpSpPr>
+          <p:grpSpPr>
+            <a:xfrm>
+              <a:off x="309738" y="181080"/>
+              <a:ext cx="1600200" cy="403081"/>
+              <a:chOff x="4391025" y="108202"/>
+              <a:chExt cx="1600200" cy="524755"/>
+            </a:xfrm>
+            <a:solidFill>
+              <a:schemeClr val="bg1">
+                <a:lumMod val="95000"/>
+              </a:schemeClr>
+            </a:solidFill>
+          </p:grpSpPr>
+          <p:sp>
+            <p:nvSpPr>
+              <p:cNvPr id="10" name="평행 사변형 9">
+                <a:extLst>
+                  <a:ext uri="{FF2B5EF4-FFF2-40B4-BE49-F238E27FC236}">
+                    <a16:creationId xmlns:a16="http://schemas.microsoft.com/office/drawing/2014/main" id="{8A41A1C9-9B60-9889-DE7E-2786571A8119}"/>
+                  </a:ext>
+                </a:extLst>
+              </p:cNvPr>
+              <p:cNvSpPr>
+                <a:spLocks noGrp="1" noRot="1" noMove="1" noResize="1" noEditPoints="1" noAdjustHandles="1" noChangeArrowheads="1" noChangeShapeType="1"/>
+              </p:cNvSpPr>
+              <p:nvPr/>
+            </p:nvSpPr>
+            <p:spPr>
+              <a:xfrm>
+                <a:off x="4391025" y="108202"/>
+                <a:ext cx="1600200" cy="524755"/>
+              </a:xfrm>
+              <a:prstGeom prst="parallelogram">
+                <a:avLst>
+                  <a:gd name="adj" fmla="val 49299"/>
+                </a:avLst>
+              </a:prstGeom>
+              <a:grpFill/>
+              <a:ln>
+                <a:noFill/>
+              </a:ln>
+            </p:spPr>
+            <p:style>
+              <a:lnRef idx="2">
+                <a:schemeClr val="accent1">
+                  <a:shade val="50000"/>
+                </a:schemeClr>
+              </a:lnRef>
+              <a:fillRef idx="1">
+                <a:schemeClr val="accent1"/>
+              </a:fillRef>
+              <a:effectRef idx="0">
+                <a:schemeClr val="accent1"/>
+              </a:effectRef>
+              <a:fontRef idx="minor">
+                <a:schemeClr val="lt1"/>
+              </a:fontRef>
+            </p:style>
+            <p:txBody>
+              <a:bodyPr rtlCol="0" anchor="ctr"/>
+              <a:lstStyle/>
+              <a:p>
+                <a:pPr algn="ctr"/>
+                <a:endParaRPr lang="ko-KR" altLang="en-US" sz="1000">
+                  <a:solidFill>
+                    <a:schemeClr val="bg1">
+                      <a:lumMod val="50000"/>
+                    </a:schemeClr>
+                  </a:solidFill>
+                </a:endParaRPr>
+              </a:p>
+            </p:txBody>
+          </p:sp>
+          <p:sp>
+            <p:nvSpPr>
+              <p:cNvPr id="11" name="TextBox 10">
+                <a:extLst>
+                  <a:ext uri="{FF2B5EF4-FFF2-40B4-BE49-F238E27FC236}">
+                    <a16:creationId xmlns:a16="http://schemas.microsoft.com/office/drawing/2014/main" id="{82509991-551C-EA21-CD38-E14417E679F2}"/>
+                  </a:ext>
+                </a:extLst>
+              </p:cNvPr>
+              <p:cNvSpPr txBox="1">
+                <a:spLocks noGrp="1" noRot="1" noMove="1" noResize="1" noEditPoints="1" noAdjustHandles="1" noChangeArrowheads="1" noChangeShapeType="1"/>
+              </p:cNvSpPr>
+              <p:nvPr/>
+            </p:nvSpPr>
+            <p:spPr>
+              <a:xfrm>
+                <a:off x="4791817" y="200289"/>
+                <a:ext cx="742511" cy="320545"/>
+              </a:xfrm>
+              <a:prstGeom prst="rect">
+                <a:avLst/>
+              </a:prstGeom>
+              <a:grpFill/>
+            </p:spPr>
+            <p:txBody>
+              <a:bodyPr wrap="none" rtlCol="0">
+                <a:spAutoFit/>
+              </a:bodyPr>
+              <a:lstStyle/>
+              <a:p>
+                <a:r>
+                  <a:rPr lang="ko-KR" altLang="en-US" sz="1000" b="1" dirty="0">
+                    <a:solidFill>
+                      <a:schemeClr val="bg1">
+                        <a:lumMod val="50000"/>
+                      </a:schemeClr>
+                    </a:solidFill>
+                  </a:rPr>
+                  <a:t>기획 의도</a:t>
+                </a:r>
+                <a:endParaRPr lang="en-US" altLang="ko-KR" sz="1000" b="1" dirty="0">
+                  <a:solidFill>
+                    <a:schemeClr val="bg1">
+                      <a:lumMod val="50000"/>
+                    </a:schemeClr>
+                  </a:solidFill>
+                  <a:effectLst/>
+                </a:endParaRPr>
+              </a:p>
+            </p:txBody>
+          </p:sp>
+        </p:grpSp>
+        <p:sp>
+          <p:nvSpPr>
+            <p:cNvPr id="12" name="자유형: 도형 11">
+              <a:extLst>
+                <a:ext uri="{FF2B5EF4-FFF2-40B4-BE49-F238E27FC236}">
+                  <a16:creationId xmlns:a16="http://schemas.microsoft.com/office/drawing/2014/main" id="{16935F8B-B1CF-99DB-2B8A-54C647F87467}"/>
+                </a:ext>
+              </a:extLst>
+            </p:cNvPr>
+            <p:cNvSpPr>
+              <a:spLocks noGrp="1" noRot="1" noMove="1" noResize="1" noEditPoints="1" noAdjustHandles="1" noChangeArrowheads="1" noChangeShapeType="1"/>
+            </p:cNvSpPr>
+            <p:nvPr/>
+          </p:nvSpPr>
+          <p:spPr>
+            <a:xfrm>
+              <a:off x="3427950" y="185202"/>
+              <a:ext cx="1674019" cy="409575"/>
+            </a:xfrm>
+            <a:custGeom>
+              <a:avLst/>
+              <a:gdLst>
+                <a:gd name="connsiteX0" fmla="*/ 0 w 1674019"/>
+                <a:gd name="connsiteY0" fmla="*/ 409575 h 409575"/>
+                <a:gd name="connsiteX1" fmla="*/ 69056 w 1674019"/>
+                <a:gd name="connsiteY1" fmla="*/ 409575 h 409575"/>
+                <a:gd name="connsiteX2" fmla="*/ 271463 w 1674019"/>
+                <a:gd name="connsiteY2" fmla="*/ 0 h 409575"/>
+                <a:gd name="connsiteX3" fmla="*/ 1674019 w 1674019"/>
+                <a:gd name="connsiteY3" fmla="*/ 0 h 409575"/>
+                <a:gd name="connsiteX4" fmla="*/ 1469231 w 1674019"/>
+                <a:gd name="connsiteY4" fmla="*/ 409575 h 409575"/>
+                <a:gd name="connsiteX5" fmla="*/ 1543050 w 1674019"/>
+                <a:gd name="connsiteY5" fmla="*/ 409575 h 409575"/>
+              </a:gdLst>
+              <a:ahLst/>
+              <a:cxnLst>
+                <a:cxn ang="0">
+                  <a:pos x="connsiteX0" y="connsiteY0"/>
+                </a:cxn>
+                <a:cxn ang="0">
+                  <a:pos x="connsiteX1" y="connsiteY1"/>
+                </a:cxn>
+                <a:cxn ang="0">
+                  <a:pos x="connsiteX2" y="connsiteY2"/>
+                </a:cxn>
+                <a:cxn ang="0">
+                  <a:pos x="connsiteX3" y="connsiteY3"/>
+                </a:cxn>
+                <a:cxn ang="0">
+                  <a:pos x="connsiteX4" y="connsiteY4"/>
+                </a:cxn>
+                <a:cxn ang="0">
+                  <a:pos x="connsiteX5" y="connsiteY5"/>
+                </a:cxn>
+              </a:cxnLst>
+              <a:rect l="l" t="t" r="r" b="b"/>
+              <a:pathLst>
+                <a:path w="1674019" h="409575">
+                  <a:moveTo>
+                    <a:pt x="0" y="409575"/>
+                  </a:moveTo>
+                  <a:lnTo>
+                    <a:pt x="69056" y="409575"/>
+                  </a:lnTo>
+                  <a:lnTo>
+                    <a:pt x="271463" y="0"/>
+                  </a:lnTo>
+                  <a:lnTo>
+                    <a:pt x="1674019" y="0"/>
+                  </a:lnTo>
+                  <a:lnTo>
+                    <a:pt x="1469231" y="409575"/>
+                  </a:lnTo>
+                  <a:lnTo>
+                    <a:pt x="1543050" y="409575"/>
+                  </a:lnTo>
+                </a:path>
+              </a:pathLst>
+            </a:custGeom>
+            <a:noFill/>
+            <a:ln w="28575">
+              <a:solidFill>
+                <a:schemeClr val="accent4">
+                  <a:lumMod val="75000"/>
+                </a:schemeClr>
+              </a:solidFill>
             </a:ln>
           </p:spPr>
           <p:style>
@@ -5095,37 +6984,362 @@
             <a:lstStyle/>
             <a:p>
               <a:pPr algn="ctr"/>
-              <a:endParaRPr lang="ko-KR" altLang="en-US" dirty="0">
-                <a:solidFill>
-                  <a:schemeClr val="bg1">
-                    <a:lumMod val="50000"/>
-                  </a:schemeClr>
-                </a:solidFill>
-              </a:endParaRPr>
+              <a:endParaRPr lang="ko-KR" altLang="en-US"/>
             </a:p>
           </p:txBody>
         </p:sp>
-        <p:sp>
-          <p:nvSpPr>
-            <p:cNvPr id="32" name="TextBox 31">
+        <p:grpSp>
+          <p:nvGrpSpPr>
+            <p:cNvPr id="19" name="그룹 18">
               <a:extLst>
                 <a:ext uri="{FF2B5EF4-FFF2-40B4-BE49-F238E27FC236}">
-                  <a16:creationId xmlns:a16="http://schemas.microsoft.com/office/drawing/2014/main" id="{CE2170C7-5C6E-4584-AF47-F1CCF25EFF68}"/>
+                  <a16:creationId xmlns:a16="http://schemas.microsoft.com/office/drawing/2014/main" id="{24D49B79-4681-74EB-5064-4CA8D5488982}"/>
                 </a:ext>
               </a:extLst>
             </p:cNvPr>
-            <p:cNvSpPr txBox="1"/>
+            <p:cNvGrpSpPr>
+              <a:grpSpLocks noGrp="1" noUngrp="1" noRot="1" noMove="1" noResize="1"/>
+            </p:cNvGrpSpPr>
+            <p:nvPr/>
+          </p:nvGrpSpPr>
+          <p:grpSpPr>
+            <a:xfrm>
+              <a:off x="11805028" y="78962"/>
+              <a:ext cx="307840" cy="263869"/>
+              <a:chOff x="1302299" y="2529509"/>
+              <a:chExt cx="800080" cy="685799"/>
+            </a:xfrm>
+            <a:solidFill>
+              <a:schemeClr val="accent4">
+                <a:lumMod val="50000"/>
+              </a:schemeClr>
+            </a:solidFill>
+          </p:grpSpPr>
+          <p:sp>
+            <p:nvSpPr>
+              <p:cNvPr id="20" name="자유형: 도형 19">
+                <a:extLst>
+                  <a:ext uri="{FF2B5EF4-FFF2-40B4-BE49-F238E27FC236}">
+                    <a16:creationId xmlns:a16="http://schemas.microsoft.com/office/drawing/2014/main" id="{FB1E7C53-6C0B-7838-20C1-C4C99FB0BF53}"/>
+                  </a:ext>
+                </a:extLst>
+              </p:cNvPr>
+              <p:cNvSpPr>
+                <a:spLocks noGrp="1" noRot="1" noMove="1" noResize="1" noEditPoints="1" noAdjustHandles="1" noChangeArrowheads="1" noChangeShapeType="1"/>
+              </p:cNvSpPr>
+              <p:nvPr/>
+            </p:nvSpPr>
+            <p:spPr>
+              <a:xfrm>
+                <a:off x="1302299" y="2529509"/>
+                <a:ext cx="800080" cy="417509"/>
+              </a:xfrm>
+              <a:custGeom>
+                <a:avLst/>
+                <a:gdLst>
+                  <a:gd name="connsiteX0" fmla="*/ 400031 w 800080"/>
+                  <a:gd name="connsiteY0" fmla="*/ 78581 h 417509"/>
+                  <a:gd name="connsiteX1" fmla="*/ 400050 w 800080"/>
+                  <a:gd name="connsiteY1" fmla="*/ 78581 h 417509"/>
+                  <a:gd name="connsiteX2" fmla="*/ 756837 w 800080"/>
+                  <a:gd name="connsiteY2" fmla="*/ 417509 h 417509"/>
+                  <a:gd name="connsiteX3" fmla="*/ 800081 w 800080"/>
+                  <a:gd name="connsiteY3" fmla="*/ 380552 h 417509"/>
+                  <a:gd name="connsiteX4" fmla="*/ 400050 w 800080"/>
+                  <a:gd name="connsiteY4" fmla="*/ 0 h 417509"/>
+                  <a:gd name="connsiteX5" fmla="*/ 400031 w 800080"/>
+                  <a:gd name="connsiteY5" fmla="*/ 0 h 417509"/>
+                  <a:gd name="connsiteX6" fmla="*/ 0 w 800080"/>
+                  <a:gd name="connsiteY6" fmla="*/ 380552 h 417509"/>
+                  <a:gd name="connsiteX7" fmla="*/ 43244 w 800080"/>
+                  <a:gd name="connsiteY7" fmla="*/ 417509 h 417509"/>
+                  <a:gd name="connsiteX8" fmla="*/ 400031 w 800080"/>
+                  <a:gd name="connsiteY8" fmla="*/ 78581 h 417509"/>
+                </a:gdLst>
+                <a:ahLst/>
+                <a:cxnLst>
+                  <a:cxn ang="0">
+                    <a:pos x="connsiteX0" y="connsiteY0"/>
+                  </a:cxn>
+                  <a:cxn ang="0">
+                    <a:pos x="connsiteX1" y="connsiteY1"/>
+                  </a:cxn>
+                  <a:cxn ang="0">
+                    <a:pos x="connsiteX2" y="connsiteY2"/>
+                  </a:cxn>
+                  <a:cxn ang="0">
+                    <a:pos x="connsiteX3" y="connsiteY3"/>
+                  </a:cxn>
+                  <a:cxn ang="0">
+                    <a:pos x="connsiteX4" y="connsiteY4"/>
+                  </a:cxn>
+                  <a:cxn ang="0">
+                    <a:pos x="connsiteX5" y="connsiteY5"/>
+                  </a:cxn>
+                  <a:cxn ang="0">
+                    <a:pos x="connsiteX6" y="connsiteY6"/>
+                  </a:cxn>
+                  <a:cxn ang="0">
+                    <a:pos x="connsiteX7" y="connsiteY7"/>
+                  </a:cxn>
+                  <a:cxn ang="0">
+                    <a:pos x="connsiteX8" y="connsiteY8"/>
+                  </a:cxn>
+                </a:cxnLst>
+                <a:rect l="l" t="t" r="r" b="b"/>
+                <a:pathLst>
+                  <a:path w="800080" h="417509">
+                    <a:moveTo>
+                      <a:pt x="400031" y="78581"/>
+                    </a:moveTo>
+                    <a:lnTo>
+                      <a:pt x="400050" y="78581"/>
+                    </a:lnTo>
+                    <a:lnTo>
+                      <a:pt x="756837" y="417509"/>
+                    </a:lnTo>
+                    <a:lnTo>
+                      <a:pt x="800081" y="380552"/>
+                    </a:lnTo>
+                    <a:lnTo>
+                      <a:pt x="400050" y="0"/>
+                    </a:lnTo>
+                    <a:lnTo>
+                      <a:pt x="400031" y="0"/>
+                    </a:lnTo>
+                    <a:lnTo>
+                      <a:pt x="0" y="380552"/>
+                    </a:lnTo>
+                    <a:lnTo>
+                      <a:pt x="43244" y="417509"/>
+                    </a:lnTo>
+                    <a:lnTo>
+                      <a:pt x="400031" y="78581"/>
+                    </a:lnTo>
+                    <a:close/>
+                  </a:path>
+                </a:pathLst>
+              </a:custGeom>
+              <a:grpFill/>
+              <a:ln w="9525" cap="flat">
+                <a:noFill/>
+                <a:prstDash val="solid"/>
+                <a:miter/>
+              </a:ln>
+            </p:spPr>
+            <p:txBody>
+              <a:bodyPr rtlCol="0" anchor="ctr"/>
+              <a:lstStyle/>
+              <a:p>
+                <a:endParaRPr lang="ko-KR" altLang="en-US"/>
+              </a:p>
+            </p:txBody>
+          </p:sp>
+          <p:sp>
+            <p:nvSpPr>
+              <p:cNvPr id="21" name="자유형: 도형 20">
+                <a:extLst>
+                  <a:ext uri="{FF2B5EF4-FFF2-40B4-BE49-F238E27FC236}">
+                    <a16:creationId xmlns:a16="http://schemas.microsoft.com/office/drawing/2014/main" id="{04220FE2-CDA7-6019-D85A-837B80A587DB}"/>
+                  </a:ext>
+                </a:extLst>
+              </p:cNvPr>
+              <p:cNvSpPr>
+                <a:spLocks noGrp="1" noRot="1" noMove="1" noResize="1" noEditPoints="1" noAdjustHandles="1" noChangeArrowheads="1" noChangeShapeType="1"/>
+              </p:cNvSpPr>
+              <p:nvPr/>
+            </p:nvSpPr>
+            <p:spPr>
+              <a:xfrm>
+                <a:off x="1416580" y="2660630"/>
+                <a:ext cx="571499" cy="554678"/>
+              </a:xfrm>
+              <a:custGeom>
+                <a:avLst/>
+                <a:gdLst>
+                  <a:gd name="connsiteX0" fmla="*/ 0 w 571499"/>
+                  <a:gd name="connsiteY0" fmla="*/ 271453 h 554678"/>
+                  <a:gd name="connsiteX1" fmla="*/ 0 w 571499"/>
+                  <a:gd name="connsiteY1" fmla="*/ 554679 h 554678"/>
+                  <a:gd name="connsiteX2" fmla="*/ 228600 w 571499"/>
+                  <a:gd name="connsiteY2" fmla="*/ 554679 h 554678"/>
+                  <a:gd name="connsiteX3" fmla="*/ 228600 w 571499"/>
+                  <a:gd name="connsiteY3" fmla="*/ 316554 h 554678"/>
+                  <a:gd name="connsiteX4" fmla="*/ 342900 w 571499"/>
+                  <a:gd name="connsiteY4" fmla="*/ 316554 h 554678"/>
+                  <a:gd name="connsiteX5" fmla="*/ 342900 w 571499"/>
+                  <a:gd name="connsiteY5" fmla="*/ 554679 h 554678"/>
+                  <a:gd name="connsiteX6" fmla="*/ 571500 w 571499"/>
+                  <a:gd name="connsiteY6" fmla="*/ 554679 h 554678"/>
+                  <a:gd name="connsiteX7" fmla="*/ 571500 w 571499"/>
+                  <a:gd name="connsiteY7" fmla="*/ 271443 h 554678"/>
+                  <a:gd name="connsiteX8" fmla="*/ 285760 w 571499"/>
+                  <a:gd name="connsiteY8" fmla="*/ 0 h 554678"/>
+                  <a:gd name="connsiteX9" fmla="*/ 0 w 571499"/>
+                  <a:gd name="connsiteY9" fmla="*/ 271453 h 554678"/>
+                </a:gdLst>
+                <a:ahLst/>
+                <a:cxnLst>
+                  <a:cxn ang="0">
+                    <a:pos x="connsiteX0" y="connsiteY0"/>
+                  </a:cxn>
+                  <a:cxn ang="0">
+                    <a:pos x="connsiteX1" y="connsiteY1"/>
+                  </a:cxn>
+                  <a:cxn ang="0">
+                    <a:pos x="connsiteX2" y="connsiteY2"/>
+                  </a:cxn>
+                  <a:cxn ang="0">
+                    <a:pos x="connsiteX3" y="connsiteY3"/>
+                  </a:cxn>
+                  <a:cxn ang="0">
+                    <a:pos x="connsiteX4" y="connsiteY4"/>
+                  </a:cxn>
+                  <a:cxn ang="0">
+                    <a:pos x="connsiteX5" y="connsiteY5"/>
+                  </a:cxn>
+                  <a:cxn ang="0">
+                    <a:pos x="connsiteX6" y="connsiteY6"/>
+                  </a:cxn>
+                  <a:cxn ang="0">
+                    <a:pos x="connsiteX7" y="connsiteY7"/>
+                  </a:cxn>
+                  <a:cxn ang="0">
+                    <a:pos x="connsiteX8" y="connsiteY8"/>
+                  </a:cxn>
+                  <a:cxn ang="0">
+                    <a:pos x="connsiteX9" y="connsiteY9"/>
+                  </a:cxn>
+                </a:cxnLst>
+                <a:rect l="l" t="t" r="r" b="b"/>
+                <a:pathLst>
+                  <a:path w="571499" h="554678">
+                    <a:moveTo>
+                      <a:pt x="0" y="271453"/>
+                    </a:moveTo>
+                    <a:lnTo>
+                      <a:pt x="0" y="554679"/>
+                    </a:lnTo>
+                    <a:lnTo>
+                      <a:pt x="228600" y="554679"/>
+                    </a:lnTo>
+                    <a:lnTo>
+                      <a:pt x="228600" y="316554"/>
+                    </a:lnTo>
+                    <a:lnTo>
+                      <a:pt x="342900" y="316554"/>
+                    </a:lnTo>
+                    <a:lnTo>
+                      <a:pt x="342900" y="554679"/>
+                    </a:lnTo>
+                    <a:lnTo>
+                      <a:pt x="571500" y="554679"/>
+                    </a:lnTo>
+                    <a:lnTo>
+                      <a:pt x="571500" y="271443"/>
+                    </a:lnTo>
+                    <a:lnTo>
+                      <a:pt x="285760" y="0"/>
+                    </a:lnTo>
+                    <a:lnTo>
+                      <a:pt x="0" y="271453"/>
+                    </a:lnTo>
+                    <a:close/>
+                  </a:path>
+                </a:pathLst>
+              </a:custGeom>
+              <a:grpFill/>
+              <a:ln w="9525" cap="flat">
+                <a:noFill/>
+                <a:prstDash val="solid"/>
+                <a:miter/>
+              </a:ln>
+            </p:spPr>
+            <p:txBody>
+              <a:bodyPr rtlCol="0" anchor="ctr"/>
+              <a:lstStyle/>
+              <a:p>
+                <a:endParaRPr lang="ko-KR" altLang="en-US"/>
+              </a:p>
+            </p:txBody>
+          </p:sp>
+        </p:grpSp>
+      </p:grpSp>
+    </p:spTree>
+    <p:extLst>
+      <p:ext uri="{BB962C8B-B14F-4D97-AF65-F5344CB8AC3E}">
+        <p14:creationId xmlns:p14="http://schemas.microsoft.com/office/powerpoint/2010/main" val="3691334414"/>
+      </p:ext>
+    </p:extLst>
+  </p:cSld>
+  <p:clrMapOvr>
+    <a:masterClrMapping/>
+  </p:clrMapOvr>
+</p:sld>
+</file>
+
+<file path=ppt/slides/slide6.xml><?xml version="1.0" encoding="utf-8"?>
+<p:sld xmlns:a="http://schemas.openxmlformats.org/drawingml/2006/main" xmlns:r="http://schemas.openxmlformats.org/officeDocument/2006/relationships" xmlns:p="http://schemas.openxmlformats.org/presentationml/2006/main">
+  <p:cSld>
+    <p:spTree>
+      <p:nvGrpSpPr>
+        <p:cNvPr id="1" name=""/>
+        <p:cNvGrpSpPr/>
+        <p:nvPr/>
+      </p:nvGrpSpPr>
+      <p:grpSpPr>
+        <a:xfrm>
+          <a:off x="0" y="0"/>
+          <a:ext cx="0" cy="0"/>
+          <a:chOff x="0" y="0"/>
+          <a:chExt cx="0" cy="0"/>
+        </a:xfrm>
+      </p:grpSpPr>
+      <p:grpSp>
+        <p:nvGrpSpPr>
+          <p:cNvPr id="28" name="그룹 27">
+            <a:extLst>
+              <a:ext uri="{FF2B5EF4-FFF2-40B4-BE49-F238E27FC236}">
+                <a16:creationId xmlns:a16="http://schemas.microsoft.com/office/drawing/2014/main" id="{40886628-0C5C-563D-F518-E791F38D44B5}"/>
+              </a:ext>
+            </a:extLst>
+          </p:cNvPr>
+          <p:cNvGrpSpPr>
+            <a:grpSpLocks noGrp="1" noUngrp="1" noRot="1" noMove="1" noResize="1"/>
+          </p:cNvGrpSpPr>
+          <p:nvPr/>
+        </p:nvGrpSpPr>
+        <p:grpSpPr>
+          <a:xfrm>
+            <a:off x="1" y="78962"/>
+            <a:ext cx="12191999" cy="515815"/>
+            <a:chOff x="1" y="78962"/>
+            <a:chExt cx="12191999" cy="515815"/>
+          </a:xfrm>
+        </p:grpSpPr>
+        <p:sp>
+          <p:nvSpPr>
+            <p:cNvPr id="33" name="TextBox 32">
+              <a:extLst>
+                <a:ext uri="{FF2B5EF4-FFF2-40B4-BE49-F238E27FC236}">
+                  <a16:creationId xmlns:a16="http://schemas.microsoft.com/office/drawing/2014/main" id="{F62F3E9B-C7E6-43EC-87B7-D383431B5912}"/>
+                </a:ext>
+              </a:extLst>
+            </p:cNvPr>
+            <p:cNvSpPr txBox="1">
+              <a:spLocks noGrp="1" noRot="1" noMove="1" noResize="1" noEditPoints="1" noAdjustHandles="1" noChangeArrowheads="1" noChangeShapeType="1"/>
+            </p:cNvSpPr>
             <p:nvPr/>
           </p:nvSpPr>
           <p:spPr>
             <a:xfrm>
-              <a:off x="4957728" y="200289"/>
-              <a:ext cx="466794" cy="340580"/>
+              <a:off x="10502114" y="353329"/>
+              <a:ext cx="1689886" cy="230832"/>
             </a:xfrm>
             <a:prstGeom prst="rect">
               <a:avLst/>
             </a:prstGeom>
-            <a:grpFill/>
+            <a:noFill/>
           </p:spPr>
           <p:txBody>
             <a:bodyPr wrap="none" rtlCol="0">
@@ -5133,8 +7347,9 @@
             </a:bodyPr>
             <a:lstStyle/>
             <a:p>
+              <a:pPr algn="r"/>
               <a:r>
-                <a:rPr lang="ko-KR" altLang="en-US" sz="1100" b="1" dirty="0">
+                <a:rPr lang="ko-KR" altLang="en-US" sz="900" b="1" dirty="0" err="1">
                   <a:solidFill>
                     <a:schemeClr val="bg1">
                       <a:lumMod val="50000"/>
@@ -5142,9 +7357,20 @@
                   </a:solidFill>
                   <a:effectLst/>
                 </a:rPr>
-                <a:t>스킬</a:t>
+                <a:t>리트루기아</a:t>
               </a:r>
-              <a:endParaRPr lang="en-US" altLang="ko-KR" sz="1100" b="1" dirty="0">
+              <a:r>
+                <a:rPr lang="ko-KR" altLang="en-US" sz="900" b="1" dirty="0">
+                  <a:solidFill>
+                    <a:schemeClr val="bg1">
+                      <a:lumMod val="50000"/>
+                    </a:schemeClr>
+                  </a:solidFill>
+                  <a:effectLst/>
+                </a:rPr>
+                <a:t> 부채 스킬 기획서</a:t>
+              </a:r>
+              <a:endParaRPr lang="en-US" altLang="ko-KR" sz="900" b="1" dirty="0">
                 <a:solidFill>
                   <a:schemeClr val="bg1">
                     <a:lumMod val="50000"/>
@@ -5155,57 +7381,647 @@
             </a:p>
           </p:txBody>
         </p:sp>
-      </p:grpSp>
-      <p:grpSp>
-        <p:nvGrpSpPr>
-          <p:cNvPr id="34" name="그룹 33">
-            <a:extLst>
-              <a:ext uri="{FF2B5EF4-FFF2-40B4-BE49-F238E27FC236}">
-                <a16:creationId xmlns:a16="http://schemas.microsoft.com/office/drawing/2014/main" id="{34D455AA-57B7-4B7C-806E-13AC02EB2AC3}"/>
-              </a:ext>
-            </a:extLst>
-          </p:cNvPr>
-          <p:cNvGrpSpPr/>
-          <p:nvPr/>
-        </p:nvGrpSpPr>
-        <p:grpSpPr>
-          <a:xfrm>
-            <a:off x="309738" y="181080"/>
-            <a:ext cx="1600200" cy="403081"/>
-            <a:chOff x="4391025" y="108202"/>
-            <a:chExt cx="1600200" cy="524755"/>
-          </a:xfrm>
-          <a:solidFill>
-            <a:schemeClr val="bg1">
-              <a:lumMod val="95000"/>
-            </a:schemeClr>
-          </a:solidFill>
-        </p:grpSpPr>
-        <p:sp>
-          <p:nvSpPr>
-            <p:cNvPr id="35" name="평행 사변형 34">
+        <p:cxnSp>
+          <p:nvCxnSpPr>
+            <p:cNvPr id="37" name="직선 연결선 36">
               <a:extLst>
                 <a:ext uri="{FF2B5EF4-FFF2-40B4-BE49-F238E27FC236}">
-                  <a16:creationId xmlns:a16="http://schemas.microsoft.com/office/drawing/2014/main" id="{D37558E0-E3A6-4749-8D0C-A9142AAA7220}"/>
+                  <a16:creationId xmlns:a16="http://schemas.microsoft.com/office/drawing/2014/main" id="{FD1F631D-38BE-4D28-B764-73856FE1FD13}"/>
                 </a:ext>
               </a:extLst>
             </p:cNvPr>
-            <p:cNvSpPr/>
+            <p:cNvCxnSpPr>
+              <a:cxnSpLocks noGrp="1" noRot="1" noMove="1" noResize="1" noEditPoints="1" noAdjustHandles="1" noChangeArrowheads="1" noChangeShapeType="1"/>
+              <a:stCxn id="22" idx="1"/>
+            </p:cNvCxnSpPr>
+            <p:nvPr/>
+          </p:nvCxnSpPr>
+          <p:spPr>
+            <a:xfrm flipH="1">
+              <a:off x="1" y="594777"/>
+              <a:ext cx="5094454" cy="0"/>
+            </a:xfrm>
+            <a:prstGeom prst="line">
+              <a:avLst/>
+            </a:prstGeom>
+            <a:ln w="28575">
+              <a:solidFill>
+                <a:schemeClr val="accent4">
+                  <a:lumMod val="75000"/>
+                </a:schemeClr>
+              </a:solidFill>
+            </a:ln>
+          </p:spPr>
+          <p:style>
+            <a:lnRef idx="2">
+              <a:schemeClr val="accent1"/>
+            </a:lnRef>
+            <a:fillRef idx="0">
+              <a:schemeClr val="accent1"/>
+            </a:fillRef>
+            <a:effectRef idx="1">
+              <a:schemeClr val="accent1"/>
+            </a:effectRef>
+            <a:fontRef idx="minor">
+              <a:schemeClr val="tx1"/>
+            </a:fontRef>
+          </p:style>
+        </p:cxnSp>
+        <p:cxnSp>
+          <p:nvCxnSpPr>
+            <p:cNvPr id="38" name="직선 연결선 37">
+              <a:extLst>
+                <a:ext uri="{FF2B5EF4-FFF2-40B4-BE49-F238E27FC236}">
+                  <a16:creationId xmlns:a16="http://schemas.microsoft.com/office/drawing/2014/main" id="{BCDE5DF0-6259-40AE-A730-230714AFAE19}"/>
+                </a:ext>
+              </a:extLst>
+            </p:cNvPr>
+            <p:cNvCxnSpPr>
+              <a:cxnSpLocks noGrp="1" noRot="1" noMove="1" noResize="1" noEditPoints="1" noAdjustHandles="1" noChangeArrowheads="1" noChangeShapeType="1"/>
+              <a:endCxn id="22" idx="4"/>
+            </p:cNvCxnSpPr>
+            <p:nvPr/>
+          </p:nvCxnSpPr>
+          <p:spPr>
+            <a:xfrm flipH="1">
+              <a:off x="6494630" y="594777"/>
+              <a:ext cx="5697370" cy="0"/>
+            </a:xfrm>
+            <a:prstGeom prst="line">
+              <a:avLst/>
+            </a:prstGeom>
+            <a:ln w="28575">
+              <a:solidFill>
+                <a:schemeClr val="accent4">
+                  <a:lumMod val="75000"/>
+                </a:schemeClr>
+              </a:solidFill>
+            </a:ln>
+          </p:spPr>
+          <p:style>
+            <a:lnRef idx="2">
+              <a:schemeClr val="accent1"/>
+            </a:lnRef>
+            <a:fillRef idx="0">
+              <a:schemeClr val="accent1"/>
+            </a:fillRef>
+            <a:effectRef idx="1">
+              <a:schemeClr val="accent1"/>
+            </a:effectRef>
+            <a:fontRef idx="minor">
+              <a:schemeClr val="tx1"/>
+            </a:fontRef>
+          </p:style>
+        </p:cxnSp>
+        <p:sp>
+          <p:nvSpPr>
+            <p:cNvPr id="2" name="TextBox 1">
+              <a:extLst>
+                <a:ext uri="{FF2B5EF4-FFF2-40B4-BE49-F238E27FC236}">
+                  <a16:creationId xmlns:a16="http://schemas.microsoft.com/office/drawing/2014/main" id="{ACF924D7-D7ED-E2D5-3321-09A7230D1B4E}"/>
+                </a:ext>
+              </a:extLst>
+            </p:cNvPr>
+            <p:cNvSpPr txBox="1">
+              <a:spLocks noGrp="1" noRot="1" noMove="1" noResize="1" noEditPoints="1" noAdjustHandles="1" noChangeArrowheads="1" noChangeShapeType="1"/>
+            </p:cNvSpPr>
             <p:nvPr/>
           </p:nvSpPr>
           <p:spPr>
             <a:xfrm>
-              <a:off x="4391025" y="108202"/>
-              <a:ext cx="1600200" cy="524755"/>
+              <a:off x="5656593" y="251490"/>
+              <a:ext cx="492444" cy="276999"/>
             </a:xfrm>
-            <a:prstGeom prst="parallelogram">
-              <a:avLst>
-                <a:gd name="adj" fmla="val 49299"/>
-              </a:avLst>
+            <a:prstGeom prst="rect">
+              <a:avLst/>
             </a:prstGeom>
-            <a:grpFill/>
-            <a:ln>
-              <a:noFill/>
+            <a:noFill/>
+          </p:spPr>
+          <p:txBody>
+            <a:bodyPr wrap="none" rtlCol="0">
+              <a:spAutoFit/>
+            </a:bodyPr>
+            <a:lstStyle/>
+            <a:p>
+              <a:pPr algn="ctr"/>
+              <a:r>
+                <a:rPr lang="ko-KR" altLang="en-US" sz="1200" b="1" dirty="0">
+                  <a:effectLst/>
+                </a:rPr>
+                <a:t>스킬</a:t>
+              </a:r>
+              <a:endParaRPr lang="en-US" altLang="ko-KR" sz="1200" b="1" dirty="0">
+                <a:effectLst/>
+              </a:endParaRPr>
+            </a:p>
+          </p:txBody>
+        </p:sp>
+        <p:grpSp>
+          <p:nvGrpSpPr>
+            <p:cNvPr id="13" name="그룹 12">
+              <a:extLst>
+                <a:ext uri="{FF2B5EF4-FFF2-40B4-BE49-F238E27FC236}">
+                  <a16:creationId xmlns:a16="http://schemas.microsoft.com/office/drawing/2014/main" id="{0A330401-B587-FE31-C514-0700F3B186C6}"/>
+                </a:ext>
+              </a:extLst>
+            </p:cNvPr>
+            <p:cNvGrpSpPr>
+              <a:grpSpLocks noGrp="1" noUngrp="1" noRot="1" noMove="1" noResize="1"/>
+            </p:cNvGrpSpPr>
+            <p:nvPr/>
+          </p:nvGrpSpPr>
+          <p:grpSpPr>
+            <a:xfrm>
+              <a:off x="3506012" y="181080"/>
+              <a:ext cx="1600200" cy="403080"/>
+              <a:chOff x="4391025" y="108202"/>
+              <a:chExt cx="1600200" cy="524755"/>
+            </a:xfrm>
+            <a:solidFill>
+              <a:schemeClr val="bg1">
+                <a:lumMod val="95000"/>
+              </a:schemeClr>
+            </a:solidFill>
+          </p:grpSpPr>
+          <p:sp>
+            <p:nvSpPr>
+              <p:cNvPr id="14" name="평행 사변형 13">
+                <a:extLst>
+                  <a:ext uri="{FF2B5EF4-FFF2-40B4-BE49-F238E27FC236}">
+                    <a16:creationId xmlns:a16="http://schemas.microsoft.com/office/drawing/2014/main" id="{12234C37-BBFA-9F0E-A283-08DDAC4DC66C}"/>
+                  </a:ext>
+                </a:extLst>
+              </p:cNvPr>
+              <p:cNvSpPr>
+                <a:spLocks noGrp="1" noRot="1" noMove="1" noResize="1" noEditPoints="1" noAdjustHandles="1" noChangeArrowheads="1" noChangeShapeType="1"/>
+              </p:cNvSpPr>
+              <p:nvPr/>
+            </p:nvSpPr>
+            <p:spPr>
+              <a:xfrm>
+                <a:off x="4391025" y="108202"/>
+                <a:ext cx="1600200" cy="524755"/>
+              </a:xfrm>
+              <a:prstGeom prst="parallelogram">
+                <a:avLst>
+                  <a:gd name="adj" fmla="val 49299"/>
+                </a:avLst>
+              </a:prstGeom>
+              <a:grpFill/>
+              <a:ln>
+                <a:noFill/>
+              </a:ln>
+            </p:spPr>
+            <p:style>
+              <a:lnRef idx="2">
+                <a:schemeClr val="accent1">
+                  <a:shade val="50000"/>
+                </a:schemeClr>
+              </a:lnRef>
+              <a:fillRef idx="1">
+                <a:schemeClr val="accent1"/>
+              </a:fillRef>
+              <a:effectRef idx="0">
+                <a:schemeClr val="accent1"/>
+              </a:effectRef>
+              <a:fontRef idx="minor">
+                <a:schemeClr val="lt1"/>
+              </a:fontRef>
+            </p:style>
+            <p:txBody>
+              <a:bodyPr rtlCol="0" anchor="ctr"/>
+              <a:lstStyle/>
+              <a:p>
+                <a:pPr algn="ctr"/>
+                <a:endParaRPr lang="ko-KR" altLang="en-US" sz="1000">
+                  <a:solidFill>
+                    <a:schemeClr val="bg1">
+                      <a:lumMod val="50000"/>
+                    </a:schemeClr>
+                  </a:solidFill>
+                </a:endParaRPr>
+              </a:p>
+            </p:txBody>
+          </p:sp>
+          <p:sp>
+            <p:nvSpPr>
+              <p:cNvPr id="15" name="TextBox 14">
+                <a:extLst>
+                  <a:ext uri="{FF2B5EF4-FFF2-40B4-BE49-F238E27FC236}">
+                    <a16:creationId xmlns:a16="http://schemas.microsoft.com/office/drawing/2014/main" id="{EF96456E-F31F-DCA5-5C1C-18F26511D744}"/>
+                  </a:ext>
+                </a:extLst>
+              </p:cNvPr>
+              <p:cNvSpPr txBox="1">
+                <a:spLocks noGrp="1" noRot="1" noMove="1" noResize="1" noEditPoints="1" noAdjustHandles="1" noChangeArrowheads="1" noChangeShapeType="1"/>
+              </p:cNvSpPr>
+              <p:nvPr/>
+            </p:nvSpPr>
+            <p:spPr>
+              <a:xfrm>
+                <a:off x="4791817" y="200289"/>
+                <a:ext cx="742511" cy="320546"/>
+              </a:xfrm>
+              <a:prstGeom prst="rect">
+                <a:avLst/>
+              </a:prstGeom>
+              <a:grpFill/>
+            </p:spPr>
+            <p:txBody>
+              <a:bodyPr wrap="none" rtlCol="0">
+                <a:spAutoFit/>
+              </a:bodyPr>
+              <a:lstStyle/>
+              <a:p>
+                <a:r>
+                  <a:rPr lang="ko-KR" altLang="en-US" sz="1000" b="1" dirty="0">
+                    <a:solidFill>
+                      <a:schemeClr val="bg1">
+                        <a:lumMod val="50000"/>
+                      </a:schemeClr>
+                    </a:solidFill>
+                    <a:effectLst/>
+                  </a:rPr>
+                  <a:t>기본 모션</a:t>
+                </a:r>
+                <a:endParaRPr lang="en-US" altLang="ko-KR" sz="1000" b="1" dirty="0">
+                  <a:solidFill>
+                    <a:schemeClr val="bg1">
+                      <a:lumMod val="50000"/>
+                    </a:schemeClr>
+                  </a:solidFill>
+                  <a:effectLst/>
+                </a:endParaRPr>
+              </a:p>
+            </p:txBody>
+          </p:sp>
+        </p:grpSp>
+        <p:grpSp>
+          <p:nvGrpSpPr>
+            <p:cNvPr id="16" name="그룹 15">
+              <a:extLst>
+                <a:ext uri="{FF2B5EF4-FFF2-40B4-BE49-F238E27FC236}">
+                  <a16:creationId xmlns:a16="http://schemas.microsoft.com/office/drawing/2014/main" id="{E3E7D6C1-EC5B-9588-EF9E-BDE68463110E}"/>
+                </a:ext>
+              </a:extLst>
+            </p:cNvPr>
+            <p:cNvGrpSpPr>
+              <a:grpSpLocks noGrp="1" noUngrp="1" noRot="1" noMove="1" noResize="1"/>
+            </p:cNvGrpSpPr>
+            <p:nvPr/>
+          </p:nvGrpSpPr>
+          <p:grpSpPr>
+            <a:xfrm>
+              <a:off x="1907875" y="181080"/>
+              <a:ext cx="1600200" cy="403081"/>
+              <a:chOff x="4397331" y="108202"/>
+              <a:chExt cx="1600200" cy="524755"/>
+            </a:xfrm>
+            <a:solidFill>
+              <a:schemeClr val="bg1">
+                <a:lumMod val="95000"/>
+              </a:schemeClr>
+            </a:solidFill>
+          </p:grpSpPr>
+          <p:sp>
+            <p:nvSpPr>
+              <p:cNvPr id="17" name="평행 사변형 16">
+                <a:extLst>
+                  <a:ext uri="{FF2B5EF4-FFF2-40B4-BE49-F238E27FC236}">
+                    <a16:creationId xmlns:a16="http://schemas.microsoft.com/office/drawing/2014/main" id="{48283FEA-0834-29A5-4C14-E98055DB9E69}"/>
+                  </a:ext>
+                </a:extLst>
+              </p:cNvPr>
+              <p:cNvSpPr>
+                <a:spLocks noGrp="1" noRot="1" noMove="1" noResize="1" noEditPoints="1" noAdjustHandles="1" noChangeArrowheads="1" noChangeShapeType="1"/>
+              </p:cNvSpPr>
+              <p:nvPr/>
+            </p:nvSpPr>
+            <p:spPr>
+              <a:xfrm>
+                <a:off x="4397331" y="108202"/>
+                <a:ext cx="1600200" cy="524755"/>
+              </a:xfrm>
+              <a:prstGeom prst="parallelogram">
+                <a:avLst>
+                  <a:gd name="adj" fmla="val 49299"/>
+                </a:avLst>
+              </a:prstGeom>
+              <a:grpFill/>
+              <a:ln>
+                <a:noFill/>
+              </a:ln>
+            </p:spPr>
+            <p:style>
+              <a:lnRef idx="2">
+                <a:schemeClr val="accent1">
+                  <a:shade val="50000"/>
+                </a:schemeClr>
+              </a:lnRef>
+              <a:fillRef idx="1">
+                <a:schemeClr val="accent1"/>
+              </a:fillRef>
+              <a:effectRef idx="0">
+                <a:schemeClr val="accent1"/>
+              </a:effectRef>
+              <a:fontRef idx="minor">
+                <a:schemeClr val="lt1"/>
+              </a:fontRef>
+            </p:style>
+            <p:txBody>
+              <a:bodyPr rtlCol="0" anchor="ctr"/>
+              <a:lstStyle/>
+              <a:p>
+                <a:pPr algn="ctr"/>
+                <a:endParaRPr lang="ko-KR" altLang="en-US" sz="1000">
+                  <a:solidFill>
+                    <a:schemeClr val="bg1">
+                      <a:lumMod val="50000"/>
+                    </a:schemeClr>
+                  </a:solidFill>
+                </a:endParaRPr>
+              </a:p>
+            </p:txBody>
+          </p:sp>
+          <p:sp>
+            <p:nvSpPr>
+              <p:cNvPr id="18" name="TextBox 17">
+                <a:extLst>
+                  <a:ext uri="{FF2B5EF4-FFF2-40B4-BE49-F238E27FC236}">
+                    <a16:creationId xmlns:a16="http://schemas.microsoft.com/office/drawing/2014/main" id="{643B3411-F1BD-715A-5ADC-68ABA5BD16BF}"/>
+                  </a:ext>
+                </a:extLst>
+              </p:cNvPr>
+              <p:cNvSpPr txBox="1">
+                <a:spLocks noGrp="1" noRot="1" noMove="1" noResize="1" noEditPoints="1" noAdjustHandles="1" noChangeArrowheads="1" noChangeShapeType="1"/>
+              </p:cNvSpPr>
+              <p:nvPr/>
+            </p:nvSpPr>
+            <p:spPr>
+              <a:xfrm>
+                <a:off x="4791817" y="200289"/>
+                <a:ext cx="742511" cy="320545"/>
+              </a:xfrm>
+              <a:prstGeom prst="rect">
+                <a:avLst/>
+              </a:prstGeom>
+              <a:grpFill/>
+            </p:spPr>
+            <p:txBody>
+              <a:bodyPr wrap="none" rtlCol="0">
+                <a:spAutoFit/>
+              </a:bodyPr>
+              <a:lstStyle/>
+              <a:p>
+                <a:r>
+                  <a:rPr lang="ko-KR" altLang="en-US" sz="1000" b="1" dirty="0">
+                    <a:solidFill>
+                      <a:schemeClr val="bg1">
+                        <a:lumMod val="50000"/>
+                      </a:schemeClr>
+                    </a:solidFill>
+                    <a:effectLst/>
+                  </a:rPr>
+                  <a:t>무기 소개</a:t>
+                </a:r>
+                <a:endParaRPr lang="en-US" altLang="ko-KR" sz="1000" b="1" dirty="0">
+                  <a:solidFill>
+                    <a:schemeClr val="bg1">
+                      <a:lumMod val="50000"/>
+                    </a:schemeClr>
+                  </a:solidFill>
+                  <a:effectLst/>
+                </a:endParaRPr>
+              </a:p>
+            </p:txBody>
+          </p:sp>
+        </p:grpSp>
+        <p:grpSp>
+          <p:nvGrpSpPr>
+            <p:cNvPr id="19" name="그룹 18">
+              <a:extLst>
+                <a:ext uri="{FF2B5EF4-FFF2-40B4-BE49-F238E27FC236}">
+                  <a16:creationId xmlns:a16="http://schemas.microsoft.com/office/drawing/2014/main" id="{CAF713F3-5586-B9FF-1743-1832EEEC9DBD}"/>
+                </a:ext>
+              </a:extLst>
+            </p:cNvPr>
+            <p:cNvGrpSpPr>
+              <a:grpSpLocks noGrp="1" noUngrp="1" noRot="1" noMove="1" noResize="1"/>
+            </p:cNvGrpSpPr>
+            <p:nvPr/>
+          </p:nvGrpSpPr>
+          <p:grpSpPr>
+            <a:xfrm>
+              <a:off x="309738" y="181080"/>
+              <a:ext cx="1600200" cy="403081"/>
+              <a:chOff x="4391025" y="108202"/>
+              <a:chExt cx="1600200" cy="524755"/>
+            </a:xfrm>
+            <a:solidFill>
+              <a:schemeClr val="bg1">
+                <a:lumMod val="95000"/>
+              </a:schemeClr>
+            </a:solidFill>
+          </p:grpSpPr>
+          <p:sp>
+            <p:nvSpPr>
+              <p:cNvPr id="20" name="평행 사변형 19">
+                <a:extLst>
+                  <a:ext uri="{FF2B5EF4-FFF2-40B4-BE49-F238E27FC236}">
+                    <a16:creationId xmlns:a16="http://schemas.microsoft.com/office/drawing/2014/main" id="{0C6B6428-2819-AF1B-D62E-AEAFED9912C7}"/>
+                  </a:ext>
+                </a:extLst>
+              </p:cNvPr>
+              <p:cNvSpPr>
+                <a:spLocks noGrp="1" noRot="1" noMove="1" noResize="1" noEditPoints="1" noAdjustHandles="1" noChangeArrowheads="1" noChangeShapeType="1"/>
+              </p:cNvSpPr>
+              <p:nvPr/>
+            </p:nvSpPr>
+            <p:spPr>
+              <a:xfrm>
+                <a:off x="4391025" y="108202"/>
+                <a:ext cx="1600200" cy="524755"/>
+              </a:xfrm>
+              <a:prstGeom prst="parallelogram">
+                <a:avLst>
+                  <a:gd name="adj" fmla="val 49299"/>
+                </a:avLst>
+              </a:prstGeom>
+              <a:grpFill/>
+              <a:ln>
+                <a:noFill/>
+              </a:ln>
+            </p:spPr>
+            <p:style>
+              <a:lnRef idx="2">
+                <a:schemeClr val="accent1">
+                  <a:shade val="50000"/>
+                </a:schemeClr>
+              </a:lnRef>
+              <a:fillRef idx="1">
+                <a:schemeClr val="accent1"/>
+              </a:fillRef>
+              <a:effectRef idx="0">
+                <a:schemeClr val="accent1"/>
+              </a:effectRef>
+              <a:fontRef idx="minor">
+                <a:schemeClr val="lt1"/>
+              </a:fontRef>
+            </p:style>
+            <p:txBody>
+              <a:bodyPr rtlCol="0" anchor="ctr"/>
+              <a:lstStyle/>
+              <a:p>
+                <a:pPr algn="ctr"/>
+                <a:endParaRPr lang="ko-KR" altLang="en-US" sz="1000">
+                  <a:solidFill>
+                    <a:schemeClr val="bg1">
+                      <a:lumMod val="50000"/>
+                    </a:schemeClr>
+                  </a:solidFill>
+                </a:endParaRPr>
+              </a:p>
+            </p:txBody>
+          </p:sp>
+          <p:sp>
+            <p:nvSpPr>
+              <p:cNvPr id="21" name="TextBox 20">
+                <a:extLst>
+                  <a:ext uri="{FF2B5EF4-FFF2-40B4-BE49-F238E27FC236}">
+                    <a16:creationId xmlns:a16="http://schemas.microsoft.com/office/drawing/2014/main" id="{B928BCD6-9BBE-7FCE-2C1B-7BA32C7BE871}"/>
+                  </a:ext>
+                </a:extLst>
+              </p:cNvPr>
+              <p:cNvSpPr txBox="1">
+                <a:spLocks noGrp="1" noRot="1" noMove="1" noResize="1" noEditPoints="1" noAdjustHandles="1" noChangeArrowheads="1" noChangeShapeType="1"/>
+              </p:cNvSpPr>
+              <p:nvPr/>
+            </p:nvSpPr>
+            <p:spPr>
+              <a:xfrm>
+                <a:off x="4791817" y="200289"/>
+                <a:ext cx="742511" cy="320545"/>
+              </a:xfrm>
+              <a:prstGeom prst="rect">
+                <a:avLst/>
+              </a:prstGeom>
+              <a:grpFill/>
+            </p:spPr>
+            <p:txBody>
+              <a:bodyPr wrap="none" rtlCol="0">
+                <a:spAutoFit/>
+              </a:bodyPr>
+              <a:lstStyle/>
+              <a:p>
+                <a:r>
+                  <a:rPr lang="ko-KR" altLang="en-US" sz="1000" b="1" dirty="0">
+                    <a:solidFill>
+                      <a:schemeClr val="bg1">
+                        <a:lumMod val="50000"/>
+                      </a:schemeClr>
+                    </a:solidFill>
+                  </a:rPr>
+                  <a:t>기획 의도</a:t>
+                </a:r>
+                <a:endParaRPr lang="en-US" altLang="ko-KR" sz="1000" b="1" dirty="0">
+                  <a:solidFill>
+                    <a:schemeClr val="bg1">
+                      <a:lumMod val="50000"/>
+                    </a:schemeClr>
+                  </a:solidFill>
+                  <a:effectLst/>
+                </a:endParaRPr>
+              </a:p>
+            </p:txBody>
+          </p:sp>
+        </p:grpSp>
+        <p:sp>
+          <p:nvSpPr>
+            <p:cNvPr id="22" name="자유형: 도형 21">
+              <a:extLst>
+                <a:ext uri="{FF2B5EF4-FFF2-40B4-BE49-F238E27FC236}">
+                  <a16:creationId xmlns:a16="http://schemas.microsoft.com/office/drawing/2014/main" id="{E8468CBD-1318-623E-031A-8C2CF1D312CD}"/>
+                </a:ext>
+              </a:extLst>
+            </p:cNvPr>
+            <p:cNvSpPr>
+              <a:spLocks noGrp="1" noRot="1" noMove="1" noResize="1" noEditPoints="1" noAdjustHandles="1" noChangeArrowheads="1" noChangeShapeType="1"/>
+            </p:cNvSpPr>
+            <p:nvPr/>
+          </p:nvSpPr>
+          <p:spPr>
+            <a:xfrm>
+              <a:off x="5025399" y="185202"/>
+              <a:ext cx="1674019" cy="409575"/>
+            </a:xfrm>
+            <a:custGeom>
+              <a:avLst/>
+              <a:gdLst>
+                <a:gd name="connsiteX0" fmla="*/ 0 w 1674019"/>
+                <a:gd name="connsiteY0" fmla="*/ 409575 h 409575"/>
+                <a:gd name="connsiteX1" fmla="*/ 69056 w 1674019"/>
+                <a:gd name="connsiteY1" fmla="*/ 409575 h 409575"/>
+                <a:gd name="connsiteX2" fmla="*/ 271463 w 1674019"/>
+                <a:gd name="connsiteY2" fmla="*/ 0 h 409575"/>
+                <a:gd name="connsiteX3" fmla="*/ 1674019 w 1674019"/>
+                <a:gd name="connsiteY3" fmla="*/ 0 h 409575"/>
+                <a:gd name="connsiteX4" fmla="*/ 1469231 w 1674019"/>
+                <a:gd name="connsiteY4" fmla="*/ 409575 h 409575"/>
+                <a:gd name="connsiteX5" fmla="*/ 1543050 w 1674019"/>
+                <a:gd name="connsiteY5" fmla="*/ 409575 h 409575"/>
+              </a:gdLst>
+              <a:ahLst/>
+              <a:cxnLst>
+                <a:cxn ang="0">
+                  <a:pos x="connsiteX0" y="connsiteY0"/>
+                </a:cxn>
+                <a:cxn ang="0">
+                  <a:pos x="connsiteX1" y="connsiteY1"/>
+                </a:cxn>
+                <a:cxn ang="0">
+                  <a:pos x="connsiteX2" y="connsiteY2"/>
+                </a:cxn>
+                <a:cxn ang="0">
+                  <a:pos x="connsiteX3" y="connsiteY3"/>
+                </a:cxn>
+                <a:cxn ang="0">
+                  <a:pos x="connsiteX4" y="connsiteY4"/>
+                </a:cxn>
+                <a:cxn ang="0">
+                  <a:pos x="connsiteX5" y="connsiteY5"/>
+                </a:cxn>
+              </a:cxnLst>
+              <a:rect l="l" t="t" r="r" b="b"/>
+              <a:pathLst>
+                <a:path w="1674019" h="409575">
+                  <a:moveTo>
+                    <a:pt x="0" y="409575"/>
+                  </a:moveTo>
+                  <a:lnTo>
+                    <a:pt x="69056" y="409575"/>
+                  </a:lnTo>
+                  <a:lnTo>
+                    <a:pt x="271463" y="0"/>
+                  </a:lnTo>
+                  <a:lnTo>
+                    <a:pt x="1674019" y="0"/>
+                  </a:lnTo>
+                  <a:lnTo>
+                    <a:pt x="1469231" y="409575"/>
+                  </a:lnTo>
+                  <a:lnTo>
+                    <a:pt x="1543050" y="409575"/>
+                  </a:lnTo>
+                </a:path>
+              </a:pathLst>
+            </a:custGeom>
+            <a:noFill/>
+            <a:ln w="28575">
+              <a:solidFill>
+                <a:schemeClr val="accent4">
+                  <a:lumMod val="75000"/>
+                </a:schemeClr>
+              </a:solidFill>
             </a:ln>
           </p:spPr>
           <p:style>
@@ -5229,162 +8045,291 @@
             <a:lstStyle/>
             <a:p>
               <a:pPr algn="ctr"/>
-              <a:endParaRPr lang="ko-KR" altLang="en-US">
-                <a:solidFill>
-                  <a:schemeClr val="bg1">
-                    <a:lumMod val="50000"/>
-                  </a:schemeClr>
-                </a:solidFill>
-              </a:endParaRPr>
+              <a:endParaRPr lang="ko-KR" altLang="en-US"/>
             </a:p>
           </p:txBody>
         </p:sp>
-        <p:sp>
-          <p:nvSpPr>
-            <p:cNvPr id="36" name="TextBox 35">
+        <p:grpSp>
+          <p:nvGrpSpPr>
+            <p:cNvPr id="25" name="그룹 24">
               <a:extLst>
                 <a:ext uri="{FF2B5EF4-FFF2-40B4-BE49-F238E27FC236}">
-                  <a16:creationId xmlns:a16="http://schemas.microsoft.com/office/drawing/2014/main" id="{8791B6D8-461C-40B8-8801-A7114EDD072C}"/>
+                  <a16:creationId xmlns:a16="http://schemas.microsoft.com/office/drawing/2014/main" id="{04328F72-14D1-035F-B1B8-F05D43C52E47}"/>
                 </a:ext>
               </a:extLst>
             </p:cNvPr>
-            <p:cNvSpPr txBox="1"/>
+            <p:cNvGrpSpPr>
+              <a:grpSpLocks noGrp="1" noUngrp="1" noRot="1" noMove="1" noResize="1"/>
+            </p:cNvGrpSpPr>
             <p:nvPr/>
-          </p:nvSpPr>
-          <p:spPr>
+          </p:nvGrpSpPr>
+          <p:grpSpPr>
             <a:xfrm>
-              <a:off x="4791817" y="200289"/>
-              <a:ext cx="798617" cy="340580"/>
+              <a:off x="11805028" y="78962"/>
+              <a:ext cx="307840" cy="263869"/>
+              <a:chOff x="1302299" y="2529509"/>
+              <a:chExt cx="800080" cy="685799"/>
             </a:xfrm>
-            <a:prstGeom prst="rect">
-              <a:avLst/>
-            </a:prstGeom>
-            <a:grpFill/>
-          </p:spPr>
-          <p:txBody>
-            <a:bodyPr wrap="none" rtlCol="0">
-              <a:spAutoFit/>
-            </a:bodyPr>
-            <a:lstStyle/>
-            <a:p>
-              <a:r>
-                <a:rPr lang="ko-KR" altLang="en-US" sz="1100" b="1" dirty="0">
-                  <a:solidFill>
-                    <a:schemeClr val="bg1">
-                      <a:lumMod val="50000"/>
-                    </a:schemeClr>
-                  </a:solidFill>
-                </a:rPr>
-                <a:t>기획 의도</a:t>
-              </a:r>
-              <a:endParaRPr lang="en-US" altLang="ko-KR" sz="1100" b="1" dirty="0">
-                <a:solidFill>
-                  <a:schemeClr val="bg1">
-                    <a:lumMod val="50000"/>
-                  </a:schemeClr>
-                </a:solidFill>
-                <a:effectLst/>
-              </a:endParaRPr>
-            </a:p>
-          </p:txBody>
-        </p:sp>
-      </p:grpSp>
-      <p:cxnSp>
-        <p:nvCxnSpPr>
-          <p:cNvPr id="37" name="직선 연결선 36">
-            <a:extLst>
-              <a:ext uri="{FF2B5EF4-FFF2-40B4-BE49-F238E27FC236}">
-                <a16:creationId xmlns:a16="http://schemas.microsoft.com/office/drawing/2014/main" id="{FD1F631D-38BE-4D28-B764-73856FE1FD13}"/>
-              </a:ext>
-            </a:extLst>
-          </p:cNvPr>
-          <p:cNvCxnSpPr>
-            <a:cxnSpLocks/>
-            <a:stCxn id="17" idx="1"/>
-          </p:cNvCxnSpPr>
-          <p:nvPr/>
-        </p:nvCxnSpPr>
-        <p:spPr>
-          <a:xfrm flipH="1">
-            <a:off x="1" y="594777"/>
-            <a:ext cx="1899556" cy="0"/>
-          </a:xfrm>
-          <a:prstGeom prst="line">
-            <a:avLst/>
-          </a:prstGeom>
-          <a:ln w="28575">
             <a:solidFill>
               <a:schemeClr val="accent4">
-                <a:lumMod val="75000"/>
+                <a:lumMod val="50000"/>
               </a:schemeClr>
             </a:solidFill>
-          </a:ln>
-        </p:spPr>
-        <p:style>
-          <a:lnRef idx="2">
-            <a:schemeClr val="accent1"/>
-          </a:lnRef>
-          <a:fillRef idx="0">
-            <a:schemeClr val="accent1"/>
-          </a:fillRef>
-          <a:effectRef idx="1">
-            <a:schemeClr val="accent1"/>
-          </a:effectRef>
-          <a:fontRef idx="minor">
-            <a:schemeClr val="tx1"/>
-          </a:fontRef>
-        </p:style>
-      </p:cxnSp>
-      <p:cxnSp>
-        <p:nvCxnSpPr>
-          <p:cNvPr id="38" name="직선 연결선 37">
-            <a:extLst>
-              <a:ext uri="{FF2B5EF4-FFF2-40B4-BE49-F238E27FC236}">
-                <a16:creationId xmlns:a16="http://schemas.microsoft.com/office/drawing/2014/main" id="{BCDE5DF0-6259-40AE-A730-230714AFAE19}"/>
-              </a:ext>
-            </a:extLst>
-          </p:cNvPr>
-          <p:cNvCxnSpPr>
-            <a:cxnSpLocks/>
-            <a:endCxn id="17" idx="4"/>
-          </p:cNvCxnSpPr>
-          <p:nvPr/>
-        </p:nvCxnSpPr>
-        <p:spPr>
-          <a:xfrm flipH="1">
-            <a:off x="3299732" y="594777"/>
-            <a:ext cx="8892268" cy="0"/>
-          </a:xfrm>
-          <a:prstGeom prst="line">
-            <a:avLst/>
-          </a:prstGeom>
-          <a:ln w="28575">
-            <a:solidFill>
-              <a:schemeClr val="accent4">
-                <a:lumMod val="75000"/>
-              </a:schemeClr>
-            </a:solidFill>
-          </a:ln>
-        </p:spPr>
-        <p:style>
-          <a:lnRef idx="2">
-            <a:schemeClr val="accent1"/>
-          </a:lnRef>
-          <a:fillRef idx="0">
-            <a:schemeClr val="accent1"/>
-          </a:fillRef>
-          <a:effectRef idx="1">
-            <a:schemeClr val="accent1"/>
-          </a:effectRef>
-          <a:fontRef idx="minor">
-            <a:schemeClr val="tx1"/>
-          </a:fontRef>
-        </p:style>
-      </p:cxnSp>
+          </p:grpSpPr>
+          <p:sp>
+            <p:nvSpPr>
+              <p:cNvPr id="26" name="자유형: 도형 25">
+                <a:extLst>
+                  <a:ext uri="{FF2B5EF4-FFF2-40B4-BE49-F238E27FC236}">
+                    <a16:creationId xmlns:a16="http://schemas.microsoft.com/office/drawing/2014/main" id="{0B26BAF2-67C9-4090-81EB-7FDA4FBD778C}"/>
+                  </a:ext>
+                </a:extLst>
+              </p:cNvPr>
+              <p:cNvSpPr>
+                <a:spLocks noGrp="1" noRot="1" noMove="1" noResize="1" noEditPoints="1" noAdjustHandles="1" noChangeArrowheads="1" noChangeShapeType="1"/>
+              </p:cNvSpPr>
+              <p:nvPr/>
+            </p:nvSpPr>
+            <p:spPr>
+              <a:xfrm>
+                <a:off x="1302299" y="2529509"/>
+                <a:ext cx="800080" cy="417509"/>
+              </a:xfrm>
+              <a:custGeom>
+                <a:avLst/>
+                <a:gdLst>
+                  <a:gd name="connsiteX0" fmla="*/ 400031 w 800080"/>
+                  <a:gd name="connsiteY0" fmla="*/ 78581 h 417509"/>
+                  <a:gd name="connsiteX1" fmla="*/ 400050 w 800080"/>
+                  <a:gd name="connsiteY1" fmla="*/ 78581 h 417509"/>
+                  <a:gd name="connsiteX2" fmla="*/ 756837 w 800080"/>
+                  <a:gd name="connsiteY2" fmla="*/ 417509 h 417509"/>
+                  <a:gd name="connsiteX3" fmla="*/ 800081 w 800080"/>
+                  <a:gd name="connsiteY3" fmla="*/ 380552 h 417509"/>
+                  <a:gd name="connsiteX4" fmla="*/ 400050 w 800080"/>
+                  <a:gd name="connsiteY4" fmla="*/ 0 h 417509"/>
+                  <a:gd name="connsiteX5" fmla="*/ 400031 w 800080"/>
+                  <a:gd name="connsiteY5" fmla="*/ 0 h 417509"/>
+                  <a:gd name="connsiteX6" fmla="*/ 0 w 800080"/>
+                  <a:gd name="connsiteY6" fmla="*/ 380552 h 417509"/>
+                  <a:gd name="connsiteX7" fmla="*/ 43244 w 800080"/>
+                  <a:gd name="connsiteY7" fmla="*/ 417509 h 417509"/>
+                  <a:gd name="connsiteX8" fmla="*/ 400031 w 800080"/>
+                  <a:gd name="connsiteY8" fmla="*/ 78581 h 417509"/>
+                </a:gdLst>
+                <a:ahLst/>
+                <a:cxnLst>
+                  <a:cxn ang="0">
+                    <a:pos x="connsiteX0" y="connsiteY0"/>
+                  </a:cxn>
+                  <a:cxn ang="0">
+                    <a:pos x="connsiteX1" y="connsiteY1"/>
+                  </a:cxn>
+                  <a:cxn ang="0">
+                    <a:pos x="connsiteX2" y="connsiteY2"/>
+                  </a:cxn>
+                  <a:cxn ang="0">
+                    <a:pos x="connsiteX3" y="connsiteY3"/>
+                  </a:cxn>
+                  <a:cxn ang="0">
+                    <a:pos x="connsiteX4" y="connsiteY4"/>
+                  </a:cxn>
+                  <a:cxn ang="0">
+                    <a:pos x="connsiteX5" y="connsiteY5"/>
+                  </a:cxn>
+                  <a:cxn ang="0">
+                    <a:pos x="connsiteX6" y="connsiteY6"/>
+                  </a:cxn>
+                  <a:cxn ang="0">
+                    <a:pos x="connsiteX7" y="connsiteY7"/>
+                  </a:cxn>
+                  <a:cxn ang="0">
+                    <a:pos x="connsiteX8" y="connsiteY8"/>
+                  </a:cxn>
+                </a:cxnLst>
+                <a:rect l="l" t="t" r="r" b="b"/>
+                <a:pathLst>
+                  <a:path w="800080" h="417509">
+                    <a:moveTo>
+                      <a:pt x="400031" y="78581"/>
+                    </a:moveTo>
+                    <a:lnTo>
+                      <a:pt x="400050" y="78581"/>
+                    </a:lnTo>
+                    <a:lnTo>
+                      <a:pt x="756837" y="417509"/>
+                    </a:lnTo>
+                    <a:lnTo>
+                      <a:pt x="800081" y="380552"/>
+                    </a:lnTo>
+                    <a:lnTo>
+                      <a:pt x="400050" y="0"/>
+                    </a:lnTo>
+                    <a:lnTo>
+                      <a:pt x="400031" y="0"/>
+                    </a:lnTo>
+                    <a:lnTo>
+                      <a:pt x="0" y="380552"/>
+                    </a:lnTo>
+                    <a:lnTo>
+                      <a:pt x="43244" y="417509"/>
+                    </a:lnTo>
+                    <a:lnTo>
+                      <a:pt x="400031" y="78581"/>
+                    </a:lnTo>
+                    <a:close/>
+                  </a:path>
+                </a:pathLst>
+              </a:custGeom>
+              <a:grpFill/>
+              <a:ln w="9525" cap="flat">
+                <a:noFill/>
+                <a:prstDash val="solid"/>
+                <a:miter/>
+              </a:ln>
+            </p:spPr>
+            <p:txBody>
+              <a:bodyPr rtlCol="0" anchor="ctr"/>
+              <a:lstStyle/>
+              <a:p>
+                <a:endParaRPr lang="ko-KR" altLang="en-US"/>
+              </a:p>
+            </p:txBody>
+          </p:sp>
+          <p:sp>
+            <p:nvSpPr>
+              <p:cNvPr id="27" name="자유형: 도형 26">
+                <a:extLst>
+                  <a:ext uri="{FF2B5EF4-FFF2-40B4-BE49-F238E27FC236}">
+                    <a16:creationId xmlns:a16="http://schemas.microsoft.com/office/drawing/2014/main" id="{AFE2DE71-E514-8C45-3B6A-18E03BDA1F88}"/>
+                  </a:ext>
+                </a:extLst>
+              </p:cNvPr>
+              <p:cNvSpPr>
+                <a:spLocks noGrp="1" noRot="1" noMove="1" noResize="1" noEditPoints="1" noAdjustHandles="1" noChangeArrowheads="1" noChangeShapeType="1"/>
+              </p:cNvSpPr>
+              <p:nvPr/>
+            </p:nvSpPr>
+            <p:spPr>
+              <a:xfrm>
+                <a:off x="1416580" y="2660630"/>
+                <a:ext cx="571499" cy="554678"/>
+              </a:xfrm>
+              <a:custGeom>
+                <a:avLst/>
+                <a:gdLst>
+                  <a:gd name="connsiteX0" fmla="*/ 0 w 571499"/>
+                  <a:gd name="connsiteY0" fmla="*/ 271453 h 554678"/>
+                  <a:gd name="connsiteX1" fmla="*/ 0 w 571499"/>
+                  <a:gd name="connsiteY1" fmla="*/ 554679 h 554678"/>
+                  <a:gd name="connsiteX2" fmla="*/ 228600 w 571499"/>
+                  <a:gd name="connsiteY2" fmla="*/ 554679 h 554678"/>
+                  <a:gd name="connsiteX3" fmla="*/ 228600 w 571499"/>
+                  <a:gd name="connsiteY3" fmla="*/ 316554 h 554678"/>
+                  <a:gd name="connsiteX4" fmla="*/ 342900 w 571499"/>
+                  <a:gd name="connsiteY4" fmla="*/ 316554 h 554678"/>
+                  <a:gd name="connsiteX5" fmla="*/ 342900 w 571499"/>
+                  <a:gd name="connsiteY5" fmla="*/ 554679 h 554678"/>
+                  <a:gd name="connsiteX6" fmla="*/ 571500 w 571499"/>
+                  <a:gd name="connsiteY6" fmla="*/ 554679 h 554678"/>
+                  <a:gd name="connsiteX7" fmla="*/ 571500 w 571499"/>
+                  <a:gd name="connsiteY7" fmla="*/ 271443 h 554678"/>
+                  <a:gd name="connsiteX8" fmla="*/ 285760 w 571499"/>
+                  <a:gd name="connsiteY8" fmla="*/ 0 h 554678"/>
+                  <a:gd name="connsiteX9" fmla="*/ 0 w 571499"/>
+                  <a:gd name="connsiteY9" fmla="*/ 271453 h 554678"/>
+                </a:gdLst>
+                <a:ahLst/>
+                <a:cxnLst>
+                  <a:cxn ang="0">
+                    <a:pos x="connsiteX0" y="connsiteY0"/>
+                  </a:cxn>
+                  <a:cxn ang="0">
+                    <a:pos x="connsiteX1" y="connsiteY1"/>
+                  </a:cxn>
+                  <a:cxn ang="0">
+                    <a:pos x="connsiteX2" y="connsiteY2"/>
+                  </a:cxn>
+                  <a:cxn ang="0">
+                    <a:pos x="connsiteX3" y="connsiteY3"/>
+                  </a:cxn>
+                  <a:cxn ang="0">
+                    <a:pos x="connsiteX4" y="connsiteY4"/>
+                  </a:cxn>
+                  <a:cxn ang="0">
+                    <a:pos x="connsiteX5" y="connsiteY5"/>
+                  </a:cxn>
+                  <a:cxn ang="0">
+                    <a:pos x="connsiteX6" y="connsiteY6"/>
+                  </a:cxn>
+                  <a:cxn ang="0">
+                    <a:pos x="connsiteX7" y="connsiteY7"/>
+                  </a:cxn>
+                  <a:cxn ang="0">
+                    <a:pos x="connsiteX8" y="connsiteY8"/>
+                  </a:cxn>
+                  <a:cxn ang="0">
+                    <a:pos x="connsiteX9" y="connsiteY9"/>
+                  </a:cxn>
+                </a:cxnLst>
+                <a:rect l="l" t="t" r="r" b="b"/>
+                <a:pathLst>
+                  <a:path w="571499" h="554678">
+                    <a:moveTo>
+                      <a:pt x="0" y="271453"/>
+                    </a:moveTo>
+                    <a:lnTo>
+                      <a:pt x="0" y="554679"/>
+                    </a:lnTo>
+                    <a:lnTo>
+                      <a:pt x="228600" y="554679"/>
+                    </a:lnTo>
+                    <a:lnTo>
+                      <a:pt x="228600" y="316554"/>
+                    </a:lnTo>
+                    <a:lnTo>
+                      <a:pt x="342900" y="316554"/>
+                    </a:lnTo>
+                    <a:lnTo>
+                      <a:pt x="342900" y="554679"/>
+                    </a:lnTo>
+                    <a:lnTo>
+                      <a:pt x="571500" y="554679"/>
+                    </a:lnTo>
+                    <a:lnTo>
+                      <a:pt x="571500" y="271443"/>
+                    </a:lnTo>
+                    <a:lnTo>
+                      <a:pt x="285760" y="0"/>
+                    </a:lnTo>
+                    <a:lnTo>
+                      <a:pt x="0" y="271453"/>
+                    </a:lnTo>
+                    <a:close/>
+                  </a:path>
+                </a:pathLst>
+              </a:custGeom>
+              <a:grpFill/>
+              <a:ln w="9525" cap="flat">
+                <a:noFill/>
+                <a:prstDash val="solid"/>
+                <a:miter/>
+              </a:ln>
+            </p:spPr>
+            <p:txBody>
+              <a:bodyPr rtlCol="0" anchor="ctr"/>
+              <a:lstStyle/>
+              <a:p>
+                <a:endParaRPr lang="ko-KR" altLang="en-US"/>
+              </a:p>
+            </p:txBody>
+          </p:sp>
+        </p:grpSp>
+      </p:grpSp>
     </p:spTree>
     <p:extLst>
       <p:ext uri="{BB962C8B-B14F-4D97-AF65-F5344CB8AC3E}">
-        <p14:creationId xmlns:p14="http://schemas.microsoft.com/office/powerpoint/2010/main" val="4289967343"/>
+        <p14:creationId xmlns:p14="http://schemas.microsoft.com/office/powerpoint/2010/main" val="2977442529"/>
       </p:ext>
     </p:extLst>
   </p:cSld>
@@ -5394,7 +8339,7 @@
 </p:sld>
 </file>
 
-<file path=ppt/slides/slide5.xml><?xml version="1.0" encoding="utf-8"?>
+<file path=ppt/slides/slide7.xml><?xml version="1.0" encoding="utf-8"?>
 <p:sld xmlns:a="http://schemas.openxmlformats.org/drawingml/2006/main" xmlns:r="http://schemas.openxmlformats.org/officeDocument/2006/relationships" xmlns:p="http://schemas.openxmlformats.org/presentationml/2006/main">
   <p:cSld>
     <p:spTree>

--- a/액션&경영 RPG/스킬/리트루기아_부채스킬기획.pptx
+++ b/액션&경영 RPG/스킬/리트루기아_부채스킬기획.pptx
@@ -8,10 +8,12 @@
     <p:sldId id="256" r:id="rId2"/>
     <p:sldId id="258" r:id="rId3"/>
     <p:sldId id="261" r:id="rId4"/>
-    <p:sldId id="262" r:id="rId5"/>
-    <p:sldId id="263" r:id="rId6"/>
-    <p:sldId id="264" r:id="rId7"/>
-    <p:sldId id="257" r:id="rId8"/>
+    <p:sldId id="266" r:id="rId5"/>
+    <p:sldId id="262" r:id="rId6"/>
+    <p:sldId id="263" r:id="rId7"/>
+    <p:sldId id="264" r:id="rId8"/>
+    <p:sldId id="257" r:id="rId9"/>
+    <p:sldId id="265" r:id="rId10"/>
   </p:sldIdLst>
   <p:sldSz cx="12192000" cy="6858000"/>
   <p:notesSz cx="6858000" cy="9144000"/>
@@ -265,7 +267,7 @@
           <a:p>
             <a:fld id="{F8ADF8F0-391E-4C28-B3EC-FA94B0B80675}" type="datetimeFigureOut">
               <a:rPr lang="ko-KR" altLang="en-US" smtClean="0"/>
-              <a:t>2024-09-04</a:t>
+              <a:t>2024-09-05</a:t>
             </a:fld>
             <a:endParaRPr lang="ko-KR" altLang="en-US"/>
           </a:p>
@@ -463,7 +465,7 @@
           <a:p>
             <a:fld id="{F8ADF8F0-391E-4C28-B3EC-FA94B0B80675}" type="datetimeFigureOut">
               <a:rPr lang="ko-KR" altLang="en-US" smtClean="0"/>
-              <a:t>2024-09-04</a:t>
+              <a:t>2024-09-05</a:t>
             </a:fld>
             <a:endParaRPr lang="ko-KR" altLang="en-US"/>
           </a:p>
@@ -671,7 +673,7 @@
           <a:p>
             <a:fld id="{F8ADF8F0-391E-4C28-B3EC-FA94B0B80675}" type="datetimeFigureOut">
               <a:rPr lang="ko-KR" altLang="en-US" smtClean="0"/>
-              <a:t>2024-09-04</a:t>
+              <a:t>2024-09-05</a:t>
             </a:fld>
             <a:endParaRPr lang="ko-KR" altLang="en-US"/>
           </a:p>
@@ -869,7 +871,7 @@
           <a:p>
             <a:fld id="{F8ADF8F0-391E-4C28-B3EC-FA94B0B80675}" type="datetimeFigureOut">
               <a:rPr lang="ko-KR" altLang="en-US" smtClean="0"/>
-              <a:t>2024-09-04</a:t>
+              <a:t>2024-09-05</a:t>
             </a:fld>
             <a:endParaRPr lang="ko-KR" altLang="en-US"/>
           </a:p>
@@ -1144,7 +1146,7 @@
           <a:p>
             <a:fld id="{F8ADF8F0-391E-4C28-B3EC-FA94B0B80675}" type="datetimeFigureOut">
               <a:rPr lang="ko-KR" altLang="en-US" smtClean="0"/>
-              <a:t>2024-09-04</a:t>
+              <a:t>2024-09-05</a:t>
             </a:fld>
             <a:endParaRPr lang="ko-KR" altLang="en-US"/>
           </a:p>
@@ -1409,7 +1411,7 @@
           <a:p>
             <a:fld id="{F8ADF8F0-391E-4C28-B3EC-FA94B0B80675}" type="datetimeFigureOut">
               <a:rPr lang="ko-KR" altLang="en-US" smtClean="0"/>
-              <a:t>2024-09-04</a:t>
+              <a:t>2024-09-05</a:t>
             </a:fld>
             <a:endParaRPr lang="ko-KR" altLang="en-US"/>
           </a:p>
@@ -1821,7 +1823,7 @@
           <a:p>
             <a:fld id="{F8ADF8F0-391E-4C28-B3EC-FA94B0B80675}" type="datetimeFigureOut">
               <a:rPr lang="ko-KR" altLang="en-US" smtClean="0"/>
-              <a:t>2024-09-04</a:t>
+              <a:t>2024-09-05</a:t>
             </a:fld>
             <a:endParaRPr lang="ko-KR" altLang="en-US"/>
           </a:p>
@@ -1962,7 +1964,7 @@
           <a:p>
             <a:fld id="{F8ADF8F0-391E-4C28-B3EC-FA94B0B80675}" type="datetimeFigureOut">
               <a:rPr lang="ko-KR" altLang="en-US" smtClean="0"/>
-              <a:t>2024-09-04</a:t>
+              <a:t>2024-09-05</a:t>
             </a:fld>
             <a:endParaRPr lang="ko-KR" altLang="en-US"/>
           </a:p>
@@ -2075,7 +2077,7 @@
           <a:p>
             <a:fld id="{F8ADF8F0-391E-4C28-B3EC-FA94B0B80675}" type="datetimeFigureOut">
               <a:rPr lang="ko-KR" altLang="en-US" smtClean="0"/>
-              <a:t>2024-09-04</a:t>
+              <a:t>2024-09-05</a:t>
             </a:fld>
             <a:endParaRPr lang="ko-KR" altLang="en-US"/>
           </a:p>
@@ -2386,7 +2388,7 @@
           <a:p>
             <a:fld id="{F8ADF8F0-391E-4C28-B3EC-FA94B0B80675}" type="datetimeFigureOut">
               <a:rPr lang="ko-KR" altLang="en-US" smtClean="0"/>
-              <a:t>2024-09-04</a:t>
+              <a:t>2024-09-05</a:t>
             </a:fld>
             <a:endParaRPr lang="ko-KR" altLang="en-US"/>
           </a:p>
@@ -2674,7 +2676,7 @@
           <a:p>
             <a:fld id="{F8ADF8F0-391E-4C28-B3EC-FA94B0B80675}" type="datetimeFigureOut">
               <a:rPr lang="ko-KR" altLang="en-US" smtClean="0"/>
-              <a:t>2024-09-04</a:t>
+              <a:t>2024-09-05</a:t>
             </a:fld>
             <a:endParaRPr lang="ko-KR" altLang="en-US"/>
           </a:p>
@@ -2915,7 +2917,7 @@
           <a:p>
             <a:fld id="{F8ADF8F0-391E-4C28-B3EC-FA94B0B80675}" type="datetimeFigureOut">
               <a:rPr lang="ko-KR" altLang="en-US" smtClean="0"/>
-              <a:t>2024-09-04</a:t>
+              <a:t>2024-09-05</a:t>
             </a:fld>
             <a:endParaRPr lang="ko-KR" altLang="en-US"/>
           </a:p>
@@ -3535,15 +3537,15 @@
           <a:p>
             <a:pPr algn="ctr"/>
             <a:r>
-              <a:rPr lang="ko-KR" altLang="en-US" sz="1400" dirty="0"/>
+              <a:rPr lang="ko-KR" altLang="en-US" sz="1400" b="1" dirty="0"/>
               <a:t>작성자</a:t>
             </a:r>
             <a:r>
-              <a:rPr lang="en-US" altLang="ko-KR" sz="1400" dirty="0"/>
+              <a:rPr lang="en-US" altLang="ko-KR" sz="1400" b="1" dirty="0"/>
               <a:t>: </a:t>
             </a:r>
             <a:r>
-              <a:rPr lang="ko-KR" altLang="en-US" sz="1400" dirty="0"/>
+              <a:rPr lang="ko-KR" altLang="en-US" sz="1400" b="1" dirty="0"/>
               <a:t>홍진선</a:t>
             </a:r>
           </a:p>
@@ -3726,7 +3728,7 @@
               <a:rPr lang="ko-KR" altLang="en-US" sz="1400" b="1" dirty="0">
                 <a:effectLst/>
               </a:rPr>
-              <a:t>기획 의도</a:t>
+              <a:t>개요</a:t>
             </a:r>
             <a:endParaRPr lang="en-US" altLang="ko-KR" sz="1400" b="1" dirty="0">
               <a:effectLst/>
@@ -3920,6 +3922,1883 @@
 </file>
 
 <file path=ppt/slides/slide3.xml><?xml version="1.0" encoding="utf-8"?>
+<p:sld xmlns:a="http://schemas.openxmlformats.org/drawingml/2006/main" xmlns:r="http://schemas.openxmlformats.org/officeDocument/2006/relationships" xmlns:p="http://schemas.openxmlformats.org/presentationml/2006/main">
+  <p:cSld>
+    <p:spTree>
+      <p:nvGrpSpPr>
+        <p:cNvPr id="1" name=""/>
+        <p:cNvGrpSpPr/>
+        <p:nvPr/>
+      </p:nvGrpSpPr>
+      <p:grpSpPr>
+        <a:xfrm>
+          <a:off x="0" y="0"/>
+          <a:ext cx="0" cy="0"/>
+          <a:chOff x="0" y="0"/>
+          <a:chExt cx="0" cy="0"/>
+        </a:xfrm>
+      </p:grpSpPr>
+      <p:sp>
+        <p:nvSpPr>
+          <p:cNvPr id="20" name="화살표: 오각형 19">
+            <a:extLst>
+              <a:ext uri="{FF2B5EF4-FFF2-40B4-BE49-F238E27FC236}">
+                <a16:creationId xmlns:a16="http://schemas.microsoft.com/office/drawing/2014/main" id="{267681E7-B45E-AF02-DB4C-A39B1EB8C192}"/>
+              </a:ext>
+            </a:extLst>
+          </p:cNvPr>
+          <p:cNvSpPr/>
+          <p:nvPr/>
+        </p:nvSpPr>
+        <p:spPr>
+          <a:xfrm>
+            <a:off x="1" y="994687"/>
+            <a:ext cx="1702282" cy="404461"/>
+          </a:xfrm>
+          <a:prstGeom prst="homePlate">
+            <a:avLst/>
+          </a:prstGeom>
+          <a:solidFill>
+            <a:schemeClr val="bg1">
+              <a:lumMod val="95000"/>
+            </a:schemeClr>
+          </a:solidFill>
+          <a:ln>
+            <a:solidFill>
+              <a:schemeClr val="accent4">
+                <a:lumMod val="75000"/>
+              </a:schemeClr>
+            </a:solidFill>
+          </a:ln>
+        </p:spPr>
+        <p:style>
+          <a:lnRef idx="2">
+            <a:schemeClr val="accent1">
+              <a:shade val="15000"/>
+            </a:schemeClr>
+          </a:lnRef>
+          <a:fillRef idx="1">
+            <a:schemeClr val="accent1"/>
+          </a:fillRef>
+          <a:effectRef idx="0">
+            <a:schemeClr val="accent1"/>
+          </a:effectRef>
+          <a:fontRef idx="minor">
+            <a:schemeClr val="lt1"/>
+          </a:fontRef>
+        </p:style>
+        <p:txBody>
+          <a:bodyPr rtlCol="0" anchor="ctr"/>
+          <a:lstStyle/>
+          <a:p>
+            <a:pPr algn="ctr"/>
+            <a:endParaRPr lang="ko-KR" altLang="en-US"/>
+          </a:p>
+        </p:txBody>
+      </p:sp>
+      <p:grpSp>
+        <p:nvGrpSpPr>
+          <p:cNvPr id="42" name="그룹 41">
+            <a:extLst>
+              <a:ext uri="{FF2B5EF4-FFF2-40B4-BE49-F238E27FC236}">
+                <a16:creationId xmlns:a16="http://schemas.microsoft.com/office/drawing/2014/main" id="{42655F23-37B8-4AFA-B33E-136378ECAF83}"/>
+              </a:ext>
+            </a:extLst>
+          </p:cNvPr>
+          <p:cNvGrpSpPr>
+            <a:grpSpLocks/>
+          </p:cNvGrpSpPr>
+          <p:nvPr/>
+        </p:nvGrpSpPr>
+        <p:grpSpPr>
+          <a:xfrm>
+            <a:off x="3506012" y="181080"/>
+            <a:ext cx="1600200" cy="403080"/>
+            <a:chOff x="4391025" y="108202"/>
+            <a:chExt cx="1600200" cy="524755"/>
+          </a:xfrm>
+          <a:solidFill>
+            <a:schemeClr val="bg1">
+              <a:lumMod val="95000"/>
+            </a:schemeClr>
+          </a:solidFill>
+        </p:grpSpPr>
+        <p:sp>
+          <p:nvSpPr>
+            <p:cNvPr id="44" name="평행 사변형 43">
+              <a:extLst>
+                <a:ext uri="{FF2B5EF4-FFF2-40B4-BE49-F238E27FC236}">
+                  <a16:creationId xmlns:a16="http://schemas.microsoft.com/office/drawing/2014/main" id="{CDB45949-2375-4698-8757-5E1F490E8367}"/>
+                </a:ext>
+              </a:extLst>
+            </p:cNvPr>
+            <p:cNvSpPr>
+              <a:spLocks/>
+            </p:cNvSpPr>
+            <p:nvPr/>
+          </p:nvSpPr>
+          <p:spPr>
+            <a:xfrm>
+              <a:off x="4391025" y="108202"/>
+              <a:ext cx="1600200" cy="524755"/>
+            </a:xfrm>
+            <a:prstGeom prst="parallelogram">
+              <a:avLst>
+                <a:gd name="adj" fmla="val 49299"/>
+              </a:avLst>
+            </a:prstGeom>
+            <a:grpFill/>
+            <a:ln>
+              <a:noFill/>
+            </a:ln>
+          </p:spPr>
+          <p:style>
+            <a:lnRef idx="2">
+              <a:schemeClr val="accent1">
+                <a:shade val="50000"/>
+              </a:schemeClr>
+            </a:lnRef>
+            <a:fillRef idx="1">
+              <a:schemeClr val="accent1"/>
+            </a:fillRef>
+            <a:effectRef idx="0">
+              <a:schemeClr val="accent1"/>
+            </a:effectRef>
+            <a:fontRef idx="minor">
+              <a:schemeClr val="lt1"/>
+            </a:fontRef>
+          </p:style>
+          <p:txBody>
+            <a:bodyPr rtlCol="0" anchor="ctr"/>
+            <a:lstStyle/>
+            <a:p>
+              <a:pPr algn="ctr"/>
+              <a:endParaRPr lang="ko-KR" altLang="en-US" sz="1000">
+                <a:solidFill>
+                  <a:schemeClr val="bg1">
+                    <a:lumMod val="50000"/>
+                  </a:schemeClr>
+                </a:solidFill>
+              </a:endParaRPr>
+            </a:p>
+          </p:txBody>
+        </p:sp>
+        <p:sp>
+          <p:nvSpPr>
+            <p:cNvPr id="45" name="TextBox 44">
+              <a:extLst>
+                <a:ext uri="{FF2B5EF4-FFF2-40B4-BE49-F238E27FC236}">
+                  <a16:creationId xmlns:a16="http://schemas.microsoft.com/office/drawing/2014/main" id="{34889474-D76A-48E4-9376-2EF32B706AC9}"/>
+                </a:ext>
+              </a:extLst>
+            </p:cNvPr>
+            <p:cNvSpPr txBox="1">
+              <a:spLocks/>
+            </p:cNvSpPr>
+            <p:nvPr/>
+          </p:nvSpPr>
+          <p:spPr>
+            <a:xfrm>
+              <a:off x="4791817" y="200289"/>
+              <a:ext cx="742511" cy="320546"/>
+            </a:xfrm>
+            <a:prstGeom prst="rect">
+              <a:avLst/>
+            </a:prstGeom>
+            <a:grpFill/>
+          </p:spPr>
+          <p:txBody>
+            <a:bodyPr wrap="none" rtlCol="0">
+              <a:spAutoFit/>
+            </a:bodyPr>
+            <a:lstStyle/>
+            <a:p>
+              <a:r>
+                <a:rPr lang="ko-KR" altLang="en-US" sz="1000" b="1" dirty="0">
+                  <a:solidFill>
+                    <a:schemeClr val="bg1">
+                      <a:lumMod val="50000"/>
+                    </a:schemeClr>
+                  </a:solidFill>
+                  <a:effectLst/>
+                </a:rPr>
+                <a:t>기본 모션</a:t>
+              </a:r>
+              <a:endParaRPr lang="en-US" altLang="ko-KR" sz="1000" b="1" dirty="0">
+                <a:solidFill>
+                  <a:schemeClr val="bg1">
+                    <a:lumMod val="50000"/>
+                  </a:schemeClr>
+                </a:solidFill>
+                <a:effectLst/>
+              </a:endParaRPr>
+            </a:p>
+          </p:txBody>
+        </p:sp>
+      </p:grpSp>
+      <p:grpSp>
+        <p:nvGrpSpPr>
+          <p:cNvPr id="46" name="그룹 45">
+            <a:extLst>
+              <a:ext uri="{FF2B5EF4-FFF2-40B4-BE49-F238E27FC236}">
+                <a16:creationId xmlns:a16="http://schemas.microsoft.com/office/drawing/2014/main" id="{EE51AC58-AF94-4355-BA14-C3F7835900AD}"/>
+              </a:ext>
+            </a:extLst>
+          </p:cNvPr>
+          <p:cNvGrpSpPr>
+            <a:grpSpLocks/>
+          </p:cNvGrpSpPr>
+          <p:nvPr/>
+        </p:nvGrpSpPr>
+        <p:grpSpPr>
+          <a:xfrm>
+            <a:off x="5104149" y="181080"/>
+            <a:ext cx="1600200" cy="403080"/>
+            <a:chOff x="4391025" y="108202"/>
+            <a:chExt cx="1600200" cy="524755"/>
+          </a:xfrm>
+          <a:solidFill>
+            <a:schemeClr val="bg1">
+              <a:lumMod val="95000"/>
+            </a:schemeClr>
+          </a:solidFill>
+        </p:grpSpPr>
+        <p:sp>
+          <p:nvSpPr>
+            <p:cNvPr id="47" name="평행 사변형 46">
+              <a:extLst>
+                <a:ext uri="{FF2B5EF4-FFF2-40B4-BE49-F238E27FC236}">
+                  <a16:creationId xmlns:a16="http://schemas.microsoft.com/office/drawing/2014/main" id="{F0DD6F98-F2BB-43FD-9F1C-1BB9287C7433}"/>
+                </a:ext>
+              </a:extLst>
+            </p:cNvPr>
+            <p:cNvSpPr>
+              <a:spLocks/>
+            </p:cNvSpPr>
+            <p:nvPr/>
+          </p:nvSpPr>
+          <p:spPr>
+            <a:xfrm>
+              <a:off x="4391025" y="108202"/>
+              <a:ext cx="1600200" cy="524755"/>
+            </a:xfrm>
+            <a:prstGeom prst="parallelogram">
+              <a:avLst>
+                <a:gd name="adj" fmla="val 49299"/>
+              </a:avLst>
+            </a:prstGeom>
+            <a:grpFill/>
+            <a:ln>
+              <a:noFill/>
+            </a:ln>
+          </p:spPr>
+          <p:style>
+            <a:lnRef idx="2">
+              <a:schemeClr val="accent1">
+                <a:shade val="50000"/>
+              </a:schemeClr>
+            </a:lnRef>
+            <a:fillRef idx="1">
+              <a:schemeClr val="accent1"/>
+            </a:fillRef>
+            <a:effectRef idx="0">
+              <a:schemeClr val="accent1"/>
+            </a:effectRef>
+            <a:fontRef idx="minor">
+              <a:schemeClr val="lt1"/>
+            </a:fontRef>
+          </p:style>
+          <p:txBody>
+            <a:bodyPr rtlCol="0" anchor="ctr"/>
+            <a:lstStyle/>
+            <a:p>
+              <a:pPr algn="ctr"/>
+              <a:endParaRPr lang="ko-KR" altLang="en-US" sz="1000" dirty="0">
+                <a:solidFill>
+                  <a:schemeClr val="bg1">
+                    <a:lumMod val="50000"/>
+                  </a:schemeClr>
+                </a:solidFill>
+              </a:endParaRPr>
+            </a:p>
+          </p:txBody>
+        </p:sp>
+        <p:sp>
+          <p:nvSpPr>
+            <p:cNvPr id="48" name="TextBox 47">
+              <a:extLst>
+                <a:ext uri="{FF2B5EF4-FFF2-40B4-BE49-F238E27FC236}">
+                  <a16:creationId xmlns:a16="http://schemas.microsoft.com/office/drawing/2014/main" id="{F80F3253-C5AC-483B-BAB6-88E57716E386}"/>
+                </a:ext>
+              </a:extLst>
+            </p:cNvPr>
+            <p:cNvSpPr txBox="1">
+              <a:spLocks/>
+            </p:cNvSpPr>
+            <p:nvPr/>
+          </p:nvSpPr>
+          <p:spPr>
+            <a:xfrm>
+              <a:off x="4957728" y="200289"/>
+              <a:ext cx="441146" cy="320546"/>
+            </a:xfrm>
+            <a:prstGeom prst="rect">
+              <a:avLst/>
+            </a:prstGeom>
+            <a:grpFill/>
+          </p:spPr>
+          <p:txBody>
+            <a:bodyPr wrap="none" rtlCol="0">
+              <a:spAutoFit/>
+            </a:bodyPr>
+            <a:lstStyle/>
+            <a:p>
+              <a:r>
+                <a:rPr lang="ko-KR" altLang="en-US" sz="1000" b="1" dirty="0">
+                  <a:solidFill>
+                    <a:schemeClr val="bg1">
+                      <a:lumMod val="50000"/>
+                    </a:schemeClr>
+                  </a:solidFill>
+                  <a:effectLst/>
+                </a:rPr>
+                <a:t>스킬</a:t>
+              </a:r>
+              <a:endParaRPr lang="en-US" altLang="ko-KR" sz="1000" b="1" dirty="0">
+                <a:solidFill>
+                  <a:schemeClr val="bg1">
+                    <a:lumMod val="50000"/>
+                  </a:schemeClr>
+                </a:solidFill>
+                <a:effectLst/>
+              </a:endParaRPr>
+            </a:p>
+          </p:txBody>
+        </p:sp>
+      </p:grpSp>
+      <p:grpSp>
+        <p:nvGrpSpPr>
+          <p:cNvPr id="49" name="그룹 48">
+            <a:extLst>
+              <a:ext uri="{FF2B5EF4-FFF2-40B4-BE49-F238E27FC236}">
+                <a16:creationId xmlns:a16="http://schemas.microsoft.com/office/drawing/2014/main" id="{C22A3464-0356-4B1F-BC32-53F7D0FE6E8B}"/>
+              </a:ext>
+            </a:extLst>
+          </p:cNvPr>
+          <p:cNvGrpSpPr>
+            <a:grpSpLocks/>
+          </p:cNvGrpSpPr>
+          <p:nvPr/>
+        </p:nvGrpSpPr>
+        <p:grpSpPr>
+          <a:xfrm>
+            <a:off x="1907875" y="181080"/>
+            <a:ext cx="1600200" cy="403081"/>
+            <a:chOff x="4397331" y="108202"/>
+            <a:chExt cx="1600200" cy="524755"/>
+          </a:xfrm>
+          <a:solidFill>
+            <a:schemeClr val="bg1">
+              <a:lumMod val="95000"/>
+            </a:schemeClr>
+          </a:solidFill>
+        </p:grpSpPr>
+        <p:sp>
+          <p:nvSpPr>
+            <p:cNvPr id="50" name="평행 사변형 49">
+              <a:extLst>
+                <a:ext uri="{FF2B5EF4-FFF2-40B4-BE49-F238E27FC236}">
+                  <a16:creationId xmlns:a16="http://schemas.microsoft.com/office/drawing/2014/main" id="{BFF850DA-4447-4895-914D-5EC2A72633C8}"/>
+                </a:ext>
+              </a:extLst>
+            </p:cNvPr>
+            <p:cNvSpPr>
+              <a:spLocks/>
+            </p:cNvSpPr>
+            <p:nvPr/>
+          </p:nvSpPr>
+          <p:spPr>
+            <a:xfrm>
+              <a:off x="4397331" y="108202"/>
+              <a:ext cx="1600200" cy="524755"/>
+            </a:xfrm>
+            <a:prstGeom prst="parallelogram">
+              <a:avLst>
+                <a:gd name="adj" fmla="val 49299"/>
+              </a:avLst>
+            </a:prstGeom>
+            <a:grpFill/>
+            <a:ln>
+              <a:noFill/>
+            </a:ln>
+          </p:spPr>
+          <p:style>
+            <a:lnRef idx="2">
+              <a:schemeClr val="accent1">
+                <a:shade val="50000"/>
+              </a:schemeClr>
+            </a:lnRef>
+            <a:fillRef idx="1">
+              <a:schemeClr val="accent1"/>
+            </a:fillRef>
+            <a:effectRef idx="0">
+              <a:schemeClr val="accent1"/>
+            </a:effectRef>
+            <a:fontRef idx="minor">
+              <a:schemeClr val="lt1"/>
+            </a:fontRef>
+          </p:style>
+          <p:txBody>
+            <a:bodyPr rtlCol="0" anchor="ctr"/>
+            <a:lstStyle/>
+            <a:p>
+              <a:pPr algn="ctr"/>
+              <a:endParaRPr lang="ko-KR" altLang="en-US" sz="1000">
+                <a:solidFill>
+                  <a:schemeClr val="bg1">
+                    <a:lumMod val="50000"/>
+                  </a:schemeClr>
+                </a:solidFill>
+              </a:endParaRPr>
+            </a:p>
+          </p:txBody>
+        </p:sp>
+        <p:sp>
+          <p:nvSpPr>
+            <p:cNvPr id="51" name="TextBox 50">
+              <a:extLst>
+                <a:ext uri="{FF2B5EF4-FFF2-40B4-BE49-F238E27FC236}">
+                  <a16:creationId xmlns:a16="http://schemas.microsoft.com/office/drawing/2014/main" id="{654BA4F5-7770-40D8-BCA2-A2564F6C78D7}"/>
+                </a:ext>
+              </a:extLst>
+            </p:cNvPr>
+            <p:cNvSpPr txBox="1">
+              <a:spLocks/>
+            </p:cNvSpPr>
+            <p:nvPr/>
+          </p:nvSpPr>
+          <p:spPr>
+            <a:xfrm>
+              <a:off x="4791817" y="200289"/>
+              <a:ext cx="742511" cy="320545"/>
+            </a:xfrm>
+            <a:prstGeom prst="rect">
+              <a:avLst/>
+            </a:prstGeom>
+            <a:grpFill/>
+          </p:spPr>
+          <p:txBody>
+            <a:bodyPr wrap="none" rtlCol="0">
+              <a:spAutoFit/>
+            </a:bodyPr>
+            <a:lstStyle/>
+            <a:p>
+              <a:r>
+                <a:rPr lang="ko-KR" altLang="en-US" sz="1000" b="1" dirty="0">
+                  <a:solidFill>
+                    <a:schemeClr val="bg1">
+                      <a:lumMod val="50000"/>
+                    </a:schemeClr>
+                  </a:solidFill>
+                  <a:effectLst/>
+                </a:rPr>
+                <a:t>무기 소개</a:t>
+              </a:r>
+              <a:endParaRPr lang="en-US" altLang="ko-KR" sz="1000" b="1" dirty="0">
+                <a:solidFill>
+                  <a:schemeClr val="bg1">
+                    <a:lumMod val="50000"/>
+                  </a:schemeClr>
+                </a:solidFill>
+                <a:effectLst/>
+              </a:endParaRPr>
+            </a:p>
+          </p:txBody>
+        </p:sp>
+      </p:grpSp>
+      <p:sp>
+        <p:nvSpPr>
+          <p:cNvPr id="102" name="자유형: 도형 101">
+            <a:extLst>
+              <a:ext uri="{FF2B5EF4-FFF2-40B4-BE49-F238E27FC236}">
+                <a16:creationId xmlns:a16="http://schemas.microsoft.com/office/drawing/2014/main" id="{AFAEEBBF-ABAF-4362-9A17-EF9D37E9BBE0}"/>
+              </a:ext>
+            </a:extLst>
+          </p:cNvPr>
+          <p:cNvSpPr>
+            <a:spLocks/>
+          </p:cNvSpPr>
+          <p:nvPr/>
+        </p:nvSpPr>
+        <p:spPr>
+          <a:xfrm>
+            <a:off x="233052" y="185202"/>
+            <a:ext cx="1674019" cy="409575"/>
+          </a:xfrm>
+          <a:custGeom>
+            <a:avLst/>
+            <a:gdLst>
+              <a:gd name="connsiteX0" fmla="*/ 0 w 1674019"/>
+              <a:gd name="connsiteY0" fmla="*/ 409575 h 409575"/>
+              <a:gd name="connsiteX1" fmla="*/ 69056 w 1674019"/>
+              <a:gd name="connsiteY1" fmla="*/ 409575 h 409575"/>
+              <a:gd name="connsiteX2" fmla="*/ 271463 w 1674019"/>
+              <a:gd name="connsiteY2" fmla="*/ 0 h 409575"/>
+              <a:gd name="connsiteX3" fmla="*/ 1674019 w 1674019"/>
+              <a:gd name="connsiteY3" fmla="*/ 0 h 409575"/>
+              <a:gd name="connsiteX4" fmla="*/ 1469231 w 1674019"/>
+              <a:gd name="connsiteY4" fmla="*/ 409575 h 409575"/>
+              <a:gd name="connsiteX5" fmla="*/ 1543050 w 1674019"/>
+              <a:gd name="connsiteY5" fmla="*/ 409575 h 409575"/>
+            </a:gdLst>
+            <a:ahLst/>
+            <a:cxnLst>
+              <a:cxn ang="0">
+                <a:pos x="connsiteX0" y="connsiteY0"/>
+              </a:cxn>
+              <a:cxn ang="0">
+                <a:pos x="connsiteX1" y="connsiteY1"/>
+              </a:cxn>
+              <a:cxn ang="0">
+                <a:pos x="connsiteX2" y="connsiteY2"/>
+              </a:cxn>
+              <a:cxn ang="0">
+                <a:pos x="connsiteX3" y="connsiteY3"/>
+              </a:cxn>
+              <a:cxn ang="0">
+                <a:pos x="connsiteX4" y="connsiteY4"/>
+              </a:cxn>
+              <a:cxn ang="0">
+                <a:pos x="connsiteX5" y="connsiteY5"/>
+              </a:cxn>
+            </a:cxnLst>
+            <a:rect l="l" t="t" r="r" b="b"/>
+            <a:pathLst>
+              <a:path w="1674019" h="409575">
+                <a:moveTo>
+                  <a:pt x="0" y="409575"/>
+                </a:moveTo>
+                <a:lnTo>
+                  <a:pt x="69056" y="409575"/>
+                </a:lnTo>
+                <a:lnTo>
+                  <a:pt x="271463" y="0"/>
+                </a:lnTo>
+                <a:lnTo>
+                  <a:pt x="1674019" y="0"/>
+                </a:lnTo>
+                <a:lnTo>
+                  <a:pt x="1469231" y="409575"/>
+                </a:lnTo>
+                <a:lnTo>
+                  <a:pt x="1543050" y="409575"/>
+                </a:lnTo>
+              </a:path>
+            </a:pathLst>
+          </a:custGeom>
+          <a:noFill/>
+          <a:ln w="28575">
+            <a:solidFill>
+              <a:schemeClr val="accent4">
+                <a:lumMod val="75000"/>
+              </a:schemeClr>
+            </a:solidFill>
+          </a:ln>
+        </p:spPr>
+        <p:style>
+          <a:lnRef idx="2">
+            <a:schemeClr val="accent1">
+              <a:shade val="50000"/>
+            </a:schemeClr>
+          </a:lnRef>
+          <a:fillRef idx="1">
+            <a:schemeClr val="accent1"/>
+          </a:fillRef>
+          <a:effectRef idx="0">
+            <a:schemeClr val="accent1"/>
+          </a:effectRef>
+          <a:fontRef idx="minor">
+            <a:schemeClr val="lt1"/>
+          </a:fontRef>
+        </p:style>
+        <p:txBody>
+          <a:bodyPr rtlCol="0" anchor="ctr"/>
+          <a:lstStyle/>
+          <a:p>
+            <a:pPr algn="ctr"/>
+            <a:endParaRPr lang="ko-KR" altLang="en-US"/>
+          </a:p>
+        </p:txBody>
+      </p:sp>
+      <p:cxnSp>
+        <p:nvCxnSpPr>
+          <p:cNvPr id="105" name="직선 연결선 104">
+            <a:extLst>
+              <a:ext uri="{FF2B5EF4-FFF2-40B4-BE49-F238E27FC236}">
+                <a16:creationId xmlns:a16="http://schemas.microsoft.com/office/drawing/2014/main" id="{7E2F88F9-3C7B-48DF-A4C7-DA194F522C73}"/>
+              </a:ext>
+            </a:extLst>
+          </p:cNvPr>
+          <p:cNvCxnSpPr>
+            <a:cxnSpLocks/>
+            <a:stCxn id="102" idx="1"/>
+          </p:cNvCxnSpPr>
+          <p:nvPr/>
+        </p:nvCxnSpPr>
+        <p:spPr>
+          <a:xfrm flipH="1">
+            <a:off x="0" y="594777"/>
+            <a:ext cx="302108" cy="0"/>
+          </a:xfrm>
+          <a:prstGeom prst="line">
+            <a:avLst/>
+          </a:prstGeom>
+          <a:ln w="28575">
+            <a:solidFill>
+              <a:schemeClr val="accent4">
+                <a:lumMod val="75000"/>
+              </a:schemeClr>
+            </a:solidFill>
+          </a:ln>
+        </p:spPr>
+        <p:style>
+          <a:lnRef idx="2">
+            <a:schemeClr val="accent1"/>
+          </a:lnRef>
+          <a:fillRef idx="0">
+            <a:schemeClr val="accent1"/>
+          </a:fillRef>
+          <a:effectRef idx="1">
+            <a:schemeClr val="accent1"/>
+          </a:effectRef>
+          <a:fontRef idx="minor">
+            <a:schemeClr val="tx1"/>
+          </a:fontRef>
+        </p:style>
+      </p:cxnSp>
+      <p:cxnSp>
+        <p:nvCxnSpPr>
+          <p:cNvPr id="106" name="직선 연결선 105">
+            <a:extLst>
+              <a:ext uri="{FF2B5EF4-FFF2-40B4-BE49-F238E27FC236}">
+                <a16:creationId xmlns:a16="http://schemas.microsoft.com/office/drawing/2014/main" id="{3ABAC88F-1F22-4AC6-94F9-607393818B8F}"/>
+              </a:ext>
+            </a:extLst>
+          </p:cNvPr>
+          <p:cNvCxnSpPr>
+            <a:cxnSpLocks/>
+            <a:endCxn id="102" idx="4"/>
+          </p:cNvCxnSpPr>
+          <p:nvPr/>
+        </p:nvCxnSpPr>
+        <p:spPr>
+          <a:xfrm flipH="1">
+            <a:off x="1702283" y="594777"/>
+            <a:ext cx="10481310" cy="0"/>
+          </a:xfrm>
+          <a:prstGeom prst="line">
+            <a:avLst/>
+          </a:prstGeom>
+          <a:ln w="28575">
+            <a:solidFill>
+              <a:schemeClr val="accent4">
+                <a:lumMod val="75000"/>
+              </a:schemeClr>
+            </a:solidFill>
+          </a:ln>
+        </p:spPr>
+        <p:style>
+          <a:lnRef idx="2">
+            <a:schemeClr val="accent1"/>
+          </a:lnRef>
+          <a:fillRef idx="0">
+            <a:schemeClr val="accent1"/>
+          </a:fillRef>
+          <a:effectRef idx="1">
+            <a:schemeClr val="accent1"/>
+          </a:effectRef>
+          <a:fontRef idx="minor">
+            <a:schemeClr val="tx1"/>
+          </a:fontRef>
+        </p:style>
+      </p:cxnSp>
+      <p:grpSp>
+        <p:nvGrpSpPr>
+          <p:cNvPr id="6" name="그룹 5">
+            <a:extLst>
+              <a:ext uri="{FF2B5EF4-FFF2-40B4-BE49-F238E27FC236}">
+                <a16:creationId xmlns:a16="http://schemas.microsoft.com/office/drawing/2014/main" id="{FB2DC671-EBE6-161D-9D80-4A8AB5D7C3A6}"/>
+              </a:ext>
+            </a:extLst>
+          </p:cNvPr>
+          <p:cNvGrpSpPr/>
+          <p:nvPr/>
+        </p:nvGrpSpPr>
+        <p:grpSpPr>
+          <a:xfrm>
+            <a:off x="10502114" y="78962"/>
+            <a:ext cx="1689886" cy="505199"/>
+            <a:chOff x="10502114" y="78962"/>
+            <a:chExt cx="1689886" cy="505199"/>
+          </a:xfrm>
+        </p:grpSpPr>
+        <p:sp>
+          <p:nvSpPr>
+            <p:cNvPr id="2" name="TextBox 1">
+              <a:extLst>
+                <a:ext uri="{FF2B5EF4-FFF2-40B4-BE49-F238E27FC236}">
+                  <a16:creationId xmlns:a16="http://schemas.microsoft.com/office/drawing/2014/main" id="{01E4C8AF-3C7D-95E4-288F-0BE7BD60B384}"/>
+                </a:ext>
+              </a:extLst>
+            </p:cNvPr>
+            <p:cNvSpPr txBox="1">
+              <a:spLocks/>
+            </p:cNvSpPr>
+            <p:nvPr/>
+          </p:nvSpPr>
+          <p:spPr>
+            <a:xfrm>
+              <a:off x="10502114" y="353329"/>
+              <a:ext cx="1689886" cy="230832"/>
+            </a:xfrm>
+            <a:prstGeom prst="rect">
+              <a:avLst/>
+            </a:prstGeom>
+            <a:noFill/>
+          </p:spPr>
+          <p:txBody>
+            <a:bodyPr wrap="none" rtlCol="0">
+              <a:spAutoFit/>
+            </a:bodyPr>
+            <a:lstStyle/>
+            <a:p>
+              <a:pPr algn="r"/>
+              <a:r>
+                <a:rPr lang="ko-KR" altLang="en-US" sz="900" b="1" dirty="0" err="1">
+                  <a:solidFill>
+                    <a:schemeClr val="bg1">
+                      <a:lumMod val="50000"/>
+                    </a:schemeClr>
+                  </a:solidFill>
+                  <a:effectLst/>
+                </a:rPr>
+                <a:t>리트루기아</a:t>
+              </a:r>
+              <a:r>
+                <a:rPr lang="ko-KR" altLang="en-US" sz="900" b="1" dirty="0">
+                  <a:solidFill>
+                    <a:schemeClr val="bg1">
+                      <a:lumMod val="50000"/>
+                    </a:schemeClr>
+                  </a:solidFill>
+                  <a:effectLst/>
+                </a:rPr>
+                <a:t> 부채 스킬 기획서</a:t>
+              </a:r>
+              <a:endParaRPr lang="en-US" altLang="ko-KR" sz="900" b="1" dirty="0">
+                <a:solidFill>
+                  <a:schemeClr val="bg1">
+                    <a:lumMod val="50000"/>
+                  </a:schemeClr>
+                </a:solidFill>
+                <a:effectLst/>
+              </a:endParaRPr>
+            </a:p>
+          </p:txBody>
+        </p:sp>
+        <p:grpSp>
+          <p:nvGrpSpPr>
+            <p:cNvPr id="3" name="그룹 2">
+              <a:extLst>
+                <a:ext uri="{FF2B5EF4-FFF2-40B4-BE49-F238E27FC236}">
+                  <a16:creationId xmlns:a16="http://schemas.microsoft.com/office/drawing/2014/main" id="{6554ECE8-DBAA-0C88-9E14-73F4746D825D}"/>
+                </a:ext>
+              </a:extLst>
+            </p:cNvPr>
+            <p:cNvGrpSpPr>
+              <a:grpSpLocks/>
+            </p:cNvGrpSpPr>
+            <p:nvPr/>
+          </p:nvGrpSpPr>
+          <p:grpSpPr>
+            <a:xfrm>
+              <a:off x="11805028" y="78962"/>
+              <a:ext cx="307840" cy="263869"/>
+              <a:chOff x="1302299" y="2529509"/>
+              <a:chExt cx="800080" cy="685799"/>
+            </a:xfrm>
+            <a:solidFill>
+              <a:schemeClr val="accent4">
+                <a:lumMod val="50000"/>
+              </a:schemeClr>
+            </a:solidFill>
+          </p:grpSpPr>
+          <p:sp>
+            <p:nvSpPr>
+              <p:cNvPr id="4" name="자유형: 도형 3">
+                <a:extLst>
+                  <a:ext uri="{FF2B5EF4-FFF2-40B4-BE49-F238E27FC236}">
+                    <a16:creationId xmlns:a16="http://schemas.microsoft.com/office/drawing/2014/main" id="{977C45A4-3617-F15D-3203-2562F51B65B2}"/>
+                  </a:ext>
+                </a:extLst>
+              </p:cNvPr>
+              <p:cNvSpPr>
+                <a:spLocks/>
+              </p:cNvSpPr>
+              <p:nvPr/>
+            </p:nvSpPr>
+            <p:spPr>
+              <a:xfrm>
+                <a:off x="1302299" y="2529509"/>
+                <a:ext cx="800080" cy="417509"/>
+              </a:xfrm>
+              <a:custGeom>
+                <a:avLst/>
+                <a:gdLst>
+                  <a:gd name="connsiteX0" fmla="*/ 400031 w 800080"/>
+                  <a:gd name="connsiteY0" fmla="*/ 78581 h 417509"/>
+                  <a:gd name="connsiteX1" fmla="*/ 400050 w 800080"/>
+                  <a:gd name="connsiteY1" fmla="*/ 78581 h 417509"/>
+                  <a:gd name="connsiteX2" fmla="*/ 756837 w 800080"/>
+                  <a:gd name="connsiteY2" fmla="*/ 417509 h 417509"/>
+                  <a:gd name="connsiteX3" fmla="*/ 800081 w 800080"/>
+                  <a:gd name="connsiteY3" fmla="*/ 380552 h 417509"/>
+                  <a:gd name="connsiteX4" fmla="*/ 400050 w 800080"/>
+                  <a:gd name="connsiteY4" fmla="*/ 0 h 417509"/>
+                  <a:gd name="connsiteX5" fmla="*/ 400031 w 800080"/>
+                  <a:gd name="connsiteY5" fmla="*/ 0 h 417509"/>
+                  <a:gd name="connsiteX6" fmla="*/ 0 w 800080"/>
+                  <a:gd name="connsiteY6" fmla="*/ 380552 h 417509"/>
+                  <a:gd name="connsiteX7" fmla="*/ 43244 w 800080"/>
+                  <a:gd name="connsiteY7" fmla="*/ 417509 h 417509"/>
+                  <a:gd name="connsiteX8" fmla="*/ 400031 w 800080"/>
+                  <a:gd name="connsiteY8" fmla="*/ 78581 h 417509"/>
+                </a:gdLst>
+                <a:ahLst/>
+                <a:cxnLst>
+                  <a:cxn ang="0">
+                    <a:pos x="connsiteX0" y="connsiteY0"/>
+                  </a:cxn>
+                  <a:cxn ang="0">
+                    <a:pos x="connsiteX1" y="connsiteY1"/>
+                  </a:cxn>
+                  <a:cxn ang="0">
+                    <a:pos x="connsiteX2" y="connsiteY2"/>
+                  </a:cxn>
+                  <a:cxn ang="0">
+                    <a:pos x="connsiteX3" y="connsiteY3"/>
+                  </a:cxn>
+                  <a:cxn ang="0">
+                    <a:pos x="connsiteX4" y="connsiteY4"/>
+                  </a:cxn>
+                  <a:cxn ang="0">
+                    <a:pos x="connsiteX5" y="connsiteY5"/>
+                  </a:cxn>
+                  <a:cxn ang="0">
+                    <a:pos x="connsiteX6" y="connsiteY6"/>
+                  </a:cxn>
+                  <a:cxn ang="0">
+                    <a:pos x="connsiteX7" y="connsiteY7"/>
+                  </a:cxn>
+                  <a:cxn ang="0">
+                    <a:pos x="connsiteX8" y="connsiteY8"/>
+                  </a:cxn>
+                </a:cxnLst>
+                <a:rect l="l" t="t" r="r" b="b"/>
+                <a:pathLst>
+                  <a:path w="800080" h="417509">
+                    <a:moveTo>
+                      <a:pt x="400031" y="78581"/>
+                    </a:moveTo>
+                    <a:lnTo>
+                      <a:pt x="400050" y="78581"/>
+                    </a:lnTo>
+                    <a:lnTo>
+                      <a:pt x="756837" y="417509"/>
+                    </a:lnTo>
+                    <a:lnTo>
+                      <a:pt x="800081" y="380552"/>
+                    </a:lnTo>
+                    <a:lnTo>
+                      <a:pt x="400050" y="0"/>
+                    </a:lnTo>
+                    <a:lnTo>
+                      <a:pt x="400031" y="0"/>
+                    </a:lnTo>
+                    <a:lnTo>
+                      <a:pt x="0" y="380552"/>
+                    </a:lnTo>
+                    <a:lnTo>
+                      <a:pt x="43244" y="417509"/>
+                    </a:lnTo>
+                    <a:lnTo>
+                      <a:pt x="400031" y="78581"/>
+                    </a:lnTo>
+                    <a:close/>
+                  </a:path>
+                </a:pathLst>
+              </a:custGeom>
+              <a:grpFill/>
+              <a:ln w="9525" cap="flat">
+                <a:noFill/>
+                <a:prstDash val="solid"/>
+                <a:miter/>
+              </a:ln>
+            </p:spPr>
+            <p:txBody>
+              <a:bodyPr rtlCol="0" anchor="ctr"/>
+              <a:lstStyle/>
+              <a:p>
+                <a:endParaRPr lang="ko-KR" altLang="en-US"/>
+              </a:p>
+            </p:txBody>
+          </p:sp>
+          <p:sp>
+            <p:nvSpPr>
+              <p:cNvPr id="5" name="자유형: 도형 4">
+                <a:extLst>
+                  <a:ext uri="{FF2B5EF4-FFF2-40B4-BE49-F238E27FC236}">
+                    <a16:creationId xmlns:a16="http://schemas.microsoft.com/office/drawing/2014/main" id="{12ED3F9A-D0A4-00B4-0EB5-66A71FB495A6}"/>
+                  </a:ext>
+                </a:extLst>
+              </p:cNvPr>
+              <p:cNvSpPr>
+                <a:spLocks/>
+              </p:cNvSpPr>
+              <p:nvPr/>
+            </p:nvSpPr>
+            <p:spPr>
+              <a:xfrm>
+                <a:off x="1416580" y="2660630"/>
+                <a:ext cx="571499" cy="554678"/>
+              </a:xfrm>
+              <a:custGeom>
+                <a:avLst/>
+                <a:gdLst>
+                  <a:gd name="connsiteX0" fmla="*/ 0 w 571499"/>
+                  <a:gd name="connsiteY0" fmla="*/ 271453 h 554678"/>
+                  <a:gd name="connsiteX1" fmla="*/ 0 w 571499"/>
+                  <a:gd name="connsiteY1" fmla="*/ 554679 h 554678"/>
+                  <a:gd name="connsiteX2" fmla="*/ 228600 w 571499"/>
+                  <a:gd name="connsiteY2" fmla="*/ 554679 h 554678"/>
+                  <a:gd name="connsiteX3" fmla="*/ 228600 w 571499"/>
+                  <a:gd name="connsiteY3" fmla="*/ 316554 h 554678"/>
+                  <a:gd name="connsiteX4" fmla="*/ 342900 w 571499"/>
+                  <a:gd name="connsiteY4" fmla="*/ 316554 h 554678"/>
+                  <a:gd name="connsiteX5" fmla="*/ 342900 w 571499"/>
+                  <a:gd name="connsiteY5" fmla="*/ 554679 h 554678"/>
+                  <a:gd name="connsiteX6" fmla="*/ 571500 w 571499"/>
+                  <a:gd name="connsiteY6" fmla="*/ 554679 h 554678"/>
+                  <a:gd name="connsiteX7" fmla="*/ 571500 w 571499"/>
+                  <a:gd name="connsiteY7" fmla="*/ 271443 h 554678"/>
+                  <a:gd name="connsiteX8" fmla="*/ 285760 w 571499"/>
+                  <a:gd name="connsiteY8" fmla="*/ 0 h 554678"/>
+                  <a:gd name="connsiteX9" fmla="*/ 0 w 571499"/>
+                  <a:gd name="connsiteY9" fmla="*/ 271453 h 554678"/>
+                </a:gdLst>
+                <a:ahLst/>
+                <a:cxnLst>
+                  <a:cxn ang="0">
+                    <a:pos x="connsiteX0" y="connsiteY0"/>
+                  </a:cxn>
+                  <a:cxn ang="0">
+                    <a:pos x="connsiteX1" y="connsiteY1"/>
+                  </a:cxn>
+                  <a:cxn ang="0">
+                    <a:pos x="connsiteX2" y="connsiteY2"/>
+                  </a:cxn>
+                  <a:cxn ang="0">
+                    <a:pos x="connsiteX3" y="connsiteY3"/>
+                  </a:cxn>
+                  <a:cxn ang="0">
+                    <a:pos x="connsiteX4" y="connsiteY4"/>
+                  </a:cxn>
+                  <a:cxn ang="0">
+                    <a:pos x="connsiteX5" y="connsiteY5"/>
+                  </a:cxn>
+                  <a:cxn ang="0">
+                    <a:pos x="connsiteX6" y="connsiteY6"/>
+                  </a:cxn>
+                  <a:cxn ang="0">
+                    <a:pos x="connsiteX7" y="connsiteY7"/>
+                  </a:cxn>
+                  <a:cxn ang="0">
+                    <a:pos x="connsiteX8" y="connsiteY8"/>
+                  </a:cxn>
+                  <a:cxn ang="0">
+                    <a:pos x="connsiteX9" y="connsiteY9"/>
+                  </a:cxn>
+                </a:cxnLst>
+                <a:rect l="l" t="t" r="r" b="b"/>
+                <a:pathLst>
+                  <a:path w="571499" h="554678">
+                    <a:moveTo>
+                      <a:pt x="0" y="271453"/>
+                    </a:moveTo>
+                    <a:lnTo>
+                      <a:pt x="0" y="554679"/>
+                    </a:lnTo>
+                    <a:lnTo>
+                      <a:pt x="228600" y="554679"/>
+                    </a:lnTo>
+                    <a:lnTo>
+                      <a:pt x="228600" y="316554"/>
+                    </a:lnTo>
+                    <a:lnTo>
+                      <a:pt x="342900" y="316554"/>
+                    </a:lnTo>
+                    <a:lnTo>
+                      <a:pt x="342900" y="554679"/>
+                    </a:lnTo>
+                    <a:lnTo>
+                      <a:pt x="571500" y="554679"/>
+                    </a:lnTo>
+                    <a:lnTo>
+                      <a:pt x="571500" y="271443"/>
+                    </a:lnTo>
+                    <a:lnTo>
+                      <a:pt x="285760" y="0"/>
+                    </a:lnTo>
+                    <a:lnTo>
+                      <a:pt x="0" y="271453"/>
+                    </a:lnTo>
+                    <a:close/>
+                  </a:path>
+                </a:pathLst>
+              </a:custGeom>
+              <a:grpFill/>
+              <a:ln w="9525" cap="flat">
+                <a:noFill/>
+                <a:prstDash val="solid"/>
+                <a:miter/>
+              </a:ln>
+            </p:spPr>
+            <p:txBody>
+              <a:bodyPr rtlCol="0" anchor="ctr"/>
+              <a:lstStyle/>
+              <a:p>
+                <a:endParaRPr lang="ko-KR" altLang="en-US"/>
+              </a:p>
+            </p:txBody>
+          </p:sp>
+        </p:grpSp>
+      </p:grpSp>
+      <p:sp>
+        <p:nvSpPr>
+          <p:cNvPr id="7" name="직사각형 6">
+            <a:hlinkClick r:id="rId2" action="ppaction://hlinksldjump"/>
+            <a:extLst>
+              <a:ext uri="{FF2B5EF4-FFF2-40B4-BE49-F238E27FC236}">
+                <a16:creationId xmlns:a16="http://schemas.microsoft.com/office/drawing/2014/main" id="{E117750A-46BB-1F41-D7CE-EFF04B39B91C}"/>
+              </a:ext>
+            </a:extLst>
+          </p:cNvPr>
+          <p:cNvSpPr/>
+          <p:nvPr/>
+        </p:nvSpPr>
+        <p:spPr>
+          <a:xfrm>
+            <a:off x="10614103" y="66088"/>
+            <a:ext cx="1495199" cy="462402"/>
+          </a:xfrm>
+          <a:prstGeom prst="rect">
+            <a:avLst/>
+          </a:prstGeom>
+          <a:noFill/>
+          <a:ln>
+            <a:noFill/>
+          </a:ln>
+        </p:spPr>
+        <p:style>
+          <a:lnRef idx="2">
+            <a:schemeClr val="accent1">
+              <a:shade val="15000"/>
+            </a:schemeClr>
+          </a:lnRef>
+          <a:fillRef idx="1">
+            <a:schemeClr val="accent1"/>
+          </a:fillRef>
+          <a:effectRef idx="0">
+            <a:schemeClr val="accent1"/>
+          </a:effectRef>
+          <a:fontRef idx="minor">
+            <a:schemeClr val="lt1"/>
+          </a:fontRef>
+        </p:style>
+        <p:txBody>
+          <a:bodyPr rtlCol="0" anchor="ctr"/>
+          <a:lstStyle/>
+          <a:p>
+            <a:pPr algn="ctr"/>
+            <a:endParaRPr lang="ko-KR" altLang="en-US"/>
+          </a:p>
+        </p:txBody>
+      </p:sp>
+      <p:grpSp>
+        <p:nvGrpSpPr>
+          <p:cNvPr id="16" name="그룹 15">
+            <a:extLst>
+              <a:ext uri="{FF2B5EF4-FFF2-40B4-BE49-F238E27FC236}">
+                <a16:creationId xmlns:a16="http://schemas.microsoft.com/office/drawing/2014/main" id="{B511B545-C1C6-1426-9255-E64F29F20F58}"/>
+              </a:ext>
+            </a:extLst>
+          </p:cNvPr>
+          <p:cNvGrpSpPr/>
+          <p:nvPr/>
+        </p:nvGrpSpPr>
+        <p:grpSpPr>
+          <a:xfrm>
+            <a:off x="302108" y="1575140"/>
+            <a:ext cx="7101005" cy="815371"/>
+            <a:chOff x="302108" y="1201601"/>
+            <a:chExt cx="7101005" cy="815371"/>
+          </a:xfrm>
+        </p:grpSpPr>
+        <p:sp>
+          <p:nvSpPr>
+            <p:cNvPr id="11" name="TextBox 10">
+              <a:extLst>
+                <a:ext uri="{FF2B5EF4-FFF2-40B4-BE49-F238E27FC236}">
+                  <a16:creationId xmlns:a16="http://schemas.microsoft.com/office/drawing/2014/main" id="{31477134-64D6-C261-9F44-7BA38028767E}"/>
+                </a:ext>
+              </a:extLst>
+            </p:cNvPr>
+            <p:cNvSpPr txBox="1"/>
+            <p:nvPr/>
+          </p:nvSpPr>
+          <p:spPr>
+            <a:xfrm>
+              <a:off x="302108" y="1201601"/>
+              <a:ext cx="1813317" cy="246221"/>
+            </a:xfrm>
+            <a:prstGeom prst="rect">
+              <a:avLst/>
+            </a:prstGeom>
+            <a:noFill/>
+          </p:spPr>
+          <p:txBody>
+            <a:bodyPr wrap="none" rtlCol="0">
+              <a:spAutoFit/>
+            </a:bodyPr>
+            <a:lstStyle/>
+            <a:p>
+              <a:r>
+                <a:rPr lang="en-US" altLang="ko-KR" sz="1000" b="1" dirty="0">
+                  <a:latin typeface="+mn-ea"/>
+                </a:rPr>
+                <a:t>(1)</a:t>
+              </a:r>
+              <a:r>
+                <a:rPr lang="ko-KR" altLang="en-US" sz="1000" b="1" dirty="0">
+                  <a:latin typeface="+mn-ea"/>
+                </a:rPr>
+                <a:t> 숙련된 유저를 위한 무기</a:t>
+              </a:r>
+              <a:endParaRPr lang="en-US" altLang="ko-KR" sz="1000" b="1" dirty="0">
+                <a:latin typeface="+mn-ea"/>
+              </a:endParaRPr>
+            </a:p>
+          </p:txBody>
+        </p:sp>
+        <p:sp>
+          <p:nvSpPr>
+            <p:cNvPr id="25" name="TextBox 24">
+              <a:extLst>
+                <a:ext uri="{FF2B5EF4-FFF2-40B4-BE49-F238E27FC236}">
+                  <a16:creationId xmlns:a16="http://schemas.microsoft.com/office/drawing/2014/main" id="{07A3F5F5-37B4-4206-873D-A2A3981B520A}"/>
+                </a:ext>
+              </a:extLst>
+            </p:cNvPr>
+            <p:cNvSpPr txBox="1"/>
+            <p:nvPr/>
+          </p:nvSpPr>
+          <p:spPr>
+            <a:xfrm>
+              <a:off x="533925" y="1492726"/>
+              <a:ext cx="6869188" cy="524246"/>
+            </a:xfrm>
+            <a:prstGeom prst="rect">
+              <a:avLst/>
+            </a:prstGeom>
+            <a:noFill/>
+          </p:spPr>
+          <p:txBody>
+            <a:bodyPr wrap="none" rtlCol="0">
+              <a:spAutoFit/>
+            </a:bodyPr>
+            <a:lstStyle/>
+            <a:p>
+              <a:pPr marL="171450" indent="-171450">
+                <a:lnSpc>
+                  <a:spcPct val="150000"/>
+                </a:lnSpc>
+                <a:buFontTx/>
+                <a:buChar char="-"/>
+              </a:pPr>
+              <a:r>
+                <a:rPr lang="ko-KR" altLang="en-US" sz="1000" dirty="0">
+                  <a:latin typeface="+mn-ea"/>
+                </a:rPr>
+                <a:t>부채는 번개를 다루는 마법 무기이지만 적에게 접근하고 적의 공격을 피해야 온전한 성능을 발휘하는 무기입니다</a:t>
+              </a:r>
+              <a:r>
+                <a:rPr lang="en-US" altLang="ko-KR" sz="1000" dirty="0">
+                  <a:latin typeface="+mn-ea"/>
+                </a:rPr>
+                <a:t>.</a:t>
+              </a:r>
+              <a:endParaRPr lang="en-US" altLang="ko-KR" sz="300" dirty="0">
+                <a:latin typeface="+mn-ea"/>
+              </a:endParaRPr>
+            </a:p>
+            <a:p>
+              <a:pPr marL="171450" indent="-171450">
+                <a:lnSpc>
+                  <a:spcPct val="150000"/>
+                </a:lnSpc>
+                <a:buFontTx/>
+                <a:buChar char="-"/>
+              </a:pPr>
+              <a:r>
+                <a:rPr lang="ko-KR" altLang="en-US" sz="1000" dirty="0">
+                  <a:latin typeface="+mn-ea"/>
+                </a:rPr>
+                <a:t>하이 리스크 하이 리턴 형 무기로 게임의 전투 방식에 숙련된 유저에게 추천하는 무기입니다</a:t>
+              </a:r>
+              <a:r>
+                <a:rPr lang="en-US" altLang="ko-KR" sz="1000" dirty="0">
+                  <a:latin typeface="+mn-ea"/>
+                </a:rPr>
+                <a:t>.</a:t>
+              </a:r>
+            </a:p>
+          </p:txBody>
+        </p:sp>
+      </p:grpSp>
+      <p:sp>
+        <p:nvSpPr>
+          <p:cNvPr id="26" name="TextBox 25">
+            <a:extLst>
+              <a:ext uri="{FF2B5EF4-FFF2-40B4-BE49-F238E27FC236}">
+                <a16:creationId xmlns:a16="http://schemas.microsoft.com/office/drawing/2014/main" id="{AA707D77-F06C-54F7-571D-3097629A9F24}"/>
+              </a:ext>
+            </a:extLst>
+          </p:cNvPr>
+          <p:cNvSpPr txBox="1"/>
+          <p:nvPr/>
+        </p:nvSpPr>
+        <p:spPr>
+          <a:xfrm>
+            <a:off x="132100" y="1054067"/>
+            <a:ext cx="1039067" cy="276999"/>
+          </a:xfrm>
+          <a:prstGeom prst="rect">
+            <a:avLst/>
+          </a:prstGeom>
+          <a:noFill/>
+        </p:spPr>
+        <p:txBody>
+          <a:bodyPr wrap="none" rtlCol="0">
+            <a:spAutoFit/>
+          </a:bodyPr>
+          <a:lstStyle/>
+          <a:p>
+            <a:r>
+              <a:rPr lang="en-US" altLang="ko-KR" sz="1200" b="1" dirty="0">
+                <a:latin typeface="+mn-ea"/>
+              </a:rPr>
+              <a:t>1. </a:t>
+            </a:r>
+            <a:r>
+              <a:rPr lang="ko-KR" altLang="en-US" sz="1200" b="1" dirty="0">
+                <a:latin typeface="+mn-ea"/>
+              </a:rPr>
+              <a:t>기획 의도</a:t>
+            </a:r>
+            <a:endParaRPr lang="en-US" altLang="ko-KR" sz="1200" b="1" dirty="0">
+              <a:latin typeface="+mn-ea"/>
+            </a:endParaRPr>
+          </a:p>
+        </p:txBody>
+      </p:sp>
+      <p:sp>
+        <p:nvSpPr>
+          <p:cNvPr id="28" name="TextBox 27">
+            <a:extLst>
+              <a:ext uri="{FF2B5EF4-FFF2-40B4-BE49-F238E27FC236}">
+                <a16:creationId xmlns:a16="http://schemas.microsoft.com/office/drawing/2014/main" id="{116E8E44-0529-A824-B435-FBF1B4D9B11C}"/>
+              </a:ext>
+            </a:extLst>
+          </p:cNvPr>
+          <p:cNvSpPr txBox="1">
+            <a:spLocks/>
+          </p:cNvSpPr>
+          <p:nvPr/>
+        </p:nvSpPr>
+        <p:spPr>
+          <a:xfrm>
+            <a:off x="836937" y="251815"/>
+            <a:ext cx="543739" cy="307777"/>
+          </a:xfrm>
+          <a:prstGeom prst="rect">
+            <a:avLst/>
+          </a:prstGeom>
+          <a:noFill/>
+        </p:spPr>
+        <p:txBody>
+          <a:bodyPr wrap="none" rtlCol="0">
+            <a:spAutoFit/>
+          </a:bodyPr>
+          <a:lstStyle/>
+          <a:p>
+            <a:pPr algn="ctr"/>
+            <a:r>
+              <a:rPr lang="ko-KR" altLang="en-US" sz="1400" b="1" dirty="0">
+                <a:effectLst/>
+              </a:rPr>
+              <a:t>개요</a:t>
+            </a:r>
+            <a:endParaRPr lang="en-US" altLang="ko-KR" sz="1400" b="1" dirty="0">
+              <a:effectLst/>
+            </a:endParaRPr>
+          </a:p>
+        </p:txBody>
+      </p:sp>
+      <p:grpSp>
+        <p:nvGrpSpPr>
+          <p:cNvPr id="17" name="그룹 16">
+            <a:extLst>
+              <a:ext uri="{FF2B5EF4-FFF2-40B4-BE49-F238E27FC236}">
+                <a16:creationId xmlns:a16="http://schemas.microsoft.com/office/drawing/2014/main" id="{B8DCEB1F-3189-FF51-4A8B-36E9505F3DCB}"/>
+              </a:ext>
+            </a:extLst>
+          </p:cNvPr>
+          <p:cNvGrpSpPr/>
+          <p:nvPr/>
+        </p:nvGrpSpPr>
+        <p:grpSpPr>
+          <a:xfrm>
+            <a:off x="302108" y="3145394"/>
+            <a:ext cx="6286680" cy="829768"/>
+            <a:chOff x="302108" y="2121313"/>
+            <a:chExt cx="6286680" cy="829768"/>
+          </a:xfrm>
+        </p:grpSpPr>
+        <p:sp>
+          <p:nvSpPr>
+            <p:cNvPr id="14" name="TextBox 13">
+              <a:extLst>
+                <a:ext uri="{FF2B5EF4-FFF2-40B4-BE49-F238E27FC236}">
+                  <a16:creationId xmlns:a16="http://schemas.microsoft.com/office/drawing/2014/main" id="{B65E7D55-106D-25AC-5DED-6F97D6078AD5}"/>
+                </a:ext>
+              </a:extLst>
+            </p:cNvPr>
+            <p:cNvSpPr txBox="1"/>
+            <p:nvPr/>
+          </p:nvSpPr>
+          <p:spPr>
+            <a:xfrm>
+              <a:off x="302108" y="2121313"/>
+              <a:ext cx="2257349" cy="261610"/>
+            </a:xfrm>
+            <a:prstGeom prst="rect">
+              <a:avLst/>
+            </a:prstGeom>
+            <a:noFill/>
+          </p:spPr>
+          <p:txBody>
+            <a:bodyPr wrap="none" rtlCol="0">
+              <a:spAutoFit/>
+            </a:bodyPr>
+            <a:lstStyle/>
+            <a:p>
+              <a:r>
+                <a:rPr lang="en-US" altLang="ko-KR" sz="1100" b="1" dirty="0">
+                  <a:latin typeface="+mn-ea"/>
+                </a:rPr>
+                <a:t>(2)</a:t>
+              </a:r>
+              <a:r>
+                <a:rPr lang="ko-KR" altLang="en-US" sz="1100" b="1" dirty="0">
+                  <a:latin typeface="+mn-ea"/>
+                </a:rPr>
+                <a:t> 한국의 전통을 보여주는 무기</a:t>
+              </a:r>
+              <a:endParaRPr lang="en-US" altLang="ko-KR" sz="1100" b="1" dirty="0">
+                <a:latin typeface="+mn-ea"/>
+              </a:endParaRPr>
+            </a:p>
+          </p:txBody>
+        </p:sp>
+        <p:sp>
+          <p:nvSpPr>
+            <p:cNvPr id="29" name="TextBox 28">
+              <a:extLst>
+                <a:ext uri="{FF2B5EF4-FFF2-40B4-BE49-F238E27FC236}">
+                  <a16:creationId xmlns:a16="http://schemas.microsoft.com/office/drawing/2014/main" id="{DFD588CC-A40E-406A-2F83-2D2B45DA01F9}"/>
+                </a:ext>
+              </a:extLst>
+            </p:cNvPr>
+            <p:cNvSpPr txBox="1"/>
+            <p:nvPr/>
+          </p:nvSpPr>
+          <p:spPr>
+            <a:xfrm>
+              <a:off x="533925" y="2426835"/>
+              <a:ext cx="6054863" cy="524246"/>
+            </a:xfrm>
+            <a:prstGeom prst="rect">
+              <a:avLst/>
+            </a:prstGeom>
+            <a:noFill/>
+          </p:spPr>
+          <p:txBody>
+            <a:bodyPr wrap="none" rtlCol="0">
+              <a:spAutoFit/>
+            </a:bodyPr>
+            <a:lstStyle/>
+            <a:p>
+              <a:pPr marL="171450" indent="-171450">
+                <a:lnSpc>
+                  <a:spcPct val="150000"/>
+                </a:lnSpc>
+                <a:buFontTx/>
+                <a:buChar char="-"/>
+              </a:pPr>
+              <a:r>
+                <a:rPr lang="ko-KR" altLang="en-US" sz="1000" dirty="0">
+                  <a:latin typeface="+mn-ea"/>
+                </a:rPr>
+                <a:t>선비가 부채를 들고 추는 전통 춤인 </a:t>
+              </a:r>
+              <a:r>
+                <a:rPr lang="en-US" altLang="ko-KR" sz="1000" dirty="0">
+                  <a:latin typeface="+mn-ea"/>
+                </a:rPr>
+                <a:t>‘</a:t>
+              </a:r>
+              <a:r>
+                <a:rPr lang="ko-KR" altLang="en-US" sz="1000" dirty="0" err="1">
+                  <a:latin typeface="+mn-ea"/>
+                </a:rPr>
+                <a:t>한량무</a:t>
+              </a:r>
+              <a:r>
+                <a:rPr lang="en-US" altLang="ko-KR" sz="1000" dirty="0">
+                  <a:latin typeface="+mn-ea"/>
+                </a:rPr>
+                <a:t>’</a:t>
+              </a:r>
+              <a:r>
+                <a:rPr lang="ko-KR" altLang="en-US" sz="1000" dirty="0">
+                  <a:latin typeface="+mn-ea"/>
+                </a:rPr>
+                <a:t>에서 영감을 받아 만든 무기입니다</a:t>
+              </a:r>
+              <a:r>
+                <a:rPr lang="en-US" altLang="ko-KR" sz="1000" dirty="0">
+                  <a:latin typeface="+mn-ea"/>
+                </a:rPr>
+                <a:t>.</a:t>
+              </a:r>
+            </a:p>
+            <a:p>
+              <a:pPr marL="171450" indent="-171450">
+                <a:lnSpc>
+                  <a:spcPct val="150000"/>
+                </a:lnSpc>
+                <a:buFontTx/>
+                <a:buChar char="-"/>
+              </a:pPr>
+              <a:r>
+                <a:rPr lang="ko-KR" altLang="en-US" sz="1000" dirty="0">
+                  <a:latin typeface="+mn-ea"/>
+                </a:rPr>
+                <a:t>여유롭고 절제된 동작에 역동성이 일부 가미된 모션들은 선비가 춤을 추는 듯한 느낌을 선사합니다</a:t>
+              </a:r>
+              <a:r>
+                <a:rPr lang="en-US" altLang="ko-KR" sz="1000" dirty="0">
+                  <a:latin typeface="+mn-ea"/>
+                </a:rPr>
+                <a:t>.</a:t>
+              </a:r>
+            </a:p>
+          </p:txBody>
+        </p:sp>
+      </p:grpSp>
+      <p:grpSp>
+        <p:nvGrpSpPr>
+          <p:cNvPr id="8" name="그룹 7">
+            <a:extLst>
+              <a:ext uri="{FF2B5EF4-FFF2-40B4-BE49-F238E27FC236}">
+                <a16:creationId xmlns:a16="http://schemas.microsoft.com/office/drawing/2014/main" id="{29B33C95-6C22-3B15-487C-2515D68D699E}"/>
+              </a:ext>
+            </a:extLst>
+          </p:cNvPr>
+          <p:cNvGrpSpPr/>
+          <p:nvPr/>
+        </p:nvGrpSpPr>
+        <p:grpSpPr>
+          <a:xfrm>
+            <a:off x="7988262" y="1669516"/>
+            <a:ext cx="3223077" cy="3603114"/>
+            <a:chOff x="7988262" y="1669516"/>
+            <a:chExt cx="3223077" cy="3603114"/>
+          </a:xfrm>
+        </p:grpSpPr>
+        <p:pic>
+          <p:nvPicPr>
+            <p:cNvPr id="3074" name="Picture 2">
+              <a:extLst>
+                <a:ext uri="{FF2B5EF4-FFF2-40B4-BE49-F238E27FC236}">
+                  <a16:creationId xmlns:a16="http://schemas.microsoft.com/office/drawing/2014/main" id="{D570AFDC-DC5E-D19F-6AF2-37DF291863C2}"/>
+                </a:ext>
+              </a:extLst>
+            </p:cNvPr>
+            <p:cNvPicPr>
+              <a:picLocks noChangeAspect="1" noChangeArrowheads="1"/>
+            </p:cNvPicPr>
+            <p:nvPr/>
+          </p:nvPicPr>
+          <p:blipFill rotWithShape="1">
+            <a:blip r:embed="rId3">
+              <a:extLst>
+                <a:ext uri="{28A0092B-C50C-407E-A947-70E740481C1C}">
+                  <a14:useLocalDpi xmlns:a14="http://schemas.microsoft.com/office/drawing/2010/main" val="0"/>
+                </a:ext>
+              </a:extLst>
+            </a:blip>
+            <a:srcRect t="19549"/>
+            <a:stretch/>
+          </p:blipFill>
+          <p:spPr bwMode="auto">
+            <a:xfrm>
+              <a:off x="7988262" y="1669516"/>
+              <a:ext cx="3223077" cy="3299425"/>
+            </a:xfrm>
+            <a:prstGeom prst="rect">
+              <a:avLst/>
+            </a:prstGeom>
+            <a:noFill/>
+            <a:extLst>
+              <a:ext uri="{909E8E84-426E-40DD-AFC4-6F175D3DCCD1}">
+                <a14:hiddenFill xmlns:a14="http://schemas.microsoft.com/office/drawing/2010/main">
+                  <a:solidFill>
+                    <a:srgbClr val="FFFFFF"/>
+                  </a:solidFill>
+                </a14:hiddenFill>
+              </a:ext>
+            </a:extLst>
+          </p:spPr>
+        </p:pic>
+        <p:grpSp>
+          <p:nvGrpSpPr>
+            <p:cNvPr id="19" name="그룹 18">
+              <a:extLst>
+                <a:ext uri="{FF2B5EF4-FFF2-40B4-BE49-F238E27FC236}">
+                  <a16:creationId xmlns:a16="http://schemas.microsoft.com/office/drawing/2014/main" id="{87E05DE1-D870-A05E-8D18-9655BAB8D296}"/>
+                </a:ext>
+              </a:extLst>
+            </p:cNvPr>
+            <p:cNvGrpSpPr/>
+            <p:nvPr/>
+          </p:nvGrpSpPr>
+          <p:grpSpPr>
+            <a:xfrm>
+              <a:off x="8900824" y="5057186"/>
+              <a:ext cx="1246431" cy="215444"/>
+              <a:chOff x="8851128" y="3127986"/>
+              <a:chExt cx="1246431" cy="215444"/>
+            </a:xfrm>
+          </p:grpSpPr>
+          <p:sp>
+            <p:nvSpPr>
+              <p:cNvPr id="34" name="이등변 삼각형 33">
+                <a:extLst>
+                  <a:ext uri="{FF2B5EF4-FFF2-40B4-BE49-F238E27FC236}">
+                    <a16:creationId xmlns:a16="http://schemas.microsoft.com/office/drawing/2014/main" id="{1A3018B7-EC58-2FD6-B2A4-D9966D330AC4}"/>
+                  </a:ext>
+                </a:extLst>
+              </p:cNvPr>
+              <p:cNvSpPr/>
+              <p:nvPr/>
+            </p:nvSpPr>
+            <p:spPr>
+              <a:xfrm>
+                <a:off x="8851128" y="3190057"/>
+                <a:ext cx="105910" cy="91302"/>
+              </a:xfrm>
+              <a:prstGeom prst="triangle">
+                <a:avLst/>
+              </a:prstGeom>
+              <a:solidFill>
+                <a:schemeClr val="accent4">
+                  <a:lumMod val="75000"/>
+                </a:schemeClr>
+              </a:solidFill>
+              <a:ln>
+                <a:solidFill>
+                  <a:schemeClr val="accent4">
+                    <a:lumMod val="75000"/>
+                  </a:schemeClr>
+                </a:solidFill>
+              </a:ln>
+            </p:spPr>
+            <p:style>
+              <a:lnRef idx="2">
+                <a:schemeClr val="accent1">
+                  <a:shade val="15000"/>
+                </a:schemeClr>
+              </a:lnRef>
+              <a:fillRef idx="1">
+                <a:schemeClr val="accent1"/>
+              </a:fillRef>
+              <a:effectRef idx="0">
+                <a:schemeClr val="accent1"/>
+              </a:effectRef>
+              <a:fontRef idx="minor">
+                <a:schemeClr val="lt1"/>
+              </a:fontRef>
+            </p:style>
+            <p:txBody>
+              <a:bodyPr rtlCol="0" anchor="ctr"/>
+              <a:lstStyle/>
+              <a:p>
+                <a:pPr algn="ctr"/>
+                <a:endParaRPr lang="ko-KR" altLang="en-US"/>
+              </a:p>
+            </p:txBody>
+          </p:sp>
+          <p:sp>
+            <p:nvSpPr>
+              <p:cNvPr id="36" name="TextBox 35">
+                <a:extLst>
+                  <a:ext uri="{FF2B5EF4-FFF2-40B4-BE49-F238E27FC236}">
+                    <a16:creationId xmlns:a16="http://schemas.microsoft.com/office/drawing/2014/main" id="{31CC1DA8-FE06-CF15-32F0-CB5FCADBE60A}"/>
+                  </a:ext>
+                </a:extLst>
+              </p:cNvPr>
+              <p:cNvSpPr txBox="1"/>
+              <p:nvPr/>
+            </p:nvSpPr>
+            <p:spPr>
+              <a:xfrm>
+                <a:off x="8960709" y="3127986"/>
+                <a:ext cx="1136850" cy="215444"/>
+              </a:xfrm>
+              <a:prstGeom prst="rect">
+                <a:avLst/>
+              </a:prstGeom>
+              <a:noFill/>
+            </p:spPr>
+            <p:txBody>
+              <a:bodyPr wrap="none" rtlCol="0">
+                <a:spAutoFit/>
+              </a:bodyPr>
+              <a:lstStyle/>
+              <a:p>
+                <a:r>
+                  <a:rPr lang="en-US" altLang="ko-KR" sz="800" b="1" dirty="0">
+                    <a:latin typeface="+mn-ea"/>
+                  </a:rPr>
+                  <a:t>‘</a:t>
+                </a:r>
+                <a:r>
+                  <a:rPr lang="ko-KR" altLang="en-US" sz="800" b="1" dirty="0" err="1">
+                    <a:latin typeface="+mn-ea"/>
+                  </a:rPr>
+                  <a:t>한량무</a:t>
+                </a:r>
+                <a:r>
+                  <a:rPr lang="en-US" altLang="ko-KR" sz="800" b="1" dirty="0">
+                    <a:latin typeface="+mn-ea"/>
+                  </a:rPr>
+                  <a:t>’ </a:t>
+                </a:r>
+                <a:r>
+                  <a:rPr lang="ko-KR" altLang="en-US" sz="800" b="1" dirty="0">
+                    <a:latin typeface="+mn-ea"/>
+                  </a:rPr>
+                  <a:t>예시 이미지</a:t>
+                </a:r>
+                <a:endParaRPr lang="en-US" altLang="ko-KR" sz="800" b="1" dirty="0">
+                  <a:latin typeface="+mn-ea"/>
+                </a:endParaRPr>
+              </a:p>
+            </p:txBody>
+          </p:sp>
+        </p:grpSp>
+      </p:grpSp>
+      <p:grpSp>
+        <p:nvGrpSpPr>
+          <p:cNvPr id="18" name="그룹 17">
+            <a:extLst>
+              <a:ext uri="{FF2B5EF4-FFF2-40B4-BE49-F238E27FC236}">
+                <a16:creationId xmlns:a16="http://schemas.microsoft.com/office/drawing/2014/main" id="{E2A51771-1897-BC95-5867-9A0AE544D124}"/>
+              </a:ext>
+            </a:extLst>
+          </p:cNvPr>
+          <p:cNvGrpSpPr/>
+          <p:nvPr/>
+        </p:nvGrpSpPr>
+        <p:grpSpPr>
+          <a:xfrm>
+            <a:off x="302108" y="4730045"/>
+            <a:ext cx="6509498" cy="830281"/>
+            <a:chOff x="302108" y="3040547"/>
+            <a:chExt cx="6509498" cy="830281"/>
+          </a:xfrm>
+        </p:grpSpPr>
+        <p:sp>
+          <p:nvSpPr>
+            <p:cNvPr id="10" name="TextBox 9">
+              <a:extLst>
+                <a:ext uri="{FF2B5EF4-FFF2-40B4-BE49-F238E27FC236}">
+                  <a16:creationId xmlns:a16="http://schemas.microsoft.com/office/drawing/2014/main" id="{53AF054B-A5CE-D9BA-5F12-6A3837F895A4}"/>
+                </a:ext>
+              </a:extLst>
+            </p:cNvPr>
+            <p:cNvSpPr txBox="1"/>
+            <p:nvPr/>
+          </p:nvSpPr>
+          <p:spPr>
+            <a:xfrm>
+              <a:off x="302108" y="3040547"/>
+              <a:ext cx="2920992" cy="261610"/>
+            </a:xfrm>
+            <a:prstGeom prst="rect">
+              <a:avLst/>
+            </a:prstGeom>
+            <a:noFill/>
+          </p:spPr>
+          <p:txBody>
+            <a:bodyPr wrap="none" rtlCol="0">
+              <a:spAutoFit/>
+            </a:bodyPr>
+            <a:lstStyle/>
+            <a:p>
+              <a:r>
+                <a:rPr lang="en-US" altLang="ko-KR" sz="1100" b="1" dirty="0">
+                  <a:latin typeface="+mn-ea"/>
+                </a:rPr>
+                <a:t>(3)</a:t>
+              </a:r>
+              <a:r>
+                <a:rPr lang="ko-KR" altLang="en-US" sz="1100" b="1" dirty="0">
+                  <a:latin typeface="+mn-ea"/>
+                </a:rPr>
+                <a:t> 적을 피뢰침 삼아 번개를 방출하는 무기</a:t>
+              </a:r>
+              <a:endParaRPr lang="en-US" altLang="ko-KR" sz="1100" b="1" dirty="0">
+                <a:latin typeface="+mn-ea"/>
+              </a:endParaRPr>
+            </a:p>
+          </p:txBody>
+        </p:sp>
+        <p:sp>
+          <p:nvSpPr>
+            <p:cNvPr id="12" name="TextBox 11">
+              <a:extLst>
+                <a:ext uri="{FF2B5EF4-FFF2-40B4-BE49-F238E27FC236}">
+                  <a16:creationId xmlns:a16="http://schemas.microsoft.com/office/drawing/2014/main" id="{11131C1F-B915-C83E-7C33-3CA6A83D937B}"/>
+                </a:ext>
+              </a:extLst>
+            </p:cNvPr>
+            <p:cNvSpPr txBox="1"/>
+            <p:nvPr/>
+          </p:nvSpPr>
+          <p:spPr>
+            <a:xfrm>
+              <a:off x="533925" y="3346582"/>
+              <a:ext cx="6277681" cy="524246"/>
+            </a:xfrm>
+            <a:prstGeom prst="rect">
+              <a:avLst/>
+            </a:prstGeom>
+            <a:noFill/>
+          </p:spPr>
+          <p:txBody>
+            <a:bodyPr wrap="none" rtlCol="0">
+              <a:spAutoFit/>
+            </a:bodyPr>
+            <a:lstStyle/>
+            <a:p>
+              <a:pPr marL="171450" indent="-171450">
+                <a:lnSpc>
+                  <a:spcPct val="150000"/>
+                </a:lnSpc>
+                <a:buFontTx/>
+                <a:buChar char="-"/>
+              </a:pPr>
+              <a:r>
+                <a:rPr lang="ko-KR" altLang="en-US" sz="1000" dirty="0">
+                  <a:latin typeface="+mn-ea"/>
+                </a:rPr>
+                <a:t>적 대상을 향해 번개가 방출되며 방출된 번개는 적 대상에게 적중 시 주변에 피해를 입히는 무기입니다</a:t>
+              </a:r>
+              <a:r>
+                <a:rPr lang="en-US" altLang="ko-KR" sz="1000" dirty="0">
+                  <a:latin typeface="+mn-ea"/>
+                </a:rPr>
+                <a:t>.</a:t>
+              </a:r>
+            </a:p>
+            <a:p>
+              <a:pPr marL="171450" indent="-171450">
+                <a:lnSpc>
+                  <a:spcPct val="150000"/>
+                </a:lnSpc>
+                <a:buFontTx/>
+                <a:buChar char="-"/>
+              </a:pPr>
+              <a:r>
+                <a:rPr lang="ko-KR" altLang="en-US" sz="1000" dirty="0" err="1">
+                  <a:latin typeface="+mn-ea"/>
+                </a:rPr>
+                <a:t>랜덤한</a:t>
+              </a:r>
+              <a:r>
+                <a:rPr lang="ko-KR" altLang="en-US" sz="1000" dirty="0">
+                  <a:latin typeface="+mn-ea"/>
+                </a:rPr>
+                <a:t> 대상에게 번개가 방출되므로 적이 많은 경우 </a:t>
+              </a:r>
+              <a:r>
+                <a:rPr lang="ko-KR" altLang="en-US" sz="1000" dirty="0" err="1">
+                  <a:latin typeface="+mn-ea"/>
+                </a:rPr>
+                <a:t>피해량이</a:t>
+              </a:r>
+              <a:r>
+                <a:rPr lang="ko-KR" altLang="en-US" sz="1000" dirty="0">
+                  <a:latin typeface="+mn-ea"/>
+                </a:rPr>
+                <a:t> 분산될 확률이 있습니다</a:t>
+              </a:r>
+              <a:r>
+                <a:rPr lang="en-US" altLang="ko-KR" sz="1000" dirty="0">
+                  <a:latin typeface="+mn-ea"/>
+                </a:rPr>
+                <a:t>.</a:t>
+              </a:r>
+            </a:p>
+          </p:txBody>
+        </p:sp>
+      </p:grpSp>
+    </p:spTree>
+    <p:extLst>
+      <p:ext uri="{BB962C8B-B14F-4D97-AF65-F5344CB8AC3E}">
+        <p14:creationId xmlns:p14="http://schemas.microsoft.com/office/powerpoint/2010/main" val="1540804583"/>
+      </p:ext>
+    </p:extLst>
+  </p:cSld>
+  <p:clrMapOvr>
+    <a:masterClrMapping/>
+  </p:clrMapOvr>
+</p:sld>
+</file>
+
+<file path=ppt/slides/slide4.xml><?xml version="1.0" encoding="utf-8"?>
 <p:sld xmlns:a="http://schemas.openxmlformats.org/drawingml/2006/main" xmlns:r="http://schemas.openxmlformats.org/officeDocument/2006/relationships" xmlns:p="http://schemas.openxmlformats.org/presentationml/2006/main">
   <p:cSld>
     <p:spTree>
@@ -4372,8 +6251,8 @@
         </p:nvSpPr>
         <p:spPr>
           <a:xfrm>
-            <a:off x="677229" y="251490"/>
-            <a:ext cx="854721" cy="276999"/>
+            <a:off x="836937" y="251815"/>
+            <a:ext cx="543739" cy="307777"/>
           </a:xfrm>
           <a:prstGeom prst="rect">
             <a:avLst/>
@@ -4388,76 +6267,12 @@
           <a:p>
             <a:pPr algn="ctr"/>
             <a:r>
-              <a:rPr lang="ko-KR" altLang="en-US" sz="1200" b="1" dirty="0">
+              <a:rPr lang="ko-KR" altLang="en-US" sz="1400" b="1" dirty="0">
                 <a:effectLst/>
               </a:rPr>
-              <a:t>기획 의도</a:t>
+              <a:t>개요</a:t>
             </a:r>
-            <a:endParaRPr lang="en-US" altLang="ko-KR" sz="1200" b="1" dirty="0">
-              <a:effectLst/>
-            </a:endParaRPr>
-          </a:p>
-        </p:txBody>
-      </p:sp>
-      <p:sp>
-        <p:nvSpPr>
-          <p:cNvPr id="33" name="TextBox 32">
-            <a:extLst>
-              <a:ext uri="{FF2B5EF4-FFF2-40B4-BE49-F238E27FC236}">
-                <a16:creationId xmlns:a16="http://schemas.microsoft.com/office/drawing/2014/main" id="{F62F3E9B-C7E6-43EC-87B7-D383431B5912}"/>
-              </a:ext>
-            </a:extLst>
-          </p:cNvPr>
-          <p:cNvSpPr txBox="1">
-            <a:spLocks/>
-          </p:cNvSpPr>
-          <p:nvPr/>
-        </p:nvSpPr>
-        <p:spPr>
-          <a:xfrm>
-            <a:off x="10502114" y="353329"/>
-            <a:ext cx="1689886" cy="230832"/>
-          </a:xfrm>
-          <a:prstGeom prst="rect">
-            <a:avLst/>
-          </a:prstGeom>
-          <a:noFill/>
-        </p:spPr>
-        <p:txBody>
-          <a:bodyPr wrap="none" rtlCol="0">
-            <a:spAutoFit/>
-          </a:bodyPr>
-          <a:lstStyle/>
-          <a:p>
-            <a:pPr algn="r"/>
-            <a:r>
-              <a:rPr lang="ko-KR" altLang="en-US" sz="900" b="1" dirty="0" err="1">
-                <a:solidFill>
-                  <a:schemeClr val="bg1">
-                    <a:lumMod val="50000"/>
-                  </a:schemeClr>
-                </a:solidFill>
-                <a:effectLst/>
-              </a:rPr>
-              <a:t>리트루기아</a:t>
-            </a:r>
-            <a:r>
-              <a:rPr lang="ko-KR" altLang="en-US" sz="900" b="1" dirty="0">
-                <a:solidFill>
-                  <a:schemeClr val="bg1">
-                    <a:lumMod val="50000"/>
-                  </a:schemeClr>
-                </a:solidFill>
-                <a:effectLst/>
-              </a:rPr>
-              <a:t> 부채 스킬 기획서</a:t>
-            </a:r>
-            <a:endParaRPr lang="en-US" altLang="ko-KR" sz="900" b="1" dirty="0">
-              <a:solidFill>
-                <a:schemeClr val="bg1">
-                  <a:lumMod val="50000"/>
-                </a:schemeClr>
-              </a:solidFill>
+            <a:endParaRPr lang="en-US" altLang="ko-KR" sz="1400" b="1" dirty="0">
               <a:effectLst/>
             </a:endParaRPr>
           </a:p>
@@ -4671,536 +6486,35 @@
       </p:cxnSp>
       <p:grpSp>
         <p:nvGrpSpPr>
-          <p:cNvPr id="13" name="그룹 12">
+          <p:cNvPr id="6" name="그룹 5">
             <a:extLst>
               <a:ext uri="{FF2B5EF4-FFF2-40B4-BE49-F238E27FC236}">
-                <a16:creationId xmlns:a16="http://schemas.microsoft.com/office/drawing/2014/main" id="{EE2C55EF-C7B2-865C-2B76-F1C36C37325B}"/>
+                <a16:creationId xmlns:a16="http://schemas.microsoft.com/office/drawing/2014/main" id="{FB2DC671-EBE6-161D-9D80-4A8AB5D7C3A6}"/>
               </a:ext>
             </a:extLst>
           </p:cNvPr>
-          <p:cNvGrpSpPr>
-            <a:grpSpLocks/>
-          </p:cNvGrpSpPr>
+          <p:cNvGrpSpPr/>
           <p:nvPr/>
         </p:nvGrpSpPr>
         <p:grpSpPr>
           <a:xfrm>
-            <a:off x="11360851" y="83696"/>
-            <a:ext cx="307840" cy="263869"/>
-            <a:chOff x="1302299" y="2529509"/>
-            <a:chExt cx="800080" cy="685799"/>
-          </a:xfrm>
-          <a:solidFill>
-            <a:schemeClr val="accent4">
-              <a:lumMod val="50000"/>
-            </a:schemeClr>
-          </a:solidFill>
-        </p:grpSpPr>
-        <p:sp>
-          <p:nvSpPr>
-            <p:cNvPr id="8" name="자유형: 도형 7">
-              <a:extLst>
-                <a:ext uri="{FF2B5EF4-FFF2-40B4-BE49-F238E27FC236}">
-                  <a16:creationId xmlns:a16="http://schemas.microsoft.com/office/drawing/2014/main" id="{1245671F-9D21-0D68-5CAB-07413301F861}"/>
-                </a:ext>
-              </a:extLst>
-            </p:cNvPr>
-            <p:cNvSpPr>
-              <a:spLocks/>
-            </p:cNvSpPr>
-            <p:nvPr/>
-          </p:nvSpPr>
-          <p:spPr>
-            <a:xfrm>
-              <a:off x="1302299" y="2529509"/>
-              <a:ext cx="800080" cy="417509"/>
-            </a:xfrm>
-            <a:custGeom>
-              <a:avLst/>
-              <a:gdLst>
-                <a:gd name="connsiteX0" fmla="*/ 400031 w 800080"/>
-                <a:gd name="connsiteY0" fmla="*/ 78581 h 417509"/>
-                <a:gd name="connsiteX1" fmla="*/ 400050 w 800080"/>
-                <a:gd name="connsiteY1" fmla="*/ 78581 h 417509"/>
-                <a:gd name="connsiteX2" fmla="*/ 756837 w 800080"/>
-                <a:gd name="connsiteY2" fmla="*/ 417509 h 417509"/>
-                <a:gd name="connsiteX3" fmla="*/ 800081 w 800080"/>
-                <a:gd name="connsiteY3" fmla="*/ 380552 h 417509"/>
-                <a:gd name="connsiteX4" fmla="*/ 400050 w 800080"/>
-                <a:gd name="connsiteY4" fmla="*/ 0 h 417509"/>
-                <a:gd name="connsiteX5" fmla="*/ 400031 w 800080"/>
-                <a:gd name="connsiteY5" fmla="*/ 0 h 417509"/>
-                <a:gd name="connsiteX6" fmla="*/ 0 w 800080"/>
-                <a:gd name="connsiteY6" fmla="*/ 380552 h 417509"/>
-                <a:gd name="connsiteX7" fmla="*/ 43244 w 800080"/>
-                <a:gd name="connsiteY7" fmla="*/ 417509 h 417509"/>
-                <a:gd name="connsiteX8" fmla="*/ 400031 w 800080"/>
-                <a:gd name="connsiteY8" fmla="*/ 78581 h 417509"/>
-              </a:gdLst>
-              <a:ahLst/>
-              <a:cxnLst>
-                <a:cxn ang="0">
-                  <a:pos x="connsiteX0" y="connsiteY0"/>
-                </a:cxn>
-                <a:cxn ang="0">
-                  <a:pos x="connsiteX1" y="connsiteY1"/>
-                </a:cxn>
-                <a:cxn ang="0">
-                  <a:pos x="connsiteX2" y="connsiteY2"/>
-                </a:cxn>
-                <a:cxn ang="0">
-                  <a:pos x="connsiteX3" y="connsiteY3"/>
-                </a:cxn>
-                <a:cxn ang="0">
-                  <a:pos x="connsiteX4" y="connsiteY4"/>
-                </a:cxn>
-                <a:cxn ang="0">
-                  <a:pos x="connsiteX5" y="connsiteY5"/>
-                </a:cxn>
-                <a:cxn ang="0">
-                  <a:pos x="connsiteX6" y="connsiteY6"/>
-                </a:cxn>
-                <a:cxn ang="0">
-                  <a:pos x="connsiteX7" y="connsiteY7"/>
-                </a:cxn>
-                <a:cxn ang="0">
-                  <a:pos x="connsiteX8" y="connsiteY8"/>
-                </a:cxn>
-              </a:cxnLst>
-              <a:rect l="l" t="t" r="r" b="b"/>
-              <a:pathLst>
-                <a:path w="800080" h="417509">
-                  <a:moveTo>
-                    <a:pt x="400031" y="78581"/>
-                  </a:moveTo>
-                  <a:lnTo>
-                    <a:pt x="400050" y="78581"/>
-                  </a:lnTo>
-                  <a:lnTo>
-                    <a:pt x="756837" y="417509"/>
-                  </a:lnTo>
-                  <a:lnTo>
-                    <a:pt x="800081" y="380552"/>
-                  </a:lnTo>
-                  <a:lnTo>
-                    <a:pt x="400050" y="0"/>
-                  </a:lnTo>
-                  <a:lnTo>
-                    <a:pt x="400031" y="0"/>
-                  </a:lnTo>
-                  <a:lnTo>
-                    <a:pt x="0" y="380552"/>
-                  </a:lnTo>
-                  <a:lnTo>
-                    <a:pt x="43244" y="417509"/>
-                  </a:lnTo>
-                  <a:lnTo>
-                    <a:pt x="400031" y="78581"/>
-                  </a:lnTo>
-                  <a:close/>
-                </a:path>
-              </a:pathLst>
-            </a:custGeom>
-            <a:grpFill/>
-            <a:ln w="9525" cap="flat">
-              <a:noFill/>
-              <a:prstDash val="solid"/>
-              <a:miter/>
-            </a:ln>
-          </p:spPr>
-          <p:txBody>
-            <a:bodyPr rtlCol="0" anchor="ctr"/>
-            <a:lstStyle/>
-            <a:p>
-              <a:endParaRPr lang="ko-KR" altLang="en-US"/>
-            </a:p>
-          </p:txBody>
-        </p:sp>
-        <p:sp>
-          <p:nvSpPr>
-            <p:cNvPr id="9" name="자유형: 도형 8">
-              <a:extLst>
-                <a:ext uri="{FF2B5EF4-FFF2-40B4-BE49-F238E27FC236}">
-                  <a16:creationId xmlns:a16="http://schemas.microsoft.com/office/drawing/2014/main" id="{242B6389-4223-BBB9-7576-40D167352741}"/>
-                </a:ext>
-              </a:extLst>
-            </p:cNvPr>
-            <p:cNvSpPr>
-              <a:spLocks/>
-            </p:cNvSpPr>
-            <p:nvPr/>
-          </p:nvSpPr>
-          <p:spPr>
-            <a:xfrm>
-              <a:off x="1416580" y="2660629"/>
-              <a:ext cx="571499" cy="554679"/>
-            </a:xfrm>
-            <a:custGeom>
-              <a:avLst/>
-              <a:gdLst>
-                <a:gd name="connsiteX0" fmla="*/ 0 w 571499"/>
-                <a:gd name="connsiteY0" fmla="*/ 271453 h 554678"/>
-                <a:gd name="connsiteX1" fmla="*/ 0 w 571499"/>
-                <a:gd name="connsiteY1" fmla="*/ 554679 h 554678"/>
-                <a:gd name="connsiteX2" fmla="*/ 228600 w 571499"/>
-                <a:gd name="connsiteY2" fmla="*/ 554679 h 554678"/>
-                <a:gd name="connsiteX3" fmla="*/ 228600 w 571499"/>
-                <a:gd name="connsiteY3" fmla="*/ 316554 h 554678"/>
-                <a:gd name="connsiteX4" fmla="*/ 342900 w 571499"/>
-                <a:gd name="connsiteY4" fmla="*/ 316554 h 554678"/>
-                <a:gd name="connsiteX5" fmla="*/ 342900 w 571499"/>
-                <a:gd name="connsiteY5" fmla="*/ 554679 h 554678"/>
-                <a:gd name="connsiteX6" fmla="*/ 571500 w 571499"/>
-                <a:gd name="connsiteY6" fmla="*/ 554679 h 554678"/>
-                <a:gd name="connsiteX7" fmla="*/ 571500 w 571499"/>
-                <a:gd name="connsiteY7" fmla="*/ 271443 h 554678"/>
-                <a:gd name="connsiteX8" fmla="*/ 285760 w 571499"/>
-                <a:gd name="connsiteY8" fmla="*/ 0 h 554678"/>
-                <a:gd name="connsiteX9" fmla="*/ 0 w 571499"/>
-                <a:gd name="connsiteY9" fmla="*/ 271453 h 554678"/>
-              </a:gdLst>
-              <a:ahLst/>
-              <a:cxnLst>
-                <a:cxn ang="0">
-                  <a:pos x="connsiteX0" y="connsiteY0"/>
-                </a:cxn>
-                <a:cxn ang="0">
-                  <a:pos x="connsiteX1" y="connsiteY1"/>
-                </a:cxn>
-                <a:cxn ang="0">
-                  <a:pos x="connsiteX2" y="connsiteY2"/>
-                </a:cxn>
-                <a:cxn ang="0">
-                  <a:pos x="connsiteX3" y="connsiteY3"/>
-                </a:cxn>
-                <a:cxn ang="0">
-                  <a:pos x="connsiteX4" y="connsiteY4"/>
-                </a:cxn>
-                <a:cxn ang="0">
-                  <a:pos x="connsiteX5" y="connsiteY5"/>
-                </a:cxn>
-                <a:cxn ang="0">
-                  <a:pos x="connsiteX6" y="connsiteY6"/>
-                </a:cxn>
-                <a:cxn ang="0">
-                  <a:pos x="connsiteX7" y="connsiteY7"/>
-                </a:cxn>
-                <a:cxn ang="0">
-                  <a:pos x="connsiteX8" y="connsiteY8"/>
-                </a:cxn>
-                <a:cxn ang="0">
-                  <a:pos x="connsiteX9" y="connsiteY9"/>
-                </a:cxn>
-              </a:cxnLst>
-              <a:rect l="l" t="t" r="r" b="b"/>
-              <a:pathLst>
-                <a:path w="571499" h="554678">
-                  <a:moveTo>
-                    <a:pt x="0" y="271453"/>
-                  </a:moveTo>
-                  <a:lnTo>
-                    <a:pt x="0" y="554679"/>
-                  </a:lnTo>
-                  <a:lnTo>
-                    <a:pt x="228600" y="554679"/>
-                  </a:lnTo>
-                  <a:lnTo>
-                    <a:pt x="228600" y="316554"/>
-                  </a:lnTo>
-                  <a:lnTo>
-                    <a:pt x="342900" y="316554"/>
-                  </a:lnTo>
-                  <a:lnTo>
-                    <a:pt x="342900" y="554679"/>
-                  </a:lnTo>
-                  <a:lnTo>
-                    <a:pt x="571500" y="554679"/>
-                  </a:lnTo>
-                  <a:lnTo>
-                    <a:pt x="571500" y="271443"/>
-                  </a:lnTo>
-                  <a:lnTo>
-                    <a:pt x="285760" y="0"/>
-                  </a:lnTo>
-                  <a:lnTo>
-                    <a:pt x="0" y="271453"/>
-                  </a:lnTo>
-                  <a:close/>
-                </a:path>
-              </a:pathLst>
-            </a:custGeom>
-            <a:grpFill/>
-            <a:ln w="9525" cap="flat">
-              <a:noFill/>
-              <a:prstDash val="solid"/>
-              <a:miter/>
-            </a:ln>
-          </p:spPr>
-          <p:txBody>
-            <a:bodyPr rtlCol="0" anchor="ctr"/>
-            <a:lstStyle/>
-            <a:p>
-              <a:endParaRPr lang="ko-KR" altLang="en-US"/>
-            </a:p>
-          </p:txBody>
-        </p:sp>
-      </p:grpSp>
-      <p:sp>
-        <p:nvSpPr>
-          <p:cNvPr id="15" name="TextBox 14">
-            <a:extLst>
-              <a:ext uri="{FF2B5EF4-FFF2-40B4-BE49-F238E27FC236}">
-                <a16:creationId xmlns:a16="http://schemas.microsoft.com/office/drawing/2014/main" id="{A991723C-9AF8-73CD-0334-ED2548E83F28}"/>
-              </a:ext>
-            </a:extLst>
-          </p:cNvPr>
-          <p:cNvSpPr txBox="1"/>
-          <p:nvPr/>
-        </p:nvSpPr>
-        <p:spPr>
-          <a:xfrm>
-            <a:off x="379485" y="3105834"/>
-            <a:ext cx="1322798" cy="646331"/>
-          </a:xfrm>
-          <a:prstGeom prst="rect">
-            <a:avLst/>
-          </a:prstGeom>
-          <a:noFill/>
-        </p:spPr>
-        <p:txBody>
-          <a:bodyPr wrap="none" rtlCol="0">
-            <a:spAutoFit/>
-          </a:bodyPr>
-          <a:lstStyle/>
-          <a:p>
-            <a:r>
-              <a:rPr lang="ko-KR" altLang="en-US" dirty="0"/>
-              <a:t>무기 컨셉</a:t>
-            </a:r>
-            <a:r>
-              <a:rPr lang="en-US" altLang="ko-KR" dirty="0"/>
-              <a:t>: </a:t>
-            </a:r>
-          </a:p>
-          <a:p>
-            <a:r>
-              <a:rPr lang="ko-KR" altLang="en-US" dirty="0"/>
-              <a:t>동작 컨셉</a:t>
-            </a:r>
-            <a:r>
-              <a:rPr lang="en-US" altLang="ko-KR" dirty="0"/>
-              <a:t>:</a:t>
-            </a:r>
-          </a:p>
-        </p:txBody>
-      </p:sp>
-      <p:sp>
-        <p:nvSpPr>
-          <p:cNvPr id="17" name="TextBox 16">
-            <a:extLst>
-              <a:ext uri="{FF2B5EF4-FFF2-40B4-BE49-F238E27FC236}">
-                <a16:creationId xmlns:a16="http://schemas.microsoft.com/office/drawing/2014/main" id="{4EA03C0C-B1CF-99D7-D005-13A9A3F87E05}"/>
-              </a:ext>
-            </a:extLst>
-          </p:cNvPr>
-          <p:cNvSpPr txBox="1"/>
-          <p:nvPr/>
-        </p:nvSpPr>
-        <p:spPr>
-          <a:xfrm>
-            <a:off x="379485" y="880808"/>
-            <a:ext cx="1322798" cy="646331"/>
-          </a:xfrm>
-          <a:prstGeom prst="rect">
-            <a:avLst/>
-          </a:prstGeom>
-          <a:noFill/>
-        </p:spPr>
-        <p:txBody>
-          <a:bodyPr wrap="none" rtlCol="0">
-            <a:spAutoFit/>
-          </a:bodyPr>
-          <a:lstStyle/>
-          <a:p>
-            <a:r>
-              <a:rPr lang="ko-KR" altLang="en-US" dirty="0"/>
-              <a:t>무기 컨셉</a:t>
-            </a:r>
-            <a:r>
-              <a:rPr lang="en-US" altLang="ko-KR" dirty="0"/>
-              <a:t>: </a:t>
-            </a:r>
-          </a:p>
-          <a:p>
-            <a:r>
-              <a:rPr lang="ko-KR" altLang="en-US" dirty="0"/>
-              <a:t>동작 컨셉</a:t>
-            </a:r>
-            <a:r>
-              <a:rPr lang="en-US" altLang="ko-KR" dirty="0"/>
-              <a:t>:</a:t>
-            </a:r>
-          </a:p>
-        </p:txBody>
-      </p:sp>
-      <p:sp>
-        <p:nvSpPr>
-          <p:cNvPr id="21" name="TextBox 20">
-            <a:extLst>
-              <a:ext uri="{FF2B5EF4-FFF2-40B4-BE49-F238E27FC236}">
-                <a16:creationId xmlns:a16="http://schemas.microsoft.com/office/drawing/2014/main" id="{3B6D27EC-D16E-2AFA-F720-E5B39A1D6CE6}"/>
-              </a:ext>
-            </a:extLst>
-          </p:cNvPr>
-          <p:cNvSpPr txBox="1">
-            <a:spLocks/>
-          </p:cNvSpPr>
-          <p:nvPr/>
-        </p:nvSpPr>
-        <p:spPr>
-          <a:xfrm>
-            <a:off x="11624713" y="165891"/>
-            <a:ext cx="535724" cy="230832"/>
-          </a:xfrm>
-          <a:prstGeom prst="rect">
-            <a:avLst/>
-          </a:prstGeom>
-          <a:noFill/>
-        </p:spPr>
-        <p:txBody>
-          <a:bodyPr wrap="none" rtlCol="0">
-            <a:spAutoFit/>
-          </a:bodyPr>
-          <a:lstStyle/>
-          <a:p>
-            <a:pPr algn="r"/>
-            <a:r>
-              <a:rPr lang="en-US" altLang="ko-KR" sz="900" b="1" i="1" dirty="0">
-                <a:solidFill>
-                  <a:schemeClr val="bg1">
-                    <a:lumMod val="50000"/>
-                  </a:schemeClr>
-                </a:solidFill>
-              </a:rPr>
-              <a:t>HOME</a:t>
-            </a:r>
-            <a:endParaRPr lang="en-US" altLang="ko-KR" sz="900" b="1" i="1" dirty="0">
-              <a:solidFill>
-                <a:schemeClr val="bg1">
-                  <a:lumMod val="50000"/>
-                </a:schemeClr>
-              </a:solidFill>
-              <a:effectLst/>
-            </a:endParaRPr>
-          </a:p>
-        </p:txBody>
-      </p:sp>
-    </p:spTree>
-    <p:extLst>
-      <p:ext uri="{BB962C8B-B14F-4D97-AF65-F5344CB8AC3E}">
-        <p14:creationId xmlns:p14="http://schemas.microsoft.com/office/powerpoint/2010/main" val="1540804583"/>
-      </p:ext>
-    </p:extLst>
-  </p:cSld>
-  <p:clrMapOvr>
-    <a:masterClrMapping/>
-  </p:clrMapOvr>
-</p:sld>
-</file>
-
-<file path=ppt/slides/slide4.xml><?xml version="1.0" encoding="utf-8"?>
-<p:sld xmlns:a="http://schemas.openxmlformats.org/drawingml/2006/main" xmlns:r="http://schemas.openxmlformats.org/officeDocument/2006/relationships" xmlns:p="http://schemas.openxmlformats.org/presentationml/2006/main">
-  <p:cSld>
-    <p:spTree>
-      <p:nvGrpSpPr>
-        <p:cNvPr id="1" name=""/>
-        <p:cNvGrpSpPr/>
-        <p:nvPr/>
-      </p:nvGrpSpPr>
-      <p:grpSpPr>
-        <a:xfrm>
-          <a:off x="0" y="0"/>
-          <a:ext cx="0" cy="0"/>
-          <a:chOff x="0" y="0"/>
-          <a:chExt cx="0" cy="0"/>
-        </a:xfrm>
-      </p:grpSpPr>
-      <p:grpSp>
-        <p:nvGrpSpPr>
-          <p:cNvPr id="9" name="그룹 8">
-            <a:extLst>
-              <a:ext uri="{FF2B5EF4-FFF2-40B4-BE49-F238E27FC236}">
-                <a16:creationId xmlns:a16="http://schemas.microsoft.com/office/drawing/2014/main" id="{242C9FFE-7609-18EF-461D-E7D0A1C6B5C9}"/>
-              </a:ext>
-            </a:extLst>
-          </p:cNvPr>
-          <p:cNvGrpSpPr>
-            <a:grpSpLocks noGrp="1" noUngrp="1" noRot="1" noMove="1" noResize="1"/>
-          </p:cNvGrpSpPr>
-          <p:nvPr/>
-        </p:nvGrpSpPr>
-        <p:grpSpPr>
-          <a:xfrm>
-            <a:off x="1" y="78962"/>
-            <a:ext cx="12191999" cy="515815"/>
-            <a:chOff x="1" y="78962"/>
-            <a:chExt cx="12191999" cy="515815"/>
+            <a:off x="10502114" y="78962"/>
+            <a:ext cx="1689886" cy="505199"/>
+            <a:chOff x="10502114" y="78962"/>
+            <a:chExt cx="1689886" cy="505199"/>
           </a:xfrm>
         </p:grpSpPr>
         <p:sp>
           <p:nvSpPr>
-            <p:cNvPr id="16" name="TextBox 15">
+            <p:cNvPr id="2" name="TextBox 1">
               <a:extLst>
                 <a:ext uri="{FF2B5EF4-FFF2-40B4-BE49-F238E27FC236}">
-                  <a16:creationId xmlns:a16="http://schemas.microsoft.com/office/drawing/2014/main" id="{C39179F9-C670-49DD-9B63-20EFFDAAB0AF}"/>
+                  <a16:creationId xmlns:a16="http://schemas.microsoft.com/office/drawing/2014/main" id="{01E4C8AF-3C7D-95E4-288F-0BE7BD60B384}"/>
                 </a:ext>
               </a:extLst>
             </p:cNvPr>
             <p:cNvSpPr txBox="1">
-              <a:spLocks noGrp="1" noRot="1" noMove="1" noResize="1" noEditPoints="1" noAdjustHandles="1" noChangeArrowheads="1" noChangeShapeType="1"/>
-            </p:cNvSpPr>
-            <p:nvPr/>
-          </p:nvSpPr>
-          <p:spPr>
-            <a:xfrm>
-              <a:off x="2279583" y="251490"/>
-              <a:ext cx="854721" cy="276999"/>
-            </a:xfrm>
-            <a:prstGeom prst="rect">
-              <a:avLst/>
-            </a:prstGeom>
-            <a:noFill/>
-          </p:spPr>
-          <p:txBody>
-            <a:bodyPr wrap="none" rtlCol="0">
-              <a:spAutoFit/>
-            </a:bodyPr>
-            <a:lstStyle/>
-            <a:p>
-              <a:pPr algn="ctr"/>
-              <a:r>
-                <a:rPr lang="ko-KR" altLang="en-US" sz="1200" b="1" dirty="0">
-                  <a:effectLst/>
-                </a:rPr>
-                <a:t>무기 소개</a:t>
-              </a:r>
-              <a:endParaRPr lang="en-US" altLang="ko-KR" sz="1200" b="1" dirty="0">
-                <a:effectLst/>
-              </a:endParaRPr>
-            </a:p>
-          </p:txBody>
-        </p:sp>
-        <p:sp>
-          <p:nvSpPr>
-            <p:cNvPr id="33" name="TextBox 32">
-              <a:extLst>
-                <a:ext uri="{FF2B5EF4-FFF2-40B4-BE49-F238E27FC236}">
-                  <a16:creationId xmlns:a16="http://schemas.microsoft.com/office/drawing/2014/main" id="{F62F3E9B-C7E6-43EC-87B7-D383431B5912}"/>
-                </a:ext>
-              </a:extLst>
-            </p:cNvPr>
-            <p:cNvSpPr txBox="1">
-              <a:spLocks noGrp="1" noRot="1" noMove="1" noResize="1" noEditPoints="1" noAdjustHandles="1" noChangeArrowheads="1" noChangeShapeType="1"/>
+              <a:spLocks/>
             </p:cNvSpPr>
             <p:nvPr/>
           </p:nvSpPr>
@@ -5254,642 +6568,17 @@
             </a:p>
           </p:txBody>
         </p:sp>
-        <p:sp>
-          <p:nvSpPr>
-            <p:cNvPr id="17" name="자유형: 도형 16">
+        <p:grpSp>
+          <p:nvGrpSpPr>
+            <p:cNvPr id="3" name="그룹 2">
               <a:extLst>
                 <a:ext uri="{FF2B5EF4-FFF2-40B4-BE49-F238E27FC236}">
-                  <a16:creationId xmlns:a16="http://schemas.microsoft.com/office/drawing/2014/main" id="{8990E30F-D94B-416F-8775-D7EEC6FFC20B}"/>
-                </a:ext>
-              </a:extLst>
-            </p:cNvPr>
-            <p:cNvSpPr>
-              <a:spLocks noGrp="1" noRot="1" noMove="1" noResize="1" noEditPoints="1" noAdjustHandles="1" noChangeArrowheads="1" noChangeShapeType="1"/>
-            </p:cNvSpPr>
-            <p:nvPr/>
-          </p:nvSpPr>
-          <p:spPr>
-            <a:xfrm>
-              <a:off x="1830501" y="185202"/>
-              <a:ext cx="1674019" cy="409575"/>
-            </a:xfrm>
-            <a:custGeom>
-              <a:avLst/>
-              <a:gdLst>
-                <a:gd name="connsiteX0" fmla="*/ 0 w 1674019"/>
-                <a:gd name="connsiteY0" fmla="*/ 409575 h 409575"/>
-                <a:gd name="connsiteX1" fmla="*/ 69056 w 1674019"/>
-                <a:gd name="connsiteY1" fmla="*/ 409575 h 409575"/>
-                <a:gd name="connsiteX2" fmla="*/ 271463 w 1674019"/>
-                <a:gd name="connsiteY2" fmla="*/ 0 h 409575"/>
-                <a:gd name="connsiteX3" fmla="*/ 1674019 w 1674019"/>
-                <a:gd name="connsiteY3" fmla="*/ 0 h 409575"/>
-                <a:gd name="connsiteX4" fmla="*/ 1469231 w 1674019"/>
-                <a:gd name="connsiteY4" fmla="*/ 409575 h 409575"/>
-                <a:gd name="connsiteX5" fmla="*/ 1543050 w 1674019"/>
-                <a:gd name="connsiteY5" fmla="*/ 409575 h 409575"/>
-              </a:gdLst>
-              <a:ahLst/>
-              <a:cxnLst>
-                <a:cxn ang="0">
-                  <a:pos x="connsiteX0" y="connsiteY0"/>
-                </a:cxn>
-                <a:cxn ang="0">
-                  <a:pos x="connsiteX1" y="connsiteY1"/>
-                </a:cxn>
-                <a:cxn ang="0">
-                  <a:pos x="connsiteX2" y="connsiteY2"/>
-                </a:cxn>
-                <a:cxn ang="0">
-                  <a:pos x="connsiteX3" y="connsiteY3"/>
-                </a:cxn>
-                <a:cxn ang="0">
-                  <a:pos x="connsiteX4" y="connsiteY4"/>
-                </a:cxn>
-                <a:cxn ang="0">
-                  <a:pos x="connsiteX5" y="connsiteY5"/>
-                </a:cxn>
-              </a:cxnLst>
-              <a:rect l="l" t="t" r="r" b="b"/>
-              <a:pathLst>
-                <a:path w="1674019" h="409575">
-                  <a:moveTo>
-                    <a:pt x="0" y="409575"/>
-                  </a:moveTo>
-                  <a:lnTo>
-                    <a:pt x="69056" y="409575"/>
-                  </a:lnTo>
-                  <a:lnTo>
-                    <a:pt x="271463" y="0"/>
-                  </a:lnTo>
-                  <a:lnTo>
-                    <a:pt x="1674019" y="0"/>
-                  </a:lnTo>
-                  <a:lnTo>
-                    <a:pt x="1469231" y="409575"/>
-                  </a:lnTo>
-                  <a:lnTo>
-                    <a:pt x="1543050" y="409575"/>
-                  </a:lnTo>
-                </a:path>
-              </a:pathLst>
-            </a:custGeom>
-            <a:noFill/>
-            <a:ln w="28575">
-              <a:solidFill>
-                <a:schemeClr val="accent4">
-                  <a:lumMod val="75000"/>
-                </a:schemeClr>
-              </a:solidFill>
-            </a:ln>
-          </p:spPr>
-          <p:style>
-            <a:lnRef idx="2">
-              <a:schemeClr val="accent1">
-                <a:shade val="50000"/>
-              </a:schemeClr>
-            </a:lnRef>
-            <a:fillRef idx="1">
-              <a:schemeClr val="accent1"/>
-            </a:fillRef>
-            <a:effectRef idx="0">
-              <a:schemeClr val="accent1"/>
-            </a:effectRef>
-            <a:fontRef idx="minor">
-              <a:schemeClr val="lt1"/>
-            </a:fontRef>
-          </p:style>
-          <p:txBody>
-            <a:bodyPr rtlCol="0" anchor="ctr"/>
-            <a:lstStyle/>
-            <a:p>
-              <a:pPr algn="ctr"/>
-              <a:endParaRPr lang="ko-KR" altLang="en-US"/>
-            </a:p>
-          </p:txBody>
-        </p:sp>
-        <p:grpSp>
-          <p:nvGrpSpPr>
-            <p:cNvPr id="18" name="그룹 17">
-              <a:extLst>
-                <a:ext uri="{FF2B5EF4-FFF2-40B4-BE49-F238E27FC236}">
-                  <a16:creationId xmlns:a16="http://schemas.microsoft.com/office/drawing/2014/main" id="{F2A8965C-7A09-4C80-B841-C27F87EFD02E}"/>
+                  <a16:creationId xmlns:a16="http://schemas.microsoft.com/office/drawing/2014/main" id="{6554ECE8-DBAA-0C88-9E14-73F4746D825D}"/>
                 </a:ext>
               </a:extLst>
             </p:cNvPr>
             <p:cNvGrpSpPr>
-              <a:grpSpLocks noGrp="1" noUngrp="1" noRot="1" noMove="1" noResize="1"/>
-            </p:cNvGrpSpPr>
-            <p:nvPr/>
-          </p:nvGrpSpPr>
-          <p:grpSpPr>
-            <a:xfrm>
-              <a:off x="3506012" y="181080"/>
-              <a:ext cx="1600200" cy="403080"/>
-              <a:chOff x="4391025" y="108202"/>
-              <a:chExt cx="1600200" cy="524755"/>
-            </a:xfrm>
-            <a:solidFill>
-              <a:schemeClr val="bg1">
-                <a:lumMod val="95000"/>
-              </a:schemeClr>
-            </a:solidFill>
-          </p:grpSpPr>
-          <p:sp>
-            <p:nvSpPr>
-              <p:cNvPr id="28" name="평행 사변형 27">
-                <a:extLst>
-                  <a:ext uri="{FF2B5EF4-FFF2-40B4-BE49-F238E27FC236}">
-                    <a16:creationId xmlns:a16="http://schemas.microsoft.com/office/drawing/2014/main" id="{AE9C57D5-1110-4CE4-8882-9328422602C9}"/>
-                  </a:ext>
-                </a:extLst>
-              </p:cNvPr>
-              <p:cNvSpPr>
-                <a:spLocks noGrp="1" noRot="1" noMove="1" noResize="1" noEditPoints="1" noAdjustHandles="1" noChangeArrowheads="1" noChangeShapeType="1"/>
-              </p:cNvSpPr>
-              <p:nvPr/>
-            </p:nvSpPr>
-            <p:spPr>
-              <a:xfrm>
-                <a:off x="4391025" y="108202"/>
-                <a:ext cx="1600200" cy="524755"/>
-              </a:xfrm>
-              <a:prstGeom prst="parallelogram">
-                <a:avLst>
-                  <a:gd name="adj" fmla="val 49299"/>
-                </a:avLst>
-              </a:prstGeom>
-              <a:grpFill/>
-              <a:ln>
-                <a:noFill/>
-              </a:ln>
-            </p:spPr>
-            <p:style>
-              <a:lnRef idx="2">
-                <a:schemeClr val="accent1">
-                  <a:shade val="50000"/>
-                </a:schemeClr>
-              </a:lnRef>
-              <a:fillRef idx="1">
-                <a:schemeClr val="accent1"/>
-              </a:fillRef>
-              <a:effectRef idx="0">
-                <a:schemeClr val="accent1"/>
-              </a:effectRef>
-              <a:fontRef idx="minor">
-                <a:schemeClr val="lt1"/>
-              </a:fontRef>
-            </p:style>
-            <p:txBody>
-              <a:bodyPr rtlCol="0" anchor="ctr"/>
-              <a:lstStyle/>
-              <a:p>
-                <a:pPr algn="ctr"/>
-                <a:endParaRPr lang="ko-KR" altLang="en-US" sz="1000">
-                  <a:solidFill>
-                    <a:schemeClr val="bg1">
-                      <a:lumMod val="50000"/>
-                    </a:schemeClr>
-                  </a:solidFill>
-                </a:endParaRPr>
-              </a:p>
-            </p:txBody>
-          </p:sp>
-          <p:sp>
-            <p:nvSpPr>
-              <p:cNvPr id="29" name="TextBox 28">
-                <a:extLst>
-                  <a:ext uri="{FF2B5EF4-FFF2-40B4-BE49-F238E27FC236}">
-                    <a16:creationId xmlns:a16="http://schemas.microsoft.com/office/drawing/2014/main" id="{87A86603-4753-4FBE-A8C7-8B2A2DE45839}"/>
-                  </a:ext>
-                </a:extLst>
-              </p:cNvPr>
-              <p:cNvSpPr txBox="1">
-                <a:spLocks noGrp="1" noRot="1" noMove="1" noResize="1" noEditPoints="1" noAdjustHandles="1" noChangeArrowheads="1" noChangeShapeType="1"/>
-              </p:cNvSpPr>
-              <p:nvPr/>
-            </p:nvSpPr>
-            <p:spPr>
-              <a:xfrm>
-                <a:off x="4791817" y="200289"/>
-                <a:ext cx="742511" cy="320546"/>
-              </a:xfrm>
-              <a:prstGeom prst="rect">
-                <a:avLst/>
-              </a:prstGeom>
-              <a:grpFill/>
-            </p:spPr>
-            <p:txBody>
-              <a:bodyPr wrap="none" rtlCol="0">
-                <a:spAutoFit/>
-              </a:bodyPr>
-              <a:lstStyle/>
-              <a:p>
-                <a:r>
-                  <a:rPr lang="ko-KR" altLang="en-US" sz="1000" b="1" dirty="0">
-                    <a:solidFill>
-                      <a:schemeClr val="bg1">
-                        <a:lumMod val="50000"/>
-                      </a:schemeClr>
-                    </a:solidFill>
-                    <a:effectLst/>
-                  </a:rPr>
-                  <a:t>기본 모션</a:t>
-                </a:r>
-                <a:endParaRPr lang="en-US" altLang="ko-KR" sz="1000" b="1" dirty="0">
-                  <a:solidFill>
-                    <a:schemeClr val="bg1">
-                      <a:lumMod val="50000"/>
-                    </a:schemeClr>
-                  </a:solidFill>
-                  <a:effectLst/>
-                </a:endParaRPr>
-              </a:p>
-            </p:txBody>
-          </p:sp>
-        </p:grpSp>
-        <p:grpSp>
-          <p:nvGrpSpPr>
-            <p:cNvPr id="30" name="그룹 29">
-              <a:extLst>
-                <a:ext uri="{FF2B5EF4-FFF2-40B4-BE49-F238E27FC236}">
-                  <a16:creationId xmlns:a16="http://schemas.microsoft.com/office/drawing/2014/main" id="{16175AC9-E352-4D51-9964-F341A95EA371}"/>
-                </a:ext>
-              </a:extLst>
-            </p:cNvPr>
-            <p:cNvGrpSpPr>
-              <a:grpSpLocks noGrp="1" noUngrp="1" noRot="1" noMove="1" noResize="1"/>
-            </p:cNvGrpSpPr>
-            <p:nvPr/>
-          </p:nvGrpSpPr>
-          <p:grpSpPr>
-            <a:xfrm>
-              <a:off x="5104149" y="181080"/>
-              <a:ext cx="1600200" cy="403080"/>
-              <a:chOff x="4391025" y="108202"/>
-              <a:chExt cx="1600200" cy="524755"/>
-            </a:xfrm>
-            <a:solidFill>
-              <a:schemeClr val="bg1">
-                <a:lumMod val="95000"/>
-              </a:schemeClr>
-            </a:solidFill>
-          </p:grpSpPr>
-          <p:sp>
-            <p:nvSpPr>
-              <p:cNvPr id="31" name="평행 사변형 30">
-                <a:extLst>
-                  <a:ext uri="{FF2B5EF4-FFF2-40B4-BE49-F238E27FC236}">
-                    <a16:creationId xmlns:a16="http://schemas.microsoft.com/office/drawing/2014/main" id="{463AFC40-7263-479E-95C3-2BB8B21A1A53}"/>
-                  </a:ext>
-                </a:extLst>
-              </p:cNvPr>
-              <p:cNvSpPr>
-                <a:spLocks noGrp="1" noRot="1" noMove="1" noResize="1" noEditPoints="1" noAdjustHandles="1" noChangeArrowheads="1" noChangeShapeType="1"/>
-              </p:cNvSpPr>
-              <p:nvPr/>
-            </p:nvSpPr>
-            <p:spPr>
-              <a:xfrm>
-                <a:off x="4391025" y="108202"/>
-                <a:ext cx="1600200" cy="524755"/>
-              </a:xfrm>
-              <a:prstGeom prst="parallelogram">
-                <a:avLst>
-                  <a:gd name="adj" fmla="val 49299"/>
-                </a:avLst>
-              </a:prstGeom>
-              <a:grpFill/>
-              <a:ln>
-                <a:noFill/>
-              </a:ln>
-            </p:spPr>
-            <p:style>
-              <a:lnRef idx="2">
-                <a:schemeClr val="accent1">
-                  <a:shade val="50000"/>
-                </a:schemeClr>
-              </a:lnRef>
-              <a:fillRef idx="1">
-                <a:schemeClr val="accent1"/>
-              </a:fillRef>
-              <a:effectRef idx="0">
-                <a:schemeClr val="accent1"/>
-              </a:effectRef>
-              <a:fontRef idx="minor">
-                <a:schemeClr val="lt1"/>
-              </a:fontRef>
-            </p:style>
-            <p:txBody>
-              <a:bodyPr rtlCol="0" anchor="ctr"/>
-              <a:lstStyle/>
-              <a:p>
-                <a:pPr algn="ctr"/>
-                <a:endParaRPr lang="ko-KR" altLang="en-US" sz="1000" dirty="0">
-                  <a:solidFill>
-                    <a:schemeClr val="bg1">
-                      <a:lumMod val="50000"/>
-                    </a:schemeClr>
-                  </a:solidFill>
-                </a:endParaRPr>
-              </a:p>
-            </p:txBody>
-          </p:sp>
-          <p:sp>
-            <p:nvSpPr>
-              <p:cNvPr id="32" name="TextBox 31">
-                <a:extLst>
-                  <a:ext uri="{FF2B5EF4-FFF2-40B4-BE49-F238E27FC236}">
-                    <a16:creationId xmlns:a16="http://schemas.microsoft.com/office/drawing/2014/main" id="{CE2170C7-5C6E-4584-AF47-F1CCF25EFF68}"/>
-                  </a:ext>
-                </a:extLst>
-              </p:cNvPr>
-              <p:cNvSpPr txBox="1">
-                <a:spLocks noGrp="1" noRot="1" noMove="1" noResize="1" noEditPoints="1" noAdjustHandles="1" noChangeArrowheads="1" noChangeShapeType="1"/>
-              </p:cNvSpPr>
-              <p:nvPr/>
-            </p:nvSpPr>
-            <p:spPr>
-              <a:xfrm>
-                <a:off x="4957728" y="200289"/>
-                <a:ext cx="441146" cy="320546"/>
-              </a:xfrm>
-              <a:prstGeom prst="rect">
-                <a:avLst/>
-              </a:prstGeom>
-              <a:grpFill/>
-            </p:spPr>
-            <p:txBody>
-              <a:bodyPr wrap="none" rtlCol="0">
-                <a:spAutoFit/>
-              </a:bodyPr>
-              <a:lstStyle/>
-              <a:p>
-                <a:r>
-                  <a:rPr lang="ko-KR" altLang="en-US" sz="1000" b="1" dirty="0">
-                    <a:solidFill>
-                      <a:schemeClr val="bg1">
-                        <a:lumMod val="50000"/>
-                      </a:schemeClr>
-                    </a:solidFill>
-                    <a:effectLst/>
-                  </a:rPr>
-                  <a:t>스킬</a:t>
-                </a:r>
-                <a:endParaRPr lang="en-US" altLang="ko-KR" sz="1000" b="1" dirty="0">
-                  <a:solidFill>
-                    <a:schemeClr val="bg1">
-                      <a:lumMod val="50000"/>
-                    </a:schemeClr>
-                  </a:solidFill>
-                  <a:effectLst/>
-                </a:endParaRPr>
-              </a:p>
-            </p:txBody>
-          </p:sp>
-        </p:grpSp>
-        <p:grpSp>
-          <p:nvGrpSpPr>
-            <p:cNvPr id="34" name="그룹 33">
-              <a:extLst>
-                <a:ext uri="{FF2B5EF4-FFF2-40B4-BE49-F238E27FC236}">
-                  <a16:creationId xmlns:a16="http://schemas.microsoft.com/office/drawing/2014/main" id="{34D455AA-57B7-4B7C-806E-13AC02EB2AC3}"/>
-                </a:ext>
-              </a:extLst>
-            </p:cNvPr>
-            <p:cNvGrpSpPr>
-              <a:grpSpLocks noGrp="1" noUngrp="1" noRot="1" noMove="1" noResize="1"/>
-            </p:cNvGrpSpPr>
-            <p:nvPr/>
-          </p:nvGrpSpPr>
-          <p:grpSpPr>
-            <a:xfrm>
-              <a:off x="309738" y="181080"/>
-              <a:ext cx="1600200" cy="403081"/>
-              <a:chOff x="4391025" y="108202"/>
-              <a:chExt cx="1600200" cy="524755"/>
-            </a:xfrm>
-            <a:solidFill>
-              <a:schemeClr val="bg1">
-                <a:lumMod val="95000"/>
-              </a:schemeClr>
-            </a:solidFill>
-          </p:grpSpPr>
-          <p:sp>
-            <p:nvSpPr>
-              <p:cNvPr id="35" name="평행 사변형 34">
-                <a:extLst>
-                  <a:ext uri="{FF2B5EF4-FFF2-40B4-BE49-F238E27FC236}">
-                    <a16:creationId xmlns:a16="http://schemas.microsoft.com/office/drawing/2014/main" id="{D37558E0-E3A6-4749-8D0C-A9142AAA7220}"/>
-                  </a:ext>
-                </a:extLst>
-              </p:cNvPr>
-              <p:cNvSpPr>
-                <a:spLocks noGrp="1" noRot="1" noMove="1" noResize="1" noEditPoints="1" noAdjustHandles="1" noChangeArrowheads="1" noChangeShapeType="1"/>
-              </p:cNvSpPr>
-              <p:nvPr/>
-            </p:nvSpPr>
-            <p:spPr>
-              <a:xfrm>
-                <a:off x="4391025" y="108202"/>
-                <a:ext cx="1600200" cy="524755"/>
-              </a:xfrm>
-              <a:prstGeom prst="parallelogram">
-                <a:avLst>
-                  <a:gd name="adj" fmla="val 49299"/>
-                </a:avLst>
-              </a:prstGeom>
-              <a:grpFill/>
-              <a:ln>
-                <a:noFill/>
-              </a:ln>
-            </p:spPr>
-            <p:style>
-              <a:lnRef idx="2">
-                <a:schemeClr val="accent1">
-                  <a:shade val="50000"/>
-                </a:schemeClr>
-              </a:lnRef>
-              <a:fillRef idx="1">
-                <a:schemeClr val="accent1"/>
-              </a:fillRef>
-              <a:effectRef idx="0">
-                <a:schemeClr val="accent1"/>
-              </a:effectRef>
-              <a:fontRef idx="minor">
-                <a:schemeClr val="lt1"/>
-              </a:fontRef>
-            </p:style>
-            <p:txBody>
-              <a:bodyPr rtlCol="0" anchor="ctr"/>
-              <a:lstStyle/>
-              <a:p>
-                <a:pPr algn="ctr"/>
-                <a:endParaRPr lang="ko-KR" altLang="en-US" sz="1000">
-                  <a:solidFill>
-                    <a:schemeClr val="bg1">
-                      <a:lumMod val="50000"/>
-                    </a:schemeClr>
-                  </a:solidFill>
-                </a:endParaRPr>
-              </a:p>
-            </p:txBody>
-          </p:sp>
-          <p:sp>
-            <p:nvSpPr>
-              <p:cNvPr id="36" name="TextBox 35">
-                <a:extLst>
-                  <a:ext uri="{FF2B5EF4-FFF2-40B4-BE49-F238E27FC236}">
-                    <a16:creationId xmlns:a16="http://schemas.microsoft.com/office/drawing/2014/main" id="{8791B6D8-461C-40B8-8801-A7114EDD072C}"/>
-                  </a:ext>
-                </a:extLst>
-              </p:cNvPr>
-              <p:cNvSpPr txBox="1">
-                <a:spLocks noGrp="1" noRot="1" noMove="1" noResize="1" noEditPoints="1" noAdjustHandles="1" noChangeArrowheads="1" noChangeShapeType="1"/>
-              </p:cNvSpPr>
-              <p:nvPr/>
-            </p:nvSpPr>
-            <p:spPr>
-              <a:xfrm>
-                <a:off x="4791817" y="200289"/>
-                <a:ext cx="742511" cy="320545"/>
-              </a:xfrm>
-              <a:prstGeom prst="rect">
-                <a:avLst/>
-              </a:prstGeom>
-              <a:grpFill/>
-            </p:spPr>
-            <p:txBody>
-              <a:bodyPr wrap="none" rtlCol="0">
-                <a:spAutoFit/>
-              </a:bodyPr>
-              <a:lstStyle/>
-              <a:p>
-                <a:r>
-                  <a:rPr lang="ko-KR" altLang="en-US" sz="1000" b="1" dirty="0">
-                    <a:solidFill>
-                      <a:schemeClr val="bg1">
-                        <a:lumMod val="50000"/>
-                      </a:schemeClr>
-                    </a:solidFill>
-                  </a:rPr>
-                  <a:t>기획 의도</a:t>
-                </a:r>
-                <a:endParaRPr lang="en-US" altLang="ko-KR" sz="1000" b="1" dirty="0">
-                  <a:solidFill>
-                    <a:schemeClr val="bg1">
-                      <a:lumMod val="50000"/>
-                    </a:schemeClr>
-                  </a:solidFill>
-                  <a:effectLst/>
-                </a:endParaRPr>
-              </a:p>
-            </p:txBody>
-          </p:sp>
-        </p:grpSp>
-        <p:cxnSp>
-          <p:nvCxnSpPr>
-            <p:cNvPr id="37" name="직선 연결선 36">
-              <a:extLst>
-                <a:ext uri="{FF2B5EF4-FFF2-40B4-BE49-F238E27FC236}">
-                  <a16:creationId xmlns:a16="http://schemas.microsoft.com/office/drawing/2014/main" id="{FD1F631D-38BE-4D28-B764-73856FE1FD13}"/>
-                </a:ext>
-              </a:extLst>
-            </p:cNvPr>
-            <p:cNvCxnSpPr>
-              <a:cxnSpLocks noGrp="1" noRot="1" noMove="1" noResize="1" noEditPoints="1" noAdjustHandles="1" noChangeArrowheads="1" noChangeShapeType="1"/>
-              <a:stCxn id="17" idx="1"/>
-            </p:cNvCxnSpPr>
-            <p:nvPr/>
-          </p:nvCxnSpPr>
-          <p:spPr>
-            <a:xfrm flipH="1">
-              <a:off x="1" y="594777"/>
-              <a:ext cx="1899556" cy="0"/>
-            </a:xfrm>
-            <a:prstGeom prst="line">
-              <a:avLst/>
-            </a:prstGeom>
-            <a:ln w="28575">
-              <a:solidFill>
-                <a:schemeClr val="accent4">
-                  <a:lumMod val="75000"/>
-                </a:schemeClr>
-              </a:solidFill>
-            </a:ln>
-          </p:spPr>
-          <p:style>
-            <a:lnRef idx="2">
-              <a:schemeClr val="accent1"/>
-            </a:lnRef>
-            <a:fillRef idx="0">
-              <a:schemeClr val="accent1"/>
-            </a:fillRef>
-            <a:effectRef idx="1">
-              <a:schemeClr val="accent1"/>
-            </a:effectRef>
-            <a:fontRef idx="minor">
-              <a:schemeClr val="tx1"/>
-            </a:fontRef>
-          </p:style>
-        </p:cxnSp>
-        <p:cxnSp>
-          <p:nvCxnSpPr>
-            <p:cNvPr id="38" name="직선 연결선 37">
-              <a:extLst>
-                <a:ext uri="{FF2B5EF4-FFF2-40B4-BE49-F238E27FC236}">
-                  <a16:creationId xmlns:a16="http://schemas.microsoft.com/office/drawing/2014/main" id="{BCDE5DF0-6259-40AE-A730-230714AFAE19}"/>
-                </a:ext>
-              </a:extLst>
-            </p:cNvPr>
-            <p:cNvCxnSpPr>
-              <a:cxnSpLocks noGrp="1" noRot="1" noMove="1" noResize="1" noEditPoints="1" noAdjustHandles="1" noChangeArrowheads="1" noChangeShapeType="1"/>
-              <a:endCxn id="17" idx="4"/>
-            </p:cNvCxnSpPr>
-            <p:nvPr/>
-          </p:nvCxnSpPr>
-          <p:spPr>
-            <a:xfrm flipH="1">
-              <a:off x="3299732" y="594777"/>
-              <a:ext cx="8892268" cy="0"/>
-            </a:xfrm>
-            <a:prstGeom prst="line">
-              <a:avLst/>
-            </a:prstGeom>
-            <a:ln w="28575">
-              <a:solidFill>
-                <a:schemeClr val="accent4">
-                  <a:lumMod val="75000"/>
-                </a:schemeClr>
-              </a:solidFill>
-            </a:ln>
-          </p:spPr>
-          <p:style>
-            <a:lnRef idx="2">
-              <a:schemeClr val="accent1"/>
-            </a:lnRef>
-            <a:fillRef idx="0">
-              <a:schemeClr val="accent1"/>
-            </a:fillRef>
-            <a:effectRef idx="1">
-              <a:schemeClr val="accent1"/>
-            </a:effectRef>
-            <a:fontRef idx="minor">
-              <a:schemeClr val="tx1"/>
-            </a:fontRef>
-          </p:style>
-        </p:cxnSp>
-        <p:grpSp>
-          <p:nvGrpSpPr>
-            <p:cNvPr id="6" name="그룹 5">
-              <a:extLst>
-                <a:ext uri="{FF2B5EF4-FFF2-40B4-BE49-F238E27FC236}">
-                  <a16:creationId xmlns:a16="http://schemas.microsoft.com/office/drawing/2014/main" id="{D968A73D-F628-6218-3B16-AAAC03BED8E8}"/>
-                </a:ext>
-              </a:extLst>
-            </p:cNvPr>
-            <p:cNvGrpSpPr>
-              <a:grpSpLocks noGrp="1" noUngrp="1" noRot="1" noMove="1" noResize="1"/>
+              <a:grpSpLocks/>
             </p:cNvGrpSpPr>
             <p:nvPr/>
           </p:nvGrpSpPr>
@@ -5908,15 +6597,15 @@
           </p:grpSpPr>
           <p:sp>
             <p:nvSpPr>
-              <p:cNvPr id="7" name="자유형: 도형 6">
+              <p:cNvPr id="4" name="자유형: 도형 3">
                 <a:extLst>
                   <a:ext uri="{FF2B5EF4-FFF2-40B4-BE49-F238E27FC236}">
-                    <a16:creationId xmlns:a16="http://schemas.microsoft.com/office/drawing/2014/main" id="{76D38AD3-54E2-0829-E7E3-6079D930A1B5}"/>
+                    <a16:creationId xmlns:a16="http://schemas.microsoft.com/office/drawing/2014/main" id="{977C45A4-3617-F15D-3203-2562F51B65B2}"/>
                   </a:ext>
                 </a:extLst>
               </p:cNvPr>
               <p:cNvSpPr>
-                <a:spLocks noGrp="1" noRot="1" noMove="1" noResize="1" noEditPoints="1" noAdjustHandles="1" noChangeArrowheads="1" noChangeShapeType="1"/>
+                <a:spLocks/>
               </p:cNvSpPr>
               <p:nvPr/>
             </p:nvSpPr>
@@ -6028,15 +6717,15 @@
           </p:sp>
           <p:sp>
             <p:nvSpPr>
-              <p:cNvPr id="8" name="자유형: 도형 7">
+              <p:cNvPr id="5" name="자유형: 도형 4">
                 <a:extLst>
                   <a:ext uri="{FF2B5EF4-FFF2-40B4-BE49-F238E27FC236}">
-                    <a16:creationId xmlns:a16="http://schemas.microsoft.com/office/drawing/2014/main" id="{A4496306-3D32-4C0E-EBED-DFE136D5B986}"/>
+                    <a16:creationId xmlns:a16="http://schemas.microsoft.com/office/drawing/2014/main" id="{12ED3F9A-D0A4-00B4-0EB5-66A71FB495A6}"/>
                   </a:ext>
                 </a:extLst>
               </p:cNvPr>
               <p:cNvSpPr>
-                <a:spLocks noGrp="1" noRot="1" noMove="1" noResize="1" noEditPoints="1" noAdjustHandles="1" noChangeArrowheads="1" noChangeShapeType="1"/>
+                <a:spLocks/>
               </p:cNvSpPr>
               <p:nvPr/>
             </p:nvSpPr>
@@ -6158,10 +6847,61 @@
       </p:grpSp>
       <p:sp>
         <p:nvSpPr>
-          <p:cNvPr id="10" name="TextBox 9">
+          <p:cNvPr id="7" name="직사각형 6">
+            <a:hlinkClick r:id="rId2" action="ppaction://hlinksldjump"/>
             <a:extLst>
               <a:ext uri="{FF2B5EF4-FFF2-40B4-BE49-F238E27FC236}">
-                <a16:creationId xmlns:a16="http://schemas.microsoft.com/office/drawing/2014/main" id="{435A165C-2503-EBD6-28DB-8C6694BB3518}"/>
+                <a16:creationId xmlns:a16="http://schemas.microsoft.com/office/drawing/2014/main" id="{E117750A-46BB-1F41-D7CE-EFF04B39B91C}"/>
+              </a:ext>
+            </a:extLst>
+          </p:cNvPr>
+          <p:cNvSpPr/>
+          <p:nvPr/>
+        </p:nvSpPr>
+        <p:spPr>
+          <a:xfrm>
+            <a:off x="10614103" y="66088"/>
+            <a:ext cx="1495199" cy="462402"/>
+          </a:xfrm>
+          <a:prstGeom prst="rect">
+            <a:avLst/>
+          </a:prstGeom>
+          <a:noFill/>
+          <a:ln>
+            <a:noFill/>
+          </a:ln>
+        </p:spPr>
+        <p:style>
+          <a:lnRef idx="2">
+            <a:schemeClr val="accent1">
+              <a:shade val="15000"/>
+            </a:schemeClr>
+          </a:lnRef>
+          <a:fillRef idx="1">
+            <a:schemeClr val="accent1"/>
+          </a:fillRef>
+          <a:effectRef idx="0">
+            <a:schemeClr val="accent1"/>
+          </a:effectRef>
+          <a:fontRef idx="minor">
+            <a:schemeClr val="lt1"/>
+          </a:fontRef>
+        </p:style>
+        <p:txBody>
+          <a:bodyPr rtlCol="0" anchor="ctr"/>
+          <a:lstStyle/>
+          <a:p>
+            <a:pPr algn="ctr"/>
+            <a:endParaRPr lang="ko-KR" altLang="en-US"/>
+          </a:p>
+        </p:txBody>
+      </p:sp>
+      <p:sp>
+        <p:nvSpPr>
+          <p:cNvPr id="8" name="TextBox 7">
+            <a:extLst>
+              <a:ext uri="{FF2B5EF4-FFF2-40B4-BE49-F238E27FC236}">
+                <a16:creationId xmlns:a16="http://schemas.microsoft.com/office/drawing/2014/main" id="{6BC10790-19E8-5DD2-F1D6-8ED133F9961D}"/>
               </a:ext>
             </a:extLst>
           </p:cNvPr>
@@ -6170,8 +6910,8 @@
         </p:nvSpPr>
         <p:spPr>
           <a:xfrm>
-            <a:off x="309738" y="993735"/>
-            <a:ext cx="6199133" cy="369332"/>
+            <a:off x="302108" y="1964722"/>
+            <a:ext cx="1975221" cy="261610"/>
           </a:xfrm>
           <a:prstGeom prst="rect">
             <a:avLst/>
@@ -6185,29 +6925,231 @@
           <a:lstStyle/>
           <a:p>
             <a:r>
-              <a:rPr lang="ko-KR" altLang="en-US" dirty="0"/>
-              <a:t>무기 컨셉</a:t>
+              <a:rPr lang="en-US" altLang="ko-KR" sz="1100" b="1" dirty="0">
+                <a:latin typeface="+mn-ea"/>
+              </a:rPr>
+              <a:t>(1)</a:t>
             </a:r>
             <a:r>
-              <a:rPr lang="en-US" altLang="ko-KR" dirty="0"/>
-              <a:t>: </a:t>
+              <a:rPr lang="ko-KR" altLang="en-US" sz="1100" b="1" dirty="0">
+                <a:latin typeface="+mn-ea"/>
+              </a:rPr>
+              <a:t> 적이 단일 대상일때 사용</a:t>
+            </a:r>
+            <a:endParaRPr lang="en-US" altLang="ko-KR" sz="1100" b="1" dirty="0">
+              <a:latin typeface="+mn-ea"/>
+            </a:endParaRPr>
+          </a:p>
+        </p:txBody>
+      </p:sp>
+      <p:sp>
+        <p:nvSpPr>
+          <p:cNvPr id="9" name="TextBox 8">
+            <a:extLst>
+              <a:ext uri="{FF2B5EF4-FFF2-40B4-BE49-F238E27FC236}">
+                <a16:creationId xmlns:a16="http://schemas.microsoft.com/office/drawing/2014/main" id="{F32E76B6-2087-1A27-50AE-A002B627AC92}"/>
+              </a:ext>
+            </a:extLst>
+          </p:cNvPr>
+          <p:cNvSpPr txBox="1"/>
+          <p:nvPr/>
+        </p:nvSpPr>
+        <p:spPr>
+          <a:xfrm>
+            <a:off x="533925" y="2226844"/>
+            <a:ext cx="4826962" cy="293414"/>
+          </a:xfrm>
+          <a:prstGeom prst="rect">
+            <a:avLst/>
+          </a:prstGeom>
+          <a:noFill/>
+        </p:spPr>
+        <p:txBody>
+          <a:bodyPr wrap="none" rtlCol="0">
+            <a:spAutoFit/>
+          </a:bodyPr>
+          <a:lstStyle/>
+          <a:p>
+            <a:pPr marL="171450" indent="-171450">
+              <a:lnSpc>
+                <a:spcPct val="150000"/>
+              </a:lnSpc>
+              <a:buFontTx/>
+              <a:buChar char="-"/>
+            </a:pPr>
+            <a:r>
+              <a:rPr lang="ko-KR" altLang="en-US" sz="1000" b="1" dirty="0">
+                <a:latin typeface="+mn-ea"/>
+              </a:rPr>
+              <a:t>적이 하나일 때 해당 대상에게만 번개가 방출되어 높은 피해를 줄 수 있습니다</a:t>
             </a:r>
             <a:r>
-              <a:rPr lang="ko-KR" altLang="en-US" dirty="0"/>
-              <a:t>흰색 바탕에 검은 그림이 그려진 동양풍 </a:t>
+              <a:rPr lang="en-US" altLang="ko-KR" sz="1000" b="1" dirty="0">
+                <a:latin typeface="+mn-ea"/>
+              </a:rPr>
+              <a:t>.</a:t>
+            </a:r>
+          </a:p>
+        </p:txBody>
+      </p:sp>
+      <p:sp>
+        <p:nvSpPr>
+          <p:cNvPr id="13" name="TextBox 12">
+            <a:extLst>
+              <a:ext uri="{FF2B5EF4-FFF2-40B4-BE49-F238E27FC236}">
+                <a16:creationId xmlns:a16="http://schemas.microsoft.com/office/drawing/2014/main" id="{E9DB440A-F4D1-F573-DF16-3682FF7810B7}"/>
+              </a:ext>
+            </a:extLst>
+          </p:cNvPr>
+          <p:cNvSpPr txBox="1"/>
+          <p:nvPr/>
+        </p:nvSpPr>
+        <p:spPr>
+          <a:xfrm>
+            <a:off x="302108" y="4216771"/>
+            <a:ext cx="2638864" cy="261610"/>
+          </a:xfrm>
+          <a:prstGeom prst="rect">
+            <a:avLst/>
+          </a:prstGeom>
+          <a:noFill/>
+        </p:spPr>
+        <p:txBody>
+          <a:bodyPr wrap="none" rtlCol="0">
+            <a:spAutoFit/>
+          </a:bodyPr>
+          <a:lstStyle/>
+          <a:p>
+            <a:r>
+              <a:rPr lang="en-US" altLang="ko-KR" sz="1100" b="1" dirty="0">
+                <a:latin typeface="+mn-ea"/>
+              </a:rPr>
+              <a:t>(2)</a:t>
             </a:r>
             <a:r>
-              <a:rPr lang="ko-KR" altLang="en-US" dirty="0" err="1"/>
-              <a:t>접부채</a:t>
+              <a:rPr lang="ko-KR" altLang="en-US" sz="1100" b="1" dirty="0">
+                <a:latin typeface="+mn-ea"/>
+              </a:rPr>
+              <a:t> 광역 공격 위주의 무기와 함께 사용</a:t>
             </a:r>
-            <a:endParaRPr lang="en-US" altLang="ko-KR" dirty="0"/>
+            <a:endParaRPr lang="en-US" altLang="ko-KR" sz="1100" b="1" dirty="0">
+              <a:latin typeface="+mn-ea"/>
+            </a:endParaRPr>
+          </a:p>
+        </p:txBody>
+      </p:sp>
+      <p:sp>
+        <p:nvSpPr>
+          <p:cNvPr id="15" name="TextBox 14">
+            <a:extLst>
+              <a:ext uri="{FF2B5EF4-FFF2-40B4-BE49-F238E27FC236}">
+                <a16:creationId xmlns:a16="http://schemas.microsoft.com/office/drawing/2014/main" id="{A4889C47-690F-D451-ED4F-36F4DC344ED2}"/>
+              </a:ext>
+            </a:extLst>
+          </p:cNvPr>
+          <p:cNvSpPr txBox="1"/>
+          <p:nvPr/>
+        </p:nvSpPr>
+        <p:spPr>
+          <a:xfrm>
+            <a:off x="533925" y="4414449"/>
+            <a:ext cx="7494359" cy="293414"/>
+          </a:xfrm>
+          <a:prstGeom prst="rect">
+            <a:avLst/>
+          </a:prstGeom>
+          <a:noFill/>
+        </p:spPr>
+        <p:txBody>
+          <a:bodyPr wrap="none" rtlCol="0">
+            <a:spAutoFit/>
+          </a:bodyPr>
+          <a:lstStyle/>
+          <a:p>
+            <a:pPr marL="171450" indent="-171450">
+              <a:lnSpc>
+                <a:spcPct val="150000"/>
+              </a:lnSpc>
+              <a:buFontTx/>
+              <a:buChar char="-"/>
+            </a:pPr>
+            <a:r>
+              <a:rPr lang="ko-KR" altLang="en-US" sz="1000" b="1" dirty="0">
+                <a:latin typeface="+mn-ea"/>
+              </a:rPr>
+              <a:t>다수의 적과 전투 시 광역 공격 위주의 무기로 약한 몬스터를 우선 처치한 후 부채로 </a:t>
+            </a:r>
+            <a:r>
+              <a:rPr lang="ko-KR" altLang="en-US" sz="1000" b="1" dirty="0" err="1">
+                <a:latin typeface="+mn-ea"/>
+              </a:rPr>
+              <a:t>스위칭하면</a:t>
+            </a:r>
+            <a:r>
+              <a:rPr lang="ko-KR" altLang="en-US" sz="1000" b="1" dirty="0">
+                <a:latin typeface="+mn-ea"/>
+              </a:rPr>
+              <a:t> 높은 효율을 낼 수 있습니다</a:t>
+            </a:r>
+            <a:r>
+              <a:rPr lang="en-US" altLang="ko-KR" sz="1000" b="1" dirty="0">
+                <a:latin typeface="+mn-ea"/>
+              </a:rPr>
+              <a:t>.</a:t>
+            </a:r>
+          </a:p>
+        </p:txBody>
+      </p:sp>
+      <p:sp>
+        <p:nvSpPr>
+          <p:cNvPr id="10" name="TextBox 9">
+            <a:extLst>
+              <a:ext uri="{FF2B5EF4-FFF2-40B4-BE49-F238E27FC236}">
+                <a16:creationId xmlns:a16="http://schemas.microsoft.com/office/drawing/2014/main" id="{58BC45BF-FB06-E1B2-808E-5F4798F76336}"/>
+              </a:ext>
+            </a:extLst>
+          </p:cNvPr>
+          <p:cNvSpPr txBox="1"/>
+          <p:nvPr/>
+        </p:nvSpPr>
+        <p:spPr>
+          <a:xfrm>
+            <a:off x="302108" y="790746"/>
+            <a:ext cx="1346844" cy="276999"/>
+          </a:xfrm>
+          <a:prstGeom prst="rect">
+            <a:avLst/>
+          </a:prstGeom>
+          <a:noFill/>
+        </p:spPr>
+        <p:txBody>
+          <a:bodyPr wrap="none" rtlCol="0">
+            <a:spAutoFit/>
+          </a:bodyPr>
+          <a:lstStyle/>
+          <a:p>
+            <a:r>
+              <a:rPr lang="en-US" altLang="ko-KR" sz="1200" b="1" dirty="0">
+                <a:latin typeface="+mn-ea"/>
+              </a:rPr>
+              <a:t>2. </a:t>
+            </a:r>
+            <a:r>
+              <a:rPr lang="ko-KR" altLang="en-US" sz="1200" b="1" dirty="0">
+                <a:latin typeface="+mn-ea"/>
+              </a:rPr>
+              <a:t>전투의 방향성</a:t>
+            </a:r>
+            <a:endParaRPr lang="en-US" altLang="ko-KR" sz="1200" b="1" dirty="0">
+              <a:latin typeface="+mn-ea"/>
+            </a:endParaRPr>
           </a:p>
         </p:txBody>
       </p:sp>
     </p:spTree>
     <p:extLst>
       <p:ext uri="{BB962C8B-B14F-4D97-AF65-F5344CB8AC3E}">
-        <p14:creationId xmlns:p14="http://schemas.microsoft.com/office/powerpoint/2010/main" val="4289967343"/>
+        <p14:creationId xmlns:p14="http://schemas.microsoft.com/office/powerpoint/2010/main" val="2633889844"/>
       </p:ext>
     </p:extLst>
   </p:cSld>
@@ -6234,6 +7176,1143 @@
           <a:chExt cx="0" cy="0"/>
         </a:xfrm>
       </p:grpSpPr>
+      <p:sp>
+        <p:nvSpPr>
+          <p:cNvPr id="16" name="TextBox 15">
+            <a:extLst>
+              <a:ext uri="{FF2B5EF4-FFF2-40B4-BE49-F238E27FC236}">
+                <a16:creationId xmlns:a16="http://schemas.microsoft.com/office/drawing/2014/main" id="{C39179F9-C670-49DD-9B63-20EFFDAAB0AF}"/>
+              </a:ext>
+            </a:extLst>
+          </p:cNvPr>
+          <p:cNvSpPr txBox="1">
+            <a:spLocks/>
+          </p:cNvSpPr>
+          <p:nvPr/>
+        </p:nvSpPr>
+        <p:spPr>
+          <a:xfrm>
+            <a:off x="2183943" y="251490"/>
+            <a:ext cx="965329" cy="307777"/>
+          </a:xfrm>
+          <a:prstGeom prst="rect">
+            <a:avLst/>
+          </a:prstGeom>
+          <a:noFill/>
+        </p:spPr>
+        <p:txBody>
+          <a:bodyPr wrap="none" rtlCol="0">
+            <a:spAutoFit/>
+          </a:bodyPr>
+          <a:lstStyle/>
+          <a:p>
+            <a:pPr algn="ctr"/>
+            <a:r>
+              <a:rPr lang="ko-KR" altLang="en-US" sz="1400" b="1" dirty="0">
+                <a:effectLst/>
+              </a:rPr>
+              <a:t>무기 소개</a:t>
+            </a:r>
+            <a:endParaRPr lang="en-US" altLang="ko-KR" sz="1400" b="1" dirty="0">
+              <a:effectLst/>
+            </a:endParaRPr>
+          </a:p>
+        </p:txBody>
+      </p:sp>
+      <p:sp>
+        <p:nvSpPr>
+          <p:cNvPr id="33" name="TextBox 32">
+            <a:extLst>
+              <a:ext uri="{FF2B5EF4-FFF2-40B4-BE49-F238E27FC236}">
+                <a16:creationId xmlns:a16="http://schemas.microsoft.com/office/drawing/2014/main" id="{F62F3E9B-C7E6-43EC-87B7-D383431B5912}"/>
+              </a:ext>
+            </a:extLst>
+          </p:cNvPr>
+          <p:cNvSpPr txBox="1">
+            <a:spLocks/>
+          </p:cNvSpPr>
+          <p:nvPr/>
+        </p:nvSpPr>
+        <p:spPr>
+          <a:xfrm>
+            <a:off x="10502114" y="353329"/>
+            <a:ext cx="1689886" cy="230832"/>
+          </a:xfrm>
+          <a:prstGeom prst="rect">
+            <a:avLst/>
+          </a:prstGeom>
+          <a:noFill/>
+        </p:spPr>
+        <p:txBody>
+          <a:bodyPr wrap="none" rtlCol="0">
+            <a:spAutoFit/>
+          </a:bodyPr>
+          <a:lstStyle/>
+          <a:p>
+            <a:pPr algn="r"/>
+            <a:r>
+              <a:rPr lang="ko-KR" altLang="en-US" sz="900" b="1" dirty="0" err="1">
+                <a:solidFill>
+                  <a:schemeClr val="bg1">
+                    <a:lumMod val="50000"/>
+                  </a:schemeClr>
+                </a:solidFill>
+                <a:effectLst/>
+              </a:rPr>
+              <a:t>리트루기아</a:t>
+            </a:r>
+            <a:r>
+              <a:rPr lang="ko-KR" altLang="en-US" sz="900" b="1" dirty="0">
+                <a:solidFill>
+                  <a:schemeClr val="bg1">
+                    <a:lumMod val="50000"/>
+                  </a:schemeClr>
+                </a:solidFill>
+                <a:effectLst/>
+              </a:rPr>
+              <a:t> 부채 스킬 기획서</a:t>
+            </a:r>
+            <a:endParaRPr lang="en-US" altLang="ko-KR" sz="900" b="1" dirty="0">
+              <a:solidFill>
+                <a:schemeClr val="bg1">
+                  <a:lumMod val="50000"/>
+                </a:schemeClr>
+              </a:solidFill>
+              <a:effectLst/>
+            </a:endParaRPr>
+          </a:p>
+        </p:txBody>
+      </p:sp>
+      <p:sp>
+        <p:nvSpPr>
+          <p:cNvPr id="17" name="자유형: 도형 16">
+            <a:extLst>
+              <a:ext uri="{FF2B5EF4-FFF2-40B4-BE49-F238E27FC236}">
+                <a16:creationId xmlns:a16="http://schemas.microsoft.com/office/drawing/2014/main" id="{8990E30F-D94B-416F-8775-D7EEC6FFC20B}"/>
+              </a:ext>
+            </a:extLst>
+          </p:cNvPr>
+          <p:cNvSpPr>
+            <a:spLocks/>
+          </p:cNvSpPr>
+          <p:nvPr/>
+        </p:nvSpPr>
+        <p:spPr>
+          <a:xfrm>
+            <a:off x="1830501" y="185202"/>
+            <a:ext cx="1674019" cy="409575"/>
+          </a:xfrm>
+          <a:custGeom>
+            <a:avLst/>
+            <a:gdLst>
+              <a:gd name="connsiteX0" fmla="*/ 0 w 1674019"/>
+              <a:gd name="connsiteY0" fmla="*/ 409575 h 409575"/>
+              <a:gd name="connsiteX1" fmla="*/ 69056 w 1674019"/>
+              <a:gd name="connsiteY1" fmla="*/ 409575 h 409575"/>
+              <a:gd name="connsiteX2" fmla="*/ 271463 w 1674019"/>
+              <a:gd name="connsiteY2" fmla="*/ 0 h 409575"/>
+              <a:gd name="connsiteX3" fmla="*/ 1674019 w 1674019"/>
+              <a:gd name="connsiteY3" fmla="*/ 0 h 409575"/>
+              <a:gd name="connsiteX4" fmla="*/ 1469231 w 1674019"/>
+              <a:gd name="connsiteY4" fmla="*/ 409575 h 409575"/>
+              <a:gd name="connsiteX5" fmla="*/ 1543050 w 1674019"/>
+              <a:gd name="connsiteY5" fmla="*/ 409575 h 409575"/>
+            </a:gdLst>
+            <a:ahLst/>
+            <a:cxnLst>
+              <a:cxn ang="0">
+                <a:pos x="connsiteX0" y="connsiteY0"/>
+              </a:cxn>
+              <a:cxn ang="0">
+                <a:pos x="connsiteX1" y="connsiteY1"/>
+              </a:cxn>
+              <a:cxn ang="0">
+                <a:pos x="connsiteX2" y="connsiteY2"/>
+              </a:cxn>
+              <a:cxn ang="0">
+                <a:pos x="connsiteX3" y="connsiteY3"/>
+              </a:cxn>
+              <a:cxn ang="0">
+                <a:pos x="connsiteX4" y="connsiteY4"/>
+              </a:cxn>
+              <a:cxn ang="0">
+                <a:pos x="connsiteX5" y="connsiteY5"/>
+              </a:cxn>
+            </a:cxnLst>
+            <a:rect l="l" t="t" r="r" b="b"/>
+            <a:pathLst>
+              <a:path w="1674019" h="409575">
+                <a:moveTo>
+                  <a:pt x="0" y="409575"/>
+                </a:moveTo>
+                <a:lnTo>
+                  <a:pt x="69056" y="409575"/>
+                </a:lnTo>
+                <a:lnTo>
+                  <a:pt x="271463" y="0"/>
+                </a:lnTo>
+                <a:lnTo>
+                  <a:pt x="1674019" y="0"/>
+                </a:lnTo>
+                <a:lnTo>
+                  <a:pt x="1469231" y="409575"/>
+                </a:lnTo>
+                <a:lnTo>
+                  <a:pt x="1543050" y="409575"/>
+                </a:lnTo>
+              </a:path>
+            </a:pathLst>
+          </a:custGeom>
+          <a:noFill/>
+          <a:ln w="28575">
+            <a:solidFill>
+              <a:schemeClr val="accent4">
+                <a:lumMod val="75000"/>
+              </a:schemeClr>
+            </a:solidFill>
+          </a:ln>
+        </p:spPr>
+        <p:style>
+          <a:lnRef idx="2">
+            <a:schemeClr val="accent1">
+              <a:shade val="50000"/>
+            </a:schemeClr>
+          </a:lnRef>
+          <a:fillRef idx="1">
+            <a:schemeClr val="accent1"/>
+          </a:fillRef>
+          <a:effectRef idx="0">
+            <a:schemeClr val="accent1"/>
+          </a:effectRef>
+          <a:fontRef idx="minor">
+            <a:schemeClr val="lt1"/>
+          </a:fontRef>
+        </p:style>
+        <p:txBody>
+          <a:bodyPr rtlCol="0" anchor="ctr"/>
+          <a:lstStyle/>
+          <a:p>
+            <a:pPr algn="ctr"/>
+            <a:endParaRPr lang="ko-KR" altLang="en-US"/>
+          </a:p>
+        </p:txBody>
+      </p:sp>
+      <p:grpSp>
+        <p:nvGrpSpPr>
+          <p:cNvPr id="18" name="그룹 17">
+            <a:extLst>
+              <a:ext uri="{FF2B5EF4-FFF2-40B4-BE49-F238E27FC236}">
+                <a16:creationId xmlns:a16="http://schemas.microsoft.com/office/drawing/2014/main" id="{F2A8965C-7A09-4C80-B841-C27F87EFD02E}"/>
+              </a:ext>
+            </a:extLst>
+          </p:cNvPr>
+          <p:cNvGrpSpPr>
+            <a:grpSpLocks/>
+          </p:cNvGrpSpPr>
+          <p:nvPr/>
+        </p:nvGrpSpPr>
+        <p:grpSpPr>
+          <a:xfrm>
+            <a:off x="3506012" y="181080"/>
+            <a:ext cx="1600200" cy="403080"/>
+            <a:chOff x="4391025" y="108202"/>
+            <a:chExt cx="1600200" cy="524755"/>
+          </a:xfrm>
+          <a:solidFill>
+            <a:schemeClr val="bg1">
+              <a:lumMod val="95000"/>
+            </a:schemeClr>
+          </a:solidFill>
+        </p:grpSpPr>
+        <p:sp>
+          <p:nvSpPr>
+            <p:cNvPr id="28" name="평행 사변형 27">
+              <a:extLst>
+                <a:ext uri="{FF2B5EF4-FFF2-40B4-BE49-F238E27FC236}">
+                  <a16:creationId xmlns:a16="http://schemas.microsoft.com/office/drawing/2014/main" id="{AE9C57D5-1110-4CE4-8882-9328422602C9}"/>
+                </a:ext>
+              </a:extLst>
+            </p:cNvPr>
+            <p:cNvSpPr>
+              <a:spLocks/>
+            </p:cNvSpPr>
+            <p:nvPr/>
+          </p:nvSpPr>
+          <p:spPr>
+            <a:xfrm>
+              <a:off x="4391025" y="108202"/>
+              <a:ext cx="1600200" cy="524755"/>
+            </a:xfrm>
+            <a:prstGeom prst="parallelogram">
+              <a:avLst>
+                <a:gd name="adj" fmla="val 49299"/>
+              </a:avLst>
+            </a:prstGeom>
+            <a:grpFill/>
+            <a:ln>
+              <a:noFill/>
+            </a:ln>
+          </p:spPr>
+          <p:style>
+            <a:lnRef idx="2">
+              <a:schemeClr val="accent1">
+                <a:shade val="50000"/>
+              </a:schemeClr>
+            </a:lnRef>
+            <a:fillRef idx="1">
+              <a:schemeClr val="accent1"/>
+            </a:fillRef>
+            <a:effectRef idx="0">
+              <a:schemeClr val="accent1"/>
+            </a:effectRef>
+            <a:fontRef idx="minor">
+              <a:schemeClr val="lt1"/>
+            </a:fontRef>
+          </p:style>
+          <p:txBody>
+            <a:bodyPr rtlCol="0" anchor="ctr"/>
+            <a:lstStyle/>
+            <a:p>
+              <a:pPr algn="ctr"/>
+              <a:endParaRPr lang="ko-KR" altLang="en-US" sz="1000">
+                <a:solidFill>
+                  <a:schemeClr val="bg1">
+                    <a:lumMod val="50000"/>
+                  </a:schemeClr>
+                </a:solidFill>
+              </a:endParaRPr>
+            </a:p>
+          </p:txBody>
+        </p:sp>
+        <p:sp>
+          <p:nvSpPr>
+            <p:cNvPr id="29" name="TextBox 28">
+              <a:extLst>
+                <a:ext uri="{FF2B5EF4-FFF2-40B4-BE49-F238E27FC236}">
+                  <a16:creationId xmlns:a16="http://schemas.microsoft.com/office/drawing/2014/main" id="{87A86603-4753-4FBE-A8C7-8B2A2DE45839}"/>
+                </a:ext>
+              </a:extLst>
+            </p:cNvPr>
+            <p:cNvSpPr txBox="1">
+              <a:spLocks/>
+            </p:cNvSpPr>
+            <p:nvPr/>
+          </p:nvSpPr>
+          <p:spPr>
+            <a:xfrm>
+              <a:off x="4791817" y="200289"/>
+              <a:ext cx="742511" cy="320546"/>
+            </a:xfrm>
+            <a:prstGeom prst="rect">
+              <a:avLst/>
+            </a:prstGeom>
+            <a:grpFill/>
+          </p:spPr>
+          <p:txBody>
+            <a:bodyPr wrap="none" rtlCol="0">
+              <a:spAutoFit/>
+            </a:bodyPr>
+            <a:lstStyle/>
+            <a:p>
+              <a:r>
+                <a:rPr lang="ko-KR" altLang="en-US" sz="1000" b="1" dirty="0">
+                  <a:solidFill>
+                    <a:schemeClr val="bg1">
+                      <a:lumMod val="50000"/>
+                    </a:schemeClr>
+                  </a:solidFill>
+                  <a:effectLst/>
+                </a:rPr>
+                <a:t>기본 모션</a:t>
+              </a:r>
+              <a:endParaRPr lang="en-US" altLang="ko-KR" sz="1000" b="1" dirty="0">
+                <a:solidFill>
+                  <a:schemeClr val="bg1">
+                    <a:lumMod val="50000"/>
+                  </a:schemeClr>
+                </a:solidFill>
+                <a:effectLst/>
+              </a:endParaRPr>
+            </a:p>
+          </p:txBody>
+        </p:sp>
+      </p:grpSp>
+      <p:grpSp>
+        <p:nvGrpSpPr>
+          <p:cNvPr id="30" name="그룹 29">
+            <a:extLst>
+              <a:ext uri="{FF2B5EF4-FFF2-40B4-BE49-F238E27FC236}">
+                <a16:creationId xmlns:a16="http://schemas.microsoft.com/office/drawing/2014/main" id="{16175AC9-E352-4D51-9964-F341A95EA371}"/>
+              </a:ext>
+            </a:extLst>
+          </p:cNvPr>
+          <p:cNvGrpSpPr>
+            <a:grpSpLocks/>
+          </p:cNvGrpSpPr>
+          <p:nvPr/>
+        </p:nvGrpSpPr>
+        <p:grpSpPr>
+          <a:xfrm>
+            <a:off x="5104149" y="181080"/>
+            <a:ext cx="1600200" cy="403080"/>
+            <a:chOff x="4391025" y="108202"/>
+            <a:chExt cx="1600200" cy="524755"/>
+          </a:xfrm>
+          <a:solidFill>
+            <a:schemeClr val="bg1">
+              <a:lumMod val="95000"/>
+            </a:schemeClr>
+          </a:solidFill>
+        </p:grpSpPr>
+        <p:sp>
+          <p:nvSpPr>
+            <p:cNvPr id="31" name="평행 사변형 30">
+              <a:extLst>
+                <a:ext uri="{FF2B5EF4-FFF2-40B4-BE49-F238E27FC236}">
+                  <a16:creationId xmlns:a16="http://schemas.microsoft.com/office/drawing/2014/main" id="{463AFC40-7263-479E-95C3-2BB8B21A1A53}"/>
+                </a:ext>
+              </a:extLst>
+            </p:cNvPr>
+            <p:cNvSpPr>
+              <a:spLocks/>
+            </p:cNvSpPr>
+            <p:nvPr/>
+          </p:nvSpPr>
+          <p:spPr>
+            <a:xfrm>
+              <a:off x="4391025" y="108202"/>
+              <a:ext cx="1600200" cy="524755"/>
+            </a:xfrm>
+            <a:prstGeom prst="parallelogram">
+              <a:avLst>
+                <a:gd name="adj" fmla="val 49299"/>
+              </a:avLst>
+            </a:prstGeom>
+            <a:grpFill/>
+            <a:ln>
+              <a:noFill/>
+            </a:ln>
+          </p:spPr>
+          <p:style>
+            <a:lnRef idx="2">
+              <a:schemeClr val="accent1">
+                <a:shade val="50000"/>
+              </a:schemeClr>
+            </a:lnRef>
+            <a:fillRef idx="1">
+              <a:schemeClr val="accent1"/>
+            </a:fillRef>
+            <a:effectRef idx="0">
+              <a:schemeClr val="accent1"/>
+            </a:effectRef>
+            <a:fontRef idx="minor">
+              <a:schemeClr val="lt1"/>
+            </a:fontRef>
+          </p:style>
+          <p:txBody>
+            <a:bodyPr rtlCol="0" anchor="ctr"/>
+            <a:lstStyle/>
+            <a:p>
+              <a:pPr algn="ctr"/>
+              <a:endParaRPr lang="ko-KR" altLang="en-US" sz="1000" dirty="0">
+                <a:solidFill>
+                  <a:schemeClr val="bg1">
+                    <a:lumMod val="50000"/>
+                  </a:schemeClr>
+                </a:solidFill>
+              </a:endParaRPr>
+            </a:p>
+          </p:txBody>
+        </p:sp>
+        <p:sp>
+          <p:nvSpPr>
+            <p:cNvPr id="32" name="TextBox 31">
+              <a:extLst>
+                <a:ext uri="{FF2B5EF4-FFF2-40B4-BE49-F238E27FC236}">
+                  <a16:creationId xmlns:a16="http://schemas.microsoft.com/office/drawing/2014/main" id="{CE2170C7-5C6E-4584-AF47-F1CCF25EFF68}"/>
+                </a:ext>
+              </a:extLst>
+            </p:cNvPr>
+            <p:cNvSpPr txBox="1">
+              <a:spLocks/>
+            </p:cNvSpPr>
+            <p:nvPr/>
+          </p:nvSpPr>
+          <p:spPr>
+            <a:xfrm>
+              <a:off x="4957728" y="200289"/>
+              <a:ext cx="441146" cy="320546"/>
+            </a:xfrm>
+            <a:prstGeom prst="rect">
+              <a:avLst/>
+            </a:prstGeom>
+            <a:grpFill/>
+          </p:spPr>
+          <p:txBody>
+            <a:bodyPr wrap="none" rtlCol="0">
+              <a:spAutoFit/>
+            </a:bodyPr>
+            <a:lstStyle/>
+            <a:p>
+              <a:r>
+                <a:rPr lang="ko-KR" altLang="en-US" sz="1000" b="1" dirty="0">
+                  <a:solidFill>
+                    <a:schemeClr val="bg1">
+                      <a:lumMod val="50000"/>
+                    </a:schemeClr>
+                  </a:solidFill>
+                  <a:effectLst/>
+                </a:rPr>
+                <a:t>스킬</a:t>
+              </a:r>
+              <a:endParaRPr lang="en-US" altLang="ko-KR" sz="1000" b="1" dirty="0">
+                <a:solidFill>
+                  <a:schemeClr val="bg1">
+                    <a:lumMod val="50000"/>
+                  </a:schemeClr>
+                </a:solidFill>
+                <a:effectLst/>
+              </a:endParaRPr>
+            </a:p>
+          </p:txBody>
+        </p:sp>
+      </p:grpSp>
+      <p:grpSp>
+        <p:nvGrpSpPr>
+          <p:cNvPr id="34" name="그룹 33">
+            <a:extLst>
+              <a:ext uri="{FF2B5EF4-FFF2-40B4-BE49-F238E27FC236}">
+                <a16:creationId xmlns:a16="http://schemas.microsoft.com/office/drawing/2014/main" id="{34D455AA-57B7-4B7C-806E-13AC02EB2AC3}"/>
+              </a:ext>
+            </a:extLst>
+          </p:cNvPr>
+          <p:cNvGrpSpPr>
+            <a:grpSpLocks/>
+          </p:cNvGrpSpPr>
+          <p:nvPr/>
+        </p:nvGrpSpPr>
+        <p:grpSpPr>
+          <a:xfrm>
+            <a:off x="309738" y="181080"/>
+            <a:ext cx="1600200" cy="403081"/>
+            <a:chOff x="4391025" y="108202"/>
+            <a:chExt cx="1600200" cy="524755"/>
+          </a:xfrm>
+          <a:solidFill>
+            <a:schemeClr val="bg1">
+              <a:lumMod val="95000"/>
+            </a:schemeClr>
+          </a:solidFill>
+        </p:grpSpPr>
+        <p:sp>
+          <p:nvSpPr>
+            <p:cNvPr id="35" name="평행 사변형 34">
+              <a:extLst>
+                <a:ext uri="{FF2B5EF4-FFF2-40B4-BE49-F238E27FC236}">
+                  <a16:creationId xmlns:a16="http://schemas.microsoft.com/office/drawing/2014/main" id="{D37558E0-E3A6-4749-8D0C-A9142AAA7220}"/>
+                </a:ext>
+              </a:extLst>
+            </p:cNvPr>
+            <p:cNvSpPr>
+              <a:spLocks/>
+            </p:cNvSpPr>
+            <p:nvPr/>
+          </p:nvSpPr>
+          <p:spPr>
+            <a:xfrm>
+              <a:off x="4391025" y="108202"/>
+              <a:ext cx="1600200" cy="524755"/>
+            </a:xfrm>
+            <a:prstGeom prst="parallelogram">
+              <a:avLst>
+                <a:gd name="adj" fmla="val 49299"/>
+              </a:avLst>
+            </a:prstGeom>
+            <a:grpFill/>
+            <a:ln>
+              <a:noFill/>
+            </a:ln>
+          </p:spPr>
+          <p:style>
+            <a:lnRef idx="2">
+              <a:schemeClr val="accent1">
+                <a:shade val="50000"/>
+              </a:schemeClr>
+            </a:lnRef>
+            <a:fillRef idx="1">
+              <a:schemeClr val="accent1"/>
+            </a:fillRef>
+            <a:effectRef idx="0">
+              <a:schemeClr val="accent1"/>
+            </a:effectRef>
+            <a:fontRef idx="minor">
+              <a:schemeClr val="lt1"/>
+            </a:fontRef>
+          </p:style>
+          <p:txBody>
+            <a:bodyPr rtlCol="0" anchor="ctr"/>
+            <a:lstStyle/>
+            <a:p>
+              <a:pPr algn="ctr"/>
+              <a:endParaRPr lang="ko-KR" altLang="en-US" sz="1000">
+                <a:solidFill>
+                  <a:schemeClr val="bg1">
+                    <a:lumMod val="50000"/>
+                  </a:schemeClr>
+                </a:solidFill>
+              </a:endParaRPr>
+            </a:p>
+          </p:txBody>
+        </p:sp>
+        <p:sp>
+          <p:nvSpPr>
+            <p:cNvPr id="36" name="TextBox 35">
+              <a:extLst>
+                <a:ext uri="{FF2B5EF4-FFF2-40B4-BE49-F238E27FC236}">
+                  <a16:creationId xmlns:a16="http://schemas.microsoft.com/office/drawing/2014/main" id="{8791B6D8-461C-40B8-8801-A7114EDD072C}"/>
+                </a:ext>
+              </a:extLst>
+            </p:cNvPr>
+            <p:cNvSpPr txBox="1">
+              <a:spLocks/>
+            </p:cNvSpPr>
+            <p:nvPr/>
+          </p:nvSpPr>
+          <p:spPr>
+            <a:xfrm>
+              <a:off x="4791817" y="200289"/>
+              <a:ext cx="742511" cy="320545"/>
+            </a:xfrm>
+            <a:prstGeom prst="rect">
+              <a:avLst/>
+            </a:prstGeom>
+            <a:grpFill/>
+          </p:spPr>
+          <p:txBody>
+            <a:bodyPr wrap="none" rtlCol="0">
+              <a:spAutoFit/>
+            </a:bodyPr>
+            <a:lstStyle/>
+            <a:p>
+              <a:r>
+                <a:rPr lang="ko-KR" altLang="en-US" sz="1000" b="1" dirty="0">
+                  <a:solidFill>
+                    <a:schemeClr val="bg1">
+                      <a:lumMod val="50000"/>
+                    </a:schemeClr>
+                  </a:solidFill>
+                </a:rPr>
+                <a:t>기획 의도</a:t>
+              </a:r>
+              <a:endParaRPr lang="en-US" altLang="ko-KR" sz="1000" b="1" dirty="0">
+                <a:solidFill>
+                  <a:schemeClr val="bg1">
+                    <a:lumMod val="50000"/>
+                  </a:schemeClr>
+                </a:solidFill>
+                <a:effectLst/>
+              </a:endParaRPr>
+            </a:p>
+          </p:txBody>
+        </p:sp>
+      </p:grpSp>
+      <p:cxnSp>
+        <p:nvCxnSpPr>
+          <p:cNvPr id="37" name="직선 연결선 36">
+            <a:extLst>
+              <a:ext uri="{FF2B5EF4-FFF2-40B4-BE49-F238E27FC236}">
+                <a16:creationId xmlns:a16="http://schemas.microsoft.com/office/drawing/2014/main" id="{FD1F631D-38BE-4D28-B764-73856FE1FD13}"/>
+              </a:ext>
+            </a:extLst>
+          </p:cNvPr>
+          <p:cNvCxnSpPr>
+            <a:cxnSpLocks/>
+            <a:stCxn id="17" idx="1"/>
+          </p:cNvCxnSpPr>
+          <p:nvPr/>
+        </p:nvCxnSpPr>
+        <p:spPr>
+          <a:xfrm flipH="1">
+            <a:off x="1" y="594777"/>
+            <a:ext cx="1899556" cy="0"/>
+          </a:xfrm>
+          <a:prstGeom prst="line">
+            <a:avLst/>
+          </a:prstGeom>
+          <a:ln w="28575">
+            <a:solidFill>
+              <a:schemeClr val="accent4">
+                <a:lumMod val="75000"/>
+              </a:schemeClr>
+            </a:solidFill>
+          </a:ln>
+        </p:spPr>
+        <p:style>
+          <a:lnRef idx="2">
+            <a:schemeClr val="accent1"/>
+          </a:lnRef>
+          <a:fillRef idx="0">
+            <a:schemeClr val="accent1"/>
+          </a:fillRef>
+          <a:effectRef idx="1">
+            <a:schemeClr val="accent1"/>
+          </a:effectRef>
+          <a:fontRef idx="minor">
+            <a:schemeClr val="tx1"/>
+          </a:fontRef>
+        </p:style>
+      </p:cxnSp>
+      <p:cxnSp>
+        <p:nvCxnSpPr>
+          <p:cNvPr id="38" name="직선 연결선 37">
+            <a:extLst>
+              <a:ext uri="{FF2B5EF4-FFF2-40B4-BE49-F238E27FC236}">
+                <a16:creationId xmlns:a16="http://schemas.microsoft.com/office/drawing/2014/main" id="{BCDE5DF0-6259-40AE-A730-230714AFAE19}"/>
+              </a:ext>
+            </a:extLst>
+          </p:cNvPr>
+          <p:cNvCxnSpPr>
+            <a:cxnSpLocks/>
+            <a:endCxn id="17" idx="4"/>
+          </p:cNvCxnSpPr>
+          <p:nvPr/>
+        </p:nvCxnSpPr>
+        <p:spPr>
+          <a:xfrm flipH="1">
+            <a:off x="3299732" y="594777"/>
+            <a:ext cx="8892268" cy="0"/>
+          </a:xfrm>
+          <a:prstGeom prst="line">
+            <a:avLst/>
+          </a:prstGeom>
+          <a:ln w="28575">
+            <a:solidFill>
+              <a:schemeClr val="accent4">
+                <a:lumMod val="75000"/>
+              </a:schemeClr>
+            </a:solidFill>
+          </a:ln>
+        </p:spPr>
+        <p:style>
+          <a:lnRef idx="2">
+            <a:schemeClr val="accent1"/>
+          </a:lnRef>
+          <a:fillRef idx="0">
+            <a:schemeClr val="accent1"/>
+          </a:fillRef>
+          <a:effectRef idx="1">
+            <a:schemeClr val="accent1"/>
+          </a:effectRef>
+          <a:fontRef idx="minor">
+            <a:schemeClr val="tx1"/>
+          </a:fontRef>
+        </p:style>
+      </p:cxnSp>
+      <p:grpSp>
+        <p:nvGrpSpPr>
+          <p:cNvPr id="6" name="그룹 5">
+            <a:extLst>
+              <a:ext uri="{FF2B5EF4-FFF2-40B4-BE49-F238E27FC236}">
+                <a16:creationId xmlns:a16="http://schemas.microsoft.com/office/drawing/2014/main" id="{D968A73D-F628-6218-3B16-AAAC03BED8E8}"/>
+              </a:ext>
+            </a:extLst>
+          </p:cNvPr>
+          <p:cNvGrpSpPr>
+            <a:grpSpLocks/>
+          </p:cNvGrpSpPr>
+          <p:nvPr/>
+        </p:nvGrpSpPr>
+        <p:grpSpPr>
+          <a:xfrm>
+            <a:off x="11805028" y="78962"/>
+            <a:ext cx="307840" cy="263869"/>
+            <a:chOff x="1302299" y="2529509"/>
+            <a:chExt cx="800080" cy="685799"/>
+          </a:xfrm>
+          <a:solidFill>
+            <a:schemeClr val="accent4">
+              <a:lumMod val="50000"/>
+            </a:schemeClr>
+          </a:solidFill>
+        </p:grpSpPr>
+        <p:sp>
+          <p:nvSpPr>
+            <p:cNvPr id="7" name="자유형: 도형 6">
+              <a:extLst>
+                <a:ext uri="{FF2B5EF4-FFF2-40B4-BE49-F238E27FC236}">
+                  <a16:creationId xmlns:a16="http://schemas.microsoft.com/office/drawing/2014/main" id="{76D38AD3-54E2-0829-E7E3-6079D930A1B5}"/>
+                </a:ext>
+              </a:extLst>
+            </p:cNvPr>
+            <p:cNvSpPr>
+              <a:spLocks/>
+            </p:cNvSpPr>
+            <p:nvPr/>
+          </p:nvSpPr>
+          <p:spPr>
+            <a:xfrm>
+              <a:off x="1302299" y="2529509"/>
+              <a:ext cx="800080" cy="417509"/>
+            </a:xfrm>
+            <a:custGeom>
+              <a:avLst/>
+              <a:gdLst>
+                <a:gd name="connsiteX0" fmla="*/ 400031 w 800080"/>
+                <a:gd name="connsiteY0" fmla="*/ 78581 h 417509"/>
+                <a:gd name="connsiteX1" fmla="*/ 400050 w 800080"/>
+                <a:gd name="connsiteY1" fmla="*/ 78581 h 417509"/>
+                <a:gd name="connsiteX2" fmla="*/ 756837 w 800080"/>
+                <a:gd name="connsiteY2" fmla="*/ 417509 h 417509"/>
+                <a:gd name="connsiteX3" fmla="*/ 800081 w 800080"/>
+                <a:gd name="connsiteY3" fmla="*/ 380552 h 417509"/>
+                <a:gd name="connsiteX4" fmla="*/ 400050 w 800080"/>
+                <a:gd name="connsiteY4" fmla="*/ 0 h 417509"/>
+                <a:gd name="connsiteX5" fmla="*/ 400031 w 800080"/>
+                <a:gd name="connsiteY5" fmla="*/ 0 h 417509"/>
+                <a:gd name="connsiteX6" fmla="*/ 0 w 800080"/>
+                <a:gd name="connsiteY6" fmla="*/ 380552 h 417509"/>
+                <a:gd name="connsiteX7" fmla="*/ 43244 w 800080"/>
+                <a:gd name="connsiteY7" fmla="*/ 417509 h 417509"/>
+                <a:gd name="connsiteX8" fmla="*/ 400031 w 800080"/>
+                <a:gd name="connsiteY8" fmla="*/ 78581 h 417509"/>
+              </a:gdLst>
+              <a:ahLst/>
+              <a:cxnLst>
+                <a:cxn ang="0">
+                  <a:pos x="connsiteX0" y="connsiteY0"/>
+                </a:cxn>
+                <a:cxn ang="0">
+                  <a:pos x="connsiteX1" y="connsiteY1"/>
+                </a:cxn>
+                <a:cxn ang="0">
+                  <a:pos x="connsiteX2" y="connsiteY2"/>
+                </a:cxn>
+                <a:cxn ang="0">
+                  <a:pos x="connsiteX3" y="connsiteY3"/>
+                </a:cxn>
+                <a:cxn ang="0">
+                  <a:pos x="connsiteX4" y="connsiteY4"/>
+                </a:cxn>
+                <a:cxn ang="0">
+                  <a:pos x="connsiteX5" y="connsiteY5"/>
+                </a:cxn>
+                <a:cxn ang="0">
+                  <a:pos x="connsiteX6" y="connsiteY6"/>
+                </a:cxn>
+                <a:cxn ang="0">
+                  <a:pos x="connsiteX7" y="connsiteY7"/>
+                </a:cxn>
+                <a:cxn ang="0">
+                  <a:pos x="connsiteX8" y="connsiteY8"/>
+                </a:cxn>
+              </a:cxnLst>
+              <a:rect l="l" t="t" r="r" b="b"/>
+              <a:pathLst>
+                <a:path w="800080" h="417509">
+                  <a:moveTo>
+                    <a:pt x="400031" y="78581"/>
+                  </a:moveTo>
+                  <a:lnTo>
+                    <a:pt x="400050" y="78581"/>
+                  </a:lnTo>
+                  <a:lnTo>
+                    <a:pt x="756837" y="417509"/>
+                  </a:lnTo>
+                  <a:lnTo>
+                    <a:pt x="800081" y="380552"/>
+                  </a:lnTo>
+                  <a:lnTo>
+                    <a:pt x="400050" y="0"/>
+                  </a:lnTo>
+                  <a:lnTo>
+                    <a:pt x="400031" y="0"/>
+                  </a:lnTo>
+                  <a:lnTo>
+                    <a:pt x="0" y="380552"/>
+                  </a:lnTo>
+                  <a:lnTo>
+                    <a:pt x="43244" y="417509"/>
+                  </a:lnTo>
+                  <a:lnTo>
+                    <a:pt x="400031" y="78581"/>
+                  </a:lnTo>
+                  <a:close/>
+                </a:path>
+              </a:pathLst>
+            </a:custGeom>
+            <a:grpFill/>
+            <a:ln w="9525" cap="flat">
+              <a:noFill/>
+              <a:prstDash val="solid"/>
+              <a:miter/>
+            </a:ln>
+          </p:spPr>
+          <p:txBody>
+            <a:bodyPr rtlCol="0" anchor="ctr"/>
+            <a:lstStyle/>
+            <a:p>
+              <a:endParaRPr lang="ko-KR" altLang="en-US"/>
+            </a:p>
+          </p:txBody>
+        </p:sp>
+        <p:sp>
+          <p:nvSpPr>
+            <p:cNvPr id="8" name="자유형: 도형 7">
+              <a:extLst>
+                <a:ext uri="{FF2B5EF4-FFF2-40B4-BE49-F238E27FC236}">
+                  <a16:creationId xmlns:a16="http://schemas.microsoft.com/office/drawing/2014/main" id="{A4496306-3D32-4C0E-EBED-DFE136D5B986}"/>
+                </a:ext>
+              </a:extLst>
+            </p:cNvPr>
+            <p:cNvSpPr>
+              <a:spLocks/>
+            </p:cNvSpPr>
+            <p:nvPr/>
+          </p:nvSpPr>
+          <p:spPr>
+            <a:xfrm>
+              <a:off x="1416580" y="2660630"/>
+              <a:ext cx="571499" cy="554678"/>
+            </a:xfrm>
+            <a:custGeom>
+              <a:avLst/>
+              <a:gdLst>
+                <a:gd name="connsiteX0" fmla="*/ 0 w 571499"/>
+                <a:gd name="connsiteY0" fmla="*/ 271453 h 554678"/>
+                <a:gd name="connsiteX1" fmla="*/ 0 w 571499"/>
+                <a:gd name="connsiteY1" fmla="*/ 554679 h 554678"/>
+                <a:gd name="connsiteX2" fmla="*/ 228600 w 571499"/>
+                <a:gd name="connsiteY2" fmla="*/ 554679 h 554678"/>
+                <a:gd name="connsiteX3" fmla="*/ 228600 w 571499"/>
+                <a:gd name="connsiteY3" fmla="*/ 316554 h 554678"/>
+                <a:gd name="connsiteX4" fmla="*/ 342900 w 571499"/>
+                <a:gd name="connsiteY4" fmla="*/ 316554 h 554678"/>
+                <a:gd name="connsiteX5" fmla="*/ 342900 w 571499"/>
+                <a:gd name="connsiteY5" fmla="*/ 554679 h 554678"/>
+                <a:gd name="connsiteX6" fmla="*/ 571500 w 571499"/>
+                <a:gd name="connsiteY6" fmla="*/ 554679 h 554678"/>
+                <a:gd name="connsiteX7" fmla="*/ 571500 w 571499"/>
+                <a:gd name="connsiteY7" fmla="*/ 271443 h 554678"/>
+                <a:gd name="connsiteX8" fmla="*/ 285760 w 571499"/>
+                <a:gd name="connsiteY8" fmla="*/ 0 h 554678"/>
+                <a:gd name="connsiteX9" fmla="*/ 0 w 571499"/>
+                <a:gd name="connsiteY9" fmla="*/ 271453 h 554678"/>
+              </a:gdLst>
+              <a:ahLst/>
+              <a:cxnLst>
+                <a:cxn ang="0">
+                  <a:pos x="connsiteX0" y="connsiteY0"/>
+                </a:cxn>
+                <a:cxn ang="0">
+                  <a:pos x="connsiteX1" y="connsiteY1"/>
+                </a:cxn>
+                <a:cxn ang="0">
+                  <a:pos x="connsiteX2" y="connsiteY2"/>
+                </a:cxn>
+                <a:cxn ang="0">
+                  <a:pos x="connsiteX3" y="connsiteY3"/>
+                </a:cxn>
+                <a:cxn ang="0">
+                  <a:pos x="connsiteX4" y="connsiteY4"/>
+                </a:cxn>
+                <a:cxn ang="0">
+                  <a:pos x="connsiteX5" y="connsiteY5"/>
+                </a:cxn>
+                <a:cxn ang="0">
+                  <a:pos x="connsiteX6" y="connsiteY6"/>
+                </a:cxn>
+                <a:cxn ang="0">
+                  <a:pos x="connsiteX7" y="connsiteY7"/>
+                </a:cxn>
+                <a:cxn ang="0">
+                  <a:pos x="connsiteX8" y="connsiteY8"/>
+                </a:cxn>
+                <a:cxn ang="0">
+                  <a:pos x="connsiteX9" y="connsiteY9"/>
+                </a:cxn>
+              </a:cxnLst>
+              <a:rect l="l" t="t" r="r" b="b"/>
+              <a:pathLst>
+                <a:path w="571499" h="554678">
+                  <a:moveTo>
+                    <a:pt x="0" y="271453"/>
+                  </a:moveTo>
+                  <a:lnTo>
+                    <a:pt x="0" y="554679"/>
+                  </a:lnTo>
+                  <a:lnTo>
+                    <a:pt x="228600" y="554679"/>
+                  </a:lnTo>
+                  <a:lnTo>
+                    <a:pt x="228600" y="316554"/>
+                  </a:lnTo>
+                  <a:lnTo>
+                    <a:pt x="342900" y="316554"/>
+                  </a:lnTo>
+                  <a:lnTo>
+                    <a:pt x="342900" y="554679"/>
+                  </a:lnTo>
+                  <a:lnTo>
+                    <a:pt x="571500" y="554679"/>
+                  </a:lnTo>
+                  <a:lnTo>
+                    <a:pt x="571500" y="271443"/>
+                  </a:lnTo>
+                  <a:lnTo>
+                    <a:pt x="285760" y="0"/>
+                  </a:lnTo>
+                  <a:lnTo>
+                    <a:pt x="0" y="271453"/>
+                  </a:lnTo>
+                  <a:close/>
+                </a:path>
+              </a:pathLst>
+            </a:custGeom>
+            <a:grpFill/>
+            <a:ln w="9525" cap="flat">
+              <a:noFill/>
+              <a:prstDash val="solid"/>
+              <a:miter/>
+            </a:ln>
+          </p:spPr>
+          <p:txBody>
+            <a:bodyPr rtlCol="0" anchor="ctr"/>
+            <a:lstStyle/>
+            <a:p>
+              <a:endParaRPr lang="ko-KR" altLang="en-US"/>
+            </a:p>
+          </p:txBody>
+        </p:sp>
+      </p:grpSp>
+      <p:sp>
+        <p:nvSpPr>
+          <p:cNvPr id="10" name="TextBox 9">
+            <a:extLst>
+              <a:ext uri="{FF2B5EF4-FFF2-40B4-BE49-F238E27FC236}">
+                <a16:creationId xmlns:a16="http://schemas.microsoft.com/office/drawing/2014/main" id="{435A165C-2503-EBD6-28DB-8C6694BB3518}"/>
+              </a:ext>
+            </a:extLst>
+          </p:cNvPr>
+          <p:cNvSpPr txBox="1"/>
+          <p:nvPr/>
+        </p:nvSpPr>
+        <p:spPr>
+          <a:xfrm>
+            <a:off x="309738" y="993735"/>
+            <a:ext cx="6199133" cy="369332"/>
+          </a:xfrm>
+          <a:prstGeom prst="rect">
+            <a:avLst/>
+          </a:prstGeom>
+          <a:noFill/>
+        </p:spPr>
+        <p:txBody>
+          <a:bodyPr wrap="none" rtlCol="0">
+            <a:spAutoFit/>
+          </a:bodyPr>
+          <a:lstStyle/>
+          <a:p>
+            <a:r>
+              <a:rPr lang="ko-KR" altLang="en-US" dirty="0"/>
+              <a:t>무기 컨셉</a:t>
+            </a:r>
+            <a:r>
+              <a:rPr lang="en-US" altLang="ko-KR" dirty="0"/>
+              <a:t>: </a:t>
+            </a:r>
+            <a:r>
+              <a:rPr lang="ko-KR" altLang="en-US" dirty="0"/>
+              <a:t>흰색 바탕에 검은 그림이 그려진 동양풍 </a:t>
+            </a:r>
+            <a:r>
+              <a:rPr lang="ko-KR" altLang="en-US" dirty="0" err="1"/>
+              <a:t>접부채</a:t>
+            </a:r>
+            <a:endParaRPr lang="en-US" altLang="ko-KR" dirty="0"/>
+          </a:p>
+        </p:txBody>
+      </p:sp>
+      <p:sp>
+        <p:nvSpPr>
+          <p:cNvPr id="2" name="직사각형 1">
+            <a:hlinkClick r:id="rId2" action="ppaction://hlinksldjump"/>
+            <a:extLst>
+              <a:ext uri="{FF2B5EF4-FFF2-40B4-BE49-F238E27FC236}">
+                <a16:creationId xmlns:a16="http://schemas.microsoft.com/office/drawing/2014/main" id="{B270C82A-E7C5-8294-07C1-1511C5A1065C}"/>
+              </a:ext>
+            </a:extLst>
+          </p:cNvPr>
+          <p:cNvSpPr/>
+          <p:nvPr/>
+        </p:nvSpPr>
+        <p:spPr>
+          <a:xfrm>
+            <a:off x="10614103" y="66088"/>
+            <a:ext cx="1495199" cy="462402"/>
+          </a:xfrm>
+          <a:prstGeom prst="rect">
+            <a:avLst/>
+          </a:prstGeom>
+          <a:noFill/>
+          <a:ln>
+            <a:noFill/>
+          </a:ln>
+        </p:spPr>
+        <p:style>
+          <a:lnRef idx="2">
+            <a:schemeClr val="accent1">
+              <a:shade val="15000"/>
+            </a:schemeClr>
+          </a:lnRef>
+          <a:fillRef idx="1">
+            <a:schemeClr val="accent1"/>
+          </a:fillRef>
+          <a:effectRef idx="0">
+            <a:schemeClr val="accent1"/>
+          </a:effectRef>
+          <a:fontRef idx="minor">
+            <a:schemeClr val="lt1"/>
+          </a:fontRef>
+        </p:style>
+        <p:txBody>
+          <a:bodyPr rtlCol="0" anchor="ctr"/>
+          <a:lstStyle/>
+          <a:p>
+            <a:pPr algn="ctr"/>
+            <a:endParaRPr lang="ko-KR" altLang="en-US"/>
+          </a:p>
+        </p:txBody>
+      </p:sp>
+    </p:spTree>
+    <p:extLst>
+      <p:ext uri="{BB962C8B-B14F-4D97-AF65-F5344CB8AC3E}">
+        <p14:creationId xmlns:p14="http://schemas.microsoft.com/office/powerpoint/2010/main" val="4289967343"/>
+      </p:ext>
+    </p:extLst>
+  </p:cSld>
+  <p:clrMapOvr>
+    <a:masterClrMapping/>
+  </p:clrMapOvr>
+</p:sld>
+</file>
+
+<file path=ppt/slides/slide6.xml><?xml version="1.0" encoding="utf-8"?>
+<p:sld xmlns:a="http://schemas.openxmlformats.org/drawingml/2006/main" xmlns:r="http://schemas.openxmlformats.org/officeDocument/2006/relationships" xmlns:p="http://schemas.openxmlformats.org/presentationml/2006/main">
+  <p:cSld>
+    <p:spTree>
+      <p:nvGrpSpPr>
+        <p:cNvPr id="1" name=""/>
+        <p:cNvGrpSpPr/>
+        <p:nvPr/>
+      </p:nvGrpSpPr>
+      <p:grpSpPr>
+        <a:xfrm>
+          <a:off x="0" y="0"/>
+          <a:ext cx="0" cy="0"/>
+          <a:chOff x="0" y="0"/>
+          <a:chExt cx="0" cy="0"/>
+        </a:xfrm>
+      </p:grpSpPr>
       <p:grpSp>
         <p:nvGrpSpPr>
           <p:cNvPr id="22" name="그룹 21">
@@ -6244,7 +8323,7 @@
             </a:extLst>
           </p:cNvPr>
           <p:cNvGrpSpPr>
-            <a:grpSpLocks noGrp="1" noUngrp="1" noRot="1" noMove="1" noResize="1"/>
+            <a:grpSpLocks/>
           </p:cNvGrpSpPr>
           <p:nvPr/>
         </p:nvGrpSpPr>
@@ -6266,7 +8345,7 @@
               </a:extLst>
             </p:cNvPr>
             <p:cNvSpPr txBox="1">
-              <a:spLocks noGrp="1" noRot="1" noMove="1" noResize="1" noEditPoints="1" noAdjustHandles="1" noChangeArrowheads="1" noChangeShapeType="1"/>
+              <a:spLocks/>
             </p:cNvSpPr>
             <p:nvPr/>
           </p:nvSpPr>
@@ -6330,7 +8409,7 @@
               </a:extLst>
             </p:cNvPr>
             <p:cNvCxnSpPr>
-              <a:cxnSpLocks noGrp="1" noRot="1" noMove="1" noResize="1" noEditPoints="1" noAdjustHandles="1" noChangeArrowheads="1" noChangeShapeType="1"/>
+              <a:cxnSpLocks/>
               <a:stCxn id="12" idx="1"/>
             </p:cNvCxnSpPr>
             <p:nvPr/>
@@ -6376,7 +8455,7 @@
               </a:extLst>
             </p:cNvPr>
             <p:cNvCxnSpPr>
-              <a:cxnSpLocks noGrp="1" noRot="1" noMove="1" noResize="1" noEditPoints="1" noAdjustHandles="1" noChangeArrowheads="1" noChangeShapeType="1"/>
+              <a:cxnSpLocks/>
               <a:endCxn id="12" idx="4"/>
             </p:cNvCxnSpPr>
             <p:nvPr/>
@@ -6422,14 +8501,14 @@
               </a:extLst>
             </p:cNvPr>
             <p:cNvSpPr txBox="1">
-              <a:spLocks noGrp="1" noRot="1" noMove="1" noResize="1" noEditPoints="1" noAdjustHandles="1" noChangeArrowheads="1" noChangeShapeType="1"/>
+              <a:spLocks/>
             </p:cNvSpPr>
             <p:nvPr/>
           </p:nvSpPr>
           <p:spPr>
             <a:xfrm>
-              <a:off x="3877661" y="251490"/>
-              <a:ext cx="854721" cy="276999"/>
+              <a:off x="3777642" y="251815"/>
+              <a:ext cx="965329" cy="307777"/>
             </a:xfrm>
             <a:prstGeom prst="rect">
               <a:avLst/>
@@ -6444,12 +8523,12 @@
             <a:p>
               <a:pPr algn="ctr"/>
               <a:r>
-                <a:rPr lang="ko-KR" altLang="en-US" sz="1200" b="1" dirty="0">
+                <a:rPr lang="ko-KR" altLang="en-US" sz="1400" b="1" dirty="0">
                   <a:effectLst/>
                 </a:rPr>
                 <a:t>기본 모션</a:t>
               </a:r>
-              <a:endParaRPr lang="en-US" altLang="ko-KR" sz="1200" b="1" dirty="0">
+              <a:endParaRPr lang="en-US" altLang="ko-KR" sz="1400" b="1" dirty="0">
                 <a:effectLst/>
               </a:endParaRPr>
             </a:p>
@@ -6465,7 +8544,7 @@
               </a:extLst>
             </p:cNvPr>
             <p:cNvGrpSpPr>
-              <a:grpSpLocks noGrp="1" noUngrp="1" noRot="1" noMove="1" noResize="1"/>
+              <a:grpSpLocks/>
             </p:cNvGrpSpPr>
             <p:nvPr/>
           </p:nvGrpSpPr>
@@ -6492,7 +8571,7 @@
                 </a:extLst>
               </p:cNvPr>
               <p:cNvSpPr>
-                <a:spLocks noGrp="1" noRot="1" noMove="1" noResize="1" noEditPoints="1" noAdjustHandles="1" noChangeArrowheads="1" noChangeShapeType="1"/>
+                <a:spLocks/>
               </p:cNvSpPr>
               <p:nvPr/>
             </p:nvSpPr>
@@ -6552,7 +8631,7 @@
                 </a:extLst>
               </p:cNvPr>
               <p:cNvSpPr txBox="1">
-                <a:spLocks noGrp="1" noRot="1" noMove="1" noResize="1" noEditPoints="1" noAdjustHandles="1" noChangeArrowheads="1" noChangeShapeType="1"/>
+                <a:spLocks/>
               </p:cNvSpPr>
               <p:nvPr/>
             </p:nvSpPr>
@@ -6605,7 +8684,7 @@
               </a:extLst>
             </p:cNvPr>
             <p:cNvGrpSpPr>
-              <a:grpSpLocks noGrp="1" noUngrp="1" noRot="1" noMove="1" noResize="1"/>
+              <a:grpSpLocks/>
             </p:cNvGrpSpPr>
             <p:nvPr/>
           </p:nvGrpSpPr>
@@ -6632,7 +8711,7 @@
                 </a:extLst>
               </p:cNvPr>
               <p:cNvSpPr>
-                <a:spLocks noGrp="1" noRot="1" noMove="1" noResize="1" noEditPoints="1" noAdjustHandles="1" noChangeArrowheads="1" noChangeShapeType="1"/>
+                <a:spLocks/>
               </p:cNvSpPr>
               <p:nvPr/>
             </p:nvSpPr>
@@ -6692,7 +8771,7 @@
                 </a:extLst>
               </p:cNvPr>
               <p:cNvSpPr txBox="1">
-                <a:spLocks noGrp="1" noRot="1" noMove="1" noResize="1" noEditPoints="1" noAdjustHandles="1" noChangeArrowheads="1" noChangeShapeType="1"/>
+                <a:spLocks/>
               </p:cNvSpPr>
               <p:nvPr/>
             </p:nvSpPr>
@@ -6745,7 +8824,7 @@
               </a:extLst>
             </p:cNvPr>
             <p:cNvGrpSpPr>
-              <a:grpSpLocks noGrp="1" noUngrp="1" noRot="1" noMove="1" noResize="1"/>
+              <a:grpSpLocks/>
             </p:cNvGrpSpPr>
             <p:nvPr/>
           </p:nvGrpSpPr>
@@ -6772,7 +8851,7 @@
                 </a:extLst>
               </p:cNvPr>
               <p:cNvSpPr>
-                <a:spLocks noGrp="1" noRot="1" noMove="1" noResize="1" noEditPoints="1" noAdjustHandles="1" noChangeArrowheads="1" noChangeShapeType="1"/>
+                <a:spLocks/>
               </p:cNvSpPr>
               <p:nvPr/>
             </p:nvSpPr>
@@ -6832,7 +8911,7 @@
                 </a:extLst>
               </p:cNvPr>
               <p:cNvSpPr txBox="1">
-                <a:spLocks noGrp="1" noRot="1" noMove="1" noResize="1" noEditPoints="1" noAdjustHandles="1" noChangeArrowheads="1" noChangeShapeType="1"/>
+                <a:spLocks/>
               </p:cNvSpPr>
               <p:nvPr/>
             </p:nvSpPr>
@@ -6884,7 +8963,7 @@
               </a:extLst>
             </p:cNvPr>
             <p:cNvSpPr>
-              <a:spLocks noGrp="1" noRot="1" noMove="1" noResize="1" noEditPoints="1" noAdjustHandles="1" noChangeArrowheads="1" noChangeShapeType="1"/>
+              <a:spLocks/>
             </p:cNvSpPr>
             <p:nvPr/>
           </p:nvSpPr>
@@ -6984,7 +9063,7 @@
             <a:lstStyle/>
             <a:p>
               <a:pPr algn="ctr"/>
-              <a:endParaRPr lang="ko-KR" altLang="en-US"/>
+              <a:endParaRPr lang="ko-KR" altLang="en-US" sz="1400" dirty="0"/>
             </a:p>
           </p:txBody>
         </p:sp>
@@ -6998,7 +9077,7 @@
               </a:extLst>
             </p:cNvPr>
             <p:cNvGrpSpPr>
-              <a:grpSpLocks noGrp="1" noUngrp="1" noRot="1" noMove="1" noResize="1"/>
+              <a:grpSpLocks/>
             </p:cNvGrpSpPr>
             <p:nvPr/>
           </p:nvGrpSpPr>
@@ -7025,7 +9104,7 @@
                 </a:extLst>
               </p:cNvPr>
               <p:cNvSpPr>
-                <a:spLocks noGrp="1" noRot="1" noMove="1" noResize="1" noEditPoints="1" noAdjustHandles="1" noChangeArrowheads="1" noChangeShapeType="1"/>
+                <a:spLocks/>
               </p:cNvSpPr>
               <p:nvPr/>
             </p:nvSpPr>
@@ -7145,7 +9224,7 @@
                 </a:extLst>
               </p:cNvPr>
               <p:cNvSpPr>
-                <a:spLocks noGrp="1" noRot="1" noMove="1" noResize="1" noEditPoints="1" noAdjustHandles="1" noChangeArrowheads="1" noChangeShapeType="1"/>
+                <a:spLocks/>
               </p:cNvSpPr>
               <p:nvPr/>
             </p:nvSpPr>
@@ -7265,6 +9344,57 @@
           </p:sp>
         </p:grpSp>
       </p:grpSp>
+      <p:sp>
+        <p:nvSpPr>
+          <p:cNvPr id="13" name="직사각형 12">
+            <a:hlinkClick r:id="rId2" action="ppaction://hlinksldjump"/>
+            <a:extLst>
+              <a:ext uri="{FF2B5EF4-FFF2-40B4-BE49-F238E27FC236}">
+                <a16:creationId xmlns:a16="http://schemas.microsoft.com/office/drawing/2014/main" id="{0D5042EB-0A56-6176-4866-242164CC9F28}"/>
+              </a:ext>
+            </a:extLst>
+          </p:cNvPr>
+          <p:cNvSpPr/>
+          <p:nvPr/>
+        </p:nvSpPr>
+        <p:spPr>
+          <a:xfrm>
+            <a:off x="10614103" y="66088"/>
+            <a:ext cx="1495199" cy="462402"/>
+          </a:xfrm>
+          <a:prstGeom prst="rect">
+            <a:avLst/>
+          </a:prstGeom>
+          <a:noFill/>
+          <a:ln>
+            <a:noFill/>
+          </a:ln>
+        </p:spPr>
+        <p:style>
+          <a:lnRef idx="2">
+            <a:schemeClr val="accent1">
+              <a:shade val="15000"/>
+            </a:schemeClr>
+          </a:lnRef>
+          <a:fillRef idx="1">
+            <a:schemeClr val="accent1"/>
+          </a:fillRef>
+          <a:effectRef idx="0">
+            <a:schemeClr val="accent1"/>
+          </a:effectRef>
+          <a:fontRef idx="minor">
+            <a:schemeClr val="lt1"/>
+          </a:fontRef>
+        </p:style>
+        <p:txBody>
+          <a:bodyPr rtlCol="0" anchor="ctr"/>
+          <a:lstStyle/>
+          <a:p>
+            <a:pPr algn="ctr"/>
+            <a:endParaRPr lang="ko-KR" altLang="en-US"/>
+          </a:p>
+        </p:txBody>
+      </p:sp>
     </p:spTree>
     <p:extLst>
       <p:ext uri="{BB962C8B-B14F-4D97-AF65-F5344CB8AC3E}">
@@ -7278,7 +9408,7 @@
 </p:sld>
 </file>
 
-<file path=ppt/slides/slide6.xml><?xml version="1.0" encoding="utf-8"?>
+<file path=ppt/slides/slide7.xml><?xml version="1.0" encoding="utf-8"?>
 <p:sld xmlns:a="http://schemas.openxmlformats.org/drawingml/2006/main" xmlns:r="http://schemas.openxmlformats.org/officeDocument/2006/relationships" xmlns:p="http://schemas.openxmlformats.org/presentationml/2006/main">
   <p:cSld>
     <p:spTree>
@@ -7305,7 +9435,7 @@
             </a:extLst>
           </p:cNvPr>
           <p:cNvGrpSpPr>
-            <a:grpSpLocks noGrp="1" noUngrp="1" noRot="1" noMove="1" noResize="1"/>
+            <a:grpSpLocks/>
           </p:cNvGrpSpPr>
           <p:nvPr/>
         </p:nvGrpSpPr>
@@ -7327,7 +9457,7 @@
               </a:extLst>
             </p:cNvPr>
             <p:cNvSpPr txBox="1">
-              <a:spLocks noGrp="1" noRot="1" noMove="1" noResize="1" noEditPoints="1" noAdjustHandles="1" noChangeArrowheads="1" noChangeShapeType="1"/>
+              <a:spLocks/>
             </p:cNvSpPr>
             <p:nvPr/>
           </p:nvSpPr>
@@ -7391,7 +9521,7 @@
               </a:extLst>
             </p:cNvPr>
             <p:cNvCxnSpPr>
-              <a:cxnSpLocks noGrp="1" noRot="1" noMove="1" noResize="1" noEditPoints="1" noAdjustHandles="1" noChangeArrowheads="1" noChangeShapeType="1"/>
+              <a:cxnSpLocks/>
               <a:stCxn id="22" idx="1"/>
             </p:cNvCxnSpPr>
             <p:nvPr/>
@@ -7437,7 +9567,7 @@
               </a:extLst>
             </p:cNvPr>
             <p:cNvCxnSpPr>
-              <a:cxnSpLocks noGrp="1" noRot="1" noMove="1" noResize="1" noEditPoints="1" noAdjustHandles="1" noChangeArrowheads="1" noChangeShapeType="1"/>
+              <a:cxnSpLocks/>
               <a:endCxn id="22" idx="4"/>
             </p:cNvCxnSpPr>
             <p:nvPr/>
@@ -7483,14 +9613,14 @@
               </a:extLst>
             </p:cNvPr>
             <p:cNvSpPr txBox="1">
-              <a:spLocks noGrp="1" noRot="1" noMove="1" noResize="1" noEditPoints="1" noAdjustHandles="1" noChangeArrowheads="1" noChangeShapeType="1"/>
+              <a:spLocks/>
             </p:cNvSpPr>
             <p:nvPr/>
           </p:nvSpPr>
           <p:spPr>
             <a:xfrm>
-              <a:off x="5656593" y="251490"/>
-              <a:ext cx="492444" cy="276999"/>
+              <a:off x="5590538" y="251815"/>
+              <a:ext cx="543739" cy="307777"/>
             </a:xfrm>
             <a:prstGeom prst="rect">
               <a:avLst/>
@@ -7505,12 +9635,12 @@
             <a:p>
               <a:pPr algn="ctr"/>
               <a:r>
-                <a:rPr lang="ko-KR" altLang="en-US" sz="1200" b="1" dirty="0">
+                <a:rPr lang="ko-KR" altLang="en-US" sz="1400" b="1" dirty="0">
                   <a:effectLst/>
                 </a:rPr>
                 <a:t>스킬</a:t>
               </a:r>
-              <a:endParaRPr lang="en-US" altLang="ko-KR" sz="1200" b="1" dirty="0">
+              <a:endParaRPr lang="en-US" altLang="ko-KR" sz="1400" b="1" dirty="0">
                 <a:effectLst/>
               </a:endParaRPr>
             </a:p>
@@ -7526,7 +9656,7 @@
               </a:extLst>
             </p:cNvPr>
             <p:cNvGrpSpPr>
-              <a:grpSpLocks noGrp="1" noUngrp="1" noRot="1" noMove="1" noResize="1"/>
+              <a:grpSpLocks/>
             </p:cNvGrpSpPr>
             <p:nvPr/>
           </p:nvGrpSpPr>
@@ -7553,7 +9683,7 @@
                 </a:extLst>
               </p:cNvPr>
               <p:cNvSpPr>
-                <a:spLocks noGrp="1" noRot="1" noMove="1" noResize="1" noEditPoints="1" noAdjustHandles="1" noChangeArrowheads="1" noChangeShapeType="1"/>
+                <a:spLocks/>
               </p:cNvSpPr>
               <p:nvPr/>
             </p:nvSpPr>
@@ -7613,7 +9743,7 @@
                 </a:extLst>
               </p:cNvPr>
               <p:cNvSpPr txBox="1">
-                <a:spLocks noGrp="1" noRot="1" noMove="1" noResize="1" noEditPoints="1" noAdjustHandles="1" noChangeArrowheads="1" noChangeShapeType="1"/>
+                <a:spLocks/>
               </p:cNvSpPr>
               <p:nvPr/>
             </p:nvSpPr>
@@ -7666,7 +9796,7 @@
               </a:extLst>
             </p:cNvPr>
             <p:cNvGrpSpPr>
-              <a:grpSpLocks noGrp="1" noUngrp="1" noRot="1" noMove="1" noResize="1"/>
+              <a:grpSpLocks/>
             </p:cNvGrpSpPr>
             <p:nvPr/>
           </p:nvGrpSpPr>
@@ -7693,7 +9823,7 @@
                 </a:extLst>
               </p:cNvPr>
               <p:cNvSpPr>
-                <a:spLocks noGrp="1" noRot="1" noMove="1" noResize="1" noEditPoints="1" noAdjustHandles="1" noChangeArrowheads="1" noChangeShapeType="1"/>
+                <a:spLocks/>
               </p:cNvSpPr>
               <p:nvPr/>
             </p:nvSpPr>
@@ -7753,7 +9883,7 @@
                 </a:extLst>
               </p:cNvPr>
               <p:cNvSpPr txBox="1">
-                <a:spLocks noGrp="1" noRot="1" noMove="1" noResize="1" noEditPoints="1" noAdjustHandles="1" noChangeArrowheads="1" noChangeShapeType="1"/>
+                <a:spLocks/>
               </p:cNvSpPr>
               <p:nvPr/>
             </p:nvSpPr>
@@ -7806,7 +9936,7 @@
               </a:extLst>
             </p:cNvPr>
             <p:cNvGrpSpPr>
-              <a:grpSpLocks noGrp="1" noUngrp="1" noRot="1" noMove="1" noResize="1"/>
+              <a:grpSpLocks/>
             </p:cNvGrpSpPr>
             <p:nvPr/>
           </p:nvGrpSpPr>
@@ -7833,7 +9963,7 @@
                 </a:extLst>
               </p:cNvPr>
               <p:cNvSpPr>
-                <a:spLocks noGrp="1" noRot="1" noMove="1" noResize="1" noEditPoints="1" noAdjustHandles="1" noChangeArrowheads="1" noChangeShapeType="1"/>
+                <a:spLocks/>
               </p:cNvSpPr>
               <p:nvPr/>
             </p:nvSpPr>
@@ -7893,7 +10023,7 @@
                 </a:extLst>
               </p:cNvPr>
               <p:cNvSpPr txBox="1">
-                <a:spLocks noGrp="1" noRot="1" noMove="1" noResize="1" noEditPoints="1" noAdjustHandles="1" noChangeArrowheads="1" noChangeShapeType="1"/>
+                <a:spLocks/>
               </p:cNvSpPr>
               <p:nvPr/>
             </p:nvSpPr>
@@ -7945,7 +10075,7 @@
               </a:extLst>
             </p:cNvPr>
             <p:cNvSpPr>
-              <a:spLocks noGrp="1" noRot="1" noMove="1" noResize="1" noEditPoints="1" noAdjustHandles="1" noChangeArrowheads="1" noChangeShapeType="1"/>
+              <a:spLocks/>
             </p:cNvSpPr>
             <p:nvPr/>
           </p:nvSpPr>
@@ -8059,7 +10189,7 @@
               </a:extLst>
             </p:cNvPr>
             <p:cNvGrpSpPr>
-              <a:grpSpLocks noGrp="1" noUngrp="1" noRot="1" noMove="1" noResize="1"/>
+              <a:grpSpLocks/>
             </p:cNvGrpSpPr>
             <p:nvPr/>
           </p:nvGrpSpPr>
@@ -8086,7 +10216,7 @@
                 </a:extLst>
               </p:cNvPr>
               <p:cNvSpPr>
-                <a:spLocks noGrp="1" noRot="1" noMove="1" noResize="1" noEditPoints="1" noAdjustHandles="1" noChangeArrowheads="1" noChangeShapeType="1"/>
+                <a:spLocks/>
               </p:cNvSpPr>
               <p:nvPr/>
             </p:nvSpPr>
@@ -8206,7 +10336,7 @@
                 </a:extLst>
               </p:cNvPr>
               <p:cNvSpPr>
-                <a:spLocks noGrp="1" noRot="1" noMove="1" noResize="1" noEditPoints="1" noAdjustHandles="1" noChangeArrowheads="1" noChangeShapeType="1"/>
+                <a:spLocks/>
               </p:cNvSpPr>
               <p:nvPr/>
             </p:nvSpPr>
@@ -8326,6 +10456,57 @@
           </p:sp>
         </p:grpSp>
       </p:grpSp>
+      <p:sp>
+        <p:nvSpPr>
+          <p:cNvPr id="3" name="직사각형 2">
+            <a:hlinkClick r:id="rId2" action="ppaction://hlinksldjump"/>
+            <a:extLst>
+              <a:ext uri="{FF2B5EF4-FFF2-40B4-BE49-F238E27FC236}">
+                <a16:creationId xmlns:a16="http://schemas.microsoft.com/office/drawing/2014/main" id="{C963332B-3A8F-D8D3-BF80-334F0B579A70}"/>
+              </a:ext>
+            </a:extLst>
+          </p:cNvPr>
+          <p:cNvSpPr/>
+          <p:nvPr/>
+        </p:nvSpPr>
+        <p:spPr>
+          <a:xfrm>
+            <a:off x="10614103" y="66088"/>
+            <a:ext cx="1495199" cy="462402"/>
+          </a:xfrm>
+          <a:prstGeom prst="rect">
+            <a:avLst/>
+          </a:prstGeom>
+          <a:noFill/>
+          <a:ln>
+            <a:noFill/>
+          </a:ln>
+        </p:spPr>
+        <p:style>
+          <a:lnRef idx="2">
+            <a:schemeClr val="accent1">
+              <a:shade val="15000"/>
+            </a:schemeClr>
+          </a:lnRef>
+          <a:fillRef idx="1">
+            <a:schemeClr val="accent1"/>
+          </a:fillRef>
+          <a:effectRef idx="0">
+            <a:schemeClr val="accent1"/>
+          </a:effectRef>
+          <a:fontRef idx="minor">
+            <a:schemeClr val="lt1"/>
+          </a:fontRef>
+        </p:style>
+        <p:txBody>
+          <a:bodyPr rtlCol="0" anchor="ctr"/>
+          <a:lstStyle/>
+          <a:p>
+            <a:pPr algn="ctr"/>
+            <a:endParaRPr lang="ko-KR" altLang="en-US"/>
+          </a:p>
+        </p:txBody>
+      </p:sp>
     </p:spTree>
     <p:extLst>
       <p:ext uri="{BB962C8B-B14F-4D97-AF65-F5344CB8AC3E}">
@@ -8339,7 +10520,7 @@
 </p:sld>
 </file>
 
-<file path=ppt/slides/slide7.xml><?xml version="1.0" encoding="utf-8"?>
+<file path=ppt/slides/slide8.xml><?xml version="1.0" encoding="utf-8"?>
 <p:sld xmlns:a="http://schemas.openxmlformats.org/drawingml/2006/main" xmlns:r="http://schemas.openxmlformats.org/officeDocument/2006/relationships" xmlns:p="http://schemas.openxmlformats.org/presentationml/2006/main">
   <p:cSld>
     <p:spTree>
@@ -8384,7 +10565,7 @@
         </p:blipFill>
         <p:spPr>
           <a:xfrm>
-            <a:off x="6312310" y="2067232"/>
+            <a:off x="7316426" y="2067232"/>
             <a:ext cx="5210175" cy="4343400"/>
           </a:xfrm>
           <a:prstGeom prst="rect">
@@ -8392,10 +10573,2352 @@
           </a:prstGeom>
         </p:spPr>
       </p:pic>
+      <p:sp>
+        <p:nvSpPr>
+          <p:cNvPr id="17" name="TextBox 16">
+            <a:extLst>
+              <a:ext uri="{FF2B5EF4-FFF2-40B4-BE49-F238E27FC236}">
+                <a16:creationId xmlns:a16="http://schemas.microsoft.com/office/drawing/2014/main" id="{4EA03C0C-B1CF-99D7-D005-13A9A3F87E05}"/>
+              </a:ext>
+            </a:extLst>
+          </p:cNvPr>
+          <p:cNvSpPr txBox="1"/>
+          <p:nvPr/>
+        </p:nvSpPr>
+        <p:spPr>
+          <a:xfrm>
+            <a:off x="0" y="-954712"/>
+            <a:ext cx="1322798" cy="646331"/>
+          </a:xfrm>
+          <a:prstGeom prst="rect">
+            <a:avLst/>
+          </a:prstGeom>
+          <a:noFill/>
+        </p:spPr>
+        <p:txBody>
+          <a:bodyPr wrap="none" rtlCol="0">
+            <a:spAutoFit/>
+          </a:bodyPr>
+          <a:lstStyle/>
+          <a:p>
+            <a:r>
+              <a:rPr lang="ko-KR" altLang="en-US" dirty="0"/>
+              <a:t>무기 컨셉</a:t>
+            </a:r>
+            <a:r>
+              <a:rPr lang="en-US" altLang="ko-KR" dirty="0"/>
+              <a:t>: </a:t>
+            </a:r>
+          </a:p>
+          <a:p>
+            <a:r>
+              <a:rPr lang="ko-KR" altLang="en-US" dirty="0"/>
+              <a:t>동작 컨셉</a:t>
+            </a:r>
+            <a:r>
+              <a:rPr lang="en-US" altLang="ko-KR" dirty="0"/>
+              <a:t>:</a:t>
+            </a:r>
+          </a:p>
+        </p:txBody>
+      </p:sp>
+      <p:grpSp>
+        <p:nvGrpSpPr>
+          <p:cNvPr id="4" name="그룹 3">
+            <a:extLst>
+              <a:ext uri="{FF2B5EF4-FFF2-40B4-BE49-F238E27FC236}">
+                <a16:creationId xmlns:a16="http://schemas.microsoft.com/office/drawing/2014/main" id="{7F50607C-465B-40A3-A726-26166CBCC382}"/>
+              </a:ext>
+            </a:extLst>
+          </p:cNvPr>
+          <p:cNvGrpSpPr/>
+          <p:nvPr/>
+        </p:nvGrpSpPr>
+        <p:grpSpPr>
+          <a:xfrm>
+            <a:off x="0" y="187949"/>
+            <a:ext cx="7316426" cy="4277733"/>
+            <a:chOff x="0" y="187949"/>
+            <a:chExt cx="7316426" cy="4277733"/>
+          </a:xfrm>
+        </p:grpSpPr>
+        <p:sp>
+          <p:nvSpPr>
+            <p:cNvPr id="15" name="TextBox 14">
+              <a:extLst>
+                <a:ext uri="{FF2B5EF4-FFF2-40B4-BE49-F238E27FC236}">
+                  <a16:creationId xmlns:a16="http://schemas.microsoft.com/office/drawing/2014/main" id="{A991723C-9AF8-73CD-0334-ED2548E83F28}"/>
+                </a:ext>
+              </a:extLst>
+            </p:cNvPr>
+            <p:cNvSpPr txBox="1"/>
+            <p:nvPr/>
+          </p:nvSpPr>
+          <p:spPr>
+            <a:xfrm>
+              <a:off x="0" y="866903"/>
+              <a:ext cx="6272871" cy="1200329"/>
+            </a:xfrm>
+            <a:prstGeom prst="rect">
+              <a:avLst/>
+            </a:prstGeom>
+            <a:noFill/>
+          </p:spPr>
+          <p:txBody>
+            <a:bodyPr wrap="none" rtlCol="0">
+              <a:spAutoFit/>
+            </a:bodyPr>
+            <a:lstStyle/>
+            <a:p>
+              <a:r>
+                <a:rPr lang="ko-KR" altLang="en-US" dirty="0"/>
+                <a:t>근거리 마법사 </a:t>
+              </a:r>
+              <a:r>
+                <a:rPr lang="en-US" altLang="ko-KR" dirty="0"/>
+                <a:t>: </a:t>
+              </a:r>
+            </a:p>
+            <a:p>
+              <a:pPr marL="285750" indent="-285750">
+                <a:buFontTx/>
+                <a:buChar char="-"/>
+              </a:pPr>
+              <a:r>
+                <a:rPr lang="ko-KR" altLang="en-US" dirty="0"/>
+                <a:t>마법사는 원거리에서만 싸운다</a:t>
+              </a:r>
+              <a:r>
+                <a:rPr lang="en-US" altLang="ko-KR" dirty="0"/>
+                <a:t>? No!</a:t>
+              </a:r>
+            </a:p>
+            <a:p>
+              <a:pPr marL="285750" indent="-285750">
+                <a:buFontTx/>
+                <a:buChar char="-"/>
+              </a:pPr>
+              <a:r>
+                <a:rPr lang="ko-KR" altLang="en-US" dirty="0"/>
+                <a:t>몸에 보호막을 두르고 근접해서 싸우는 스타일의 마법사</a:t>
+              </a:r>
+              <a:endParaRPr lang="en-US" altLang="ko-KR" dirty="0"/>
+            </a:p>
+            <a:p>
+              <a:pPr marL="285750" indent="-285750">
+                <a:buFontTx/>
+                <a:buChar char="-"/>
+              </a:pPr>
+              <a:endParaRPr lang="en-US" altLang="ko-KR" dirty="0"/>
+            </a:p>
+          </p:txBody>
+        </p:sp>
+        <p:sp>
+          <p:nvSpPr>
+            <p:cNvPr id="18" name="TextBox 17">
+              <a:extLst>
+                <a:ext uri="{FF2B5EF4-FFF2-40B4-BE49-F238E27FC236}">
+                  <a16:creationId xmlns:a16="http://schemas.microsoft.com/office/drawing/2014/main" id="{19F0E280-38BD-A78D-5B1B-7DE8D2803B1D}"/>
+                </a:ext>
+              </a:extLst>
+            </p:cNvPr>
+            <p:cNvSpPr txBox="1"/>
+            <p:nvPr/>
+          </p:nvSpPr>
+          <p:spPr>
+            <a:xfrm>
+              <a:off x="0" y="2115320"/>
+              <a:ext cx="6867586" cy="1200329"/>
+            </a:xfrm>
+            <a:prstGeom prst="rect">
+              <a:avLst/>
+            </a:prstGeom>
+            <a:noFill/>
+          </p:spPr>
+          <p:txBody>
+            <a:bodyPr wrap="none" rtlCol="0">
+              <a:spAutoFit/>
+            </a:bodyPr>
+            <a:lstStyle/>
+            <a:p>
+              <a:r>
+                <a:rPr lang="ko-KR" altLang="en-US" dirty="0"/>
+                <a:t>숙련된 유저를 위한 무기</a:t>
+              </a:r>
+              <a:endParaRPr lang="en-US" altLang="ko-KR" dirty="0"/>
+            </a:p>
+            <a:p>
+              <a:pPr marL="285750" indent="-285750">
+                <a:buFontTx/>
+                <a:buChar char="-"/>
+              </a:pPr>
+              <a:r>
+                <a:rPr lang="ko-KR" altLang="en-US" dirty="0" err="1"/>
+                <a:t>하이리스크</a:t>
+              </a:r>
+              <a:r>
+                <a:rPr lang="ko-KR" altLang="en-US" dirty="0"/>
+                <a:t> 하이리턴</a:t>
+              </a:r>
+              <a:endParaRPr lang="en-US" altLang="ko-KR" dirty="0"/>
+            </a:p>
+            <a:p>
+              <a:pPr marL="285750" indent="-285750">
+                <a:buFontTx/>
+                <a:buChar char="-"/>
+              </a:pPr>
+              <a:r>
+                <a:rPr lang="ko-KR" altLang="en-US" dirty="0"/>
+                <a:t>무기에 체력 보정이 없어 체력이 낮다</a:t>
+              </a:r>
+              <a:r>
+                <a:rPr lang="en-US" altLang="ko-KR" dirty="0"/>
+                <a:t>.</a:t>
+              </a:r>
+            </a:p>
+            <a:p>
+              <a:pPr marL="285750" indent="-285750">
+                <a:buFontTx/>
+                <a:buChar char="-"/>
+              </a:pPr>
+              <a:r>
+                <a:rPr lang="ko-KR" altLang="en-US" dirty="0"/>
+                <a:t>적에게 달라붙고 적의 공격을 피해야 온전한 효과를 발휘한다</a:t>
+              </a:r>
+              <a:r>
+                <a:rPr lang="en-US" altLang="ko-KR" dirty="0"/>
+                <a:t>.</a:t>
+              </a:r>
+            </a:p>
+          </p:txBody>
+        </p:sp>
+        <p:sp>
+          <p:nvSpPr>
+            <p:cNvPr id="19" name="TextBox 18">
+              <a:extLst>
+                <a:ext uri="{FF2B5EF4-FFF2-40B4-BE49-F238E27FC236}">
+                  <a16:creationId xmlns:a16="http://schemas.microsoft.com/office/drawing/2014/main" id="{7B574DF8-A2A3-F7DE-E1CC-BCBD5189DC6A}"/>
+                </a:ext>
+              </a:extLst>
+            </p:cNvPr>
+            <p:cNvSpPr txBox="1"/>
+            <p:nvPr/>
+          </p:nvSpPr>
+          <p:spPr>
+            <a:xfrm>
+              <a:off x="0" y="3542352"/>
+              <a:ext cx="7316426" cy="923330"/>
+            </a:xfrm>
+            <a:prstGeom prst="rect">
+              <a:avLst/>
+            </a:prstGeom>
+            <a:noFill/>
+          </p:spPr>
+          <p:txBody>
+            <a:bodyPr wrap="none" rtlCol="0">
+              <a:spAutoFit/>
+            </a:bodyPr>
+            <a:lstStyle/>
+            <a:p>
+              <a:r>
+                <a:rPr lang="ko-KR" altLang="en-US" dirty="0"/>
+                <a:t>전통적인 부채</a:t>
+              </a:r>
+              <a:r>
+                <a:rPr lang="en-US" altLang="ko-KR" dirty="0"/>
+                <a:t>, </a:t>
+              </a:r>
+              <a:r>
+                <a:rPr lang="ko-KR" altLang="en-US" dirty="0"/>
+                <a:t>선비를 나타내는 무기</a:t>
+              </a:r>
+              <a:endParaRPr lang="en-US" altLang="ko-KR" dirty="0"/>
+            </a:p>
+            <a:p>
+              <a:pPr marL="285750" indent="-285750">
+                <a:buFontTx/>
+                <a:buChar char="-"/>
+              </a:pPr>
+              <a:r>
+                <a:rPr lang="ko-KR" altLang="en-US" dirty="0"/>
+                <a:t>여유롭고 절제된 동작</a:t>
+              </a:r>
+              <a:endParaRPr lang="en-US" altLang="ko-KR" dirty="0"/>
+            </a:p>
+            <a:p>
+              <a:pPr marL="285750" indent="-285750">
+                <a:buFontTx/>
+                <a:buChar char="-"/>
+              </a:pPr>
+              <a:r>
+                <a:rPr lang="ko-KR" altLang="en-US" dirty="0"/>
+                <a:t>선비가 부채를 들고 추는 전통 춤 </a:t>
+              </a:r>
+              <a:r>
+                <a:rPr lang="en-US" altLang="ko-KR" dirty="0"/>
+                <a:t>‘</a:t>
+              </a:r>
+              <a:r>
+                <a:rPr lang="ko-KR" altLang="en-US" dirty="0" err="1"/>
+                <a:t>한량무</a:t>
+              </a:r>
+              <a:r>
+                <a:rPr lang="en-US" altLang="ko-KR" dirty="0"/>
+                <a:t>’</a:t>
+              </a:r>
+              <a:r>
+                <a:rPr lang="ko-KR" altLang="en-US" dirty="0"/>
+                <a:t>에서 모티브를 받은 무기</a:t>
+              </a:r>
+              <a:endParaRPr lang="en-US" altLang="ko-KR" dirty="0"/>
+            </a:p>
+          </p:txBody>
+        </p:sp>
+        <p:sp>
+          <p:nvSpPr>
+            <p:cNvPr id="2" name="TextBox 1">
+              <a:extLst>
+                <a:ext uri="{FF2B5EF4-FFF2-40B4-BE49-F238E27FC236}">
+                  <a16:creationId xmlns:a16="http://schemas.microsoft.com/office/drawing/2014/main" id="{00E9EA92-47DC-FD80-65A8-723046170DFC}"/>
+                </a:ext>
+              </a:extLst>
+            </p:cNvPr>
+            <p:cNvSpPr txBox="1"/>
+            <p:nvPr/>
+          </p:nvSpPr>
+          <p:spPr>
+            <a:xfrm>
+              <a:off x="0" y="187949"/>
+              <a:ext cx="1189749" cy="369332"/>
+            </a:xfrm>
+            <a:prstGeom prst="rect">
+              <a:avLst/>
+            </a:prstGeom>
+            <a:noFill/>
+          </p:spPr>
+          <p:txBody>
+            <a:bodyPr wrap="none" rtlCol="0">
+              <a:spAutoFit/>
+            </a:bodyPr>
+            <a:lstStyle/>
+            <a:p>
+              <a:r>
+                <a:rPr lang="ko-KR" altLang="en-US" dirty="0"/>
+                <a:t>기획 의도</a:t>
+              </a:r>
+              <a:endParaRPr lang="en-US" altLang="ko-KR" dirty="0"/>
+            </a:p>
+          </p:txBody>
+        </p:sp>
+      </p:grpSp>
     </p:spTree>
     <p:extLst>
       <p:ext uri="{BB962C8B-B14F-4D97-AF65-F5344CB8AC3E}">
         <p14:creationId xmlns:p14="http://schemas.microsoft.com/office/powerpoint/2010/main" val="2174009598"/>
+      </p:ext>
+    </p:extLst>
+  </p:cSld>
+  <p:clrMapOvr>
+    <a:masterClrMapping/>
+  </p:clrMapOvr>
+</p:sld>
+</file>
+
+<file path=ppt/slides/slide9.xml><?xml version="1.0" encoding="utf-8"?>
+<p:sld xmlns:a="http://schemas.openxmlformats.org/drawingml/2006/main" xmlns:r="http://schemas.openxmlformats.org/officeDocument/2006/relationships" xmlns:p="http://schemas.openxmlformats.org/presentationml/2006/main">
+  <p:cSld>
+    <p:spTree>
+      <p:nvGrpSpPr>
+        <p:cNvPr id="1" name=""/>
+        <p:cNvGrpSpPr/>
+        <p:nvPr/>
+      </p:nvGrpSpPr>
+      <p:grpSpPr>
+        <a:xfrm>
+          <a:off x="0" y="0"/>
+          <a:ext cx="0" cy="0"/>
+          <a:chOff x="0" y="0"/>
+          <a:chExt cx="0" cy="0"/>
+        </a:xfrm>
+      </p:grpSpPr>
+      <p:graphicFrame>
+        <p:nvGraphicFramePr>
+          <p:cNvPr id="4" name="표 3">
+            <a:extLst>
+              <a:ext uri="{FF2B5EF4-FFF2-40B4-BE49-F238E27FC236}">
+                <a16:creationId xmlns:a16="http://schemas.microsoft.com/office/drawing/2014/main" id="{E99EA797-D46C-6CB8-B640-8C324BC3F91B}"/>
+              </a:ext>
+            </a:extLst>
+          </p:cNvPr>
+          <p:cNvGraphicFramePr>
+            <a:graphicFrameLocks noGrp="1"/>
+          </p:cNvGraphicFramePr>
+          <p:nvPr>
+            <p:extLst>
+              <p:ext uri="{D42A27DB-BD31-4B8C-83A1-F6EECF244321}">
+                <p14:modId xmlns:p14="http://schemas.microsoft.com/office/powerpoint/2010/main" val="1864538324"/>
+              </p:ext>
+            </p:extLst>
+          </p:nvPr>
+        </p:nvGraphicFramePr>
+        <p:xfrm>
+          <a:off x="155404" y="2161089"/>
+          <a:ext cx="11940140" cy="4015120"/>
+        </p:xfrm>
+        <a:graphic>
+          <a:graphicData uri="http://schemas.openxmlformats.org/drawingml/2006/table">
+            <a:tbl>
+              <a:tblPr bandRow="1">
+                <a:tableStyleId>{5C22544A-7EE6-4342-B048-85BDC9FD1C3A}</a:tableStyleId>
+              </a:tblPr>
+              <a:tblGrid>
+                <a:gridCol w="1013639">
+                  <a:extLst>
+                    <a:ext uri="{9D8B030D-6E8A-4147-A177-3AD203B41FA5}">
+                      <a16:colId xmlns:a16="http://schemas.microsoft.com/office/drawing/2014/main" val="2160954055"/>
+                    </a:ext>
+                  </a:extLst>
+                </a:gridCol>
+                <a:gridCol w="763929">
+                  <a:extLst>
+                    <a:ext uri="{9D8B030D-6E8A-4147-A177-3AD203B41FA5}">
+                      <a16:colId xmlns:a16="http://schemas.microsoft.com/office/drawing/2014/main" val="1986683167"/>
+                    </a:ext>
+                  </a:extLst>
+                </a:gridCol>
+                <a:gridCol w="10162572">
+                  <a:extLst>
+                    <a:ext uri="{9D8B030D-6E8A-4147-A177-3AD203B41FA5}">
+                      <a16:colId xmlns:a16="http://schemas.microsoft.com/office/drawing/2014/main" val="1596263472"/>
+                    </a:ext>
+                  </a:extLst>
+                </a:gridCol>
+              </a:tblGrid>
+              <a:tr h="150046">
+                <a:tc>
+                  <a:txBody>
+                    <a:bodyPr/>
+                    <a:lstStyle/>
+                    <a:p>
+                      <a:pPr algn="ctr" latinLnBrk="1">
+                        <a:spcAft>
+                          <a:spcPts val="800"/>
+                        </a:spcAft>
+                      </a:pPr>
+                      <a:r>
+                        <a:rPr lang="ko-KR" sz="1000">
+                          <a:effectLst/>
+                        </a:rPr>
+                        <a:t>이름</a:t>
+                      </a:r>
+                      <a:endParaRPr lang="ko-KR" sz="1100">
+                        <a:effectLst/>
+                        <a:latin typeface="맑은 고딕" panose="020B0503020000020004" pitchFamily="50" charset="-127"/>
+                        <a:ea typeface="맑은 고딕" panose="020B0503020000020004" pitchFamily="50" charset="-127"/>
+                        <a:cs typeface="맑은 고딕" panose="020B0503020000020004" pitchFamily="50" charset="-127"/>
+                      </a:endParaRPr>
+                    </a:p>
+                  </a:txBody>
+                  <a:tcPr marL="67521" marR="67521" marT="0" marB="0" anchor="ctr"/>
+                </a:tc>
+                <a:tc>
+                  <a:txBody>
+                    <a:bodyPr/>
+                    <a:lstStyle/>
+                    <a:p>
+                      <a:pPr algn="ctr" latinLnBrk="1">
+                        <a:spcAft>
+                          <a:spcPts val="800"/>
+                        </a:spcAft>
+                      </a:pPr>
+                      <a:r>
+                        <a:rPr lang="ko-KR" sz="1000">
+                          <a:effectLst/>
+                        </a:rPr>
+                        <a:t>등급</a:t>
+                      </a:r>
+                      <a:endParaRPr lang="ko-KR" sz="1100">
+                        <a:effectLst/>
+                        <a:latin typeface="맑은 고딕" panose="020B0503020000020004" pitchFamily="50" charset="-127"/>
+                        <a:ea typeface="맑은 고딕" panose="020B0503020000020004" pitchFamily="50" charset="-127"/>
+                        <a:cs typeface="맑은 고딕" panose="020B0503020000020004" pitchFamily="50" charset="-127"/>
+                      </a:endParaRPr>
+                    </a:p>
+                  </a:txBody>
+                  <a:tcPr marL="67521" marR="67521" marT="0" marB="0" anchor="ctr"/>
+                </a:tc>
+                <a:tc>
+                  <a:txBody>
+                    <a:bodyPr/>
+                    <a:lstStyle/>
+                    <a:p>
+                      <a:pPr algn="ctr" latinLnBrk="1">
+                        <a:spcAft>
+                          <a:spcPts val="800"/>
+                        </a:spcAft>
+                      </a:pPr>
+                      <a:r>
+                        <a:rPr lang="ko-KR" sz="1000">
+                          <a:effectLst/>
+                        </a:rPr>
+                        <a:t>설명</a:t>
+                      </a:r>
+                      <a:endParaRPr lang="ko-KR" sz="1100">
+                        <a:effectLst/>
+                        <a:latin typeface="맑은 고딕" panose="020B0503020000020004" pitchFamily="50" charset="-127"/>
+                        <a:ea typeface="맑은 고딕" panose="020B0503020000020004" pitchFamily="50" charset="-127"/>
+                        <a:cs typeface="맑은 고딕" panose="020B0503020000020004" pitchFamily="50" charset="-127"/>
+                      </a:endParaRPr>
+                    </a:p>
+                  </a:txBody>
+                  <a:tcPr marL="67521" marR="67521" marT="0" marB="0" anchor="ctr"/>
+                </a:tc>
+                <a:extLst>
+                  <a:ext uri="{0D108BD9-81ED-4DB2-BD59-A6C34878D82A}">
+                    <a16:rowId xmlns:a16="http://schemas.microsoft.com/office/drawing/2014/main" val="1847628624"/>
+                  </a:ext>
+                </a:extLst>
+              </a:tr>
+              <a:tr h="1200369">
+                <a:tc>
+                  <a:txBody>
+                    <a:bodyPr/>
+                    <a:lstStyle/>
+                    <a:p>
+                      <a:pPr algn="ctr" latinLnBrk="1">
+                        <a:spcAft>
+                          <a:spcPts val="800"/>
+                        </a:spcAft>
+                      </a:pPr>
+                      <a:r>
+                        <a:rPr lang="ko-KR" sz="1000">
+                          <a:effectLst/>
+                        </a:rPr>
+                        <a:t>일반 공격</a:t>
+                      </a:r>
+                      <a:endParaRPr lang="ko-KR" sz="1100">
+                        <a:effectLst/>
+                        <a:latin typeface="맑은 고딕" panose="020B0503020000020004" pitchFamily="50" charset="-127"/>
+                        <a:ea typeface="맑은 고딕" panose="020B0503020000020004" pitchFamily="50" charset="-127"/>
+                        <a:cs typeface="맑은 고딕" panose="020B0503020000020004" pitchFamily="50" charset="-127"/>
+                      </a:endParaRPr>
+                    </a:p>
+                  </a:txBody>
+                  <a:tcPr marL="67521" marR="67521" marT="0" marB="0" anchor="ctr"/>
+                </a:tc>
+                <a:tc>
+                  <a:txBody>
+                    <a:bodyPr/>
+                    <a:lstStyle/>
+                    <a:p>
+                      <a:pPr algn="ctr" latinLnBrk="1">
+                        <a:spcAft>
+                          <a:spcPts val="800"/>
+                        </a:spcAft>
+                      </a:pPr>
+                      <a:r>
+                        <a:rPr lang="en-US" sz="1000">
+                          <a:effectLst/>
+                        </a:rPr>
+                        <a:t>-</a:t>
+                      </a:r>
+                      <a:endParaRPr lang="ko-KR" sz="1100">
+                        <a:effectLst/>
+                        <a:latin typeface="맑은 고딕" panose="020B0503020000020004" pitchFamily="50" charset="-127"/>
+                        <a:ea typeface="맑은 고딕" panose="020B0503020000020004" pitchFamily="50" charset="-127"/>
+                        <a:cs typeface="맑은 고딕" panose="020B0503020000020004" pitchFamily="50" charset="-127"/>
+                      </a:endParaRPr>
+                    </a:p>
+                  </a:txBody>
+                  <a:tcPr marL="67521" marR="67521" marT="0" marB="0" anchor="ctr"/>
+                </a:tc>
+                <a:tc>
+                  <a:txBody>
+                    <a:bodyPr/>
+                    <a:lstStyle/>
+                    <a:p>
+                      <a:pPr latinLnBrk="1">
+                        <a:spcAft>
+                          <a:spcPts val="800"/>
+                        </a:spcAft>
+                      </a:pPr>
+                      <a:r>
+                        <a:rPr lang="en-US" sz="1000" dirty="0">
+                          <a:effectLst/>
+                        </a:rPr>
+                        <a:t>3</a:t>
+                      </a:r>
+                      <a:r>
+                        <a:rPr lang="ko-KR" sz="1000" dirty="0">
+                          <a:effectLst/>
+                        </a:rPr>
+                        <a:t>번의 연계형 공격</a:t>
+                      </a:r>
+                      <a:endParaRPr lang="ko-KR" sz="1100" dirty="0">
+                        <a:effectLst/>
+                      </a:endParaRPr>
+                    </a:p>
+                    <a:p>
+                      <a:pPr latinLnBrk="1">
+                        <a:spcAft>
+                          <a:spcPts val="800"/>
+                        </a:spcAft>
+                      </a:pPr>
+                      <a:r>
+                        <a:rPr lang="en-US" sz="1000" dirty="0">
+                          <a:effectLst/>
+                        </a:rPr>
+                        <a:t>- </a:t>
+                      </a:r>
+                      <a:r>
+                        <a:rPr lang="ko-KR" sz="1000" dirty="0">
+                          <a:effectLst/>
+                        </a:rPr>
+                        <a:t>오른발을 앞으로 내밀면서 바깥쪽에서 안쪽으로 손을 휘두른다</a:t>
+                      </a:r>
+                      <a:r>
+                        <a:rPr lang="en-US" sz="1000" dirty="0">
+                          <a:effectLst/>
+                        </a:rPr>
+                        <a:t>. </a:t>
+                      </a:r>
+                      <a:r>
+                        <a:rPr lang="ko-KR" sz="1000" dirty="0">
+                          <a:effectLst/>
+                        </a:rPr>
+                        <a:t>손을 휘두르면서 부채를 접어 </a:t>
+                      </a:r>
+                      <a:r>
+                        <a:rPr lang="en-US" sz="1000" dirty="0">
+                          <a:effectLst/>
+                        </a:rPr>
+                        <a:t>1</a:t>
+                      </a:r>
+                      <a:r>
+                        <a:rPr lang="ko-KR" sz="1000" dirty="0">
+                          <a:effectLst/>
+                        </a:rPr>
+                        <a:t>회 피해를 준다</a:t>
+                      </a:r>
+                      <a:r>
+                        <a:rPr lang="en-US" sz="1000" dirty="0">
+                          <a:effectLst/>
+                        </a:rPr>
+                        <a:t>. </a:t>
+                      </a:r>
+                      <a:endParaRPr lang="ko-KR" sz="1100" dirty="0">
+                        <a:effectLst/>
+                      </a:endParaRPr>
+                    </a:p>
+                    <a:p>
+                      <a:pPr latinLnBrk="1">
+                        <a:spcAft>
+                          <a:spcPts val="800"/>
+                        </a:spcAft>
+                      </a:pPr>
+                      <a:r>
+                        <a:rPr lang="en-US" sz="1000" dirty="0">
+                          <a:effectLst/>
+                        </a:rPr>
+                        <a:t>- </a:t>
+                      </a:r>
+                      <a:r>
+                        <a:rPr lang="ko-KR" sz="1000" dirty="0">
+                          <a:effectLst/>
+                        </a:rPr>
+                        <a:t>오른발을 뒤로 빼면서 부채를 </a:t>
+                      </a:r>
+                      <a:r>
+                        <a:rPr lang="ko-KR" sz="1000" dirty="0" err="1">
+                          <a:effectLst/>
+                        </a:rPr>
+                        <a:t>몸쪽으로</a:t>
+                      </a:r>
+                      <a:r>
+                        <a:rPr lang="ko-KR" sz="1000" dirty="0">
+                          <a:effectLst/>
+                        </a:rPr>
+                        <a:t> 끌어당기고 번개를 부채에 </a:t>
+                      </a:r>
+                      <a:r>
+                        <a:rPr lang="ko-KR" sz="1000" dirty="0" err="1">
+                          <a:effectLst/>
+                        </a:rPr>
+                        <a:t>끌어모으며</a:t>
+                      </a:r>
+                      <a:r>
+                        <a:rPr lang="ko-KR" sz="1000" dirty="0">
+                          <a:effectLst/>
+                        </a:rPr>
+                        <a:t> </a:t>
+                      </a:r>
+                      <a:r>
+                        <a:rPr lang="en-US" sz="1000" dirty="0">
+                          <a:effectLst/>
+                        </a:rPr>
+                        <a:t>1</a:t>
+                      </a:r>
+                      <a:r>
+                        <a:rPr lang="ko-KR" sz="1000" dirty="0">
+                          <a:effectLst/>
+                        </a:rPr>
+                        <a:t>회 피해를 준다</a:t>
+                      </a:r>
+                      <a:r>
+                        <a:rPr lang="en-US" sz="1000" dirty="0">
+                          <a:effectLst/>
+                        </a:rPr>
+                        <a:t>.</a:t>
+                      </a:r>
+                      <a:endParaRPr lang="ko-KR" sz="1100" dirty="0">
+                        <a:effectLst/>
+                      </a:endParaRPr>
+                    </a:p>
+                    <a:p>
+                      <a:pPr latinLnBrk="1">
+                        <a:spcAft>
+                          <a:spcPts val="800"/>
+                        </a:spcAft>
+                      </a:pPr>
+                      <a:r>
+                        <a:rPr lang="en-US" sz="1000" dirty="0">
+                          <a:effectLst/>
+                        </a:rPr>
+                        <a:t>- </a:t>
+                      </a:r>
+                      <a:r>
+                        <a:rPr lang="ko-KR" sz="1000" dirty="0">
+                          <a:effectLst/>
+                        </a:rPr>
+                        <a:t>부채를 정면으로 펼치며 번개를 방출해 </a:t>
+                      </a:r>
+                      <a:r>
+                        <a:rPr lang="en-US" sz="1000" dirty="0">
+                          <a:effectLst/>
+                        </a:rPr>
+                        <a:t>1</a:t>
+                      </a:r>
+                      <a:r>
+                        <a:rPr lang="ko-KR" sz="1000" dirty="0">
+                          <a:effectLst/>
+                        </a:rPr>
+                        <a:t>회 피해를 준다</a:t>
+                      </a:r>
+                      <a:r>
+                        <a:rPr lang="en-US" sz="1000" dirty="0">
+                          <a:effectLst/>
+                        </a:rPr>
+                        <a:t>.</a:t>
+                      </a:r>
+                      <a:endParaRPr lang="ko-KR" sz="1100" dirty="0">
+                        <a:effectLst/>
+                        <a:latin typeface="맑은 고딕" panose="020B0503020000020004" pitchFamily="50" charset="-127"/>
+                        <a:ea typeface="맑은 고딕" panose="020B0503020000020004" pitchFamily="50" charset="-127"/>
+                        <a:cs typeface="맑은 고딕" panose="020B0503020000020004" pitchFamily="50" charset="-127"/>
+                      </a:endParaRPr>
+                    </a:p>
+                  </a:txBody>
+                  <a:tcPr marL="67521" marR="67521" marT="0" marB="0" anchor="ctr"/>
+                </a:tc>
+                <a:extLst>
+                  <a:ext uri="{0D108BD9-81ED-4DB2-BD59-A6C34878D82A}">
+                    <a16:rowId xmlns:a16="http://schemas.microsoft.com/office/drawing/2014/main" val="1774201791"/>
+                  </a:ext>
+                </a:extLst>
+              </a:tr>
+              <a:tr h="450138">
+                <a:tc>
+                  <a:txBody>
+                    <a:bodyPr/>
+                    <a:lstStyle/>
+                    <a:p>
+                      <a:pPr algn="ctr" latinLnBrk="1">
+                        <a:spcAft>
+                          <a:spcPts val="800"/>
+                        </a:spcAft>
+                      </a:pPr>
+                      <a:r>
+                        <a:rPr lang="ko-KR" sz="1000">
+                          <a:effectLst/>
+                        </a:rPr>
+                        <a:t>스위칭 스킬</a:t>
+                      </a:r>
+                      <a:endParaRPr lang="ko-KR" sz="1100">
+                        <a:effectLst/>
+                        <a:latin typeface="맑은 고딕" panose="020B0503020000020004" pitchFamily="50" charset="-127"/>
+                        <a:ea typeface="맑은 고딕" panose="020B0503020000020004" pitchFamily="50" charset="-127"/>
+                        <a:cs typeface="맑은 고딕" panose="020B0503020000020004" pitchFamily="50" charset="-127"/>
+                      </a:endParaRPr>
+                    </a:p>
+                  </a:txBody>
+                  <a:tcPr marL="67521" marR="67521" marT="0" marB="0" anchor="ctr"/>
+                </a:tc>
+                <a:tc>
+                  <a:txBody>
+                    <a:bodyPr/>
+                    <a:lstStyle/>
+                    <a:p>
+                      <a:pPr algn="ctr" latinLnBrk="1">
+                        <a:spcAft>
+                          <a:spcPts val="800"/>
+                        </a:spcAft>
+                      </a:pPr>
+                      <a:r>
+                        <a:rPr lang="en-US" sz="1000">
+                          <a:effectLst/>
+                        </a:rPr>
+                        <a:t>-</a:t>
+                      </a:r>
+                      <a:endParaRPr lang="ko-KR" sz="1100">
+                        <a:effectLst/>
+                        <a:latin typeface="맑은 고딕" panose="020B0503020000020004" pitchFamily="50" charset="-127"/>
+                        <a:ea typeface="맑은 고딕" panose="020B0503020000020004" pitchFamily="50" charset="-127"/>
+                        <a:cs typeface="맑은 고딕" panose="020B0503020000020004" pitchFamily="50" charset="-127"/>
+                      </a:endParaRPr>
+                    </a:p>
+                  </a:txBody>
+                  <a:tcPr marL="67521" marR="67521" marT="0" marB="0" anchor="ctr"/>
+                </a:tc>
+                <a:tc>
+                  <a:txBody>
+                    <a:bodyPr/>
+                    <a:lstStyle/>
+                    <a:p>
+                      <a:pPr latinLnBrk="1">
+                        <a:spcAft>
+                          <a:spcPts val="800"/>
+                        </a:spcAft>
+                      </a:pPr>
+                      <a:r>
+                        <a:rPr lang="ko-KR" sz="1000">
+                          <a:effectLst/>
+                        </a:rPr>
+                        <a:t>접혀 있는 부채를 꺼내며 하늘을 향해 펼친다</a:t>
+                      </a:r>
+                      <a:r>
+                        <a:rPr lang="en-US" sz="1000">
+                          <a:effectLst/>
+                        </a:rPr>
+                        <a:t>. 10</a:t>
+                      </a:r>
+                      <a:r>
+                        <a:rPr lang="ko-KR" sz="1000">
+                          <a:effectLst/>
+                        </a:rPr>
+                        <a:t>초 동안</a:t>
+                      </a:r>
+                      <a:r>
+                        <a:rPr lang="en-US" sz="1000">
+                          <a:effectLst/>
+                        </a:rPr>
+                        <a:t> 1</a:t>
+                      </a:r>
+                      <a:r>
+                        <a:rPr lang="ko-KR" sz="1000">
+                          <a:effectLst/>
+                        </a:rPr>
+                        <a:t>초마다 랜덤한 적에게 하늘에서 번개를 떨어트려 피해를</a:t>
+                      </a:r>
+                      <a:r>
+                        <a:rPr lang="en-US" sz="1000">
+                          <a:effectLst/>
+                        </a:rPr>
+                        <a:t> 1</a:t>
+                      </a:r>
+                      <a:r>
+                        <a:rPr lang="ko-KR" sz="1000">
+                          <a:effectLst/>
+                        </a:rPr>
+                        <a:t>회 준다</a:t>
+                      </a:r>
+                      <a:r>
+                        <a:rPr lang="en-US" sz="1000">
+                          <a:effectLst/>
+                        </a:rPr>
+                        <a:t>.</a:t>
+                      </a:r>
+                      <a:endParaRPr lang="ko-KR" sz="1100">
+                        <a:effectLst/>
+                        <a:latin typeface="맑은 고딕" panose="020B0503020000020004" pitchFamily="50" charset="-127"/>
+                        <a:ea typeface="맑은 고딕" panose="020B0503020000020004" pitchFamily="50" charset="-127"/>
+                        <a:cs typeface="맑은 고딕" panose="020B0503020000020004" pitchFamily="50" charset="-127"/>
+                      </a:endParaRPr>
+                    </a:p>
+                  </a:txBody>
+                  <a:tcPr marL="67521" marR="67521" marT="0" marB="0" anchor="ctr"/>
+                </a:tc>
+                <a:extLst>
+                  <a:ext uri="{0D108BD9-81ED-4DB2-BD59-A6C34878D82A}">
+                    <a16:rowId xmlns:a16="http://schemas.microsoft.com/office/drawing/2014/main" val="1355598705"/>
+                  </a:ext>
+                </a:extLst>
+              </a:tr>
+              <a:tr h="561705">
+                <a:tc>
+                  <a:txBody>
+                    <a:bodyPr/>
+                    <a:lstStyle/>
+                    <a:p>
+                      <a:pPr algn="ctr" latinLnBrk="1">
+                        <a:spcAft>
+                          <a:spcPts val="800"/>
+                        </a:spcAft>
+                      </a:pPr>
+                      <a:r>
+                        <a:rPr lang="ko-KR" sz="1000">
+                          <a:effectLst/>
+                        </a:rPr>
+                        <a:t>스킬</a:t>
+                      </a:r>
+                      <a:r>
+                        <a:rPr lang="en-US" sz="1000">
+                          <a:effectLst/>
+                        </a:rPr>
+                        <a:t> 1</a:t>
+                      </a:r>
+                      <a:endParaRPr lang="ko-KR" sz="1100">
+                        <a:effectLst/>
+                        <a:latin typeface="맑은 고딕" panose="020B0503020000020004" pitchFamily="50" charset="-127"/>
+                        <a:ea typeface="맑은 고딕" panose="020B0503020000020004" pitchFamily="50" charset="-127"/>
+                        <a:cs typeface="맑은 고딕" panose="020B0503020000020004" pitchFamily="50" charset="-127"/>
+                      </a:endParaRPr>
+                    </a:p>
+                  </a:txBody>
+                  <a:tcPr marL="67521" marR="67521" marT="0" marB="0" anchor="ctr"/>
+                </a:tc>
+                <a:tc>
+                  <a:txBody>
+                    <a:bodyPr/>
+                    <a:lstStyle/>
+                    <a:p>
+                      <a:pPr algn="ctr" latinLnBrk="1">
+                        <a:spcAft>
+                          <a:spcPts val="800"/>
+                        </a:spcAft>
+                      </a:pPr>
+                      <a:r>
+                        <a:rPr lang="en-US" sz="1000">
+                          <a:effectLst/>
+                        </a:rPr>
+                        <a:t>C</a:t>
+                      </a:r>
+                      <a:endParaRPr lang="ko-KR" sz="1100">
+                        <a:effectLst/>
+                        <a:latin typeface="맑은 고딕" panose="020B0503020000020004" pitchFamily="50" charset="-127"/>
+                        <a:ea typeface="맑은 고딕" panose="020B0503020000020004" pitchFamily="50" charset="-127"/>
+                        <a:cs typeface="맑은 고딕" panose="020B0503020000020004" pitchFamily="50" charset="-127"/>
+                      </a:endParaRPr>
+                    </a:p>
+                  </a:txBody>
+                  <a:tcPr marL="67521" marR="67521" marT="0" marB="0" anchor="ctr"/>
+                </a:tc>
+                <a:tc>
+                  <a:txBody>
+                    <a:bodyPr/>
+                    <a:lstStyle/>
+                    <a:p>
+                      <a:pPr latinLnBrk="1">
+                        <a:spcAft>
+                          <a:spcPts val="800"/>
+                        </a:spcAft>
+                      </a:pPr>
+                      <a:r>
+                        <a:rPr lang="ko-KR" sz="1000">
+                          <a:effectLst/>
+                        </a:rPr>
+                        <a:t>부채를 접으며 오른손을 위로 뻗는다</a:t>
+                      </a:r>
+                      <a:r>
+                        <a:rPr lang="en-US" sz="1000">
+                          <a:effectLst/>
+                        </a:rPr>
+                        <a:t>. </a:t>
+                      </a:r>
+                      <a:r>
+                        <a:rPr lang="ko-KR" sz="1000">
+                          <a:effectLst/>
+                        </a:rPr>
+                        <a:t>번개가 캐릭터에게 내려친다</a:t>
+                      </a:r>
+                      <a:r>
+                        <a:rPr lang="en-US" sz="1000">
+                          <a:effectLst/>
+                        </a:rPr>
+                        <a:t>. </a:t>
+                      </a:r>
+                      <a:r>
+                        <a:rPr lang="ko-KR" sz="1000">
+                          <a:effectLst/>
+                        </a:rPr>
+                        <a:t>번개가 내려칠 때 주변에 피해를 입힌다</a:t>
+                      </a:r>
+                      <a:r>
+                        <a:rPr lang="en-US" sz="1000">
+                          <a:effectLst/>
+                        </a:rPr>
+                        <a:t>. </a:t>
+                      </a:r>
+                      <a:r>
+                        <a:rPr lang="ko-KR" sz="1000">
+                          <a:effectLst/>
+                        </a:rPr>
+                        <a:t>이후 캐릭터의 몸 주변에 일정량의 데미지를 흡수하는 번개 보호막을 형성한다</a:t>
+                      </a:r>
+                      <a:r>
+                        <a:rPr lang="en-US" sz="1000">
+                          <a:effectLst/>
+                        </a:rPr>
+                        <a:t>. (5</a:t>
+                      </a:r>
+                      <a:r>
+                        <a:rPr lang="ko-KR" sz="1000">
+                          <a:effectLst/>
+                        </a:rPr>
+                        <a:t>초 지속</a:t>
+                      </a:r>
+                      <a:r>
+                        <a:rPr lang="en-US" sz="1000">
+                          <a:effectLst/>
+                        </a:rPr>
+                        <a:t>) </a:t>
+                      </a:r>
+                      <a:r>
+                        <a:rPr lang="ko-KR" sz="1000">
+                          <a:effectLst/>
+                        </a:rPr>
+                        <a:t>보호막이 적의 공격에 의해 제거되지 않고 지속시간이 지나 사라질 때 주변으로 번개를 방출하며</a:t>
+                      </a:r>
+                      <a:r>
+                        <a:rPr lang="en-US" sz="1000">
+                          <a:effectLst/>
+                        </a:rPr>
+                        <a:t> 1</a:t>
+                      </a:r>
+                      <a:r>
+                        <a:rPr lang="ko-KR" sz="1000">
+                          <a:effectLst/>
+                        </a:rPr>
+                        <a:t>회 공격한다</a:t>
+                      </a:r>
+                      <a:r>
+                        <a:rPr lang="en-US" sz="1000">
+                          <a:effectLst/>
+                        </a:rPr>
+                        <a:t>.</a:t>
+                      </a:r>
+                      <a:endParaRPr lang="ko-KR" sz="1100">
+                        <a:effectLst/>
+                        <a:latin typeface="맑은 고딕" panose="020B0503020000020004" pitchFamily="50" charset="-127"/>
+                        <a:ea typeface="맑은 고딕" panose="020B0503020000020004" pitchFamily="50" charset="-127"/>
+                        <a:cs typeface="맑은 고딕" panose="020B0503020000020004" pitchFamily="50" charset="-127"/>
+                      </a:endParaRPr>
+                    </a:p>
+                  </a:txBody>
+                  <a:tcPr marL="67521" marR="67521" marT="0" marB="0" anchor="ctr"/>
+                </a:tc>
+                <a:extLst>
+                  <a:ext uri="{0D108BD9-81ED-4DB2-BD59-A6C34878D82A}">
+                    <a16:rowId xmlns:a16="http://schemas.microsoft.com/office/drawing/2014/main" val="4131342945"/>
+                  </a:ext>
+                </a:extLst>
+              </a:tr>
+              <a:tr h="600185">
+                <a:tc>
+                  <a:txBody>
+                    <a:bodyPr/>
+                    <a:lstStyle/>
+                    <a:p>
+                      <a:pPr algn="ctr" latinLnBrk="1">
+                        <a:spcAft>
+                          <a:spcPts val="800"/>
+                        </a:spcAft>
+                      </a:pPr>
+                      <a:r>
+                        <a:rPr lang="ko-KR" sz="1000">
+                          <a:effectLst/>
+                        </a:rPr>
+                        <a:t>스킬</a:t>
+                      </a:r>
+                      <a:r>
+                        <a:rPr lang="en-US" sz="1000">
+                          <a:effectLst/>
+                        </a:rPr>
+                        <a:t> 2</a:t>
+                      </a:r>
+                      <a:endParaRPr lang="ko-KR" sz="1100">
+                        <a:effectLst/>
+                        <a:latin typeface="맑은 고딕" panose="020B0503020000020004" pitchFamily="50" charset="-127"/>
+                        <a:ea typeface="맑은 고딕" panose="020B0503020000020004" pitchFamily="50" charset="-127"/>
+                        <a:cs typeface="맑은 고딕" panose="020B0503020000020004" pitchFamily="50" charset="-127"/>
+                      </a:endParaRPr>
+                    </a:p>
+                  </a:txBody>
+                  <a:tcPr marL="67521" marR="67521" marT="0" marB="0" anchor="ctr"/>
+                </a:tc>
+                <a:tc>
+                  <a:txBody>
+                    <a:bodyPr/>
+                    <a:lstStyle/>
+                    <a:p>
+                      <a:pPr algn="ctr" latinLnBrk="1">
+                        <a:spcAft>
+                          <a:spcPts val="800"/>
+                        </a:spcAft>
+                      </a:pPr>
+                      <a:r>
+                        <a:rPr lang="en-US" sz="1000">
+                          <a:effectLst/>
+                        </a:rPr>
+                        <a:t>B</a:t>
+                      </a:r>
+                      <a:endParaRPr lang="ko-KR" sz="1100">
+                        <a:effectLst/>
+                        <a:latin typeface="맑은 고딕" panose="020B0503020000020004" pitchFamily="50" charset="-127"/>
+                        <a:ea typeface="맑은 고딕" panose="020B0503020000020004" pitchFamily="50" charset="-127"/>
+                        <a:cs typeface="맑은 고딕" panose="020B0503020000020004" pitchFamily="50" charset="-127"/>
+                      </a:endParaRPr>
+                    </a:p>
+                  </a:txBody>
+                  <a:tcPr marL="67521" marR="67521" marT="0" marB="0" anchor="ctr"/>
+                </a:tc>
+                <a:tc>
+                  <a:txBody>
+                    <a:bodyPr/>
+                    <a:lstStyle/>
+                    <a:p>
+                      <a:pPr latinLnBrk="1">
+                        <a:spcAft>
+                          <a:spcPts val="800"/>
+                        </a:spcAft>
+                      </a:pPr>
+                      <a:r>
+                        <a:rPr lang="ko-KR" sz="1000">
+                          <a:effectLst/>
+                        </a:rPr>
+                        <a:t>왼손을 앞으로 뻗고 부채를 왼손에 가져가며 손바닥을 치듯이 접는다</a:t>
+                      </a:r>
+                      <a:r>
+                        <a:rPr lang="en-US" sz="1000">
+                          <a:effectLst/>
+                        </a:rPr>
+                        <a:t>. </a:t>
+                      </a:r>
+                      <a:r>
+                        <a:rPr lang="ko-KR" sz="1000">
+                          <a:effectLst/>
+                        </a:rPr>
+                        <a:t>왼손의 손바닥 위에 번개 구체가 두개 형성된다</a:t>
+                      </a:r>
+                      <a:r>
+                        <a:rPr lang="en-US" sz="1000">
+                          <a:effectLst/>
+                        </a:rPr>
+                        <a:t>. </a:t>
+                      </a:r>
+                      <a:r>
+                        <a:rPr lang="ko-KR" sz="1000">
+                          <a:effectLst/>
+                        </a:rPr>
+                        <a:t>이후 부채를 펼치며 손을 내리고 아래에서 위로</a:t>
+                      </a:r>
+                      <a:r>
+                        <a:rPr lang="en-US" sz="1000">
+                          <a:effectLst/>
+                        </a:rPr>
+                        <a:t>, </a:t>
+                      </a:r>
+                      <a:r>
+                        <a:rPr lang="ko-KR" sz="1000">
+                          <a:effectLst/>
+                        </a:rPr>
+                        <a:t>안에서 밖으로 부채를 총 두 번 휘둘러 번개를 방출한다</a:t>
+                      </a:r>
+                      <a:r>
+                        <a:rPr lang="en-US" sz="1000">
+                          <a:effectLst/>
+                        </a:rPr>
+                        <a:t>.</a:t>
+                      </a:r>
+                      <a:endParaRPr lang="ko-KR" sz="1100">
+                        <a:effectLst/>
+                        <a:latin typeface="맑은 고딕" panose="020B0503020000020004" pitchFamily="50" charset="-127"/>
+                        <a:ea typeface="맑은 고딕" panose="020B0503020000020004" pitchFamily="50" charset="-127"/>
+                        <a:cs typeface="맑은 고딕" panose="020B0503020000020004" pitchFamily="50" charset="-127"/>
+                      </a:endParaRPr>
+                    </a:p>
+                  </a:txBody>
+                  <a:tcPr marL="67521" marR="67521" marT="0" marB="0" anchor="ctr"/>
+                </a:tc>
+                <a:extLst>
+                  <a:ext uri="{0D108BD9-81ED-4DB2-BD59-A6C34878D82A}">
+                    <a16:rowId xmlns:a16="http://schemas.microsoft.com/office/drawing/2014/main" val="3565765023"/>
+                  </a:ext>
+                </a:extLst>
+              </a:tr>
+              <a:tr h="600185">
+                <a:tc>
+                  <a:txBody>
+                    <a:bodyPr/>
+                    <a:lstStyle/>
+                    <a:p>
+                      <a:pPr algn="ctr" latinLnBrk="1">
+                        <a:spcAft>
+                          <a:spcPts val="800"/>
+                        </a:spcAft>
+                      </a:pPr>
+                      <a:r>
+                        <a:rPr lang="ko-KR" sz="1000">
+                          <a:effectLst/>
+                        </a:rPr>
+                        <a:t>스킬</a:t>
+                      </a:r>
+                      <a:r>
+                        <a:rPr lang="en-US" sz="1000">
+                          <a:effectLst/>
+                        </a:rPr>
+                        <a:t> 3 </a:t>
+                      </a:r>
+                      <a:endParaRPr lang="ko-KR" sz="1100">
+                        <a:effectLst/>
+                        <a:latin typeface="맑은 고딕" panose="020B0503020000020004" pitchFamily="50" charset="-127"/>
+                        <a:ea typeface="맑은 고딕" panose="020B0503020000020004" pitchFamily="50" charset="-127"/>
+                        <a:cs typeface="맑은 고딕" panose="020B0503020000020004" pitchFamily="50" charset="-127"/>
+                      </a:endParaRPr>
+                    </a:p>
+                  </a:txBody>
+                  <a:tcPr marL="67521" marR="67521" marT="0" marB="0" anchor="ctr"/>
+                </a:tc>
+                <a:tc>
+                  <a:txBody>
+                    <a:bodyPr/>
+                    <a:lstStyle/>
+                    <a:p>
+                      <a:pPr algn="ctr" latinLnBrk="1">
+                        <a:spcAft>
+                          <a:spcPts val="800"/>
+                        </a:spcAft>
+                      </a:pPr>
+                      <a:r>
+                        <a:rPr lang="en-US" sz="1000">
+                          <a:effectLst/>
+                        </a:rPr>
+                        <a:t>A</a:t>
+                      </a:r>
+                      <a:endParaRPr lang="ko-KR" sz="1100">
+                        <a:effectLst/>
+                        <a:latin typeface="맑은 고딕" panose="020B0503020000020004" pitchFamily="50" charset="-127"/>
+                        <a:ea typeface="맑은 고딕" panose="020B0503020000020004" pitchFamily="50" charset="-127"/>
+                        <a:cs typeface="맑은 고딕" panose="020B0503020000020004" pitchFamily="50" charset="-127"/>
+                      </a:endParaRPr>
+                    </a:p>
+                  </a:txBody>
+                  <a:tcPr marL="67521" marR="67521" marT="0" marB="0" anchor="ctr"/>
+                </a:tc>
+                <a:tc>
+                  <a:txBody>
+                    <a:bodyPr/>
+                    <a:lstStyle/>
+                    <a:p>
+                      <a:pPr latinLnBrk="1">
+                        <a:spcAft>
+                          <a:spcPts val="800"/>
+                        </a:spcAft>
+                      </a:pPr>
+                      <a:r>
+                        <a:rPr lang="ko-KR" sz="1000">
+                          <a:effectLst/>
+                        </a:rPr>
+                        <a:t>부채를 접은 후 몸을 한 바퀴 회전하며 하늘을 향해 펼친다</a:t>
+                      </a:r>
+                      <a:r>
+                        <a:rPr lang="en-US" sz="1000">
+                          <a:effectLst/>
+                        </a:rPr>
+                        <a:t>. </a:t>
+                      </a:r>
+                      <a:r>
+                        <a:rPr lang="ko-KR" sz="1000">
+                          <a:effectLst/>
+                        </a:rPr>
+                        <a:t>전방의 하늘에 원형의 부채 모양으로 번개가 형성되고 회전하며 하늘의 번개를 담는다</a:t>
+                      </a:r>
+                      <a:r>
+                        <a:rPr lang="en-US" sz="1000">
+                          <a:effectLst/>
+                        </a:rPr>
+                        <a:t>. </a:t>
+                      </a:r>
+                      <a:r>
+                        <a:rPr lang="ko-KR" sz="1000">
+                          <a:effectLst/>
+                        </a:rPr>
+                        <a:t>이후 부채를 수직으로 내리는 동작을 따라 거대한 번개가 한 번 내리친다</a:t>
+                      </a:r>
+                      <a:r>
+                        <a:rPr lang="en-US" sz="1000">
+                          <a:effectLst/>
+                        </a:rPr>
+                        <a:t>.</a:t>
+                      </a:r>
+                      <a:endParaRPr lang="ko-KR" sz="1100">
+                        <a:effectLst/>
+                        <a:latin typeface="맑은 고딕" panose="020B0503020000020004" pitchFamily="50" charset="-127"/>
+                        <a:ea typeface="맑은 고딕" panose="020B0503020000020004" pitchFamily="50" charset="-127"/>
+                        <a:cs typeface="맑은 고딕" panose="020B0503020000020004" pitchFamily="50" charset="-127"/>
+                      </a:endParaRPr>
+                    </a:p>
+                  </a:txBody>
+                  <a:tcPr marL="67521" marR="67521" marT="0" marB="0" anchor="ctr"/>
+                </a:tc>
+                <a:extLst>
+                  <a:ext uri="{0D108BD9-81ED-4DB2-BD59-A6C34878D82A}">
+                    <a16:rowId xmlns:a16="http://schemas.microsoft.com/office/drawing/2014/main" val="3168661115"/>
+                  </a:ext>
+                </a:extLst>
+              </a:tr>
+              <a:tr h="450138">
+                <a:tc>
+                  <a:txBody>
+                    <a:bodyPr/>
+                    <a:lstStyle/>
+                    <a:p>
+                      <a:pPr algn="ctr" latinLnBrk="1">
+                        <a:spcAft>
+                          <a:spcPts val="800"/>
+                        </a:spcAft>
+                      </a:pPr>
+                      <a:r>
+                        <a:rPr lang="ko-KR" sz="1000">
+                          <a:effectLst/>
+                        </a:rPr>
+                        <a:t>스킬</a:t>
+                      </a:r>
+                      <a:r>
+                        <a:rPr lang="en-US" sz="1000">
+                          <a:effectLst/>
+                        </a:rPr>
+                        <a:t> 4</a:t>
+                      </a:r>
+                      <a:endParaRPr lang="ko-KR" sz="1100">
+                        <a:effectLst/>
+                        <a:latin typeface="맑은 고딕" panose="020B0503020000020004" pitchFamily="50" charset="-127"/>
+                        <a:ea typeface="맑은 고딕" panose="020B0503020000020004" pitchFamily="50" charset="-127"/>
+                        <a:cs typeface="맑은 고딕" panose="020B0503020000020004" pitchFamily="50" charset="-127"/>
+                      </a:endParaRPr>
+                    </a:p>
+                  </a:txBody>
+                  <a:tcPr marL="67521" marR="67521" marT="0" marB="0" anchor="ctr"/>
+                </a:tc>
+                <a:tc>
+                  <a:txBody>
+                    <a:bodyPr/>
+                    <a:lstStyle/>
+                    <a:p>
+                      <a:pPr algn="ctr" latinLnBrk="1">
+                        <a:spcAft>
+                          <a:spcPts val="800"/>
+                        </a:spcAft>
+                      </a:pPr>
+                      <a:r>
+                        <a:rPr lang="en-US" sz="1000">
+                          <a:effectLst/>
+                        </a:rPr>
+                        <a:t>S</a:t>
+                      </a:r>
+                      <a:endParaRPr lang="ko-KR" sz="1100">
+                        <a:effectLst/>
+                        <a:latin typeface="맑은 고딕" panose="020B0503020000020004" pitchFamily="50" charset="-127"/>
+                        <a:ea typeface="맑은 고딕" panose="020B0503020000020004" pitchFamily="50" charset="-127"/>
+                        <a:cs typeface="맑은 고딕" panose="020B0503020000020004" pitchFamily="50" charset="-127"/>
+                      </a:endParaRPr>
+                    </a:p>
+                  </a:txBody>
+                  <a:tcPr marL="67521" marR="67521" marT="0" marB="0" anchor="ctr"/>
+                </a:tc>
+                <a:tc>
+                  <a:txBody>
+                    <a:bodyPr/>
+                    <a:lstStyle/>
+                    <a:p>
+                      <a:pPr latinLnBrk="1">
+                        <a:spcAft>
+                          <a:spcPts val="800"/>
+                        </a:spcAft>
+                      </a:pPr>
+                      <a:r>
+                        <a:rPr lang="ko-KR" sz="1000" dirty="0">
+                          <a:effectLst/>
+                        </a:rPr>
+                        <a:t>부채를 접으며 오른손을 허리 뒤의 왼손위에 포갠다</a:t>
+                      </a:r>
+                      <a:r>
+                        <a:rPr lang="en-US" sz="1000" dirty="0">
+                          <a:effectLst/>
+                        </a:rPr>
+                        <a:t>. </a:t>
+                      </a:r>
+                      <a:r>
+                        <a:rPr lang="ko-KR" sz="1000" dirty="0">
+                          <a:effectLst/>
+                        </a:rPr>
+                        <a:t>번개를 온 몸에 </a:t>
+                      </a:r>
+                      <a:r>
+                        <a:rPr lang="ko-KR" sz="1000" dirty="0" err="1">
+                          <a:effectLst/>
+                        </a:rPr>
+                        <a:t>끌어모은다</a:t>
+                      </a:r>
+                      <a:r>
+                        <a:rPr lang="en-US" sz="1000" dirty="0">
+                          <a:effectLst/>
+                        </a:rPr>
+                        <a:t>. </a:t>
+                      </a:r>
+                      <a:r>
+                        <a:rPr lang="ko-KR" sz="1000" dirty="0">
+                          <a:effectLst/>
+                        </a:rPr>
+                        <a:t>이후 천천히 세 걸음 전진한다</a:t>
+                      </a:r>
+                      <a:r>
+                        <a:rPr lang="en-US" sz="1000" dirty="0">
+                          <a:effectLst/>
+                        </a:rPr>
+                        <a:t>. </a:t>
+                      </a:r>
+                      <a:r>
+                        <a:rPr lang="ko-KR" sz="1000" dirty="0">
+                          <a:effectLst/>
+                        </a:rPr>
+                        <a:t>걸음마다 몸에 담긴 번개가 </a:t>
+                      </a:r>
+                      <a:r>
+                        <a:rPr lang="ko-KR" sz="1000" dirty="0" err="1">
+                          <a:effectLst/>
+                        </a:rPr>
+                        <a:t>퍼져나가</a:t>
+                      </a:r>
+                      <a:r>
+                        <a:rPr lang="ko-KR" sz="1000" dirty="0">
+                          <a:effectLst/>
+                        </a:rPr>
+                        <a:t> 주변의 적에게 피해를 준다</a:t>
+                      </a:r>
+                      <a:r>
+                        <a:rPr lang="en-US" sz="1000" dirty="0">
+                          <a:effectLst/>
+                        </a:rPr>
+                        <a:t>.</a:t>
+                      </a:r>
+                      <a:endParaRPr lang="ko-KR" sz="1100" dirty="0">
+                        <a:effectLst/>
+                        <a:latin typeface="맑은 고딕" panose="020B0503020000020004" pitchFamily="50" charset="-127"/>
+                        <a:ea typeface="맑은 고딕" panose="020B0503020000020004" pitchFamily="50" charset="-127"/>
+                        <a:cs typeface="맑은 고딕" panose="020B0503020000020004" pitchFamily="50" charset="-127"/>
+                      </a:endParaRPr>
+                    </a:p>
+                  </a:txBody>
+                  <a:tcPr marL="67521" marR="67521" marT="0" marB="0" anchor="ctr"/>
+                </a:tc>
+                <a:extLst>
+                  <a:ext uri="{0D108BD9-81ED-4DB2-BD59-A6C34878D82A}">
+                    <a16:rowId xmlns:a16="http://schemas.microsoft.com/office/drawing/2014/main" val="848545980"/>
+                  </a:ext>
+                </a:extLst>
+              </a:tr>
+            </a:tbl>
+          </a:graphicData>
+        </a:graphic>
+      </p:graphicFrame>
+      <p:grpSp>
+        <p:nvGrpSpPr>
+          <p:cNvPr id="5" name="그룹 4">
+            <a:extLst>
+              <a:ext uri="{FF2B5EF4-FFF2-40B4-BE49-F238E27FC236}">
+                <a16:creationId xmlns:a16="http://schemas.microsoft.com/office/drawing/2014/main" id="{A72F0025-9A08-CDCB-1731-419954514003}"/>
+              </a:ext>
+            </a:extLst>
+          </p:cNvPr>
+          <p:cNvGrpSpPr/>
+          <p:nvPr/>
+        </p:nvGrpSpPr>
+        <p:grpSpPr>
+          <a:xfrm>
+            <a:off x="7503248" y="343219"/>
+            <a:ext cx="3000375" cy="1511300"/>
+            <a:chOff x="0" y="0"/>
+            <a:chExt cx="3000375" cy="1511935"/>
+          </a:xfrm>
+        </p:grpSpPr>
+        <p:pic>
+          <p:nvPicPr>
+            <p:cNvPr id="6" name="그림 5" descr="손부채, 장식 부채, 야외, 팬이(가) 표시된 사진&#10;&#10;자동 생성된 설명">
+              <a:extLst>
+                <a:ext uri="{FF2B5EF4-FFF2-40B4-BE49-F238E27FC236}">
+                  <a16:creationId xmlns:a16="http://schemas.microsoft.com/office/drawing/2014/main" id="{FABC51C5-34B1-E0F4-C33C-3847E959ACE0}"/>
+                </a:ext>
+              </a:extLst>
+            </p:cNvPr>
+            <p:cNvPicPr>
+              <a:picLocks noChangeAspect="1"/>
+            </p:cNvPicPr>
+            <p:nvPr/>
+          </p:nvPicPr>
+          <p:blipFill>
+            <a:blip r:embed="rId2" cstate="print">
+              <a:extLst>
+                <a:ext uri="{28A0092B-C50C-407E-A947-70E740481C1C}">
+                  <a14:useLocalDpi xmlns:a14="http://schemas.microsoft.com/office/drawing/2010/main" val="0"/>
+                </a:ext>
+              </a:extLst>
+            </a:blip>
+            <a:srcRect/>
+            <a:stretch>
+              <a:fillRect/>
+            </a:stretch>
+          </p:blipFill>
+          <p:spPr bwMode="auto">
+            <a:xfrm>
+              <a:off x="447675" y="0"/>
+              <a:ext cx="2095500" cy="1294765"/>
+            </a:xfrm>
+            <a:prstGeom prst="rect">
+              <a:avLst/>
+            </a:prstGeom>
+            <a:noFill/>
+            <a:ln>
+              <a:noFill/>
+            </a:ln>
+          </p:spPr>
+        </p:pic>
+        <p:sp>
+          <p:nvSpPr>
+            <p:cNvPr id="7" name="Text Box 1">
+              <a:extLst>
+                <a:ext uri="{FF2B5EF4-FFF2-40B4-BE49-F238E27FC236}">
+                  <a16:creationId xmlns:a16="http://schemas.microsoft.com/office/drawing/2014/main" id="{AF9D1F49-7BE7-E346-DA5D-B0EF379F227A}"/>
+                </a:ext>
+              </a:extLst>
+            </p:cNvPr>
+            <p:cNvSpPr txBox="1"/>
+            <p:nvPr/>
+          </p:nvSpPr>
+          <p:spPr>
+            <a:xfrm>
+              <a:off x="0" y="1190625"/>
+              <a:ext cx="3000375" cy="321310"/>
+            </a:xfrm>
+            <a:prstGeom prst="rect">
+              <a:avLst/>
+            </a:prstGeom>
+            <a:solidFill>
+              <a:prstClr val="white"/>
+            </a:solidFill>
+            <a:ln>
+              <a:noFill/>
+            </a:ln>
+          </p:spPr>
+          <p:txBody>
+            <a:bodyPr rot="0" spcFirstLastPara="0" vert="horz" wrap="square" lIns="0" tIns="0" rIns="0" bIns="0" numCol="1" spcCol="0" rtlCol="0" fromWordArt="0" anchor="t" anchorCtr="0" forceAA="0" compatLnSpc="1">
+              <a:prstTxWarp prst="textNoShape">
+                <a:avLst/>
+              </a:prstTxWarp>
+              <a:spAutoFit/>
+            </a:bodyPr>
+            <a:lstStyle/>
+            <a:p>
+              <a:pPr latinLnBrk="1">
+                <a:spcAft>
+                  <a:spcPts val="800"/>
+                </a:spcAft>
+              </a:pPr>
+              <a:r>
+                <a:rPr lang="ko-KR" sz="1000" b="0">
+                  <a:effectLst/>
+                  <a:latin typeface="맑은 고딕" panose="020B0503020000020004" pitchFamily="50" charset="-127"/>
+                  <a:ea typeface="맑은 고딕" panose="020B0503020000020004" pitchFamily="50" charset="-127"/>
+                  <a:cs typeface="맑은 고딕" panose="020B0503020000020004" pitchFamily="50" charset="-127"/>
+                </a:rPr>
+                <a:t>흰색과 검은색이 조화를 이루는 접부채 모양의 무기</a:t>
+              </a:r>
+              <a:endParaRPr lang="ko-KR" sz="1000" b="1">
+                <a:effectLst/>
+                <a:latin typeface="맑은 고딕" panose="020B0503020000020004" pitchFamily="50" charset="-127"/>
+                <a:ea typeface="맑은 고딕" panose="020B0503020000020004" pitchFamily="50" charset="-127"/>
+                <a:cs typeface="맑은 고딕" panose="020B0503020000020004" pitchFamily="50" charset="-127"/>
+              </a:endParaRPr>
+            </a:p>
+          </p:txBody>
+        </p:sp>
+      </p:grpSp>
+      <p:pic>
+        <p:nvPicPr>
+          <p:cNvPr id="2052" name="그림 1">
+            <a:extLst>
+              <a:ext uri="{FF2B5EF4-FFF2-40B4-BE49-F238E27FC236}">
+                <a16:creationId xmlns:a16="http://schemas.microsoft.com/office/drawing/2014/main" id="{E6908F0B-D612-F8EE-8A9F-6F38B9981228}"/>
+              </a:ext>
+            </a:extLst>
+          </p:cNvPr>
+          <p:cNvPicPr>
+            <a:picLocks noChangeAspect="1" noChangeArrowheads="1"/>
+          </p:cNvPicPr>
+          <p:nvPr/>
+        </p:nvPicPr>
+        <p:blipFill>
+          <a:blip r:embed="rId3">
+            <a:extLst>
+              <a:ext uri="{28A0092B-C50C-407E-A947-70E740481C1C}">
+                <a14:useLocalDpi xmlns:a14="http://schemas.microsoft.com/office/drawing/2010/main" val="0"/>
+              </a:ext>
+            </a:extLst>
+          </a:blip>
+          <a:srcRect/>
+          <a:stretch>
+            <a:fillRect/>
+          </a:stretch>
+        </p:blipFill>
+        <p:spPr bwMode="auto">
+          <a:xfrm>
+            <a:off x="-1384121" y="1512907"/>
+            <a:ext cx="1443038" cy="2146300"/>
+          </a:xfrm>
+          <a:prstGeom prst="rect">
+            <a:avLst/>
+          </a:prstGeom>
+          <a:noFill/>
+          <a:extLst>
+            <a:ext uri="{909E8E84-426E-40DD-AFC4-6F175D3DCCD1}">
+              <a14:hiddenFill xmlns:a14="http://schemas.microsoft.com/office/drawing/2010/main">
+                <a:solidFill>
+                  <a:srgbClr val="FFFFFF"/>
+                </a:solidFill>
+              </a14:hiddenFill>
+            </a:ext>
+          </a:extLst>
+        </p:spPr>
+      </p:pic>
+      <p:sp>
+        <p:nvSpPr>
+          <p:cNvPr id="8" name="Rectangle 5">
+            <a:extLst>
+              <a:ext uri="{FF2B5EF4-FFF2-40B4-BE49-F238E27FC236}">
+                <a16:creationId xmlns:a16="http://schemas.microsoft.com/office/drawing/2014/main" id="{D2DF4994-CBF1-E0ED-569B-66EAA0CF2422}"/>
+              </a:ext>
+            </a:extLst>
+          </p:cNvPr>
+          <p:cNvSpPr>
+            <a:spLocks noChangeArrowheads="1"/>
+          </p:cNvSpPr>
+          <p:nvPr/>
+        </p:nvSpPr>
+        <p:spPr bwMode="auto">
+          <a:xfrm>
+            <a:off x="359859" y="419895"/>
+            <a:ext cx="12192000" cy="457200"/>
+          </a:xfrm>
+          <a:prstGeom prst="rect">
+            <a:avLst/>
+          </a:prstGeom>
+          <a:noFill/>
+          <a:ln>
+            <a:noFill/>
+          </a:ln>
+          <a:effectLst/>
+          <a:extLst>
+            <a:ext uri="{909E8E84-426E-40DD-AFC4-6F175D3DCCD1}">
+              <a14:hiddenFill xmlns:a14="http://schemas.microsoft.com/office/drawing/2010/main">
+                <a:solidFill>
+                  <a:schemeClr val="accent1"/>
+                </a:solidFill>
+              </a14:hiddenFill>
+            </a:ext>
+            <a:ext uri="{91240B29-F687-4F45-9708-019B960494DF}">
+              <a14:hiddenLine xmlns:a14="http://schemas.microsoft.com/office/drawing/2010/main" w="9525">
+                <a:solidFill>
+                  <a:schemeClr val="tx1"/>
+                </a:solidFill>
+                <a:miter lim="800000"/>
+                <a:headEnd/>
+                <a:tailEnd/>
+              </a14:hiddenLine>
+            </a:ext>
+            <a:ext uri="{AF507438-7753-43E0-B8FC-AC1667EBCBE1}">
+              <a14:hiddenEffects xmlns:a14="http://schemas.microsoft.com/office/drawing/2010/main">
+                <a:effectLst>
+                  <a:outerShdw dist="35921" dir="2700000" algn="ctr" rotWithShape="0">
+                    <a:schemeClr val="bg2"/>
+                  </a:outerShdw>
+                </a:effectLst>
+              </a14:hiddenEffects>
+            </a:ext>
+          </a:extLst>
+        </p:spPr>
+        <p:txBody>
+          <a:bodyPr vert="horz" wrap="none" lIns="91440" tIns="45720" rIns="91440" bIns="45720" numCol="1" anchor="ctr" anchorCtr="0" compatLnSpc="1">
+            <a:prstTxWarp prst="textNoShape">
+              <a:avLst/>
+            </a:prstTxWarp>
+            <a:spAutoFit/>
+          </a:bodyPr>
+          <a:lstStyle/>
+          <a:p>
+            <a:pPr marL="0" marR="0" lvl="0" indent="0" algn="l" defTabSz="914400" rtl="0" eaLnBrk="0" fontAlgn="base" latinLnBrk="0" hangingPunct="0">
+              <a:lnSpc>
+                <a:spcPct val="100000"/>
+              </a:lnSpc>
+              <a:spcBef>
+                <a:spcPct val="0"/>
+              </a:spcBef>
+              <a:spcAft>
+                <a:spcPct val="0"/>
+              </a:spcAft>
+              <a:buClrTx/>
+              <a:buSzTx/>
+              <a:buFontTx/>
+              <a:buNone/>
+              <a:tabLst/>
+            </a:pPr>
+            <a:r>
+              <a:rPr kumimoji="0" lang="en-US" altLang="ko-KR" sz="1000" b="1" i="0" u="none" strike="noStrike" cap="none" normalizeH="0" baseline="0" dirty="0">
+                <a:ln>
+                  <a:noFill/>
+                </a:ln>
+                <a:solidFill>
+                  <a:schemeClr val="tx1"/>
+                </a:solidFill>
+                <a:effectLst/>
+                <a:latin typeface="Arial" panose="020B0604020202020204" pitchFamily="34" charset="0"/>
+                <a:cs typeface="맑은 고딕" panose="020B0503020000020004" pitchFamily="50" charset="-127"/>
+              </a:rPr>
+              <a:t>[</a:t>
+            </a:r>
+            <a:r>
+              <a:rPr kumimoji="0" lang="ko-KR" altLang="en-US" sz="1000" b="1" i="0" u="none" strike="noStrike" cap="none" normalizeH="0" baseline="0" dirty="0">
+                <a:ln>
+                  <a:noFill/>
+                </a:ln>
+                <a:solidFill>
+                  <a:schemeClr val="tx1"/>
+                </a:solidFill>
+                <a:effectLst/>
+                <a:latin typeface="Arial" panose="020B0604020202020204" pitchFamily="34" charset="0"/>
+                <a:cs typeface="맑은 고딕" panose="020B0503020000020004" pitchFamily="50" charset="-127"/>
+              </a:rPr>
+              <a:t>부채</a:t>
+            </a:r>
+            <a:r>
+              <a:rPr kumimoji="0" lang="en-US" altLang="ko-KR" sz="1000" b="1" i="0" u="none" strike="noStrike" cap="none" normalizeH="0" baseline="0" dirty="0">
+                <a:ln>
+                  <a:noFill/>
+                </a:ln>
+                <a:solidFill>
+                  <a:schemeClr val="tx1"/>
+                </a:solidFill>
+                <a:effectLst/>
+                <a:latin typeface="Arial" panose="020B0604020202020204" pitchFamily="34" charset="0"/>
+                <a:cs typeface="맑은 고딕" panose="020B0503020000020004" pitchFamily="50" charset="-127"/>
+              </a:rPr>
+              <a:t>]</a:t>
+            </a:r>
+            <a:endParaRPr kumimoji="0" lang="en-US" altLang="ko-KR" sz="800" b="0" i="0" u="none" strike="noStrike" cap="none" normalizeH="0" baseline="0" dirty="0">
+              <a:ln>
+                <a:noFill/>
+              </a:ln>
+              <a:solidFill>
+                <a:schemeClr val="tx1"/>
+              </a:solidFill>
+              <a:effectLst/>
+              <a:latin typeface="Arial" panose="020B0604020202020204" pitchFamily="34" charset="0"/>
+            </a:endParaRPr>
+          </a:p>
+          <a:p>
+            <a:pPr marL="0" marR="0" lvl="0" indent="0" algn="l" defTabSz="914400" rtl="0" eaLnBrk="0" fontAlgn="base" latinLnBrk="0" hangingPunct="0">
+              <a:lnSpc>
+                <a:spcPct val="100000"/>
+              </a:lnSpc>
+              <a:spcBef>
+                <a:spcPct val="0"/>
+              </a:spcBef>
+              <a:spcAft>
+                <a:spcPct val="0"/>
+              </a:spcAft>
+              <a:buClrTx/>
+              <a:buSzTx/>
+              <a:buFontTx/>
+              <a:buNone/>
+              <a:tabLst/>
+            </a:pPr>
+            <a:r>
+              <a:rPr kumimoji="0" lang="en-US" altLang="ko-KR" sz="1000" b="0" i="0" u="none" strike="noStrike" cap="none" normalizeH="0" baseline="0" dirty="0">
+                <a:ln>
+                  <a:noFill/>
+                </a:ln>
+                <a:solidFill>
+                  <a:schemeClr val="tx1"/>
+                </a:solidFill>
+                <a:effectLst/>
+                <a:latin typeface="Arial" panose="020B0604020202020204" pitchFamily="34" charset="0"/>
+                <a:cs typeface="맑은 고딕" panose="020B0503020000020004" pitchFamily="50" charset="-127"/>
+              </a:rPr>
+              <a:t>- </a:t>
+            </a:r>
+            <a:r>
+              <a:rPr kumimoji="0" lang="ko-KR" altLang="en-US" sz="1000" b="0" i="0" u="none" strike="noStrike" cap="none" normalizeH="0" baseline="0" dirty="0">
+                <a:ln>
+                  <a:noFill/>
+                </a:ln>
+                <a:solidFill>
+                  <a:schemeClr val="tx1"/>
+                </a:solidFill>
+                <a:effectLst/>
+                <a:latin typeface="Arial" panose="020B0604020202020204" pitchFamily="34" charset="0"/>
+                <a:cs typeface="맑은 고딕" panose="020B0503020000020004" pitchFamily="50" charset="-127"/>
+              </a:rPr>
+              <a:t>공격 속도</a:t>
+            </a:r>
+            <a:r>
+              <a:rPr kumimoji="0" lang="en-US" altLang="ko-KR" sz="1000" b="0" i="0" u="none" strike="noStrike" cap="none" normalizeH="0" baseline="0" dirty="0">
+                <a:ln>
+                  <a:noFill/>
+                </a:ln>
+                <a:solidFill>
+                  <a:schemeClr val="tx1"/>
+                </a:solidFill>
+                <a:effectLst/>
+                <a:latin typeface="Arial" panose="020B0604020202020204" pitchFamily="34" charset="0"/>
+                <a:cs typeface="맑은 고딕" panose="020B0503020000020004" pitchFamily="50" charset="-127"/>
+              </a:rPr>
+              <a:t>: </a:t>
+            </a:r>
+            <a:r>
+              <a:rPr kumimoji="0" lang="ko-KR" altLang="en-US" sz="1000" b="0" i="0" u="none" strike="noStrike" cap="none" normalizeH="0" baseline="0" dirty="0">
+                <a:ln>
+                  <a:noFill/>
+                </a:ln>
+                <a:solidFill>
+                  <a:schemeClr val="tx1"/>
+                </a:solidFill>
+                <a:effectLst/>
+                <a:latin typeface="Arial" panose="020B0604020202020204" pitchFamily="34" charset="0"/>
+                <a:cs typeface="맑은 고딕" panose="020B0503020000020004" pitchFamily="50" charset="-127"/>
+              </a:rPr>
+              <a:t>보통</a:t>
+            </a:r>
+            <a:endParaRPr kumimoji="0" lang="ko-KR" altLang="en-US" sz="800" b="0" i="0" u="none" strike="noStrike" cap="none" normalizeH="0" baseline="0" dirty="0">
+              <a:ln>
+                <a:noFill/>
+              </a:ln>
+              <a:solidFill>
+                <a:schemeClr val="tx1"/>
+              </a:solidFill>
+              <a:effectLst/>
+              <a:latin typeface="Arial" panose="020B0604020202020204" pitchFamily="34" charset="0"/>
+            </a:endParaRPr>
+          </a:p>
+          <a:p>
+            <a:pPr marL="0" marR="0" lvl="0" indent="0" algn="l" defTabSz="914400" rtl="0" eaLnBrk="0" fontAlgn="base" latinLnBrk="0" hangingPunct="0">
+              <a:lnSpc>
+                <a:spcPct val="100000"/>
+              </a:lnSpc>
+              <a:spcBef>
+                <a:spcPct val="0"/>
+              </a:spcBef>
+              <a:spcAft>
+                <a:spcPct val="0"/>
+              </a:spcAft>
+              <a:buClrTx/>
+              <a:buSzTx/>
+              <a:buFontTx/>
+              <a:buNone/>
+              <a:tabLst/>
+            </a:pPr>
+            <a:r>
+              <a:rPr kumimoji="0" lang="en-US" altLang="ko-KR" sz="1000" b="0" i="0" u="none" strike="noStrike" cap="none" normalizeH="0" baseline="0" dirty="0">
+                <a:ln>
+                  <a:noFill/>
+                </a:ln>
+                <a:solidFill>
+                  <a:schemeClr val="tx1"/>
+                </a:solidFill>
+                <a:effectLst/>
+                <a:latin typeface="Arial" panose="020B0604020202020204" pitchFamily="34" charset="0"/>
+                <a:cs typeface="맑은 고딕" panose="020B0503020000020004" pitchFamily="50" charset="-127"/>
+              </a:rPr>
+              <a:t>- </a:t>
+            </a:r>
+            <a:r>
+              <a:rPr kumimoji="0" lang="ko-KR" altLang="en-US" sz="1000" b="0" i="0" u="none" strike="noStrike" cap="none" normalizeH="0" baseline="0" dirty="0">
+                <a:ln>
+                  <a:noFill/>
+                </a:ln>
+                <a:solidFill>
+                  <a:schemeClr val="tx1"/>
+                </a:solidFill>
+                <a:effectLst/>
+                <a:latin typeface="Arial" panose="020B0604020202020204" pitchFamily="34" charset="0"/>
+                <a:cs typeface="맑은 고딕" panose="020B0503020000020004" pitchFamily="50" charset="-127"/>
+              </a:rPr>
+              <a:t>번개를 다루는 마법 무기이다</a:t>
+            </a:r>
+            <a:r>
+              <a:rPr kumimoji="0" lang="en-US" altLang="ko-KR" sz="1000" b="0" i="0" u="none" strike="noStrike" cap="none" normalizeH="0" baseline="0" dirty="0">
+                <a:ln>
+                  <a:noFill/>
+                </a:ln>
+                <a:solidFill>
+                  <a:schemeClr val="tx1"/>
+                </a:solidFill>
+                <a:effectLst/>
+                <a:latin typeface="Arial" panose="020B0604020202020204" pitchFamily="34" charset="0"/>
+                <a:cs typeface="맑은 고딕" panose="020B0503020000020004" pitchFamily="50" charset="-127"/>
+              </a:rPr>
+              <a:t>.</a:t>
+            </a:r>
+            <a:endParaRPr kumimoji="0" lang="en-US" altLang="ko-KR" sz="800" b="0" i="0" u="none" strike="noStrike" cap="none" normalizeH="0" baseline="0" dirty="0">
+              <a:ln>
+                <a:noFill/>
+              </a:ln>
+              <a:solidFill>
+                <a:schemeClr val="tx1"/>
+              </a:solidFill>
+              <a:effectLst/>
+              <a:latin typeface="Arial" panose="020B0604020202020204" pitchFamily="34" charset="0"/>
+            </a:endParaRPr>
+          </a:p>
+          <a:p>
+            <a:pPr marL="0" marR="0" lvl="0" indent="0" algn="l" defTabSz="914400" rtl="0" eaLnBrk="0" fontAlgn="base" latinLnBrk="0" hangingPunct="0">
+              <a:lnSpc>
+                <a:spcPct val="100000"/>
+              </a:lnSpc>
+              <a:spcBef>
+                <a:spcPct val="0"/>
+              </a:spcBef>
+              <a:spcAft>
+                <a:spcPct val="0"/>
+              </a:spcAft>
+              <a:buClrTx/>
+              <a:buSzTx/>
+              <a:buFontTx/>
+              <a:buNone/>
+              <a:tabLst/>
+            </a:pPr>
+            <a:endParaRPr kumimoji="0" lang="en-US" altLang="ko-KR" sz="1800" b="0" i="0" u="none" strike="noStrike" cap="none" normalizeH="0" baseline="0" dirty="0">
+              <a:ln>
+                <a:noFill/>
+              </a:ln>
+              <a:solidFill>
+                <a:schemeClr val="tx1"/>
+              </a:solidFill>
+              <a:effectLst/>
+              <a:latin typeface="Arial" panose="020B0604020202020204" pitchFamily="34" charset="0"/>
+            </a:endParaRPr>
+          </a:p>
+        </p:txBody>
+      </p:sp>
+      <p:sp>
+        <p:nvSpPr>
+          <p:cNvPr id="9" name="Rectangle 6">
+            <a:extLst>
+              <a:ext uri="{FF2B5EF4-FFF2-40B4-BE49-F238E27FC236}">
+                <a16:creationId xmlns:a16="http://schemas.microsoft.com/office/drawing/2014/main" id="{1528C918-52E8-95B1-1D55-D15EE76060FD}"/>
+              </a:ext>
+            </a:extLst>
+          </p:cNvPr>
+          <p:cNvSpPr>
+            <a:spLocks noChangeArrowheads="1"/>
+          </p:cNvSpPr>
+          <p:nvPr/>
+        </p:nvSpPr>
+        <p:spPr bwMode="auto">
+          <a:xfrm>
+            <a:off x="359859" y="1029012"/>
+            <a:ext cx="12192000" cy="0"/>
+          </a:xfrm>
+          <a:prstGeom prst="rect">
+            <a:avLst/>
+          </a:prstGeom>
+          <a:noFill/>
+          <a:ln>
+            <a:noFill/>
+          </a:ln>
+          <a:effectLst/>
+          <a:extLst>
+            <a:ext uri="{909E8E84-426E-40DD-AFC4-6F175D3DCCD1}">
+              <a14:hiddenFill xmlns:a14="http://schemas.microsoft.com/office/drawing/2010/main">
+                <a:solidFill>
+                  <a:schemeClr val="accent1"/>
+                </a:solidFill>
+              </a14:hiddenFill>
+            </a:ext>
+            <a:ext uri="{91240B29-F687-4F45-9708-019B960494DF}">
+              <a14:hiddenLine xmlns:a14="http://schemas.microsoft.com/office/drawing/2010/main" w="9525">
+                <a:solidFill>
+                  <a:schemeClr val="tx1"/>
+                </a:solidFill>
+                <a:miter lim="800000"/>
+                <a:headEnd/>
+                <a:tailEnd/>
+              </a14:hiddenLine>
+            </a:ext>
+            <a:ext uri="{AF507438-7753-43E0-B8FC-AC1667EBCBE1}">
+              <a14:hiddenEffects xmlns:a14="http://schemas.microsoft.com/office/drawing/2010/main">
+                <a:effectLst>
+                  <a:outerShdw dist="35921" dir="2700000" algn="ctr" rotWithShape="0">
+                    <a:schemeClr val="bg2"/>
+                  </a:outerShdw>
+                </a:effectLst>
+              </a14:hiddenEffects>
+            </a:ext>
+          </a:extLst>
+        </p:spPr>
+        <p:txBody>
+          <a:bodyPr vert="horz" wrap="none" lIns="91440" tIns="45720" rIns="91440" bIns="45720" numCol="1" anchor="ctr" anchorCtr="0" compatLnSpc="1">
+            <a:prstTxWarp prst="textNoShape">
+              <a:avLst/>
+            </a:prstTxWarp>
+            <a:spAutoFit/>
+          </a:bodyPr>
+          <a:lstStyle/>
+          <a:p>
+            <a:pPr marL="0" marR="0" lvl="0" indent="0" algn="l" defTabSz="914400" rtl="0" eaLnBrk="0" fontAlgn="base" latinLnBrk="0" hangingPunct="0">
+              <a:lnSpc>
+                <a:spcPct val="100000"/>
+              </a:lnSpc>
+              <a:spcBef>
+                <a:spcPct val="0"/>
+              </a:spcBef>
+              <a:spcAft>
+                <a:spcPct val="0"/>
+              </a:spcAft>
+              <a:buClrTx/>
+              <a:buSzTx/>
+              <a:buFontTx/>
+              <a:buNone/>
+              <a:tabLst/>
+            </a:pPr>
+            <a:br>
+              <a:rPr kumimoji="0" lang="ko-KR" altLang="ko-KR" sz="1100" b="0" i="0" u="none" strike="noStrike" cap="none" normalizeH="0" baseline="0" dirty="0">
+                <a:ln>
+                  <a:noFill/>
+                </a:ln>
+                <a:solidFill>
+                  <a:schemeClr val="tx1"/>
+                </a:solidFill>
+                <a:effectLst/>
+                <a:latin typeface="Arial" panose="020B0604020202020204" pitchFamily="34" charset="0"/>
+                <a:cs typeface="맑은 고딕" panose="020B0503020000020004" pitchFamily="50" charset="-127"/>
+              </a:rPr>
+            </a:br>
+            <a:r>
+              <a:rPr kumimoji="0" lang="en-US" altLang="ko-KR" sz="1000" b="0" i="0" u="none" strike="noStrike" cap="none" normalizeH="0" baseline="0" dirty="0">
+                <a:ln>
+                  <a:noFill/>
+                </a:ln>
+                <a:solidFill>
+                  <a:schemeClr val="tx1"/>
+                </a:solidFill>
+                <a:effectLst/>
+                <a:latin typeface="Arial" panose="020B0604020202020204" pitchFamily="34" charset="0"/>
+                <a:cs typeface="맑은 고딕" panose="020B0503020000020004" pitchFamily="50" charset="-127"/>
+              </a:rPr>
+              <a:t>- </a:t>
+            </a:r>
+            <a:r>
+              <a:rPr kumimoji="0" lang="ko-KR" altLang="en-US" sz="1000" b="0" i="0" u="none" strike="noStrike" cap="none" normalizeH="0" baseline="0" dirty="0">
+                <a:ln>
+                  <a:noFill/>
+                </a:ln>
+                <a:solidFill>
+                  <a:schemeClr val="tx1"/>
+                </a:solidFill>
+                <a:effectLst/>
+                <a:latin typeface="Arial" panose="020B0604020202020204" pitchFamily="34" charset="0"/>
+                <a:cs typeface="맑은 고딕" panose="020B0503020000020004" pitchFamily="50" charset="-127"/>
+              </a:rPr>
+              <a:t>전투 </a:t>
+            </a:r>
+            <a:r>
+              <a:rPr kumimoji="0" lang="en-US" altLang="ko-KR" sz="1000" b="0" i="0" u="none" strike="noStrike" cap="none" normalizeH="0" baseline="0" dirty="0">
+                <a:ln>
+                  <a:noFill/>
+                </a:ln>
+                <a:solidFill>
+                  <a:schemeClr val="tx1"/>
+                </a:solidFill>
+                <a:effectLst/>
+                <a:latin typeface="Arial" panose="020B0604020202020204" pitchFamily="34" charset="0"/>
+                <a:cs typeface="맑은 고딕" panose="020B0503020000020004" pitchFamily="50" charset="-127"/>
+              </a:rPr>
+              <a:t>IDLE: </a:t>
+            </a:r>
+            <a:r>
+              <a:rPr kumimoji="0" lang="ko-KR" altLang="en-US" sz="1000" b="0" i="0" u="none" strike="noStrike" cap="none" normalizeH="0" baseline="0" dirty="0">
+                <a:ln>
+                  <a:noFill/>
+                </a:ln>
+                <a:solidFill>
+                  <a:schemeClr val="tx1"/>
+                </a:solidFill>
+                <a:effectLst/>
+                <a:latin typeface="Arial" panose="020B0604020202020204" pitchFamily="34" charset="0"/>
+                <a:cs typeface="맑은 고딕" panose="020B0503020000020004" pitchFamily="50" charset="-127"/>
+              </a:rPr>
+              <a:t>왼손은 주먹을 쥔 상태로 등뒤에 둔다</a:t>
+            </a:r>
+            <a:r>
+              <a:rPr kumimoji="0" lang="en-US" altLang="ko-KR" sz="1000" b="0" i="0" u="none" strike="noStrike" cap="none" normalizeH="0" baseline="0" dirty="0">
+                <a:ln>
+                  <a:noFill/>
+                </a:ln>
+                <a:solidFill>
+                  <a:schemeClr val="tx1"/>
+                </a:solidFill>
+                <a:effectLst/>
+                <a:latin typeface="Arial" panose="020B0604020202020204" pitchFamily="34" charset="0"/>
+                <a:cs typeface="맑은 고딕" panose="020B0503020000020004" pitchFamily="50" charset="-127"/>
+              </a:rPr>
+              <a:t>. </a:t>
+            </a:r>
+            <a:r>
+              <a:rPr kumimoji="0" lang="ko-KR" altLang="en-US" sz="1000" b="0" i="0" u="none" strike="noStrike" cap="none" normalizeH="0" baseline="0" dirty="0">
+                <a:ln>
+                  <a:noFill/>
+                </a:ln>
+                <a:solidFill>
+                  <a:schemeClr val="tx1"/>
+                </a:solidFill>
+                <a:effectLst/>
+                <a:latin typeface="Arial" panose="020B0604020202020204" pitchFamily="34" charset="0"/>
+                <a:cs typeface="맑은 고딕" panose="020B0503020000020004" pitchFamily="50" charset="-127"/>
+              </a:rPr>
+              <a:t>오른손으로 부채를 펼쳐 가볍게 흔든다</a:t>
+            </a:r>
+            <a:r>
+              <a:rPr kumimoji="0" lang="en-US" altLang="ko-KR" sz="1000" b="0" i="0" u="none" strike="noStrike" cap="none" normalizeH="0" baseline="0" dirty="0">
+                <a:ln>
+                  <a:noFill/>
+                </a:ln>
+                <a:solidFill>
+                  <a:schemeClr val="tx1"/>
+                </a:solidFill>
+                <a:effectLst/>
+                <a:latin typeface="Arial" panose="020B0604020202020204" pitchFamily="34" charset="0"/>
+                <a:cs typeface="맑은 고딕" panose="020B0503020000020004" pitchFamily="50" charset="-127"/>
+              </a:rPr>
+              <a:t>.</a:t>
+            </a:r>
+            <a:endParaRPr kumimoji="0" lang="en-US" altLang="ko-KR" sz="800" b="0" i="0" u="none" strike="noStrike" cap="none" normalizeH="0" baseline="0" dirty="0">
+              <a:ln>
+                <a:noFill/>
+              </a:ln>
+              <a:solidFill>
+                <a:schemeClr val="tx1"/>
+              </a:solidFill>
+              <a:effectLst/>
+              <a:latin typeface="Arial" panose="020B0604020202020204" pitchFamily="34" charset="0"/>
+            </a:endParaRPr>
+          </a:p>
+          <a:p>
+            <a:pPr marL="0" marR="0" lvl="0" indent="0" algn="l" defTabSz="914400" rtl="0" eaLnBrk="0" fontAlgn="base" latinLnBrk="0" hangingPunct="0">
+              <a:lnSpc>
+                <a:spcPct val="100000"/>
+              </a:lnSpc>
+              <a:spcBef>
+                <a:spcPct val="0"/>
+              </a:spcBef>
+              <a:spcAft>
+                <a:spcPct val="0"/>
+              </a:spcAft>
+              <a:buClrTx/>
+              <a:buSzTx/>
+              <a:buFontTx/>
+              <a:buNone/>
+              <a:tabLst/>
+            </a:pPr>
+            <a:endParaRPr kumimoji="0" lang="en-US" altLang="ko-KR" sz="1800" b="0" i="0" u="none" strike="noStrike" cap="none" normalizeH="0" baseline="0" dirty="0">
+              <a:ln>
+                <a:noFill/>
+              </a:ln>
+              <a:solidFill>
+                <a:schemeClr val="tx1"/>
+              </a:solidFill>
+              <a:effectLst/>
+              <a:latin typeface="Arial" panose="020B0604020202020204" pitchFamily="34" charset="0"/>
+            </a:endParaRPr>
+          </a:p>
+        </p:txBody>
+      </p:sp>
+      <p:sp>
+        <p:nvSpPr>
+          <p:cNvPr id="10" name="Rectangle 8">
+            <a:extLst>
+              <a:ext uri="{FF2B5EF4-FFF2-40B4-BE49-F238E27FC236}">
+                <a16:creationId xmlns:a16="http://schemas.microsoft.com/office/drawing/2014/main" id="{87AC8CD8-7E17-4FC6-ADD2-C9CF2CADED5E}"/>
+              </a:ext>
+            </a:extLst>
+          </p:cNvPr>
+          <p:cNvSpPr>
+            <a:spLocks noChangeArrowheads="1"/>
+          </p:cNvSpPr>
+          <p:nvPr/>
+        </p:nvSpPr>
+        <p:spPr bwMode="auto">
+          <a:xfrm>
+            <a:off x="753399" y="1677194"/>
+            <a:ext cx="12192000" cy="0"/>
+          </a:xfrm>
+          <a:prstGeom prst="rect">
+            <a:avLst/>
+          </a:prstGeom>
+          <a:noFill/>
+          <a:ln>
+            <a:noFill/>
+          </a:ln>
+          <a:effectLst/>
+          <a:extLst>
+            <a:ext uri="{909E8E84-426E-40DD-AFC4-6F175D3DCCD1}">
+              <a14:hiddenFill xmlns:a14="http://schemas.microsoft.com/office/drawing/2010/main">
+                <a:solidFill>
+                  <a:schemeClr val="accent1"/>
+                </a:solidFill>
+              </a14:hiddenFill>
+            </a:ext>
+            <a:ext uri="{91240B29-F687-4F45-9708-019B960494DF}">
+              <a14:hiddenLine xmlns:a14="http://schemas.microsoft.com/office/drawing/2010/main" w="9525">
+                <a:solidFill>
+                  <a:schemeClr val="tx1"/>
+                </a:solidFill>
+                <a:miter lim="800000"/>
+                <a:headEnd/>
+                <a:tailEnd/>
+              </a14:hiddenLine>
+            </a:ext>
+            <a:ext uri="{AF507438-7753-43E0-B8FC-AC1667EBCBE1}">
+              <a14:hiddenEffects xmlns:a14="http://schemas.microsoft.com/office/drawing/2010/main">
+                <a:effectLst>
+                  <a:outerShdw dist="35921" dir="2700000" algn="ctr" rotWithShape="0">
+                    <a:schemeClr val="bg2"/>
+                  </a:outerShdw>
+                </a:effectLst>
+              </a14:hiddenEffects>
+            </a:ext>
+          </a:extLst>
+        </p:spPr>
+        <p:txBody>
+          <a:bodyPr vert="horz" wrap="none" lIns="91440" tIns="45720" rIns="91440" bIns="45720" numCol="1" anchor="ctr" anchorCtr="0" compatLnSpc="1">
+            <a:prstTxWarp prst="textNoShape">
+              <a:avLst/>
+            </a:prstTxWarp>
+            <a:spAutoFit/>
+          </a:bodyPr>
+          <a:lstStyle/>
+          <a:p>
+            <a:pPr marL="0" marR="0" lvl="0" indent="0" algn="l" defTabSz="914400" rtl="0" eaLnBrk="0" fontAlgn="base" latinLnBrk="0" hangingPunct="0">
+              <a:lnSpc>
+                <a:spcPct val="100000"/>
+              </a:lnSpc>
+              <a:spcBef>
+                <a:spcPct val="0"/>
+              </a:spcBef>
+              <a:spcAft>
+                <a:spcPct val="0"/>
+              </a:spcAft>
+              <a:buClrTx/>
+              <a:buSzTx/>
+              <a:buFontTx/>
+              <a:buNone/>
+              <a:tabLst/>
+            </a:pPr>
+            <a:endParaRPr kumimoji="0" lang="en-US" altLang="ko-KR" sz="1100" b="0" i="0" u="none" strike="noStrike" cap="none" normalizeH="0" baseline="0">
+              <a:ln>
+                <a:noFill/>
+              </a:ln>
+              <a:solidFill>
+                <a:schemeClr val="tx1"/>
+              </a:solidFill>
+              <a:effectLst/>
+              <a:latin typeface="Arial" panose="020B0604020202020204" pitchFamily="34" charset="0"/>
+              <a:cs typeface="맑은 고딕" panose="020B0503020000020004" pitchFamily="50" charset="-127"/>
+            </a:endParaRPr>
+          </a:p>
+          <a:p>
+            <a:pPr marL="0" marR="0" lvl="0" indent="0" algn="l" defTabSz="914400" rtl="0" eaLnBrk="0" fontAlgn="base" latinLnBrk="0" hangingPunct="0">
+              <a:lnSpc>
+                <a:spcPct val="100000"/>
+              </a:lnSpc>
+              <a:spcBef>
+                <a:spcPct val="0"/>
+              </a:spcBef>
+              <a:spcAft>
+                <a:spcPct val="0"/>
+              </a:spcAft>
+              <a:buClrTx/>
+              <a:buSzTx/>
+              <a:buFontTx/>
+              <a:buNone/>
+              <a:tabLst/>
+            </a:pPr>
+            <a:r>
+              <a:rPr kumimoji="0" lang="en-US" altLang="ko-KR" sz="1100" b="0" i="0" u="none" strike="noStrike" cap="none" normalizeH="0" baseline="0">
+                <a:ln>
+                  <a:noFill/>
+                </a:ln>
+                <a:solidFill>
+                  <a:schemeClr val="tx1"/>
+                </a:solidFill>
+                <a:effectLst/>
+                <a:latin typeface="Arial" panose="020B0604020202020204" pitchFamily="34" charset="0"/>
+                <a:cs typeface="맑은 고딕" panose="020B0503020000020004" pitchFamily="50" charset="-127"/>
+              </a:rPr>
+              <a:t> </a:t>
+            </a:r>
+            <a:endParaRPr kumimoji="0" lang="en-US" altLang="ko-KR" sz="800" b="0" i="0" u="none" strike="noStrike" cap="none" normalizeH="0" baseline="0">
+              <a:ln>
+                <a:noFill/>
+              </a:ln>
+              <a:solidFill>
+                <a:schemeClr val="tx1"/>
+              </a:solidFill>
+              <a:effectLst/>
+              <a:latin typeface="Arial" panose="020B0604020202020204" pitchFamily="34" charset="0"/>
+            </a:endParaRPr>
+          </a:p>
+          <a:p>
+            <a:pPr marL="0" marR="0" lvl="0" indent="0" algn="l" defTabSz="914400" rtl="0" eaLnBrk="0" fontAlgn="base" latinLnBrk="0" hangingPunct="0">
+              <a:lnSpc>
+                <a:spcPct val="100000"/>
+              </a:lnSpc>
+              <a:spcBef>
+                <a:spcPct val="0"/>
+              </a:spcBef>
+              <a:spcAft>
+                <a:spcPct val="0"/>
+              </a:spcAft>
+              <a:buClrTx/>
+              <a:buSzTx/>
+              <a:buFontTx/>
+              <a:buNone/>
+              <a:tabLst/>
+            </a:pPr>
+            <a:endParaRPr kumimoji="0" lang="en-US" altLang="ko-KR" sz="1800" b="0" i="0" u="none" strike="noStrike" cap="none" normalizeH="0" baseline="0">
+              <a:ln>
+                <a:noFill/>
+              </a:ln>
+              <a:solidFill>
+                <a:schemeClr val="tx1"/>
+              </a:solidFill>
+              <a:effectLst/>
+              <a:latin typeface="Arial" panose="020B0604020202020204" pitchFamily="34" charset="0"/>
+            </a:endParaRPr>
+          </a:p>
+        </p:txBody>
+      </p:sp>
+    </p:spTree>
+    <p:extLst>
+      <p:ext uri="{BB962C8B-B14F-4D97-AF65-F5344CB8AC3E}">
+        <p14:creationId xmlns:p14="http://schemas.microsoft.com/office/powerpoint/2010/main" val="3052679468"/>
       </p:ext>
     </p:extLst>
   </p:cSld>

--- a/액션&경영 RPG/스킬/리트루기아_부채스킬기획.pptx
+++ b/액션&경영 RPG/스킬/리트루기아_부채스킬기획.pptx
@@ -267,7 +267,7 @@
           <a:p>
             <a:fld id="{F8ADF8F0-391E-4C28-B3EC-FA94B0B80675}" type="datetimeFigureOut">
               <a:rPr lang="ko-KR" altLang="en-US" smtClean="0"/>
-              <a:t>2024-09-05</a:t>
+              <a:t>2024-09-23</a:t>
             </a:fld>
             <a:endParaRPr lang="ko-KR" altLang="en-US"/>
           </a:p>
@@ -465,7 +465,7 @@
           <a:p>
             <a:fld id="{F8ADF8F0-391E-4C28-B3EC-FA94B0B80675}" type="datetimeFigureOut">
               <a:rPr lang="ko-KR" altLang="en-US" smtClean="0"/>
-              <a:t>2024-09-05</a:t>
+              <a:t>2024-09-23</a:t>
             </a:fld>
             <a:endParaRPr lang="ko-KR" altLang="en-US"/>
           </a:p>
@@ -673,7 +673,7 @@
           <a:p>
             <a:fld id="{F8ADF8F0-391E-4C28-B3EC-FA94B0B80675}" type="datetimeFigureOut">
               <a:rPr lang="ko-KR" altLang="en-US" smtClean="0"/>
-              <a:t>2024-09-05</a:t>
+              <a:t>2024-09-23</a:t>
             </a:fld>
             <a:endParaRPr lang="ko-KR" altLang="en-US"/>
           </a:p>
@@ -871,7 +871,7 @@
           <a:p>
             <a:fld id="{F8ADF8F0-391E-4C28-B3EC-FA94B0B80675}" type="datetimeFigureOut">
               <a:rPr lang="ko-KR" altLang="en-US" smtClean="0"/>
-              <a:t>2024-09-05</a:t>
+              <a:t>2024-09-23</a:t>
             </a:fld>
             <a:endParaRPr lang="ko-KR" altLang="en-US"/>
           </a:p>
@@ -1146,7 +1146,7 @@
           <a:p>
             <a:fld id="{F8ADF8F0-391E-4C28-B3EC-FA94B0B80675}" type="datetimeFigureOut">
               <a:rPr lang="ko-KR" altLang="en-US" smtClean="0"/>
-              <a:t>2024-09-05</a:t>
+              <a:t>2024-09-23</a:t>
             </a:fld>
             <a:endParaRPr lang="ko-KR" altLang="en-US"/>
           </a:p>
@@ -1411,7 +1411,7 @@
           <a:p>
             <a:fld id="{F8ADF8F0-391E-4C28-B3EC-FA94B0B80675}" type="datetimeFigureOut">
               <a:rPr lang="ko-KR" altLang="en-US" smtClean="0"/>
-              <a:t>2024-09-05</a:t>
+              <a:t>2024-09-23</a:t>
             </a:fld>
             <a:endParaRPr lang="ko-KR" altLang="en-US"/>
           </a:p>
@@ -1823,7 +1823,7 @@
           <a:p>
             <a:fld id="{F8ADF8F0-391E-4C28-B3EC-FA94B0B80675}" type="datetimeFigureOut">
               <a:rPr lang="ko-KR" altLang="en-US" smtClean="0"/>
-              <a:t>2024-09-05</a:t>
+              <a:t>2024-09-23</a:t>
             </a:fld>
             <a:endParaRPr lang="ko-KR" altLang="en-US"/>
           </a:p>
@@ -1964,7 +1964,7 @@
           <a:p>
             <a:fld id="{F8ADF8F0-391E-4C28-B3EC-FA94B0B80675}" type="datetimeFigureOut">
               <a:rPr lang="ko-KR" altLang="en-US" smtClean="0"/>
-              <a:t>2024-09-05</a:t>
+              <a:t>2024-09-23</a:t>
             </a:fld>
             <a:endParaRPr lang="ko-KR" altLang="en-US"/>
           </a:p>
@@ -2077,7 +2077,7 @@
           <a:p>
             <a:fld id="{F8ADF8F0-391E-4C28-B3EC-FA94B0B80675}" type="datetimeFigureOut">
               <a:rPr lang="ko-KR" altLang="en-US" smtClean="0"/>
-              <a:t>2024-09-05</a:t>
+              <a:t>2024-09-23</a:t>
             </a:fld>
             <a:endParaRPr lang="ko-KR" altLang="en-US"/>
           </a:p>
@@ -2388,7 +2388,7 @@
           <a:p>
             <a:fld id="{F8ADF8F0-391E-4C28-B3EC-FA94B0B80675}" type="datetimeFigureOut">
               <a:rPr lang="ko-KR" altLang="en-US" smtClean="0"/>
-              <a:t>2024-09-05</a:t>
+              <a:t>2024-09-23</a:t>
             </a:fld>
             <a:endParaRPr lang="ko-KR" altLang="en-US"/>
           </a:p>
@@ -2676,7 +2676,7 @@
           <a:p>
             <a:fld id="{F8ADF8F0-391E-4C28-B3EC-FA94B0B80675}" type="datetimeFigureOut">
               <a:rPr lang="ko-KR" altLang="en-US" smtClean="0"/>
-              <a:t>2024-09-05</a:t>
+              <a:t>2024-09-23</a:t>
             </a:fld>
             <a:endParaRPr lang="ko-KR" altLang="en-US"/>
           </a:p>
@@ -2917,7 +2917,7 @@
           <a:p>
             <a:fld id="{F8ADF8F0-391E-4C28-B3EC-FA94B0B80675}" type="datetimeFigureOut">
               <a:rPr lang="ko-KR" altLang="en-US" smtClean="0"/>
-              <a:t>2024-09-05</a:t>
+              <a:t>2024-09-23</a:t>
             </a:fld>
             <a:endParaRPr lang="ko-KR" altLang="en-US"/>
           </a:p>
@@ -3959,17 +3959,20 @@
             <a:avLst/>
           </a:prstGeom>
           <a:solidFill>
-            <a:schemeClr val="bg1">
-              <a:lumMod val="95000"/>
-            </a:schemeClr>
+            <a:schemeClr val="bg1"/>
           </a:solidFill>
-          <a:ln>
+          <a:ln w="19050">
             <a:solidFill>
-              <a:schemeClr val="accent4">
-                <a:lumMod val="75000"/>
-              </a:schemeClr>
+              <a:srgbClr val="0A6D94"/>
             </a:solidFill>
           </a:ln>
+          <a:effectLst>
+            <a:outerShdw blurRad="50800" dist="38100" dir="2700000" algn="tl" rotWithShape="0">
+              <a:prstClr val="black">
+                <a:alpha val="40000"/>
+              </a:prstClr>
+            </a:outerShdw>
+          </a:effectLst>
         </p:spPr>
         <p:style>
           <a:lnRef idx="2">
@@ -5034,193 +5037,6 @@
           </a:p>
         </p:txBody>
       </p:sp>
-      <p:grpSp>
-        <p:nvGrpSpPr>
-          <p:cNvPr id="16" name="그룹 15">
-            <a:extLst>
-              <a:ext uri="{FF2B5EF4-FFF2-40B4-BE49-F238E27FC236}">
-                <a16:creationId xmlns:a16="http://schemas.microsoft.com/office/drawing/2014/main" id="{B511B545-C1C6-1426-9255-E64F29F20F58}"/>
-              </a:ext>
-            </a:extLst>
-          </p:cNvPr>
-          <p:cNvGrpSpPr/>
-          <p:nvPr/>
-        </p:nvGrpSpPr>
-        <p:grpSpPr>
-          <a:xfrm>
-            <a:off x="302108" y="1575140"/>
-            <a:ext cx="7101005" cy="815371"/>
-            <a:chOff x="302108" y="1201601"/>
-            <a:chExt cx="7101005" cy="815371"/>
-          </a:xfrm>
-        </p:grpSpPr>
-        <p:sp>
-          <p:nvSpPr>
-            <p:cNvPr id="11" name="TextBox 10">
-              <a:extLst>
-                <a:ext uri="{FF2B5EF4-FFF2-40B4-BE49-F238E27FC236}">
-                  <a16:creationId xmlns:a16="http://schemas.microsoft.com/office/drawing/2014/main" id="{31477134-64D6-C261-9F44-7BA38028767E}"/>
-                </a:ext>
-              </a:extLst>
-            </p:cNvPr>
-            <p:cNvSpPr txBox="1"/>
-            <p:nvPr/>
-          </p:nvSpPr>
-          <p:spPr>
-            <a:xfrm>
-              <a:off x="302108" y="1201601"/>
-              <a:ext cx="1813317" cy="246221"/>
-            </a:xfrm>
-            <a:prstGeom prst="rect">
-              <a:avLst/>
-            </a:prstGeom>
-            <a:noFill/>
-          </p:spPr>
-          <p:txBody>
-            <a:bodyPr wrap="none" rtlCol="0">
-              <a:spAutoFit/>
-            </a:bodyPr>
-            <a:lstStyle/>
-            <a:p>
-              <a:r>
-                <a:rPr lang="en-US" altLang="ko-KR" sz="1000" b="1" dirty="0">
-                  <a:latin typeface="+mn-ea"/>
-                </a:rPr>
-                <a:t>(1)</a:t>
-              </a:r>
-              <a:r>
-                <a:rPr lang="ko-KR" altLang="en-US" sz="1000" b="1" dirty="0">
-                  <a:latin typeface="+mn-ea"/>
-                </a:rPr>
-                <a:t> 숙련된 유저를 위한 무기</a:t>
-              </a:r>
-              <a:endParaRPr lang="en-US" altLang="ko-KR" sz="1000" b="1" dirty="0">
-                <a:latin typeface="+mn-ea"/>
-              </a:endParaRPr>
-            </a:p>
-          </p:txBody>
-        </p:sp>
-        <p:sp>
-          <p:nvSpPr>
-            <p:cNvPr id="25" name="TextBox 24">
-              <a:extLst>
-                <a:ext uri="{FF2B5EF4-FFF2-40B4-BE49-F238E27FC236}">
-                  <a16:creationId xmlns:a16="http://schemas.microsoft.com/office/drawing/2014/main" id="{07A3F5F5-37B4-4206-873D-A2A3981B520A}"/>
-                </a:ext>
-              </a:extLst>
-            </p:cNvPr>
-            <p:cNvSpPr txBox="1"/>
-            <p:nvPr/>
-          </p:nvSpPr>
-          <p:spPr>
-            <a:xfrm>
-              <a:off x="533925" y="1492726"/>
-              <a:ext cx="6869188" cy="524246"/>
-            </a:xfrm>
-            <a:prstGeom prst="rect">
-              <a:avLst/>
-            </a:prstGeom>
-            <a:noFill/>
-          </p:spPr>
-          <p:txBody>
-            <a:bodyPr wrap="none" rtlCol="0">
-              <a:spAutoFit/>
-            </a:bodyPr>
-            <a:lstStyle/>
-            <a:p>
-              <a:pPr marL="171450" indent="-171450">
-                <a:lnSpc>
-                  <a:spcPct val="150000"/>
-                </a:lnSpc>
-                <a:buFontTx/>
-                <a:buChar char="-"/>
-              </a:pPr>
-              <a:r>
-                <a:rPr lang="ko-KR" altLang="en-US" sz="1000" dirty="0">
-                  <a:latin typeface="+mn-ea"/>
-                </a:rPr>
-                <a:t>부채는 번개를 다루는 마법 무기이지만 적에게 접근하고 적의 공격을 피해야 온전한 성능을 발휘하는 무기입니다</a:t>
-              </a:r>
-              <a:r>
-                <a:rPr lang="en-US" altLang="ko-KR" sz="1000" dirty="0">
-                  <a:latin typeface="+mn-ea"/>
-                </a:rPr>
-                <a:t>.</a:t>
-              </a:r>
-              <a:endParaRPr lang="en-US" altLang="ko-KR" sz="300" dirty="0">
-                <a:latin typeface="+mn-ea"/>
-              </a:endParaRPr>
-            </a:p>
-            <a:p>
-              <a:pPr marL="171450" indent="-171450">
-                <a:lnSpc>
-                  <a:spcPct val="150000"/>
-                </a:lnSpc>
-                <a:buFontTx/>
-                <a:buChar char="-"/>
-              </a:pPr>
-              <a:r>
-                <a:rPr lang="ko-KR" altLang="en-US" sz="1000" dirty="0">
-                  <a:latin typeface="+mn-ea"/>
-                </a:rPr>
-                <a:t>하이 리스크 하이 리턴 형 무기로 게임의 전투 방식에 숙련된 유저에게 추천하는 무기입니다</a:t>
-              </a:r>
-              <a:r>
-                <a:rPr lang="en-US" altLang="ko-KR" sz="1000" dirty="0">
-                  <a:latin typeface="+mn-ea"/>
-                </a:rPr>
-                <a:t>.</a:t>
-              </a:r>
-            </a:p>
-          </p:txBody>
-        </p:sp>
-      </p:grpSp>
-      <p:sp>
-        <p:nvSpPr>
-          <p:cNvPr id="26" name="TextBox 25">
-            <a:extLst>
-              <a:ext uri="{FF2B5EF4-FFF2-40B4-BE49-F238E27FC236}">
-                <a16:creationId xmlns:a16="http://schemas.microsoft.com/office/drawing/2014/main" id="{AA707D77-F06C-54F7-571D-3097629A9F24}"/>
-              </a:ext>
-            </a:extLst>
-          </p:cNvPr>
-          <p:cNvSpPr txBox="1"/>
-          <p:nvPr/>
-        </p:nvSpPr>
-        <p:spPr>
-          <a:xfrm>
-            <a:off x="132100" y="1054067"/>
-            <a:ext cx="1039067" cy="276999"/>
-          </a:xfrm>
-          <a:prstGeom prst="rect">
-            <a:avLst/>
-          </a:prstGeom>
-          <a:noFill/>
-        </p:spPr>
-        <p:txBody>
-          <a:bodyPr wrap="none" rtlCol="0">
-            <a:spAutoFit/>
-          </a:bodyPr>
-          <a:lstStyle/>
-          <a:p>
-            <a:r>
-              <a:rPr lang="en-US" altLang="ko-KR" sz="1200" b="1" dirty="0">
-                <a:latin typeface="+mn-ea"/>
-              </a:rPr>
-              <a:t>1. </a:t>
-            </a:r>
-            <a:r>
-              <a:rPr lang="ko-KR" altLang="en-US" sz="1200" b="1" dirty="0">
-                <a:latin typeface="+mn-ea"/>
-              </a:rPr>
-              <a:t>기획 의도</a:t>
-            </a:r>
-            <a:endParaRPr lang="en-US" altLang="ko-KR" sz="1200" b="1" dirty="0">
-              <a:latin typeface="+mn-ea"/>
-            </a:endParaRPr>
-          </a:p>
-        </p:txBody>
-      </p:sp>
       <p:sp>
         <p:nvSpPr>
           <p:cNvPr id="28" name="TextBox 27">
@@ -5266,168 +5082,6 @@
       </p:sp>
       <p:grpSp>
         <p:nvGrpSpPr>
-          <p:cNvPr id="17" name="그룹 16">
-            <a:extLst>
-              <a:ext uri="{FF2B5EF4-FFF2-40B4-BE49-F238E27FC236}">
-                <a16:creationId xmlns:a16="http://schemas.microsoft.com/office/drawing/2014/main" id="{B8DCEB1F-3189-FF51-4A8B-36E9505F3DCB}"/>
-              </a:ext>
-            </a:extLst>
-          </p:cNvPr>
-          <p:cNvGrpSpPr/>
-          <p:nvPr/>
-        </p:nvGrpSpPr>
-        <p:grpSpPr>
-          <a:xfrm>
-            <a:off x="302108" y="3145394"/>
-            <a:ext cx="6286680" cy="829768"/>
-            <a:chOff x="302108" y="2121313"/>
-            <a:chExt cx="6286680" cy="829768"/>
-          </a:xfrm>
-        </p:grpSpPr>
-        <p:sp>
-          <p:nvSpPr>
-            <p:cNvPr id="14" name="TextBox 13">
-              <a:extLst>
-                <a:ext uri="{FF2B5EF4-FFF2-40B4-BE49-F238E27FC236}">
-                  <a16:creationId xmlns:a16="http://schemas.microsoft.com/office/drawing/2014/main" id="{B65E7D55-106D-25AC-5DED-6F97D6078AD5}"/>
-                </a:ext>
-              </a:extLst>
-            </p:cNvPr>
-            <p:cNvSpPr txBox="1"/>
-            <p:nvPr/>
-          </p:nvSpPr>
-          <p:spPr>
-            <a:xfrm>
-              <a:off x="302108" y="2121313"/>
-              <a:ext cx="2257349" cy="261610"/>
-            </a:xfrm>
-            <a:prstGeom prst="rect">
-              <a:avLst/>
-            </a:prstGeom>
-            <a:noFill/>
-          </p:spPr>
-          <p:txBody>
-            <a:bodyPr wrap="none" rtlCol="0">
-              <a:spAutoFit/>
-            </a:bodyPr>
-            <a:lstStyle/>
-            <a:p>
-              <a:r>
-                <a:rPr lang="en-US" altLang="ko-KR" sz="1100" b="1" dirty="0">
-                  <a:latin typeface="+mn-ea"/>
-                </a:rPr>
-                <a:t>(2)</a:t>
-              </a:r>
-              <a:r>
-                <a:rPr lang="ko-KR" altLang="en-US" sz="1100" b="1" dirty="0">
-                  <a:latin typeface="+mn-ea"/>
-                </a:rPr>
-                <a:t> 한국의 전통을 보여주는 무기</a:t>
-              </a:r>
-              <a:endParaRPr lang="en-US" altLang="ko-KR" sz="1100" b="1" dirty="0">
-                <a:latin typeface="+mn-ea"/>
-              </a:endParaRPr>
-            </a:p>
-          </p:txBody>
-        </p:sp>
-        <p:sp>
-          <p:nvSpPr>
-            <p:cNvPr id="29" name="TextBox 28">
-              <a:extLst>
-                <a:ext uri="{FF2B5EF4-FFF2-40B4-BE49-F238E27FC236}">
-                  <a16:creationId xmlns:a16="http://schemas.microsoft.com/office/drawing/2014/main" id="{DFD588CC-A40E-406A-2F83-2D2B45DA01F9}"/>
-                </a:ext>
-              </a:extLst>
-            </p:cNvPr>
-            <p:cNvSpPr txBox="1"/>
-            <p:nvPr/>
-          </p:nvSpPr>
-          <p:spPr>
-            <a:xfrm>
-              <a:off x="533925" y="2426835"/>
-              <a:ext cx="6054863" cy="524246"/>
-            </a:xfrm>
-            <a:prstGeom prst="rect">
-              <a:avLst/>
-            </a:prstGeom>
-            <a:noFill/>
-          </p:spPr>
-          <p:txBody>
-            <a:bodyPr wrap="none" rtlCol="0">
-              <a:spAutoFit/>
-            </a:bodyPr>
-            <a:lstStyle/>
-            <a:p>
-              <a:pPr marL="171450" indent="-171450">
-                <a:lnSpc>
-                  <a:spcPct val="150000"/>
-                </a:lnSpc>
-                <a:buFontTx/>
-                <a:buChar char="-"/>
-              </a:pPr>
-              <a:r>
-                <a:rPr lang="ko-KR" altLang="en-US" sz="1000" dirty="0">
-                  <a:latin typeface="+mn-ea"/>
-                </a:rPr>
-                <a:t>선비가 부채를 들고 추는 전통 춤인 </a:t>
-              </a:r>
-              <a:r>
-                <a:rPr lang="en-US" altLang="ko-KR" sz="1000" dirty="0">
-                  <a:latin typeface="+mn-ea"/>
-                </a:rPr>
-                <a:t>‘</a:t>
-              </a:r>
-              <a:r>
-                <a:rPr lang="ko-KR" altLang="en-US" sz="1000" dirty="0" err="1">
-                  <a:latin typeface="+mn-ea"/>
-                </a:rPr>
-                <a:t>한량무</a:t>
-              </a:r>
-              <a:r>
-                <a:rPr lang="en-US" altLang="ko-KR" sz="1000" dirty="0">
-                  <a:latin typeface="+mn-ea"/>
-                </a:rPr>
-                <a:t>’</a:t>
-              </a:r>
-              <a:r>
-                <a:rPr lang="ko-KR" altLang="en-US" sz="1000" dirty="0">
-                  <a:latin typeface="+mn-ea"/>
-                </a:rPr>
-                <a:t>에서 영감을 받아 만든 무기입니다</a:t>
-              </a:r>
-              <a:r>
-                <a:rPr lang="en-US" altLang="ko-KR" sz="1000" dirty="0">
-                  <a:latin typeface="+mn-ea"/>
-                </a:rPr>
-                <a:t>.</a:t>
-              </a:r>
-            </a:p>
-            <a:p>
-              <a:pPr marL="171450" indent="-171450">
-                <a:lnSpc>
-                  <a:spcPct val="150000"/>
-                </a:lnSpc>
-                <a:buFontTx/>
-                <a:buChar char="-"/>
-              </a:pPr>
-              <a:r>
-                <a:rPr lang="ko-KR" altLang="en-US" sz="1000" dirty="0">
-                  <a:latin typeface="+mn-ea"/>
-                </a:rPr>
-                <a:t>여유롭고 절제된 동작에 역동성이 일부 가미된 모션들은 선비가 춤을 추는 듯한 느낌을 선사합니다</a:t>
-              </a:r>
-              <a:r>
-                <a:rPr lang="en-US" altLang="ko-KR" sz="1000" dirty="0">
-                  <a:latin typeface="+mn-ea"/>
-                </a:rPr>
-                <a:t>.</a:t>
-              </a:r>
-            </a:p>
-          </p:txBody>
-        </p:sp>
-      </p:grpSp>
-      <p:grpSp>
-        <p:nvGrpSpPr>
           <p:cNvPr id="8" name="그룹 7">
             <a:extLst>
               <a:ext uri="{FF2B5EF4-FFF2-40B4-BE49-F238E27FC236}">
@@ -5440,7 +5094,7 @@
         </p:nvGrpSpPr>
         <p:grpSpPr>
           <a:xfrm>
-            <a:off x="7988262" y="1669516"/>
+            <a:off x="8311561" y="2103425"/>
             <a:ext cx="3223077" cy="3603114"/>
             <a:chOff x="7988262" y="1669516"/>
             <a:chExt cx="3223077" cy="3603114"/>
@@ -5532,15 +5186,11 @@
                 <a:avLst/>
               </a:prstGeom>
               <a:solidFill>
-                <a:schemeClr val="accent4">
-                  <a:lumMod val="75000"/>
-                </a:schemeClr>
+                <a:srgbClr val="F2F2F2"/>
               </a:solidFill>
               <a:ln>
                 <a:solidFill>
-                  <a:schemeClr val="accent4">
-                    <a:lumMod val="75000"/>
-                  </a:schemeClr>
+                  <a:srgbClr val="0A6D94"/>
                 </a:solidFill>
               </a:ln>
             </p:spPr>
@@ -5629,12 +5279,58 @@
           </p:sp>
         </p:grpSp>
       </p:grpSp>
+      <p:sp>
+        <p:nvSpPr>
+          <p:cNvPr id="9" name="TextBox 8">
+            <a:extLst>
+              <a:ext uri="{FF2B5EF4-FFF2-40B4-BE49-F238E27FC236}">
+                <a16:creationId xmlns:a16="http://schemas.microsoft.com/office/drawing/2014/main" id="{93644E08-1A61-F131-6FA1-BC44E1B1D6D8}"/>
+              </a:ext>
+            </a:extLst>
+          </p:cNvPr>
+          <p:cNvSpPr txBox="1"/>
+          <p:nvPr/>
+        </p:nvSpPr>
+        <p:spPr>
+          <a:xfrm>
+            <a:off x="33832" y="1058417"/>
+            <a:ext cx="1039067" cy="276999"/>
+          </a:xfrm>
+          <a:prstGeom prst="rect">
+            <a:avLst/>
+          </a:prstGeom>
+          <a:noFill/>
+        </p:spPr>
+        <p:txBody>
+          <a:bodyPr wrap="none" rtlCol="0">
+            <a:spAutoFit/>
+          </a:bodyPr>
+          <a:lstStyle/>
+          <a:p>
+            <a:r>
+              <a:rPr lang="en-US" altLang="ko-KR" sz="1200" b="1" dirty="0">
+                <a:latin typeface="+mn-ea"/>
+              </a:rPr>
+              <a:t>1. </a:t>
+            </a:r>
+            <a:r>
+              <a:rPr lang="ko-KR" altLang="en-US" sz="1200" b="1" dirty="0">
+                <a:latin typeface="+mn-ea"/>
+              </a:rPr>
+              <a:t>기획 의도</a:t>
+            </a:r>
+            <a:endParaRPr lang="en-US" altLang="ko-KR" sz="1200" b="1" dirty="0">
+              <a:latin typeface="+mn-ea"/>
+            </a:endParaRPr>
+          </a:p>
+        </p:txBody>
+      </p:sp>
       <p:grpSp>
         <p:nvGrpSpPr>
-          <p:cNvPr id="18" name="그룹 17">
+          <p:cNvPr id="22" name="그룹 21">
             <a:extLst>
               <a:ext uri="{FF2B5EF4-FFF2-40B4-BE49-F238E27FC236}">
-                <a16:creationId xmlns:a16="http://schemas.microsoft.com/office/drawing/2014/main" id="{E2A51771-1897-BC95-5867-9A0AE544D124}"/>
+                <a16:creationId xmlns:a16="http://schemas.microsoft.com/office/drawing/2014/main" id="{49656CDC-04B5-D4E1-07BF-5C8016E4E9ED}"/>
               </a:ext>
             </a:extLst>
           </p:cNvPr>
@@ -5643,18 +5339,18 @@
         </p:nvGrpSpPr>
         <p:grpSpPr>
           <a:xfrm>
-            <a:off x="302108" y="4730045"/>
-            <a:ext cx="6509498" cy="830281"/>
-            <a:chOff x="302108" y="3040547"/>
-            <a:chExt cx="6509498" cy="830281"/>
+            <a:off x="1779942" y="1074464"/>
+            <a:ext cx="3299587" cy="246221"/>
+            <a:chOff x="1779942" y="1074464"/>
+            <a:chExt cx="3299587" cy="246221"/>
           </a:xfrm>
         </p:grpSpPr>
         <p:sp>
           <p:nvSpPr>
-            <p:cNvPr id="10" name="TextBox 9">
+            <p:cNvPr id="13" name="TextBox 12">
               <a:extLst>
                 <a:ext uri="{FF2B5EF4-FFF2-40B4-BE49-F238E27FC236}">
-                  <a16:creationId xmlns:a16="http://schemas.microsoft.com/office/drawing/2014/main" id="{53AF054B-A5CE-D9BA-5F12-6A3837F895A4}"/>
+                  <a16:creationId xmlns:a16="http://schemas.microsoft.com/office/drawing/2014/main" id="{5FAB7453-86FD-45BA-7C99-202710156B05}"/>
                 </a:ext>
               </a:extLst>
             </p:cNvPr>
@@ -5663,8 +5359,8 @@
           </p:nvSpPr>
           <p:spPr>
             <a:xfrm>
-              <a:off x="302108" y="3040547"/>
-              <a:ext cx="2920992" cy="261610"/>
+              <a:off x="1779942" y="1074464"/>
+              <a:ext cx="647934" cy="246221"/>
             </a:xfrm>
             <a:prstGeom prst="rect">
               <a:avLst/>
@@ -5678,18 +5374,18 @@
             <a:lstStyle/>
             <a:p>
               <a:r>
-                <a:rPr lang="en-US" altLang="ko-KR" sz="1100" b="1" dirty="0">
+                <a:rPr lang="en-US" altLang="ko-KR" sz="1000" b="1" dirty="0">
                   <a:latin typeface="+mn-ea"/>
                 </a:rPr>
-                <a:t>(3)</a:t>
+                <a:t>#</a:t>
               </a:r>
               <a:r>
-                <a:rPr lang="ko-KR" altLang="en-US" sz="1100" b="1" dirty="0">
+                <a:rPr lang="ko-KR" altLang="en-US" sz="1000" b="1" dirty="0" err="1">
                   <a:latin typeface="+mn-ea"/>
                 </a:rPr>
-                <a:t> 적을 피뢰침 삼아 번개를 방출하는 무기</a:t>
+                <a:t>숙련자</a:t>
               </a:r>
-              <a:endParaRPr lang="en-US" altLang="ko-KR" sz="1100" b="1" dirty="0">
+              <a:endParaRPr lang="en-US" altLang="ko-KR" sz="1000" b="1" dirty="0">
                 <a:latin typeface="+mn-ea"/>
               </a:endParaRPr>
             </a:p>
@@ -5697,10 +5393,10 @@
         </p:sp>
         <p:sp>
           <p:nvSpPr>
-            <p:cNvPr id="12" name="TextBox 11">
+            <p:cNvPr id="15" name="TextBox 14">
               <a:extLst>
                 <a:ext uri="{FF2B5EF4-FFF2-40B4-BE49-F238E27FC236}">
-                  <a16:creationId xmlns:a16="http://schemas.microsoft.com/office/drawing/2014/main" id="{11131C1F-B915-C83E-7C33-3CA6A83D937B}"/>
+                  <a16:creationId xmlns:a16="http://schemas.microsoft.com/office/drawing/2014/main" id="{F8C22FA6-9BD7-6A9D-4AAC-10D86B3E1977}"/>
                 </a:ext>
               </a:extLst>
             </p:cNvPr>
@@ -5709,8 +5405,651 @@
           </p:nvSpPr>
           <p:spPr>
             <a:xfrm>
-              <a:off x="533925" y="3346582"/>
-              <a:ext cx="6277681" cy="524246"/>
+              <a:off x="2653721" y="1074464"/>
+              <a:ext cx="1250663" cy="246221"/>
+            </a:xfrm>
+            <a:prstGeom prst="rect">
+              <a:avLst/>
+            </a:prstGeom>
+            <a:noFill/>
+          </p:spPr>
+          <p:txBody>
+            <a:bodyPr wrap="none" rtlCol="0">
+              <a:spAutoFit/>
+            </a:bodyPr>
+            <a:lstStyle/>
+            <a:p>
+              <a:r>
+                <a:rPr lang="en-US" altLang="ko-KR" sz="1000" b="1" dirty="0">
+                  <a:latin typeface="+mn-ea"/>
+                </a:rPr>
+                <a:t>#</a:t>
+              </a:r>
+              <a:r>
+                <a:rPr lang="ko-KR" altLang="en-US" sz="1000" b="1" dirty="0">
+                  <a:latin typeface="+mn-ea"/>
+                </a:rPr>
+                <a:t>한국의 전통 문화</a:t>
+              </a:r>
+              <a:endParaRPr lang="en-US" altLang="ko-KR" sz="1000" b="1" dirty="0">
+                <a:latin typeface="+mn-ea"/>
+              </a:endParaRPr>
+            </a:p>
+          </p:txBody>
+        </p:sp>
+        <p:sp>
+          <p:nvSpPr>
+            <p:cNvPr id="21" name="TextBox 20">
+              <a:extLst>
+                <a:ext uri="{FF2B5EF4-FFF2-40B4-BE49-F238E27FC236}">
+                  <a16:creationId xmlns:a16="http://schemas.microsoft.com/office/drawing/2014/main" id="{AA207A59-AA7A-2257-E980-C4C01843E93F}"/>
+                </a:ext>
+              </a:extLst>
+            </p:cNvPr>
+            <p:cNvSpPr txBox="1"/>
+            <p:nvPr/>
+          </p:nvSpPr>
+          <p:spPr>
+            <a:xfrm>
+              <a:off x="4130230" y="1074464"/>
+              <a:ext cx="949299" cy="246221"/>
+            </a:xfrm>
+            <a:prstGeom prst="rect">
+              <a:avLst/>
+            </a:prstGeom>
+            <a:noFill/>
+          </p:spPr>
+          <p:txBody>
+            <a:bodyPr wrap="none" rtlCol="0">
+              <a:spAutoFit/>
+            </a:bodyPr>
+            <a:lstStyle/>
+            <a:p>
+              <a:r>
+                <a:rPr lang="en-US" altLang="ko-KR" sz="1000" b="1" dirty="0">
+                  <a:latin typeface="+mn-ea"/>
+                </a:rPr>
+                <a:t>#</a:t>
+              </a:r>
+              <a:r>
+                <a:rPr lang="ko-KR" altLang="en-US" sz="1000" b="1" dirty="0">
+                  <a:latin typeface="+mn-ea"/>
+                </a:rPr>
+                <a:t>무작위 대상</a:t>
+              </a:r>
+              <a:endParaRPr lang="en-US" altLang="ko-KR" sz="1000" b="1" dirty="0">
+                <a:latin typeface="+mn-ea"/>
+              </a:endParaRPr>
+            </a:p>
+          </p:txBody>
+        </p:sp>
+      </p:grpSp>
+      <p:grpSp>
+        <p:nvGrpSpPr>
+          <p:cNvPr id="56" name="그룹 55">
+            <a:extLst>
+              <a:ext uri="{FF2B5EF4-FFF2-40B4-BE49-F238E27FC236}">
+                <a16:creationId xmlns:a16="http://schemas.microsoft.com/office/drawing/2014/main" id="{738A91D3-778D-603D-51B9-2DADB22BB418}"/>
+              </a:ext>
+            </a:extLst>
+          </p:cNvPr>
+          <p:cNvGrpSpPr/>
+          <p:nvPr/>
+        </p:nvGrpSpPr>
+        <p:grpSpPr>
+          <a:xfrm>
+            <a:off x="360045" y="1812509"/>
+            <a:ext cx="7266432" cy="1009573"/>
+            <a:chOff x="360045" y="1812509"/>
+            <a:chExt cx="7266432" cy="1009573"/>
+          </a:xfrm>
+        </p:grpSpPr>
+        <p:sp>
+          <p:nvSpPr>
+            <p:cNvPr id="24" name="사각형: 둥근 모서리 23">
+              <a:extLst>
+                <a:ext uri="{FF2B5EF4-FFF2-40B4-BE49-F238E27FC236}">
+                  <a16:creationId xmlns:a16="http://schemas.microsoft.com/office/drawing/2014/main" id="{FA2F7DEA-A6BD-7CD5-41E7-E27EC00E72AE}"/>
+                </a:ext>
+              </a:extLst>
+            </p:cNvPr>
+            <p:cNvSpPr/>
+            <p:nvPr/>
+          </p:nvSpPr>
+          <p:spPr>
+            <a:xfrm>
+              <a:off x="360045" y="1958394"/>
+              <a:ext cx="7266432" cy="863688"/>
+            </a:xfrm>
+            <a:prstGeom prst="roundRect">
+              <a:avLst>
+                <a:gd name="adj" fmla="val 7491"/>
+              </a:avLst>
+            </a:prstGeom>
+            <a:solidFill>
+              <a:schemeClr val="bg1"/>
+            </a:solidFill>
+            <a:ln w="12700">
+              <a:solidFill>
+                <a:srgbClr val="0A6D94"/>
+              </a:solidFill>
+            </a:ln>
+            <a:effectLst/>
+          </p:spPr>
+          <p:style>
+            <a:lnRef idx="2">
+              <a:schemeClr val="accent1">
+                <a:shade val="15000"/>
+              </a:schemeClr>
+            </a:lnRef>
+            <a:fillRef idx="1">
+              <a:schemeClr val="accent1"/>
+            </a:fillRef>
+            <a:effectRef idx="0">
+              <a:schemeClr val="accent1"/>
+            </a:effectRef>
+            <a:fontRef idx="minor">
+              <a:schemeClr val="lt1"/>
+            </a:fontRef>
+          </p:style>
+          <p:txBody>
+            <a:bodyPr rtlCol="0" anchor="ctr"/>
+            <a:lstStyle/>
+            <a:p>
+              <a:pPr algn="ctr"/>
+              <a:endParaRPr lang="ko-KR" altLang="en-US"/>
+            </a:p>
+          </p:txBody>
+        </p:sp>
+        <p:sp>
+          <p:nvSpPr>
+            <p:cNvPr id="25" name="TextBox 24">
+              <a:extLst>
+                <a:ext uri="{FF2B5EF4-FFF2-40B4-BE49-F238E27FC236}">
+                  <a16:creationId xmlns:a16="http://schemas.microsoft.com/office/drawing/2014/main" id="{07A3F5F5-37B4-4206-873D-A2A3981B520A}"/>
+                </a:ext>
+              </a:extLst>
+            </p:cNvPr>
+            <p:cNvSpPr txBox="1"/>
+            <p:nvPr/>
+          </p:nvSpPr>
+          <p:spPr>
+            <a:xfrm>
+              <a:off x="558667" y="2128115"/>
+              <a:ext cx="6869188" cy="524246"/>
+            </a:xfrm>
+            <a:prstGeom prst="rect">
+              <a:avLst/>
+            </a:prstGeom>
+            <a:noFill/>
+          </p:spPr>
+          <p:txBody>
+            <a:bodyPr wrap="none" rtlCol="0">
+              <a:spAutoFit/>
+            </a:bodyPr>
+            <a:lstStyle/>
+            <a:p>
+              <a:pPr marL="171450" indent="-171450">
+                <a:lnSpc>
+                  <a:spcPct val="150000"/>
+                </a:lnSpc>
+                <a:buFontTx/>
+                <a:buChar char="-"/>
+              </a:pPr>
+              <a:r>
+                <a:rPr lang="en-US" altLang="ko-KR" sz="1000" dirty="0">
+                  <a:latin typeface="+mn-ea"/>
+                </a:rPr>
+                <a:t>‘</a:t>
+              </a:r>
+              <a:r>
+                <a:rPr lang="ko-KR" altLang="en-US" sz="1000" dirty="0">
+                  <a:latin typeface="+mn-ea"/>
+                </a:rPr>
+                <a:t>부채</a:t>
+              </a:r>
+              <a:r>
+                <a:rPr lang="en-US" altLang="ko-KR" sz="1000" dirty="0">
+                  <a:latin typeface="+mn-ea"/>
+                </a:rPr>
+                <a:t>’</a:t>
+              </a:r>
+              <a:r>
+                <a:rPr lang="ko-KR" altLang="en-US" sz="1000" dirty="0">
+                  <a:latin typeface="+mn-ea"/>
+                </a:rPr>
+                <a:t>는 번개를 다루는 마법 무기이지만 적에게 접근하고 적의 공격을 피해야 온전한 성능을 발휘하는 무기입니다</a:t>
+              </a:r>
+              <a:r>
+                <a:rPr lang="en-US" altLang="ko-KR" sz="1000" dirty="0">
+                  <a:latin typeface="+mn-ea"/>
+                </a:rPr>
+                <a:t>.</a:t>
+              </a:r>
+              <a:endParaRPr lang="en-US" altLang="ko-KR" sz="300" dirty="0">
+                <a:latin typeface="+mn-ea"/>
+              </a:endParaRPr>
+            </a:p>
+            <a:p>
+              <a:pPr marL="171450" indent="-171450">
+                <a:lnSpc>
+                  <a:spcPct val="150000"/>
+                </a:lnSpc>
+                <a:buFontTx/>
+                <a:buChar char="-"/>
+              </a:pPr>
+              <a:r>
+                <a:rPr lang="ko-KR" altLang="en-US" sz="1000" dirty="0">
+                  <a:latin typeface="+mn-ea"/>
+                </a:rPr>
+                <a:t>하이 리스크 하이 리턴 형 무기로 게임의 전투 방식에 숙련된 유저에게 추천하는 무기입니다</a:t>
+              </a:r>
+              <a:r>
+                <a:rPr lang="en-US" altLang="ko-KR" sz="1000" dirty="0">
+                  <a:latin typeface="+mn-ea"/>
+                </a:rPr>
+                <a:t>.</a:t>
+              </a:r>
+            </a:p>
+          </p:txBody>
+        </p:sp>
+        <p:sp>
+          <p:nvSpPr>
+            <p:cNvPr id="11" name="TextBox 10">
+              <a:extLst>
+                <a:ext uri="{FF2B5EF4-FFF2-40B4-BE49-F238E27FC236}">
+                  <a16:creationId xmlns:a16="http://schemas.microsoft.com/office/drawing/2014/main" id="{31477134-64D6-C261-9F44-7BA38028767E}"/>
+                </a:ext>
+              </a:extLst>
+            </p:cNvPr>
+            <p:cNvSpPr txBox="1"/>
+            <p:nvPr/>
+          </p:nvSpPr>
+          <p:spPr>
+            <a:xfrm>
+              <a:off x="514733" y="1812509"/>
+              <a:ext cx="1650979" cy="290916"/>
+            </a:xfrm>
+            <a:prstGeom prst="roundRect">
+              <a:avLst/>
+            </a:prstGeom>
+            <a:solidFill>
+              <a:srgbClr val="0A6D94"/>
+            </a:solidFill>
+            <a:effectLst>
+              <a:outerShdw blurRad="50800" dist="38100" dir="2700000" algn="tl" rotWithShape="0">
+                <a:prstClr val="black">
+                  <a:alpha val="40000"/>
+                </a:prstClr>
+              </a:outerShdw>
+            </a:effectLst>
+          </p:spPr>
+          <p:txBody>
+            <a:bodyPr wrap="none" lIns="108000" tIns="54000" rIns="108000" bIns="54000" rtlCol="0" anchor="ctr" anchorCtr="0">
+              <a:spAutoFit/>
+            </a:bodyPr>
+            <a:lstStyle/>
+            <a:p>
+              <a:pPr algn="ctr"/>
+              <a:r>
+                <a:rPr lang="ko-KR" altLang="en-US" sz="1000" b="1" dirty="0">
+                  <a:solidFill>
+                    <a:schemeClr val="bg1"/>
+                  </a:solidFill>
+                  <a:latin typeface="+mn-ea"/>
+                </a:rPr>
+                <a:t>숙련된 유저를 위한 무기</a:t>
+              </a:r>
+              <a:endParaRPr lang="en-US" altLang="ko-KR" sz="1000" b="1" dirty="0">
+                <a:solidFill>
+                  <a:schemeClr val="bg1"/>
+                </a:solidFill>
+                <a:latin typeface="+mn-ea"/>
+              </a:endParaRPr>
+            </a:p>
+          </p:txBody>
+        </p:sp>
+      </p:grpSp>
+      <p:grpSp>
+        <p:nvGrpSpPr>
+          <p:cNvPr id="54" name="그룹 53">
+            <a:extLst>
+              <a:ext uri="{FF2B5EF4-FFF2-40B4-BE49-F238E27FC236}">
+                <a16:creationId xmlns:a16="http://schemas.microsoft.com/office/drawing/2014/main" id="{8D52C1A6-7D63-0C4A-0E94-092DFFD13188}"/>
+              </a:ext>
+            </a:extLst>
+          </p:cNvPr>
+          <p:cNvGrpSpPr/>
+          <p:nvPr/>
+        </p:nvGrpSpPr>
+        <p:grpSpPr>
+          <a:xfrm>
+            <a:off x="360045" y="3396179"/>
+            <a:ext cx="7266432" cy="1009573"/>
+            <a:chOff x="360045" y="3501143"/>
+            <a:chExt cx="7266432" cy="1009573"/>
+          </a:xfrm>
+        </p:grpSpPr>
+        <p:sp>
+          <p:nvSpPr>
+            <p:cNvPr id="38" name="사각형: 둥근 모서리 37">
+              <a:extLst>
+                <a:ext uri="{FF2B5EF4-FFF2-40B4-BE49-F238E27FC236}">
+                  <a16:creationId xmlns:a16="http://schemas.microsoft.com/office/drawing/2014/main" id="{4556DDE0-109E-D2D8-A4A2-550133756625}"/>
+                </a:ext>
+              </a:extLst>
+            </p:cNvPr>
+            <p:cNvSpPr/>
+            <p:nvPr/>
+          </p:nvSpPr>
+          <p:spPr>
+            <a:xfrm>
+              <a:off x="360045" y="3647028"/>
+              <a:ext cx="7266432" cy="863688"/>
+            </a:xfrm>
+            <a:prstGeom prst="roundRect">
+              <a:avLst>
+                <a:gd name="adj" fmla="val 7491"/>
+              </a:avLst>
+            </a:prstGeom>
+            <a:noFill/>
+            <a:ln w="12700">
+              <a:solidFill>
+                <a:srgbClr val="0A6D94"/>
+              </a:solidFill>
+            </a:ln>
+          </p:spPr>
+          <p:style>
+            <a:lnRef idx="2">
+              <a:schemeClr val="accent1">
+                <a:shade val="15000"/>
+              </a:schemeClr>
+            </a:lnRef>
+            <a:fillRef idx="1">
+              <a:schemeClr val="accent1"/>
+            </a:fillRef>
+            <a:effectRef idx="0">
+              <a:schemeClr val="accent1"/>
+            </a:effectRef>
+            <a:fontRef idx="minor">
+              <a:schemeClr val="lt1"/>
+            </a:fontRef>
+          </p:style>
+          <p:txBody>
+            <a:bodyPr rtlCol="0" anchor="ctr"/>
+            <a:lstStyle/>
+            <a:p>
+              <a:pPr algn="ctr"/>
+              <a:endParaRPr lang="ko-KR" altLang="en-US"/>
+            </a:p>
+          </p:txBody>
+        </p:sp>
+        <p:sp>
+          <p:nvSpPr>
+            <p:cNvPr id="39" name="TextBox 38">
+              <a:extLst>
+                <a:ext uri="{FF2B5EF4-FFF2-40B4-BE49-F238E27FC236}">
+                  <a16:creationId xmlns:a16="http://schemas.microsoft.com/office/drawing/2014/main" id="{122B4EC9-D56D-1F5D-76D1-085CC9090D64}"/>
+                </a:ext>
+              </a:extLst>
+            </p:cNvPr>
+            <p:cNvSpPr txBox="1"/>
+            <p:nvPr/>
+          </p:nvSpPr>
+          <p:spPr>
+            <a:xfrm>
+              <a:off x="558667" y="3816749"/>
+              <a:ext cx="4868640" cy="524246"/>
+            </a:xfrm>
+            <a:prstGeom prst="rect">
+              <a:avLst/>
+            </a:prstGeom>
+            <a:noFill/>
+          </p:spPr>
+          <p:txBody>
+            <a:bodyPr wrap="none" rtlCol="0">
+              <a:spAutoFit/>
+            </a:bodyPr>
+            <a:lstStyle/>
+            <a:p>
+              <a:pPr marL="171450" indent="-171450">
+                <a:lnSpc>
+                  <a:spcPct val="150000"/>
+                </a:lnSpc>
+                <a:buFontTx/>
+                <a:buChar char="-"/>
+              </a:pPr>
+              <a:r>
+                <a:rPr lang="ko-KR" altLang="en-US" sz="1000" dirty="0">
+                  <a:latin typeface="+mn-ea"/>
+                </a:rPr>
+                <a:t>선비가 부채를 들고 추는 전통 춤인 </a:t>
+              </a:r>
+              <a:r>
+                <a:rPr lang="en-US" altLang="ko-KR" sz="1000" dirty="0">
+                  <a:latin typeface="+mn-ea"/>
+                </a:rPr>
+                <a:t>‘</a:t>
+              </a:r>
+              <a:r>
+                <a:rPr lang="ko-KR" altLang="en-US" sz="1000" dirty="0" err="1">
+                  <a:latin typeface="+mn-ea"/>
+                </a:rPr>
+                <a:t>한량무</a:t>
+              </a:r>
+              <a:r>
+                <a:rPr lang="en-US" altLang="ko-KR" sz="1000" dirty="0">
+                  <a:latin typeface="+mn-ea"/>
+                </a:rPr>
+                <a:t>’</a:t>
+              </a:r>
+              <a:r>
+                <a:rPr lang="ko-KR" altLang="en-US" sz="1000" dirty="0">
+                  <a:latin typeface="+mn-ea"/>
+                </a:rPr>
+                <a:t>에서 영감을 받아 만든 무기입니다</a:t>
+              </a:r>
+              <a:r>
+                <a:rPr lang="en-US" altLang="ko-KR" sz="1000" dirty="0">
+                  <a:latin typeface="+mn-ea"/>
+                </a:rPr>
+                <a:t>.</a:t>
+              </a:r>
+            </a:p>
+            <a:p>
+              <a:pPr marL="171450" indent="-171450">
+                <a:lnSpc>
+                  <a:spcPct val="150000"/>
+                </a:lnSpc>
+                <a:buFontTx/>
+                <a:buChar char="-"/>
+              </a:pPr>
+              <a:r>
+                <a:rPr lang="en-US" altLang="ko-KR" sz="1000" dirty="0">
+                  <a:latin typeface="+mn-ea"/>
+                </a:rPr>
+                <a:t>‘</a:t>
+              </a:r>
+              <a:r>
+                <a:rPr lang="ko-KR" altLang="en-US" sz="1000" dirty="0">
+                  <a:latin typeface="+mn-ea"/>
+                </a:rPr>
+                <a:t>부채</a:t>
+              </a:r>
+              <a:r>
+                <a:rPr lang="en-US" altLang="ko-KR" sz="1000" dirty="0">
+                  <a:latin typeface="+mn-ea"/>
+                </a:rPr>
+                <a:t>’</a:t>
+              </a:r>
+              <a:r>
+                <a:rPr lang="ko-KR" altLang="en-US" sz="1000" dirty="0">
+                  <a:latin typeface="+mn-ea"/>
+                </a:rPr>
+                <a:t>의</a:t>
+              </a:r>
+              <a:r>
+                <a:rPr lang="en-US" altLang="ko-KR" sz="1000" dirty="0">
+                  <a:latin typeface="+mn-ea"/>
+                </a:rPr>
+                <a:t> </a:t>
+              </a:r>
+              <a:r>
+                <a:rPr lang="ko-KR" altLang="en-US" sz="1000" dirty="0">
+                  <a:latin typeface="+mn-ea"/>
+                </a:rPr>
+                <a:t>스킬 모션은 조선시대 선비의 여유롭고 절제된 동작을 보여줍니다</a:t>
+              </a:r>
+              <a:r>
+                <a:rPr lang="en-US" altLang="ko-KR" sz="1000" dirty="0">
+                  <a:latin typeface="+mn-ea"/>
+                </a:rPr>
+                <a:t>.</a:t>
+              </a:r>
+            </a:p>
+          </p:txBody>
+        </p:sp>
+        <p:sp>
+          <p:nvSpPr>
+            <p:cNvPr id="40" name="TextBox 39">
+              <a:extLst>
+                <a:ext uri="{FF2B5EF4-FFF2-40B4-BE49-F238E27FC236}">
+                  <a16:creationId xmlns:a16="http://schemas.microsoft.com/office/drawing/2014/main" id="{E88693F4-2E6A-B1B5-4102-560C6BB01D62}"/>
+                </a:ext>
+              </a:extLst>
+            </p:cNvPr>
+            <p:cNvSpPr txBox="1"/>
+            <p:nvPr/>
+          </p:nvSpPr>
+          <p:spPr>
+            <a:xfrm>
+              <a:off x="517936" y="3501143"/>
+              <a:ext cx="1909940" cy="290916"/>
+            </a:xfrm>
+            <a:prstGeom prst="roundRect">
+              <a:avLst/>
+            </a:prstGeom>
+            <a:solidFill>
+              <a:srgbClr val="0A6D94"/>
+            </a:solidFill>
+            <a:effectLst>
+              <a:outerShdw blurRad="50800" dist="38100" dir="2700000" algn="tl" rotWithShape="0">
+                <a:prstClr val="black">
+                  <a:alpha val="40000"/>
+                </a:prstClr>
+              </a:outerShdw>
+            </a:effectLst>
+          </p:spPr>
+          <p:txBody>
+            <a:bodyPr wrap="none" lIns="108000" tIns="54000" rIns="108000" bIns="54000" rtlCol="0" anchor="ctr" anchorCtr="0">
+              <a:spAutoFit/>
+            </a:bodyPr>
+            <a:lstStyle/>
+            <a:p>
+              <a:pPr algn="ctr"/>
+              <a:r>
+                <a:rPr lang="ko-KR" altLang="en-US" sz="1000" b="1" dirty="0">
+                  <a:solidFill>
+                    <a:schemeClr val="bg1"/>
+                  </a:solidFill>
+                  <a:latin typeface="+mn-ea"/>
+                </a:rPr>
+                <a:t>한국의 전통을 보여주는 무기</a:t>
+              </a:r>
+            </a:p>
+          </p:txBody>
+        </p:sp>
+      </p:grpSp>
+      <p:grpSp>
+        <p:nvGrpSpPr>
+          <p:cNvPr id="55" name="그룹 54">
+            <a:extLst>
+              <a:ext uri="{FF2B5EF4-FFF2-40B4-BE49-F238E27FC236}">
+                <a16:creationId xmlns:a16="http://schemas.microsoft.com/office/drawing/2014/main" id="{8BE59E0D-4BB5-BFEA-2F27-27BBFAA34E1D}"/>
+              </a:ext>
+            </a:extLst>
+          </p:cNvPr>
+          <p:cNvGrpSpPr/>
+          <p:nvPr/>
+        </p:nvGrpSpPr>
+        <p:grpSpPr>
+          <a:xfrm>
+            <a:off x="360045" y="4979848"/>
+            <a:ext cx="7266432" cy="1009573"/>
+            <a:chOff x="360045" y="5159835"/>
+            <a:chExt cx="7266432" cy="1009573"/>
+          </a:xfrm>
+        </p:grpSpPr>
+        <p:sp>
+          <p:nvSpPr>
+            <p:cNvPr id="41" name="사각형: 둥근 모서리 40">
+              <a:extLst>
+                <a:ext uri="{FF2B5EF4-FFF2-40B4-BE49-F238E27FC236}">
+                  <a16:creationId xmlns:a16="http://schemas.microsoft.com/office/drawing/2014/main" id="{1F798C6B-531B-9C94-47C3-52B3A23F1A3F}"/>
+                </a:ext>
+              </a:extLst>
+            </p:cNvPr>
+            <p:cNvSpPr/>
+            <p:nvPr/>
+          </p:nvSpPr>
+          <p:spPr>
+            <a:xfrm>
+              <a:off x="360045" y="5305720"/>
+              <a:ext cx="7266432" cy="863688"/>
+            </a:xfrm>
+            <a:prstGeom prst="roundRect">
+              <a:avLst>
+                <a:gd name="adj" fmla="val 7491"/>
+              </a:avLst>
+            </a:prstGeom>
+            <a:noFill/>
+            <a:ln w="12700">
+              <a:solidFill>
+                <a:srgbClr val="0A6D94"/>
+              </a:solidFill>
+            </a:ln>
+          </p:spPr>
+          <p:style>
+            <a:lnRef idx="2">
+              <a:schemeClr val="accent1">
+                <a:shade val="15000"/>
+              </a:schemeClr>
+            </a:lnRef>
+            <a:fillRef idx="1">
+              <a:schemeClr val="accent1"/>
+            </a:fillRef>
+            <a:effectRef idx="0">
+              <a:schemeClr val="accent1"/>
+            </a:effectRef>
+            <a:fontRef idx="minor">
+              <a:schemeClr val="lt1"/>
+            </a:fontRef>
+          </p:style>
+          <p:txBody>
+            <a:bodyPr rtlCol="0" anchor="ctr"/>
+            <a:lstStyle/>
+            <a:p>
+              <a:pPr algn="ctr"/>
+              <a:endParaRPr lang="ko-KR" altLang="en-US"/>
+            </a:p>
+          </p:txBody>
+        </p:sp>
+        <p:sp>
+          <p:nvSpPr>
+            <p:cNvPr id="43" name="TextBox 42">
+              <a:extLst>
+                <a:ext uri="{FF2B5EF4-FFF2-40B4-BE49-F238E27FC236}">
+                  <a16:creationId xmlns:a16="http://schemas.microsoft.com/office/drawing/2014/main" id="{CE279B37-3A4C-2089-8080-0F1E0F7C6DFB}"/>
+                </a:ext>
+              </a:extLst>
+            </p:cNvPr>
+            <p:cNvSpPr txBox="1"/>
+            <p:nvPr/>
+          </p:nvSpPr>
+          <p:spPr>
+            <a:xfrm>
+              <a:off x="558667" y="5475441"/>
+              <a:ext cx="6272871" cy="524246"/>
             </a:xfrm>
             <a:prstGeom prst="rect">
               <a:avLst/>
@@ -5752,16 +6091,10 @@
                 <a:buChar char="-"/>
               </a:pPr>
               <a:r>
-                <a:rPr lang="ko-KR" altLang="en-US" sz="1000" dirty="0" err="1">
-                  <a:latin typeface="+mn-ea"/>
-                </a:rPr>
-                <a:t>랜덤한</a:t>
-              </a:r>
-              <a:r>
                 <a:rPr lang="ko-KR" altLang="en-US" sz="1000" dirty="0">
                   <a:latin typeface="+mn-ea"/>
                 </a:rPr>
-                <a:t> 대상에게 번개가 방출되므로 적이 많은 경우 </a:t>
+                <a:t>무작위의 대상에게 번개가 방출되므로 적이 많은 경우 </a:t>
               </a:r>
               <a:r>
                 <a:rPr lang="ko-KR" altLang="en-US" sz="1000" dirty="0" err="1">
@@ -5780,6 +6113,56 @@
                   <a:latin typeface="+mn-ea"/>
                 </a:rPr>
                 <a:t>.</a:t>
+              </a:r>
+            </a:p>
+          </p:txBody>
+        </p:sp>
+        <p:sp>
+          <p:nvSpPr>
+            <p:cNvPr id="52" name="TextBox 51">
+              <a:extLst>
+                <a:ext uri="{FF2B5EF4-FFF2-40B4-BE49-F238E27FC236}">
+                  <a16:creationId xmlns:a16="http://schemas.microsoft.com/office/drawing/2014/main" id="{74F8029A-0A79-D29E-0C3F-7E7BB868FE63}"/>
+                </a:ext>
+              </a:extLst>
+            </p:cNvPr>
+            <p:cNvSpPr txBox="1"/>
+            <p:nvPr/>
+          </p:nvSpPr>
+          <p:spPr>
+            <a:xfrm>
+              <a:off x="514733" y="5159835"/>
+              <a:ext cx="2518498" cy="290916"/>
+            </a:xfrm>
+            <a:prstGeom prst="roundRect">
+              <a:avLst/>
+            </a:prstGeom>
+            <a:solidFill>
+              <a:srgbClr val="0A6D94"/>
+            </a:solidFill>
+            <a:effectLst>
+              <a:outerShdw blurRad="50800" dist="38100" dir="2700000" algn="tl" rotWithShape="0">
+                <a:prstClr val="black">
+                  <a:alpha val="40000"/>
+                </a:prstClr>
+              </a:outerShdw>
+            </a:effectLst>
+          </p:spPr>
+          <p:txBody>
+            <a:bodyPr wrap="none" lIns="108000" tIns="54000" rIns="108000" bIns="54000" rtlCol="0" anchor="ctr" anchorCtr="0">
+              <a:spAutoFit/>
+            </a:bodyPr>
+            <a:lstStyle/>
+            <a:p>
+              <a:pPr algn="ctr"/>
+              <a:r>
+                <a:rPr lang="ko-KR" altLang="en-US" sz="1000" b="1" dirty="0">
+                  <a:solidFill>
+                    <a:schemeClr val="bg1"/>
+                  </a:solidFill>
+                  <a:latin typeface="+mn-ea"/>
+                </a:rPr>
+                <a:t>적을 피뢰침 삼아 번개를 방출하는 무기</a:t>
               </a:r>
             </a:p>
           </p:txBody>
@@ -6911,7 +7294,7 @@
         <p:spPr>
           <a:xfrm>
             <a:off x="302108" y="1964722"/>
-            <a:ext cx="1975221" cy="261610"/>
+            <a:ext cx="2024913" cy="261610"/>
           </a:xfrm>
           <a:prstGeom prst="rect">
             <a:avLst/>
@@ -6934,7 +7317,7 @@
               <a:rPr lang="ko-KR" altLang="en-US" sz="1100" b="1" dirty="0">
                 <a:latin typeface="+mn-ea"/>
               </a:rPr>
-              <a:t> 적이 단일 대상일때 사용</a:t>
+              <a:t> 적이 단일 대상일 때 사용</a:t>
             </a:r>
             <a:endParaRPr lang="en-US" altLang="ko-KR" sz="1100" b="1" dirty="0">
               <a:latin typeface="+mn-ea"/>
@@ -6957,7 +7340,7 @@
         <p:spPr>
           <a:xfrm>
             <a:off x="533925" y="2226844"/>
-            <a:ext cx="4826962" cy="293414"/>
+            <a:ext cx="5112297" cy="293414"/>
           </a:xfrm>
           <a:prstGeom prst="rect">
             <a:avLst/>
@@ -6965,7 +7348,7 @@
           <a:noFill/>
         </p:spPr>
         <p:txBody>
-          <a:bodyPr wrap="none" rtlCol="0">
+          <a:bodyPr wrap="none" rtlCol="0" anchor="ctr">
             <a:spAutoFit/>
           </a:bodyPr>
           <a:lstStyle/>
@@ -6978,13 +7361,13 @@
               <a:buChar char="-"/>
             </a:pPr>
             <a:r>
-              <a:rPr lang="ko-KR" altLang="en-US" sz="1000" b="1" dirty="0">
+              <a:rPr lang="ko-KR" altLang="en-US" sz="1000" dirty="0">
                 <a:latin typeface="+mn-ea"/>
               </a:rPr>
-              <a:t>적이 하나일 때 해당 대상에게만 번개가 방출되어 높은 피해를 줄 수 있습니다</a:t>
-            </a:r>
-            <a:r>
-              <a:rPr lang="en-US" altLang="ko-KR" sz="1000" b="1" dirty="0">
+              <a:t>적이 단일 대상일 때 해당 대상에게만 번개가 방출되어 높은 피해를 줄 수 있습니다</a:t>
+            </a:r>
+            <a:r>
+              <a:rPr lang="en-US" altLang="ko-KR" sz="1000" dirty="0">
                 <a:latin typeface="+mn-ea"/>
               </a:rPr>
               <a:t>.</a:t>
@@ -6994,10 +7377,73 @@
       </p:sp>
       <p:sp>
         <p:nvSpPr>
-          <p:cNvPr id="13" name="TextBox 12">
+          <p:cNvPr id="11" name="화살표: 오각형 10">
             <a:extLst>
               <a:ext uri="{FF2B5EF4-FFF2-40B4-BE49-F238E27FC236}">
-                <a16:creationId xmlns:a16="http://schemas.microsoft.com/office/drawing/2014/main" id="{E9DB440A-F4D1-F573-DF16-3682FF7810B7}"/>
+                <a16:creationId xmlns:a16="http://schemas.microsoft.com/office/drawing/2014/main" id="{7971E4EB-3F89-59D5-2183-FD6EF70FD1D0}"/>
+              </a:ext>
+            </a:extLst>
+          </p:cNvPr>
+          <p:cNvSpPr/>
+          <p:nvPr/>
+        </p:nvSpPr>
+        <p:spPr>
+          <a:xfrm>
+            <a:off x="1" y="994687"/>
+            <a:ext cx="1702282" cy="404461"/>
+          </a:xfrm>
+          <a:prstGeom prst="homePlate">
+            <a:avLst/>
+          </a:prstGeom>
+          <a:solidFill>
+            <a:schemeClr val="bg1"/>
+          </a:solidFill>
+          <a:ln>
+            <a:solidFill>
+              <a:schemeClr val="accent4">
+                <a:lumMod val="75000"/>
+              </a:schemeClr>
+            </a:solidFill>
+          </a:ln>
+          <a:effectLst>
+            <a:outerShdw blurRad="50800" dist="38100" dir="2700000" algn="tl" rotWithShape="0">
+              <a:prstClr val="black">
+                <a:alpha val="40000"/>
+              </a:prstClr>
+            </a:outerShdw>
+          </a:effectLst>
+        </p:spPr>
+        <p:style>
+          <a:lnRef idx="2">
+            <a:schemeClr val="accent1">
+              <a:shade val="15000"/>
+            </a:schemeClr>
+          </a:lnRef>
+          <a:fillRef idx="1">
+            <a:schemeClr val="accent1"/>
+          </a:fillRef>
+          <a:effectRef idx="0">
+            <a:schemeClr val="accent1"/>
+          </a:effectRef>
+          <a:fontRef idx="minor">
+            <a:schemeClr val="lt1"/>
+          </a:fontRef>
+        </p:style>
+        <p:txBody>
+          <a:bodyPr rtlCol="0" anchor="ctr"/>
+          <a:lstStyle/>
+          <a:p>
+            <a:pPr algn="ctr"/>
+            <a:endParaRPr lang="ko-KR" altLang="en-US"/>
+          </a:p>
+        </p:txBody>
+      </p:sp>
+      <p:sp>
+        <p:nvSpPr>
+          <p:cNvPr id="12" name="TextBox 11">
+            <a:extLst>
+              <a:ext uri="{FF2B5EF4-FFF2-40B4-BE49-F238E27FC236}">
+                <a16:creationId xmlns:a16="http://schemas.microsoft.com/office/drawing/2014/main" id="{8DB8C6B1-09E9-B283-5AE2-209474A34E88}"/>
               </a:ext>
             </a:extLst>
           </p:cNvPr>
@@ -7006,115 +7452,7 @@
         </p:nvSpPr>
         <p:spPr>
           <a:xfrm>
-            <a:off x="302108" y="4216771"/>
-            <a:ext cx="2638864" cy="261610"/>
-          </a:xfrm>
-          <a:prstGeom prst="rect">
-            <a:avLst/>
-          </a:prstGeom>
-          <a:noFill/>
-        </p:spPr>
-        <p:txBody>
-          <a:bodyPr wrap="none" rtlCol="0">
-            <a:spAutoFit/>
-          </a:bodyPr>
-          <a:lstStyle/>
-          <a:p>
-            <a:r>
-              <a:rPr lang="en-US" altLang="ko-KR" sz="1100" b="1" dirty="0">
-                <a:latin typeface="+mn-ea"/>
-              </a:rPr>
-              <a:t>(2)</a:t>
-            </a:r>
-            <a:r>
-              <a:rPr lang="ko-KR" altLang="en-US" sz="1100" b="1" dirty="0">
-                <a:latin typeface="+mn-ea"/>
-              </a:rPr>
-              <a:t> 광역 공격 위주의 무기와 함께 사용</a:t>
-            </a:r>
-            <a:endParaRPr lang="en-US" altLang="ko-KR" sz="1100" b="1" dirty="0">
-              <a:latin typeface="+mn-ea"/>
-            </a:endParaRPr>
-          </a:p>
-        </p:txBody>
-      </p:sp>
-      <p:sp>
-        <p:nvSpPr>
-          <p:cNvPr id="15" name="TextBox 14">
-            <a:extLst>
-              <a:ext uri="{FF2B5EF4-FFF2-40B4-BE49-F238E27FC236}">
-                <a16:creationId xmlns:a16="http://schemas.microsoft.com/office/drawing/2014/main" id="{A4889C47-690F-D451-ED4F-36F4DC344ED2}"/>
-              </a:ext>
-            </a:extLst>
-          </p:cNvPr>
-          <p:cNvSpPr txBox="1"/>
-          <p:nvPr/>
-        </p:nvSpPr>
-        <p:spPr>
-          <a:xfrm>
-            <a:off x="533925" y="4414449"/>
-            <a:ext cx="7494359" cy="293414"/>
-          </a:xfrm>
-          <a:prstGeom prst="rect">
-            <a:avLst/>
-          </a:prstGeom>
-          <a:noFill/>
-        </p:spPr>
-        <p:txBody>
-          <a:bodyPr wrap="none" rtlCol="0">
-            <a:spAutoFit/>
-          </a:bodyPr>
-          <a:lstStyle/>
-          <a:p>
-            <a:pPr marL="171450" indent="-171450">
-              <a:lnSpc>
-                <a:spcPct val="150000"/>
-              </a:lnSpc>
-              <a:buFontTx/>
-              <a:buChar char="-"/>
-            </a:pPr>
-            <a:r>
-              <a:rPr lang="ko-KR" altLang="en-US" sz="1000" b="1" dirty="0">
-                <a:latin typeface="+mn-ea"/>
-              </a:rPr>
-              <a:t>다수의 적과 전투 시 광역 공격 위주의 무기로 약한 몬스터를 우선 처치한 후 부채로 </a:t>
-            </a:r>
-            <a:r>
-              <a:rPr lang="ko-KR" altLang="en-US" sz="1000" b="1" dirty="0" err="1">
-                <a:latin typeface="+mn-ea"/>
-              </a:rPr>
-              <a:t>스위칭하면</a:t>
-            </a:r>
-            <a:r>
-              <a:rPr lang="ko-KR" altLang="en-US" sz="1000" b="1" dirty="0">
-                <a:latin typeface="+mn-ea"/>
-              </a:rPr>
-              <a:t> 높은 효율을 낼 수 있습니다</a:t>
-            </a:r>
-            <a:r>
-              <a:rPr lang="en-US" altLang="ko-KR" sz="1000" b="1" dirty="0">
-                <a:latin typeface="+mn-ea"/>
-              </a:rPr>
-              <a:t>.</a:t>
-            </a:r>
-          </a:p>
-        </p:txBody>
-      </p:sp>
-      <p:sp>
-        <p:nvSpPr>
-          <p:cNvPr id="10" name="TextBox 9">
-            <a:extLst>
-              <a:ext uri="{FF2B5EF4-FFF2-40B4-BE49-F238E27FC236}">
-                <a16:creationId xmlns:a16="http://schemas.microsoft.com/office/drawing/2014/main" id="{58BC45BF-FB06-E1B2-808E-5F4798F76336}"/>
-              </a:ext>
-            </a:extLst>
-          </p:cNvPr>
-          <p:cNvSpPr txBox="1"/>
-          <p:nvPr/>
-        </p:nvSpPr>
-        <p:spPr>
-          <a:xfrm>
-            <a:off x="302108" y="790746"/>
+            <a:off x="33832" y="1058417"/>
             <a:ext cx="1346844" cy="276999"/>
           </a:xfrm>
           <a:prstGeom prst="rect">
@@ -7141,6 +7479,1355 @@
               <a:t>전투의 방향성</a:t>
             </a:r>
             <a:endParaRPr lang="en-US" altLang="ko-KR" sz="1200" b="1" dirty="0">
+              <a:latin typeface="+mn-ea"/>
+            </a:endParaRPr>
+          </a:p>
+        </p:txBody>
+      </p:sp>
+      <p:sp>
+        <p:nvSpPr>
+          <p:cNvPr id="14" name="TextBox 13">
+            <a:extLst>
+              <a:ext uri="{FF2B5EF4-FFF2-40B4-BE49-F238E27FC236}">
+                <a16:creationId xmlns:a16="http://schemas.microsoft.com/office/drawing/2014/main" id="{8B53BC73-AFC7-A9A8-132D-00DBAD097980}"/>
+              </a:ext>
+            </a:extLst>
+          </p:cNvPr>
+          <p:cNvSpPr txBox="1"/>
+          <p:nvPr/>
+        </p:nvSpPr>
+        <p:spPr>
+          <a:xfrm>
+            <a:off x="302108" y="3031214"/>
+            <a:ext cx="2920992" cy="261610"/>
+          </a:xfrm>
+          <a:prstGeom prst="rect">
+            <a:avLst/>
+          </a:prstGeom>
+          <a:noFill/>
+        </p:spPr>
+        <p:txBody>
+          <a:bodyPr wrap="none" rtlCol="0">
+            <a:spAutoFit/>
+          </a:bodyPr>
+          <a:lstStyle/>
+          <a:p>
+            <a:r>
+              <a:rPr lang="en-US" altLang="ko-KR" sz="1100" b="1" dirty="0">
+                <a:latin typeface="+mn-ea"/>
+              </a:rPr>
+              <a:t>(2)</a:t>
+            </a:r>
+            <a:r>
+              <a:rPr lang="ko-KR" altLang="en-US" sz="1100" b="1" dirty="0">
+                <a:latin typeface="+mn-ea"/>
+              </a:rPr>
+              <a:t> 몬스터의 공격 사이 사이에 스킬을 사용</a:t>
+            </a:r>
+            <a:endParaRPr lang="en-US" altLang="ko-KR" sz="1100" b="1" dirty="0">
+              <a:latin typeface="+mn-ea"/>
+            </a:endParaRPr>
+          </a:p>
+        </p:txBody>
+      </p:sp>
+      <p:sp>
+        <p:nvSpPr>
+          <p:cNvPr id="17" name="TextBox 16">
+            <a:extLst>
+              <a:ext uri="{FF2B5EF4-FFF2-40B4-BE49-F238E27FC236}">
+                <a16:creationId xmlns:a16="http://schemas.microsoft.com/office/drawing/2014/main" id="{343B04CB-FE75-8B48-14C2-4B4C26D6D612}"/>
+              </a:ext>
+            </a:extLst>
+          </p:cNvPr>
+          <p:cNvSpPr txBox="1"/>
+          <p:nvPr/>
+        </p:nvSpPr>
+        <p:spPr>
+          <a:xfrm>
+            <a:off x="533925" y="3292824"/>
+            <a:ext cx="3621504" cy="293414"/>
+          </a:xfrm>
+          <a:prstGeom prst="rect">
+            <a:avLst/>
+          </a:prstGeom>
+          <a:noFill/>
+        </p:spPr>
+        <p:txBody>
+          <a:bodyPr wrap="none" rtlCol="0" anchor="ctr">
+            <a:spAutoFit/>
+          </a:bodyPr>
+          <a:lstStyle/>
+          <a:p>
+            <a:pPr marL="171450" indent="-171450">
+              <a:lnSpc>
+                <a:spcPct val="150000"/>
+              </a:lnSpc>
+              <a:buFontTx/>
+              <a:buChar char="-"/>
+            </a:pPr>
+            <a:r>
+              <a:rPr lang="ko-KR" altLang="en-US" sz="1000" dirty="0" err="1">
+                <a:latin typeface="+mn-ea"/>
+              </a:rPr>
+              <a:t>선후딜이</a:t>
+            </a:r>
+            <a:r>
+              <a:rPr lang="ko-KR" altLang="en-US" sz="1000" dirty="0">
+                <a:latin typeface="+mn-ea"/>
+              </a:rPr>
+              <a:t> 빠른 스킬 모션으로 치고 빠지는 전투를 합니다</a:t>
+            </a:r>
+            <a:r>
+              <a:rPr lang="en-US" altLang="ko-KR" sz="1000" dirty="0">
+                <a:latin typeface="+mn-ea"/>
+              </a:rPr>
+              <a:t>.</a:t>
+            </a:r>
+          </a:p>
+        </p:txBody>
+      </p:sp>
+      <p:sp>
+        <p:nvSpPr>
+          <p:cNvPr id="18" name="TextBox 17">
+            <a:extLst>
+              <a:ext uri="{FF2B5EF4-FFF2-40B4-BE49-F238E27FC236}">
+                <a16:creationId xmlns:a16="http://schemas.microsoft.com/office/drawing/2014/main" id="{24433684-9BF3-44C1-1275-9DF4631442C0}"/>
+              </a:ext>
+            </a:extLst>
+          </p:cNvPr>
+          <p:cNvSpPr txBox="1"/>
+          <p:nvPr/>
+        </p:nvSpPr>
+        <p:spPr>
+          <a:xfrm>
+            <a:off x="1779942" y="1073807"/>
+            <a:ext cx="692818" cy="246221"/>
+          </a:xfrm>
+          <a:prstGeom prst="rect">
+            <a:avLst/>
+          </a:prstGeom>
+          <a:noFill/>
+        </p:spPr>
+        <p:txBody>
+          <a:bodyPr wrap="none" rtlCol="0">
+            <a:spAutoFit/>
+          </a:bodyPr>
+          <a:lstStyle/>
+          <a:p>
+            <a:r>
+              <a:rPr lang="en-US" altLang="ko-KR" sz="1000" b="1" dirty="0">
+                <a:latin typeface="+mn-ea"/>
+              </a:rPr>
+              <a:t>#</a:t>
+            </a:r>
+            <a:r>
+              <a:rPr lang="ko-KR" altLang="en-US" sz="1000" b="1" dirty="0">
+                <a:latin typeface="+mn-ea"/>
+              </a:rPr>
+              <a:t>단일 적</a:t>
+            </a:r>
+            <a:endParaRPr lang="en-US" altLang="ko-KR" sz="1000" b="1" dirty="0">
+              <a:latin typeface="+mn-ea"/>
+            </a:endParaRPr>
+          </a:p>
+        </p:txBody>
+      </p:sp>
+      <p:sp>
+        <p:nvSpPr>
+          <p:cNvPr id="21" name="TextBox 20">
+            <a:extLst>
+              <a:ext uri="{FF2B5EF4-FFF2-40B4-BE49-F238E27FC236}">
+                <a16:creationId xmlns:a16="http://schemas.microsoft.com/office/drawing/2014/main" id="{42E55706-B664-C6A7-C74F-AACAC32639A5}"/>
+              </a:ext>
+            </a:extLst>
+          </p:cNvPr>
+          <p:cNvSpPr txBox="1"/>
+          <p:nvPr/>
+        </p:nvSpPr>
+        <p:spPr>
+          <a:xfrm>
+            <a:off x="2827666" y="1073807"/>
+            <a:ext cx="949299" cy="246221"/>
+          </a:xfrm>
+          <a:prstGeom prst="rect">
+            <a:avLst/>
+          </a:prstGeom>
+          <a:noFill/>
+        </p:spPr>
+        <p:txBody>
+          <a:bodyPr wrap="none" rtlCol="0">
+            <a:spAutoFit/>
+          </a:bodyPr>
+          <a:lstStyle/>
+          <a:p>
+            <a:r>
+              <a:rPr lang="en-US" altLang="ko-KR" sz="1000" b="1" dirty="0">
+                <a:latin typeface="+mn-ea"/>
+              </a:rPr>
+              <a:t>#</a:t>
+            </a:r>
+            <a:r>
+              <a:rPr lang="ko-KR" altLang="en-US" sz="1000" b="1" dirty="0">
+                <a:latin typeface="+mn-ea"/>
+              </a:rPr>
+              <a:t>빠른 </a:t>
+            </a:r>
+            <a:r>
+              <a:rPr lang="ko-KR" altLang="en-US" sz="1000" b="1" dirty="0" err="1">
+                <a:latin typeface="+mn-ea"/>
+              </a:rPr>
+              <a:t>선후딜</a:t>
+            </a:r>
+            <a:endParaRPr lang="en-US" altLang="ko-KR" sz="1000" b="1" dirty="0">
+              <a:latin typeface="+mn-ea"/>
+            </a:endParaRPr>
+          </a:p>
+        </p:txBody>
+      </p:sp>
+      <p:sp>
+        <p:nvSpPr>
+          <p:cNvPr id="24" name="TextBox 23">
+            <a:extLst>
+              <a:ext uri="{FF2B5EF4-FFF2-40B4-BE49-F238E27FC236}">
+                <a16:creationId xmlns:a16="http://schemas.microsoft.com/office/drawing/2014/main" id="{0D3ED466-4640-5654-A90B-E96928D37263}"/>
+              </a:ext>
+            </a:extLst>
+          </p:cNvPr>
+          <p:cNvSpPr txBox="1"/>
+          <p:nvPr/>
+        </p:nvSpPr>
+        <p:spPr>
+          <a:xfrm>
+            <a:off x="302108" y="4097706"/>
+            <a:ext cx="1348446" cy="261610"/>
+          </a:xfrm>
+          <a:prstGeom prst="rect">
+            <a:avLst/>
+          </a:prstGeom>
+          <a:noFill/>
+        </p:spPr>
+        <p:txBody>
+          <a:bodyPr wrap="none" rtlCol="0">
+            <a:spAutoFit/>
+          </a:bodyPr>
+          <a:lstStyle/>
+          <a:p>
+            <a:r>
+              <a:rPr lang="en-US" altLang="ko-KR" sz="1100" b="1" dirty="0">
+                <a:latin typeface="+mn-ea"/>
+              </a:rPr>
+              <a:t>(3)</a:t>
+            </a:r>
+            <a:r>
+              <a:rPr lang="ko-KR" altLang="en-US" sz="1100" b="1" dirty="0">
+                <a:latin typeface="+mn-ea"/>
+              </a:rPr>
+              <a:t> 근</a:t>
+            </a:r>
+            <a:r>
+              <a:rPr lang="en-US" altLang="ko-KR" sz="1100" b="1" dirty="0">
+                <a:latin typeface="+mn-ea"/>
+              </a:rPr>
+              <a:t>,</a:t>
+            </a:r>
+            <a:r>
+              <a:rPr lang="ko-KR" altLang="en-US" sz="1100" b="1" dirty="0">
+                <a:latin typeface="+mn-ea"/>
+              </a:rPr>
+              <a:t>중거리 전투</a:t>
+            </a:r>
+            <a:endParaRPr lang="en-US" altLang="ko-KR" sz="1100" b="1" dirty="0">
+              <a:latin typeface="+mn-ea"/>
+            </a:endParaRPr>
+          </a:p>
+        </p:txBody>
+      </p:sp>
+      <p:sp>
+        <p:nvSpPr>
+          <p:cNvPr id="25" name="TextBox 24">
+            <a:extLst>
+              <a:ext uri="{FF2B5EF4-FFF2-40B4-BE49-F238E27FC236}">
+                <a16:creationId xmlns:a16="http://schemas.microsoft.com/office/drawing/2014/main" id="{7C70028B-7063-45C3-A8F7-E00F1127F054}"/>
+              </a:ext>
+            </a:extLst>
+          </p:cNvPr>
+          <p:cNvSpPr txBox="1"/>
+          <p:nvPr/>
+        </p:nvSpPr>
+        <p:spPr>
+          <a:xfrm>
+            <a:off x="533925" y="4359316"/>
+            <a:ext cx="3621504" cy="293414"/>
+          </a:xfrm>
+          <a:prstGeom prst="rect">
+            <a:avLst/>
+          </a:prstGeom>
+          <a:noFill/>
+        </p:spPr>
+        <p:txBody>
+          <a:bodyPr wrap="none" rtlCol="0" anchor="ctr">
+            <a:spAutoFit/>
+          </a:bodyPr>
+          <a:lstStyle/>
+          <a:p>
+            <a:pPr marL="171450" indent="-171450">
+              <a:lnSpc>
+                <a:spcPct val="150000"/>
+              </a:lnSpc>
+              <a:buFontTx/>
+              <a:buChar char="-"/>
+            </a:pPr>
+            <a:r>
+              <a:rPr lang="ko-KR" altLang="en-US" sz="1000" dirty="0" err="1">
+                <a:latin typeface="+mn-ea"/>
+              </a:rPr>
+              <a:t>선후딜이</a:t>
+            </a:r>
+            <a:r>
+              <a:rPr lang="ko-KR" altLang="en-US" sz="1000" dirty="0">
+                <a:latin typeface="+mn-ea"/>
+              </a:rPr>
+              <a:t> 빠른 스킬 모션으로 치고 빠지는 전투를 합니다</a:t>
+            </a:r>
+            <a:r>
+              <a:rPr lang="en-US" altLang="ko-KR" sz="1000" dirty="0">
+                <a:latin typeface="+mn-ea"/>
+              </a:rPr>
+              <a:t>.</a:t>
+            </a:r>
+          </a:p>
+        </p:txBody>
+      </p:sp>
+      <p:sp>
+        <p:nvSpPr>
+          <p:cNvPr id="26" name="TextBox 25">
+            <a:extLst>
+              <a:ext uri="{FF2B5EF4-FFF2-40B4-BE49-F238E27FC236}">
+                <a16:creationId xmlns:a16="http://schemas.microsoft.com/office/drawing/2014/main" id="{A144A91C-A705-C757-D485-5B6D929DF9AC}"/>
+              </a:ext>
+            </a:extLst>
+          </p:cNvPr>
+          <p:cNvSpPr txBox="1"/>
+          <p:nvPr/>
+        </p:nvSpPr>
+        <p:spPr>
+          <a:xfrm>
+            <a:off x="5978048" y="129572"/>
+            <a:ext cx="6205545" cy="7449219"/>
+          </a:xfrm>
+          <a:prstGeom prst="rect">
+            <a:avLst/>
+          </a:prstGeom>
+          <a:noFill/>
+        </p:spPr>
+        <p:txBody>
+          <a:bodyPr wrap="none" rtlCol="0" anchor="ctr">
+            <a:spAutoFit/>
+          </a:bodyPr>
+          <a:lstStyle/>
+          <a:p>
+            <a:pPr>
+              <a:lnSpc>
+                <a:spcPct val="150000"/>
+              </a:lnSpc>
+            </a:pPr>
+            <a:r>
+              <a:rPr lang="ko-KR" altLang="en-US" sz="1000" dirty="0">
+                <a:latin typeface="+mn-ea"/>
+              </a:rPr>
+              <a:t>무기를 피뢰침 삼아 번개를 방출 </a:t>
+            </a:r>
+            <a:r>
+              <a:rPr lang="en-US" altLang="ko-KR" sz="1000" dirty="0">
+                <a:latin typeface="+mn-ea"/>
+              </a:rPr>
+              <a:t>(</a:t>
+            </a:r>
+            <a:r>
+              <a:rPr lang="ko-KR" altLang="en-US" sz="1000" dirty="0">
+                <a:latin typeface="+mn-ea"/>
+              </a:rPr>
+              <a:t>원거리로 갈수록 번개가 여러 갈래로 흩어진다</a:t>
+            </a:r>
+            <a:r>
+              <a:rPr lang="en-US" altLang="ko-KR" sz="1000" dirty="0">
+                <a:latin typeface="+mn-ea"/>
+              </a:rPr>
+              <a:t>.)</a:t>
+            </a:r>
+          </a:p>
+          <a:p>
+            <a:pPr marL="171450" indent="-171450">
+              <a:lnSpc>
+                <a:spcPct val="150000"/>
+              </a:lnSpc>
+              <a:buFontTx/>
+              <a:buChar char="-"/>
+            </a:pPr>
+            <a:r>
+              <a:rPr lang="ko-KR" altLang="en-US" sz="1000" dirty="0">
+                <a:latin typeface="+mn-ea"/>
+              </a:rPr>
+              <a:t>근거리</a:t>
+            </a:r>
+            <a:r>
+              <a:rPr lang="en-US" altLang="ko-KR" sz="1000" dirty="0">
+                <a:latin typeface="+mn-ea"/>
+              </a:rPr>
+              <a:t>: </a:t>
+            </a:r>
+            <a:r>
+              <a:rPr lang="ko-KR" altLang="en-US" sz="1000" dirty="0">
+                <a:latin typeface="+mn-ea"/>
+              </a:rPr>
+              <a:t>번개가 한 갈래로 뭉쳐 있어 관통 효과를 준다</a:t>
+            </a:r>
+            <a:r>
+              <a:rPr lang="en-US" altLang="ko-KR" sz="1000" dirty="0">
+                <a:latin typeface="+mn-ea"/>
+              </a:rPr>
+              <a:t>.</a:t>
+            </a:r>
+          </a:p>
+          <a:p>
+            <a:pPr marL="171450" indent="-171450">
+              <a:lnSpc>
+                <a:spcPct val="150000"/>
+              </a:lnSpc>
+              <a:buFontTx/>
+              <a:buChar char="-"/>
+            </a:pPr>
+            <a:r>
+              <a:rPr lang="ko-KR" altLang="en-US" sz="1000" dirty="0">
+                <a:latin typeface="+mn-ea"/>
+              </a:rPr>
+              <a:t>원거리</a:t>
+            </a:r>
+            <a:r>
+              <a:rPr lang="en-US" altLang="ko-KR" sz="1000" dirty="0">
+                <a:latin typeface="+mn-ea"/>
+              </a:rPr>
+              <a:t>(</a:t>
+            </a:r>
+            <a:r>
+              <a:rPr lang="ko-KR" altLang="en-US" sz="1000" dirty="0">
+                <a:latin typeface="+mn-ea"/>
+              </a:rPr>
+              <a:t>스킬의 사정거리 끝</a:t>
+            </a:r>
+            <a:r>
+              <a:rPr lang="en-US" altLang="ko-KR" sz="1000" dirty="0">
+                <a:latin typeface="+mn-ea"/>
+              </a:rPr>
+              <a:t>): </a:t>
+            </a:r>
+            <a:r>
+              <a:rPr lang="ko-KR" altLang="en-US" sz="1000" dirty="0">
+                <a:latin typeface="+mn-ea"/>
+              </a:rPr>
+              <a:t>번개가 여러 갈래로 흩어져 광역으로 피해를 입힌다</a:t>
+            </a:r>
+            <a:r>
+              <a:rPr lang="en-US" altLang="ko-KR" sz="1000" dirty="0">
+                <a:latin typeface="+mn-ea"/>
+              </a:rPr>
+              <a:t>.</a:t>
+            </a:r>
+          </a:p>
+          <a:p>
+            <a:pPr>
+              <a:lnSpc>
+                <a:spcPct val="150000"/>
+              </a:lnSpc>
+            </a:pPr>
+            <a:endParaRPr lang="en-US" altLang="ko-KR" sz="1000" dirty="0">
+              <a:latin typeface="+mn-ea"/>
+            </a:endParaRPr>
+          </a:p>
+          <a:p>
+            <a:pPr>
+              <a:lnSpc>
+                <a:spcPct val="150000"/>
+              </a:lnSpc>
+            </a:pPr>
+            <a:r>
+              <a:rPr lang="ko-KR" altLang="en-US" sz="1000" dirty="0">
+                <a:latin typeface="+mn-ea"/>
+              </a:rPr>
+              <a:t>방출된 번개의 효과</a:t>
+            </a:r>
+            <a:endParaRPr lang="en-US" altLang="ko-KR" sz="1000" dirty="0">
+              <a:latin typeface="+mn-ea"/>
+            </a:endParaRPr>
+          </a:p>
+          <a:p>
+            <a:pPr marL="171450" indent="-171450">
+              <a:lnSpc>
+                <a:spcPct val="150000"/>
+              </a:lnSpc>
+              <a:buFontTx/>
+              <a:buChar char="-"/>
+            </a:pPr>
+            <a:r>
+              <a:rPr lang="ko-KR" altLang="en-US" sz="1000" dirty="0">
+                <a:latin typeface="+mn-ea"/>
+              </a:rPr>
+              <a:t>근거리</a:t>
+            </a:r>
+            <a:r>
+              <a:rPr lang="en-US" altLang="ko-KR" sz="1000" dirty="0">
+                <a:latin typeface="+mn-ea"/>
+              </a:rPr>
+              <a:t>: </a:t>
+            </a:r>
+            <a:r>
+              <a:rPr lang="ko-KR" altLang="en-US" sz="1000" dirty="0" err="1">
+                <a:latin typeface="+mn-ea"/>
+              </a:rPr>
+              <a:t>피해량</a:t>
+            </a:r>
+            <a:r>
+              <a:rPr lang="ko-KR" altLang="en-US" sz="1000" dirty="0">
+                <a:latin typeface="+mn-ea"/>
+              </a:rPr>
+              <a:t> </a:t>
+            </a:r>
+            <a:r>
+              <a:rPr lang="en-US" altLang="ko-KR" sz="1000" dirty="0">
+                <a:latin typeface="+mn-ea"/>
+              </a:rPr>
+              <a:t>100% </a:t>
+            </a:r>
+            <a:r>
+              <a:rPr lang="ko-KR" altLang="en-US" sz="1000" dirty="0">
+                <a:latin typeface="+mn-ea"/>
+              </a:rPr>
+              <a:t>적용</a:t>
+            </a:r>
+            <a:r>
+              <a:rPr lang="en-US" altLang="ko-KR" sz="1000" dirty="0">
+                <a:latin typeface="+mn-ea"/>
+              </a:rPr>
+              <a:t>, </a:t>
+            </a:r>
+            <a:r>
+              <a:rPr lang="ko-KR" altLang="en-US" sz="1000" dirty="0">
+                <a:latin typeface="+mn-ea"/>
+              </a:rPr>
+              <a:t>관통 효과</a:t>
+            </a:r>
+            <a:r>
+              <a:rPr lang="en-US" altLang="ko-KR" sz="1000" dirty="0">
+                <a:latin typeface="+mn-ea"/>
+              </a:rPr>
+              <a:t>(</a:t>
+            </a:r>
+            <a:r>
+              <a:rPr lang="ko-KR" altLang="en-US" sz="1000" dirty="0">
+                <a:latin typeface="+mn-ea"/>
+              </a:rPr>
+              <a:t>방어력 일부 무시</a:t>
+            </a:r>
+            <a:r>
+              <a:rPr lang="en-US" altLang="ko-KR" sz="1000" dirty="0">
+                <a:latin typeface="+mn-ea"/>
+              </a:rPr>
+              <a:t>, </a:t>
+            </a:r>
+            <a:r>
+              <a:rPr lang="ko-KR" altLang="en-US" sz="1000" dirty="0">
+                <a:latin typeface="+mn-ea"/>
+              </a:rPr>
+              <a:t>감전 상태의 적에게 </a:t>
+            </a:r>
+            <a:r>
+              <a:rPr lang="en-US" altLang="ko-KR" sz="1000" dirty="0">
+                <a:latin typeface="+mn-ea"/>
+              </a:rPr>
+              <a:t>20%</a:t>
+            </a:r>
+            <a:r>
+              <a:rPr lang="ko-KR" altLang="en-US" sz="1000" dirty="0">
+                <a:latin typeface="+mn-ea"/>
+              </a:rPr>
+              <a:t> 증가된 효과로 적용</a:t>
+            </a:r>
+            <a:r>
+              <a:rPr lang="en-US" altLang="ko-KR" sz="1000" dirty="0">
+                <a:latin typeface="+mn-ea"/>
+              </a:rPr>
+              <a:t>)</a:t>
+            </a:r>
+          </a:p>
+          <a:p>
+            <a:pPr marL="171450" indent="-171450">
+              <a:lnSpc>
+                <a:spcPct val="150000"/>
+              </a:lnSpc>
+              <a:buFontTx/>
+              <a:buChar char="-"/>
+            </a:pPr>
+            <a:r>
+              <a:rPr lang="ko-KR" altLang="en-US" sz="1000" dirty="0">
+                <a:latin typeface="+mn-ea"/>
+              </a:rPr>
+              <a:t>원거리</a:t>
+            </a:r>
+            <a:r>
+              <a:rPr lang="en-US" altLang="ko-KR" sz="1000" dirty="0">
+                <a:latin typeface="+mn-ea"/>
+              </a:rPr>
+              <a:t>: </a:t>
+            </a:r>
+            <a:r>
+              <a:rPr lang="ko-KR" altLang="en-US" sz="1000" dirty="0" err="1">
+                <a:latin typeface="+mn-ea"/>
+              </a:rPr>
+              <a:t>피해량</a:t>
+            </a:r>
+            <a:r>
+              <a:rPr lang="ko-KR" altLang="en-US" sz="1000" dirty="0">
+                <a:latin typeface="+mn-ea"/>
+              </a:rPr>
+              <a:t> </a:t>
+            </a:r>
+            <a:r>
+              <a:rPr lang="en-US" altLang="ko-KR" sz="1000" dirty="0">
+                <a:latin typeface="+mn-ea"/>
+              </a:rPr>
+              <a:t>20%</a:t>
+            </a:r>
+            <a:r>
+              <a:rPr lang="ko-KR" altLang="en-US" sz="1000" dirty="0">
+                <a:latin typeface="+mn-ea"/>
+              </a:rPr>
+              <a:t>만 적용</a:t>
+            </a:r>
+            <a:r>
+              <a:rPr lang="en-US" altLang="ko-KR" sz="1000" dirty="0">
+                <a:latin typeface="+mn-ea"/>
+              </a:rPr>
+              <a:t>, </a:t>
+            </a:r>
+            <a:r>
+              <a:rPr lang="ko-KR" altLang="en-US" sz="1000" dirty="0">
+                <a:latin typeface="+mn-ea"/>
+              </a:rPr>
+              <a:t>적중된 적 감전 부여</a:t>
+            </a:r>
+            <a:endParaRPr lang="en-US" altLang="ko-KR" sz="1000" dirty="0">
+              <a:latin typeface="+mn-ea"/>
+            </a:endParaRPr>
+          </a:p>
+          <a:p>
+            <a:pPr marL="171450" indent="-171450">
+              <a:lnSpc>
+                <a:spcPct val="150000"/>
+              </a:lnSpc>
+              <a:buFontTx/>
+              <a:buChar char="-"/>
+            </a:pPr>
+            <a:endParaRPr lang="en-US" altLang="ko-KR" sz="1000" dirty="0">
+              <a:latin typeface="+mn-ea"/>
+            </a:endParaRPr>
+          </a:p>
+          <a:p>
+            <a:pPr marL="171450" indent="-171450">
+              <a:lnSpc>
+                <a:spcPct val="150000"/>
+              </a:lnSpc>
+              <a:buFontTx/>
+              <a:buChar char="-"/>
+            </a:pPr>
+            <a:r>
+              <a:rPr lang="en-US" altLang="ko-KR" sz="1000" dirty="0">
+                <a:latin typeface="+mn-ea"/>
+              </a:rPr>
+              <a:t>&gt; </a:t>
+            </a:r>
+            <a:r>
+              <a:rPr lang="ko-KR" altLang="en-US" sz="1000" dirty="0">
+                <a:latin typeface="+mn-ea"/>
+              </a:rPr>
+              <a:t>이 경우 스킬 사용성이 불편함</a:t>
+            </a:r>
+            <a:r>
+              <a:rPr lang="en-US" altLang="ko-KR" sz="1000" dirty="0">
+                <a:latin typeface="+mn-ea"/>
+              </a:rPr>
+              <a:t>. </a:t>
+            </a:r>
+          </a:p>
+          <a:p>
+            <a:pPr marL="171450" indent="-171450">
+              <a:lnSpc>
+                <a:spcPct val="150000"/>
+              </a:lnSpc>
+              <a:buFontTx/>
+              <a:buChar char="-"/>
+            </a:pPr>
+            <a:r>
+              <a:rPr lang="ko-KR" altLang="en-US" sz="1000" dirty="0">
+                <a:latin typeface="+mn-ea"/>
+              </a:rPr>
+              <a:t>감전을 부여하기 위해 스킬의 사정거리 끝을 어림짐작에 공격해야 함</a:t>
+            </a:r>
+            <a:r>
+              <a:rPr lang="en-US" altLang="ko-KR" sz="1000" dirty="0">
+                <a:latin typeface="+mn-ea"/>
+              </a:rPr>
+              <a:t>.</a:t>
+            </a:r>
+          </a:p>
+          <a:p>
+            <a:pPr marL="171450" indent="-171450">
+              <a:lnSpc>
+                <a:spcPct val="150000"/>
+              </a:lnSpc>
+              <a:buFontTx/>
+              <a:buChar char="-"/>
+            </a:pPr>
+            <a:r>
+              <a:rPr lang="ko-KR" altLang="en-US" sz="1000" dirty="0">
+                <a:latin typeface="+mn-ea"/>
+              </a:rPr>
+              <a:t>그리고 대상을 지정하는 스킬이 아니므로 근거리</a:t>
+            </a:r>
+            <a:r>
+              <a:rPr lang="en-US" altLang="ko-KR" sz="1000" dirty="0">
+                <a:latin typeface="+mn-ea"/>
+              </a:rPr>
+              <a:t>/</a:t>
+            </a:r>
+            <a:r>
+              <a:rPr lang="ko-KR" altLang="en-US" sz="1000" dirty="0">
+                <a:latin typeface="+mn-ea"/>
+              </a:rPr>
+              <a:t>원거리 구분이 애매함</a:t>
+            </a:r>
+            <a:r>
+              <a:rPr lang="en-US" altLang="ko-KR" sz="1000" dirty="0">
+                <a:latin typeface="+mn-ea"/>
+              </a:rPr>
+              <a:t>. </a:t>
+            </a:r>
+          </a:p>
+          <a:p>
+            <a:pPr marL="171450" indent="-171450">
+              <a:lnSpc>
+                <a:spcPct val="150000"/>
+              </a:lnSpc>
+              <a:buFontTx/>
+              <a:buChar char="-"/>
+            </a:pPr>
+            <a:r>
+              <a:rPr lang="ko-KR" altLang="en-US" sz="1000" dirty="0">
+                <a:latin typeface="+mn-ea"/>
+              </a:rPr>
+              <a:t>롤의 </a:t>
+            </a:r>
+            <a:r>
+              <a:rPr lang="ko-KR" altLang="en-US" sz="1000" dirty="0" err="1">
+                <a:latin typeface="+mn-ea"/>
+              </a:rPr>
+              <a:t>스웨인</a:t>
+            </a:r>
+            <a:r>
+              <a:rPr lang="ko-KR" altLang="en-US" sz="1000" dirty="0">
+                <a:latin typeface="+mn-ea"/>
+              </a:rPr>
+              <a:t> </a:t>
+            </a:r>
+            <a:r>
+              <a:rPr lang="en-US" altLang="ko-KR" sz="1000" dirty="0">
+                <a:latin typeface="+mn-ea"/>
+              </a:rPr>
+              <a:t>Q </a:t>
+            </a:r>
+            <a:r>
+              <a:rPr lang="ko-KR" altLang="en-US" sz="1000" dirty="0">
+                <a:latin typeface="+mn-ea"/>
+              </a:rPr>
+              <a:t>처럼 퍼지는 스킬</a:t>
+            </a:r>
+            <a:r>
+              <a:rPr lang="en-US" altLang="ko-KR" sz="1000" dirty="0">
+                <a:latin typeface="+mn-ea"/>
+              </a:rPr>
+              <a:t>?</a:t>
+            </a:r>
+          </a:p>
+          <a:p>
+            <a:pPr marL="171450" indent="-171450">
+              <a:lnSpc>
+                <a:spcPct val="150000"/>
+              </a:lnSpc>
+              <a:buFontTx/>
+              <a:buChar char="-"/>
+            </a:pPr>
+            <a:endParaRPr lang="en-US" altLang="ko-KR" sz="1000" dirty="0">
+              <a:latin typeface="+mn-ea"/>
+            </a:endParaRPr>
+          </a:p>
+          <a:p>
+            <a:pPr>
+              <a:lnSpc>
+                <a:spcPct val="150000"/>
+              </a:lnSpc>
+            </a:pPr>
+            <a:r>
+              <a:rPr lang="en-US" altLang="ko-KR" sz="1000" dirty="0">
+                <a:latin typeface="+mn-ea"/>
+              </a:rPr>
+              <a:t>(</a:t>
+            </a:r>
+            <a:r>
+              <a:rPr lang="ko-KR" altLang="en-US" sz="1000" dirty="0">
+                <a:latin typeface="+mn-ea"/>
+              </a:rPr>
+              <a:t>아이디어 </a:t>
+            </a:r>
+            <a:r>
+              <a:rPr lang="en-US" altLang="ko-KR" sz="1000" dirty="0">
+                <a:latin typeface="+mn-ea"/>
+              </a:rPr>
+              <a:t>1)</a:t>
+            </a:r>
+          </a:p>
+          <a:p>
+            <a:pPr marL="171450" indent="-171450">
+              <a:lnSpc>
+                <a:spcPct val="150000"/>
+              </a:lnSpc>
+              <a:buFontTx/>
+              <a:buChar char="-"/>
+            </a:pPr>
+            <a:r>
+              <a:rPr lang="ko-KR" altLang="en-US" sz="1000" dirty="0">
+                <a:latin typeface="+mn-ea"/>
+              </a:rPr>
+              <a:t>방출된 번개는 처음 적중한 적 주변으로 퍼져 나간다</a:t>
+            </a:r>
+            <a:r>
+              <a:rPr lang="en-US" altLang="ko-KR" sz="1000" dirty="0">
+                <a:latin typeface="+mn-ea"/>
+              </a:rPr>
+              <a:t>.</a:t>
+            </a:r>
+          </a:p>
+          <a:p>
+            <a:pPr marL="171450" indent="-171450">
+              <a:lnSpc>
+                <a:spcPct val="150000"/>
+              </a:lnSpc>
+              <a:buFontTx/>
+              <a:buChar char="-"/>
+            </a:pPr>
+            <a:r>
+              <a:rPr lang="ko-KR" altLang="en-US" sz="1000" dirty="0">
+                <a:latin typeface="+mn-ea"/>
+              </a:rPr>
+              <a:t>처음 적중 </a:t>
+            </a:r>
+            <a:r>
+              <a:rPr lang="en-US" altLang="ko-KR" sz="1000" dirty="0">
+                <a:latin typeface="+mn-ea"/>
+              </a:rPr>
+              <a:t>100% </a:t>
+            </a:r>
+            <a:r>
+              <a:rPr lang="ko-KR" altLang="en-US" sz="1000" dirty="0">
+                <a:latin typeface="+mn-ea"/>
+              </a:rPr>
+              <a:t>피해</a:t>
+            </a:r>
+            <a:r>
+              <a:rPr lang="en-US" altLang="ko-KR" sz="1000" dirty="0">
+                <a:latin typeface="+mn-ea"/>
+              </a:rPr>
+              <a:t>, </a:t>
+            </a:r>
+            <a:r>
+              <a:rPr lang="ko-KR" altLang="en-US" sz="1000" dirty="0">
+                <a:latin typeface="+mn-ea"/>
+              </a:rPr>
+              <a:t>그 다음 </a:t>
+            </a:r>
+            <a:r>
+              <a:rPr lang="ko-KR" altLang="en-US" sz="1000" dirty="0" err="1">
+                <a:latin typeface="+mn-ea"/>
+              </a:rPr>
+              <a:t>퍼져나간</a:t>
+            </a:r>
+            <a:r>
+              <a:rPr lang="ko-KR" altLang="en-US" sz="1000" dirty="0">
+                <a:latin typeface="+mn-ea"/>
+              </a:rPr>
+              <a:t> 수 만큼 감소</a:t>
+            </a:r>
+            <a:r>
+              <a:rPr lang="en-US" altLang="ko-KR" sz="1000" dirty="0">
+                <a:latin typeface="+mn-ea"/>
+              </a:rPr>
+              <a:t>??</a:t>
+            </a:r>
+          </a:p>
+          <a:p>
+            <a:pPr marL="171450" indent="-171450">
+              <a:lnSpc>
+                <a:spcPct val="150000"/>
+              </a:lnSpc>
+              <a:buFontTx/>
+              <a:buChar char="-"/>
+            </a:pPr>
+            <a:endParaRPr lang="en-US" altLang="ko-KR" sz="1000" dirty="0">
+              <a:latin typeface="+mn-ea"/>
+            </a:endParaRPr>
+          </a:p>
+          <a:p>
+            <a:pPr>
+              <a:lnSpc>
+                <a:spcPct val="150000"/>
+              </a:lnSpc>
+            </a:pPr>
+            <a:r>
+              <a:rPr lang="en-US" altLang="ko-KR" sz="1000" dirty="0">
+                <a:latin typeface="+mn-ea"/>
+              </a:rPr>
+              <a:t>(</a:t>
+            </a:r>
+            <a:r>
+              <a:rPr lang="ko-KR" altLang="en-US" sz="1000" dirty="0">
+                <a:latin typeface="+mn-ea"/>
+              </a:rPr>
+              <a:t>아이디어 </a:t>
+            </a:r>
+            <a:r>
+              <a:rPr lang="en-US" altLang="ko-KR" sz="1000" dirty="0">
+                <a:latin typeface="+mn-ea"/>
+              </a:rPr>
+              <a:t>2)</a:t>
+            </a:r>
+          </a:p>
+          <a:p>
+            <a:pPr marL="171450" indent="-171450">
+              <a:lnSpc>
+                <a:spcPct val="150000"/>
+              </a:lnSpc>
+              <a:buFontTx/>
+              <a:buChar char="-"/>
+            </a:pPr>
+            <a:r>
+              <a:rPr lang="ko-KR" altLang="en-US" sz="1000" dirty="0">
+                <a:latin typeface="+mn-ea"/>
+              </a:rPr>
+              <a:t>공격을 적중하면 번개를 충전</a:t>
+            </a:r>
+            <a:r>
+              <a:rPr lang="en-US" altLang="ko-KR" sz="1000" dirty="0">
+                <a:latin typeface="+mn-ea"/>
+              </a:rPr>
+              <a:t>.</a:t>
+            </a:r>
+          </a:p>
+          <a:p>
+            <a:pPr marL="171450" indent="-171450">
+              <a:lnSpc>
+                <a:spcPct val="150000"/>
+              </a:lnSpc>
+              <a:buFontTx/>
+              <a:buChar char="-"/>
+            </a:pPr>
+            <a:r>
+              <a:rPr lang="ko-KR" altLang="en-US" sz="1000" dirty="0">
+                <a:latin typeface="+mn-ea"/>
+              </a:rPr>
+              <a:t>공격에 맞으면 충전된 번개를 방출</a:t>
+            </a:r>
+            <a:endParaRPr lang="en-US" altLang="ko-KR" sz="1000" dirty="0">
+              <a:latin typeface="+mn-ea"/>
+            </a:endParaRPr>
+          </a:p>
+          <a:p>
+            <a:pPr marL="171450" indent="-171450">
+              <a:lnSpc>
+                <a:spcPct val="150000"/>
+              </a:lnSpc>
+              <a:buFontTx/>
+              <a:buChar char="-"/>
+            </a:pPr>
+            <a:r>
+              <a:rPr lang="ko-KR" altLang="en-US" sz="1000" dirty="0">
+                <a:latin typeface="+mn-ea"/>
+              </a:rPr>
+              <a:t>번개가 일정 량 이상 충전되면 방출되며 큰 피해</a:t>
+            </a:r>
+            <a:r>
+              <a:rPr lang="en-US" altLang="ko-KR" sz="1000" dirty="0">
+                <a:latin typeface="+mn-ea"/>
+              </a:rPr>
+              <a:t>?</a:t>
+            </a:r>
+          </a:p>
+          <a:p>
+            <a:pPr marL="171450" indent="-171450">
+              <a:lnSpc>
+                <a:spcPct val="150000"/>
+              </a:lnSpc>
+              <a:buFontTx/>
+              <a:buChar char="-"/>
+            </a:pPr>
+            <a:endParaRPr lang="en-US" altLang="ko-KR" sz="1000" dirty="0">
+              <a:latin typeface="+mn-ea"/>
+            </a:endParaRPr>
+          </a:p>
+          <a:p>
+            <a:pPr>
+              <a:lnSpc>
+                <a:spcPct val="150000"/>
+              </a:lnSpc>
+            </a:pPr>
+            <a:r>
+              <a:rPr lang="en-US" altLang="ko-KR" sz="1000" dirty="0">
+                <a:latin typeface="+mn-ea"/>
+              </a:rPr>
+              <a:t>(</a:t>
+            </a:r>
+            <a:r>
+              <a:rPr lang="ko-KR" altLang="en-US" sz="1000" dirty="0">
+                <a:latin typeface="+mn-ea"/>
+              </a:rPr>
+              <a:t>아이디어 </a:t>
+            </a:r>
+            <a:r>
+              <a:rPr lang="en-US" altLang="ko-KR" sz="1000" dirty="0">
+                <a:latin typeface="+mn-ea"/>
+              </a:rPr>
+              <a:t>3)</a:t>
+            </a:r>
+          </a:p>
+          <a:p>
+            <a:pPr marL="171450" indent="-171450">
+              <a:lnSpc>
+                <a:spcPct val="150000"/>
+              </a:lnSpc>
+              <a:buFontTx/>
+              <a:buChar char="-"/>
+            </a:pPr>
+            <a:r>
+              <a:rPr lang="ko-KR" altLang="en-US" sz="1000" dirty="0">
+                <a:latin typeface="+mn-ea"/>
+              </a:rPr>
+              <a:t>번개는 매개체가 있으면 </a:t>
+            </a:r>
+            <a:r>
+              <a:rPr lang="ko-KR" altLang="en-US" sz="1000" dirty="0" err="1">
+                <a:latin typeface="+mn-ea"/>
+              </a:rPr>
+              <a:t>퍼져나간다</a:t>
+            </a:r>
+            <a:r>
+              <a:rPr lang="en-US" altLang="ko-KR" sz="1000" dirty="0">
+                <a:latin typeface="+mn-ea"/>
+              </a:rPr>
+              <a:t>.</a:t>
+            </a:r>
+          </a:p>
+          <a:p>
+            <a:pPr marL="171450" indent="-171450">
+              <a:lnSpc>
+                <a:spcPct val="150000"/>
+              </a:lnSpc>
+              <a:buFontTx/>
+              <a:buChar char="-"/>
+            </a:pPr>
+            <a:r>
+              <a:rPr lang="ko-KR" altLang="en-US" sz="1000" dirty="0">
+                <a:latin typeface="+mn-ea"/>
+              </a:rPr>
+              <a:t>몬스터가 매개체</a:t>
+            </a:r>
+            <a:r>
+              <a:rPr lang="en-US" altLang="ko-KR" sz="1000" dirty="0">
+                <a:latin typeface="+mn-ea"/>
+              </a:rPr>
+              <a:t>? -&gt; </a:t>
+            </a:r>
+            <a:r>
+              <a:rPr lang="ko-KR" altLang="en-US" sz="1000" dirty="0">
+                <a:latin typeface="+mn-ea"/>
+              </a:rPr>
+              <a:t>그러면 적이 많을 수록 </a:t>
+            </a:r>
+            <a:r>
+              <a:rPr lang="ko-KR" altLang="en-US" sz="1000" dirty="0" err="1">
+                <a:latin typeface="+mn-ea"/>
+              </a:rPr>
+              <a:t>좋은건데</a:t>
+            </a:r>
+            <a:r>
+              <a:rPr lang="en-US" altLang="ko-KR" sz="1000" dirty="0">
+                <a:latin typeface="+mn-ea"/>
+              </a:rPr>
+              <a:t>…..</a:t>
+            </a:r>
+          </a:p>
+          <a:p>
+            <a:pPr marL="171450" indent="-171450">
+              <a:lnSpc>
+                <a:spcPct val="150000"/>
+              </a:lnSpc>
+              <a:buFontTx/>
+              <a:buChar char="-"/>
+            </a:pPr>
+            <a:endParaRPr lang="en-US" altLang="ko-KR" sz="1000" dirty="0">
+              <a:latin typeface="+mn-ea"/>
+            </a:endParaRPr>
+          </a:p>
+          <a:p>
+            <a:pPr>
+              <a:lnSpc>
+                <a:spcPct val="150000"/>
+              </a:lnSpc>
+            </a:pPr>
+            <a:r>
+              <a:rPr lang="en-US" altLang="ko-KR" sz="1000" dirty="0">
+                <a:latin typeface="+mn-ea"/>
+              </a:rPr>
+              <a:t>(</a:t>
+            </a:r>
+            <a:r>
+              <a:rPr lang="ko-KR" altLang="en-US" sz="1000" dirty="0">
+                <a:latin typeface="+mn-ea"/>
+              </a:rPr>
+              <a:t>아이디어 </a:t>
+            </a:r>
+            <a:r>
+              <a:rPr lang="en-US" altLang="ko-KR" sz="1000" dirty="0">
+                <a:latin typeface="+mn-ea"/>
+              </a:rPr>
+              <a:t>4)</a:t>
+            </a:r>
+          </a:p>
+          <a:p>
+            <a:pPr marL="171450" indent="-171450">
+              <a:lnSpc>
+                <a:spcPct val="150000"/>
+              </a:lnSpc>
+              <a:buFontTx/>
+              <a:buChar char="-"/>
+            </a:pPr>
+            <a:r>
+              <a:rPr lang="ko-KR" altLang="en-US" sz="1000" dirty="0">
+                <a:latin typeface="+mn-ea"/>
+              </a:rPr>
+              <a:t>지금의 컨셉 유지 </a:t>
+            </a:r>
+            <a:r>
+              <a:rPr lang="en-US" altLang="ko-KR" sz="1000" dirty="0">
+                <a:latin typeface="+mn-ea"/>
+              </a:rPr>
+              <a:t>(</a:t>
+            </a:r>
+            <a:r>
+              <a:rPr lang="ko-KR" altLang="en-US" sz="1000" dirty="0">
+                <a:latin typeface="+mn-ea"/>
+              </a:rPr>
+              <a:t>적을 피뢰침 삼아</a:t>
+            </a:r>
+            <a:r>
+              <a:rPr lang="en-US" altLang="ko-KR" sz="1000" dirty="0">
+                <a:latin typeface="+mn-ea"/>
+              </a:rPr>
+              <a:t>)</a:t>
+            </a:r>
+          </a:p>
+          <a:p>
+            <a:pPr marL="171450" indent="-171450">
+              <a:lnSpc>
+                <a:spcPct val="150000"/>
+              </a:lnSpc>
+              <a:buFontTx/>
+              <a:buChar char="-"/>
+            </a:pPr>
+            <a:r>
+              <a:rPr lang="ko-KR" altLang="en-US" sz="1000" dirty="0">
+                <a:latin typeface="+mn-ea"/>
+              </a:rPr>
+              <a:t>단</a:t>
+            </a:r>
+            <a:r>
+              <a:rPr lang="en-US" altLang="ko-KR" sz="1000" dirty="0">
+                <a:latin typeface="+mn-ea"/>
+              </a:rPr>
+              <a:t>, </a:t>
+            </a:r>
+            <a:r>
+              <a:rPr lang="ko-KR" altLang="en-US" sz="1000" dirty="0">
+                <a:latin typeface="+mn-ea"/>
+              </a:rPr>
+              <a:t>적을 피뢰침 삼기 위해 스킬 중 부채의 뼈대를 뽑아서 적에게 꽂아버리는 스킬이 있음</a:t>
+            </a:r>
+            <a:r>
+              <a:rPr lang="en-US" altLang="ko-KR" sz="1000" dirty="0">
+                <a:latin typeface="+mn-ea"/>
+              </a:rPr>
+              <a:t>.</a:t>
+            </a:r>
+          </a:p>
+          <a:p>
+            <a:pPr marL="171450" indent="-171450">
+              <a:lnSpc>
+                <a:spcPct val="150000"/>
+              </a:lnSpc>
+              <a:buFontTx/>
+              <a:buChar char="-"/>
+            </a:pPr>
+            <a:r>
+              <a:rPr lang="ko-KR" altLang="en-US" sz="1000" dirty="0">
+                <a:latin typeface="+mn-ea"/>
+              </a:rPr>
+              <a:t>부채에 번개를 모으고 적에게 </a:t>
+            </a:r>
+            <a:r>
+              <a:rPr lang="ko-KR" altLang="en-US" sz="1000" dirty="0" err="1">
+                <a:latin typeface="+mn-ea"/>
+              </a:rPr>
+              <a:t>꽂혀있는</a:t>
+            </a:r>
+            <a:r>
+              <a:rPr lang="ko-KR" altLang="en-US" sz="1000" dirty="0">
+                <a:latin typeface="+mn-ea"/>
+              </a:rPr>
+              <a:t> 부채의 일부분을 피뢰침 삼아 번개를 방출한다</a:t>
+            </a:r>
+            <a:r>
+              <a:rPr lang="en-US" altLang="ko-KR" sz="1000" dirty="0">
+                <a:latin typeface="+mn-ea"/>
+              </a:rPr>
+              <a:t>.</a:t>
+            </a:r>
+          </a:p>
+          <a:p>
+            <a:pPr marL="171450" indent="-171450">
+              <a:lnSpc>
+                <a:spcPct val="150000"/>
+              </a:lnSpc>
+              <a:buFontTx/>
+              <a:buChar char="-"/>
+            </a:pPr>
+            <a:r>
+              <a:rPr lang="ko-KR" altLang="en-US" sz="1000" dirty="0">
+                <a:latin typeface="+mn-ea"/>
+              </a:rPr>
+              <a:t>단일 대상에게 중복으로 꽂을 수 있음</a:t>
+            </a:r>
+            <a:r>
+              <a:rPr lang="en-US" altLang="ko-KR" sz="1000">
+                <a:latin typeface="+mn-ea"/>
+              </a:rPr>
+              <a:t>.</a:t>
+            </a:r>
+            <a:r>
+              <a:rPr lang="en-US" altLang="ko-KR" sz="1000" dirty="0">
+                <a:latin typeface="+mn-ea"/>
+              </a:rPr>
+              <a:t> </a:t>
+            </a:r>
+          </a:p>
+        </p:txBody>
+      </p:sp>
+      <p:sp>
+        <p:nvSpPr>
+          <p:cNvPr id="27" name="TextBox 26">
+            <a:extLst>
+              <a:ext uri="{FF2B5EF4-FFF2-40B4-BE49-F238E27FC236}">
+                <a16:creationId xmlns:a16="http://schemas.microsoft.com/office/drawing/2014/main" id="{BEB8CB10-01A4-BF26-0B65-7A97E54DA2A1}"/>
+              </a:ext>
+            </a:extLst>
+          </p:cNvPr>
+          <p:cNvSpPr txBox="1"/>
+          <p:nvPr/>
+        </p:nvSpPr>
+        <p:spPr>
+          <a:xfrm>
+            <a:off x="533925" y="5306628"/>
+            <a:ext cx="4108817" cy="985911"/>
+          </a:xfrm>
+          <a:prstGeom prst="rect">
+            <a:avLst/>
+          </a:prstGeom>
+          <a:noFill/>
+        </p:spPr>
+        <p:txBody>
+          <a:bodyPr wrap="none" rtlCol="0" anchor="ctr">
+            <a:spAutoFit/>
+          </a:bodyPr>
+          <a:lstStyle/>
+          <a:p>
+            <a:pPr>
+              <a:lnSpc>
+                <a:spcPct val="150000"/>
+              </a:lnSpc>
+            </a:pPr>
+            <a:r>
+              <a:rPr lang="ko-KR" altLang="en-US" sz="1000" dirty="0">
+                <a:latin typeface="+mn-ea"/>
+              </a:rPr>
+              <a:t>중요한 것</a:t>
+            </a:r>
+            <a:endParaRPr lang="en-US" altLang="ko-KR" sz="1000" dirty="0">
+              <a:latin typeface="+mn-ea"/>
+            </a:endParaRPr>
+          </a:p>
+          <a:p>
+            <a:pPr marL="228600" indent="-228600">
+              <a:lnSpc>
+                <a:spcPct val="150000"/>
+              </a:lnSpc>
+              <a:buAutoNum type="arabicParenR"/>
+            </a:pPr>
+            <a:r>
+              <a:rPr lang="ko-KR" altLang="en-US" sz="1000" dirty="0">
+                <a:latin typeface="+mn-ea"/>
+              </a:rPr>
+              <a:t>단일 대상일 때 높은 피해</a:t>
+            </a:r>
+            <a:endParaRPr lang="en-US" altLang="ko-KR" sz="1000" dirty="0">
+              <a:latin typeface="+mn-ea"/>
+            </a:endParaRPr>
+          </a:p>
+          <a:p>
+            <a:pPr marL="228600" indent="-228600">
+              <a:lnSpc>
+                <a:spcPct val="150000"/>
+              </a:lnSpc>
+              <a:buAutoNum type="arabicParenR"/>
+            </a:pPr>
+            <a:r>
+              <a:rPr lang="ko-KR" altLang="en-US" sz="1000" dirty="0">
+                <a:latin typeface="+mn-ea"/>
+              </a:rPr>
+              <a:t>적에게 근접하고 적의 공격을 피해야 최대의 효율이 나오는 무기</a:t>
+            </a:r>
+            <a:endParaRPr lang="en-US" altLang="ko-KR" sz="1000" dirty="0">
+              <a:latin typeface="+mn-ea"/>
+            </a:endParaRPr>
+          </a:p>
+          <a:p>
+            <a:pPr marL="228600" indent="-228600">
+              <a:lnSpc>
+                <a:spcPct val="150000"/>
+              </a:lnSpc>
+              <a:buAutoNum type="arabicParenR"/>
+            </a:pPr>
+            <a:r>
+              <a:rPr lang="ko-KR" altLang="en-US" sz="1000" dirty="0">
+                <a:latin typeface="+mn-ea"/>
+              </a:rPr>
+              <a:t>숙련자를 위한 무기</a:t>
+            </a:r>
+            <a:endParaRPr lang="en-US" altLang="ko-KR" sz="1000" dirty="0">
               <a:latin typeface="+mn-ea"/>
             </a:endParaRPr>
           </a:p>
@@ -11390,54 +13077,66 @@
                         </a:spcAft>
                       </a:pPr>
                       <a:r>
-                        <a:rPr lang="ko-KR" sz="1000">
+                        <a:rPr lang="ko-KR" sz="1000" dirty="0">
                           <a:effectLst/>
                         </a:rPr>
                         <a:t>접혀 있는 부채를 꺼내며 하늘을 향해 펼친다</a:t>
                       </a:r>
                       <a:r>
-                        <a:rPr lang="en-US" sz="1000">
+                        <a:rPr lang="en-US" sz="1000" dirty="0">
                           <a:effectLst/>
                         </a:rPr>
                         <a:t>. 10</a:t>
                       </a:r>
                       <a:r>
-                        <a:rPr lang="ko-KR" sz="1000">
+                        <a:rPr lang="ko-KR" sz="1000" dirty="0">
                           <a:effectLst/>
                         </a:rPr>
                         <a:t>초 동안</a:t>
                       </a:r>
                       <a:r>
-                        <a:rPr lang="en-US" sz="1000">
+                        <a:rPr lang="en-US" sz="1000" dirty="0">
                           <a:effectLst/>
                         </a:rPr>
                         <a:t> 1</a:t>
                       </a:r>
                       <a:r>
-                        <a:rPr lang="ko-KR" sz="1000">
+                        <a:rPr lang="ko-KR" sz="1000" dirty="0">
                           <a:effectLst/>
                         </a:rPr>
-                        <a:t>초마다 랜덤한 적에게 하늘에서 번개를 떨어트려 피해를</a:t>
+                        <a:t>초마다 </a:t>
                       </a:r>
                       <a:r>
-                        <a:rPr lang="en-US" sz="1000">
+                        <a:rPr lang="ko-KR" sz="1000" dirty="0" err="1">
+                          <a:effectLst/>
+                        </a:rPr>
+                        <a:t>랜덤한</a:t>
+                      </a:r>
+                      <a:r>
+                        <a:rPr lang="ko-KR" sz="1000" dirty="0">
+                          <a:effectLst/>
+                        </a:rPr>
+                        <a:t> 적에게 하늘에서 번개를 떨어트려 피해를</a:t>
+                      </a:r>
+                      <a:r>
+                        <a:rPr lang="en-US" sz="1000" dirty="0">
                           <a:effectLst/>
                         </a:rPr>
                         <a:t> 1</a:t>
                       </a:r>
                       <a:r>
-                        <a:rPr lang="ko-KR" sz="1000">
+                        <a:rPr lang="ko-KR" sz="1000" dirty="0">
                           <a:effectLst/>
                         </a:rPr>
                         <a:t>회 준다</a:t>
                       </a:r>
                       <a:r>
-                        <a:rPr lang="en-US" sz="1000">
+                        <a:rPr lang="en-US" sz="1000" dirty="0">
                           <a:effectLst/>
                         </a:rPr>
                         <a:t>.</a:t>
                       </a:r>
-                      <a:endParaRPr lang="ko-KR" sz="1100">
+                      <a:endParaRPr lang="ko-KR" sz="1100" dirty="0">
                         <a:effectLst/>
                         <a:latin typeface="맑은 고딕" panose="020B0503020000020004" pitchFamily="50" charset="-127"/>
                         <a:ea typeface="맑은 고딕" panose="020B0503020000020004" pitchFamily="50" charset="-127"/>
@@ -11523,90 +13222,90 @@
                         </a:spcAft>
                       </a:pPr>
                       <a:r>
-                        <a:rPr lang="ko-KR" sz="1000">
+                        <a:rPr lang="ko-KR" sz="1000" dirty="0">
                           <a:effectLst/>
                         </a:rPr>
                         <a:t>부채를 접으며 오른손을 위로 뻗는다</a:t>
                       </a:r>
                       <a:r>
-                        <a:rPr lang="en-US" sz="1000">
+                        <a:rPr lang="en-US" sz="1000" dirty="0">
                           <a:effectLst/>
                         </a:rPr>
                         <a:t>. </a:t>
                       </a:r>
                       <a:r>
-                        <a:rPr lang="ko-KR" sz="1000">
+                        <a:rPr lang="ko-KR" sz="1000" dirty="0">
                           <a:effectLst/>
                         </a:rPr>
                         <a:t>번개가 캐릭터에게 내려친다</a:t>
                       </a:r>
                       <a:r>
-                        <a:rPr lang="en-US" sz="1000">
+                        <a:rPr lang="en-US" sz="1000" dirty="0">
                           <a:effectLst/>
                         </a:rPr>
                         <a:t>. </a:t>
                       </a:r>
                       <a:r>
-                        <a:rPr lang="ko-KR" sz="1000">
+                        <a:rPr lang="ko-KR" sz="1000" dirty="0">
                           <a:effectLst/>
                         </a:rPr>
                         <a:t>번개가 내려칠 때 주변에 피해를 입힌다</a:t>
                       </a:r>
                       <a:r>
-                        <a:rPr lang="en-US" sz="1000">
+                        <a:rPr lang="en-US" sz="1000" dirty="0">
                           <a:effectLst/>
                         </a:rPr>
                         <a:t>. </a:t>
                       </a:r>
                       <a:r>
-                        <a:rPr lang="ko-KR" sz="1000">
+                        <a:rPr lang="ko-KR" sz="1000" dirty="0">
                           <a:effectLst/>
                         </a:rPr>
                         <a:t>이후 캐릭터의 몸 주변에 일정량의 데미지를 흡수하는 번개 보호막을 형성한다</a:t>
                       </a:r>
                       <a:r>
-                        <a:rPr lang="en-US" sz="1000">
+                        <a:rPr lang="en-US" sz="1000" dirty="0">
                           <a:effectLst/>
                         </a:rPr>
                         <a:t>. (5</a:t>
                       </a:r>
                       <a:r>
-                        <a:rPr lang="ko-KR" sz="1000">
+                        <a:rPr lang="ko-KR" sz="1000" dirty="0">
                           <a:effectLst/>
                         </a:rPr>
                         <a:t>초 지속</a:t>
                       </a:r>
                       <a:r>
-                        <a:rPr lang="en-US" sz="1000">
+                        <a:rPr lang="en-US" sz="1000" dirty="0">
                           <a:effectLst/>
                         </a:rPr>
                         <a:t>) </a:t>
                       </a:r>
                       <a:r>
-                        <a:rPr lang="ko-KR" sz="1000">
+                        <a:rPr lang="ko-KR" sz="1000" dirty="0">
                           <a:effectLst/>
                         </a:rPr>
                         <a:t>보호막이 적의 공격에 의해 제거되지 않고 지속시간이 지나 사라질 때 주변으로 번개를 방출하며</a:t>
                       </a:r>
                       <a:r>
-                        <a:rPr lang="en-US" sz="1000">
+                        <a:rPr lang="en-US" sz="1000" dirty="0">
                           <a:effectLst/>
                         </a:rPr>
                         <a:t> 1</a:t>
                       </a:r>
                       <a:r>
-                        <a:rPr lang="ko-KR" sz="1000">
+                        <a:rPr lang="ko-KR" sz="1000" dirty="0">
                           <a:effectLst/>
                         </a:rPr>
                         <a:t>회 공격한다</a:t>
                       </a:r>
                       <a:r>
-                        <a:rPr lang="en-US" sz="1000">
+                        <a:rPr lang="en-US" sz="1000" dirty="0">
                           <a:effectLst/>
                         </a:rPr>
                         <a:t>.</a:t>
                       </a:r>
-                      <a:endParaRPr lang="ko-KR" sz="1100">
+                      <a:endParaRPr lang="ko-KR" sz="1100" dirty="0">
                         <a:effectLst/>
                         <a:latin typeface="맑은 고딕" panose="020B0503020000020004" pitchFamily="50" charset="-127"/>
                         <a:ea typeface="맑은 고딕" panose="020B0503020000020004" pitchFamily="50" charset="-127"/>
@@ -11692,54 +13391,54 @@
                         </a:spcAft>
                       </a:pPr>
                       <a:r>
-                        <a:rPr lang="ko-KR" sz="1000">
+                        <a:rPr lang="ko-KR" sz="1000" dirty="0">
                           <a:effectLst/>
                         </a:rPr>
                         <a:t>왼손을 앞으로 뻗고 부채를 왼손에 가져가며 손바닥을 치듯이 접는다</a:t>
                       </a:r>
                       <a:r>
-                        <a:rPr lang="en-US" sz="1000">
+                        <a:rPr lang="en-US" sz="1000" dirty="0">
                           <a:effectLst/>
                         </a:rPr>
                         <a:t>. </a:t>
                       </a:r>
                       <a:r>
-                        <a:rPr lang="ko-KR" sz="1000">
+                        <a:rPr lang="ko-KR" sz="1000" dirty="0">
                           <a:effectLst/>
                         </a:rPr>
                         <a:t>왼손의 손바닥 위에 번개 구체가 두개 형성된다</a:t>
                       </a:r>
                       <a:r>
-                        <a:rPr lang="en-US" sz="1000">
+                        <a:rPr lang="en-US" sz="1000" dirty="0">
                           <a:effectLst/>
                         </a:rPr>
                         <a:t>. </a:t>
                       </a:r>
                       <a:r>
-                        <a:rPr lang="ko-KR" sz="1000">
+                        <a:rPr lang="ko-KR" sz="1000" dirty="0">
                           <a:effectLst/>
                         </a:rPr>
                         <a:t>이후 부채를 펼치며 손을 내리고 아래에서 위로</a:t>
                       </a:r>
                       <a:r>
-                        <a:rPr lang="en-US" sz="1000">
+                        <a:rPr lang="en-US" sz="1000" dirty="0">
                           <a:effectLst/>
                         </a:rPr>
                         <a:t>, </a:t>
                       </a:r>
                       <a:r>
-                        <a:rPr lang="ko-KR" sz="1000">
+                        <a:rPr lang="ko-KR" sz="1000" dirty="0">
                           <a:effectLst/>
                         </a:rPr>
                         <a:t>안에서 밖으로 부채를 총 두 번 휘둘러 번개를 방출한다</a:t>
                       </a:r>
                       <a:r>
-                        <a:rPr lang="en-US" sz="1000">
+                        <a:rPr lang="en-US" sz="1000" dirty="0">
                           <a:effectLst/>
                         </a:rPr>
                         <a:t>.</a:t>
                       </a:r>
-                      <a:endParaRPr lang="ko-KR" sz="1100">
+                      <a:endParaRPr lang="ko-KR" sz="1100" dirty="0">
                         <a:effectLst/>
                         <a:latin typeface="맑은 고딕" panose="020B0503020000020004" pitchFamily="50" charset="-127"/>
                         <a:ea typeface="맑은 고딕" panose="020B0503020000020004" pitchFamily="50" charset="-127"/>
@@ -11825,42 +13524,42 @@
                         </a:spcAft>
                       </a:pPr>
                       <a:r>
-                        <a:rPr lang="ko-KR" sz="1000">
+                        <a:rPr lang="ko-KR" sz="1000" dirty="0">
                           <a:effectLst/>
                         </a:rPr>
                         <a:t>부채를 접은 후 몸을 한 바퀴 회전하며 하늘을 향해 펼친다</a:t>
                       </a:r>
                       <a:r>
-                        <a:rPr lang="en-US" sz="1000">
+                        <a:rPr lang="en-US" sz="1000" dirty="0">
                           <a:effectLst/>
                         </a:rPr>
                         <a:t>. </a:t>
                       </a:r>
                       <a:r>
-                        <a:rPr lang="ko-KR" sz="1000">
+                        <a:rPr lang="ko-KR" sz="1000" dirty="0">
                           <a:effectLst/>
                         </a:rPr>
                         <a:t>전방의 하늘에 원형의 부채 모양으로 번개가 형성되고 회전하며 하늘의 번개를 담는다</a:t>
                       </a:r>
                       <a:r>
-                        <a:rPr lang="en-US" sz="1000">
+                        <a:rPr lang="en-US" sz="1000" dirty="0">
                           <a:effectLst/>
                         </a:rPr>
                         <a:t>. </a:t>
                       </a:r>
                       <a:r>
-                        <a:rPr lang="ko-KR" sz="1000">
+                        <a:rPr lang="ko-KR" sz="1000" dirty="0">
                           <a:effectLst/>
                         </a:rPr>
                         <a:t>이후 부채를 수직으로 내리는 동작을 따라 거대한 번개가 한 번 내리친다</a:t>
                       </a:r>
                       <a:r>
-                        <a:rPr lang="en-US" sz="1000">
+                        <a:rPr lang="en-US" sz="1000" dirty="0">
                           <a:effectLst/>
                         </a:rPr>
                         <a:t>.</a:t>
                       </a:r>
-                      <a:endParaRPr lang="ko-KR" sz="1100">
+                      <a:endParaRPr lang="ko-KR" sz="1100" dirty="0">
                         <a:effectLst/>
                         <a:latin typeface="맑은 고딕" panose="020B0503020000020004" pitchFamily="50" charset="-127"/>
                         <a:ea typeface="맑은 고딕" panose="020B0503020000020004" pitchFamily="50" charset="-127"/>
@@ -12181,7 +13880,7 @@
         </p:blipFill>
         <p:spPr bwMode="auto">
           <a:xfrm>
-            <a:off x="-1384121" y="1512907"/>
+            <a:off x="10503623" y="14789"/>
             <a:ext cx="1443038" cy="2146300"/>
           </a:xfrm>
           <a:prstGeom prst="rect">

--- a/액션&경영 RPG/스킬/리트루기아_부채스킬기획.pptx
+++ b/액션&경영 RPG/스킬/리트루기아_부채스킬기획.pptx
@@ -267,7 +267,7 @@
           <a:p>
             <a:fld id="{F8ADF8F0-391E-4C28-B3EC-FA94B0B80675}" type="datetimeFigureOut">
               <a:rPr lang="ko-KR" altLang="en-US" smtClean="0"/>
-              <a:t>2024-09-23</a:t>
+              <a:t>2024-09-24</a:t>
             </a:fld>
             <a:endParaRPr lang="ko-KR" altLang="en-US"/>
           </a:p>
@@ -465,7 +465,7 @@
           <a:p>
             <a:fld id="{F8ADF8F0-391E-4C28-B3EC-FA94B0B80675}" type="datetimeFigureOut">
               <a:rPr lang="ko-KR" altLang="en-US" smtClean="0"/>
-              <a:t>2024-09-23</a:t>
+              <a:t>2024-09-24</a:t>
             </a:fld>
             <a:endParaRPr lang="ko-KR" altLang="en-US"/>
           </a:p>
@@ -673,7 +673,7 @@
           <a:p>
             <a:fld id="{F8ADF8F0-391E-4C28-B3EC-FA94B0B80675}" type="datetimeFigureOut">
               <a:rPr lang="ko-KR" altLang="en-US" smtClean="0"/>
-              <a:t>2024-09-23</a:t>
+              <a:t>2024-09-24</a:t>
             </a:fld>
             <a:endParaRPr lang="ko-KR" altLang="en-US"/>
           </a:p>
@@ -871,7 +871,7 @@
           <a:p>
             <a:fld id="{F8ADF8F0-391E-4C28-B3EC-FA94B0B80675}" type="datetimeFigureOut">
               <a:rPr lang="ko-KR" altLang="en-US" smtClean="0"/>
-              <a:t>2024-09-23</a:t>
+              <a:t>2024-09-24</a:t>
             </a:fld>
             <a:endParaRPr lang="ko-KR" altLang="en-US"/>
           </a:p>
@@ -1146,7 +1146,7 @@
           <a:p>
             <a:fld id="{F8ADF8F0-391E-4C28-B3EC-FA94B0B80675}" type="datetimeFigureOut">
               <a:rPr lang="ko-KR" altLang="en-US" smtClean="0"/>
-              <a:t>2024-09-23</a:t>
+              <a:t>2024-09-24</a:t>
             </a:fld>
             <a:endParaRPr lang="ko-KR" altLang="en-US"/>
           </a:p>
@@ -1411,7 +1411,7 @@
           <a:p>
             <a:fld id="{F8ADF8F0-391E-4C28-B3EC-FA94B0B80675}" type="datetimeFigureOut">
               <a:rPr lang="ko-KR" altLang="en-US" smtClean="0"/>
-              <a:t>2024-09-23</a:t>
+              <a:t>2024-09-24</a:t>
             </a:fld>
             <a:endParaRPr lang="ko-KR" altLang="en-US"/>
           </a:p>
@@ -1823,7 +1823,7 @@
           <a:p>
             <a:fld id="{F8ADF8F0-391E-4C28-B3EC-FA94B0B80675}" type="datetimeFigureOut">
               <a:rPr lang="ko-KR" altLang="en-US" smtClean="0"/>
-              <a:t>2024-09-23</a:t>
+              <a:t>2024-09-24</a:t>
             </a:fld>
             <a:endParaRPr lang="ko-KR" altLang="en-US"/>
           </a:p>
@@ -1964,7 +1964,7 @@
           <a:p>
             <a:fld id="{F8ADF8F0-391E-4C28-B3EC-FA94B0B80675}" type="datetimeFigureOut">
               <a:rPr lang="ko-KR" altLang="en-US" smtClean="0"/>
-              <a:t>2024-09-23</a:t>
+              <a:t>2024-09-24</a:t>
             </a:fld>
             <a:endParaRPr lang="ko-KR" altLang="en-US"/>
           </a:p>
@@ -2077,7 +2077,7 @@
           <a:p>
             <a:fld id="{F8ADF8F0-391E-4C28-B3EC-FA94B0B80675}" type="datetimeFigureOut">
               <a:rPr lang="ko-KR" altLang="en-US" smtClean="0"/>
-              <a:t>2024-09-23</a:t>
+              <a:t>2024-09-24</a:t>
             </a:fld>
             <a:endParaRPr lang="ko-KR" altLang="en-US"/>
           </a:p>
@@ -2388,7 +2388,7 @@
           <a:p>
             <a:fld id="{F8ADF8F0-391E-4C28-B3EC-FA94B0B80675}" type="datetimeFigureOut">
               <a:rPr lang="ko-KR" altLang="en-US" smtClean="0"/>
-              <a:t>2024-09-23</a:t>
+              <a:t>2024-09-24</a:t>
             </a:fld>
             <a:endParaRPr lang="ko-KR" altLang="en-US"/>
           </a:p>
@@ -2676,7 +2676,7 @@
           <a:p>
             <a:fld id="{F8ADF8F0-391E-4C28-B3EC-FA94B0B80675}" type="datetimeFigureOut">
               <a:rPr lang="ko-KR" altLang="en-US" smtClean="0"/>
-              <a:t>2024-09-23</a:t>
+              <a:t>2024-09-24</a:t>
             </a:fld>
             <a:endParaRPr lang="ko-KR" altLang="en-US"/>
           </a:p>
@@ -2917,7 +2917,7 @@
           <a:p>
             <a:fld id="{F8ADF8F0-391E-4C28-B3EC-FA94B0B80675}" type="datetimeFigureOut">
               <a:rPr lang="ko-KR" altLang="en-US" smtClean="0"/>
-              <a:t>2024-09-23</a:t>
+              <a:t>2024-09-24</a:t>
             </a:fld>
             <a:endParaRPr lang="ko-KR" altLang="en-US"/>
           </a:p>
@@ -5340,9 +5340,9 @@
         <p:grpSpPr>
           <a:xfrm>
             <a:off x="1779942" y="1074464"/>
-            <a:ext cx="3299587" cy="246221"/>
+            <a:ext cx="2908646" cy="246221"/>
             <a:chOff x="1779942" y="1074464"/>
-            <a:chExt cx="3299587" cy="246221"/>
+            <a:chExt cx="2908646" cy="246221"/>
           </a:xfrm>
         </p:grpSpPr>
         <p:sp>
@@ -5360,6 +5360,52 @@
           <p:spPr>
             <a:xfrm>
               <a:off x="1779942" y="1074464"/>
+              <a:ext cx="776175" cy="246221"/>
+            </a:xfrm>
+            <a:prstGeom prst="rect">
+              <a:avLst/>
+            </a:prstGeom>
+            <a:noFill/>
+          </p:spPr>
+          <p:txBody>
+            <a:bodyPr wrap="none" rtlCol="0">
+              <a:spAutoFit/>
+            </a:bodyPr>
+            <a:lstStyle/>
+            <a:p>
+              <a:r>
+                <a:rPr lang="en-US" altLang="ko-KR" sz="1000" b="1" dirty="0">
+                  <a:latin typeface="+mn-ea"/>
+                </a:rPr>
+                <a:t>#</a:t>
+              </a:r>
+              <a:r>
+                <a:rPr lang="ko-KR" altLang="en-US" sz="1000" b="1" dirty="0">
+                  <a:latin typeface="+mn-ea"/>
+                </a:rPr>
+                <a:t>숙련자용</a:t>
+              </a:r>
+              <a:endParaRPr lang="en-US" altLang="ko-KR" sz="1000" b="1" dirty="0">
+                <a:latin typeface="+mn-ea"/>
+              </a:endParaRPr>
+            </a:p>
+          </p:txBody>
+        </p:sp>
+        <p:sp>
+          <p:nvSpPr>
+            <p:cNvPr id="15" name="TextBox 14">
+              <a:extLst>
+                <a:ext uri="{FF2B5EF4-FFF2-40B4-BE49-F238E27FC236}">
+                  <a16:creationId xmlns:a16="http://schemas.microsoft.com/office/drawing/2014/main" id="{F8C22FA6-9BD7-6A9D-4AAC-10D86B3E1977}"/>
+                </a:ext>
+              </a:extLst>
+            </p:cNvPr>
+            <p:cNvSpPr txBox="1"/>
+            <p:nvPr/>
+          </p:nvSpPr>
+          <p:spPr>
+            <a:xfrm>
+              <a:off x="2887856" y="1074464"/>
               <a:ext cx="647934" cy="246221"/>
             </a:xfrm>
             <a:prstGeom prst="rect">
@@ -5383,7 +5429,7 @@
                 <a:rPr lang="ko-KR" altLang="en-US" sz="1000" b="1" dirty="0" err="1">
                   <a:latin typeface="+mn-ea"/>
                 </a:rPr>
-                <a:t>숙련자</a:t>
+                <a:t>한량무</a:t>
               </a:r>
               <a:endParaRPr lang="en-US" altLang="ko-KR" sz="1000" b="1" dirty="0">
                 <a:latin typeface="+mn-ea"/>
@@ -5393,10 +5439,10 @@
         </p:sp>
         <p:sp>
           <p:nvSpPr>
-            <p:cNvPr id="15" name="TextBox 14">
+            <p:cNvPr id="21" name="TextBox 20">
               <a:extLst>
                 <a:ext uri="{FF2B5EF4-FFF2-40B4-BE49-F238E27FC236}">
-                  <a16:creationId xmlns:a16="http://schemas.microsoft.com/office/drawing/2014/main" id="{F8C22FA6-9BD7-6A9D-4AAC-10D86B3E1977}"/>
+                  <a16:creationId xmlns:a16="http://schemas.microsoft.com/office/drawing/2014/main" id="{AA207A59-AA7A-2257-E980-C4C01843E93F}"/>
                 </a:ext>
               </a:extLst>
             </p:cNvPr>
@@ -5405,8 +5451,8 @@
           </p:nvSpPr>
           <p:spPr>
             <a:xfrm>
-              <a:off x="2653721" y="1074464"/>
-              <a:ext cx="1250663" cy="246221"/>
+              <a:off x="3867529" y="1074464"/>
+              <a:ext cx="821059" cy="246221"/>
             </a:xfrm>
             <a:prstGeom prst="rect">
               <a:avLst/>
@@ -5429,53 +5475,7 @@
                 <a:rPr lang="ko-KR" altLang="en-US" sz="1000" b="1" dirty="0">
                   <a:latin typeface="+mn-ea"/>
                 </a:rPr>
-                <a:t>한국의 전통 문화</a:t>
-              </a:r>
-              <a:endParaRPr lang="en-US" altLang="ko-KR" sz="1000" b="1" dirty="0">
-                <a:latin typeface="+mn-ea"/>
-              </a:endParaRPr>
-            </a:p>
-          </p:txBody>
-        </p:sp>
-        <p:sp>
-          <p:nvSpPr>
-            <p:cNvPr id="21" name="TextBox 20">
-              <a:extLst>
-                <a:ext uri="{FF2B5EF4-FFF2-40B4-BE49-F238E27FC236}">
-                  <a16:creationId xmlns:a16="http://schemas.microsoft.com/office/drawing/2014/main" id="{AA207A59-AA7A-2257-E980-C4C01843E93F}"/>
-                </a:ext>
-              </a:extLst>
-            </p:cNvPr>
-            <p:cNvSpPr txBox="1"/>
-            <p:nvPr/>
-          </p:nvSpPr>
-          <p:spPr>
-            <a:xfrm>
-              <a:off x="4130230" y="1074464"/>
-              <a:ext cx="949299" cy="246221"/>
-            </a:xfrm>
-            <a:prstGeom prst="rect">
-              <a:avLst/>
-            </a:prstGeom>
-            <a:noFill/>
-          </p:spPr>
-          <p:txBody>
-            <a:bodyPr wrap="none" rtlCol="0">
-              <a:spAutoFit/>
-            </a:bodyPr>
-            <a:lstStyle/>
-            <a:p>
-              <a:r>
-                <a:rPr lang="en-US" altLang="ko-KR" sz="1000" b="1" dirty="0">
-                  <a:latin typeface="+mn-ea"/>
-                </a:rPr>
-                <a:t>#</a:t>
-              </a:r>
-              <a:r>
-                <a:rPr lang="ko-KR" altLang="en-US" sz="1000" b="1" dirty="0">
-                  <a:latin typeface="+mn-ea"/>
-                </a:rPr>
-                <a:t>무작위 대상</a:t>
+                <a:t>번개 유도</a:t>
               </a:r>
               <a:endParaRPr lang="en-US" altLang="ko-KR" sz="1000" b="1" dirty="0">
                 <a:latin typeface="+mn-ea"/>
@@ -5576,7 +5576,7 @@
           <p:spPr>
             <a:xfrm>
               <a:off x="558667" y="2128115"/>
-              <a:ext cx="6869188" cy="524246"/>
+              <a:ext cx="5237331" cy="524246"/>
             </a:xfrm>
             <a:prstGeom prst="rect">
               <a:avLst/>
@@ -5618,7 +5618,19 @@
                 <a:rPr lang="ko-KR" altLang="en-US" sz="1000" dirty="0">
                   <a:latin typeface="+mn-ea"/>
                 </a:rPr>
-                <a:t>는 번개를 다루는 마법 무기이지만 적에게 접근하고 적의 공격을 피해야 온전한 성능을 발휘하는 무기입니다</a:t>
+                <a:t>는 번개를 다루는 마법 무기이며</a:t>
+              </a:r>
+              <a:r>
+                <a:rPr lang="en-US" altLang="ko-KR" sz="1000" dirty="0">
+                  <a:latin typeface="+mn-ea"/>
+                </a:rPr>
+                <a:t>, </a:t>
+              </a:r>
+              <a:r>
+                <a:rPr lang="ko-KR" altLang="en-US" sz="1000" dirty="0">
+                  <a:latin typeface="+mn-ea"/>
+                </a:rPr>
+                <a:t>적에게 근접해 피해를 극대화하는 무기입니다</a:t>
               </a:r>
               <a:r>
                 <a:rPr lang="en-US" altLang="ko-KR" sz="1000" dirty="0">
@@ -5626,9 +5638,6 @@
                 </a:rPr>
                 <a:t>.</a:t>
               </a:r>
-              <a:endParaRPr lang="en-US" altLang="ko-KR" sz="300" dirty="0">
-                <a:latin typeface="+mn-ea"/>
-              </a:endParaRPr>
             </a:p>
             <a:p>
               <a:pPr marL="171450" indent="-171450">
@@ -5642,7 +5651,7 @@
                 <a:rPr lang="ko-KR" altLang="en-US" sz="1000" dirty="0">
                   <a:latin typeface="+mn-ea"/>
                 </a:rPr>
-                <a:t>하이 리스크 하이 리턴 형 무기로 게임의 전투 방식에 숙련된 유저에게 추천하는 무기입니다</a:t>
+                <a:t>게임의 전투 방식에 숙련된 유저가 사용할 때 효율이 증가하는 무기입니다</a:t>
               </a:r>
               <a:r>
                 <a:rPr lang="en-US" altLang="ko-KR" sz="1000" dirty="0">
@@ -5974,10 +5983,10 @@
         </p:nvGrpSpPr>
         <p:grpSpPr>
           <a:xfrm>
-            <a:off x="360045" y="4979848"/>
-            <a:ext cx="7266432" cy="1009573"/>
-            <a:chOff x="360045" y="5159835"/>
-            <a:chExt cx="7266432" cy="1009573"/>
+            <a:off x="360045" y="4980275"/>
+            <a:ext cx="7266432" cy="1009146"/>
+            <a:chOff x="360045" y="5160262"/>
+            <a:chExt cx="7266432" cy="1009146"/>
           </a:xfrm>
         </p:grpSpPr>
         <p:sp>
@@ -6049,7 +6058,7 @@
           <p:spPr>
             <a:xfrm>
               <a:off x="558667" y="5475441"/>
-              <a:ext cx="6272871" cy="524246"/>
+              <a:ext cx="5407249" cy="524246"/>
             </a:xfrm>
             <a:prstGeom prst="rect">
               <a:avLst/>
@@ -6073,7 +6082,43 @@
                 <a:rPr lang="ko-KR" altLang="en-US" sz="1000" dirty="0">
                   <a:latin typeface="+mn-ea"/>
                 </a:rPr>
-                <a:t>적 대상을 향해 번개가 방출되며 방출된 번개는 적 대상에게 적중 시 주변에 피해를 입히는 무기입니다</a:t>
+                <a:t>부채의 속살</a:t>
+              </a:r>
+              <a:r>
+                <a:rPr lang="en-US" altLang="ko-KR" sz="1000" dirty="0">
+                  <a:latin typeface="+mn-ea"/>
+                </a:rPr>
+                <a:t>(</a:t>
+              </a:r>
+              <a:r>
+                <a:rPr lang="ko-KR" altLang="en-US" sz="1000" dirty="0">
+                  <a:latin typeface="+mn-ea"/>
+                </a:rPr>
+                <a:t>이하 </a:t>
+              </a:r>
+              <a:r>
+                <a:rPr lang="en-US" altLang="ko-KR" sz="1000" dirty="0">
+                  <a:latin typeface="+mn-ea"/>
+                </a:rPr>
+                <a:t>‘</a:t>
+              </a:r>
+              <a:r>
+                <a:rPr lang="ko-KR" altLang="en-US" sz="1000" dirty="0" err="1">
+                  <a:latin typeface="+mn-ea"/>
+                </a:rPr>
+                <a:t>천뢰침</a:t>
+              </a:r>
+              <a:r>
+                <a:rPr lang="en-US" altLang="ko-KR" sz="1000" dirty="0">
+                  <a:latin typeface="+mn-ea"/>
+                </a:rPr>
+                <a:t>‘)</a:t>
+              </a:r>
+              <a:r>
+                <a:rPr lang="ko-KR" altLang="en-US" sz="1000" dirty="0">
+                  <a:latin typeface="+mn-ea"/>
+                </a:rPr>
+                <a:t>을 피뢰침 삼아 번개를 유도하는 무기입니다</a:t>
               </a:r>
               <a:r>
                 <a:rPr lang="en-US" altLang="ko-KR" sz="1000" dirty="0">
@@ -6081,6 +6126,15 @@
                 </a:rPr>
                 <a:t>.</a:t>
               </a:r>
+              <a:r>
+                <a:rPr lang="ko-KR" altLang="en-US" sz="1000" dirty="0">
+                  <a:latin typeface="+mn-ea"/>
+                </a:rPr>
+                <a:t> </a:t>
+              </a:r>
+              <a:endParaRPr lang="en-US" altLang="ko-KR" sz="1000" dirty="0">
+                <a:latin typeface="+mn-ea"/>
+              </a:endParaRPr>
             </a:p>
             <a:p>
               <a:pPr marL="171450" indent="-171450">
@@ -6091,28 +6145,34 @@
                 <a:buChar char="-"/>
               </a:pPr>
               <a:r>
+                <a:rPr lang="ko-KR" altLang="en-US" sz="1000" dirty="0" err="1">
+                  <a:latin typeface="+mn-ea"/>
+                </a:rPr>
+                <a:t>천뢰침</a:t>
+              </a:r>
+              <a:r>
                 <a:rPr lang="ko-KR" altLang="en-US" sz="1000" dirty="0">
                   <a:latin typeface="+mn-ea"/>
                 </a:rPr>
-                <a:t>무작위의 대상에게 번개가 방출되므로 적이 많은 경우 </a:t>
+                <a:t> 중 일부는 적에게 방출할 수 있고 방출된 </a:t>
               </a:r>
               <a:r>
                 <a:rPr lang="ko-KR" altLang="en-US" sz="1000" dirty="0" err="1">
                   <a:latin typeface="+mn-ea"/>
                 </a:rPr>
-                <a:t>피해량이</a:t>
+                <a:t>천뢰침은</a:t>
               </a:r>
               <a:r>
                 <a:rPr lang="ko-KR" altLang="en-US" sz="1000" dirty="0">
                   <a:latin typeface="+mn-ea"/>
                 </a:rPr>
-                <a:t> 분산될 확률이 있습니다</a:t>
+                <a:t> 처음 적중한 적에게 꽂힙니다</a:t>
               </a:r>
               <a:r>
                 <a:rPr lang="en-US" altLang="ko-KR" sz="1000" dirty="0">
                   <a:latin typeface="+mn-ea"/>
                 </a:rPr>
-                <a:t>.</a:t>
+                <a:t>.)</a:t>
               </a:r>
             </a:p>
           </p:txBody>
@@ -6131,8 +6191,8 @@
           </p:nvSpPr>
           <p:spPr>
             <a:xfrm>
-              <a:off x="514733" y="5159835"/>
-              <a:ext cx="2518498" cy="290916"/>
+              <a:off x="514733" y="5160262"/>
+              <a:ext cx="1476179" cy="290916"/>
             </a:xfrm>
             <a:prstGeom prst="roundRect">
               <a:avLst/>
@@ -6162,7 +6222,7 @@
                   </a:solidFill>
                   <a:latin typeface="+mn-ea"/>
                 </a:rPr>
-                <a:t>적을 피뢰침 삼아 번개를 방출하는 무기</a:t>
+                <a:t>번개를 유도하는 무기</a:t>
               </a:r>
             </a:p>
           </p:txBody>
@@ -7293,7 +7353,7 @@
         </p:nvSpPr>
         <p:spPr>
           <a:xfrm>
-            <a:off x="302108" y="1964722"/>
+            <a:off x="7668108" y="6946910"/>
             <a:ext cx="2024913" cy="261610"/>
           </a:xfrm>
           <a:prstGeom prst="rect">
@@ -7339,7 +7399,7 @@
         </p:nvSpPr>
         <p:spPr>
           <a:xfrm>
-            <a:off x="533925" y="2226844"/>
+            <a:off x="7899925" y="7209032"/>
             <a:ext cx="5112297" cy="293414"/>
           </a:xfrm>
           <a:prstGeom prst="rect">
@@ -7498,7 +7558,7 @@
         </p:nvSpPr>
         <p:spPr>
           <a:xfrm>
-            <a:off x="302108" y="3031214"/>
+            <a:off x="7668108" y="8013402"/>
             <a:ext cx="2920992" cy="261610"/>
           </a:xfrm>
           <a:prstGeom prst="rect">
@@ -7544,7 +7604,7 @@
         </p:nvSpPr>
         <p:spPr>
           <a:xfrm>
-            <a:off x="533925" y="3292824"/>
+            <a:off x="7899925" y="8275012"/>
             <a:ext cx="3621504" cy="293414"/>
           </a:xfrm>
           <a:prstGeom prst="rect">
@@ -7588,104 +7648,6 @@
       </p:sp>
       <p:sp>
         <p:nvSpPr>
-          <p:cNvPr id="18" name="TextBox 17">
-            <a:extLst>
-              <a:ext uri="{FF2B5EF4-FFF2-40B4-BE49-F238E27FC236}">
-                <a16:creationId xmlns:a16="http://schemas.microsoft.com/office/drawing/2014/main" id="{24433684-9BF3-44C1-1275-9DF4631442C0}"/>
-              </a:ext>
-            </a:extLst>
-          </p:cNvPr>
-          <p:cNvSpPr txBox="1"/>
-          <p:nvPr/>
-        </p:nvSpPr>
-        <p:spPr>
-          <a:xfrm>
-            <a:off x="1779942" y="1073807"/>
-            <a:ext cx="692818" cy="246221"/>
-          </a:xfrm>
-          <a:prstGeom prst="rect">
-            <a:avLst/>
-          </a:prstGeom>
-          <a:noFill/>
-        </p:spPr>
-        <p:txBody>
-          <a:bodyPr wrap="none" rtlCol="0">
-            <a:spAutoFit/>
-          </a:bodyPr>
-          <a:lstStyle/>
-          <a:p>
-            <a:r>
-              <a:rPr lang="en-US" altLang="ko-KR" sz="1000" b="1" dirty="0">
-                <a:latin typeface="+mn-ea"/>
-              </a:rPr>
-              <a:t>#</a:t>
-            </a:r>
-            <a:r>
-              <a:rPr lang="ko-KR" altLang="en-US" sz="1000" b="1" dirty="0">
-                <a:latin typeface="+mn-ea"/>
-              </a:rPr>
-              <a:t>단일 적</a:t>
-            </a:r>
-            <a:endParaRPr lang="en-US" altLang="ko-KR" sz="1000" b="1" dirty="0">
-              <a:latin typeface="+mn-ea"/>
-            </a:endParaRPr>
-          </a:p>
-        </p:txBody>
-      </p:sp>
-      <p:sp>
-        <p:nvSpPr>
-          <p:cNvPr id="21" name="TextBox 20">
-            <a:extLst>
-              <a:ext uri="{FF2B5EF4-FFF2-40B4-BE49-F238E27FC236}">
-                <a16:creationId xmlns:a16="http://schemas.microsoft.com/office/drawing/2014/main" id="{42E55706-B664-C6A7-C74F-AACAC32639A5}"/>
-              </a:ext>
-            </a:extLst>
-          </p:cNvPr>
-          <p:cNvSpPr txBox="1"/>
-          <p:nvPr/>
-        </p:nvSpPr>
-        <p:spPr>
-          <a:xfrm>
-            <a:off x="2827666" y="1073807"/>
-            <a:ext cx="949299" cy="246221"/>
-          </a:xfrm>
-          <a:prstGeom prst="rect">
-            <a:avLst/>
-          </a:prstGeom>
-          <a:noFill/>
-        </p:spPr>
-        <p:txBody>
-          <a:bodyPr wrap="none" rtlCol="0">
-            <a:spAutoFit/>
-          </a:bodyPr>
-          <a:lstStyle/>
-          <a:p>
-            <a:r>
-              <a:rPr lang="en-US" altLang="ko-KR" sz="1000" b="1" dirty="0">
-                <a:latin typeface="+mn-ea"/>
-              </a:rPr>
-              <a:t>#</a:t>
-            </a:r>
-            <a:r>
-              <a:rPr lang="ko-KR" altLang="en-US" sz="1000" b="1" dirty="0">
-                <a:latin typeface="+mn-ea"/>
-              </a:rPr>
-              <a:t>빠른 </a:t>
-            </a:r>
-            <a:r>
-              <a:rPr lang="ko-KR" altLang="en-US" sz="1000" b="1" dirty="0" err="1">
-                <a:latin typeface="+mn-ea"/>
-              </a:rPr>
-              <a:t>선후딜</a:t>
-            </a:r>
-            <a:endParaRPr lang="en-US" altLang="ko-KR" sz="1000" b="1" dirty="0">
-              <a:latin typeface="+mn-ea"/>
-            </a:endParaRPr>
-          </a:p>
-        </p:txBody>
-      </p:sp>
-      <p:sp>
-        <p:nvSpPr>
           <p:cNvPr id="24" name="TextBox 23">
             <a:extLst>
               <a:ext uri="{FF2B5EF4-FFF2-40B4-BE49-F238E27FC236}">
@@ -7698,7 +7660,7 @@
         </p:nvSpPr>
         <p:spPr>
           <a:xfrm>
-            <a:off x="302108" y="4097706"/>
+            <a:off x="7668108" y="9079894"/>
             <a:ext cx="1348446" cy="261610"/>
           </a:xfrm>
           <a:prstGeom prst="rect">
@@ -7756,7 +7718,7 @@
         </p:nvSpPr>
         <p:spPr>
           <a:xfrm>
-            <a:off x="533925" y="4359316"/>
+            <a:off x="7899925" y="9341504"/>
             <a:ext cx="3621504" cy="293414"/>
           </a:xfrm>
           <a:prstGeom prst="rect">
@@ -7798,1041 +7760,1064 @@
           </a:p>
         </p:txBody>
       </p:sp>
-      <p:sp>
-        <p:nvSpPr>
-          <p:cNvPr id="26" name="TextBox 25">
+      <p:grpSp>
+        <p:nvGrpSpPr>
+          <p:cNvPr id="23" name="그룹 22">
             <a:extLst>
               <a:ext uri="{FF2B5EF4-FFF2-40B4-BE49-F238E27FC236}">
-                <a16:creationId xmlns:a16="http://schemas.microsoft.com/office/drawing/2014/main" id="{A144A91C-A705-C757-D485-5B6D929DF9AC}"/>
+                <a16:creationId xmlns:a16="http://schemas.microsoft.com/office/drawing/2014/main" id="{480C5BA3-BFAB-6563-96D5-E9674333F63E}"/>
               </a:ext>
             </a:extLst>
           </p:cNvPr>
-          <p:cNvSpPr txBox="1"/>
+          <p:cNvGrpSpPr/>
           <p:nvPr/>
-        </p:nvSpPr>
-        <p:spPr>
+        </p:nvGrpSpPr>
+        <p:grpSpPr>
           <a:xfrm>
-            <a:off x="5978048" y="129572"/>
-            <a:ext cx="6205545" cy="7449219"/>
+            <a:off x="1779942" y="1073807"/>
+            <a:ext cx="3129061" cy="246221"/>
+            <a:chOff x="1779942" y="1073807"/>
+            <a:chExt cx="3129061" cy="246221"/>
           </a:xfrm>
-          <a:prstGeom prst="rect">
-            <a:avLst/>
-          </a:prstGeom>
-          <a:noFill/>
-        </p:spPr>
-        <p:txBody>
-          <a:bodyPr wrap="none" rtlCol="0" anchor="ctr">
-            <a:spAutoFit/>
-          </a:bodyPr>
-          <a:lstStyle/>
-          <a:p>
-            <a:pPr>
-              <a:lnSpc>
-                <a:spcPct val="150000"/>
-              </a:lnSpc>
-            </a:pPr>
-            <a:r>
-              <a:rPr lang="ko-KR" altLang="en-US" sz="1000" dirty="0">
+        </p:grpSpPr>
+        <p:sp>
+          <p:nvSpPr>
+            <p:cNvPr id="18" name="TextBox 17">
+              <a:extLst>
+                <a:ext uri="{FF2B5EF4-FFF2-40B4-BE49-F238E27FC236}">
+                  <a16:creationId xmlns:a16="http://schemas.microsoft.com/office/drawing/2014/main" id="{24433684-9BF3-44C1-1275-9DF4631442C0}"/>
+                </a:ext>
+              </a:extLst>
+            </p:cNvPr>
+            <p:cNvSpPr txBox="1"/>
+            <p:nvPr/>
+          </p:nvSpPr>
+          <p:spPr>
+            <a:xfrm>
+              <a:off x="1779942" y="1073807"/>
+              <a:ext cx="821059" cy="246221"/>
+            </a:xfrm>
+            <a:prstGeom prst="rect">
+              <a:avLst/>
+            </a:prstGeom>
+            <a:noFill/>
+          </p:spPr>
+          <p:txBody>
+            <a:bodyPr wrap="none" rtlCol="0">
+              <a:spAutoFit/>
+            </a:bodyPr>
+            <a:lstStyle/>
+            <a:p>
+              <a:r>
+                <a:rPr lang="en-US" altLang="ko-KR" sz="1000" b="1" dirty="0">
+                  <a:latin typeface="+mn-ea"/>
+                </a:rPr>
+                <a:t>#</a:t>
+              </a:r>
+              <a:r>
+                <a:rPr lang="ko-KR" altLang="en-US" sz="1000" b="1" dirty="0">
+                  <a:latin typeface="+mn-ea"/>
+                </a:rPr>
+                <a:t>근접 전투</a:t>
+              </a:r>
+              <a:endParaRPr lang="en-US" altLang="ko-KR" sz="1000" b="1" dirty="0">
                 <a:latin typeface="+mn-ea"/>
-              </a:rPr>
-              <a:t>무기를 피뢰침 삼아 번개를 방출 </a:t>
-            </a:r>
-            <a:r>
-              <a:rPr lang="en-US" altLang="ko-KR" sz="1000" dirty="0">
+              </a:endParaRPr>
+            </a:p>
+          </p:txBody>
+        </p:sp>
+        <p:sp>
+          <p:nvSpPr>
+            <p:cNvPr id="21" name="TextBox 20">
+              <a:extLst>
+                <a:ext uri="{FF2B5EF4-FFF2-40B4-BE49-F238E27FC236}">
+                  <a16:creationId xmlns:a16="http://schemas.microsoft.com/office/drawing/2014/main" id="{42E55706-B664-C6A7-C74F-AACAC32639A5}"/>
+                </a:ext>
+              </a:extLst>
+            </p:cNvPr>
+            <p:cNvSpPr txBox="1"/>
+            <p:nvPr/>
+          </p:nvSpPr>
+          <p:spPr>
+            <a:xfrm>
+              <a:off x="2907494" y="1073807"/>
+              <a:ext cx="949299" cy="246221"/>
+            </a:xfrm>
+            <a:prstGeom prst="rect">
+              <a:avLst/>
+            </a:prstGeom>
+            <a:noFill/>
+          </p:spPr>
+          <p:txBody>
+            <a:bodyPr wrap="none" rtlCol="0">
+              <a:spAutoFit/>
+            </a:bodyPr>
+            <a:lstStyle/>
+            <a:p>
+              <a:r>
+                <a:rPr lang="en-US" altLang="ko-KR" sz="1000" b="1" dirty="0">
+                  <a:latin typeface="+mn-ea"/>
+                </a:rPr>
+                <a:t>#</a:t>
+              </a:r>
+              <a:r>
+                <a:rPr lang="ko-KR" altLang="en-US" sz="1000" b="1" dirty="0">
+                  <a:latin typeface="+mn-ea"/>
+                </a:rPr>
+                <a:t>보호막 유지</a:t>
+              </a:r>
+              <a:endParaRPr lang="en-US" altLang="ko-KR" sz="1000" b="1" dirty="0">
                 <a:latin typeface="+mn-ea"/>
-              </a:rPr>
-              <a:t>(</a:t>
-            </a:r>
-            <a:r>
-              <a:rPr lang="ko-KR" altLang="en-US" sz="1000" dirty="0">
+              </a:endParaRPr>
+            </a:p>
+          </p:txBody>
+        </p:sp>
+        <p:sp>
+          <p:nvSpPr>
+            <p:cNvPr id="13" name="TextBox 12">
+              <a:extLst>
+                <a:ext uri="{FF2B5EF4-FFF2-40B4-BE49-F238E27FC236}">
+                  <a16:creationId xmlns:a16="http://schemas.microsoft.com/office/drawing/2014/main" id="{1BFECC6F-0744-CCF7-2B4B-F566DCB83A4E}"/>
+                </a:ext>
+              </a:extLst>
+            </p:cNvPr>
+            <p:cNvSpPr txBox="1"/>
+            <p:nvPr/>
+          </p:nvSpPr>
+          <p:spPr>
+            <a:xfrm>
+              <a:off x="4163286" y="1073807"/>
+              <a:ext cx="745717" cy="246221"/>
+            </a:xfrm>
+            <a:prstGeom prst="rect">
+              <a:avLst/>
+            </a:prstGeom>
+            <a:noFill/>
+          </p:spPr>
+          <p:txBody>
+            <a:bodyPr wrap="none" rtlCol="0">
+              <a:spAutoFit/>
+            </a:bodyPr>
+            <a:lstStyle/>
+            <a:p>
+              <a:r>
+                <a:rPr lang="en-US" altLang="ko-KR" sz="1000" b="1" dirty="0">
+                  <a:latin typeface="+mn-ea"/>
+                </a:rPr>
+                <a:t>#1:1 </a:t>
+              </a:r>
+              <a:r>
+                <a:rPr lang="ko-KR" altLang="en-US" sz="1000" b="1" dirty="0">
+                  <a:latin typeface="+mn-ea"/>
+                </a:rPr>
+                <a:t>특화</a:t>
+              </a:r>
+              <a:endParaRPr lang="en-US" altLang="ko-KR" sz="1000" b="1" dirty="0">
                 <a:latin typeface="+mn-ea"/>
-              </a:rPr>
-              <a:t>원거리로 갈수록 번개가 여러 갈래로 흩어진다</a:t>
-            </a:r>
-            <a:r>
-              <a:rPr lang="en-US" altLang="ko-KR" sz="1000" dirty="0">
-                <a:latin typeface="+mn-ea"/>
-              </a:rPr>
-              <a:t>.)</a:t>
-            </a:r>
-          </a:p>
-          <a:p>
-            <a:pPr marL="171450" indent="-171450">
-              <a:lnSpc>
-                <a:spcPct val="150000"/>
-              </a:lnSpc>
-              <a:buFontTx/>
-              <a:buChar char="-"/>
-            </a:pPr>
-            <a:r>
-              <a:rPr lang="ko-KR" altLang="en-US" sz="1000" dirty="0">
-                <a:latin typeface="+mn-ea"/>
-              </a:rPr>
-              <a:t>근거리</a:t>
-            </a:r>
-            <a:r>
-              <a:rPr lang="en-US" altLang="ko-KR" sz="1000" dirty="0">
-                <a:latin typeface="+mn-ea"/>
-              </a:rPr>
-              <a:t>: </a:t>
-            </a:r>
-            <a:r>
-              <a:rPr lang="ko-KR" altLang="en-US" sz="1000" dirty="0">
-                <a:latin typeface="+mn-ea"/>
-              </a:rPr>
-              <a:t>번개가 한 갈래로 뭉쳐 있어 관통 효과를 준다</a:t>
-            </a:r>
-            <a:r>
-              <a:rPr lang="en-US" altLang="ko-KR" sz="1000" dirty="0">
-                <a:latin typeface="+mn-ea"/>
-              </a:rPr>
-              <a:t>.</a:t>
-            </a:r>
-          </a:p>
-          <a:p>
-            <a:pPr marL="171450" indent="-171450">
-              <a:lnSpc>
-                <a:spcPct val="150000"/>
-              </a:lnSpc>
-              <a:buFontTx/>
-              <a:buChar char="-"/>
-            </a:pPr>
-            <a:r>
-              <a:rPr lang="ko-KR" altLang="en-US" sz="1000" dirty="0">
-                <a:latin typeface="+mn-ea"/>
-              </a:rPr>
-              <a:t>원거리</a:t>
-            </a:r>
-            <a:r>
-              <a:rPr lang="en-US" altLang="ko-KR" sz="1000" dirty="0">
-                <a:latin typeface="+mn-ea"/>
-              </a:rPr>
-              <a:t>(</a:t>
-            </a:r>
-            <a:r>
-              <a:rPr lang="ko-KR" altLang="en-US" sz="1000" dirty="0">
-                <a:latin typeface="+mn-ea"/>
-              </a:rPr>
-              <a:t>스킬의 사정거리 끝</a:t>
-            </a:r>
-            <a:r>
-              <a:rPr lang="en-US" altLang="ko-KR" sz="1000" dirty="0">
-                <a:latin typeface="+mn-ea"/>
-              </a:rPr>
-              <a:t>): </a:t>
-            </a:r>
-            <a:r>
-              <a:rPr lang="ko-KR" altLang="en-US" sz="1000" dirty="0">
-                <a:latin typeface="+mn-ea"/>
-              </a:rPr>
-              <a:t>번개가 여러 갈래로 흩어져 광역으로 피해를 입힌다</a:t>
-            </a:r>
-            <a:r>
-              <a:rPr lang="en-US" altLang="ko-KR" sz="1000" dirty="0">
-                <a:latin typeface="+mn-ea"/>
-              </a:rPr>
-              <a:t>.</a:t>
-            </a:r>
-          </a:p>
-          <a:p>
-            <a:pPr>
-              <a:lnSpc>
-                <a:spcPct val="150000"/>
-              </a:lnSpc>
-            </a:pPr>
-            <a:endParaRPr lang="en-US" altLang="ko-KR" sz="1000" dirty="0">
-              <a:latin typeface="+mn-ea"/>
-            </a:endParaRPr>
-          </a:p>
-          <a:p>
-            <a:pPr>
-              <a:lnSpc>
-                <a:spcPct val="150000"/>
-              </a:lnSpc>
-            </a:pPr>
-            <a:r>
-              <a:rPr lang="ko-KR" altLang="en-US" sz="1000" dirty="0">
-                <a:latin typeface="+mn-ea"/>
-              </a:rPr>
-              <a:t>방출된 번개의 효과</a:t>
-            </a:r>
-            <a:endParaRPr lang="en-US" altLang="ko-KR" sz="1000" dirty="0">
-              <a:latin typeface="+mn-ea"/>
-            </a:endParaRPr>
-          </a:p>
-          <a:p>
-            <a:pPr marL="171450" indent="-171450">
-              <a:lnSpc>
-                <a:spcPct val="150000"/>
-              </a:lnSpc>
-              <a:buFontTx/>
-              <a:buChar char="-"/>
-            </a:pPr>
-            <a:r>
-              <a:rPr lang="ko-KR" altLang="en-US" sz="1000" dirty="0">
-                <a:latin typeface="+mn-ea"/>
-              </a:rPr>
-              <a:t>근거리</a:t>
-            </a:r>
-            <a:r>
-              <a:rPr lang="en-US" altLang="ko-KR" sz="1000" dirty="0">
-                <a:latin typeface="+mn-ea"/>
-              </a:rPr>
-              <a:t>: </a:t>
-            </a:r>
-            <a:r>
-              <a:rPr lang="ko-KR" altLang="en-US" sz="1000" dirty="0" err="1">
-                <a:latin typeface="+mn-ea"/>
-              </a:rPr>
-              <a:t>피해량</a:t>
-            </a:r>
-            <a:r>
-              <a:rPr lang="ko-KR" altLang="en-US" sz="1000" dirty="0">
-                <a:latin typeface="+mn-ea"/>
-              </a:rPr>
-              <a:t> </a:t>
-            </a:r>
-            <a:r>
-              <a:rPr lang="en-US" altLang="ko-KR" sz="1000" dirty="0">
-                <a:latin typeface="+mn-ea"/>
-              </a:rPr>
-              <a:t>100% </a:t>
-            </a:r>
-            <a:r>
-              <a:rPr lang="ko-KR" altLang="en-US" sz="1000" dirty="0">
-                <a:latin typeface="+mn-ea"/>
-              </a:rPr>
-              <a:t>적용</a:t>
-            </a:r>
-            <a:r>
-              <a:rPr lang="en-US" altLang="ko-KR" sz="1000" dirty="0">
-                <a:latin typeface="+mn-ea"/>
-              </a:rPr>
-              <a:t>, </a:t>
-            </a:r>
-            <a:r>
-              <a:rPr lang="ko-KR" altLang="en-US" sz="1000" dirty="0">
-                <a:latin typeface="+mn-ea"/>
-              </a:rPr>
-              <a:t>관통 효과</a:t>
-            </a:r>
-            <a:r>
-              <a:rPr lang="en-US" altLang="ko-KR" sz="1000" dirty="0">
-                <a:latin typeface="+mn-ea"/>
-              </a:rPr>
-              <a:t>(</a:t>
-            </a:r>
-            <a:r>
-              <a:rPr lang="ko-KR" altLang="en-US" sz="1000" dirty="0">
-                <a:latin typeface="+mn-ea"/>
-              </a:rPr>
-              <a:t>방어력 일부 무시</a:t>
-            </a:r>
-            <a:r>
-              <a:rPr lang="en-US" altLang="ko-KR" sz="1000" dirty="0">
-                <a:latin typeface="+mn-ea"/>
-              </a:rPr>
-              <a:t>, </a:t>
-            </a:r>
-            <a:r>
-              <a:rPr lang="ko-KR" altLang="en-US" sz="1000" dirty="0">
-                <a:latin typeface="+mn-ea"/>
-              </a:rPr>
-              <a:t>감전 상태의 적에게 </a:t>
-            </a:r>
-            <a:r>
-              <a:rPr lang="en-US" altLang="ko-KR" sz="1000" dirty="0">
-                <a:latin typeface="+mn-ea"/>
-              </a:rPr>
-              <a:t>20%</a:t>
-            </a:r>
-            <a:r>
-              <a:rPr lang="ko-KR" altLang="en-US" sz="1000" dirty="0">
-                <a:latin typeface="+mn-ea"/>
-              </a:rPr>
-              <a:t> 증가된 효과로 적용</a:t>
-            </a:r>
-            <a:r>
-              <a:rPr lang="en-US" altLang="ko-KR" sz="1000" dirty="0">
-                <a:latin typeface="+mn-ea"/>
-              </a:rPr>
-              <a:t>)</a:t>
-            </a:r>
-          </a:p>
-          <a:p>
-            <a:pPr marL="171450" indent="-171450">
-              <a:lnSpc>
-                <a:spcPct val="150000"/>
-              </a:lnSpc>
-              <a:buFontTx/>
-              <a:buChar char="-"/>
-            </a:pPr>
-            <a:r>
-              <a:rPr lang="ko-KR" altLang="en-US" sz="1000" dirty="0">
-                <a:latin typeface="+mn-ea"/>
-              </a:rPr>
-              <a:t>원거리</a:t>
-            </a:r>
-            <a:r>
-              <a:rPr lang="en-US" altLang="ko-KR" sz="1000" dirty="0">
-                <a:latin typeface="+mn-ea"/>
-              </a:rPr>
-              <a:t>: </a:t>
-            </a:r>
-            <a:r>
-              <a:rPr lang="ko-KR" altLang="en-US" sz="1000" dirty="0" err="1">
-                <a:latin typeface="+mn-ea"/>
-              </a:rPr>
-              <a:t>피해량</a:t>
-            </a:r>
-            <a:r>
-              <a:rPr lang="ko-KR" altLang="en-US" sz="1000" dirty="0">
-                <a:latin typeface="+mn-ea"/>
-              </a:rPr>
-              <a:t> </a:t>
-            </a:r>
-            <a:r>
-              <a:rPr lang="en-US" altLang="ko-KR" sz="1000" dirty="0">
-                <a:latin typeface="+mn-ea"/>
-              </a:rPr>
-              <a:t>20%</a:t>
-            </a:r>
-            <a:r>
-              <a:rPr lang="ko-KR" altLang="en-US" sz="1000" dirty="0">
-                <a:latin typeface="+mn-ea"/>
-              </a:rPr>
-              <a:t>만 적용</a:t>
-            </a:r>
-            <a:r>
-              <a:rPr lang="en-US" altLang="ko-KR" sz="1000" dirty="0">
-                <a:latin typeface="+mn-ea"/>
-              </a:rPr>
-              <a:t>, </a:t>
-            </a:r>
-            <a:r>
-              <a:rPr lang="ko-KR" altLang="en-US" sz="1000" dirty="0">
-                <a:latin typeface="+mn-ea"/>
-              </a:rPr>
-              <a:t>적중된 적 감전 부여</a:t>
-            </a:r>
-            <a:endParaRPr lang="en-US" altLang="ko-KR" sz="1000" dirty="0">
-              <a:latin typeface="+mn-ea"/>
-            </a:endParaRPr>
-          </a:p>
-          <a:p>
-            <a:pPr marL="171450" indent="-171450">
-              <a:lnSpc>
-                <a:spcPct val="150000"/>
-              </a:lnSpc>
-              <a:buFontTx/>
-              <a:buChar char="-"/>
-            </a:pPr>
-            <a:endParaRPr lang="en-US" altLang="ko-KR" sz="1000" dirty="0">
-              <a:latin typeface="+mn-ea"/>
-            </a:endParaRPr>
-          </a:p>
-          <a:p>
-            <a:pPr marL="171450" indent="-171450">
-              <a:lnSpc>
-                <a:spcPct val="150000"/>
-              </a:lnSpc>
-              <a:buFontTx/>
-              <a:buChar char="-"/>
-            </a:pPr>
-            <a:r>
-              <a:rPr lang="en-US" altLang="ko-KR" sz="1000" dirty="0">
-                <a:latin typeface="+mn-ea"/>
-              </a:rPr>
-              <a:t>&gt; </a:t>
-            </a:r>
-            <a:r>
-              <a:rPr lang="ko-KR" altLang="en-US" sz="1000" dirty="0">
-                <a:latin typeface="+mn-ea"/>
-              </a:rPr>
-              <a:t>이 경우 스킬 사용성이 불편함</a:t>
-            </a:r>
-            <a:r>
-              <a:rPr lang="en-US" altLang="ko-KR" sz="1000" dirty="0">
-                <a:latin typeface="+mn-ea"/>
-              </a:rPr>
-              <a:t>. </a:t>
-            </a:r>
-          </a:p>
-          <a:p>
-            <a:pPr marL="171450" indent="-171450">
-              <a:lnSpc>
-                <a:spcPct val="150000"/>
-              </a:lnSpc>
-              <a:buFontTx/>
-              <a:buChar char="-"/>
-            </a:pPr>
-            <a:r>
-              <a:rPr lang="ko-KR" altLang="en-US" sz="1000" dirty="0">
-                <a:latin typeface="+mn-ea"/>
-              </a:rPr>
-              <a:t>감전을 부여하기 위해 스킬의 사정거리 끝을 어림짐작에 공격해야 함</a:t>
-            </a:r>
-            <a:r>
-              <a:rPr lang="en-US" altLang="ko-KR" sz="1000" dirty="0">
-                <a:latin typeface="+mn-ea"/>
-              </a:rPr>
-              <a:t>.</a:t>
-            </a:r>
-          </a:p>
-          <a:p>
-            <a:pPr marL="171450" indent="-171450">
-              <a:lnSpc>
-                <a:spcPct val="150000"/>
-              </a:lnSpc>
-              <a:buFontTx/>
-              <a:buChar char="-"/>
-            </a:pPr>
-            <a:r>
-              <a:rPr lang="ko-KR" altLang="en-US" sz="1000" dirty="0">
-                <a:latin typeface="+mn-ea"/>
-              </a:rPr>
-              <a:t>그리고 대상을 지정하는 스킬이 아니므로 근거리</a:t>
-            </a:r>
-            <a:r>
-              <a:rPr lang="en-US" altLang="ko-KR" sz="1000" dirty="0">
-                <a:latin typeface="+mn-ea"/>
-              </a:rPr>
-              <a:t>/</a:t>
-            </a:r>
-            <a:r>
-              <a:rPr lang="ko-KR" altLang="en-US" sz="1000" dirty="0">
-                <a:latin typeface="+mn-ea"/>
-              </a:rPr>
-              <a:t>원거리 구분이 애매함</a:t>
-            </a:r>
-            <a:r>
-              <a:rPr lang="en-US" altLang="ko-KR" sz="1000" dirty="0">
-                <a:latin typeface="+mn-ea"/>
-              </a:rPr>
-              <a:t>. </a:t>
-            </a:r>
-          </a:p>
-          <a:p>
-            <a:pPr marL="171450" indent="-171450">
-              <a:lnSpc>
-                <a:spcPct val="150000"/>
-              </a:lnSpc>
-              <a:buFontTx/>
-              <a:buChar char="-"/>
-            </a:pPr>
-            <a:r>
-              <a:rPr lang="ko-KR" altLang="en-US" sz="1000" dirty="0">
-                <a:latin typeface="+mn-ea"/>
-              </a:rPr>
-              <a:t>롤의 </a:t>
-            </a:r>
-            <a:r>
-              <a:rPr lang="ko-KR" altLang="en-US" sz="1000" dirty="0" err="1">
-                <a:latin typeface="+mn-ea"/>
-              </a:rPr>
-              <a:t>스웨인</a:t>
-            </a:r>
-            <a:r>
-              <a:rPr lang="ko-KR" altLang="en-US" sz="1000" dirty="0">
-                <a:latin typeface="+mn-ea"/>
-              </a:rPr>
-              <a:t> </a:t>
-            </a:r>
-            <a:r>
-              <a:rPr lang="en-US" altLang="ko-KR" sz="1000" dirty="0">
-                <a:latin typeface="+mn-ea"/>
-              </a:rPr>
-              <a:t>Q </a:t>
-            </a:r>
-            <a:r>
-              <a:rPr lang="ko-KR" altLang="en-US" sz="1000" dirty="0">
-                <a:latin typeface="+mn-ea"/>
-              </a:rPr>
-              <a:t>처럼 퍼지는 스킬</a:t>
-            </a:r>
-            <a:r>
-              <a:rPr lang="en-US" altLang="ko-KR" sz="1000" dirty="0">
-                <a:latin typeface="+mn-ea"/>
-              </a:rPr>
-              <a:t>?</a:t>
-            </a:r>
-          </a:p>
-          <a:p>
-            <a:pPr marL="171450" indent="-171450">
-              <a:lnSpc>
-                <a:spcPct val="150000"/>
-              </a:lnSpc>
-              <a:buFontTx/>
-              <a:buChar char="-"/>
-            </a:pPr>
-            <a:endParaRPr lang="en-US" altLang="ko-KR" sz="1000" dirty="0">
-              <a:latin typeface="+mn-ea"/>
-            </a:endParaRPr>
-          </a:p>
-          <a:p>
-            <a:pPr>
-              <a:lnSpc>
-                <a:spcPct val="150000"/>
-              </a:lnSpc>
-            </a:pPr>
-            <a:r>
-              <a:rPr lang="en-US" altLang="ko-KR" sz="1000" dirty="0">
-                <a:latin typeface="+mn-ea"/>
-              </a:rPr>
-              <a:t>(</a:t>
-            </a:r>
-            <a:r>
-              <a:rPr lang="ko-KR" altLang="en-US" sz="1000" dirty="0">
-                <a:latin typeface="+mn-ea"/>
-              </a:rPr>
-              <a:t>아이디어 </a:t>
-            </a:r>
-            <a:r>
-              <a:rPr lang="en-US" altLang="ko-KR" sz="1000" dirty="0">
-                <a:latin typeface="+mn-ea"/>
-              </a:rPr>
-              <a:t>1)</a:t>
-            </a:r>
-          </a:p>
-          <a:p>
-            <a:pPr marL="171450" indent="-171450">
-              <a:lnSpc>
-                <a:spcPct val="150000"/>
-              </a:lnSpc>
-              <a:buFontTx/>
-              <a:buChar char="-"/>
-            </a:pPr>
-            <a:r>
-              <a:rPr lang="ko-KR" altLang="en-US" sz="1000" dirty="0">
-                <a:latin typeface="+mn-ea"/>
-              </a:rPr>
-              <a:t>방출된 번개는 처음 적중한 적 주변으로 퍼져 나간다</a:t>
-            </a:r>
-            <a:r>
-              <a:rPr lang="en-US" altLang="ko-KR" sz="1000" dirty="0">
-                <a:latin typeface="+mn-ea"/>
-              </a:rPr>
-              <a:t>.</a:t>
-            </a:r>
-          </a:p>
-          <a:p>
-            <a:pPr marL="171450" indent="-171450">
-              <a:lnSpc>
-                <a:spcPct val="150000"/>
-              </a:lnSpc>
-              <a:buFontTx/>
-              <a:buChar char="-"/>
-            </a:pPr>
-            <a:r>
-              <a:rPr lang="ko-KR" altLang="en-US" sz="1000" dirty="0">
-                <a:latin typeface="+mn-ea"/>
-              </a:rPr>
-              <a:t>처음 적중 </a:t>
-            </a:r>
-            <a:r>
-              <a:rPr lang="en-US" altLang="ko-KR" sz="1000" dirty="0">
-                <a:latin typeface="+mn-ea"/>
-              </a:rPr>
-              <a:t>100% </a:t>
-            </a:r>
-            <a:r>
-              <a:rPr lang="ko-KR" altLang="en-US" sz="1000" dirty="0">
-                <a:latin typeface="+mn-ea"/>
-              </a:rPr>
-              <a:t>피해</a:t>
-            </a:r>
-            <a:r>
-              <a:rPr lang="en-US" altLang="ko-KR" sz="1000" dirty="0">
-                <a:latin typeface="+mn-ea"/>
-              </a:rPr>
-              <a:t>, </a:t>
-            </a:r>
-            <a:r>
-              <a:rPr lang="ko-KR" altLang="en-US" sz="1000" dirty="0">
-                <a:latin typeface="+mn-ea"/>
-              </a:rPr>
-              <a:t>그 다음 </a:t>
-            </a:r>
-            <a:r>
-              <a:rPr lang="ko-KR" altLang="en-US" sz="1000" dirty="0" err="1">
-                <a:latin typeface="+mn-ea"/>
-              </a:rPr>
-              <a:t>퍼져나간</a:t>
-            </a:r>
-            <a:r>
-              <a:rPr lang="ko-KR" altLang="en-US" sz="1000" dirty="0">
-                <a:latin typeface="+mn-ea"/>
-              </a:rPr>
-              <a:t> 수 만큼 감소</a:t>
-            </a:r>
-            <a:r>
-              <a:rPr lang="en-US" altLang="ko-KR" sz="1000" dirty="0">
-                <a:latin typeface="+mn-ea"/>
-              </a:rPr>
-              <a:t>??</a:t>
-            </a:r>
-          </a:p>
-          <a:p>
-            <a:pPr marL="171450" indent="-171450">
-              <a:lnSpc>
-                <a:spcPct val="150000"/>
-              </a:lnSpc>
-              <a:buFontTx/>
-              <a:buChar char="-"/>
-            </a:pPr>
-            <a:endParaRPr lang="en-US" altLang="ko-KR" sz="1000" dirty="0">
-              <a:latin typeface="+mn-ea"/>
-            </a:endParaRPr>
-          </a:p>
-          <a:p>
-            <a:pPr>
-              <a:lnSpc>
-                <a:spcPct val="150000"/>
-              </a:lnSpc>
-            </a:pPr>
-            <a:r>
-              <a:rPr lang="en-US" altLang="ko-KR" sz="1000" dirty="0">
-                <a:latin typeface="+mn-ea"/>
-              </a:rPr>
-              <a:t>(</a:t>
-            </a:r>
-            <a:r>
-              <a:rPr lang="ko-KR" altLang="en-US" sz="1000" dirty="0">
-                <a:latin typeface="+mn-ea"/>
-              </a:rPr>
-              <a:t>아이디어 </a:t>
-            </a:r>
-            <a:r>
-              <a:rPr lang="en-US" altLang="ko-KR" sz="1000" dirty="0">
-                <a:latin typeface="+mn-ea"/>
-              </a:rPr>
-              <a:t>2)</a:t>
-            </a:r>
-          </a:p>
-          <a:p>
-            <a:pPr marL="171450" indent="-171450">
-              <a:lnSpc>
-                <a:spcPct val="150000"/>
-              </a:lnSpc>
-              <a:buFontTx/>
-              <a:buChar char="-"/>
-            </a:pPr>
-            <a:r>
-              <a:rPr lang="ko-KR" altLang="en-US" sz="1000" dirty="0">
-                <a:latin typeface="+mn-ea"/>
-              </a:rPr>
-              <a:t>공격을 적중하면 번개를 충전</a:t>
-            </a:r>
-            <a:r>
-              <a:rPr lang="en-US" altLang="ko-KR" sz="1000" dirty="0">
-                <a:latin typeface="+mn-ea"/>
-              </a:rPr>
-              <a:t>.</a:t>
-            </a:r>
-          </a:p>
-          <a:p>
-            <a:pPr marL="171450" indent="-171450">
-              <a:lnSpc>
-                <a:spcPct val="150000"/>
-              </a:lnSpc>
-              <a:buFontTx/>
-              <a:buChar char="-"/>
-            </a:pPr>
-            <a:r>
-              <a:rPr lang="ko-KR" altLang="en-US" sz="1000" dirty="0">
-                <a:latin typeface="+mn-ea"/>
-              </a:rPr>
-              <a:t>공격에 맞으면 충전된 번개를 방출</a:t>
-            </a:r>
-            <a:endParaRPr lang="en-US" altLang="ko-KR" sz="1000" dirty="0">
-              <a:latin typeface="+mn-ea"/>
-            </a:endParaRPr>
-          </a:p>
-          <a:p>
-            <a:pPr marL="171450" indent="-171450">
-              <a:lnSpc>
-                <a:spcPct val="150000"/>
-              </a:lnSpc>
-              <a:buFontTx/>
-              <a:buChar char="-"/>
-            </a:pPr>
-            <a:r>
-              <a:rPr lang="ko-KR" altLang="en-US" sz="1000" dirty="0">
-                <a:latin typeface="+mn-ea"/>
-              </a:rPr>
-              <a:t>번개가 일정 량 이상 충전되면 방출되며 큰 피해</a:t>
-            </a:r>
-            <a:r>
-              <a:rPr lang="en-US" altLang="ko-KR" sz="1000" dirty="0">
-                <a:latin typeface="+mn-ea"/>
-              </a:rPr>
-              <a:t>?</a:t>
-            </a:r>
-          </a:p>
-          <a:p>
-            <a:pPr marL="171450" indent="-171450">
-              <a:lnSpc>
-                <a:spcPct val="150000"/>
-              </a:lnSpc>
-              <a:buFontTx/>
-              <a:buChar char="-"/>
-            </a:pPr>
-            <a:endParaRPr lang="en-US" altLang="ko-KR" sz="1000" dirty="0">
-              <a:latin typeface="+mn-ea"/>
-            </a:endParaRPr>
-          </a:p>
-          <a:p>
-            <a:pPr>
-              <a:lnSpc>
-                <a:spcPct val="150000"/>
-              </a:lnSpc>
-            </a:pPr>
-            <a:r>
-              <a:rPr lang="en-US" altLang="ko-KR" sz="1000" dirty="0">
-                <a:latin typeface="+mn-ea"/>
-              </a:rPr>
-              <a:t>(</a:t>
-            </a:r>
-            <a:r>
-              <a:rPr lang="ko-KR" altLang="en-US" sz="1000" dirty="0">
-                <a:latin typeface="+mn-ea"/>
-              </a:rPr>
-              <a:t>아이디어 </a:t>
-            </a:r>
-            <a:r>
-              <a:rPr lang="en-US" altLang="ko-KR" sz="1000" dirty="0">
-                <a:latin typeface="+mn-ea"/>
-              </a:rPr>
-              <a:t>3)</a:t>
-            </a:r>
-          </a:p>
-          <a:p>
-            <a:pPr marL="171450" indent="-171450">
-              <a:lnSpc>
-                <a:spcPct val="150000"/>
-              </a:lnSpc>
-              <a:buFontTx/>
-              <a:buChar char="-"/>
-            </a:pPr>
-            <a:r>
-              <a:rPr lang="ko-KR" altLang="en-US" sz="1000" dirty="0">
-                <a:latin typeface="+mn-ea"/>
-              </a:rPr>
-              <a:t>번개는 매개체가 있으면 </a:t>
-            </a:r>
-            <a:r>
-              <a:rPr lang="ko-KR" altLang="en-US" sz="1000" dirty="0" err="1">
-                <a:latin typeface="+mn-ea"/>
-              </a:rPr>
-              <a:t>퍼져나간다</a:t>
-            </a:r>
-            <a:r>
-              <a:rPr lang="en-US" altLang="ko-KR" sz="1000" dirty="0">
-                <a:latin typeface="+mn-ea"/>
-              </a:rPr>
-              <a:t>.</a:t>
-            </a:r>
-          </a:p>
-          <a:p>
-            <a:pPr marL="171450" indent="-171450">
-              <a:lnSpc>
-                <a:spcPct val="150000"/>
-              </a:lnSpc>
-              <a:buFontTx/>
-              <a:buChar char="-"/>
-            </a:pPr>
-            <a:r>
-              <a:rPr lang="ko-KR" altLang="en-US" sz="1000" dirty="0">
-                <a:latin typeface="+mn-ea"/>
-              </a:rPr>
-              <a:t>몬스터가 매개체</a:t>
-            </a:r>
-            <a:r>
-              <a:rPr lang="en-US" altLang="ko-KR" sz="1000" dirty="0">
-                <a:latin typeface="+mn-ea"/>
-              </a:rPr>
-              <a:t>? -&gt; </a:t>
-            </a:r>
-            <a:r>
-              <a:rPr lang="ko-KR" altLang="en-US" sz="1000" dirty="0">
-                <a:latin typeface="+mn-ea"/>
-              </a:rPr>
-              <a:t>그러면 적이 많을 수록 </a:t>
-            </a:r>
-            <a:r>
-              <a:rPr lang="ko-KR" altLang="en-US" sz="1000" dirty="0" err="1">
-                <a:latin typeface="+mn-ea"/>
-              </a:rPr>
-              <a:t>좋은건데</a:t>
-            </a:r>
-            <a:r>
-              <a:rPr lang="en-US" altLang="ko-KR" sz="1000" dirty="0">
-                <a:latin typeface="+mn-ea"/>
-              </a:rPr>
-              <a:t>…..</a:t>
-            </a:r>
-          </a:p>
-          <a:p>
-            <a:pPr marL="171450" indent="-171450">
-              <a:lnSpc>
-                <a:spcPct val="150000"/>
-              </a:lnSpc>
-              <a:buFontTx/>
-              <a:buChar char="-"/>
-            </a:pPr>
-            <a:endParaRPr lang="en-US" altLang="ko-KR" sz="1000" dirty="0">
-              <a:latin typeface="+mn-ea"/>
-            </a:endParaRPr>
-          </a:p>
-          <a:p>
-            <a:pPr>
-              <a:lnSpc>
-                <a:spcPct val="150000"/>
-              </a:lnSpc>
-            </a:pPr>
-            <a:r>
-              <a:rPr lang="en-US" altLang="ko-KR" sz="1000" dirty="0">
-                <a:latin typeface="+mn-ea"/>
-              </a:rPr>
-              <a:t>(</a:t>
-            </a:r>
-            <a:r>
-              <a:rPr lang="ko-KR" altLang="en-US" sz="1000" dirty="0">
-                <a:latin typeface="+mn-ea"/>
-              </a:rPr>
-              <a:t>아이디어 </a:t>
-            </a:r>
-            <a:r>
-              <a:rPr lang="en-US" altLang="ko-KR" sz="1000" dirty="0">
-                <a:latin typeface="+mn-ea"/>
-              </a:rPr>
-              <a:t>4)</a:t>
-            </a:r>
-          </a:p>
-          <a:p>
-            <a:pPr marL="171450" indent="-171450">
-              <a:lnSpc>
-                <a:spcPct val="150000"/>
-              </a:lnSpc>
-              <a:buFontTx/>
-              <a:buChar char="-"/>
-            </a:pPr>
-            <a:r>
-              <a:rPr lang="ko-KR" altLang="en-US" sz="1000" dirty="0">
-                <a:latin typeface="+mn-ea"/>
-              </a:rPr>
-              <a:t>지금의 컨셉 유지 </a:t>
-            </a:r>
-            <a:r>
-              <a:rPr lang="en-US" altLang="ko-KR" sz="1000" dirty="0">
-                <a:latin typeface="+mn-ea"/>
-              </a:rPr>
-              <a:t>(</a:t>
-            </a:r>
-            <a:r>
-              <a:rPr lang="ko-KR" altLang="en-US" sz="1000" dirty="0">
-                <a:latin typeface="+mn-ea"/>
-              </a:rPr>
-              <a:t>적을 피뢰침 삼아</a:t>
-            </a:r>
-            <a:r>
-              <a:rPr lang="en-US" altLang="ko-KR" sz="1000" dirty="0">
-                <a:latin typeface="+mn-ea"/>
-              </a:rPr>
-              <a:t>)</a:t>
-            </a:r>
-          </a:p>
-          <a:p>
-            <a:pPr marL="171450" indent="-171450">
-              <a:lnSpc>
-                <a:spcPct val="150000"/>
-              </a:lnSpc>
-              <a:buFontTx/>
-              <a:buChar char="-"/>
-            </a:pPr>
-            <a:r>
-              <a:rPr lang="ko-KR" altLang="en-US" sz="1000" dirty="0">
-                <a:latin typeface="+mn-ea"/>
-              </a:rPr>
-              <a:t>단</a:t>
-            </a:r>
-            <a:r>
-              <a:rPr lang="en-US" altLang="ko-KR" sz="1000" dirty="0">
-                <a:latin typeface="+mn-ea"/>
-              </a:rPr>
-              <a:t>, </a:t>
-            </a:r>
-            <a:r>
-              <a:rPr lang="ko-KR" altLang="en-US" sz="1000" dirty="0">
-                <a:latin typeface="+mn-ea"/>
-              </a:rPr>
-              <a:t>적을 피뢰침 삼기 위해 스킬 중 부채의 뼈대를 뽑아서 적에게 꽂아버리는 스킬이 있음</a:t>
-            </a:r>
-            <a:r>
-              <a:rPr lang="en-US" altLang="ko-KR" sz="1000" dirty="0">
-                <a:latin typeface="+mn-ea"/>
-              </a:rPr>
-              <a:t>.</a:t>
-            </a:r>
-          </a:p>
-          <a:p>
-            <a:pPr marL="171450" indent="-171450">
-              <a:lnSpc>
-                <a:spcPct val="150000"/>
-              </a:lnSpc>
-              <a:buFontTx/>
-              <a:buChar char="-"/>
-            </a:pPr>
-            <a:r>
-              <a:rPr lang="ko-KR" altLang="en-US" sz="1000" dirty="0">
-                <a:latin typeface="+mn-ea"/>
-              </a:rPr>
-              <a:t>부채에 번개를 모으고 적에게 </a:t>
-            </a:r>
-            <a:r>
-              <a:rPr lang="ko-KR" altLang="en-US" sz="1000" dirty="0" err="1">
-                <a:latin typeface="+mn-ea"/>
-              </a:rPr>
-              <a:t>꽂혀있는</a:t>
-            </a:r>
-            <a:r>
-              <a:rPr lang="ko-KR" altLang="en-US" sz="1000" dirty="0">
-                <a:latin typeface="+mn-ea"/>
-              </a:rPr>
-              <a:t> 부채의 일부분을 피뢰침 삼아 번개를 방출한다</a:t>
-            </a:r>
-            <a:r>
-              <a:rPr lang="en-US" altLang="ko-KR" sz="1000" dirty="0">
-                <a:latin typeface="+mn-ea"/>
-              </a:rPr>
-              <a:t>.</a:t>
-            </a:r>
-          </a:p>
-          <a:p>
-            <a:pPr marL="171450" indent="-171450">
-              <a:lnSpc>
-                <a:spcPct val="150000"/>
-              </a:lnSpc>
-              <a:buFontTx/>
-              <a:buChar char="-"/>
-            </a:pPr>
-            <a:r>
-              <a:rPr lang="ko-KR" altLang="en-US" sz="1000" dirty="0">
-                <a:latin typeface="+mn-ea"/>
-              </a:rPr>
-              <a:t>단일 대상에게 중복으로 꽂을 수 있음</a:t>
-            </a:r>
-            <a:r>
-              <a:rPr lang="en-US" altLang="ko-KR" sz="1000">
-                <a:latin typeface="+mn-ea"/>
-              </a:rPr>
-              <a:t>.</a:t>
-            </a:r>
-            <a:r>
-              <a:rPr lang="en-US" altLang="ko-KR" sz="1000" dirty="0">
-                <a:latin typeface="+mn-ea"/>
-              </a:rPr>
-              <a:t> </a:t>
-            </a:r>
-          </a:p>
-        </p:txBody>
-      </p:sp>
-      <p:sp>
-        <p:nvSpPr>
-          <p:cNvPr id="27" name="TextBox 26">
+              </a:endParaRPr>
+            </a:p>
+          </p:txBody>
+        </p:sp>
+      </p:grpSp>
+      <p:graphicFrame>
+        <p:nvGraphicFramePr>
+          <p:cNvPr id="28" name="표 27">
             <a:extLst>
               <a:ext uri="{FF2B5EF4-FFF2-40B4-BE49-F238E27FC236}">
-                <a16:creationId xmlns:a16="http://schemas.microsoft.com/office/drawing/2014/main" id="{BEB8CB10-01A4-BF26-0B65-7A97E54DA2A1}"/>
+                <a16:creationId xmlns:a16="http://schemas.microsoft.com/office/drawing/2014/main" id="{C942F794-18BB-F3D1-8717-5AFFC82130E5}"/>
               </a:ext>
             </a:extLst>
           </p:cNvPr>
-          <p:cNvSpPr txBox="1"/>
-          <p:nvPr/>
-        </p:nvSpPr>
-        <p:spPr>
-          <a:xfrm>
-            <a:off x="533925" y="5306628"/>
-            <a:ext cx="4108817" cy="985911"/>
-          </a:xfrm>
-          <a:prstGeom prst="rect">
-            <a:avLst/>
-          </a:prstGeom>
-          <a:noFill/>
-        </p:spPr>
-        <p:txBody>
-          <a:bodyPr wrap="none" rtlCol="0" anchor="ctr">
-            <a:spAutoFit/>
-          </a:bodyPr>
-          <a:lstStyle/>
-          <a:p>
-            <a:pPr>
-              <a:lnSpc>
-                <a:spcPct val="150000"/>
-              </a:lnSpc>
-            </a:pPr>
-            <a:r>
-              <a:rPr lang="ko-KR" altLang="en-US" sz="1000" dirty="0">
-                <a:latin typeface="+mn-ea"/>
-              </a:rPr>
-              <a:t>중요한 것</a:t>
-            </a:r>
-            <a:endParaRPr lang="en-US" altLang="ko-KR" sz="1000" dirty="0">
-              <a:latin typeface="+mn-ea"/>
-            </a:endParaRPr>
-          </a:p>
-          <a:p>
-            <a:pPr marL="228600" indent="-228600">
-              <a:lnSpc>
-                <a:spcPct val="150000"/>
-              </a:lnSpc>
-              <a:buAutoNum type="arabicParenR"/>
-            </a:pPr>
-            <a:r>
-              <a:rPr lang="ko-KR" altLang="en-US" sz="1000" dirty="0">
-                <a:latin typeface="+mn-ea"/>
-              </a:rPr>
-              <a:t>단일 대상일 때 높은 피해</a:t>
-            </a:r>
-            <a:endParaRPr lang="en-US" altLang="ko-KR" sz="1000" dirty="0">
-              <a:latin typeface="+mn-ea"/>
-            </a:endParaRPr>
-          </a:p>
-          <a:p>
-            <a:pPr marL="228600" indent="-228600">
-              <a:lnSpc>
-                <a:spcPct val="150000"/>
-              </a:lnSpc>
-              <a:buAutoNum type="arabicParenR"/>
-            </a:pPr>
-            <a:r>
-              <a:rPr lang="ko-KR" altLang="en-US" sz="1000" dirty="0">
-                <a:latin typeface="+mn-ea"/>
-              </a:rPr>
-              <a:t>적에게 근접하고 적의 공격을 피해야 최대의 효율이 나오는 무기</a:t>
-            </a:r>
-            <a:endParaRPr lang="en-US" altLang="ko-KR" sz="1000" dirty="0">
-              <a:latin typeface="+mn-ea"/>
-            </a:endParaRPr>
-          </a:p>
-          <a:p>
-            <a:pPr marL="228600" indent="-228600">
-              <a:lnSpc>
-                <a:spcPct val="150000"/>
-              </a:lnSpc>
-              <a:buAutoNum type="arabicParenR"/>
-            </a:pPr>
-            <a:r>
-              <a:rPr lang="ko-KR" altLang="en-US" sz="1000" dirty="0">
-                <a:latin typeface="+mn-ea"/>
-              </a:rPr>
-              <a:t>숙련자를 위한 무기</a:t>
-            </a:r>
-            <a:endParaRPr lang="en-US" altLang="ko-KR" sz="1000" dirty="0">
-              <a:latin typeface="+mn-ea"/>
-            </a:endParaRPr>
-          </a:p>
-        </p:txBody>
-      </p:sp>
+          <p:cNvGraphicFramePr>
+            <a:graphicFrameLocks noGrp="1"/>
+          </p:cNvGraphicFramePr>
+          <p:nvPr>
+            <p:extLst>
+              <p:ext uri="{D42A27DB-BD31-4B8C-83A1-F6EECF244321}">
+                <p14:modId xmlns:p14="http://schemas.microsoft.com/office/powerpoint/2010/main" val="2924124875"/>
+              </p:ext>
+            </p:extLst>
+          </p:nvPr>
+        </p:nvGraphicFramePr>
+        <p:xfrm>
+          <a:off x="2907494" y="1995951"/>
+          <a:ext cx="5219236" cy="3475217"/>
+        </p:xfrm>
+        <a:graphic>
+          <a:graphicData uri="http://schemas.openxmlformats.org/drawingml/2006/table">
+            <a:tbl>
+              <a:tblPr bandRow="1">
+                <a:tableStyleId>{5C22544A-7EE6-4342-B048-85BDC9FD1C3A}</a:tableStyleId>
+              </a:tblPr>
+              <a:tblGrid>
+                <a:gridCol w="1013639">
+                  <a:extLst>
+                    <a:ext uri="{9D8B030D-6E8A-4147-A177-3AD203B41FA5}">
+                      <a16:colId xmlns:a16="http://schemas.microsoft.com/office/drawing/2014/main" val="2160954055"/>
+                    </a:ext>
+                  </a:extLst>
+                </a:gridCol>
+                <a:gridCol w="4205597">
+                  <a:extLst>
+                    <a:ext uri="{9D8B030D-6E8A-4147-A177-3AD203B41FA5}">
+                      <a16:colId xmlns:a16="http://schemas.microsoft.com/office/drawing/2014/main" val="1986683167"/>
+                    </a:ext>
+                  </a:extLst>
+                </a:gridCol>
+              </a:tblGrid>
+              <a:tr h="445552">
+                <a:tc>
+                  <a:txBody>
+                    <a:bodyPr/>
+                    <a:lstStyle/>
+                    <a:p>
+                      <a:pPr algn="ctr" latinLnBrk="1">
+                        <a:spcAft>
+                          <a:spcPts val="800"/>
+                        </a:spcAft>
+                      </a:pPr>
+                      <a:endParaRPr lang="ko-KR" sz="1100" b="1" dirty="0">
+                        <a:solidFill>
+                          <a:schemeClr val="bg1"/>
+                        </a:solidFill>
+                        <a:effectLst/>
+                        <a:latin typeface="맑은 고딕" panose="020B0503020000020004" pitchFamily="50" charset="-127"/>
+                        <a:ea typeface="맑은 고딕" panose="020B0503020000020004" pitchFamily="50" charset="-127"/>
+                        <a:cs typeface="맑은 고딕" panose="020B0503020000020004" pitchFamily="50" charset="-127"/>
+                      </a:endParaRPr>
+                    </a:p>
+                  </a:txBody>
+                  <a:tcPr marL="67521" marR="67521" marT="0" marB="0" anchor="ctr">
+                    <a:lnL w="19050" cap="flat" cmpd="sng" algn="ctr">
+                      <a:solidFill>
+                        <a:schemeClr val="tx1"/>
+                      </a:solidFill>
+                      <a:prstDash val="solid"/>
+                      <a:round/>
+                      <a:headEnd type="none" w="med" len="med"/>
+                      <a:tailEnd type="none" w="med" len="med"/>
+                    </a:lnL>
+                    <a:lnT w="19050" cap="flat" cmpd="sng" algn="ctr">
+                      <a:solidFill>
+                        <a:schemeClr val="tx1"/>
+                      </a:solidFill>
+                      <a:prstDash val="solid"/>
+                      <a:round/>
+                      <a:headEnd type="none" w="med" len="med"/>
+                      <a:tailEnd type="none" w="med" len="med"/>
+                    </a:lnT>
+                    <a:lnB w="19050" cap="flat" cmpd="sng" algn="ctr">
+                      <a:solidFill>
+                        <a:schemeClr val="tx1"/>
+                      </a:solidFill>
+                      <a:prstDash val="solid"/>
+                      <a:round/>
+                      <a:headEnd type="none" w="med" len="med"/>
+                      <a:tailEnd type="none" w="med" len="med"/>
+                    </a:lnB>
+                    <a:solidFill>
+                      <a:srgbClr val="0A6D94"/>
+                    </a:solidFill>
+                  </a:tcPr>
+                </a:tc>
+                <a:tc>
+                  <a:txBody>
+                    <a:bodyPr/>
+                    <a:lstStyle/>
+                    <a:p>
+                      <a:pPr algn="ctr" latinLnBrk="1">
+                        <a:spcAft>
+                          <a:spcPts val="800"/>
+                        </a:spcAft>
+                      </a:pPr>
+                      <a:r>
+                        <a:rPr lang="ko-KR" altLang="en-US" sz="1100" b="1" dirty="0">
+                          <a:solidFill>
+                            <a:schemeClr val="bg1"/>
+                          </a:solidFill>
+                          <a:effectLst/>
+                          <a:latin typeface="맑은 고딕" panose="020B0503020000020004" pitchFamily="50" charset="-127"/>
+                          <a:ea typeface="맑은 고딕" panose="020B0503020000020004" pitchFamily="50" charset="-127"/>
+                          <a:cs typeface="맑은 고딕" panose="020B0503020000020004" pitchFamily="50" charset="-127"/>
+                        </a:rPr>
+                        <a:t>의도</a:t>
+                      </a:r>
+                      <a:endParaRPr lang="ko-KR" sz="1100" b="1" dirty="0">
+                        <a:solidFill>
+                          <a:schemeClr val="bg1"/>
+                        </a:solidFill>
+                        <a:effectLst/>
+                        <a:latin typeface="맑은 고딕" panose="020B0503020000020004" pitchFamily="50" charset="-127"/>
+                        <a:ea typeface="맑은 고딕" panose="020B0503020000020004" pitchFamily="50" charset="-127"/>
+                        <a:cs typeface="맑은 고딕" panose="020B0503020000020004" pitchFamily="50" charset="-127"/>
+                      </a:endParaRPr>
+                    </a:p>
+                  </a:txBody>
+                  <a:tcPr marL="67521" marR="67521" marT="0" marB="0" anchor="ctr">
+                    <a:lnT w="19050" cap="flat" cmpd="sng" algn="ctr">
+                      <a:solidFill>
+                        <a:schemeClr val="tx1"/>
+                      </a:solidFill>
+                      <a:prstDash val="solid"/>
+                      <a:round/>
+                      <a:headEnd type="none" w="med" len="med"/>
+                      <a:tailEnd type="none" w="med" len="med"/>
+                    </a:lnT>
+                    <a:lnB w="19050" cap="flat" cmpd="sng" algn="ctr">
+                      <a:solidFill>
+                        <a:schemeClr val="tx1"/>
+                      </a:solidFill>
+                      <a:prstDash val="solid"/>
+                      <a:round/>
+                      <a:headEnd type="none" w="med" len="med"/>
+                      <a:tailEnd type="none" w="med" len="med"/>
+                    </a:lnB>
+                    <a:solidFill>
+                      <a:srgbClr val="0A6D94"/>
+                    </a:solidFill>
+                  </a:tcPr>
+                </a:tc>
+                <a:extLst>
+                  <a:ext uri="{0D108BD9-81ED-4DB2-BD59-A6C34878D82A}">
+                    <a16:rowId xmlns:a16="http://schemas.microsoft.com/office/drawing/2014/main" val="1774201791"/>
+                  </a:ext>
+                </a:extLst>
+              </a:tr>
+              <a:tr h="512242">
+                <a:tc>
+                  <a:txBody>
+                    <a:bodyPr/>
+                    <a:lstStyle/>
+                    <a:p>
+                      <a:pPr algn="ctr" latinLnBrk="1">
+                        <a:spcAft>
+                          <a:spcPts val="800"/>
+                        </a:spcAft>
+                      </a:pPr>
+                      <a:r>
+                        <a:rPr lang="ko-KR" sz="1000" dirty="0" err="1">
+                          <a:effectLst/>
+                        </a:rPr>
+                        <a:t>스위칭</a:t>
+                      </a:r>
+                      <a:r>
+                        <a:rPr lang="ko-KR" sz="1000" dirty="0">
+                          <a:effectLst/>
+                        </a:rPr>
+                        <a:t> 스킬</a:t>
+                      </a:r>
+                      <a:endParaRPr lang="ko-KR" sz="1000" dirty="0">
+                        <a:effectLst/>
+                        <a:latin typeface="맑은 고딕" panose="020B0503020000020004" pitchFamily="50" charset="-127"/>
+                        <a:ea typeface="맑은 고딕" panose="020B0503020000020004" pitchFamily="50" charset="-127"/>
+                        <a:cs typeface="맑은 고딕" panose="020B0503020000020004" pitchFamily="50" charset="-127"/>
+                      </a:endParaRPr>
+                    </a:p>
+                  </a:txBody>
+                  <a:tcPr marL="67521" marR="67521" marT="0" marB="0" anchor="ctr">
+                    <a:lnL w="19050" cap="flat" cmpd="sng" algn="ctr">
+                      <a:solidFill>
+                        <a:schemeClr val="tx1"/>
+                      </a:solidFill>
+                      <a:prstDash val="solid"/>
+                      <a:round/>
+                      <a:headEnd type="none" w="med" len="med"/>
+                      <a:tailEnd type="none" w="med" len="med"/>
+                    </a:lnL>
+                    <a:lnR w="9525" cap="flat" cmpd="sng" algn="ctr">
+                      <a:solidFill>
+                        <a:schemeClr val="tx1"/>
+                      </a:solidFill>
+                      <a:prstDash val="solid"/>
+                      <a:round/>
+                      <a:headEnd type="none" w="med" len="med"/>
+                      <a:tailEnd type="none" w="med" len="med"/>
+                    </a:lnR>
+                    <a:lnT w="19050" cap="flat" cmpd="sng" algn="ctr">
+                      <a:solidFill>
+                        <a:schemeClr val="tx1"/>
+                      </a:solidFill>
+                      <a:prstDash val="solid"/>
+                      <a:round/>
+                      <a:headEnd type="none" w="med" len="med"/>
+                      <a:tailEnd type="none" w="med" len="med"/>
+                    </a:lnT>
+                    <a:lnB w="9525" cap="flat" cmpd="sng" algn="ctr">
+                      <a:solidFill>
+                        <a:schemeClr val="tx1"/>
+                      </a:solidFill>
+                      <a:prstDash val="solid"/>
+                      <a:round/>
+                      <a:headEnd type="none" w="med" len="med"/>
+                      <a:tailEnd type="none" w="med" len="med"/>
+                    </a:lnB>
+                    <a:solidFill>
+                      <a:schemeClr val="bg1"/>
+                    </a:solidFill>
+                  </a:tcPr>
+                </a:tc>
+                <a:tc>
+                  <a:txBody>
+                    <a:bodyPr/>
+                    <a:lstStyle/>
+                    <a:p>
+                      <a:pPr algn="ctr" latinLnBrk="1">
+                        <a:spcAft>
+                          <a:spcPts val="800"/>
+                        </a:spcAft>
+                      </a:pPr>
+                      <a:r>
+                        <a:rPr lang="ko-KR" altLang="en-US" sz="1000" dirty="0">
+                          <a:effectLst/>
+                          <a:latin typeface="맑은 고딕" panose="020B0503020000020004" pitchFamily="50" charset="-127"/>
+                          <a:ea typeface="맑은 고딕" panose="020B0503020000020004" pitchFamily="50" charset="-127"/>
+                          <a:cs typeface="맑은 고딕" panose="020B0503020000020004" pitchFamily="50" charset="-127"/>
+                        </a:rPr>
+                        <a:t>자동 타겟팅으로 </a:t>
+                      </a:r>
+                      <a:endParaRPr lang="ko-KR" sz="1000" dirty="0">
+                        <a:effectLst/>
+                        <a:latin typeface="맑은 고딕" panose="020B0503020000020004" pitchFamily="50" charset="-127"/>
+                        <a:ea typeface="맑은 고딕" panose="020B0503020000020004" pitchFamily="50" charset="-127"/>
+                        <a:cs typeface="맑은 고딕" panose="020B0503020000020004" pitchFamily="50" charset="-127"/>
+                      </a:endParaRPr>
+                    </a:p>
+                  </a:txBody>
+                  <a:tcPr marL="67521" marR="67521" marT="0" marB="0" anchor="ctr">
+                    <a:lnL w="9525" cap="flat" cmpd="sng" algn="ctr">
+                      <a:solidFill>
+                        <a:schemeClr val="tx1"/>
+                      </a:solidFill>
+                      <a:prstDash val="solid"/>
+                      <a:round/>
+                      <a:headEnd type="none" w="med" len="med"/>
+                      <a:tailEnd type="none" w="med" len="med"/>
+                    </a:lnL>
+                    <a:lnR w="9525" cap="flat" cmpd="sng" algn="ctr">
+                      <a:solidFill>
+                        <a:schemeClr val="tx1"/>
+                      </a:solidFill>
+                      <a:prstDash val="solid"/>
+                      <a:round/>
+                      <a:headEnd type="none" w="med" len="med"/>
+                      <a:tailEnd type="none" w="med" len="med"/>
+                    </a:lnR>
+                    <a:lnT w="19050" cap="flat" cmpd="sng" algn="ctr">
+                      <a:solidFill>
+                        <a:schemeClr val="tx1"/>
+                      </a:solidFill>
+                      <a:prstDash val="solid"/>
+                      <a:round/>
+                      <a:headEnd type="none" w="med" len="med"/>
+                      <a:tailEnd type="none" w="med" len="med"/>
+                    </a:lnT>
+                    <a:lnB w="9525" cap="flat" cmpd="sng" algn="ctr">
+                      <a:solidFill>
+                        <a:schemeClr val="tx1"/>
+                      </a:solidFill>
+                      <a:prstDash val="solid"/>
+                      <a:round/>
+                      <a:headEnd type="none" w="med" len="med"/>
+                      <a:tailEnd type="none" w="med" len="med"/>
+                    </a:lnB>
+                    <a:solidFill>
+                      <a:schemeClr val="bg1"/>
+                    </a:solidFill>
+                  </a:tcPr>
+                </a:tc>
+                <a:extLst>
+                  <a:ext uri="{0D108BD9-81ED-4DB2-BD59-A6C34878D82A}">
+                    <a16:rowId xmlns:a16="http://schemas.microsoft.com/office/drawing/2014/main" val="1355598705"/>
+                  </a:ext>
+                </a:extLst>
+              </a:tr>
+              <a:tr h="639201">
+                <a:tc>
+                  <a:txBody>
+                    <a:bodyPr/>
+                    <a:lstStyle/>
+                    <a:p>
+                      <a:pPr algn="ctr" latinLnBrk="1">
+                        <a:spcAft>
+                          <a:spcPts val="800"/>
+                        </a:spcAft>
+                      </a:pPr>
+                      <a:r>
+                        <a:rPr lang="ko-KR" sz="1000" dirty="0">
+                          <a:effectLst/>
+                        </a:rPr>
+                        <a:t>스킬</a:t>
+                      </a:r>
+                      <a:r>
+                        <a:rPr lang="en-US" sz="1000" dirty="0">
+                          <a:effectLst/>
+                        </a:rPr>
+                        <a:t> 1</a:t>
+                      </a:r>
+                      <a:endParaRPr lang="ko-KR" sz="1000" dirty="0">
+                        <a:effectLst/>
+                        <a:latin typeface="맑은 고딕" panose="020B0503020000020004" pitchFamily="50" charset="-127"/>
+                        <a:ea typeface="맑은 고딕" panose="020B0503020000020004" pitchFamily="50" charset="-127"/>
+                        <a:cs typeface="맑은 고딕" panose="020B0503020000020004" pitchFamily="50" charset="-127"/>
+                      </a:endParaRPr>
+                    </a:p>
+                  </a:txBody>
+                  <a:tcPr marL="67521" marR="67521" marT="0" marB="0" anchor="ctr">
+                    <a:lnL w="19050" cap="flat" cmpd="sng" algn="ctr">
+                      <a:solidFill>
+                        <a:schemeClr val="tx1"/>
+                      </a:solidFill>
+                      <a:prstDash val="solid"/>
+                      <a:round/>
+                      <a:headEnd type="none" w="med" len="med"/>
+                      <a:tailEnd type="none" w="med" len="med"/>
+                    </a:lnL>
+                    <a:lnR w="9525" cap="flat" cmpd="sng" algn="ctr">
+                      <a:solidFill>
+                        <a:schemeClr val="tx1"/>
+                      </a:solidFill>
+                      <a:prstDash val="solid"/>
+                      <a:round/>
+                      <a:headEnd type="none" w="med" len="med"/>
+                      <a:tailEnd type="none" w="med" len="med"/>
+                    </a:lnR>
+                    <a:lnT w="9525" cap="flat" cmpd="sng" algn="ctr">
+                      <a:solidFill>
+                        <a:schemeClr val="tx1"/>
+                      </a:solidFill>
+                      <a:prstDash val="solid"/>
+                      <a:round/>
+                      <a:headEnd type="none" w="med" len="med"/>
+                      <a:tailEnd type="none" w="med" len="med"/>
+                    </a:lnT>
+                    <a:lnB w="9525" cap="flat" cmpd="sng" algn="ctr">
+                      <a:solidFill>
+                        <a:schemeClr val="tx1"/>
+                      </a:solidFill>
+                      <a:prstDash val="solid"/>
+                      <a:round/>
+                      <a:headEnd type="none" w="med" len="med"/>
+                      <a:tailEnd type="none" w="med" len="med"/>
+                    </a:lnB>
+                    <a:solidFill>
+                      <a:schemeClr val="bg1"/>
+                    </a:solidFill>
+                  </a:tcPr>
+                </a:tc>
+                <a:tc>
+                  <a:txBody>
+                    <a:bodyPr/>
+                    <a:lstStyle/>
+                    <a:p>
+                      <a:pPr algn="ctr" latinLnBrk="1">
+                        <a:spcAft>
+                          <a:spcPts val="800"/>
+                        </a:spcAft>
+                      </a:pPr>
+                      <a:r>
+                        <a:rPr lang="ko-KR" altLang="en-US" sz="1000" dirty="0">
+                          <a:effectLst/>
+                          <a:latin typeface="맑은 고딕" panose="020B0503020000020004" pitchFamily="50" charset="-127"/>
+                          <a:ea typeface="맑은 고딕" panose="020B0503020000020004" pitchFamily="50" charset="-127"/>
+                          <a:cs typeface="맑은 고딕" panose="020B0503020000020004" pitchFamily="50" charset="-127"/>
+                        </a:rPr>
+                        <a:t>적의 공격을 회피해야 최대의 효율이 나오는 스킬</a:t>
+                      </a:r>
+                      <a:endParaRPr lang="ko-KR" sz="1000" dirty="0">
+                        <a:effectLst/>
+                        <a:latin typeface="맑은 고딕" panose="020B0503020000020004" pitchFamily="50" charset="-127"/>
+                        <a:ea typeface="맑은 고딕" panose="020B0503020000020004" pitchFamily="50" charset="-127"/>
+                        <a:cs typeface="맑은 고딕" panose="020B0503020000020004" pitchFamily="50" charset="-127"/>
+                      </a:endParaRPr>
+                    </a:p>
+                  </a:txBody>
+                  <a:tcPr marL="67521" marR="67521" marT="0" marB="0" anchor="ctr">
+                    <a:lnL w="9525" cap="flat" cmpd="sng" algn="ctr">
+                      <a:solidFill>
+                        <a:schemeClr val="tx1"/>
+                      </a:solidFill>
+                      <a:prstDash val="solid"/>
+                      <a:round/>
+                      <a:headEnd type="none" w="med" len="med"/>
+                      <a:tailEnd type="none" w="med" len="med"/>
+                    </a:lnL>
+                    <a:lnR w="9525" cap="flat" cmpd="sng" algn="ctr">
+                      <a:solidFill>
+                        <a:schemeClr val="tx1"/>
+                      </a:solidFill>
+                      <a:prstDash val="solid"/>
+                      <a:round/>
+                      <a:headEnd type="none" w="med" len="med"/>
+                      <a:tailEnd type="none" w="med" len="med"/>
+                    </a:lnR>
+                    <a:lnT w="9525" cap="flat" cmpd="sng" algn="ctr">
+                      <a:solidFill>
+                        <a:schemeClr val="tx1"/>
+                      </a:solidFill>
+                      <a:prstDash val="solid"/>
+                      <a:round/>
+                      <a:headEnd type="none" w="med" len="med"/>
+                      <a:tailEnd type="none" w="med" len="med"/>
+                    </a:lnT>
+                    <a:lnB w="9525" cap="flat" cmpd="sng" algn="ctr">
+                      <a:solidFill>
+                        <a:schemeClr val="tx1"/>
+                      </a:solidFill>
+                      <a:prstDash val="solid"/>
+                      <a:round/>
+                      <a:headEnd type="none" w="med" len="med"/>
+                      <a:tailEnd type="none" w="med" len="med"/>
+                    </a:lnB>
+                    <a:solidFill>
+                      <a:schemeClr val="bg1"/>
+                    </a:solidFill>
+                  </a:tcPr>
+                </a:tc>
+                <a:extLst>
+                  <a:ext uri="{0D108BD9-81ED-4DB2-BD59-A6C34878D82A}">
+                    <a16:rowId xmlns:a16="http://schemas.microsoft.com/office/drawing/2014/main" val="4131342945"/>
+                  </a:ext>
+                </a:extLst>
+              </a:tr>
+              <a:tr h="682990">
+                <a:tc>
+                  <a:txBody>
+                    <a:bodyPr/>
+                    <a:lstStyle/>
+                    <a:p>
+                      <a:pPr algn="ctr" latinLnBrk="1">
+                        <a:spcAft>
+                          <a:spcPts val="800"/>
+                        </a:spcAft>
+                      </a:pPr>
+                      <a:r>
+                        <a:rPr lang="ko-KR" sz="1000">
+                          <a:effectLst/>
+                        </a:rPr>
+                        <a:t>스킬</a:t>
+                      </a:r>
+                      <a:r>
+                        <a:rPr lang="en-US" sz="1000">
+                          <a:effectLst/>
+                        </a:rPr>
+                        <a:t> 2</a:t>
+                      </a:r>
+                      <a:endParaRPr lang="ko-KR" sz="1000">
+                        <a:effectLst/>
+                        <a:latin typeface="맑은 고딕" panose="020B0503020000020004" pitchFamily="50" charset="-127"/>
+                        <a:ea typeface="맑은 고딕" panose="020B0503020000020004" pitchFamily="50" charset="-127"/>
+                        <a:cs typeface="맑은 고딕" panose="020B0503020000020004" pitchFamily="50" charset="-127"/>
+                      </a:endParaRPr>
+                    </a:p>
+                  </a:txBody>
+                  <a:tcPr marL="67521" marR="67521" marT="0" marB="0" anchor="ctr">
+                    <a:lnL w="19050" cap="flat" cmpd="sng" algn="ctr">
+                      <a:solidFill>
+                        <a:schemeClr val="tx1"/>
+                      </a:solidFill>
+                      <a:prstDash val="solid"/>
+                      <a:round/>
+                      <a:headEnd type="none" w="med" len="med"/>
+                      <a:tailEnd type="none" w="med" len="med"/>
+                    </a:lnL>
+                    <a:lnR w="9525" cap="flat" cmpd="sng" algn="ctr">
+                      <a:solidFill>
+                        <a:schemeClr val="tx1"/>
+                      </a:solidFill>
+                      <a:prstDash val="solid"/>
+                      <a:round/>
+                      <a:headEnd type="none" w="med" len="med"/>
+                      <a:tailEnd type="none" w="med" len="med"/>
+                    </a:lnR>
+                    <a:lnT w="9525" cap="flat" cmpd="sng" algn="ctr">
+                      <a:solidFill>
+                        <a:schemeClr val="tx1"/>
+                      </a:solidFill>
+                      <a:prstDash val="solid"/>
+                      <a:round/>
+                      <a:headEnd type="none" w="med" len="med"/>
+                      <a:tailEnd type="none" w="med" len="med"/>
+                    </a:lnT>
+                    <a:lnB w="9525" cap="flat" cmpd="sng" algn="ctr">
+                      <a:solidFill>
+                        <a:schemeClr val="tx1"/>
+                      </a:solidFill>
+                      <a:prstDash val="solid"/>
+                      <a:round/>
+                      <a:headEnd type="none" w="med" len="med"/>
+                      <a:tailEnd type="none" w="med" len="med"/>
+                    </a:lnB>
+                    <a:solidFill>
+                      <a:schemeClr val="bg1"/>
+                    </a:solidFill>
+                  </a:tcPr>
+                </a:tc>
+                <a:tc>
+                  <a:txBody>
+                    <a:bodyPr/>
+                    <a:lstStyle/>
+                    <a:p>
+                      <a:pPr algn="ctr" latinLnBrk="1">
+                        <a:spcAft>
+                          <a:spcPts val="800"/>
+                        </a:spcAft>
+                      </a:pPr>
+                      <a:r>
+                        <a:rPr lang="en-US" altLang="ko-KR" sz="1000" dirty="0">
+                          <a:effectLst/>
+                          <a:latin typeface="맑은 고딕" panose="020B0503020000020004" pitchFamily="50" charset="-127"/>
+                          <a:ea typeface="맑은 고딕" panose="020B0503020000020004" pitchFamily="50" charset="-127"/>
+                          <a:cs typeface="맑은 고딕" panose="020B0503020000020004" pitchFamily="50" charset="-127"/>
+                        </a:rPr>
+                        <a:t>1:1 </a:t>
+                      </a:r>
+                      <a:r>
+                        <a:rPr lang="ko-KR" altLang="en-US" sz="1000" dirty="0">
+                          <a:effectLst/>
+                          <a:latin typeface="맑은 고딕" panose="020B0503020000020004" pitchFamily="50" charset="-127"/>
+                          <a:ea typeface="맑은 고딕" panose="020B0503020000020004" pitchFamily="50" charset="-127"/>
+                          <a:cs typeface="맑은 고딕" panose="020B0503020000020004" pitchFamily="50" charset="-127"/>
+                        </a:rPr>
+                        <a:t>전투에 특화된 컨셉을 강조하는 스킬</a:t>
+                      </a:r>
+                      <a:endParaRPr lang="ko-KR" sz="1000" dirty="0">
+                        <a:effectLst/>
+                        <a:latin typeface="맑은 고딕" panose="020B0503020000020004" pitchFamily="50" charset="-127"/>
+                        <a:ea typeface="맑은 고딕" panose="020B0503020000020004" pitchFamily="50" charset="-127"/>
+                        <a:cs typeface="맑은 고딕" panose="020B0503020000020004" pitchFamily="50" charset="-127"/>
+                      </a:endParaRPr>
+                    </a:p>
+                  </a:txBody>
+                  <a:tcPr marL="67521" marR="67521" marT="0" marB="0" anchor="ctr">
+                    <a:lnL w="9525" cap="flat" cmpd="sng" algn="ctr">
+                      <a:solidFill>
+                        <a:schemeClr val="tx1"/>
+                      </a:solidFill>
+                      <a:prstDash val="solid"/>
+                      <a:round/>
+                      <a:headEnd type="none" w="med" len="med"/>
+                      <a:tailEnd type="none" w="med" len="med"/>
+                    </a:lnL>
+                    <a:lnR w="9525" cap="flat" cmpd="sng" algn="ctr">
+                      <a:solidFill>
+                        <a:schemeClr val="tx1"/>
+                      </a:solidFill>
+                      <a:prstDash val="solid"/>
+                      <a:round/>
+                      <a:headEnd type="none" w="med" len="med"/>
+                      <a:tailEnd type="none" w="med" len="med"/>
+                    </a:lnR>
+                    <a:lnT w="9525" cap="flat" cmpd="sng" algn="ctr">
+                      <a:solidFill>
+                        <a:schemeClr val="tx1"/>
+                      </a:solidFill>
+                      <a:prstDash val="solid"/>
+                      <a:round/>
+                      <a:headEnd type="none" w="med" len="med"/>
+                      <a:tailEnd type="none" w="med" len="med"/>
+                    </a:lnT>
+                    <a:lnB w="9525" cap="flat" cmpd="sng" algn="ctr">
+                      <a:solidFill>
+                        <a:schemeClr val="tx1"/>
+                      </a:solidFill>
+                      <a:prstDash val="solid"/>
+                      <a:round/>
+                      <a:headEnd type="none" w="med" len="med"/>
+                      <a:tailEnd type="none" w="med" len="med"/>
+                    </a:lnB>
+                    <a:solidFill>
+                      <a:schemeClr val="bg1"/>
+                    </a:solidFill>
+                  </a:tcPr>
+                </a:tc>
+                <a:extLst>
+                  <a:ext uri="{0D108BD9-81ED-4DB2-BD59-A6C34878D82A}">
+                    <a16:rowId xmlns:a16="http://schemas.microsoft.com/office/drawing/2014/main" val="3565765023"/>
+                  </a:ext>
+                </a:extLst>
+              </a:tr>
+              <a:tr h="682990">
+                <a:tc>
+                  <a:txBody>
+                    <a:bodyPr/>
+                    <a:lstStyle/>
+                    <a:p>
+                      <a:pPr algn="ctr" latinLnBrk="1">
+                        <a:spcAft>
+                          <a:spcPts val="800"/>
+                        </a:spcAft>
+                      </a:pPr>
+                      <a:r>
+                        <a:rPr lang="ko-KR" sz="1000" dirty="0">
+                          <a:effectLst/>
+                        </a:rPr>
+                        <a:t>스킬</a:t>
+                      </a:r>
+                      <a:r>
+                        <a:rPr lang="en-US" sz="1000" dirty="0">
+                          <a:effectLst/>
+                        </a:rPr>
+                        <a:t> 3 </a:t>
+                      </a:r>
+                      <a:endParaRPr lang="ko-KR" sz="1000" dirty="0">
+                        <a:effectLst/>
+                        <a:latin typeface="맑은 고딕" panose="020B0503020000020004" pitchFamily="50" charset="-127"/>
+                        <a:ea typeface="맑은 고딕" panose="020B0503020000020004" pitchFamily="50" charset="-127"/>
+                        <a:cs typeface="맑은 고딕" panose="020B0503020000020004" pitchFamily="50" charset="-127"/>
+                      </a:endParaRPr>
+                    </a:p>
+                  </a:txBody>
+                  <a:tcPr marL="67521" marR="67521" marT="0" marB="0" anchor="ctr">
+                    <a:lnL w="19050" cap="flat" cmpd="sng" algn="ctr">
+                      <a:solidFill>
+                        <a:schemeClr val="tx1"/>
+                      </a:solidFill>
+                      <a:prstDash val="solid"/>
+                      <a:round/>
+                      <a:headEnd type="none" w="med" len="med"/>
+                      <a:tailEnd type="none" w="med" len="med"/>
+                    </a:lnL>
+                    <a:lnR w="9525" cap="flat" cmpd="sng" algn="ctr">
+                      <a:solidFill>
+                        <a:schemeClr val="tx1"/>
+                      </a:solidFill>
+                      <a:prstDash val="solid"/>
+                      <a:round/>
+                      <a:headEnd type="none" w="med" len="med"/>
+                      <a:tailEnd type="none" w="med" len="med"/>
+                    </a:lnR>
+                    <a:lnT w="9525" cap="flat" cmpd="sng" algn="ctr">
+                      <a:solidFill>
+                        <a:schemeClr val="tx1"/>
+                      </a:solidFill>
+                      <a:prstDash val="solid"/>
+                      <a:round/>
+                      <a:headEnd type="none" w="med" len="med"/>
+                      <a:tailEnd type="none" w="med" len="med"/>
+                    </a:lnT>
+                    <a:lnB w="9525" cap="flat" cmpd="sng" algn="ctr">
+                      <a:solidFill>
+                        <a:schemeClr val="tx1"/>
+                      </a:solidFill>
+                      <a:prstDash val="solid"/>
+                      <a:round/>
+                      <a:headEnd type="none" w="med" len="med"/>
+                      <a:tailEnd type="none" w="med" len="med"/>
+                    </a:lnB>
+                    <a:solidFill>
+                      <a:schemeClr val="bg1"/>
+                    </a:solidFill>
+                  </a:tcPr>
+                </a:tc>
+                <a:tc>
+                  <a:txBody>
+                    <a:bodyPr/>
+                    <a:lstStyle/>
+                    <a:p>
+                      <a:pPr algn="ctr" latinLnBrk="1">
+                        <a:spcAft>
+                          <a:spcPts val="800"/>
+                        </a:spcAft>
+                      </a:pPr>
+                      <a:endParaRPr lang="ko-KR" sz="1000" dirty="0">
+                        <a:effectLst/>
+                        <a:latin typeface="맑은 고딕" panose="020B0503020000020004" pitchFamily="50" charset="-127"/>
+                        <a:ea typeface="맑은 고딕" panose="020B0503020000020004" pitchFamily="50" charset="-127"/>
+                        <a:cs typeface="맑은 고딕" panose="020B0503020000020004" pitchFamily="50" charset="-127"/>
+                      </a:endParaRPr>
+                    </a:p>
+                  </a:txBody>
+                  <a:tcPr marL="67521" marR="67521" marT="0" marB="0" anchor="ctr">
+                    <a:lnL w="9525" cap="flat" cmpd="sng" algn="ctr">
+                      <a:solidFill>
+                        <a:schemeClr val="tx1"/>
+                      </a:solidFill>
+                      <a:prstDash val="solid"/>
+                      <a:round/>
+                      <a:headEnd type="none" w="med" len="med"/>
+                      <a:tailEnd type="none" w="med" len="med"/>
+                    </a:lnL>
+                    <a:lnR w="9525" cap="flat" cmpd="sng" algn="ctr">
+                      <a:solidFill>
+                        <a:schemeClr val="tx1"/>
+                      </a:solidFill>
+                      <a:prstDash val="solid"/>
+                      <a:round/>
+                      <a:headEnd type="none" w="med" len="med"/>
+                      <a:tailEnd type="none" w="med" len="med"/>
+                    </a:lnR>
+                    <a:lnT w="9525" cap="flat" cmpd="sng" algn="ctr">
+                      <a:solidFill>
+                        <a:schemeClr val="tx1"/>
+                      </a:solidFill>
+                      <a:prstDash val="solid"/>
+                      <a:round/>
+                      <a:headEnd type="none" w="med" len="med"/>
+                      <a:tailEnd type="none" w="med" len="med"/>
+                    </a:lnT>
+                    <a:lnB w="9525" cap="flat" cmpd="sng" algn="ctr">
+                      <a:solidFill>
+                        <a:schemeClr val="tx1"/>
+                      </a:solidFill>
+                      <a:prstDash val="solid"/>
+                      <a:round/>
+                      <a:headEnd type="none" w="med" len="med"/>
+                      <a:tailEnd type="none" w="med" len="med"/>
+                    </a:lnB>
+                    <a:solidFill>
+                      <a:schemeClr val="bg1"/>
+                    </a:solidFill>
+                  </a:tcPr>
+                </a:tc>
+                <a:extLst>
+                  <a:ext uri="{0D108BD9-81ED-4DB2-BD59-A6C34878D82A}">
+                    <a16:rowId xmlns:a16="http://schemas.microsoft.com/office/drawing/2014/main" val="3168661115"/>
+                  </a:ext>
+                </a:extLst>
+              </a:tr>
+              <a:tr h="512242">
+                <a:tc>
+                  <a:txBody>
+                    <a:bodyPr/>
+                    <a:lstStyle/>
+                    <a:p>
+                      <a:pPr algn="ctr" latinLnBrk="1">
+                        <a:spcAft>
+                          <a:spcPts val="800"/>
+                        </a:spcAft>
+                      </a:pPr>
+                      <a:r>
+                        <a:rPr lang="ko-KR" sz="1000">
+                          <a:effectLst/>
+                        </a:rPr>
+                        <a:t>스킬</a:t>
+                      </a:r>
+                      <a:r>
+                        <a:rPr lang="en-US" sz="1000">
+                          <a:effectLst/>
+                        </a:rPr>
+                        <a:t> 4</a:t>
+                      </a:r>
+                      <a:endParaRPr lang="ko-KR" sz="1000">
+                        <a:effectLst/>
+                        <a:latin typeface="맑은 고딕" panose="020B0503020000020004" pitchFamily="50" charset="-127"/>
+                        <a:ea typeface="맑은 고딕" panose="020B0503020000020004" pitchFamily="50" charset="-127"/>
+                        <a:cs typeface="맑은 고딕" panose="020B0503020000020004" pitchFamily="50" charset="-127"/>
+                      </a:endParaRPr>
+                    </a:p>
+                  </a:txBody>
+                  <a:tcPr marL="67521" marR="67521" marT="0" marB="0" anchor="ctr">
+                    <a:lnL w="19050" cap="flat" cmpd="sng" algn="ctr">
+                      <a:solidFill>
+                        <a:schemeClr val="tx1"/>
+                      </a:solidFill>
+                      <a:prstDash val="solid"/>
+                      <a:round/>
+                      <a:headEnd type="none" w="med" len="med"/>
+                      <a:tailEnd type="none" w="med" len="med"/>
+                    </a:lnL>
+                    <a:lnR w="9525" cap="flat" cmpd="sng" algn="ctr">
+                      <a:solidFill>
+                        <a:schemeClr val="tx1"/>
+                      </a:solidFill>
+                      <a:prstDash val="solid"/>
+                      <a:round/>
+                      <a:headEnd type="none" w="med" len="med"/>
+                      <a:tailEnd type="none" w="med" len="med"/>
+                    </a:lnR>
+                    <a:lnT w="9525" cap="flat" cmpd="sng" algn="ctr">
+                      <a:solidFill>
+                        <a:schemeClr val="tx1"/>
+                      </a:solidFill>
+                      <a:prstDash val="solid"/>
+                      <a:round/>
+                      <a:headEnd type="none" w="med" len="med"/>
+                      <a:tailEnd type="none" w="med" len="med"/>
+                    </a:lnT>
+                    <a:lnB w="19050" cap="flat" cmpd="sng" algn="ctr">
+                      <a:solidFill>
+                        <a:schemeClr val="tx1"/>
+                      </a:solidFill>
+                      <a:prstDash val="solid"/>
+                      <a:round/>
+                      <a:headEnd type="none" w="med" len="med"/>
+                      <a:tailEnd type="none" w="med" len="med"/>
+                    </a:lnB>
+                    <a:solidFill>
+                      <a:schemeClr val="bg1"/>
+                    </a:solidFill>
+                  </a:tcPr>
+                </a:tc>
+                <a:tc>
+                  <a:txBody>
+                    <a:bodyPr/>
+                    <a:lstStyle/>
+                    <a:p>
+                      <a:pPr algn="ctr" latinLnBrk="1">
+                        <a:spcAft>
+                          <a:spcPts val="800"/>
+                        </a:spcAft>
+                      </a:pPr>
+                      <a:endParaRPr lang="ko-KR" sz="1000" dirty="0">
+                        <a:effectLst/>
+                        <a:latin typeface="맑은 고딕" panose="020B0503020000020004" pitchFamily="50" charset="-127"/>
+                        <a:ea typeface="맑은 고딕" panose="020B0503020000020004" pitchFamily="50" charset="-127"/>
+                        <a:cs typeface="맑은 고딕" panose="020B0503020000020004" pitchFamily="50" charset="-127"/>
+                      </a:endParaRPr>
+                    </a:p>
+                  </a:txBody>
+                  <a:tcPr marL="67521" marR="67521" marT="0" marB="0" anchor="ctr">
+                    <a:lnL w="9525" cap="flat" cmpd="sng" algn="ctr">
+                      <a:solidFill>
+                        <a:schemeClr val="tx1"/>
+                      </a:solidFill>
+                      <a:prstDash val="solid"/>
+                      <a:round/>
+                      <a:headEnd type="none" w="med" len="med"/>
+                      <a:tailEnd type="none" w="med" len="med"/>
+                    </a:lnL>
+                    <a:lnR w="9525" cap="flat" cmpd="sng" algn="ctr">
+                      <a:solidFill>
+                        <a:schemeClr val="tx1"/>
+                      </a:solidFill>
+                      <a:prstDash val="solid"/>
+                      <a:round/>
+                      <a:headEnd type="none" w="med" len="med"/>
+                      <a:tailEnd type="none" w="med" len="med"/>
+                    </a:lnR>
+                    <a:lnT w="9525" cap="flat" cmpd="sng" algn="ctr">
+                      <a:solidFill>
+                        <a:schemeClr val="tx1"/>
+                      </a:solidFill>
+                      <a:prstDash val="solid"/>
+                      <a:round/>
+                      <a:headEnd type="none" w="med" len="med"/>
+                      <a:tailEnd type="none" w="med" len="med"/>
+                    </a:lnT>
+                    <a:lnB w="19050" cap="flat" cmpd="sng" algn="ctr">
+                      <a:solidFill>
+                        <a:schemeClr val="tx1"/>
+                      </a:solidFill>
+                      <a:prstDash val="solid"/>
+                      <a:round/>
+                      <a:headEnd type="none" w="med" len="med"/>
+                      <a:tailEnd type="none" w="med" len="med"/>
+                    </a:lnB>
+                    <a:solidFill>
+                      <a:schemeClr val="bg1"/>
+                    </a:solidFill>
+                  </a:tcPr>
+                </a:tc>
+                <a:extLst>
+                  <a:ext uri="{0D108BD9-81ED-4DB2-BD59-A6C34878D82A}">
+                    <a16:rowId xmlns:a16="http://schemas.microsoft.com/office/drawing/2014/main" val="848545980"/>
+                  </a:ext>
+                </a:extLst>
+              </a:tr>
+            </a:tbl>
+          </a:graphicData>
+        </a:graphic>
+      </p:graphicFrame>
     </p:spTree>
     <p:extLst>
       <p:ext uri="{BB962C8B-B14F-4D97-AF65-F5344CB8AC3E}">
@@ -12252,7 +12237,7 @@
         </p:blipFill>
         <p:spPr>
           <a:xfrm>
-            <a:off x="7316426" y="2067232"/>
+            <a:off x="6867586" y="-56380"/>
             <a:ext cx="5210175" cy="4343400"/>
           </a:xfrm>
           <a:prstGeom prst="rect">
@@ -12643,14 +12628,14 @@
           <p:nvPr>
             <p:extLst>
               <p:ext uri="{D42A27DB-BD31-4B8C-83A1-F6EECF244321}">
-                <p14:modId xmlns:p14="http://schemas.microsoft.com/office/powerpoint/2010/main" val="1864538324"/>
+                <p14:modId xmlns:p14="http://schemas.microsoft.com/office/powerpoint/2010/main" val="3065267591"/>
               </p:ext>
             </p:extLst>
           </p:nvPr>
         </p:nvGraphicFramePr>
         <p:xfrm>
           <a:off x="155404" y="2161089"/>
-          <a:ext cx="11940140" cy="4015120"/>
+          <a:ext cx="11940140" cy="4465258"/>
         </p:xfrm>
         <a:graphic>
           <a:graphicData uri="http://schemas.openxmlformats.org/drawingml/2006/table">
@@ -13723,6 +13708,100 @@
                 <a:extLst>
                   <a:ext uri="{0D108BD9-81ED-4DB2-BD59-A6C34878D82A}">
                     <a16:rowId xmlns:a16="http://schemas.microsoft.com/office/drawing/2014/main" val="848545980"/>
+                  </a:ext>
+                </a:extLst>
+              </a:tr>
+              <a:tr h="450138">
+                <a:tc>
+                  <a:txBody>
+                    <a:bodyPr/>
+                    <a:lstStyle/>
+                    <a:p>
+                      <a:pPr algn="ctr" latinLnBrk="1">
+                        <a:spcAft>
+                          <a:spcPts val="800"/>
+                        </a:spcAft>
+                      </a:pPr>
+                      <a:endParaRPr lang="ko-KR" sz="1100" dirty="0">
+                        <a:effectLst/>
+                        <a:latin typeface="맑은 고딕" panose="020B0503020000020004" pitchFamily="50" charset="-127"/>
+                        <a:ea typeface="맑은 고딕" panose="020B0503020000020004" pitchFamily="50" charset="-127"/>
+                        <a:cs typeface="맑은 고딕" panose="020B0503020000020004" pitchFamily="50" charset="-127"/>
+                      </a:endParaRPr>
+                    </a:p>
+                  </a:txBody>
+                  <a:tcPr marL="67521" marR="67521" marT="0" marB="0" anchor="ctr"/>
+                </a:tc>
+                <a:tc>
+                  <a:txBody>
+                    <a:bodyPr/>
+                    <a:lstStyle/>
+                    <a:p>
+                      <a:pPr algn="ctr" latinLnBrk="1">
+                        <a:spcAft>
+                          <a:spcPts val="800"/>
+                        </a:spcAft>
+                      </a:pPr>
+                      <a:endParaRPr lang="ko-KR" sz="1100" dirty="0">
+                        <a:effectLst/>
+                        <a:latin typeface="맑은 고딕" panose="020B0503020000020004" pitchFamily="50" charset="-127"/>
+                        <a:ea typeface="맑은 고딕" panose="020B0503020000020004" pitchFamily="50" charset="-127"/>
+                        <a:cs typeface="맑은 고딕" panose="020B0503020000020004" pitchFamily="50" charset="-127"/>
+                      </a:endParaRPr>
+                    </a:p>
+                  </a:txBody>
+                  <a:tcPr marL="67521" marR="67521" marT="0" marB="0" anchor="ctr"/>
+                </a:tc>
+                <a:tc>
+                  <a:txBody>
+                    <a:bodyPr/>
+                    <a:lstStyle/>
+                    <a:p>
+                      <a:pPr latinLnBrk="1">
+                        <a:spcAft>
+                          <a:spcPts val="800"/>
+                        </a:spcAft>
+                      </a:pPr>
+                      <a:r>
+                        <a:rPr lang="ko-KR" altLang="en-US" sz="1100" dirty="0" err="1">
+                          <a:effectLst/>
+                          <a:latin typeface="맑은 고딕" panose="020B0503020000020004" pitchFamily="50" charset="-127"/>
+                          <a:ea typeface="맑은 고딕" panose="020B0503020000020004" pitchFamily="50" charset="-127"/>
+                          <a:cs typeface="맑은 고딕" panose="020B0503020000020004" pitchFamily="50" charset="-127"/>
+                        </a:rPr>
+                        <a:t>천뢰침을</a:t>
+                      </a:r>
+                      <a:r>
+                        <a:rPr lang="ko-KR" altLang="en-US" sz="1100" dirty="0">
+                          <a:effectLst/>
+                          <a:latin typeface="맑은 고딕" panose="020B0503020000020004" pitchFamily="50" charset="-127"/>
+                          <a:ea typeface="맑은 고딕" panose="020B0503020000020004" pitchFamily="50" charset="-127"/>
+                          <a:cs typeface="맑은 고딕" panose="020B0503020000020004" pitchFamily="50" charset="-127"/>
+                        </a:rPr>
+                        <a:t> 발사하는 스킬이 있어야 함</a:t>
+                      </a:r>
+                      <a:r>
+                        <a:rPr lang="en-US" altLang="ko-KR" sz="1100" dirty="0">
+                          <a:effectLst/>
+                          <a:latin typeface="맑은 고딕" panose="020B0503020000020004" pitchFamily="50" charset="-127"/>
+                          <a:ea typeface="맑은 고딕" panose="020B0503020000020004" pitchFamily="50" charset="-127"/>
+                          <a:cs typeface="맑은 고딕" panose="020B0503020000020004" pitchFamily="50" charset="-127"/>
+                        </a:rPr>
+                        <a:t>.</a:t>
+                      </a:r>
+                      <a:endParaRPr lang="ko-KR" sz="1100" dirty="0">
+                        <a:effectLst/>
+                        <a:latin typeface="맑은 고딕" panose="020B0503020000020004" pitchFamily="50" charset="-127"/>
+                        <a:ea typeface="맑은 고딕" panose="020B0503020000020004" pitchFamily="50" charset="-127"/>
+                        <a:cs typeface="맑은 고딕" panose="020B0503020000020004" pitchFamily="50" charset="-127"/>
+                      </a:endParaRPr>
+                    </a:p>
+                  </a:txBody>
+                  <a:tcPr marL="67521" marR="67521" marT="0" marB="0" anchor="ctr"/>
+                </a:tc>
+                <a:extLst>
+                  <a:ext uri="{0D108BD9-81ED-4DB2-BD59-A6C34878D82A}">
+                    <a16:rowId xmlns:a16="http://schemas.microsoft.com/office/drawing/2014/main" val="4084260564"/>
                   </a:ext>
                 </a:extLst>
               </a:tr>

--- a/액션&경영 RPG/스킬/리트루기아_부채스킬기획.pptx
+++ b/액션&경영 RPG/스킬/리트루기아_부채스킬기획.pptx
@@ -267,7 +267,7 @@
           <a:p>
             <a:fld id="{F8ADF8F0-391E-4C28-B3EC-FA94B0B80675}" type="datetimeFigureOut">
               <a:rPr lang="ko-KR" altLang="en-US" smtClean="0"/>
-              <a:t>2024-09-24</a:t>
+              <a:t>2024-09-25</a:t>
             </a:fld>
             <a:endParaRPr lang="ko-KR" altLang="en-US"/>
           </a:p>
@@ -465,7 +465,7 @@
           <a:p>
             <a:fld id="{F8ADF8F0-391E-4C28-B3EC-FA94B0B80675}" type="datetimeFigureOut">
               <a:rPr lang="ko-KR" altLang="en-US" smtClean="0"/>
-              <a:t>2024-09-24</a:t>
+              <a:t>2024-09-25</a:t>
             </a:fld>
             <a:endParaRPr lang="ko-KR" altLang="en-US"/>
           </a:p>
@@ -673,7 +673,7 @@
           <a:p>
             <a:fld id="{F8ADF8F0-391E-4C28-B3EC-FA94B0B80675}" type="datetimeFigureOut">
               <a:rPr lang="ko-KR" altLang="en-US" smtClean="0"/>
-              <a:t>2024-09-24</a:t>
+              <a:t>2024-09-25</a:t>
             </a:fld>
             <a:endParaRPr lang="ko-KR" altLang="en-US"/>
           </a:p>
@@ -871,7 +871,7 @@
           <a:p>
             <a:fld id="{F8ADF8F0-391E-4C28-B3EC-FA94B0B80675}" type="datetimeFigureOut">
               <a:rPr lang="ko-KR" altLang="en-US" smtClean="0"/>
-              <a:t>2024-09-24</a:t>
+              <a:t>2024-09-25</a:t>
             </a:fld>
             <a:endParaRPr lang="ko-KR" altLang="en-US"/>
           </a:p>
@@ -1146,7 +1146,7 @@
           <a:p>
             <a:fld id="{F8ADF8F0-391E-4C28-B3EC-FA94B0B80675}" type="datetimeFigureOut">
               <a:rPr lang="ko-KR" altLang="en-US" smtClean="0"/>
-              <a:t>2024-09-24</a:t>
+              <a:t>2024-09-25</a:t>
             </a:fld>
             <a:endParaRPr lang="ko-KR" altLang="en-US"/>
           </a:p>
@@ -1411,7 +1411,7 @@
           <a:p>
             <a:fld id="{F8ADF8F0-391E-4C28-B3EC-FA94B0B80675}" type="datetimeFigureOut">
               <a:rPr lang="ko-KR" altLang="en-US" smtClean="0"/>
-              <a:t>2024-09-24</a:t>
+              <a:t>2024-09-25</a:t>
             </a:fld>
             <a:endParaRPr lang="ko-KR" altLang="en-US"/>
           </a:p>
@@ -1823,7 +1823,7 @@
           <a:p>
             <a:fld id="{F8ADF8F0-391E-4C28-B3EC-FA94B0B80675}" type="datetimeFigureOut">
               <a:rPr lang="ko-KR" altLang="en-US" smtClean="0"/>
-              <a:t>2024-09-24</a:t>
+              <a:t>2024-09-25</a:t>
             </a:fld>
             <a:endParaRPr lang="ko-KR" altLang="en-US"/>
           </a:p>
@@ -1964,7 +1964,7 @@
           <a:p>
             <a:fld id="{F8ADF8F0-391E-4C28-B3EC-FA94B0B80675}" type="datetimeFigureOut">
               <a:rPr lang="ko-KR" altLang="en-US" smtClean="0"/>
-              <a:t>2024-09-24</a:t>
+              <a:t>2024-09-25</a:t>
             </a:fld>
             <a:endParaRPr lang="ko-KR" altLang="en-US"/>
           </a:p>
@@ -2077,7 +2077,7 @@
           <a:p>
             <a:fld id="{F8ADF8F0-391E-4C28-B3EC-FA94B0B80675}" type="datetimeFigureOut">
               <a:rPr lang="ko-KR" altLang="en-US" smtClean="0"/>
-              <a:t>2024-09-24</a:t>
+              <a:t>2024-09-25</a:t>
             </a:fld>
             <a:endParaRPr lang="ko-KR" altLang="en-US"/>
           </a:p>
@@ -2388,7 +2388,7 @@
           <a:p>
             <a:fld id="{F8ADF8F0-391E-4C28-B3EC-FA94B0B80675}" type="datetimeFigureOut">
               <a:rPr lang="ko-KR" altLang="en-US" smtClean="0"/>
-              <a:t>2024-09-24</a:t>
+              <a:t>2024-09-25</a:t>
             </a:fld>
             <a:endParaRPr lang="ko-KR" altLang="en-US"/>
           </a:p>
@@ -2676,7 +2676,7 @@
           <a:p>
             <a:fld id="{F8ADF8F0-391E-4C28-B3EC-FA94B0B80675}" type="datetimeFigureOut">
               <a:rPr lang="ko-KR" altLang="en-US" smtClean="0"/>
-              <a:t>2024-09-24</a:t>
+              <a:t>2024-09-25</a:t>
             </a:fld>
             <a:endParaRPr lang="ko-KR" altLang="en-US"/>
           </a:p>
@@ -2917,7 +2917,7 @@
           <a:p>
             <a:fld id="{F8ADF8F0-391E-4C28-B3EC-FA94B0B80675}" type="datetimeFigureOut">
               <a:rPr lang="ko-KR" altLang="en-US" smtClean="0"/>
-              <a:t>2024-09-24</a:t>
+              <a:t>2024-09-25</a:t>
             </a:fld>
             <a:endParaRPr lang="ko-KR" altLang="en-US"/>
           </a:p>
@@ -6058,7 +6058,7 @@
           <p:spPr>
             <a:xfrm>
               <a:off x="558667" y="5475441"/>
-              <a:ext cx="5407249" cy="524246"/>
+              <a:ext cx="5022529" cy="524246"/>
             </a:xfrm>
             <a:prstGeom prst="rect">
               <a:avLst/>
@@ -6082,43 +6082,7 @@
                 <a:rPr lang="ko-KR" altLang="en-US" sz="1000" dirty="0">
                   <a:latin typeface="+mn-ea"/>
                 </a:rPr>
-                <a:t>부채의 속살</a:t>
-              </a:r>
-              <a:r>
-                <a:rPr lang="en-US" altLang="ko-KR" sz="1000" dirty="0">
-                  <a:latin typeface="+mn-ea"/>
-                </a:rPr>
-                <a:t>(</a:t>
-              </a:r>
-              <a:r>
-                <a:rPr lang="ko-KR" altLang="en-US" sz="1000" dirty="0">
-                  <a:latin typeface="+mn-ea"/>
-                </a:rPr>
-                <a:t>이하 </a:t>
-              </a:r>
-              <a:r>
-                <a:rPr lang="en-US" altLang="ko-KR" sz="1000" dirty="0">
-                  <a:latin typeface="+mn-ea"/>
-                </a:rPr>
-                <a:t>‘</a:t>
-              </a:r>
-              <a:r>
-                <a:rPr lang="ko-KR" altLang="en-US" sz="1000" dirty="0" err="1">
-                  <a:latin typeface="+mn-ea"/>
-                </a:rPr>
-                <a:t>천뢰침</a:t>
-              </a:r>
-              <a:r>
-                <a:rPr lang="en-US" altLang="ko-KR" sz="1000" dirty="0">
-                  <a:latin typeface="+mn-ea"/>
-                </a:rPr>
-                <a:t>‘)</a:t>
-              </a:r>
-              <a:r>
-                <a:rPr lang="ko-KR" altLang="en-US" sz="1000" dirty="0">
-                  <a:latin typeface="+mn-ea"/>
-                </a:rPr>
-                <a:t>을 피뢰침 삼아 번개를 유도하는 무기입니다</a:t>
+                <a:t>부채에 번개를 모아서 방출합니다</a:t>
               </a:r>
               <a:r>
                 <a:rPr lang="en-US" altLang="ko-KR" sz="1000" dirty="0">
@@ -6126,15 +6090,6 @@
                 </a:rPr>
                 <a:t>.</a:t>
               </a:r>
-              <a:r>
-                <a:rPr lang="ko-KR" altLang="en-US" sz="1000" dirty="0">
-                  <a:latin typeface="+mn-ea"/>
-                </a:rPr>
-                <a:t> </a:t>
-              </a:r>
-              <a:endParaRPr lang="en-US" altLang="ko-KR" sz="1000" dirty="0">
-                <a:latin typeface="+mn-ea"/>
-              </a:endParaRPr>
             </a:p>
             <a:p>
               <a:pPr marL="171450" indent="-171450">
@@ -6148,31 +6103,19 @@
                 <a:rPr lang="ko-KR" altLang="en-US" sz="1000" dirty="0" err="1">
                   <a:latin typeface="+mn-ea"/>
                 </a:rPr>
-                <a:t>천뢰침</a:t>
-              </a:r>
-              <a:r>
-                <a:rPr lang="ko-KR" altLang="en-US" sz="1000" dirty="0">
-                  <a:latin typeface="+mn-ea"/>
-                </a:rPr>
-                <a:t> 중 일부는 적에게 방출할 수 있고 방출된 </a:t>
-              </a:r>
-              <a:r>
-                <a:rPr lang="ko-KR" altLang="en-US" sz="1000" dirty="0" err="1">
-                  <a:latin typeface="+mn-ea"/>
-                </a:rPr>
                 <a:t>천뢰침은</a:t>
               </a:r>
               <a:r>
                 <a:rPr lang="ko-KR" altLang="en-US" sz="1000" dirty="0">
                   <a:latin typeface="+mn-ea"/>
                 </a:rPr>
-                <a:t> 처음 적중한 적에게 꽂힙니다</a:t>
+                <a:t> 여러 갈래로 방출된 번개를 한 갈래로 유도하여 피해를 집중시킵니다</a:t>
               </a:r>
               <a:r>
                 <a:rPr lang="en-US" altLang="ko-KR" sz="1000" dirty="0">
                   <a:latin typeface="+mn-ea"/>
                 </a:rPr>
-                <a:t>.)</a:t>
+                <a:t>.</a:t>
               </a:r>
             </a:p>
           </p:txBody>
@@ -7934,14 +7877,14 @@
           <p:nvPr>
             <p:extLst>
               <p:ext uri="{D42A27DB-BD31-4B8C-83A1-F6EECF244321}">
-                <p14:modId xmlns:p14="http://schemas.microsoft.com/office/powerpoint/2010/main" val="2924124875"/>
+                <p14:modId xmlns:p14="http://schemas.microsoft.com/office/powerpoint/2010/main" val="2473770330"/>
               </p:ext>
             </p:extLst>
           </p:nvPr>
         </p:nvGraphicFramePr>
         <p:xfrm>
-          <a:off x="2907494" y="1995951"/>
-          <a:ext cx="5219236" cy="3475217"/>
+          <a:off x="2286977" y="1995951"/>
+          <a:ext cx="7618045" cy="3475217"/>
         </p:xfrm>
         <a:graphic>
           <a:graphicData uri="http://schemas.openxmlformats.org/drawingml/2006/table">
@@ -7950,14 +7893,21 @@
                 <a:tableStyleId>{5C22544A-7EE6-4342-B048-85BDC9FD1C3A}</a:tableStyleId>
               </a:tblPr>
               <a:tblGrid>
-                <a:gridCol w="1013639">
+                <a:gridCol w="848793">
                   <a:extLst>
                     <a:ext uri="{9D8B030D-6E8A-4147-A177-3AD203B41FA5}">
                       <a16:colId xmlns:a16="http://schemas.microsoft.com/office/drawing/2014/main" val="2160954055"/>
                     </a:ext>
                   </a:extLst>
                 </a:gridCol>
-                <a:gridCol w="4205597">
+                <a:gridCol w="1422000">
+                  <a:extLst>
+                    <a:ext uri="{9D8B030D-6E8A-4147-A177-3AD203B41FA5}">
+                      <a16:colId xmlns:a16="http://schemas.microsoft.com/office/drawing/2014/main" val="2184986852"/>
+                    </a:ext>
+                  </a:extLst>
+                </a:gridCol>
+                <a:gridCol w="5347252">
                   <a:extLst>
                     <a:ext uri="{9D8B030D-6E8A-4147-A177-3AD203B41FA5}">
                       <a16:colId xmlns:a16="http://schemas.microsoft.com/office/drawing/2014/main" val="1986683167"/>
@@ -7976,6 +7926,18 @@
                           <a:spcPts val="800"/>
                         </a:spcAft>
                       </a:pPr>
+                      <a:r>
+                        <a:rPr lang="ko-KR" altLang="en-US" sz="1100" b="1" dirty="0">
+                          <a:solidFill>
+                            <a:schemeClr val="bg1"/>
+                          </a:solidFill>
+                          <a:effectLst/>
+                          <a:latin typeface="맑은 고딕" panose="020B0503020000020004" pitchFamily="50" charset="-127"/>
+                          <a:ea typeface="맑은 고딕" panose="020B0503020000020004" pitchFamily="50" charset="-127"/>
+                          <a:cs typeface="맑은 고딕" panose="020B0503020000020004" pitchFamily="50" charset="-127"/>
+                        </a:rPr>
+                        <a:t>스킬 구분</a:t>
+                      </a:r>
                       <a:endParaRPr lang="ko-KR" sz="1100" b="1" dirty="0">
                         <a:solidFill>
                           <a:schemeClr val="bg1"/>
@@ -7988,27 +7950,84 @@
                     </a:p>
                   </a:txBody>
                   <a:tcPr marL="67521" marR="67521" marT="0" marB="0" anchor="ctr">
-                    <a:lnL w="19050" cap="flat" cmpd="sng" algn="ctr">
+                    <a:lnL w="12700" cap="flat" cmpd="sng" algn="ctr">
                       <a:solidFill>
-                        <a:schemeClr val="tx1"/>
+                        <a:srgbClr val="0A6D94"/>
                       </a:solidFill>
                       <a:prstDash val="solid"/>
                       <a:round/>
                       <a:headEnd type="none" w="med" len="med"/>
                       <a:tailEnd type="none" w="med" len="med"/>
                     </a:lnL>
-                    <a:lnT w="19050" cap="flat" cmpd="sng" algn="ctr">
+                    <a:lnT w="12700" cap="flat" cmpd="sng" algn="ctr">
                       <a:solidFill>
-                        <a:schemeClr val="tx1"/>
+                        <a:srgbClr val="0A6D94"/>
                       </a:solidFill>
                       <a:prstDash val="solid"/>
                       <a:round/>
                       <a:headEnd type="none" w="med" len="med"/>
                       <a:tailEnd type="none" w="med" len="med"/>
                     </a:lnT>
-                    <a:lnB w="19050" cap="flat" cmpd="sng" algn="ctr">
+                    <a:lnB w="12700" cap="flat" cmpd="sng" algn="ctr">
                       <a:solidFill>
-                        <a:schemeClr val="tx1"/>
+                        <a:srgbClr val="0A6D94"/>
+                      </a:solidFill>
+                      <a:prstDash val="solid"/>
+                      <a:round/>
+                      <a:headEnd type="none" w="med" len="med"/>
+                      <a:tailEnd type="none" w="med" len="med"/>
+                    </a:lnB>
+                    <a:solidFill>
+                      <a:srgbClr val="0A6D94"/>
+                    </a:solidFill>
+                  </a:tcPr>
+                </a:tc>
+                <a:tc>
+                  <a:txBody>
+                    <a:bodyPr/>
+                    <a:lstStyle/>
+                    <a:p>
+                      <a:pPr algn="ctr" latinLnBrk="1">
+                        <a:spcAft>
+                          <a:spcPts val="800"/>
+                        </a:spcAft>
+                      </a:pPr>
+                      <a:r>
+                        <a:rPr lang="ko-KR" altLang="en-US" sz="1100" b="1" dirty="0">
+                          <a:solidFill>
+                            <a:schemeClr val="bg1"/>
+                          </a:solidFill>
+                          <a:effectLst/>
+                          <a:latin typeface="맑은 고딕" panose="020B0503020000020004" pitchFamily="50" charset="-127"/>
+                          <a:ea typeface="맑은 고딕" panose="020B0503020000020004" pitchFamily="50" charset="-127"/>
+                          <a:cs typeface="맑은 고딕" panose="020B0503020000020004" pitchFamily="50" charset="-127"/>
+                        </a:rPr>
+                        <a:t>스킬 명</a:t>
+                      </a:r>
+                      <a:endParaRPr lang="ko-KR" sz="1100" b="1" dirty="0">
+                        <a:solidFill>
+                          <a:schemeClr val="bg1"/>
+                        </a:solidFill>
+                        <a:effectLst/>
+                        <a:latin typeface="맑은 고딕" panose="020B0503020000020004" pitchFamily="50" charset="-127"/>
+                        <a:ea typeface="맑은 고딕" panose="020B0503020000020004" pitchFamily="50" charset="-127"/>
+                        <a:cs typeface="맑은 고딕" panose="020B0503020000020004" pitchFamily="50" charset="-127"/>
+                      </a:endParaRPr>
+                    </a:p>
+                  </a:txBody>
+                  <a:tcPr marL="67521" marR="67521" marT="0" marB="0" anchor="ctr">
+                    <a:lnT w="12700" cap="flat" cmpd="sng" algn="ctr">
+                      <a:solidFill>
+                        <a:srgbClr val="0A6D94"/>
+                      </a:solidFill>
+                      <a:prstDash val="solid"/>
+                      <a:round/>
+                      <a:headEnd type="none" w="med" len="med"/>
+                      <a:tailEnd type="none" w="med" len="med"/>
+                    </a:lnT>
+                    <a:lnB w="12700" cap="flat" cmpd="sng" algn="ctr">
+                      <a:solidFill>
+                        <a:srgbClr val="0A6D94"/>
                       </a:solidFill>
                       <a:prstDash val="solid"/>
                       <a:round/>
@@ -8054,18 +8073,27 @@
                     </a:p>
                   </a:txBody>
                   <a:tcPr marL="67521" marR="67521" marT="0" marB="0" anchor="ctr">
-                    <a:lnT w="19050" cap="flat" cmpd="sng" algn="ctr">
+                    <a:lnR w="12700" cap="flat" cmpd="sng" algn="ctr">
                       <a:solidFill>
-                        <a:schemeClr val="tx1"/>
+                        <a:srgbClr val="0A6D94"/>
+                      </a:solidFill>
+                      <a:prstDash val="solid"/>
+                      <a:round/>
+                      <a:headEnd type="none" w="med" len="med"/>
+                      <a:tailEnd type="none" w="med" len="med"/>
+                    </a:lnR>
+                    <a:lnT w="12700" cap="flat" cmpd="sng" algn="ctr">
+                      <a:solidFill>
+                        <a:srgbClr val="0A6D94"/>
                       </a:solidFill>
                       <a:prstDash val="solid"/>
                       <a:round/>
                       <a:headEnd type="none" w="med" len="med"/>
                       <a:tailEnd type="none" w="med" len="med"/>
                     </a:lnT>
-                    <a:lnB w="19050" cap="flat" cmpd="sng" algn="ctr">
+                    <a:lnB w="12700" cap="flat" cmpd="sng" algn="ctr">
                       <a:solidFill>
-                        <a:schemeClr val="tx1"/>
+                        <a:srgbClr val="0A6D94"/>
                       </a:solidFill>
                       <a:prstDash val="solid"/>
                       <a:round/>
@@ -8115,9 +8143,9 @@
                     </a:p>
                   </a:txBody>
                   <a:tcPr marL="67521" marR="67521" marT="0" marB="0" anchor="ctr">
-                    <a:lnL w="19050" cap="flat" cmpd="sng" algn="ctr">
+                    <a:lnL w="12700" cap="flat" cmpd="sng" algn="ctr">
                       <a:solidFill>
-                        <a:schemeClr val="tx1"/>
+                        <a:srgbClr val="0A6D94"/>
                       </a:solidFill>
                       <a:prstDash val="solid"/>
                       <a:round/>
@@ -8126,16 +8154,18 @@
                     </a:lnL>
                     <a:lnR w="9525" cap="flat" cmpd="sng" algn="ctr">
                       <a:solidFill>
-                        <a:schemeClr val="tx1"/>
+                        <a:schemeClr val="bg1">
+                          <a:lumMod val="75000"/>
+                        </a:schemeClr>
                       </a:solidFill>
                       <a:prstDash val="solid"/>
                       <a:round/>
                       <a:headEnd type="none" w="med" len="med"/>
                       <a:tailEnd type="none" w="med" len="med"/>
                     </a:lnR>
-                    <a:lnT w="19050" cap="flat" cmpd="sng" algn="ctr">
+                    <a:lnT w="12700" cap="flat" cmpd="sng" algn="ctr">
                       <a:solidFill>
-                        <a:schemeClr val="tx1"/>
+                        <a:srgbClr val="0A6D94"/>
                       </a:solidFill>
                       <a:prstDash val="solid"/>
                       <a:round/>
@@ -8144,7 +8174,75 @@
                     </a:lnT>
                     <a:lnB w="9525" cap="flat" cmpd="sng" algn="ctr">
                       <a:solidFill>
-                        <a:schemeClr val="tx1"/>
+                        <a:schemeClr val="bg1">
+                          <a:lumMod val="75000"/>
+                        </a:schemeClr>
+                      </a:solidFill>
+                      <a:prstDash val="solid"/>
+                      <a:round/>
+                      <a:headEnd type="none" w="med" len="med"/>
+                      <a:tailEnd type="none" w="med" len="med"/>
+                    </a:lnB>
+                    <a:solidFill>
+                      <a:schemeClr val="bg1"/>
+                    </a:solidFill>
+                  </a:tcPr>
+                </a:tc>
+                <a:tc>
+                  <a:txBody>
+                    <a:bodyPr/>
+                    <a:lstStyle/>
+                    <a:p>
+                      <a:pPr algn="ctr" latinLnBrk="1">
+                        <a:spcAft>
+                          <a:spcPts val="800"/>
+                        </a:spcAft>
+                      </a:pPr>
+                      <a:endParaRPr lang="ko-KR" sz="1000" dirty="0">
+                        <a:effectLst/>
+                        <a:latin typeface="맑은 고딕" panose="020B0503020000020004" pitchFamily="50" charset="-127"/>
+                        <a:ea typeface="맑은 고딕" panose="020B0503020000020004" pitchFamily="50" charset="-127"/>
+                        <a:cs typeface="맑은 고딕" panose="020B0503020000020004" pitchFamily="50" charset="-127"/>
+                      </a:endParaRPr>
+                    </a:p>
+                  </a:txBody>
+                  <a:tcPr marL="67521" marR="67521" marT="0" marB="0" anchor="ctr">
+                    <a:lnL w="9525" cap="flat" cmpd="sng" algn="ctr">
+                      <a:solidFill>
+                        <a:schemeClr val="bg1">
+                          <a:lumMod val="75000"/>
+                        </a:schemeClr>
+                      </a:solidFill>
+                      <a:prstDash val="solid"/>
+                      <a:round/>
+                      <a:headEnd type="none" w="med" len="med"/>
+                      <a:tailEnd type="none" w="med" len="med"/>
+                    </a:lnL>
+                    <a:lnR w="9525" cap="flat" cmpd="sng" algn="ctr">
+                      <a:solidFill>
+                        <a:schemeClr val="bg1">
+                          <a:lumMod val="75000"/>
+                        </a:schemeClr>
+                      </a:solidFill>
+                      <a:prstDash val="solid"/>
+                      <a:round/>
+                      <a:headEnd type="none" w="med" len="med"/>
+                      <a:tailEnd type="none" w="med" len="med"/>
+                    </a:lnR>
+                    <a:lnT w="12700" cap="flat" cmpd="sng" algn="ctr">
+                      <a:solidFill>
+                        <a:srgbClr val="0A6D94"/>
+                      </a:solidFill>
+                      <a:prstDash val="solid"/>
+                      <a:round/>
+                      <a:headEnd type="none" w="med" len="med"/>
+                      <a:tailEnd type="none" w="med" len="med"/>
+                    </a:lnT>
+                    <a:lnB w="9525" cap="flat" cmpd="sng" algn="ctr">
+                      <a:solidFill>
+                        <a:schemeClr val="bg1">
+                          <a:lumMod val="75000"/>
+                        </a:schemeClr>
                       </a:solidFill>
                       <a:prstDash val="solid"/>
                       <a:round/>
@@ -8186,25 +8284,27 @@
                   <a:tcPr marL="67521" marR="67521" marT="0" marB="0" anchor="ctr">
                     <a:lnL w="9525" cap="flat" cmpd="sng" algn="ctr">
                       <a:solidFill>
-                        <a:schemeClr val="tx1"/>
+                        <a:schemeClr val="bg1">
+                          <a:lumMod val="75000"/>
+                        </a:schemeClr>
                       </a:solidFill>
                       <a:prstDash val="solid"/>
                       <a:round/>
                       <a:headEnd type="none" w="med" len="med"/>
                       <a:tailEnd type="none" w="med" len="med"/>
                     </a:lnL>
-                    <a:lnR w="9525" cap="flat" cmpd="sng" algn="ctr">
+                    <a:lnR w="12700" cap="flat" cmpd="sng" algn="ctr">
                       <a:solidFill>
-                        <a:schemeClr val="tx1"/>
+                        <a:srgbClr val="0A6D94"/>
                       </a:solidFill>
                       <a:prstDash val="solid"/>
                       <a:round/>
                       <a:headEnd type="none" w="med" len="med"/>
                       <a:tailEnd type="none" w="med" len="med"/>
                     </a:lnR>
-                    <a:lnT w="19050" cap="flat" cmpd="sng" algn="ctr">
+                    <a:lnT w="12700" cap="flat" cmpd="sng" algn="ctr">
                       <a:solidFill>
-                        <a:schemeClr val="tx1"/>
+                        <a:srgbClr val="0A6D94"/>
                       </a:solidFill>
                       <a:prstDash val="solid"/>
                       <a:round/>
@@ -8213,7 +8313,9 @@
                     </a:lnT>
                     <a:lnB w="9525" cap="flat" cmpd="sng" algn="ctr">
                       <a:solidFill>
-                        <a:schemeClr val="tx1"/>
+                        <a:schemeClr val="bg1">
+                          <a:lumMod val="75000"/>
+                        </a:schemeClr>
                       </a:solidFill>
                       <a:prstDash val="solid"/>
                       <a:round/>
@@ -8263,9 +8365,9 @@
                     </a:p>
                   </a:txBody>
                   <a:tcPr marL="67521" marR="67521" marT="0" marB="0" anchor="ctr">
-                    <a:lnL w="19050" cap="flat" cmpd="sng" algn="ctr">
+                    <a:lnL w="12700" cap="flat" cmpd="sng" algn="ctr">
                       <a:solidFill>
-                        <a:schemeClr val="tx1"/>
+                        <a:srgbClr val="0A6D94"/>
                       </a:solidFill>
                       <a:prstDash val="solid"/>
                       <a:round/>
@@ -8274,7 +8376,9 @@
                     </a:lnL>
                     <a:lnR w="9525" cap="flat" cmpd="sng" algn="ctr">
                       <a:solidFill>
-                        <a:schemeClr val="tx1"/>
+                        <a:schemeClr val="bg1">
+                          <a:lumMod val="75000"/>
+                        </a:schemeClr>
                       </a:solidFill>
                       <a:prstDash val="solid"/>
                       <a:round/>
@@ -8283,7 +8387,9 @@
                     </a:lnR>
                     <a:lnT w="9525" cap="flat" cmpd="sng" algn="ctr">
                       <a:solidFill>
-                        <a:schemeClr val="tx1"/>
+                        <a:schemeClr val="bg1">
+                          <a:lumMod val="75000"/>
+                        </a:schemeClr>
                       </a:solidFill>
                       <a:prstDash val="solid"/>
                       <a:round/>
@@ -8292,7 +8398,77 @@
                     </a:lnT>
                     <a:lnB w="9525" cap="flat" cmpd="sng" algn="ctr">
                       <a:solidFill>
-                        <a:schemeClr val="tx1"/>
+                        <a:schemeClr val="bg1">
+                          <a:lumMod val="75000"/>
+                        </a:schemeClr>
+                      </a:solidFill>
+                      <a:prstDash val="solid"/>
+                      <a:round/>
+                      <a:headEnd type="none" w="med" len="med"/>
+                      <a:tailEnd type="none" w="med" len="med"/>
+                    </a:lnB>
+                    <a:solidFill>
+                      <a:schemeClr val="bg1"/>
+                    </a:solidFill>
+                  </a:tcPr>
+                </a:tc>
+                <a:tc>
+                  <a:txBody>
+                    <a:bodyPr/>
+                    <a:lstStyle/>
+                    <a:p>
+                      <a:pPr algn="ctr" latinLnBrk="1">
+                        <a:spcAft>
+                          <a:spcPts val="800"/>
+                        </a:spcAft>
+                      </a:pPr>
+                      <a:endParaRPr lang="ko-KR" sz="1000" dirty="0">
+                        <a:effectLst/>
+                        <a:latin typeface="맑은 고딕" panose="020B0503020000020004" pitchFamily="50" charset="-127"/>
+                        <a:ea typeface="맑은 고딕" panose="020B0503020000020004" pitchFamily="50" charset="-127"/>
+                        <a:cs typeface="맑은 고딕" panose="020B0503020000020004" pitchFamily="50" charset="-127"/>
+                      </a:endParaRPr>
+                    </a:p>
+                  </a:txBody>
+                  <a:tcPr marL="67521" marR="67521" marT="0" marB="0" anchor="ctr">
+                    <a:lnL w="9525" cap="flat" cmpd="sng" algn="ctr">
+                      <a:solidFill>
+                        <a:schemeClr val="bg1">
+                          <a:lumMod val="75000"/>
+                        </a:schemeClr>
+                      </a:solidFill>
+                      <a:prstDash val="solid"/>
+                      <a:round/>
+                      <a:headEnd type="none" w="med" len="med"/>
+                      <a:tailEnd type="none" w="med" len="med"/>
+                    </a:lnL>
+                    <a:lnR w="9525" cap="flat" cmpd="sng" algn="ctr">
+                      <a:solidFill>
+                        <a:schemeClr val="bg1">
+                          <a:lumMod val="75000"/>
+                        </a:schemeClr>
+                      </a:solidFill>
+                      <a:prstDash val="solid"/>
+                      <a:round/>
+                      <a:headEnd type="none" w="med" len="med"/>
+                      <a:tailEnd type="none" w="med" len="med"/>
+                    </a:lnR>
+                    <a:lnT w="9525" cap="flat" cmpd="sng" algn="ctr">
+                      <a:solidFill>
+                        <a:schemeClr val="bg1">
+                          <a:lumMod val="75000"/>
+                        </a:schemeClr>
+                      </a:solidFill>
+                      <a:prstDash val="solid"/>
+                      <a:round/>
+                      <a:headEnd type="none" w="med" len="med"/>
+                      <a:tailEnd type="none" w="med" len="med"/>
+                    </a:lnT>
+                    <a:lnB w="9525" cap="flat" cmpd="sng" algn="ctr">
+                      <a:solidFill>
+                        <a:schemeClr val="bg1">
+                          <a:lumMod val="75000"/>
+                        </a:schemeClr>
                       </a:solidFill>
                       <a:prstDash val="solid"/>
                       <a:round/>
@@ -8334,16 +8510,18 @@
                   <a:tcPr marL="67521" marR="67521" marT="0" marB="0" anchor="ctr">
                     <a:lnL w="9525" cap="flat" cmpd="sng" algn="ctr">
                       <a:solidFill>
-                        <a:schemeClr val="tx1"/>
+                        <a:schemeClr val="bg1">
+                          <a:lumMod val="75000"/>
+                        </a:schemeClr>
                       </a:solidFill>
                       <a:prstDash val="solid"/>
                       <a:round/>
                       <a:headEnd type="none" w="med" len="med"/>
                       <a:tailEnd type="none" w="med" len="med"/>
                     </a:lnL>
-                    <a:lnR w="9525" cap="flat" cmpd="sng" algn="ctr">
+                    <a:lnR w="12700" cap="flat" cmpd="sng" algn="ctr">
                       <a:solidFill>
-                        <a:schemeClr val="tx1"/>
+                        <a:srgbClr val="0A6D94"/>
                       </a:solidFill>
                       <a:prstDash val="solid"/>
                       <a:round/>
@@ -8352,7 +8530,9 @@
                     </a:lnR>
                     <a:lnT w="9525" cap="flat" cmpd="sng" algn="ctr">
                       <a:solidFill>
-                        <a:schemeClr val="tx1"/>
+                        <a:schemeClr val="bg1">
+                          <a:lumMod val="75000"/>
+                        </a:schemeClr>
                       </a:solidFill>
                       <a:prstDash val="solid"/>
                       <a:round/>
@@ -8361,7 +8541,9 @@
                     </a:lnT>
                     <a:lnB w="9525" cap="flat" cmpd="sng" algn="ctr">
                       <a:solidFill>
-                        <a:schemeClr val="tx1"/>
+                        <a:schemeClr val="bg1">
+                          <a:lumMod val="75000"/>
+                        </a:schemeClr>
                       </a:solidFill>
                       <a:prstDash val="solid"/>
                       <a:round/>
@@ -8411,9 +8593,9 @@
                     </a:p>
                   </a:txBody>
                   <a:tcPr marL="67521" marR="67521" marT="0" marB="0" anchor="ctr">
-                    <a:lnL w="19050" cap="flat" cmpd="sng" algn="ctr">
+                    <a:lnL w="12700" cap="flat" cmpd="sng" algn="ctr">
                       <a:solidFill>
-                        <a:schemeClr val="tx1"/>
+                        <a:srgbClr val="0A6D94"/>
                       </a:solidFill>
                       <a:prstDash val="solid"/>
                       <a:round/>
@@ -8422,7 +8604,9 @@
                     </a:lnL>
                     <a:lnR w="9525" cap="flat" cmpd="sng" algn="ctr">
                       <a:solidFill>
-                        <a:schemeClr val="tx1"/>
+                        <a:schemeClr val="bg1">
+                          <a:lumMod val="75000"/>
+                        </a:schemeClr>
                       </a:solidFill>
                       <a:prstDash val="solid"/>
                       <a:round/>
@@ -8431,7 +8615,9 @@
                     </a:lnR>
                     <a:lnT w="9525" cap="flat" cmpd="sng" algn="ctr">
                       <a:solidFill>
-                        <a:schemeClr val="tx1"/>
+                        <a:schemeClr val="bg1">
+                          <a:lumMod val="75000"/>
+                        </a:schemeClr>
                       </a:solidFill>
                       <a:prstDash val="solid"/>
                       <a:round/>
@@ -8440,7 +8626,77 @@
                     </a:lnT>
                     <a:lnB w="9525" cap="flat" cmpd="sng" algn="ctr">
                       <a:solidFill>
-                        <a:schemeClr val="tx1"/>
+                        <a:schemeClr val="bg1">
+                          <a:lumMod val="75000"/>
+                        </a:schemeClr>
+                      </a:solidFill>
+                      <a:prstDash val="solid"/>
+                      <a:round/>
+                      <a:headEnd type="none" w="med" len="med"/>
+                      <a:tailEnd type="none" w="med" len="med"/>
+                    </a:lnB>
+                    <a:solidFill>
+                      <a:schemeClr val="bg1"/>
+                    </a:solidFill>
+                  </a:tcPr>
+                </a:tc>
+                <a:tc>
+                  <a:txBody>
+                    <a:bodyPr/>
+                    <a:lstStyle/>
+                    <a:p>
+                      <a:pPr algn="ctr" latinLnBrk="1">
+                        <a:spcAft>
+                          <a:spcPts val="800"/>
+                        </a:spcAft>
+                      </a:pPr>
+                      <a:endParaRPr lang="ko-KR" sz="1000">
+                        <a:effectLst/>
+                        <a:latin typeface="맑은 고딕" panose="020B0503020000020004" pitchFamily="50" charset="-127"/>
+                        <a:ea typeface="맑은 고딕" panose="020B0503020000020004" pitchFamily="50" charset="-127"/>
+                        <a:cs typeface="맑은 고딕" panose="020B0503020000020004" pitchFamily="50" charset="-127"/>
+                      </a:endParaRPr>
+                    </a:p>
+                  </a:txBody>
+                  <a:tcPr marL="67521" marR="67521" marT="0" marB="0" anchor="ctr">
+                    <a:lnL w="9525" cap="flat" cmpd="sng" algn="ctr">
+                      <a:solidFill>
+                        <a:schemeClr val="bg1">
+                          <a:lumMod val="75000"/>
+                        </a:schemeClr>
+                      </a:solidFill>
+                      <a:prstDash val="solid"/>
+                      <a:round/>
+                      <a:headEnd type="none" w="med" len="med"/>
+                      <a:tailEnd type="none" w="med" len="med"/>
+                    </a:lnL>
+                    <a:lnR w="9525" cap="flat" cmpd="sng" algn="ctr">
+                      <a:solidFill>
+                        <a:schemeClr val="bg1">
+                          <a:lumMod val="75000"/>
+                        </a:schemeClr>
+                      </a:solidFill>
+                      <a:prstDash val="solid"/>
+                      <a:round/>
+                      <a:headEnd type="none" w="med" len="med"/>
+                      <a:tailEnd type="none" w="med" len="med"/>
+                    </a:lnR>
+                    <a:lnT w="9525" cap="flat" cmpd="sng" algn="ctr">
+                      <a:solidFill>
+                        <a:schemeClr val="bg1">
+                          <a:lumMod val="75000"/>
+                        </a:schemeClr>
+                      </a:solidFill>
+                      <a:prstDash val="solid"/>
+                      <a:round/>
+                      <a:headEnd type="none" w="med" len="med"/>
+                      <a:tailEnd type="none" w="med" len="med"/>
+                    </a:lnT>
+                    <a:lnB w="9525" cap="flat" cmpd="sng" algn="ctr">
+                      <a:solidFill>
+                        <a:schemeClr val="bg1">
+                          <a:lumMod val="75000"/>
+                        </a:schemeClr>
                       </a:solidFill>
                       <a:prstDash val="solid"/>
                       <a:round/>
@@ -8491,16 +8747,18 @@
                   <a:tcPr marL="67521" marR="67521" marT="0" marB="0" anchor="ctr">
                     <a:lnL w="9525" cap="flat" cmpd="sng" algn="ctr">
                       <a:solidFill>
-                        <a:schemeClr val="tx1"/>
+                        <a:schemeClr val="bg1">
+                          <a:lumMod val="75000"/>
+                        </a:schemeClr>
                       </a:solidFill>
                       <a:prstDash val="solid"/>
                       <a:round/>
                       <a:headEnd type="none" w="med" len="med"/>
                       <a:tailEnd type="none" w="med" len="med"/>
                     </a:lnL>
-                    <a:lnR w="9525" cap="flat" cmpd="sng" algn="ctr">
+                    <a:lnR w="12700" cap="flat" cmpd="sng" algn="ctr">
                       <a:solidFill>
-                        <a:schemeClr val="tx1"/>
+                        <a:srgbClr val="0A6D94"/>
                       </a:solidFill>
                       <a:prstDash val="solid"/>
                       <a:round/>
@@ -8509,7 +8767,9 @@
                     </a:lnR>
                     <a:lnT w="9525" cap="flat" cmpd="sng" algn="ctr">
                       <a:solidFill>
-                        <a:schemeClr val="tx1"/>
+                        <a:schemeClr val="bg1">
+                          <a:lumMod val="75000"/>
+                        </a:schemeClr>
                       </a:solidFill>
                       <a:prstDash val="solid"/>
                       <a:round/>
@@ -8518,7 +8778,9 @@
                     </a:lnT>
                     <a:lnB w="9525" cap="flat" cmpd="sng" algn="ctr">
                       <a:solidFill>
-                        <a:schemeClr val="tx1"/>
+                        <a:schemeClr val="bg1">
+                          <a:lumMod val="75000"/>
+                        </a:schemeClr>
                       </a:solidFill>
                       <a:prstDash val="solid"/>
                       <a:round/>
@@ -8568,9 +8830,9 @@
                     </a:p>
                   </a:txBody>
                   <a:tcPr marL="67521" marR="67521" marT="0" marB="0" anchor="ctr">
-                    <a:lnL w="19050" cap="flat" cmpd="sng" algn="ctr">
+                    <a:lnL w="12700" cap="flat" cmpd="sng" algn="ctr">
                       <a:solidFill>
-                        <a:schemeClr val="tx1"/>
+                        <a:srgbClr val="0A6D94"/>
                       </a:solidFill>
                       <a:prstDash val="solid"/>
                       <a:round/>
@@ -8579,7 +8841,9 @@
                     </a:lnL>
                     <a:lnR w="9525" cap="flat" cmpd="sng" algn="ctr">
                       <a:solidFill>
-                        <a:schemeClr val="tx1"/>
+                        <a:schemeClr val="bg1">
+                          <a:lumMod val="75000"/>
+                        </a:schemeClr>
                       </a:solidFill>
                       <a:prstDash val="solid"/>
                       <a:round/>
@@ -8588,7 +8852,9 @@
                     </a:lnR>
                     <a:lnT w="9525" cap="flat" cmpd="sng" algn="ctr">
                       <a:solidFill>
-                        <a:schemeClr val="tx1"/>
+                        <a:schemeClr val="bg1">
+                          <a:lumMod val="75000"/>
+                        </a:schemeClr>
                       </a:solidFill>
                       <a:prstDash val="solid"/>
                       <a:round/>
@@ -8597,7 +8863,9 @@
                     </a:lnT>
                     <a:lnB w="9525" cap="flat" cmpd="sng" algn="ctr">
                       <a:solidFill>
-                        <a:schemeClr val="tx1"/>
+                        <a:schemeClr val="bg1">
+                          <a:lumMod val="75000"/>
+                        </a:schemeClr>
                       </a:solidFill>
                       <a:prstDash val="solid"/>
                       <a:round/>
@@ -8630,7 +8898,9 @@
                   <a:tcPr marL="67521" marR="67521" marT="0" marB="0" anchor="ctr">
                     <a:lnL w="9525" cap="flat" cmpd="sng" algn="ctr">
                       <a:solidFill>
-                        <a:schemeClr val="tx1"/>
+                        <a:schemeClr val="bg1">
+                          <a:lumMod val="75000"/>
+                        </a:schemeClr>
                       </a:solidFill>
                       <a:prstDash val="solid"/>
                       <a:round/>
@@ -8639,7 +8909,9 @@
                     </a:lnL>
                     <a:lnR w="9525" cap="flat" cmpd="sng" algn="ctr">
                       <a:solidFill>
-                        <a:schemeClr val="tx1"/>
+                        <a:schemeClr val="bg1">
+                          <a:lumMod val="75000"/>
+                        </a:schemeClr>
                       </a:solidFill>
                       <a:prstDash val="solid"/>
                       <a:round/>
@@ -8648,7 +8920,9 @@
                     </a:lnR>
                     <a:lnT w="9525" cap="flat" cmpd="sng" algn="ctr">
                       <a:solidFill>
-                        <a:schemeClr val="tx1"/>
+                        <a:schemeClr val="bg1">
+                          <a:lumMod val="75000"/>
+                        </a:schemeClr>
                       </a:solidFill>
                       <a:prstDash val="solid"/>
                       <a:round/>
@@ -8657,7 +8931,75 @@
                     </a:lnT>
                     <a:lnB w="9525" cap="flat" cmpd="sng" algn="ctr">
                       <a:solidFill>
-                        <a:schemeClr val="tx1"/>
+                        <a:schemeClr val="bg1">
+                          <a:lumMod val="75000"/>
+                        </a:schemeClr>
+                      </a:solidFill>
+                      <a:prstDash val="solid"/>
+                      <a:round/>
+                      <a:headEnd type="none" w="med" len="med"/>
+                      <a:tailEnd type="none" w="med" len="med"/>
+                    </a:lnB>
+                    <a:solidFill>
+                      <a:schemeClr val="bg1"/>
+                    </a:solidFill>
+                  </a:tcPr>
+                </a:tc>
+                <a:tc>
+                  <a:txBody>
+                    <a:bodyPr/>
+                    <a:lstStyle/>
+                    <a:p>
+                      <a:pPr algn="ctr" latinLnBrk="1">
+                        <a:spcAft>
+                          <a:spcPts val="800"/>
+                        </a:spcAft>
+                      </a:pPr>
+                      <a:endParaRPr lang="ko-KR" sz="1000" dirty="0">
+                        <a:effectLst/>
+                        <a:latin typeface="맑은 고딕" panose="020B0503020000020004" pitchFamily="50" charset="-127"/>
+                        <a:ea typeface="맑은 고딕" panose="020B0503020000020004" pitchFamily="50" charset="-127"/>
+                        <a:cs typeface="맑은 고딕" panose="020B0503020000020004" pitchFamily="50" charset="-127"/>
+                      </a:endParaRPr>
+                    </a:p>
+                  </a:txBody>
+                  <a:tcPr marL="67521" marR="67521" marT="0" marB="0" anchor="ctr">
+                    <a:lnL w="9525" cap="flat" cmpd="sng" algn="ctr">
+                      <a:solidFill>
+                        <a:schemeClr val="bg1">
+                          <a:lumMod val="75000"/>
+                        </a:schemeClr>
+                      </a:solidFill>
+                      <a:prstDash val="solid"/>
+                      <a:round/>
+                      <a:headEnd type="none" w="med" len="med"/>
+                      <a:tailEnd type="none" w="med" len="med"/>
+                    </a:lnL>
+                    <a:lnR w="12700" cap="flat" cmpd="sng" algn="ctr">
+                      <a:solidFill>
+                        <a:srgbClr val="0A6D94"/>
+                      </a:solidFill>
+                      <a:prstDash val="solid"/>
+                      <a:round/>
+                      <a:headEnd type="none" w="med" len="med"/>
+                      <a:tailEnd type="none" w="med" len="med"/>
+                    </a:lnR>
+                    <a:lnT w="9525" cap="flat" cmpd="sng" algn="ctr">
+                      <a:solidFill>
+                        <a:schemeClr val="bg1">
+                          <a:lumMod val="75000"/>
+                        </a:schemeClr>
+                      </a:solidFill>
+                      <a:prstDash val="solid"/>
+                      <a:round/>
+                      <a:headEnd type="none" w="med" len="med"/>
+                      <a:tailEnd type="none" w="med" len="med"/>
+                    </a:lnT>
+                    <a:lnB w="9525" cap="flat" cmpd="sng" algn="ctr">
+                      <a:solidFill>
+                        <a:schemeClr val="bg1">
+                          <a:lumMod val="75000"/>
+                        </a:schemeClr>
                       </a:solidFill>
                       <a:prstDash val="solid"/>
                       <a:round/>
@@ -8707,9 +9049,9 @@
                     </a:p>
                   </a:txBody>
                   <a:tcPr marL="67521" marR="67521" marT="0" marB="0" anchor="ctr">
-                    <a:lnL w="19050" cap="flat" cmpd="sng" algn="ctr">
+                    <a:lnL w="12700" cap="flat" cmpd="sng" algn="ctr">
                       <a:solidFill>
-                        <a:schemeClr val="tx1"/>
+                        <a:srgbClr val="0A6D94"/>
                       </a:solidFill>
                       <a:prstDash val="solid"/>
                       <a:round/>
@@ -8718,7 +9060,9 @@
                     </a:lnL>
                     <a:lnR w="9525" cap="flat" cmpd="sng" algn="ctr">
                       <a:solidFill>
-                        <a:schemeClr val="tx1"/>
+                        <a:schemeClr val="bg1">
+                          <a:lumMod val="75000"/>
+                        </a:schemeClr>
                       </a:solidFill>
                       <a:prstDash val="solid"/>
                       <a:round/>
@@ -8727,16 +9071,18 @@
                     </a:lnR>
                     <a:lnT w="9525" cap="flat" cmpd="sng" algn="ctr">
                       <a:solidFill>
-                        <a:schemeClr val="tx1"/>
+                        <a:schemeClr val="bg1">
+                          <a:lumMod val="75000"/>
+                        </a:schemeClr>
                       </a:solidFill>
                       <a:prstDash val="solid"/>
                       <a:round/>
                       <a:headEnd type="none" w="med" len="med"/>
                       <a:tailEnd type="none" w="med" len="med"/>
                     </a:lnT>
-                    <a:lnB w="19050" cap="flat" cmpd="sng" algn="ctr">
+                    <a:lnB w="12700" cap="flat" cmpd="sng" algn="ctr">
                       <a:solidFill>
-                        <a:schemeClr val="tx1"/>
+                        <a:srgbClr val="0A6D94"/>
                       </a:solidFill>
                       <a:prstDash val="solid"/>
                       <a:round/>
@@ -8769,7 +9115,9 @@
                   <a:tcPr marL="67521" marR="67521" marT="0" marB="0" anchor="ctr">
                     <a:lnL w="9525" cap="flat" cmpd="sng" algn="ctr">
                       <a:solidFill>
-                        <a:schemeClr val="tx1"/>
+                        <a:schemeClr val="bg1">
+                          <a:lumMod val="75000"/>
+                        </a:schemeClr>
                       </a:solidFill>
                       <a:prstDash val="solid"/>
                       <a:round/>
@@ -8778,7 +9126,9 @@
                     </a:lnL>
                     <a:lnR w="9525" cap="flat" cmpd="sng" algn="ctr">
                       <a:solidFill>
-                        <a:schemeClr val="tx1"/>
+                        <a:schemeClr val="bg1">
+                          <a:lumMod val="75000"/>
+                        </a:schemeClr>
                       </a:solidFill>
                       <a:prstDash val="solid"/>
                       <a:round/>
@@ -8787,16 +9137,82 @@
                     </a:lnR>
                     <a:lnT w="9525" cap="flat" cmpd="sng" algn="ctr">
                       <a:solidFill>
-                        <a:schemeClr val="tx1"/>
+                        <a:schemeClr val="bg1">
+                          <a:lumMod val="75000"/>
+                        </a:schemeClr>
                       </a:solidFill>
                       <a:prstDash val="solid"/>
                       <a:round/>
                       <a:headEnd type="none" w="med" len="med"/>
                       <a:tailEnd type="none" w="med" len="med"/>
                     </a:lnT>
-                    <a:lnB w="19050" cap="flat" cmpd="sng" algn="ctr">
+                    <a:lnB w="12700" cap="flat" cmpd="sng" algn="ctr">
                       <a:solidFill>
-                        <a:schemeClr val="tx1"/>
+                        <a:srgbClr val="0A6D94"/>
+                      </a:solidFill>
+                      <a:prstDash val="solid"/>
+                      <a:round/>
+                      <a:headEnd type="none" w="med" len="med"/>
+                      <a:tailEnd type="none" w="med" len="med"/>
+                    </a:lnB>
+                    <a:solidFill>
+                      <a:schemeClr val="bg1"/>
+                    </a:solidFill>
+                  </a:tcPr>
+                </a:tc>
+                <a:tc>
+                  <a:txBody>
+                    <a:bodyPr/>
+                    <a:lstStyle/>
+                    <a:p>
+                      <a:pPr algn="ctr" latinLnBrk="1">
+                        <a:spcAft>
+                          <a:spcPts val="800"/>
+                        </a:spcAft>
+                      </a:pPr>
+                      <a:endParaRPr lang="ko-KR" sz="1000" dirty="0">
+                        <a:effectLst/>
+                        <a:latin typeface="맑은 고딕" panose="020B0503020000020004" pitchFamily="50" charset="-127"/>
+                        <a:ea typeface="맑은 고딕" panose="020B0503020000020004" pitchFamily="50" charset="-127"/>
+                        <a:cs typeface="맑은 고딕" panose="020B0503020000020004" pitchFamily="50" charset="-127"/>
+                      </a:endParaRPr>
+                    </a:p>
+                  </a:txBody>
+                  <a:tcPr marL="67521" marR="67521" marT="0" marB="0" anchor="ctr">
+                    <a:lnL w="9525" cap="flat" cmpd="sng" algn="ctr">
+                      <a:solidFill>
+                        <a:schemeClr val="bg1">
+                          <a:lumMod val="75000"/>
+                        </a:schemeClr>
+                      </a:solidFill>
+                      <a:prstDash val="solid"/>
+                      <a:round/>
+                      <a:headEnd type="none" w="med" len="med"/>
+                      <a:tailEnd type="none" w="med" len="med"/>
+                    </a:lnL>
+                    <a:lnR w="12700" cap="flat" cmpd="sng" algn="ctr">
+                      <a:solidFill>
+                        <a:srgbClr val="0A6D94"/>
+                      </a:solidFill>
+                      <a:prstDash val="solid"/>
+                      <a:round/>
+                      <a:headEnd type="none" w="med" len="med"/>
+                      <a:tailEnd type="none" w="med" len="med"/>
+                    </a:lnR>
+                    <a:lnT w="9525" cap="flat" cmpd="sng" algn="ctr">
+                      <a:solidFill>
+                        <a:schemeClr val="bg1">
+                          <a:lumMod val="75000"/>
+                        </a:schemeClr>
+                      </a:solidFill>
+                      <a:prstDash val="solid"/>
+                      <a:round/>
+                      <a:headEnd type="none" w="med" len="med"/>
+                      <a:tailEnd type="none" w="med" len="med"/>
+                    </a:lnT>
+                    <a:lnB w="12700" cap="flat" cmpd="sng" algn="ctr">
+                      <a:solidFill>
+                        <a:srgbClr val="0A6D94"/>
                       </a:solidFill>
                       <a:prstDash val="solid"/>
                       <a:round/>
@@ -12628,14 +13044,14 @@
           <p:nvPr>
             <p:extLst>
               <p:ext uri="{D42A27DB-BD31-4B8C-83A1-F6EECF244321}">
-                <p14:modId xmlns:p14="http://schemas.microsoft.com/office/powerpoint/2010/main" val="3065267591"/>
+                <p14:modId xmlns:p14="http://schemas.microsoft.com/office/powerpoint/2010/main" val="3403024110"/>
               </p:ext>
             </p:extLst>
           </p:nvPr>
         </p:nvGraphicFramePr>
         <p:xfrm>
           <a:off x="155404" y="2161089"/>
-          <a:ext cx="11940140" cy="4465258"/>
+          <a:ext cx="11940140" cy="4614753"/>
         </p:xfrm>
         <a:graphic>
           <a:graphicData uri="http://schemas.openxmlformats.org/drawingml/2006/table">
@@ -13287,6 +13703,148 @@
                       <a:r>
                         <a:rPr lang="en-US" sz="1000" dirty="0">
                           <a:effectLst/>
+                        </a:rPr>
+                        <a:t>.</a:t>
+                      </a:r>
+                    </a:p>
+                    <a:p>
+                      <a:pPr latinLnBrk="1">
+                        <a:spcAft>
+                          <a:spcPts val="800"/>
+                        </a:spcAft>
+                      </a:pPr>
+                      <a:r>
+                        <a:rPr lang="ko-KR" altLang="en-US" sz="1000" dirty="0">
+                          <a:effectLst/>
+                          <a:latin typeface="맑은 고딕" panose="020B0503020000020004" pitchFamily="50" charset="-127"/>
+                          <a:ea typeface="맑은 고딕" panose="020B0503020000020004" pitchFamily="50" charset="-127"/>
+                          <a:cs typeface="맑은 고딕" panose="020B0503020000020004" pitchFamily="50" charset="-127"/>
+                        </a:rPr>
+                        <a:t>보호막 형성과 동시에 </a:t>
+                      </a:r>
+                      <a:r>
+                        <a:rPr lang="ko-KR" altLang="en-US" sz="1000" dirty="0" err="1">
+                          <a:effectLst/>
+                          <a:latin typeface="맑은 고딕" panose="020B0503020000020004" pitchFamily="50" charset="-127"/>
+                          <a:ea typeface="맑은 고딕" panose="020B0503020000020004" pitchFamily="50" charset="-127"/>
+                          <a:cs typeface="맑은 고딕" panose="020B0503020000020004" pitchFamily="50" charset="-127"/>
+                        </a:rPr>
+                        <a:t>천뢰침을</a:t>
+                      </a:r>
+                      <a:r>
+                        <a:rPr lang="ko-KR" altLang="en-US" sz="1000" dirty="0">
+                          <a:effectLst/>
+                          <a:latin typeface="맑은 고딕" panose="020B0503020000020004" pitchFamily="50" charset="-127"/>
+                          <a:ea typeface="맑은 고딕" panose="020B0503020000020004" pitchFamily="50" charset="-127"/>
+                          <a:cs typeface="맑은 고딕" panose="020B0503020000020004" pitchFamily="50" charset="-127"/>
+                        </a:rPr>
+                        <a:t> </a:t>
+                      </a:r>
+                      <a:r>
+                        <a:rPr lang="en-US" altLang="ko-KR" sz="1000" dirty="0">
+                          <a:effectLst/>
+                          <a:latin typeface="맑은 고딕" panose="020B0503020000020004" pitchFamily="50" charset="-127"/>
+                          <a:ea typeface="맑은 고딕" panose="020B0503020000020004" pitchFamily="50" charset="-127"/>
+                          <a:cs typeface="맑은 고딕" panose="020B0503020000020004" pitchFamily="50" charset="-127"/>
+                        </a:rPr>
+                        <a:t>3</a:t>
+                      </a:r>
+                      <a:r>
+                        <a:rPr lang="ko-KR" altLang="en-US" sz="1000" dirty="0">
+                          <a:effectLst/>
+                          <a:latin typeface="맑은 고딕" panose="020B0503020000020004" pitchFamily="50" charset="-127"/>
+                          <a:ea typeface="맑은 고딕" panose="020B0503020000020004" pitchFamily="50" charset="-127"/>
+                          <a:cs typeface="맑은 고딕" panose="020B0503020000020004" pitchFamily="50" charset="-127"/>
+                        </a:rPr>
+                        <a:t>개 형성한다</a:t>
+                      </a:r>
+                      <a:r>
+                        <a:rPr lang="en-US" altLang="ko-KR" sz="1000" dirty="0">
+                          <a:effectLst/>
+                          <a:latin typeface="맑은 고딕" panose="020B0503020000020004" pitchFamily="50" charset="-127"/>
+                          <a:ea typeface="맑은 고딕" panose="020B0503020000020004" pitchFamily="50" charset="-127"/>
+                          <a:cs typeface="맑은 고딕" panose="020B0503020000020004" pitchFamily="50" charset="-127"/>
+                        </a:rPr>
+                        <a:t>. </a:t>
+                      </a:r>
+                      <a:r>
+                        <a:rPr lang="ko-KR" altLang="en-US" sz="1000" dirty="0" err="1">
+                          <a:effectLst/>
+                          <a:latin typeface="맑은 고딕" panose="020B0503020000020004" pitchFamily="50" charset="-127"/>
+                          <a:ea typeface="맑은 고딕" panose="020B0503020000020004" pitchFamily="50" charset="-127"/>
+                          <a:cs typeface="맑은 고딕" panose="020B0503020000020004" pitchFamily="50" charset="-127"/>
+                        </a:rPr>
+                        <a:t>천뢰침은</a:t>
+                      </a:r>
+                      <a:r>
+                        <a:rPr lang="ko-KR" altLang="en-US" sz="1000" dirty="0">
+                          <a:effectLst/>
+                          <a:latin typeface="맑은 고딕" panose="020B0503020000020004" pitchFamily="50" charset="-127"/>
+                          <a:ea typeface="맑은 고딕" panose="020B0503020000020004" pitchFamily="50" charset="-127"/>
+                          <a:cs typeface="맑은 고딕" panose="020B0503020000020004" pitchFamily="50" charset="-127"/>
+                        </a:rPr>
+                        <a:t> 일반 공격의 세 번째 공격에 </a:t>
+                      </a:r>
+                      <a:r>
+                        <a:rPr lang="en-US" altLang="ko-KR" sz="1000" dirty="0">
+                          <a:effectLst/>
+                          <a:latin typeface="맑은 고딕" panose="020B0503020000020004" pitchFamily="50" charset="-127"/>
+                          <a:ea typeface="맑은 고딕" panose="020B0503020000020004" pitchFamily="50" charset="-127"/>
+                          <a:cs typeface="맑은 고딕" panose="020B0503020000020004" pitchFamily="50" charset="-127"/>
+                        </a:rPr>
+                        <a:t>1</a:t>
+                      </a:r>
+                      <a:r>
+                        <a:rPr lang="ko-KR" altLang="en-US" sz="1000" dirty="0">
+                          <a:effectLst/>
+                          <a:latin typeface="맑은 고딕" panose="020B0503020000020004" pitchFamily="50" charset="-127"/>
+                          <a:ea typeface="맑은 고딕" panose="020B0503020000020004" pitchFamily="50" charset="-127"/>
+                          <a:cs typeface="맑은 고딕" panose="020B0503020000020004" pitchFamily="50" charset="-127"/>
+                        </a:rPr>
+                        <a:t>개씩 발사한다</a:t>
+                      </a:r>
+                      <a:r>
+                        <a:rPr lang="en-US" altLang="ko-KR" sz="1000" dirty="0">
+                          <a:effectLst/>
+                          <a:latin typeface="맑은 고딕" panose="020B0503020000020004" pitchFamily="50" charset="-127"/>
+                          <a:ea typeface="맑은 고딕" panose="020B0503020000020004" pitchFamily="50" charset="-127"/>
+                          <a:cs typeface="맑은 고딕" panose="020B0503020000020004" pitchFamily="50" charset="-127"/>
+                        </a:rPr>
+                        <a:t>. </a:t>
+                      </a:r>
+                      <a:r>
+                        <a:rPr lang="ko-KR" altLang="en-US" sz="1000" dirty="0">
+                          <a:effectLst/>
+                          <a:latin typeface="맑은 고딕" panose="020B0503020000020004" pitchFamily="50" charset="-127"/>
+                          <a:ea typeface="맑은 고딕" panose="020B0503020000020004" pitchFamily="50" charset="-127"/>
+                          <a:cs typeface="맑은 고딕" panose="020B0503020000020004" pitchFamily="50" charset="-127"/>
+                        </a:rPr>
+                        <a:t>스킬을 재사용하면 남아있는 </a:t>
+                      </a:r>
+                      <a:r>
+                        <a:rPr lang="ko-KR" altLang="en-US" sz="1000" dirty="0" err="1">
+                          <a:effectLst/>
+                          <a:latin typeface="맑은 고딕" panose="020B0503020000020004" pitchFamily="50" charset="-127"/>
+                          <a:ea typeface="맑은 고딕" panose="020B0503020000020004" pitchFamily="50" charset="-127"/>
+                          <a:cs typeface="맑은 고딕" panose="020B0503020000020004" pitchFamily="50" charset="-127"/>
+                        </a:rPr>
+                        <a:t>천뢰침을</a:t>
+                      </a:r>
+                      <a:r>
+                        <a:rPr lang="ko-KR" altLang="en-US" sz="1000" dirty="0">
+                          <a:effectLst/>
+                          <a:latin typeface="맑은 고딕" panose="020B0503020000020004" pitchFamily="50" charset="-127"/>
+                          <a:ea typeface="맑은 고딕" panose="020B0503020000020004" pitchFamily="50" charset="-127"/>
+                          <a:cs typeface="맑은 고딕" panose="020B0503020000020004" pitchFamily="50" charset="-127"/>
+                        </a:rPr>
+                        <a:t> 한 번에 마우스 포인터 위치로 발사하여 바닥에 꽂는다</a:t>
+                      </a:r>
+                      <a:r>
+                        <a:rPr lang="en-US" altLang="ko-KR" sz="1000" dirty="0">
+                          <a:effectLst/>
+                          <a:latin typeface="맑은 고딕" panose="020B0503020000020004" pitchFamily="50" charset="-127"/>
+                          <a:ea typeface="맑은 고딕" panose="020B0503020000020004" pitchFamily="50" charset="-127"/>
+                          <a:cs typeface="맑은 고딕" panose="020B0503020000020004" pitchFamily="50" charset="-127"/>
                         </a:rPr>
                         <a:t>.</a:t>
                       </a:r>

--- a/액션&경영 RPG/스킬/리트루기아_부채스킬기획.pptx
+++ b/액션&경영 RPG/스킬/리트루기아_부채스킬기획.pptx
@@ -267,7 +267,7 @@
           <a:p>
             <a:fld id="{F8ADF8F0-391E-4C28-B3EC-FA94B0B80675}" type="datetimeFigureOut">
               <a:rPr lang="ko-KR" altLang="en-US" smtClean="0"/>
-              <a:t>2024-09-25</a:t>
+              <a:t>2024-09-26</a:t>
             </a:fld>
             <a:endParaRPr lang="ko-KR" altLang="en-US"/>
           </a:p>
@@ -465,7 +465,7 @@
           <a:p>
             <a:fld id="{F8ADF8F0-391E-4C28-B3EC-FA94B0B80675}" type="datetimeFigureOut">
               <a:rPr lang="ko-KR" altLang="en-US" smtClean="0"/>
-              <a:t>2024-09-25</a:t>
+              <a:t>2024-09-26</a:t>
             </a:fld>
             <a:endParaRPr lang="ko-KR" altLang="en-US"/>
           </a:p>
@@ -673,7 +673,7 @@
           <a:p>
             <a:fld id="{F8ADF8F0-391E-4C28-B3EC-FA94B0B80675}" type="datetimeFigureOut">
               <a:rPr lang="ko-KR" altLang="en-US" smtClean="0"/>
-              <a:t>2024-09-25</a:t>
+              <a:t>2024-09-26</a:t>
             </a:fld>
             <a:endParaRPr lang="ko-KR" altLang="en-US"/>
           </a:p>
@@ -871,7 +871,7 @@
           <a:p>
             <a:fld id="{F8ADF8F0-391E-4C28-B3EC-FA94B0B80675}" type="datetimeFigureOut">
               <a:rPr lang="ko-KR" altLang="en-US" smtClean="0"/>
-              <a:t>2024-09-25</a:t>
+              <a:t>2024-09-26</a:t>
             </a:fld>
             <a:endParaRPr lang="ko-KR" altLang="en-US"/>
           </a:p>
@@ -1146,7 +1146,7 @@
           <a:p>
             <a:fld id="{F8ADF8F0-391E-4C28-B3EC-FA94B0B80675}" type="datetimeFigureOut">
               <a:rPr lang="ko-KR" altLang="en-US" smtClean="0"/>
-              <a:t>2024-09-25</a:t>
+              <a:t>2024-09-26</a:t>
             </a:fld>
             <a:endParaRPr lang="ko-KR" altLang="en-US"/>
           </a:p>
@@ -1411,7 +1411,7 @@
           <a:p>
             <a:fld id="{F8ADF8F0-391E-4C28-B3EC-FA94B0B80675}" type="datetimeFigureOut">
               <a:rPr lang="ko-KR" altLang="en-US" smtClean="0"/>
-              <a:t>2024-09-25</a:t>
+              <a:t>2024-09-26</a:t>
             </a:fld>
             <a:endParaRPr lang="ko-KR" altLang="en-US"/>
           </a:p>
@@ -1823,7 +1823,7 @@
           <a:p>
             <a:fld id="{F8ADF8F0-391E-4C28-B3EC-FA94B0B80675}" type="datetimeFigureOut">
               <a:rPr lang="ko-KR" altLang="en-US" smtClean="0"/>
-              <a:t>2024-09-25</a:t>
+              <a:t>2024-09-26</a:t>
             </a:fld>
             <a:endParaRPr lang="ko-KR" altLang="en-US"/>
           </a:p>
@@ -1964,7 +1964,7 @@
           <a:p>
             <a:fld id="{F8ADF8F0-391E-4C28-B3EC-FA94B0B80675}" type="datetimeFigureOut">
               <a:rPr lang="ko-KR" altLang="en-US" smtClean="0"/>
-              <a:t>2024-09-25</a:t>
+              <a:t>2024-09-26</a:t>
             </a:fld>
             <a:endParaRPr lang="ko-KR" altLang="en-US"/>
           </a:p>
@@ -2077,7 +2077,7 @@
           <a:p>
             <a:fld id="{F8ADF8F0-391E-4C28-B3EC-FA94B0B80675}" type="datetimeFigureOut">
               <a:rPr lang="ko-KR" altLang="en-US" smtClean="0"/>
-              <a:t>2024-09-25</a:t>
+              <a:t>2024-09-26</a:t>
             </a:fld>
             <a:endParaRPr lang="ko-KR" altLang="en-US"/>
           </a:p>
@@ -2388,7 +2388,7 @@
           <a:p>
             <a:fld id="{F8ADF8F0-391E-4C28-B3EC-FA94B0B80675}" type="datetimeFigureOut">
               <a:rPr lang="ko-KR" altLang="en-US" smtClean="0"/>
-              <a:t>2024-09-25</a:t>
+              <a:t>2024-09-26</a:t>
             </a:fld>
             <a:endParaRPr lang="ko-KR" altLang="en-US"/>
           </a:p>
@@ -2676,7 +2676,7 @@
           <a:p>
             <a:fld id="{F8ADF8F0-391E-4C28-B3EC-FA94B0B80675}" type="datetimeFigureOut">
               <a:rPr lang="ko-KR" altLang="en-US" smtClean="0"/>
-              <a:t>2024-09-25</a:t>
+              <a:t>2024-09-26</a:t>
             </a:fld>
             <a:endParaRPr lang="ko-KR" altLang="en-US"/>
           </a:p>
@@ -2917,7 +2917,7 @@
           <a:p>
             <a:fld id="{F8ADF8F0-391E-4C28-B3EC-FA94B0B80675}" type="datetimeFigureOut">
               <a:rPr lang="ko-KR" altLang="en-US" smtClean="0"/>
-              <a:t>2024-09-25</a:t>
+              <a:t>2024-09-26</a:t>
             </a:fld>
             <a:endParaRPr lang="ko-KR" altLang="en-US"/>
           </a:p>
@@ -5327,10 +5327,10 @@
       </p:sp>
       <p:grpSp>
         <p:nvGrpSpPr>
-          <p:cNvPr id="22" name="그룹 21">
+          <p:cNvPr id="18" name="그룹 17">
             <a:extLst>
               <a:ext uri="{FF2B5EF4-FFF2-40B4-BE49-F238E27FC236}">
-                <a16:creationId xmlns:a16="http://schemas.microsoft.com/office/drawing/2014/main" id="{49656CDC-04B5-D4E1-07BF-5C8016E4E9ED}"/>
+                <a16:creationId xmlns:a16="http://schemas.microsoft.com/office/drawing/2014/main" id="{395F0CA4-AE4C-C746-B501-4813A8CB1F8B}"/>
               </a:ext>
             </a:extLst>
           </p:cNvPr>
@@ -5339,10 +5339,10 @@
         </p:nvGrpSpPr>
         <p:grpSpPr>
           <a:xfrm>
-            <a:off x="1779942" y="1074464"/>
-            <a:ext cx="2908646" cy="246221"/>
-            <a:chOff x="1779942" y="1074464"/>
-            <a:chExt cx="2908646" cy="246221"/>
+            <a:off x="1779942" y="1073805"/>
+            <a:ext cx="3890910" cy="246880"/>
+            <a:chOff x="1779942" y="1073805"/>
+            <a:chExt cx="3890910" cy="246880"/>
           </a:xfrm>
         </p:grpSpPr>
         <p:sp>
@@ -5405,7 +5405,7 @@
           </p:nvSpPr>
           <p:spPr>
             <a:xfrm>
-              <a:off x="2887856" y="1074464"/>
+              <a:off x="5022918" y="1074464"/>
               <a:ext cx="647934" cy="246221"/>
             </a:xfrm>
             <a:prstGeom prst="rect">
@@ -5451,7 +5451,7 @@
           </p:nvSpPr>
           <p:spPr>
             <a:xfrm>
-              <a:off x="3867529" y="1074464"/>
+              <a:off x="2831011" y="1074464"/>
               <a:ext cx="821059" cy="246221"/>
             </a:xfrm>
             <a:prstGeom prst="rect">
@@ -5483,6 +5483,52 @@
             </a:p>
           </p:txBody>
         </p:sp>
+        <p:sp>
+          <p:nvSpPr>
+            <p:cNvPr id="10" name="TextBox 9">
+              <a:extLst>
+                <a:ext uri="{FF2B5EF4-FFF2-40B4-BE49-F238E27FC236}">
+                  <a16:creationId xmlns:a16="http://schemas.microsoft.com/office/drawing/2014/main" id="{03789776-499A-6F7A-0293-D71CF000CF2A}"/>
+                </a:ext>
+              </a:extLst>
+            </p:cNvPr>
+            <p:cNvSpPr txBox="1"/>
+            <p:nvPr/>
+          </p:nvSpPr>
+          <p:spPr>
+            <a:xfrm>
+              <a:off x="3926964" y="1073805"/>
+              <a:ext cx="821059" cy="246221"/>
+            </a:xfrm>
+            <a:prstGeom prst="rect">
+              <a:avLst/>
+            </a:prstGeom>
+            <a:noFill/>
+          </p:spPr>
+          <p:txBody>
+            <a:bodyPr wrap="none" rtlCol="0">
+              <a:spAutoFit/>
+            </a:bodyPr>
+            <a:lstStyle/>
+            <a:p>
+              <a:r>
+                <a:rPr lang="en-US" altLang="ko-KR" sz="1000" b="1" dirty="0">
+                  <a:latin typeface="+mn-ea"/>
+                </a:rPr>
+                <a:t>#</a:t>
+              </a:r>
+              <a:r>
+                <a:rPr lang="ko-KR" altLang="en-US" sz="1000" b="1" dirty="0">
+                  <a:latin typeface="+mn-ea"/>
+                </a:rPr>
+                <a:t>방어 무시</a:t>
+              </a:r>
+              <a:endParaRPr lang="en-US" altLang="ko-KR" sz="1000" b="1" dirty="0">
+                <a:latin typeface="+mn-ea"/>
+              </a:endParaRPr>
+            </a:p>
+          </p:txBody>
+        </p:sp>
       </p:grpSp>
       <p:grpSp>
         <p:nvGrpSpPr>
@@ -5498,7 +5544,7 @@
         </p:nvGrpSpPr>
         <p:grpSpPr>
           <a:xfrm>
-            <a:off x="360045" y="1812509"/>
+            <a:off x="360045" y="1764419"/>
             <a:ext cx="7266432" cy="1009573"/>
             <a:chOff x="360045" y="1812509"/>
             <a:chExt cx="7266432" cy="1009573"/>
@@ -5651,7 +5697,7 @@
                 <a:rPr lang="ko-KR" altLang="en-US" sz="1000" dirty="0">
                   <a:latin typeface="+mn-ea"/>
                 </a:rPr>
-                <a:t>게임의 전투 방식에 숙련된 유저가 사용할 때 효율이 증가하는 무기입니다</a:t>
+                <a:t>숙련도에 따른 성장 체감이 확실한 무기입니다</a:t>
               </a:r>
               <a:r>
                 <a:rPr lang="en-US" altLang="ko-KR" sz="1000" dirty="0">
@@ -5733,7 +5779,7 @@
         </p:nvGrpSpPr>
         <p:grpSpPr>
           <a:xfrm>
-            <a:off x="360045" y="3396179"/>
+            <a:off x="360045" y="5553166"/>
             <a:ext cx="7266432" cy="1009573"/>
             <a:chOff x="360045" y="3501143"/>
             <a:chExt cx="7266432" cy="1009573"/>
@@ -5983,7 +6029,7 @@
         </p:nvGrpSpPr>
         <p:grpSpPr>
           <a:xfrm>
-            <a:off x="360045" y="4980275"/>
+            <a:off x="360045" y="3027619"/>
             <a:ext cx="7266432" cy="1009146"/>
             <a:chOff x="360045" y="5160262"/>
             <a:chExt cx="7266432" cy="1009146"/>
@@ -6166,6 +6212,211 @@
                   <a:latin typeface="+mn-ea"/>
                 </a:rPr>
                 <a:t>번개를 유도하는 무기</a:t>
+              </a:r>
+            </a:p>
+          </p:txBody>
+        </p:sp>
+      </p:grpSp>
+      <p:grpSp>
+        <p:nvGrpSpPr>
+          <p:cNvPr id="12" name="그룹 11">
+            <a:extLst>
+              <a:ext uri="{FF2B5EF4-FFF2-40B4-BE49-F238E27FC236}">
+                <a16:creationId xmlns:a16="http://schemas.microsoft.com/office/drawing/2014/main" id="{91C6C133-0361-65F1-F9F4-A799625B363C}"/>
+              </a:ext>
+            </a:extLst>
+          </p:cNvPr>
+          <p:cNvGrpSpPr/>
+          <p:nvPr/>
+        </p:nvGrpSpPr>
+        <p:grpSpPr>
+          <a:xfrm>
+            <a:off x="360045" y="4290392"/>
+            <a:ext cx="7266432" cy="1009146"/>
+            <a:chOff x="360045" y="5160262"/>
+            <a:chExt cx="7266432" cy="1009146"/>
+          </a:xfrm>
+        </p:grpSpPr>
+        <p:sp>
+          <p:nvSpPr>
+            <p:cNvPr id="14" name="사각형: 둥근 모서리 13">
+              <a:extLst>
+                <a:ext uri="{FF2B5EF4-FFF2-40B4-BE49-F238E27FC236}">
+                  <a16:creationId xmlns:a16="http://schemas.microsoft.com/office/drawing/2014/main" id="{F337BAA3-B820-4155-B828-505E34C7FA30}"/>
+                </a:ext>
+              </a:extLst>
+            </p:cNvPr>
+            <p:cNvSpPr/>
+            <p:nvPr/>
+          </p:nvSpPr>
+          <p:spPr>
+            <a:xfrm>
+              <a:off x="360045" y="5305720"/>
+              <a:ext cx="7266432" cy="863688"/>
+            </a:xfrm>
+            <a:prstGeom prst="roundRect">
+              <a:avLst>
+                <a:gd name="adj" fmla="val 7491"/>
+              </a:avLst>
+            </a:prstGeom>
+            <a:noFill/>
+            <a:ln w="12700">
+              <a:solidFill>
+                <a:srgbClr val="0A6D94"/>
+              </a:solidFill>
+            </a:ln>
+          </p:spPr>
+          <p:style>
+            <a:lnRef idx="2">
+              <a:schemeClr val="accent1">
+                <a:shade val="15000"/>
+              </a:schemeClr>
+            </a:lnRef>
+            <a:fillRef idx="1">
+              <a:schemeClr val="accent1"/>
+            </a:fillRef>
+            <a:effectRef idx="0">
+              <a:schemeClr val="accent1"/>
+            </a:effectRef>
+            <a:fontRef idx="minor">
+              <a:schemeClr val="lt1"/>
+            </a:fontRef>
+          </p:style>
+          <p:txBody>
+            <a:bodyPr rtlCol="0" anchor="ctr"/>
+            <a:lstStyle/>
+            <a:p>
+              <a:pPr algn="ctr"/>
+              <a:endParaRPr lang="ko-KR" altLang="en-US"/>
+            </a:p>
+          </p:txBody>
+        </p:sp>
+        <p:sp>
+          <p:nvSpPr>
+            <p:cNvPr id="16" name="TextBox 15">
+              <a:extLst>
+                <a:ext uri="{FF2B5EF4-FFF2-40B4-BE49-F238E27FC236}">
+                  <a16:creationId xmlns:a16="http://schemas.microsoft.com/office/drawing/2014/main" id="{76F3EBC6-B160-4BAD-66CE-4295E2FB8B56}"/>
+                </a:ext>
+              </a:extLst>
+            </p:cNvPr>
+            <p:cNvSpPr txBox="1"/>
+            <p:nvPr/>
+          </p:nvSpPr>
+          <p:spPr>
+            <a:xfrm>
+              <a:off x="558667" y="5475441"/>
+              <a:ext cx="4079963" cy="524246"/>
+            </a:xfrm>
+            <a:prstGeom prst="rect">
+              <a:avLst/>
+            </a:prstGeom>
+            <a:noFill/>
+          </p:spPr>
+          <p:txBody>
+            <a:bodyPr wrap="none" rtlCol="0">
+              <a:spAutoFit/>
+            </a:bodyPr>
+            <a:lstStyle/>
+            <a:p>
+              <a:pPr marL="171450" indent="-171450">
+                <a:lnSpc>
+                  <a:spcPct val="150000"/>
+                </a:lnSpc>
+                <a:buFontTx/>
+                <a:buChar char="-"/>
+              </a:pPr>
+              <a:r>
+                <a:rPr lang="ko-KR" altLang="en-US" sz="1000" dirty="0">
+                  <a:latin typeface="+mn-ea"/>
+                </a:rPr>
+                <a:t>방어력을 일부 무시하는 효과를 가지고 있습니다</a:t>
+              </a:r>
+              <a:r>
+                <a:rPr lang="en-US" altLang="ko-KR" sz="1000" dirty="0">
+                  <a:latin typeface="+mn-ea"/>
+                </a:rPr>
+                <a:t>.</a:t>
+              </a:r>
+            </a:p>
+            <a:p>
+              <a:pPr marL="171450" indent="-171450">
+                <a:lnSpc>
+                  <a:spcPct val="150000"/>
+                </a:lnSpc>
+                <a:buFontTx/>
+                <a:buChar char="-"/>
+              </a:pPr>
+              <a:r>
+                <a:rPr lang="ko-KR" altLang="en-US" sz="1000" dirty="0">
+                  <a:latin typeface="+mn-ea"/>
+                </a:rPr>
+                <a:t>방어력이 높은 적을 상대할 때 높은 효율을 발휘하는 무기입니다</a:t>
+              </a:r>
+              <a:r>
+                <a:rPr lang="en-US" altLang="ko-KR" sz="1000" dirty="0">
+                  <a:latin typeface="+mn-ea"/>
+                </a:rPr>
+                <a:t>.</a:t>
+              </a:r>
+            </a:p>
+          </p:txBody>
+        </p:sp>
+        <p:sp>
+          <p:nvSpPr>
+            <p:cNvPr id="17" name="TextBox 16">
+              <a:extLst>
+                <a:ext uri="{FF2B5EF4-FFF2-40B4-BE49-F238E27FC236}">
+                  <a16:creationId xmlns:a16="http://schemas.microsoft.com/office/drawing/2014/main" id="{738DC695-0706-1008-CFB9-27404EBEF3E7}"/>
+                </a:ext>
+              </a:extLst>
+            </p:cNvPr>
+            <p:cNvSpPr txBox="1"/>
+            <p:nvPr/>
+          </p:nvSpPr>
+          <p:spPr>
+            <a:xfrm>
+              <a:off x="514733" y="5160262"/>
+              <a:ext cx="1605660" cy="290916"/>
+            </a:xfrm>
+            <a:prstGeom prst="roundRect">
+              <a:avLst/>
+            </a:prstGeom>
+            <a:solidFill>
+              <a:srgbClr val="0A6D94"/>
+            </a:solidFill>
+            <a:effectLst>
+              <a:outerShdw blurRad="50800" dist="38100" dir="2700000" algn="tl" rotWithShape="0">
+                <a:prstClr val="black">
+                  <a:alpha val="40000"/>
+                </a:prstClr>
+              </a:outerShdw>
+            </a:effectLst>
+          </p:spPr>
+          <p:txBody>
+            <a:bodyPr wrap="none" lIns="108000" tIns="54000" rIns="108000" bIns="54000" rtlCol="0" anchor="ctr" anchorCtr="0">
+              <a:spAutoFit/>
+            </a:bodyPr>
+            <a:lstStyle/>
+            <a:p>
+              <a:pPr algn="ctr"/>
+              <a:r>
+                <a:rPr lang="ko-KR" altLang="en-US" sz="1000" b="1">
+                  <a:solidFill>
+                    <a:schemeClr val="bg1"/>
+                  </a:solidFill>
+                  <a:latin typeface="+mn-ea"/>
+                </a:rPr>
+                <a:t>방어력을 </a:t>
+              </a:r>
+              <a:r>
+                <a:rPr lang="ko-KR" altLang="en-US" sz="1000" b="1" dirty="0">
+                  <a:solidFill>
+                    <a:schemeClr val="bg1"/>
+                  </a:solidFill>
+                  <a:latin typeface="+mn-ea"/>
+                </a:rPr>
+                <a:t>무시하는 무기</a:t>
               </a:r>
             </a:p>
           </p:txBody>
@@ -7284,102 +7535,6 @@
       </p:sp>
       <p:sp>
         <p:nvSpPr>
-          <p:cNvPr id="8" name="TextBox 7">
-            <a:extLst>
-              <a:ext uri="{FF2B5EF4-FFF2-40B4-BE49-F238E27FC236}">
-                <a16:creationId xmlns:a16="http://schemas.microsoft.com/office/drawing/2014/main" id="{6BC10790-19E8-5DD2-F1D6-8ED133F9961D}"/>
-              </a:ext>
-            </a:extLst>
-          </p:cNvPr>
-          <p:cNvSpPr txBox="1"/>
-          <p:nvPr/>
-        </p:nvSpPr>
-        <p:spPr>
-          <a:xfrm>
-            <a:off x="7668108" y="6946910"/>
-            <a:ext cx="2024913" cy="261610"/>
-          </a:xfrm>
-          <a:prstGeom prst="rect">
-            <a:avLst/>
-          </a:prstGeom>
-          <a:noFill/>
-        </p:spPr>
-        <p:txBody>
-          <a:bodyPr wrap="none" rtlCol="0">
-            <a:spAutoFit/>
-          </a:bodyPr>
-          <a:lstStyle/>
-          <a:p>
-            <a:r>
-              <a:rPr lang="en-US" altLang="ko-KR" sz="1100" b="1" dirty="0">
-                <a:latin typeface="+mn-ea"/>
-              </a:rPr>
-              <a:t>(1)</a:t>
-            </a:r>
-            <a:r>
-              <a:rPr lang="ko-KR" altLang="en-US" sz="1100" b="1" dirty="0">
-                <a:latin typeface="+mn-ea"/>
-              </a:rPr>
-              <a:t> 적이 단일 대상일 때 사용</a:t>
-            </a:r>
-            <a:endParaRPr lang="en-US" altLang="ko-KR" sz="1100" b="1" dirty="0">
-              <a:latin typeface="+mn-ea"/>
-            </a:endParaRPr>
-          </a:p>
-        </p:txBody>
-      </p:sp>
-      <p:sp>
-        <p:nvSpPr>
-          <p:cNvPr id="9" name="TextBox 8">
-            <a:extLst>
-              <a:ext uri="{FF2B5EF4-FFF2-40B4-BE49-F238E27FC236}">
-                <a16:creationId xmlns:a16="http://schemas.microsoft.com/office/drawing/2014/main" id="{F32E76B6-2087-1A27-50AE-A002B627AC92}"/>
-              </a:ext>
-            </a:extLst>
-          </p:cNvPr>
-          <p:cNvSpPr txBox="1"/>
-          <p:nvPr/>
-        </p:nvSpPr>
-        <p:spPr>
-          <a:xfrm>
-            <a:off x="7899925" y="7209032"/>
-            <a:ext cx="5112297" cy="293414"/>
-          </a:xfrm>
-          <a:prstGeom prst="rect">
-            <a:avLst/>
-          </a:prstGeom>
-          <a:noFill/>
-        </p:spPr>
-        <p:txBody>
-          <a:bodyPr wrap="none" rtlCol="0" anchor="ctr">
-            <a:spAutoFit/>
-          </a:bodyPr>
-          <a:lstStyle/>
-          <a:p>
-            <a:pPr marL="171450" indent="-171450">
-              <a:lnSpc>
-                <a:spcPct val="150000"/>
-              </a:lnSpc>
-              <a:buFontTx/>
-              <a:buChar char="-"/>
-            </a:pPr>
-            <a:r>
-              <a:rPr lang="ko-KR" altLang="en-US" sz="1000" dirty="0">
-                <a:latin typeface="+mn-ea"/>
-              </a:rPr>
-              <a:t>적이 단일 대상일 때 해당 대상에게만 번개가 방출되어 높은 피해를 줄 수 있습니다</a:t>
-            </a:r>
-            <a:r>
-              <a:rPr lang="en-US" altLang="ko-KR" sz="1000" dirty="0">
-                <a:latin typeface="+mn-ea"/>
-              </a:rPr>
-              <a:t>.</a:t>
-            </a:r>
-          </a:p>
-        </p:txBody>
-      </p:sp>
-      <p:sp>
-        <p:nvSpPr>
           <p:cNvPr id="11" name="화살표: 오각형 10">
             <a:extLst>
               <a:ext uri="{FF2B5EF4-FFF2-40B4-BE49-F238E27FC236}">
@@ -7487,222 +7642,6 @@
           </a:p>
         </p:txBody>
       </p:sp>
-      <p:sp>
-        <p:nvSpPr>
-          <p:cNvPr id="14" name="TextBox 13">
-            <a:extLst>
-              <a:ext uri="{FF2B5EF4-FFF2-40B4-BE49-F238E27FC236}">
-                <a16:creationId xmlns:a16="http://schemas.microsoft.com/office/drawing/2014/main" id="{8B53BC73-AFC7-A9A8-132D-00DBAD097980}"/>
-              </a:ext>
-            </a:extLst>
-          </p:cNvPr>
-          <p:cNvSpPr txBox="1"/>
-          <p:nvPr/>
-        </p:nvSpPr>
-        <p:spPr>
-          <a:xfrm>
-            <a:off x="7668108" y="8013402"/>
-            <a:ext cx="2920992" cy="261610"/>
-          </a:xfrm>
-          <a:prstGeom prst="rect">
-            <a:avLst/>
-          </a:prstGeom>
-          <a:noFill/>
-        </p:spPr>
-        <p:txBody>
-          <a:bodyPr wrap="none" rtlCol="0">
-            <a:spAutoFit/>
-          </a:bodyPr>
-          <a:lstStyle/>
-          <a:p>
-            <a:r>
-              <a:rPr lang="en-US" altLang="ko-KR" sz="1100" b="1" dirty="0">
-                <a:latin typeface="+mn-ea"/>
-              </a:rPr>
-              <a:t>(2)</a:t>
-            </a:r>
-            <a:r>
-              <a:rPr lang="ko-KR" altLang="en-US" sz="1100" b="1" dirty="0">
-                <a:latin typeface="+mn-ea"/>
-              </a:rPr>
-              <a:t> 몬스터의 공격 사이 사이에 스킬을 사용</a:t>
-            </a:r>
-            <a:endParaRPr lang="en-US" altLang="ko-KR" sz="1100" b="1" dirty="0">
-              <a:latin typeface="+mn-ea"/>
-            </a:endParaRPr>
-          </a:p>
-        </p:txBody>
-      </p:sp>
-      <p:sp>
-        <p:nvSpPr>
-          <p:cNvPr id="17" name="TextBox 16">
-            <a:extLst>
-              <a:ext uri="{FF2B5EF4-FFF2-40B4-BE49-F238E27FC236}">
-                <a16:creationId xmlns:a16="http://schemas.microsoft.com/office/drawing/2014/main" id="{343B04CB-FE75-8B48-14C2-4B4C26D6D612}"/>
-              </a:ext>
-            </a:extLst>
-          </p:cNvPr>
-          <p:cNvSpPr txBox="1"/>
-          <p:nvPr/>
-        </p:nvSpPr>
-        <p:spPr>
-          <a:xfrm>
-            <a:off x="7899925" y="8275012"/>
-            <a:ext cx="3621504" cy="293414"/>
-          </a:xfrm>
-          <a:prstGeom prst="rect">
-            <a:avLst/>
-          </a:prstGeom>
-          <a:noFill/>
-        </p:spPr>
-        <p:txBody>
-          <a:bodyPr wrap="none" rtlCol="0" anchor="ctr">
-            <a:spAutoFit/>
-          </a:bodyPr>
-          <a:lstStyle/>
-          <a:p>
-            <a:pPr marL="171450" indent="-171450">
-              <a:lnSpc>
-                <a:spcPct val="150000"/>
-              </a:lnSpc>
-              <a:buFontTx/>
-              <a:buChar char="-"/>
-            </a:pPr>
-            <a:r>
-              <a:rPr lang="ko-KR" altLang="en-US" sz="1000" dirty="0" err="1">
-                <a:latin typeface="+mn-ea"/>
-              </a:rPr>
-              <a:t>선후딜이</a:t>
-            </a:r>
-            <a:r>
-              <a:rPr lang="ko-KR" altLang="en-US" sz="1000" dirty="0">
-                <a:latin typeface="+mn-ea"/>
-              </a:rPr>
-              <a:t> 빠른 스킬 모션으로 치고 빠지는 전투를 합니다</a:t>
-            </a:r>
-            <a:r>
-              <a:rPr lang="en-US" altLang="ko-KR" sz="1000" dirty="0">
-                <a:latin typeface="+mn-ea"/>
-              </a:rPr>
-              <a:t>.</a:t>
-            </a:r>
-          </a:p>
-        </p:txBody>
-      </p:sp>
-      <p:sp>
-        <p:nvSpPr>
-          <p:cNvPr id="24" name="TextBox 23">
-            <a:extLst>
-              <a:ext uri="{FF2B5EF4-FFF2-40B4-BE49-F238E27FC236}">
-                <a16:creationId xmlns:a16="http://schemas.microsoft.com/office/drawing/2014/main" id="{0D3ED466-4640-5654-A90B-E96928D37263}"/>
-              </a:ext>
-            </a:extLst>
-          </p:cNvPr>
-          <p:cNvSpPr txBox="1"/>
-          <p:nvPr/>
-        </p:nvSpPr>
-        <p:spPr>
-          <a:xfrm>
-            <a:off x="7668108" y="9079894"/>
-            <a:ext cx="1348446" cy="261610"/>
-          </a:xfrm>
-          <a:prstGeom prst="rect">
-            <a:avLst/>
-          </a:prstGeom>
-          <a:noFill/>
-        </p:spPr>
-        <p:txBody>
-          <a:bodyPr wrap="none" rtlCol="0">
-            <a:spAutoFit/>
-          </a:bodyPr>
-          <a:lstStyle/>
-          <a:p>
-            <a:r>
-              <a:rPr lang="en-US" altLang="ko-KR" sz="1100" b="1" dirty="0">
-                <a:latin typeface="+mn-ea"/>
-              </a:rPr>
-              <a:t>(3)</a:t>
-            </a:r>
-            <a:r>
-              <a:rPr lang="ko-KR" altLang="en-US" sz="1100" b="1" dirty="0">
-                <a:latin typeface="+mn-ea"/>
-              </a:rPr>
-              <a:t> 근</a:t>
-            </a:r>
-            <a:r>
-              <a:rPr lang="en-US" altLang="ko-KR" sz="1100" b="1" dirty="0">
-                <a:latin typeface="+mn-ea"/>
-              </a:rPr>
-              <a:t>,</a:t>
-            </a:r>
-            <a:r>
-              <a:rPr lang="ko-KR" altLang="en-US" sz="1100" b="1" dirty="0">
-                <a:latin typeface="+mn-ea"/>
-              </a:rPr>
-              <a:t>중거리 전투</a:t>
-            </a:r>
-            <a:endParaRPr lang="en-US" altLang="ko-KR" sz="1100" b="1" dirty="0">
-              <a:latin typeface="+mn-ea"/>
-            </a:endParaRPr>
-          </a:p>
-        </p:txBody>
-      </p:sp>
-      <p:sp>
-        <p:nvSpPr>
-          <p:cNvPr id="25" name="TextBox 24">
-            <a:extLst>
-              <a:ext uri="{FF2B5EF4-FFF2-40B4-BE49-F238E27FC236}">
-                <a16:creationId xmlns:a16="http://schemas.microsoft.com/office/drawing/2014/main" id="{7C70028B-7063-45C3-A8F7-E00F1127F054}"/>
-              </a:ext>
-            </a:extLst>
-          </p:cNvPr>
-          <p:cNvSpPr txBox="1"/>
-          <p:nvPr/>
-        </p:nvSpPr>
-        <p:spPr>
-          <a:xfrm>
-            <a:off x="7899925" y="9341504"/>
-            <a:ext cx="3621504" cy="293414"/>
-          </a:xfrm>
-          <a:prstGeom prst="rect">
-            <a:avLst/>
-          </a:prstGeom>
-          <a:noFill/>
-        </p:spPr>
-        <p:txBody>
-          <a:bodyPr wrap="none" rtlCol="0" anchor="ctr">
-            <a:spAutoFit/>
-          </a:bodyPr>
-          <a:lstStyle/>
-          <a:p>
-            <a:pPr marL="171450" indent="-171450">
-              <a:lnSpc>
-                <a:spcPct val="150000"/>
-              </a:lnSpc>
-              <a:buFontTx/>
-              <a:buChar char="-"/>
-            </a:pPr>
-            <a:r>
-              <a:rPr lang="ko-KR" altLang="en-US" sz="1000" dirty="0" err="1">
-                <a:latin typeface="+mn-ea"/>
-              </a:rPr>
-              <a:t>선후딜이</a:t>
-            </a:r>
-            <a:r>
-              <a:rPr lang="ko-KR" altLang="en-US" sz="1000" dirty="0">
-                <a:latin typeface="+mn-ea"/>
-              </a:rPr>
-              <a:t> 빠른 스킬 모션으로 치고 빠지는 전투를 합니다</a:t>
-            </a:r>
-            <a:r>
-              <a:rPr lang="en-US" altLang="ko-KR" sz="1000" dirty="0">
-                <a:latin typeface="+mn-ea"/>
-              </a:rPr>
-              <a:t>.</a:t>
-            </a:r>
-          </a:p>
-        </p:txBody>
-      </p:sp>
       <p:grpSp>
         <p:nvGrpSpPr>
           <p:cNvPr id="23" name="그룹 22">
@@ -7718,9 +7657,9 @@
         <p:grpSpPr>
           <a:xfrm>
             <a:off x="1779942" y="1073807"/>
-            <a:ext cx="3129061" cy="246221"/>
+            <a:ext cx="1838741" cy="246221"/>
             <a:chOff x="1779942" y="1073807"/>
-            <a:chExt cx="3129061" cy="246221"/>
+            <a:chExt cx="1838741" cy="246221"/>
           </a:xfrm>
         </p:grpSpPr>
         <p:sp>
@@ -7771,52 +7710,6 @@
         </p:sp>
         <p:sp>
           <p:nvSpPr>
-            <p:cNvPr id="21" name="TextBox 20">
-              <a:extLst>
-                <a:ext uri="{FF2B5EF4-FFF2-40B4-BE49-F238E27FC236}">
-                  <a16:creationId xmlns:a16="http://schemas.microsoft.com/office/drawing/2014/main" id="{42E55706-B664-C6A7-C74F-AACAC32639A5}"/>
-                </a:ext>
-              </a:extLst>
-            </p:cNvPr>
-            <p:cNvSpPr txBox="1"/>
-            <p:nvPr/>
-          </p:nvSpPr>
-          <p:spPr>
-            <a:xfrm>
-              <a:off x="2907494" y="1073807"/>
-              <a:ext cx="949299" cy="246221"/>
-            </a:xfrm>
-            <a:prstGeom prst="rect">
-              <a:avLst/>
-            </a:prstGeom>
-            <a:noFill/>
-          </p:spPr>
-          <p:txBody>
-            <a:bodyPr wrap="none" rtlCol="0">
-              <a:spAutoFit/>
-            </a:bodyPr>
-            <a:lstStyle/>
-            <a:p>
-              <a:r>
-                <a:rPr lang="en-US" altLang="ko-KR" sz="1000" b="1" dirty="0">
-                  <a:latin typeface="+mn-ea"/>
-                </a:rPr>
-                <a:t>#</a:t>
-              </a:r>
-              <a:r>
-                <a:rPr lang="ko-KR" altLang="en-US" sz="1000" b="1" dirty="0">
-                  <a:latin typeface="+mn-ea"/>
-                </a:rPr>
-                <a:t>보호막 유지</a:t>
-              </a:r>
-              <a:endParaRPr lang="en-US" altLang="ko-KR" sz="1000" b="1" dirty="0">
-                <a:latin typeface="+mn-ea"/>
-              </a:endParaRPr>
-            </a:p>
-          </p:txBody>
-        </p:sp>
-        <p:sp>
-          <p:nvSpPr>
             <p:cNvPr id="13" name="TextBox 12">
               <a:extLst>
                 <a:ext uri="{FF2B5EF4-FFF2-40B4-BE49-F238E27FC236}">
@@ -7829,7 +7722,7 @@
           </p:nvSpPr>
           <p:spPr>
             <a:xfrm>
-              <a:off x="4163286" y="1073807"/>
+              <a:off x="2872966" y="1073807"/>
               <a:ext cx="745717" cy="246221"/>
             </a:xfrm>
             <a:prstGeom prst="rect">
@@ -7877,14 +7770,14 @@
           <p:nvPr>
             <p:extLst>
               <p:ext uri="{D42A27DB-BD31-4B8C-83A1-F6EECF244321}">
-                <p14:modId xmlns:p14="http://schemas.microsoft.com/office/powerpoint/2010/main" val="2473770330"/>
+                <p14:modId xmlns:p14="http://schemas.microsoft.com/office/powerpoint/2010/main" val="3377317448"/>
               </p:ext>
             </p:extLst>
           </p:nvPr>
         </p:nvGraphicFramePr>
         <p:xfrm>
-          <a:off x="2286977" y="1995951"/>
-          <a:ext cx="7618045" cy="3475217"/>
+          <a:off x="435051" y="1814445"/>
+          <a:ext cx="5792129" cy="3056720"/>
         </p:xfrm>
         <a:graphic>
           <a:graphicData uri="http://schemas.openxmlformats.org/drawingml/2006/table">
@@ -7893,21 +7786,21 @@
                 <a:tableStyleId>{5C22544A-7EE6-4342-B048-85BDC9FD1C3A}</a:tableStyleId>
               </a:tblPr>
               <a:tblGrid>
-                <a:gridCol w="848793">
+                <a:gridCol w="1135397">
                   <a:extLst>
                     <a:ext uri="{9D8B030D-6E8A-4147-A177-3AD203B41FA5}">
                       <a16:colId xmlns:a16="http://schemas.microsoft.com/office/drawing/2014/main" val="2160954055"/>
                     </a:ext>
                   </a:extLst>
                 </a:gridCol>
-                <a:gridCol w="1422000">
+                <a:gridCol w="1135397">
                   <a:extLst>
                     <a:ext uri="{9D8B030D-6E8A-4147-A177-3AD203B41FA5}">
                       <a16:colId xmlns:a16="http://schemas.microsoft.com/office/drawing/2014/main" val="2184986852"/>
                     </a:ext>
                   </a:extLst>
                 </a:gridCol>
-                <a:gridCol w="5347252">
+                <a:gridCol w="3521335">
                   <a:extLst>
                     <a:ext uri="{9D8B030D-6E8A-4147-A177-3AD203B41FA5}">
                       <a16:colId xmlns:a16="http://schemas.microsoft.com/office/drawing/2014/main" val="1986683167"/>
@@ -7915,7 +7808,7 @@
                   </a:extLst>
                 </a:gridCol>
               </a:tblGrid>
-              <a:tr h="445552">
+              <a:tr h="360000">
                 <a:tc>
                   <a:txBody>
                     <a:bodyPr/>
@@ -7936,7 +7829,7 @@
                           <a:ea typeface="맑은 고딕" panose="020B0503020000020004" pitchFamily="50" charset="-127"/>
                           <a:cs typeface="맑은 고딕" panose="020B0503020000020004" pitchFamily="50" charset="-127"/>
                         </a:rPr>
-                        <a:t>스킬 구분</a:t>
+                        <a:t>스킬 키</a:t>
                       </a:r>
                       <a:endParaRPr lang="ko-KR" sz="1100" b="1" dirty="0">
                         <a:solidFill>
@@ -8111,7 +8004,7 @@
                   </a:ext>
                 </a:extLst>
               </a:tr>
-              <a:tr h="512242">
+              <a:tr h="504000">
                 <a:tc>
                   <a:txBody>
                     <a:bodyPr/>
@@ -8198,7 +8091,16 @@
                           <a:spcPts val="800"/>
                         </a:spcAft>
                       </a:pPr>
-                      <a:endParaRPr lang="ko-KR" sz="1000" dirty="0">
+                      <a:r>
+                        <a:rPr lang="ko-KR" altLang="en-US" sz="1100" dirty="0" err="1">
+                          <a:effectLst/>
+                          <a:latin typeface="맑은 고딕" panose="020B0503020000020004" pitchFamily="50" charset="-127"/>
+                          <a:ea typeface="맑은 고딕" panose="020B0503020000020004" pitchFamily="50" charset="-127"/>
+                          <a:cs typeface="맑은 고딕" panose="020B0503020000020004" pitchFamily="50" charset="-127"/>
+                        </a:rPr>
+                        <a:t>천뢰개벽</a:t>
+                      </a:r>
+                      <a:endParaRPr lang="ko-KR" sz="1100" dirty="0">
                         <a:effectLst/>
                         <a:latin typeface="맑은 고딕" panose="020B0503020000020004" pitchFamily="50" charset="-127"/>
                         <a:ea typeface="맑은 고딕" panose="020B0503020000020004" pitchFamily="50" charset="-127"/>
@@ -8259,7 +8161,7 @@
                     <a:bodyPr/>
                     <a:lstStyle/>
                     <a:p>
-                      <a:pPr algn="ctr" latinLnBrk="1">
+                      <a:pPr algn="l" latinLnBrk="1">
                         <a:spcAft>
                           <a:spcPts val="800"/>
                         </a:spcAft>
@@ -8271,7 +8173,16 @@
                           <a:ea typeface="맑은 고딕" panose="020B0503020000020004" pitchFamily="50" charset="-127"/>
                           <a:cs typeface="맑은 고딕" panose="020B0503020000020004" pitchFamily="50" charset="-127"/>
                         </a:rPr>
-                        <a:t>자동 타겟팅으로 </a:t>
+                        <a:t>부채의 부족한 지속 피해를 보완하는 스킬</a:t>
+                      </a:r>
+                      <a:r>
+                        <a:rPr lang="en-US" altLang="ko-KR" sz="1000" dirty="0">
+                          <a:effectLst/>
+                          <a:latin typeface="맑은 고딕" panose="020B0503020000020004" pitchFamily="50" charset="-127"/>
+                          <a:ea typeface="맑은 고딕" panose="020B0503020000020004" pitchFamily="50" charset="-127"/>
+                          <a:cs typeface="맑은 고딕" panose="020B0503020000020004" pitchFamily="50" charset="-127"/>
+                        </a:rPr>
+                        <a:t>.</a:t>
                       </a:r>
                       <a:endParaRPr lang="ko-KR" sz="1000" dirty="0">
                         <a:effectLst/>
@@ -8281,7 +8192,7 @@
                       </a:endParaRPr>
                     </a:p>
                   </a:txBody>
-                  <a:tcPr marL="67521" marR="67521" marT="0" marB="0" anchor="ctr">
+                  <a:tcPr marL="137160" marR="137160" marT="137160" marB="137160" anchor="ctr">
                     <a:lnL w="9525" cap="flat" cmpd="sng" algn="ctr">
                       <a:solidFill>
                         <a:schemeClr val="bg1">
@@ -8333,7 +8244,7 @@
                   </a:ext>
                 </a:extLst>
               </a:tr>
-              <a:tr h="639201">
+              <a:tr h="504000">
                 <a:tc>
                   <a:txBody>
                     <a:bodyPr/>
@@ -8345,16 +8256,10 @@
                         </a:spcAft>
                       </a:pPr>
                       <a:r>
-                        <a:rPr lang="ko-KR" sz="1000" dirty="0">
+                        <a:rPr lang="en-US" altLang="ko-KR" sz="1000" dirty="0">
                           <a:effectLst/>
                         </a:rPr>
-                        <a:t>스킬</a:t>
-                      </a:r>
-                      <a:r>
-                        <a:rPr lang="en-US" sz="1000" dirty="0">
-                          <a:effectLst/>
-                        </a:rPr>
-                        <a:t> 1</a:t>
+                        <a:t>A</a:t>
                       </a:r>
                       <a:endParaRPr lang="ko-KR" sz="1000" dirty="0">
                         <a:effectLst/>
@@ -8422,7 +8327,16 @@
                           <a:spcPts val="800"/>
                         </a:spcAft>
                       </a:pPr>
-                      <a:endParaRPr lang="ko-KR" sz="1000" dirty="0">
+                      <a:r>
+                        <a:rPr lang="ko-KR" altLang="en-US" sz="1100" dirty="0" err="1">
+                          <a:effectLst/>
+                          <a:latin typeface="맑은 고딕" panose="020B0503020000020004" pitchFamily="50" charset="-127"/>
+                          <a:ea typeface="맑은 고딕" panose="020B0503020000020004" pitchFamily="50" charset="-127"/>
+                          <a:cs typeface="맑은 고딕" panose="020B0503020000020004" pitchFamily="50" charset="-127"/>
+                        </a:rPr>
+                        <a:t>천뢰유침</a:t>
+                      </a:r>
+                      <a:endParaRPr lang="ko-KR" sz="1100" dirty="0">
                         <a:effectLst/>
                         <a:latin typeface="맑은 고딕" panose="020B0503020000020004" pitchFamily="50" charset="-127"/>
                         <a:ea typeface="맑은 고딕" panose="020B0503020000020004" pitchFamily="50" charset="-127"/>
@@ -8485,7 +8399,7 @@
                     <a:bodyPr/>
                     <a:lstStyle/>
                     <a:p>
-                      <a:pPr algn="ctr" latinLnBrk="1">
+                      <a:pPr algn="l" latinLnBrk="1">
                         <a:spcAft>
                           <a:spcPts val="800"/>
                         </a:spcAft>
@@ -8497,7 +8411,32 @@
                           <a:ea typeface="맑은 고딕" panose="020B0503020000020004" pitchFamily="50" charset="-127"/>
                           <a:cs typeface="맑은 고딕" panose="020B0503020000020004" pitchFamily="50" charset="-127"/>
                         </a:rPr>
-                        <a:t>적의 공격을 회피해야 최대의 효율이 나오는 스킬</a:t>
+                        <a:t>근접 전투 시 다른 스킬들의 피해를 높여주는 스킬</a:t>
+                      </a:r>
+                      <a:r>
+                        <a:rPr lang="en-US" altLang="ko-KR" sz="1000" dirty="0">
+                          <a:effectLst/>
+                          <a:latin typeface="맑은 고딕" panose="020B0503020000020004" pitchFamily="50" charset="-127"/>
+                          <a:ea typeface="맑은 고딕" panose="020B0503020000020004" pitchFamily="50" charset="-127"/>
+                          <a:cs typeface="맑은 고딕" panose="020B0503020000020004" pitchFamily="50" charset="-127"/>
+                        </a:rPr>
+                        <a:t>.</a:t>
+                      </a:r>
+                    </a:p>
+                    <a:p>
+                      <a:pPr algn="l" latinLnBrk="1">
+                        <a:spcAft>
+                          <a:spcPts val="800"/>
+                        </a:spcAft>
+                      </a:pPr>
+                      <a:r>
+                        <a:rPr lang="ko-KR" altLang="en-US" sz="1000" dirty="0">
+                          <a:effectLst/>
+                          <a:latin typeface="맑은 고딕" panose="020B0503020000020004" pitchFamily="50" charset="-127"/>
+                          <a:ea typeface="맑은 고딕" panose="020B0503020000020004" pitchFamily="50" charset="-127"/>
+                          <a:cs typeface="맑은 고딕" panose="020B0503020000020004" pitchFamily="50" charset="-127"/>
+                        </a:rPr>
+                        <a:t>숙련도에 따라 효율의 차이가 큰 스킬</a:t>
                       </a:r>
                       <a:endParaRPr lang="ko-KR" sz="1000" dirty="0">
                         <a:effectLst/>
@@ -8507,7 +8446,7 @@
                       </a:endParaRPr>
                     </a:p>
                   </a:txBody>
-                  <a:tcPr marL="67521" marR="67521" marT="0" marB="0" anchor="ctr">
+                  <a:tcPr marL="137160" marR="137160" marT="137160" marB="137160" anchor="ctr">
                     <a:lnL w="9525" cap="flat" cmpd="sng" algn="ctr">
                       <a:solidFill>
                         <a:schemeClr val="bg1">
@@ -8561,153 +8500,7 @@
                   </a:ext>
                 </a:extLst>
               </a:tr>
-              <a:tr h="682990">
-                <a:tc>
-                  <a:txBody>
-                    <a:bodyPr/>
-                    <a:lstStyle/>
-                    <a:p>
-                      <a:pPr algn="ctr" latinLnBrk="1">
-                        <a:spcAft>
-                          <a:spcPts val="800"/>
-                        </a:spcAft>
-                      </a:pPr>
-                      <a:r>
-                        <a:rPr lang="ko-KR" sz="1000">
-                          <a:effectLst/>
-                        </a:rPr>
-                        <a:t>스킬</a:t>
-                      </a:r>
-                      <a:r>
-                        <a:rPr lang="en-US" sz="1000">
-                          <a:effectLst/>
-                        </a:rPr>
-                        <a:t> 2</a:t>
-                      </a:r>
-                      <a:endParaRPr lang="ko-KR" sz="1000">
-                        <a:effectLst/>
-                        <a:latin typeface="맑은 고딕" panose="020B0503020000020004" pitchFamily="50" charset="-127"/>
-                        <a:ea typeface="맑은 고딕" panose="020B0503020000020004" pitchFamily="50" charset="-127"/>
-                        <a:cs typeface="맑은 고딕" panose="020B0503020000020004" pitchFamily="50" charset="-127"/>
-                      </a:endParaRPr>
-                    </a:p>
-                  </a:txBody>
-                  <a:tcPr marL="67521" marR="67521" marT="0" marB="0" anchor="ctr">
-                    <a:lnL w="12700" cap="flat" cmpd="sng" algn="ctr">
-                      <a:solidFill>
-                        <a:srgbClr val="0A6D94"/>
-                      </a:solidFill>
-                      <a:prstDash val="solid"/>
-                      <a:round/>
-                      <a:headEnd type="none" w="med" len="med"/>
-                      <a:tailEnd type="none" w="med" len="med"/>
-                    </a:lnL>
-                    <a:lnR w="9525" cap="flat" cmpd="sng" algn="ctr">
-                      <a:solidFill>
-                        <a:schemeClr val="bg1">
-                          <a:lumMod val="75000"/>
-                        </a:schemeClr>
-                      </a:solidFill>
-                      <a:prstDash val="solid"/>
-                      <a:round/>
-                      <a:headEnd type="none" w="med" len="med"/>
-                      <a:tailEnd type="none" w="med" len="med"/>
-                    </a:lnR>
-                    <a:lnT w="9525" cap="flat" cmpd="sng" algn="ctr">
-                      <a:solidFill>
-                        <a:schemeClr val="bg1">
-                          <a:lumMod val="75000"/>
-                        </a:schemeClr>
-                      </a:solidFill>
-                      <a:prstDash val="solid"/>
-                      <a:round/>
-                      <a:headEnd type="none" w="med" len="med"/>
-                      <a:tailEnd type="none" w="med" len="med"/>
-                    </a:lnT>
-                    <a:lnB w="9525" cap="flat" cmpd="sng" algn="ctr">
-                      <a:solidFill>
-                        <a:schemeClr val="bg1">
-                          <a:lumMod val="75000"/>
-                        </a:schemeClr>
-                      </a:solidFill>
-                      <a:prstDash val="solid"/>
-                      <a:round/>
-                      <a:headEnd type="none" w="med" len="med"/>
-                      <a:tailEnd type="none" w="med" len="med"/>
-                    </a:lnB>
-                    <a:solidFill>
-                      <a:schemeClr val="bg1"/>
-                    </a:solidFill>
-                  </a:tcPr>
-                </a:tc>
-                <a:tc>
-                  <a:txBody>
-                    <a:bodyPr/>
-                    <a:lstStyle/>
-                    <a:p>
-                      <a:pPr algn="ctr" latinLnBrk="1">
-                        <a:spcAft>
-                          <a:spcPts val="800"/>
-                        </a:spcAft>
-                      </a:pPr>
-                      <a:endParaRPr lang="ko-KR" sz="1000">
-                        <a:effectLst/>
-                        <a:latin typeface="맑은 고딕" panose="020B0503020000020004" pitchFamily="50" charset="-127"/>
-                        <a:ea typeface="맑은 고딕" panose="020B0503020000020004" pitchFamily="50" charset="-127"/>
-                        <a:cs typeface="맑은 고딕" panose="020B0503020000020004" pitchFamily="50" charset="-127"/>
-                      </a:endParaRPr>
-                    </a:p>
-                  </a:txBody>
-                  <a:tcPr marL="67521" marR="67521" marT="0" marB="0" anchor="ctr">
-                    <a:lnL w="9525" cap="flat" cmpd="sng" algn="ctr">
-                      <a:solidFill>
-                        <a:schemeClr val="bg1">
-                          <a:lumMod val="75000"/>
-                        </a:schemeClr>
-                      </a:solidFill>
-                      <a:prstDash val="solid"/>
-                      <a:round/>
-                      <a:headEnd type="none" w="med" len="med"/>
-                      <a:tailEnd type="none" w="med" len="med"/>
-                    </a:lnL>
-                    <a:lnR w="9525" cap="flat" cmpd="sng" algn="ctr">
-                      <a:solidFill>
-                        <a:schemeClr val="bg1">
-                          <a:lumMod val="75000"/>
-                        </a:schemeClr>
-                      </a:solidFill>
-                      <a:prstDash val="solid"/>
-                      <a:round/>
-                      <a:headEnd type="none" w="med" len="med"/>
-                      <a:tailEnd type="none" w="med" len="med"/>
-                    </a:lnR>
-                    <a:lnT w="9525" cap="flat" cmpd="sng" algn="ctr">
-                      <a:solidFill>
-                        <a:schemeClr val="bg1">
-                          <a:lumMod val="75000"/>
-                        </a:schemeClr>
-                      </a:solidFill>
-                      <a:prstDash val="solid"/>
-                      <a:round/>
-                      <a:headEnd type="none" w="med" len="med"/>
-                      <a:tailEnd type="none" w="med" len="med"/>
-                    </a:lnT>
-                    <a:lnB w="9525" cap="flat" cmpd="sng" algn="ctr">
-                      <a:solidFill>
-                        <a:schemeClr val="bg1">
-                          <a:lumMod val="75000"/>
-                        </a:schemeClr>
-                      </a:solidFill>
-                      <a:prstDash val="solid"/>
-                      <a:round/>
-                      <a:headEnd type="none" w="med" len="med"/>
-                      <a:tailEnd type="none" w="med" len="med"/>
-                    </a:lnB>
-                    <a:solidFill>
-                      <a:schemeClr val="bg1"/>
-                    </a:solidFill>
-                  </a:tcPr>
-                </a:tc>
+              <a:tr h="504000">
                 <a:tc>
                   <a:txBody>
                     <a:bodyPr/>
@@ -8721,105 +8514,8 @@
                       <a:r>
                         <a:rPr lang="en-US" altLang="ko-KR" sz="1000" dirty="0">
                           <a:effectLst/>
-                          <a:latin typeface="맑은 고딕" panose="020B0503020000020004" pitchFamily="50" charset="-127"/>
-                          <a:ea typeface="맑은 고딕" panose="020B0503020000020004" pitchFamily="50" charset="-127"/>
-                          <a:cs typeface="맑은 고딕" panose="020B0503020000020004" pitchFamily="50" charset="-127"/>
                         </a:rPr>
-                        <a:t>1:1 </a:t>
-                      </a:r>
-                      <a:r>
-                        <a:rPr lang="ko-KR" altLang="en-US" sz="1000" dirty="0">
-                          <a:effectLst/>
-                          <a:latin typeface="맑은 고딕" panose="020B0503020000020004" pitchFamily="50" charset="-127"/>
-                          <a:ea typeface="맑은 고딕" panose="020B0503020000020004" pitchFamily="50" charset="-127"/>
-                          <a:cs typeface="맑은 고딕" panose="020B0503020000020004" pitchFamily="50" charset="-127"/>
-                        </a:rPr>
-                        <a:t>전투에 특화된 컨셉을 강조하는 스킬</a:t>
-                      </a:r>
-                      <a:endParaRPr lang="ko-KR" sz="1000" dirty="0">
-                        <a:effectLst/>
-                        <a:latin typeface="맑은 고딕" panose="020B0503020000020004" pitchFamily="50" charset="-127"/>
-                        <a:ea typeface="맑은 고딕" panose="020B0503020000020004" pitchFamily="50" charset="-127"/>
-                        <a:cs typeface="맑은 고딕" panose="020B0503020000020004" pitchFamily="50" charset="-127"/>
-                      </a:endParaRPr>
-                    </a:p>
-                  </a:txBody>
-                  <a:tcPr marL="67521" marR="67521" marT="0" marB="0" anchor="ctr">
-                    <a:lnL w="9525" cap="flat" cmpd="sng" algn="ctr">
-                      <a:solidFill>
-                        <a:schemeClr val="bg1">
-                          <a:lumMod val="75000"/>
-                        </a:schemeClr>
-                      </a:solidFill>
-                      <a:prstDash val="solid"/>
-                      <a:round/>
-                      <a:headEnd type="none" w="med" len="med"/>
-                      <a:tailEnd type="none" w="med" len="med"/>
-                    </a:lnL>
-                    <a:lnR w="12700" cap="flat" cmpd="sng" algn="ctr">
-                      <a:solidFill>
-                        <a:srgbClr val="0A6D94"/>
-                      </a:solidFill>
-                      <a:prstDash val="solid"/>
-                      <a:round/>
-                      <a:headEnd type="none" w="med" len="med"/>
-                      <a:tailEnd type="none" w="med" len="med"/>
-                    </a:lnR>
-                    <a:lnT w="9525" cap="flat" cmpd="sng" algn="ctr">
-                      <a:solidFill>
-                        <a:schemeClr val="bg1">
-                          <a:lumMod val="75000"/>
-                        </a:schemeClr>
-                      </a:solidFill>
-                      <a:prstDash val="solid"/>
-                      <a:round/>
-                      <a:headEnd type="none" w="med" len="med"/>
-                      <a:tailEnd type="none" w="med" len="med"/>
-                    </a:lnT>
-                    <a:lnB w="9525" cap="flat" cmpd="sng" algn="ctr">
-                      <a:solidFill>
-                        <a:schemeClr val="bg1">
-                          <a:lumMod val="75000"/>
-                        </a:schemeClr>
-                      </a:solidFill>
-                      <a:prstDash val="solid"/>
-                      <a:round/>
-                      <a:headEnd type="none" w="med" len="med"/>
-                      <a:tailEnd type="none" w="med" len="med"/>
-                    </a:lnB>
-                    <a:solidFill>
-                      <a:schemeClr val="bg1"/>
-                    </a:solidFill>
-                  </a:tcPr>
-                </a:tc>
-                <a:extLst>
-                  <a:ext uri="{0D108BD9-81ED-4DB2-BD59-A6C34878D82A}">
-                    <a16:rowId xmlns:a16="http://schemas.microsoft.com/office/drawing/2014/main" val="3565765023"/>
-                  </a:ext>
-                </a:extLst>
-              </a:tr>
-              <a:tr h="682990">
-                <a:tc>
-                  <a:txBody>
-                    <a:bodyPr/>
-                    <a:lstStyle/>
-                    <a:p>
-                      <a:pPr algn="ctr" latinLnBrk="1">
-                        <a:spcAft>
-                          <a:spcPts val="800"/>
-                        </a:spcAft>
-                      </a:pPr>
-                      <a:r>
-                        <a:rPr lang="ko-KR" sz="1000" dirty="0">
-                          <a:effectLst/>
-                        </a:rPr>
-                        <a:t>스킬</a:t>
-                      </a:r>
-                      <a:r>
-                        <a:rPr lang="en-US" sz="1000" dirty="0">
-                          <a:effectLst/>
-                        </a:rPr>
-                        <a:t> 3 </a:t>
+                        <a:t>S</a:t>
                       </a:r>
                       <a:endParaRPr lang="ko-KR" sz="1000" dirty="0">
                         <a:effectLst/>
@@ -8887,7 +8583,16 @@
                           <a:spcPts val="800"/>
                         </a:spcAft>
                       </a:pPr>
-                      <a:endParaRPr lang="ko-KR" sz="1000" dirty="0">
+                      <a:r>
+                        <a:rPr lang="ko-KR" altLang="en-US" sz="1100" dirty="0" err="1">
+                          <a:effectLst/>
+                          <a:latin typeface="맑은 고딕" panose="020B0503020000020004" pitchFamily="50" charset="-127"/>
+                          <a:ea typeface="맑은 고딕" panose="020B0503020000020004" pitchFamily="50" charset="-127"/>
+                          <a:cs typeface="맑은 고딕" panose="020B0503020000020004" pitchFamily="50" charset="-127"/>
+                        </a:rPr>
+                        <a:t>천뢰연격</a:t>
+                      </a:r>
+                      <a:endParaRPr lang="ko-KR" sz="1100" dirty="0">
                         <a:effectLst/>
                         <a:latin typeface="맑은 고딕" panose="020B0503020000020004" pitchFamily="50" charset="-127"/>
                         <a:ea typeface="맑은 고딕" panose="020B0503020000020004" pitchFamily="50" charset="-127"/>
@@ -8950,11 +8655,129 @@
                     <a:bodyPr/>
                     <a:lstStyle/>
                     <a:p>
+                      <a:pPr marL="0" marR="0" lvl="0" indent="0" algn="l" defTabSz="914400" rtl="0" eaLnBrk="1" fontAlgn="auto" latinLnBrk="1" hangingPunct="1">
+                        <a:lnSpc>
+                          <a:spcPct val="100000"/>
+                        </a:lnSpc>
+                        <a:spcBef>
+                          <a:spcPts val="0"/>
+                        </a:spcBef>
+                        <a:spcAft>
+                          <a:spcPts val="800"/>
+                        </a:spcAft>
+                        <a:buClrTx/>
+                        <a:buSzTx/>
+                        <a:buFontTx/>
+                        <a:buNone/>
+                        <a:tabLst/>
+                        <a:defRPr/>
+                      </a:pPr>
+                      <a:r>
+                        <a:rPr lang="en-US" altLang="ko-KR" sz="1000" dirty="0">
+                          <a:effectLst/>
+                          <a:latin typeface="맑은 고딕" panose="020B0503020000020004" pitchFamily="50" charset="-127"/>
+                          <a:ea typeface="+mn-ea"/>
+                          <a:cs typeface="맑은 고딕" panose="020B0503020000020004" pitchFamily="50" charset="-127"/>
+                        </a:rPr>
+                        <a:t>1:1 </a:t>
+                      </a:r>
+                      <a:r>
+                        <a:rPr lang="ko-KR" altLang="en-US" sz="1000" dirty="0">
+                          <a:effectLst/>
+                          <a:latin typeface="맑은 고딕" panose="020B0503020000020004" pitchFamily="50" charset="-127"/>
+                          <a:ea typeface="+mn-ea"/>
+                          <a:cs typeface="맑은 고딕" panose="020B0503020000020004" pitchFamily="50" charset="-127"/>
+                        </a:rPr>
+                        <a:t>특화 전투의 컨셉을 극대화하는 스킬</a:t>
+                      </a:r>
+                      <a:r>
+                        <a:rPr lang="en-US" altLang="ko-KR" sz="1000" dirty="0">
+                          <a:effectLst/>
+                          <a:latin typeface="맑은 고딕" panose="020B0503020000020004" pitchFamily="50" charset="-127"/>
+                          <a:ea typeface="+mn-ea"/>
+                          <a:cs typeface="맑은 고딕" panose="020B0503020000020004" pitchFamily="50" charset="-127"/>
+                        </a:rPr>
+                        <a:t>.</a:t>
+                      </a:r>
+                      <a:endParaRPr lang="ko-KR" altLang="ko-KR" sz="1000" dirty="0">
+                        <a:effectLst/>
+                        <a:latin typeface="맑은 고딕" panose="020B0503020000020004" pitchFamily="50" charset="-127"/>
+                        <a:ea typeface="+mn-ea"/>
+                        <a:cs typeface="맑은 고딕" panose="020B0503020000020004" pitchFamily="50" charset="-127"/>
+                      </a:endParaRPr>
+                    </a:p>
+                  </a:txBody>
+                  <a:tcPr marL="137160" marR="137160" marT="137160" marB="137160" anchor="ctr">
+                    <a:lnL w="9525" cap="flat" cmpd="sng" algn="ctr">
+                      <a:solidFill>
+                        <a:schemeClr val="bg1">
+                          <a:lumMod val="75000"/>
+                        </a:schemeClr>
+                      </a:solidFill>
+                      <a:prstDash val="solid"/>
+                      <a:round/>
+                      <a:headEnd type="none" w="med" len="med"/>
+                      <a:tailEnd type="none" w="med" len="med"/>
+                    </a:lnL>
+                    <a:lnR w="12700" cap="flat" cmpd="sng" algn="ctr">
+                      <a:solidFill>
+                        <a:srgbClr val="0A6D94"/>
+                      </a:solidFill>
+                      <a:prstDash val="solid"/>
+                      <a:round/>
+                      <a:headEnd type="none" w="med" len="med"/>
+                      <a:tailEnd type="none" w="med" len="med"/>
+                    </a:lnR>
+                    <a:lnT w="9525" cap="flat" cmpd="sng" algn="ctr">
+                      <a:solidFill>
+                        <a:schemeClr val="bg1">
+                          <a:lumMod val="75000"/>
+                        </a:schemeClr>
+                      </a:solidFill>
+                      <a:prstDash val="solid"/>
+                      <a:round/>
+                      <a:headEnd type="none" w="med" len="med"/>
+                      <a:tailEnd type="none" w="med" len="med"/>
+                    </a:lnT>
+                    <a:lnB w="9525" cap="flat" cmpd="sng" algn="ctr">
+                      <a:solidFill>
+                        <a:schemeClr val="bg1">
+                          <a:lumMod val="75000"/>
+                        </a:schemeClr>
+                      </a:solidFill>
+                      <a:prstDash val="solid"/>
+                      <a:round/>
+                      <a:headEnd type="none" w="med" len="med"/>
+                      <a:tailEnd type="none" w="med" len="med"/>
+                    </a:lnB>
+                    <a:solidFill>
+                      <a:schemeClr val="bg1"/>
+                    </a:solidFill>
+                  </a:tcPr>
+                </a:tc>
+                <a:extLst>
+                  <a:ext uri="{0D108BD9-81ED-4DB2-BD59-A6C34878D82A}">
+                    <a16:rowId xmlns:a16="http://schemas.microsoft.com/office/drawing/2014/main" val="3565765023"/>
+                  </a:ext>
+                </a:extLst>
+              </a:tr>
+              <a:tr h="504000">
+                <a:tc>
+                  <a:txBody>
+                    <a:bodyPr/>
+                    <a:lstStyle/>
+                    <a:p>
                       <a:pPr algn="ctr" latinLnBrk="1">
                         <a:spcAft>
                           <a:spcPts val="800"/>
                         </a:spcAft>
                       </a:pPr>
+                      <a:r>
+                        <a:rPr lang="en-US" altLang="ko-KR" sz="1000" dirty="0">
+                          <a:effectLst/>
+                        </a:rPr>
+                        <a:t>D</a:t>
+                      </a:r>
                       <a:endParaRPr lang="ko-KR" sz="1000" dirty="0">
                         <a:effectLst/>
                         <a:latin typeface="맑은 고딕" panose="020B0503020000020004" pitchFamily="50" charset="-127"/>
@@ -8964,6 +8787,167 @@
                     </a:p>
                   </a:txBody>
                   <a:tcPr marL="67521" marR="67521" marT="0" marB="0" anchor="ctr">
+                    <a:lnL w="12700" cap="flat" cmpd="sng" algn="ctr">
+                      <a:solidFill>
+                        <a:srgbClr val="0A6D94"/>
+                      </a:solidFill>
+                      <a:prstDash val="solid"/>
+                      <a:round/>
+                      <a:headEnd type="none" w="med" len="med"/>
+                      <a:tailEnd type="none" w="med" len="med"/>
+                    </a:lnL>
+                    <a:lnR w="9525" cap="flat" cmpd="sng" algn="ctr">
+                      <a:solidFill>
+                        <a:schemeClr val="bg1">
+                          <a:lumMod val="75000"/>
+                        </a:schemeClr>
+                      </a:solidFill>
+                      <a:prstDash val="solid"/>
+                      <a:round/>
+                      <a:headEnd type="none" w="med" len="med"/>
+                      <a:tailEnd type="none" w="med" len="med"/>
+                    </a:lnR>
+                    <a:lnT w="9525" cap="flat" cmpd="sng" algn="ctr">
+                      <a:solidFill>
+                        <a:schemeClr val="bg1">
+                          <a:lumMod val="75000"/>
+                        </a:schemeClr>
+                      </a:solidFill>
+                      <a:prstDash val="solid"/>
+                      <a:round/>
+                      <a:headEnd type="none" w="med" len="med"/>
+                      <a:tailEnd type="none" w="med" len="med"/>
+                    </a:lnT>
+                    <a:lnB w="9525" cap="flat" cmpd="sng" algn="ctr">
+                      <a:solidFill>
+                        <a:schemeClr val="bg1">
+                          <a:lumMod val="75000"/>
+                        </a:schemeClr>
+                      </a:solidFill>
+                      <a:prstDash val="solid"/>
+                      <a:round/>
+                      <a:headEnd type="none" w="med" len="med"/>
+                      <a:tailEnd type="none" w="med" len="med"/>
+                    </a:lnB>
+                    <a:solidFill>
+                      <a:schemeClr val="bg1"/>
+                    </a:solidFill>
+                  </a:tcPr>
+                </a:tc>
+                <a:tc>
+                  <a:txBody>
+                    <a:bodyPr/>
+                    <a:lstStyle/>
+                    <a:p>
+                      <a:pPr algn="ctr" latinLnBrk="1">
+                        <a:spcAft>
+                          <a:spcPts val="800"/>
+                        </a:spcAft>
+                      </a:pPr>
+                      <a:r>
+                        <a:rPr lang="ko-KR" altLang="en-US" sz="1100" dirty="0" err="1">
+                          <a:effectLst/>
+                          <a:latin typeface="맑은 고딕" panose="020B0503020000020004" pitchFamily="50" charset="-127"/>
+                          <a:ea typeface="맑은 고딕" panose="020B0503020000020004" pitchFamily="50" charset="-127"/>
+                          <a:cs typeface="맑은 고딕" panose="020B0503020000020004" pitchFamily="50" charset="-127"/>
+                        </a:rPr>
+                        <a:t>천뢰일폭</a:t>
+                      </a:r>
+                      <a:endParaRPr lang="ko-KR" sz="1100" dirty="0">
+                        <a:effectLst/>
+                        <a:latin typeface="맑은 고딕" panose="020B0503020000020004" pitchFamily="50" charset="-127"/>
+                        <a:ea typeface="맑은 고딕" panose="020B0503020000020004" pitchFamily="50" charset="-127"/>
+                        <a:cs typeface="맑은 고딕" panose="020B0503020000020004" pitchFamily="50" charset="-127"/>
+                      </a:endParaRPr>
+                    </a:p>
+                  </a:txBody>
+                  <a:tcPr marL="67521" marR="67521" marT="0" marB="0" anchor="ctr">
+                    <a:lnL w="9525" cap="flat" cmpd="sng" algn="ctr">
+                      <a:solidFill>
+                        <a:schemeClr val="bg1">
+                          <a:lumMod val="75000"/>
+                        </a:schemeClr>
+                      </a:solidFill>
+                      <a:prstDash val="solid"/>
+                      <a:round/>
+                      <a:headEnd type="none" w="med" len="med"/>
+                      <a:tailEnd type="none" w="med" len="med"/>
+                    </a:lnL>
+                    <a:lnR w="9525" cap="flat" cmpd="sng" algn="ctr">
+                      <a:solidFill>
+                        <a:schemeClr val="bg1">
+                          <a:lumMod val="75000"/>
+                        </a:schemeClr>
+                      </a:solidFill>
+                      <a:prstDash val="solid"/>
+                      <a:round/>
+                      <a:headEnd type="none" w="med" len="med"/>
+                      <a:tailEnd type="none" w="med" len="med"/>
+                    </a:lnR>
+                    <a:lnT w="9525" cap="flat" cmpd="sng" algn="ctr">
+                      <a:solidFill>
+                        <a:schemeClr val="bg1">
+                          <a:lumMod val="75000"/>
+                        </a:schemeClr>
+                      </a:solidFill>
+                      <a:prstDash val="solid"/>
+                      <a:round/>
+                      <a:headEnd type="none" w="med" len="med"/>
+                      <a:tailEnd type="none" w="med" len="med"/>
+                    </a:lnT>
+                    <a:lnB w="9525" cap="flat" cmpd="sng" algn="ctr">
+                      <a:solidFill>
+                        <a:schemeClr val="bg1">
+                          <a:lumMod val="75000"/>
+                        </a:schemeClr>
+                      </a:solidFill>
+                      <a:prstDash val="solid"/>
+                      <a:round/>
+                      <a:headEnd type="none" w="med" len="med"/>
+                      <a:tailEnd type="none" w="med" len="med"/>
+                    </a:lnB>
+                    <a:solidFill>
+                      <a:schemeClr val="bg1"/>
+                    </a:solidFill>
+                  </a:tcPr>
+                </a:tc>
+                <a:tc>
+                  <a:txBody>
+                    <a:bodyPr/>
+                    <a:lstStyle/>
+                    <a:p>
+                      <a:pPr algn="l" latinLnBrk="1">
+                        <a:spcAft>
+                          <a:spcPts val="800"/>
+                        </a:spcAft>
+                      </a:pPr>
+                      <a:r>
+                        <a:rPr lang="ko-KR" altLang="en-US" sz="1000" dirty="0">
+                          <a:effectLst/>
+                          <a:latin typeface="맑은 고딕" panose="020B0503020000020004" pitchFamily="50" charset="-127"/>
+                          <a:ea typeface="맑은 고딕" panose="020B0503020000020004" pitchFamily="50" charset="-127"/>
+                          <a:cs typeface="맑은 고딕" panose="020B0503020000020004" pitchFamily="50" charset="-127"/>
+                        </a:rPr>
+                        <a:t>한 방이 강력한 스킬</a:t>
+                      </a:r>
+                      <a:r>
+                        <a:rPr lang="en-US" altLang="ko-KR" sz="1000" dirty="0">
+                          <a:effectLst/>
+                          <a:latin typeface="맑은 고딕" panose="020B0503020000020004" pitchFamily="50" charset="-127"/>
+                          <a:ea typeface="맑은 고딕" panose="020B0503020000020004" pitchFamily="50" charset="-127"/>
+                          <a:cs typeface="맑은 고딕" panose="020B0503020000020004" pitchFamily="50" charset="-127"/>
+                        </a:rPr>
+                        <a:t>.</a:t>
+                      </a:r>
+                      <a:endParaRPr lang="ko-KR" sz="1000" dirty="0">
+                        <a:effectLst/>
+                        <a:latin typeface="맑은 고딕" panose="020B0503020000020004" pitchFamily="50" charset="-127"/>
+                        <a:ea typeface="맑은 고딕" panose="020B0503020000020004" pitchFamily="50" charset="-127"/>
+                        <a:cs typeface="맑은 고딕" panose="020B0503020000020004" pitchFamily="50" charset="-127"/>
+                      </a:endParaRPr>
+                    </a:p>
+                  </a:txBody>
+                  <a:tcPr marL="137160" marR="137160" marT="137160" marB="137160" anchor="ctr">
                     <a:lnL w="9525" cap="flat" cmpd="sng" algn="ctr">
                       <a:solidFill>
                         <a:schemeClr val="bg1">
@@ -9017,7 +9001,7 @@
                   </a:ext>
                 </a:extLst>
               </a:tr>
-              <a:tr h="512242">
+              <a:tr h="504000">
                 <a:tc>
                   <a:txBody>
                     <a:bodyPr/>
@@ -9029,18 +9013,12 @@
                         </a:spcAft>
                       </a:pPr>
                       <a:r>
-                        <a:rPr lang="ko-KR" sz="1000">
+                        <a:rPr lang="en-US" altLang="ko-KR" sz="1000" dirty="0">
                           <a:effectLst/>
                         </a:rPr>
-                        <a:t>스킬</a:t>
+                        <a:t>F</a:t>
                       </a:r>
-                      <a:r>
-                        <a:rPr lang="en-US" sz="1000">
-                          <a:effectLst/>
-                        </a:rPr>
-                        <a:t> 4</a:t>
-                      </a:r>
-                      <a:endParaRPr lang="ko-KR" sz="1000">
+                      <a:endParaRPr lang="ko-KR" sz="1000" dirty="0">
                         <a:effectLst/>
                         <a:latin typeface="맑은 고딕" panose="020B0503020000020004" pitchFamily="50" charset="-127"/>
                         <a:ea typeface="맑은 고딕" panose="020B0503020000020004" pitchFamily="50" charset="-127"/>
@@ -9099,15 +9077,36 @@
                     <a:bodyPr/>
                     <a:lstStyle/>
                     <a:p>
-                      <a:pPr algn="ctr" latinLnBrk="1">
+                      <a:pPr marL="0" marR="0" lvl="0" indent="0" algn="ctr" defTabSz="914400" rtl="0" eaLnBrk="1" fontAlgn="auto" latinLnBrk="1" hangingPunct="1">
+                        <a:lnSpc>
+                          <a:spcPct val="100000"/>
+                        </a:lnSpc>
+                        <a:spcBef>
+                          <a:spcPts val="0"/>
+                        </a:spcBef>
                         <a:spcAft>
                           <a:spcPts val="800"/>
                         </a:spcAft>
+                        <a:buClrTx/>
+                        <a:buSzTx/>
+                        <a:buFontTx/>
+                        <a:buNone/>
+                        <a:tabLst/>
+                        <a:defRPr/>
                       </a:pPr>
-                      <a:endParaRPr lang="ko-KR" sz="1000" dirty="0">
+                      <a:r>
+                        <a:rPr lang="ko-KR" altLang="en-US" sz="1100" dirty="0" err="1">
+                          <a:effectLst/>
+                          <a:latin typeface="맑은 고딕" panose="020B0503020000020004" pitchFamily="50" charset="-127"/>
+                          <a:ea typeface="+mn-ea"/>
+                          <a:cs typeface="맑은 고딕" panose="020B0503020000020004" pitchFamily="50" charset="-127"/>
+                        </a:rPr>
+                        <a:t>천뢰신보</a:t>
+                      </a:r>
+                      <a:endParaRPr lang="ko-KR" altLang="ko-KR" sz="1100" dirty="0">
                         <a:effectLst/>
                         <a:latin typeface="맑은 고딕" panose="020B0503020000020004" pitchFamily="50" charset="-127"/>
-                        <a:ea typeface="맑은 고딕" panose="020B0503020000020004" pitchFamily="50" charset="-127"/>
+                        <a:ea typeface="+mn-ea"/>
                         <a:cs typeface="맑은 고딕" panose="020B0503020000020004" pitchFamily="50" charset="-127"/>
                       </a:endParaRPr>
                     </a:p>
@@ -9165,11 +9164,29 @@
                     <a:bodyPr/>
                     <a:lstStyle/>
                     <a:p>
-                      <a:pPr algn="ctr" latinLnBrk="1">
+                      <a:pPr algn="l" latinLnBrk="1">
                         <a:spcAft>
                           <a:spcPts val="800"/>
                         </a:spcAft>
                       </a:pPr>
+                      <a:r>
+                        <a:rPr lang="ko-KR" altLang="en-US" sz="1000" dirty="0">
+                          <a:effectLst/>
+                          <a:latin typeface="맑은 고딕" panose="020B0503020000020004" pitchFamily="50" charset="-127"/>
+                          <a:ea typeface="맑은 고딕" panose="020B0503020000020004" pitchFamily="50" charset="-127"/>
+                          <a:cs typeface="맑은 고딕" panose="020B0503020000020004" pitchFamily="50" charset="-127"/>
+                        </a:rPr>
+                        <a:t>무기의 컨셉을 가장 확실하게 보여주는 스킬</a:t>
+                      </a:r>
+                      <a:r>
+                        <a:rPr lang="en-US" altLang="ko-KR" sz="1000" dirty="0">
+                          <a:effectLst/>
+                          <a:latin typeface="맑은 고딕" panose="020B0503020000020004" pitchFamily="50" charset="-127"/>
+                          <a:ea typeface="맑은 고딕" panose="020B0503020000020004" pitchFamily="50" charset="-127"/>
+                          <a:cs typeface="맑은 고딕" panose="020B0503020000020004" pitchFamily="50" charset="-127"/>
+                        </a:rPr>
+                        <a:t>.</a:t>
+                      </a:r>
                       <a:endParaRPr lang="ko-KR" sz="1000" dirty="0">
                         <a:effectLst/>
                         <a:latin typeface="맑은 고딕" panose="020B0503020000020004" pitchFamily="50" charset="-127"/>
@@ -9178,7 +9195,7 @@
                       </a:endParaRPr>
                     </a:p>
                   </a:txBody>
-                  <a:tcPr marL="67521" marR="67521" marT="0" marB="0" anchor="ctr">
+                  <a:tcPr marL="137160" marR="137160" marT="137160" marB="137160" anchor="ctr">
                     <a:lnL w="9525" cap="flat" cmpd="sng" algn="ctr">
                       <a:solidFill>
                         <a:schemeClr val="bg1">
@@ -12999,6 +13016,318 @@
           </p:txBody>
         </p:sp>
       </p:grpSp>
+      <p:sp>
+        <p:nvSpPr>
+          <p:cNvPr id="8" name="TextBox 7">
+            <a:extLst>
+              <a:ext uri="{FF2B5EF4-FFF2-40B4-BE49-F238E27FC236}">
+                <a16:creationId xmlns:a16="http://schemas.microsoft.com/office/drawing/2014/main" id="{6BC10790-19E8-5DD2-F1D6-8ED133F9961D}"/>
+              </a:ext>
+            </a:extLst>
+          </p:cNvPr>
+          <p:cNvSpPr txBox="1"/>
+          <p:nvPr/>
+        </p:nvSpPr>
+        <p:spPr>
+          <a:xfrm>
+            <a:off x="2709623" y="5225739"/>
+            <a:ext cx="2024913" cy="261610"/>
+          </a:xfrm>
+          <a:prstGeom prst="rect">
+            <a:avLst/>
+          </a:prstGeom>
+          <a:noFill/>
+        </p:spPr>
+        <p:txBody>
+          <a:bodyPr wrap="none" rtlCol="0">
+            <a:spAutoFit/>
+          </a:bodyPr>
+          <a:lstStyle/>
+          <a:p>
+            <a:r>
+              <a:rPr lang="en-US" altLang="ko-KR" sz="1100" b="1" dirty="0">
+                <a:latin typeface="+mn-ea"/>
+              </a:rPr>
+              <a:t>(1)</a:t>
+            </a:r>
+            <a:r>
+              <a:rPr lang="ko-KR" altLang="en-US" sz="1100" b="1" dirty="0">
+                <a:latin typeface="+mn-ea"/>
+              </a:rPr>
+              <a:t> 적이 단일 대상일 때 사용</a:t>
+            </a:r>
+            <a:endParaRPr lang="en-US" altLang="ko-KR" sz="1100" b="1" dirty="0">
+              <a:latin typeface="+mn-ea"/>
+            </a:endParaRPr>
+          </a:p>
+        </p:txBody>
+      </p:sp>
+      <p:sp>
+        <p:nvSpPr>
+          <p:cNvPr id="9" name="TextBox 8">
+            <a:extLst>
+              <a:ext uri="{FF2B5EF4-FFF2-40B4-BE49-F238E27FC236}">
+                <a16:creationId xmlns:a16="http://schemas.microsoft.com/office/drawing/2014/main" id="{F32E76B6-2087-1A27-50AE-A002B627AC92}"/>
+              </a:ext>
+            </a:extLst>
+          </p:cNvPr>
+          <p:cNvSpPr txBox="1"/>
+          <p:nvPr/>
+        </p:nvSpPr>
+        <p:spPr>
+          <a:xfrm>
+            <a:off x="2941440" y="5487861"/>
+            <a:ext cx="5112297" cy="293414"/>
+          </a:xfrm>
+          <a:prstGeom prst="rect">
+            <a:avLst/>
+          </a:prstGeom>
+          <a:noFill/>
+        </p:spPr>
+        <p:txBody>
+          <a:bodyPr wrap="none" rtlCol="0" anchor="ctr">
+            <a:spAutoFit/>
+          </a:bodyPr>
+          <a:lstStyle/>
+          <a:p>
+            <a:pPr marL="171450" indent="-171450">
+              <a:lnSpc>
+                <a:spcPct val="150000"/>
+              </a:lnSpc>
+              <a:buFontTx/>
+              <a:buChar char="-"/>
+            </a:pPr>
+            <a:r>
+              <a:rPr lang="ko-KR" altLang="en-US" sz="1000" dirty="0">
+                <a:latin typeface="+mn-ea"/>
+              </a:rPr>
+              <a:t>적이 단일 대상일 때 해당 대상에게만 번개가 방출되어 높은 피해를 줄 수 있습니다</a:t>
+            </a:r>
+            <a:r>
+              <a:rPr lang="en-US" altLang="ko-KR" sz="1000" dirty="0">
+                <a:latin typeface="+mn-ea"/>
+              </a:rPr>
+              <a:t>.</a:t>
+            </a:r>
+          </a:p>
+        </p:txBody>
+      </p:sp>
+      <p:sp>
+        <p:nvSpPr>
+          <p:cNvPr id="14" name="TextBox 13">
+            <a:extLst>
+              <a:ext uri="{FF2B5EF4-FFF2-40B4-BE49-F238E27FC236}">
+                <a16:creationId xmlns:a16="http://schemas.microsoft.com/office/drawing/2014/main" id="{8B53BC73-AFC7-A9A8-132D-00DBAD097980}"/>
+              </a:ext>
+            </a:extLst>
+          </p:cNvPr>
+          <p:cNvSpPr txBox="1"/>
+          <p:nvPr/>
+        </p:nvSpPr>
+        <p:spPr>
+          <a:xfrm>
+            <a:off x="2709623" y="6292231"/>
+            <a:ext cx="2920992" cy="261610"/>
+          </a:xfrm>
+          <a:prstGeom prst="rect">
+            <a:avLst/>
+          </a:prstGeom>
+          <a:noFill/>
+        </p:spPr>
+        <p:txBody>
+          <a:bodyPr wrap="none" rtlCol="0">
+            <a:spAutoFit/>
+          </a:bodyPr>
+          <a:lstStyle/>
+          <a:p>
+            <a:r>
+              <a:rPr lang="en-US" altLang="ko-KR" sz="1100" b="1" dirty="0">
+                <a:latin typeface="+mn-ea"/>
+              </a:rPr>
+              <a:t>(2)</a:t>
+            </a:r>
+            <a:r>
+              <a:rPr lang="ko-KR" altLang="en-US" sz="1100" b="1" dirty="0">
+                <a:latin typeface="+mn-ea"/>
+              </a:rPr>
+              <a:t> 몬스터의 공격 사이 사이에 스킬을 사용</a:t>
+            </a:r>
+            <a:endParaRPr lang="en-US" altLang="ko-KR" sz="1100" b="1" dirty="0">
+              <a:latin typeface="+mn-ea"/>
+            </a:endParaRPr>
+          </a:p>
+        </p:txBody>
+      </p:sp>
+      <p:sp>
+        <p:nvSpPr>
+          <p:cNvPr id="5" name="TextBox 4">
+            <a:extLst>
+              <a:ext uri="{FF2B5EF4-FFF2-40B4-BE49-F238E27FC236}">
+                <a16:creationId xmlns:a16="http://schemas.microsoft.com/office/drawing/2014/main" id="{343B04CB-FE75-8B48-14C2-4B4C26D6D612}"/>
+              </a:ext>
+            </a:extLst>
+          </p:cNvPr>
+          <p:cNvSpPr txBox="1"/>
+          <p:nvPr/>
+        </p:nvSpPr>
+        <p:spPr>
+          <a:xfrm>
+            <a:off x="2941440" y="6553841"/>
+            <a:ext cx="3621504" cy="293414"/>
+          </a:xfrm>
+          <a:prstGeom prst="rect">
+            <a:avLst/>
+          </a:prstGeom>
+          <a:noFill/>
+        </p:spPr>
+        <p:txBody>
+          <a:bodyPr wrap="none" rtlCol="0" anchor="ctr">
+            <a:spAutoFit/>
+          </a:bodyPr>
+          <a:lstStyle/>
+          <a:p>
+            <a:pPr marL="171450" indent="-171450">
+              <a:lnSpc>
+                <a:spcPct val="150000"/>
+              </a:lnSpc>
+              <a:buFontTx/>
+              <a:buChar char="-"/>
+            </a:pPr>
+            <a:r>
+              <a:rPr lang="ko-KR" altLang="en-US" sz="1000" dirty="0" err="1">
+                <a:latin typeface="+mn-ea"/>
+              </a:rPr>
+              <a:t>선후딜이</a:t>
+            </a:r>
+            <a:r>
+              <a:rPr lang="ko-KR" altLang="en-US" sz="1000" dirty="0">
+                <a:latin typeface="+mn-ea"/>
+              </a:rPr>
+              <a:t> 빠른 스킬 모션으로 치고 빠지는 전투를 합니다</a:t>
+            </a:r>
+            <a:r>
+              <a:rPr lang="en-US" altLang="ko-KR" sz="1000" dirty="0">
+                <a:latin typeface="+mn-ea"/>
+              </a:rPr>
+              <a:t>.</a:t>
+            </a:r>
+          </a:p>
+        </p:txBody>
+      </p:sp>
+      <p:sp>
+        <p:nvSpPr>
+          <p:cNvPr id="24" name="TextBox 23">
+            <a:extLst>
+              <a:ext uri="{FF2B5EF4-FFF2-40B4-BE49-F238E27FC236}">
+                <a16:creationId xmlns:a16="http://schemas.microsoft.com/office/drawing/2014/main" id="{0D3ED466-4640-5654-A90B-E96928D37263}"/>
+              </a:ext>
+            </a:extLst>
+          </p:cNvPr>
+          <p:cNvSpPr txBox="1"/>
+          <p:nvPr/>
+        </p:nvSpPr>
+        <p:spPr>
+          <a:xfrm>
+            <a:off x="2709623" y="7358723"/>
+            <a:ext cx="1348446" cy="261610"/>
+          </a:xfrm>
+          <a:prstGeom prst="rect">
+            <a:avLst/>
+          </a:prstGeom>
+          <a:noFill/>
+        </p:spPr>
+        <p:txBody>
+          <a:bodyPr wrap="none" rtlCol="0">
+            <a:spAutoFit/>
+          </a:bodyPr>
+          <a:lstStyle/>
+          <a:p>
+            <a:r>
+              <a:rPr lang="en-US" altLang="ko-KR" sz="1100" b="1" dirty="0">
+                <a:latin typeface="+mn-ea"/>
+              </a:rPr>
+              <a:t>(3)</a:t>
+            </a:r>
+            <a:r>
+              <a:rPr lang="ko-KR" altLang="en-US" sz="1100" b="1" dirty="0">
+                <a:latin typeface="+mn-ea"/>
+              </a:rPr>
+              <a:t> 근</a:t>
+            </a:r>
+            <a:r>
+              <a:rPr lang="en-US" altLang="ko-KR" sz="1100" b="1" dirty="0">
+                <a:latin typeface="+mn-ea"/>
+              </a:rPr>
+              <a:t>,</a:t>
+            </a:r>
+            <a:r>
+              <a:rPr lang="ko-KR" altLang="en-US" sz="1100" b="1" dirty="0">
+                <a:latin typeface="+mn-ea"/>
+              </a:rPr>
+              <a:t>중거리 전투</a:t>
+            </a:r>
+            <a:endParaRPr lang="en-US" altLang="ko-KR" sz="1100" b="1" dirty="0">
+              <a:latin typeface="+mn-ea"/>
+            </a:endParaRPr>
+          </a:p>
+        </p:txBody>
+      </p:sp>
+      <p:sp>
+        <p:nvSpPr>
+          <p:cNvPr id="25" name="TextBox 24">
+            <a:extLst>
+              <a:ext uri="{FF2B5EF4-FFF2-40B4-BE49-F238E27FC236}">
+                <a16:creationId xmlns:a16="http://schemas.microsoft.com/office/drawing/2014/main" id="{7C70028B-7063-45C3-A8F7-E00F1127F054}"/>
+              </a:ext>
+            </a:extLst>
+          </p:cNvPr>
+          <p:cNvSpPr txBox="1"/>
+          <p:nvPr/>
+        </p:nvSpPr>
+        <p:spPr>
+          <a:xfrm>
+            <a:off x="2941440" y="7620333"/>
+            <a:ext cx="3621504" cy="293414"/>
+          </a:xfrm>
+          <a:prstGeom prst="rect">
+            <a:avLst/>
+          </a:prstGeom>
+          <a:noFill/>
+        </p:spPr>
+        <p:txBody>
+          <a:bodyPr wrap="none" rtlCol="0" anchor="ctr">
+            <a:spAutoFit/>
+          </a:bodyPr>
+          <a:lstStyle/>
+          <a:p>
+            <a:pPr marL="171450" indent="-171450">
+              <a:lnSpc>
+                <a:spcPct val="150000"/>
+              </a:lnSpc>
+              <a:buFontTx/>
+              <a:buChar char="-"/>
+            </a:pPr>
+            <a:r>
+              <a:rPr lang="ko-KR" altLang="en-US" sz="1000" dirty="0" err="1">
+                <a:latin typeface="+mn-ea"/>
+              </a:rPr>
+              <a:t>선후딜이</a:t>
+            </a:r>
+            <a:r>
+              <a:rPr lang="ko-KR" altLang="en-US" sz="1000" dirty="0">
+                <a:latin typeface="+mn-ea"/>
+              </a:rPr>
+              <a:t> 빠른 스킬 모션으로 치고 빠지는 전투를 합니다</a:t>
+            </a:r>
+            <a:r>
+              <a:rPr lang="en-US" altLang="ko-KR" sz="1000" dirty="0">
+                <a:latin typeface="+mn-ea"/>
+              </a:rPr>
+              <a:t>.</a:t>
+            </a:r>
+          </a:p>
+        </p:txBody>
+      </p:sp>
     </p:spTree>
     <p:extLst>
       <p:ext uri="{BB962C8B-B14F-4D97-AF65-F5344CB8AC3E}">
@@ -13044,14 +13373,14 @@
           <p:nvPr>
             <p:extLst>
               <p:ext uri="{D42A27DB-BD31-4B8C-83A1-F6EECF244321}">
-                <p14:modId xmlns:p14="http://schemas.microsoft.com/office/powerpoint/2010/main" val="3403024110"/>
+                <p14:modId xmlns:p14="http://schemas.microsoft.com/office/powerpoint/2010/main" val="4049198125"/>
               </p:ext>
             </p:extLst>
           </p:nvPr>
         </p:nvGraphicFramePr>
         <p:xfrm>
-          <a:off x="155404" y="2161089"/>
-          <a:ext cx="11940140" cy="4614753"/>
+          <a:off x="-1514399" y="2304939"/>
+          <a:ext cx="14459798" cy="4994780"/>
         </p:xfrm>
         <a:graphic>
           <a:graphicData uri="http://schemas.openxmlformats.org/drawingml/2006/table">
@@ -13060,29 +13389,36 @@
                 <a:tableStyleId>{5C22544A-7EE6-4342-B048-85BDC9FD1C3A}</a:tableStyleId>
               </a:tblPr>
               <a:tblGrid>
-                <a:gridCol w="1013639">
+                <a:gridCol w="986341">
                   <a:extLst>
                     <a:ext uri="{9D8B030D-6E8A-4147-A177-3AD203B41FA5}">
                       <a16:colId xmlns:a16="http://schemas.microsoft.com/office/drawing/2014/main" val="2160954055"/>
                     </a:ext>
                   </a:extLst>
                 </a:gridCol>
-                <a:gridCol w="763929">
+                <a:gridCol w="1066800">
                   <a:extLst>
                     <a:ext uri="{9D8B030D-6E8A-4147-A177-3AD203B41FA5}">
-                      <a16:colId xmlns:a16="http://schemas.microsoft.com/office/drawing/2014/main" val="1986683167"/>
+                      <a16:colId xmlns:a16="http://schemas.microsoft.com/office/drawing/2014/main" val="845443490"/>
                     </a:ext>
                   </a:extLst>
                 </a:gridCol>
-                <a:gridCol w="10162572">
+                <a:gridCol w="8299738">
                   <a:extLst>
                     <a:ext uri="{9D8B030D-6E8A-4147-A177-3AD203B41FA5}">
                       <a16:colId xmlns:a16="http://schemas.microsoft.com/office/drawing/2014/main" val="1596263472"/>
                     </a:ext>
                   </a:extLst>
                 </a:gridCol>
+                <a:gridCol w="4106919">
+                  <a:extLst>
+                    <a:ext uri="{9D8B030D-6E8A-4147-A177-3AD203B41FA5}">
+                      <a16:colId xmlns:a16="http://schemas.microsoft.com/office/drawing/2014/main" val="2266170427"/>
+                    </a:ext>
+                  </a:extLst>
+                </a:gridCol>
               </a:tblGrid>
-              <a:tr h="150046">
+              <a:tr h="380027">
                 <a:tc>
                   <a:txBody>
                     <a:bodyPr/>
@@ -13094,12 +13430,18 @@
                         </a:spcAft>
                       </a:pPr>
                       <a:r>
-                        <a:rPr lang="ko-KR" sz="1000">
+                        <a:rPr lang="ko-KR" sz="1000" b="1" dirty="0">
+                          <a:solidFill>
+                            <a:schemeClr val="bg1"/>
+                          </a:solidFill>
                           <a:effectLst/>
                         </a:rPr>
                         <a:t>이름</a:t>
                       </a:r>
-                      <a:endParaRPr lang="ko-KR" sz="1100">
+                      <a:endParaRPr lang="ko-KR" sz="1100" b="1" dirty="0">
+                        <a:solidFill>
+                          <a:schemeClr val="bg1"/>
+                        </a:solidFill>
                         <a:effectLst/>
                         <a:latin typeface="맑은 고딕" panose="020B0503020000020004" pitchFamily="50" charset="-127"/>
                         <a:ea typeface="맑은 고딕" panose="020B0503020000020004" pitchFamily="50" charset="-127"/>
@@ -13107,7 +13449,11 @@
                       </a:endParaRPr>
                     </a:p>
                   </a:txBody>
-                  <a:tcPr marL="67521" marR="67521" marT="0" marB="0" anchor="ctr"/>
+                  <a:tcPr marL="67521" marR="67521" marT="0" marB="0" anchor="ctr">
+                    <a:solidFill>
+                      <a:schemeClr val="tx1"/>
+                    </a:solidFill>
+                  </a:tcPr>
                 </a:tc>
                 <a:tc>
                   <a:txBody>
@@ -13120,12 +13466,21 @@
                         </a:spcAft>
                       </a:pPr>
                       <a:r>
-                        <a:rPr lang="ko-KR" sz="1000">
+                        <a:rPr lang="ko-KR" altLang="en-US" sz="1100" b="1" dirty="0" err="1">
+                          <a:solidFill>
+                            <a:schemeClr val="bg1"/>
+                          </a:solidFill>
                           <a:effectLst/>
+                          <a:latin typeface="맑은 고딕" panose="020B0503020000020004" pitchFamily="50" charset="-127"/>
+                          <a:ea typeface="맑은 고딕" panose="020B0503020000020004" pitchFamily="50" charset="-127"/>
+                          <a:cs typeface="맑은 고딕" panose="020B0503020000020004" pitchFamily="50" charset="-127"/>
                         </a:rPr>
-                        <a:t>등급</a:t>
+                        <a:t>스킬명</a:t>
                       </a:r>
-                      <a:endParaRPr lang="ko-KR" sz="1100">
+                      <a:endParaRPr lang="ko-KR" sz="1100" b="1" dirty="0">
+                        <a:solidFill>
+                          <a:schemeClr val="bg1"/>
+                        </a:solidFill>
                         <a:effectLst/>
                         <a:latin typeface="맑은 고딕" panose="020B0503020000020004" pitchFamily="50" charset="-127"/>
                         <a:ea typeface="맑은 고딕" panose="020B0503020000020004" pitchFamily="50" charset="-127"/>
@@ -13133,7 +13488,11 @@
                       </a:endParaRPr>
                     </a:p>
                   </a:txBody>
-                  <a:tcPr marL="67521" marR="67521" marT="0" marB="0" anchor="ctr"/>
+                  <a:tcPr marL="67521" marR="67521" marT="0" marB="0" anchor="ctr">
+                    <a:solidFill>
+                      <a:schemeClr val="tx1"/>
+                    </a:solidFill>
+                  </a:tcPr>
                 </a:tc>
                 <a:tc>
                   <a:txBody>
@@ -13146,12 +13505,18 @@
                         </a:spcAft>
                       </a:pPr>
                       <a:r>
-                        <a:rPr lang="ko-KR" sz="1000">
+                        <a:rPr lang="ko-KR" sz="1000" b="1" dirty="0">
+                          <a:solidFill>
+                            <a:schemeClr val="bg1"/>
+                          </a:solidFill>
                           <a:effectLst/>
                         </a:rPr>
                         <a:t>설명</a:t>
                       </a:r>
-                      <a:endParaRPr lang="ko-KR" sz="1100">
+                      <a:endParaRPr lang="ko-KR" sz="1100" b="1" dirty="0">
+                        <a:solidFill>
+                          <a:schemeClr val="bg1"/>
+                        </a:solidFill>
                         <a:effectLst/>
                         <a:latin typeface="맑은 고딕" panose="020B0503020000020004" pitchFamily="50" charset="-127"/>
                         <a:ea typeface="맑은 고딕" panose="020B0503020000020004" pitchFamily="50" charset="-127"/>
@@ -13159,7 +13524,50 @@
                       </a:endParaRPr>
                     </a:p>
                   </a:txBody>
-                  <a:tcPr marL="67521" marR="67521" marT="0" marB="0" anchor="ctr"/>
+                  <a:tcPr marL="67521" marR="67521" marT="0" marB="0" anchor="ctr">
+                    <a:solidFill>
+                      <a:schemeClr val="tx1"/>
+                    </a:solidFill>
+                  </a:tcPr>
+                </a:tc>
+                <a:tc>
+                  <a:txBody>
+                    <a:bodyPr/>
+                    <a:lstStyle/>
+                    <a:p>
+                      <a:pPr algn="ctr" latinLnBrk="1">
+                        <a:spcAft>
+                          <a:spcPts val="800"/>
+                        </a:spcAft>
+                      </a:pPr>
+                      <a:r>
+                        <a:rPr lang="ko-KR" altLang="en-US" sz="1100" b="1" dirty="0">
+                          <a:solidFill>
+                            <a:schemeClr val="bg1"/>
+                          </a:solidFill>
+                          <a:effectLst/>
+                          <a:latin typeface="맑은 고딕" panose="020B0503020000020004" pitchFamily="50" charset="-127"/>
+                          <a:ea typeface="맑은 고딕" panose="020B0503020000020004" pitchFamily="50" charset="-127"/>
+                          <a:cs typeface="맑은 고딕" panose="020B0503020000020004" pitchFamily="50" charset="-127"/>
+                        </a:rPr>
+                        <a:t>의도</a:t>
+                      </a:r>
+                      <a:endParaRPr lang="ko-KR" sz="1100" b="1" dirty="0">
+                        <a:solidFill>
+                          <a:schemeClr val="bg1"/>
+                        </a:solidFill>
+                        <a:effectLst/>
+                        <a:latin typeface="맑은 고딕" panose="020B0503020000020004" pitchFamily="50" charset="-127"/>
+                        <a:ea typeface="맑은 고딕" panose="020B0503020000020004" pitchFamily="50" charset="-127"/>
+                        <a:cs typeface="맑은 고딕" panose="020B0503020000020004" pitchFamily="50" charset="-127"/>
+                      </a:endParaRPr>
+                    </a:p>
+                  </a:txBody>
+                  <a:tcPr marL="67521" marR="67521" marT="0" marB="0" anchor="ctr">
+                    <a:solidFill>
+                      <a:schemeClr val="tx1"/>
+                    </a:solidFill>
+                  </a:tcPr>
                 </a:tc>
                 <a:extLst>
                   <a:ext uri="{0D108BD9-81ED-4DB2-BD59-A6C34878D82A}">
@@ -13204,13 +13612,7 @@
                           <a:spcPts val="800"/>
                         </a:spcAft>
                       </a:pPr>
-                      <a:r>
-                        <a:rPr lang="en-US" sz="1000">
-                          <a:effectLst/>
-                        </a:rPr>
-                        <a:t>-</a:t>
-                      </a:r>
-                      <a:endParaRPr lang="ko-KR" sz="1100">
+                      <a:endParaRPr lang="ko-KR" sz="1100" dirty="0">
                         <a:effectLst/>
                         <a:latin typeface="맑은 고딕" panose="020B0503020000020004" pitchFamily="50" charset="-127"/>
                         <a:ea typeface="맑은 고딕" panose="020B0503020000020004" pitchFamily="50" charset="-127"/>
@@ -13408,6 +13810,26 @@
                   </a:txBody>
                   <a:tcPr marL="67521" marR="67521" marT="0" marB="0" anchor="ctr"/>
                 </a:tc>
+                <a:tc>
+                  <a:txBody>
+                    <a:bodyPr/>
+                    <a:lstStyle/>
+                    <a:p>
+                      <a:pPr algn="ctr" latinLnBrk="1">
+                        <a:spcAft>
+                          <a:spcPts val="800"/>
+                        </a:spcAft>
+                      </a:pPr>
+                      <a:endParaRPr lang="ko-KR" sz="1100" dirty="0">
+                        <a:effectLst/>
+                        <a:latin typeface="맑은 고딕" panose="020B0503020000020004" pitchFamily="50" charset="-127"/>
+                        <a:ea typeface="맑은 고딕" panose="020B0503020000020004" pitchFamily="50" charset="-127"/>
+                        <a:cs typeface="맑은 고딕" panose="020B0503020000020004" pitchFamily="50" charset="-127"/>
+                      </a:endParaRPr>
+                    </a:p>
+                  </a:txBody>
+                  <a:tcPr marL="67521" marR="67521" marT="0" marB="0" anchor="ctr"/>
+                </a:tc>
                 <a:extLst>
                   <a:ext uri="{0D108BD9-81ED-4DB2-BD59-A6C34878D82A}">
                     <a16:rowId xmlns:a16="http://schemas.microsoft.com/office/drawing/2014/main" val="1774201791"/>
@@ -13452,12 +13874,15 @@
                         </a:spcAft>
                       </a:pPr>
                       <a:r>
-                        <a:rPr lang="en-US" sz="1000">
+                        <a:rPr lang="ko-KR" altLang="en-US" sz="1100" dirty="0" err="1">
                           <a:effectLst/>
+                          <a:latin typeface="맑은 고딕" panose="020B0503020000020004" pitchFamily="50" charset="-127"/>
+                          <a:ea typeface="맑은 고딕" panose="020B0503020000020004" pitchFamily="50" charset="-127"/>
+                          <a:cs typeface="맑은 고딕" panose="020B0503020000020004" pitchFamily="50" charset="-127"/>
                         </a:rPr>
-                        <a:t>-</a:t>
+                        <a:t>천뢰개벽</a:t>
                       </a:r>
-                      <a:endParaRPr lang="ko-KR" sz="1100">
+                      <a:endParaRPr lang="ko-KR" sz="1100" dirty="0">
                         <a:effectLst/>
                         <a:latin typeface="맑은 고딕" panose="020B0503020000020004" pitchFamily="50" charset="-127"/>
                         <a:ea typeface="맑은 고딕" panose="020B0503020000020004" pitchFamily="50" charset="-127"/>
@@ -13547,6 +13972,26 @@
                   </a:txBody>
                   <a:tcPr marL="67521" marR="67521" marT="0" marB="0" anchor="ctr"/>
                 </a:tc>
+                <a:tc>
+                  <a:txBody>
+                    <a:bodyPr/>
+                    <a:lstStyle/>
+                    <a:p>
+                      <a:pPr algn="ctr" latinLnBrk="1">
+                        <a:spcAft>
+                          <a:spcPts val="800"/>
+                        </a:spcAft>
+                      </a:pPr>
+                      <a:endParaRPr lang="ko-KR" sz="1100" dirty="0">
+                        <a:effectLst/>
+                        <a:latin typeface="맑은 고딕" panose="020B0503020000020004" pitchFamily="50" charset="-127"/>
+                        <a:ea typeface="맑은 고딕" panose="020B0503020000020004" pitchFamily="50" charset="-127"/>
+                        <a:cs typeface="맑은 고딕" panose="020B0503020000020004" pitchFamily="50" charset="-127"/>
+                      </a:endParaRPr>
+                    </a:p>
+                  </a:txBody>
+                  <a:tcPr marL="67521" marR="67521" marT="0" marB="0" anchor="ctr"/>
+                </a:tc>
                 <a:extLst>
                   <a:ext uri="{0D108BD9-81ED-4DB2-BD59-A6C34878D82A}">
                     <a16:rowId xmlns:a16="http://schemas.microsoft.com/office/drawing/2014/main" val="1355598705"/>
@@ -13597,12 +14042,15 @@
                         </a:spcAft>
                       </a:pPr>
                       <a:r>
-                        <a:rPr lang="en-US" sz="1000">
+                        <a:rPr lang="ko-KR" altLang="en-US" sz="1100" dirty="0" err="1">
                           <a:effectLst/>
+                          <a:latin typeface="맑은 고딕" panose="020B0503020000020004" pitchFamily="50" charset="-127"/>
+                          <a:ea typeface="맑은 고딕" panose="020B0503020000020004" pitchFamily="50" charset="-127"/>
+                          <a:cs typeface="맑은 고딕" panose="020B0503020000020004" pitchFamily="50" charset="-127"/>
                         </a:rPr>
-                        <a:t>C</a:t>
+                        <a:t>천뢰유침</a:t>
                       </a:r>
-                      <a:endParaRPr lang="ko-KR" sz="1100">
+                      <a:endParaRPr lang="ko-KR" sz="1100" dirty="0">
                         <a:effectLst/>
                         <a:latin typeface="맑은 고딕" panose="020B0503020000020004" pitchFamily="50" charset="-127"/>
                         <a:ea typeface="맑은 고딕" panose="020B0503020000020004" pitchFamily="50" charset="-127"/>
@@ -13858,6 +14306,26 @@
                   </a:txBody>
                   <a:tcPr marL="67521" marR="67521" marT="0" marB="0" anchor="ctr"/>
                 </a:tc>
+                <a:tc>
+                  <a:txBody>
+                    <a:bodyPr/>
+                    <a:lstStyle/>
+                    <a:p>
+                      <a:pPr algn="ctr" latinLnBrk="1">
+                        <a:spcAft>
+                          <a:spcPts val="800"/>
+                        </a:spcAft>
+                      </a:pPr>
+                      <a:endParaRPr lang="ko-KR" sz="1100" dirty="0">
+                        <a:effectLst/>
+                        <a:latin typeface="맑은 고딕" panose="020B0503020000020004" pitchFamily="50" charset="-127"/>
+                        <a:ea typeface="맑은 고딕" panose="020B0503020000020004" pitchFamily="50" charset="-127"/>
+                        <a:cs typeface="맑은 고딕" panose="020B0503020000020004" pitchFamily="50" charset="-127"/>
+                      </a:endParaRPr>
+                    </a:p>
+                  </a:txBody>
+                  <a:tcPr marL="67521" marR="67521" marT="0" marB="0" anchor="ctr"/>
+                </a:tc>
                 <a:extLst>
                   <a:ext uri="{0D108BD9-81ED-4DB2-BD59-A6C34878D82A}">
                     <a16:rowId xmlns:a16="http://schemas.microsoft.com/office/drawing/2014/main" val="4131342945"/>
@@ -13908,12 +14376,15 @@
                         </a:spcAft>
                       </a:pPr>
                       <a:r>
-                        <a:rPr lang="en-US" sz="1000">
+                        <a:rPr lang="ko-KR" altLang="en-US" sz="1100" dirty="0" err="1">
                           <a:effectLst/>
+                          <a:latin typeface="맑은 고딕" panose="020B0503020000020004" pitchFamily="50" charset="-127"/>
+                          <a:ea typeface="맑은 고딕" panose="020B0503020000020004" pitchFamily="50" charset="-127"/>
+                          <a:cs typeface="맑은 고딕" panose="020B0503020000020004" pitchFamily="50" charset="-127"/>
                         </a:rPr>
-                        <a:t>B</a:t>
+                        <a:t>천뢰연격</a:t>
                       </a:r>
-                      <a:endParaRPr lang="ko-KR" sz="1100">
+                      <a:endParaRPr lang="ko-KR" sz="1100" dirty="0">
                         <a:effectLst/>
                         <a:latin typeface="맑은 고딕" panose="020B0503020000020004" pitchFamily="50" charset="-127"/>
                         <a:ea typeface="맑은 고딕" panose="020B0503020000020004" pitchFamily="50" charset="-127"/>
@@ -13991,6 +14462,26 @@
                   </a:txBody>
                   <a:tcPr marL="67521" marR="67521" marT="0" marB="0" anchor="ctr"/>
                 </a:tc>
+                <a:tc>
+                  <a:txBody>
+                    <a:bodyPr/>
+                    <a:lstStyle/>
+                    <a:p>
+                      <a:pPr algn="ctr" latinLnBrk="1">
+                        <a:spcAft>
+                          <a:spcPts val="800"/>
+                        </a:spcAft>
+                      </a:pPr>
+                      <a:endParaRPr lang="ko-KR" sz="1100" dirty="0">
+                        <a:effectLst/>
+                        <a:latin typeface="맑은 고딕" panose="020B0503020000020004" pitchFamily="50" charset="-127"/>
+                        <a:ea typeface="맑은 고딕" panose="020B0503020000020004" pitchFamily="50" charset="-127"/>
+                        <a:cs typeface="맑은 고딕" panose="020B0503020000020004" pitchFamily="50" charset="-127"/>
+                      </a:endParaRPr>
+                    </a:p>
+                  </a:txBody>
+                  <a:tcPr marL="67521" marR="67521" marT="0" marB="0" anchor="ctr"/>
+                </a:tc>
                 <a:extLst>
                   <a:ext uri="{0D108BD9-81ED-4DB2-BD59-A6C34878D82A}">
                     <a16:rowId xmlns:a16="http://schemas.microsoft.com/office/drawing/2014/main" val="3565765023"/>
@@ -14041,12 +14532,15 @@
                         </a:spcAft>
                       </a:pPr>
                       <a:r>
-                        <a:rPr lang="en-US" sz="1000">
+                        <a:rPr lang="ko-KR" altLang="en-US" sz="1100" dirty="0" err="1">
                           <a:effectLst/>
+                          <a:latin typeface="맑은 고딕" panose="020B0503020000020004" pitchFamily="50" charset="-127"/>
+                          <a:ea typeface="맑은 고딕" panose="020B0503020000020004" pitchFamily="50" charset="-127"/>
+                          <a:cs typeface="맑은 고딕" panose="020B0503020000020004" pitchFamily="50" charset="-127"/>
                         </a:rPr>
-                        <a:t>A</a:t>
+                        <a:t>천뢰일폭</a:t>
                       </a:r>
-                      <a:endParaRPr lang="ko-KR" sz="1100">
+                      <a:endParaRPr lang="ko-KR" sz="1100" dirty="0">
                         <a:effectLst/>
                         <a:latin typeface="맑은 고딕" panose="020B0503020000020004" pitchFamily="50" charset="-127"/>
                         <a:ea typeface="맑은 고딕" panose="020B0503020000020004" pitchFamily="50" charset="-127"/>
@@ -14112,6 +14606,26 @@
                   </a:txBody>
                   <a:tcPr marL="67521" marR="67521" marT="0" marB="0" anchor="ctr"/>
                 </a:tc>
+                <a:tc>
+                  <a:txBody>
+                    <a:bodyPr/>
+                    <a:lstStyle/>
+                    <a:p>
+                      <a:pPr algn="ctr" latinLnBrk="1">
+                        <a:spcAft>
+                          <a:spcPts val="800"/>
+                        </a:spcAft>
+                      </a:pPr>
+                      <a:endParaRPr lang="ko-KR" sz="1100" dirty="0">
+                        <a:effectLst/>
+                        <a:latin typeface="맑은 고딕" panose="020B0503020000020004" pitchFamily="50" charset="-127"/>
+                        <a:ea typeface="맑은 고딕" panose="020B0503020000020004" pitchFamily="50" charset="-127"/>
+                        <a:cs typeface="맑은 고딕" panose="020B0503020000020004" pitchFamily="50" charset="-127"/>
+                      </a:endParaRPr>
+                    </a:p>
+                  </a:txBody>
+                  <a:tcPr marL="67521" marR="67521" marT="0" marB="0" anchor="ctr"/>
+                </a:tc>
                 <a:extLst>
                   <a:ext uri="{0D108BD9-81ED-4DB2-BD59-A6C34878D82A}">
                     <a16:rowId xmlns:a16="http://schemas.microsoft.com/office/drawing/2014/main" val="3168661115"/>
@@ -14156,21 +14670,36 @@
                     <a:bodyPr/>
                     <a:lstStyle/>
                     <a:p>
-                      <a:pPr algn="ctr" latinLnBrk="1">
+                      <a:pPr marL="0" marR="0" lvl="0" indent="0" algn="ctr" defTabSz="914400" rtl="0" eaLnBrk="1" fontAlgn="auto" latinLnBrk="1" hangingPunct="1">
+                        <a:lnSpc>
+                          <a:spcPct val="100000"/>
+                        </a:lnSpc>
+                        <a:spcBef>
+                          <a:spcPts val="0"/>
+                        </a:spcBef>
                         <a:spcAft>
                           <a:spcPts val="800"/>
                         </a:spcAft>
+                        <a:buClrTx/>
+                        <a:buSzTx/>
+                        <a:buFontTx/>
+                        <a:buNone/>
+                        <a:tabLst/>
+                        <a:defRPr/>
                       </a:pPr>
                       <a:r>
-                        <a:rPr lang="en-US" sz="1000">
+                        <a:rPr lang="ko-KR" altLang="en-US" sz="1100" dirty="0" err="1">
                           <a:effectLst/>
+                          <a:latin typeface="맑은 고딕" panose="020B0503020000020004" pitchFamily="50" charset="-127"/>
+                          <a:ea typeface="+mn-ea"/>
+                          <a:cs typeface="맑은 고딕" panose="020B0503020000020004" pitchFamily="50" charset="-127"/>
                         </a:rPr>
-                        <a:t>S</a:t>
+                        <a:t>천뢰신보</a:t>
                       </a:r>
-                      <a:endParaRPr lang="ko-KR" sz="1100">
+                      <a:endParaRPr lang="ko-KR" altLang="ko-KR" sz="1100" dirty="0">
                         <a:effectLst/>
                         <a:latin typeface="맑은 고딕" panose="020B0503020000020004" pitchFamily="50" charset="-127"/>
-                        <a:ea typeface="맑은 고딕" panose="020B0503020000020004" pitchFamily="50" charset="-127"/>
+                        <a:ea typeface="+mn-ea"/>
                         <a:cs typeface="맑은 고딕" panose="020B0503020000020004" pitchFamily="50" charset="-127"/>
                       </a:endParaRPr>
                     </a:p>
@@ -14253,6 +14782,26 @@
                         </a:rPr>
                         <a:t>.</a:t>
                       </a:r>
+                      <a:endParaRPr lang="ko-KR" sz="1100" dirty="0">
+                        <a:effectLst/>
+                        <a:latin typeface="맑은 고딕" panose="020B0503020000020004" pitchFamily="50" charset="-127"/>
+                        <a:ea typeface="맑은 고딕" panose="020B0503020000020004" pitchFamily="50" charset="-127"/>
+                        <a:cs typeface="맑은 고딕" panose="020B0503020000020004" pitchFamily="50" charset="-127"/>
+                      </a:endParaRPr>
+                    </a:p>
+                  </a:txBody>
+                  <a:tcPr marL="67521" marR="67521" marT="0" marB="0" anchor="ctr"/>
+                </a:tc>
+                <a:tc>
+                  <a:txBody>
+                    <a:bodyPr/>
+                    <a:lstStyle/>
+                    <a:p>
+                      <a:pPr algn="ctr" latinLnBrk="1">
+                        <a:spcAft>
+                          <a:spcPts val="800"/>
+                        </a:spcAft>
+                      </a:pPr>
                       <a:endParaRPr lang="ko-KR" sz="1100" dirty="0">
                         <a:effectLst/>
                         <a:latin typeface="맑은 고딕" panose="020B0503020000020004" pitchFamily="50" charset="-127"/>
@@ -14347,6 +14896,26 @@
                         </a:rPr>
                         <a:t>.</a:t>
                       </a:r>
+                      <a:endParaRPr lang="ko-KR" sz="1100" dirty="0">
+                        <a:effectLst/>
+                        <a:latin typeface="맑은 고딕" panose="020B0503020000020004" pitchFamily="50" charset="-127"/>
+                        <a:ea typeface="맑은 고딕" panose="020B0503020000020004" pitchFamily="50" charset="-127"/>
+                        <a:cs typeface="맑은 고딕" panose="020B0503020000020004" pitchFamily="50" charset="-127"/>
+                      </a:endParaRPr>
+                    </a:p>
+                  </a:txBody>
+                  <a:tcPr marL="67521" marR="67521" marT="0" marB="0" anchor="ctr"/>
+                </a:tc>
+                <a:tc>
+                  <a:txBody>
+                    <a:bodyPr/>
+                    <a:lstStyle/>
+                    <a:p>
+                      <a:pPr algn="ctr" latinLnBrk="1">
+                        <a:spcAft>
+                          <a:spcPts val="800"/>
+                        </a:spcAft>
+                      </a:pPr>
                       <a:endParaRPr lang="ko-KR" sz="1100" dirty="0">
                         <a:effectLst/>
                         <a:latin typeface="맑은 고딕" panose="020B0503020000020004" pitchFamily="50" charset="-127"/>

--- a/액션&경영 RPG/스킬/리트루기아_부채스킬기획.pptx
+++ b/액션&경영 RPG/스킬/리트루기아_부채스킬기획.pptx
@@ -267,7 +267,7 @@
           <a:p>
             <a:fld id="{F8ADF8F0-391E-4C28-B3EC-FA94B0B80675}" type="datetimeFigureOut">
               <a:rPr lang="ko-KR" altLang="en-US" smtClean="0"/>
-              <a:t>2024-09-26</a:t>
+              <a:t>2024-09-27</a:t>
             </a:fld>
             <a:endParaRPr lang="ko-KR" altLang="en-US"/>
           </a:p>
@@ -465,7 +465,7 @@
           <a:p>
             <a:fld id="{F8ADF8F0-391E-4C28-B3EC-FA94B0B80675}" type="datetimeFigureOut">
               <a:rPr lang="ko-KR" altLang="en-US" smtClean="0"/>
-              <a:t>2024-09-26</a:t>
+              <a:t>2024-09-27</a:t>
             </a:fld>
             <a:endParaRPr lang="ko-KR" altLang="en-US"/>
           </a:p>
@@ -673,7 +673,7 @@
           <a:p>
             <a:fld id="{F8ADF8F0-391E-4C28-B3EC-FA94B0B80675}" type="datetimeFigureOut">
               <a:rPr lang="ko-KR" altLang="en-US" smtClean="0"/>
-              <a:t>2024-09-26</a:t>
+              <a:t>2024-09-27</a:t>
             </a:fld>
             <a:endParaRPr lang="ko-KR" altLang="en-US"/>
           </a:p>
@@ -871,7 +871,7 @@
           <a:p>
             <a:fld id="{F8ADF8F0-391E-4C28-B3EC-FA94B0B80675}" type="datetimeFigureOut">
               <a:rPr lang="ko-KR" altLang="en-US" smtClean="0"/>
-              <a:t>2024-09-26</a:t>
+              <a:t>2024-09-27</a:t>
             </a:fld>
             <a:endParaRPr lang="ko-KR" altLang="en-US"/>
           </a:p>
@@ -1146,7 +1146,7 @@
           <a:p>
             <a:fld id="{F8ADF8F0-391E-4C28-B3EC-FA94B0B80675}" type="datetimeFigureOut">
               <a:rPr lang="ko-KR" altLang="en-US" smtClean="0"/>
-              <a:t>2024-09-26</a:t>
+              <a:t>2024-09-27</a:t>
             </a:fld>
             <a:endParaRPr lang="ko-KR" altLang="en-US"/>
           </a:p>
@@ -1411,7 +1411,7 @@
           <a:p>
             <a:fld id="{F8ADF8F0-391E-4C28-B3EC-FA94B0B80675}" type="datetimeFigureOut">
               <a:rPr lang="ko-KR" altLang="en-US" smtClean="0"/>
-              <a:t>2024-09-26</a:t>
+              <a:t>2024-09-27</a:t>
             </a:fld>
             <a:endParaRPr lang="ko-KR" altLang="en-US"/>
           </a:p>
@@ -1823,7 +1823,7 @@
           <a:p>
             <a:fld id="{F8ADF8F0-391E-4C28-B3EC-FA94B0B80675}" type="datetimeFigureOut">
               <a:rPr lang="ko-KR" altLang="en-US" smtClean="0"/>
-              <a:t>2024-09-26</a:t>
+              <a:t>2024-09-27</a:t>
             </a:fld>
             <a:endParaRPr lang="ko-KR" altLang="en-US"/>
           </a:p>
@@ -1964,7 +1964,7 @@
           <a:p>
             <a:fld id="{F8ADF8F0-391E-4C28-B3EC-FA94B0B80675}" type="datetimeFigureOut">
               <a:rPr lang="ko-KR" altLang="en-US" smtClean="0"/>
-              <a:t>2024-09-26</a:t>
+              <a:t>2024-09-27</a:t>
             </a:fld>
             <a:endParaRPr lang="ko-KR" altLang="en-US"/>
           </a:p>
@@ -2077,7 +2077,7 @@
           <a:p>
             <a:fld id="{F8ADF8F0-391E-4C28-B3EC-FA94B0B80675}" type="datetimeFigureOut">
               <a:rPr lang="ko-KR" altLang="en-US" smtClean="0"/>
-              <a:t>2024-09-26</a:t>
+              <a:t>2024-09-27</a:t>
             </a:fld>
             <a:endParaRPr lang="ko-KR" altLang="en-US"/>
           </a:p>
@@ -2388,7 +2388,7 @@
           <a:p>
             <a:fld id="{F8ADF8F0-391E-4C28-B3EC-FA94B0B80675}" type="datetimeFigureOut">
               <a:rPr lang="ko-KR" altLang="en-US" smtClean="0"/>
-              <a:t>2024-09-26</a:t>
+              <a:t>2024-09-27</a:t>
             </a:fld>
             <a:endParaRPr lang="ko-KR" altLang="en-US"/>
           </a:p>
@@ -2676,7 +2676,7 @@
           <a:p>
             <a:fld id="{F8ADF8F0-391E-4C28-B3EC-FA94B0B80675}" type="datetimeFigureOut">
               <a:rPr lang="ko-KR" altLang="en-US" smtClean="0"/>
-              <a:t>2024-09-26</a:t>
+              <a:t>2024-09-27</a:t>
             </a:fld>
             <a:endParaRPr lang="ko-KR" altLang="en-US"/>
           </a:p>
@@ -2917,7 +2917,7 @@
           <a:p>
             <a:fld id="{F8ADF8F0-391E-4C28-B3EC-FA94B0B80675}" type="datetimeFigureOut">
               <a:rPr lang="ko-KR" altLang="en-US" smtClean="0"/>
-              <a:t>2024-09-26</a:t>
+              <a:t>2024-09-27</a:t>
             </a:fld>
             <a:endParaRPr lang="ko-KR" altLang="en-US"/>
           </a:p>

--- a/액션&경영 RPG/스킬/리트루기아_부채스킬기획.pptx
+++ b/액션&경영 RPG/스킬/리트루기아_부채스킬기획.pptx
@@ -10,10 +10,11 @@
     <p:sldId id="261" r:id="rId4"/>
     <p:sldId id="266" r:id="rId5"/>
     <p:sldId id="262" r:id="rId6"/>
-    <p:sldId id="263" r:id="rId7"/>
-    <p:sldId id="264" r:id="rId8"/>
-    <p:sldId id="257" r:id="rId9"/>
-    <p:sldId id="265" r:id="rId10"/>
+    <p:sldId id="267" r:id="rId7"/>
+    <p:sldId id="263" r:id="rId8"/>
+    <p:sldId id="264" r:id="rId9"/>
+    <p:sldId id="257" r:id="rId10"/>
+    <p:sldId id="265" r:id="rId11"/>
   </p:sldIdLst>
   <p:sldSz cx="12192000" cy="6858000"/>
   <p:notesSz cx="6858000" cy="9144000"/>
@@ -3609,6 +3610,2498 @@
     <p:extLst>
       <p:ext uri="{BB962C8B-B14F-4D97-AF65-F5344CB8AC3E}">
         <p14:creationId xmlns:p14="http://schemas.microsoft.com/office/powerpoint/2010/main" val="1400654765"/>
+      </p:ext>
+    </p:extLst>
+  </p:cSld>
+  <p:clrMapOvr>
+    <a:masterClrMapping/>
+  </p:clrMapOvr>
+</p:sld>
+</file>
+
+<file path=ppt/slides/slide10.xml><?xml version="1.0" encoding="utf-8"?>
+<p:sld xmlns:a="http://schemas.openxmlformats.org/drawingml/2006/main" xmlns:r="http://schemas.openxmlformats.org/officeDocument/2006/relationships" xmlns:p="http://schemas.openxmlformats.org/presentationml/2006/main">
+  <p:cSld>
+    <p:spTree>
+      <p:nvGrpSpPr>
+        <p:cNvPr id="1" name=""/>
+        <p:cNvGrpSpPr/>
+        <p:nvPr/>
+      </p:nvGrpSpPr>
+      <p:grpSpPr>
+        <a:xfrm>
+          <a:off x="0" y="0"/>
+          <a:ext cx="0" cy="0"/>
+          <a:chOff x="0" y="0"/>
+          <a:chExt cx="0" cy="0"/>
+        </a:xfrm>
+      </p:grpSpPr>
+      <p:graphicFrame>
+        <p:nvGraphicFramePr>
+          <p:cNvPr id="4" name="표 3">
+            <a:extLst>
+              <a:ext uri="{FF2B5EF4-FFF2-40B4-BE49-F238E27FC236}">
+                <a16:creationId xmlns:a16="http://schemas.microsoft.com/office/drawing/2014/main" id="{E99EA797-D46C-6CB8-B640-8C324BC3F91B}"/>
+              </a:ext>
+            </a:extLst>
+          </p:cNvPr>
+          <p:cNvGraphicFramePr>
+            <a:graphicFrameLocks noGrp="1"/>
+          </p:cNvGraphicFramePr>
+          <p:nvPr>
+            <p:extLst>
+              <p:ext uri="{D42A27DB-BD31-4B8C-83A1-F6EECF244321}">
+                <p14:modId xmlns:p14="http://schemas.microsoft.com/office/powerpoint/2010/main" val="4049198125"/>
+              </p:ext>
+            </p:extLst>
+          </p:nvPr>
+        </p:nvGraphicFramePr>
+        <p:xfrm>
+          <a:off x="-1514399" y="2304939"/>
+          <a:ext cx="14459798" cy="4994780"/>
+        </p:xfrm>
+        <a:graphic>
+          <a:graphicData uri="http://schemas.openxmlformats.org/drawingml/2006/table">
+            <a:tbl>
+              <a:tblPr bandRow="1">
+                <a:tableStyleId>{5C22544A-7EE6-4342-B048-85BDC9FD1C3A}</a:tableStyleId>
+              </a:tblPr>
+              <a:tblGrid>
+                <a:gridCol w="986341">
+                  <a:extLst>
+                    <a:ext uri="{9D8B030D-6E8A-4147-A177-3AD203B41FA5}">
+                      <a16:colId xmlns:a16="http://schemas.microsoft.com/office/drawing/2014/main" val="2160954055"/>
+                    </a:ext>
+                  </a:extLst>
+                </a:gridCol>
+                <a:gridCol w="1066800">
+                  <a:extLst>
+                    <a:ext uri="{9D8B030D-6E8A-4147-A177-3AD203B41FA5}">
+                      <a16:colId xmlns:a16="http://schemas.microsoft.com/office/drawing/2014/main" val="845443490"/>
+                    </a:ext>
+                  </a:extLst>
+                </a:gridCol>
+                <a:gridCol w="8299738">
+                  <a:extLst>
+                    <a:ext uri="{9D8B030D-6E8A-4147-A177-3AD203B41FA5}">
+                      <a16:colId xmlns:a16="http://schemas.microsoft.com/office/drawing/2014/main" val="1596263472"/>
+                    </a:ext>
+                  </a:extLst>
+                </a:gridCol>
+                <a:gridCol w="4106919">
+                  <a:extLst>
+                    <a:ext uri="{9D8B030D-6E8A-4147-A177-3AD203B41FA5}">
+                      <a16:colId xmlns:a16="http://schemas.microsoft.com/office/drawing/2014/main" val="2266170427"/>
+                    </a:ext>
+                  </a:extLst>
+                </a:gridCol>
+              </a:tblGrid>
+              <a:tr h="380027">
+                <a:tc>
+                  <a:txBody>
+                    <a:bodyPr/>
+                    <a:lstStyle/>
+                    <a:p>
+                      <a:pPr algn="ctr" latinLnBrk="1">
+                        <a:spcAft>
+                          <a:spcPts val="800"/>
+                        </a:spcAft>
+                      </a:pPr>
+                      <a:r>
+                        <a:rPr lang="ko-KR" sz="1000" b="1" dirty="0">
+                          <a:solidFill>
+                            <a:schemeClr val="bg1"/>
+                          </a:solidFill>
+                          <a:effectLst/>
+                        </a:rPr>
+                        <a:t>이름</a:t>
+                      </a:r>
+                      <a:endParaRPr lang="ko-KR" sz="1100" b="1" dirty="0">
+                        <a:solidFill>
+                          <a:schemeClr val="bg1"/>
+                        </a:solidFill>
+                        <a:effectLst/>
+                        <a:latin typeface="맑은 고딕" panose="020B0503020000020004" pitchFamily="50" charset="-127"/>
+                        <a:ea typeface="맑은 고딕" panose="020B0503020000020004" pitchFamily="50" charset="-127"/>
+                        <a:cs typeface="맑은 고딕" panose="020B0503020000020004" pitchFamily="50" charset="-127"/>
+                      </a:endParaRPr>
+                    </a:p>
+                  </a:txBody>
+                  <a:tcPr marL="67521" marR="67521" marT="0" marB="0" anchor="ctr">
+                    <a:solidFill>
+                      <a:schemeClr val="tx1"/>
+                    </a:solidFill>
+                  </a:tcPr>
+                </a:tc>
+                <a:tc>
+                  <a:txBody>
+                    <a:bodyPr/>
+                    <a:lstStyle/>
+                    <a:p>
+                      <a:pPr algn="ctr" latinLnBrk="1">
+                        <a:spcAft>
+                          <a:spcPts val="800"/>
+                        </a:spcAft>
+                      </a:pPr>
+                      <a:r>
+                        <a:rPr lang="ko-KR" altLang="en-US" sz="1100" b="1" dirty="0" err="1">
+                          <a:solidFill>
+                            <a:schemeClr val="bg1"/>
+                          </a:solidFill>
+                          <a:effectLst/>
+                          <a:latin typeface="맑은 고딕" panose="020B0503020000020004" pitchFamily="50" charset="-127"/>
+                          <a:ea typeface="맑은 고딕" panose="020B0503020000020004" pitchFamily="50" charset="-127"/>
+                          <a:cs typeface="맑은 고딕" panose="020B0503020000020004" pitchFamily="50" charset="-127"/>
+                        </a:rPr>
+                        <a:t>스킬명</a:t>
+                      </a:r>
+                      <a:endParaRPr lang="ko-KR" sz="1100" b="1" dirty="0">
+                        <a:solidFill>
+                          <a:schemeClr val="bg1"/>
+                        </a:solidFill>
+                        <a:effectLst/>
+                        <a:latin typeface="맑은 고딕" panose="020B0503020000020004" pitchFamily="50" charset="-127"/>
+                        <a:ea typeface="맑은 고딕" panose="020B0503020000020004" pitchFamily="50" charset="-127"/>
+                        <a:cs typeface="맑은 고딕" panose="020B0503020000020004" pitchFamily="50" charset="-127"/>
+                      </a:endParaRPr>
+                    </a:p>
+                  </a:txBody>
+                  <a:tcPr marL="67521" marR="67521" marT="0" marB="0" anchor="ctr">
+                    <a:solidFill>
+                      <a:schemeClr val="tx1"/>
+                    </a:solidFill>
+                  </a:tcPr>
+                </a:tc>
+                <a:tc>
+                  <a:txBody>
+                    <a:bodyPr/>
+                    <a:lstStyle/>
+                    <a:p>
+                      <a:pPr algn="ctr" latinLnBrk="1">
+                        <a:spcAft>
+                          <a:spcPts val="800"/>
+                        </a:spcAft>
+                      </a:pPr>
+                      <a:r>
+                        <a:rPr lang="ko-KR" sz="1000" b="1" dirty="0">
+                          <a:solidFill>
+                            <a:schemeClr val="bg1"/>
+                          </a:solidFill>
+                          <a:effectLst/>
+                        </a:rPr>
+                        <a:t>설명</a:t>
+                      </a:r>
+                      <a:endParaRPr lang="ko-KR" sz="1100" b="1" dirty="0">
+                        <a:solidFill>
+                          <a:schemeClr val="bg1"/>
+                        </a:solidFill>
+                        <a:effectLst/>
+                        <a:latin typeface="맑은 고딕" panose="020B0503020000020004" pitchFamily="50" charset="-127"/>
+                        <a:ea typeface="맑은 고딕" panose="020B0503020000020004" pitchFamily="50" charset="-127"/>
+                        <a:cs typeface="맑은 고딕" panose="020B0503020000020004" pitchFamily="50" charset="-127"/>
+                      </a:endParaRPr>
+                    </a:p>
+                  </a:txBody>
+                  <a:tcPr marL="67521" marR="67521" marT="0" marB="0" anchor="ctr">
+                    <a:solidFill>
+                      <a:schemeClr val="tx1"/>
+                    </a:solidFill>
+                  </a:tcPr>
+                </a:tc>
+                <a:tc>
+                  <a:txBody>
+                    <a:bodyPr/>
+                    <a:lstStyle/>
+                    <a:p>
+                      <a:pPr algn="ctr" latinLnBrk="1">
+                        <a:spcAft>
+                          <a:spcPts val="800"/>
+                        </a:spcAft>
+                      </a:pPr>
+                      <a:r>
+                        <a:rPr lang="ko-KR" altLang="en-US" sz="1100" b="1" dirty="0">
+                          <a:solidFill>
+                            <a:schemeClr val="bg1"/>
+                          </a:solidFill>
+                          <a:effectLst/>
+                          <a:latin typeface="맑은 고딕" panose="020B0503020000020004" pitchFamily="50" charset="-127"/>
+                          <a:ea typeface="맑은 고딕" panose="020B0503020000020004" pitchFamily="50" charset="-127"/>
+                          <a:cs typeface="맑은 고딕" panose="020B0503020000020004" pitchFamily="50" charset="-127"/>
+                        </a:rPr>
+                        <a:t>의도</a:t>
+                      </a:r>
+                      <a:endParaRPr lang="ko-KR" sz="1100" b="1" dirty="0">
+                        <a:solidFill>
+                          <a:schemeClr val="bg1"/>
+                        </a:solidFill>
+                        <a:effectLst/>
+                        <a:latin typeface="맑은 고딕" panose="020B0503020000020004" pitchFamily="50" charset="-127"/>
+                        <a:ea typeface="맑은 고딕" panose="020B0503020000020004" pitchFamily="50" charset="-127"/>
+                        <a:cs typeface="맑은 고딕" panose="020B0503020000020004" pitchFamily="50" charset="-127"/>
+                      </a:endParaRPr>
+                    </a:p>
+                  </a:txBody>
+                  <a:tcPr marL="67521" marR="67521" marT="0" marB="0" anchor="ctr">
+                    <a:solidFill>
+                      <a:schemeClr val="tx1"/>
+                    </a:solidFill>
+                  </a:tcPr>
+                </a:tc>
+                <a:extLst>
+                  <a:ext uri="{0D108BD9-81ED-4DB2-BD59-A6C34878D82A}">
+                    <a16:rowId xmlns:a16="http://schemas.microsoft.com/office/drawing/2014/main" val="1847628624"/>
+                  </a:ext>
+                </a:extLst>
+              </a:tr>
+              <a:tr h="1200369">
+                <a:tc>
+                  <a:txBody>
+                    <a:bodyPr/>
+                    <a:lstStyle/>
+                    <a:p>
+                      <a:pPr algn="ctr" latinLnBrk="1">
+                        <a:spcAft>
+                          <a:spcPts val="800"/>
+                        </a:spcAft>
+                      </a:pPr>
+                      <a:r>
+                        <a:rPr lang="ko-KR" sz="1000">
+                          <a:effectLst/>
+                        </a:rPr>
+                        <a:t>일반 공격</a:t>
+                      </a:r>
+                      <a:endParaRPr lang="ko-KR" sz="1100">
+                        <a:effectLst/>
+                        <a:latin typeface="맑은 고딕" panose="020B0503020000020004" pitchFamily="50" charset="-127"/>
+                        <a:ea typeface="맑은 고딕" panose="020B0503020000020004" pitchFamily="50" charset="-127"/>
+                        <a:cs typeface="맑은 고딕" panose="020B0503020000020004" pitchFamily="50" charset="-127"/>
+                      </a:endParaRPr>
+                    </a:p>
+                  </a:txBody>
+                  <a:tcPr marL="67521" marR="67521" marT="0" marB="0" anchor="ctr"/>
+                </a:tc>
+                <a:tc>
+                  <a:txBody>
+                    <a:bodyPr/>
+                    <a:lstStyle/>
+                    <a:p>
+                      <a:pPr algn="ctr" latinLnBrk="1">
+                        <a:spcAft>
+                          <a:spcPts val="800"/>
+                        </a:spcAft>
+                      </a:pPr>
+                      <a:endParaRPr lang="ko-KR" sz="1100" dirty="0">
+                        <a:effectLst/>
+                        <a:latin typeface="맑은 고딕" panose="020B0503020000020004" pitchFamily="50" charset="-127"/>
+                        <a:ea typeface="맑은 고딕" panose="020B0503020000020004" pitchFamily="50" charset="-127"/>
+                        <a:cs typeface="맑은 고딕" panose="020B0503020000020004" pitchFamily="50" charset="-127"/>
+                      </a:endParaRPr>
+                    </a:p>
+                  </a:txBody>
+                  <a:tcPr marL="67521" marR="67521" marT="0" marB="0" anchor="ctr"/>
+                </a:tc>
+                <a:tc>
+                  <a:txBody>
+                    <a:bodyPr/>
+                    <a:lstStyle/>
+                    <a:p>
+                      <a:pPr latinLnBrk="1">
+                        <a:spcAft>
+                          <a:spcPts val="800"/>
+                        </a:spcAft>
+                      </a:pPr>
+                      <a:r>
+                        <a:rPr lang="en-US" sz="1000" dirty="0">
+                          <a:effectLst/>
+                        </a:rPr>
+                        <a:t>3</a:t>
+                      </a:r>
+                      <a:r>
+                        <a:rPr lang="ko-KR" sz="1000" dirty="0">
+                          <a:effectLst/>
+                        </a:rPr>
+                        <a:t>번의 연계형 공격</a:t>
+                      </a:r>
+                      <a:endParaRPr lang="ko-KR" sz="1100" dirty="0">
+                        <a:effectLst/>
+                      </a:endParaRPr>
+                    </a:p>
+                    <a:p>
+                      <a:pPr latinLnBrk="1">
+                        <a:spcAft>
+                          <a:spcPts val="800"/>
+                        </a:spcAft>
+                      </a:pPr>
+                      <a:r>
+                        <a:rPr lang="en-US" sz="1000" dirty="0">
+                          <a:effectLst/>
+                        </a:rPr>
+                        <a:t>- </a:t>
+                      </a:r>
+                      <a:r>
+                        <a:rPr lang="ko-KR" sz="1000" dirty="0">
+                          <a:effectLst/>
+                        </a:rPr>
+                        <a:t>오른발을 앞으로 내밀면서 바깥쪽에서 안쪽으로 손을 휘두른다</a:t>
+                      </a:r>
+                      <a:r>
+                        <a:rPr lang="en-US" sz="1000" dirty="0">
+                          <a:effectLst/>
+                        </a:rPr>
+                        <a:t>. </a:t>
+                      </a:r>
+                      <a:r>
+                        <a:rPr lang="ko-KR" sz="1000" dirty="0">
+                          <a:effectLst/>
+                        </a:rPr>
+                        <a:t>손을 휘두르면서 부채를 접어 </a:t>
+                      </a:r>
+                      <a:r>
+                        <a:rPr lang="en-US" sz="1000" dirty="0">
+                          <a:effectLst/>
+                        </a:rPr>
+                        <a:t>1</a:t>
+                      </a:r>
+                      <a:r>
+                        <a:rPr lang="ko-KR" sz="1000" dirty="0">
+                          <a:effectLst/>
+                        </a:rPr>
+                        <a:t>회 피해를 준다</a:t>
+                      </a:r>
+                      <a:r>
+                        <a:rPr lang="en-US" sz="1000" dirty="0">
+                          <a:effectLst/>
+                        </a:rPr>
+                        <a:t>. </a:t>
+                      </a:r>
+                      <a:endParaRPr lang="ko-KR" sz="1100" dirty="0">
+                        <a:effectLst/>
+                      </a:endParaRPr>
+                    </a:p>
+                    <a:p>
+                      <a:pPr latinLnBrk="1">
+                        <a:spcAft>
+                          <a:spcPts val="800"/>
+                        </a:spcAft>
+                      </a:pPr>
+                      <a:r>
+                        <a:rPr lang="en-US" sz="1000" dirty="0">
+                          <a:effectLst/>
+                        </a:rPr>
+                        <a:t>- </a:t>
+                      </a:r>
+                      <a:r>
+                        <a:rPr lang="ko-KR" sz="1000" dirty="0">
+                          <a:effectLst/>
+                        </a:rPr>
+                        <a:t>오른발을 뒤로 빼면서 부채를 </a:t>
+                      </a:r>
+                      <a:r>
+                        <a:rPr lang="ko-KR" sz="1000" dirty="0" err="1">
+                          <a:effectLst/>
+                        </a:rPr>
+                        <a:t>몸쪽으로</a:t>
+                      </a:r>
+                      <a:r>
+                        <a:rPr lang="ko-KR" sz="1000" dirty="0">
+                          <a:effectLst/>
+                        </a:rPr>
+                        <a:t> 끌어당기고 번개를 부채에 </a:t>
+                      </a:r>
+                      <a:r>
+                        <a:rPr lang="ko-KR" sz="1000" dirty="0" err="1">
+                          <a:effectLst/>
+                        </a:rPr>
+                        <a:t>끌어모으며</a:t>
+                      </a:r>
+                      <a:r>
+                        <a:rPr lang="ko-KR" sz="1000" dirty="0">
+                          <a:effectLst/>
+                        </a:rPr>
+                        <a:t> </a:t>
+                      </a:r>
+                      <a:r>
+                        <a:rPr lang="en-US" sz="1000" dirty="0">
+                          <a:effectLst/>
+                        </a:rPr>
+                        <a:t>1</a:t>
+                      </a:r>
+                      <a:r>
+                        <a:rPr lang="ko-KR" sz="1000" dirty="0">
+                          <a:effectLst/>
+                        </a:rPr>
+                        <a:t>회 피해를 준다</a:t>
+                      </a:r>
+                      <a:r>
+                        <a:rPr lang="en-US" sz="1000" dirty="0">
+                          <a:effectLst/>
+                        </a:rPr>
+                        <a:t>.</a:t>
+                      </a:r>
+                      <a:endParaRPr lang="ko-KR" sz="1100" dirty="0">
+                        <a:effectLst/>
+                      </a:endParaRPr>
+                    </a:p>
+                    <a:p>
+                      <a:pPr latinLnBrk="1">
+                        <a:spcAft>
+                          <a:spcPts val="800"/>
+                        </a:spcAft>
+                      </a:pPr>
+                      <a:r>
+                        <a:rPr lang="en-US" sz="1000" dirty="0">
+                          <a:effectLst/>
+                        </a:rPr>
+                        <a:t>- </a:t>
+                      </a:r>
+                      <a:r>
+                        <a:rPr lang="ko-KR" sz="1000" dirty="0">
+                          <a:effectLst/>
+                        </a:rPr>
+                        <a:t>부채를 정면으로 펼치며 번개를 방출해 </a:t>
+                      </a:r>
+                      <a:r>
+                        <a:rPr lang="en-US" sz="1000" dirty="0">
+                          <a:effectLst/>
+                        </a:rPr>
+                        <a:t>1</a:t>
+                      </a:r>
+                      <a:r>
+                        <a:rPr lang="ko-KR" sz="1000" dirty="0">
+                          <a:effectLst/>
+                        </a:rPr>
+                        <a:t>회 피해를 준다</a:t>
+                      </a:r>
+                      <a:r>
+                        <a:rPr lang="en-US" sz="1000" dirty="0">
+                          <a:effectLst/>
+                        </a:rPr>
+                        <a:t>.</a:t>
+                      </a:r>
+                      <a:endParaRPr lang="ko-KR" sz="1100" dirty="0">
+                        <a:effectLst/>
+                        <a:latin typeface="맑은 고딕" panose="020B0503020000020004" pitchFamily="50" charset="-127"/>
+                        <a:ea typeface="맑은 고딕" panose="020B0503020000020004" pitchFamily="50" charset="-127"/>
+                        <a:cs typeface="맑은 고딕" panose="020B0503020000020004" pitchFamily="50" charset="-127"/>
+                      </a:endParaRPr>
+                    </a:p>
+                  </a:txBody>
+                  <a:tcPr marL="67521" marR="67521" marT="0" marB="0" anchor="ctr"/>
+                </a:tc>
+                <a:tc>
+                  <a:txBody>
+                    <a:bodyPr/>
+                    <a:lstStyle/>
+                    <a:p>
+                      <a:pPr algn="ctr" latinLnBrk="1">
+                        <a:spcAft>
+                          <a:spcPts val="800"/>
+                        </a:spcAft>
+                      </a:pPr>
+                      <a:endParaRPr lang="ko-KR" sz="1100" dirty="0">
+                        <a:effectLst/>
+                        <a:latin typeface="맑은 고딕" panose="020B0503020000020004" pitchFamily="50" charset="-127"/>
+                        <a:ea typeface="맑은 고딕" panose="020B0503020000020004" pitchFamily="50" charset="-127"/>
+                        <a:cs typeface="맑은 고딕" panose="020B0503020000020004" pitchFamily="50" charset="-127"/>
+                      </a:endParaRPr>
+                    </a:p>
+                  </a:txBody>
+                  <a:tcPr marL="67521" marR="67521" marT="0" marB="0" anchor="ctr"/>
+                </a:tc>
+                <a:extLst>
+                  <a:ext uri="{0D108BD9-81ED-4DB2-BD59-A6C34878D82A}">
+                    <a16:rowId xmlns:a16="http://schemas.microsoft.com/office/drawing/2014/main" val="1774201791"/>
+                  </a:ext>
+                </a:extLst>
+              </a:tr>
+              <a:tr h="450138">
+                <a:tc>
+                  <a:txBody>
+                    <a:bodyPr/>
+                    <a:lstStyle/>
+                    <a:p>
+                      <a:pPr algn="ctr" latinLnBrk="1">
+                        <a:spcAft>
+                          <a:spcPts val="800"/>
+                        </a:spcAft>
+                      </a:pPr>
+                      <a:r>
+                        <a:rPr lang="ko-KR" sz="1000">
+                          <a:effectLst/>
+                        </a:rPr>
+                        <a:t>스위칭 스킬</a:t>
+                      </a:r>
+                      <a:endParaRPr lang="ko-KR" sz="1100">
+                        <a:effectLst/>
+                        <a:latin typeface="맑은 고딕" panose="020B0503020000020004" pitchFamily="50" charset="-127"/>
+                        <a:ea typeface="맑은 고딕" panose="020B0503020000020004" pitchFamily="50" charset="-127"/>
+                        <a:cs typeface="맑은 고딕" panose="020B0503020000020004" pitchFamily="50" charset="-127"/>
+                      </a:endParaRPr>
+                    </a:p>
+                  </a:txBody>
+                  <a:tcPr marL="67521" marR="67521" marT="0" marB="0" anchor="ctr"/>
+                </a:tc>
+                <a:tc>
+                  <a:txBody>
+                    <a:bodyPr/>
+                    <a:lstStyle/>
+                    <a:p>
+                      <a:pPr algn="ctr" latinLnBrk="1">
+                        <a:spcAft>
+                          <a:spcPts val="800"/>
+                        </a:spcAft>
+                      </a:pPr>
+                      <a:r>
+                        <a:rPr lang="ko-KR" altLang="en-US" sz="1100" dirty="0" err="1">
+                          <a:effectLst/>
+                          <a:latin typeface="맑은 고딕" panose="020B0503020000020004" pitchFamily="50" charset="-127"/>
+                          <a:ea typeface="맑은 고딕" panose="020B0503020000020004" pitchFamily="50" charset="-127"/>
+                          <a:cs typeface="맑은 고딕" panose="020B0503020000020004" pitchFamily="50" charset="-127"/>
+                        </a:rPr>
+                        <a:t>천뢰개벽</a:t>
+                      </a:r>
+                      <a:endParaRPr lang="ko-KR" sz="1100" dirty="0">
+                        <a:effectLst/>
+                        <a:latin typeface="맑은 고딕" panose="020B0503020000020004" pitchFamily="50" charset="-127"/>
+                        <a:ea typeface="맑은 고딕" panose="020B0503020000020004" pitchFamily="50" charset="-127"/>
+                        <a:cs typeface="맑은 고딕" panose="020B0503020000020004" pitchFamily="50" charset="-127"/>
+                      </a:endParaRPr>
+                    </a:p>
+                  </a:txBody>
+                  <a:tcPr marL="67521" marR="67521" marT="0" marB="0" anchor="ctr"/>
+                </a:tc>
+                <a:tc>
+                  <a:txBody>
+                    <a:bodyPr/>
+                    <a:lstStyle/>
+                    <a:p>
+                      <a:pPr latinLnBrk="1">
+                        <a:spcAft>
+                          <a:spcPts val="800"/>
+                        </a:spcAft>
+                      </a:pPr>
+                      <a:r>
+                        <a:rPr lang="ko-KR" sz="1000" dirty="0">
+                          <a:effectLst/>
+                        </a:rPr>
+                        <a:t>접혀 있는 부채를 꺼내며 하늘을 향해 펼친다</a:t>
+                      </a:r>
+                      <a:r>
+                        <a:rPr lang="en-US" sz="1000" dirty="0">
+                          <a:effectLst/>
+                        </a:rPr>
+                        <a:t>. 10</a:t>
+                      </a:r>
+                      <a:r>
+                        <a:rPr lang="ko-KR" sz="1000" dirty="0">
+                          <a:effectLst/>
+                        </a:rPr>
+                        <a:t>초 동안</a:t>
+                      </a:r>
+                      <a:r>
+                        <a:rPr lang="en-US" sz="1000" dirty="0">
+                          <a:effectLst/>
+                        </a:rPr>
+                        <a:t> 1</a:t>
+                      </a:r>
+                      <a:r>
+                        <a:rPr lang="ko-KR" sz="1000" dirty="0">
+                          <a:effectLst/>
+                        </a:rPr>
+                        <a:t>초마다 </a:t>
+                      </a:r>
+                      <a:r>
+                        <a:rPr lang="ko-KR" sz="1000" dirty="0" err="1">
+                          <a:effectLst/>
+                        </a:rPr>
+                        <a:t>랜덤한</a:t>
+                      </a:r>
+                      <a:r>
+                        <a:rPr lang="ko-KR" sz="1000" dirty="0">
+                          <a:effectLst/>
+                        </a:rPr>
+                        <a:t> 적에게 하늘에서 번개를 떨어트려 피해를</a:t>
+                      </a:r>
+                      <a:r>
+                        <a:rPr lang="en-US" sz="1000" dirty="0">
+                          <a:effectLst/>
+                        </a:rPr>
+                        <a:t> 1</a:t>
+                      </a:r>
+                      <a:r>
+                        <a:rPr lang="ko-KR" sz="1000" dirty="0">
+                          <a:effectLst/>
+                        </a:rPr>
+                        <a:t>회 준다</a:t>
+                      </a:r>
+                      <a:r>
+                        <a:rPr lang="en-US" sz="1000" dirty="0">
+                          <a:effectLst/>
+                        </a:rPr>
+                        <a:t>.</a:t>
+                      </a:r>
+                      <a:endParaRPr lang="ko-KR" sz="1100" dirty="0">
+                        <a:effectLst/>
+                        <a:latin typeface="맑은 고딕" panose="020B0503020000020004" pitchFamily="50" charset="-127"/>
+                        <a:ea typeface="맑은 고딕" panose="020B0503020000020004" pitchFamily="50" charset="-127"/>
+                        <a:cs typeface="맑은 고딕" panose="020B0503020000020004" pitchFamily="50" charset="-127"/>
+                      </a:endParaRPr>
+                    </a:p>
+                  </a:txBody>
+                  <a:tcPr marL="67521" marR="67521" marT="0" marB="0" anchor="ctr"/>
+                </a:tc>
+                <a:tc>
+                  <a:txBody>
+                    <a:bodyPr/>
+                    <a:lstStyle/>
+                    <a:p>
+                      <a:pPr algn="ctr" latinLnBrk="1">
+                        <a:spcAft>
+                          <a:spcPts val="800"/>
+                        </a:spcAft>
+                      </a:pPr>
+                      <a:endParaRPr lang="ko-KR" sz="1100" dirty="0">
+                        <a:effectLst/>
+                        <a:latin typeface="맑은 고딕" panose="020B0503020000020004" pitchFamily="50" charset="-127"/>
+                        <a:ea typeface="맑은 고딕" panose="020B0503020000020004" pitchFamily="50" charset="-127"/>
+                        <a:cs typeface="맑은 고딕" panose="020B0503020000020004" pitchFamily="50" charset="-127"/>
+                      </a:endParaRPr>
+                    </a:p>
+                  </a:txBody>
+                  <a:tcPr marL="67521" marR="67521" marT="0" marB="0" anchor="ctr"/>
+                </a:tc>
+                <a:extLst>
+                  <a:ext uri="{0D108BD9-81ED-4DB2-BD59-A6C34878D82A}">
+                    <a16:rowId xmlns:a16="http://schemas.microsoft.com/office/drawing/2014/main" val="1355598705"/>
+                  </a:ext>
+                </a:extLst>
+              </a:tr>
+              <a:tr h="561705">
+                <a:tc>
+                  <a:txBody>
+                    <a:bodyPr/>
+                    <a:lstStyle/>
+                    <a:p>
+                      <a:pPr algn="ctr" latinLnBrk="1">
+                        <a:spcAft>
+                          <a:spcPts val="800"/>
+                        </a:spcAft>
+                      </a:pPr>
+                      <a:r>
+                        <a:rPr lang="ko-KR" sz="1000">
+                          <a:effectLst/>
+                        </a:rPr>
+                        <a:t>스킬</a:t>
+                      </a:r>
+                      <a:r>
+                        <a:rPr lang="en-US" sz="1000">
+                          <a:effectLst/>
+                        </a:rPr>
+                        <a:t> 1</a:t>
+                      </a:r>
+                      <a:endParaRPr lang="ko-KR" sz="1100">
+                        <a:effectLst/>
+                        <a:latin typeface="맑은 고딕" panose="020B0503020000020004" pitchFamily="50" charset="-127"/>
+                        <a:ea typeface="맑은 고딕" panose="020B0503020000020004" pitchFamily="50" charset="-127"/>
+                        <a:cs typeface="맑은 고딕" panose="020B0503020000020004" pitchFamily="50" charset="-127"/>
+                      </a:endParaRPr>
+                    </a:p>
+                  </a:txBody>
+                  <a:tcPr marL="67521" marR="67521" marT="0" marB="0" anchor="ctr"/>
+                </a:tc>
+                <a:tc>
+                  <a:txBody>
+                    <a:bodyPr/>
+                    <a:lstStyle/>
+                    <a:p>
+                      <a:pPr algn="ctr" latinLnBrk="1">
+                        <a:spcAft>
+                          <a:spcPts val="800"/>
+                        </a:spcAft>
+                      </a:pPr>
+                      <a:r>
+                        <a:rPr lang="ko-KR" altLang="en-US" sz="1100" dirty="0" err="1">
+                          <a:effectLst/>
+                          <a:latin typeface="맑은 고딕" panose="020B0503020000020004" pitchFamily="50" charset="-127"/>
+                          <a:ea typeface="맑은 고딕" panose="020B0503020000020004" pitchFamily="50" charset="-127"/>
+                          <a:cs typeface="맑은 고딕" panose="020B0503020000020004" pitchFamily="50" charset="-127"/>
+                        </a:rPr>
+                        <a:t>천뢰유침</a:t>
+                      </a:r>
+                      <a:endParaRPr lang="ko-KR" sz="1100" dirty="0">
+                        <a:effectLst/>
+                        <a:latin typeface="맑은 고딕" panose="020B0503020000020004" pitchFamily="50" charset="-127"/>
+                        <a:ea typeface="맑은 고딕" panose="020B0503020000020004" pitchFamily="50" charset="-127"/>
+                        <a:cs typeface="맑은 고딕" panose="020B0503020000020004" pitchFamily="50" charset="-127"/>
+                      </a:endParaRPr>
+                    </a:p>
+                  </a:txBody>
+                  <a:tcPr marL="67521" marR="67521" marT="0" marB="0" anchor="ctr"/>
+                </a:tc>
+                <a:tc>
+                  <a:txBody>
+                    <a:bodyPr/>
+                    <a:lstStyle/>
+                    <a:p>
+                      <a:pPr latinLnBrk="1">
+                        <a:spcAft>
+                          <a:spcPts val="800"/>
+                        </a:spcAft>
+                      </a:pPr>
+                      <a:r>
+                        <a:rPr lang="ko-KR" sz="1000" dirty="0">
+                          <a:effectLst/>
+                        </a:rPr>
+                        <a:t>부채를 접으며 오른손을 위로 뻗는다</a:t>
+                      </a:r>
+                      <a:r>
+                        <a:rPr lang="en-US" sz="1000" dirty="0">
+                          <a:effectLst/>
+                        </a:rPr>
+                        <a:t>. </a:t>
+                      </a:r>
+                      <a:r>
+                        <a:rPr lang="ko-KR" sz="1000" dirty="0">
+                          <a:effectLst/>
+                        </a:rPr>
+                        <a:t>번개가 캐릭터에게 내려친다</a:t>
+                      </a:r>
+                      <a:r>
+                        <a:rPr lang="en-US" sz="1000" dirty="0">
+                          <a:effectLst/>
+                        </a:rPr>
+                        <a:t>. </a:t>
+                      </a:r>
+                      <a:r>
+                        <a:rPr lang="ko-KR" sz="1000" dirty="0">
+                          <a:effectLst/>
+                        </a:rPr>
+                        <a:t>번개가 내려칠 때 주변에 피해를 입힌다</a:t>
+                      </a:r>
+                      <a:r>
+                        <a:rPr lang="en-US" sz="1000" dirty="0">
+                          <a:effectLst/>
+                        </a:rPr>
+                        <a:t>. </a:t>
+                      </a:r>
+                      <a:r>
+                        <a:rPr lang="ko-KR" sz="1000" dirty="0">
+                          <a:effectLst/>
+                        </a:rPr>
+                        <a:t>이후 캐릭터의 몸 주변에 일정량의 데미지를 흡수하는 번개 보호막을 형성한다</a:t>
+                      </a:r>
+                      <a:r>
+                        <a:rPr lang="en-US" sz="1000" dirty="0">
+                          <a:effectLst/>
+                        </a:rPr>
+                        <a:t>. (5</a:t>
+                      </a:r>
+                      <a:r>
+                        <a:rPr lang="ko-KR" sz="1000" dirty="0">
+                          <a:effectLst/>
+                        </a:rPr>
+                        <a:t>초 지속</a:t>
+                      </a:r>
+                      <a:r>
+                        <a:rPr lang="en-US" sz="1000" dirty="0">
+                          <a:effectLst/>
+                        </a:rPr>
+                        <a:t>) </a:t>
+                      </a:r>
+                      <a:r>
+                        <a:rPr lang="ko-KR" sz="1000" dirty="0">
+                          <a:effectLst/>
+                        </a:rPr>
+                        <a:t>보호막이 적의 공격에 의해 제거되지 않고 지속시간이 지나 사라질 때 주변으로 번개를 방출하며</a:t>
+                      </a:r>
+                      <a:r>
+                        <a:rPr lang="en-US" sz="1000" dirty="0">
+                          <a:effectLst/>
+                        </a:rPr>
+                        <a:t> 1</a:t>
+                      </a:r>
+                      <a:r>
+                        <a:rPr lang="ko-KR" sz="1000" dirty="0">
+                          <a:effectLst/>
+                        </a:rPr>
+                        <a:t>회 공격한다</a:t>
+                      </a:r>
+                      <a:r>
+                        <a:rPr lang="en-US" sz="1000" dirty="0">
+                          <a:effectLst/>
+                        </a:rPr>
+                        <a:t>.</a:t>
+                      </a:r>
+                    </a:p>
+                    <a:p>
+                      <a:pPr latinLnBrk="1">
+                        <a:spcAft>
+                          <a:spcPts val="800"/>
+                        </a:spcAft>
+                      </a:pPr>
+                      <a:r>
+                        <a:rPr lang="ko-KR" altLang="en-US" sz="1000" dirty="0">
+                          <a:effectLst/>
+                          <a:latin typeface="맑은 고딕" panose="020B0503020000020004" pitchFamily="50" charset="-127"/>
+                          <a:ea typeface="맑은 고딕" panose="020B0503020000020004" pitchFamily="50" charset="-127"/>
+                          <a:cs typeface="맑은 고딕" panose="020B0503020000020004" pitchFamily="50" charset="-127"/>
+                        </a:rPr>
+                        <a:t>보호막 형성과 동시에 </a:t>
+                      </a:r>
+                      <a:r>
+                        <a:rPr lang="ko-KR" altLang="en-US" sz="1000" dirty="0" err="1">
+                          <a:effectLst/>
+                          <a:latin typeface="맑은 고딕" panose="020B0503020000020004" pitchFamily="50" charset="-127"/>
+                          <a:ea typeface="맑은 고딕" panose="020B0503020000020004" pitchFamily="50" charset="-127"/>
+                          <a:cs typeface="맑은 고딕" panose="020B0503020000020004" pitchFamily="50" charset="-127"/>
+                        </a:rPr>
+                        <a:t>천뢰침을</a:t>
+                      </a:r>
+                      <a:r>
+                        <a:rPr lang="ko-KR" altLang="en-US" sz="1000" dirty="0">
+                          <a:effectLst/>
+                          <a:latin typeface="맑은 고딕" panose="020B0503020000020004" pitchFamily="50" charset="-127"/>
+                          <a:ea typeface="맑은 고딕" panose="020B0503020000020004" pitchFamily="50" charset="-127"/>
+                          <a:cs typeface="맑은 고딕" panose="020B0503020000020004" pitchFamily="50" charset="-127"/>
+                        </a:rPr>
+                        <a:t> </a:t>
+                      </a:r>
+                      <a:r>
+                        <a:rPr lang="en-US" altLang="ko-KR" sz="1000" dirty="0">
+                          <a:effectLst/>
+                          <a:latin typeface="맑은 고딕" panose="020B0503020000020004" pitchFamily="50" charset="-127"/>
+                          <a:ea typeface="맑은 고딕" panose="020B0503020000020004" pitchFamily="50" charset="-127"/>
+                          <a:cs typeface="맑은 고딕" panose="020B0503020000020004" pitchFamily="50" charset="-127"/>
+                        </a:rPr>
+                        <a:t>3</a:t>
+                      </a:r>
+                      <a:r>
+                        <a:rPr lang="ko-KR" altLang="en-US" sz="1000" dirty="0">
+                          <a:effectLst/>
+                          <a:latin typeface="맑은 고딕" panose="020B0503020000020004" pitchFamily="50" charset="-127"/>
+                          <a:ea typeface="맑은 고딕" panose="020B0503020000020004" pitchFamily="50" charset="-127"/>
+                          <a:cs typeface="맑은 고딕" panose="020B0503020000020004" pitchFamily="50" charset="-127"/>
+                        </a:rPr>
+                        <a:t>개 형성한다</a:t>
+                      </a:r>
+                      <a:r>
+                        <a:rPr lang="en-US" altLang="ko-KR" sz="1000" dirty="0">
+                          <a:effectLst/>
+                          <a:latin typeface="맑은 고딕" panose="020B0503020000020004" pitchFamily="50" charset="-127"/>
+                          <a:ea typeface="맑은 고딕" panose="020B0503020000020004" pitchFamily="50" charset="-127"/>
+                          <a:cs typeface="맑은 고딕" panose="020B0503020000020004" pitchFamily="50" charset="-127"/>
+                        </a:rPr>
+                        <a:t>. </a:t>
+                      </a:r>
+                      <a:r>
+                        <a:rPr lang="ko-KR" altLang="en-US" sz="1000" dirty="0" err="1">
+                          <a:effectLst/>
+                          <a:latin typeface="맑은 고딕" panose="020B0503020000020004" pitchFamily="50" charset="-127"/>
+                          <a:ea typeface="맑은 고딕" panose="020B0503020000020004" pitchFamily="50" charset="-127"/>
+                          <a:cs typeface="맑은 고딕" panose="020B0503020000020004" pitchFamily="50" charset="-127"/>
+                        </a:rPr>
+                        <a:t>천뢰침은</a:t>
+                      </a:r>
+                      <a:r>
+                        <a:rPr lang="ko-KR" altLang="en-US" sz="1000" dirty="0">
+                          <a:effectLst/>
+                          <a:latin typeface="맑은 고딕" panose="020B0503020000020004" pitchFamily="50" charset="-127"/>
+                          <a:ea typeface="맑은 고딕" panose="020B0503020000020004" pitchFamily="50" charset="-127"/>
+                          <a:cs typeface="맑은 고딕" panose="020B0503020000020004" pitchFamily="50" charset="-127"/>
+                        </a:rPr>
+                        <a:t> 일반 공격의 세 번째 공격에 </a:t>
+                      </a:r>
+                      <a:r>
+                        <a:rPr lang="en-US" altLang="ko-KR" sz="1000" dirty="0">
+                          <a:effectLst/>
+                          <a:latin typeface="맑은 고딕" panose="020B0503020000020004" pitchFamily="50" charset="-127"/>
+                          <a:ea typeface="맑은 고딕" panose="020B0503020000020004" pitchFamily="50" charset="-127"/>
+                          <a:cs typeface="맑은 고딕" panose="020B0503020000020004" pitchFamily="50" charset="-127"/>
+                        </a:rPr>
+                        <a:t>1</a:t>
+                      </a:r>
+                      <a:r>
+                        <a:rPr lang="ko-KR" altLang="en-US" sz="1000" dirty="0">
+                          <a:effectLst/>
+                          <a:latin typeface="맑은 고딕" panose="020B0503020000020004" pitchFamily="50" charset="-127"/>
+                          <a:ea typeface="맑은 고딕" panose="020B0503020000020004" pitchFamily="50" charset="-127"/>
+                          <a:cs typeface="맑은 고딕" panose="020B0503020000020004" pitchFamily="50" charset="-127"/>
+                        </a:rPr>
+                        <a:t>개씩 발사한다</a:t>
+                      </a:r>
+                      <a:r>
+                        <a:rPr lang="en-US" altLang="ko-KR" sz="1000" dirty="0">
+                          <a:effectLst/>
+                          <a:latin typeface="맑은 고딕" panose="020B0503020000020004" pitchFamily="50" charset="-127"/>
+                          <a:ea typeface="맑은 고딕" panose="020B0503020000020004" pitchFamily="50" charset="-127"/>
+                          <a:cs typeface="맑은 고딕" panose="020B0503020000020004" pitchFamily="50" charset="-127"/>
+                        </a:rPr>
+                        <a:t>. </a:t>
+                      </a:r>
+                      <a:r>
+                        <a:rPr lang="ko-KR" altLang="en-US" sz="1000" dirty="0">
+                          <a:effectLst/>
+                          <a:latin typeface="맑은 고딕" panose="020B0503020000020004" pitchFamily="50" charset="-127"/>
+                          <a:ea typeface="맑은 고딕" panose="020B0503020000020004" pitchFamily="50" charset="-127"/>
+                          <a:cs typeface="맑은 고딕" panose="020B0503020000020004" pitchFamily="50" charset="-127"/>
+                        </a:rPr>
+                        <a:t>스킬을 재사용하면 남아있는 </a:t>
+                      </a:r>
+                      <a:r>
+                        <a:rPr lang="ko-KR" altLang="en-US" sz="1000" dirty="0" err="1">
+                          <a:effectLst/>
+                          <a:latin typeface="맑은 고딕" panose="020B0503020000020004" pitchFamily="50" charset="-127"/>
+                          <a:ea typeface="맑은 고딕" panose="020B0503020000020004" pitchFamily="50" charset="-127"/>
+                          <a:cs typeface="맑은 고딕" panose="020B0503020000020004" pitchFamily="50" charset="-127"/>
+                        </a:rPr>
+                        <a:t>천뢰침을</a:t>
+                      </a:r>
+                      <a:r>
+                        <a:rPr lang="ko-KR" altLang="en-US" sz="1000" dirty="0">
+                          <a:effectLst/>
+                          <a:latin typeface="맑은 고딕" panose="020B0503020000020004" pitchFamily="50" charset="-127"/>
+                          <a:ea typeface="맑은 고딕" panose="020B0503020000020004" pitchFamily="50" charset="-127"/>
+                          <a:cs typeface="맑은 고딕" panose="020B0503020000020004" pitchFamily="50" charset="-127"/>
+                        </a:rPr>
+                        <a:t> 한 번에 마우스 포인터 위치로 발사하여 바닥에 꽂는다</a:t>
+                      </a:r>
+                      <a:r>
+                        <a:rPr lang="en-US" altLang="ko-KR" sz="1000" dirty="0">
+                          <a:effectLst/>
+                          <a:latin typeface="맑은 고딕" panose="020B0503020000020004" pitchFamily="50" charset="-127"/>
+                          <a:ea typeface="맑은 고딕" panose="020B0503020000020004" pitchFamily="50" charset="-127"/>
+                          <a:cs typeface="맑은 고딕" panose="020B0503020000020004" pitchFamily="50" charset="-127"/>
+                        </a:rPr>
+                        <a:t>.</a:t>
+                      </a:r>
+                      <a:endParaRPr lang="ko-KR" sz="1100" dirty="0">
+                        <a:effectLst/>
+                        <a:latin typeface="맑은 고딕" panose="020B0503020000020004" pitchFamily="50" charset="-127"/>
+                        <a:ea typeface="맑은 고딕" panose="020B0503020000020004" pitchFamily="50" charset="-127"/>
+                        <a:cs typeface="맑은 고딕" panose="020B0503020000020004" pitchFamily="50" charset="-127"/>
+                      </a:endParaRPr>
+                    </a:p>
+                  </a:txBody>
+                  <a:tcPr marL="67521" marR="67521" marT="0" marB="0" anchor="ctr"/>
+                </a:tc>
+                <a:tc>
+                  <a:txBody>
+                    <a:bodyPr/>
+                    <a:lstStyle/>
+                    <a:p>
+                      <a:pPr algn="ctr" latinLnBrk="1">
+                        <a:spcAft>
+                          <a:spcPts val="800"/>
+                        </a:spcAft>
+                      </a:pPr>
+                      <a:endParaRPr lang="ko-KR" sz="1100" dirty="0">
+                        <a:effectLst/>
+                        <a:latin typeface="맑은 고딕" panose="020B0503020000020004" pitchFamily="50" charset="-127"/>
+                        <a:ea typeface="맑은 고딕" panose="020B0503020000020004" pitchFamily="50" charset="-127"/>
+                        <a:cs typeface="맑은 고딕" panose="020B0503020000020004" pitchFamily="50" charset="-127"/>
+                      </a:endParaRPr>
+                    </a:p>
+                  </a:txBody>
+                  <a:tcPr marL="67521" marR="67521" marT="0" marB="0" anchor="ctr"/>
+                </a:tc>
+                <a:extLst>
+                  <a:ext uri="{0D108BD9-81ED-4DB2-BD59-A6C34878D82A}">
+                    <a16:rowId xmlns:a16="http://schemas.microsoft.com/office/drawing/2014/main" val="4131342945"/>
+                  </a:ext>
+                </a:extLst>
+              </a:tr>
+              <a:tr h="600185">
+                <a:tc>
+                  <a:txBody>
+                    <a:bodyPr/>
+                    <a:lstStyle/>
+                    <a:p>
+                      <a:pPr algn="ctr" latinLnBrk="1">
+                        <a:spcAft>
+                          <a:spcPts val="800"/>
+                        </a:spcAft>
+                      </a:pPr>
+                      <a:r>
+                        <a:rPr lang="ko-KR" sz="1000">
+                          <a:effectLst/>
+                        </a:rPr>
+                        <a:t>스킬</a:t>
+                      </a:r>
+                      <a:r>
+                        <a:rPr lang="en-US" sz="1000">
+                          <a:effectLst/>
+                        </a:rPr>
+                        <a:t> 2</a:t>
+                      </a:r>
+                      <a:endParaRPr lang="ko-KR" sz="1100">
+                        <a:effectLst/>
+                        <a:latin typeface="맑은 고딕" panose="020B0503020000020004" pitchFamily="50" charset="-127"/>
+                        <a:ea typeface="맑은 고딕" panose="020B0503020000020004" pitchFamily="50" charset="-127"/>
+                        <a:cs typeface="맑은 고딕" panose="020B0503020000020004" pitchFamily="50" charset="-127"/>
+                      </a:endParaRPr>
+                    </a:p>
+                  </a:txBody>
+                  <a:tcPr marL="67521" marR="67521" marT="0" marB="0" anchor="ctr"/>
+                </a:tc>
+                <a:tc>
+                  <a:txBody>
+                    <a:bodyPr/>
+                    <a:lstStyle/>
+                    <a:p>
+                      <a:pPr algn="ctr" latinLnBrk="1">
+                        <a:spcAft>
+                          <a:spcPts val="800"/>
+                        </a:spcAft>
+                      </a:pPr>
+                      <a:r>
+                        <a:rPr lang="ko-KR" altLang="en-US" sz="1100" dirty="0" err="1">
+                          <a:effectLst/>
+                          <a:latin typeface="맑은 고딕" panose="020B0503020000020004" pitchFamily="50" charset="-127"/>
+                          <a:ea typeface="맑은 고딕" panose="020B0503020000020004" pitchFamily="50" charset="-127"/>
+                          <a:cs typeface="맑은 고딕" panose="020B0503020000020004" pitchFamily="50" charset="-127"/>
+                        </a:rPr>
+                        <a:t>천뢰연격</a:t>
+                      </a:r>
+                      <a:endParaRPr lang="ko-KR" sz="1100" dirty="0">
+                        <a:effectLst/>
+                        <a:latin typeface="맑은 고딕" panose="020B0503020000020004" pitchFamily="50" charset="-127"/>
+                        <a:ea typeface="맑은 고딕" panose="020B0503020000020004" pitchFamily="50" charset="-127"/>
+                        <a:cs typeface="맑은 고딕" panose="020B0503020000020004" pitchFamily="50" charset="-127"/>
+                      </a:endParaRPr>
+                    </a:p>
+                  </a:txBody>
+                  <a:tcPr marL="67521" marR="67521" marT="0" marB="0" anchor="ctr"/>
+                </a:tc>
+                <a:tc>
+                  <a:txBody>
+                    <a:bodyPr/>
+                    <a:lstStyle/>
+                    <a:p>
+                      <a:pPr latinLnBrk="1">
+                        <a:spcAft>
+                          <a:spcPts val="800"/>
+                        </a:spcAft>
+                      </a:pPr>
+                      <a:r>
+                        <a:rPr lang="ko-KR" sz="1000" dirty="0">
+                          <a:effectLst/>
+                        </a:rPr>
+                        <a:t>왼손을 앞으로 뻗고 부채를 왼손에 가져가며 손바닥을 치듯이 접는다</a:t>
+                      </a:r>
+                      <a:r>
+                        <a:rPr lang="en-US" sz="1000" dirty="0">
+                          <a:effectLst/>
+                        </a:rPr>
+                        <a:t>. </a:t>
+                      </a:r>
+                      <a:r>
+                        <a:rPr lang="ko-KR" sz="1000" dirty="0">
+                          <a:effectLst/>
+                        </a:rPr>
+                        <a:t>왼손의 손바닥 위에 번개 구체가 두개 형성된다</a:t>
+                      </a:r>
+                      <a:r>
+                        <a:rPr lang="en-US" sz="1000" dirty="0">
+                          <a:effectLst/>
+                        </a:rPr>
+                        <a:t>. </a:t>
+                      </a:r>
+                      <a:r>
+                        <a:rPr lang="ko-KR" sz="1000" dirty="0">
+                          <a:effectLst/>
+                        </a:rPr>
+                        <a:t>이후 부채를 펼치며 손을 내리고 아래에서 위로</a:t>
+                      </a:r>
+                      <a:r>
+                        <a:rPr lang="en-US" sz="1000" dirty="0">
+                          <a:effectLst/>
+                        </a:rPr>
+                        <a:t>, </a:t>
+                      </a:r>
+                      <a:r>
+                        <a:rPr lang="ko-KR" sz="1000" dirty="0">
+                          <a:effectLst/>
+                        </a:rPr>
+                        <a:t>안에서 밖으로 부채를 총 두 번 휘둘러 번개를 방출한다</a:t>
+                      </a:r>
+                      <a:r>
+                        <a:rPr lang="en-US" sz="1000" dirty="0">
+                          <a:effectLst/>
+                        </a:rPr>
+                        <a:t>.</a:t>
+                      </a:r>
+                      <a:endParaRPr lang="ko-KR" sz="1100" dirty="0">
+                        <a:effectLst/>
+                        <a:latin typeface="맑은 고딕" panose="020B0503020000020004" pitchFamily="50" charset="-127"/>
+                        <a:ea typeface="맑은 고딕" panose="020B0503020000020004" pitchFamily="50" charset="-127"/>
+                        <a:cs typeface="맑은 고딕" panose="020B0503020000020004" pitchFamily="50" charset="-127"/>
+                      </a:endParaRPr>
+                    </a:p>
+                  </a:txBody>
+                  <a:tcPr marL="67521" marR="67521" marT="0" marB="0" anchor="ctr"/>
+                </a:tc>
+                <a:tc>
+                  <a:txBody>
+                    <a:bodyPr/>
+                    <a:lstStyle/>
+                    <a:p>
+                      <a:pPr algn="ctr" latinLnBrk="1">
+                        <a:spcAft>
+                          <a:spcPts val="800"/>
+                        </a:spcAft>
+                      </a:pPr>
+                      <a:endParaRPr lang="ko-KR" sz="1100" dirty="0">
+                        <a:effectLst/>
+                        <a:latin typeface="맑은 고딕" panose="020B0503020000020004" pitchFamily="50" charset="-127"/>
+                        <a:ea typeface="맑은 고딕" panose="020B0503020000020004" pitchFamily="50" charset="-127"/>
+                        <a:cs typeface="맑은 고딕" panose="020B0503020000020004" pitchFamily="50" charset="-127"/>
+                      </a:endParaRPr>
+                    </a:p>
+                  </a:txBody>
+                  <a:tcPr marL="67521" marR="67521" marT="0" marB="0" anchor="ctr"/>
+                </a:tc>
+                <a:extLst>
+                  <a:ext uri="{0D108BD9-81ED-4DB2-BD59-A6C34878D82A}">
+                    <a16:rowId xmlns:a16="http://schemas.microsoft.com/office/drawing/2014/main" val="3565765023"/>
+                  </a:ext>
+                </a:extLst>
+              </a:tr>
+              <a:tr h="600185">
+                <a:tc>
+                  <a:txBody>
+                    <a:bodyPr/>
+                    <a:lstStyle/>
+                    <a:p>
+                      <a:pPr algn="ctr" latinLnBrk="1">
+                        <a:spcAft>
+                          <a:spcPts val="800"/>
+                        </a:spcAft>
+                      </a:pPr>
+                      <a:r>
+                        <a:rPr lang="ko-KR" sz="1000">
+                          <a:effectLst/>
+                        </a:rPr>
+                        <a:t>스킬</a:t>
+                      </a:r>
+                      <a:r>
+                        <a:rPr lang="en-US" sz="1000">
+                          <a:effectLst/>
+                        </a:rPr>
+                        <a:t> 3 </a:t>
+                      </a:r>
+                      <a:endParaRPr lang="ko-KR" sz="1100">
+                        <a:effectLst/>
+                        <a:latin typeface="맑은 고딕" panose="020B0503020000020004" pitchFamily="50" charset="-127"/>
+                        <a:ea typeface="맑은 고딕" panose="020B0503020000020004" pitchFamily="50" charset="-127"/>
+                        <a:cs typeface="맑은 고딕" panose="020B0503020000020004" pitchFamily="50" charset="-127"/>
+                      </a:endParaRPr>
+                    </a:p>
+                  </a:txBody>
+                  <a:tcPr marL="67521" marR="67521" marT="0" marB="0" anchor="ctr"/>
+                </a:tc>
+                <a:tc>
+                  <a:txBody>
+                    <a:bodyPr/>
+                    <a:lstStyle/>
+                    <a:p>
+                      <a:pPr algn="ctr" latinLnBrk="1">
+                        <a:spcAft>
+                          <a:spcPts val="800"/>
+                        </a:spcAft>
+                      </a:pPr>
+                      <a:r>
+                        <a:rPr lang="ko-KR" altLang="en-US" sz="1100" dirty="0" err="1">
+                          <a:effectLst/>
+                          <a:latin typeface="맑은 고딕" panose="020B0503020000020004" pitchFamily="50" charset="-127"/>
+                          <a:ea typeface="맑은 고딕" panose="020B0503020000020004" pitchFamily="50" charset="-127"/>
+                          <a:cs typeface="맑은 고딕" panose="020B0503020000020004" pitchFamily="50" charset="-127"/>
+                        </a:rPr>
+                        <a:t>천뢰일폭</a:t>
+                      </a:r>
+                      <a:endParaRPr lang="ko-KR" sz="1100" dirty="0">
+                        <a:effectLst/>
+                        <a:latin typeface="맑은 고딕" panose="020B0503020000020004" pitchFamily="50" charset="-127"/>
+                        <a:ea typeface="맑은 고딕" panose="020B0503020000020004" pitchFamily="50" charset="-127"/>
+                        <a:cs typeface="맑은 고딕" panose="020B0503020000020004" pitchFamily="50" charset="-127"/>
+                      </a:endParaRPr>
+                    </a:p>
+                  </a:txBody>
+                  <a:tcPr marL="67521" marR="67521" marT="0" marB="0" anchor="ctr"/>
+                </a:tc>
+                <a:tc>
+                  <a:txBody>
+                    <a:bodyPr/>
+                    <a:lstStyle/>
+                    <a:p>
+                      <a:pPr latinLnBrk="1">
+                        <a:spcAft>
+                          <a:spcPts val="800"/>
+                        </a:spcAft>
+                      </a:pPr>
+                      <a:r>
+                        <a:rPr lang="ko-KR" sz="1000" dirty="0">
+                          <a:effectLst/>
+                        </a:rPr>
+                        <a:t>부채를 접은 후 몸을 한 바퀴 회전하며 하늘을 향해 펼친다</a:t>
+                      </a:r>
+                      <a:r>
+                        <a:rPr lang="en-US" sz="1000" dirty="0">
+                          <a:effectLst/>
+                        </a:rPr>
+                        <a:t>. </a:t>
+                      </a:r>
+                      <a:r>
+                        <a:rPr lang="ko-KR" sz="1000" dirty="0">
+                          <a:effectLst/>
+                        </a:rPr>
+                        <a:t>전방의 하늘에 원형의 부채 모양으로 번개가 형성되고 회전하며 하늘의 번개를 담는다</a:t>
+                      </a:r>
+                      <a:r>
+                        <a:rPr lang="en-US" sz="1000" dirty="0">
+                          <a:effectLst/>
+                        </a:rPr>
+                        <a:t>. </a:t>
+                      </a:r>
+                      <a:r>
+                        <a:rPr lang="ko-KR" sz="1000" dirty="0">
+                          <a:effectLst/>
+                        </a:rPr>
+                        <a:t>이후 부채를 수직으로 내리는 동작을 따라 거대한 번개가 한 번 내리친다</a:t>
+                      </a:r>
+                      <a:r>
+                        <a:rPr lang="en-US" sz="1000" dirty="0">
+                          <a:effectLst/>
+                        </a:rPr>
+                        <a:t>.</a:t>
+                      </a:r>
+                      <a:endParaRPr lang="ko-KR" sz="1100" dirty="0">
+                        <a:effectLst/>
+                        <a:latin typeface="맑은 고딕" panose="020B0503020000020004" pitchFamily="50" charset="-127"/>
+                        <a:ea typeface="맑은 고딕" panose="020B0503020000020004" pitchFamily="50" charset="-127"/>
+                        <a:cs typeface="맑은 고딕" panose="020B0503020000020004" pitchFamily="50" charset="-127"/>
+                      </a:endParaRPr>
+                    </a:p>
+                  </a:txBody>
+                  <a:tcPr marL="67521" marR="67521" marT="0" marB="0" anchor="ctr"/>
+                </a:tc>
+                <a:tc>
+                  <a:txBody>
+                    <a:bodyPr/>
+                    <a:lstStyle/>
+                    <a:p>
+                      <a:pPr algn="ctr" latinLnBrk="1">
+                        <a:spcAft>
+                          <a:spcPts val="800"/>
+                        </a:spcAft>
+                      </a:pPr>
+                      <a:endParaRPr lang="ko-KR" sz="1100" dirty="0">
+                        <a:effectLst/>
+                        <a:latin typeface="맑은 고딕" panose="020B0503020000020004" pitchFamily="50" charset="-127"/>
+                        <a:ea typeface="맑은 고딕" panose="020B0503020000020004" pitchFamily="50" charset="-127"/>
+                        <a:cs typeface="맑은 고딕" panose="020B0503020000020004" pitchFamily="50" charset="-127"/>
+                      </a:endParaRPr>
+                    </a:p>
+                  </a:txBody>
+                  <a:tcPr marL="67521" marR="67521" marT="0" marB="0" anchor="ctr"/>
+                </a:tc>
+                <a:extLst>
+                  <a:ext uri="{0D108BD9-81ED-4DB2-BD59-A6C34878D82A}">
+                    <a16:rowId xmlns:a16="http://schemas.microsoft.com/office/drawing/2014/main" val="3168661115"/>
+                  </a:ext>
+                </a:extLst>
+              </a:tr>
+              <a:tr h="450138">
+                <a:tc>
+                  <a:txBody>
+                    <a:bodyPr/>
+                    <a:lstStyle/>
+                    <a:p>
+                      <a:pPr algn="ctr" latinLnBrk="1">
+                        <a:spcAft>
+                          <a:spcPts val="800"/>
+                        </a:spcAft>
+                      </a:pPr>
+                      <a:r>
+                        <a:rPr lang="ko-KR" sz="1000">
+                          <a:effectLst/>
+                        </a:rPr>
+                        <a:t>스킬</a:t>
+                      </a:r>
+                      <a:r>
+                        <a:rPr lang="en-US" sz="1000">
+                          <a:effectLst/>
+                        </a:rPr>
+                        <a:t> 4</a:t>
+                      </a:r>
+                      <a:endParaRPr lang="ko-KR" sz="1100">
+                        <a:effectLst/>
+                        <a:latin typeface="맑은 고딕" panose="020B0503020000020004" pitchFamily="50" charset="-127"/>
+                        <a:ea typeface="맑은 고딕" panose="020B0503020000020004" pitchFamily="50" charset="-127"/>
+                        <a:cs typeface="맑은 고딕" panose="020B0503020000020004" pitchFamily="50" charset="-127"/>
+                      </a:endParaRPr>
+                    </a:p>
+                  </a:txBody>
+                  <a:tcPr marL="67521" marR="67521" marT="0" marB="0" anchor="ctr"/>
+                </a:tc>
+                <a:tc>
+                  <a:txBody>
+                    <a:bodyPr/>
+                    <a:lstStyle/>
+                    <a:p>
+                      <a:pPr marL="0" marR="0" lvl="0" indent="0" algn="ctr" defTabSz="914400" rtl="0" eaLnBrk="1" fontAlgn="auto" latinLnBrk="1" hangingPunct="1">
+                        <a:lnSpc>
+                          <a:spcPct val="100000"/>
+                        </a:lnSpc>
+                        <a:spcBef>
+                          <a:spcPts val="0"/>
+                        </a:spcBef>
+                        <a:spcAft>
+                          <a:spcPts val="800"/>
+                        </a:spcAft>
+                        <a:buClrTx/>
+                        <a:buSzTx/>
+                        <a:buFontTx/>
+                        <a:buNone/>
+                        <a:tabLst/>
+                        <a:defRPr/>
+                      </a:pPr>
+                      <a:r>
+                        <a:rPr lang="ko-KR" altLang="en-US" sz="1100" dirty="0" err="1">
+                          <a:effectLst/>
+                          <a:latin typeface="맑은 고딕" panose="020B0503020000020004" pitchFamily="50" charset="-127"/>
+                          <a:ea typeface="+mn-ea"/>
+                          <a:cs typeface="맑은 고딕" panose="020B0503020000020004" pitchFamily="50" charset="-127"/>
+                        </a:rPr>
+                        <a:t>천뢰신보</a:t>
+                      </a:r>
+                      <a:endParaRPr lang="ko-KR" altLang="ko-KR" sz="1100" dirty="0">
+                        <a:effectLst/>
+                        <a:latin typeface="맑은 고딕" panose="020B0503020000020004" pitchFamily="50" charset="-127"/>
+                        <a:ea typeface="+mn-ea"/>
+                        <a:cs typeface="맑은 고딕" panose="020B0503020000020004" pitchFamily="50" charset="-127"/>
+                      </a:endParaRPr>
+                    </a:p>
+                  </a:txBody>
+                  <a:tcPr marL="67521" marR="67521" marT="0" marB="0" anchor="ctr"/>
+                </a:tc>
+                <a:tc>
+                  <a:txBody>
+                    <a:bodyPr/>
+                    <a:lstStyle/>
+                    <a:p>
+                      <a:pPr latinLnBrk="1">
+                        <a:spcAft>
+                          <a:spcPts val="800"/>
+                        </a:spcAft>
+                      </a:pPr>
+                      <a:r>
+                        <a:rPr lang="ko-KR" sz="1000" dirty="0">
+                          <a:effectLst/>
+                        </a:rPr>
+                        <a:t>부채를 접으며 오른손을 허리 뒤의 왼손위에 포갠다</a:t>
+                      </a:r>
+                      <a:r>
+                        <a:rPr lang="en-US" sz="1000" dirty="0">
+                          <a:effectLst/>
+                        </a:rPr>
+                        <a:t>. </a:t>
+                      </a:r>
+                      <a:r>
+                        <a:rPr lang="ko-KR" sz="1000" dirty="0">
+                          <a:effectLst/>
+                        </a:rPr>
+                        <a:t>번개를 온 몸에 </a:t>
+                      </a:r>
+                      <a:r>
+                        <a:rPr lang="ko-KR" sz="1000" dirty="0" err="1">
+                          <a:effectLst/>
+                        </a:rPr>
+                        <a:t>끌어모은다</a:t>
+                      </a:r>
+                      <a:r>
+                        <a:rPr lang="en-US" sz="1000" dirty="0">
+                          <a:effectLst/>
+                        </a:rPr>
+                        <a:t>. </a:t>
+                      </a:r>
+                      <a:r>
+                        <a:rPr lang="ko-KR" sz="1000" dirty="0">
+                          <a:effectLst/>
+                        </a:rPr>
+                        <a:t>이후 천천히 세 걸음 전진한다</a:t>
+                      </a:r>
+                      <a:r>
+                        <a:rPr lang="en-US" sz="1000" dirty="0">
+                          <a:effectLst/>
+                        </a:rPr>
+                        <a:t>. </a:t>
+                      </a:r>
+                      <a:r>
+                        <a:rPr lang="ko-KR" sz="1000" dirty="0">
+                          <a:effectLst/>
+                        </a:rPr>
+                        <a:t>걸음마다 몸에 담긴 번개가 </a:t>
+                      </a:r>
+                      <a:r>
+                        <a:rPr lang="ko-KR" sz="1000" dirty="0" err="1">
+                          <a:effectLst/>
+                        </a:rPr>
+                        <a:t>퍼져나가</a:t>
+                      </a:r>
+                      <a:r>
+                        <a:rPr lang="ko-KR" sz="1000" dirty="0">
+                          <a:effectLst/>
+                        </a:rPr>
+                        <a:t> 주변의 적에게 피해를 준다</a:t>
+                      </a:r>
+                      <a:r>
+                        <a:rPr lang="en-US" sz="1000" dirty="0">
+                          <a:effectLst/>
+                        </a:rPr>
+                        <a:t>.</a:t>
+                      </a:r>
+                      <a:endParaRPr lang="ko-KR" sz="1100" dirty="0">
+                        <a:effectLst/>
+                        <a:latin typeface="맑은 고딕" panose="020B0503020000020004" pitchFamily="50" charset="-127"/>
+                        <a:ea typeface="맑은 고딕" panose="020B0503020000020004" pitchFamily="50" charset="-127"/>
+                        <a:cs typeface="맑은 고딕" panose="020B0503020000020004" pitchFamily="50" charset="-127"/>
+                      </a:endParaRPr>
+                    </a:p>
+                  </a:txBody>
+                  <a:tcPr marL="67521" marR="67521" marT="0" marB="0" anchor="ctr"/>
+                </a:tc>
+                <a:tc>
+                  <a:txBody>
+                    <a:bodyPr/>
+                    <a:lstStyle/>
+                    <a:p>
+                      <a:pPr algn="ctr" latinLnBrk="1">
+                        <a:spcAft>
+                          <a:spcPts val="800"/>
+                        </a:spcAft>
+                      </a:pPr>
+                      <a:endParaRPr lang="ko-KR" sz="1100" dirty="0">
+                        <a:effectLst/>
+                        <a:latin typeface="맑은 고딕" panose="020B0503020000020004" pitchFamily="50" charset="-127"/>
+                        <a:ea typeface="맑은 고딕" panose="020B0503020000020004" pitchFamily="50" charset="-127"/>
+                        <a:cs typeface="맑은 고딕" panose="020B0503020000020004" pitchFamily="50" charset="-127"/>
+                      </a:endParaRPr>
+                    </a:p>
+                  </a:txBody>
+                  <a:tcPr marL="67521" marR="67521" marT="0" marB="0" anchor="ctr"/>
+                </a:tc>
+                <a:extLst>
+                  <a:ext uri="{0D108BD9-81ED-4DB2-BD59-A6C34878D82A}">
+                    <a16:rowId xmlns:a16="http://schemas.microsoft.com/office/drawing/2014/main" val="848545980"/>
+                  </a:ext>
+                </a:extLst>
+              </a:tr>
+              <a:tr h="450138">
+                <a:tc>
+                  <a:txBody>
+                    <a:bodyPr/>
+                    <a:lstStyle/>
+                    <a:p>
+                      <a:pPr algn="ctr" latinLnBrk="1">
+                        <a:spcAft>
+                          <a:spcPts val="800"/>
+                        </a:spcAft>
+                      </a:pPr>
+                      <a:endParaRPr lang="ko-KR" sz="1100" dirty="0">
+                        <a:effectLst/>
+                        <a:latin typeface="맑은 고딕" panose="020B0503020000020004" pitchFamily="50" charset="-127"/>
+                        <a:ea typeface="맑은 고딕" panose="020B0503020000020004" pitchFamily="50" charset="-127"/>
+                        <a:cs typeface="맑은 고딕" panose="020B0503020000020004" pitchFamily="50" charset="-127"/>
+                      </a:endParaRPr>
+                    </a:p>
+                  </a:txBody>
+                  <a:tcPr marL="67521" marR="67521" marT="0" marB="0" anchor="ctr"/>
+                </a:tc>
+                <a:tc>
+                  <a:txBody>
+                    <a:bodyPr/>
+                    <a:lstStyle/>
+                    <a:p>
+                      <a:pPr algn="ctr" latinLnBrk="1">
+                        <a:spcAft>
+                          <a:spcPts val="800"/>
+                        </a:spcAft>
+                      </a:pPr>
+                      <a:endParaRPr lang="ko-KR" sz="1100" dirty="0">
+                        <a:effectLst/>
+                        <a:latin typeface="맑은 고딕" panose="020B0503020000020004" pitchFamily="50" charset="-127"/>
+                        <a:ea typeface="맑은 고딕" panose="020B0503020000020004" pitchFamily="50" charset="-127"/>
+                        <a:cs typeface="맑은 고딕" panose="020B0503020000020004" pitchFamily="50" charset="-127"/>
+                      </a:endParaRPr>
+                    </a:p>
+                  </a:txBody>
+                  <a:tcPr marL="67521" marR="67521" marT="0" marB="0" anchor="ctr"/>
+                </a:tc>
+                <a:tc>
+                  <a:txBody>
+                    <a:bodyPr/>
+                    <a:lstStyle/>
+                    <a:p>
+                      <a:pPr latinLnBrk="1">
+                        <a:spcAft>
+                          <a:spcPts val="800"/>
+                        </a:spcAft>
+                      </a:pPr>
+                      <a:r>
+                        <a:rPr lang="ko-KR" altLang="en-US" sz="1100" dirty="0" err="1">
+                          <a:effectLst/>
+                          <a:latin typeface="맑은 고딕" panose="020B0503020000020004" pitchFamily="50" charset="-127"/>
+                          <a:ea typeface="맑은 고딕" panose="020B0503020000020004" pitchFamily="50" charset="-127"/>
+                          <a:cs typeface="맑은 고딕" panose="020B0503020000020004" pitchFamily="50" charset="-127"/>
+                        </a:rPr>
+                        <a:t>천뢰침을</a:t>
+                      </a:r>
+                      <a:r>
+                        <a:rPr lang="ko-KR" altLang="en-US" sz="1100" dirty="0">
+                          <a:effectLst/>
+                          <a:latin typeface="맑은 고딕" panose="020B0503020000020004" pitchFamily="50" charset="-127"/>
+                          <a:ea typeface="맑은 고딕" panose="020B0503020000020004" pitchFamily="50" charset="-127"/>
+                          <a:cs typeface="맑은 고딕" panose="020B0503020000020004" pitchFamily="50" charset="-127"/>
+                        </a:rPr>
+                        <a:t> 발사하는 스킬이 있어야 함</a:t>
+                      </a:r>
+                      <a:r>
+                        <a:rPr lang="en-US" altLang="ko-KR" sz="1100" dirty="0">
+                          <a:effectLst/>
+                          <a:latin typeface="맑은 고딕" panose="020B0503020000020004" pitchFamily="50" charset="-127"/>
+                          <a:ea typeface="맑은 고딕" panose="020B0503020000020004" pitchFamily="50" charset="-127"/>
+                          <a:cs typeface="맑은 고딕" panose="020B0503020000020004" pitchFamily="50" charset="-127"/>
+                        </a:rPr>
+                        <a:t>.</a:t>
+                      </a:r>
+                      <a:endParaRPr lang="ko-KR" sz="1100" dirty="0">
+                        <a:effectLst/>
+                        <a:latin typeface="맑은 고딕" panose="020B0503020000020004" pitchFamily="50" charset="-127"/>
+                        <a:ea typeface="맑은 고딕" panose="020B0503020000020004" pitchFamily="50" charset="-127"/>
+                        <a:cs typeface="맑은 고딕" panose="020B0503020000020004" pitchFamily="50" charset="-127"/>
+                      </a:endParaRPr>
+                    </a:p>
+                  </a:txBody>
+                  <a:tcPr marL="67521" marR="67521" marT="0" marB="0" anchor="ctr"/>
+                </a:tc>
+                <a:tc>
+                  <a:txBody>
+                    <a:bodyPr/>
+                    <a:lstStyle/>
+                    <a:p>
+                      <a:pPr algn="ctr" latinLnBrk="1">
+                        <a:spcAft>
+                          <a:spcPts val="800"/>
+                        </a:spcAft>
+                      </a:pPr>
+                      <a:endParaRPr lang="ko-KR" sz="1100" dirty="0">
+                        <a:effectLst/>
+                        <a:latin typeface="맑은 고딕" panose="020B0503020000020004" pitchFamily="50" charset="-127"/>
+                        <a:ea typeface="맑은 고딕" panose="020B0503020000020004" pitchFamily="50" charset="-127"/>
+                        <a:cs typeface="맑은 고딕" panose="020B0503020000020004" pitchFamily="50" charset="-127"/>
+                      </a:endParaRPr>
+                    </a:p>
+                  </a:txBody>
+                  <a:tcPr marL="67521" marR="67521" marT="0" marB="0" anchor="ctr"/>
+                </a:tc>
+                <a:extLst>
+                  <a:ext uri="{0D108BD9-81ED-4DB2-BD59-A6C34878D82A}">
+                    <a16:rowId xmlns:a16="http://schemas.microsoft.com/office/drawing/2014/main" val="4084260564"/>
+                  </a:ext>
+                </a:extLst>
+              </a:tr>
+            </a:tbl>
+          </a:graphicData>
+        </a:graphic>
+      </p:graphicFrame>
+      <p:grpSp>
+        <p:nvGrpSpPr>
+          <p:cNvPr id="5" name="그룹 4">
+            <a:extLst>
+              <a:ext uri="{FF2B5EF4-FFF2-40B4-BE49-F238E27FC236}">
+                <a16:creationId xmlns:a16="http://schemas.microsoft.com/office/drawing/2014/main" id="{A72F0025-9A08-CDCB-1731-419954514003}"/>
+              </a:ext>
+            </a:extLst>
+          </p:cNvPr>
+          <p:cNvGrpSpPr/>
+          <p:nvPr/>
+        </p:nvGrpSpPr>
+        <p:grpSpPr>
+          <a:xfrm>
+            <a:off x="7503248" y="343219"/>
+            <a:ext cx="3000375" cy="1511300"/>
+            <a:chOff x="0" y="0"/>
+            <a:chExt cx="3000375" cy="1511935"/>
+          </a:xfrm>
+        </p:grpSpPr>
+        <p:pic>
+          <p:nvPicPr>
+            <p:cNvPr id="6" name="그림 5" descr="손부채, 장식 부채, 야외, 팬이(가) 표시된 사진&#10;&#10;자동 생성된 설명">
+              <a:extLst>
+                <a:ext uri="{FF2B5EF4-FFF2-40B4-BE49-F238E27FC236}">
+                  <a16:creationId xmlns:a16="http://schemas.microsoft.com/office/drawing/2014/main" id="{FABC51C5-34B1-E0F4-C33C-3847E959ACE0}"/>
+                </a:ext>
+              </a:extLst>
+            </p:cNvPr>
+            <p:cNvPicPr>
+              <a:picLocks noChangeAspect="1"/>
+            </p:cNvPicPr>
+            <p:nvPr/>
+          </p:nvPicPr>
+          <p:blipFill>
+            <a:blip r:embed="rId2" cstate="print">
+              <a:extLst>
+                <a:ext uri="{28A0092B-C50C-407E-A947-70E740481C1C}">
+                  <a14:useLocalDpi xmlns:a14="http://schemas.microsoft.com/office/drawing/2010/main" val="0"/>
+                </a:ext>
+              </a:extLst>
+            </a:blip>
+            <a:srcRect/>
+            <a:stretch>
+              <a:fillRect/>
+            </a:stretch>
+          </p:blipFill>
+          <p:spPr bwMode="auto">
+            <a:xfrm>
+              <a:off x="447675" y="0"/>
+              <a:ext cx="2095500" cy="1294765"/>
+            </a:xfrm>
+            <a:prstGeom prst="rect">
+              <a:avLst/>
+            </a:prstGeom>
+            <a:noFill/>
+            <a:ln>
+              <a:noFill/>
+            </a:ln>
+          </p:spPr>
+        </p:pic>
+        <p:sp>
+          <p:nvSpPr>
+            <p:cNvPr id="7" name="Text Box 1">
+              <a:extLst>
+                <a:ext uri="{FF2B5EF4-FFF2-40B4-BE49-F238E27FC236}">
+                  <a16:creationId xmlns:a16="http://schemas.microsoft.com/office/drawing/2014/main" id="{AF9D1F49-7BE7-E346-DA5D-B0EF379F227A}"/>
+                </a:ext>
+              </a:extLst>
+            </p:cNvPr>
+            <p:cNvSpPr txBox="1"/>
+            <p:nvPr/>
+          </p:nvSpPr>
+          <p:spPr>
+            <a:xfrm>
+              <a:off x="0" y="1190625"/>
+              <a:ext cx="3000375" cy="321310"/>
+            </a:xfrm>
+            <a:prstGeom prst="rect">
+              <a:avLst/>
+            </a:prstGeom>
+            <a:solidFill>
+              <a:prstClr val="white"/>
+            </a:solidFill>
+            <a:ln>
+              <a:noFill/>
+            </a:ln>
+          </p:spPr>
+          <p:txBody>
+            <a:bodyPr rot="0" spcFirstLastPara="0" vert="horz" wrap="square" lIns="0" tIns="0" rIns="0" bIns="0" numCol="1" spcCol="0" rtlCol="0" fromWordArt="0" anchor="t" anchorCtr="0" forceAA="0" compatLnSpc="1">
+              <a:prstTxWarp prst="textNoShape">
+                <a:avLst/>
+              </a:prstTxWarp>
+              <a:spAutoFit/>
+            </a:bodyPr>
+            <a:lstStyle/>
+            <a:p>
+              <a:pPr latinLnBrk="1">
+                <a:spcAft>
+                  <a:spcPts val="800"/>
+                </a:spcAft>
+              </a:pPr>
+              <a:r>
+                <a:rPr lang="ko-KR" sz="1000" b="0">
+                  <a:effectLst/>
+                  <a:latin typeface="맑은 고딕" panose="020B0503020000020004" pitchFamily="50" charset="-127"/>
+                  <a:ea typeface="맑은 고딕" panose="020B0503020000020004" pitchFamily="50" charset="-127"/>
+                  <a:cs typeface="맑은 고딕" panose="020B0503020000020004" pitchFamily="50" charset="-127"/>
+                </a:rPr>
+                <a:t>흰색과 검은색이 조화를 이루는 접부채 모양의 무기</a:t>
+              </a:r>
+              <a:endParaRPr lang="ko-KR" sz="1000" b="1">
+                <a:effectLst/>
+                <a:latin typeface="맑은 고딕" panose="020B0503020000020004" pitchFamily="50" charset="-127"/>
+                <a:ea typeface="맑은 고딕" panose="020B0503020000020004" pitchFamily="50" charset="-127"/>
+                <a:cs typeface="맑은 고딕" panose="020B0503020000020004" pitchFamily="50" charset="-127"/>
+              </a:endParaRPr>
+            </a:p>
+          </p:txBody>
+        </p:sp>
+      </p:grpSp>
+      <p:pic>
+        <p:nvPicPr>
+          <p:cNvPr id="2052" name="그림 1">
+            <a:extLst>
+              <a:ext uri="{FF2B5EF4-FFF2-40B4-BE49-F238E27FC236}">
+                <a16:creationId xmlns:a16="http://schemas.microsoft.com/office/drawing/2014/main" id="{E6908F0B-D612-F8EE-8A9F-6F38B9981228}"/>
+              </a:ext>
+            </a:extLst>
+          </p:cNvPr>
+          <p:cNvPicPr>
+            <a:picLocks noChangeAspect="1" noChangeArrowheads="1"/>
+          </p:cNvPicPr>
+          <p:nvPr/>
+        </p:nvPicPr>
+        <p:blipFill>
+          <a:blip r:embed="rId3">
+            <a:extLst>
+              <a:ext uri="{28A0092B-C50C-407E-A947-70E740481C1C}">
+                <a14:useLocalDpi xmlns:a14="http://schemas.microsoft.com/office/drawing/2010/main" val="0"/>
+              </a:ext>
+            </a:extLst>
+          </a:blip>
+          <a:srcRect/>
+          <a:stretch>
+            <a:fillRect/>
+          </a:stretch>
+        </p:blipFill>
+        <p:spPr bwMode="auto">
+          <a:xfrm>
+            <a:off x="10503623" y="14789"/>
+            <a:ext cx="1443038" cy="2146300"/>
+          </a:xfrm>
+          <a:prstGeom prst="rect">
+            <a:avLst/>
+          </a:prstGeom>
+          <a:noFill/>
+          <a:extLst>
+            <a:ext uri="{909E8E84-426E-40DD-AFC4-6F175D3DCCD1}">
+              <a14:hiddenFill xmlns:a14="http://schemas.microsoft.com/office/drawing/2010/main">
+                <a:solidFill>
+                  <a:srgbClr val="FFFFFF"/>
+                </a:solidFill>
+              </a14:hiddenFill>
+            </a:ext>
+          </a:extLst>
+        </p:spPr>
+      </p:pic>
+      <p:sp>
+        <p:nvSpPr>
+          <p:cNvPr id="8" name="Rectangle 5">
+            <a:extLst>
+              <a:ext uri="{FF2B5EF4-FFF2-40B4-BE49-F238E27FC236}">
+                <a16:creationId xmlns:a16="http://schemas.microsoft.com/office/drawing/2014/main" id="{D2DF4994-CBF1-E0ED-569B-66EAA0CF2422}"/>
+              </a:ext>
+            </a:extLst>
+          </p:cNvPr>
+          <p:cNvSpPr>
+            <a:spLocks noChangeArrowheads="1"/>
+          </p:cNvSpPr>
+          <p:nvPr/>
+        </p:nvSpPr>
+        <p:spPr bwMode="auto">
+          <a:xfrm>
+            <a:off x="359859" y="419895"/>
+            <a:ext cx="12192000" cy="457200"/>
+          </a:xfrm>
+          <a:prstGeom prst="rect">
+            <a:avLst/>
+          </a:prstGeom>
+          <a:noFill/>
+          <a:ln>
+            <a:noFill/>
+          </a:ln>
+          <a:effectLst/>
+          <a:extLst>
+            <a:ext uri="{909E8E84-426E-40DD-AFC4-6F175D3DCCD1}">
+              <a14:hiddenFill xmlns:a14="http://schemas.microsoft.com/office/drawing/2010/main">
+                <a:solidFill>
+                  <a:schemeClr val="accent1"/>
+                </a:solidFill>
+              </a14:hiddenFill>
+            </a:ext>
+            <a:ext uri="{91240B29-F687-4F45-9708-019B960494DF}">
+              <a14:hiddenLine xmlns:a14="http://schemas.microsoft.com/office/drawing/2010/main" w="9525">
+                <a:solidFill>
+                  <a:schemeClr val="tx1"/>
+                </a:solidFill>
+                <a:miter lim="800000"/>
+                <a:headEnd/>
+                <a:tailEnd/>
+              </a14:hiddenLine>
+            </a:ext>
+            <a:ext uri="{AF507438-7753-43E0-B8FC-AC1667EBCBE1}">
+              <a14:hiddenEffects xmlns:a14="http://schemas.microsoft.com/office/drawing/2010/main">
+                <a:effectLst>
+                  <a:outerShdw dist="35921" dir="2700000" algn="ctr" rotWithShape="0">
+                    <a:schemeClr val="bg2"/>
+                  </a:outerShdw>
+                </a:effectLst>
+              </a14:hiddenEffects>
+            </a:ext>
+          </a:extLst>
+        </p:spPr>
+        <p:txBody>
+          <a:bodyPr vert="horz" wrap="none" lIns="91440" tIns="45720" rIns="91440" bIns="45720" numCol="1" anchor="ctr" anchorCtr="0" compatLnSpc="1">
+            <a:prstTxWarp prst="textNoShape">
+              <a:avLst/>
+            </a:prstTxWarp>
+            <a:spAutoFit/>
+          </a:bodyPr>
+          <a:lstStyle/>
+          <a:p>
+            <a:pPr marL="0" marR="0" lvl="0" indent="0" algn="l" defTabSz="914400" rtl="0" eaLnBrk="0" fontAlgn="base" latinLnBrk="0" hangingPunct="0">
+              <a:lnSpc>
+                <a:spcPct val="100000"/>
+              </a:lnSpc>
+              <a:spcBef>
+                <a:spcPct val="0"/>
+              </a:spcBef>
+              <a:spcAft>
+                <a:spcPct val="0"/>
+              </a:spcAft>
+              <a:buClrTx/>
+              <a:buSzTx/>
+              <a:buFontTx/>
+              <a:buNone/>
+              <a:tabLst/>
+            </a:pPr>
+            <a:r>
+              <a:rPr kumimoji="0" lang="en-US" altLang="ko-KR" sz="1000" b="1" i="0" u="none" strike="noStrike" cap="none" normalizeH="0" baseline="0" dirty="0">
+                <a:ln>
+                  <a:noFill/>
+                </a:ln>
+                <a:solidFill>
+                  <a:schemeClr val="tx1"/>
+                </a:solidFill>
+                <a:effectLst/>
+                <a:latin typeface="Arial" panose="020B0604020202020204" pitchFamily="34" charset="0"/>
+                <a:cs typeface="맑은 고딕" panose="020B0503020000020004" pitchFamily="50" charset="-127"/>
+              </a:rPr>
+              <a:t>[</a:t>
+            </a:r>
+            <a:r>
+              <a:rPr kumimoji="0" lang="ko-KR" altLang="en-US" sz="1000" b="1" i="0" u="none" strike="noStrike" cap="none" normalizeH="0" baseline="0" dirty="0">
+                <a:ln>
+                  <a:noFill/>
+                </a:ln>
+                <a:solidFill>
+                  <a:schemeClr val="tx1"/>
+                </a:solidFill>
+                <a:effectLst/>
+                <a:latin typeface="Arial" panose="020B0604020202020204" pitchFamily="34" charset="0"/>
+                <a:cs typeface="맑은 고딕" panose="020B0503020000020004" pitchFamily="50" charset="-127"/>
+              </a:rPr>
+              <a:t>부채</a:t>
+            </a:r>
+            <a:r>
+              <a:rPr kumimoji="0" lang="en-US" altLang="ko-KR" sz="1000" b="1" i="0" u="none" strike="noStrike" cap="none" normalizeH="0" baseline="0" dirty="0">
+                <a:ln>
+                  <a:noFill/>
+                </a:ln>
+                <a:solidFill>
+                  <a:schemeClr val="tx1"/>
+                </a:solidFill>
+                <a:effectLst/>
+                <a:latin typeface="Arial" panose="020B0604020202020204" pitchFamily="34" charset="0"/>
+                <a:cs typeface="맑은 고딕" panose="020B0503020000020004" pitchFamily="50" charset="-127"/>
+              </a:rPr>
+              <a:t>]</a:t>
+            </a:r>
+            <a:endParaRPr kumimoji="0" lang="en-US" altLang="ko-KR" sz="800" b="0" i="0" u="none" strike="noStrike" cap="none" normalizeH="0" baseline="0" dirty="0">
+              <a:ln>
+                <a:noFill/>
+              </a:ln>
+              <a:solidFill>
+                <a:schemeClr val="tx1"/>
+              </a:solidFill>
+              <a:effectLst/>
+              <a:latin typeface="Arial" panose="020B0604020202020204" pitchFamily="34" charset="0"/>
+            </a:endParaRPr>
+          </a:p>
+          <a:p>
+            <a:pPr marL="0" marR="0" lvl="0" indent="0" algn="l" defTabSz="914400" rtl="0" eaLnBrk="0" fontAlgn="base" latinLnBrk="0" hangingPunct="0">
+              <a:lnSpc>
+                <a:spcPct val="100000"/>
+              </a:lnSpc>
+              <a:spcBef>
+                <a:spcPct val="0"/>
+              </a:spcBef>
+              <a:spcAft>
+                <a:spcPct val="0"/>
+              </a:spcAft>
+              <a:buClrTx/>
+              <a:buSzTx/>
+              <a:buFontTx/>
+              <a:buNone/>
+              <a:tabLst/>
+            </a:pPr>
+            <a:r>
+              <a:rPr kumimoji="0" lang="en-US" altLang="ko-KR" sz="1000" b="0" i="0" u="none" strike="noStrike" cap="none" normalizeH="0" baseline="0" dirty="0">
+                <a:ln>
+                  <a:noFill/>
+                </a:ln>
+                <a:solidFill>
+                  <a:schemeClr val="tx1"/>
+                </a:solidFill>
+                <a:effectLst/>
+                <a:latin typeface="Arial" panose="020B0604020202020204" pitchFamily="34" charset="0"/>
+                <a:cs typeface="맑은 고딕" panose="020B0503020000020004" pitchFamily="50" charset="-127"/>
+              </a:rPr>
+              <a:t>- </a:t>
+            </a:r>
+            <a:r>
+              <a:rPr kumimoji="0" lang="ko-KR" altLang="en-US" sz="1000" b="0" i="0" u="none" strike="noStrike" cap="none" normalizeH="0" baseline="0" dirty="0">
+                <a:ln>
+                  <a:noFill/>
+                </a:ln>
+                <a:solidFill>
+                  <a:schemeClr val="tx1"/>
+                </a:solidFill>
+                <a:effectLst/>
+                <a:latin typeface="Arial" panose="020B0604020202020204" pitchFamily="34" charset="0"/>
+                <a:cs typeface="맑은 고딕" panose="020B0503020000020004" pitchFamily="50" charset="-127"/>
+              </a:rPr>
+              <a:t>공격 속도</a:t>
+            </a:r>
+            <a:r>
+              <a:rPr kumimoji="0" lang="en-US" altLang="ko-KR" sz="1000" b="0" i="0" u="none" strike="noStrike" cap="none" normalizeH="0" baseline="0" dirty="0">
+                <a:ln>
+                  <a:noFill/>
+                </a:ln>
+                <a:solidFill>
+                  <a:schemeClr val="tx1"/>
+                </a:solidFill>
+                <a:effectLst/>
+                <a:latin typeface="Arial" panose="020B0604020202020204" pitchFamily="34" charset="0"/>
+                <a:cs typeface="맑은 고딕" panose="020B0503020000020004" pitchFamily="50" charset="-127"/>
+              </a:rPr>
+              <a:t>: </a:t>
+            </a:r>
+            <a:r>
+              <a:rPr kumimoji="0" lang="ko-KR" altLang="en-US" sz="1000" b="0" i="0" u="none" strike="noStrike" cap="none" normalizeH="0" baseline="0" dirty="0">
+                <a:ln>
+                  <a:noFill/>
+                </a:ln>
+                <a:solidFill>
+                  <a:schemeClr val="tx1"/>
+                </a:solidFill>
+                <a:effectLst/>
+                <a:latin typeface="Arial" panose="020B0604020202020204" pitchFamily="34" charset="0"/>
+                <a:cs typeface="맑은 고딕" panose="020B0503020000020004" pitchFamily="50" charset="-127"/>
+              </a:rPr>
+              <a:t>보통</a:t>
+            </a:r>
+            <a:endParaRPr kumimoji="0" lang="ko-KR" altLang="en-US" sz="800" b="0" i="0" u="none" strike="noStrike" cap="none" normalizeH="0" baseline="0" dirty="0">
+              <a:ln>
+                <a:noFill/>
+              </a:ln>
+              <a:solidFill>
+                <a:schemeClr val="tx1"/>
+              </a:solidFill>
+              <a:effectLst/>
+              <a:latin typeface="Arial" panose="020B0604020202020204" pitchFamily="34" charset="0"/>
+            </a:endParaRPr>
+          </a:p>
+          <a:p>
+            <a:pPr marL="0" marR="0" lvl="0" indent="0" algn="l" defTabSz="914400" rtl="0" eaLnBrk="0" fontAlgn="base" latinLnBrk="0" hangingPunct="0">
+              <a:lnSpc>
+                <a:spcPct val="100000"/>
+              </a:lnSpc>
+              <a:spcBef>
+                <a:spcPct val="0"/>
+              </a:spcBef>
+              <a:spcAft>
+                <a:spcPct val="0"/>
+              </a:spcAft>
+              <a:buClrTx/>
+              <a:buSzTx/>
+              <a:buFontTx/>
+              <a:buNone/>
+              <a:tabLst/>
+            </a:pPr>
+            <a:r>
+              <a:rPr kumimoji="0" lang="en-US" altLang="ko-KR" sz="1000" b="0" i="0" u="none" strike="noStrike" cap="none" normalizeH="0" baseline="0" dirty="0">
+                <a:ln>
+                  <a:noFill/>
+                </a:ln>
+                <a:solidFill>
+                  <a:schemeClr val="tx1"/>
+                </a:solidFill>
+                <a:effectLst/>
+                <a:latin typeface="Arial" panose="020B0604020202020204" pitchFamily="34" charset="0"/>
+                <a:cs typeface="맑은 고딕" panose="020B0503020000020004" pitchFamily="50" charset="-127"/>
+              </a:rPr>
+              <a:t>- </a:t>
+            </a:r>
+            <a:r>
+              <a:rPr kumimoji="0" lang="ko-KR" altLang="en-US" sz="1000" b="0" i="0" u="none" strike="noStrike" cap="none" normalizeH="0" baseline="0" dirty="0">
+                <a:ln>
+                  <a:noFill/>
+                </a:ln>
+                <a:solidFill>
+                  <a:schemeClr val="tx1"/>
+                </a:solidFill>
+                <a:effectLst/>
+                <a:latin typeface="Arial" panose="020B0604020202020204" pitchFamily="34" charset="0"/>
+                <a:cs typeface="맑은 고딕" panose="020B0503020000020004" pitchFamily="50" charset="-127"/>
+              </a:rPr>
+              <a:t>번개를 다루는 마법 무기이다</a:t>
+            </a:r>
+            <a:r>
+              <a:rPr kumimoji="0" lang="en-US" altLang="ko-KR" sz="1000" b="0" i="0" u="none" strike="noStrike" cap="none" normalizeH="0" baseline="0" dirty="0">
+                <a:ln>
+                  <a:noFill/>
+                </a:ln>
+                <a:solidFill>
+                  <a:schemeClr val="tx1"/>
+                </a:solidFill>
+                <a:effectLst/>
+                <a:latin typeface="Arial" panose="020B0604020202020204" pitchFamily="34" charset="0"/>
+                <a:cs typeface="맑은 고딕" panose="020B0503020000020004" pitchFamily="50" charset="-127"/>
+              </a:rPr>
+              <a:t>.</a:t>
+            </a:r>
+            <a:endParaRPr kumimoji="0" lang="en-US" altLang="ko-KR" sz="800" b="0" i="0" u="none" strike="noStrike" cap="none" normalizeH="0" baseline="0" dirty="0">
+              <a:ln>
+                <a:noFill/>
+              </a:ln>
+              <a:solidFill>
+                <a:schemeClr val="tx1"/>
+              </a:solidFill>
+              <a:effectLst/>
+              <a:latin typeface="Arial" panose="020B0604020202020204" pitchFamily="34" charset="0"/>
+            </a:endParaRPr>
+          </a:p>
+          <a:p>
+            <a:pPr marL="0" marR="0" lvl="0" indent="0" algn="l" defTabSz="914400" rtl="0" eaLnBrk="0" fontAlgn="base" latinLnBrk="0" hangingPunct="0">
+              <a:lnSpc>
+                <a:spcPct val="100000"/>
+              </a:lnSpc>
+              <a:spcBef>
+                <a:spcPct val="0"/>
+              </a:spcBef>
+              <a:spcAft>
+                <a:spcPct val="0"/>
+              </a:spcAft>
+              <a:buClrTx/>
+              <a:buSzTx/>
+              <a:buFontTx/>
+              <a:buNone/>
+              <a:tabLst/>
+            </a:pPr>
+            <a:endParaRPr kumimoji="0" lang="en-US" altLang="ko-KR" sz="1800" b="0" i="0" u="none" strike="noStrike" cap="none" normalizeH="0" baseline="0" dirty="0">
+              <a:ln>
+                <a:noFill/>
+              </a:ln>
+              <a:solidFill>
+                <a:schemeClr val="tx1"/>
+              </a:solidFill>
+              <a:effectLst/>
+              <a:latin typeface="Arial" panose="020B0604020202020204" pitchFamily="34" charset="0"/>
+            </a:endParaRPr>
+          </a:p>
+        </p:txBody>
+      </p:sp>
+      <p:sp>
+        <p:nvSpPr>
+          <p:cNvPr id="9" name="Rectangle 6">
+            <a:extLst>
+              <a:ext uri="{FF2B5EF4-FFF2-40B4-BE49-F238E27FC236}">
+                <a16:creationId xmlns:a16="http://schemas.microsoft.com/office/drawing/2014/main" id="{1528C918-52E8-95B1-1D55-D15EE76060FD}"/>
+              </a:ext>
+            </a:extLst>
+          </p:cNvPr>
+          <p:cNvSpPr>
+            <a:spLocks noChangeArrowheads="1"/>
+          </p:cNvSpPr>
+          <p:nvPr/>
+        </p:nvSpPr>
+        <p:spPr bwMode="auto">
+          <a:xfrm>
+            <a:off x="359859" y="1029012"/>
+            <a:ext cx="12192000" cy="0"/>
+          </a:xfrm>
+          <a:prstGeom prst="rect">
+            <a:avLst/>
+          </a:prstGeom>
+          <a:noFill/>
+          <a:ln>
+            <a:noFill/>
+          </a:ln>
+          <a:effectLst/>
+          <a:extLst>
+            <a:ext uri="{909E8E84-426E-40DD-AFC4-6F175D3DCCD1}">
+              <a14:hiddenFill xmlns:a14="http://schemas.microsoft.com/office/drawing/2010/main">
+                <a:solidFill>
+                  <a:schemeClr val="accent1"/>
+                </a:solidFill>
+              </a14:hiddenFill>
+            </a:ext>
+            <a:ext uri="{91240B29-F687-4F45-9708-019B960494DF}">
+              <a14:hiddenLine xmlns:a14="http://schemas.microsoft.com/office/drawing/2010/main" w="9525">
+                <a:solidFill>
+                  <a:schemeClr val="tx1"/>
+                </a:solidFill>
+                <a:miter lim="800000"/>
+                <a:headEnd/>
+                <a:tailEnd/>
+              </a14:hiddenLine>
+            </a:ext>
+            <a:ext uri="{AF507438-7753-43E0-B8FC-AC1667EBCBE1}">
+              <a14:hiddenEffects xmlns:a14="http://schemas.microsoft.com/office/drawing/2010/main">
+                <a:effectLst>
+                  <a:outerShdw dist="35921" dir="2700000" algn="ctr" rotWithShape="0">
+                    <a:schemeClr val="bg2"/>
+                  </a:outerShdw>
+                </a:effectLst>
+              </a14:hiddenEffects>
+            </a:ext>
+          </a:extLst>
+        </p:spPr>
+        <p:txBody>
+          <a:bodyPr vert="horz" wrap="none" lIns="91440" tIns="45720" rIns="91440" bIns="45720" numCol="1" anchor="ctr" anchorCtr="0" compatLnSpc="1">
+            <a:prstTxWarp prst="textNoShape">
+              <a:avLst/>
+            </a:prstTxWarp>
+            <a:spAutoFit/>
+          </a:bodyPr>
+          <a:lstStyle/>
+          <a:p>
+            <a:pPr marL="0" marR="0" lvl="0" indent="0" algn="l" defTabSz="914400" rtl="0" eaLnBrk="0" fontAlgn="base" latinLnBrk="0" hangingPunct="0">
+              <a:lnSpc>
+                <a:spcPct val="100000"/>
+              </a:lnSpc>
+              <a:spcBef>
+                <a:spcPct val="0"/>
+              </a:spcBef>
+              <a:spcAft>
+                <a:spcPct val="0"/>
+              </a:spcAft>
+              <a:buClrTx/>
+              <a:buSzTx/>
+              <a:buFontTx/>
+              <a:buNone/>
+              <a:tabLst/>
+            </a:pPr>
+            <a:br>
+              <a:rPr kumimoji="0" lang="ko-KR" altLang="ko-KR" sz="1100" b="0" i="0" u="none" strike="noStrike" cap="none" normalizeH="0" baseline="0" dirty="0">
+                <a:ln>
+                  <a:noFill/>
+                </a:ln>
+                <a:solidFill>
+                  <a:schemeClr val="tx1"/>
+                </a:solidFill>
+                <a:effectLst/>
+                <a:latin typeface="Arial" panose="020B0604020202020204" pitchFamily="34" charset="0"/>
+                <a:cs typeface="맑은 고딕" panose="020B0503020000020004" pitchFamily="50" charset="-127"/>
+              </a:rPr>
+            </a:br>
+            <a:r>
+              <a:rPr kumimoji="0" lang="en-US" altLang="ko-KR" sz="1000" b="0" i="0" u="none" strike="noStrike" cap="none" normalizeH="0" baseline="0" dirty="0">
+                <a:ln>
+                  <a:noFill/>
+                </a:ln>
+                <a:solidFill>
+                  <a:schemeClr val="tx1"/>
+                </a:solidFill>
+                <a:effectLst/>
+                <a:latin typeface="Arial" panose="020B0604020202020204" pitchFamily="34" charset="0"/>
+                <a:cs typeface="맑은 고딕" panose="020B0503020000020004" pitchFamily="50" charset="-127"/>
+              </a:rPr>
+              <a:t>- </a:t>
+            </a:r>
+            <a:r>
+              <a:rPr kumimoji="0" lang="ko-KR" altLang="en-US" sz="1000" b="0" i="0" u="none" strike="noStrike" cap="none" normalizeH="0" baseline="0" dirty="0">
+                <a:ln>
+                  <a:noFill/>
+                </a:ln>
+                <a:solidFill>
+                  <a:schemeClr val="tx1"/>
+                </a:solidFill>
+                <a:effectLst/>
+                <a:latin typeface="Arial" panose="020B0604020202020204" pitchFamily="34" charset="0"/>
+                <a:cs typeface="맑은 고딕" panose="020B0503020000020004" pitchFamily="50" charset="-127"/>
+              </a:rPr>
+              <a:t>전투 </a:t>
+            </a:r>
+            <a:r>
+              <a:rPr kumimoji="0" lang="en-US" altLang="ko-KR" sz="1000" b="0" i="0" u="none" strike="noStrike" cap="none" normalizeH="0" baseline="0" dirty="0">
+                <a:ln>
+                  <a:noFill/>
+                </a:ln>
+                <a:solidFill>
+                  <a:schemeClr val="tx1"/>
+                </a:solidFill>
+                <a:effectLst/>
+                <a:latin typeface="Arial" panose="020B0604020202020204" pitchFamily="34" charset="0"/>
+                <a:cs typeface="맑은 고딕" panose="020B0503020000020004" pitchFamily="50" charset="-127"/>
+              </a:rPr>
+              <a:t>IDLE: </a:t>
+            </a:r>
+            <a:r>
+              <a:rPr kumimoji="0" lang="ko-KR" altLang="en-US" sz="1000" b="0" i="0" u="none" strike="noStrike" cap="none" normalizeH="0" baseline="0" dirty="0">
+                <a:ln>
+                  <a:noFill/>
+                </a:ln>
+                <a:solidFill>
+                  <a:schemeClr val="tx1"/>
+                </a:solidFill>
+                <a:effectLst/>
+                <a:latin typeface="Arial" panose="020B0604020202020204" pitchFamily="34" charset="0"/>
+                <a:cs typeface="맑은 고딕" panose="020B0503020000020004" pitchFamily="50" charset="-127"/>
+              </a:rPr>
+              <a:t>왼손은 주먹을 쥔 상태로 등뒤에 둔다</a:t>
+            </a:r>
+            <a:r>
+              <a:rPr kumimoji="0" lang="en-US" altLang="ko-KR" sz="1000" b="0" i="0" u="none" strike="noStrike" cap="none" normalizeH="0" baseline="0" dirty="0">
+                <a:ln>
+                  <a:noFill/>
+                </a:ln>
+                <a:solidFill>
+                  <a:schemeClr val="tx1"/>
+                </a:solidFill>
+                <a:effectLst/>
+                <a:latin typeface="Arial" panose="020B0604020202020204" pitchFamily="34" charset="0"/>
+                <a:cs typeface="맑은 고딕" panose="020B0503020000020004" pitchFamily="50" charset="-127"/>
+              </a:rPr>
+              <a:t>. </a:t>
+            </a:r>
+            <a:r>
+              <a:rPr kumimoji="0" lang="ko-KR" altLang="en-US" sz="1000" b="0" i="0" u="none" strike="noStrike" cap="none" normalizeH="0" baseline="0" dirty="0">
+                <a:ln>
+                  <a:noFill/>
+                </a:ln>
+                <a:solidFill>
+                  <a:schemeClr val="tx1"/>
+                </a:solidFill>
+                <a:effectLst/>
+                <a:latin typeface="Arial" panose="020B0604020202020204" pitchFamily="34" charset="0"/>
+                <a:cs typeface="맑은 고딕" panose="020B0503020000020004" pitchFamily="50" charset="-127"/>
+              </a:rPr>
+              <a:t>오른손으로 부채를 펼쳐 가볍게 흔든다</a:t>
+            </a:r>
+            <a:r>
+              <a:rPr kumimoji="0" lang="en-US" altLang="ko-KR" sz="1000" b="0" i="0" u="none" strike="noStrike" cap="none" normalizeH="0" baseline="0" dirty="0">
+                <a:ln>
+                  <a:noFill/>
+                </a:ln>
+                <a:solidFill>
+                  <a:schemeClr val="tx1"/>
+                </a:solidFill>
+                <a:effectLst/>
+                <a:latin typeface="Arial" panose="020B0604020202020204" pitchFamily="34" charset="0"/>
+                <a:cs typeface="맑은 고딕" panose="020B0503020000020004" pitchFamily="50" charset="-127"/>
+              </a:rPr>
+              <a:t>.</a:t>
+            </a:r>
+            <a:endParaRPr kumimoji="0" lang="en-US" altLang="ko-KR" sz="800" b="0" i="0" u="none" strike="noStrike" cap="none" normalizeH="0" baseline="0" dirty="0">
+              <a:ln>
+                <a:noFill/>
+              </a:ln>
+              <a:solidFill>
+                <a:schemeClr val="tx1"/>
+              </a:solidFill>
+              <a:effectLst/>
+              <a:latin typeface="Arial" panose="020B0604020202020204" pitchFamily="34" charset="0"/>
+            </a:endParaRPr>
+          </a:p>
+          <a:p>
+            <a:pPr marL="0" marR="0" lvl="0" indent="0" algn="l" defTabSz="914400" rtl="0" eaLnBrk="0" fontAlgn="base" latinLnBrk="0" hangingPunct="0">
+              <a:lnSpc>
+                <a:spcPct val="100000"/>
+              </a:lnSpc>
+              <a:spcBef>
+                <a:spcPct val="0"/>
+              </a:spcBef>
+              <a:spcAft>
+                <a:spcPct val="0"/>
+              </a:spcAft>
+              <a:buClrTx/>
+              <a:buSzTx/>
+              <a:buFontTx/>
+              <a:buNone/>
+              <a:tabLst/>
+            </a:pPr>
+            <a:endParaRPr kumimoji="0" lang="en-US" altLang="ko-KR" sz="1800" b="0" i="0" u="none" strike="noStrike" cap="none" normalizeH="0" baseline="0" dirty="0">
+              <a:ln>
+                <a:noFill/>
+              </a:ln>
+              <a:solidFill>
+                <a:schemeClr val="tx1"/>
+              </a:solidFill>
+              <a:effectLst/>
+              <a:latin typeface="Arial" panose="020B0604020202020204" pitchFamily="34" charset="0"/>
+            </a:endParaRPr>
+          </a:p>
+        </p:txBody>
+      </p:sp>
+      <p:sp>
+        <p:nvSpPr>
+          <p:cNvPr id="10" name="Rectangle 8">
+            <a:extLst>
+              <a:ext uri="{FF2B5EF4-FFF2-40B4-BE49-F238E27FC236}">
+                <a16:creationId xmlns:a16="http://schemas.microsoft.com/office/drawing/2014/main" id="{87AC8CD8-7E17-4FC6-ADD2-C9CF2CADED5E}"/>
+              </a:ext>
+            </a:extLst>
+          </p:cNvPr>
+          <p:cNvSpPr>
+            <a:spLocks noChangeArrowheads="1"/>
+          </p:cNvSpPr>
+          <p:nvPr/>
+        </p:nvSpPr>
+        <p:spPr bwMode="auto">
+          <a:xfrm>
+            <a:off x="753399" y="1677194"/>
+            <a:ext cx="12192000" cy="0"/>
+          </a:xfrm>
+          <a:prstGeom prst="rect">
+            <a:avLst/>
+          </a:prstGeom>
+          <a:noFill/>
+          <a:ln>
+            <a:noFill/>
+          </a:ln>
+          <a:effectLst/>
+          <a:extLst>
+            <a:ext uri="{909E8E84-426E-40DD-AFC4-6F175D3DCCD1}">
+              <a14:hiddenFill xmlns:a14="http://schemas.microsoft.com/office/drawing/2010/main">
+                <a:solidFill>
+                  <a:schemeClr val="accent1"/>
+                </a:solidFill>
+              </a14:hiddenFill>
+            </a:ext>
+            <a:ext uri="{91240B29-F687-4F45-9708-019B960494DF}">
+              <a14:hiddenLine xmlns:a14="http://schemas.microsoft.com/office/drawing/2010/main" w="9525">
+                <a:solidFill>
+                  <a:schemeClr val="tx1"/>
+                </a:solidFill>
+                <a:miter lim="800000"/>
+                <a:headEnd/>
+                <a:tailEnd/>
+              </a14:hiddenLine>
+            </a:ext>
+            <a:ext uri="{AF507438-7753-43E0-B8FC-AC1667EBCBE1}">
+              <a14:hiddenEffects xmlns:a14="http://schemas.microsoft.com/office/drawing/2010/main">
+                <a:effectLst>
+                  <a:outerShdw dist="35921" dir="2700000" algn="ctr" rotWithShape="0">
+                    <a:schemeClr val="bg2"/>
+                  </a:outerShdw>
+                </a:effectLst>
+              </a14:hiddenEffects>
+            </a:ext>
+          </a:extLst>
+        </p:spPr>
+        <p:txBody>
+          <a:bodyPr vert="horz" wrap="none" lIns="91440" tIns="45720" rIns="91440" bIns="45720" numCol="1" anchor="ctr" anchorCtr="0" compatLnSpc="1">
+            <a:prstTxWarp prst="textNoShape">
+              <a:avLst/>
+            </a:prstTxWarp>
+            <a:spAutoFit/>
+          </a:bodyPr>
+          <a:lstStyle/>
+          <a:p>
+            <a:pPr marL="0" marR="0" lvl="0" indent="0" algn="l" defTabSz="914400" rtl="0" eaLnBrk="0" fontAlgn="base" latinLnBrk="0" hangingPunct="0">
+              <a:lnSpc>
+                <a:spcPct val="100000"/>
+              </a:lnSpc>
+              <a:spcBef>
+                <a:spcPct val="0"/>
+              </a:spcBef>
+              <a:spcAft>
+                <a:spcPct val="0"/>
+              </a:spcAft>
+              <a:buClrTx/>
+              <a:buSzTx/>
+              <a:buFontTx/>
+              <a:buNone/>
+              <a:tabLst/>
+            </a:pPr>
+            <a:endParaRPr kumimoji="0" lang="en-US" altLang="ko-KR" sz="1100" b="0" i="0" u="none" strike="noStrike" cap="none" normalizeH="0" baseline="0">
+              <a:ln>
+                <a:noFill/>
+              </a:ln>
+              <a:solidFill>
+                <a:schemeClr val="tx1"/>
+              </a:solidFill>
+              <a:effectLst/>
+              <a:latin typeface="Arial" panose="020B0604020202020204" pitchFamily="34" charset="0"/>
+              <a:cs typeface="맑은 고딕" panose="020B0503020000020004" pitchFamily="50" charset="-127"/>
+            </a:endParaRPr>
+          </a:p>
+          <a:p>
+            <a:pPr marL="0" marR="0" lvl="0" indent="0" algn="l" defTabSz="914400" rtl="0" eaLnBrk="0" fontAlgn="base" latinLnBrk="0" hangingPunct="0">
+              <a:lnSpc>
+                <a:spcPct val="100000"/>
+              </a:lnSpc>
+              <a:spcBef>
+                <a:spcPct val="0"/>
+              </a:spcBef>
+              <a:spcAft>
+                <a:spcPct val="0"/>
+              </a:spcAft>
+              <a:buClrTx/>
+              <a:buSzTx/>
+              <a:buFontTx/>
+              <a:buNone/>
+              <a:tabLst/>
+            </a:pPr>
+            <a:r>
+              <a:rPr kumimoji="0" lang="en-US" altLang="ko-KR" sz="1100" b="0" i="0" u="none" strike="noStrike" cap="none" normalizeH="0" baseline="0">
+                <a:ln>
+                  <a:noFill/>
+                </a:ln>
+                <a:solidFill>
+                  <a:schemeClr val="tx1"/>
+                </a:solidFill>
+                <a:effectLst/>
+                <a:latin typeface="Arial" panose="020B0604020202020204" pitchFamily="34" charset="0"/>
+                <a:cs typeface="맑은 고딕" panose="020B0503020000020004" pitchFamily="50" charset="-127"/>
+              </a:rPr>
+              <a:t> </a:t>
+            </a:r>
+            <a:endParaRPr kumimoji="0" lang="en-US" altLang="ko-KR" sz="800" b="0" i="0" u="none" strike="noStrike" cap="none" normalizeH="0" baseline="0">
+              <a:ln>
+                <a:noFill/>
+              </a:ln>
+              <a:solidFill>
+                <a:schemeClr val="tx1"/>
+              </a:solidFill>
+              <a:effectLst/>
+              <a:latin typeface="Arial" panose="020B0604020202020204" pitchFamily="34" charset="0"/>
+            </a:endParaRPr>
+          </a:p>
+          <a:p>
+            <a:pPr marL="0" marR="0" lvl="0" indent="0" algn="l" defTabSz="914400" rtl="0" eaLnBrk="0" fontAlgn="base" latinLnBrk="0" hangingPunct="0">
+              <a:lnSpc>
+                <a:spcPct val="100000"/>
+              </a:lnSpc>
+              <a:spcBef>
+                <a:spcPct val="0"/>
+              </a:spcBef>
+              <a:spcAft>
+                <a:spcPct val="0"/>
+              </a:spcAft>
+              <a:buClrTx/>
+              <a:buSzTx/>
+              <a:buFontTx/>
+              <a:buNone/>
+              <a:tabLst/>
+            </a:pPr>
+            <a:endParaRPr kumimoji="0" lang="en-US" altLang="ko-KR" sz="1800" b="0" i="0" u="none" strike="noStrike" cap="none" normalizeH="0" baseline="0">
+              <a:ln>
+                <a:noFill/>
+              </a:ln>
+              <a:solidFill>
+                <a:schemeClr val="tx1"/>
+              </a:solidFill>
+              <a:effectLst/>
+              <a:latin typeface="Arial" panose="020B0604020202020204" pitchFamily="34" charset="0"/>
+            </a:endParaRPr>
+          </a:p>
+        </p:txBody>
+      </p:sp>
+    </p:spTree>
+    <p:extLst>
+      <p:ext uri="{BB962C8B-B14F-4D97-AF65-F5344CB8AC3E}">
+        <p14:creationId xmlns:p14="http://schemas.microsoft.com/office/powerpoint/2010/main" val="3052679468"/>
       </p:ext>
     </p:extLst>
   </p:cSld>
@@ -7642,119 +10135,98 @@
           </a:p>
         </p:txBody>
       </p:sp>
-      <p:grpSp>
-        <p:nvGrpSpPr>
-          <p:cNvPr id="23" name="그룹 22">
+      <p:sp>
+        <p:nvSpPr>
+          <p:cNvPr id="18" name="TextBox 17">
             <a:extLst>
               <a:ext uri="{FF2B5EF4-FFF2-40B4-BE49-F238E27FC236}">
-                <a16:creationId xmlns:a16="http://schemas.microsoft.com/office/drawing/2014/main" id="{480C5BA3-BFAB-6563-96D5-E9674333F63E}"/>
+                <a16:creationId xmlns:a16="http://schemas.microsoft.com/office/drawing/2014/main" id="{24433684-9BF3-44C1-1275-9DF4631442C0}"/>
               </a:ext>
             </a:extLst>
           </p:cNvPr>
-          <p:cNvGrpSpPr/>
+          <p:cNvSpPr txBox="1"/>
           <p:nvPr/>
-        </p:nvGrpSpPr>
-        <p:grpSpPr>
+        </p:nvSpPr>
+        <p:spPr>
           <a:xfrm>
             <a:off x="1779942" y="1073807"/>
-            <a:ext cx="1838741" cy="246221"/>
-            <a:chOff x="1779942" y="1073807"/>
-            <a:chExt cx="1838741" cy="246221"/>
+            <a:ext cx="821059" cy="246221"/>
           </a:xfrm>
-        </p:grpSpPr>
-        <p:sp>
-          <p:nvSpPr>
-            <p:cNvPr id="18" name="TextBox 17">
-              <a:extLst>
-                <a:ext uri="{FF2B5EF4-FFF2-40B4-BE49-F238E27FC236}">
-                  <a16:creationId xmlns:a16="http://schemas.microsoft.com/office/drawing/2014/main" id="{24433684-9BF3-44C1-1275-9DF4631442C0}"/>
-                </a:ext>
-              </a:extLst>
-            </p:cNvPr>
-            <p:cNvSpPr txBox="1"/>
-            <p:nvPr/>
-          </p:nvSpPr>
-          <p:spPr>
-            <a:xfrm>
-              <a:off x="1779942" y="1073807"/>
-              <a:ext cx="821059" cy="246221"/>
-            </a:xfrm>
-            <a:prstGeom prst="rect">
-              <a:avLst/>
-            </a:prstGeom>
-            <a:noFill/>
-          </p:spPr>
-          <p:txBody>
-            <a:bodyPr wrap="none" rtlCol="0">
-              <a:spAutoFit/>
-            </a:bodyPr>
-            <a:lstStyle/>
-            <a:p>
-              <a:r>
-                <a:rPr lang="en-US" altLang="ko-KR" sz="1000" b="1" dirty="0">
-                  <a:latin typeface="+mn-ea"/>
-                </a:rPr>
-                <a:t>#</a:t>
-              </a:r>
-              <a:r>
-                <a:rPr lang="ko-KR" altLang="en-US" sz="1000" b="1" dirty="0">
-                  <a:latin typeface="+mn-ea"/>
-                </a:rPr>
-                <a:t>근접 전투</a:t>
-              </a:r>
-              <a:endParaRPr lang="en-US" altLang="ko-KR" sz="1000" b="1" dirty="0">
+          <a:prstGeom prst="rect">
+            <a:avLst/>
+          </a:prstGeom>
+          <a:noFill/>
+        </p:spPr>
+        <p:txBody>
+          <a:bodyPr wrap="none" rtlCol="0">
+            <a:spAutoFit/>
+          </a:bodyPr>
+          <a:lstStyle/>
+          <a:p>
+            <a:r>
+              <a:rPr lang="en-US" altLang="ko-KR" sz="1000" b="1" dirty="0">
                 <a:latin typeface="+mn-ea"/>
-              </a:endParaRPr>
-            </a:p>
-          </p:txBody>
-        </p:sp>
-        <p:sp>
-          <p:nvSpPr>
-            <p:cNvPr id="13" name="TextBox 12">
-              <a:extLst>
-                <a:ext uri="{FF2B5EF4-FFF2-40B4-BE49-F238E27FC236}">
-                  <a16:creationId xmlns:a16="http://schemas.microsoft.com/office/drawing/2014/main" id="{1BFECC6F-0744-CCF7-2B4B-F566DCB83A4E}"/>
-                </a:ext>
-              </a:extLst>
-            </p:cNvPr>
-            <p:cNvSpPr txBox="1"/>
-            <p:nvPr/>
-          </p:nvSpPr>
-          <p:spPr>
-            <a:xfrm>
-              <a:off x="2872966" y="1073807"/>
-              <a:ext cx="745717" cy="246221"/>
-            </a:xfrm>
-            <a:prstGeom prst="rect">
-              <a:avLst/>
-            </a:prstGeom>
-            <a:noFill/>
-          </p:spPr>
-          <p:txBody>
-            <a:bodyPr wrap="none" rtlCol="0">
-              <a:spAutoFit/>
-            </a:bodyPr>
-            <a:lstStyle/>
-            <a:p>
-              <a:r>
-                <a:rPr lang="en-US" altLang="ko-KR" sz="1000" b="1" dirty="0">
-                  <a:latin typeface="+mn-ea"/>
-                </a:rPr>
-                <a:t>#1:1 </a:t>
-              </a:r>
-              <a:r>
-                <a:rPr lang="ko-KR" altLang="en-US" sz="1000" b="1" dirty="0">
-                  <a:latin typeface="+mn-ea"/>
-                </a:rPr>
-                <a:t>특화</a:t>
-              </a:r>
-              <a:endParaRPr lang="en-US" altLang="ko-KR" sz="1000" b="1" dirty="0">
+              </a:rPr>
+              <a:t>#</a:t>
+            </a:r>
+            <a:r>
+              <a:rPr lang="ko-KR" altLang="en-US" sz="1000" b="1" dirty="0">
                 <a:latin typeface="+mn-ea"/>
-              </a:endParaRPr>
-            </a:p>
-          </p:txBody>
-        </p:sp>
-      </p:grpSp>
+              </a:rPr>
+              <a:t>근접 전투</a:t>
+            </a:r>
+            <a:endParaRPr lang="en-US" altLang="ko-KR" sz="1000" b="1" dirty="0">
+              <a:latin typeface="+mn-ea"/>
+            </a:endParaRPr>
+          </a:p>
+        </p:txBody>
+      </p:sp>
+      <p:sp>
+        <p:nvSpPr>
+          <p:cNvPr id="13" name="TextBox 12">
+            <a:extLst>
+              <a:ext uri="{FF2B5EF4-FFF2-40B4-BE49-F238E27FC236}">
+                <a16:creationId xmlns:a16="http://schemas.microsoft.com/office/drawing/2014/main" id="{1BFECC6F-0744-CCF7-2B4B-F566DCB83A4E}"/>
+              </a:ext>
+            </a:extLst>
+          </p:cNvPr>
+          <p:cNvSpPr txBox="1"/>
+          <p:nvPr/>
+        </p:nvSpPr>
+        <p:spPr>
+          <a:xfrm>
+            <a:off x="2872966" y="1073807"/>
+            <a:ext cx="745717" cy="246221"/>
+          </a:xfrm>
+          <a:prstGeom prst="rect">
+            <a:avLst/>
+          </a:prstGeom>
+          <a:noFill/>
+        </p:spPr>
+        <p:txBody>
+          <a:bodyPr wrap="none" rtlCol="0">
+            <a:spAutoFit/>
+          </a:bodyPr>
+          <a:lstStyle/>
+          <a:p>
+            <a:r>
+              <a:rPr lang="en-US" altLang="ko-KR" sz="1000" b="1" dirty="0">
+                <a:latin typeface="+mn-ea"/>
+              </a:rPr>
+              <a:t>#1:1 </a:t>
+            </a:r>
+            <a:r>
+              <a:rPr lang="ko-KR" altLang="en-US" sz="1000" b="1" dirty="0">
+                <a:latin typeface="+mn-ea"/>
+              </a:rPr>
+              <a:t>특화</a:t>
+            </a:r>
+            <a:endParaRPr lang="en-US" altLang="ko-KR" sz="1000" b="1" dirty="0">
+              <a:latin typeface="+mn-ea"/>
+            </a:endParaRPr>
+          </a:p>
+        </p:txBody>
+      </p:sp>
       <p:graphicFrame>
         <p:nvGraphicFramePr>
           <p:cNvPr id="28" name="표 27">
@@ -7770,14 +10242,14 @@
           <p:nvPr>
             <p:extLst>
               <p:ext uri="{D42A27DB-BD31-4B8C-83A1-F6EECF244321}">
-                <p14:modId xmlns:p14="http://schemas.microsoft.com/office/powerpoint/2010/main" val="3377317448"/>
+                <p14:modId xmlns:p14="http://schemas.microsoft.com/office/powerpoint/2010/main" val="1861767768"/>
               </p:ext>
             </p:extLst>
           </p:nvPr>
         </p:nvGraphicFramePr>
         <p:xfrm>
-          <a:off x="435051" y="1814445"/>
-          <a:ext cx="5792129" cy="3056720"/>
+          <a:off x="1207915" y="1717729"/>
+          <a:ext cx="9776170" cy="3056720"/>
         </p:xfrm>
         <a:graphic>
           <a:graphicData uri="http://schemas.openxmlformats.org/drawingml/2006/table">
@@ -7786,21 +10258,28 @@
                 <a:tableStyleId>{5C22544A-7EE6-4342-B048-85BDC9FD1C3A}</a:tableStyleId>
               </a:tblPr>
               <a:tblGrid>
-                <a:gridCol w="1135397">
+                <a:gridCol w="691805">
                   <a:extLst>
                     <a:ext uri="{9D8B030D-6E8A-4147-A177-3AD203B41FA5}">
                       <a16:colId xmlns:a16="http://schemas.microsoft.com/office/drawing/2014/main" val="2160954055"/>
                     </a:ext>
                   </a:extLst>
                 </a:gridCol>
-                <a:gridCol w="1135397">
+                <a:gridCol w="993913">
                   <a:extLst>
                     <a:ext uri="{9D8B030D-6E8A-4147-A177-3AD203B41FA5}">
                       <a16:colId xmlns:a16="http://schemas.microsoft.com/office/drawing/2014/main" val="2184986852"/>
                     </a:ext>
                   </a:extLst>
                 </a:gridCol>
-                <a:gridCol w="3521335">
+                <a:gridCol w="4611757">
+                  <a:extLst>
+                    <a:ext uri="{9D8B030D-6E8A-4147-A177-3AD203B41FA5}">
+                      <a16:colId xmlns:a16="http://schemas.microsoft.com/office/drawing/2014/main" val="920348982"/>
+                    </a:ext>
+                  </a:extLst>
+                </a:gridCol>
+                <a:gridCol w="3478695">
                   <a:extLst>
                     <a:ext uri="{9D8B030D-6E8A-4147-A177-3AD203B41FA5}">
                       <a16:colId xmlns:a16="http://schemas.microsoft.com/office/drawing/2014/main" val="1986683167"/>
@@ -7952,6 +10431,63 @@
                           <a:ea typeface="맑은 고딕" panose="020B0503020000020004" pitchFamily="50" charset="-127"/>
                           <a:cs typeface="맑은 고딕" panose="020B0503020000020004" pitchFamily="50" charset="-127"/>
                         </a:rPr>
+                        <a:t>설명</a:t>
+                      </a:r>
+                      <a:endParaRPr lang="ko-KR" sz="1100" b="1" dirty="0">
+                        <a:solidFill>
+                          <a:schemeClr val="bg1"/>
+                        </a:solidFill>
+                        <a:effectLst/>
+                        <a:latin typeface="맑은 고딕" panose="020B0503020000020004" pitchFamily="50" charset="-127"/>
+                        <a:ea typeface="맑은 고딕" panose="020B0503020000020004" pitchFamily="50" charset="-127"/>
+                        <a:cs typeface="맑은 고딕" panose="020B0503020000020004" pitchFamily="50" charset="-127"/>
+                      </a:endParaRPr>
+                    </a:p>
+                  </a:txBody>
+                  <a:tcPr marL="67521" marR="67521" marT="0" marB="0" anchor="ctr">
+                    <a:lnT w="12700" cap="flat" cmpd="sng" algn="ctr">
+                      <a:solidFill>
+                        <a:srgbClr val="0A6D94"/>
+                      </a:solidFill>
+                      <a:prstDash val="solid"/>
+                      <a:round/>
+                      <a:headEnd type="none" w="med" len="med"/>
+                      <a:tailEnd type="none" w="med" len="med"/>
+                    </a:lnT>
+                    <a:lnB w="12700" cap="flat" cmpd="sng" algn="ctr">
+                      <a:solidFill>
+                        <a:srgbClr val="0A6D94"/>
+                      </a:solidFill>
+                      <a:prstDash val="solid"/>
+                      <a:round/>
+                      <a:headEnd type="none" w="med" len="med"/>
+                      <a:tailEnd type="none" w="med" len="med"/>
+                    </a:lnB>
+                    <a:solidFill>
+                      <a:srgbClr val="0A6D94"/>
+                    </a:solidFill>
+                  </a:tcPr>
+                </a:tc>
+                <a:tc>
+                  <a:txBody>
+                    <a:bodyPr/>
+                    <a:lstStyle/>
+                    <a:p>
+                      <a:pPr algn="ctr" latinLnBrk="1">
+                        <a:spcAft>
+                          <a:spcPts val="800"/>
+                        </a:spcAft>
+                      </a:pPr>
+                      <a:r>
+                        <a:rPr lang="ko-KR" altLang="en-US" sz="1100" b="1" dirty="0">
+                          <a:solidFill>
+                            <a:schemeClr val="bg1"/>
+                          </a:solidFill>
+                          <a:effectLst/>
+                          <a:latin typeface="맑은 고딕" panose="020B0503020000020004" pitchFamily="50" charset="-127"/>
+                          <a:ea typeface="맑은 고딕" panose="020B0503020000020004" pitchFamily="50" charset="-127"/>
+                          <a:cs typeface="맑은 고딕" panose="020B0503020000020004" pitchFamily="50" charset="-127"/>
+                        </a:rPr>
                         <a:t>의도</a:t>
                       </a:r>
                       <a:endParaRPr lang="ko-KR" sz="1100" b="1" dirty="0">
@@ -8021,11 +10557,16 @@
                         </a:rPr>
                         <a:t>스위칭</a:t>
                       </a:r>
+                      <a:br>
+                        <a:rPr lang="en-US" altLang="ko-KR" sz="1000" dirty="0">
+                          <a:effectLst/>
+                        </a:rPr>
+                      </a:br>
                       <a:r>
                         <a:rPr lang="ko-KR" sz="1000" dirty="0">
                           <a:effectLst/>
                         </a:rPr>
-                        <a:t> 스킬</a:t>
+                        <a:t>스킬</a:t>
                       </a:r>
                       <a:endParaRPr lang="ko-KR" sz="1000" dirty="0">
                         <a:effectLst/>
@@ -8092,7 +10633,7 @@
                         </a:spcAft>
                       </a:pPr>
                       <a:r>
-                        <a:rPr lang="ko-KR" altLang="en-US" sz="1100" dirty="0" err="1">
+                        <a:rPr lang="ko-KR" altLang="en-US" sz="1000" dirty="0" err="1">
                           <a:effectLst/>
                           <a:latin typeface="맑은 고딕" panose="020B0503020000020004" pitchFamily="50" charset="-127"/>
                           <a:ea typeface="맑은 고딕" panose="020B0503020000020004" pitchFamily="50" charset="-127"/>
@@ -8100,7 +10641,7 @@
                         </a:rPr>
                         <a:t>천뢰개벽</a:t>
                       </a:r>
-                      <a:endParaRPr lang="ko-KR" sz="1100" dirty="0">
+                      <a:endParaRPr lang="ko-KR" sz="1000" dirty="0">
                         <a:effectLst/>
                         <a:latin typeface="맑은 고딕" panose="020B0503020000020004" pitchFamily="50" charset="-127"/>
                         <a:ea typeface="맑은 고딕" panose="020B0503020000020004" pitchFamily="50" charset="-127"/>
@@ -8109,6 +10650,135 @@
                     </a:p>
                   </a:txBody>
                   <a:tcPr marL="67521" marR="67521" marT="0" marB="0" anchor="ctr">
+                    <a:lnL w="9525" cap="flat" cmpd="sng" algn="ctr">
+                      <a:solidFill>
+                        <a:schemeClr val="bg1">
+                          <a:lumMod val="75000"/>
+                        </a:schemeClr>
+                      </a:solidFill>
+                      <a:prstDash val="solid"/>
+                      <a:round/>
+                      <a:headEnd type="none" w="med" len="med"/>
+                      <a:tailEnd type="none" w="med" len="med"/>
+                    </a:lnL>
+                    <a:lnR w="9525" cap="flat" cmpd="sng" algn="ctr">
+                      <a:solidFill>
+                        <a:schemeClr val="bg1">
+                          <a:lumMod val="75000"/>
+                        </a:schemeClr>
+                      </a:solidFill>
+                      <a:prstDash val="solid"/>
+                      <a:round/>
+                      <a:headEnd type="none" w="med" len="med"/>
+                      <a:tailEnd type="none" w="med" len="med"/>
+                    </a:lnR>
+                    <a:lnT w="12700" cap="flat" cmpd="sng" algn="ctr">
+                      <a:solidFill>
+                        <a:srgbClr val="0A6D94"/>
+                      </a:solidFill>
+                      <a:prstDash val="solid"/>
+                      <a:round/>
+                      <a:headEnd type="none" w="med" len="med"/>
+                      <a:tailEnd type="none" w="med" len="med"/>
+                    </a:lnT>
+                    <a:lnB w="9525" cap="flat" cmpd="sng" algn="ctr">
+                      <a:solidFill>
+                        <a:schemeClr val="bg1">
+                          <a:lumMod val="75000"/>
+                        </a:schemeClr>
+                      </a:solidFill>
+                      <a:prstDash val="solid"/>
+                      <a:round/>
+                      <a:headEnd type="none" w="med" len="med"/>
+                      <a:tailEnd type="none" w="med" len="med"/>
+                    </a:lnB>
+                    <a:solidFill>
+                      <a:schemeClr val="bg1"/>
+                    </a:solidFill>
+                  </a:tcPr>
+                </a:tc>
+                <a:tc>
+                  <a:txBody>
+                    <a:bodyPr/>
+                    <a:lstStyle/>
+                    <a:p>
+                      <a:pPr algn="l" latinLnBrk="1">
+                        <a:spcAft>
+                          <a:spcPts val="800"/>
+                        </a:spcAft>
+                      </a:pPr>
+                      <a:r>
+                        <a:rPr lang="en-US" altLang="ko-KR" sz="1000" dirty="0">
+                          <a:effectLst/>
+                          <a:latin typeface="맑은 고딕" panose="020B0503020000020004" pitchFamily="50" charset="-127"/>
+                          <a:ea typeface="맑은 고딕" panose="020B0503020000020004" pitchFamily="50" charset="-127"/>
+                          <a:cs typeface="맑은 고딕" panose="020B0503020000020004" pitchFamily="50" charset="-127"/>
+                        </a:rPr>
+                        <a:t>2</a:t>
+                      </a:r>
+                      <a:r>
+                        <a:rPr lang="ko-KR" altLang="en-US" sz="1000" dirty="0">
+                          <a:effectLst/>
+                          <a:latin typeface="맑은 고딕" panose="020B0503020000020004" pitchFamily="50" charset="-127"/>
+                          <a:ea typeface="맑은 고딕" panose="020B0503020000020004" pitchFamily="50" charset="-127"/>
+                          <a:cs typeface="맑은 고딕" panose="020B0503020000020004" pitchFamily="50" charset="-127"/>
+                        </a:rPr>
+                        <a:t>초 마다 주변의 </a:t>
+                      </a:r>
+                      <a:r>
+                        <a:rPr lang="ko-KR" altLang="en-US" sz="1000" dirty="0" err="1">
+                          <a:effectLst/>
+                          <a:latin typeface="맑은 고딕" panose="020B0503020000020004" pitchFamily="50" charset="-127"/>
+                          <a:ea typeface="맑은 고딕" panose="020B0503020000020004" pitchFamily="50" charset="-127"/>
+                          <a:cs typeface="맑은 고딕" panose="020B0503020000020004" pitchFamily="50" charset="-127"/>
+                        </a:rPr>
+                        <a:t>랜덤한</a:t>
+                      </a:r>
+                      <a:r>
+                        <a:rPr lang="ko-KR" altLang="en-US" sz="1000" dirty="0">
+                          <a:effectLst/>
+                          <a:latin typeface="맑은 고딕" panose="020B0503020000020004" pitchFamily="50" charset="-127"/>
+                          <a:ea typeface="맑은 고딕" panose="020B0503020000020004" pitchFamily="50" charset="-127"/>
+                          <a:cs typeface="맑은 고딕" panose="020B0503020000020004" pitchFamily="50" charset="-127"/>
+                        </a:rPr>
+                        <a:t> 적에게 번개를 떨어트립니다</a:t>
+                      </a:r>
+                      <a:r>
+                        <a:rPr lang="en-US" altLang="ko-KR" sz="1000" dirty="0">
+                          <a:effectLst/>
+                          <a:latin typeface="맑은 고딕" panose="020B0503020000020004" pitchFamily="50" charset="-127"/>
+                          <a:ea typeface="맑은 고딕" panose="020B0503020000020004" pitchFamily="50" charset="-127"/>
+                          <a:cs typeface="맑은 고딕" panose="020B0503020000020004" pitchFamily="50" charset="-127"/>
+                        </a:rPr>
+                        <a:t>. (10</a:t>
+                      </a:r>
+                      <a:r>
+                        <a:rPr lang="ko-KR" altLang="en-US" sz="1000" dirty="0">
+                          <a:effectLst/>
+                          <a:latin typeface="맑은 고딕" panose="020B0503020000020004" pitchFamily="50" charset="-127"/>
+                          <a:ea typeface="맑은 고딕" panose="020B0503020000020004" pitchFamily="50" charset="-127"/>
+                          <a:cs typeface="맑은 고딕" panose="020B0503020000020004" pitchFamily="50" charset="-127"/>
+                        </a:rPr>
+                        <a:t>초 지속</a:t>
+                      </a:r>
+                      <a:r>
+                        <a:rPr lang="en-US" altLang="ko-KR" sz="1000" dirty="0">
+                          <a:effectLst/>
+                          <a:latin typeface="맑은 고딕" panose="020B0503020000020004" pitchFamily="50" charset="-127"/>
+                          <a:ea typeface="맑은 고딕" panose="020B0503020000020004" pitchFamily="50" charset="-127"/>
+                          <a:cs typeface="맑은 고딕" panose="020B0503020000020004" pitchFamily="50" charset="-127"/>
+                        </a:rPr>
+                        <a:t>)</a:t>
+                      </a:r>
+                      <a:endParaRPr lang="ko-KR" sz="1000" dirty="0">
+                        <a:effectLst/>
+                        <a:latin typeface="맑은 고딕" panose="020B0503020000020004" pitchFamily="50" charset="-127"/>
+                        <a:ea typeface="맑은 고딕" panose="020B0503020000020004" pitchFamily="50" charset="-127"/>
+                        <a:cs typeface="맑은 고딕" panose="020B0503020000020004" pitchFamily="50" charset="-127"/>
+                      </a:endParaRPr>
+                    </a:p>
+                  </a:txBody>
+                  <a:tcPr marL="137160" marR="137160" marT="137160" marB="137160" anchor="ctr">
                     <a:lnL w="9525" cap="flat" cmpd="sng" algn="ctr">
                       <a:solidFill>
                         <a:schemeClr val="bg1">
@@ -8328,7 +10998,7 @@
                         </a:spcAft>
                       </a:pPr>
                       <a:r>
-                        <a:rPr lang="ko-KR" altLang="en-US" sz="1100" dirty="0" err="1">
+                        <a:rPr lang="ko-KR" altLang="en-US" sz="1000" dirty="0" err="1">
                           <a:effectLst/>
                           <a:latin typeface="맑은 고딕" panose="020B0503020000020004" pitchFamily="50" charset="-127"/>
                           <a:ea typeface="맑은 고딕" panose="020B0503020000020004" pitchFamily="50" charset="-127"/>
@@ -8336,7 +11006,7 @@
                         </a:rPr>
                         <a:t>천뢰유침</a:t>
                       </a:r>
-                      <a:endParaRPr lang="ko-KR" sz="1100" dirty="0">
+                      <a:endParaRPr lang="ko-KR" sz="1000" dirty="0">
                         <a:effectLst/>
                         <a:latin typeface="맑은 고딕" panose="020B0503020000020004" pitchFamily="50" charset="-127"/>
                         <a:ea typeface="맑은 고딕" panose="020B0503020000020004" pitchFamily="50" charset="-127"/>
@@ -8345,6 +11015,164 @@
                     </a:p>
                   </a:txBody>
                   <a:tcPr marL="67521" marR="67521" marT="0" marB="0" anchor="ctr">
+                    <a:lnL w="9525" cap="flat" cmpd="sng" algn="ctr">
+                      <a:solidFill>
+                        <a:schemeClr val="bg1">
+                          <a:lumMod val="75000"/>
+                        </a:schemeClr>
+                      </a:solidFill>
+                      <a:prstDash val="solid"/>
+                      <a:round/>
+                      <a:headEnd type="none" w="med" len="med"/>
+                      <a:tailEnd type="none" w="med" len="med"/>
+                    </a:lnL>
+                    <a:lnR w="9525" cap="flat" cmpd="sng" algn="ctr">
+                      <a:solidFill>
+                        <a:schemeClr val="bg1">
+                          <a:lumMod val="75000"/>
+                        </a:schemeClr>
+                      </a:solidFill>
+                      <a:prstDash val="solid"/>
+                      <a:round/>
+                      <a:headEnd type="none" w="med" len="med"/>
+                      <a:tailEnd type="none" w="med" len="med"/>
+                    </a:lnR>
+                    <a:lnT w="9525" cap="flat" cmpd="sng" algn="ctr">
+                      <a:solidFill>
+                        <a:schemeClr val="bg1">
+                          <a:lumMod val="75000"/>
+                        </a:schemeClr>
+                      </a:solidFill>
+                      <a:prstDash val="solid"/>
+                      <a:round/>
+                      <a:headEnd type="none" w="med" len="med"/>
+                      <a:tailEnd type="none" w="med" len="med"/>
+                    </a:lnT>
+                    <a:lnB w="9525" cap="flat" cmpd="sng" algn="ctr">
+                      <a:solidFill>
+                        <a:schemeClr val="bg1">
+                          <a:lumMod val="75000"/>
+                        </a:schemeClr>
+                      </a:solidFill>
+                      <a:prstDash val="solid"/>
+                      <a:round/>
+                      <a:headEnd type="none" w="med" len="med"/>
+                      <a:tailEnd type="none" w="med" len="med"/>
+                    </a:lnB>
+                    <a:solidFill>
+                      <a:schemeClr val="bg1"/>
+                    </a:solidFill>
+                  </a:tcPr>
+                </a:tc>
+                <a:tc>
+                  <a:txBody>
+                    <a:bodyPr/>
+                    <a:lstStyle/>
+                    <a:p>
+                      <a:pPr algn="l" latinLnBrk="1">
+                        <a:spcAft>
+                          <a:spcPts val="800"/>
+                        </a:spcAft>
+                      </a:pPr>
+                      <a:r>
+                        <a:rPr lang="ko-KR" altLang="en-US" sz="1000" dirty="0">
+                          <a:effectLst/>
+                          <a:latin typeface="맑은 고딕" panose="020B0503020000020004" pitchFamily="50" charset="-127"/>
+                          <a:ea typeface="맑은 고딕" panose="020B0503020000020004" pitchFamily="50" charset="-127"/>
+                          <a:cs typeface="맑은 고딕" panose="020B0503020000020004" pitchFamily="50" charset="-127"/>
+                        </a:rPr>
+                        <a:t>보호막과 </a:t>
+                      </a:r>
+                      <a:r>
+                        <a:rPr lang="ko-KR" altLang="en-US" sz="1000" dirty="0" err="1">
+                          <a:effectLst/>
+                          <a:latin typeface="맑은 고딕" panose="020B0503020000020004" pitchFamily="50" charset="-127"/>
+                          <a:ea typeface="맑은 고딕" panose="020B0503020000020004" pitchFamily="50" charset="-127"/>
+                          <a:cs typeface="맑은 고딕" panose="020B0503020000020004" pitchFamily="50" charset="-127"/>
+                        </a:rPr>
+                        <a:t>천뢰침을</a:t>
+                      </a:r>
+                      <a:r>
+                        <a:rPr lang="ko-KR" altLang="en-US" sz="1000" dirty="0">
+                          <a:effectLst/>
+                          <a:latin typeface="맑은 고딕" panose="020B0503020000020004" pitchFamily="50" charset="-127"/>
+                          <a:ea typeface="맑은 고딕" panose="020B0503020000020004" pitchFamily="50" charset="-127"/>
+                          <a:cs typeface="맑은 고딕" panose="020B0503020000020004" pitchFamily="50" charset="-127"/>
+                        </a:rPr>
+                        <a:t> 형성합니다</a:t>
+                      </a:r>
+                      <a:r>
+                        <a:rPr lang="en-US" altLang="ko-KR" sz="1000" dirty="0">
+                          <a:effectLst/>
+                          <a:latin typeface="맑은 고딕" panose="020B0503020000020004" pitchFamily="50" charset="-127"/>
+                          <a:ea typeface="맑은 고딕" panose="020B0503020000020004" pitchFamily="50" charset="-127"/>
+                          <a:cs typeface="맑은 고딕" panose="020B0503020000020004" pitchFamily="50" charset="-127"/>
+                        </a:rPr>
+                        <a:t>. </a:t>
+                      </a:r>
+                      <a:r>
+                        <a:rPr lang="ko-KR" altLang="en-US" sz="1000" dirty="0">
+                          <a:effectLst/>
+                          <a:latin typeface="맑은 고딕" panose="020B0503020000020004" pitchFamily="50" charset="-127"/>
+                          <a:ea typeface="맑은 고딕" panose="020B0503020000020004" pitchFamily="50" charset="-127"/>
+                          <a:cs typeface="맑은 고딕" panose="020B0503020000020004" pitchFamily="50" charset="-127"/>
+                        </a:rPr>
+                        <a:t>이후 </a:t>
+                      </a:r>
+                      <a:r>
+                        <a:rPr lang="ko-KR" altLang="en-US" sz="1000" dirty="0" err="1">
+                          <a:effectLst/>
+                          <a:latin typeface="맑은 고딕" panose="020B0503020000020004" pitchFamily="50" charset="-127"/>
+                          <a:ea typeface="맑은 고딕" panose="020B0503020000020004" pitchFamily="50" charset="-127"/>
+                          <a:cs typeface="맑은 고딕" panose="020B0503020000020004" pitchFamily="50" charset="-127"/>
+                        </a:rPr>
+                        <a:t>천뢰침을</a:t>
+                      </a:r>
+                      <a:r>
+                        <a:rPr lang="ko-KR" altLang="en-US" sz="1000" dirty="0">
+                          <a:effectLst/>
+                          <a:latin typeface="맑은 고딕" panose="020B0503020000020004" pitchFamily="50" charset="-127"/>
+                          <a:ea typeface="맑은 고딕" panose="020B0503020000020004" pitchFamily="50" charset="-127"/>
+                          <a:cs typeface="맑은 고딕" panose="020B0503020000020004" pitchFamily="50" charset="-127"/>
+                        </a:rPr>
+                        <a:t> 발사하여 번개를 유도합니다</a:t>
+                      </a:r>
+                      <a:r>
+                        <a:rPr lang="en-US" altLang="ko-KR" sz="1000" dirty="0">
+                          <a:effectLst/>
+                          <a:latin typeface="맑은 고딕" panose="020B0503020000020004" pitchFamily="50" charset="-127"/>
+                          <a:ea typeface="맑은 고딕" panose="020B0503020000020004" pitchFamily="50" charset="-127"/>
+                          <a:cs typeface="맑은 고딕" panose="020B0503020000020004" pitchFamily="50" charset="-127"/>
+                        </a:rPr>
+                        <a:t>. (8</a:t>
+                      </a:r>
+                      <a:r>
+                        <a:rPr lang="ko-KR" altLang="en-US" sz="1000" dirty="0">
+                          <a:effectLst/>
+                          <a:latin typeface="맑은 고딕" panose="020B0503020000020004" pitchFamily="50" charset="-127"/>
+                          <a:ea typeface="맑은 고딕" panose="020B0503020000020004" pitchFamily="50" charset="-127"/>
+                          <a:cs typeface="맑은 고딕" panose="020B0503020000020004" pitchFamily="50" charset="-127"/>
+                        </a:rPr>
+                        <a:t>초 지속</a:t>
+                      </a:r>
+                      <a:r>
+                        <a:rPr lang="en-US" altLang="ko-KR" sz="1000" dirty="0">
+                          <a:effectLst/>
+                          <a:latin typeface="맑은 고딕" panose="020B0503020000020004" pitchFamily="50" charset="-127"/>
+                          <a:ea typeface="맑은 고딕" panose="020B0503020000020004" pitchFamily="50" charset="-127"/>
+                          <a:cs typeface="맑은 고딕" panose="020B0503020000020004" pitchFamily="50" charset="-127"/>
+                        </a:rPr>
+                        <a:t>)</a:t>
+                      </a:r>
+                      <a:endParaRPr lang="ko-KR" sz="1000" dirty="0">
+                        <a:effectLst/>
+                        <a:latin typeface="맑은 고딕" panose="020B0503020000020004" pitchFamily="50" charset="-127"/>
+                        <a:ea typeface="맑은 고딕" panose="020B0503020000020004" pitchFamily="50" charset="-127"/>
+                        <a:cs typeface="맑은 고딕" panose="020B0503020000020004" pitchFamily="50" charset="-127"/>
+                      </a:endParaRPr>
+                    </a:p>
+                  </a:txBody>
+                  <a:tcPr marL="137160" marR="137160" marT="137160" marB="137160" anchor="ctr">
                     <a:lnL w="9525" cap="flat" cmpd="sng" algn="ctr">
                       <a:solidFill>
                         <a:schemeClr val="bg1">
@@ -8420,7 +11248,7 @@
                           <a:ea typeface="맑은 고딕" panose="020B0503020000020004" pitchFamily="50" charset="-127"/>
                           <a:cs typeface="맑은 고딕" panose="020B0503020000020004" pitchFamily="50" charset="-127"/>
                         </a:rPr>
-                        <a:t>.</a:t>
+                        <a:t>. </a:t>
                       </a:r>
                     </a:p>
                     <a:p>
@@ -8584,7 +11412,7 @@
                         </a:spcAft>
                       </a:pPr>
                       <a:r>
-                        <a:rPr lang="ko-KR" altLang="en-US" sz="1100" dirty="0" err="1">
+                        <a:rPr lang="ko-KR" altLang="en-US" sz="1000" dirty="0" err="1">
                           <a:effectLst/>
                           <a:latin typeface="맑은 고딕" panose="020B0503020000020004" pitchFamily="50" charset="-127"/>
                           <a:ea typeface="맑은 고딕" panose="020B0503020000020004" pitchFamily="50" charset="-127"/>
@@ -8592,7 +11420,7 @@
                         </a:rPr>
                         <a:t>천뢰연격</a:t>
                       </a:r>
-                      <a:endParaRPr lang="ko-KR" sz="1100" dirty="0">
+                      <a:endParaRPr lang="ko-KR" sz="1000" dirty="0">
                         <a:effectLst/>
                         <a:latin typeface="맑은 고딕" panose="020B0503020000020004" pitchFamily="50" charset="-127"/>
                         <a:ea typeface="맑은 고딕" panose="020B0503020000020004" pitchFamily="50" charset="-127"/>
@@ -8601,6 +11429,122 @@
                     </a:p>
                   </a:txBody>
                   <a:tcPr marL="67521" marR="67521" marT="0" marB="0" anchor="ctr">
+                    <a:lnL w="9525" cap="flat" cmpd="sng" algn="ctr">
+                      <a:solidFill>
+                        <a:schemeClr val="bg1">
+                          <a:lumMod val="75000"/>
+                        </a:schemeClr>
+                      </a:solidFill>
+                      <a:prstDash val="solid"/>
+                      <a:round/>
+                      <a:headEnd type="none" w="med" len="med"/>
+                      <a:tailEnd type="none" w="med" len="med"/>
+                    </a:lnL>
+                    <a:lnR w="9525" cap="flat" cmpd="sng" algn="ctr">
+                      <a:solidFill>
+                        <a:schemeClr val="bg1">
+                          <a:lumMod val="75000"/>
+                        </a:schemeClr>
+                      </a:solidFill>
+                      <a:prstDash val="solid"/>
+                      <a:round/>
+                      <a:headEnd type="none" w="med" len="med"/>
+                      <a:tailEnd type="none" w="med" len="med"/>
+                    </a:lnR>
+                    <a:lnT w="9525" cap="flat" cmpd="sng" algn="ctr">
+                      <a:solidFill>
+                        <a:schemeClr val="bg1">
+                          <a:lumMod val="75000"/>
+                        </a:schemeClr>
+                      </a:solidFill>
+                      <a:prstDash val="solid"/>
+                      <a:round/>
+                      <a:headEnd type="none" w="med" len="med"/>
+                      <a:tailEnd type="none" w="med" len="med"/>
+                    </a:lnT>
+                    <a:lnB w="9525" cap="flat" cmpd="sng" algn="ctr">
+                      <a:solidFill>
+                        <a:schemeClr val="bg1">
+                          <a:lumMod val="75000"/>
+                        </a:schemeClr>
+                      </a:solidFill>
+                      <a:prstDash val="solid"/>
+                      <a:round/>
+                      <a:headEnd type="none" w="med" len="med"/>
+                      <a:tailEnd type="none" w="med" len="med"/>
+                    </a:lnB>
+                    <a:solidFill>
+                      <a:schemeClr val="bg1"/>
+                    </a:solidFill>
+                  </a:tcPr>
+                </a:tc>
+                <a:tc>
+                  <a:txBody>
+                    <a:bodyPr/>
+                    <a:lstStyle/>
+                    <a:p>
+                      <a:pPr marL="0" marR="0" lvl="0" indent="0" algn="l" defTabSz="914400" rtl="0" eaLnBrk="1" fontAlgn="auto" latinLnBrk="1" hangingPunct="1">
+                        <a:lnSpc>
+                          <a:spcPct val="100000"/>
+                        </a:lnSpc>
+                        <a:spcBef>
+                          <a:spcPts val="0"/>
+                        </a:spcBef>
+                        <a:spcAft>
+                          <a:spcPts val="800"/>
+                        </a:spcAft>
+                        <a:buClrTx/>
+                        <a:buSzTx/>
+                        <a:buFontTx/>
+                        <a:buNone/>
+                        <a:tabLst/>
+                        <a:defRPr/>
+                      </a:pPr>
+                      <a:r>
+                        <a:rPr lang="ko-KR" altLang="en-US" sz="1000" dirty="0">
+                          <a:effectLst/>
+                          <a:latin typeface="맑은 고딕" panose="020B0503020000020004" pitchFamily="50" charset="-127"/>
+                          <a:ea typeface="+mn-ea"/>
+                          <a:cs typeface="맑은 고딕" panose="020B0503020000020004" pitchFamily="50" charset="-127"/>
+                        </a:rPr>
+                        <a:t>정면으로 번개를 </a:t>
+                      </a:r>
+                      <a:r>
+                        <a:rPr lang="en-US" altLang="ko-KR" sz="1000" dirty="0">
+                          <a:effectLst/>
+                          <a:latin typeface="맑은 고딕" panose="020B0503020000020004" pitchFamily="50" charset="-127"/>
+                          <a:ea typeface="+mn-ea"/>
+                          <a:cs typeface="맑은 고딕" panose="020B0503020000020004" pitchFamily="50" charset="-127"/>
+                        </a:rPr>
+                        <a:t>2</a:t>
+                      </a:r>
+                      <a:r>
+                        <a:rPr lang="ko-KR" altLang="en-US" sz="1000" dirty="0">
+                          <a:effectLst/>
+                          <a:latin typeface="맑은 고딕" panose="020B0503020000020004" pitchFamily="50" charset="-127"/>
+                          <a:ea typeface="+mn-ea"/>
+                          <a:cs typeface="맑은 고딕" panose="020B0503020000020004" pitchFamily="50" charset="-127"/>
+                        </a:rPr>
+                        <a:t>번 방출합니다</a:t>
+                      </a:r>
+                      <a:r>
+                        <a:rPr lang="en-US" altLang="ko-KR" sz="1000" dirty="0">
+                          <a:effectLst/>
+                          <a:latin typeface="맑은 고딕" panose="020B0503020000020004" pitchFamily="50" charset="-127"/>
+                          <a:ea typeface="+mn-ea"/>
+                          <a:cs typeface="맑은 고딕" panose="020B0503020000020004" pitchFamily="50" charset="-127"/>
+                        </a:rPr>
+                        <a:t>.</a:t>
+                      </a:r>
+                      <a:endParaRPr lang="ko-KR" altLang="ko-KR" sz="1000" dirty="0">
+                        <a:effectLst/>
+                        <a:latin typeface="맑은 고딕" panose="020B0503020000020004" pitchFamily="50" charset="-127"/>
+                        <a:ea typeface="+mn-ea"/>
+                        <a:cs typeface="맑은 고딕" panose="020B0503020000020004" pitchFamily="50" charset="-127"/>
+                      </a:endParaRPr>
+                    </a:p>
+                  </a:txBody>
+                  <a:tcPr marL="137160" marR="137160" marT="137160" marB="137160" anchor="ctr">
                     <a:lnL w="9525" cap="flat" cmpd="sng" algn="ctr">
                       <a:solidFill>
                         <a:schemeClr val="bg1">
@@ -8845,7 +11789,7 @@
                         </a:spcAft>
                       </a:pPr>
                       <a:r>
-                        <a:rPr lang="ko-KR" altLang="en-US" sz="1100" dirty="0" err="1">
+                        <a:rPr lang="ko-KR" altLang="en-US" sz="1000" dirty="0" err="1">
                           <a:effectLst/>
                           <a:latin typeface="맑은 고딕" panose="020B0503020000020004" pitchFamily="50" charset="-127"/>
                           <a:ea typeface="맑은 고딕" panose="020B0503020000020004" pitchFamily="50" charset="-127"/>
@@ -8853,7 +11797,7 @@
                         </a:rPr>
                         <a:t>천뢰일폭</a:t>
                       </a:r>
-                      <a:endParaRPr lang="ko-KR" sz="1100" dirty="0">
+                      <a:endParaRPr lang="ko-KR" sz="1000" dirty="0">
                         <a:effectLst/>
                         <a:latin typeface="맑은 고딕" panose="020B0503020000020004" pitchFamily="50" charset="-127"/>
                         <a:ea typeface="맑은 고딕" panose="020B0503020000020004" pitchFamily="50" charset="-127"/>
@@ -8862,6 +11806,92 @@
                     </a:p>
                   </a:txBody>
                   <a:tcPr marL="67521" marR="67521" marT="0" marB="0" anchor="ctr">
+                    <a:lnL w="9525" cap="flat" cmpd="sng" algn="ctr">
+                      <a:solidFill>
+                        <a:schemeClr val="bg1">
+                          <a:lumMod val="75000"/>
+                        </a:schemeClr>
+                      </a:solidFill>
+                      <a:prstDash val="solid"/>
+                      <a:round/>
+                      <a:headEnd type="none" w="med" len="med"/>
+                      <a:tailEnd type="none" w="med" len="med"/>
+                    </a:lnL>
+                    <a:lnR w="9525" cap="flat" cmpd="sng" algn="ctr">
+                      <a:solidFill>
+                        <a:schemeClr val="bg1">
+                          <a:lumMod val="75000"/>
+                        </a:schemeClr>
+                      </a:solidFill>
+                      <a:prstDash val="solid"/>
+                      <a:round/>
+                      <a:headEnd type="none" w="med" len="med"/>
+                      <a:tailEnd type="none" w="med" len="med"/>
+                    </a:lnR>
+                    <a:lnT w="9525" cap="flat" cmpd="sng" algn="ctr">
+                      <a:solidFill>
+                        <a:schemeClr val="bg1">
+                          <a:lumMod val="75000"/>
+                        </a:schemeClr>
+                      </a:solidFill>
+                      <a:prstDash val="solid"/>
+                      <a:round/>
+                      <a:headEnd type="none" w="med" len="med"/>
+                      <a:tailEnd type="none" w="med" len="med"/>
+                    </a:lnT>
+                    <a:lnB w="9525" cap="flat" cmpd="sng" algn="ctr">
+                      <a:solidFill>
+                        <a:schemeClr val="bg1">
+                          <a:lumMod val="75000"/>
+                        </a:schemeClr>
+                      </a:solidFill>
+                      <a:prstDash val="solid"/>
+                      <a:round/>
+                      <a:headEnd type="none" w="med" len="med"/>
+                      <a:tailEnd type="none" w="med" len="med"/>
+                    </a:lnB>
+                    <a:solidFill>
+                      <a:schemeClr val="bg1"/>
+                    </a:solidFill>
+                  </a:tcPr>
+                </a:tc>
+                <a:tc>
+                  <a:txBody>
+                    <a:bodyPr/>
+                    <a:lstStyle/>
+                    <a:p>
+                      <a:pPr algn="l" latinLnBrk="1">
+                        <a:spcAft>
+                          <a:spcPts val="800"/>
+                        </a:spcAft>
+                      </a:pPr>
+                      <a:r>
+                        <a:rPr lang="ko-KR" altLang="en-US" sz="1000" dirty="0">
+                          <a:effectLst/>
+                          <a:latin typeface="맑은 고딕" panose="020B0503020000020004" pitchFamily="50" charset="-127"/>
+                          <a:ea typeface="맑은 고딕" panose="020B0503020000020004" pitchFamily="50" charset="-127"/>
+                          <a:cs typeface="맑은 고딕" panose="020B0503020000020004" pitchFamily="50" charset="-127"/>
+                        </a:rPr>
+                        <a:t>해당 지점에 거대한 번개를 떨어트립니다</a:t>
+                      </a:r>
+                      <a:r>
+                        <a:rPr lang="en-US" altLang="ko-KR" sz="1000" dirty="0">
+                          <a:effectLst/>
+                          <a:latin typeface="맑은 고딕" panose="020B0503020000020004" pitchFamily="50" charset="-127"/>
+                          <a:ea typeface="맑은 고딕" panose="020B0503020000020004" pitchFamily="50" charset="-127"/>
+                          <a:cs typeface="맑은 고딕" panose="020B0503020000020004" pitchFamily="50" charset="-127"/>
+                        </a:rPr>
+                        <a:t>.</a:t>
+                      </a:r>
+                      <a:endParaRPr lang="ko-KR" sz="1000" dirty="0">
+                        <a:effectLst/>
+                        <a:latin typeface="맑은 고딕" panose="020B0503020000020004" pitchFamily="50" charset="-127"/>
+                        <a:ea typeface="맑은 고딕" panose="020B0503020000020004" pitchFamily="50" charset="-127"/>
+                        <a:cs typeface="맑은 고딕" panose="020B0503020000020004" pitchFamily="50" charset="-127"/>
+                      </a:endParaRPr>
+                    </a:p>
+                  </a:txBody>
+                  <a:tcPr marL="137160" marR="137160" marT="137160" marB="137160" anchor="ctr">
                     <a:lnL w="9525" cap="flat" cmpd="sng" algn="ctr">
                       <a:solidFill>
                         <a:schemeClr val="bg1">
@@ -9095,7 +12125,7 @@
                         <a:defRPr/>
                       </a:pPr>
                       <a:r>
-                        <a:rPr lang="ko-KR" altLang="en-US" sz="1100" dirty="0" err="1">
+                        <a:rPr lang="ko-KR" altLang="en-US" sz="1000" dirty="0" err="1">
                           <a:effectLst/>
                           <a:latin typeface="맑은 고딕" panose="020B0503020000020004" pitchFamily="50" charset="-127"/>
                           <a:ea typeface="+mn-ea"/>
@@ -9103,7 +12133,7 @@
                         </a:rPr>
                         <a:t>천뢰신보</a:t>
                       </a:r>
-                      <a:endParaRPr lang="ko-KR" altLang="ko-KR" sz="1100" dirty="0">
+                      <a:endParaRPr lang="ko-KR" altLang="ko-KR" sz="1000" dirty="0">
                         <a:effectLst/>
                         <a:latin typeface="맑은 고딕" panose="020B0503020000020004" pitchFamily="50" charset="-127"/>
                         <a:ea typeface="+mn-ea"/>
@@ -9112,6 +12142,90 @@
                     </a:p>
                   </a:txBody>
                   <a:tcPr marL="67521" marR="67521" marT="0" marB="0" anchor="ctr">
+                    <a:lnL w="9525" cap="flat" cmpd="sng" algn="ctr">
+                      <a:solidFill>
+                        <a:schemeClr val="bg1">
+                          <a:lumMod val="75000"/>
+                        </a:schemeClr>
+                      </a:solidFill>
+                      <a:prstDash val="solid"/>
+                      <a:round/>
+                      <a:headEnd type="none" w="med" len="med"/>
+                      <a:tailEnd type="none" w="med" len="med"/>
+                    </a:lnL>
+                    <a:lnR w="9525" cap="flat" cmpd="sng" algn="ctr">
+                      <a:solidFill>
+                        <a:schemeClr val="bg1">
+                          <a:lumMod val="75000"/>
+                        </a:schemeClr>
+                      </a:solidFill>
+                      <a:prstDash val="solid"/>
+                      <a:round/>
+                      <a:headEnd type="none" w="med" len="med"/>
+                      <a:tailEnd type="none" w="med" len="med"/>
+                    </a:lnR>
+                    <a:lnT w="9525" cap="flat" cmpd="sng" algn="ctr">
+                      <a:solidFill>
+                        <a:schemeClr val="bg1">
+                          <a:lumMod val="75000"/>
+                        </a:schemeClr>
+                      </a:solidFill>
+                      <a:prstDash val="solid"/>
+                      <a:round/>
+                      <a:headEnd type="none" w="med" len="med"/>
+                      <a:tailEnd type="none" w="med" len="med"/>
+                    </a:lnT>
+                    <a:lnB w="12700" cap="flat" cmpd="sng" algn="ctr">
+                      <a:solidFill>
+                        <a:srgbClr val="0A6D94"/>
+                      </a:solidFill>
+                      <a:prstDash val="solid"/>
+                      <a:round/>
+                      <a:headEnd type="none" w="med" len="med"/>
+                      <a:tailEnd type="none" w="med" len="med"/>
+                    </a:lnB>
+                    <a:solidFill>
+                      <a:schemeClr val="bg1"/>
+                    </a:solidFill>
+                  </a:tcPr>
+                </a:tc>
+                <a:tc>
+                  <a:txBody>
+                    <a:bodyPr/>
+                    <a:lstStyle/>
+                    <a:p>
+                      <a:pPr algn="l" latinLnBrk="1">
+                        <a:spcAft>
+                          <a:spcPts val="800"/>
+                        </a:spcAft>
+                      </a:pPr>
+                      <a:r>
+                        <a:rPr lang="ko-KR" altLang="en-US" sz="1000" dirty="0">
+                          <a:effectLst/>
+                          <a:latin typeface="맑은 고딕" panose="020B0503020000020004" pitchFamily="50" charset="-127"/>
+                          <a:ea typeface="맑은 고딕" panose="020B0503020000020004" pitchFamily="50" charset="-127"/>
+                          <a:cs typeface="맑은 고딕" panose="020B0503020000020004" pitchFamily="50" charset="-127"/>
+                        </a:rPr>
+                        <a:t>천천히 세 걸음 걸으며 걸음마다 번개를 사방으로 방출합니다</a:t>
+                      </a:r>
+                      <a:r>
+                        <a:rPr lang="en-US" altLang="ko-KR" sz="1000" dirty="0">
+                          <a:effectLst/>
+                          <a:latin typeface="맑은 고딕" panose="020B0503020000020004" pitchFamily="50" charset="-127"/>
+                          <a:ea typeface="맑은 고딕" panose="020B0503020000020004" pitchFamily="50" charset="-127"/>
+                          <a:cs typeface="맑은 고딕" panose="020B0503020000020004" pitchFamily="50" charset="-127"/>
+                        </a:rPr>
+                        <a:t>.</a:t>
+                      </a:r>
+                      <a:endParaRPr lang="ko-KR" sz="1000" dirty="0">
+                        <a:effectLst/>
+                        <a:latin typeface="맑은 고딕" panose="020B0503020000020004" pitchFamily="50" charset="-127"/>
+                        <a:ea typeface="맑은 고딕" panose="020B0503020000020004" pitchFamily="50" charset="-127"/>
+                        <a:cs typeface="맑은 고딕" panose="020B0503020000020004" pitchFamily="50" charset="-127"/>
+                      </a:endParaRPr>
+                    </a:p>
+                  </a:txBody>
+                  <a:tcPr marL="137160" marR="137160" marT="137160" marB="137160" anchor="ctr">
                     <a:lnL w="9525" cap="flat" cmpd="sng" algn="ctr">
                       <a:solidFill>
                         <a:schemeClr val="bg1">
@@ -9251,6 +12365,139 @@
           </a:graphicData>
         </a:graphic>
       </p:graphicFrame>
+      <p:sp>
+        <p:nvSpPr>
+          <p:cNvPr id="9" name="TextBox 8">
+            <a:extLst>
+              <a:ext uri="{FF2B5EF4-FFF2-40B4-BE49-F238E27FC236}">
+                <a16:creationId xmlns:a16="http://schemas.microsoft.com/office/drawing/2014/main" id="{77F8E324-1206-2480-3617-1D236896DBB5}"/>
+              </a:ext>
+            </a:extLst>
+          </p:cNvPr>
+          <p:cNvSpPr txBox="1"/>
+          <p:nvPr/>
+        </p:nvSpPr>
+        <p:spPr>
+          <a:xfrm>
+            <a:off x="1207915" y="5784193"/>
+            <a:ext cx="9776169" cy="680312"/>
+          </a:xfrm>
+          <a:prstGeom prst="rect">
+            <a:avLst/>
+          </a:prstGeom>
+          <a:noFill/>
+          <a:ln w="12700">
+            <a:solidFill>
+              <a:srgbClr val="0A6D94"/>
+            </a:solidFill>
+          </a:ln>
+        </p:spPr>
+        <p:txBody>
+          <a:bodyPr wrap="square" lIns="0" tIns="0" rIns="0" bIns="0" rtlCol="0" anchor="ctr" anchorCtr="0">
+            <a:noAutofit/>
+          </a:bodyPr>
+          <a:lstStyle/>
+          <a:p>
+            <a:pPr algn="ctr"/>
+            <a:r>
+              <a:rPr lang="ko-KR" altLang="en-US" sz="1200" dirty="0"/>
+              <a:t>부채는 보호막을 유지하고 피해를 한 곳에 집중시키는</a:t>
+            </a:r>
+          </a:p>
+        </p:txBody>
+      </p:sp>
+      <p:sp>
+        <p:nvSpPr>
+          <p:cNvPr id="19" name="화살표: 아래쪽 18">
+            <a:extLst>
+              <a:ext uri="{FF2B5EF4-FFF2-40B4-BE49-F238E27FC236}">
+                <a16:creationId xmlns:a16="http://schemas.microsoft.com/office/drawing/2014/main" id="{45F0FD4D-EA92-42E0-2646-88918D1C8DDB}"/>
+              </a:ext>
+            </a:extLst>
+          </p:cNvPr>
+          <p:cNvSpPr/>
+          <p:nvPr/>
+        </p:nvSpPr>
+        <p:spPr>
+          <a:xfrm>
+            <a:off x="5957055" y="4998809"/>
+            <a:ext cx="277890" cy="561023"/>
+          </a:xfrm>
+          <a:prstGeom prst="downArrow">
+            <a:avLst/>
+          </a:prstGeom>
+        </p:spPr>
+        <p:style>
+          <a:lnRef idx="2">
+            <a:schemeClr val="accent1">
+              <a:shade val="15000"/>
+            </a:schemeClr>
+          </a:lnRef>
+          <a:fillRef idx="1">
+            <a:schemeClr val="accent1"/>
+          </a:fillRef>
+          <a:effectRef idx="0">
+            <a:schemeClr val="accent1"/>
+          </a:effectRef>
+          <a:fontRef idx="minor">
+            <a:schemeClr val="lt1"/>
+          </a:fontRef>
+        </p:style>
+        <p:txBody>
+          <a:bodyPr rtlCol="0" anchor="ctr"/>
+          <a:lstStyle/>
+          <a:p>
+            <a:pPr algn="ctr"/>
+            <a:endParaRPr lang="ko-KR" altLang="en-US"/>
+          </a:p>
+        </p:txBody>
+      </p:sp>
+      <p:sp>
+        <p:nvSpPr>
+          <p:cNvPr id="21" name="TextBox 20">
+            <a:extLst>
+              <a:ext uri="{FF2B5EF4-FFF2-40B4-BE49-F238E27FC236}">
+                <a16:creationId xmlns:a16="http://schemas.microsoft.com/office/drawing/2014/main" id="{F5D79C88-F20E-C6A5-7E96-2022AD3AA9AD}"/>
+              </a:ext>
+            </a:extLst>
+          </p:cNvPr>
+          <p:cNvSpPr txBox="1"/>
+          <p:nvPr/>
+        </p:nvSpPr>
+        <p:spPr>
+          <a:xfrm>
+            <a:off x="3906804" y="1073807"/>
+            <a:ext cx="949299" cy="246221"/>
+          </a:xfrm>
+          <a:prstGeom prst="rect">
+            <a:avLst/>
+          </a:prstGeom>
+          <a:noFill/>
+        </p:spPr>
+        <p:txBody>
+          <a:bodyPr wrap="none" rtlCol="0">
+            <a:spAutoFit/>
+          </a:bodyPr>
+          <a:lstStyle/>
+          <a:p>
+            <a:r>
+              <a:rPr lang="en-US" altLang="ko-KR" sz="1000" b="1" dirty="0">
+                <a:latin typeface="+mn-ea"/>
+              </a:rPr>
+              <a:t>#</a:t>
+            </a:r>
+            <a:r>
+              <a:rPr lang="ko-KR" altLang="en-US" sz="1000" b="1" dirty="0">
+                <a:latin typeface="+mn-ea"/>
+              </a:rPr>
+              <a:t>보호막 유지</a:t>
+            </a:r>
+            <a:endParaRPr lang="en-US" altLang="ko-KR" sz="1000" b="1" dirty="0">
+              <a:latin typeface="+mn-ea"/>
+            </a:endParaRPr>
+          </a:p>
+        </p:txBody>
+      </p:sp>
     </p:spTree>
     <p:extLst>
       <p:ext uri="{BB962C8B-B14F-4D97-AF65-F5344CB8AC3E}">
@@ -10303,8 +13550,8 @@
         </p:nvSpPr>
         <p:spPr>
           <a:xfrm>
-            <a:off x="309738" y="993735"/>
-            <a:ext cx="6199133" cy="369332"/>
+            <a:off x="1736114" y="1089195"/>
+            <a:ext cx="3018775" cy="246221"/>
           </a:xfrm>
           <a:prstGeom prst="rect">
             <a:avLst/>
@@ -10318,22 +13565,20 @@
           <a:lstStyle/>
           <a:p>
             <a:r>
-              <a:rPr lang="ko-KR" altLang="en-US" dirty="0"/>
-              <a:t>무기 컨셉</a:t>
+              <a:rPr lang="ko-KR" altLang="en-US" sz="1000" dirty="0">
+                <a:latin typeface="+mn-ea"/>
+              </a:rPr>
+              <a:t>검은색 바탕에 흰색 그림이 그려진 동양풍 </a:t>
             </a:r>
             <a:r>
-              <a:rPr lang="en-US" altLang="ko-KR" dirty="0"/>
-              <a:t>: </a:t>
-            </a:r>
-            <a:r>
-              <a:rPr lang="ko-KR" altLang="en-US" dirty="0"/>
-              <a:t>흰색 바탕에 검은 그림이 그려진 동양풍 </a:t>
-            </a:r>
-            <a:r>
-              <a:rPr lang="ko-KR" altLang="en-US" dirty="0" err="1"/>
+              <a:rPr lang="ko-KR" altLang="en-US" sz="1000" dirty="0" err="1">
+                <a:latin typeface="+mn-ea"/>
+              </a:rPr>
               <a:t>접부채</a:t>
             </a:r>
-            <a:endParaRPr lang="en-US" altLang="ko-KR" dirty="0"/>
+            <a:endParaRPr lang="en-US" altLang="ko-KR" sz="1000" dirty="0">
+              <a:latin typeface="+mn-ea"/>
+            </a:endParaRPr>
           </a:p>
         </p:txBody>
       </p:sp>
@@ -10388,6 +13633,181 @@
           </a:p>
         </p:txBody>
       </p:sp>
+      <p:sp>
+        <p:nvSpPr>
+          <p:cNvPr id="3" name="TextBox 2">
+            <a:extLst>
+              <a:ext uri="{FF2B5EF4-FFF2-40B4-BE49-F238E27FC236}">
+                <a16:creationId xmlns:a16="http://schemas.microsoft.com/office/drawing/2014/main" id="{6E76295E-D3B3-F8FE-1A09-136F92F3C64B}"/>
+              </a:ext>
+            </a:extLst>
+          </p:cNvPr>
+          <p:cNvSpPr txBox="1"/>
+          <p:nvPr/>
+        </p:nvSpPr>
+        <p:spPr>
+          <a:xfrm>
+            <a:off x="1207915" y="5784193"/>
+            <a:ext cx="9776169" cy="680312"/>
+          </a:xfrm>
+          <a:prstGeom prst="rect">
+            <a:avLst/>
+          </a:prstGeom>
+          <a:noFill/>
+          <a:ln w="12700">
+            <a:solidFill>
+              <a:srgbClr val="0A6D94"/>
+            </a:solidFill>
+          </a:ln>
+        </p:spPr>
+        <p:txBody>
+          <a:bodyPr wrap="square" lIns="0" tIns="0" rIns="0" bIns="0" rtlCol="0" anchor="ctr" anchorCtr="0">
+            <a:noAutofit/>
+          </a:bodyPr>
+          <a:lstStyle/>
+          <a:p>
+            <a:pPr algn="ctr"/>
+            <a:r>
+              <a:rPr lang="ko-KR" altLang="en-US" sz="1200" dirty="0"/>
+              <a:t>부채는 기본 </a:t>
+            </a:r>
+            <a:r>
+              <a:rPr lang="ko-KR" altLang="en-US" sz="1200" dirty="0" err="1"/>
+              <a:t>피해량은</a:t>
+            </a:r>
+            <a:r>
+              <a:rPr lang="ko-KR" altLang="en-US" sz="1200" dirty="0"/>
+              <a:t> 낮지만</a:t>
+            </a:r>
+            <a:r>
+              <a:rPr lang="en-US" altLang="ko-KR" sz="1200" dirty="0"/>
+              <a:t>, </a:t>
+            </a:r>
+            <a:r>
+              <a:rPr lang="ko-KR" altLang="en-US" sz="1200" dirty="0" err="1"/>
+              <a:t>피해량을</a:t>
+            </a:r>
+            <a:r>
+              <a:rPr lang="ko-KR" altLang="en-US" sz="1200" dirty="0"/>
+              <a:t> 한 곳에 집중시킬 수 있습니다</a:t>
+            </a:r>
+            <a:r>
+              <a:rPr lang="en-US" altLang="ko-KR" sz="1200" dirty="0"/>
+              <a:t>.</a:t>
+            </a:r>
+            <a:endParaRPr lang="ko-KR" altLang="en-US" sz="1200" dirty="0"/>
+          </a:p>
+        </p:txBody>
+      </p:sp>
+      <p:sp>
+        <p:nvSpPr>
+          <p:cNvPr id="4" name="화살표: 오각형 3">
+            <a:extLst>
+              <a:ext uri="{FF2B5EF4-FFF2-40B4-BE49-F238E27FC236}">
+                <a16:creationId xmlns:a16="http://schemas.microsoft.com/office/drawing/2014/main" id="{D19DDCC1-1376-1F65-535F-1792A13A45C2}"/>
+              </a:ext>
+            </a:extLst>
+          </p:cNvPr>
+          <p:cNvSpPr/>
+          <p:nvPr/>
+        </p:nvSpPr>
+        <p:spPr>
+          <a:xfrm>
+            <a:off x="1" y="994687"/>
+            <a:ext cx="1702282" cy="404461"/>
+          </a:xfrm>
+          <a:prstGeom prst="homePlate">
+            <a:avLst/>
+          </a:prstGeom>
+          <a:solidFill>
+            <a:schemeClr val="bg1"/>
+          </a:solidFill>
+          <a:ln>
+            <a:solidFill>
+              <a:schemeClr val="accent4">
+                <a:lumMod val="75000"/>
+              </a:schemeClr>
+            </a:solidFill>
+          </a:ln>
+          <a:effectLst>
+            <a:outerShdw blurRad="50800" dist="38100" dir="2700000" algn="tl" rotWithShape="0">
+              <a:prstClr val="black">
+                <a:alpha val="40000"/>
+              </a:prstClr>
+            </a:outerShdw>
+          </a:effectLst>
+        </p:spPr>
+        <p:style>
+          <a:lnRef idx="2">
+            <a:schemeClr val="accent1">
+              <a:shade val="15000"/>
+            </a:schemeClr>
+          </a:lnRef>
+          <a:fillRef idx="1">
+            <a:schemeClr val="accent1"/>
+          </a:fillRef>
+          <a:effectRef idx="0">
+            <a:schemeClr val="accent1"/>
+          </a:effectRef>
+          <a:fontRef idx="minor">
+            <a:schemeClr val="lt1"/>
+          </a:fontRef>
+        </p:style>
+        <p:txBody>
+          <a:bodyPr rtlCol="0" anchor="ctr"/>
+          <a:lstStyle/>
+          <a:p>
+            <a:pPr algn="ctr"/>
+            <a:endParaRPr lang="ko-KR" altLang="en-US"/>
+          </a:p>
+        </p:txBody>
+      </p:sp>
+      <p:sp>
+        <p:nvSpPr>
+          <p:cNvPr id="5" name="TextBox 4">
+            <a:extLst>
+              <a:ext uri="{FF2B5EF4-FFF2-40B4-BE49-F238E27FC236}">
+                <a16:creationId xmlns:a16="http://schemas.microsoft.com/office/drawing/2014/main" id="{CC03FFE6-AA7E-0B76-6B2F-547A28FED96A}"/>
+              </a:ext>
+            </a:extLst>
+          </p:cNvPr>
+          <p:cNvSpPr txBox="1"/>
+          <p:nvPr/>
+        </p:nvSpPr>
+        <p:spPr>
+          <a:xfrm>
+            <a:off x="33832" y="1058417"/>
+            <a:ext cx="1039067" cy="276999"/>
+          </a:xfrm>
+          <a:prstGeom prst="rect">
+            <a:avLst/>
+          </a:prstGeom>
+          <a:noFill/>
+        </p:spPr>
+        <p:txBody>
+          <a:bodyPr wrap="none" rtlCol="0">
+            <a:spAutoFit/>
+          </a:bodyPr>
+          <a:lstStyle/>
+          <a:p>
+            <a:r>
+              <a:rPr lang="en-US" altLang="ko-KR" sz="1200" b="1" dirty="0">
+                <a:latin typeface="+mn-ea"/>
+              </a:rPr>
+              <a:t>1. </a:t>
+            </a:r>
+            <a:r>
+              <a:rPr lang="ko-KR" altLang="en-US" sz="1200" b="1" dirty="0">
+                <a:latin typeface="+mn-ea"/>
+              </a:rPr>
+              <a:t>무기 컨셉</a:t>
+            </a:r>
+            <a:endParaRPr lang="en-US" altLang="ko-KR" sz="1200" b="1" dirty="0">
+              <a:latin typeface="+mn-ea"/>
+            </a:endParaRPr>
+          </a:p>
+        </p:txBody>
+      </p:sp>
     </p:spTree>
     <p:extLst>
       <p:ext uri="{BB962C8B-B14F-4D97-AF65-F5344CB8AC3E}">
@@ -10402,6 +13822,1313 @@
 </file>
 
 <file path=ppt/slides/slide6.xml><?xml version="1.0" encoding="utf-8"?>
+<p:sld xmlns:a="http://schemas.openxmlformats.org/drawingml/2006/main" xmlns:r="http://schemas.openxmlformats.org/officeDocument/2006/relationships" xmlns:p="http://schemas.openxmlformats.org/presentationml/2006/main">
+  <p:cSld>
+    <p:spTree>
+      <p:nvGrpSpPr>
+        <p:cNvPr id="1" name=""/>
+        <p:cNvGrpSpPr/>
+        <p:nvPr/>
+      </p:nvGrpSpPr>
+      <p:grpSpPr>
+        <a:xfrm>
+          <a:off x="0" y="0"/>
+          <a:ext cx="0" cy="0"/>
+          <a:chOff x="0" y="0"/>
+          <a:chExt cx="0" cy="0"/>
+        </a:xfrm>
+      </p:grpSpPr>
+      <p:sp>
+        <p:nvSpPr>
+          <p:cNvPr id="16" name="TextBox 15">
+            <a:extLst>
+              <a:ext uri="{FF2B5EF4-FFF2-40B4-BE49-F238E27FC236}">
+                <a16:creationId xmlns:a16="http://schemas.microsoft.com/office/drawing/2014/main" id="{C39179F9-C670-49DD-9B63-20EFFDAAB0AF}"/>
+              </a:ext>
+            </a:extLst>
+          </p:cNvPr>
+          <p:cNvSpPr txBox="1">
+            <a:spLocks/>
+          </p:cNvSpPr>
+          <p:nvPr/>
+        </p:nvSpPr>
+        <p:spPr>
+          <a:xfrm>
+            <a:off x="2183943" y="251490"/>
+            <a:ext cx="965329" cy="307777"/>
+          </a:xfrm>
+          <a:prstGeom prst="rect">
+            <a:avLst/>
+          </a:prstGeom>
+          <a:noFill/>
+        </p:spPr>
+        <p:txBody>
+          <a:bodyPr wrap="none" rtlCol="0">
+            <a:spAutoFit/>
+          </a:bodyPr>
+          <a:lstStyle/>
+          <a:p>
+            <a:pPr algn="ctr"/>
+            <a:r>
+              <a:rPr lang="ko-KR" altLang="en-US" sz="1400" b="1" dirty="0">
+                <a:effectLst/>
+              </a:rPr>
+              <a:t>무기 소개</a:t>
+            </a:r>
+            <a:endParaRPr lang="en-US" altLang="ko-KR" sz="1400" b="1" dirty="0">
+              <a:effectLst/>
+            </a:endParaRPr>
+          </a:p>
+        </p:txBody>
+      </p:sp>
+      <p:sp>
+        <p:nvSpPr>
+          <p:cNvPr id="33" name="TextBox 32">
+            <a:extLst>
+              <a:ext uri="{FF2B5EF4-FFF2-40B4-BE49-F238E27FC236}">
+                <a16:creationId xmlns:a16="http://schemas.microsoft.com/office/drawing/2014/main" id="{F62F3E9B-C7E6-43EC-87B7-D383431B5912}"/>
+              </a:ext>
+            </a:extLst>
+          </p:cNvPr>
+          <p:cNvSpPr txBox="1">
+            <a:spLocks/>
+          </p:cNvSpPr>
+          <p:nvPr/>
+        </p:nvSpPr>
+        <p:spPr>
+          <a:xfrm>
+            <a:off x="10502114" y="353329"/>
+            <a:ext cx="1689886" cy="230832"/>
+          </a:xfrm>
+          <a:prstGeom prst="rect">
+            <a:avLst/>
+          </a:prstGeom>
+          <a:noFill/>
+        </p:spPr>
+        <p:txBody>
+          <a:bodyPr wrap="none" rtlCol="0">
+            <a:spAutoFit/>
+          </a:bodyPr>
+          <a:lstStyle/>
+          <a:p>
+            <a:pPr algn="r"/>
+            <a:r>
+              <a:rPr lang="ko-KR" altLang="en-US" sz="900" b="1" dirty="0" err="1">
+                <a:solidFill>
+                  <a:schemeClr val="bg1">
+                    <a:lumMod val="50000"/>
+                  </a:schemeClr>
+                </a:solidFill>
+                <a:effectLst/>
+              </a:rPr>
+              <a:t>리트루기아</a:t>
+            </a:r>
+            <a:r>
+              <a:rPr lang="ko-KR" altLang="en-US" sz="900" b="1" dirty="0">
+                <a:solidFill>
+                  <a:schemeClr val="bg1">
+                    <a:lumMod val="50000"/>
+                  </a:schemeClr>
+                </a:solidFill>
+                <a:effectLst/>
+              </a:rPr>
+              <a:t> 부채 스킬 기획서</a:t>
+            </a:r>
+            <a:endParaRPr lang="en-US" altLang="ko-KR" sz="900" b="1" dirty="0">
+              <a:solidFill>
+                <a:schemeClr val="bg1">
+                  <a:lumMod val="50000"/>
+                </a:schemeClr>
+              </a:solidFill>
+              <a:effectLst/>
+            </a:endParaRPr>
+          </a:p>
+        </p:txBody>
+      </p:sp>
+      <p:sp>
+        <p:nvSpPr>
+          <p:cNvPr id="17" name="자유형: 도형 16">
+            <a:extLst>
+              <a:ext uri="{FF2B5EF4-FFF2-40B4-BE49-F238E27FC236}">
+                <a16:creationId xmlns:a16="http://schemas.microsoft.com/office/drawing/2014/main" id="{8990E30F-D94B-416F-8775-D7EEC6FFC20B}"/>
+              </a:ext>
+            </a:extLst>
+          </p:cNvPr>
+          <p:cNvSpPr>
+            <a:spLocks/>
+          </p:cNvSpPr>
+          <p:nvPr/>
+        </p:nvSpPr>
+        <p:spPr>
+          <a:xfrm>
+            <a:off x="1830501" y="185202"/>
+            <a:ext cx="1674019" cy="409575"/>
+          </a:xfrm>
+          <a:custGeom>
+            <a:avLst/>
+            <a:gdLst>
+              <a:gd name="connsiteX0" fmla="*/ 0 w 1674019"/>
+              <a:gd name="connsiteY0" fmla="*/ 409575 h 409575"/>
+              <a:gd name="connsiteX1" fmla="*/ 69056 w 1674019"/>
+              <a:gd name="connsiteY1" fmla="*/ 409575 h 409575"/>
+              <a:gd name="connsiteX2" fmla="*/ 271463 w 1674019"/>
+              <a:gd name="connsiteY2" fmla="*/ 0 h 409575"/>
+              <a:gd name="connsiteX3" fmla="*/ 1674019 w 1674019"/>
+              <a:gd name="connsiteY3" fmla="*/ 0 h 409575"/>
+              <a:gd name="connsiteX4" fmla="*/ 1469231 w 1674019"/>
+              <a:gd name="connsiteY4" fmla="*/ 409575 h 409575"/>
+              <a:gd name="connsiteX5" fmla="*/ 1543050 w 1674019"/>
+              <a:gd name="connsiteY5" fmla="*/ 409575 h 409575"/>
+            </a:gdLst>
+            <a:ahLst/>
+            <a:cxnLst>
+              <a:cxn ang="0">
+                <a:pos x="connsiteX0" y="connsiteY0"/>
+              </a:cxn>
+              <a:cxn ang="0">
+                <a:pos x="connsiteX1" y="connsiteY1"/>
+              </a:cxn>
+              <a:cxn ang="0">
+                <a:pos x="connsiteX2" y="connsiteY2"/>
+              </a:cxn>
+              <a:cxn ang="0">
+                <a:pos x="connsiteX3" y="connsiteY3"/>
+              </a:cxn>
+              <a:cxn ang="0">
+                <a:pos x="connsiteX4" y="connsiteY4"/>
+              </a:cxn>
+              <a:cxn ang="0">
+                <a:pos x="connsiteX5" y="connsiteY5"/>
+              </a:cxn>
+            </a:cxnLst>
+            <a:rect l="l" t="t" r="r" b="b"/>
+            <a:pathLst>
+              <a:path w="1674019" h="409575">
+                <a:moveTo>
+                  <a:pt x="0" y="409575"/>
+                </a:moveTo>
+                <a:lnTo>
+                  <a:pt x="69056" y="409575"/>
+                </a:lnTo>
+                <a:lnTo>
+                  <a:pt x="271463" y="0"/>
+                </a:lnTo>
+                <a:lnTo>
+                  <a:pt x="1674019" y="0"/>
+                </a:lnTo>
+                <a:lnTo>
+                  <a:pt x="1469231" y="409575"/>
+                </a:lnTo>
+                <a:lnTo>
+                  <a:pt x="1543050" y="409575"/>
+                </a:lnTo>
+              </a:path>
+            </a:pathLst>
+          </a:custGeom>
+          <a:noFill/>
+          <a:ln w="28575">
+            <a:solidFill>
+              <a:schemeClr val="accent4">
+                <a:lumMod val="75000"/>
+              </a:schemeClr>
+            </a:solidFill>
+          </a:ln>
+        </p:spPr>
+        <p:style>
+          <a:lnRef idx="2">
+            <a:schemeClr val="accent1">
+              <a:shade val="50000"/>
+            </a:schemeClr>
+          </a:lnRef>
+          <a:fillRef idx="1">
+            <a:schemeClr val="accent1"/>
+          </a:fillRef>
+          <a:effectRef idx="0">
+            <a:schemeClr val="accent1"/>
+          </a:effectRef>
+          <a:fontRef idx="minor">
+            <a:schemeClr val="lt1"/>
+          </a:fontRef>
+        </p:style>
+        <p:txBody>
+          <a:bodyPr rtlCol="0" anchor="ctr"/>
+          <a:lstStyle/>
+          <a:p>
+            <a:pPr algn="ctr"/>
+            <a:endParaRPr lang="ko-KR" altLang="en-US"/>
+          </a:p>
+        </p:txBody>
+      </p:sp>
+      <p:grpSp>
+        <p:nvGrpSpPr>
+          <p:cNvPr id="18" name="그룹 17">
+            <a:extLst>
+              <a:ext uri="{FF2B5EF4-FFF2-40B4-BE49-F238E27FC236}">
+                <a16:creationId xmlns:a16="http://schemas.microsoft.com/office/drawing/2014/main" id="{F2A8965C-7A09-4C80-B841-C27F87EFD02E}"/>
+              </a:ext>
+            </a:extLst>
+          </p:cNvPr>
+          <p:cNvGrpSpPr>
+            <a:grpSpLocks/>
+          </p:cNvGrpSpPr>
+          <p:nvPr/>
+        </p:nvGrpSpPr>
+        <p:grpSpPr>
+          <a:xfrm>
+            <a:off x="3506012" y="181080"/>
+            <a:ext cx="1600200" cy="403080"/>
+            <a:chOff x="4391025" y="108202"/>
+            <a:chExt cx="1600200" cy="524755"/>
+          </a:xfrm>
+          <a:solidFill>
+            <a:schemeClr val="bg1">
+              <a:lumMod val="95000"/>
+            </a:schemeClr>
+          </a:solidFill>
+        </p:grpSpPr>
+        <p:sp>
+          <p:nvSpPr>
+            <p:cNvPr id="28" name="평행 사변형 27">
+              <a:extLst>
+                <a:ext uri="{FF2B5EF4-FFF2-40B4-BE49-F238E27FC236}">
+                  <a16:creationId xmlns:a16="http://schemas.microsoft.com/office/drawing/2014/main" id="{AE9C57D5-1110-4CE4-8882-9328422602C9}"/>
+                </a:ext>
+              </a:extLst>
+            </p:cNvPr>
+            <p:cNvSpPr>
+              <a:spLocks/>
+            </p:cNvSpPr>
+            <p:nvPr/>
+          </p:nvSpPr>
+          <p:spPr>
+            <a:xfrm>
+              <a:off x="4391025" y="108202"/>
+              <a:ext cx="1600200" cy="524755"/>
+            </a:xfrm>
+            <a:prstGeom prst="parallelogram">
+              <a:avLst>
+                <a:gd name="adj" fmla="val 49299"/>
+              </a:avLst>
+            </a:prstGeom>
+            <a:grpFill/>
+            <a:ln>
+              <a:noFill/>
+            </a:ln>
+          </p:spPr>
+          <p:style>
+            <a:lnRef idx="2">
+              <a:schemeClr val="accent1">
+                <a:shade val="50000"/>
+              </a:schemeClr>
+            </a:lnRef>
+            <a:fillRef idx="1">
+              <a:schemeClr val="accent1"/>
+            </a:fillRef>
+            <a:effectRef idx="0">
+              <a:schemeClr val="accent1"/>
+            </a:effectRef>
+            <a:fontRef idx="minor">
+              <a:schemeClr val="lt1"/>
+            </a:fontRef>
+          </p:style>
+          <p:txBody>
+            <a:bodyPr rtlCol="0" anchor="ctr"/>
+            <a:lstStyle/>
+            <a:p>
+              <a:pPr algn="ctr"/>
+              <a:endParaRPr lang="ko-KR" altLang="en-US" sz="1000">
+                <a:solidFill>
+                  <a:schemeClr val="bg1">
+                    <a:lumMod val="50000"/>
+                  </a:schemeClr>
+                </a:solidFill>
+              </a:endParaRPr>
+            </a:p>
+          </p:txBody>
+        </p:sp>
+        <p:sp>
+          <p:nvSpPr>
+            <p:cNvPr id="29" name="TextBox 28">
+              <a:extLst>
+                <a:ext uri="{FF2B5EF4-FFF2-40B4-BE49-F238E27FC236}">
+                  <a16:creationId xmlns:a16="http://schemas.microsoft.com/office/drawing/2014/main" id="{87A86603-4753-4FBE-A8C7-8B2A2DE45839}"/>
+                </a:ext>
+              </a:extLst>
+            </p:cNvPr>
+            <p:cNvSpPr txBox="1">
+              <a:spLocks/>
+            </p:cNvSpPr>
+            <p:nvPr/>
+          </p:nvSpPr>
+          <p:spPr>
+            <a:xfrm>
+              <a:off x="4791817" y="200289"/>
+              <a:ext cx="742511" cy="320546"/>
+            </a:xfrm>
+            <a:prstGeom prst="rect">
+              <a:avLst/>
+            </a:prstGeom>
+            <a:grpFill/>
+          </p:spPr>
+          <p:txBody>
+            <a:bodyPr wrap="none" rtlCol="0">
+              <a:spAutoFit/>
+            </a:bodyPr>
+            <a:lstStyle/>
+            <a:p>
+              <a:r>
+                <a:rPr lang="ko-KR" altLang="en-US" sz="1000" b="1" dirty="0">
+                  <a:solidFill>
+                    <a:schemeClr val="bg1">
+                      <a:lumMod val="50000"/>
+                    </a:schemeClr>
+                  </a:solidFill>
+                  <a:effectLst/>
+                </a:rPr>
+                <a:t>기본 모션</a:t>
+              </a:r>
+              <a:endParaRPr lang="en-US" altLang="ko-KR" sz="1000" b="1" dirty="0">
+                <a:solidFill>
+                  <a:schemeClr val="bg1">
+                    <a:lumMod val="50000"/>
+                  </a:schemeClr>
+                </a:solidFill>
+                <a:effectLst/>
+              </a:endParaRPr>
+            </a:p>
+          </p:txBody>
+        </p:sp>
+      </p:grpSp>
+      <p:grpSp>
+        <p:nvGrpSpPr>
+          <p:cNvPr id="30" name="그룹 29">
+            <a:extLst>
+              <a:ext uri="{FF2B5EF4-FFF2-40B4-BE49-F238E27FC236}">
+                <a16:creationId xmlns:a16="http://schemas.microsoft.com/office/drawing/2014/main" id="{16175AC9-E352-4D51-9964-F341A95EA371}"/>
+              </a:ext>
+            </a:extLst>
+          </p:cNvPr>
+          <p:cNvGrpSpPr>
+            <a:grpSpLocks/>
+          </p:cNvGrpSpPr>
+          <p:nvPr/>
+        </p:nvGrpSpPr>
+        <p:grpSpPr>
+          <a:xfrm>
+            <a:off x="5104149" y="181080"/>
+            <a:ext cx="1600200" cy="403080"/>
+            <a:chOff x="4391025" y="108202"/>
+            <a:chExt cx="1600200" cy="524755"/>
+          </a:xfrm>
+          <a:solidFill>
+            <a:schemeClr val="bg1">
+              <a:lumMod val="95000"/>
+            </a:schemeClr>
+          </a:solidFill>
+        </p:grpSpPr>
+        <p:sp>
+          <p:nvSpPr>
+            <p:cNvPr id="31" name="평행 사변형 30">
+              <a:extLst>
+                <a:ext uri="{FF2B5EF4-FFF2-40B4-BE49-F238E27FC236}">
+                  <a16:creationId xmlns:a16="http://schemas.microsoft.com/office/drawing/2014/main" id="{463AFC40-7263-479E-95C3-2BB8B21A1A53}"/>
+                </a:ext>
+              </a:extLst>
+            </p:cNvPr>
+            <p:cNvSpPr>
+              <a:spLocks/>
+            </p:cNvSpPr>
+            <p:nvPr/>
+          </p:nvSpPr>
+          <p:spPr>
+            <a:xfrm>
+              <a:off x="4391025" y="108202"/>
+              <a:ext cx="1600200" cy="524755"/>
+            </a:xfrm>
+            <a:prstGeom prst="parallelogram">
+              <a:avLst>
+                <a:gd name="adj" fmla="val 49299"/>
+              </a:avLst>
+            </a:prstGeom>
+            <a:grpFill/>
+            <a:ln>
+              <a:noFill/>
+            </a:ln>
+          </p:spPr>
+          <p:style>
+            <a:lnRef idx="2">
+              <a:schemeClr val="accent1">
+                <a:shade val="50000"/>
+              </a:schemeClr>
+            </a:lnRef>
+            <a:fillRef idx="1">
+              <a:schemeClr val="accent1"/>
+            </a:fillRef>
+            <a:effectRef idx="0">
+              <a:schemeClr val="accent1"/>
+            </a:effectRef>
+            <a:fontRef idx="minor">
+              <a:schemeClr val="lt1"/>
+            </a:fontRef>
+          </p:style>
+          <p:txBody>
+            <a:bodyPr rtlCol="0" anchor="ctr"/>
+            <a:lstStyle/>
+            <a:p>
+              <a:pPr algn="ctr"/>
+              <a:endParaRPr lang="ko-KR" altLang="en-US" sz="1000" dirty="0">
+                <a:solidFill>
+                  <a:schemeClr val="bg1">
+                    <a:lumMod val="50000"/>
+                  </a:schemeClr>
+                </a:solidFill>
+              </a:endParaRPr>
+            </a:p>
+          </p:txBody>
+        </p:sp>
+        <p:sp>
+          <p:nvSpPr>
+            <p:cNvPr id="32" name="TextBox 31">
+              <a:extLst>
+                <a:ext uri="{FF2B5EF4-FFF2-40B4-BE49-F238E27FC236}">
+                  <a16:creationId xmlns:a16="http://schemas.microsoft.com/office/drawing/2014/main" id="{CE2170C7-5C6E-4584-AF47-F1CCF25EFF68}"/>
+                </a:ext>
+              </a:extLst>
+            </p:cNvPr>
+            <p:cNvSpPr txBox="1">
+              <a:spLocks/>
+            </p:cNvSpPr>
+            <p:nvPr/>
+          </p:nvSpPr>
+          <p:spPr>
+            <a:xfrm>
+              <a:off x="4957728" y="200289"/>
+              <a:ext cx="441146" cy="320546"/>
+            </a:xfrm>
+            <a:prstGeom prst="rect">
+              <a:avLst/>
+            </a:prstGeom>
+            <a:grpFill/>
+          </p:spPr>
+          <p:txBody>
+            <a:bodyPr wrap="none" rtlCol="0">
+              <a:spAutoFit/>
+            </a:bodyPr>
+            <a:lstStyle/>
+            <a:p>
+              <a:r>
+                <a:rPr lang="ko-KR" altLang="en-US" sz="1000" b="1" dirty="0">
+                  <a:solidFill>
+                    <a:schemeClr val="bg1">
+                      <a:lumMod val="50000"/>
+                    </a:schemeClr>
+                  </a:solidFill>
+                  <a:effectLst/>
+                </a:rPr>
+                <a:t>스킬</a:t>
+              </a:r>
+              <a:endParaRPr lang="en-US" altLang="ko-KR" sz="1000" b="1" dirty="0">
+                <a:solidFill>
+                  <a:schemeClr val="bg1">
+                    <a:lumMod val="50000"/>
+                  </a:schemeClr>
+                </a:solidFill>
+                <a:effectLst/>
+              </a:endParaRPr>
+            </a:p>
+          </p:txBody>
+        </p:sp>
+      </p:grpSp>
+      <p:grpSp>
+        <p:nvGrpSpPr>
+          <p:cNvPr id="34" name="그룹 33">
+            <a:extLst>
+              <a:ext uri="{FF2B5EF4-FFF2-40B4-BE49-F238E27FC236}">
+                <a16:creationId xmlns:a16="http://schemas.microsoft.com/office/drawing/2014/main" id="{34D455AA-57B7-4B7C-806E-13AC02EB2AC3}"/>
+              </a:ext>
+            </a:extLst>
+          </p:cNvPr>
+          <p:cNvGrpSpPr>
+            <a:grpSpLocks/>
+          </p:cNvGrpSpPr>
+          <p:nvPr/>
+        </p:nvGrpSpPr>
+        <p:grpSpPr>
+          <a:xfrm>
+            <a:off x="309738" y="181080"/>
+            <a:ext cx="1600200" cy="403081"/>
+            <a:chOff x="4391025" y="108202"/>
+            <a:chExt cx="1600200" cy="524755"/>
+          </a:xfrm>
+          <a:solidFill>
+            <a:schemeClr val="bg1">
+              <a:lumMod val="95000"/>
+            </a:schemeClr>
+          </a:solidFill>
+        </p:grpSpPr>
+        <p:sp>
+          <p:nvSpPr>
+            <p:cNvPr id="35" name="평행 사변형 34">
+              <a:extLst>
+                <a:ext uri="{FF2B5EF4-FFF2-40B4-BE49-F238E27FC236}">
+                  <a16:creationId xmlns:a16="http://schemas.microsoft.com/office/drawing/2014/main" id="{D37558E0-E3A6-4749-8D0C-A9142AAA7220}"/>
+                </a:ext>
+              </a:extLst>
+            </p:cNvPr>
+            <p:cNvSpPr>
+              <a:spLocks/>
+            </p:cNvSpPr>
+            <p:nvPr/>
+          </p:nvSpPr>
+          <p:spPr>
+            <a:xfrm>
+              <a:off x="4391025" y="108202"/>
+              <a:ext cx="1600200" cy="524755"/>
+            </a:xfrm>
+            <a:prstGeom prst="parallelogram">
+              <a:avLst>
+                <a:gd name="adj" fmla="val 49299"/>
+              </a:avLst>
+            </a:prstGeom>
+            <a:grpFill/>
+            <a:ln>
+              <a:noFill/>
+            </a:ln>
+          </p:spPr>
+          <p:style>
+            <a:lnRef idx="2">
+              <a:schemeClr val="accent1">
+                <a:shade val="50000"/>
+              </a:schemeClr>
+            </a:lnRef>
+            <a:fillRef idx="1">
+              <a:schemeClr val="accent1"/>
+            </a:fillRef>
+            <a:effectRef idx="0">
+              <a:schemeClr val="accent1"/>
+            </a:effectRef>
+            <a:fontRef idx="minor">
+              <a:schemeClr val="lt1"/>
+            </a:fontRef>
+          </p:style>
+          <p:txBody>
+            <a:bodyPr rtlCol="0" anchor="ctr"/>
+            <a:lstStyle/>
+            <a:p>
+              <a:pPr algn="ctr"/>
+              <a:endParaRPr lang="ko-KR" altLang="en-US" sz="1000">
+                <a:solidFill>
+                  <a:schemeClr val="bg1">
+                    <a:lumMod val="50000"/>
+                  </a:schemeClr>
+                </a:solidFill>
+              </a:endParaRPr>
+            </a:p>
+          </p:txBody>
+        </p:sp>
+        <p:sp>
+          <p:nvSpPr>
+            <p:cNvPr id="36" name="TextBox 35">
+              <a:extLst>
+                <a:ext uri="{FF2B5EF4-FFF2-40B4-BE49-F238E27FC236}">
+                  <a16:creationId xmlns:a16="http://schemas.microsoft.com/office/drawing/2014/main" id="{8791B6D8-461C-40B8-8801-A7114EDD072C}"/>
+                </a:ext>
+              </a:extLst>
+            </p:cNvPr>
+            <p:cNvSpPr txBox="1">
+              <a:spLocks/>
+            </p:cNvSpPr>
+            <p:nvPr/>
+          </p:nvSpPr>
+          <p:spPr>
+            <a:xfrm>
+              <a:off x="4791817" y="200289"/>
+              <a:ext cx="742511" cy="320545"/>
+            </a:xfrm>
+            <a:prstGeom prst="rect">
+              <a:avLst/>
+            </a:prstGeom>
+            <a:grpFill/>
+          </p:spPr>
+          <p:txBody>
+            <a:bodyPr wrap="none" rtlCol="0">
+              <a:spAutoFit/>
+            </a:bodyPr>
+            <a:lstStyle/>
+            <a:p>
+              <a:r>
+                <a:rPr lang="ko-KR" altLang="en-US" sz="1000" b="1" dirty="0">
+                  <a:solidFill>
+                    <a:schemeClr val="bg1">
+                      <a:lumMod val="50000"/>
+                    </a:schemeClr>
+                  </a:solidFill>
+                </a:rPr>
+                <a:t>기획 의도</a:t>
+              </a:r>
+              <a:endParaRPr lang="en-US" altLang="ko-KR" sz="1000" b="1" dirty="0">
+                <a:solidFill>
+                  <a:schemeClr val="bg1">
+                    <a:lumMod val="50000"/>
+                  </a:schemeClr>
+                </a:solidFill>
+                <a:effectLst/>
+              </a:endParaRPr>
+            </a:p>
+          </p:txBody>
+        </p:sp>
+      </p:grpSp>
+      <p:cxnSp>
+        <p:nvCxnSpPr>
+          <p:cNvPr id="37" name="직선 연결선 36">
+            <a:extLst>
+              <a:ext uri="{FF2B5EF4-FFF2-40B4-BE49-F238E27FC236}">
+                <a16:creationId xmlns:a16="http://schemas.microsoft.com/office/drawing/2014/main" id="{FD1F631D-38BE-4D28-B764-73856FE1FD13}"/>
+              </a:ext>
+            </a:extLst>
+          </p:cNvPr>
+          <p:cNvCxnSpPr>
+            <a:cxnSpLocks/>
+            <a:stCxn id="17" idx="1"/>
+          </p:cNvCxnSpPr>
+          <p:nvPr/>
+        </p:nvCxnSpPr>
+        <p:spPr>
+          <a:xfrm flipH="1">
+            <a:off x="1" y="594777"/>
+            <a:ext cx="1899556" cy="0"/>
+          </a:xfrm>
+          <a:prstGeom prst="line">
+            <a:avLst/>
+          </a:prstGeom>
+          <a:ln w="28575">
+            <a:solidFill>
+              <a:schemeClr val="accent4">
+                <a:lumMod val="75000"/>
+              </a:schemeClr>
+            </a:solidFill>
+          </a:ln>
+        </p:spPr>
+        <p:style>
+          <a:lnRef idx="2">
+            <a:schemeClr val="accent1"/>
+          </a:lnRef>
+          <a:fillRef idx="0">
+            <a:schemeClr val="accent1"/>
+          </a:fillRef>
+          <a:effectRef idx="1">
+            <a:schemeClr val="accent1"/>
+          </a:effectRef>
+          <a:fontRef idx="minor">
+            <a:schemeClr val="tx1"/>
+          </a:fontRef>
+        </p:style>
+      </p:cxnSp>
+      <p:cxnSp>
+        <p:nvCxnSpPr>
+          <p:cNvPr id="38" name="직선 연결선 37">
+            <a:extLst>
+              <a:ext uri="{FF2B5EF4-FFF2-40B4-BE49-F238E27FC236}">
+                <a16:creationId xmlns:a16="http://schemas.microsoft.com/office/drawing/2014/main" id="{BCDE5DF0-6259-40AE-A730-230714AFAE19}"/>
+              </a:ext>
+            </a:extLst>
+          </p:cNvPr>
+          <p:cNvCxnSpPr>
+            <a:cxnSpLocks/>
+            <a:endCxn id="17" idx="4"/>
+          </p:cNvCxnSpPr>
+          <p:nvPr/>
+        </p:nvCxnSpPr>
+        <p:spPr>
+          <a:xfrm flipH="1">
+            <a:off x="3299732" y="594777"/>
+            <a:ext cx="8892268" cy="0"/>
+          </a:xfrm>
+          <a:prstGeom prst="line">
+            <a:avLst/>
+          </a:prstGeom>
+          <a:ln w="28575">
+            <a:solidFill>
+              <a:schemeClr val="accent4">
+                <a:lumMod val="75000"/>
+              </a:schemeClr>
+            </a:solidFill>
+          </a:ln>
+        </p:spPr>
+        <p:style>
+          <a:lnRef idx="2">
+            <a:schemeClr val="accent1"/>
+          </a:lnRef>
+          <a:fillRef idx="0">
+            <a:schemeClr val="accent1"/>
+          </a:fillRef>
+          <a:effectRef idx="1">
+            <a:schemeClr val="accent1"/>
+          </a:effectRef>
+          <a:fontRef idx="minor">
+            <a:schemeClr val="tx1"/>
+          </a:fontRef>
+        </p:style>
+      </p:cxnSp>
+      <p:grpSp>
+        <p:nvGrpSpPr>
+          <p:cNvPr id="6" name="그룹 5">
+            <a:extLst>
+              <a:ext uri="{FF2B5EF4-FFF2-40B4-BE49-F238E27FC236}">
+                <a16:creationId xmlns:a16="http://schemas.microsoft.com/office/drawing/2014/main" id="{D968A73D-F628-6218-3B16-AAAC03BED8E8}"/>
+              </a:ext>
+            </a:extLst>
+          </p:cNvPr>
+          <p:cNvGrpSpPr>
+            <a:grpSpLocks/>
+          </p:cNvGrpSpPr>
+          <p:nvPr/>
+        </p:nvGrpSpPr>
+        <p:grpSpPr>
+          <a:xfrm>
+            <a:off x="11805028" y="78962"/>
+            <a:ext cx="307840" cy="263869"/>
+            <a:chOff x="1302299" y="2529509"/>
+            <a:chExt cx="800080" cy="685799"/>
+          </a:xfrm>
+          <a:solidFill>
+            <a:schemeClr val="accent4">
+              <a:lumMod val="50000"/>
+            </a:schemeClr>
+          </a:solidFill>
+        </p:grpSpPr>
+        <p:sp>
+          <p:nvSpPr>
+            <p:cNvPr id="7" name="자유형: 도형 6">
+              <a:extLst>
+                <a:ext uri="{FF2B5EF4-FFF2-40B4-BE49-F238E27FC236}">
+                  <a16:creationId xmlns:a16="http://schemas.microsoft.com/office/drawing/2014/main" id="{76D38AD3-54E2-0829-E7E3-6079D930A1B5}"/>
+                </a:ext>
+              </a:extLst>
+            </p:cNvPr>
+            <p:cNvSpPr>
+              <a:spLocks/>
+            </p:cNvSpPr>
+            <p:nvPr/>
+          </p:nvSpPr>
+          <p:spPr>
+            <a:xfrm>
+              <a:off x="1302299" y="2529509"/>
+              <a:ext cx="800080" cy="417509"/>
+            </a:xfrm>
+            <a:custGeom>
+              <a:avLst/>
+              <a:gdLst>
+                <a:gd name="connsiteX0" fmla="*/ 400031 w 800080"/>
+                <a:gd name="connsiteY0" fmla="*/ 78581 h 417509"/>
+                <a:gd name="connsiteX1" fmla="*/ 400050 w 800080"/>
+                <a:gd name="connsiteY1" fmla="*/ 78581 h 417509"/>
+                <a:gd name="connsiteX2" fmla="*/ 756837 w 800080"/>
+                <a:gd name="connsiteY2" fmla="*/ 417509 h 417509"/>
+                <a:gd name="connsiteX3" fmla="*/ 800081 w 800080"/>
+                <a:gd name="connsiteY3" fmla="*/ 380552 h 417509"/>
+                <a:gd name="connsiteX4" fmla="*/ 400050 w 800080"/>
+                <a:gd name="connsiteY4" fmla="*/ 0 h 417509"/>
+                <a:gd name="connsiteX5" fmla="*/ 400031 w 800080"/>
+                <a:gd name="connsiteY5" fmla="*/ 0 h 417509"/>
+                <a:gd name="connsiteX6" fmla="*/ 0 w 800080"/>
+                <a:gd name="connsiteY6" fmla="*/ 380552 h 417509"/>
+                <a:gd name="connsiteX7" fmla="*/ 43244 w 800080"/>
+                <a:gd name="connsiteY7" fmla="*/ 417509 h 417509"/>
+                <a:gd name="connsiteX8" fmla="*/ 400031 w 800080"/>
+                <a:gd name="connsiteY8" fmla="*/ 78581 h 417509"/>
+              </a:gdLst>
+              <a:ahLst/>
+              <a:cxnLst>
+                <a:cxn ang="0">
+                  <a:pos x="connsiteX0" y="connsiteY0"/>
+                </a:cxn>
+                <a:cxn ang="0">
+                  <a:pos x="connsiteX1" y="connsiteY1"/>
+                </a:cxn>
+                <a:cxn ang="0">
+                  <a:pos x="connsiteX2" y="connsiteY2"/>
+                </a:cxn>
+                <a:cxn ang="0">
+                  <a:pos x="connsiteX3" y="connsiteY3"/>
+                </a:cxn>
+                <a:cxn ang="0">
+                  <a:pos x="connsiteX4" y="connsiteY4"/>
+                </a:cxn>
+                <a:cxn ang="0">
+                  <a:pos x="connsiteX5" y="connsiteY5"/>
+                </a:cxn>
+                <a:cxn ang="0">
+                  <a:pos x="connsiteX6" y="connsiteY6"/>
+                </a:cxn>
+                <a:cxn ang="0">
+                  <a:pos x="connsiteX7" y="connsiteY7"/>
+                </a:cxn>
+                <a:cxn ang="0">
+                  <a:pos x="connsiteX8" y="connsiteY8"/>
+                </a:cxn>
+              </a:cxnLst>
+              <a:rect l="l" t="t" r="r" b="b"/>
+              <a:pathLst>
+                <a:path w="800080" h="417509">
+                  <a:moveTo>
+                    <a:pt x="400031" y="78581"/>
+                  </a:moveTo>
+                  <a:lnTo>
+                    <a:pt x="400050" y="78581"/>
+                  </a:lnTo>
+                  <a:lnTo>
+                    <a:pt x="756837" y="417509"/>
+                  </a:lnTo>
+                  <a:lnTo>
+                    <a:pt x="800081" y="380552"/>
+                  </a:lnTo>
+                  <a:lnTo>
+                    <a:pt x="400050" y="0"/>
+                  </a:lnTo>
+                  <a:lnTo>
+                    <a:pt x="400031" y="0"/>
+                  </a:lnTo>
+                  <a:lnTo>
+                    <a:pt x="0" y="380552"/>
+                  </a:lnTo>
+                  <a:lnTo>
+                    <a:pt x="43244" y="417509"/>
+                  </a:lnTo>
+                  <a:lnTo>
+                    <a:pt x="400031" y="78581"/>
+                  </a:lnTo>
+                  <a:close/>
+                </a:path>
+              </a:pathLst>
+            </a:custGeom>
+            <a:grpFill/>
+            <a:ln w="9525" cap="flat">
+              <a:noFill/>
+              <a:prstDash val="solid"/>
+              <a:miter/>
+            </a:ln>
+          </p:spPr>
+          <p:txBody>
+            <a:bodyPr rtlCol="0" anchor="ctr"/>
+            <a:lstStyle/>
+            <a:p>
+              <a:endParaRPr lang="ko-KR" altLang="en-US"/>
+            </a:p>
+          </p:txBody>
+        </p:sp>
+        <p:sp>
+          <p:nvSpPr>
+            <p:cNvPr id="8" name="자유형: 도형 7">
+              <a:extLst>
+                <a:ext uri="{FF2B5EF4-FFF2-40B4-BE49-F238E27FC236}">
+                  <a16:creationId xmlns:a16="http://schemas.microsoft.com/office/drawing/2014/main" id="{A4496306-3D32-4C0E-EBED-DFE136D5B986}"/>
+                </a:ext>
+              </a:extLst>
+            </p:cNvPr>
+            <p:cNvSpPr>
+              <a:spLocks/>
+            </p:cNvSpPr>
+            <p:nvPr/>
+          </p:nvSpPr>
+          <p:spPr>
+            <a:xfrm>
+              <a:off x="1416580" y="2660630"/>
+              <a:ext cx="571499" cy="554678"/>
+            </a:xfrm>
+            <a:custGeom>
+              <a:avLst/>
+              <a:gdLst>
+                <a:gd name="connsiteX0" fmla="*/ 0 w 571499"/>
+                <a:gd name="connsiteY0" fmla="*/ 271453 h 554678"/>
+                <a:gd name="connsiteX1" fmla="*/ 0 w 571499"/>
+                <a:gd name="connsiteY1" fmla="*/ 554679 h 554678"/>
+                <a:gd name="connsiteX2" fmla="*/ 228600 w 571499"/>
+                <a:gd name="connsiteY2" fmla="*/ 554679 h 554678"/>
+                <a:gd name="connsiteX3" fmla="*/ 228600 w 571499"/>
+                <a:gd name="connsiteY3" fmla="*/ 316554 h 554678"/>
+                <a:gd name="connsiteX4" fmla="*/ 342900 w 571499"/>
+                <a:gd name="connsiteY4" fmla="*/ 316554 h 554678"/>
+                <a:gd name="connsiteX5" fmla="*/ 342900 w 571499"/>
+                <a:gd name="connsiteY5" fmla="*/ 554679 h 554678"/>
+                <a:gd name="connsiteX6" fmla="*/ 571500 w 571499"/>
+                <a:gd name="connsiteY6" fmla="*/ 554679 h 554678"/>
+                <a:gd name="connsiteX7" fmla="*/ 571500 w 571499"/>
+                <a:gd name="connsiteY7" fmla="*/ 271443 h 554678"/>
+                <a:gd name="connsiteX8" fmla="*/ 285760 w 571499"/>
+                <a:gd name="connsiteY8" fmla="*/ 0 h 554678"/>
+                <a:gd name="connsiteX9" fmla="*/ 0 w 571499"/>
+                <a:gd name="connsiteY9" fmla="*/ 271453 h 554678"/>
+              </a:gdLst>
+              <a:ahLst/>
+              <a:cxnLst>
+                <a:cxn ang="0">
+                  <a:pos x="connsiteX0" y="connsiteY0"/>
+                </a:cxn>
+                <a:cxn ang="0">
+                  <a:pos x="connsiteX1" y="connsiteY1"/>
+                </a:cxn>
+                <a:cxn ang="0">
+                  <a:pos x="connsiteX2" y="connsiteY2"/>
+                </a:cxn>
+                <a:cxn ang="0">
+                  <a:pos x="connsiteX3" y="connsiteY3"/>
+                </a:cxn>
+                <a:cxn ang="0">
+                  <a:pos x="connsiteX4" y="connsiteY4"/>
+                </a:cxn>
+                <a:cxn ang="0">
+                  <a:pos x="connsiteX5" y="connsiteY5"/>
+                </a:cxn>
+                <a:cxn ang="0">
+                  <a:pos x="connsiteX6" y="connsiteY6"/>
+                </a:cxn>
+                <a:cxn ang="0">
+                  <a:pos x="connsiteX7" y="connsiteY7"/>
+                </a:cxn>
+                <a:cxn ang="0">
+                  <a:pos x="connsiteX8" y="connsiteY8"/>
+                </a:cxn>
+                <a:cxn ang="0">
+                  <a:pos x="connsiteX9" y="connsiteY9"/>
+                </a:cxn>
+              </a:cxnLst>
+              <a:rect l="l" t="t" r="r" b="b"/>
+              <a:pathLst>
+                <a:path w="571499" h="554678">
+                  <a:moveTo>
+                    <a:pt x="0" y="271453"/>
+                  </a:moveTo>
+                  <a:lnTo>
+                    <a:pt x="0" y="554679"/>
+                  </a:lnTo>
+                  <a:lnTo>
+                    <a:pt x="228600" y="554679"/>
+                  </a:lnTo>
+                  <a:lnTo>
+                    <a:pt x="228600" y="316554"/>
+                  </a:lnTo>
+                  <a:lnTo>
+                    <a:pt x="342900" y="316554"/>
+                  </a:lnTo>
+                  <a:lnTo>
+                    <a:pt x="342900" y="554679"/>
+                  </a:lnTo>
+                  <a:lnTo>
+                    <a:pt x="571500" y="554679"/>
+                  </a:lnTo>
+                  <a:lnTo>
+                    <a:pt x="571500" y="271443"/>
+                  </a:lnTo>
+                  <a:lnTo>
+                    <a:pt x="285760" y="0"/>
+                  </a:lnTo>
+                  <a:lnTo>
+                    <a:pt x="0" y="271453"/>
+                  </a:lnTo>
+                  <a:close/>
+                </a:path>
+              </a:pathLst>
+            </a:custGeom>
+            <a:grpFill/>
+            <a:ln w="9525" cap="flat">
+              <a:noFill/>
+              <a:prstDash val="solid"/>
+              <a:miter/>
+            </a:ln>
+          </p:spPr>
+          <p:txBody>
+            <a:bodyPr rtlCol="0" anchor="ctr"/>
+            <a:lstStyle/>
+            <a:p>
+              <a:endParaRPr lang="ko-KR" altLang="en-US"/>
+            </a:p>
+          </p:txBody>
+        </p:sp>
+      </p:grpSp>
+      <p:sp>
+        <p:nvSpPr>
+          <p:cNvPr id="10" name="TextBox 9">
+            <a:extLst>
+              <a:ext uri="{FF2B5EF4-FFF2-40B4-BE49-F238E27FC236}">
+                <a16:creationId xmlns:a16="http://schemas.microsoft.com/office/drawing/2014/main" id="{435A165C-2503-EBD6-28DB-8C6694BB3518}"/>
+              </a:ext>
+            </a:extLst>
+          </p:cNvPr>
+          <p:cNvSpPr txBox="1"/>
+          <p:nvPr/>
+        </p:nvSpPr>
+        <p:spPr>
+          <a:xfrm>
+            <a:off x="1736114" y="1089195"/>
+            <a:ext cx="1284326" cy="246221"/>
+          </a:xfrm>
+          <a:prstGeom prst="rect">
+            <a:avLst/>
+          </a:prstGeom>
+          <a:noFill/>
+        </p:spPr>
+        <p:txBody>
+          <a:bodyPr wrap="none" rtlCol="0">
+            <a:spAutoFit/>
+          </a:bodyPr>
+          <a:lstStyle/>
+          <a:p>
+            <a:r>
+              <a:rPr lang="ko-KR" altLang="en-US" sz="1000" dirty="0">
+                <a:latin typeface="+mn-ea"/>
+              </a:rPr>
+              <a:t>번개를 유도합니다</a:t>
+            </a:r>
+            <a:r>
+              <a:rPr lang="en-US" altLang="ko-KR" sz="1000" dirty="0">
+                <a:latin typeface="+mn-ea"/>
+              </a:rPr>
+              <a:t>.</a:t>
+            </a:r>
+          </a:p>
+        </p:txBody>
+      </p:sp>
+      <p:sp>
+        <p:nvSpPr>
+          <p:cNvPr id="2" name="직사각형 1">
+            <a:hlinkClick r:id="rId2" action="ppaction://hlinksldjump"/>
+            <a:extLst>
+              <a:ext uri="{FF2B5EF4-FFF2-40B4-BE49-F238E27FC236}">
+                <a16:creationId xmlns:a16="http://schemas.microsoft.com/office/drawing/2014/main" id="{B270C82A-E7C5-8294-07C1-1511C5A1065C}"/>
+              </a:ext>
+            </a:extLst>
+          </p:cNvPr>
+          <p:cNvSpPr/>
+          <p:nvPr/>
+        </p:nvSpPr>
+        <p:spPr>
+          <a:xfrm>
+            <a:off x="10614103" y="66088"/>
+            <a:ext cx="1495199" cy="462402"/>
+          </a:xfrm>
+          <a:prstGeom prst="rect">
+            <a:avLst/>
+          </a:prstGeom>
+          <a:noFill/>
+          <a:ln>
+            <a:noFill/>
+          </a:ln>
+        </p:spPr>
+        <p:style>
+          <a:lnRef idx="2">
+            <a:schemeClr val="accent1">
+              <a:shade val="15000"/>
+            </a:schemeClr>
+          </a:lnRef>
+          <a:fillRef idx="1">
+            <a:schemeClr val="accent1"/>
+          </a:fillRef>
+          <a:effectRef idx="0">
+            <a:schemeClr val="accent1"/>
+          </a:effectRef>
+          <a:fontRef idx="minor">
+            <a:schemeClr val="lt1"/>
+          </a:fontRef>
+        </p:style>
+        <p:txBody>
+          <a:bodyPr rtlCol="0" anchor="ctr"/>
+          <a:lstStyle/>
+          <a:p>
+            <a:pPr algn="ctr"/>
+            <a:endParaRPr lang="ko-KR" altLang="en-US"/>
+          </a:p>
+        </p:txBody>
+      </p:sp>
+      <p:sp>
+        <p:nvSpPr>
+          <p:cNvPr id="3" name="TextBox 2">
+            <a:extLst>
+              <a:ext uri="{FF2B5EF4-FFF2-40B4-BE49-F238E27FC236}">
+                <a16:creationId xmlns:a16="http://schemas.microsoft.com/office/drawing/2014/main" id="{6E76295E-D3B3-F8FE-1A09-136F92F3C64B}"/>
+              </a:ext>
+            </a:extLst>
+          </p:cNvPr>
+          <p:cNvSpPr txBox="1"/>
+          <p:nvPr/>
+        </p:nvSpPr>
+        <p:spPr>
+          <a:xfrm>
+            <a:off x="1207915" y="5784193"/>
+            <a:ext cx="9776169" cy="680312"/>
+          </a:xfrm>
+          <a:prstGeom prst="rect">
+            <a:avLst/>
+          </a:prstGeom>
+          <a:noFill/>
+          <a:ln w="12700">
+            <a:solidFill>
+              <a:srgbClr val="0A6D94"/>
+            </a:solidFill>
+          </a:ln>
+        </p:spPr>
+        <p:txBody>
+          <a:bodyPr wrap="square" lIns="0" tIns="0" rIns="0" bIns="0" rtlCol="0" anchor="ctr" anchorCtr="0">
+            <a:noAutofit/>
+          </a:bodyPr>
+          <a:lstStyle/>
+          <a:p>
+            <a:pPr algn="ctr"/>
+            <a:r>
+              <a:rPr lang="ko-KR" altLang="en-US" sz="1200" dirty="0"/>
+              <a:t>부채는 기본 </a:t>
+            </a:r>
+            <a:r>
+              <a:rPr lang="ko-KR" altLang="en-US" sz="1200" dirty="0" err="1"/>
+              <a:t>피해량은</a:t>
+            </a:r>
+            <a:r>
+              <a:rPr lang="ko-KR" altLang="en-US" sz="1200" dirty="0"/>
+              <a:t> 낮지만</a:t>
+            </a:r>
+            <a:r>
+              <a:rPr lang="en-US" altLang="ko-KR" sz="1200" dirty="0"/>
+              <a:t>, </a:t>
+            </a:r>
+            <a:r>
+              <a:rPr lang="ko-KR" altLang="en-US" sz="1200" dirty="0" err="1"/>
+              <a:t>피해량을</a:t>
+            </a:r>
+            <a:r>
+              <a:rPr lang="ko-KR" altLang="en-US" sz="1200" dirty="0"/>
+              <a:t> 한 곳에 집중시킬 수 있습니다</a:t>
+            </a:r>
+            <a:r>
+              <a:rPr lang="en-US" altLang="ko-KR" sz="1200" dirty="0"/>
+              <a:t>.</a:t>
+            </a:r>
+            <a:endParaRPr lang="ko-KR" altLang="en-US" sz="1200" dirty="0"/>
+          </a:p>
+        </p:txBody>
+      </p:sp>
+      <p:sp>
+        <p:nvSpPr>
+          <p:cNvPr id="4" name="화살표: 오각형 3">
+            <a:extLst>
+              <a:ext uri="{FF2B5EF4-FFF2-40B4-BE49-F238E27FC236}">
+                <a16:creationId xmlns:a16="http://schemas.microsoft.com/office/drawing/2014/main" id="{D19DDCC1-1376-1F65-535F-1792A13A45C2}"/>
+              </a:ext>
+            </a:extLst>
+          </p:cNvPr>
+          <p:cNvSpPr/>
+          <p:nvPr/>
+        </p:nvSpPr>
+        <p:spPr>
+          <a:xfrm>
+            <a:off x="1" y="994687"/>
+            <a:ext cx="1702282" cy="404461"/>
+          </a:xfrm>
+          <a:prstGeom prst="homePlate">
+            <a:avLst/>
+          </a:prstGeom>
+          <a:solidFill>
+            <a:schemeClr val="bg1"/>
+          </a:solidFill>
+          <a:ln>
+            <a:solidFill>
+              <a:schemeClr val="accent4">
+                <a:lumMod val="75000"/>
+              </a:schemeClr>
+            </a:solidFill>
+          </a:ln>
+          <a:effectLst>
+            <a:outerShdw blurRad="50800" dist="38100" dir="2700000" algn="tl" rotWithShape="0">
+              <a:prstClr val="black">
+                <a:alpha val="40000"/>
+              </a:prstClr>
+            </a:outerShdw>
+          </a:effectLst>
+        </p:spPr>
+        <p:style>
+          <a:lnRef idx="2">
+            <a:schemeClr val="accent1">
+              <a:shade val="15000"/>
+            </a:schemeClr>
+          </a:lnRef>
+          <a:fillRef idx="1">
+            <a:schemeClr val="accent1"/>
+          </a:fillRef>
+          <a:effectRef idx="0">
+            <a:schemeClr val="accent1"/>
+          </a:effectRef>
+          <a:fontRef idx="minor">
+            <a:schemeClr val="lt1"/>
+          </a:fontRef>
+        </p:style>
+        <p:txBody>
+          <a:bodyPr rtlCol="0" anchor="ctr"/>
+          <a:lstStyle/>
+          <a:p>
+            <a:pPr algn="ctr"/>
+            <a:endParaRPr lang="ko-KR" altLang="en-US"/>
+          </a:p>
+        </p:txBody>
+      </p:sp>
+      <p:sp>
+        <p:nvSpPr>
+          <p:cNvPr id="5" name="TextBox 4">
+            <a:extLst>
+              <a:ext uri="{FF2B5EF4-FFF2-40B4-BE49-F238E27FC236}">
+                <a16:creationId xmlns:a16="http://schemas.microsoft.com/office/drawing/2014/main" id="{CC03FFE6-AA7E-0B76-6B2F-547A28FED96A}"/>
+              </a:ext>
+            </a:extLst>
+          </p:cNvPr>
+          <p:cNvSpPr txBox="1"/>
+          <p:nvPr/>
+        </p:nvSpPr>
+        <p:spPr>
+          <a:xfrm>
+            <a:off x="33832" y="1058417"/>
+            <a:ext cx="1192955" cy="276999"/>
+          </a:xfrm>
+          <a:prstGeom prst="rect">
+            <a:avLst/>
+          </a:prstGeom>
+          <a:noFill/>
+        </p:spPr>
+        <p:txBody>
+          <a:bodyPr wrap="none" rtlCol="0">
+            <a:spAutoFit/>
+          </a:bodyPr>
+          <a:lstStyle/>
+          <a:p>
+            <a:r>
+              <a:rPr lang="en-US" altLang="ko-KR" sz="1200" b="1" dirty="0">
+                <a:latin typeface="+mn-ea"/>
+              </a:rPr>
+              <a:t>2. </a:t>
+            </a:r>
+            <a:r>
+              <a:rPr lang="ko-KR" altLang="en-US" sz="1200" b="1" dirty="0">
+                <a:latin typeface="+mn-ea"/>
+              </a:rPr>
+              <a:t>무기의 특징</a:t>
+            </a:r>
+            <a:endParaRPr lang="en-US" altLang="ko-KR" sz="1200" b="1" dirty="0">
+              <a:latin typeface="+mn-ea"/>
+            </a:endParaRPr>
+          </a:p>
+        </p:txBody>
+      </p:sp>
+    </p:spTree>
+    <p:extLst>
+      <p:ext uri="{BB962C8B-B14F-4D97-AF65-F5344CB8AC3E}">
+        <p14:creationId xmlns:p14="http://schemas.microsoft.com/office/powerpoint/2010/main" val="1916766099"/>
+      </p:ext>
+    </p:extLst>
+  </p:cSld>
+  <p:clrMapOvr>
+    <a:masterClrMapping/>
+  </p:clrMapOvr>
+</p:sld>
+</file>
+
+<file path=ppt/slides/slide7.xml><?xml version="1.0" encoding="utf-8"?>
 <p:sld xmlns:a="http://schemas.openxmlformats.org/drawingml/2006/main" xmlns:r="http://schemas.openxmlformats.org/officeDocument/2006/relationships" xmlns:p="http://schemas.openxmlformats.org/presentationml/2006/main">
   <p:cSld>
     <p:spTree>
@@ -11513,7 +16240,7 @@
 </p:sld>
 </file>
 
-<file path=ppt/slides/slide7.xml><?xml version="1.0" encoding="utf-8"?>
+<file path=ppt/slides/slide8.xml><?xml version="1.0" encoding="utf-8"?>
 <p:sld xmlns:a="http://schemas.openxmlformats.org/drawingml/2006/main" xmlns:r="http://schemas.openxmlformats.org/officeDocument/2006/relationships" xmlns:p="http://schemas.openxmlformats.org/presentationml/2006/main">
   <p:cSld>
     <p:spTree>
@@ -12625,7 +17352,7 @@
 </p:sld>
 </file>
 
-<file path=ppt/slides/slide8.xml><?xml version="1.0" encoding="utf-8"?>
+<file path=ppt/slides/slide9.xml><?xml version="1.0" encoding="utf-8"?>
 <p:sld xmlns:a="http://schemas.openxmlformats.org/drawingml/2006/main" xmlns:r="http://schemas.openxmlformats.org/officeDocument/2006/relationships" xmlns:p="http://schemas.openxmlformats.org/presentationml/2006/main">
   <p:cSld>
     <p:spTree>
@@ -13341,2498 +18068,6 @@
 </p:sld>
 </file>
 
-<file path=ppt/slides/slide9.xml><?xml version="1.0" encoding="utf-8"?>
-<p:sld xmlns:a="http://schemas.openxmlformats.org/drawingml/2006/main" xmlns:r="http://schemas.openxmlformats.org/officeDocument/2006/relationships" xmlns:p="http://schemas.openxmlformats.org/presentationml/2006/main">
-  <p:cSld>
-    <p:spTree>
-      <p:nvGrpSpPr>
-        <p:cNvPr id="1" name=""/>
-        <p:cNvGrpSpPr/>
-        <p:nvPr/>
-      </p:nvGrpSpPr>
-      <p:grpSpPr>
-        <a:xfrm>
-          <a:off x="0" y="0"/>
-          <a:ext cx="0" cy="0"/>
-          <a:chOff x="0" y="0"/>
-          <a:chExt cx="0" cy="0"/>
-        </a:xfrm>
-      </p:grpSpPr>
-      <p:graphicFrame>
-        <p:nvGraphicFramePr>
-          <p:cNvPr id="4" name="표 3">
-            <a:extLst>
-              <a:ext uri="{FF2B5EF4-FFF2-40B4-BE49-F238E27FC236}">
-                <a16:creationId xmlns:a16="http://schemas.microsoft.com/office/drawing/2014/main" id="{E99EA797-D46C-6CB8-B640-8C324BC3F91B}"/>
-              </a:ext>
-            </a:extLst>
-          </p:cNvPr>
-          <p:cNvGraphicFramePr>
-            <a:graphicFrameLocks noGrp="1"/>
-          </p:cNvGraphicFramePr>
-          <p:nvPr>
-            <p:extLst>
-              <p:ext uri="{D42A27DB-BD31-4B8C-83A1-F6EECF244321}">
-                <p14:modId xmlns:p14="http://schemas.microsoft.com/office/powerpoint/2010/main" val="4049198125"/>
-              </p:ext>
-            </p:extLst>
-          </p:nvPr>
-        </p:nvGraphicFramePr>
-        <p:xfrm>
-          <a:off x="-1514399" y="2304939"/>
-          <a:ext cx="14459798" cy="4994780"/>
-        </p:xfrm>
-        <a:graphic>
-          <a:graphicData uri="http://schemas.openxmlformats.org/drawingml/2006/table">
-            <a:tbl>
-              <a:tblPr bandRow="1">
-                <a:tableStyleId>{5C22544A-7EE6-4342-B048-85BDC9FD1C3A}</a:tableStyleId>
-              </a:tblPr>
-              <a:tblGrid>
-                <a:gridCol w="986341">
-                  <a:extLst>
-                    <a:ext uri="{9D8B030D-6E8A-4147-A177-3AD203B41FA5}">
-                      <a16:colId xmlns:a16="http://schemas.microsoft.com/office/drawing/2014/main" val="2160954055"/>
-                    </a:ext>
-                  </a:extLst>
-                </a:gridCol>
-                <a:gridCol w="1066800">
-                  <a:extLst>
-                    <a:ext uri="{9D8B030D-6E8A-4147-A177-3AD203B41FA5}">
-                      <a16:colId xmlns:a16="http://schemas.microsoft.com/office/drawing/2014/main" val="845443490"/>
-                    </a:ext>
-                  </a:extLst>
-                </a:gridCol>
-                <a:gridCol w="8299738">
-                  <a:extLst>
-                    <a:ext uri="{9D8B030D-6E8A-4147-A177-3AD203B41FA5}">
-                      <a16:colId xmlns:a16="http://schemas.microsoft.com/office/drawing/2014/main" val="1596263472"/>
-                    </a:ext>
-                  </a:extLst>
-                </a:gridCol>
-                <a:gridCol w="4106919">
-                  <a:extLst>
-                    <a:ext uri="{9D8B030D-6E8A-4147-A177-3AD203B41FA5}">
-                      <a16:colId xmlns:a16="http://schemas.microsoft.com/office/drawing/2014/main" val="2266170427"/>
-                    </a:ext>
-                  </a:extLst>
-                </a:gridCol>
-              </a:tblGrid>
-              <a:tr h="380027">
-                <a:tc>
-                  <a:txBody>
-                    <a:bodyPr/>
-                    <a:lstStyle/>
-                    <a:p>
-                      <a:pPr algn="ctr" latinLnBrk="1">
-                        <a:spcAft>
-                          <a:spcPts val="800"/>
-                        </a:spcAft>
-                      </a:pPr>
-                      <a:r>
-                        <a:rPr lang="ko-KR" sz="1000" b="1" dirty="0">
-                          <a:solidFill>
-                            <a:schemeClr val="bg1"/>
-                          </a:solidFill>
-                          <a:effectLst/>
-                        </a:rPr>
-                        <a:t>이름</a:t>
-                      </a:r>
-                      <a:endParaRPr lang="ko-KR" sz="1100" b="1" dirty="0">
-                        <a:solidFill>
-                          <a:schemeClr val="bg1"/>
-                        </a:solidFill>
-                        <a:effectLst/>
-                        <a:latin typeface="맑은 고딕" panose="020B0503020000020004" pitchFamily="50" charset="-127"/>
-                        <a:ea typeface="맑은 고딕" panose="020B0503020000020004" pitchFamily="50" charset="-127"/>
-                        <a:cs typeface="맑은 고딕" panose="020B0503020000020004" pitchFamily="50" charset="-127"/>
-                      </a:endParaRPr>
-                    </a:p>
-                  </a:txBody>
-                  <a:tcPr marL="67521" marR="67521" marT="0" marB="0" anchor="ctr">
-                    <a:solidFill>
-                      <a:schemeClr val="tx1"/>
-                    </a:solidFill>
-                  </a:tcPr>
-                </a:tc>
-                <a:tc>
-                  <a:txBody>
-                    <a:bodyPr/>
-                    <a:lstStyle/>
-                    <a:p>
-                      <a:pPr algn="ctr" latinLnBrk="1">
-                        <a:spcAft>
-                          <a:spcPts val="800"/>
-                        </a:spcAft>
-                      </a:pPr>
-                      <a:r>
-                        <a:rPr lang="ko-KR" altLang="en-US" sz="1100" b="1" dirty="0" err="1">
-                          <a:solidFill>
-                            <a:schemeClr val="bg1"/>
-                          </a:solidFill>
-                          <a:effectLst/>
-                          <a:latin typeface="맑은 고딕" panose="020B0503020000020004" pitchFamily="50" charset="-127"/>
-                          <a:ea typeface="맑은 고딕" panose="020B0503020000020004" pitchFamily="50" charset="-127"/>
-                          <a:cs typeface="맑은 고딕" panose="020B0503020000020004" pitchFamily="50" charset="-127"/>
-                        </a:rPr>
-                        <a:t>스킬명</a:t>
-                      </a:r>
-                      <a:endParaRPr lang="ko-KR" sz="1100" b="1" dirty="0">
-                        <a:solidFill>
-                          <a:schemeClr val="bg1"/>
-                        </a:solidFill>
-                        <a:effectLst/>
-                        <a:latin typeface="맑은 고딕" panose="020B0503020000020004" pitchFamily="50" charset="-127"/>
-                        <a:ea typeface="맑은 고딕" panose="020B0503020000020004" pitchFamily="50" charset="-127"/>
-                        <a:cs typeface="맑은 고딕" panose="020B0503020000020004" pitchFamily="50" charset="-127"/>
-                      </a:endParaRPr>
-                    </a:p>
-                  </a:txBody>
-                  <a:tcPr marL="67521" marR="67521" marT="0" marB="0" anchor="ctr">
-                    <a:solidFill>
-                      <a:schemeClr val="tx1"/>
-                    </a:solidFill>
-                  </a:tcPr>
-                </a:tc>
-                <a:tc>
-                  <a:txBody>
-                    <a:bodyPr/>
-                    <a:lstStyle/>
-                    <a:p>
-                      <a:pPr algn="ctr" latinLnBrk="1">
-                        <a:spcAft>
-                          <a:spcPts val="800"/>
-                        </a:spcAft>
-                      </a:pPr>
-                      <a:r>
-                        <a:rPr lang="ko-KR" sz="1000" b="1" dirty="0">
-                          <a:solidFill>
-                            <a:schemeClr val="bg1"/>
-                          </a:solidFill>
-                          <a:effectLst/>
-                        </a:rPr>
-                        <a:t>설명</a:t>
-                      </a:r>
-                      <a:endParaRPr lang="ko-KR" sz="1100" b="1" dirty="0">
-                        <a:solidFill>
-                          <a:schemeClr val="bg1"/>
-                        </a:solidFill>
-                        <a:effectLst/>
-                        <a:latin typeface="맑은 고딕" panose="020B0503020000020004" pitchFamily="50" charset="-127"/>
-                        <a:ea typeface="맑은 고딕" panose="020B0503020000020004" pitchFamily="50" charset="-127"/>
-                        <a:cs typeface="맑은 고딕" panose="020B0503020000020004" pitchFamily="50" charset="-127"/>
-                      </a:endParaRPr>
-                    </a:p>
-                  </a:txBody>
-                  <a:tcPr marL="67521" marR="67521" marT="0" marB="0" anchor="ctr">
-                    <a:solidFill>
-                      <a:schemeClr val="tx1"/>
-                    </a:solidFill>
-                  </a:tcPr>
-                </a:tc>
-                <a:tc>
-                  <a:txBody>
-                    <a:bodyPr/>
-                    <a:lstStyle/>
-                    <a:p>
-                      <a:pPr algn="ctr" latinLnBrk="1">
-                        <a:spcAft>
-                          <a:spcPts val="800"/>
-                        </a:spcAft>
-                      </a:pPr>
-                      <a:r>
-                        <a:rPr lang="ko-KR" altLang="en-US" sz="1100" b="1" dirty="0">
-                          <a:solidFill>
-                            <a:schemeClr val="bg1"/>
-                          </a:solidFill>
-                          <a:effectLst/>
-                          <a:latin typeface="맑은 고딕" panose="020B0503020000020004" pitchFamily="50" charset="-127"/>
-                          <a:ea typeface="맑은 고딕" panose="020B0503020000020004" pitchFamily="50" charset="-127"/>
-                          <a:cs typeface="맑은 고딕" panose="020B0503020000020004" pitchFamily="50" charset="-127"/>
-                        </a:rPr>
-                        <a:t>의도</a:t>
-                      </a:r>
-                      <a:endParaRPr lang="ko-KR" sz="1100" b="1" dirty="0">
-                        <a:solidFill>
-                          <a:schemeClr val="bg1"/>
-                        </a:solidFill>
-                        <a:effectLst/>
-                        <a:latin typeface="맑은 고딕" panose="020B0503020000020004" pitchFamily="50" charset="-127"/>
-                        <a:ea typeface="맑은 고딕" panose="020B0503020000020004" pitchFamily="50" charset="-127"/>
-                        <a:cs typeface="맑은 고딕" panose="020B0503020000020004" pitchFamily="50" charset="-127"/>
-                      </a:endParaRPr>
-                    </a:p>
-                  </a:txBody>
-                  <a:tcPr marL="67521" marR="67521" marT="0" marB="0" anchor="ctr">
-                    <a:solidFill>
-                      <a:schemeClr val="tx1"/>
-                    </a:solidFill>
-                  </a:tcPr>
-                </a:tc>
-                <a:extLst>
-                  <a:ext uri="{0D108BD9-81ED-4DB2-BD59-A6C34878D82A}">
-                    <a16:rowId xmlns:a16="http://schemas.microsoft.com/office/drawing/2014/main" val="1847628624"/>
-                  </a:ext>
-                </a:extLst>
-              </a:tr>
-              <a:tr h="1200369">
-                <a:tc>
-                  <a:txBody>
-                    <a:bodyPr/>
-                    <a:lstStyle/>
-                    <a:p>
-                      <a:pPr algn="ctr" latinLnBrk="1">
-                        <a:spcAft>
-                          <a:spcPts val="800"/>
-                        </a:spcAft>
-                      </a:pPr>
-                      <a:r>
-                        <a:rPr lang="ko-KR" sz="1000">
-                          <a:effectLst/>
-                        </a:rPr>
-                        <a:t>일반 공격</a:t>
-                      </a:r>
-                      <a:endParaRPr lang="ko-KR" sz="1100">
-                        <a:effectLst/>
-                        <a:latin typeface="맑은 고딕" panose="020B0503020000020004" pitchFamily="50" charset="-127"/>
-                        <a:ea typeface="맑은 고딕" panose="020B0503020000020004" pitchFamily="50" charset="-127"/>
-                        <a:cs typeface="맑은 고딕" panose="020B0503020000020004" pitchFamily="50" charset="-127"/>
-                      </a:endParaRPr>
-                    </a:p>
-                  </a:txBody>
-                  <a:tcPr marL="67521" marR="67521" marT="0" marB="0" anchor="ctr"/>
-                </a:tc>
-                <a:tc>
-                  <a:txBody>
-                    <a:bodyPr/>
-                    <a:lstStyle/>
-                    <a:p>
-                      <a:pPr algn="ctr" latinLnBrk="1">
-                        <a:spcAft>
-                          <a:spcPts val="800"/>
-                        </a:spcAft>
-                      </a:pPr>
-                      <a:endParaRPr lang="ko-KR" sz="1100" dirty="0">
-                        <a:effectLst/>
-                        <a:latin typeface="맑은 고딕" panose="020B0503020000020004" pitchFamily="50" charset="-127"/>
-                        <a:ea typeface="맑은 고딕" panose="020B0503020000020004" pitchFamily="50" charset="-127"/>
-                        <a:cs typeface="맑은 고딕" panose="020B0503020000020004" pitchFamily="50" charset="-127"/>
-                      </a:endParaRPr>
-                    </a:p>
-                  </a:txBody>
-                  <a:tcPr marL="67521" marR="67521" marT="0" marB="0" anchor="ctr"/>
-                </a:tc>
-                <a:tc>
-                  <a:txBody>
-                    <a:bodyPr/>
-                    <a:lstStyle/>
-                    <a:p>
-                      <a:pPr latinLnBrk="1">
-                        <a:spcAft>
-                          <a:spcPts val="800"/>
-                        </a:spcAft>
-                      </a:pPr>
-                      <a:r>
-                        <a:rPr lang="en-US" sz="1000" dirty="0">
-                          <a:effectLst/>
-                        </a:rPr>
-                        <a:t>3</a:t>
-                      </a:r>
-                      <a:r>
-                        <a:rPr lang="ko-KR" sz="1000" dirty="0">
-                          <a:effectLst/>
-                        </a:rPr>
-                        <a:t>번의 연계형 공격</a:t>
-                      </a:r>
-                      <a:endParaRPr lang="ko-KR" sz="1100" dirty="0">
-                        <a:effectLst/>
-                      </a:endParaRPr>
-                    </a:p>
-                    <a:p>
-                      <a:pPr latinLnBrk="1">
-                        <a:spcAft>
-                          <a:spcPts val="800"/>
-                        </a:spcAft>
-                      </a:pPr>
-                      <a:r>
-                        <a:rPr lang="en-US" sz="1000" dirty="0">
-                          <a:effectLst/>
-                        </a:rPr>
-                        <a:t>- </a:t>
-                      </a:r>
-                      <a:r>
-                        <a:rPr lang="ko-KR" sz="1000" dirty="0">
-                          <a:effectLst/>
-                        </a:rPr>
-                        <a:t>오른발을 앞으로 내밀면서 바깥쪽에서 안쪽으로 손을 휘두른다</a:t>
-                      </a:r>
-                      <a:r>
-                        <a:rPr lang="en-US" sz="1000" dirty="0">
-                          <a:effectLst/>
-                        </a:rPr>
-                        <a:t>. </a:t>
-                      </a:r>
-                      <a:r>
-                        <a:rPr lang="ko-KR" sz="1000" dirty="0">
-                          <a:effectLst/>
-                        </a:rPr>
-                        <a:t>손을 휘두르면서 부채를 접어 </a:t>
-                      </a:r>
-                      <a:r>
-                        <a:rPr lang="en-US" sz="1000" dirty="0">
-                          <a:effectLst/>
-                        </a:rPr>
-                        <a:t>1</a:t>
-                      </a:r>
-                      <a:r>
-                        <a:rPr lang="ko-KR" sz="1000" dirty="0">
-                          <a:effectLst/>
-                        </a:rPr>
-                        <a:t>회 피해를 준다</a:t>
-                      </a:r>
-                      <a:r>
-                        <a:rPr lang="en-US" sz="1000" dirty="0">
-                          <a:effectLst/>
-                        </a:rPr>
-                        <a:t>. </a:t>
-                      </a:r>
-                      <a:endParaRPr lang="ko-KR" sz="1100" dirty="0">
-                        <a:effectLst/>
-                      </a:endParaRPr>
-                    </a:p>
-                    <a:p>
-                      <a:pPr latinLnBrk="1">
-                        <a:spcAft>
-                          <a:spcPts val="800"/>
-                        </a:spcAft>
-                      </a:pPr>
-                      <a:r>
-                        <a:rPr lang="en-US" sz="1000" dirty="0">
-                          <a:effectLst/>
-                        </a:rPr>
-                        <a:t>- </a:t>
-                      </a:r>
-                      <a:r>
-                        <a:rPr lang="ko-KR" sz="1000" dirty="0">
-                          <a:effectLst/>
-                        </a:rPr>
-                        <a:t>오른발을 뒤로 빼면서 부채를 </a:t>
-                      </a:r>
-                      <a:r>
-                        <a:rPr lang="ko-KR" sz="1000" dirty="0" err="1">
-                          <a:effectLst/>
-                        </a:rPr>
-                        <a:t>몸쪽으로</a:t>
-                      </a:r>
-                      <a:r>
-                        <a:rPr lang="ko-KR" sz="1000" dirty="0">
-                          <a:effectLst/>
-                        </a:rPr>
-                        <a:t> 끌어당기고 번개를 부채에 </a:t>
-                      </a:r>
-                      <a:r>
-                        <a:rPr lang="ko-KR" sz="1000" dirty="0" err="1">
-                          <a:effectLst/>
-                        </a:rPr>
-                        <a:t>끌어모으며</a:t>
-                      </a:r>
-                      <a:r>
-                        <a:rPr lang="ko-KR" sz="1000" dirty="0">
-                          <a:effectLst/>
-                        </a:rPr>
-                        <a:t> </a:t>
-                      </a:r>
-                      <a:r>
-                        <a:rPr lang="en-US" sz="1000" dirty="0">
-                          <a:effectLst/>
-                        </a:rPr>
-                        <a:t>1</a:t>
-                      </a:r>
-                      <a:r>
-                        <a:rPr lang="ko-KR" sz="1000" dirty="0">
-                          <a:effectLst/>
-                        </a:rPr>
-                        <a:t>회 피해를 준다</a:t>
-                      </a:r>
-                      <a:r>
-                        <a:rPr lang="en-US" sz="1000" dirty="0">
-                          <a:effectLst/>
-                        </a:rPr>
-                        <a:t>.</a:t>
-                      </a:r>
-                      <a:endParaRPr lang="ko-KR" sz="1100" dirty="0">
-                        <a:effectLst/>
-                      </a:endParaRPr>
-                    </a:p>
-                    <a:p>
-                      <a:pPr latinLnBrk="1">
-                        <a:spcAft>
-                          <a:spcPts val="800"/>
-                        </a:spcAft>
-                      </a:pPr>
-                      <a:r>
-                        <a:rPr lang="en-US" sz="1000" dirty="0">
-                          <a:effectLst/>
-                        </a:rPr>
-                        <a:t>- </a:t>
-                      </a:r>
-                      <a:r>
-                        <a:rPr lang="ko-KR" sz="1000" dirty="0">
-                          <a:effectLst/>
-                        </a:rPr>
-                        <a:t>부채를 정면으로 펼치며 번개를 방출해 </a:t>
-                      </a:r>
-                      <a:r>
-                        <a:rPr lang="en-US" sz="1000" dirty="0">
-                          <a:effectLst/>
-                        </a:rPr>
-                        <a:t>1</a:t>
-                      </a:r>
-                      <a:r>
-                        <a:rPr lang="ko-KR" sz="1000" dirty="0">
-                          <a:effectLst/>
-                        </a:rPr>
-                        <a:t>회 피해를 준다</a:t>
-                      </a:r>
-                      <a:r>
-                        <a:rPr lang="en-US" sz="1000" dirty="0">
-                          <a:effectLst/>
-                        </a:rPr>
-                        <a:t>.</a:t>
-                      </a:r>
-                      <a:endParaRPr lang="ko-KR" sz="1100" dirty="0">
-                        <a:effectLst/>
-                        <a:latin typeface="맑은 고딕" panose="020B0503020000020004" pitchFamily="50" charset="-127"/>
-                        <a:ea typeface="맑은 고딕" panose="020B0503020000020004" pitchFamily="50" charset="-127"/>
-                        <a:cs typeface="맑은 고딕" panose="020B0503020000020004" pitchFamily="50" charset="-127"/>
-                      </a:endParaRPr>
-                    </a:p>
-                  </a:txBody>
-                  <a:tcPr marL="67521" marR="67521" marT="0" marB="0" anchor="ctr"/>
-                </a:tc>
-                <a:tc>
-                  <a:txBody>
-                    <a:bodyPr/>
-                    <a:lstStyle/>
-                    <a:p>
-                      <a:pPr algn="ctr" latinLnBrk="1">
-                        <a:spcAft>
-                          <a:spcPts val="800"/>
-                        </a:spcAft>
-                      </a:pPr>
-                      <a:endParaRPr lang="ko-KR" sz="1100" dirty="0">
-                        <a:effectLst/>
-                        <a:latin typeface="맑은 고딕" panose="020B0503020000020004" pitchFamily="50" charset="-127"/>
-                        <a:ea typeface="맑은 고딕" panose="020B0503020000020004" pitchFamily="50" charset="-127"/>
-                        <a:cs typeface="맑은 고딕" panose="020B0503020000020004" pitchFamily="50" charset="-127"/>
-                      </a:endParaRPr>
-                    </a:p>
-                  </a:txBody>
-                  <a:tcPr marL="67521" marR="67521" marT="0" marB="0" anchor="ctr"/>
-                </a:tc>
-                <a:extLst>
-                  <a:ext uri="{0D108BD9-81ED-4DB2-BD59-A6C34878D82A}">
-                    <a16:rowId xmlns:a16="http://schemas.microsoft.com/office/drawing/2014/main" val="1774201791"/>
-                  </a:ext>
-                </a:extLst>
-              </a:tr>
-              <a:tr h="450138">
-                <a:tc>
-                  <a:txBody>
-                    <a:bodyPr/>
-                    <a:lstStyle/>
-                    <a:p>
-                      <a:pPr algn="ctr" latinLnBrk="1">
-                        <a:spcAft>
-                          <a:spcPts val="800"/>
-                        </a:spcAft>
-                      </a:pPr>
-                      <a:r>
-                        <a:rPr lang="ko-KR" sz="1000">
-                          <a:effectLst/>
-                        </a:rPr>
-                        <a:t>스위칭 스킬</a:t>
-                      </a:r>
-                      <a:endParaRPr lang="ko-KR" sz="1100">
-                        <a:effectLst/>
-                        <a:latin typeface="맑은 고딕" panose="020B0503020000020004" pitchFamily="50" charset="-127"/>
-                        <a:ea typeface="맑은 고딕" panose="020B0503020000020004" pitchFamily="50" charset="-127"/>
-                        <a:cs typeface="맑은 고딕" panose="020B0503020000020004" pitchFamily="50" charset="-127"/>
-                      </a:endParaRPr>
-                    </a:p>
-                  </a:txBody>
-                  <a:tcPr marL="67521" marR="67521" marT="0" marB="0" anchor="ctr"/>
-                </a:tc>
-                <a:tc>
-                  <a:txBody>
-                    <a:bodyPr/>
-                    <a:lstStyle/>
-                    <a:p>
-                      <a:pPr algn="ctr" latinLnBrk="1">
-                        <a:spcAft>
-                          <a:spcPts val="800"/>
-                        </a:spcAft>
-                      </a:pPr>
-                      <a:r>
-                        <a:rPr lang="ko-KR" altLang="en-US" sz="1100" dirty="0" err="1">
-                          <a:effectLst/>
-                          <a:latin typeface="맑은 고딕" panose="020B0503020000020004" pitchFamily="50" charset="-127"/>
-                          <a:ea typeface="맑은 고딕" panose="020B0503020000020004" pitchFamily="50" charset="-127"/>
-                          <a:cs typeface="맑은 고딕" panose="020B0503020000020004" pitchFamily="50" charset="-127"/>
-                        </a:rPr>
-                        <a:t>천뢰개벽</a:t>
-                      </a:r>
-                      <a:endParaRPr lang="ko-KR" sz="1100" dirty="0">
-                        <a:effectLst/>
-                        <a:latin typeface="맑은 고딕" panose="020B0503020000020004" pitchFamily="50" charset="-127"/>
-                        <a:ea typeface="맑은 고딕" panose="020B0503020000020004" pitchFamily="50" charset="-127"/>
-                        <a:cs typeface="맑은 고딕" panose="020B0503020000020004" pitchFamily="50" charset="-127"/>
-                      </a:endParaRPr>
-                    </a:p>
-                  </a:txBody>
-                  <a:tcPr marL="67521" marR="67521" marT="0" marB="0" anchor="ctr"/>
-                </a:tc>
-                <a:tc>
-                  <a:txBody>
-                    <a:bodyPr/>
-                    <a:lstStyle/>
-                    <a:p>
-                      <a:pPr latinLnBrk="1">
-                        <a:spcAft>
-                          <a:spcPts val="800"/>
-                        </a:spcAft>
-                      </a:pPr>
-                      <a:r>
-                        <a:rPr lang="ko-KR" sz="1000" dirty="0">
-                          <a:effectLst/>
-                        </a:rPr>
-                        <a:t>접혀 있는 부채를 꺼내며 하늘을 향해 펼친다</a:t>
-                      </a:r>
-                      <a:r>
-                        <a:rPr lang="en-US" sz="1000" dirty="0">
-                          <a:effectLst/>
-                        </a:rPr>
-                        <a:t>. 10</a:t>
-                      </a:r>
-                      <a:r>
-                        <a:rPr lang="ko-KR" sz="1000" dirty="0">
-                          <a:effectLst/>
-                        </a:rPr>
-                        <a:t>초 동안</a:t>
-                      </a:r>
-                      <a:r>
-                        <a:rPr lang="en-US" sz="1000" dirty="0">
-                          <a:effectLst/>
-                        </a:rPr>
-                        <a:t> 1</a:t>
-                      </a:r>
-                      <a:r>
-                        <a:rPr lang="ko-KR" sz="1000" dirty="0">
-                          <a:effectLst/>
-                        </a:rPr>
-                        <a:t>초마다 </a:t>
-                      </a:r>
-                      <a:r>
-                        <a:rPr lang="ko-KR" sz="1000" dirty="0" err="1">
-                          <a:effectLst/>
-                        </a:rPr>
-                        <a:t>랜덤한</a:t>
-                      </a:r>
-                      <a:r>
-                        <a:rPr lang="ko-KR" sz="1000" dirty="0">
-                          <a:effectLst/>
-                        </a:rPr>
-                        <a:t> 적에게 하늘에서 번개를 떨어트려 피해를</a:t>
-                      </a:r>
-                      <a:r>
-                        <a:rPr lang="en-US" sz="1000" dirty="0">
-                          <a:effectLst/>
-                        </a:rPr>
-                        <a:t> 1</a:t>
-                      </a:r>
-                      <a:r>
-                        <a:rPr lang="ko-KR" sz="1000" dirty="0">
-                          <a:effectLst/>
-                        </a:rPr>
-                        <a:t>회 준다</a:t>
-                      </a:r>
-                      <a:r>
-                        <a:rPr lang="en-US" sz="1000" dirty="0">
-                          <a:effectLst/>
-                        </a:rPr>
-                        <a:t>.</a:t>
-                      </a:r>
-                      <a:endParaRPr lang="ko-KR" sz="1100" dirty="0">
-                        <a:effectLst/>
-                        <a:latin typeface="맑은 고딕" panose="020B0503020000020004" pitchFamily="50" charset="-127"/>
-                        <a:ea typeface="맑은 고딕" panose="020B0503020000020004" pitchFamily="50" charset="-127"/>
-                        <a:cs typeface="맑은 고딕" panose="020B0503020000020004" pitchFamily="50" charset="-127"/>
-                      </a:endParaRPr>
-                    </a:p>
-                  </a:txBody>
-                  <a:tcPr marL="67521" marR="67521" marT="0" marB="0" anchor="ctr"/>
-                </a:tc>
-                <a:tc>
-                  <a:txBody>
-                    <a:bodyPr/>
-                    <a:lstStyle/>
-                    <a:p>
-                      <a:pPr algn="ctr" latinLnBrk="1">
-                        <a:spcAft>
-                          <a:spcPts val="800"/>
-                        </a:spcAft>
-                      </a:pPr>
-                      <a:endParaRPr lang="ko-KR" sz="1100" dirty="0">
-                        <a:effectLst/>
-                        <a:latin typeface="맑은 고딕" panose="020B0503020000020004" pitchFamily="50" charset="-127"/>
-                        <a:ea typeface="맑은 고딕" panose="020B0503020000020004" pitchFamily="50" charset="-127"/>
-                        <a:cs typeface="맑은 고딕" panose="020B0503020000020004" pitchFamily="50" charset="-127"/>
-                      </a:endParaRPr>
-                    </a:p>
-                  </a:txBody>
-                  <a:tcPr marL="67521" marR="67521" marT="0" marB="0" anchor="ctr"/>
-                </a:tc>
-                <a:extLst>
-                  <a:ext uri="{0D108BD9-81ED-4DB2-BD59-A6C34878D82A}">
-                    <a16:rowId xmlns:a16="http://schemas.microsoft.com/office/drawing/2014/main" val="1355598705"/>
-                  </a:ext>
-                </a:extLst>
-              </a:tr>
-              <a:tr h="561705">
-                <a:tc>
-                  <a:txBody>
-                    <a:bodyPr/>
-                    <a:lstStyle/>
-                    <a:p>
-                      <a:pPr algn="ctr" latinLnBrk="1">
-                        <a:spcAft>
-                          <a:spcPts val="800"/>
-                        </a:spcAft>
-                      </a:pPr>
-                      <a:r>
-                        <a:rPr lang="ko-KR" sz="1000">
-                          <a:effectLst/>
-                        </a:rPr>
-                        <a:t>스킬</a:t>
-                      </a:r>
-                      <a:r>
-                        <a:rPr lang="en-US" sz="1000">
-                          <a:effectLst/>
-                        </a:rPr>
-                        <a:t> 1</a:t>
-                      </a:r>
-                      <a:endParaRPr lang="ko-KR" sz="1100">
-                        <a:effectLst/>
-                        <a:latin typeface="맑은 고딕" panose="020B0503020000020004" pitchFamily="50" charset="-127"/>
-                        <a:ea typeface="맑은 고딕" panose="020B0503020000020004" pitchFamily="50" charset="-127"/>
-                        <a:cs typeface="맑은 고딕" panose="020B0503020000020004" pitchFamily="50" charset="-127"/>
-                      </a:endParaRPr>
-                    </a:p>
-                  </a:txBody>
-                  <a:tcPr marL="67521" marR="67521" marT="0" marB="0" anchor="ctr"/>
-                </a:tc>
-                <a:tc>
-                  <a:txBody>
-                    <a:bodyPr/>
-                    <a:lstStyle/>
-                    <a:p>
-                      <a:pPr algn="ctr" latinLnBrk="1">
-                        <a:spcAft>
-                          <a:spcPts val="800"/>
-                        </a:spcAft>
-                      </a:pPr>
-                      <a:r>
-                        <a:rPr lang="ko-KR" altLang="en-US" sz="1100" dirty="0" err="1">
-                          <a:effectLst/>
-                          <a:latin typeface="맑은 고딕" panose="020B0503020000020004" pitchFamily="50" charset="-127"/>
-                          <a:ea typeface="맑은 고딕" panose="020B0503020000020004" pitchFamily="50" charset="-127"/>
-                          <a:cs typeface="맑은 고딕" panose="020B0503020000020004" pitchFamily="50" charset="-127"/>
-                        </a:rPr>
-                        <a:t>천뢰유침</a:t>
-                      </a:r>
-                      <a:endParaRPr lang="ko-KR" sz="1100" dirty="0">
-                        <a:effectLst/>
-                        <a:latin typeface="맑은 고딕" panose="020B0503020000020004" pitchFamily="50" charset="-127"/>
-                        <a:ea typeface="맑은 고딕" panose="020B0503020000020004" pitchFamily="50" charset="-127"/>
-                        <a:cs typeface="맑은 고딕" panose="020B0503020000020004" pitchFamily="50" charset="-127"/>
-                      </a:endParaRPr>
-                    </a:p>
-                  </a:txBody>
-                  <a:tcPr marL="67521" marR="67521" marT="0" marB="0" anchor="ctr"/>
-                </a:tc>
-                <a:tc>
-                  <a:txBody>
-                    <a:bodyPr/>
-                    <a:lstStyle/>
-                    <a:p>
-                      <a:pPr latinLnBrk="1">
-                        <a:spcAft>
-                          <a:spcPts val="800"/>
-                        </a:spcAft>
-                      </a:pPr>
-                      <a:r>
-                        <a:rPr lang="ko-KR" sz="1000" dirty="0">
-                          <a:effectLst/>
-                        </a:rPr>
-                        <a:t>부채를 접으며 오른손을 위로 뻗는다</a:t>
-                      </a:r>
-                      <a:r>
-                        <a:rPr lang="en-US" sz="1000" dirty="0">
-                          <a:effectLst/>
-                        </a:rPr>
-                        <a:t>. </a:t>
-                      </a:r>
-                      <a:r>
-                        <a:rPr lang="ko-KR" sz="1000" dirty="0">
-                          <a:effectLst/>
-                        </a:rPr>
-                        <a:t>번개가 캐릭터에게 내려친다</a:t>
-                      </a:r>
-                      <a:r>
-                        <a:rPr lang="en-US" sz="1000" dirty="0">
-                          <a:effectLst/>
-                        </a:rPr>
-                        <a:t>. </a:t>
-                      </a:r>
-                      <a:r>
-                        <a:rPr lang="ko-KR" sz="1000" dirty="0">
-                          <a:effectLst/>
-                        </a:rPr>
-                        <a:t>번개가 내려칠 때 주변에 피해를 입힌다</a:t>
-                      </a:r>
-                      <a:r>
-                        <a:rPr lang="en-US" sz="1000" dirty="0">
-                          <a:effectLst/>
-                        </a:rPr>
-                        <a:t>. </a:t>
-                      </a:r>
-                      <a:r>
-                        <a:rPr lang="ko-KR" sz="1000" dirty="0">
-                          <a:effectLst/>
-                        </a:rPr>
-                        <a:t>이후 캐릭터의 몸 주변에 일정량의 데미지를 흡수하는 번개 보호막을 형성한다</a:t>
-                      </a:r>
-                      <a:r>
-                        <a:rPr lang="en-US" sz="1000" dirty="0">
-                          <a:effectLst/>
-                        </a:rPr>
-                        <a:t>. (5</a:t>
-                      </a:r>
-                      <a:r>
-                        <a:rPr lang="ko-KR" sz="1000" dirty="0">
-                          <a:effectLst/>
-                        </a:rPr>
-                        <a:t>초 지속</a:t>
-                      </a:r>
-                      <a:r>
-                        <a:rPr lang="en-US" sz="1000" dirty="0">
-                          <a:effectLst/>
-                        </a:rPr>
-                        <a:t>) </a:t>
-                      </a:r>
-                      <a:r>
-                        <a:rPr lang="ko-KR" sz="1000" dirty="0">
-                          <a:effectLst/>
-                        </a:rPr>
-                        <a:t>보호막이 적의 공격에 의해 제거되지 않고 지속시간이 지나 사라질 때 주변으로 번개를 방출하며</a:t>
-                      </a:r>
-                      <a:r>
-                        <a:rPr lang="en-US" sz="1000" dirty="0">
-                          <a:effectLst/>
-                        </a:rPr>
-                        <a:t> 1</a:t>
-                      </a:r>
-                      <a:r>
-                        <a:rPr lang="ko-KR" sz="1000" dirty="0">
-                          <a:effectLst/>
-                        </a:rPr>
-                        <a:t>회 공격한다</a:t>
-                      </a:r>
-                      <a:r>
-                        <a:rPr lang="en-US" sz="1000" dirty="0">
-                          <a:effectLst/>
-                        </a:rPr>
-                        <a:t>.</a:t>
-                      </a:r>
-                    </a:p>
-                    <a:p>
-                      <a:pPr latinLnBrk="1">
-                        <a:spcAft>
-                          <a:spcPts val="800"/>
-                        </a:spcAft>
-                      </a:pPr>
-                      <a:r>
-                        <a:rPr lang="ko-KR" altLang="en-US" sz="1000" dirty="0">
-                          <a:effectLst/>
-                          <a:latin typeface="맑은 고딕" panose="020B0503020000020004" pitchFamily="50" charset="-127"/>
-                          <a:ea typeface="맑은 고딕" panose="020B0503020000020004" pitchFamily="50" charset="-127"/>
-                          <a:cs typeface="맑은 고딕" panose="020B0503020000020004" pitchFamily="50" charset="-127"/>
-                        </a:rPr>
-                        <a:t>보호막 형성과 동시에 </a:t>
-                      </a:r>
-                      <a:r>
-                        <a:rPr lang="ko-KR" altLang="en-US" sz="1000" dirty="0" err="1">
-                          <a:effectLst/>
-                          <a:latin typeface="맑은 고딕" panose="020B0503020000020004" pitchFamily="50" charset="-127"/>
-                          <a:ea typeface="맑은 고딕" panose="020B0503020000020004" pitchFamily="50" charset="-127"/>
-                          <a:cs typeface="맑은 고딕" panose="020B0503020000020004" pitchFamily="50" charset="-127"/>
-                        </a:rPr>
-                        <a:t>천뢰침을</a:t>
-                      </a:r>
-                      <a:r>
-                        <a:rPr lang="ko-KR" altLang="en-US" sz="1000" dirty="0">
-                          <a:effectLst/>
-                          <a:latin typeface="맑은 고딕" panose="020B0503020000020004" pitchFamily="50" charset="-127"/>
-                          <a:ea typeface="맑은 고딕" panose="020B0503020000020004" pitchFamily="50" charset="-127"/>
-                          <a:cs typeface="맑은 고딕" panose="020B0503020000020004" pitchFamily="50" charset="-127"/>
-                        </a:rPr>
-                        <a:t> </a:t>
-                      </a:r>
-                      <a:r>
-                        <a:rPr lang="en-US" altLang="ko-KR" sz="1000" dirty="0">
-                          <a:effectLst/>
-                          <a:latin typeface="맑은 고딕" panose="020B0503020000020004" pitchFamily="50" charset="-127"/>
-                          <a:ea typeface="맑은 고딕" panose="020B0503020000020004" pitchFamily="50" charset="-127"/>
-                          <a:cs typeface="맑은 고딕" panose="020B0503020000020004" pitchFamily="50" charset="-127"/>
-                        </a:rPr>
-                        <a:t>3</a:t>
-                      </a:r>
-                      <a:r>
-                        <a:rPr lang="ko-KR" altLang="en-US" sz="1000" dirty="0">
-                          <a:effectLst/>
-                          <a:latin typeface="맑은 고딕" panose="020B0503020000020004" pitchFamily="50" charset="-127"/>
-                          <a:ea typeface="맑은 고딕" panose="020B0503020000020004" pitchFamily="50" charset="-127"/>
-                          <a:cs typeface="맑은 고딕" panose="020B0503020000020004" pitchFamily="50" charset="-127"/>
-                        </a:rPr>
-                        <a:t>개 형성한다</a:t>
-                      </a:r>
-                      <a:r>
-                        <a:rPr lang="en-US" altLang="ko-KR" sz="1000" dirty="0">
-                          <a:effectLst/>
-                          <a:latin typeface="맑은 고딕" panose="020B0503020000020004" pitchFamily="50" charset="-127"/>
-                          <a:ea typeface="맑은 고딕" panose="020B0503020000020004" pitchFamily="50" charset="-127"/>
-                          <a:cs typeface="맑은 고딕" panose="020B0503020000020004" pitchFamily="50" charset="-127"/>
-                        </a:rPr>
-                        <a:t>. </a:t>
-                      </a:r>
-                      <a:r>
-                        <a:rPr lang="ko-KR" altLang="en-US" sz="1000" dirty="0" err="1">
-                          <a:effectLst/>
-                          <a:latin typeface="맑은 고딕" panose="020B0503020000020004" pitchFamily="50" charset="-127"/>
-                          <a:ea typeface="맑은 고딕" panose="020B0503020000020004" pitchFamily="50" charset="-127"/>
-                          <a:cs typeface="맑은 고딕" panose="020B0503020000020004" pitchFamily="50" charset="-127"/>
-                        </a:rPr>
-                        <a:t>천뢰침은</a:t>
-                      </a:r>
-                      <a:r>
-                        <a:rPr lang="ko-KR" altLang="en-US" sz="1000" dirty="0">
-                          <a:effectLst/>
-                          <a:latin typeface="맑은 고딕" panose="020B0503020000020004" pitchFamily="50" charset="-127"/>
-                          <a:ea typeface="맑은 고딕" panose="020B0503020000020004" pitchFamily="50" charset="-127"/>
-                          <a:cs typeface="맑은 고딕" panose="020B0503020000020004" pitchFamily="50" charset="-127"/>
-                        </a:rPr>
-                        <a:t> 일반 공격의 세 번째 공격에 </a:t>
-                      </a:r>
-                      <a:r>
-                        <a:rPr lang="en-US" altLang="ko-KR" sz="1000" dirty="0">
-                          <a:effectLst/>
-                          <a:latin typeface="맑은 고딕" panose="020B0503020000020004" pitchFamily="50" charset="-127"/>
-                          <a:ea typeface="맑은 고딕" panose="020B0503020000020004" pitchFamily="50" charset="-127"/>
-                          <a:cs typeface="맑은 고딕" panose="020B0503020000020004" pitchFamily="50" charset="-127"/>
-                        </a:rPr>
-                        <a:t>1</a:t>
-                      </a:r>
-                      <a:r>
-                        <a:rPr lang="ko-KR" altLang="en-US" sz="1000" dirty="0">
-                          <a:effectLst/>
-                          <a:latin typeface="맑은 고딕" panose="020B0503020000020004" pitchFamily="50" charset="-127"/>
-                          <a:ea typeface="맑은 고딕" panose="020B0503020000020004" pitchFamily="50" charset="-127"/>
-                          <a:cs typeface="맑은 고딕" panose="020B0503020000020004" pitchFamily="50" charset="-127"/>
-                        </a:rPr>
-                        <a:t>개씩 발사한다</a:t>
-                      </a:r>
-                      <a:r>
-                        <a:rPr lang="en-US" altLang="ko-KR" sz="1000" dirty="0">
-                          <a:effectLst/>
-                          <a:latin typeface="맑은 고딕" panose="020B0503020000020004" pitchFamily="50" charset="-127"/>
-                          <a:ea typeface="맑은 고딕" panose="020B0503020000020004" pitchFamily="50" charset="-127"/>
-                          <a:cs typeface="맑은 고딕" panose="020B0503020000020004" pitchFamily="50" charset="-127"/>
-                        </a:rPr>
-                        <a:t>. </a:t>
-                      </a:r>
-                      <a:r>
-                        <a:rPr lang="ko-KR" altLang="en-US" sz="1000" dirty="0">
-                          <a:effectLst/>
-                          <a:latin typeface="맑은 고딕" panose="020B0503020000020004" pitchFamily="50" charset="-127"/>
-                          <a:ea typeface="맑은 고딕" panose="020B0503020000020004" pitchFamily="50" charset="-127"/>
-                          <a:cs typeface="맑은 고딕" panose="020B0503020000020004" pitchFamily="50" charset="-127"/>
-                        </a:rPr>
-                        <a:t>스킬을 재사용하면 남아있는 </a:t>
-                      </a:r>
-                      <a:r>
-                        <a:rPr lang="ko-KR" altLang="en-US" sz="1000" dirty="0" err="1">
-                          <a:effectLst/>
-                          <a:latin typeface="맑은 고딕" panose="020B0503020000020004" pitchFamily="50" charset="-127"/>
-                          <a:ea typeface="맑은 고딕" panose="020B0503020000020004" pitchFamily="50" charset="-127"/>
-                          <a:cs typeface="맑은 고딕" panose="020B0503020000020004" pitchFamily="50" charset="-127"/>
-                        </a:rPr>
-                        <a:t>천뢰침을</a:t>
-                      </a:r>
-                      <a:r>
-                        <a:rPr lang="ko-KR" altLang="en-US" sz="1000" dirty="0">
-                          <a:effectLst/>
-                          <a:latin typeface="맑은 고딕" panose="020B0503020000020004" pitchFamily="50" charset="-127"/>
-                          <a:ea typeface="맑은 고딕" panose="020B0503020000020004" pitchFamily="50" charset="-127"/>
-                          <a:cs typeface="맑은 고딕" panose="020B0503020000020004" pitchFamily="50" charset="-127"/>
-                        </a:rPr>
-                        <a:t> 한 번에 마우스 포인터 위치로 발사하여 바닥에 꽂는다</a:t>
-                      </a:r>
-                      <a:r>
-                        <a:rPr lang="en-US" altLang="ko-KR" sz="1000" dirty="0">
-                          <a:effectLst/>
-                          <a:latin typeface="맑은 고딕" panose="020B0503020000020004" pitchFamily="50" charset="-127"/>
-                          <a:ea typeface="맑은 고딕" panose="020B0503020000020004" pitchFamily="50" charset="-127"/>
-                          <a:cs typeface="맑은 고딕" panose="020B0503020000020004" pitchFamily="50" charset="-127"/>
-                        </a:rPr>
-                        <a:t>.</a:t>
-                      </a:r>
-                      <a:endParaRPr lang="ko-KR" sz="1100" dirty="0">
-                        <a:effectLst/>
-                        <a:latin typeface="맑은 고딕" panose="020B0503020000020004" pitchFamily="50" charset="-127"/>
-                        <a:ea typeface="맑은 고딕" panose="020B0503020000020004" pitchFamily="50" charset="-127"/>
-                        <a:cs typeface="맑은 고딕" panose="020B0503020000020004" pitchFamily="50" charset="-127"/>
-                      </a:endParaRPr>
-                    </a:p>
-                  </a:txBody>
-                  <a:tcPr marL="67521" marR="67521" marT="0" marB="0" anchor="ctr"/>
-                </a:tc>
-                <a:tc>
-                  <a:txBody>
-                    <a:bodyPr/>
-                    <a:lstStyle/>
-                    <a:p>
-                      <a:pPr algn="ctr" latinLnBrk="1">
-                        <a:spcAft>
-                          <a:spcPts val="800"/>
-                        </a:spcAft>
-                      </a:pPr>
-                      <a:endParaRPr lang="ko-KR" sz="1100" dirty="0">
-                        <a:effectLst/>
-                        <a:latin typeface="맑은 고딕" panose="020B0503020000020004" pitchFamily="50" charset="-127"/>
-                        <a:ea typeface="맑은 고딕" panose="020B0503020000020004" pitchFamily="50" charset="-127"/>
-                        <a:cs typeface="맑은 고딕" panose="020B0503020000020004" pitchFamily="50" charset="-127"/>
-                      </a:endParaRPr>
-                    </a:p>
-                  </a:txBody>
-                  <a:tcPr marL="67521" marR="67521" marT="0" marB="0" anchor="ctr"/>
-                </a:tc>
-                <a:extLst>
-                  <a:ext uri="{0D108BD9-81ED-4DB2-BD59-A6C34878D82A}">
-                    <a16:rowId xmlns:a16="http://schemas.microsoft.com/office/drawing/2014/main" val="4131342945"/>
-                  </a:ext>
-                </a:extLst>
-              </a:tr>
-              <a:tr h="600185">
-                <a:tc>
-                  <a:txBody>
-                    <a:bodyPr/>
-                    <a:lstStyle/>
-                    <a:p>
-                      <a:pPr algn="ctr" latinLnBrk="1">
-                        <a:spcAft>
-                          <a:spcPts val="800"/>
-                        </a:spcAft>
-                      </a:pPr>
-                      <a:r>
-                        <a:rPr lang="ko-KR" sz="1000">
-                          <a:effectLst/>
-                        </a:rPr>
-                        <a:t>스킬</a:t>
-                      </a:r>
-                      <a:r>
-                        <a:rPr lang="en-US" sz="1000">
-                          <a:effectLst/>
-                        </a:rPr>
-                        <a:t> 2</a:t>
-                      </a:r>
-                      <a:endParaRPr lang="ko-KR" sz="1100">
-                        <a:effectLst/>
-                        <a:latin typeface="맑은 고딕" panose="020B0503020000020004" pitchFamily="50" charset="-127"/>
-                        <a:ea typeface="맑은 고딕" panose="020B0503020000020004" pitchFamily="50" charset="-127"/>
-                        <a:cs typeface="맑은 고딕" panose="020B0503020000020004" pitchFamily="50" charset="-127"/>
-                      </a:endParaRPr>
-                    </a:p>
-                  </a:txBody>
-                  <a:tcPr marL="67521" marR="67521" marT="0" marB="0" anchor="ctr"/>
-                </a:tc>
-                <a:tc>
-                  <a:txBody>
-                    <a:bodyPr/>
-                    <a:lstStyle/>
-                    <a:p>
-                      <a:pPr algn="ctr" latinLnBrk="1">
-                        <a:spcAft>
-                          <a:spcPts val="800"/>
-                        </a:spcAft>
-                      </a:pPr>
-                      <a:r>
-                        <a:rPr lang="ko-KR" altLang="en-US" sz="1100" dirty="0" err="1">
-                          <a:effectLst/>
-                          <a:latin typeface="맑은 고딕" panose="020B0503020000020004" pitchFamily="50" charset="-127"/>
-                          <a:ea typeface="맑은 고딕" panose="020B0503020000020004" pitchFamily="50" charset="-127"/>
-                          <a:cs typeface="맑은 고딕" panose="020B0503020000020004" pitchFamily="50" charset="-127"/>
-                        </a:rPr>
-                        <a:t>천뢰연격</a:t>
-                      </a:r>
-                      <a:endParaRPr lang="ko-KR" sz="1100" dirty="0">
-                        <a:effectLst/>
-                        <a:latin typeface="맑은 고딕" panose="020B0503020000020004" pitchFamily="50" charset="-127"/>
-                        <a:ea typeface="맑은 고딕" panose="020B0503020000020004" pitchFamily="50" charset="-127"/>
-                        <a:cs typeface="맑은 고딕" panose="020B0503020000020004" pitchFamily="50" charset="-127"/>
-                      </a:endParaRPr>
-                    </a:p>
-                  </a:txBody>
-                  <a:tcPr marL="67521" marR="67521" marT="0" marB="0" anchor="ctr"/>
-                </a:tc>
-                <a:tc>
-                  <a:txBody>
-                    <a:bodyPr/>
-                    <a:lstStyle/>
-                    <a:p>
-                      <a:pPr latinLnBrk="1">
-                        <a:spcAft>
-                          <a:spcPts val="800"/>
-                        </a:spcAft>
-                      </a:pPr>
-                      <a:r>
-                        <a:rPr lang="ko-KR" sz="1000" dirty="0">
-                          <a:effectLst/>
-                        </a:rPr>
-                        <a:t>왼손을 앞으로 뻗고 부채를 왼손에 가져가며 손바닥을 치듯이 접는다</a:t>
-                      </a:r>
-                      <a:r>
-                        <a:rPr lang="en-US" sz="1000" dirty="0">
-                          <a:effectLst/>
-                        </a:rPr>
-                        <a:t>. </a:t>
-                      </a:r>
-                      <a:r>
-                        <a:rPr lang="ko-KR" sz="1000" dirty="0">
-                          <a:effectLst/>
-                        </a:rPr>
-                        <a:t>왼손의 손바닥 위에 번개 구체가 두개 형성된다</a:t>
-                      </a:r>
-                      <a:r>
-                        <a:rPr lang="en-US" sz="1000" dirty="0">
-                          <a:effectLst/>
-                        </a:rPr>
-                        <a:t>. </a:t>
-                      </a:r>
-                      <a:r>
-                        <a:rPr lang="ko-KR" sz="1000" dirty="0">
-                          <a:effectLst/>
-                        </a:rPr>
-                        <a:t>이후 부채를 펼치며 손을 내리고 아래에서 위로</a:t>
-                      </a:r>
-                      <a:r>
-                        <a:rPr lang="en-US" sz="1000" dirty="0">
-                          <a:effectLst/>
-                        </a:rPr>
-                        <a:t>, </a:t>
-                      </a:r>
-                      <a:r>
-                        <a:rPr lang="ko-KR" sz="1000" dirty="0">
-                          <a:effectLst/>
-                        </a:rPr>
-                        <a:t>안에서 밖으로 부채를 총 두 번 휘둘러 번개를 방출한다</a:t>
-                      </a:r>
-                      <a:r>
-                        <a:rPr lang="en-US" sz="1000" dirty="0">
-                          <a:effectLst/>
-                        </a:rPr>
-                        <a:t>.</a:t>
-                      </a:r>
-                      <a:endParaRPr lang="ko-KR" sz="1100" dirty="0">
-                        <a:effectLst/>
-                        <a:latin typeface="맑은 고딕" panose="020B0503020000020004" pitchFamily="50" charset="-127"/>
-                        <a:ea typeface="맑은 고딕" panose="020B0503020000020004" pitchFamily="50" charset="-127"/>
-                        <a:cs typeface="맑은 고딕" panose="020B0503020000020004" pitchFamily="50" charset="-127"/>
-                      </a:endParaRPr>
-                    </a:p>
-                  </a:txBody>
-                  <a:tcPr marL="67521" marR="67521" marT="0" marB="0" anchor="ctr"/>
-                </a:tc>
-                <a:tc>
-                  <a:txBody>
-                    <a:bodyPr/>
-                    <a:lstStyle/>
-                    <a:p>
-                      <a:pPr algn="ctr" latinLnBrk="1">
-                        <a:spcAft>
-                          <a:spcPts val="800"/>
-                        </a:spcAft>
-                      </a:pPr>
-                      <a:endParaRPr lang="ko-KR" sz="1100" dirty="0">
-                        <a:effectLst/>
-                        <a:latin typeface="맑은 고딕" panose="020B0503020000020004" pitchFamily="50" charset="-127"/>
-                        <a:ea typeface="맑은 고딕" panose="020B0503020000020004" pitchFamily="50" charset="-127"/>
-                        <a:cs typeface="맑은 고딕" panose="020B0503020000020004" pitchFamily="50" charset="-127"/>
-                      </a:endParaRPr>
-                    </a:p>
-                  </a:txBody>
-                  <a:tcPr marL="67521" marR="67521" marT="0" marB="0" anchor="ctr"/>
-                </a:tc>
-                <a:extLst>
-                  <a:ext uri="{0D108BD9-81ED-4DB2-BD59-A6C34878D82A}">
-                    <a16:rowId xmlns:a16="http://schemas.microsoft.com/office/drawing/2014/main" val="3565765023"/>
-                  </a:ext>
-                </a:extLst>
-              </a:tr>
-              <a:tr h="600185">
-                <a:tc>
-                  <a:txBody>
-                    <a:bodyPr/>
-                    <a:lstStyle/>
-                    <a:p>
-                      <a:pPr algn="ctr" latinLnBrk="1">
-                        <a:spcAft>
-                          <a:spcPts val="800"/>
-                        </a:spcAft>
-                      </a:pPr>
-                      <a:r>
-                        <a:rPr lang="ko-KR" sz="1000">
-                          <a:effectLst/>
-                        </a:rPr>
-                        <a:t>스킬</a:t>
-                      </a:r>
-                      <a:r>
-                        <a:rPr lang="en-US" sz="1000">
-                          <a:effectLst/>
-                        </a:rPr>
-                        <a:t> 3 </a:t>
-                      </a:r>
-                      <a:endParaRPr lang="ko-KR" sz="1100">
-                        <a:effectLst/>
-                        <a:latin typeface="맑은 고딕" panose="020B0503020000020004" pitchFamily="50" charset="-127"/>
-                        <a:ea typeface="맑은 고딕" panose="020B0503020000020004" pitchFamily="50" charset="-127"/>
-                        <a:cs typeface="맑은 고딕" panose="020B0503020000020004" pitchFamily="50" charset="-127"/>
-                      </a:endParaRPr>
-                    </a:p>
-                  </a:txBody>
-                  <a:tcPr marL="67521" marR="67521" marT="0" marB="0" anchor="ctr"/>
-                </a:tc>
-                <a:tc>
-                  <a:txBody>
-                    <a:bodyPr/>
-                    <a:lstStyle/>
-                    <a:p>
-                      <a:pPr algn="ctr" latinLnBrk="1">
-                        <a:spcAft>
-                          <a:spcPts val="800"/>
-                        </a:spcAft>
-                      </a:pPr>
-                      <a:r>
-                        <a:rPr lang="ko-KR" altLang="en-US" sz="1100" dirty="0" err="1">
-                          <a:effectLst/>
-                          <a:latin typeface="맑은 고딕" panose="020B0503020000020004" pitchFamily="50" charset="-127"/>
-                          <a:ea typeface="맑은 고딕" panose="020B0503020000020004" pitchFamily="50" charset="-127"/>
-                          <a:cs typeface="맑은 고딕" panose="020B0503020000020004" pitchFamily="50" charset="-127"/>
-                        </a:rPr>
-                        <a:t>천뢰일폭</a:t>
-                      </a:r>
-                      <a:endParaRPr lang="ko-KR" sz="1100" dirty="0">
-                        <a:effectLst/>
-                        <a:latin typeface="맑은 고딕" panose="020B0503020000020004" pitchFamily="50" charset="-127"/>
-                        <a:ea typeface="맑은 고딕" panose="020B0503020000020004" pitchFamily="50" charset="-127"/>
-                        <a:cs typeface="맑은 고딕" panose="020B0503020000020004" pitchFamily="50" charset="-127"/>
-                      </a:endParaRPr>
-                    </a:p>
-                  </a:txBody>
-                  <a:tcPr marL="67521" marR="67521" marT="0" marB="0" anchor="ctr"/>
-                </a:tc>
-                <a:tc>
-                  <a:txBody>
-                    <a:bodyPr/>
-                    <a:lstStyle/>
-                    <a:p>
-                      <a:pPr latinLnBrk="1">
-                        <a:spcAft>
-                          <a:spcPts val="800"/>
-                        </a:spcAft>
-                      </a:pPr>
-                      <a:r>
-                        <a:rPr lang="ko-KR" sz="1000" dirty="0">
-                          <a:effectLst/>
-                        </a:rPr>
-                        <a:t>부채를 접은 후 몸을 한 바퀴 회전하며 하늘을 향해 펼친다</a:t>
-                      </a:r>
-                      <a:r>
-                        <a:rPr lang="en-US" sz="1000" dirty="0">
-                          <a:effectLst/>
-                        </a:rPr>
-                        <a:t>. </a:t>
-                      </a:r>
-                      <a:r>
-                        <a:rPr lang="ko-KR" sz="1000" dirty="0">
-                          <a:effectLst/>
-                        </a:rPr>
-                        <a:t>전방의 하늘에 원형의 부채 모양으로 번개가 형성되고 회전하며 하늘의 번개를 담는다</a:t>
-                      </a:r>
-                      <a:r>
-                        <a:rPr lang="en-US" sz="1000" dirty="0">
-                          <a:effectLst/>
-                        </a:rPr>
-                        <a:t>. </a:t>
-                      </a:r>
-                      <a:r>
-                        <a:rPr lang="ko-KR" sz="1000" dirty="0">
-                          <a:effectLst/>
-                        </a:rPr>
-                        <a:t>이후 부채를 수직으로 내리는 동작을 따라 거대한 번개가 한 번 내리친다</a:t>
-                      </a:r>
-                      <a:r>
-                        <a:rPr lang="en-US" sz="1000" dirty="0">
-                          <a:effectLst/>
-                        </a:rPr>
-                        <a:t>.</a:t>
-                      </a:r>
-                      <a:endParaRPr lang="ko-KR" sz="1100" dirty="0">
-                        <a:effectLst/>
-                        <a:latin typeface="맑은 고딕" panose="020B0503020000020004" pitchFamily="50" charset="-127"/>
-                        <a:ea typeface="맑은 고딕" panose="020B0503020000020004" pitchFamily="50" charset="-127"/>
-                        <a:cs typeface="맑은 고딕" panose="020B0503020000020004" pitchFamily="50" charset="-127"/>
-                      </a:endParaRPr>
-                    </a:p>
-                  </a:txBody>
-                  <a:tcPr marL="67521" marR="67521" marT="0" marB="0" anchor="ctr"/>
-                </a:tc>
-                <a:tc>
-                  <a:txBody>
-                    <a:bodyPr/>
-                    <a:lstStyle/>
-                    <a:p>
-                      <a:pPr algn="ctr" latinLnBrk="1">
-                        <a:spcAft>
-                          <a:spcPts val="800"/>
-                        </a:spcAft>
-                      </a:pPr>
-                      <a:endParaRPr lang="ko-KR" sz="1100" dirty="0">
-                        <a:effectLst/>
-                        <a:latin typeface="맑은 고딕" panose="020B0503020000020004" pitchFamily="50" charset="-127"/>
-                        <a:ea typeface="맑은 고딕" panose="020B0503020000020004" pitchFamily="50" charset="-127"/>
-                        <a:cs typeface="맑은 고딕" panose="020B0503020000020004" pitchFamily="50" charset="-127"/>
-                      </a:endParaRPr>
-                    </a:p>
-                  </a:txBody>
-                  <a:tcPr marL="67521" marR="67521" marT="0" marB="0" anchor="ctr"/>
-                </a:tc>
-                <a:extLst>
-                  <a:ext uri="{0D108BD9-81ED-4DB2-BD59-A6C34878D82A}">
-                    <a16:rowId xmlns:a16="http://schemas.microsoft.com/office/drawing/2014/main" val="3168661115"/>
-                  </a:ext>
-                </a:extLst>
-              </a:tr>
-              <a:tr h="450138">
-                <a:tc>
-                  <a:txBody>
-                    <a:bodyPr/>
-                    <a:lstStyle/>
-                    <a:p>
-                      <a:pPr algn="ctr" latinLnBrk="1">
-                        <a:spcAft>
-                          <a:spcPts val="800"/>
-                        </a:spcAft>
-                      </a:pPr>
-                      <a:r>
-                        <a:rPr lang="ko-KR" sz="1000">
-                          <a:effectLst/>
-                        </a:rPr>
-                        <a:t>스킬</a:t>
-                      </a:r>
-                      <a:r>
-                        <a:rPr lang="en-US" sz="1000">
-                          <a:effectLst/>
-                        </a:rPr>
-                        <a:t> 4</a:t>
-                      </a:r>
-                      <a:endParaRPr lang="ko-KR" sz="1100">
-                        <a:effectLst/>
-                        <a:latin typeface="맑은 고딕" panose="020B0503020000020004" pitchFamily="50" charset="-127"/>
-                        <a:ea typeface="맑은 고딕" panose="020B0503020000020004" pitchFamily="50" charset="-127"/>
-                        <a:cs typeface="맑은 고딕" panose="020B0503020000020004" pitchFamily="50" charset="-127"/>
-                      </a:endParaRPr>
-                    </a:p>
-                  </a:txBody>
-                  <a:tcPr marL="67521" marR="67521" marT="0" marB="0" anchor="ctr"/>
-                </a:tc>
-                <a:tc>
-                  <a:txBody>
-                    <a:bodyPr/>
-                    <a:lstStyle/>
-                    <a:p>
-                      <a:pPr marL="0" marR="0" lvl="0" indent="0" algn="ctr" defTabSz="914400" rtl="0" eaLnBrk="1" fontAlgn="auto" latinLnBrk="1" hangingPunct="1">
-                        <a:lnSpc>
-                          <a:spcPct val="100000"/>
-                        </a:lnSpc>
-                        <a:spcBef>
-                          <a:spcPts val="0"/>
-                        </a:spcBef>
-                        <a:spcAft>
-                          <a:spcPts val="800"/>
-                        </a:spcAft>
-                        <a:buClrTx/>
-                        <a:buSzTx/>
-                        <a:buFontTx/>
-                        <a:buNone/>
-                        <a:tabLst/>
-                        <a:defRPr/>
-                      </a:pPr>
-                      <a:r>
-                        <a:rPr lang="ko-KR" altLang="en-US" sz="1100" dirty="0" err="1">
-                          <a:effectLst/>
-                          <a:latin typeface="맑은 고딕" panose="020B0503020000020004" pitchFamily="50" charset="-127"/>
-                          <a:ea typeface="+mn-ea"/>
-                          <a:cs typeface="맑은 고딕" panose="020B0503020000020004" pitchFamily="50" charset="-127"/>
-                        </a:rPr>
-                        <a:t>천뢰신보</a:t>
-                      </a:r>
-                      <a:endParaRPr lang="ko-KR" altLang="ko-KR" sz="1100" dirty="0">
-                        <a:effectLst/>
-                        <a:latin typeface="맑은 고딕" panose="020B0503020000020004" pitchFamily="50" charset="-127"/>
-                        <a:ea typeface="+mn-ea"/>
-                        <a:cs typeface="맑은 고딕" panose="020B0503020000020004" pitchFamily="50" charset="-127"/>
-                      </a:endParaRPr>
-                    </a:p>
-                  </a:txBody>
-                  <a:tcPr marL="67521" marR="67521" marT="0" marB="0" anchor="ctr"/>
-                </a:tc>
-                <a:tc>
-                  <a:txBody>
-                    <a:bodyPr/>
-                    <a:lstStyle/>
-                    <a:p>
-                      <a:pPr latinLnBrk="1">
-                        <a:spcAft>
-                          <a:spcPts val="800"/>
-                        </a:spcAft>
-                      </a:pPr>
-                      <a:r>
-                        <a:rPr lang="ko-KR" sz="1000" dirty="0">
-                          <a:effectLst/>
-                        </a:rPr>
-                        <a:t>부채를 접으며 오른손을 허리 뒤의 왼손위에 포갠다</a:t>
-                      </a:r>
-                      <a:r>
-                        <a:rPr lang="en-US" sz="1000" dirty="0">
-                          <a:effectLst/>
-                        </a:rPr>
-                        <a:t>. </a:t>
-                      </a:r>
-                      <a:r>
-                        <a:rPr lang="ko-KR" sz="1000" dirty="0">
-                          <a:effectLst/>
-                        </a:rPr>
-                        <a:t>번개를 온 몸에 </a:t>
-                      </a:r>
-                      <a:r>
-                        <a:rPr lang="ko-KR" sz="1000" dirty="0" err="1">
-                          <a:effectLst/>
-                        </a:rPr>
-                        <a:t>끌어모은다</a:t>
-                      </a:r>
-                      <a:r>
-                        <a:rPr lang="en-US" sz="1000" dirty="0">
-                          <a:effectLst/>
-                        </a:rPr>
-                        <a:t>. </a:t>
-                      </a:r>
-                      <a:r>
-                        <a:rPr lang="ko-KR" sz="1000" dirty="0">
-                          <a:effectLst/>
-                        </a:rPr>
-                        <a:t>이후 천천히 세 걸음 전진한다</a:t>
-                      </a:r>
-                      <a:r>
-                        <a:rPr lang="en-US" sz="1000" dirty="0">
-                          <a:effectLst/>
-                        </a:rPr>
-                        <a:t>. </a:t>
-                      </a:r>
-                      <a:r>
-                        <a:rPr lang="ko-KR" sz="1000" dirty="0">
-                          <a:effectLst/>
-                        </a:rPr>
-                        <a:t>걸음마다 몸에 담긴 번개가 </a:t>
-                      </a:r>
-                      <a:r>
-                        <a:rPr lang="ko-KR" sz="1000" dirty="0" err="1">
-                          <a:effectLst/>
-                        </a:rPr>
-                        <a:t>퍼져나가</a:t>
-                      </a:r>
-                      <a:r>
-                        <a:rPr lang="ko-KR" sz="1000" dirty="0">
-                          <a:effectLst/>
-                        </a:rPr>
-                        <a:t> 주변의 적에게 피해를 준다</a:t>
-                      </a:r>
-                      <a:r>
-                        <a:rPr lang="en-US" sz="1000" dirty="0">
-                          <a:effectLst/>
-                        </a:rPr>
-                        <a:t>.</a:t>
-                      </a:r>
-                      <a:endParaRPr lang="ko-KR" sz="1100" dirty="0">
-                        <a:effectLst/>
-                        <a:latin typeface="맑은 고딕" panose="020B0503020000020004" pitchFamily="50" charset="-127"/>
-                        <a:ea typeface="맑은 고딕" panose="020B0503020000020004" pitchFamily="50" charset="-127"/>
-                        <a:cs typeface="맑은 고딕" panose="020B0503020000020004" pitchFamily="50" charset="-127"/>
-                      </a:endParaRPr>
-                    </a:p>
-                  </a:txBody>
-                  <a:tcPr marL="67521" marR="67521" marT="0" marB="0" anchor="ctr"/>
-                </a:tc>
-                <a:tc>
-                  <a:txBody>
-                    <a:bodyPr/>
-                    <a:lstStyle/>
-                    <a:p>
-                      <a:pPr algn="ctr" latinLnBrk="1">
-                        <a:spcAft>
-                          <a:spcPts val="800"/>
-                        </a:spcAft>
-                      </a:pPr>
-                      <a:endParaRPr lang="ko-KR" sz="1100" dirty="0">
-                        <a:effectLst/>
-                        <a:latin typeface="맑은 고딕" panose="020B0503020000020004" pitchFamily="50" charset="-127"/>
-                        <a:ea typeface="맑은 고딕" panose="020B0503020000020004" pitchFamily="50" charset="-127"/>
-                        <a:cs typeface="맑은 고딕" panose="020B0503020000020004" pitchFamily="50" charset="-127"/>
-                      </a:endParaRPr>
-                    </a:p>
-                  </a:txBody>
-                  <a:tcPr marL="67521" marR="67521" marT="0" marB="0" anchor="ctr"/>
-                </a:tc>
-                <a:extLst>
-                  <a:ext uri="{0D108BD9-81ED-4DB2-BD59-A6C34878D82A}">
-                    <a16:rowId xmlns:a16="http://schemas.microsoft.com/office/drawing/2014/main" val="848545980"/>
-                  </a:ext>
-                </a:extLst>
-              </a:tr>
-              <a:tr h="450138">
-                <a:tc>
-                  <a:txBody>
-                    <a:bodyPr/>
-                    <a:lstStyle/>
-                    <a:p>
-                      <a:pPr algn="ctr" latinLnBrk="1">
-                        <a:spcAft>
-                          <a:spcPts val="800"/>
-                        </a:spcAft>
-                      </a:pPr>
-                      <a:endParaRPr lang="ko-KR" sz="1100" dirty="0">
-                        <a:effectLst/>
-                        <a:latin typeface="맑은 고딕" panose="020B0503020000020004" pitchFamily="50" charset="-127"/>
-                        <a:ea typeface="맑은 고딕" panose="020B0503020000020004" pitchFamily="50" charset="-127"/>
-                        <a:cs typeface="맑은 고딕" panose="020B0503020000020004" pitchFamily="50" charset="-127"/>
-                      </a:endParaRPr>
-                    </a:p>
-                  </a:txBody>
-                  <a:tcPr marL="67521" marR="67521" marT="0" marB="0" anchor="ctr"/>
-                </a:tc>
-                <a:tc>
-                  <a:txBody>
-                    <a:bodyPr/>
-                    <a:lstStyle/>
-                    <a:p>
-                      <a:pPr algn="ctr" latinLnBrk="1">
-                        <a:spcAft>
-                          <a:spcPts val="800"/>
-                        </a:spcAft>
-                      </a:pPr>
-                      <a:endParaRPr lang="ko-KR" sz="1100" dirty="0">
-                        <a:effectLst/>
-                        <a:latin typeface="맑은 고딕" panose="020B0503020000020004" pitchFamily="50" charset="-127"/>
-                        <a:ea typeface="맑은 고딕" panose="020B0503020000020004" pitchFamily="50" charset="-127"/>
-                        <a:cs typeface="맑은 고딕" panose="020B0503020000020004" pitchFamily="50" charset="-127"/>
-                      </a:endParaRPr>
-                    </a:p>
-                  </a:txBody>
-                  <a:tcPr marL="67521" marR="67521" marT="0" marB="0" anchor="ctr"/>
-                </a:tc>
-                <a:tc>
-                  <a:txBody>
-                    <a:bodyPr/>
-                    <a:lstStyle/>
-                    <a:p>
-                      <a:pPr latinLnBrk="1">
-                        <a:spcAft>
-                          <a:spcPts val="800"/>
-                        </a:spcAft>
-                      </a:pPr>
-                      <a:r>
-                        <a:rPr lang="ko-KR" altLang="en-US" sz="1100" dirty="0" err="1">
-                          <a:effectLst/>
-                          <a:latin typeface="맑은 고딕" panose="020B0503020000020004" pitchFamily="50" charset="-127"/>
-                          <a:ea typeface="맑은 고딕" panose="020B0503020000020004" pitchFamily="50" charset="-127"/>
-                          <a:cs typeface="맑은 고딕" panose="020B0503020000020004" pitchFamily="50" charset="-127"/>
-                        </a:rPr>
-                        <a:t>천뢰침을</a:t>
-                      </a:r>
-                      <a:r>
-                        <a:rPr lang="ko-KR" altLang="en-US" sz="1100" dirty="0">
-                          <a:effectLst/>
-                          <a:latin typeface="맑은 고딕" panose="020B0503020000020004" pitchFamily="50" charset="-127"/>
-                          <a:ea typeface="맑은 고딕" panose="020B0503020000020004" pitchFamily="50" charset="-127"/>
-                          <a:cs typeface="맑은 고딕" panose="020B0503020000020004" pitchFamily="50" charset="-127"/>
-                        </a:rPr>
-                        <a:t> 발사하는 스킬이 있어야 함</a:t>
-                      </a:r>
-                      <a:r>
-                        <a:rPr lang="en-US" altLang="ko-KR" sz="1100" dirty="0">
-                          <a:effectLst/>
-                          <a:latin typeface="맑은 고딕" panose="020B0503020000020004" pitchFamily="50" charset="-127"/>
-                          <a:ea typeface="맑은 고딕" panose="020B0503020000020004" pitchFamily="50" charset="-127"/>
-                          <a:cs typeface="맑은 고딕" panose="020B0503020000020004" pitchFamily="50" charset="-127"/>
-                        </a:rPr>
-                        <a:t>.</a:t>
-                      </a:r>
-                      <a:endParaRPr lang="ko-KR" sz="1100" dirty="0">
-                        <a:effectLst/>
-                        <a:latin typeface="맑은 고딕" panose="020B0503020000020004" pitchFamily="50" charset="-127"/>
-                        <a:ea typeface="맑은 고딕" panose="020B0503020000020004" pitchFamily="50" charset="-127"/>
-                        <a:cs typeface="맑은 고딕" panose="020B0503020000020004" pitchFamily="50" charset="-127"/>
-                      </a:endParaRPr>
-                    </a:p>
-                  </a:txBody>
-                  <a:tcPr marL="67521" marR="67521" marT="0" marB="0" anchor="ctr"/>
-                </a:tc>
-                <a:tc>
-                  <a:txBody>
-                    <a:bodyPr/>
-                    <a:lstStyle/>
-                    <a:p>
-                      <a:pPr algn="ctr" latinLnBrk="1">
-                        <a:spcAft>
-                          <a:spcPts val="800"/>
-                        </a:spcAft>
-                      </a:pPr>
-                      <a:endParaRPr lang="ko-KR" sz="1100" dirty="0">
-                        <a:effectLst/>
-                        <a:latin typeface="맑은 고딕" panose="020B0503020000020004" pitchFamily="50" charset="-127"/>
-                        <a:ea typeface="맑은 고딕" panose="020B0503020000020004" pitchFamily="50" charset="-127"/>
-                        <a:cs typeface="맑은 고딕" panose="020B0503020000020004" pitchFamily="50" charset="-127"/>
-                      </a:endParaRPr>
-                    </a:p>
-                  </a:txBody>
-                  <a:tcPr marL="67521" marR="67521" marT="0" marB="0" anchor="ctr"/>
-                </a:tc>
-                <a:extLst>
-                  <a:ext uri="{0D108BD9-81ED-4DB2-BD59-A6C34878D82A}">
-                    <a16:rowId xmlns:a16="http://schemas.microsoft.com/office/drawing/2014/main" val="4084260564"/>
-                  </a:ext>
-                </a:extLst>
-              </a:tr>
-            </a:tbl>
-          </a:graphicData>
-        </a:graphic>
-      </p:graphicFrame>
-      <p:grpSp>
-        <p:nvGrpSpPr>
-          <p:cNvPr id="5" name="그룹 4">
-            <a:extLst>
-              <a:ext uri="{FF2B5EF4-FFF2-40B4-BE49-F238E27FC236}">
-                <a16:creationId xmlns:a16="http://schemas.microsoft.com/office/drawing/2014/main" id="{A72F0025-9A08-CDCB-1731-419954514003}"/>
-              </a:ext>
-            </a:extLst>
-          </p:cNvPr>
-          <p:cNvGrpSpPr/>
-          <p:nvPr/>
-        </p:nvGrpSpPr>
-        <p:grpSpPr>
-          <a:xfrm>
-            <a:off x="7503248" y="343219"/>
-            <a:ext cx="3000375" cy="1511300"/>
-            <a:chOff x="0" y="0"/>
-            <a:chExt cx="3000375" cy="1511935"/>
-          </a:xfrm>
-        </p:grpSpPr>
-        <p:pic>
-          <p:nvPicPr>
-            <p:cNvPr id="6" name="그림 5" descr="손부채, 장식 부채, 야외, 팬이(가) 표시된 사진&#10;&#10;자동 생성된 설명">
-              <a:extLst>
-                <a:ext uri="{FF2B5EF4-FFF2-40B4-BE49-F238E27FC236}">
-                  <a16:creationId xmlns:a16="http://schemas.microsoft.com/office/drawing/2014/main" id="{FABC51C5-34B1-E0F4-C33C-3847E959ACE0}"/>
-                </a:ext>
-              </a:extLst>
-            </p:cNvPr>
-            <p:cNvPicPr>
-              <a:picLocks noChangeAspect="1"/>
-            </p:cNvPicPr>
-            <p:nvPr/>
-          </p:nvPicPr>
-          <p:blipFill>
-            <a:blip r:embed="rId2" cstate="print">
-              <a:extLst>
-                <a:ext uri="{28A0092B-C50C-407E-A947-70E740481C1C}">
-                  <a14:useLocalDpi xmlns:a14="http://schemas.microsoft.com/office/drawing/2010/main" val="0"/>
-                </a:ext>
-              </a:extLst>
-            </a:blip>
-            <a:srcRect/>
-            <a:stretch>
-              <a:fillRect/>
-            </a:stretch>
-          </p:blipFill>
-          <p:spPr bwMode="auto">
-            <a:xfrm>
-              <a:off x="447675" y="0"/>
-              <a:ext cx="2095500" cy="1294765"/>
-            </a:xfrm>
-            <a:prstGeom prst="rect">
-              <a:avLst/>
-            </a:prstGeom>
-            <a:noFill/>
-            <a:ln>
-              <a:noFill/>
-            </a:ln>
-          </p:spPr>
-        </p:pic>
-        <p:sp>
-          <p:nvSpPr>
-            <p:cNvPr id="7" name="Text Box 1">
-              <a:extLst>
-                <a:ext uri="{FF2B5EF4-FFF2-40B4-BE49-F238E27FC236}">
-                  <a16:creationId xmlns:a16="http://schemas.microsoft.com/office/drawing/2014/main" id="{AF9D1F49-7BE7-E346-DA5D-B0EF379F227A}"/>
-                </a:ext>
-              </a:extLst>
-            </p:cNvPr>
-            <p:cNvSpPr txBox="1"/>
-            <p:nvPr/>
-          </p:nvSpPr>
-          <p:spPr>
-            <a:xfrm>
-              <a:off x="0" y="1190625"/>
-              <a:ext cx="3000375" cy="321310"/>
-            </a:xfrm>
-            <a:prstGeom prst="rect">
-              <a:avLst/>
-            </a:prstGeom>
-            <a:solidFill>
-              <a:prstClr val="white"/>
-            </a:solidFill>
-            <a:ln>
-              <a:noFill/>
-            </a:ln>
-          </p:spPr>
-          <p:txBody>
-            <a:bodyPr rot="0" spcFirstLastPara="0" vert="horz" wrap="square" lIns="0" tIns="0" rIns="0" bIns="0" numCol="1" spcCol="0" rtlCol="0" fromWordArt="0" anchor="t" anchorCtr="0" forceAA="0" compatLnSpc="1">
-              <a:prstTxWarp prst="textNoShape">
-                <a:avLst/>
-              </a:prstTxWarp>
-              <a:spAutoFit/>
-            </a:bodyPr>
-            <a:lstStyle/>
-            <a:p>
-              <a:pPr latinLnBrk="1">
-                <a:spcAft>
-                  <a:spcPts val="800"/>
-                </a:spcAft>
-              </a:pPr>
-              <a:r>
-                <a:rPr lang="ko-KR" sz="1000" b="0">
-                  <a:effectLst/>
-                  <a:latin typeface="맑은 고딕" panose="020B0503020000020004" pitchFamily="50" charset="-127"/>
-                  <a:ea typeface="맑은 고딕" panose="020B0503020000020004" pitchFamily="50" charset="-127"/>
-                  <a:cs typeface="맑은 고딕" panose="020B0503020000020004" pitchFamily="50" charset="-127"/>
-                </a:rPr>
-                <a:t>흰색과 검은색이 조화를 이루는 접부채 모양의 무기</a:t>
-              </a:r>
-              <a:endParaRPr lang="ko-KR" sz="1000" b="1">
-                <a:effectLst/>
-                <a:latin typeface="맑은 고딕" panose="020B0503020000020004" pitchFamily="50" charset="-127"/>
-                <a:ea typeface="맑은 고딕" panose="020B0503020000020004" pitchFamily="50" charset="-127"/>
-                <a:cs typeface="맑은 고딕" panose="020B0503020000020004" pitchFamily="50" charset="-127"/>
-              </a:endParaRPr>
-            </a:p>
-          </p:txBody>
-        </p:sp>
-      </p:grpSp>
-      <p:pic>
-        <p:nvPicPr>
-          <p:cNvPr id="2052" name="그림 1">
-            <a:extLst>
-              <a:ext uri="{FF2B5EF4-FFF2-40B4-BE49-F238E27FC236}">
-                <a16:creationId xmlns:a16="http://schemas.microsoft.com/office/drawing/2014/main" id="{E6908F0B-D612-F8EE-8A9F-6F38B9981228}"/>
-              </a:ext>
-            </a:extLst>
-          </p:cNvPr>
-          <p:cNvPicPr>
-            <a:picLocks noChangeAspect="1" noChangeArrowheads="1"/>
-          </p:cNvPicPr>
-          <p:nvPr/>
-        </p:nvPicPr>
-        <p:blipFill>
-          <a:blip r:embed="rId3">
-            <a:extLst>
-              <a:ext uri="{28A0092B-C50C-407E-A947-70E740481C1C}">
-                <a14:useLocalDpi xmlns:a14="http://schemas.microsoft.com/office/drawing/2010/main" val="0"/>
-              </a:ext>
-            </a:extLst>
-          </a:blip>
-          <a:srcRect/>
-          <a:stretch>
-            <a:fillRect/>
-          </a:stretch>
-        </p:blipFill>
-        <p:spPr bwMode="auto">
-          <a:xfrm>
-            <a:off x="10503623" y="14789"/>
-            <a:ext cx="1443038" cy="2146300"/>
-          </a:xfrm>
-          <a:prstGeom prst="rect">
-            <a:avLst/>
-          </a:prstGeom>
-          <a:noFill/>
-          <a:extLst>
-            <a:ext uri="{909E8E84-426E-40DD-AFC4-6F175D3DCCD1}">
-              <a14:hiddenFill xmlns:a14="http://schemas.microsoft.com/office/drawing/2010/main">
-                <a:solidFill>
-                  <a:srgbClr val="FFFFFF"/>
-                </a:solidFill>
-              </a14:hiddenFill>
-            </a:ext>
-          </a:extLst>
-        </p:spPr>
-      </p:pic>
-      <p:sp>
-        <p:nvSpPr>
-          <p:cNvPr id="8" name="Rectangle 5">
-            <a:extLst>
-              <a:ext uri="{FF2B5EF4-FFF2-40B4-BE49-F238E27FC236}">
-                <a16:creationId xmlns:a16="http://schemas.microsoft.com/office/drawing/2014/main" id="{D2DF4994-CBF1-E0ED-569B-66EAA0CF2422}"/>
-              </a:ext>
-            </a:extLst>
-          </p:cNvPr>
-          <p:cNvSpPr>
-            <a:spLocks noChangeArrowheads="1"/>
-          </p:cNvSpPr>
-          <p:nvPr/>
-        </p:nvSpPr>
-        <p:spPr bwMode="auto">
-          <a:xfrm>
-            <a:off x="359859" y="419895"/>
-            <a:ext cx="12192000" cy="457200"/>
-          </a:xfrm>
-          <a:prstGeom prst="rect">
-            <a:avLst/>
-          </a:prstGeom>
-          <a:noFill/>
-          <a:ln>
-            <a:noFill/>
-          </a:ln>
-          <a:effectLst/>
-          <a:extLst>
-            <a:ext uri="{909E8E84-426E-40DD-AFC4-6F175D3DCCD1}">
-              <a14:hiddenFill xmlns:a14="http://schemas.microsoft.com/office/drawing/2010/main">
-                <a:solidFill>
-                  <a:schemeClr val="accent1"/>
-                </a:solidFill>
-              </a14:hiddenFill>
-            </a:ext>
-            <a:ext uri="{91240B29-F687-4F45-9708-019B960494DF}">
-              <a14:hiddenLine xmlns:a14="http://schemas.microsoft.com/office/drawing/2010/main" w="9525">
-                <a:solidFill>
-                  <a:schemeClr val="tx1"/>
-                </a:solidFill>
-                <a:miter lim="800000"/>
-                <a:headEnd/>
-                <a:tailEnd/>
-              </a14:hiddenLine>
-            </a:ext>
-            <a:ext uri="{AF507438-7753-43E0-B8FC-AC1667EBCBE1}">
-              <a14:hiddenEffects xmlns:a14="http://schemas.microsoft.com/office/drawing/2010/main">
-                <a:effectLst>
-                  <a:outerShdw dist="35921" dir="2700000" algn="ctr" rotWithShape="0">
-                    <a:schemeClr val="bg2"/>
-                  </a:outerShdw>
-                </a:effectLst>
-              </a14:hiddenEffects>
-            </a:ext>
-          </a:extLst>
-        </p:spPr>
-        <p:txBody>
-          <a:bodyPr vert="horz" wrap="none" lIns="91440" tIns="45720" rIns="91440" bIns="45720" numCol="1" anchor="ctr" anchorCtr="0" compatLnSpc="1">
-            <a:prstTxWarp prst="textNoShape">
-              <a:avLst/>
-            </a:prstTxWarp>
-            <a:spAutoFit/>
-          </a:bodyPr>
-          <a:lstStyle/>
-          <a:p>
-            <a:pPr marL="0" marR="0" lvl="0" indent="0" algn="l" defTabSz="914400" rtl="0" eaLnBrk="0" fontAlgn="base" latinLnBrk="0" hangingPunct="0">
-              <a:lnSpc>
-                <a:spcPct val="100000"/>
-              </a:lnSpc>
-              <a:spcBef>
-                <a:spcPct val="0"/>
-              </a:spcBef>
-              <a:spcAft>
-                <a:spcPct val="0"/>
-              </a:spcAft>
-              <a:buClrTx/>
-              <a:buSzTx/>
-              <a:buFontTx/>
-              <a:buNone/>
-              <a:tabLst/>
-            </a:pPr>
-            <a:r>
-              <a:rPr kumimoji="0" lang="en-US" altLang="ko-KR" sz="1000" b="1" i="0" u="none" strike="noStrike" cap="none" normalizeH="0" baseline="0" dirty="0">
-                <a:ln>
-                  <a:noFill/>
-                </a:ln>
-                <a:solidFill>
-                  <a:schemeClr val="tx1"/>
-                </a:solidFill>
-                <a:effectLst/>
-                <a:latin typeface="Arial" panose="020B0604020202020204" pitchFamily="34" charset="0"/>
-                <a:cs typeface="맑은 고딕" panose="020B0503020000020004" pitchFamily="50" charset="-127"/>
-              </a:rPr>
-              <a:t>[</a:t>
-            </a:r>
-            <a:r>
-              <a:rPr kumimoji="0" lang="ko-KR" altLang="en-US" sz="1000" b="1" i="0" u="none" strike="noStrike" cap="none" normalizeH="0" baseline="0" dirty="0">
-                <a:ln>
-                  <a:noFill/>
-                </a:ln>
-                <a:solidFill>
-                  <a:schemeClr val="tx1"/>
-                </a:solidFill>
-                <a:effectLst/>
-                <a:latin typeface="Arial" panose="020B0604020202020204" pitchFamily="34" charset="0"/>
-                <a:cs typeface="맑은 고딕" panose="020B0503020000020004" pitchFamily="50" charset="-127"/>
-              </a:rPr>
-              <a:t>부채</a:t>
-            </a:r>
-            <a:r>
-              <a:rPr kumimoji="0" lang="en-US" altLang="ko-KR" sz="1000" b="1" i="0" u="none" strike="noStrike" cap="none" normalizeH="0" baseline="0" dirty="0">
-                <a:ln>
-                  <a:noFill/>
-                </a:ln>
-                <a:solidFill>
-                  <a:schemeClr val="tx1"/>
-                </a:solidFill>
-                <a:effectLst/>
-                <a:latin typeface="Arial" panose="020B0604020202020204" pitchFamily="34" charset="0"/>
-                <a:cs typeface="맑은 고딕" panose="020B0503020000020004" pitchFamily="50" charset="-127"/>
-              </a:rPr>
-              <a:t>]</a:t>
-            </a:r>
-            <a:endParaRPr kumimoji="0" lang="en-US" altLang="ko-KR" sz="800" b="0" i="0" u="none" strike="noStrike" cap="none" normalizeH="0" baseline="0" dirty="0">
-              <a:ln>
-                <a:noFill/>
-              </a:ln>
-              <a:solidFill>
-                <a:schemeClr val="tx1"/>
-              </a:solidFill>
-              <a:effectLst/>
-              <a:latin typeface="Arial" panose="020B0604020202020204" pitchFamily="34" charset="0"/>
-            </a:endParaRPr>
-          </a:p>
-          <a:p>
-            <a:pPr marL="0" marR="0" lvl="0" indent="0" algn="l" defTabSz="914400" rtl="0" eaLnBrk="0" fontAlgn="base" latinLnBrk="0" hangingPunct="0">
-              <a:lnSpc>
-                <a:spcPct val="100000"/>
-              </a:lnSpc>
-              <a:spcBef>
-                <a:spcPct val="0"/>
-              </a:spcBef>
-              <a:spcAft>
-                <a:spcPct val="0"/>
-              </a:spcAft>
-              <a:buClrTx/>
-              <a:buSzTx/>
-              <a:buFontTx/>
-              <a:buNone/>
-              <a:tabLst/>
-            </a:pPr>
-            <a:r>
-              <a:rPr kumimoji="0" lang="en-US" altLang="ko-KR" sz="1000" b="0" i="0" u="none" strike="noStrike" cap="none" normalizeH="0" baseline="0" dirty="0">
-                <a:ln>
-                  <a:noFill/>
-                </a:ln>
-                <a:solidFill>
-                  <a:schemeClr val="tx1"/>
-                </a:solidFill>
-                <a:effectLst/>
-                <a:latin typeface="Arial" panose="020B0604020202020204" pitchFamily="34" charset="0"/>
-                <a:cs typeface="맑은 고딕" panose="020B0503020000020004" pitchFamily="50" charset="-127"/>
-              </a:rPr>
-              <a:t>- </a:t>
-            </a:r>
-            <a:r>
-              <a:rPr kumimoji="0" lang="ko-KR" altLang="en-US" sz="1000" b="0" i="0" u="none" strike="noStrike" cap="none" normalizeH="0" baseline="0" dirty="0">
-                <a:ln>
-                  <a:noFill/>
-                </a:ln>
-                <a:solidFill>
-                  <a:schemeClr val="tx1"/>
-                </a:solidFill>
-                <a:effectLst/>
-                <a:latin typeface="Arial" panose="020B0604020202020204" pitchFamily="34" charset="0"/>
-                <a:cs typeface="맑은 고딕" panose="020B0503020000020004" pitchFamily="50" charset="-127"/>
-              </a:rPr>
-              <a:t>공격 속도</a:t>
-            </a:r>
-            <a:r>
-              <a:rPr kumimoji="0" lang="en-US" altLang="ko-KR" sz="1000" b="0" i="0" u="none" strike="noStrike" cap="none" normalizeH="0" baseline="0" dirty="0">
-                <a:ln>
-                  <a:noFill/>
-                </a:ln>
-                <a:solidFill>
-                  <a:schemeClr val="tx1"/>
-                </a:solidFill>
-                <a:effectLst/>
-                <a:latin typeface="Arial" panose="020B0604020202020204" pitchFamily="34" charset="0"/>
-                <a:cs typeface="맑은 고딕" panose="020B0503020000020004" pitchFamily="50" charset="-127"/>
-              </a:rPr>
-              <a:t>: </a:t>
-            </a:r>
-            <a:r>
-              <a:rPr kumimoji="0" lang="ko-KR" altLang="en-US" sz="1000" b="0" i="0" u="none" strike="noStrike" cap="none" normalizeH="0" baseline="0" dirty="0">
-                <a:ln>
-                  <a:noFill/>
-                </a:ln>
-                <a:solidFill>
-                  <a:schemeClr val="tx1"/>
-                </a:solidFill>
-                <a:effectLst/>
-                <a:latin typeface="Arial" panose="020B0604020202020204" pitchFamily="34" charset="0"/>
-                <a:cs typeface="맑은 고딕" panose="020B0503020000020004" pitchFamily="50" charset="-127"/>
-              </a:rPr>
-              <a:t>보통</a:t>
-            </a:r>
-            <a:endParaRPr kumimoji="0" lang="ko-KR" altLang="en-US" sz="800" b="0" i="0" u="none" strike="noStrike" cap="none" normalizeH="0" baseline="0" dirty="0">
-              <a:ln>
-                <a:noFill/>
-              </a:ln>
-              <a:solidFill>
-                <a:schemeClr val="tx1"/>
-              </a:solidFill>
-              <a:effectLst/>
-              <a:latin typeface="Arial" panose="020B0604020202020204" pitchFamily="34" charset="0"/>
-            </a:endParaRPr>
-          </a:p>
-          <a:p>
-            <a:pPr marL="0" marR="0" lvl="0" indent="0" algn="l" defTabSz="914400" rtl="0" eaLnBrk="0" fontAlgn="base" latinLnBrk="0" hangingPunct="0">
-              <a:lnSpc>
-                <a:spcPct val="100000"/>
-              </a:lnSpc>
-              <a:spcBef>
-                <a:spcPct val="0"/>
-              </a:spcBef>
-              <a:spcAft>
-                <a:spcPct val="0"/>
-              </a:spcAft>
-              <a:buClrTx/>
-              <a:buSzTx/>
-              <a:buFontTx/>
-              <a:buNone/>
-              <a:tabLst/>
-            </a:pPr>
-            <a:r>
-              <a:rPr kumimoji="0" lang="en-US" altLang="ko-KR" sz="1000" b="0" i="0" u="none" strike="noStrike" cap="none" normalizeH="0" baseline="0" dirty="0">
-                <a:ln>
-                  <a:noFill/>
-                </a:ln>
-                <a:solidFill>
-                  <a:schemeClr val="tx1"/>
-                </a:solidFill>
-                <a:effectLst/>
-                <a:latin typeface="Arial" panose="020B0604020202020204" pitchFamily="34" charset="0"/>
-                <a:cs typeface="맑은 고딕" panose="020B0503020000020004" pitchFamily="50" charset="-127"/>
-              </a:rPr>
-              <a:t>- </a:t>
-            </a:r>
-            <a:r>
-              <a:rPr kumimoji="0" lang="ko-KR" altLang="en-US" sz="1000" b="0" i="0" u="none" strike="noStrike" cap="none" normalizeH="0" baseline="0" dirty="0">
-                <a:ln>
-                  <a:noFill/>
-                </a:ln>
-                <a:solidFill>
-                  <a:schemeClr val="tx1"/>
-                </a:solidFill>
-                <a:effectLst/>
-                <a:latin typeface="Arial" panose="020B0604020202020204" pitchFamily="34" charset="0"/>
-                <a:cs typeface="맑은 고딕" panose="020B0503020000020004" pitchFamily="50" charset="-127"/>
-              </a:rPr>
-              <a:t>번개를 다루는 마법 무기이다</a:t>
-            </a:r>
-            <a:r>
-              <a:rPr kumimoji="0" lang="en-US" altLang="ko-KR" sz="1000" b="0" i="0" u="none" strike="noStrike" cap="none" normalizeH="0" baseline="0" dirty="0">
-                <a:ln>
-                  <a:noFill/>
-                </a:ln>
-                <a:solidFill>
-                  <a:schemeClr val="tx1"/>
-                </a:solidFill>
-                <a:effectLst/>
-                <a:latin typeface="Arial" panose="020B0604020202020204" pitchFamily="34" charset="0"/>
-                <a:cs typeface="맑은 고딕" panose="020B0503020000020004" pitchFamily="50" charset="-127"/>
-              </a:rPr>
-              <a:t>.</a:t>
-            </a:r>
-            <a:endParaRPr kumimoji="0" lang="en-US" altLang="ko-KR" sz="800" b="0" i="0" u="none" strike="noStrike" cap="none" normalizeH="0" baseline="0" dirty="0">
-              <a:ln>
-                <a:noFill/>
-              </a:ln>
-              <a:solidFill>
-                <a:schemeClr val="tx1"/>
-              </a:solidFill>
-              <a:effectLst/>
-              <a:latin typeface="Arial" panose="020B0604020202020204" pitchFamily="34" charset="0"/>
-            </a:endParaRPr>
-          </a:p>
-          <a:p>
-            <a:pPr marL="0" marR="0" lvl="0" indent="0" algn="l" defTabSz="914400" rtl="0" eaLnBrk="0" fontAlgn="base" latinLnBrk="0" hangingPunct="0">
-              <a:lnSpc>
-                <a:spcPct val="100000"/>
-              </a:lnSpc>
-              <a:spcBef>
-                <a:spcPct val="0"/>
-              </a:spcBef>
-              <a:spcAft>
-                <a:spcPct val="0"/>
-              </a:spcAft>
-              <a:buClrTx/>
-              <a:buSzTx/>
-              <a:buFontTx/>
-              <a:buNone/>
-              <a:tabLst/>
-            </a:pPr>
-            <a:endParaRPr kumimoji="0" lang="en-US" altLang="ko-KR" sz="1800" b="0" i="0" u="none" strike="noStrike" cap="none" normalizeH="0" baseline="0" dirty="0">
-              <a:ln>
-                <a:noFill/>
-              </a:ln>
-              <a:solidFill>
-                <a:schemeClr val="tx1"/>
-              </a:solidFill>
-              <a:effectLst/>
-              <a:latin typeface="Arial" panose="020B0604020202020204" pitchFamily="34" charset="0"/>
-            </a:endParaRPr>
-          </a:p>
-        </p:txBody>
-      </p:sp>
-      <p:sp>
-        <p:nvSpPr>
-          <p:cNvPr id="9" name="Rectangle 6">
-            <a:extLst>
-              <a:ext uri="{FF2B5EF4-FFF2-40B4-BE49-F238E27FC236}">
-                <a16:creationId xmlns:a16="http://schemas.microsoft.com/office/drawing/2014/main" id="{1528C918-52E8-95B1-1D55-D15EE76060FD}"/>
-              </a:ext>
-            </a:extLst>
-          </p:cNvPr>
-          <p:cNvSpPr>
-            <a:spLocks noChangeArrowheads="1"/>
-          </p:cNvSpPr>
-          <p:nvPr/>
-        </p:nvSpPr>
-        <p:spPr bwMode="auto">
-          <a:xfrm>
-            <a:off x="359859" y="1029012"/>
-            <a:ext cx="12192000" cy="0"/>
-          </a:xfrm>
-          <a:prstGeom prst="rect">
-            <a:avLst/>
-          </a:prstGeom>
-          <a:noFill/>
-          <a:ln>
-            <a:noFill/>
-          </a:ln>
-          <a:effectLst/>
-          <a:extLst>
-            <a:ext uri="{909E8E84-426E-40DD-AFC4-6F175D3DCCD1}">
-              <a14:hiddenFill xmlns:a14="http://schemas.microsoft.com/office/drawing/2010/main">
-                <a:solidFill>
-                  <a:schemeClr val="accent1"/>
-                </a:solidFill>
-              </a14:hiddenFill>
-            </a:ext>
-            <a:ext uri="{91240B29-F687-4F45-9708-019B960494DF}">
-              <a14:hiddenLine xmlns:a14="http://schemas.microsoft.com/office/drawing/2010/main" w="9525">
-                <a:solidFill>
-                  <a:schemeClr val="tx1"/>
-                </a:solidFill>
-                <a:miter lim="800000"/>
-                <a:headEnd/>
-                <a:tailEnd/>
-              </a14:hiddenLine>
-            </a:ext>
-            <a:ext uri="{AF507438-7753-43E0-B8FC-AC1667EBCBE1}">
-              <a14:hiddenEffects xmlns:a14="http://schemas.microsoft.com/office/drawing/2010/main">
-                <a:effectLst>
-                  <a:outerShdw dist="35921" dir="2700000" algn="ctr" rotWithShape="0">
-                    <a:schemeClr val="bg2"/>
-                  </a:outerShdw>
-                </a:effectLst>
-              </a14:hiddenEffects>
-            </a:ext>
-          </a:extLst>
-        </p:spPr>
-        <p:txBody>
-          <a:bodyPr vert="horz" wrap="none" lIns="91440" tIns="45720" rIns="91440" bIns="45720" numCol="1" anchor="ctr" anchorCtr="0" compatLnSpc="1">
-            <a:prstTxWarp prst="textNoShape">
-              <a:avLst/>
-            </a:prstTxWarp>
-            <a:spAutoFit/>
-          </a:bodyPr>
-          <a:lstStyle/>
-          <a:p>
-            <a:pPr marL="0" marR="0" lvl="0" indent="0" algn="l" defTabSz="914400" rtl="0" eaLnBrk="0" fontAlgn="base" latinLnBrk="0" hangingPunct="0">
-              <a:lnSpc>
-                <a:spcPct val="100000"/>
-              </a:lnSpc>
-              <a:spcBef>
-                <a:spcPct val="0"/>
-              </a:spcBef>
-              <a:spcAft>
-                <a:spcPct val="0"/>
-              </a:spcAft>
-              <a:buClrTx/>
-              <a:buSzTx/>
-              <a:buFontTx/>
-              <a:buNone/>
-              <a:tabLst/>
-            </a:pPr>
-            <a:br>
-              <a:rPr kumimoji="0" lang="ko-KR" altLang="ko-KR" sz="1100" b="0" i="0" u="none" strike="noStrike" cap="none" normalizeH="0" baseline="0" dirty="0">
-                <a:ln>
-                  <a:noFill/>
-                </a:ln>
-                <a:solidFill>
-                  <a:schemeClr val="tx1"/>
-                </a:solidFill>
-                <a:effectLst/>
-                <a:latin typeface="Arial" panose="020B0604020202020204" pitchFamily="34" charset="0"/>
-                <a:cs typeface="맑은 고딕" panose="020B0503020000020004" pitchFamily="50" charset="-127"/>
-              </a:rPr>
-            </a:br>
-            <a:r>
-              <a:rPr kumimoji="0" lang="en-US" altLang="ko-KR" sz="1000" b="0" i="0" u="none" strike="noStrike" cap="none" normalizeH="0" baseline="0" dirty="0">
-                <a:ln>
-                  <a:noFill/>
-                </a:ln>
-                <a:solidFill>
-                  <a:schemeClr val="tx1"/>
-                </a:solidFill>
-                <a:effectLst/>
-                <a:latin typeface="Arial" panose="020B0604020202020204" pitchFamily="34" charset="0"/>
-                <a:cs typeface="맑은 고딕" panose="020B0503020000020004" pitchFamily="50" charset="-127"/>
-              </a:rPr>
-              <a:t>- </a:t>
-            </a:r>
-            <a:r>
-              <a:rPr kumimoji="0" lang="ko-KR" altLang="en-US" sz="1000" b="0" i="0" u="none" strike="noStrike" cap="none" normalizeH="0" baseline="0" dirty="0">
-                <a:ln>
-                  <a:noFill/>
-                </a:ln>
-                <a:solidFill>
-                  <a:schemeClr val="tx1"/>
-                </a:solidFill>
-                <a:effectLst/>
-                <a:latin typeface="Arial" panose="020B0604020202020204" pitchFamily="34" charset="0"/>
-                <a:cs typeface="맑은 고딕" panose="020B0503020000020004" pitchFamily="50" charset="-127"/>
-              </a:rPr>
-              <a:t>전투 </a:t>
-            </a:r>
-            <a:r>
-              <a:rPr kumimoji="0" lang="en-US" altLang="ko-KR" sz="1000" b="0" i="0" u="none" strike="noStrike" cap="none" normalizeH="0" baseline="0" dirty="0">
-                <a:ln>
-                  <a:noFill/>
-                </a:ln>
-                <a:solidFill>
-                  <a:schemeClr val="tx1"/>
-                </a:solidFill>
-                <a:effectLst/>
-                <a:latin typeface="Arial" panose="020B0604020202020204" pitchFamily="34" charset="0"/>
-                <a:cs typeface="맑은 고딕" panose="020B0503020000020004" pitchFamily="50" charset="-127"/>
-              </a:rPr>
-              <a:t>IDLE: </a:t>
-            </a:r>
-            <a:r>
-              <a:rPr kumimoji="0" lang="ko-KR" altLang="en-US" sz="1000" b="0" i="0" u="none" strike="noStrike" cap="none" normalizeH="0" baseline="0" dirty="0">
-                <a:ln>
-                  <a:noFill/>
-                </a:ln>
-                <a:solidFill>
-                  <a:schemeClr val="tx1"/>
-                </a:solidFill>
-                <a:effectLst/>
-                <a:latin typeface="Arial" panose="020B0604020202020204" pitchFamily="34" charset="0"/>
-                <a:cs typeface="맑은 고딕" panose="020B0503020000020004" pitchFamily="50" charset="-127"/>
-              </a:rPr>
-              <a:t>왼손은 주먹을 쥔 상태로 등뒤에 둔다</a:t>
-            </a:r>
-            <a:r>
-              <a:rPr kumimoji="0" lang="en-US" altLang="ko-KR" sz="1000" b="0" i="0" u="none" strike="noStrike" cap="none" normalizeH="0" baseline="0" dirty="0">
-                <a:ln>
-                  <a:noFill/>
-                </a:ln>
-                <a:solidFill>
-                  <a:schemeClr val="tx1"/>
-                </a:solidFill>
-                <a:effectLst/>
-                <a:latin typeface="Arial" panose="020B0604020202020204" pitchFamily="34" charset="0"/>
-                <a:cs typeface="맑은 고딕" panose="020B0503020000020004" pitchFamily="50" charset="-127"/>
-              </a:rPr>
-              <a:t>. </a:t>
-            </a:r>
-            <a:r>
-              <a:rPr kumimoji="0" lang="ko-KR" altLang="en-US" sz="1000" b="0" i="0" u="none" strike="noStrike" cap="none" normalizeH="0" baseline="0" dirty="0">
-                <a:ln>
-                  <a:noFill/>
-                </a:ln>
-                <a:solidFill>
-                  <a:schemeClr val="tx1"/>
-                </a:solidFill>
-                <a:effectLst/>
-                <a:latin typeface="Arial" panose="020B0604020202020204" pitchFamily="34" charset="0"/>
-                <a:cs typeface="맑은 고딕" panose="020B0503020000020004" pitchFamily="50" charset="-127"/>
-              </a:rPr>
-              <a:t>오른손으로 부채를 펼쳐 가볍게 흔든다</a:t>
-            </a:r>
-            <a:r>
-              <a:rPr kumimoji="0" lang="en-US" altLang="ko-KR" sz="1000" b="0" i="0" u="none" strike="noStrike" cap="none" normalizeH="0" baseline="0" dirty="0">
-                <a:ln>
-                  <a:noFill/>
-                </a:ln>
-                <a:solidFill>
-                  <a:schemeClr val="tx1"/>
-                </a:solidFill>
-                <a:effectLst/>
-                <a:latin typeface="Arial" panose="020B0604020202020204" pitchFamily="34" charset="0"/>
-                <a:cs typeface="맑은 고딕" panose="020B0503020000020004" pitchFamily="50" charset="-127"/>
-              </a:rPr>
-              <a:t>.</a:t>
-            </a:r>
-            <a:endParaRPr kumimoji="0" lang="en-US" altLang="ko-KR" sz="800" b="0" i="0" u="none" strike="noStrike" cap="none" normalizeH="0" baseline="0" dirty="0">
-              <a:ln>
-                <a:noFill/>
-              </a:ln>
-              <a:solidFill>
-                <a:schemeClr val="tx1"/>
-              </a:solidFill>
-              <a:effectLst/>
-              <a:latin typeface="Arial" panose="020B0604020202020204" pitchFamily="34" charset="0"/>
-            </a:endParaRPr>
-          </a:p>
-          <a:p>
-            <a:pPr marL="0" marR="0" lvl="0" indent="0" algn="l" defTabSz="914400" rtl="0" eaLnBrk="0" fontAlgn="base" latinLnBrk="0" hangingPunct="0">
-              <a:lnSpc>
-                <a:spcPct val="100000"/>
-              </a:lnSpc>
-              <a:spcBef>
-                <a:spcPct val="0"/>
-              </a:spcBef>
-              <a:spcAft>
-                <a:spcPct val="0"/>
-              </a:spcAft>
-              <a:buClrTx/>
-              <a:buSzTx/>
-              <a:buFontTx/>
-              <a:buNone/>
-              <a:tabLst/>
-            </a:pPr>
-            <a:endParaRPr kumimoji="0" lang="en-US" altLang="ko-KR" sz="1800" b="0" i="0" u="none" strike="noStrike" cap="none" normalizeH="0" baseline="0" dirty="0">
-              <a:ln>
-                <a:noFill/>
-              </a:ln>
-              <a:solidFill>
-                <a:schemeClr val="tx1"/>
-              </a:solidFill>
-              <a:effectLst/>
-              <a:latin typeface="Arial" panose="020B0604020202020204" pitchFamily="34" charset="0"/>
-            </a:endParaRPr>
-          </a:p>
-        </p:txBody>
-      </p:sp>
-      <p:sp>
-        <p:nvSpPr>
-          <p:cNvPr id="10" name="Rectangle 8">
-            <a:extLst>
-              <a:ext uri="{FF2B5EF4-FFF2-40B4-BE49-F238E27FC236}">
-                <a16:creationId xmlns:a16="http://schemas.microsoft.com/office/drawing/2014/main" id="{87AC8CD8-7E17-4FC6-ADD2-C9CF2CADED5E}"/>
-              </a:ext>
-            </a:extLst>
-          </p:cNvPr>
-          <p:cNvSpPr>
-            <a:spLocks noChangeArrowheads="1"/>
-          </p:cNvSpPr>
-          <p:nvPr/>
-        </p:nvSpPr>
-        <p:spPr bwMode="auto">
-          <a:xfrm>
-            <a:off x="753399" y="1677194"/>
-            <a:ext cx="12192000" cy="0"/>
-          </a:xfrm>
-          <a:prstGeom prst="rect">
-            <a:avLst/>
-          </a:prstGeom>
-          <a:noFill/>
-          <a:ln>
-            <a:noFill/>
-          </a:ln>
-          <a:effectLst/>
-          <a:extLst>
-            <a:ext uri="{909E8E84-426E-40DD-AFC4-6F175D3DCCD1}">
-              <a14:hiddenFill xmlns:a14="http://schemas.microsoft.com/office/drawing/2010/main">
-                <a:solidFill>
-                  <a:schemeClr val="accent1"/>
-                </a:solidFill>
-              </a14:hiddenFill>
-            </a:ext>
-            <a:ext uri="{91240B29-F687-4F45-9708-019B960494DF}">
-              <a14:hiddenLine xmlns:a14="http://schemas.microsoft.com/office/drawing/2010/main" w="9525">
-                <a:solidFill>
-                  <a:schemeClr val="tx1"/>
-                </a:solidFill>
-                <a:miter lim="800000"/>
-                <a:headEnd/>
-                <a:tailEnd/>
-              </a14:hiddenLine>
-            </a:ext>
-            <a:ext uri="{AF507438-7753-43E0-B8FC-AC1667EBCBE1}">
-              <a14:hiddenEffects xmlns:a14="http://schemas.microsoft.com/office/drawing/2010/main">
-                <a:effectLst>
-                  <a:outerShdw dist="35921" dir="2700000" algn="ctr" rotWithShape="0">
-                    <a:schemeClr val="bg2"/>
-                  </a:outerShdw>
-                </a:effectLst>
-              </a14:hiddenEffects>
-            </a:ext>
-          </a:extLst>
-        </p:spPr>
-        <p:txBody>
-          <a:bodyPr vert="horz" wrap="none" lIns="91440" tIns="45720" rIns="91440" bIns="45720" numCol="1" anchor="ctr" anchorCtr="0" compatLnSpc="1">
-            <a:prstTxWarp prst="textNoShape">
-              <a:avLst/>
-            </a:prstTxWarp>
-            <a:spAutoFit/>
-          </a:bodyPr>
-          <a:lstStyle/>
-          <a:p>
-            <a:pPr marL="0" marR="0" lvl="0" indent="0" algn="l" defTabSz="914400" rtl="0" eaLnBrk="0" fontAlgn="base" latinLnBrk="0" hangingPunct="0">
-              <a:lnSpc>
-                <a:spcPct val="100000"/>
-              </a:lnSpc>
-              <a:spcBef>
-                <a:spcPct val="0"/>
-              </a:spcBef>
-              <a:spcAft>
-                <a:spcPct val="0"/>
-              </a:spcAft>
-              <a:buClrTx/>
-              <a:buSzTx/>
-              <a:buFontTx/>
-              <a:buNone/>
-              <a:tabLst/>
-            </a:pPr>
-            <a:endParaRPr kumimoji="0" lang="en-US" altLang="ko-KR" sz="1100" b="0" i="0" u="none" strike="noStrike" cap="none" normalizeH="0" baseline="0">
-              <a:ln>
-                <a:noFill/>
-              </a:ln>
-              <a:solidFill>
-                <a:schemeClr val="tx1"/>
-              </a:solidFill>
-              <a:effectLst/>
-              <a:latin typeface="Arial" panose="020B0604020202020204" pitchFamily="34" charset="0"/>
-              <a:cs typeface="맑은 고딕" panose="020B0503020000020004" pitchFamily="50" charset="-127"/>
-            </a:endParaRPr>
-          </a:p>
-          <a:p>
-            <a:pPr marL="0" marR="0" lvl="0" indent="0" algn="l" defTabSz="914400" rtl="0" eaLnBrk="0" fontAlgn="base" latinLnBrk="0" hangingPunct="0">
-              <a:lnSpc>
-                <a:spcPct val="100000"/>
-              </a:lnSpc>
-              <a:spcBef>
-                <a:spcPct val="0"/>
-              </a:spcBef>
-              <a:spcAft>
-                <a:spcPct val="0"/>
-              </a:spcAft>
-              <a:buClrTx/>
-              <a:buSzTx/>
-              <a:buFontTx/>
-              <a:buNone/>
-              <a:tabLst/>
-            </a:pPr>
-            <a:r>
-              <a:rPr kumimoji="0" lang="en-US" altLang="ko-KR" sz="1100" b="0" i="0" u="none" strike="noStrike" cap="none" normalizeH="0" baseline="0">
-                <a:ln>
-                  <a:noFill/>
-                </a:ln>
-                <a:solidFill>
-                  <a:schemeClr val="tx1"/>
-                </a:solidFill>
-                <a:effectLst/>
-                <a:latin typeface="Arial" panose="020B0604020202020204" pitchFamily="34" charset="0"/>
-                <a:cs typeface="맑은 고딕" panose="020B0503020000020004" pitchFamily="50" charset="-127"/>
-              </a:rPr>
-              <a:t> </a:t>
-            </a:r>
-            <a:endParaRPr kumimoji="0" lang="en-US" altLang="ko-KR" sz="800" b="0" i="0" u="none" strike="noStrike" cap="none" normalizeH="0" baseline="0">
-              <a:ln>
-                <a:noFill/>
-              </a:ln>
-              <a:solidFill>
-                <a:schemeClr val="tx1"/>
-              </a:solidFill>
-              <a:effectLst/>
-              <a:latin typeface="Arial" panose="020B0604020202020204" pitchFamily="34" charset="0"/>
-            </a:endParaRPr>
-          </a:p>
-          <a:p>
-            <a:pPr marL="0" marR="0" lvl="0" indent="0" algn="l" defTabSz="914400" rtl="0" eaLnBrk="0" fontAlgn="base" latinLnBrk="0" hangingPunct="0">
-              <a:lnSpc>
-                <a:spcPct val="100000"/>
-              </a:lnSpc>
-              <a:spcBef>
-                <a:spcPct val="0"/>
-              </a:spcBef>
-              <a:spcAft>
-                <a:spcPct val="0"/>
-              </a:spcAft>
-              <a:buClrTx/>
-              <a:buSzTx/>
-              <a:buFontTx/>
-              <a:buNone/>
-              <a:tabLst/>
-            </a:pPr>
-            <a:endParaRPr kumimoji="0" lang="en-US" altLang="ko-KR" sz="1800" b="0" i="0" u="none" strike="noStrike" cap="none" normalizeH="0" baseline="0">
-              <a:ln>
-                <a:noFill/>
-              </a:ln>
-              <a:solidFill>
-                <a:schemeClr val="tx1"/>
-              </a:solidFill>
-              <a:effectLst/>
-              <a:latin typeface="Arial" panose="020B0604020202020204" pitchFamily="34" charset="0"/>
-            </a:endParaRPr>
-          </a:p>
-        </p:txBody>
-      </p:sp>
-    </p:spTree>
-    <p:extLst>
-      <p:ext uri="{BB962C8B-B14F-4D97-AF65-F5344CB8AC3E}">
-        <p14:creationId xmlns:p14="http://schemas.microsoft.com/office/powerpoint/2010/main" val="3052679468"/>
-      </p:ext>
-    </p:extLst>
-  </p:cSld>
-  <p:clrMapOvr>
-    <a:masterClrMapping/>
-  </p:clrMapOvr>
-</p:sld>
-</file>
-
 <file path=ppt/theme/theme1.xml><?xml version="1.0" encoding="utf-8"?>
 <a:theme xmlns:a="http://schemas.openxmlformats.org/drawingml/2006/main" name="Office 테마">
   <a:themeElements>

--- a/액션&경영 RPG/스킬/리트루기아_부채스킬기획.pptx
+++ b/액션&경영 RPG/스킬/리트루기아_부채스킬기획.pptx
@@ -268,7 +268,7 @@
           <a:p>
             <a:fld id="{F8ADF8F0-391E-4C28-B3EC-FA94B0B80675}" type="datetimeFigureOut">
               <a:rPr lang="ko-KR" altLang="en-US" smtClean="0"/>
-              <a:t>2024-09-27</a:t>
+              <a:t>2024-10-06</a:t>
             </a:fld>
             <a:endParaRPr lang="ko-KR" altLang="en-US"/>
           </a:p>
@@ -466,7 +466,7 @@
           <a:p>
             <a:fld id="{F8ADF8F0-391E-4C28-B3EC-FA94B0B80675}" type="datetimeFigureOut">
               <a:rPr lang="ko-KR" altLang="en-US" smtClean="0"/>
-              <a:t>2024-09-27</a:t>
+              <a:t>2024-10-06</a:t>
             </a:fld>
             <a:endParaRPr lang="ko-KR" altLang="en-US"/>
           </a:p>
@@ -674,7 +674,7 @@
           <a:p>
             <a:fld id="{F8ADF8F0-391E-4C28-B3EC-FA94B0B80675}" type="datetimeFigureOut">
               <a:rPr lang="ko-KR" altLang="en-US" smtClean="0"/>
-              <a:t>2024-09-27</a:t>
+              <a:t>2024-10-06</a:t>
             </a:fld>
             <a:endParaRPr lang="ko-KR" altLang="en-US"/>
           </a:p>
@@ -872,7 +872,7 @@
           <a:p>
             <a:fld id="{F8ADF8F0-391E-4C28-B3EC-FA94B0B80675}" type="datetimeFigureOut">
               <a:rPr lang="ko-KR" altLang="en-US" smtClean="0"/>
-              <a:t>2024-09-27</a:t>
+              <a:t>2024-10-06</a:t>
             </a:fld>
             <a:endParaRPr lang="ko-KR" altLang="en-US"/>
           </a:p>
@@ -1147,7 +1147,7 @@
           <a:p>
             <a:fld id="{F8ADF8F0-391E-4C28-B3EC-FA94B0B80675}" type="datetimeFigureOut">
               <a:rPr lang="ko-KR" altLang="en-US" smtClean="0"/>
-              <a:t>2024-09-27</a:t>
+              <a:t>2024-10-06</a:t>
             </a:fld>
             <a:endParaRPr lang="ko-KR" altLang="en-US"/>
           </a:p>
@@ -1412,7 +1412,7 @@
           <a:p>
             <a:fld id="{F8ADF8F0-391E-4C28-B3EC-FA94B0B80675}" type="datetimeFigureOut">
               <a:rPr lang="ko-KR" altLang="en-US" smtClean="0"/>
-              <a:t>2024-09-27</a:t>
+              <a:t>2024-10-06</a:t>
             </a:fld>
             <a:endParaRPr lang="ko-KR" altLang="en-US"/>
           </a:p>
@@ -1824,7 +1824,7 @@
           <a:p>
             <a:fld id="{F8ADF8F0-391E-4C28-B3EC-FA94B0B80675}" type="datetimeFigureOut">
               <a:rPr lang="ko-KR" altLang="en-US" smtClean="0"/>
-              <a:t>2024-09-27</a:t>
+              <a:t>2024-10-06</a:t>
             </a:fld>
             <a:endParaRPr lang="ko-KR" altLang="en-US"/>
           </a:p>
@@ -1965,7 +1965,7 @@
           <a:p>
             <a:fld id="{F8ADF8F0-391E-4C28-B3EC-FA94B0B80675}" type="datetimeFigureOut">
               <a:rPr lang="ko-KR" altLang="en-US" smtClean="0"/>
-              <a:t>2024-09-27</a:t>
+              <a:t>2024-10-06</a:t>
             </a:fld>
             <a:endParaRPr lang="ko-KR" altLang="en-US"/>
           </a:p>
@@ -2078,7 +2078,7 @@
           <a:p>
             <a:fld id="{F8ADF8F0-391E-4C28-B3EC-FA94B0B80675}" type="datetimeFigureOut">
               <a:rPr lang="ko-KR" altLang="en-US" smtClean="0"/>
-              <a:t>2024-09-27</a:t>
+              <a:t>2024-10-06</a:t>
             </a:fld>
             <a:endParaRPr lang="ko-KR" altLang="en-US"/>
           </a:p>
@@ -2389,7 +2389,7 @@
           <a:p>
             <a:fld id="{F8ADF8F0-391E-4C28-B3EC-FA94B0B80675}" type="datetimeFigureOut">
               <a:rPr lang="ko-KR" altLang="en-US" smtClean="0"/>
-              <a:t>2024-09-27</a:t>
+              <a:t>2024-10-06</a:t>
             </a:fld>
             <a:endParaRPr lang="ko-KR" altLang="en-US"/>
           </a:p>
@@ -2677,7 +2677,7 @@
           <a:p>
             <a:fld id="{F8ADF8F0-391E-4C28-B3EC-FA94B0B80675}" type="datetimeFigureOut">
               <a:rPr lang="ko-KR" altLang="en-US" smtClean="0"/>
-              <a:t>2024-09-27</a:t>
+              <a:t>2024-10-06</a:t>
             </a:fld>
             <a:endParaRPr lang="ko-KR" altLang="en-US"/>
           </a:p>
@@ -2918,7 +2918,7 @@
           <a:p>
             <a:fld id="{F8ADF8F0-391E-4C28-B3EC-FA94B0B80675}" type="datetimeFigureOut">
               <a:rPr lang="ko-KR" altLang="en-US" smtClean="0"/>
-              <a:t>2024-09-27</a:t>
+              <a:t>2024-10-06</a:t>
             </a:fld>
             <a:endParaRPr lang="ko-KR" altLang="en-US"/>
           </a:p>
@@ -6446,7 +6446,7 @@
         <p:spPr>
           <a:xfrm>
             <a:off x="1" y="994687"/>
-            <a:ext cx="1702282" cy="404461"/>
+            <a:ext cx="1302025" cy="404461"/>
           </a:xfrm>
           <a:prstGeom prst="homePlate">
             <a:avLst/>
@@ -7832,7 +7832,7 @@
         </p:nvGrpSpPr>
         <p:grpSpPr>
           <a:xfrm>
-            <a:off x="1779942" y="1073805"/>
+            <a:off x="1472906" y="1073805"/>
             <a:ext cx="3890910" cy="246880"/>
             <a:chOff x="1779942" y="1073805"/>
             <a:chExt cx="3890910" cy="246880"/>
@@ -8037,7 +8037,7 @@
         </p:nvGrpSpPr>
         <p:grpSpPr>
           <a:xfrm>
-            <a:off x="360045" y="1764419"/>
+            <a:off x="360045" y="1674967"/>
             <a:ext cx="7266432" cy="1009573"/>
             <a:chOff x="360045" y="1812509"/>
             <a:chExt cx="7266432" cy="1009573"/>
@@ -8272,7 +8272,7 @@
         </p:nvGrpSpPr>
         <p:grpSpPr>
           <a:xfrm>
-            <a:off x="360045" y="5553166"/>
+            <a:off x="360045" y="5463714"/>
             <a:ext cx="7266432" cy="1009573"/>
             <a:chOff x="360045" y="3501143"/>
             <a:chExt cx="7266432" cy="1009573"/>
@@ -8522,7 +8522,7 @@
         </p:nvGrpSpPr>
         <p:grpSpPr>
           <a:xfrm>
-            <a:off x="360045" y="3027619"/>
+            <a:off x="360045" y="2938167"/>
             <a:ext cx="7266432" cy="1009146"/>
             <a:chOff x="360045" y="5160262"/>
             <a:chExt cx="7266432" cy="1009146"/>
@@ -8724,7 +8724,7 @@
         </p:nvGrpSpPr>
         <p:grpSpPr>
           <a:xfrm>
-            <a:off x="360045" y="4290392"/>
+            <a:off x="360045" y="4200940"/>
             <a:ext cx="7266432" cy="1009146"/>
             <a:chOff x="360045" y="5160262"/>
             <a:chExt cx="7266432" cy="1009146"/>
@@ -10041,7 +10041,7 @@
         <p:spPr>
           <a:xfrm>
             <a:off x="1" y="994687"/>
-            <a:ext cx="1702282" cy="404461"/>
+            <a:ext cx="1674019" cy="404461"/>
           </a:xfrm>
           <a:prstGeom prst="homePlate">
             <a:avLst/>
@@ -10149,7 +10149,7 @@
         </p:nvSpPr>
         <p:spPr>
           <a:xfrm>
-            <a:off x="1779942" y="1073807"/>
+            <a:off x="2793222" y="1073807"/>
             <a:ext cx="821059" cy="246221"/>
           </a:xfrm>
           <a:prstGeom prst="rect">
@@ -10195,7 +10195,7 @@
         </p:nvSpPr>
         <p:spPr>
           <a:xfrm>
-            <a:off x="2872966" y="1073807"/>
+            <a:off x="1777862" y="1073807"/>
             <a:ext cx="745717" cy="246221"/>
           </a:xfrm>
           <a:prstGeom prst="rect">
@@ -10242,7 +10242,7 @@
           <p:nvPr>
             <p:extLst>
               <p:ext uri="{D42A27DB-BD31-4B8C-83A1-F6EECF244321}">
-                <p14:modId xmlns:p14="http://schemas.microsoft.com/office/powerpoint/2010/main" val="1861767768"/>
+                <p14:modId xmlns:p14="http://schemas.microsoft.com/office/powerpoint/2010/main" val="2167732570"/>
               </p:ext>
             </p:extLst>
           </p:nvPr>
@@ -11144,27 +11144,67 @@
                           <a:ea typeface="맑은 고딕" panose="020B0503020000020004" pitchFamily="50" charset="-127"/>
                           <a:cs typeface="맑은 고딕" panose="020B0503020000020004" pitchFamily="50" charset="-127"/>
                         </a:rPr>
-                        <a:t>. (8</a:t>
+                        <a:t>.</a:t>
                       </a:r>
+                    </a:p>
+                    <a:p>
+                      <a:pPr algn="l" latinLnBrk="1">
+                        <a:spcAft>
+                          <a:spcPts val="800"/>
+                        </a:spcAft>
+                      </a:pPr>
                       <a:r>
-                        <a:rPr lang="ko-KR" altLang="en-US" sz="1000" dirty="0">
+                        <a:rPr lang="en-US" altLang="ko-KR" sz="900" dirty="0">
+                          <a:solidFill>
+                            <a:srgbClr val="0A6D94"/>
+                          </a:solidFill>
                           <a:effectLst/>
                           <a:latin typeface="맑은 고딕" panose="020B0503020000020004" pitchFamily="50" charset="-127"/>
                           <a:ea typeface="맑은 고딕" panose="020B0503020000020004" pitchFamily="50" charset="-127"/>
                           <a:cs typeface="맑은 고딕" panose="020B0503020000020004" pitchFamily="50" charset="-127"/>
                         </a:rPr>
-                        <a:t>초 지속</a:t>
+                        <a:t>* </a:t>
                       </a:r>
                       <a:r>
-                        <a:rPr lang="en-US" altLang="ko-KR" sz="1000" dirty="0">
+                        <a:rPr lang="ko-KR" altLang="en-US" sz="900" dirty="0" err="1">
+                          <a:solidFill>
+                            <a:srgbClr val="0A6D94"/>
+                          </a:solidFill>
                           <a:effectLst/>
                           <a:latin typeface="맑은 고딕" panose="020B0503020000020004" pitchFamily="50" charset="-127"/>
                           <a:ea typeface="맑은 고딕" panose="020B0503020000020004" pitchFamily="50" charset="-127"/>
                           <a:cs typeface="맑은 고딕" panose="020B0503020000020004" pitchFamily="50" charset="-127"/>
                         </a:rPr>
-                        <a:t>)</a:t>
+                        <a:t>천뢰침은</a:t>
                       </a:r>
-                      <a:endParaRPr lang="ko-KR" sz="1000" dirty="0">
+                      <a:r>
+                        <a:rPr lang="ko-KR" altLang="en-US" sz="900" dirty="0">
+                          <a:solidFill>
+                            <a:srgbClr val="0A6D94"/>
+                          </a:solidFill>
+                          <a:effectLst/>
+                          <a:latin typeface="맑은 고딕" panose="020B0503020000020004" pitchFamily="50" charset="-127"/>
+                          <a:ea typeface="맑은 고딕" panose="020B0503020000020004" pitchFamily="50" charset="-127"/>
+                          <a:cs typeface="맑은 고딕" panose="020B0503020000020004" pitchFamily="50" charset="-127"/>
+                        </a:rPr>
+                        <a:t> 보호막이 파괴되거나 적과의 거리가 멀어지면 사라집니다</a:t>
+                      </a:r>
+                      <a:r>
+                        <a:rPr lang="en-US" altLang="ko-KR" sz="900" dirty="0">
+                          <a:solidFill>
+                            <a:srgbClr val="0A6D94"/>
+                          </a:solidFill>
+                          <a:effectLst/>
+                          <a:latin typeface="맑은 고딕" panose="020B0503020000020004" pitchFamily="50" charset="-127"/>
+                          <a:ea typeface="맑은 고딕" panose="020B0503020000020004" pitchFamily="50" charset="-127"/>
+                          <a:cs typeface="맑은 고딕" panose="020B0503020000020004" pitchFamily="50" charset="-127"/>
+                        </a:rPr>
+                        <a:t>.</a:t>
+                      </a:r>
+                      <a:endParaRPr lang="ko-KR" sz="900" dirty="0">
+                        <a:solidFill>
+                          <a:srgbClr val="0A6D94"/>
+                        </a:solidFill>
                         <a:effectLst/>
                         <a:latin typeface="맑은 고딕" panose="020B0503020000020004" pitchFamily="50" charset="-127"/>
                         <a:ea typeface="맑은 고딕" panose="020B0503020000020004" pitchFamily="50" charset="-127"/>
@@ -12401,8 +12441,49 @@
             <a:pPr algn="ctr"/>
             <a:r>
               <a:rPr lang="ko-KR" altLang="en-US" sz="1200" dirty="0"/>
-              <a:t>부채는 보호막을 유지하고 피해를 한 곳에 집중시키는</a:t>
+              <a:t>부채는 </a:t>
             </a:r>
+            <a:r>
+              <a:rPr lang="ko-KR" altLang="en-US" sz="1200" dirty="0">
+                <a:solidFill>
+                  <a:srgbClr val="FF0000"/>
+                </a:solidFill>
+              </a:rPr>
+              <a:t>피해를 한 곳에 집중</a:t>
+            </a:r>
+            <a:r>
+              <a:rPr lang="ko-KR" altLang="en-US" sz="1200" dirty="0"/>
+              <a:t>시키기 위해 </a:t>
+            </a:r>
+            <a:r>
+              <a:rPr lang="ko-KR" altLang="en-US" sz="1200" dirty="0">
+                <a:solidFill>
+                  <a:srgbClr val="FF0000"/>
+                </a:solidFill>
+              </a:rPr>
+              <a:t>적에게 근접</a:t>
+            </a:r>
+            <a:r>
+              <a:rPr lang="ko-KR" altLang="en-US" sz="1200" dirty="0"/>
+              <a:t>하며 </a:t>
+            </a:r>
+            <a:r>
+              <a:rPr lang="ko-KR" altLang="en-US" sz="1200" dirty="0">
+                <a:solidFill>
+                  <a:srgbClr val="FF0000"/>
+                </a:solidFill>
+              </a:rPr>
+              <a:t>보호막을 유지</a:t>
+            </a:r>
+            <a:r>
+              <a:rPr lang="ko-KR" altLang="en-US" sz="1200" dirty="0"/>
+              <a:t>하는 전투를 합니다</a:t>
+            </a:r>
+            <a:r>
+              <a:rPr lang="en-US" altLang="ko-KR" sz="1200" dirty="0"/>
+              <a:t>.</a:t>
+            </a:r>
+            <a:endParaRPr lang="ko-KR" altLang="en-US" sz="1200" dirty="0"/>
           </a:p>
         </p:txBody>
       </p:sp>
@@ -12466,7 +12547,7 @@
         </p:nvSpPr>
         <p:spPr>
           <a:xfrm>
-            <a:off x="3906804" y="1073807"/>
+            <a:off x="3883924" y="1073807"/>
             <a:ext cx="949299" cy="246221"/>
           </a:xfrm>
           <a:prstGeom prst="rect">
@@ -13538,52 +13619,6 @@
       </p:grpSp>
       <p:sp>
         <p:nvSpPr>
-          <p:cNvPr id="10" name="TextBox 9">
-            <a:extLst>
-              <a:ext uri="{FF2B5EF4-FFF2-40B4-BE49-F238E27FC236}">
-                <a16:creationId xmlns:a16="http://schemas.microsoft.com/office/drawing/2014/main" id="{435A165C-2503-EBD6-28DB-8C6694BB3518}"/>
-              </a:ext>
-            </a:extLst>
-          </p:cNvPr>
-          <p:cNvSpPr txBox="1"/>
-          <p:nvPr/>
-        </p:nvSpPr>
-        <p:spPr>
-          <a:xfrm>
-            <a:off x="1736114" y="1089195"/>
-            <a:ext cx="3018775" cy="246221"/>
-          </a:xfrm>
-          <a:prstGeom prst="rect">
-            <a:avLst/>
-          </a:prstGeom>
-          <a:noFill/>
-        </p:spPr>
-        <p:txBody>
-          <a:bodyPr wrap="none" rtlCol="0">
-            <a:spAutoFit/>
-          </a:bodyPr>
-          <a:lstStyle/>
-          <a:p>
-            <a:r>
-              <a:rPr lang="ko-KR" altLang="en-US" sz="1000" dirty="0">
-                <a:latin typeface="+mn-ea"/>
-              </a:rPr>
-              <a:t>검은색 바탕에 흰색 그림이 그려진 동양풍 </a:t>
-            </a:r>
-            <a:r>
-              <a:rPr lang="ko-KR" altLang="en-US" sz="1000" dirty="0" err="1">
-                <a:latin typeface="+mn-ea"/>
-              </a:rPr>
-              <a:t>접부채</a:t>
-            </a:r>
-            <a:endParaRPr lang="en-US" altLang="ko-KR" sz="1000" dirty="0">
-              <a:latin typeface="+mn-ea"/>
-            </a:endParaRPr>
-          </a:p>
-        </p:txBody>
-      </p:sp>
-      <p:sp>
-        <p:nvSpPr>
           <p:cNvPr id="2" name="직사각형 1">
             <a:hlinkClick r:id="rId2" action="ppaction://hlinksldjump"/>
             <a:extLst>
@@ -13635,72 +13670,6 @@
       </p:sp>
       <p:sp>
         <p:nvSpPr>
-          <p:cNvPr id="3" name="TextBox 2">
-            <a:extLst>
-              <a:ext uri="{FF2B5EF4-FFF2-40B4-BE49-F238E27FC236}">
-                <a16:creationId xmlns:a16="http://schemas.microsoft.com/office/drawing/2014/main" id="{6E76295E-D3B3-F8FE-1A09-136F92F3C64B}"/>
-              </a:ext>
-            </a:extLst>
-          </p:cNvPr>
-          <p:cNvSpPr txBox="1"/>
-          <p:nvPr/>
-        </p:nvSpPr>
-        <p:spPr>
-          <a:xfrm>
-            <a:off x="1207915" y="5784193"/>
-            <a:ext cx="9776169" cy="680312"/>
-          </a:xfrm>
-          <a:prstGeom prst="rect">
-            <a:avLst/>
-          </a:prstGeom>
-          <a:noFill/>
-          <a:ln w="12700">
-            <a:solidFill>
-              <a:srgbClr val="0A6D94"/>
-            </a:solidFill>
-          </a:ln>
-        </p:spPr>
-        <p:txBody>
-          <a:bodyPr wrap="square" lIns="0" tIns="0" rIns="0" bIns="0" rtlCol="0" anchor="ctr" anchorCtr="0">
-            <a:noAutofit/>
-          </a:bodyPr>
-          <a:lstStyle/>
-          <a:p>
-            <a:pPr algn="ctr"/>
-            <a:r>
-              <a:rPr lang="ko-KR" altLang="en-US" sz="1200" dirty="0"/>
-              <a:t>부채는 기본 </a:t>
-            </a:r>
-            <a:r>
-              <a:rPr lang="ko-KR" altLang="en-US" sz="1200" dirty="0" err="1"/>
-              <a:t>피해량은</a:t>
-            </a:r>
-            <a:r>
-              <a:rPr lang="ko-KR" altLang="en-US" sz="1200" dirty="0"/>
-              <a:t> 낮지만</a:t>
-            </a:r>
-            <a:r>
-              <a:rPr lang="en-US" altLang="ko-KR" sz="1200" dirty="0"/>
-              <a:t>, </a:t>
-            </a:r>
-            <a:r>
-              <a:rPr lang="ko-KR" altLang="en-US" sz="1200" dirty="0" err="1"/>
-              <a:t>피해량을</a:t>
-            </a:r>
-            <a:r>
-              <a:rPr lang="ko-KR" altLang="en-US" sz="1200" dirty="0"/>
-              <a:t> 한 곳에 집중시킬 수 있습니다</a:t>
-            </a:r>
-            <a:r>
-              <a:rPr lang="en-US" altLang="ko-KR" sz="1200" dirty="0"/>
-              <a:t>.</a:t>
-            </a:r>
-            <a:endParaRPr lang="ko-KR" altLang="en-US" sz="1200" dirty="0"/>
-          </a:p>
-        </p:txBody>
-      </p:sp>
-      <p:sp>
-        <p:nvSpPr>
           <p:cNvPr id="4" name="화살표: 오각형 3">
             <a:extLst>
               <a:ext uri="{FF2B5EF4-FFF2-40B4-BE49-F238E27FC236}">
@@ -13713,8 +13682,8 @@
         </p:nvSpPr>
         <p:spPr>
           <a:xfrm>
-            <a:off x="1" y="994687"/>
-            <a:ext cx="1702282" cy="404461"/>
+            <a:off x="0" y="994687"/>
+            <a:ext cx="1909937" cy="404461"/>
           </a:xfrm>
           <a:prstGeom prst="homePlate">
             <a:avLst/>
@@ -13777,7 +13746,7 @@
         <p:spPr>
           <a:xfrm>
             <a:off x="33832" y="1058417"/>
-            <a:ext cx="1039067" cy="276999"/>
+            <a:ext cx="1609736" cy="276999"/>
           </a:xfrm>
           <a:prstGeom prst="rect">
             <a:avLst/>
@@ -13800,7 +13769,19 @@
               <a:rPr lang="ko-KR" altLang="en-US" sz="1200" b="1" dirty="0">
                 <a:latin typeface="+mn-ea"/>
               </a:rPr>
-              <a:t>무기 컨셉</a:t>
+              <a:t>무기</a:t>
+            </a:r>
+            <a:r>
+              <a:rPr lang="en-US" altLang="ko-KR" sz="1200" b="1" dirty="0">
+                <a:latin typeface="+mn-ea"/>
+              </a:rPr>
+              <a:t> </a:t>
+            </a:r>
+            <a:r>
+              <a:rPr lang="ko-KR" altLang="en-US" sz="1200" b="1" dirty="0">
+                <a:latin typeface="+mn-ea"/>
+              </a:rPr>
+              <a:t>컨셉 및 특징</a:t>
             </a:r>
             <a:endParaRPr lang="en-US" altLang="ko-KR" sz="1200" b="1" dirty="0">
               <a:latin typeface="+mn-ea"/>
@@ -13808,6 +13789,921 @@
           </a:p>
         </p:txBody>
       </p:sp>
+      <p:graphicFrame>
+        <p:nvGraphicFramePr>
+          <p:cNvPr id="39" name="표 38">
+            <a:extLst>
+              <a:ext uri="{FF2B5EF4-FFF2-40B4-BE49-F238E27FC236}">
+                <a16:creationId xmlns:a16="http://schemas.microsoft.com/office/drawing/2014/main" id="{0FDCD4D5-1C43-E67C-CA57-8E17F546D643}"/>
+              </a:ext>
+            </a:extLst>
+          </p:cNvPr>
+          <p:cNvGraphicFramePr>
+            <a:graphicFrameLocks noGrp="1"/>
+          </p:cNvGraphicFramePr>
+          <p:nvPr>
+            <p:extLst>
+              <p:ext uri="{D42A27DB-BD31-4B8C-83A1-F6EECF244321}">
+                <p14:modId xmlns:p14="http://schemas.microsoft.com/office/powerpoint/2010/main" val="234305504"/>
+              </p:ext>
+            </p:extLst>
+          </p:nvPr>
+        </p:nvGraphicFramePr>
+        <p:xfrm>
+          <a:off x="432663" y="1799131"/>
+          <a:ext cx="6743389" cy="2006676"/>
+        </p:xfrm>
+        <a:graphic>
+          <a:graphicData uri="http://schemas.openxmlformats.org/drawingml/2006/table">
+            <a:tbl>
+              <a:tblPr bandRow="1">
+                <a:tableStyleId>{5C22544A-7EE6-4342-B048-85BDC9FD1C3A}</a:tableStyleId>
+              </a:tblPr>
+              <a:tblGrid>
+                <a:gridCol w="1097963">
+                  <a:extLst>
+                    <a:ext uri="{9D8B030D-6E8A-4147-A177-3AD203B41FA5}">
+                      <a16:colId xmlns:a16="http://schemas.microsoft.com/office/drawing/2014/main" val="1896705008"/>
+                    </a:ext>
+                  </a:extLst>
+                </a:gridCol>
+                <a:gridCol w="5645426">
+                  <a:extLst>
+                    <a:ext uri="{9D8B030D-6E8A-4147-A177-3AD203B41FA5}">
+                      <a16:colId xmlns:a16="http://schemas.microsoft.com/office/drawing/2014/main" val="2160954055"/>
+                    </a:ext>
+                  </a:extLst>
+                </a:gridCol>
+              </a:tblGrid>
+              <a:tr h="494676">
+                <a:tc>
+                  <a:txBody>
+                    <a:bodyPr/>
+                    <a:lstStyle/>
+                    <a:p>
+                      <a:pPr algn="ctr" latinLnBrk="1">
+                        <a:spcAft>
+                          <a:spcPts val="800"/>
+                        </a:spcAft>
+                      </a:pPr>
+                      <a:r>
+                        <a:rPr lang="ko-KR" altLang="en-US" sz="1000" b="1" dirty="0">
+                          <a:solidFill>
+                            <a:schemeClr val="bg1"/>
+                          </a:solidFill>
+                          <a:effectLst/>
+                          <a:latin typeface="맑은 고딕" panose="020B0503020000020004" pitchFamily="50" charset="-127"/>
+                          <a:ea typeface="맑은 고딕" panose="020B0503020000020004" pitchFamily="50" charset="-127"/>
+                          <a:cs typeface="맑은 고딕" panose="020B0503020000020004" pitchFamily="50" charset="-127"/>
+                        </a:rPr>
+                        <a:t>외형 컨셉</a:t>
+                      </a:r>
+                      <a:endParaRPr lang="ko-KR" sz="1000" b="1" dirty="0">
+                        <a:solidFill>
+                          <a:schemeClr val="bg1"/>
+                        </a:solidFill>
+                        <a:effectLst/>
+                        <a:latin typeface="맑은 고딕" panose="020B0503020000020004" pitchFamily="50" charset="-127"/>
+                        <a:ea typeface="맑은 고딕" panose="020B0503020000020004" pitchFamily="50" charset="-127"/>
+                        <a:cs typeface="맑은 고딕" panose="020B0503020000020004" pitchFamily="50" charset="-127"/>
+                      </a:endParaRPr>
+                    </a:p>
+                  </a:txBody>
+                  <a:tcPr marL="67521" marR="67521" marT="0" marB="0" anchor="ctr">
+                    <a:lnL w="12700" cap="flat" cmpd="sng" algn="ctr">
+                      <a:solidFill>
+                        <a:srgbClr val="0A6D94"/>
+                      </a:solidFill>
+                      <a:prstDash val="solid"/>
+                      <a:round/>
+                      <a:headEnd type="none" w="med" len="med"/>
+                      <a:tailEnd type="none" w="med" len="med"/>
+                    </a:lnL>
+                    <a:lnR w="12700" cap="flat" cmpd="sng" algn="ctr">
+                      <a:solidFill>
+                        <a:srgbClr val="0A6D94"/>
+                      </a:solidFill>
+                      <a:prstDash val="solid"/>
+                      <a:round/>
+                      <a:headEnd type="none" w="med" len="med"/>
+                      <a:tailEnd type="none" w="med" len="med"/>
+                    </a:lnR>
+                    <a:lnT w="12700" cap="flat" cmpd="sng" algn="ctr">
+                      <a:solidFill>
+                        <a:srgbClr val="0A6D94"/>
+                      </a:solidFill>
+                      <a:prstDash val="solid"/>
+                      <a:round/>
+                      <a:headEnd type="none" w="med" len="med"/>
+                      <a:tailEnd type="none" w="med" len="med"/>
+                    </a:lnT>
+                    <a:lnB w="12700" cap="flat" cmpd="sng" algn="ctr">
+                      <a:solidFill>
+                        <a:schemeClr val="bg1"/>
+                      </a:solidFill>
+                      <a:prstDash val="solid"/>
+                      <a:round/>
+                      <a:headEnd type="none" w="med" len="med"/>
+                      <a:tailEnd type="none" w="med" len="med"/>
+                    </a:lnB>
+                    <a:solidFill>
+                      <a:srgbClr val="0A6D94"/>
+                    </a:solidFill>
+                  </a:tcPr>
+                </a:tc>
+                <a:tc>
+                  <a:txBody>
+                    <a:bodyPr/>
+                    <a:lstStyle/>
+                    <a:p>
+                      <a:pPr marL="0" marR="0" lvl="0" indent="0" algn="l" defTabSz="914400" rtl="0" eaLnBrk="1" fontAlgn="auto" latinLnBrk="1" hangingPunct="1">
+                        <a:lnSpc>
+                          <a:spcPct val="100000"/>
+                        </a:lnSpc>
+                        <a:spcBef>
+                          <a:spcPts val="0"/>
+                        </a:spcBef>
+                        <a:spcAft>
+                          <a:spcPts val="800"/>
+                        </a:spcAft>
+                        <a:buClrTx/>
+                        <a:buSzTx/>
+                        <a:buFontTx/>
+                        <a:buNone/>
+                        <a:tabLst/>
+                        <a:defRPr/>
+                      </a:pPr>
+                      <a:r>
+                        <a:rPr lang="ko-KR" altLang="en-US" sz="1000" dirty="0">
+                          <a:latin typeface="+mn-ea"/>
+                        </a:rPr>
+                        <a:t>검은색 바탕에 흰색 번개 줄기들이 일렁이는 동양풍 </a:t>
+                      </a:r>
+                      <a:r>
+                        <a:rPr lang="ko-KR" altLang="en-US" sz="1000" dirty="0" err="1">
+                          <a:latin typeface="+mn-ea"/>
+                        </a:rPr>
+                        <a:t>접부채</a:t>
+                      </a:r>
+                      <a:endParaRPr lang="en-US" altLang="ko-KR" sz="1000" dirty="0">
+                        <a:latin typeface="+mn-ea"/>
+                      </a:endParaRPr>
+                    </a:p>
+                  </a:txBody>
+                  <a:tcPr marL="67521" marR="67521" marT="0" marB="0" anchor="ctr">
+                    <a:lnL w="12700" cap="flat" cmpd="sng" algn="ctr">
+                      <a:solidFill>
+                        <a:srgbClr val="0A6D94"/>
+                      </a:solidFill>
+                      <a:prstDash val="solid"/>
+                      <a:round/>
+                      <a:headEnd type="none" w="med" len="med"/>
+                      <a:tailEnd type="none" w="med" len="med"/>
+                    </a:lnL>
+                    <a:lnR w="9525" cap="flat" cmpd="sng" algn="ctr">
+                      <a:solidFill>
+                        <a:schemeClr val="bg1">
+                          <a:lumMod val="75000"/>
+                        </a:schemeClr>
+                      </a:solidFill>
+                      <a:prstDash val="solid"/>
+                      <a:round/>
+                      <a:headEnd type="none" w="med" len="med"/>
+                      <a:tailEnd type="none" w="med" len="med"/>
+                    </a:lnR>
+                    <a:lnT w="12700" cap="flat" cmpd="sng" algn="ctr">
+                      <a:solidFill>
+                        <a:srgbClr val="0A6D94"/>
+                      </a:solidFill>
+                      <a:prstDash val="solid"/>
+                      <a:round/>
+                      <a:headEnd type="none" w="med" len="med"/>
+                      <a:tailEnd type="none" w="med" len="med"/>
+                    </a:lnT>
+                    <a:lnB w="9525" cap="flat" cmpd="sng" algn="ctr">
+                      <a:solidFill>
+                        <a:schemeClr val="bg1">
+                          <a:lumMod val="75000"/>
+                        </a:schemeClr>
+                      </a:solidFill>
+                      <a:prstDash val="solid"/>
+                      <a:round/>
+                      <a:headEnd type="none" w="med" len="med"/>
+                      <a:tailEnd type="none" w="med" len="med"/>
+                    </a:lnB>
+                    <a:solidFill>
+                      <a:schemeClr val="bg1"/>
+                    </a:solidFill>
+                  </a:tcPr>
+                </a:tc>
+                <a:extLst>
+                  <a:ext uri="{0D108BD9-81ED-4DB2-BD59-A6C34878D82A}">
+                    <a16:rowId xmlns:a16="http://schemas.microsoft.com/office/drawing/2014/main" val="1355598705"/>
+                  </a:ext>
+                </a:extLst>
+              </a:tr>
+              <a:tr h="504000">
+                <a:tc>
+                  <a:txBody>
+                    <a:bodyPr/>
+                    <a:lstStyle/>
+                    <a:p>
+                      <a:pPr algn="ctr" latinLnBrk="1">
+                        <a:spcAft>
+                          <a:spcPts val="800"/>
+                        </a:spcAft>
+                      </a:pPr>
+                      <a:r>
+                        <a:rPr lang="ko-KR" altLang="en-US" sz="1000" b="1" dirty="0">
+                          <a:solidFill>
+                            <a:schemeClr val="bg1"/>
+                          </a:solidFill>
+                          <a:effectLst/>
+                          <a:latin typeface="맑은 고딕" panose="020B0503020000020004" pitchFamily="50" charset="-127"/>
+                          <a:ea typeface="맑은 고딕" panose="020B0503020000020004" pitchFamily="50" charset="-127"/>
+                          <a:cs typeface="맑은 고딕" panose="020B0503020000020004" pitchFamily="50" charset="-127"/>
+                        </a:rPr>
+                        <a:t>공격 속도</a:t>
+                      </a:r>
+                      <a:endParaRPr lang="ko-KR" sz="1000" b="1" dirty="0">
+                        <a:solidFill>
+                          <a:schemeClr val="bg1"/>
+                        </a:solidFill>
+                        <a:effectLst/>
+                        <a:latin typeface="맑은 고딕" panose="020B0503020000020004" pitchFamily="50" charset="-127"/>
+                        <a:ea typeface="맑은 고딕" panose="020B0503020000020004" pitchFamily="50" charset="-127"/>
+                        <a:cs typeface="맑은 고딕" panose="020B0503020000020004" pitchFamily="50" charset="-127"/>
+                      </a:endParaRPr>
+                    </a:p>
+                  </a:txBody>
+                  <a:tcPr marL="67521" marR="67521" marT="0" marB="0" anchor="ctr">
+                    <a:lnL w="12700" cap="flat" cmpd="sng" algn="ctr">
+                      <a:solidFill>
+                        <a:srgbClr val="0A6D94"/>
+                      </a:solidFill>
+                      <a:prstDash val="solid"/>
+                      <a:round/>
+                      <a:headEnd type="none" w="med" len="med"/>
+                      <a:tailEnd type="none" w="med" len="med"/>
+                    </a:lnL>
+                    <a:lnR w="12700" cap="flat" cmpd="sng" algn="ctr">
+                      <a:solidFill>
+                        <a:srgbClr val="0A6D94"/>
+                      </a:solidFill>
+                      <a:prstDash val="solid"/>
+                      <a:round/>
+                      <a:headEnd type="none" w="med" len="med"/>
+                      <a:tailEnd type="none" w="med" len="med"/>
+                    </a:lnR>
+                    <a:lnT w="12700" cap="flat" cmpd="sng" algn="ctr">
+                      <a:solidFill>
+                        <a:schemeClr val="bg1"/>
+                      </a:solidFill>
+                      <a:prstDash val="solid"/>
+                      <a:round/>
+                      <a:headEnd type="none" w="med" len="med"/>
+                      <a:tailEnd type="none" w="med" len="med"/>
+                    </a:lnT>
+                    <a:lnB w="12700" cap="flat" cmpd="sng" algn="ctr">
+                      <a:solidFill>
+                        <a:schemeClr val="bg1"/>
+                      </a:solidFill>
+                      <a:prstDash val="solid"/>
+                      <a:round/>
+                      <a:headEnd type="none" w="med" len="med"/>
+                      <a:tailEnd type="none" w="med" len="med"/>
+                    </a:lnB>
+                    <a:solidFill>
+                      <a:srgbClr val="0A6D94"/>
+                    </a:solidFill>
+                  </a:tcPr>
+                </a:tc>
+                <a:tc>
+                  <a:txBody>
+                    <a:bodyPr/>
+                    <a:lstStyle/>
+                    <a:p>
+                      <a:pPr algn="l" latinLnBrk="1">
+                        <a:spcAft>
+                          <a:spcPts val="800"/>
+                        </a:spcAft>
+                      </a:pPr>
+                      <a:r>
+                        <a:rPr lang="ko-KR" altLang="en-US" sz="1000" dirty="0">
+                          <a:effectLst/>
+                          <a:latin typeface="맑은 고딕" panose="020B0503020000020004" pitchFamily="50" charset="-127"/>
+                          <a:ea typeface="맑은 고딕" panose="020B0503020000020004" pitchFamily="50" charset="-127"/>
+                          <a:cs typeface="맑은 고딕" panose="020B0503020000020004" pitchFamily="50" charset="-127"/>
+                        </a:rPr>
+                        <a:t>보통</a:t>
+                      </a:r>
+                      <a:endParaRPr lang="ko-KR" sz="1000" dirty="0">
+                        <a:effectLst/>
+                        <a:latin typeface="맑은 고딕" panose="020B0503020000020004" pitchFamily="50" charset="-127"/>
+                        <a:ea typeface="맑은 고딕" panose="020B0503020000020004" pitchFamily="50" charset="-127"/>
+                        <a:cs typeface="맑은 고딕" panose="020B0503020000020004" pitchFamily="50" charset="-127"/>
+                      </a:endParaRPr>
+                    </a:p>
+                  </a:txBody>
+                  <a:tcPr marL="67521" marR="67521" marT="0" marB="0" anchor="ctr">
+                    <a:lnL w="12700" cap="flat" cmpd="sng" algn="ctr">
+                      <a:solidFill>
+                        <a:srgbClr val="0A6D94"/>
+                      </a:solidFill>
+                      <a:prstDash val="solid"/>
+                      <a:round/>
+                      <a:headEnd type="none" w="med" len="med"/>
+                      <a:tailEnd type="none" w="med" len="med"/>
+                    </a:lnL>
+                    <a:lnR w="9525" cap="flat" cmpd="sng" algn="ctr">
+                      <a:solidFill>
+                        <a:schemeClr val="bg1">
+                          <a:lumMod val="75000"/>
+                        </a:schemeClr>
+                      </a:solidFill>
+                      <a:prstDash val="solid"/>
+                      <a:round/>
+                      <a:headEnd type="none" w="med" len="med"/>
+                      <a:tailEnd type="none" w="med" len="med"/>
+                    </a:lnR>
+                    <a:lnT w="9525" cap="flat" cmpd="sng" algn="ctr">
+                      <a:solidFill>
+                        <a:schemeClr val="bg1">
+                          <a:lumMod val="75000"/>
+                        </a:schemeClr>
+                      </a:solidFill>
+                      <a:prstDash val="solid"/>
+                      <a:round/>
+                      <a:headEnd type="none" w="med" len="med"/>
+                      <a:tailEnd type="none" w="med" len="med"/>
+                    </a:lnT>
+                    <a:lnB w="9525" cap="flat" cmpd="sng" algn="ctr">
+                      <a:solidFill>
+                        <a:schemeClr val="bg1">
+                          <a:lumMod val="75000"/>
+                        </a:schemeClr>
+                      </a:solidFill>
+                      <a:prstDash val="solid"/>
+                      <a:round/>
+                      <a:headEnd type="none" w="med" len="med"/>
+                      <a:tailEnd type="none" w="med" len="med"/>
+                    </a:lnB>
+                    <a:solidFill>
+                      <a:schemeClr val="bg1"/>
+                    </a:solidFill>
+                  </a:tcPr>
+                </a:tc>
+                <a:extLst>
+                  <a:ext uri="{0D108BD9-81ED-4DB2-BD59-A6C34878D82A}">
+                    <a16:rowId xmlns:a16="http://schemas.microsoft.com/office/drawing/2014/main" val="1490125819"/>
+                  </a:ext>
+                </a:extLst>
+              </a:tr>
+              <a:tr h="504000">
+                <a:tc>
+                  <a:txBody>
+                    <a:bodyPr/>
+                    <a:lstStyle/>
+                    <a:p>
+                      <a:pPr algn="ctr" latinLnBrk="1">
+                        <a:spcAft>
+                          <a:spcPts val="800"/>
+                        </a:spcAft>
+                      </a:pPr>
+                      <a:r>
+                        <a:rPr lang="ko-KR" altLang="en-US" sz="1000" b="1" dirty="0">
+                          <a:solidFill>
+                            <a:schemeClr val="bg1"/>
+                          </a:solidFill>
+                          <a:effectLst/>
+                          <a:latin typeface="맑은 고딕" panose="020B0503020000020004" pitchFamily="50" charset="-127"/>
+                          <a:ea typeface="맑은 고딕" panose="020B0503020000020004" pitchFamily="50" charset="-127"/>
+                          <a:cs typeface="맑은 고딕" panose="020B0503020000020004" pitchFamily="50" charset="-127"/>
+                        </a:rPr>
+                        <a:t>조작 난이도</a:t>
+                      </a:r>
+                      <a:endParaRPr lang="ko-KR" sz="1000" b="1" dirty="0">
+                        <a:solidFill>
+                          <a:schemeClr val="bg1"/>
+                        </a:solidFill>
+                        <a:effectLst/>
+                        <a:latin typeface="맑은 고딕" panose="020B0503020000020004" pitchFamily="50" charset="-127"/>
+                        <a:ea typeface="맑은 고딕" panose="020B0503020000020004" pitchFamily="50" charset="-127"/>
+                        <a:cs typeface="맑은 고딕" panose="020B0503020000020004" pitchFamily="50" charset="-127"/>
+                      </a:endParaRPr>
+                    </a:p>
+                  </a:txBody>
+                  <a:tcPr marL="67521" marR="67521" marT="0" marB="0" anchor="ctr">
+                    <a:lnL w="12700" cap="flat" cmpd="sng" algn="ctr">
+                      <a:solidFill>
+                        <a:srgbClr val="0A6D94"/>
+                      </a:solidFill>
+                      <a:prstDash val="solid"/>
+                      <a:round/>
+                      <a:headEnd type="none" w="med" len="med"/>
+                      <a:tailEnd type="none" w="med" len="med"/>
+                    </a:lnL>
+                    <a:lnR w="12700" cap="flat" cmpd="sng" algn="ctr">
+                      <a:solidFill>
+                        <a:srgbClr val="0A6D94"/>
+                      </a:solidFill>
+                      <a:prstDash val="solid"/>
+                      <a:round/>
+                      <a:headEnd type="none" w="med" len="med"/>
+                      <a:tailEnd type="none" w="med" len="med"/>
+                    </a:lnR>
+                    <a:lnT w="12700" cap="flat" cmpd="sng" algn="ctr">
+                      <a:solidFill>
+                        <a:schemeClr val="bg1"/>
+                      </a:solidFill>
+                      <a:prstDash val="solid"/>
+                      <a:round/>
+                      <a:headEnd type="none" w="med" len="med"/>
+                      <a:tailEnd type="none" w="med" len="med"/>
+                    </a:lnT>
+                    <a:lnB w="12700" cap="flat" cmpd="sng" algn="ctr">
+                      <a:solidFill>
+                        <a:schemeClr val="bg1"/>
+                      </a:solidFill>
+                      <a:prstDash val="solid"/>
+                      <a:round/>
+                      <a:headEnd type="none" w="med" len="med"/>
+                      <a:tailEnd type="none" w="med" len="med"/>
+                    </a:lnB>
+                    <a:solidFill>
+                      <a:srgbClr val="0A6D94"/>
+                    </a:solidFill>
+                  </a:tcPr>
+                </a:tc>
+                <a:tc>
+                  <a:txBody>
+                    <a:bodyPr/>
+                    <a:lstStyle/>
+                    <a:p>
+                      <a:pPr algn="l" latinLnBrk="1">
+                        <a:spcAft>
+                          <a:spcPts val="800"/>
+                        </a:spcAft>
+                      </a:pPr>
+                      <a:r>
+                        <a:rPr lang="ko-KR" altLang="en-US" sz="1000" dirty="0">
+                          <a:effectLst/>
+                          <a:latin typeface="맑은 고딕" panose="020B0503020000020004" pitchFamily="50" charset="-127"/>
+                          <a:ea typeface="맑은 고딕" panose="020B0503020000020004" pitchFamily="50" charset="-127"/>
+                          <a:cs typeface="맑은 고딕" panose="020B0503020000020004" pitchFamily="50" charset="-127"/>
+                        </a:rPr>
+                        <a:t>높음</a:t>
+                      </a:r>
+                      <a:endParaRPr lang="ko-KR" sz="1000" dirty="0">
+                        <a:effectLst/>
+                        <a:latin typeface="맑은 고딕" panose="020B0503020000020004" pitchFamily="50" charset="-127"/>
+                        <a:ea typeface="맑은 고딕" panose="020B0503020000020004" pitchFamily="50" charset="-127"/>
+                        <a:cs typeface="맑은 고딕" panose="020B0503020000020004" pitchFamily="50" charset="-127"/>
+                      </a:endParaRPr>
+                    </a:p>
+                  </a:txBody>
+                  <a:tcPr marL="67521" marR="67521" marT="0" marB="0" anchor="ctr">
+                    <a:lnL w="12700" cap="flat" cmpd="sng" algn="ctr">
+                      <a:solidFill>
+                        <a:srgbClr val="0A6D94"/>
+                      </a:solidFill>
+                      <a:prstDash val="solid"/>
+                      <a:round/>
+                      <a:headEnd type="none" w="med" len="med"/>
+                      <a:tailEnd type="none" w="med" len="med"/>
+                    </a:lnL>
+                    <a:lnR w="9525" cap="flat" cmpd="sng" algn="ctr">
+                      <a:solidFill>
+                        <a:schemeClr val="bg1">
+                          <a:lumMod val="75000"/>
+                        </a:schemeClr>
+                      </a:solidFill>
+                      <a:prstDash val="solid"/>
+                      <a:round/>
+                      <a:headEnd type="none" w="med" len="med"/>
+                      <a:tailEnd type="none" w="med" len="med"/>
+                    </a:lnR>
+                    <a:lnT w="9525" cap="flat" cmpd="sng" algn="ctr">
+                      <a:solidFill>
+                        <a:schemeClr val="bg1">
+                          <a:lumMod val="75000"/>
+                        </a:schemeClr>
+                      </a:solidFill>
+                      <a:prstDash val="solid"/>
+                      <a:round/>
+                      <a:headEnd type="none" w="med" len="med"/>
+                      <a:tailEnd type="none" w="med" len="med"/>
+                    </a:lnT>
+                    <a:lnB w="9525" cap="flat" cmpd="sng" algn="ctr">
+                      <a:solidFill>
+                        <a:schemeClr val="bg1">
+                          <a:lumMod val="75000"/>
+                        </a:schemeClr>
+                      </a:solidFill>
+                      <a:prstDash val="solid"/>
+                      <a:round/>
+                      <a:headEnd type="none" w="med" len="med"/>
+                      <a:tailEnd type="none" w="med" len="med"/>
+                    </a:lnB>
+                    <a:solidFill>
+                      <a:schemeClr val="bg1"/>
+                    </a:solidFill>
+                  </a:tcPr>
+                </a:tc>
+                <a:extLst>
+                  <a:ext uri="{0D108BD9-81ED-4DB2-BD59-A6C34878D82A}">
+                    <a16:rowId xmlns:a16="http://schemas.microsoft.com/office/drawing/2014/main" val="1064482421"/>
+                  </a:ext>
+                </a:extLst>
+              </a:tr>
+              <a:tr h="504000">
+                <a:tc>
+                  <a:txBody>
+                    <a:bodyPr/>
+                    <a:lstStyle/>
+                    <a:p>
+                      <a:pPr algn="ctr" latinLnBrk="1">
+                        <a:spcAft>
+                          <a:spcPts val="800"/>
+                        </a:spcAft>
+                      </a:pPr>
+                      <a:r>
+                        <a:rPr lang="ko-KR" altLang="en-US" sz="1000" b="1" dirty="0">
+                          <a:solidFill>
+                            <a:schemeClr val="bg1"/>
+                          </a:solidFill>
+                          <a:effectLst/>
+                          <a:latin typeface="맑은 고딕" panose="020B0503020000020004" pitchFamily="50" charset="-127"/>
+                          <a:ea typeface="맑은 고딕" panose="020B0503020000020004" pitchFamily="50" charset="-127"/>
+                          <a:cs typeface="맑은 고딕" panose="020B0503020000020004" pitchFamily="50" charset="-127"/>
+                        </a:rPr>
+                        <a:t>특징</a:t>
+                      </a:r>
+                      <a:endParaRPr lang="ko-KR" sz="1000" b="1" dirty="0">
+                        <a:solidFill>
+                          <a:schemeClr val="bg1"/>
+                        </a:solidFill>
+                        <a:effectLst/>
+                        <a:latin typeface="맑은 고딕" panose="020B0503020000020004" pitchFamily="50" charset="-127"/>
+                        <a:ea typeface="맑은 고딕" panose="020B0503020000020004" pitchFamily="50" charset="-127"/>
+                        <a:cs typeface="맑은 고딕" panose="020B0503020000020004" pitchFamily="50" charset="-127"/>
+                      </a:endParaRPr>
+                    </a:p>
+                  </a:txBody>
+                  <a:tcPr marL="67521" marR="67521" marT="0" marB="0" anchor="ctr">
+                    <a:lnL w="12700" cap="flat" cmpd="sng" algn="ctr">
+                      <a:solidFill>
+                        <a:srgbClr val="0A6D94"/>
+                      </a:solidFill>
+                      <a:prstDash val="solid"/>
+                      <a:round/>
+                      <a:headEnd type="none" w="med" len="med"/>
+                      <a:tailEnd type="none" w="med" len="med"/>
+                    </a:lnL>
+                    <a:lnR w="12700" cap="flat" cmpd="sng" algn="ctr">
+                      <a:solidFill>
+                        <a:srgbClr val="0A6D94"/>
+                      </a:solidFill>
+                      <a:prstDash val="solid"/>
+                      <a:round/>
+                      <a:headEnd type="none" w="med" len="med"/>
+                      <a:tailEnd type="none" w="med" len="med"/>
+                    </a:lnR>
+                    <a:lnT w="12700" cap="flat" cmpd="sng" algn="ctr">
+                      <a:solidFill>
+                        <a:schemeClr val="bg1"/>
+                      </a:solidFill>
+                      <a:prstDash val="solid"/>
+                      <a:round/>
+                      <a:headEnd type="none" w="med" len="med"/>
+                      <a:tailEnd type="none" w="med" len="med"/>
+                    </a:lnT>
+                    <a:lnB w="12700" cap="flat" cmpd="sng" algn="ctr">
+                      <a:solidFill>
+                        <a:srgbClr val="0A6D94"/>
+                      </a:solidFill>
+                      <a:prstDash val="solid"/>
+                      <a:round/>
+                      <a:headEnd type="none" w="med" len="med"/>
+                      <a:tailEnd type="none" w="med" len="med"/>
+                    </a:lnB>
+                    <a:solidFill>
+                      <a:srgbClr val="0A6D94"/>
+                    </a:solidFill>
+                  </a:tcPr>
+                </a:tc>
+                <a:tc>
+                  <a:txBody>
+                    <a:bodyPr/>
+                    <a:lstStyle/>
+                    <a:p>
+                      <a:pPr algn="l" latinLnBrk="1">
+                        <a:spcAft>
+                          <a:spcPts val="800"/>
+                        </a:spcAft>
+                      </a:pPr>
+                      <a:r>
+                        <a:rPr lang="ko-KR" altLang="en-US" sz="1000" dirty="0">
+                          <a:effectLst/>
+                          <a:latin typeface="맑은 고딕" panose="020B0503020000020004" pitchFamily="50" charset="-127"/>
+                          <a:ea typeface="맑은 고딕" panose="020B0503020000020004" pitchFamily="50" charset="-127"/>
+                          <a:cs typeface="맑은 고딕" panose="020B0503020000020004" pitchFamily="50" charset="-127"/>
+                        </a:rPr>
+                        <a:t>번개를 유도하며 </a:t>
+                      </a:r>
+                      <a:endParaRPr lang="ko-KR" sz="1000" dirty="0">
+                        <a:effectLst/>
+                        <a:latin typeface="맑은 고딕" panose="020B0503020000020004" pitchFamily="50" charset="-127"/>
+                        <a:ea typeface="맑은 고딕" panose="020B0503020000020004" pitchFamily="50" charset="-127"/>
+                        <a:cs typeface="맑은 고딕" panose="020B0503020000020004" pitchFamily="50" charset="-127"/>
+                      </a:endParaRPr>
+                    </a:p>
+                  </a:txBody>
+                  <a:tcPr marL="67521" marR="67521" marT="0" marB="0" anchor="ctr">
+                    <a:lnL w="12700" cap="flat" cmpd="sng" algn="ctr">
+                      <a:solidFill>
+                        <a:srgbClr val="0A6D94"/>
+                      </a:solidFill>
+                      <a:prstDash val="solid"/>
+                      <a:round/>
+                      <a:headEnd type="none" w="med" len="med"/>
+                      <a:tailEnd type="none" w="med" len="med"/>
+                    </a:lnL>
+                    <a:lnR w="9525" cap="flat" cmpd="sng" algn="ctr">
+                      <a:solidFill>
+                        <a:schemeClr val="bg1">
+                          <a:lumMod val="75000"/>
+                        </a:schemeClr>
+                      </a:solidFill>
+                      <a:prstDash val="solid"/>
+                      <a:round/>
+                      <a:headEnd type="none" w="med" len="med"/>
+                      <a:tailEnd type="none" w="med" len="med"/>
+                    </a:lnR>
+                    <a:lnT w="9525" cap="flat" cmpd="sng" algn="ctr">
+                      <a:solidFill>
+                        <a:schemeClr val="bg1">
+                          <a:lumMod val="75000"/>
+                        </a:schemeClr>
+                      </a:solidFill>
+                      <a:prstDash val="solid"/>
+                      <a:round/>
+                      <a:headEnd type="none" w="med" len="med"/>
+                      <a:tailEnd type="none" w="med" len="med"/>
+                    </a:lnT>
+                    <a:lnB w="12700" cap="flat" cmpd="sng" algn="ctr">
+                      <a:solidFill>
+                        <a:srgbClr val="0A6D94"/>
+                      </a:solidFill>
+                      <a:prstDash val="solid"/>
+                      <a:round/>
+                      <a:headEnd type="none" w="med" len="med"/>
+                      <a:tailEnd type="none" w="med" len="med"/>
+                    </a:lnB>
+                    <a:solidFill>
+                      <a:schemeClr val="bg1"/>
+                    </a:solidFill>
+                  </a:tcPr>
+                </a:tc>
+                <a:extLst>
+                  <a:ext uri="{0D108BD9-81ED-4DB2-BD59-A6C34878D82A}">
+                    <a16:rowId xmlns:a16="http://schemas.microsoft.com/office/drawing/2014/main" val="1780239341"/>
+                  </a:ext>
+                </a:extLst>
+              </a:tr>
+            </a:tbl>
+          </a:graphicData>
+        </a:graphic>
+      </p:graphicFrame>
+      <p:grpSp>
+        <p:nvGrpSpPr>
+          <p:cNvPr id="50" name="그룹 49">
+            <a:extLst>
+              <a:ext uri="{FF2B5EF4-FFF2-40B4-BE49-F238E27FC236}">
+                <a16:creationId xmlns:a16="http://schemas.microsoft.com/office/drawing/2014/main" id="{DD2A7E56-1969-55D7-0031-96A3A162B6A7}"/>
+              </a:ext>
+            </a:extLst>
+          </p:cNvPr>
+          <p:cNvGrpSpPr/>
+          <p:nvPr/>
+        </p:nvGrpSpPr>
+        <p:grpSpPr>
+          <a:xfrm>
+            <a:off x="7469755" y="1719618"/>
+            <a:ext cx="4575710" cy="2192775"/>
+            <a:chOff x="7469755" y="1799131"/>
+            <a:chExt cx="4575710" cy="2192775"/>
+          </a:xfrm>
+        </p:grpSpPr>
+        <p:grpSp>
+          <p:nvGrpSpPr>
+            <p:cNvPr id="43" name="그룹 42">
+              <a:extLst>
+                <a:ext uri="{FF2B5EF4-FFF2-40B4-BE49-F238E27FC236}">
+                  <a16:creationId xmlns:a16="http://schemas.microsoft.com/office/drawing/2014/main" id="{C3F05096-AF70-E69A-CCAE-9ECE43E0B80F}"/>
+                </a:ext>
+              </a:extLst>
+            </p:cNvPr>
+            <p:cNvGrpSpPr/>
+            <p:nvPr/>
+          </p:nvGrpSpPr>
+          <p:grpSpPr>
+            <a:xfrm>
+              <a:off x="7469755" y="1799131"/>
+              <a:ext cx="4575710" cy="1929765"/>
+              <a:chOff x="890440" y="1928595"/>
+              <a:chExt cx="6130942" cy="2585670"/>
+            </a:xfrm>
+          </p:grpSpPr>
+          <p:pic>
+            <p:nvPicPr>
+              <p:cNvPr id="44" name="그림 43" descr="흑백, 야외, 바퀴이(가) 표시된 사진&#10;&#10;중간 신뢰도로 자동 생성된 설명">
+                <a:extLst>
+                  <a:ext uri="{FF2B5EF4-FFF2-40B4-BE49-F238E27FC236}">
+                    <a16:creationId xmlns:a16="http://schemas.microsoft.com/office/drawing/2014/main" id="{E7755824-ACFC-2019-EB77-3CCD2716B838}"/>
+                  </a:ext>
+                </a:extLst>
+              </p:cNvPr>
+              <p:cNvPicPr>
+                <a:picLocks noChangeAspect="1"/>
+              </p:cNvPicPr>
+              <p:nvPr/>
+            </p:nvPicPr>
+            <p:blipFill>
+              <a:blip r:embed="rId3">
+                <a:extLst>
+                  <a:ext uri="{28A0092B-C50C-407E-A947-70E740481C1C}">
+                    <a14:useLocalDpi xmlns:a14="http://schemas.microsoft.com/office/drawing/2010/main" val="0"/>
+                  </a:ext>
+                </a:extLst>
+              </a:blip>
+              <a:stretch>
+                <a:fillRect/>
+              </a:stretch>
+            </p:blipFill>
+            <p:spPr>
+              <a:xfrm>
+                <a:off x="890440" y="1992328"/>
+                <a:ext cx="2866551" cy="2521937"/>
+              </a:xfrm>
+              <a:prstGeom prst="rect">
+                <a:avLst/>
+              </a:prstGeom>
+            </p:spPr>
+          </p:pic>
+          <p:pic>
+            <p:nvPicPr>
+              <p:cNvPr id="45" name="그림 44" descr="손부채, 다크, 팬이(가) 표시된 사진&#10;&#10;자동 생성된 설명">
+                <a:extLst>
+                  <a:ext uri="{FF2B5EF4-FFF2-40B4-BE49-F238E27FC236}">
+                    <a16:creationId xmlns:a16="http://schemas.microsoft.com/office/drawing/2014/main" id="{5F051A01-3749-D536-C299-DAEF041F8D13}"/>
+                  </a:ext>
+                </a:extLst>
+              </p:cNvPr>
+              <p:cNvPicPr>
+                <a:picLocks noChangeAspect="1"/>
+              </p:cNvPicPr>
+              <p:nvPr/>
+            </p:nvPicPr>
+            <p:blipFill>
+              <a:blip r:embed="rId4">
+                <a:extLst>
+                  <a:ext uri="{28A0092B-C50C-407E-A947-70E740481C1C}">
+                    <a14:useLocalDpi xmlns:a14="http://schemas.microsoft.com/office/drawing/2010/main" val="0"/>
+                  </a:ext>
+                </a:extLst>
+              </a:blip>
+              <a:stretch>
+                <a:fillRect/>
+              </a:stretch>
+            </p:blipFill>
+            <p:spPr>
+              <a:xfrm>
+                <a:off x="3693224" y="1928595"/>
+                <a:ext cx="3328158" cy="2324630"/>
+              </a:xfrm>
+              <a:prstGeom prst="rect">
+                <a:avLst/>
+              </a:prstGeom>
+            </p:spPr>
+          </p:pic>
+        </p:grpSp>
+        <p:grpSp>
+          <p:nvGrpSpPr>
+            <p:cNvPr id="49" name="그룹 48">
+              <a:extLst>
+                <a:ext uri="{FF2B5EF4-FFF2-40B4-BE49-F238E27FC236}">
+                  <a16:creationId xmlns:a16="http://schemas.microsoft.com/office/drawing/2014/main" id="{3DE52086-A222-8F5D-3AAD-AEE963B8BFF9}"/>
+                </a:ext>
+              </a:extLst>
+            </p:cNvPr>
+            <p:cNvGrpSpPr/>
+            <p:nvPr/>
+          </p:nvGrpSpPr>
+          <p:grpSpPr>
+            <a:xfrm>
+              <a:off x="9144610" y="3776462"/>
+              <a:ext cx="1049262" cy="215444"/>
+              <a:chOff x="9144610" y="3980347"/>
+              <a:chExt cx="1049262" cy="215444"/>
+            </a:xfrm>
+          </p:grpSpPr>
+          <p:sp>
+            <p:nvSpPr>
+              <p:cNvPr id="47" name="이등변 삼각형 46">
+                <a:extLst>
+                  <a:ext uri="{FF2B5EF4-FFF2-40B4-BE49-F238E27FC236}">
+                    <a16:creationId xmlns:a16="http://schemas.microsoft.com/office/drawing/2014/main" id="{C465CF9C-9911-4561-F910-DCDE6FC9162A}"/>
+                  </a:ext>
+                </a:extLst>
+              </p:cNvPr>
+              <p:cNvSpPr/>
+              <p:nvPr/>
+            </p:nvSpPr>
+            <p:spPr>
+              <a:xfrm>
+                <a:off x="9144610" y="4042418"/>
+                <a:ext cx="105910" cy="91302"/>
+              </a:xfrm>
+              <a:prstGeom prst="triangle">
+                <a:avLst/>
+              </a:prstGeom>
+              <a:solidFill>
+                <a:srgbClr val="F2F2F2"/>
+              </a:solidFill>
+              <a:ln>
+                <a:solidFill>
+                  <a:srgbClr val="0A6D94"/>
+                </a:solidFill>
+              </a:ln>
+            </p:spPr>
+            <p:style>
+              <a:lnRef idx="2">
+                <a:schemeClr val="accent1">
+                  <a:shade val="15000"/>
+                </a:schemeClr>
+              </a:lnRef>
+              <a:fillRef idx="1">
+                <a:schemeClr val="accent1"/>
+              </a:fillRef>
+              <a:effectRef idx="0">
+                <a:schemeClr val="accent1"/>
+              </a:effectRef>
+              <a:fontRef idx="minor">
+                <a:schemeClr val="lt1"/>
+              </a:fontRef>
+            </p:style>
+            <p:txBody>
+              <a:bodyPr rtlCol="0" anchor="ctr"/>
+              <a:lstStyle/>
+              <a:p>
+                <a:pPr algn="ctr"/>
+                <a:endParaRPr lang="ko-KR" altLang="en-US"/>
+              </a:p>
+            </p:txBody>
+          </p:sp>
+          <p:sp>
+            <p:nvSpPr>
+              <p:cNvPr id="48" name="TextBox 47">
+                <a:extLst>
+                  <a:ext uri="{FF2B5EF4-FFF2-40B4-BE49-F238E27FC236}">
+                    <a16:creationId xmlns:a16="http://schemas.microsoft.com/office/drawing/2014/main" id="{E4E0A570-6F77-8EEC-F91D-5554623773F5}"/>
+                  </a:ext>
+                </a:extLst>
+              </p:cNvPr>
+              <p:cNvSpPr txBox="1"/>
+              <p:nvPr/>
+            </p:nvSpPr>
+            <p:spPr>
+              <a:xfrm>
+                <a:off x="9254191" y="3980347"/>
+                <a:ext cx="939681" cy="215444"/>
+              </a:xfrm>
+              <a:prstGeom prst="rect">
+                <a:avLst/>
+              </a:prstGeom>
+              <a:noFill/>
+            </p:spPr>
+            <p:txBody>
+              <a:bodyPr wrap="none" rtlCol="0">
+                <a:spAutoFit/>
+              </a:bodyPr>
+              <a:lstStyle/>
+              <a:p>
+                <a:r>
+                  <a:rPr lang="ko-KR" altLang="en-US" sz="800" b="1" dirty="0">
+                    <a:latin typeface="+mn-ea"/>
+                  </a:rPr>
+                  <a:t>레퍼런스 이미지</a:t>
+                </a:r>
+                <a:endParaRPr lang="en-US" altLang="ko-KR" sz="800" b="1" dirty="0">
+                  <a:latin typeface="+mn-ea"/>
+                </a:endParaRPr>
+              </a:p>
+            </p:txBody>
+          </p:sp>
+        </p:grpSp>
+      </p:grpSp>
     </p:spTree>
     <p:extLst>
       <p:ext uri="{BB962C8B-B14F-4D97-AF65-F5344CB8AC3E}">
@@ -14861,7 +15757,7 @@
         <p:spPr>
           <a:xfrm>
             <a:off x="1736114" y="1089195"/>
-            <a:ext cx="1284326" cy="246221"/>
+            <a:ext cx="2460930" cy="246221"/>
           </a:xfrm>
           <a:prstGeom prst="rect">
             <a:avLst/>
@@ -14878,14 +15774,11 @@
               <a:rPr lang="ko-KR" altLang="en-US" sz="1000" dirty="0">
                 <a:latin typeface="+mn-ea"/>
               </a:rPr>
-              <a:t>번개를 유도합니다</a:t>
+              <a:t>검은색 베이스에 흰색이 섞여 있는 번개</a:t>
             </a:r>
-            <a:r>
-              <a:rPr lang="en-US" altLang="ko-KR" sz="1000" dirty="0">
-                <a:latin typeface="+mn-ea"/>
-              </a:rPr>
-              <a:t>.</a:t>
-            </a:r>
+            <a:endParaRPr lang="en-US" altLang="ko-KR" sz="1000" dirty="0">
+              <a:latin typeface="+mn-ea"/>
+            </a:endParaRPr>
           </a:p>
         </p:txBody>
       </p:sp>
@@ -14942,72 +15835,6 @@
       </p:sp>
       <p:sp>
         <p:nvSpPr>
-          <p:cNvPr id="3" name="TextBox 2">
-            <a:extLst>
-              <a:ext uri="{FF2B5EF4-FFF2-40B4-BE49-F238E27FC236}">
-                <a16:creationId xmlns:a16="http://schemas.microsoft.com/office/drawing/2014/main" id="{6E76295E-D3B3-F8FE-1A09-136F92F3C64B}"/>
-              </a:ext>
-            </a:extLst>
-          </p:cNvPr>
-          <p:cNvSpPr txBox="1"/>
-          <p:nvPr/>
-        </p:nvSpPr>
-        <p:spPr>
-          <a:xfrm>
-            <a:off x="1207915" y="5784193"/>
-            <a:ext cx="9776169" cy="680312"/>
-          </a:xfrm>
-          <a:prstGeom prst="rect">
-            <a:avLst/>
-          </a:prstGeom>
-          <a:noFill/>
-          <a:ln w="12700">
-            <a:solidFill>
-              <a:srgbClr val="0A6D94"/>
-            </a:solidFill>
-          </a:ln>
-        </p:spPr>
-        <p:txBody>
-          <a:bodyPr wrap="square" lIns="0" tIns="0" rIns="0" bIns="0" rtlCol="0" anchor="ctr" anchorCtr="0">
-            <a:noAutofit/>
-          </a:bodyPr>
-          <a:lstStyle/>
-          <a:p>
-            <a:pPr algn="ctr"/>
-            <a:r>
-              <a:rPr lang="ko-KR" altLang="en-US" sz="1200" dirty="0"/>
-              <a:t>부채는 기본 </a:t>
-            </a:r>
-            <a:r>
-              <a:rPr lang="ko-KR" altLang="en-US" sz="1200" dirty="0" err="1"/>
-              <a:t>피해량은</a:t>
-            </a:r>
-            <a:r>
-              <a:rPr lang="ko-KR" altLang="en-US" sz="1200" dirty="0"/>
-              <a:t> 낮지만</a:t>
-            </a:r>
-            <a:r>
-              <a:rPr lang="en-US" altLang="ko-KR" sz="1200" dirty="0"/>
-              <a:t>, </a:t>
-            </a:r>
-            <a:r>
-              <a:rPr lang="ko-KR" altLang="en-US" sz="1200" dirty="0" err="1"/>
-              <a:t>피해량을</a:t>
-            </a:r>
-            <a:r>
-              <a:rPr lang="ko-KR" altLang="en-US" sz="1200" dirty="0"/>
-              <a:t> 한 곳에 집중시킬 수 있습니다</a:t>
-            </a:r>
-            <a:r>
-              <a:rPr lang="en-US" altLang="ko-KR" sz="1200" dirty="0"/>
-              <a:t>.</a:t>
-            </a:r>
-            <a:endParaRPr lang="ko-KR" altLang="en-US" sz="1200" dirty="0"/>
-          </a:p>
-        </p:txBody>
-      </p:sp>
-      <p:sp>
-        <p:nvSpPr>
           <p:cNvPr id="4" name="화살표: 오각형 3">
             <a:extLst>
               <a:ext uri="{FF2B5EF4-FFF2-40B4-BE49-F238E27FC236}">
@@ -15021,7 +15848,7 @@
         <p:spPr>
           <a:xfrm>
             <a:off x="1" y="994687"/>
-            <a:ext cx="1702282" cy="404461"/>
+            <a:ext cx="1560442" cy="404461"/>
           </a:xfrm>
           <a:prstGeom prst="homePlate">
             <a:avLst/>
@@ -15107,7 +15934,7 @@
               <a:rPr lang="ko-KR" altLang="en-US" sz="1200" b="1" dirty="0">
                 <a:latin typeface="+mn-ea"/>
               </a:rPr>
-              <a:t>무기의 특징</a:t>
+              <a:t>이펙트 컨셉</a:t>
             </a:r>
             <a:endParaRPr lang="en-US" altLang="ko-KR" sz="1200" b="1" dirty="0">
               <a:latin typeface="+mn-ea"/>
@@ -15115,6 +15942,197 @@
           </a:p>
         </p:txBody>
       </p:sp>
+      <p:pic>
+        <p:nvPicPr>
+          <p:cNvPr id="11" name="그림 10" descr="물, 흑백이(가) 표시된 사진&#10;&#10;자동 생성된 설명">
+            <a:extLst>
+              <a:ext uri="{FF2B5EF4-FFF2-40B4-BE49-F238E27FC236}">
+                <a16:creationId xmlns:a16="http://schemas.microsoft.com/office/drawing/2014/main" id="{9A869097-9291-DEB6-1438-68E208A6C52D}"/>
+              </a:ext>
+            </a:extLst>
+          </p:cNvPr>
+          <p:cNvPicPr>
+            <a:picLocks noChangeAspect="1"/>
+          </p:cNvPicPr>
+          <p:nvPr/>
+        </p:nvPicPr>
+        <p:blipFill>
+          <a:blip r:embed="rId3">
+            <a:extLst>
+              <a:ext uri="{28A0092B-C50C-407E-A947-70E740481C1C}">
+                <a14:useLocalDpi xmlns:a14="http://schemas.microsoft.com/office/drawing/2010/main" val="0"/>
+              </a:ext>
+            </a:extLst>
+          </a:blip>
+          <a:stretch>
+            <a:fillRect/>
+          </a:stretch>
+        </p:blipFill>
+        <p:spPr>
+          <a:xfrm>
+            <a:off x="1301198" y="1704975"/>
+            <a:ext cx="2095500" cy="3448050"/>
+          </a:xfrm>
+          <a:prstGeom prst="rect">
+            <a:avLst/>
+          </a:prstGeom>
+        </p:spPr>
+      </p:pic>
+      <p:sp>
+        <p:nvSpPr>
+          <p:cNvPr id="12" name="TextBox 11">
+            <a:extLst>
+              <a:ext uri="{FF2B5EF4-FFF2-40B4-BE49-F238E27FC236}">
+                <a16:creationId xmlns:a16="http://schemas.microsoft.com/office/drawing/2014/main" id="{515C4618-DEDF-8911-46DD-C59D179BCC7A}"/>
+              </a:ext>
+            </a:extLst>
+          </p:cNvPr>
+          <p:cNvSpPr txBox="1"/>
+          <p:nvPr/>
+        </p:nvSpPr>
+        <p:spPr>
+          <a:xfrm>
+            <a:off x="4767549" y="2401685"/>
+            <a:ext cx="2460930" cy="246221"/>
+          </a:xfrm>
+          <a:prstGeom prst="rect">
+            <a:avLst/>
+          </a:prstGeom>
+          <a:noFill/>
+        </p:spPr>
+        <p:txBody>
+          <a:bodyPr wrap="none" rtlCol="0">
+            <a:spAutoFit/>
+          </a:bodyPr>
+          <a:lstStyle/>
+          <a:p>
+            <a:r>
+              <a:rPr lang="ko-KR" altLang="en-US" sz="1000" dirty="0">
+                <a:latin typeface="+mn-ea"/>
+              </a:rPr>
+              <a:t>검은색 베이스에 흰색이 섞여 있는 번개</a:t>
+            </a:r>
+            <a:endParaRPr lang="en-US" altLang="ko-KR" sz="1000" dirty="0">
+              <a:latin typeface="+mn-ea"/>
+            </a:endParaRPr>
+          </a:p>
+        </p:txBody>
+      </p:sp>
+      <p:grpSp>
+        <p:nvGrpSpPr>
+          <p:cNvPr id="15" name="그룹 14">
+            <a:extLst>
+              <a:ext uri="{FF2B5EF4-FFF2-40B4-BE49-F238E27FC236}">
+                <a16:creationId xmlns:a16="http://schemas.microsoft.com/office/drawing/2014/main" id="{41F65B66-7049-57D4-6210-C80BE1666E31}"/>
+              </a:ext>
+            </a:extLst>
+          </p:cNvPr>
+          <p:cNvGrpSpPr/>
+          <p:nvPr/>
+        </p:nvGrpSpPr>
+        <p:grpSpPr>
+          <a:xfrm>
+            <a:off x="1356492" y="5181760"/>
+            <a:ext cx="1086130" cy="215444"/>
+            <a:chOff x="4426143" y="4397791"/>
+            <a:chExt cx="1086130" cy="215444"/>
+          </a:xfrm>
+        </p:grpSpPr>
+        <p:sp>
+          <p:nvSpPr>
+            <p:cNvPr id="13" name="이등변 삼각형 12">
+              <a:extLst>
+                <a:ext uri="{FF2B5EF4-FFF2-40B4-BE49-F238E27FC236}">
+                  <a16:creationId xmlns:a16="http://schemas.microsoft.com/office/drawing/2014/main" id="{643CA378-7C4F-2864-7132-92FCABB61B33}"/>
+                </a:ext>
+              </a:extLst>
+            </p:cNvPr>
+            <p:cNvSpPr/>
+            <p:nvPr/>
+          </p:nvSpPr>
+          <p:spPr>
+            <a:xfrm>
+              <a:off x="4426143" y="4459862"/>
+              <a:ext cx="105910" cy="91302"/>
+            </a:xfrm>
+            <a:prstGeom prst="triangle">
+              <a:avLst/>
+            </a:prstGeom>
+            <a:solidFill>
+              <a:srgbClr val="F2F2F2"/>
+            </a:solidFill>
+            <a:ln>
+              <a:solidFill>
+                <a:srgbClr val="0A6D94"/>
+              </a:solidFill>
+            </a:ln>
+          </p:spPr>
+          <p:style>
+            <a:lnRef idx="2">
+              <a:schemeClr val="accent1">
+                <a:shade val="15000"/>
+              </a:schemeClr>
+            </a:lnRef>
+            <a:fillRef idx="1">
+              <a:schemeClr val="accent1"/>
+            </a:fillRef>
+            <a:effectRef idx="0">
+              <a:schemeClr val="accent1"/>
+            </a:effectRef>
+            <a:fontRef idx="minor">
+              <a:schemeClr val="lt1"/>
+            </a:fontRef>
+          </p:style>
+          <p:txBody>
+            <a:bodyPr rtlCol="0" anchor="ctr"/>
+            <a:lstStyle/>
+            <a:p>
+              <a:pPr algn="ctr"/>
+              <a:endParaRPr lang="ko-KR" altLang="en-US"/>
+            </a:p>
+          </p:txBody>
+        </p:sp>
+        <p:sp>
+          <p:nvSpPr>
+            <p:cNvPr id="14" name="TextBox 13">
+              <a:extLst>
+                <a:ext uri="{FF2B5EF4-FFF2-40B4-BE49-F238E27FC236}">
+                  <a16:creationId xmlns:a16="http://schemas.microsoft.com/office/drawing/2014/main" id="{BD658A51-2808-58F9-BAE8-EDFB3714098A}"/>
+                </a:ext>
+              </a:extLst>
+            </p:cNvPr>
+            <p:cNvSpPr txBox="1"/>
+            <p:nvPr/>
+          </p:nvSpPr>
+          <p:spPr>
+            <a:xfrm>
+              <a:off x="4535724" y="4397791"/>
+              <a:ext cx="976549" cy="215444"/>
+            </a:xfrm>
+            <a:prstGeom prst="rect">
+              <a:avLst/>
+            </a:prstGeom>
+            <a:noFill/>
+          </p:spPr>
+          <p:txBody>
+            <a:bodyPr wrap="none" rtlCol="0">
+              <a:spAutoFit/>
+            </a:bodyPr>
+            <a:lstStyle/>
+            <a:p>
+              <a:r>
+                <a:rPr lang="ko-KR" altLang="en-US" sz="800" b="1" dirty="0">
+                  <a:latin typeface="+mn-ea"/>
+                </a:rPr>
+                <a:t>번개 이펙트 예시</a:t>
+              </a:r>
+              <a:endParaRPr lang="en-US" altLang="ko-KR" sz="800" b="1" dirty="0">
+                <a:latin typeface="+mn-ea"/>
+              </a:endParaRPr>
+            </a:p>
+          </p:txBody>
+        </p:sp>
+      </p:grpSp>
     </p:spTree>
     <p:extLst>
       <p:ext uri="{BB962C8B-B14F-4D97-AF65-F5344CB8AC3E}">

--- a/액션&경영 RPG/스킬/리트루기아_부채스킬기획.pptx
+++ b/액션&경영 RPG/스킬/리트루기아_부채스킬기획.pptx
@@ -4,13 +4,16 @@
   <p:sldMasterIdLst>
     <p:sldMasterId id="2147483648" r:id="rId1"/>
   </p:sldMasterIdLst>
+  <p:notesMasterIdLst>
+    <p:notesMasterId r:id="rId12"/>
+  </p:notesMasterIdLst>
   <p:sldIdLst>
     <p:sldId id="256" r:id="rId2"/>
     <p:sldId id="258" r:id="rId3"/>
     <p:sldId id="261" r:id="rId4"/>
     <p:sldId id="266" r:id="rId5"/>
     <p:sldId id="262" r:id="rId6"/>
-    <p:sldId id="267" r:id="rId7"/>
+    <p:sldId id="269" r:id="rId7"/>
     <p:sldId id="263" r:id="rId8"/>
     <p:sldId id="264" r:id="rId9"/>
     <p:sldId id="257" r:id="rId10"/>
@@ -119,6 +122,439 @@
     </p:ext>
   </p:extLst>
 </p:presentation>
+</file>
+
+<file path=ppt/notesMasters/notesMaster1.xml><?xml version="1.0" encoding="utf-8"?>
+<p:notesMaster xmlns:a="http://schemas.openxmlformats.org/drawingml/2006/main" xmlns:r="http://schemas.openxmlformats.org/officeDocument/2006/relationships" xmlns:p="http://schemas.openxmlformats.org/presentationml/2006/main">
+  <p:cSld>
+    <p:bg>
+      <p:bgRef idx="1001">
+        <a:schemeClr val="bg1"/>
+      </p:bgRef>
+    </p:bg>
+    <p:spTree>
+      <p:nvGrpSpPr>
+        <p:cNvPr id="1" name=""/>
+        <p:cNvGrpSpPr/>
+        <p:nvPr/>
+      </p:nvGrpSpPr>
+      <p:grpSpPr>
+        <a:xfrm>
+          <a:off x="0" y="0"/>
+          <a:ext cx="0" cy="0"/>
+          <a:chOff x="0" y="0"/>
+          <a:chExt cx="0" cy="0"/>
+        </a:xfrm>
+      </p:grpSpPr>
+      <p:sp>
+        <p:nvSpPr>
+          <p:cNvPr id="2" name="머리글 개체 틀 1"/>
+          <p:cNvSpPr>
+            <a:spLocks noGrp="1"/>
+          </p:cNvSpPr>
+          <p:nvPr>
+            <p:ph type="hdr" sz="quarter"/>
+          </p:nvPr>
+        </p:nvSpPr>
+        <p:spPr>
+          <a:xfrm>
+            <a:off x="0" y="0"/>
+            <a:ext cx="2971800" cy="458788"/>
+          </a:xfrm>
+          <a:prstGeom prst="rect">
+            <a:avLst/>
+          </a:prstGeom>
+        </p:spPr>
+        <p:txBody>
+          <a:bodyPr vert="horz" lIns="91440" tIns="45720" rIns="91440" bIns="45720" rtlCol="0"/>
+          <a:lstStyle>
+            <a:lvl1pPr algn="l">
+              <a:defRPr sz="1200"/>
+            </a:lvl1pPr>
+          </a:lstStyle>
+          <a:p>
+            <a:endParaRPr lang="ko-KR" altLang="en-US"/>
+          </a:p>
+        </p:txBody>
+      </p:sp>
+      <p:sp>
+        <p:nvSpPr>
+          <p:cNvPr id="3" name="날짜 개체 틀 2"/>
+          <p:cNvSpPr>
+            <a:spLocks noGrp="1"/>
+          </p:cNvSpPr>
+          <p:nvPr>
+            <p:ph type="dt" idx="1"/>
+          </p:nvPr>
+        </p:nvSpPr>
+        <p:spPr>
+          <a:xfrm>
+            <a:off x="3884613" y="0"/>
+            <a:ext cx="2971800" cy="458788"/>
+          </a:xfrm>
+          <a:prstGeom prst="rect">
+            <a:avLst/>
+          </a:prstGeom>
+        </p:spPr>
+        <p:txBody>
+          <a:bodyPr vert="horz" lIns="91440" tIns="45720" rIns="91440" bIns="45720" rtlCol="0"/>
+          <a:lstStyle>
+            <a:lvl1pPr algn="r">
+              <a:defRPr sz="1200"/>
+            </a:lvl1pPr>
+          </a:lstStyle>
+          <a:p>
+            <a:fld id="{0F111680-B34F-4A3E-9C77-46823E810D72}" type="datetimeFigureOut">
+              <a:rPr lang="ko-KR" altLang="en-US" smtClean="0"/>
+              <a:t>2024-10-07</a:t>
+            </a:fld>
+            <a:endParaRPr lang="ko-KR" altLang="en-US"/>
+          </a:p>
+        </p:txBody>
+      </p:sp>
+      <p:sp>
+        <p:nvSpPr>
+          <p:cNvPr id="4" name="슬라이드 이미지 개체 틀 3"/>
+          <p:cNvSpPr>
+            <a:spLocks noGrp="1" noRot="1" noChangeAspect="1"/>
+          </p:cNvSpPr>
+          <p:nvPr>
+            <p:ph type="sldImg" idx="2"/>
+          </p:nvPr>
+        </p:nvSpPr>
+        <p:spPr>
+          <a:xfrm>
+            <a:off x="685800" y="1143000"/>
+            <a:ext cx="5486400" cy="3086100"/>
+          </a:xfrm>
+          <a:prstGeom prst="rect">
+            <a:avLst/>
+          </a:prstGeom>
+          <a:noFill/>
+          <a:ln w="12700">
+            <a:solidFill>
+              <a:prstClr val="black"/>
+            </a:solidFill>
+          </a:ln>
+        </p:spPr>
+        <p:txBody>
+          <a:bodyPr vert="horz" lIns="91440" tIns="45720" rIns="91440" bIns="45720" rtlCol="0" anchor="ctr"/>
+          <a:lstStyle/>
+          <a:p>
+            <a:endParaRPr lang="ko-KR" altLang="en-US"/>
+          </a:p>
+        </p:txBody>
+      </p:sp>
+      <p:sp>
+        <p:nvSpPr>
+          <p:cNvPr id="5" name="슬라이드 노트 개체 틀 4"/>
+          <p:cNvSpPr>
+            <a:spLocks noGrp="1"/>
+          </p:cNvSpPr>
+          <p:nvPr>
+            <p:ph type="body" sz="quarter" idx="3"/>
+          </p:nvPr>
+        </p:nvSpPr>
+        <p:spPr>
+          <a:xfrm>
+            <a:off x="685800" y="4400550"/>
+            <a:ext cx="5486400" cy="3600450"/>
+          </a:xfrm>
+          <a:prstGeom prst="rect">
+            <a:avLst/>
+          </a:prstGeom>
+        </p:spPr>
+        <p:txBody>
+          <a:bodyPr vert="horz" lIns="91440" tIns="45720" rIns="91440" bIns="45720" rtlCol="0"/>
+          <a:lstStyle/>
+          <a:p>
+            <a:pPr lvl="0"/>
+            <a:r>
+              <a:rPr lang="ko-KR" altLang="en-US"/>
+              <a:t>마스터 텍스트 스타일을 편집하려면 클릭</a:t>
+            </a:r>
+          </a:p>
+          <a:p>
+            <a:pPr lvl="1"/>
+            <a:r>
+              <a:rPr lang="ko-KR" altLang="en-US"/>
+              <a:t>두 번째 수준</a:t>
+            </a:r>
+          </a:p>
+          <a:p>
+            <a:pPr lvl="2"/>
+            <a:r>
+              <a:rPr lang="ko-KR" altLang="en-US"/>
+              <a:t>세 번째 수준</a:t>
+            </a:r>
+          </a:p>
+          <a:p>
+            <a:pPr lvl="3"/>
+            <a:r>
+              <a:rPr lang="ko-KR" altLang="en-US"/>
+              <a:t>네 번째 수준</a:t>
+            </a:r>
+          </a:p>
+          <a:p>
+            <a:pPr lvl="4"/>
+            <a:r>
+              <a:rPr lang="ko-KR" altLang="en-US"/>
+              <a:t>다섯 번째 수준</a:t>
+            </a:r>
+          </a:p>
+        </p:txBody>
+      </p:sp>
+      <p:sp>
+        <p:nvSpPr>
+          <p:cNvPr id="6" name="바닥글 개체 틀 5"/>
+          <p:cNvSpPr>
+            <a:spLocks noGrp="1"/>
+          </p:cNvSpPr>
+          <p:nvPr>
+            <p:ph type="ftr" sz="quarter" idx="4"/>
+          </p:nvPr>
+        </p:nvSpPr>
+        <p:spPr>
+          <a:xfrm>
+            <a:off x="0" y="8685213"/>
+            <a:ext cx="2971800" cy="458787"/>
+          </a:xfrm>
+          <a:prstGeom prst="rect">
+            <a:avLst/>
+          </a:prstGeom>
+        </p:spPr>
+        <p:txBody>
+          <a:bodyPr vert="horz" lIns="91440" tIns="45720" rIns="91440" bIns="45720" rtlCol="0" anchor="b"/>
+          <a:lstStyle>
+            <a:lvl1pPr algn="l">
+              <a:defRPr sz="1200"/>
+            </a:lvl1pPr>
+          </a:lstStyle>
+          <a:p>
+            <a:endParaRPr lang="ko-KR" altLang="en-US"/>
+          </a:p>
+        </p:txBody>
+      </p:sp>
+      <p:sp>
+        <p:nvSpPr>
+          <p:cNvPr id="7" name="슬라이드 번호 개체 틀 6"/>
+          <p:cNvSpPr>
+            <a:spLocks noGrp="1"/>
+          </p:cNvSpPr>
+          <p:nvPr>
+            <p:ph type="sldNum" sz="quarter" idx="5"/>
+          </p:nvPr>
+        </p:nvSpPr>
+        <p:spPr>
+          <a:xfrm>
+            <a:off x="3884613" y="8685213"/>
+            <a:ext cx="2971800" cy="458787"/>
+          </a:xfrm>
+          <a:prstGeom prst="rect">
+            <a:avLst/>
+          </a:prstGeom>
+        </p:spPr>
+        <p:txBody>
+          <a:bodyPr vert="horz" lIns="91440" tIns="45720" rIns="91440" bIns="45720" rtlCol="0" anchor="b"/>
+          <a:lstStyle>
+            <a:lvl1pPr algn="r">
+              <a:defRPr sz="1200"/>
+            </a:lvl1pPr>
+          </a:lstStyle>
+          <a:p>
+            <a:fld id="{DE2DDEE0-BC41-45E3-B4D0-8B24584D8D14}" type="slidenum">
+              <a:rPr lang="ko-KR" altLang="en-US" smtClean="0"/>
+              <a:t>‹#›</a:t>
+            </a:fld>
+            <a:endParaRPr lang="ko-KR" altLang="en-US"/>
+          </a:p>
+        </p:txBody>
+      </p:sp>
+    </p:spTree>
+    <p:extLst>
+      <p:ext uri="{BB962C8B-B14F-4D97-AF65-F5344CB8AC3E}">
+        <p14:creationId xmlns:p14="http://schemas.microsoft.com/office/powerpoint/2010/main" val="3979576559"/>
+      </p:ext>
+    </p:extLst>
+  </p:cSld>
+  <p:clrMap bg1="lt1" tx1="dk1" bg2="lt2" tx2="dk2" accent1="accent1" accent2="accent2" accent3="accent3" accent4="accent4" accent5="accent5" accent6="accent6" hlink="hlink" folHlink="folHlink"/>
+  <p:notesStyle>
+    <a:lvl1pPr marL="0" algn="l" defTabSz="914400" rtl="0" eaLnBrk="1" latinLnBrk="1" hangingPunct="1">
+      <a:defRPr sz="1200" kern="1200">
+        <a:solidFill>
+          <a:schemeClr val="tx1"/>
+        </a:solidFill>
+        <a:latin typeface="+mn-lt"/>
+        <a:ea typeface="+mn-ea"/>
+        <a:cs typeface="+mn-cs"/>
+      </a:defRPr>
+    </a:lvl1pPr>
+    <a:lvl2pPr marL="457200" algn="l" defTabSz="914400" rtl="0" eaLnBrk="1" latinLnBrk="1" hangingPunct="1">
+      <a:defRPr sz="1200" kern="1200">
+        <a:solidFill>
+          <a:schemeClr val="tx1"/>
+        </a:solidFill>
+        <a:latin typeface="+mn-lt"/>
+        <a:ea typeface="+mn-ea"/>
+        <a:cs typeface="+mn-cs"/>
+      </a:defRPr>
+    </a:lvl2pPr>
+    <a:lvl3pPr marL="914400" algn="l" defTabSz="914400" rtl="0" eaLnBrk="1" latinLnBrk="1" hangingPunct="1">
+      <a:defRPr sz="1200" kern="1200">
+        <a:solidFill>
+          <a:schemeClr val="tx1"/>
+        </a:solidFill>
+        <a:latin typeface="+mn-lt"/>
+        <a:ea typeface="+mn-ea"/>
+        <a:cs typeface="+mn-cs"/>
+      </a:defRPr>
+    </a:lvl3pPr>
+    <a:lvl4pPr marL="1371600" algn="l" defTabSz="914400" rtl="0" eaLnBrk="1" latinLnBrk="1" hangingPunct="1">
+      <a:defRPr sz="1200" kern="1200">
+        <a:solidFill>
+          <a:schemeClr val="tx1"/>
+        </a:solidFill>
+        <a:latin typeface="+mn-lt"/>
+        <a:ea typeface="+mn-ea"/>
+        <a:cs typeface="+mn-cs"/>
+      </a:defRPr>
+    </a:lvl4pPr>
+    <a:lvl5pPr marL="1828800" algn="l" defTabSz="914400" rtl="0" eaLnBrk="1" latinLnBrk="1" hangingPunct="1">
+      <a:defRPr sz="1200" kern="1200">
+        <a:solidFill>
+          <a:schemeClr val="tx1"/>
+        </a:solidFill>
+        <a:latin typeface="+mn-lt"/>
+        <a:ea typeface="+mn-ea"/>
+        <a:cs typeface="+mn-cs"/>
+      </a:defRPr>
+    </a:lvl5pPr>
+    <a:lvl6pPr marL="2286000" algn="l" defTabSz="914400" rtl="0" eaLnBrk="1" latinLnBrk="1" hangingPunct="1">
+      <a:defRPr sz="1200" kern="1200">
+        <a:solidFill>
+          <a:schemeClr val="tx1"/>
+        </a:solidFill>
+        <a:latin typeface="+mn-lt"/>
+        <a:ea typeface="+mn-ea"/>
+        <a:cs typeface="+mn-cs"/>
+      </a:defRPr>
+    </a:lvl6pPr>
+    <a:lvl7pPr marL="2743200" algn="l" defTabSz="914400" rtl="0" eaLnBrk="1" latinLnBrk="1" hangingPunct="1">
+      <a:defRPr sz="1200" kern="1200">
+        <a:solidFill>
+          <a:schemeClr val="tx1"/>
+        </a:solidFill>
+        <a:latin typeface="+mn-lt"/>
+        <a:ea typeface="+mn-ea"/>
+        <a:cs typeface="+mn-cs"/>
+      </a:defRPr>
+    </a:lvl7pPr>
+    <a:lvl8pPr marL="3200400" algn="l" defTabSz="914400" rtl="0" eaLnBrk="1" latinLnBrk="1" hangingPunct="1">
+      <a:defRPr sz="1200" kern="1200">
+        <a:solidFill>
+          <a:schemeClr val="tx1"/>
+        </a:solidFill>
+        <a:latin typeface="+mn-lt"/>
+        <a:ea typeface="+mn-ea"/>
+        <a:cs typeface="+mn-cs"/>
+      </a:defRPr>
+    </a:lvl8pPr>
+    <a:lvl9pPr marL="3657600" algn="l" defTabSz="914400" rtl="0" eaLnBrk="1" latinLnBrk="1" hangingPunct="1">
+      <a:defRPr sz="1200" kern="1200">
+        <a:solidFill>
+          <a:schemeClr val="tx1"/>
+        </a:solidFill>
+        <a:latin typeface="+mn-lt"/>
+        <a:ea typeface="+mn-ea"/>
+        <a:cs typeface="+mn-cs"/>
+      </a:defRPr>
+    </a:lvl9pPr>
+  </p:notesStyle>
+</p:notesMaster>
+</file>
+
+<file path=ppt/notesSlides/notesSlide1.xml><?xml version="1.0" encoding="utf-8"?>
+<p:notes xmlns:a="http://schemas.openxmlformats.org/drawingml/2006/main" xmlns:r="http://schemas.openxmlformats.org/officeDocument/2006/relationships" xmlns:p="http://schemas.openxmlformats.org/presentationml/2006/main">
+  <p:cSld>
+    <p:spTree>
+      <p:nvGrpSpPr>
+        <p:cNvPr id="1" name=""/>
+        <p:cNvGrpSpPr/>
+        <p:nvPr/>
+      </p:nvGrpSpPr>
+      <p:grpSpPr>
+        <a:xfrm>
+          <a:off x="0" y="0"/>
+          <a:ext cx="0" cy="0"/>
+          <a:chOff x="0" y="0"/>
+          <a:chExt cx="0" cy="0"/>
+        </a:xfrm>
+      </p:grpSpPr>
+      <p:sp>
+        <p:nvSpPr>
+          <p:cNvPr id="2" name="슬라이드 이미지 개체 틀 1"/>
+          <p:cNvSpPr>
+            <a:spLocks noGrp="1" noRot="1" noChangeAspect="1"/>
+          </p:cNvSpPr>
+          <p:nvPr>
+            <p:ph type="sldImg"/>
+          </p:nvPr>
+        </p:nvSpPr>
+        <p:spPr/>
+      </p:sp>
+      <p:sp>
+        <p:nvSpPr>
+          <p:cNvPr id="3" name="슬라이드 노트 개체 틀 2"/>
+          <p:cNvSpPr>
+            <a:spLocks noGrp="1"/>
+          </p:cNvSpPr>
+          <p:nvPr>
+            <p:ph type="body" idx="1"/>
+          </p:nvPr>
+        </p:nvSpPr>
+        <p:spPr/>
+        <p:txBody>
+          <a:bodyPr/>
+          <a:lstStyle/>
+          <a:p>
+            <a:endParaRPr lang="ko-KR" altLang="en-US" dirty="0"/>
+          </a:p>
+        </p:txBody>
+      </p:sp>
+      <p:sp>
+        <p:nvSpPr>
+          <p:cNvPr id="4" name="슬라이드 번호 개체 틀 3"/>
+          <p:cNvSpPr>
+            <a:spLocks noGrp="1"/>
+          </p:cNvSpPr>
+          <p:nvPr>
+            <p:ph type="sldNum" sz="quarter" idx="5"/>
+          </p:nvPr>
+        </p:nvSpPr>
+        <p:spPr/>
+        <p:txBody>
+          <a:bodyPr/>
+          <a:lstStyle/>
+          <a:p>
+            <a:fld id="{DE2DDEE0-BC41-45E3-B4D0-8B24584D8D14}" type="slidenum">
+              <a:rPr lang="ko-KR" altLang="en-US" smtClean="0"/>
+              <a:t>6</a:t>
+            </a:fld>
+            <a:endParaRPr lang="ko-KR" altLang="en-US"/>
+          </a:p>
+        </p:txBody>
+      </p:sp>
+    </p:spTree>
+    <p:extLst>
+      <p:ext uri="{BB962C8B-B14F-4D97-AF65-F5344CB8AC3E}">
+        <p14:creationId xmlns:p14="http://schemas.microsoft.com/office/powerpoint/2010/main" val="960764494"/>
+      </p:ext>
+    </p:extLst>
+  </p:cSld>
+  <p:clrMapOvr>
+    <a:masterClrMapping/>
+  </p:clrMapOvr>
+</p:notes>
 </file>
 
 <file path=ppt/slideLayouts/slideLayout1.xml><?xml version="1.0" encoding="utf-8"?>
@@ -268,7 +704,7 @@
           <a:p>
             <a:fld id="{F8ADF8F0-391E-4C28-B3EC-FA94B0B80675}" type="datetimeFigureOut">
               <a:rPr lang="ko-KR" altLang="en-US" smtClean="0"/>
-              <a:t>2024-10-06</a:t>
+              <a:t>2024-10-07</a:t>
             </a:fld>
             <a:endParaRPr lang="ko-KR" altLang="en-US"/>
           </a:p>
@@ -466,7 +902,7 @@
           <a:p>
             <a:fld id="{F8ADF8F0-391E-4C28-B3EC-FA94B0B80675}" type="datetimeFigureOut">
               <a:rPr lang="ko-KR" altLang="en-US" smtClean="0"/>
-              <a:t>2024-10-06</a:t>
+              <a:t>2024-10-07</a:t>
             </a:fld>
             <a:endParaRPr lang="ko-KR" altLang="en-US"/>
           </a:p>
@@ -674,7 +1110,7 @@
           <a:p>
             <a:fld id="{F8ADF8F0-391E-4C28-B3EC-FA94B0B80675}" type="datetimeFigureOut">
               <a:rPr lang="ko-KR" altLang="en-US" smtClean="0"/>
-              <a:t>2024-10-06</a:t>
+              <a:t>2024-10-07</a:t>
             </a:fld>
             <a:endParaRPr lang="ko-KR" altLang="en-US"/>
           </a:p>
@@ -872,7 +1308,7 @@
           <a:p>
             <a:fld id="{F8ADF8F0-391E-4C28-B3EC-FA94B0B80675}" type="datetimeFigureOut">
               <a:rPr lang="ko-KR" altLang="en-US" smtClean="0"/>
-              <a:t>2024-10-06</a:t>
+              <a:t>2024-10-07</a:t>
             </a:fld>
             <a:endParaRPr lang="ko-KR" altLang="en-US"/>
           </a:p>
@@ -1147,7 +1583,7 @@
           <a:p>
             <a:fld id="{F8ADF8F0-391E-4C28-B3EC-FA94B0B80675}" type="datetimeFigureOut">
               <a:rPr lang="ko-KR" altLang="en-US" smtClean="0"/>
-              <a:t>2024-10-06</a:t>
+              <a:t>2024-10-07</a:t>
             </a:fld>
             <a:endParaRPr lang="ko-KR" altLang="en-US"/>
           </a:p>
@@ -1412,7 +1848,7 @@
           <a:p>
             <a:fld id="{F8ADF8F0-391E-4C28-B3EC-FA94B0B80675}" type="datetimeFigureOut">
               <a:rPr lang="ko-KR" altLang="en-US" smtClean="0"/>
-              <a:t>2024-10-06</a:t>
+              <a:t>2024-10-07</a:t>
             </a:fld>
             <a:endParaRPr lang="ko-KR" altLang="en-US"/>
           </a:p>
@@ -1824,7 +2260,7 @@
           <a:p>
             <a:fld id="{F8ADF8F0-391E-4C28-B3EC-FA94B0B80675}" type="datetimeFigureOut">
               <a:rPr lang="ko-KR" altLang="en-US" smtClean="0"/>
-              <a:t>2024-10-06</a:t>
+              <a:t>2024-10-07</a:t>
             </a:fld>
             <a:endParaRPr lang="ko-KR" altLang="en-US"/>
           </a:p>
@@ -1965,7 +2401,7 @@
           <a:p>
             <a:fld id="{F8ADF8F0-391E-4C28-B3EC-FA94B0B80675}" type="datetimeFigureOut">
               <a:rPr lang="ko-KR" altLang="en-US" smtClean="0"/>
-              <a:t>2024-10-06</a:t>
+              <a:t>2024-10-07</a:t>
             </a:fld>
             <a:endParaRPr lang="ko-KR" altLang="en-US"/>
           </a:p>
@@ -2078,7 +2514,7 @@
           <a:p>
             <a:fld id="{F8ADF8F0-391E-4C28-B3EC-FA94B0B80675}" type="datetimeFigureOut">
               <a:rPr lang="ko-KR" altLang="en-US" smtClean="0"/>
-              <a:t>2024-10-06</a:t>
+              <a:t>2024-10-07</a:t>
             </a:fld>
             <a:endParaRPr lang="ko-KR" altLang="en-US"/>
           </a:p>
@@ -2389,7 +2825,7 @@
           <a:p>
             <a:fld id="{F8ADF8F0-391E-4C28-B3EC-FA94B0B80675}" type="datetimeFigureOut">
               <a:rPr lang="ko-KR" altLang="en-US" smtClean="0"/>
-              <a:t>2024-10-06</a:t>
+              <a:t>2024-10-07</a:t>
             </a:fld>
             <a:endParaRPr lang="ko-KR" altLang="en-US"/>
           </a:p>
@@ -2677,7 +3113,7 @@
           <a:p>
             <a:fld id="{F8ADF8F0-391E-4C28-B3EC-FA94B0B80675}" type="datetimeFigureOut">
               <a:rPr lang="ko-KR" altLang="en-US" smtClean="0"/>
-              <a:t>2024-10-06</a:t>
+              <a:t>2024-10-07</a:t>
             </a:fld>
             <a:endParaRPr lang="ko-KR" altLang="en-US"/>
           </a:p>
@@ -2918,7 +3354,7 @@
           <a:p>
             <a:fld id="{F8ADF8F0-391E-4C28-B3EC-FA94B0B80675}" type="datetimeFigureOut">
               <a:rPr lang="ko-KR" altLang="en-US" smtClean="0"/>
-              <a:t>2024-10-06</a:t>
+              <a:t>2024-10-07</a:t>
             </a:fld>
             <a:endParaRPr lang="ko-KR" altLang="en-US"/>
           </a:p>
@@ -7587,7 +8023,7 @@
         </p:nvGrpSpPr>
         <p:grpSpPr>
           <a:xfrm>
-            <a:off x="8311561" y="2103425"/>
+            <a:off x="8452742" y="2103425"/>
             <a:ext cx="3223077" cy="3603114"/>
             <a:chOff x="7988262" y="1669516"/>
             <a:chExt cx="3223077" cy="3603114"/>
@@ -8037,7 +8473,7 @@
         </p:nvGrpSpPr>
         <p:grpSpPr>
           <a:xfrm>
-            <a:off x="360045" y="1674967"/>
+            <a:off x="636826" y="1674967"/>
             <a:ext cx="7266432" cy="1009573"/>
             <a:chOff x="360045" y="1812509"/>
             <a:chExt cx="7266432" cy="1009573"/>
@@ -8272,7 +8708,7 @@
         </p:nvGrpSpPr>
         <p:grpSpPr>
           <a:xfrm>
-            <a:off x="360045" y="5463714"/>
+            <a:off x="636826" y="5463714"/>
             <a:ext cx="7266432" cy="1009573"/>
             <a:chOff x="360045" y="3501143"/>
             <a:chExt cx="7266432" cy="1009573"/>
@@ -8522,7 +8958,7 @@
         </p:nvGrpSpPr>
         <p:grpSpPr>
           <a:xfrm>
-            <a:off x="360045" y="2938167"/>
+            <a:off x="636826" y="2938167"/>
             <a:ext cx="7266432" cy="1009146"/>
             <a:chOff x="360045" y="5160262"/>
             <a:chExt cx="7266432" cy="1009146"/>
@@ -8724,7 +9160,7 @@
         </p:nvGrpSpPr>
         <p:grpSpPr>
           <a:xfrm>
-            <a:off x="360045" y="4200940"/>
+            <a:off x="636826" y="4200940"/>
             <a:ext cx="7266432" cy="1009146"/>
             <a:chOff x="360045" y="5160262"/>
             <a:chExt cx="7266432" cy="1009146"/>
@@ -13804,14 +14240,14 @@
           <p:nvPr>
             <p:extLst>
               <p:ext uri="{D42A27DB-BD31-4B8C-83A1-F6EECF244321}">
-                <p14:modId xmlns:p14="http://schemas.microsoft.com/office/powerpoint/2010/main" val="234305504"/>
+                <p14:modId xmlns:p14="http://schemas.microsoft.com/office/powerpoint/2010/main" val="3487636283"/>
               </p:ext>
             </p:extLst>
           </p:nvPr>
         </p:nvGraphicFramePr>
         <p:xfrm>
-          <a:off x="432663" y="1799131"/>
-          <a:ext cx="6743389" cy="2006676"/>
+          <a:off x="5997120" y="4357920"/>
+          <a:ext cx="5224158" cy="2006676"/>
         </p:xfrm>
         <a:graphic>
           <a:graphicData uri="http://schemas.openxmlformats.org/drawingml/2006/table">
@@ -13827,7 +14263,7 @@
                     </a:ext>
                   </a:extLst>
                 </a:gridCol>
-                <a:gridCol w="5645426">
+                <a:gridCol w="4126195">
                   <a:extLst>
                     <a:ext uri="{9D8B030D-6E8A-4147-A177-3AD203B41FA5}">
                       <a16:colId xmlns:a16="http://schemas.microsoft.com/office/drawing/2014/main" val="2160954055"/>
@@ -13960,11 +14396,9 @@
                       <a:headEnd type="none" w="med" len="med"/>
                       <a:tailEnd type="none" w="med" len="med"/>
                     </a:lnL>
-                    <a:lnR w="9525" cap="flat" cmpd="sng" algn="ctr">
+                    <a:lnR w="12700" cap="flat" cmpd="sng" algn="ctr">
                       <a:solidFill>
-                        <a:schemeClr val="bg1">
-                          <a:lumMod val="75000"/>
-                        </a:schemeClr>
+                        <a:srgbClr val="0A6D94"/>
                       </a:solidFill>
                       <a:prstDash val="solid"/>
                       <a:round/>
@@ -14115,11 +14549,9 @@
                       <a:headEnd type="none" w="med" len="med"/>
                       <a:tailEnd type="none" w="med" len="med"/>
                     </a:lnL>
-                    <a:lnR w="9525" cap="flat" cmpd="sng" algn="ctr">
+                    <a:lnR w="12700" cap="flat" cmpd="sng" algn="ctr">
                       <a:solidFill>
-                        <a:schemeClr val="bg1">
-                          <a:lumMod val="75000"/>
-                        </a:schemeClr>
+                        <a:srgbClr val="0A6D94"/>
                       </a:solidFill>
                       <a:prstDash val="solid"/>
                       <a:round/>
@@ -14272,11 +14704,9 @@
                       <a:headEnd type="none" w="med" len="med"/>
                       <a:tailEnd type="none" w="med" len="med"/>
                     </a:lnL>
-                    <a:lnR w="9525" cap="flat" cmpd="sng" algn="ctr">
+                    <a:lnR w="12700" cap="flat" cmpd="sng" algn="ctr">
                       <a:solidFill>
-                        <a:schemeClr val="bg1">
-                          <a:lumMod val="75000"/>
-                        </a:schemeClr>
+                        <a:srgbClr val="0A6D94"/>
                       </a:solidFill>
                       <a:prstDash val="solid"/>
                       <a:round/>
@@ -14409,7 +14839,7 @@
                           <a:ea typeface="맑은 고딕" panose="020B0503020000020004" pitchFamily="50" charset="-127"/>
                           <a:cs typeface="맑은 고딕" panose="020B0503020000020004" pitchFamily="50" charset="-127"/>
                         </a:rPr>
-                        <a:t>번개를 유도하며 </a:t>
+                        <a:t>번개를 다루는 마법 무기</a:t>
                       </a:r>
                       <a:endParaRPr lang="ko-KR" sz="1000" dirty="0">
                         <a:effectLst/>
@@ -14429,11 +14859,9 @@
                       <a:headEnd type="none" w="med" len="med"/>
                       <a:tailEnd type="none" w="med" len="med"/>
                     </a:lnL>
-                    <a:lnR w="9525" cap="flat" cmpd="sng" algn="ctr">
+                    <a:lnR w="12700" cap="flat" cmpd="sng" algn="ctr">
                       <a:solidFill>
-                        <a:schemeClr val="bg1">
-                          <a:lumMod val="75000"/>
-                        </a:schemeClr>
+                        <a:srgbClr val="0A6D94"/>
                       </a:solidFill>
                       <a:prstDash val="solid"/>
                       <a:round/>
@@ -14489,7 +14917,7 @@
         </p:nvGrpSpPr>
         <p:grpSpPr>
           <a:xfrm>
-            <a:off x="7469755" y="1719618"/>
+            <a:off x="6232834" y="1875115"/>
             <a:ext cx="4575710" cy="2192775"/>
             <a:chOff x="7469755" y="1799131"/>
             <a:chExt cx="4575710" cy="2192775"/>
@@ -14704,6 +15132,666 @@
           </p:sp>
         </p:grpSp>
       </p:grpSp>
+      <p:sp>
+        <p:nvSpPr>
+          <p:cNvPr id="9" name="TextBox 8">
+            <a:extLst>
+              <a:ext uri="{FF2B5EF4-FFF2-40B4-BE49-F238E27FC236}">
+                <a16:creationId xmlns:a16="http://schemas.microsoft.com/office/drawing/2014/main" id="{69582FD9-4AD8-A877-0E48-7214C0212130}"/>
+              </a:ext>
+            </a:extLst>
+          </p:cNvPr>
+          <p:cNvSpPr txBox="1"/>
+          <p:nvPr/>
+        </p:nvSpPr>
+        <p:spPr>
+          <a:xfrm>
+            <a:off x="2608969" y="1235815"/>
+            <a:ext cx="9240030" cy="338554"/>
+          </a:xfrm>
+          <a:prstGeom prst="rect">
+            <a:avLst/>
+          </a:prstGeom>
+          <a:noFill/>
+        </p:spPr>
+        <p:txBody>
+          <a:bodyPr wrap="none" rtlCol="0">
+            <a:spAutoFit/>
+          </a:bodyPr>
+          <a:lstStyle/>
+          <a:p>
+            <a:r>
+              <a:rPr lang="ko-KR" altLang="en-US" sz="1600" b="1" dirty="0">
+                <a:solidFill>
+                  <a:srgbClr val="FF0000"/>
+                </a:solidFill>
+                <a:latin typeface="+mn-ea"/>
+              </a:rPr>
+              <a:t>무기 크기는 엔진에서 </a:t>
+            </a:r>
+            <a:r>
+              <a:rPr lang="ko-KR" altLang="en-US" sz="1600" b="1" dirty="0" err="1">
+                <a:solidFill>
+                  <a:srgbClr val="FF0000"/>
+                </a:solidFill>
+                <a:latin typeface="+mn-ea"/>
+              </a:rPr>
+              <a:t>쿼터뷰로</a:t>
+            </a:r>
+            <a:r>
+              <a:rPr lang="ko-KR" altLang="en-US" sz="1600" b="1" dirty="0">
+                <a:solidFill>
+                  <a:srgbClr val="FF0000"/>
+                </a:solidFill>
+                <a:latin typeface="+mn-ea"/>
+              </a:rPr>
+              <a:t> </a:t>
+            </a:r>
+            <a:r>
+              <a:rPr lang="ko-KR" altLang="en-US" sz="1600" b="1" dirty="0" err="1">
+                <a:solidFill>
+                  <a:srgbClr val="FF0000"/>
+                </a:solidFill>
+                <a:latin typeface="+mn-ea"/>
+              </a:rPr>
+              <a:t>만든거에</a:t>
+            </a:r>
+            <a:r>
+              <a:rPr lang="ko-KR" altLang="en-US" sz="1600" b="1" dirty="0">
+                <a:solidFill>
+                  <a:srgbClr val="FF0000"/>
+                </a:solidFill>
+                <a:latin typeface="+mn-ea"/>
+              </a:rPr>
+              <a:t> 무기의 크기를 넣어보고 잘 보이는지</a:t>
+            </a:r>
+            <a:r>
+              <a:rPr lang="en-US" altLang="ko-KR" sz="1600" b="1" dirty="0">
+                <a:solidFill>
+                  <a:srgbClr val="FF0000"/>
+                </a:solidFill>
+                <a:latin typeface="+mn-ea"/>
+              </a:rPr>
+              <a:t> </a:t>
+            </a:r>
+            <a:r>
+              <a:rPr lang="ko-KR" altLang="en-US" sz="1600" b="1" dirty="0">
+                <a:solidFill>
+                  <a:srgbClr val="FF0000"/>
+                </a:solidFill>
+                <a:latin typeface="+mn-ea"/>
+              </a:rPr>
+              <a:t>확인하며 조정하기</a:t>
+            </a:r>
+            <a:r>
+              <a:rPr lang="en-US" altLang="ko-KR" sz="1600" b="1" dirty="0">
+                <a:solidFill>
+                  <a:srgbClr val="FF0000"/>
+                </a:solidFill>
+                <a:latin typeface="+mn-ea"/>
+              </a:rPr>
+              <a:t>.</a:t>
+            </a:r>
+          </a:p>
+        </p:txBody>
+      </p:sp>
+      <p:grpSp>
+        <p:nvGrpSpPr>
+          <p:cNvPr id="10" name="그룹 9">
+            <a:extLst>
+              <a:ext uri="{FF2B5EF4-FFF2-40B4-BE49-F238E27FC236}">
+                <a16:creationId xmlns:a16="http://schemas.microsoft.com/office/drawing/2014/main" id="{F437B087-FFCA-EC82-D316-AE3BF01CFDA2}"/>
+              </a:ext>
+            </a:extLst>
+          </p:cNvPr>
+          <p:cNvGrpSpPr/>
+          <p:nvPr/>
+        </p:nvGrpSpPr>
+        <p:grpSpPr>
+          <a:xfrm>
+            <a:off x="870215" y="1806264"/>
+            <a:ext cx="4007400" cy="4408132"/>
+            <a:chOff x="7165852" y="-36729"/>
+            <a:chExt cx="5989101" cy="6588000"/>
+          </a:xfrm>
+        </p:grpSpPr>
+        <p:pic>
+          <p:nvPicPr>
+            <p:cNvPr id="11" name="그림 10" descr="블랙, 어둠이(가) 표시된 사진&#10;&#10;자동 생성된 설명">
+              <a:extLst>
+                <a:ext uri="{FF2B5EF4-FFF2-40B4-BE49-F238E27FC236}">
+                  <a16:creationId xmlns:a16="http://schemas.microsoft.com/office/drawing/2014/main" id="{D704D13E-BBB4-CD90-0240-C05AC8AD59BB}"/>
+                </a:ext>
+              </a:extLst>
+            </p:cNvPr>
+            <p:cNvPicPr>
+              <a:picLocks noChangeAspect="1"/>
+            </p:cNvPicPr>
+            <p:nvPr/>
+          </p:nvPicPr>
+          <p:blipFill>
+            <a:blip r:embed="rId5">
+              <a:extLst>
+                <a:ext uri="{28A0092B-C50C-407E-A947-70E740481C1C}">
+                  <a14:useLocalDpi xmlns:a14="http://schemas.microsoft.com/office/drawing/2010/main" val="0"/>
+                </a:ext>
+              </a:extLst>
+            </a:blip>
+            <a:stretch>
+              <a:fillRect/>
+            </a:stretch>
+          </p:blipFill>
+          <p:spPr>
+            <a:xfrm>
+              <a:off x="8799021" y="-36729"/>
+              <a:ext cx="3153830" cy="6588000"/>
+            </a:xfrm>
+            <a:prstGeom prst="rect">
+              <a:avLst/>
+            </a:prstGeom>
+          </p:spPr>
+        </p:pic>
+        <p:grpSp>
+          <p:nvGrpSpPr>
+            <p:cNvPr id="12" name="그룹 11">
+              <a:extLst>
+                <a:ext uri="{FF2B5EF4-FFF2-40B4-BE49-F238E27FC236}">
+                  <a16:creationId xmlns:a16="http://schemas.microsoft.com/office/drawing/2014/main" id="{7744E067-8F6E-E5D1-D098-E30295712B91}"/>
+                </a:ext>
+              </a:extLst>
+            </p:cNvPr>
+            <p:cNvGrpSpPr/>
+            <p:nvPr/>
+          </p:nvGrpSpPr>
+          <p:grpSpPr>
+            <a:xfrm>
+              <a:off x="7165852" y="2533666"/>
+              <a:ext cx="2719700" cy="1080000"/>
+              <a:chOff x="6750013" y="135000"/>
+              <a:chExt cx="2719700" cy="1080000"/>
+            </a:xfrm>
+          </p:grpSpPr>
+          <p:pic>
+            <p:nvPicPr>
+              <p:cNvPr id="20" name="그림 19" descr="흑백, 야외, 바퀴이(가) 표시된 사진&#10;&#10;중간 신뢰도로 자동 생성된 설명">
+                <a:extLst>
+                  <a:ext uri="{FF2B5EF4-FFF2-40B4-BE49-F238E27FC236}">
+                    <a16:creationId xmlns:a16="http://schemas.microsoft.com/office/drawing/2014/main" id="{84777BE7-8D39-4CDF-9FE2-02C5943EAF49}"/>
+                  </a:ext>
+                </a:extLst>
+              </p:cNvPr>
+              <p:cNvPicPr>
+                <a:picLocks noChangeAspect="1"/>
+              </p:cNvPicPr>
+              <p:nvPr/>
+            </p:nvPicPr>
+            <p:blipFill>
+              <a:blip r:embed="rId3">
+                <a:extLst>
+                  <a:ext uri="{28A0092B-C50C-407E-A947-70E740481C1C}">
+                    <a14:useLocalDpi xmlns:a14="http://schemas.microsoft.com/office/drawing/2010/main" val="0"/>
+                  </a:ext>
+                </a:extLst>
+              </a:blip>
+              <a:srcRect t="2839" b="30342"/>
+              <a:stretch/>
+            </p:blipFill>
+            <p:spPr>
+              <a:xfrm>
+                <a:off x="7517056" y="135000"/>
+                <a:ext cx="1952657" cy="1079998"/>
+              </a:xfrm>
+              <a:prstGeom prst="rect">
+                <a:avLst/>
+              </a:prstGeom>
+            </p:spPr>
+          </p:pic>
+          <p:cxnSp>
+            <p:nvCxnSpPr>
+              <p:cNvPr id="21" name="직선 연결선 20">
+                <a:extLst>
+                  <a:ext uri="{FF2B5EF4-FFF2-40B4-BE49-F238E27FC236}">
+                    <a16:creationId xmlns:a16="http://schemas.microsoft.com/office/drawing/2014/main" id="{CB6DE60D-83DA-E176-D04C-0CE3CC7D3A87}"/>
+                  </a:ext>
+                </a:extLst>
+              </p:cNvPr>
+              <p:cNvCxnSpPr>
+                <a:cxnSpLocks/>
+              </p:cNvCxnSpPr>
+              <p:nvPr/>
+            </p:nvCxnSpPr>
+            <p:spPr>
+              <a:xfrm>
+                <a:off x="7283526" y="135000"/>
+                <a:ext cx="0" cy="1080000"/>
+              </a:xfrm>
+              <a:prstGeom prst="line">
+                <a:avLst/>
+              </a:prstGeom>
+              <a:ln>
+                <a:solidFill>
+                  <a:srgbClr val="FF0000"/>
+                </a:solidFill>
+              </a:ln>
+            </p:spPr>
+            <p:style>
+              <a:lnRef idx="2">
+                <a:schemeClr val="accent1"/>
+              </a:lnRef>
+              <a:fillRef idx="0">
+                <a:schemeClr val="accent1"/>
+              </a:fillRef>
+              <a:effectRef idx="1">
+                <a:schemeClr val="accent1"/>
+              </a:effectRef>
+              <a:fontRef idx="minor">
+                <a:schemeClr val="tx1"/>
+              </a:fontRef>
+            </p:style>
+          </p:cxnSp>
+          <p:cxnSp>
+            <p:nvCxnSpPr>
+              <p:cNvPr id="22" name="직선 연결선 21">
+                <a:extLst>
+                  <a:ext uri="{FF2B5EF4-FFF2-40B4-BE49-F238E27FC236}">
+                    <a16:creationId xmlns:a16="http://schemas.microsoft.com/office/drawing/2014/main" id="{7DD06280-5F2C-EA2E-0375-C1683B3BBD9B}"/>
+                  </a:ext>
+                </a:extLst>
+              </p:cNvPr>
+              <p:cNvCxnSpPr>
+                <a:cxnSpLocks/>
+                <a:stCxn id="20" idx="0"/>
+              </p:cNvCxnSpPr>
+              <p:nvPr/>
+            </p:nvCxnSpPr>
+            <p:spPr>
+              <a:xfrm flipH="1">
+                <a:off x="6800863" y="135000"/>
+                <a:ext cx="1692523" cy="0"/>
+              </a:xfrm>
+              <a:prstGeom prst="line">
+                <a:avLst/>
+              </a:prstGeom>
+              <a:ln w="6350">
+                <a:prstDash val="sysDot"/>
+              </a:ln>
+            </p:spPr>
+            <p:style>
+              <a:lnRef idx="1">
+                <a:schemeClr val="dk1"/>
+              </a:lnRef>
+              <a:fillRef idx="0">
+                <a:schemeClr val="dk1"/>
+              </a:fillRef>
+              <a:effectRef idx="0">
+                <a:schemeClr val="dk1"/>
+              </a:effectRef>
+              <a:fontRef idx="minor">
+                <a:schemeClr val="tx1"/>
+              </a:fontRef>
+            </p:style>
+          </p:cxnSp>
+          <p:cxnSp>
+            <p:nvCxnSpPr>
+              <p:cNvPr id="23" name="직선 연결선 22">
+                <a:extLst>
+                  <a:ext uri="{FF2B5EF4-FFF2-40B4-BE49-F238E27FC236}">
+                    <a16:creationId xmlns:a16="http://schemas.microsoft.com/office/drawing/2014/main" id="{98E1873D-B8E0-CBA2-069C-9C262B7E42EE}"/>
+                  </a:ext>
+                </a:extLst>
+              </p:cNvPr>
+              <p:cNvCxnSpPr>
+                <a:cxnSpLocks/>
+              </p:cNvCxnSpPr>
+              <p:nvPr/>
+            </p:nvCxnSpPr>
+            <p:spPr>
+              <a:xfrm flipH="1">
+                <a:off x="6800863" y="1215000"/>
+                <a:ext cx="1727319" cy="0"/>
+              </a:xfrm>
+              <a:prstGeom prst="line">
+                <a:avLst/>
+              </a:prstGeom>
+              <a:ln w="6350">
+                <a:prstDash val="sysDot"/>
+              </a:ln>
+            </p:spPr>
+            <p:style>
+              <a:lnRef idx="1">
+                <a:schemeClr val="dk1"/>
+              </a:lnRef>
+              <a:fillRef idx="0">
+                <a:schemeClr val="dk1"/>
+              </a:fillRef>
+              <a:effectRef idx="0">
+                <a:schemeClr val="dk1"/>
+              </a:effectRef>
+              <a:fontRef idx="minor">
+                <a:schemeClr val="tx1"/>
+              </a:fontRef>
+            </p:style>
+          </p:cxnSp>
+          <p:sp>
+            <p:nvSpPr>
+              <p:cNvPr id="24" name="TextBox 23">
+                <a:extLst>
+                  <a:ext uri="{FF2B5EF4-FFF2-40B4-BE49-F238E27FC236}">
+                    <a16:creationId xmlns:a16="http://schemas.microsoft.com/office/drawing/2014/main" id="{152B19C9-E4DD-D093-C874-DE5480D66FAF}"/>
+                  </a:ext>
+                </a:extLst>
+              </p:cNvPr>
+              <p:cNvSpPr txBox="1"/>
+              <p:nvPr/>
+            </p:nvSpPr>
+            <p:spPr>
+              <a:xfrm>
+                <a:off x="6750013" y="445011"/>
+                <a:ext cx="573052" cy="459976"/>
+              </a:xfrm>
+              <a:prstGeom prst="rect">
+                <a:avLst/>
+              </a:prstGeom>
+              <a:noFill/>
+            </p:spPr>
+            <p:txBody>
+              <a:bodyPr wrap="none" rtlCol="0">
+                <a:spAutoFit/>
+              </a:bodyPr>
+              <a:lstStyle/>
+              <a:p>
+                <a:r>
+                  <a:rPr lang="en-US" altLang="ko-KR" sz="1400" dirty="0"/>
+                  <a:t>30</a:t>
+                </a:r>
+                <a:endParaRPr lang="ko-KR" altLang="en-US" sz="1400" dirty="0"/>
+              </a:p>
+            </p:txBody>
+          </p:sp>
+        </p:grpSp>
+        <p:cxnSp>
+          <p:nvCxnSpPr>
+            <p:cNvPr id="13" name="직선 연결선 12">
+              <a:extLst>
+                <a:ext uri="{FF2B5EF4-FFF2-40B4-BE49-F238E27FC236}">
+                  <a16:creationId xmlns:a16="http://schemas.microsoft.com/office/drawing/2014/main" id="{0CB8765B-0E81-A3D0-6A85-2F1FF8649AD3}"/>
+                </a:ext>
+              </a:extLst>
+            </p:cNvPr>
+            <p:cNvCxnSpPr>
+              <a:cxnSpLocks/>
+            </p:cNvCxnSpPr>
+            <p:nvPr/>
+          </p:nvCxnSpPr>
+          <p:spPr>
+            <a:xfrm>
+              <a:off x="12433368" y="-36729"/>
+              <a:ext cx="0" cy="6588000"/>
+            </a:xfrm>
+            <a:prstGeom prst="line">
+              <a:avLst/>
+            </a:prstGeom>
+            <a:ln>
+              <a:solidFill>
+                <a:srgbClr val="FF0000"/>
+              </a:solidFill>
+            </a:ln>
+          </p:spPr>
+          <p:style>
+            <a:lnRef idx="2">
+              <a:schemeClr val="accent1"/>
+            </a:lnRef>
+            <a:fillRef idx="0">
+              <a:schemeClr val="accent1"/>
+            </a:fillRef>
+            <a:effectRef idx="1">
+              <a:schemeClr val="accent1"/>
+            </a:effectRef>
+            <a:fontRef idx="minor">
+              <a:schemeClr val="tx1"/>
+            </a:fontRef>
+          </p:style>
+        </p:cxnSp>
+        <p:sp>
+          <p:nvSpPr>
+            <p:cNvPr id="14" name="TextBox 13">
+              <a:extLst>
+                <a:ext uri="{FF2B5EF4-FFF2-40B4-BE49-F238E27FC236}">
+                  <a16:creationId xmlns:a16="http://schemas.microsoft.com/office/drawing/2014/main" id="{4572C8C7-3373-201C-5507-044F043BE509}"/>
+                </a:ext>
+              </a:extLst>
+            </p:cNvPr>
+            <p:cNvSpPr txBox="1"/>
+            <p:nvPr/>
+          </p:nvSpPr>
+          <p:spPr>
+            <a:xfrm>
+              <a:off x="12433368" y="3027282"/>
+              <a:ext cx="721585" cy="459976"/>
+            </a:xfrm>
+            <a:prstGeom prst="rect">
+              <a:avLst/>
+            </a:prstGeom>
+            <a:noFill/>
+          </p:spPr>
+          <p:txBody>
+            <a:bodyPr wrap="none" rtlCol="0">
+              <a:spAutoFit/>
+            </a:bodyPr>
+            <a:lstStyle/>
+            <a:p>
+              <a:r>
+                <a:rPr lang="en-US" altLang="ko-KR" sz="1400" dirty="0"/>
+                <a:t>183</a:t>
+              </a:r>
+              <a:endParaRPr lang="ko-KR" altLang="en-US" sz="1400" dirty="0"/>
+            </a:p>
+          </p:txBody>
+        </p:sp>
+        <p:cxnSp>
+          <p:nvCxnSpPr>
+            <p:cNvPr id="15" name="직선 연결선 14">
+              <a:extLst>
+                <a:ext uri="{FF2B5EF4-FFF2-40B4-BE49-F238E27FC236}">
+                  <a16:creationId xmlns:a16="http://schemas.microsoft.com/office/drawing/2014/main" id="{F6B22C3F-1A0F-2D3C-0E63-B10223AD8079}"/>
+                </a:ext>
+              </a:extLst>
+            </p:cNvPr>
+            <p:cNvCxnSpPr>
+              <a:cxnSpLocks/>
+            </p:cNvCxnSpPr>
+            <p:nvPr/>
+          </p:nvCxnSpPr>
+          <p:spPr>
+            <a:xfrm flipH="1">
+              <a:off x="10139423" y="6551271"/>
+              <a:ext cx="2832100" cy="0"/>
+            </a:xfrm>
+            <a:prstGeom prst="line">
+              <a:avLst/>
+            </a:prstGeom>
+            <a:ln w="6350">
+              <a:prstDash val="sysDot"/>
+            </a:ln>
+          </p:spPr>
+          <p:style>
+            <a:lnRef idx="1">
+              <a:schemeClr val="dk1"/>
+            </a:lnRef>
+            <a:fillRef idx="0">
+              <a:schemeClr val="dk1"/>
+            </a:fillRef>
+            <a:effectRef idx="0">
+              <a:schemeClr val="dk1"/>
+            </a:effectRef>
+            <a:fontRef idx="minor">
+              <a:schemeClr val="tx1"/>
+            </a:fontRef>
+          </p:style>
+        </p:cxnSp>
+        <p:cxnSp>
+          <p:nvCxnSpPr>
+            <p:cNvPr id="19" name="직선 연결선 18">
+              <a:extLst>
+                <a:ext uri="{FF2B5EF4-FFF2-40B4-BE49-F238E27FC236}">
+                  <a16:creationId xmlns:a16="http://schemas.microsoft.com/office/drawing/2014/main" id="{13740D27-7BAB-33EC-FEA2-04F25ADB90FF}"/>
+                </a:ext>
+              </a:extLst>
+            </p:cNvPr>
+            <p:cNvCxnSpPr>
+              <a:cxnSpLocks/>
+            </p:cNvCxnSpPr>
+            <p:nvPr/>
+          </p:nvCxnSpPr>
+          <p:spPr>
+            <a:xfrm flipH="1">
+              <a:off x="10139423" y="-36729"/>
+              <a:ext cx="2832100" cy="0"/>
+            </a:xfrm>
+            <a:prstGeom prst="line">
+              <a:avLst/>
+            </a:prstGeom>
+            <a:ln w="6350">
+              <a:prstDash val="sysDot"/>
+            </a:ln>
+          </p:spPr>
+          <p:style>
+            <a:lnRef idx="1">
+              <a:schemeClr val="dk1"/>
+            </a:lnRef>
+            <a:fillRef idx="0">
+              <a:schemeClr val="dk1"/>
+            </a:fillRef>
+            <a:effectRef idx="0">
+              <a:schemeClr val="dk1"/>
+            </a:effectRef>
+            <a:fontRef idx="minor">
+              <a:schemeClr val="tx1"/>
+            </a:fontRef>
+          </p:style>
+        </p:cxnSp>
+      </p:grpSp>
+      <p:sp>
+        <p:nvSpPr>
+          <p:cNvPr id="25" name="이등변 삼각형 24">
+            <a:extLst>
+              <a:ext uri="{FF2B5EF4-FFF2-40B4-BE49-F238E27FC236}">
+                <a16:creationId xmlns:a16="http://schemas.microsoft.com/office/drawing/2014/main" id="{FA2F6A04-7DDC-76C2-0322-90CE8F3AAC62}"/>
+              </a:ext>
+            </a:extLst>
+          </p:cNvPr>
+          <p:cNvSpPr/>
+          <p:nvPr/>
+        </p:nvSpPr>
+        <p:spPr>
+          <a:xfrm>
+            <a:off x="2229791" y="6431103"/>
+            <a:ext cx="105910" cy="91302"/>
+          </a:xfrm>
+          <a:prstGeom prst="triangle">
+            <a:avLst/>
+          </a:prstGeom>
+          <a:solidFill>
+            <a:srgbClr val="F2F2F2"/>
+          </a:solidFill>
+          <a:ln>
+            <a:solidFill>
+              <a:srgbClr val="0A6D94"/>
+            </a:solidFill>
+          </a:ln>
+        </p:spPr>
+        <p:style>
+          <a:lnRef idx="2">
+            <a:schemeClr val="accent1">
+              <a:shade val="15000"/>
+            </a:schemeClr>
+          </a:lnRef>
+          <a:fillRef idx="1">
+            <a:schemeClr val="accent1"/>
+          </a:fillRef>
+          <a:effectRef idx="0">
+            <a:schemeClr val="accent1"/>
+          </a:effectRef>
+          <a:fontRef idx="minor">
+            <a:schemeClr val="lt1"/>
+          </a:fontRef>
+        </p:style>
+        <p:txBody>
+          <a:bodyPr rtlCol="0" anchor="ctr"/>
+          <a:lstStyle/>
+          <a:p>
+            <a:pPr algn="ctr"/>
+            <a:endParaRPr lang="ko-KR" altLang="en-US"/>
+          </a:p>
+        </p:txBody>
+      </p:sp>
+      <p:sp>
+        <p:nvSpPr>
+          <p:cNvPr id="26" name="TextBox 25">
+            <a:extLst>
+              <a:ext uri="{FF2B5EF4-FFF2-40B4-BE49-F238E27FC236}">
+                <a16:creationId xmlns:a16="http://schemas.microsoft.com/office/drawing/2014/main" id="{206BCE81-9C86-7A53-5296-C0ECEF2ED759}"/>
+              </a:ext>
+            </a:extLst>
+          </p:cNvPr>
+          <p:cNvSpPr txBox="1"/>
+          <p:nvPr/>
+        </p:nvSpPr>
+        <p:spPr>
+          <a:xfrm>
+            <a:off x="2339372" y="6369032"/>
+            <a:ext cx="1920719" cy="215444"/>
+          </a:xfrm>
+          <a:prstGeom prst="rect">
+            <a:avLst/>
+          </a:prstGeom>
+          <a:noFill/>
+        </p:spPr>
+        <p:txBody>
+          <a:bodyPr wrap="none" rtlCol="0">
+            <a:spAutoFit/>
+          </a:bodyPr>
+          <a:lstStyle/>
+          <a:p>
+            <a:r>
+              <a:rPr lang="ko-KR" altLang="en-US" sz="800" b="1" dirty="0">
+                <a:latin typeface="+mn-ea"/>
+              </a:rPr>
+              <a:t>크기 비교 </a:t>
+            </a:r>
+            <a:r>
+              <a:rPr lang="en-US" altLang="ko-KR" sz="800" b="1" dirty="0">
+                <a:latin typeface="+mn-ea"/>
+              </a:rPr>
+              <a:t>(</a:t>
+            </a:r>
+            <a:r>
+              <a:rPr lang="ko-KR" altLang="en-US" sz="800" b="1" dirty="0">
+                <a:latin typeface="+mn-ea"/>
+              </a:rPr>
+              <a:t>남자 캐릭터 </a:t>
+            </a:r>
+            <a:r>
+              <a:rPr lang="en-US" altLang="ko-KR" sz="800" b="1" dirty="0">
+                <a:latin typeface="+mn-ea"/>
+              </a:rPr>
+              <a:t>183cm</a:t>
+            </a:r>
+            <a:r>
+              <a:rPr lang="ko-KR" altLang="en-US" sz="800" b="1" dirty="0">
+                <a:latin typeface="+mn-ea"/>
+              </a:rPr>
+              <a:t> 기준</a:t>
+            </a:r>
+            <a:r>
+              <a:rPr lang="en-US" altLang="ko-KR" sz="800" b="1" dirty="0">
+                <a:latin typeface="+mn-ea"/>
+              </a:rPr>
+              <a:t>)</a:t>
+            </a:r>
+          </a:p>
+        </p:txBody>
+      </p:sp>
     </p:spTree>
     <p:extLst>
       <p:ext uri="{BB962C8B-B14F-4D97-AF65-F5344CB8AC3E}">
@@ -15744,48 +16832,8 @@
       </p:grpSp>
       <p:sp>
         <p:nvSpPr>
-          <p:cNvPr id="10" name="TextBox 9">
-            <a:extLst>
-              <a:ext uri="{FF2B5EF4-FFF2-40B4-BE49-F238E27FC236}">
-                <a16:creationId xmlns:a16="http://schemas.microsoft.com/office/drawing/2014/main" id="{435A165C-2503-EBD6-28DB-8C6694BB3518}"/>
-              </a:ext>
-            </a:extLst>
-          </p:cNvPr>
-          <p:cNvSpPr txBox="1"/>
-          <p:nvPr/>
-        </p:nvSpPr>
-        <p:spPr>
-          <a:xfrm>
-            <a:off x="1736114" y="1089195"/>
-            <a:ext cx="2460930" cy="246221"/>
-          </a:xfrm>
-          <a:prstGeom prst="rect">
-            <a:avLst/>
-          </a:prstGeom>
-          <a:noFill/>
-        </p:spPr>
-        <p:txBody>
-          <a:bodyPr wrap="none" rtlCol="0">
-            <a:spAutoFit/>
-          </a:bodyPr>
-          <a:lstStyle/>
-          <a:p>
-            <a:r>
-              <a:rPr lang="ko-KR" altLang="en-US" sz="1000" dirty="0">
-                <a:latin typeface="+mn-ea"/>
-              </a:rPr>
-              <a:t>검은색 베이스에 흰색이 섞여 있는 번개</a:t>
-            </a:r>
-            <a:endParaRPr lang="en-US" altLang="ko-KR" sz="1000" dirty="0">
-              <a:latin typeface="+mn-ea"/>
-            </a:endParaRPr>
-          </a:p>
-        </p:txBody>
-      </p:sp>
-      <p:sp>
-        <p:nvSpPr>
           <p:cNvPr id="2" name="직사각형 1">
-            <a:hlinkClick r:id="rId2" action="ppaction://hlinksldjump"/>
+            <a:hlinkClick r:id="rId3" action="ppaction://hlinksldjump"/>
             <a:extLst>
               <a:ext uri="{FF2B5EF4-FFF2-40B4-BE49-F238E27FC236}">
                 <a16:creationId xmlns:a16="http://schemas.microsoft.com/office/drawing/2014/main" id="{B270C82A-E7C5-8294-07C1-1511C5A1065C}"/>
@@ -15942,82 +16990,6 @@
           </a:p>
         </p:txBody>
       </p:sp>
-      <p:pic>
-        <p:nvPicPr>
-          <p:cNvPr id="11" name="그림 10" descr="물, 흑백이(가) 표시된 사진&#10;&#10;자동 생성된 설명">
-            <a:extLst>
-              <a:ext uri="{FF2B5EF4-FFF2-40B4-BE49-F238E27FC236}">
-                <a16:creationId xmlns:a16="http://schemas.microsoft.com/office/drawing/2014/main" id="{9A869097-9291-DEB6-1438-68E208A6C52D}"/>
-              </a:ext>
-            </a:extLst>
-          </p:cNvPr>
-          <p:cNvPicPr>
-            <a:picLocks noChangeAspect="1"/>
-          </p:cNvPicPr>
-          <p:nvPr/>
-        </p:nvPicPr>
-        <p:blipFill>
-          <a:blip r:embed="rId3">
-            <a:extLst>
-              <a:ext uri="{28A0092B-C50C-407E-A947-70E740481C1C}">
-                <a14:useLocalDpi xmlns:a14="http://schemas.microsoft.com/office/drawing/2010/main" val="0"/>
-              </a:ext>
-            </a:extLst>
-          </a:blip>
-          <a:stretch>
-            <a:fillRect/>
-          </a:stretch>
-        </p:blipFill>
-        <p:spPr>
-          <a:xfrm>
-            <a:off x="1301198" y="1704975"/>
-            <a:ext cx="2095500" cy="3448050"/>
-          </a:xfrm>
-          <a:prstGeom prst="rect">
-            <a:avLst/>
-          </a:prstGeom>
-        </p:spPr>
-      </p:pic>
-      <p:sp>
-        <p:nvSpPr>
-          <p:cNvPr id="12" name="TextBox 11">
-            <a:extLst>
-              <a:ext uri="{FF2B5EF4-FFF2-40B4-BE49-F238E27FC236}">
-                <a16:creationId xmlns:a16="http://schemas.microsoft.com/office/drawing/2014/main" id="{515C4618-DEDF-8911-46DD-C59D179BCC7A}"/>
-              </a:ext>
-            </a:extLst>
-          </p:cNvPr>
-          <p:cNvSpPr txBox="1"/>
-          <p:nvPr/>
-        </p:nvSpPr>
-        <p:spPr>
-          <a:xfrm>
-            <a:off x="4767549" y="2401685"/>
-            <a:ext cx="2460930" cy="246221"/>
-          </a:xfrm>
-          <a:prstGeom prst="rect">
-            <a:avLst/>
-          </a:prstGeom>
-          <a:noFill/>
-        </p:spPr>
-        <p:txBody>
-          <a:bodyPr wrap="none" rtlCol="0">
-            <a:spAutoFit/>
-          </a:bodyPr>
-          <a:lstStyle/>
-          <a:p>
-            <a:r>
-              <a:rPr lang="ko-KR" altLang="en-US" sz="1000" dirty="0">
-                <a:latin typeface="+mn-ea"/>
-              </a:rPr>
-              <a:t>검은색 베이스에 흰색이 섞여 있는 번개</a:t>
-            </a:r>
-            <a:endParaRPr lang="en-US" altLang="ko-KR" sz="1000" dirty="0">
-              <a:latin typeface="+mn-ea"/>
-            </a:endParaRPr>
-          </a:p>
-        </p:txBody>
-      </p:sp>
       <p:grpSp>
         <p:nvGrpSpPr>
           <p:cNvPr id="15" name="그룹 14">
@@ -16032,10 +17004,10 @@
         </p:nvGrpSpPr>
         <p:grpSpPr>
           <a:xfrm>
-            <a:off x="1356492" y="5181760"/>
-            <a:ext cx="1086130" cy="215444"/>
+            <a:off x="2756417" y="5158365"/>
+            <a:ext cx="1328184" cy="215444"/>
             <a:chOff x="4426143" y="4397791"/>
-            <a:chExt cx="1086130" cy="215444"/>
+            <a:chExt cx="1328184" cy="215444"/>
           </a:xfrm>
         </p:grpSpPr>
         <p:sp>
@@ -16107,7 +17079,7 @@
           <p:spPr>
             <a:xfrm>
               <a:off x="4535724" y="4397791"/>
-              <a:ext cx="976549" cy="215444"/>
+              <a:ext cx="1218603" cy="215444"/>
             </a:xfrm>
             <a:prstGeom prst="rect">
               <a:avLst/>
@@ -16124,7 +17096,7 @@
                 <a:rPr lang="ko-KR" altLang="en-US" sz="800" b="1" dirty="0">
                   <a:latin typeface="+mn-ea"/>
                 </a:rPr>
-                <a:t>번개 이펙트 예시</a:t>
+                <a:t>번개 이펙트 색상 예시</a:t>
               </a:r>
               <a:endParaRPr lang="en-US" altLang="ko-KR" sz="800" b="1" dirty="0">
                 <a:latin typeface="+mn-ea"/>
@@ -16133,10 +17105,1042 @@
           </p:txBody>
         </p:sp>
       </p:grpSp>
+      <p:graphicFrame>
+        <p:nvGraphicFramePr>
+          <p:cNvPr id="12" name="표 11">
+            <a:extLst>
+              <a:ext uri="{FF2B5EF4-FFF2-40B4-BE49-F238E27FC236}">
+                <a16:creationId xmlns:a16="http://schemas.microsoft.com/office/drawing/2014/main" id="{22AE2C9E-73D9-3848-71F4-B68195E63983}"/>
+              </a:ext>
+            </a:extLst>
+          </p:cNvPr>
+          <p:cNvGraphicFramePr>
+            <a:graphicFrameLocks noGrp="1"/>
+          </p:cNvGraphicFramePr>
+          <p:nvPr/>
+        </p:nvGraphicFramePr>
+        <p:xfrm>
+          <a:off x="1775736" y="1639285"/>
+          <a:ext cx="8417613" cy="4785382"/>
+        </p:xfrm>
+        <a:graphic>
+          <a:graphicData uri="http://schemas.openxmlformats.org/drawingml/2006/table">
+            <a:tbl>
+              <a:tblPr bandRow="1">
+                <a:tableStyleId>{5C22544A-7EE6-4342-B048-85BDC9FD1C3A}</a:tableStyleId>
+              </a:tblPr>
+              <a:tblGrid>
+                <a:gridCol w="728681">
+                  <a:extLst>
+                    <a:ext uri="{9D8B030D-6E8A-4147-A177-3AD203B41FA5}">
+                      <a16:colId xmlns:a16="http://schemas.microsoft.com/office/drawing/2014/main" val="1896705008"/>
+                    </a:ext>
+                  </a:extLst>
+                </a:gridCol>
+                <a:gridCol w="3844466">
+                  <a:extLst>
+                    <a:ext uri="{9D8B030D-6E8A-4147-A177-3AD203B41FA5}">
+                      <a16:colId xmlns:a16="http://schemas.microsoft.com/office/drawing/2014/main" val="2160954055"/>
+                    </a:ext>
+                  </a:extLst>
+                </a:gridCol>
+                <a:gridCol w="3844466">
+                  <a:extLst>
+                    <a:ext uri="{9D8B030D-6E8A-4147-A177-3AD203B41FA5}">
+                      <a16:colId xmlns:a16="http://schemas.microsoft.com/office/drawing/2014/main" val="3540942410"/>
+                    </a:ext>
+                  </a:extLst>
+                </a:gridCol>
+              </a:tblGrid>
+              <a:tr h="386102">
+                <a:tc>
+                  <a:txBody>
+                    <a:bodyPr/>
+                    <a:lstStyle/>
+                    <a:p>
+                      <a:pPr algn="ctr" latinLnBrk="1">
+                        <a:spcAft>
+                          <a:spcPts val="800"/>
+                        </a:spcAft>
+                      </a:pPr>
+                      <a:r>
+                        <a:rPr lang="ko-KR" altLang="en-US" sz="1000" b="1" dirty="0">
+                          <a:solidFill>
+                            <a:schemeClr val="bg1"/>
+                          </a:solidFill>
+                          <a:effectLst/>
+                          <a:latin typeface="맑은 고딕" panose="020B0503020000020004" pitchFamily="50" charset="-127"/>
+                          <a:ea typeface="맑은 고딕" panose="020B0503020000020004" pitchFamily="50" charset="-127"/>
+                          <a:cs typeface="맑은 고딕" panose="020B0503020000020004" pitchFamily="50" charset="-127"/>
+                        </a:rPr>
+                        <a:t>분류</a:t>
+                      </a:r>
+                      <a:endParaRPr lang="ko-KR" sz="1000" b="1" dirty="0">
+                        <a:solidFill>
+                          <a:schemeClr val="bg1"/>
+                        </a:solidFill>
+                        <a:effectLst/>
+                        <a:latin typeface="맑은 고딕" panose="020B0503020000020004" pitchFamily="50" charset="-127"/>
+                        <a:ea typeface="맑은 고딕" panose="020B0503020000020004" pitchFamily="50" charset="-127"/>
+                        <a:cs typeface="맑은 고딕" panose="020B0503020000020004" pitchFamily="50" charset="-127"/>
+                      </a:endParaRPr>
+                    </a:p>
+                  </a:txBody>
+                  <a:tcPr marL="67521" marR="67521" marT="0" marB="0" anchor="ctr">
+                    <a:lnL w="12700" cap="flat" cmpd="sng" algn="ctr">
+                      <a:solidFill>
+                        <a:srgbClr val="0A6D94"/>
+                      </a:solidFill>
+                      <a:prstDash val="solid"/>
+                      <a:round/>
+                      <a:headEnd type="none" w="med" len="med"/>
+                      <a:tailEnd type="none" w="med" len="med"/>
+                    </a:lnL>
+                    <a:lnR w="12700" cap="flat" cmpd="sng" algn="ctr">
+                      <a:solidFill>
+                        <a:srgbClr val="0A6D94"/>
+                      </a:solidFill>
+                      <a:prstDash val="solid"/>
+                      <a:round/>
+                      <a:headEnd type="none" w="med" len="med"/>
+                      <a:tailEnd type="none" w="med" len="med"/>
+                    </a:lnR>
+                    <a:lnT w="12700" cap="flat" cmpd="sng" algn="ctr">
+                      <a:solidFill>
+                        <a:srgbClr val="0A6D94"/>
+                      </a:solidFill>
+                      <a:prstDash val="solid"/>
+                      <a:round/>
+                      <a:headEnd type="none" w="med" len="med"/>
+                      <a:tailEnd type="none" w="med" len="med"/>
+                    </a:lnT>
+                    <a:lnB w="12700" cap="flat" cmpd="sng" algn="ctr">
+                      <a:solidFill>
+                        <a:schemeClr val="bg1"/>
+                      </a:solidFill>
+                      <a:prstDash val="solid"/>
+                      <a:round/>
+                      <a:headEnd type="none" w="med" len="med"/>
+                      <a:tailEnd type="none" w="med" len="med"/>
+                    </a:lnB>
+                    <a:solidFill>
+                      <a:srgbClr val="0A6D94"/>
+                    </a:solidFill>
+                  </a:tcPr>
+                </a:tc>
+                <a:tc>
+                  <a:txBody>
+                    <a:bodyPr/>
+                    <a:lstStyle/>
+                    <a:p>
+                      <a:pPr marL="0" marR="0" lvl="0" indent="0" algn="ctr" defTabSz="914400" rtl="0" eaLnBrk="1" fontAlgn="auto" latinLnBrk="1" hangingPunct="1">
+                        <a:lnSpc>
+                          <a:spcPct val="100000"/>
+                        </a:lnSpc>
+                        <a:spcBef>
+                          <a:spcPts val="0"/>
+                        </a:spcBef>
+                        <a:spcAft>
+                          <a:spcPts val="800"/>
+                        </a:spcAft>
+                        <a:buClrTx/>
+                        <a:buSzTx/>
+                        <a:buFontTx/>
+                        <a:buNone/>
+                        <a:tabLst/>
+                        <a:defRPr/>
+                      </a:pPr>
+                      <a:r>
+                        <a:rPr lang="ko-KR" altLang="en-US" sz="1000" b="1" dirty="0">
+                          <a:latin typeface="+mn-ea"/>
+                        </a:rPr>
+                        <a:t>번개 이펙트 색상</a:t>
+                      </a:r>
+                      <a:endParaRPr lang="en-US" altLang="ko-KR" sz="1000" b="1" dirty="0">
+                        <a:latin typeface="+mn-ea"/>
+                      </a:endParaRPr>
+                    </a:p>
+                  </a:txBody>
+                  <a:tcPr marL="67521" marR="67521" marT="0" marB="0" anchor="ctr">
+                    <a:lnL w="12700" cap="flat" cmpd="sng" algn="ctr">
+                      <a:solidFill>
+                        <a:srgbClr val="0A6D94"/>
+                      </a:solidFill>
+                      <a:prstDash val="solid"/>
+                      <a:round/>
+                      <a:headEnd type="none" w="med" len="med"/>
+                      <a:tailEnd type="none" w="med" len="med"/>
+                    </a:lnL>
+                    <a:lnR w="12700" cap="flat" cmpd="sng" algn="ctr">
+                      <a:solidFill>
+                        <a:srgbClr val="0A6D94"/>
+                      </a:solidFill>
+                      <a:prstDash val="solid"/>
+                      <a:round/>
+                      <a:headEnd type="none" w="med" len="med"/>
+                      <a:tailEnd type="none" w="med" len="med"/>
+                    </a:lnR>
+                    <a:lnT w="12700" cap="flat" cmpd="sng" algn="ctr">
+                      <a:solidFill>
+                        <a:srgbClr val="0A6D94"/>
+                      </a:solidFill>
+                      <a:prstDash val="solid"/>
+                      <a:round/>
+                      <a:headEnd type="none" w="med" len="med"/>
+                      <a:tailEnd type="none" w="med" len="med"/>
+                    </a:lnT>
+                    <a:lnB w="9525" cap="flat" cmpd="sng" algn="ctr">
+                      <a:solidFill>
+                        <a:schemeClr val="bg1">
+                          <a:lumMod val="75000"/>
+                        </a:schemeClr>
+                      </a:solidFill>
+                      <a:prstDash val="solid"/>
+                      <a:round/>
+                      <a:headEnd type="none" w="med" len="med"/>
+                      <a:tailEnd type="none" w="med" len="med"/>
+                    </a:lnB>
+                    <a:solidFill>
+                      <a:schemeClr val="bg1"/>
+                    </a:solidFill>
+                  </a:tcPr>
+                </a:tc>
+                <a:tc>
+                  <a:txBody>
+                    <a:bodyPr/>
+                    <a:lstStyle/>
+                    <a:p>
+                      <a:pPr marL="0" marR="0" lvl="0" indent="0" algn="ctr" defTabSz="914400" rtl="0" eaLnBrk="1" fontAlgn="auto" latinLnBrk="1" hangingPunct="1">
+                        <a:lnSpc>
+                          <a:spcPct val="100000"/>
+                        </a:lnSpc>
+                        <a:spcBef>
+                          <a:spcPts val="0"/>
+                        </a:spcBef>
+                        <a:spcAft>
+                          <a:spcPts val="800"/>
+                        </a:spcAft>
+                        <a:buClrTx/>
+                        <a:buSzTx/>
+                        <a:buFontTx/>
+                        <a:buNone/>
+                        <a:tabLst/>
+                        <a:defRPr/>
+                      </a:pPr>
+                      <a:r>
+                        <a:rPr lang="ko-KR" altLang="en-US" sz="1000" b="1" dirty="0">
+                          <a:latin typeface="+mn-ea"/>
+                        </a:rPr>
+                        <a:t>번개 방출 모양</a:t>
+                      </a:r>
+                      <a:endParaRPr lang="en-US" altLang="ko-KR" sz="1000" b="1" dirty="0">
+                        <a:latin typeface="+mn-ea"/>
+                      </a:endParaRPr>
+                    </a:p>
+                  </a:txBody>
+                  <a:tcPr marL="67521" marR="67521" marT="0" marB="0" anchor="ctr">
+                    <a:lnL w="12700" cap="flat" cmpd="sng" algn="ctr">
+                      <a:solidFill>
+                        <a:srgbClr val="0A6D94"/>
+                      </a:solidFill>
+                      <a:prstDash val="solid"/>
+                      <a:round/>
+                      <a:headEnd type="none" w="med" len="med"/>
+                      <a:tailEnd type="none" w="med" len="med"/>
+                    </a:lnL>
+                    <a:lnR w="12700" cap="flat" cmpd="sng" algn="ctr">
+                      <a:solidFill>
+                        <a:srgbClr val="0A6D94"/>
+                      </a:solidFill>
+                      <a:prstDash val="solid"/>
+                      <a:round/>
+                      <a:headEnd type="none" w="med" len="med"/>
+                      <a:tailEnd type="none" w="med" len="med"/>
+                    </a:lnR>
+                    <a:lnT w="12700" cap="flat" cmpd="sng" algn="ctr">
+                      <a:solidFill>
+                        <a:srgbClr val="0A6D94"/>
+                      </a:solidFill>
+                      <a:prstDash val="solid"/>
+                      <a:round/>
+                      <a:headEnd type="none" w="med" len="med"/>
+                      <a:tailEnd type="none" w="med" len="med"/>
+                    </a:lnT>
+                    <a:lnB w="9525" cap="flat" cmpd="sng" algn="ctr">
+                      <a:solidFill>
+                        <a:schemeClr val="bg1">
+                          <a:lumMod val="75000"/>
+                        </a:schemeClr>
+                      </a:solidFill>
+                      <a:prstDash val="solid"/>
+                      <a:round/>
+                      <a:headEnd type="none" w="med" len="med"/>
+                      <a:tailEnd type="none" w="med" len="med"/>
+                    </a:lnB>
+                    <a:solidFill>
+                      <a:schemeClr val="bg1"/>
+                    </a:solidFill>
+                  </a:tcPr>
+                </a:tc>
+                <a:extLst>
+                  <a:ext uri="{0D108BD9-81ED-4DB2-BD59-A6C34878D82A}">
+                    <a16:rowId xmlns:a16="http://schemas.microsoft.com/office/drawing/2014/main" val="1355598705"/>
+                  </a:ext>
+                </a:extLst>
+              </a:tr>
+              <a:tr h="3759200">
+                <a:tc>
+                  <a:txBody>
+                    <a:bodyPr/>
+                    <a:lstStyle/>
+                    <a:p>
+                      <a:pPr algn="ctr" latinLnBrk="1">
+                        <a:spcAft>
+                          <a:spcPts val="800"/>
+                        </a:spcAft>
+                      </a:pPr>
+                      <a:r>
+                        <a:rPr lang="ko-KR" altLang="en-US" sz="1000" b="1" dirty="0">
+                          <a:solidFill>
+                            <a:schemeClr val="bg1"/>
+                          </a:solidFill>
+                          <a:effectLst/>
+                          <a:latin typeface="맑은 고딕" panose="020B0503020000020004" pitchFamily="50" charset="-127"/>
+                          <a:ea typeface="맑은 고딕" panose="020B0503020000020004" pitchFamily="50" charset="-127"/>
+                          <a:cs typeface="맑은 고딕" panose="020B0503020000020004" pitchFamily="50" charset="-127"/>
+                        </a:rPr>
+                        <a:t>레퍼런스 이미지</a:t>
+                      </a:r>
+                      <a:endParaRPr lang="ko-KR" sz="1000" b="1" dirty="0">
+                        <a:solidFill>
+                          <a:schemeClr val="bg1"/>
+                        </a:solidFill>
+                        <a:effectLst/>
+                        <a:latin typeface="맑은 고딕" panose="020B0503020000020004" pitchFamily="50" charset="-127"/>
+                        <a:ea typeface="맑은 고딕" panose="020B0503020000020004" pitchFamily="50" charset="-127"/>
+                        <a:cs typeface="맑은 고딕" panose="020B0503020000020004" pitchFamily="50" charset="-127"/>
+                      </a:endParaRPr>
+                    </a:p>
+                  </a:txBody>
+                  <a:tcPr marL="67521" marR="67521" marT="0" marB="0" anchor="ctr">
+                    <a:lnL w="12700" cap="flat" cmpd="sng" algn="ctr">
+                      <a:solidFill>
+                        <a:srgbClr val="0A6D94"/>
+                      </a:solidFill>
+                      <a:prstDash val="solid"/>
+                      <a:round/>
+                      <a:headEnd type="none" w="med" len="med"/>
+                      <a:tailEnd type="none" w="med" len="med"/>
+                    </a:lnL>
+                    <a:lnR w="12700" cap="flat" cmpd="sng" algn="ctr">
+                      <a:solidFill>
+                        <a:srgbClr val="0A6D94"/>
+                      </a:solidFill>
+                      <a:prstDash val="solid"/>
+                      <a:round/>
+                      <a:headEnd type="none" w="med" len="med"/>
+                      <a:tailEnd type="none" w="med" len="med"/>
+                    </a:lnR>
+                    <a:lnT w="12700" cap="flat" cmpd="sng" algn="ctr">
+                      <a:solidFill>
+                        <a:schemeClr val="bg1"/>
+                      </a:solidFill>
+                      <a:prstDash val="solid"/>
+                      <a:round/>
+                      <a:headEnd type="none" w="med" len="med"/>
+                      <a:tailEnd type="none" w="med" len="med"/>
+                    </a:lnT>
+                    <a:lnB w="12700" cap="flat" cmpd="sng" algn="ctr">
+                      <a:solidFill>
+                        <a:schemeClr val="bg1"/>
+                      </a:solidFill>
+                      <a:prstDash val="solid"/>
+                      <a:round/>
+                      <a:headEnd type="none" w="med" len="med"/>
+                      <a:tailEnd type="none" w="med" len="med"/>
+                    </a:lnB>
+                    <a:solidFill>
+                      <a:srgbClr val="0A6D94"/>
+                    </a:solidFill>
+                  </a:tcPr>
+                </a:tc>
+                <a:tc>
+                  <a:txBody>
+                    <a:bodyPr/>
+                    <a:lstStyle/>
+                    <a:p>
+                      <a:pPr algn="ctr" latinLnBrk="1">
+                        <a:spcAft>
+                          <a:spcPts val="800"/>
+                        </a:spcAft>
+                      </a:pPr>
+                      <a:endParaRPr lang="ko-KR" sz="1000" dirty="0">
+                        <a:effectLst/>
+                        <a:latin typeface="맑은 고딕" panose="020B0503020000020004" pitchFamily="50" charset="-127"/>
+                        <a:ea typeface="맑은 고딕" panose="020B0503020000020004" pitchFamily="50" charset="-127"/>
+                        <a:cs typeface="맑은 고딕" panose="020B0503020000020004" pitchFamily="50" charset="-127"/>
+                      </a:endParaRPr>
+                    </a:p>
+                  </a:txBody>
+                  <a:tcPr marL="67521" marR="67521" marT="0" marB="0" anchor="ctr">
+                    <a:lnL w="12700" cap="flat" cmpd="sng" algn="ctr">
+                      <a:solidFill>
+                        <a:srgbClr val="0A6D94"/>
+                      </a:solidFill>
+                      <a:prstDash val="solid"/>
+                      <a:round/>
+                      <a:headEnd type="none" w="med" len="med"/>
+                      <a:tailEnd type="none" w="med" len="med"/>
+                    </a:lnL>
+                    <a:lnR w="12700" cap="flat" cmpd="sng" algn="ctr">
+                      <a:solidFill>
+                        <a:srgbClr val="0A6D94"/>
+                      </a:solidFill>
+                      <a:prstDash val="solid"/>
+                      <a:round/>
+                      <a:headEnd type="none" w="med" len="med"/>
+                      <a:tailEnd type="none" w="med" len="med"/>
+                    </a:lnR>
+                    <a:lnT w="9525" cap="flat" cmpd="sng" algn="ctr">
+                      <a:solidFill>
+                        <a:schemeClr val="bg1">
+                          <a:lumMod val="75000"/>
+                        </a:schemeClr>
+                      </a:solidFill>
+                      <a:prstDash val="solid"/>
+                      <a:round/>
+                      <a:headEnd type="none" w="med" len="med"/>
+                      <a:tailEnd type="none" w="med" len="med"/>
+                    </a:lnT>
+                    <a:lnB w="9525" cap="flat" cmpd="sng" algn="ctr">
+                      <a:solidFill>
+                        <a:schemeClr val="bg1">
+                          <a:lumMod val="75000"/>
+                        </a:schemeClr>
+                      </a:solidFill>
+                      <a:prstDash val="solid"/>
+                      <a:round/>
+                      <a:headEnd type="none" w="med" len="med"/>
+                      <a:tailEnd type="none" w="med" len="med"/>
+                    </a:lnB>
+                    <a:solidFill>
+                      <a:schemeClr val="bg1"/>
+                    </a:solidFill>
+                  </a:tcPr>
+                </a:tc>
+                <a:tc>
+                  <a:txBody>
+                    <a:bodyPr/>
+                    <a:lstStyle/>
+                    <a:p>
+                      <a:pPr algn="ctr" latinLnBrk="1">
+                        <a:spcAft>
+                          <a:spcPts val="800"/>
+                        </a:spcAft>
+                      </a:pPr>
+                      <a:endParaRPr lang="ko-KR" sz="1000" dirty="0">
+                        <a:effectLst/>
+                        <a:latin typeface="맑은 고딕" panose="020B0503020000020004" pitchFamily="50" charset="-127"/>
+                        <a:ea typeface="맑은 고딕" panose="020B0503020000020004" pitchFamily="50" charset="-127"/>
+                        <a:cs typeface="맑은 고딕" panose="020B0503020000020004" pitchFamily="50" charset="-127"/>
+                      </a:endParaRPr>
+                    </a:p>
+                  </a:txBody>
+                  <a:tcPr marL="67521" marR="67521" marT="0" marB="0" anchor="ctr">
+                    <a:lnL w="12700" cap="flat" cmpd="sng" algn="ctr">
+                      <a:solidFill>
+                        <a:srgbClr val="0A6D94"/>
+                      </a:solidFill>
+                      <a:prstDash val="solid"/>
+                      <a:round/>
+                      <a:headEnd type="none" w="med" len="med"/>
+                      <a:tailEnd type="none" w="med" len="med"/>
+                    </a:lnL>
+                    <a:lnR w="12700" cap="flat" cmpd="sng" algn="ctr">
+                      <a:solidFill>
+                        <a:srgbClr val="0A6D94"/>
+                      </a:solidFill>
+                      <a:prstDash val="solid"/>
+                      <a:round/>
+                      <a:headEnd type="none" w="med" len="med"/>
+                      <a:tailEnd type="none" w="med" len="med"/>
+                    </a:lnR>
+                    <a:lnT w="9525" cap="flat" cmpd="sng" algn="ctr">
+                      <a:solidFill>
+                        <a:schemeClr val="bg1">
+                          <a:lumMod val="75000"/>
+                        </a:schemeClr>
+                      </a:solidFill>
+                      <a:prstDash val="solid"/>
+                      <a:round/>
+                      <a:headEnd type="none" w="med" len="med"/>
+                      <a:tailEnd type="none" w="med" len="med"/>
+                    </a:lnT>
+                    <a:lnB w="9525" cap="flat" cmpd="sng" algn="ctr">
+                      <a:solidFill>
+                        <a:schemeClr val="bg1">
+                          <a:lumMod val="75000"/>
+                        </a:schemeClr>
+                      </a:solidFill>
+                      <a:prstDash val="solid"/>
+                      <a:round/>
+                      <a:headEnd type="none" w="med" len="med"/>
+                      <a:tailEnd type="none" w="med" len="med"/>
+                    </a:lnB>
+                    <a:solidFill>
+                      <a:schemeClr val="bg1"/>
+                    </a:solidFill>
+                  </a:tcPr>
+                </a:tc>
+                <a:extLst>
+                  <a:ext uri="{0D108BD9-81ED-4DB2-BD59-A6C34878D82A}">
+                    <a16:rowId xmlns:a16="http://schemas.microsoft.com/office/drawing/2014/main" val="1490125819"/>
+                  </a:ext>
+                </a:extLst>
+              </a:tr>
+              <a:tr h="640080">
+                <a:tc>
+                  <a:txBody>
+                    <a:bodyPr/>
+                    <a:lstStyle/>
+                    <a:p>
+                      <a:pPr algn="ctr" latinLnBrk="1">
+                        <a:spcAft>
+                          <a:spcPts val="800"/>
+                        </a:spcAft>
+                      </a:pPr>
+                      <a:r>
+                        <a:rPr lang="ko-KR" altLang="en-US" sz="1000" b="1" dirty="0">
+                          <a:solidFill>
+                            <a:schemeClr val="bg1"/>
+                          </a:solidFill>
+                          <a:effectLst/>
+                          <a:latin typeface="맑은 고딕" panose="020B0503020000020004" pitchFamily="50" charset="-127"/>
+                          <a:ea typeface="맑은 고딕" panose="020B0503020000020004" pitchFamily="50" charset="-127"/>
+                          <a:cs typeface="맑은 고딕" panose="020B0503020000020004" pitchFamily="50" charset="-127"/>
+                        </a:rPr>
+                        <a:t>설명</a:t>
+                      </a:r>
+                      <a:endParaRPr lang="ko-KR" sz="1000" b="1" dirty="0">
+                        <a:solidFill>
+                          <a:schemeClr val="bg1"/>
+                        </a:solidFill>
+                        <a:effectLst/>
+                        <a:latin typeface="맑은 고딕" panose="020B0503020000020004" pitchFamily="50" charset="-127"/>
+                        <a:ea typeface="맑은 고딕" panose="020B0503020000020004" pitchFamily="50" charset="-127"/>
+                        <a:cs typeface="맑은 고딕" panose="020B0503020000020004" pitchFamily="50" charset="-127"/>
+                      </a:endParaRPr>
+                    </a:p>
+                  </a:txBody>
+                  <a:tcPr marL="67521" marR="67521" marT="0" marB="0" anchor="ctr">
+                    <a:lnL w="12700" cap="flat" cmpd="sng" algn="ctr">
+                      <a:solidFill>
+                        <a:srgbClr val="0A6D94"/>
+                      </a:solidFill>
+                      <a:prstDash val="solid"/>
+                      <a:round/>
+                      <a:headEnd type="none" w="med" len="med"/>
+                      <a:tailEnd type="none" w="med" len="med"/>
+                    </a:lnL>
+                    <a:lnR w="12700" cap="flat" cmpd="sng" algn="ctr">
+                      <a:solidFill>
+                        <a:srgbClr val="0A6D94"/>
+                      </a:solidFill>
+                      <a:prstDash val="solid"/>
+                      <a:round/>
+                      <a:headEnd type="none" w="med" len="med"/>
+                      <a:tailEnd type="none" w="med" len="med"/>
+                    </a:lnR>
+                    <a:lnT w="12700" cap="flat" cmpd="sng" algn="ctr">
+                      <a:solidFill>
+                        <a:schemeClr val="bg1"/>
+                      </a:solidFill>
+                      <a:prstDash val="solid"/>
+                      <a:round/>
+                      <a:headEnd type="none" w="med" len="med"/>
+                      <a:tailEnd type="none" w="med" len="med"/>
+                    </a:lnT>
+                    <a:lnB w="12700" cap="flat" cmpd="sng" algn="ctr">
+                      <a:solidFill>
+                        <a:schemeClr val="bg1"/>
+                      </a:solidFill>
+                      <a:prstDash val="solid"/>
+                      <a:round/>
+                      <a:headEnd type="none" w="med" len="med"/>
+                      <a:tailEnd type="none" w="med" len="med"/>
+                    </a:lnB>
+                    <a:solidFill>
+                      <a:srgbClr val="0A6D94"/>
+                    </a:solidFill>
+                  </a:tcPr>
+                </a:tc>
+                <a:tc>
+                  <a:txBody>
+                    <a:bodyPr/>
+                    <a:lstStyle/>
+                    <a:p>
+                      <a:pPr marL="0" marR="0" lvl="0" indent="0" algn="ctr" defTabSz="914400" rtl="0" eaLnBrk="1" fontAlgn="auto" latinLnBrk="1" hangingPunct="1">
+                        <a:lnSpc>
+                          <a:spcPct val="100000"/>
+                        </a:lnSpc>
+                        <a:spcBef>
+                          <a:spcPts val="0"/>
+                        </a:spcBef>
+                        <a:spcAft>
+                          <a:spcPts val="800"/>
+                        </a:spcAft>
+                        <a:buClrTx/>
+                        <a:buSzTx/>
+                        <a:buFontTx/>
+                        <a:buNone/>
+                        <a:tabLst/>
+                        <a:defRPr/>
+                      </a:pPr>
+                      <a:r>
+                        <a:rPr lang="ko-KR" altLang="en-US" sz="1000" dirty="0">
+                          <a:latin typeface="+mn-ea"/>
+                        </a:rPr>
+                        <a:t>검은색 베이스에 흰색이 섞여 있는 번개</a:t>
+                      </a:r>
+                      <a:endParaRPr lang="en-US" altLang="ko-KR" sz="1000" dirty="0">
+                        <a:latin typeface="+mn-ea"/>
+                      </a:endParaRPr>
+                    </a:p>
+                  </a:txBody>
+                  <a:tcPr marL="67521" marR="67521" marT="0" marB="0" anchor="ctr">
+                    <a:lnL w="12700" cap="flat" cmpd="sng" algn="ctr">
+                      <a:solidFill>
+                        <a:srgbClr val="0A6D94"/>
+                      </a:solidFill>
+                      <a:prstDash val="solid"/>
+                      <a:round/>
+                      <a:headEnd type="none" w="med" len="med"/>
+                      <a:tailEnd type="none" w="med" len="med"/>
+                    </a:lnL>
+                    <a:lnR w="12700" cap="flat" cmpd="sng" algn="ctr">
+                      <a:solidFill>
+                        <a:srgbClr val="0A6D94"/>
+                      </a:solidFill>
+                      <a:prstDash val="solid"/>
+                      <a:round/>
+                      <a:headEnd type="none" w="med" len="med"/>
+                      <a:tailEnd type="none" w="med" len="med"/>
+                    </a:lnR>
+                    <a:lnT w="9525" cap="flat" cmpd="sng" algn="ctr">
+                      <a:solidFill>
+                        <a:schemeClr val="bg1">
+                          <a:lumMod val="75000"/>
+                        </a:schemeClr>
+                      </a:solidFill>
+                      <a:prstDash val="solid"/>
+                      <a:round/>
+                      <a:headEnd type="none" w="med" len="med"/>
+                      <a:tailEnd type="none" w="med" len="med"/>
+                    </a:lnT>
+                    <a:lnB w="9525" cap="flat" cmpd="sng" algn="ctr">
+                      <a:solidFill>
+                        <a:schemeClr val="bg1">
+                          <a:lumMod val="75000"/>
+                        </a:schemeClr>
+                      </a:solidFill>
+                      <a:prstDash val="solid"/>
+                      <a:round/>
+                      <a:headEnd type="none" w="med" len="med"/>
+                      <a:tailEnd type="none" w="med" len="med"/>
+                    </a:lnB>
+                    <a:solidFill>
+                      <a:schemeClr val="bg1"/>
+                    </a:solidFill>
+                  </a:tcPr>
+                </a:tc>
+                <a:tc>
+                  <a:txBody>
+                    <a:bodyPr/>
+                    <a:lstStyle/>
+                    <a:p>
+                      <a:pPr algn="ctr"/>
+                      <a:r>
+                        <a:rPr lang="ko-KR" altLang="en-US" sz="1000" dirty="0" err="1">
+                          <a:latin typeface="+mn-ea"/>
+                        </a:rPr>
+                        <a:t>천뢰침</a:t>
+                      </a:r>
+                      <a:r>
+                        <a:rPr lang="ko-KR" altLang="en-US" sz="1000" dirty="0">
+                          <a:latin typeface="+mn-ea"/>
+                        </a:rPr>
+                        <a:t> 유무에 따라 달라지는 번개의 모양</a:t>
+                      </a:r>
+                      <a:endParaRPr lang="en-US" altLang="ko-KR" sz="1000" dirty="0">
+                        <a:latin typeface="+mn-ea"/>
+                      </a:endParaRPr>
+                    </a:p>
+                  </a:txBody>
+                  <a:tcPr marL="67521" marR="67521" marT="0" marB="0" anchor="ctr">
+                    <a:lnL w="12700" cap="flat" cmpd="sng" algn="ctr">
+                      <a:solidFill>
+                        <a:srgbClr val="0A6D94"/>
+                      </a:solidFill>
+                      <a:prstDash val="solid"/>
+                      <a:round/>
+                      <a:headEnd type="none" w="med" len="med"/>
+                      <a:tailEnd type="none" w="med" len="med"/>
+                    </a:lnL>
+                    <a:lnR w="12700" cap="flat" cmpd="sng" algn="ctr">
+                      <a:solidFill>
+                        <a:srgbClr val="0A6D94"/>
+                      </a:solidFill>
+                      <a:prstDash val="solid"/>
+                      <a:round/>
+                      <a:headEnd type="none" w="med" len="med"/>
+                      <a:tailEnd type="none" w="med" len="med"/>
+                    </a:lnR>
+                    <a:lnT w="9525" cap="flat" cmpd="sng" algn="ctr">
+                      <a:solidFill>
+                        <a:schemeClr val="bg1">
+                          <a:lumMod val="75000"/>
+                        </a:schemeClr>
+                      </a:solidFill>
+                      <a:prstDash val="solid"/>
+                      <a:round/>
+                      <a:headEnd type="none" w="med" len="med"/>
+                      <a:tailEnd type="none" w="med" len="med"/>
+                    </a:lnT>
+                    <a:lnB w="9525" cap="flat" cmpd="sng" algn="ctr">
+                      <a:solidFill>
+                        <a:schemeClr val="bg1">
+                          <a:lumMod val="75000"/>
+                        </a:schemeClr>
+                      </a:solidFill>
+                      <a:prstDash val="solid"/>
+                      <a:round/>
+                      <a:headEnd type="none" w="med" len="med"/>
+                      <a:tailEnd type="none" w="med" len="med"/>
+                    </a:lnB>
+                    <a:solidFill>
+                      <a:schemeClr val="bg1"/>
+                    </a:solidFill>
+                  </a:tcPr>
+                </a:tc>
+                <a:extLst>
+                  <a:ext uri="{0D108BD9-81ED-4DB2-BD59-A6C34878D82A}">
+                    <a16:rowId xmlns:a16="http://schemas.microsoft.com/office/drawing/2014/main" val="1064482421"/>
+                  </a:ext>
+                </a:extLst>
+              </a:tr>
+            </a:tbl>
+          </a:graphicData>
+        </a:graphic>
+      </p:graphicFrame>
+      <p:pic>
+        <p:nvPicPr>
+          <p:cNvPr id="39" name="그림 38" descr="물, 흑백이(가) 표시된 사진&#10;&#10;자동 생성된 설명">
+            <a:extLst>
+              <a:ext uri="{FF2B5EF4-FFF2-40B4-BE49-F238E27FC236}">
+                <a16:creationId xmlns:a16="http://schemas.microsoft.com/office/drawing/2014/main" id="{9A869097-9291-DEB6-1438-68E208A6C52D}"/>
+              </a:ext>
+            </a:extLst>
+          </p:cNvPr>
+          <p:cNvPicPr>
+            <a:picLocks noChangeAspect="1"/>
+          </p:cNvPicPr>
+          <p:nvPr/>
+        </p:nvPicPr>
+        <p:blipFill>
+          <a:blip r:embed="rId4">
+            <a:extLst>
+              <a:ext uri="{28A0092B-C50C-407E-A947-70E740481C1C}">
+                <a14:useLocalDpi xmlns:a14="http://schemas.microsoft.com/office/drawing/2010/main" val="0"/>
+              </a:ext>
+            </a:extLst>
+          </a:blip>
+          <a:stretch>
+            <a:fillRect/>
+          </a:stretch>
+        </p:blipFill>
+        <p:spPr>
+          <a:xfrm>
+            <a:off x="2998552" y="2178120"/>
+            <a:ext cx="2834641" cy="3448050"/>
+          </a:xfrm>
+          <a:prstGeom prst="rect">
+            <a:avLst/>
+          </a:prstGeom>
+        </p:spPr>
+      </p:pic>
+      <p:grpSp>
+        <p:nvGrpSpPr>
+          <p:cNvPr id="48" name="그룹 47">
+            <a:extLst>
+              <a:ext uri="{FF2B5EF4-FFF2-40B4-BE49-F238E27FC236}">
+                <a16:creationId xmlns:a16="http://schemas.microsoft.com/office/drawing/2014/main" id="{0871F8DD-C9E0-34E2-E7F5-F203ADBD2FC0}"/>
+              </a:ext>
+            </a:extLst>
+          </p:cNvPr>
+          <p:cNvGrpSpPr/>
+          <p:nvPr/>
+        </p:nvGrpSpPr>
+        <p:grpSpPr>
+          <a:xfrm>
+            <a:off x="6704349" y="2304300"/>
+            <a:ext cx="3142233" cy="3195689"/>
+            <a:chOff x="6482200" y="2146385"/>
+            <a:chExt cx="2984606" cy="3035381"/>
+          </a:xfrm>
+        </p:grpSpPr>
+        <p:grpSp>
+          <p:nvGrpSpPr>
+            <p:cNvPr id="44" name="그룹 43">
+              <a:extLst>
+                <a:ext uri="{FF2B5EF4-FFF2-40B4-BE49-F238E27FC236}">
+                  <a16:creationId xmlns:a16="http://schemas.microsoft.com/office/drawing/2014/main" id="{5F662D65-611C-FBDE-C7BF-FBC14B6062CD}"/>
+                </a:ext>
+              </a:extLst>
+            </p:cNvPr>
+            <p:cNvGrpSpPr/>
+            <p:nvPr/>
+          </p:nvGrpSpPr>
+          <p:grpSpPr>
+            <a:xfrm>
+              <a:off x="6482201" y="2146385"/>
+              <a:ext cx="2834640" cy="1676776"/>
+              <a:chOff x="5880042" y="2154710"/>
+              <a:chExt cx="2834640" cy="1676776"/>
+            </a:xfrm>
+          </p:grpSpPr>
+          <p:pic>
+            <p:nvPicPr>
+              <p:cNvPr id="40" name="Picture 14">
+                <a:extLst>
+                  <a:ext uri="{FF2B5EF4-FFF2-40B4-BE49-F238E27FC236}">
+                    <a16:creationId xmlns:a16="http://schemas.microsoft.com/office/drawing/2014/main" id="{1F295F03-F726-598E-23F5-B3B45CF79A46}"/>
+                  </a:ext>
+                </a:extLst>
+              </p:cNvPr>
+              <p:cNvPicPr>
+                <a:picLocks noChangeAspect="1" noChangeArrowheads="1"/>
+              </p:cNvPicPr>
+              <p:nvPr/>
+            </p:nvPicPr>
+            <p:blipFill rotWithShape="1">
+              <a:blip r:embed="rId5">
+                <a:extLst>
+                  <a:ext uri="{28A0092B-C50C-407E-A947-70E740481C1C}">
+                    <a14:useLocalDpi xmlns:a14="http://schemas.microsoft.com/office/drawing/2010/main" val="0"/>
+                  </a:ext>
+                </a:extLst>
+              </a:blip>
+              <a:srcRect l="33046" t="2936" r="30857" b="55654"/>
+              <a:stretch/>
+            </p:blipFill>
+            <p:spPr bwMode="auto">
+              <a:xfrm rot="16200000">
+                <a:off x="6586647" y="1703452"/>
+                <a:ext cx="1421429" cy="2834640"/>
+              </a:xfrm>
+              <a:prstGeom prst="rect">
+                <a:avLst/>
+              </a:prstGeom>
+              <a:noFill/>
+              <a:extLst>
+                <a:ext uri="{909E8E84-426E-40DD-AFC4-6F175D3DCCD1}">
+                  <a14:hiddenFill xmlns:a14="http://schemas.microsoft.com/office/drawing/2010/main">
+                    <a:solidFill>
+                      <a:srgbClr val="FFFFFF"/>
+                    </a:solidFill>
+                  </a14:hiddenFill>
+                </a:ext>
+              </a:extLst>
+            </p:spPr>
+          </p:pic>
+          <p:sp>
+            <p:nvSpPr>
+              <p:cNvPr id="42" name="TextBox 41">
+                <a:extLst>
+                  <a:ext uri="{FF2B5EF4-FFF2-40B4-BE49-F238E27FC236}">
+                    <a16:creationId xmlns:a16="http://schemas.microsoft.com/office/drawing/2014/main" id="{39721F8E-F2B1-8A81-7F1D-058233E511E8}"/>
+                  </a:ext>
+                </a:extLst>
+              </p:cNvPr>
+              <p:cNvSpPr txBox="1"/>
+              <p:nvPr/>
+            </p:nvSpPr>
+            <p:spPr>
+              <a:xfrm>
+                <a:off x="6406733" y="2154710"/>
+                <a:ext cx="1781257" cy="246221"/>
+              </a:xfrm>
+              <a:prstGeom prst="rect">
+                <a:avLst/>
+              </a:prstGeom>
+              <a:noFill/>
+            </p:spPr>
+            <p:txBody>
+              <a:bodyPr wrap="none" rtlCol="0">
+                <a:spAutoFit/>
+              </a:bodyPr>
+              <a:lstStyle/>
+              <a:p>
+                <a:pPr algn="ctr"/>
+                <a:r>
+                  <a:rPr lang="en-US" altLang="ko-KR" sz="1000" dirty="0">
+                    <a:latin typeface="+mn-ea"/>
+                  </a:rPr>
+                  <a:t>&lt;</a:t>
+                </a:r>
+                <a:r>
+                  <a:rPr lang="ko-KR" altLang="en-US" sz="1000" dirty="0">
+                    <a:latin typeface="+mn-ea"/>
+                  </a:rPr>
+                  <a:t>기본적인 번개 방출 모양</a:t>
+                </a:r>
+                <a:r>
+                  <a:rPr lang="en-US" altLang="ko-KR" sz="1000" dirty="0">
+                    <a:latin typeface="+mn-ea"/>
+                  </a:rPr>
+                  <a:t>&gt;</a:t>
+                </a:r>
+              </a:p>
+            </p:txBody>
+          </p:sp>
+        </p:grpSp>
+        <p:grpSp>
+          <p:nvGrpSpPr>
+            <p:cNvPr id="45" name="그룹 44">
+              <a:extLst>
+                <a:ext uri="{FF2B5EF4-FFF2-40B4-BE49-F238E27FC236}">
+                  <a16:creationId xmlns:a16="http://schemas.microsoft.com/office/drawing/2014/main" id="{B5AA3351-F6EA-C246-E55D-227F5D4F477B}"/>
+                </a:ext>
+              </a:extLst>
+            </p:cNvPr>
+            <p:cNvGrpSpPr/>
+            <p:nvPr/>
+          </p:nvGrpSpPr>
+          <p:grpSpPr>
+            <a:xfrm>
+              <a:off x="6482200" y="4016728"/>
+              <a:ext cx="2984606" cy="1165038"/>
+              <a:chOff x="6022131" y="3941040"/>
+              <a:chExt cx="2984606" cy="1165038"/>
+            </a:xfrm>
+          </p:grpSpPr>
+          <p:pic>
+            <p:nvPicPr>
+              <p:cNvPr id="41" name="Picture 16">
+                <a:extLst>
+                  <a:ext uri="{FF2B5EF4-FFF2-40B4-BE49-F238E27FC236}">
+                    <a16:creationId xmlns:a16="http://schemas.microsoft.com/office/drawing/2014/main" id="{443148B6-1D9A-DFE0-07D4-059BDB91DB8E}"/>
+                  </a:ext>
+                </a:extLst>
+              </p:cNvPr>
+              <p:cNvPicPr>
+                <a:picLocks noChangeAspect="1" noChangeArrowheads="1"/>
+              </p:cNvPicPr>
+              <p:nvPr/>
+            </p:nvPicPr>
+            <p:blipFill rotWithShape="1">
+              <a:blip r:embed="rId6">
+                <a:biLevel thresh="75000"/>
+                <a:extLst>
+                  <a:ext uri="{BEBA8EAE-BF5A-486C-A8C5-ECC9F3942E4B}">
+                    <a14:imgProps xmlns:a14="http://schemas.microsoft.com/office/drawing/2010/main">
+                      <a14:imgLayer r:embed="rId7">
+                        <a14:imgEffect>
+                          <a14:brightnessContrast bright="-20000" contrast="-40000"/>
+                        </a14:imgEffect>
+                      </a14:imgLayer>
+                    </a14:imgProps>
+                  </a:ext>
+                  <a:ext uri="{28A0092B-C50C-407E-A947-70E740481C1C}">
+                    <a14:useLocalDpi xmlns:a14="http://schemas.microsoft.com/office/drawing/2010/main" val="0"/>
+                  </a:ext>
+                </a:extLst>
+              </a:blip>
+              <a:srcRect l="20659" r="60832"/>
+              <a:stretch/>
+            </p:blipFill>
+            <p:spPr bwMode="auto">
+              <a:xfrm rot="16200000">
+                <a:off x="6991583" y="3090924"/>
+                <a:ext cx="1045702" cy="2984606"/>
+              </a:xfrm>
+              <a:prstGeom prst="rect">
+                <a:avLst/>
+              </a:prstGeom>
+              <a:noFill/>
+              <a:extLst>
+                <a:ext uri="{909E8E84-426E-40DD-AFC4-6F175D3DCCD1}">
+                  <a14:hiddenFill xmlns:a14="http://schemas.microsoft.com/office/drawing/2010/main">
+                    <a:solidFill>
+                      <a:srgbClr val="FFFFFF"/>
+                    </a:solidFill>
+                  </a14:hiddenFill>
+                </a:ext>
+              </a:extLst>
+            </p:spPr>
+          </p:pic>
+          <p:sp>
+            <p:nvSpPr>
+              <p:cNvPr id="43" name="TextBox 42">
+                <a:extLst>
+                  <a:ext uri="{FF2B5EF4-FFF2-40B4-BE49-F238E27FC236}">
+                    <a16:creationId xmlns:a16="http://schemas.microsoft.com/office/drawing/2014/main" id="{9953B42F-2B2E-1FE7-247F-9F3170B65568}"/>
+                  </a:ext>
+                </a:extLst>
+              </p:cNvPr>
+              <p:cNvSpPr txBox="1"/>
+              <p:nvPr/>
+            </p:nvSpPr>
+            <p:spPr>
+              <a:xfrm>
+                <a:off x="6473124" y="3941040"/>
+                <a:ext cx="2082621" cy="246221"/>
+              </a:xfrm>
+              <a:prstGeom prst="rect">
+                <a:avLst/>
+              </a:prstGeom>
+              <a:noFill/>
+            </p:spPr>
+            <p:txBody>
+              <a:bodyPr wrap="none" rtlCol="0">
+                <a:spAutoFit/>
+              </a:bodyPr>
+              <a:lstStyle/>
+              <a:p>
+                <a:pPr algn="ctr"/>
+                <a:r>
+                  <a:rPr lang="en-US" altLang="ko-KR" sz="1000" dirty="0">
+                    <a:latin typeface="+mn-ea"/>
+                  </a:rPr>
+                  <a:t>&lt;</a:t>
+                </a:r>
+                <a:r>
+                  <a:rPr lang="ko-KR" altLang="en-US" sz="1000" dirty="0" err="1">
+                    <a:latin typeface="+mn-ea"/>
+                  </a:rPr>
+                  <a:t>천뢰침을</a:t>
+                </a:r>
+                <a:r>
+                  <a:rPr lang="ko-KR" altLang="en-US" sz="1000" dirty="0">
+                    <a:latin typeface="+mn-ea"/>
+                  </a:rPr>
+                  <a:t> 향한 번개 방출 모양</a:t>
+                </a:r>
+                <a:r>
+                  <a:rPr lang="en-US" altLang="ko-KR" sz="1000" dirty="0">
+                    <a:latin typeface="+mn-ea"/>
+                  </a:rPr>
+                  <a:t>&gt;</a:t>
+                </a:r>
+              </a:p>
+            </p:txBody>
+          </p:sp>
+        </p:grpSp>
+      </p:grpSp>
     </p:spTree>
     <p:extLst>
       <p:ext uri="{BB962C8B-B14F-4D97-AF65-F5344CB8AC3E}">
-        <p14:creationId xmlns:p14="http://schemas.microsoft.com/office/powerpoint/2010/main" val="1916766099"/>
+        <p14:creationId xmlns:p14="http://schemas.microsoft.com/office/powerpoint/2010/main" val="805688700"/>
       </p:ext>
     </p:extLst>
   </p:cSld>
@@ -19399,4 +21403,319 @@
     </a:ext>
   </a:extLst>
 </a:theme>
+</file>
+
+<file path=ppt/theme/theme2.xml><?xml version="1.0" encoding="utf-8"?>
+<a:theme xmlns:a="http://schemas.openxmlformats.org/drawingml/2006/main" name="Office 테마">
+  <a:themeElements>
+    <a:clrScheme name="Office">
+      <a:dk1>
+        <a:sysClr val="windowText" lastClr="000000"/>
+      </a:dk1>
+      <a:lt1>
+        <a:sysClr val="window" lastClr="FFFFFF"/>
+      </a:lt1>
+      <a:dk2>
+        <a:srgbClr val="0E2841"/>
+      </a:dk2>
+      <a:lt2>
+        <a:srgbClr val="E8E8E8"/>
+      </a:lt2>
+      <a:accent1>
+        <a:srgbClr val="156082"/>
+      </a:accent1>
+      <a:accent2>
+        <a:srgbClr val="E97132"/>
+      </a:accent2>
+      <a:accent3>
+        <a:srgbClr val="196B24"/>
+      </a:accent3>
+      <a:accent4>
+        <a:srgbClr val="0F9ED5"/>
+      </a:accent4>
+      <a:accent5>
+        <a:srgbClr val="A02B93"/>
+      </a:accent5>
+      <a:accent6>
+        <a:srgbClr val="4EA72E"/>
+      </a:accent6>
+      <a:hlink>
+        <a:srgbClr val="467886"/>
+      </a:hlink>
+      <a:folHlink>
+        <a:srgbClr val="96607D"/>
+      </a:folHlink>
+    </a:clrScheme>
+    <a:fontScheme name="Office">
+      <a:majorFont>
+        <a:latin typeface="맑은 고딕" panose="02110004020202020204"/>
+        <a:ea typeface=""/>
+        <a:cs typeface=""/>
+        <a:font script="Jpan" typeface="游ゴシック Light"/>
+        <a:font script="Hang" typeface="맑은 고딕"/>
+        <a:font script="Hans" typeface="等线 Light"/>
+        <a:font script="Hant" typeface="新細明體"/>
+        <a:font script="Arab" typeface="Times New Roman"/>
+        <a:font script="Hebr" typeface="Times New Roman"/>
+        <a:font script="Thai" typeface="Angsana New"/>
+        <a:font script="Ethi" typeface="Nyala"/>
+        <a:font script="Beng" typeface="Vrinda"/>
+        <a:font script="Gujr" typeface="Shruti"/>
+        <a:font script="Khmr" typeface="MoolBoran"/>
+        <a:font script="Knda" typeface="Tunga"/>
+        <a:font script="Guru" typeface="Raavi"/>
+        <a:font script="Cans" typeface="Euphemia"/>
+        <a:font script="Cher" typeface="Plantagenet Cherokee"/>
+        <a:font script="Yiii" typeface="Microsoft Yi Baiti"/>
+        <a:font script="Tibt" typeface="Microsoft Himalaya"/>
+        <a:font script="Thaa" typeface="MV Boli"/>
+        <a:font script="Deva" typeface="Mangal"/>
+        <a:font script="Telu" typeface="Gautami"/>
+        <a:font script="Taml" typeface="Latha"/>
+        <a:font script="Syrc" typeface="Estrangelo Edessa"/>
+        <a:font script="Orya" typeface="Kalinga"/>
+        <a:font script="Mlym" typeface="Kartika"/>
+        <a:font script="Laoo" typeface="DokChampa"/>
+        <a:font script="Sinh" typeface="Iskoola Pota"/>
+        <a:font script="Mong" typeface="Mongolian Baiti"/>
+        <a:font script="Viet" typeface="Times New Roman"/>
+        <a:font script="Uigh" typeface="Microsoft Uighur"/>
+        <a:font script="Geor" typeface="Sylfaen"/>
+        <a:font script="Armn" typeface="Arial"/>
+        <a:font script="Bugi" typeface="Leelawadee UI"/>
+        <a:font script="Bopo" typeface="Microsoft JhengHei"/>
+        <a:font script="Java" typeface="Javanese Text"/>
+        <a:font script="Lisu" typeface="Segoe UI"/>
+        <a:font script="Mymr" typeface="Myanmar Text"/>
+        <a:font script="Nkoo" typeface="Ebrima"/>
+        <a:font script="Olck" typeface="Nirmala UI"/>
+        <a:font script="Osma" typeface="Ebrima"/>
+        <a:font script="Phag" typeface="Phagspa"/>
+        <a:font script="Syrn" typeface="Estrangelo Edessa"/>
+        <a:font script="Syrj" typeface="Estrangelo Edessa"/>
+        <a:font script="Syre" typeface="Estrangelo Edessa"/>
+        <a:font script="Sora" typeface="Nirmala UI"/>
+        <a:font script="Tale" typeface="Microsoft Tai Le"/>
+        <a:font script="Talu" typeface="Microsoft New Tai Lue"/>
+        <a:font script="Tfng" typeface="Ebrima"/>
+      </a:majorFont>
+      <a:minorFont>
+        <a:latin typeface="맑은 고딕" panose="02110004020202020204"/>
+        <a:ea typeface=""/>
+        <a:cs typeface=""/>
+        <a:font script="Jpan" typeface="游ゴシック"/>
+        <a:font script="Hang" typeface="맑은 고딕"/>
+        <a:font script="Hans" typeface="等线"/>
+        <a:font script="Hant" typeface="新細明體"/>
+        <a:font script="Arab" typeface="Arial"/>
+        <a:font script="Hebr" typeface="Arial"/>
+        <a:font script="Thai" typeface="Cordia New"/>
+        <a:font script="Ethi" typeface="Nyala"/>
+        <a:font script="Beng" typeface="Vrinda"/>
+        <a:font script="Gujr" typeface="Shruti"/>
+        <a:font script="Khmr" typeface="DaunPenh"/>
+        <a:font script="Knda" typeface="Tunga"/>
+        <a:font script="Guru" typeface="Raavi"/>
+        <a:font script="Cans" typeface="Euphemia"/>
+        <a:font script="Cher" typeface="Plantagenet Cherokee"/>
+        <a:font script="Yiii" typeface="Microsoft Yi Baiti"/>
+        <a:font script="Tibt" typeface="Microsoft Himalaya"/>
+        <a:font script="Thaa" typeface="MV Boli"/>
+        <a:font script="Deva" typeface="Mangal"/>
+        <a:font script="Telu" typeface="Gautami"/>
+        <a:font script="Taml" typeface="Latha"/>
+        <a:font script="Syrc" typeface="Estrangelo Edessa"/>
+        <a:font script="Orya" typeface="Kalinga"/>
+        <a:font script="Mlym" typeface="Kartika"/>
+        <a:font script="Laoo" typeface="DokChampa"/>
+        <a:font script="Sinh" typeface="Iskoola Pota"/>
+        <a:font script="Mong" typeface="Mongolian Baiti"/>
+        <a:font script="Viet" typeface="Arial"/>
+        <a:font script="Uigh" typeface="Microsoft Uighur"/>
+        <a:font script="Geor" typeface="Sylfaen"/>
+        <a:font script="Armn" typeface="Arial"/>
+        <a:font script="Bugi" typeface="Leelawadee UI"/>
+        <a:font script="Bopo" typeface="Microsoft JhengHei"/>
+        <a:font script="Java" typeface="Javanese Text"/>
+        <a:font script="Lisu" typeface="Segoe UI"/>
+        <a:font script="Mymr" typeface="Myanmar Text"/>
+        <a:font script="Nkoo" typeface="Ebrima"/>
+        <a:font script="Olck" typeface="Nirmala UI"/>
+        <a:font script="Osma" typeface="Ebrima"/>
+        <a:font script="Phag" typeface="Phagspa"/>
+        <a:font script="Syrn" typeface="Estrangelo Edessa"/>
+        <a:font script="Syrj" typeface="Estrangelo Edessa"/>
+        <a:font script="Syre" typeface="Estrangelo Edessa"/>
+        <a:font script="Sora" typeface="Nirmala UI"/>
+        <a:font script="Tale" typeface="Microsoft Tai Le"/>
+        <a:font script="Talu" typeface="Microsoft New Tai Lue"/>
+        <a:font script="Tfng" typeface="Ebrima"/>
+      </a:minorFont>
+    </a:fontScheme>
+    <a:fmtScheme name="Office">
+      <a:fillStyleLst>
+        <a:solidFill>
+          <a:schemeClr val="phClr"/>
+        </a:solidFill>
+        <a:gradFill rotWithShape="1">
+          <a:gsLst>
+            <a:gs pos="0">
+              <a:schemeClr val="phClr">
+                <a:lumMod val="110000"/>
+                <a:satMod val="105000"/>
+                <a:tint val="67000"/>
+              </a:schemeClr>
+            </a:gs>
+            <a:gs pos="50000">
+              <a:schemeClr val="phClr">
+                <a:lumMod val="105000"/>
+                <a:satMod val="103000"/>
+                <a:tint val="73000"/>
+              </a:schemeClr>
+            </a:gs>
+            <a:gs pos="100000">
+              <a:schemeClr val="phClr">
+                <a:lumMod val="105000"/>
+                <a:satMod val="109000"/>
+                <a:tint val="81000"/>
+              </a:schemeClr>
+            </a:gs>
+          </a:gsLst>
+          <a:lin ang="5400000" scaled="0"/>
+        </a:gradFill>
+        <a:gradFill rotWithShape="1">
+          <a:gsLst>
+            <a:gs pos="0">
+              <a:schemeClr val="phClr">
+                <a:satMod val="103000"/>
+                <a:lumMod val="102000"/>
+                <a:tint val="94000"/>
+              </a:schemeClr>
+            </a:gs>
+            <a:gs pos="50000">
+              <a:schemeClr val="phClr">
+                <a:satMod val="110000"/>
+                <a:lumMod val="100000"/>
+                <a:shade val="100000"/>
+              </a:schemeClr>
+            </a:gs>
+            <a:gs pos="100000">
+              <a:schemeClr val="phClr">
+                <a:lumMod val="99000"/>
+                <a:satMod val="120000"/>
+                <a:shade val="78000"/>
+              </a:schemeClr>
+            </a:gs>
+          </a:gsLst>
+          <a:lin ang="5400000" scaled="0"/>
+        </a:gradFill>
+      </a:fillStyleLst>
+      <a:lnStyleLst>
+        <a:ln w="12700" cap="flat" cmpd="sng" algn="ctr">
+          <a:solidFill>
+            <a:schemeClr val="phClr"/>
+          </a:solidFill>
+          <a:prstDash val="solid"/>
+          <a:miter lim="800000"/>
+        </a:ln>
+        <a:ln w="19050" cap="flat" cmpd="sng" algn="ctr">
+          <a:solidFill>
+            <a:schemeClr val="phClr"/>
+          </a:solidFill>
+          <a:prstDash val="solid"/>
+          <a:miter lim="800000"/>
+        </a:ln>
+        <a:ln w="25400" cap="flat" cmpd="sng" algn="ctr">
+          <a:solidFill>
+            <a:schemeClr val="phClr"/>
+          </a:solidFill>
+          <a:prstDash val="solid"/>
+          <a:miter lim="800000"/>
+        </a:ln>
+      </a:lnStyleLst>
+      <a:effectStyleLst>
+        <a:effectStyle>
+          <a:effectLst/>
+        </a:effectStyle>
+        <a:effectStyle>
+          <a:effectLst/>
+        </a:effectStyle>
+        <a:effectStyle>
+          <a:effectLst>
+            <a:outerShdw blurRad="57150" dist="19050" dir="5400000" algn="ctr" rotWithShape="0">
+              <a:srgbClr val="000000">
+                <a:alpha val="63000"/>
+              </a:srgbClr>
+            </a:outerShdw>
+          </a:effectLst>
+        </a:effectStyle>
+      </a:effectStyleLst>
+      <a:bgFillStyleLst>
+        <a:solidFill>
+          <a:schemeClr val="phClr"/>
+        </a:solidFill>
+        <a:solidFill>
+          <a:schemeClr val="phClr">
+            <a:tint val="95000"/>
+            <a:satMod val="170000"/>
+          </a:schemeClr>
+        </a:solidFill>
+        <a:gradFill rotWithShape="1">
+          <a:gsLst>
+            <a:gs pos="0">
+              <a:schemeClr val="phClr">
+                <a:tint val="93000"/>
+                <a:satMod val="150000"/>
+                <a:shade val="98000"/>
+                <a:lumMod val="102000"/>
+              </a:schemeClr>
+            </a:gs>
+            <a:gs pos="50000">
+              <a:schemeClr val="phClr">
+                <a:tint val="98000"/>
+                <a:satMod val="130000"/>
+                <a:shade val="90000"/>
+                <a:lumMod val="103000"/>
+              </a:schemeClr>
+            </a:gs>
+            <a:gs pos="100000">
+              <a:schemeClr val="phClr">
+                <a:shade val="63000"/>
+                <a:satMod val="120000"/>
+              </a:schemeClr>
+            </a:gs>
+          </a:gsLst>
+          <a:lin ang="5400000" scaled="0"/>
+        </a:gradFill>
+      </a:bgFillStyleLst>
+    </a:fmtScheme>
+  </a:themeElements>
+  <a:objectDefaults>
+    <a:lnDef>
+      <a:spPr/>
+      <a:bodyPr/>
+      <a:lstStyle/>
+      <a:style>
+        <a:lnRef idx="2">
+          <a:schemeClr val="accent1"/>
+        </a:lnRef>
+        <a:fillRef idx="0">
+          <a:schemeClr val="accent1"/>
+        </a:fillRef>
+        <a:effectRef idx="1">
+          <a:schemeClr val="accent1"/>
+        </a:effectRef>
+        <a:fontRef idx="minor">
+          <a:schemeClr val="tx1"/>
+        </a:fontRef>
+      </a:style>
+    </a:lnDef>
+  </a:objectDefaults>
+  <a:extraClrSchemeLst/>
+  <a:extLst>
+    <a:ext uri="{05A4C25C-085E-4340-85A3-A5531E510DB2}">
+      <thm15:themeFamily xmlns:thm15="http://schemas.microsoft.com/office/thememl/2012/main" name="Office Theme" id="{2E142A2C-CD16-42D6-873A-C26D2A0506FA}" vid="{1BDDFF52-6CD6-40A5-AB3C-68EB2F1E4D0A}"/>
+    </a:ext>
+  </a:extLst>
+</a:theme>
 </file>
--- a/액션&경영 RPG/스킬/리트루기아_부채스킬기획.pptx
+++ b/액션&경영 RPG/스킬/리트루기아_부채스킬기획.pptx
@@ -210,7 +210,7 @@
           <a:p>
             <a:fld id="{0F111680-B34F-4A3E-9C77-46823E810D72}" type="datetimeFigureOut">
               <a:rPr lang="ko-KR" altLang="en-US" smtClean="0"/>
-              <a:t>2024-11-04</a:t>
+              <a:t>2024-11-05</a:t>
             </a:fld>
             <a:endParaRPr lang="ko-KR" altLang="en-US"/>
           </a:p>
@@ -708,7 +708,7 @@
           <a:p>
             <a:fld id="{F8ADF8F0-391E-4C28-B3EC-FA94B0B80675}" type="datetimeFigureOut">
               <a:rPr lang="ko-KR" altLang="en-US" smtClean="0"/>
-              <a:t>2024-11-04</a:t>
+              <a:t>2024-11-05</a:t>
             </a:fld>
             <a:endParaRPr lang="ko-KR" altLang="en-US"/>
           </a:p>
@@ -906,7 +906,7 @@
           <a:p>
             <a:fld id="{F8ADF8F0-391E-4C28-B3EC-FA94B0B80675}" type="datetimeFigureOut">
               <a:rPr lang="ko-KR" altLang="en-US" smtClean="0"/>
-              <a:t>2024-11-04</a:t>
+              <a:t>2024-11-05</a:t>
             </a:fld>
             <a:endParaRPr lang="ko-KR" altLang="en-US"/>
           </a:p>
@@ -1114,7 +1114,7 @@
           <a:p>
             <a:fld id="{F8ADF8F0-391E-4C28-B3EC-FA94B0B80675}" type="datetimeFigureOut">
               <a:rPr lang="ko-KR" altLang="en-US" smtClean="0"/>
-              <a:t>2024-11-04</a:t>
+              <a:t>2024-11-05</a:t>
             </a:fld>
             <a:endParaRPr lang="ko-KR" altLang="en-US"/>
           </a:p>
@@ -1312,7 +1312,7 @@
           <a:p>
             <a:fld id="{F8ADF8F0-391E-4C28-B3EC-FA94B0B80675}" type="datetimeFigureOut">
               <a:rPr lang="ko-KR" altLang="en-US" smtClean="0"/>
-              <a:t>2024-11-04</a:t>
+              <a:t>2024-11-05</a:t>
             </a:fld>
             <a:endParaRPr lang="ko-KR" altLang="en-US"/>
           </a:p>
@@ -1587,7 +1587,7 @@
           <a:p>
             <a:fld id="{F8ADF8F0-391E-4C28-B3EC-FA94B0B80675}" type="datetimeFigureOut">
               <a:rPr lang="ko-KR" altLang="en-US" smtClean="0"/>
-              <a:t>2024-11-04</a:t>
+              <a:t>2024-11-05</a:t>
             </a:fld>
             <a:endParaRPr lang="ko-KR" altLang="en-US"/>
           </a:p>
@@ -1852,7 +1852,7 @@
           <a:p>
             <a:fld id="{F8ADF8F0-391E-4C28-B3EC-FA94B0B80675}" type="datetimeFigureOut">
               <a:rPr lang="ko-KR" altLang="en-US" smtClean="0"/>
-              <a:t>2024-11-04</a:t>
+              <a:t>2024-11-05</a:t>
             </a:fld>
             <a:endParaRPr lang="ko-KR" altLang="en-US"/>
           </a:p>
@@ -2264,7 +2264,7 @@
           <a:p>
             <a:fld id="{F8ADF8F0-391E-4C28-B3EC-FA94B0B80675}" type="datetimeFigureOut">
               <a:rPr lang="ko-KR" altLang="en-US" smtClean="0"/>
-              <a:t>2024-11-04</a:t>
+              <a:t>2024-11-05</a:t>
             </a:fld>
             <a:endParaRPr lang="ko-KR" altLang="en-US"/>
           </a:p>
@@ -2405,7 +2405,7 @@
           <a:p>
             <a:fld id="{F8ADF8F0-391E-4C28-B3EC-FA94B0B80675}" type="datetimeFigureOut">
               <a:rPr lang="ko-KR" altLang="en-US" smtClean="0"/>
-              <a:t>2024-11-04</a:t>
+              <a:t>2024-11-05</a:t>
             </a:fld>
             <a:endParaRPr lang="ko-KR" altLang="en-US"/>
           </a:p>
@@ -2518,7 +2518,7 @@
           <a:p>
             <a:fld id="{F8ADF8F0-391E-4C28-B3EC-FA94B0B80675}" type="datetimeFigureOut">
               <a:rPr lang="ko-KR" altLang="en-US" smtClean="0"/>
-              <a:t>2024-11-04</a:t>
+              <a:t>2024-11-05</a:t>
             </a:fld>
             <a:endParaRPr lang="ko-KR" altLang="en-US"/>
           </a:p>
@@ -2829,7 +2829,7 @@
           <a:p>
             <a:fld id="{F8ADF8F0-391E-4C28-B3EC-FA94B0B80675}" type="datetimeFigureOut">
               <a:rPr lang="ko-KR" altLang="en-US" smtClean="0"/>
-              <a:t>2024-11-04</a:t>
+              <a:t>2024-11-05</a:t>
             </a:fld>
             <a:endParaRPr lang="ko-KR" altLang="en-US"/>
           </a:p>
@@ -3117,7 +3117,7 @@
           <a:p>
             <a:fld id="{F8ADF8F0-391E-4C28-B3EC-FA94B0B80675}" type="datetimeFigureOut">
               <a:rPr lang="ko-KR" altLang="en-US" smtClean="0"/>
-              <a:t>2024-11-04</a:t>
+              <a:t>2024-11-05</a:t>
             </a:fld>
             <a:endParaRPr lang="ko-KR" altLang="en-US"/>
           </a:p>
@@ -3358,7 +3358,7 @@
           <a:p>
             <a:fld id="{F8ADF8F0-391E-4C28-B3EC-FA94B0B80675}" type="datetimeFigureOut">
               <a:rPr lang="ko-KR" altLang="en-US" smtClean="0"/>
-              <a:t>2024-11-04</a:t>
+              <a:t>2024-11-05</a:t>
             </a:fld>
             <a:endParaRPr lang="ko-KR" altLang="en-US"/>
           </a:p>
@@ -3863,8 +3863,8 @@
           </p:nvSpPr>
           <p:spPr>
             <a:xfrm>
-              <a:off x="4593024" y="2105561"/>
-              <a:ext cx="3005951" cy="1323439"/>
+              <a:off x="4785384" y="2105561"/>
+              <a:ext cx="2621230" cy="1323439"/>
             </a:xfrm>
             <a:prstGeom prst="rect">
               <a:avLst/>
@@ -3879,13 +3879,19 @@
             <a:p>
               <a:pPr algn="ctr"/>
               <a:r>
-                <a:rPr lang="ko-KR" altLang="en-US" sz="4400" b="1" dirty="0" err="1">
+                <a:rPr lang="ko-KR" altLang="en-US" sz="4400" dirty="0" err="1">
                   <a:effectLst/>
+                  <a:latin typeface="Pretendard Variable Black" panose="02000003000000020004" pitchFamily="2" charset="-127"/>
+                  <a:ea typeface="Pretendard Variable Black" panose="02000003000000020004" pitchFamily="2" charset="-127"/>
+                  <a:cs typeface="Pretendard Variable Black" panose="02000003000000020004" pitchFamily="2" charset="-127"/>
                 </a:rPr>
                 <a:t>리트루기아</a:t>
               </a:r>
-              <a:endParaRPr lang="en-US" altLang="ko-KR" sz="4400" b="1" dirty="0">
+              <a:endParaRPr lang="en-US" altLang="ko-KR" sz="4400" dirty="0">
                 <a:effectLst/>
+                <a:latin typeface="Pretendard Variable Black" panose="02000003000000020004" pitchFamily="2" charset="-127"/>
+                <a:ea typeface="Pretendard Variable Black" panose="02000003000000020004" pitchFamily="2" charset="-127"/>
+                <a:cs typeface="Pretendard Variable Black" panose="02000003000000020004" pitchFamily="2" charset="-127"/>
               </a:endParaRPr>
             </a:p>
             <a:p>
@@ -3895,10 +3901,18 @@
             <a:p>
               <a:pPr algn="ctr"/>
               <a:r>
-                <a:rPr lang="ko-KR" altLang="en-US" sz="2400" b="1" dirty="0"/>
+                <a:rPr lang="ko-KR" altLang="en-US" sz="2400" b="1" dirty="0">
+                  <a:latin typeface="Pretendard Variable SemiBold" panose="02000003000000020004" pitchFamily="2" charset="-127"/>
+                  <a:ea typeface="Pretendard Variable SemiBold" panose="02000003000000020004" pitchFamily="2" charset="-127"/>
+                  <a:cs typeface="Pretendard Variable SemiBold" panose="02000003000000020004" pitchFamily="2" charset="-127"/>
+                </a:rPr>
                 <a:t>부채 스킬 기획서</a:t>
               </a:r>
-              <a:endParaRPr lang="en-US" altLang="ko-KR" sz="2400" b="1" dirty="0"/>
+              <a:endParaRPr lang="en-US" altLang="ko-KR" sz="2400" b="1" dirty="0">
+                <a:latin typeface="Pretendard Variable SemiBold" panose="02000003000000020004" pitchFamily="2" charset="-127"/>
+                <a:ea typeface="Pretendard Variable SemiBold" panose="02000003000000020004" pitchFamily="2" charset="-127"/>
+                <a:cs typeface="Pretendard Variable SemiBold" panose="02000003000000020004" pitchFamily="2" charset="-127"/>
+              </a:endParaRPr>
             </a:p>
           </p:txBody>
         </p:sp>
@@ -3962,8 +3976,8 @@
         </p:nvSpPr>
         <p:spPr>
           <a:xfrm>
-            <a:off x="10081011" y="5922814"/>
-            <a:ext cx="1364476" cy="307777"/>
+            <a:off x="10157955" y="5922814"/>
+            <a:ext cx="1210588" cy="307777"/>
           </a:xfrm>
           <a:prstGeom prst="rect">
             <a:avLst/>
@@ -3978,15 +3992,27 @@
           <a:p>
             <a:pPr algn="ctr"/>
             <a:r>
-              <a:rPr lang="ko-KR" altLang="en-US" sz="1400" b="1" dirty="0"/>
+              <a:rPr lang="ko-KR" altLang="en-US" sz="1400" b="1" dirty="0">
+                <a:latin typeface="Pretendard Variable SemiBold" panose="02000003000000020004" pitchFamily="2" charset="-127"/>
+                <a:ea typeface="Pretendard Variable SemiBold" panose="02000003000000020004" pitchFamily="2" charset="-127"/>
+                <a:cs typeface="Pretendard Variable SemiBold" panose="02000003000000020004" pitchFamily="2" charset="-127"/>
+              </a:rPr>
               <a:t>작성자</a:t>
             </a:r>
             <a:r>
-              <a:rPr lang="en-US" altLang="ko-KR" sz="1400" b="1" dirty="0"/>
+              <a:rPr lang="en-US" altLang="ko-KR" sz="1400" b="1" dirty="0">
+                <a:latin typeface="Pretendard Variable SemiBold" panose="02000003000000020004" pitchFamily="2" charset="-127"/>
+                <a:ea typeface="Pretendard Variable SemiBold" panose="02000003000000020004" pitchFamily="2" charset="-127"/>
+                <a:cs typeface="Pretendard Variable SemiBold" panose="02000003000000020004" pitchFamily="2" charset="-127"/>
+              </a:rPr>
               <a:t>: </a:t>
             </a:r>
             <a:r>
-              <a:rPr lang="ko-KR" altLang="en-US" sz="1400" b="1" dirty="0"/>
+              <a:rPr lang="ko-KR" altLang="en-US" sz="1400" b="1" dirty="0">
+                <a:latin typeface="Pretendard Variable SemiBold" panose="02000003000000020004" pitchFamily="2" charset="-127"/>
+                <a:ea typeface="Pretendard Variable SemiBold" panose="02000003000000020004" pitchFamily="2" charset="-127"/>
+                <a:cs typeface="Pretendard Variable SemiBold" panose="02000003000000020004" pitchFamily="2" charset="-127"/>
+              </a:rPr>
               <a:t>홍진선</a:t>
             </a:r>
           </a:p>
@@ -7657,15 +7683,6 @@
         <p:blipFill>
           <a:blip r:embed="rId4">
             <a:extLst>
-              <a:ext uri="{BEBA8EAE-BF5A-486C-A8C5-ECC9F3942E4B}">
-                <a14:imgProps xmlns:a14="http://schemas.microsoft.com/office/drawing/2010/main">
-                  <a14:imgLayer r:embed="rId5">
-                    <a14:imgEffect>
-                      <a14:artisticGlowEdges/>
-                    </a14:imgEffect>
-                  </a14:imgLayer>
-                </a14:imgProps>
-              </a:ext>
               <a:ext uri="{28A0092B-C50C-407E-A947-70E740481C1C}">
                 <a14:useLocalDpi xmlns:a14="http://schemas.microsoft.com/office/drawing/2010/main" val="0"/>
               </a:ext>
@@ -7706,7 +7723,7 @@
           <p:nvPr/>
         </p:nvPicPr>
         <p:blipFill rotWithShape="1">
-          <a:blip r:embed="rId6">
+          <a:blip r:embed="rId5">
             <a:extLst>
               <a:ext uri="{28A0092B-C50C-407E-A947-70E740481C1C}">
                 <a14:useLocalDpi xmlns:a14="http://schemas.microsoft.com/office/drawing/2010/main" val="0"/>
@@ -12159,7 +12176,7 @@
         <p:spPr>
           <a:xfrm>
             <a:off x="1280835" y="1593832"/>
-            <a:ext cx="1311578" cy="2462213"/>
+            <a:ext cx="1196161" cy="2462213"/>
           </a:xfrm>
           <a:prstGeom prst="rect">
             <a:avLst/>
@@ -12176,99 +12193,150 @@
               <a:buAutoNum type="arabicPeriod"/>
             </a:pPr>
             <a:r>
-              <a:rPr lang="ko-KR" altLang="en-US" sz="1400" b="1" dirty="0">
+              <a:rPr lang="ko-KR" altLang="en-US" sz="1400" dirty="0">
                 <a:effectLst/>
+                <a:latin typeface="Pretendard Variable Medium" panose="02000003000000020004" pitchFamily="2" charset="-127"/>
+                <a:ea typeface="Pretendard Variable Medium" panose="02000003000000020004" pitchFamily="2" charset="-127"/>
+                <a:cs typeface="Pretendard Variable Medium" panose="02000003000000020004" pitchFamily="2" charset="-127"/>
               </a:rPr>
               <a:t>개요</a:t>
             </a:r>
-            <a:endParaRPr lang="en-US" altLang="ko-KR" sz="1400" b="1" dirty="0">
+            <a:endParaRPr lang="en-US" altLang="ko-KR" sz="1400" dirty="0">
               <a:effectLst/>
+              <a:latin typeface="Pretendard Variable Medium" panose="02000003000000020004" pitchFamily="2" charset="-127"/>
+              <a:ea typeface="Pretendard Variable Medium" panose="02000003000000020004" pitchFamily="2" charset="-127"/>
+              <a:cs typeface="Pretendard Variable Medium" panose="02000003000000020004" pitchFamily="2" charset="-127"/>
             </a:endParaRPr>
           </a:p>
           <a:p>
             <a:pPr marL="342900" indent="-342900">
               <a:buAutoNum type="arabicPeriod"/>
             </a:pPr>
-            <a:endParaRPr lang="en-US" altLang="ko-KR" sz="1400" b="1" dirty="0"/>
+            <a:endParaRPr lang="en-US" altLang="ko-KR" sz="1400" dirty="0">
+              <a:latin typeface="Pretendard Variable Medium" panose="02000003000000020004" pitchFamily="2" charset="-127"/>
+              <a:ea typeface="Pretendard Variable Medium" panose="02000003000000020004" pitchFamily="2" charset="-127"/>
+              <a:cs typeface="Pretendard Variable Medium" panose="02000003000000020004" pitchFamily="2" charset="-127"/>
+            </a:endParaRPr>
           </a:p>
           <a:p>
             <a:pPr marL="342900" indent="-342900">
               <a:buAutoNum type="arabicPeriod"/>
             </a:pPr>
-            <a:endParaRPr lang="en-US" altLang="ko-KR" sz="1400" b="1" dirty="0"/>
+            <a:endParaRPr lang="en-US" altLang="ko-KR" sz="1400" dirty="0">
+              <a:latin typeface="Pretendard Variable Medium" panose="02000003000000020004" pitchFamily="2" charset="-127"/>
+              <a:ea typeface="Pretendard Variable Medium" panose="02000003000000020004" pitchFamily="2" charset="-127"/>
+              <a:cs typeface="Pretendard Variable Medium" panose="02000003000000020004" pitchFamily="2" charset="-127"/>
+            </a:endParaRPr>
           </a:p>
           <a:p>
             <a:pPr marL="342900" indent="-342900">
               <a:buAutoNum type="arabicPeriod"/>
             </a:pPr>
             <a:r>
-              <a:rPr lang="ko-KR" altLang="en-US" sz="1400" b="1" dirty="0">
+              <a:rPr lang="ko-KR" altLang="en-US" sz="1400" dirty="0">
                 <a:effectLst/>
+                <a:latin typeface="Pretendard Variable Medium" panose="02000003000000020004" pitchFamily="2" charset="-127"/>
+                <a:ea typeface="Pretendard Variable Medium" panose="02000003000000020004" pitchFamily="2" charset="-127"/>
+                <a:cs typeface="Pretendard Variable Medium" panose="02000003000000020004" pitchFamily="2" charset="-127"/>
               </a:rPr>
               <a:t>무기 소개</a:t>
             </a:r>
-            <a:endParaRPr lang="en-US" altLang="ko-KR" sz="1400" b="1" dirty="0">
+            <a:endParaRPr lang="en-US" altLang="ko-KR" sz="1400" dirty="0">
               <a:effectLst/>
+              <a:latin typeface="Pretendard Variable Medium" panose="02000003000000020004" pitchFamily="2" charset="-127"/>
+              <a:ea typeface="Pretendard Variable Medium" panose="02000003000000020004" pitchFamily="2" charset="-127"/>
+              <a:cs typeface="Pretendard Variable Medium" panose="02000003000000020004" pitchFamily="2" charset="-127"/>
             </a:endParaRPr>
           </a:p>
           <a:p>
             <a:pPr marL="342900" indent="-342900">
               <a:buAutoNum type="arabicPeriod"/>
             </a:pPr>
-            <a:endParaRPr lang="en-US" altLang="ko-KR" sz="1400" b="1" dirty="0"/>
+            <a:endParaRPr lang="en-US" altLang="ko-KR" sz="1400" dirty="0">
+              <a:latin typeface="Pretendard Variable Medium" panose="02000003000000020004" pitchFamily="2" charset="-127"/>
+              <a:ea typeface="Pretendard Variable Medium" panose="02000003000000020004" pitchFamily="2" charset="-127"/>
+              <a:cs typeface="Pretendard Variable Medium" panose="02000003000000020004" pitchFamily="2" charset="-127"/>
+            </a:endParaRPr>
           </a:p>
           <a:p>
             <a:pPr marL="342900" indent="-342900">
               <a:buAutoNum type="arabicPeriod"/>
             </a:pPr>
-            <a:endParaRPr lang="en-US" altLang="ko-KR" sz="1400" b="1" dirty="0"/>
+            <a:endParaRPr lang="en-US" altLang="ko-KR" sz="1400" dirty="0">
+              <a:latin typeface="Pretendard Variable Medium" panose="02000003000000020004" pitchFamily="2" charset="-127"/>
+              <a:ea typeface="Pretendard Variable Medium" panose="02000003000000020004" pitchFamily="2" charset="-127"/>
+              <a:cs typeface="Pretendard Variable Medium" panose="02000003000000020004" pitchFamily="2" charset="-127"/>
+            </a:endParaRPr>
           </a:p>
           <a:p>
             <a:pPr marL="342900" indent="-342900">
               <a:buAutoNum type="arabicPeriod"/>
             </a:pPr>
             <a:r>
-              <a:rPr lang="ko-KR" altLang="en-US" sz="1400" b="1" dirty="0">
+              <a:rPr lang="ko-KR" altLang="en-US" sz="1400" dirty="0">
                 <a:effectLst/>
+                <a:latin typeface="Pretendard Variable Medium" panose="02000003000000020004" pitchFamily="2" charset="-127"/>
+                <a:ea typeface="Pretendard Variable Medium" panose="02000003000000020004" pitchFamily="2" charset="-127"/>
+                <a:cs typeface="Pretendard Variable Medium" panose="02000003000000020004" pitchFamily="2" charset="-127"/>
               </a:rPr>
               <a:t>기본 모션</a:t>
             </a:r>
-            <a:endParaRPr lang="en-US" altLang="ko-KR" sz="1400" b="1" dirty="0">
+            <a:endParaRPr lang="en-US" altLang="ko-KR" sz="1400" dirty="0">
               <a:effectLst/>
+              <a:latin typeface="Pretendard Variable Medium" panose="02000003000000020004" pitchFamily="2" charset="-127"/>
+              <a:ea typeface="Pretendard Variable Medium" panose="02000003000000020004" pitchFamily="2" charset="-127"/>
+              <a:cs typeface="Pretendard Variable Medium" panose="02000003000000020004" pitchFamily="2" charset="-127"/>
             </a:endParaRPr>
           </a:p>
           <a:p>
             <a:pPr marL="342900" indent="-342900">
               <a:buAutoNum type="arabicPeriod"/>
             </a:pPr>
-            <a:endParaRPr lang="en-US" altLang="ko-KR" sz="1400" b="1" dirty="0"/>
+            <a:endParaRPr lang="en-US" altLang="ko-KR" sz="1400" dirty="0">
+              <a:latin typeface="Pretendard Variable Medium" panose="02000003000000020004" pitchFamily="2" charset="-127"/>
+              <a:ea typeface="Pretendard Variable Medium" panose="02000003000000020004" pitchFamily="2" charset="-127"/>
+              <a:cs typeface="Pretendard Variable Medium" panose="02000003000000020004" pitchFamily="2" charset="-127"/>
+            </a:endParaRPr>
           </a:p>
           <a:p>
             <a:pPr marL="342900" indent="-342900">
               <a:buAutoNum type="arabicPeriod"/>
             </a:pPr>
-            <a:endParaRPr lang="en-US" altLang="ko-KR" sz="1400" b="1" dirty="0"/>
+            <a:endParaRPr lang="en-US" altLang="ko-KR" sz="1400" dirty="0">
+              <a:latin typeface="Pretendard Variable Medium" panose="02000003000000020004" pitchFamily="2" charset="-127"/>
+              <a:ea typeface="Pretendard Variable Medium" panose="02000003000000020004" pitchFamily="2" charset="-127"/>
+              <a:cs typeface="Pretendard Variable Medium" panose="02000003000000020004" pitchFamily="2" charset="-127"/>
+            </a:endParaRPr>
           </a:p>
           <a:p>
             <a:pPr marL="342900" indent="-342900">
               <a:buAutoNum type="arabicPeriod"/>
             </a:pPr>
             <a:r>
-              <a:rPr lang="ko-KR" altLang="en-US" sz="1400" b="1" dirty="0">
+              <a:rPr lang="ko-KR" altLang="en-US" sz="1400" dirty="0">
                 <a:effectLst/>
+                <a:latin typeface="Pretendard Variable Medium" panose="02000003000000020004" pitchFamily="2" charset="-127"/>
+                <a:ea typeface="Pretendard Variable Medium" panose="02000003000000020004" pitchFamily="2" charset="-127"/>
+                <a:cs typeface="Pretendard Variable Medium" panose="02000003000000020004" pitchFamily="2" charset="-127"/>
               </a:rPr>
               <a:t>스킬</a:t>
             </a:r>
-            <a:endParaRPr lang="en-US" altLang="ko-KR" sz="1400" b="1" dirty="0">
+            <a:endParaRPr lang="en-US" altLang="ko-KR" sz="1400" dirty="0">
               <a:effectLst/>
+              <a:latin typeface="Pretendard Variable Medium" panose="02000003000000020004" pitchFamily="2" charset="-127"/>
+              <a:ea typeface="Pretendard Variable Medium" panose="02000003000000020004" pitchFamily="2" charset="-127"/>
+              <a:cs typeface="Pretendard Variable Medium" panose="02000003000000020004" pitchFamily="2" charset="-127"/>
             </a:endParaRPr>
           </a:p>
           <a:p>
             <a:pPr marL="342900" indent="-342900">
               <a:buAutoNum type="arabicPeriod"/>
             </a:pPr>
-            <a:endParaRPr lang="en-US" altLang="ko-KR" sz="1400" b="1" dirty="0">
+            <a:endParaRPr lang="en-US" altLang="ko-KR" sz="1400" dirty="0">
               <a:effectLst/>
+              <a:latin typeface="Pretendard Variable Medium" panose="02000003000000020004" pitchFamily="2" charset="-127"/>
+              <a:ea typeface="Pretendard Variable Medium" panose="02000003000000020004" pitchFamily="2" charset="-127"/>
+              <a:cs typeface="Pretendard Variable Medium" panose="02000003000000020004" pitchFamily="2" charset="-127"/>
             </a:endParaRPr>
           </a:p>
         </p:txBody>
@@ -12287,8 +12355,8 @@
         </p:nvSpPr>
         <p:spPr>
           <a:xfrm>
-            <a:off x="1341589" y="256223"/>
-            <a:ext cx="595035" cy="338554"/>
+            <a:off x="1368840" y="256223"/>
+            <a:ext cx="540533" cy="338554"/>
           </a:xfrm>
           <a:prstGeom prst="rect">
             <a:avLst/>
@@ -12303,13 +12371,19 @@
           <a:p>
             <a:pPr algn="ctr"/>
             <a:r>
-              <a:rPr lang="ko-KR" altLang="en-US" sz="1600" b="1" dirty="0">
+              <a:rPr lang="ko-KR" altLang="en-US" sz="1600" dirty="0">
                 <a:effectLst/>
+                <a:latin typeface="Pretendard Variable SemiBold" panose="02000003000000020004" pitchFamily="2" charset="-127"/>
+                <a:ea typeface="Pretendard Variable SemiBold" panose="02000003000000020004" pitchFamily="2" charset="-127"/>
+                <a:cs typeface="Pretendard Variable SemiBold" panose="02000003000000020004" pitchFamily="2" charset="-127"/>
               </a:rPr>
               <a:t>목차</a:t>
             </a:r>
-            <a:endParaRPr lang="en-US" altLang="ko-KR" sz="1600" b="1" dirty="0">
+            <a:endParaRPr lang="en-US" altLang="ko-KR" sz="1600" dirty="0">
               <a:effectLst/>
+              <a:latin typeface="Pretendard Variable SemiBold" panose="02000003000000020004" pitchFamily="2" charset="-127"/>
+              <a:ea typeface="Pretendard Variable SemiBold" panose="02000003000000020004" pitchFamily="2" charset="-127"/>
+              <a:cs typeface="Pretendard Variable SemiBold" panose="02000003000000020004" pitchFamily="2" charset="-127"/>
             </a:endParaRPr>
           </a:p>
         </p:txBody>
@@ -25985,6 +26059,14 @@
                 <a:avLst/>
               </a:prstGeom>
               <a:noFill/>
+              <a:effectLst>
+                <a:glow rad="101600">
+                  <a:schemeClr val="bg1">
+                    <a:lumMod val="85000"/>
+                    <a:alpha val="60000"/>
+                  </a:schemeClr>
+                </a:glow>
+              </a:effectLst>
               <a:extLst>
                 <a:ext uri="{909E8E84-426E-40DD-AFC4-6F175D3DCCD1}">
                   <a14:hiddenFill xmlns:a14="http://schemas.microsoft.com/office/drawing/2010/main">
@@ -26111,6 +26193,14 @@
                 <a:avLst/>
               </a:prstGeom>
               <a:noFill/>
+              <a:effectLst>
+                <a:glow rad="101600">
+                  <a:schemeClr val="bg1">
+                    <a:lumMod val="85000"/>
+                    <a:alpha val="60000"/>
+                  </a:schemeClr>
+                </a:glow>
+              </a:effectLst>
               <a:extLst>
                 <a:ext uri="{909E8E84-426E-40DD-AFC4-6F175D3DCCD1}">
                   <a14:hiddenFill xmlns:a14="http://schemas.microsoft.com/office/drawing/2010/main">
